--- a/StartIdea/StartIdea.Docs/Apresentacao.pptx
+++ b/StartIdea/StartIdea.Docs/Apresentacao.pptx
@@ -2,10 +2,10 @@
 <file path=ppt/presentation.xml><?xml version="1.0" encoding="utf-8"?>
 <p:presentation xmlns:a="http://schemas.openxmlformats.org/drawingml/2006/main" xmlns:r="http://schemas.openxmlformats.org/officeDocument/2006/relationships" xmlns:p="http://schemas.openxmlformats.org/presentationml/2006/main" removePersonalInfoOnSave="1" saveSubsetFonts="1">
   <p:sldMasterIdLst>
-    <p:sldMasterId id="2147483660" r:id="rId2"/>
+    <p:sldMasterId id="2147483738" r:id="rId2"/>
   </p:sldMasterIdLst>
   <p:notesMasterIdLst>
-    <p:notesMasterId r:id="rId21"/>
+    <p:notesMasterId r:id="rId25"/>
   </p:notesMasterIdLst>
   <p:sldIdLst>
     <p:sldId id="256" r:id="rId3"/>
@@ -24,8 +24,12 @@
     <p:sldId id="275" r:id="rId16"/>
     <p:sldId id="264" r:id="rId17"/>
     <p:sldId id="262" r:id="rId18"/>
-    <p:sldId id="263" r:id="rId19"/>
-    <p:sldId id="276" r:id="rId20"/>
+    <p:sldId id="279" r:id="rId19"/>
+    <p:sldId id="280" r:id="rId20"/>
+    <p:sldId id="281" r:id="rId21"/>
+    <p:sldId id="282" r:id="rId22"/>
+    <p:sldId id="263" r:id="rId23"/>
+    <p:sldId id="276" r:id="rId24"/>
   </p:sldIdLst>
   <p:sldSz cx="9144000" cy="6858000" type="screen4x3"/>
   <p:notesSz cx="6858000" cy="9144000"/>
@@ -33,7 +37,7 @@
     <a:defPPr>
       <a:defRPr lang="en-US"/>
     </a:defPPr>
-    <a:lvl1pPr marL="0" algn="l" defTabSz="914400" rtl="0" eaLnBrk="1" latinLnBrk="0" hangingPunct="1">
+    <a:lvl1pPr marL="0" algn="l" defTabSz="457200" rtl="0" eaLnBrk="1" latinLnBrk="0" hangingPunct="1">
       <a:defRPr sz="1800" kern="1200">
         <a:solidFill>
           <a:schemeClr val="tx1"/>
@@ -43,7 +47,7 @@
         <a:cs typeface="+mn-cs"/>
       </a:defRPr>
     </a:lvl1pPr>
-    <a:lvl2pPr marL="457200" algn="l" defTabSz="914400" rtl="0" eaLnBrk="1" latinLnBrk="0" hangingPunct="1">
+    <a:lvl2pPr marL="457200" algn="l" defTabSz="457200" rtl="0" eaLnBrk="1" latinLnBrk="0" hangingPunct="1">
       <a:defRPr sz="1800" kern="1200">
         <a:solidFill>
           <a:schemeClr val="tx1"/>
@@ -53,7 +57,7 @@
         <a:cs typeface="+mn-cs"/>
       </a:defRPr>
     </a:lvl2pPr>
-    <a:lvl3pPr marL="914400" algn="l" defTabSz="914400" rtl="0" eaLnBrk="1" latinLnBrk="0" hangingPunct="1">
+    <a:lvl3pPr marL="914400" algn="l" defTabSz="457200" rtl="0" eaLnBrk="1" latinLnBrk="0" hangingPunct="1">
       <a:defRPr sz="1800" kern="1200">
         <a:solidFill>
           <a:schemeClr val="tx1"/>
@@ -63,7 +67,7 @@
         <a:cs typeface="+mn-cs"/>
       </a:defRPr>
     </a:lvl3pPr>
-    <a:lvl4pPr marL="1371600" algn="l" defTabSz="914400" rtl="0" eaLnBrk="1" latinLnBrk="0" hangingPunct="1">
+    <a:lvl4pPr marL="1371600" algn="l" defTabSz="457200" rtl="0" eaLnBrk="1" latinLnBrk="0" hangingPunct="1">
       <a:defRPr sz="1800" kern="1200">
         <a:solidFill>
           <a:schemeClr val="tx1"/>
@@ -73,7 +77,7 @@
         <a:cs typeface="+mn-cs"/>
       </a:defRPr>
     </a:lvl4pPr>
-    <a:lvl5pPr marL="1828800" algn="l" defTabSz="914400" rtl="0" eaLnBrk="1" latinLnBrk="0" hangingPunct="1">
+    <a:lvl5pPr marL="1828800" algn="l" defTabSz="457200" rtl="0" eaLnBrk="1" latinLnBrk="0" hangingPunct="1">
       <a:defRPr sz="1800" kern="1200">
         <a:solidFill>
           <a:schemeClr val="tx1"/>
@@ -83,7 +87,7 @@
         <a:cs typeface="+mn-cs"/>
       </a:defRPr>
     </a:lvl5pPr>
-    <a:lvl6pPr marL="2286000" algn="l" defTabSz="914400" rtl="0" eaLnBrk="1" latinLnBrk="0" hangingPunct="1">
+    <a:lvl6pPr marL="2286000" algn="l" defTabSz="457200" rtl="0" eaLnBrk="1" latinLnBrk="0" hangingPunct="1">
       <a:defRPr sz="1800" kern="1200">
         <a:solidFill>
           <a:schemeClr val="tx1"/>
@@ -93,7 +97,7 @@
         <a:cs typeface="+mn-cs"/>
       </a:defRPr>
     </a:lvl6pPr>
-    <a:lvl7pPr marL="2743200" algn="l" defTabSz="914400" rtl="0" eaLnBrk="1" latinLnBrk="0" hangingPunct="1">
+    <a:lvl7pPr marL="2743200" algn="l" defTabSz="457200" rtl="0" eaLnBrk="1" latinLnBrk="0" hangingPunct="1">
       <a:defRPr sz="1800" kern="1200">
         <a:solidFill>
           <a:schemeClr val="tx1"/>
@@ -103,7 +107,7 @@
         <a:cs typeface="+mn-cs"/>
       </a:defRPr>
     </a:lvl7pPr>
-    <a:lvl8pPr marL="3200400" algn="l" defTabSz="914400" rtl="0" eaLnBrk="1" latinLnBrk="0" hangingPunct="1">
+    <a:lvl8pPr marL="3200400" algn="l" defTabSz="457200" rtl="0" eaLnBrk="1" latinLnBrk="0" hangingPunct="1">
       <a:defRPr sz="1800" kern="1200">
         <a:solidFill>
           <a:schemeClr val="tx1"/>
@@ -113,7 +117,7 @@
         <a:cs typeface="+mn-cs"/>
       </a:defRPr>
     </a:lvl8pPr>
-    <a:lvl9pPr marL="3657600" algn="l" defTabSz="914400" rtl="0" eaLnBrk="1" latinLnBrk="0" hangingPunct="1">
+    <a:lvl9pPr marL="3657600" algn="l" defTabSz="457200" rtl="0" eaLnBrk="1" latinLnBrk="0" hangingPunct="1">
       <a:defRPr sz="1800" kern="1200">
         <a:solidFill>
           <a:schemeClr val="tx1"/>
@@ -226,7 +230,7 @@
             <a:fld id="{E28287AA-0D99-42CE-A71B-10FA9908BBF8}" type="datetimeFigureOut">
               <a:rPr lang="pt-BR"/>
               <a:pPr/>
-              <a:t>12/08/2016</a:t>
+              <a:t>19/11/2016</a:t>
             </a:fld>
             <a:endParaRPr lang="pt-BR"/>
           </a:p>
@@ -760,6 +764,14 @@
 <file path=ppt/slideLayouts/slideLayout1.xml><?xml version="1.0" encoding="utf-8"?>
 <p:sldLayout xmlns:a="http://schemas.openxmlformats.org/drawingml/2006/main" xmlns:r="http://schemas.openxmlformats.org/officeDocument/2006/relationships" xmlns:p="http://schemas.openxmlformats.org/presentationml/2006/main" type="title" preserve="1">
   <p:cSld name="Slide de Título">
+    <p:bg>
+      <p:bgPr>
+        <a:solidFill>
+          <a:schemeClr val="accent1"/>
+        </a:solidFill>
+        <a:effectLst/>
+      </p:bgPr>
+    </p:bg>
     <p:spTree>
       <p:nvGrpSpPr>
         <p:cNvPr id="1" name=""/>
@@ -776,263 +788,155 @@
       </p:grpSpPr>
       <p:sp>
         <p:nvSpPr>
-          <p:cNvPr id="9" name="Subtitle 8"/>
-          <p:cNvSpPr>
-            <a:spLocks noGrp="1"/>
-          </p:cNvSpPr>
-          <p:nvPr>
-            <p:ph type="subTitle" idx="1"/>
-          </p:nvPr>
+          <p:cNvPr id="4" name="Rectangle 3"/>
+          <p:cNvSpPr/>
+          <p:nvPr/>
         </p:nvSpPr>
         <p:spPr>
           <a:xfrm>
-            <a:off x="457200" y="3699804"/>
-            <a:ext cx="8305800" cy="1143000"/>
+            <a:off x="0" y="0"/>
+            <a:ext cx="9144000" cy="6858000"/>
           </a:xfrm>
-        </p:spPr>
-        <p:txBody>
-          <a:bodyPr>
-            <a:noAutofit/>
-          </a:bodyPr>
-          <a:lstStyle>
-            <a:lvl1pPr marL="0" indent="0" algn="ctr" latinLnBrk="0">
-              <a:buNone/>
-              <a:defRPr lang="pt-BR" sz="2200" spc="100" baseline="0">
-                <a:solidFill>
-                  <a:schemeClr val="tx2"/>
-                </a:solidFill>
-              </a:defRPr>
-            </a:lvl1pPr>
-            <a:lvl2pPr marL="457200" indent="0" algn="ctr">
-              <a:buNone/>
-            </a:lvl2pPr>
-            <a:lvl3pPr marL="914400" indent="0" algn="ctr">
-              <a:buNone/>
-            </a:lvl3pPr>
-            <a:lvl4pPr marL="1371600" indent="0" algn="ctr">
-              <a:buNone/>
-            </a:lvl4pPr>
-            <a:lvl5pPr marL="1828800" indent="0" algn="ctr">
-              <a:buNone/>
-            </a:lvl5pPr>
-            <a:lvl6pPr marL="2286000" indent="0" algn="ctr">
-              <a:buNone/>
-            </a:lvl6pPr>
-            <a:lvl7pPr marL="2743200" indent="0" algn="ctr">
-              <a:buNone/>
-            </a:lvl7pPr>
-            <a:lvl8pPr marL="3200400" indent="0" algn="ctr">
-              <a:buNone/>
-            </a:lvl8pPr>
-            <a:lvl9pPr marL="3657600" indent="0" algn="ctr">
-              <a:buNone/>
-            </a:lvl9pPr>
-          </a:lstStyle>
-          <a:p>
-            <a:r>
-              <a:rPr lang="pt-BR" smtClean="0"/>
-              <a:t>Clique para editar o estilo do subtítulo mestre</a:t>
-            </a:r>
-            <a:endParaRPr lang="pt-BR"/>
-          </a:p>
-        </p:txBody>
-      </p:sp>
-      <p:sp>
-        <p:nvSpPr>
-          <p:cNvPr id="28" name="Title 27"/>
-          <p:cNvSpPr>
-            <a:spLocks noGrp="1"/>
-          </p:cNvSpPr>
-          <p:nvPr>
-            <p:ph type="ctrTitle"/>
-          </p:nvPr>
-        </p:nvSpPr>
-        <p:spPr>
-          <a:xfrm>
-            <a:off x="457200" y="1433732"/>
-            <a:ext cx="8305800" cy="1981200"/>
-          </a:xfrm>
-          <a:ln w="6350" cap="rnd">
+          <a:prstGeom prst="rect">
+            <a:avLst/>
+          </a:prstGeom>
+          <a:ln>
             <a:noFill/>
           </a:ln>
         </p:spPr>
-        <p:txBody>
-          <a:bodyPr anchor="b" anchorCtr="0">
-            <a:noAutofit/>
-          </a:bodyPr>
-          <a:lstStyle>
-            <a:lvl1pPr algn="ctr" latinLnBrk="0">
-              <a:defRPr lang="pt-BR" sz="4800" b="0">
-                <a:ln w="3200">
-                  <a:solidFill>
-                    <a:schemeClr val="bg2">
-                      <a:shade val="75000"/>
-                      <a:alpha val="25000"/>
-                    </a:schemeClr>
-                  </a:solidFill>
-                  <a:prstDash val="solid"/>
-                  <a:round/>
-                </a:ln>
-                <a:solidFill>
-                  <a:srgbClr val="F9F9F9"/>
-                </a:solidFill>
-                <a:effectLst>
-                  <a:innerShdw blurRad="50800" dist="25400" dir="13500000">
-                    <a:srgbClr val="000000">
-                      <a:alpha val="70000"/>
-                    </a:srgbClr>
-                  </a:innerShdw>
-                </a:effectLst>
-              </a:defRPr>
-            </a:lvl1pPr>
-          </a:lstStyle>
-          <a:p>
-            <a:r>
-              <a:rPr lang="pt-BR" smtClean="0"/>
-              <a:t>Clique para editar o título mestre</a:t>
-            </a:r>
-            <a:endParaRPr lang="pt-BR"/>
-          </a:p>
-        </p:txBody>
-      </p:sp>
-      <p:cxnSp>
-        <p:nvCxnSpPr>
-          <p:cNvPr id="8" name="Straight Connector 7"/>
-          <p:cNvCxnSpPr/>
-          <p:nvPr/>
-        </p:nvCxnSpPr>
-        <p:spPr>
-          <a:xfrm>
-            <a:off x="1463626" y="3550126"/>
-            <a:ext cx="2971800" cy="1588"/>
-          </a:xfrm>
-          <a:prstGeom prst="line">
-            <a:avLst/>
-          </a:prstGeom>
-          <a:ln w="9525" cap="flat" cmpd="sng" algn="ctr">
-            <a:solidFill>
-              <a:schemeClr val="bg2">
-                <a:tint val="20000"/>
-              </a:schemeClr>
-            </a:solidFill>
-            <a:prstDash val="solid"/>
-          </a:ln>
-          <a:effectLst>
-            <a:outerShdw blurRad="31750" dir="2700000" algn="tl" rotWithShape="0">
-              <a:srgbClr val="000000">
-                <a:alpha val="55000"/>
-              </a:srgbClr>
-            </a:outerShdw>
-          </a:effectLst>
-        </p:spPr>
         <p:style>
-          <a:lnRef idx="1">
-            <a:schemeClr val="accent1"/>
+          <a:lnRef idx="2">
+            <a:schemeClr val="accent1">
+              <a:shade val="50000"/>
+            </a:schemeClr>
           </a:lnRef>
-          <a:fillRef idx="0">
+          <a:fillRef idx="1">
             <a:schemeClr val="accent1"/>
           </a:fillRef>
           <a:effectRef idx="0">
             <a:schemeClr val="accent1"/>
           </a:effectRef>
           <a:fontRef idx="minor">
-            <a:schemeClr val="tx1"/>
-          </a:fontRef>
-        </p:style>
-      </p:cxnSp>
-      <p:cxnSp>
-        <p:nvCxnSpPr>
-          <p:cNvPr id="13" name="Straight Connector 12"/>
-          <p:cNvCxnSpPr/>
-          <p:nvPr/>
-        </p:nvCxnSpPr>
-        <p:spPr>
-          <a:xfrm>
-            <a:off x="4708574" y="3550126"/>
-            <a:ext cx="2971800" cy="1588"/>
-          </a:xfrm>
-          <a:prstGeom prst="line">
-            <a:avLst/>
-          </a:prstGeom>
-          <a:ln w="9525" cap="flat" cmpd="sng" algn="ctr">
-            <a:solidFill>
-              <a:schemeClr val="bg2">
-                <a:tint val="20000"/>
-              </a:schemeClr>
-            </a:solidFill>
-            <a:prstDash val="solid"/>
-          </a:ln>
-          <a:effectLst>
-            <a:outerShdw blurRad="31750" dir="2700000" algn="tl" rotWithShape="0">
-              <a:srgbClr val="000000">
-                <a:alpha val="55000"/>
-              </a:srgbClr>
-            </a:outerShdw>
-          </a:effectLst>
-        </p:spPr>
-        <p:style>
-          <a:lnRef idx="1">
-            <a:schemeClr val="accent1"/>
-          </a:lnRef>
-          <a:fillRef idx="0">
-            <a:schemeClr val="accent1"/>
-          </a:fillRef>
-          <a:effectRef idx="0">
-            <a:schemeClr val="accent1"/>
-          </a:effectRef>
-          <a:fontRef idx="minor">
-            <a:schemeClr val="tx1"/>
-          </a:fontRef>
-        </p:style>
-      </p:cxnSp>
-      <p:sp>
-        <p:nvSpPr>
-          <p:cNvPr id="14" name="Oval 13"/>
-          <p:cNvSpPr/>
-          <p:nvPr/>
-        </p:nvSpPr>
-        <p:spPr>
-          <a:xfrm>
-            <a:off x="4540348" y="3526302"/>
-            <a:ext cx="45720" cy="45720"/>
-          </a:xfrm>
-          <a:prstGeom prst="ellipse">
-            <a:avLst/>
-          </a:prstGeom>
-          <a:effectLst>
-            <a:outerShdw blurRad="31750" dir="2700000" algn="tl" rotWithShape="0">
-              <a:srgbClr val="000000">
-                <a:alpha val="55000"/>
-              </a:srgbClr>
-            </a:outerShdw>
-          </a:effectLst>
-        </p:spPr>
-        <p:style>
-          <a:lnRef idx="2">
-            <a:schemeClr val="accent2"/>
-          </a:lnRef>
-          <a:fillRef idx="1">
-            <a:schemeClr val="accent2"/>
-          </a:fillRef>
-          <a:effectRef idx="0">
-            <a:schemeClr val="accent2"/>
-          </a:effectRef>
-          <a:fontRef idx="minor">
             <a:schemeClr val="lt1"/>
           </a:fontRef>
         </p:style>
-        <p:txBody>
-          <a:bodyPr rtlCol="0" anchor="ctr"/>
-          <a:lstStyle/>
-          <a:p>
-            <a:pPr algn="ctr"/>
-            <a:endParaRPr lang="pt-BR"/>
-          </a:p>
-        </p:txBody>
-      </p:sp>
-      <p:sp>
-        <p:nvSpPr>
-          <p:cNvPr id="15" name="Date Placeholder 14"/>
+      </p:sp>
+      <p:sp>
+        <p:nvSpPr>
+          <p:cNvPr id="2" name="Title 1"/>
+          <p:cNvSpPr>
+            <a:spLocks noGrp="1"/>
+          </p:cNvSpPr>
+          <p:nvPr>
+            <p:ph type="ctrTitle"/>
+          </p:nvPr>
+        </p:nvSpPr>
+        <p:spPr>
+          <a:xfrm>
+            <a:off x="452628" y="770467"/>
+            <a:ext cx="8086725" cy="3352800"/>
+          </a:xfrm>
+        </p:spPr>
+        <p:txBody>
+          <a:bodyPr anchor="b">
+            <a:noAutofit/>
+          </a:bodyPr>
+          <a:lstStyle>
+            <a:lvl1pPr algn="l">
+              <a:lnSpc>
+                <a:spcPct val="80000"/>
+              </a:lnSpc>
+              <a:defRPr sz="8000" spc="-120" baseline="0">
+                <a:solidFill>
+                  <a:srgbClr val="FFFFFF"/>
+                </a:solidFill>
+              </a:defRPr>
+            </a:lvl1pPr>
+          </a:lstStyle>
+          <a:p>
+            <a:r>
+              <a:rPr lang="pt-BR"/>
+              <a:t>Clique para editar o título mestre</a:t>
+            </a:r>
+            <a:endParaRPr lang="en-US" dirty="0"/>
+          </a:p>
+        </p:txBody>
+      </p:sp>
+      <p:sp>
+        <p:nvSpPr>
+          <p:cNvPr id="3" name="Subtitle 2"/>
+          <p:cNvSpPr>
+            <a:spLocks noGrp="1"/>
+          </p:cNvSpPr>
+          <p:nvPr>
+            <p:ph type="subTitle" idx="1"/>
+          </p:nvPr>
+        </p:nvSpPr>
+        <p:spPr>
+          <a:xfrm>
+            <a:off x="500634" y="4198409"/>
+            <a:ext cx="6921151" cy="1645920"/>
+          </a:xfrm>
+        </p:spPr>
+        <p:txBody>
+          <a:bodyPr>
+            <a:normAutofit/>
+          </a:bodyPr>
+          <a:lstStyle>
+            <a:lvl1pPr marL="0" indent="0" algn="l">
+              <a:buNone/>
+              <a:defRPr sz="2800">
+                <a:solidFill>
+                  <a:schemeClr val="bg1"/>
+                </a:solidFill>
+                <a:latin typeface="+mj-lt"/>
+              </a:defRPr>
+            </a:lvl1pPr>
+            <a:lvl2pPr marL="457200" indent="0" algn="ctr">
+              <a:buNone/>
+              <a:defRPr sz="2800"/>
+            </a:lvl2pPr>
+            <a:lvl3pPr marL="914400" indent="0" algn="ctr">
+              <a:buNone/>
+              <a:defRPr sz="2400"/>
+            </a:lvl3pPr>
+            <a:lvl4pPr marL="1371600" indent="0" algn="ctr">
+              <a:buNone/>
+              <a:defRPr sz="2000"/>
+            </a:lvl4pPr>
+            <a:lvl5pPr marL="1828800" indent="0" algn="ctr">
+              <a:buNone/>
+              <a:defRPr sz="2000"/>
+            </a:lvl5pPr>
+            <a:lvl6pPr marL="2286000" indent="0" algn="ctr">
+              <a:buNone/>
+              <a:defRPr sz="2000"/>
+            </a:lvl6pPr>
+            <a:lvl7pPr marL="2743200" indent="0" algn="ctr">
+              <a:buNone/>
+              <a:defRPr sz="2000"/>
+            </a:lvl7pPr>
+            <a:lvl8pPr marL="3200400" indent="0" algn="ctr">
+              <a:buNone/>
+              <a:defRPr sz="2000"/>
+            </a:lvl8pPr>
+            <a:lvl9pPr marL="3657600" indent="0" algn="ctr">
+              <a:buNone/>
+              <a:defRPr sz="2000"/>
+            </a:lvl9pPr>
+          </a:lstStyle>
+          <a:p>
+            <a:r>
+              <a:rPr lang="pt-BR"/>
+              <a:t>Clique para editar o estilo do subtítulo Mestre</a:t>
+            </a:r>
+            <a:endParaRPr lang="en-US" dirty="0"/>
+          </a:p>
+        </p:txBody>
+      </p:sp>
+      <p:sp>
+        <p:nvSpPr>
+          <p:cNvPr id="7" name="Date Placeholder 6"/>
           <p:cNvSpPr>
             <a:spLocks noGrp="1"/>
           </p:cNvSpPr>
@@ -1043,12 +947,22 @@
         <p:spPr/>
         <p:txBody>
           <a:bodyPr/>
-          <a:lstStyle/>
+          <a:lstStyle>
+            <a:lvl1pPr>
+              <a:defRPr>
+                <a:solidFill>
+                  <a:srgbClr val="FFFFFF">
+                    <a:alpha val="75000"/>
+                  </a:srgbClr>
+                </a:solidFill>
+              </a:defRPr>
+            </a:lvl1pPr>
+          </a:lstStyle>
           <a:p>
             <a:fld id="{DCFA480D-CB17-4C49-BB2A-C7514E1C7CEA}" type="datetimeFigureOut">
-              <a:rPr lang="pt-BR"/>
+              <a:rPr lang="pt-BR" smtClean="0"/>
               <a:pPr/>
-              <a:t>12/08/2016</a:t>
+              <a:t>19/11/2016</a:t>
             </a:fld>
             <a:endParaRPr lang="pt-BR"/>
           </a:p>
@@ -1056,22 +970,61 @@
       </p:sp>
       <p:sp>
         <p:nvSpPr>
-          <p:cNvPr id="16" name="Slide Number Placeholder 15"/>
-          <p:cNvSpPr>
-            <a:spLocks noGrp="1"/>
-          </p:cNvSpPr>
-          <p:nvPr>
-            <p:ph type="sldNum" sz="quarter" idx="11"/>
+          <p:cNvPr id="8" name="Footer Placeholder 7"/>
+          <p:cNvSpPr>
+            <a:spLocks noGrp="1"/>
+          </p:cNvSpPr>
+          <p:nvPr>
+            <p:ph type="ftr" sz="quarter" idx="11"/>
           </p:nvPr>
         </p:nvSpPr>
         <p:spPr/>
         <p:txBody>
           <a:bodyPr/>
-          <a:lstStyle/>
+          <a:lstStyle>
+            <a:lvl1pPr>
+              <a:defRPr>
+                <a:solidFill>
+                  <a:srgbClr val="FFFFFF">
+                    <a:alpha val="75000"/>
+                  </a:srgbClr>
+                </a:solidFill>
+              </a:defRPr>
+            </a:lvl1pPr>
+          </a:lstStyle>
+          <a:p>
+            <a:endParaRPr lang="pt-BR"/>
+          </a:p>
+        </p:txBody>
+      </p:sp>
+      <p:sp>
+        <p:nvSpPr>
+          <p:cNvPr id="9" name="Slide Number Placeholder 8"/>
+          <p:cNvSpPr>
+            <a:spLocks noGrp="1"/>
+          </p:cNvSpPr>
+          <p:nvPr>
+            <p:ph type="sldNum" sz="quarter" idx="12"/>
+          </p:nvPr>
+        </p:nvSpPr>
+        <p:spPr/>
+        <p:txBody>
+          <a:bodyPr/>
+          <a:lstStyle>
+            <a:lvl1pPr>
+              <a:defRPr>
+                <a:solidFill>
+                  <a:srgbClr val="FFFFFF">
+                    <a:alpha val="20000"/>
+                  </a:srgbClr>
+                </a:solidFill>
+              </a:defRPr>
+            </a:lvl1pPr>
+          </a:lstStyle>
           <a:p>
             <a:pPr algn="ctr"/>
             <a:fld id="{CEAB1635-7AB6-4A02-8F63-2344453D2D84}" type="slidenum">
-              <a:rPr/>
+              <a:rPr lang="pt-BR" smtClean="0"/>
               <a:pPr algn="ctr"/>
               <a:t>‹nº›</a:t>
             </a:fld>
@@ -1079,26 +1032,12 @@
           </a:p>
         </p:txBody>
       </p:sp>
-      <p:sp>
-        <p:nvSpPr>
-          <p:cNvPr id="17" name="Footer Placeholder 16"/>
-          <p:cNvSpPr>
-            <a:spLocks noGrp="1"/>
-          </p:cNvSpPr>
-          <p:nvPr>
-            <p:ph type="ftr" sz="quarter" idx="12"/>
-          </p:nvPr>
-        </p:nvSpPr>
-        <p:spPr/>
-        <p:txBody>
-          <a:bodyPr/>
-          <a:lstStyle/>
-          <a:p>
-            <a:endParaRPr lang="pt-BR"/>
-          </a:p>
-        </p:txBody>
-      </p:sp>
     </p:spTree>
+    <p:extLst>
+      <p:ext uri="{BB962C8B-B14F-4D97-AF65-F5344CB8AC3E}">
+        <p14:creationId xmlns:p14="http://schemas.microsoft.com/office/powerpoint/2010/main" val="313317529"/>
+      </p:ext>
+    </p:extLst>
   </p:cSld>
   <p:clrMapOvr>
     <a:masterClrMapping/>
@@ -1108,7 +1047,7 @@
 
 <file path=ppt/slideLayouts/slideLayout10.xml><?xml version="1.0" encoding="utf-8"?>
 <p:sldLayout xmlns:a="http://schemas.openxmlformats.org/drawingml/2006/main" xmlns:r="http://schemas.openxmlformats.org/officeDocument/2006/relationships" xmlns:p="http://schemas.openxmlformats.org/presentationml/2006/main" type="vertTx" preserve="1">
-  <p:cSld name="Título e Texto">
+  <p:cSld name="Título e Texto Vertical">
     <p:spTree>
       <p:nvGrpSpPr>
         <p:cNvPr id="1" name=""/>
@@ -1139,133 +1078,152 @@
           <a:lstStyle/>
           <a:p>
             <a:r>
+              <a:rPr lang="pt-BR"/>
+              <a:t>Clique para editar o título mestre</a:t>
+            </a:r>
+            <a:endParaRPr lang="en-US" dirty="0"/>
+          </a:p>
+        </p:txBody>
+      </p:sp>
+      <p:sp>
+        <p:nvSpPr>
+          <p:cNvPr id="3" name="Vertical Text Placeholder 2"/>
+          <p:cNvSpPr>
+            <a:spLocks noGrp="1"/>
+          </p:cNvSpPr>
+          <p:nvPr>
+            <p:ph type="body" orient="vert" idx="1"/>
+          </p:nvPr>
+        </p:nvSpPr>
+        <p:spPr/>
+        <p:txBody>
+          <a:bodyPr vert="eaVert"/>
+          <a:lstStyle/>
+          <a:p>
+            <a:pPr lvl="0"/>
+            <a:r>
+              <a:rPr lang="pt-BR"/>
+              <a:t>Editar estilos de texto Mestre</a:t>
+            </a:r>
+          </a:p>
+          <a:p>
+            <a:pPr lvl="1"/>
+            <a:r>
+              <a:rPr lang="pt-BR"/>
+              <a:t>Segundo nível</a:t>
+            </a:r>
+          </a:p>
+          <a:p>
+            <a:pPr lvl="2"/>
+            <a:r>
+              <a:rPr lang="pt-BR"/>
+              <a:t>Terceiro nível</a:t>
+            </a:r>
+          </a:p>
+          <a:p>
+            <a:pPr lvl="3"/>
+            <a:r>
+              <a:rPr lang="pt-BR"/>
+              <a:t>Quarto nível</a:t>
+            </a:r>
+          </a:p>
+          <a:p>
+            <a:pPr lvl="4"/>
+            <a:r>
+              <a:rPr lang="pt-BR"/>
+              <a:t>Quinto nível</a:t>
+            </a:r>
+            <a:endParaRPr lang="en-US" dirty="0"/>
+          </a:p>
+        </p:txBody>
+      </p:sp>
+      <p:sp>
+        <p:nvSpPr>
+          <p:cNvPr id="4" name="Date Placeholder 3"/>
+          <p:cNvSpPr>
+            <a:spLocks noGrp="1"/>
+          </p:cNvSpPr>
+          <p:nvPr>
+            <p:ph type="dt" sz="half" idx="10"/>
+          </p:nvPr>
+        </p:nvSpPr>
+        <p:spPr/>
+        <p:txBody>
+          <a:bodyPr/>
+          <a:lstStyle/>
+          <a:p>
+            <a:fld id="{DCFA480D-CB17-4C49-BB2A-C7514E1C7CEA}" type="datetimeFigureOut">
               <a:rPr lang="pt-BR" smtClean="0"/>
-              <a:t>Clique para editar o título mestre</a:t>
-            </a:r>
-            <a:endParaRPr lang="pt-BR"/>
-          </a:p>
-        </p:txBody>
-      </p:sp>
-      <p:sp>
-        <p:nvSpPr>
-          <p:cNvPr id="3" name="Vertical Text Placeholder 2"/>
-          <p:cNvSpPr>
-            <a:spLocks noGrp="1"/>
-          </p:cNvSpPr>
-          <p:nvPr>
-            <p:ph type="body" orient="vert" idx="1"/>
-          </p:nvPr>
-        </p:nvSpPr>
-        <p:spPr/>
-        <p:txBody>
-          <a:bodyPr vert="eaVert"/>
-          <a:lstStyle/>
-          <a:p>
-            <a:pPr lvl="0"/>
-            <a:r>
+              <a:pPr/>
+              <a:t>19/11/2016</a:t>
+            </a:fld>
+            <a:endParaRPr lang="pt-BR" sz="1200">
+              <a:solidFill>
+                <a:schemeClr val="tx2"/>
+              </a:solidFill>
+            </a:endParaRPr>
+          </a:p>
+        </p:txBody>
+      </p:sp>
+      <p:sp>
+        <p:nvSpPr>
+          <p:cNvPr id="5" name="Footer Placeholder 4"/>
+          <p:cNvSpPr>
+            <a:spLocks noGrp="1"/>
+          </p:cNvSpPr>
+          <p:nvPr>
+            <p:ph type="ftr" sz="quarter" idx="11"/>
+          </p:nvPr>
+        </p:nvSpPr>
+        <p:spPr/>
+        <p:txBody>
+          <a:bodyPr/>
+          <a:lstStyle/>
+          <a:p>
+            <a:pPr algn="r"/>
+            <a:endParaRPr lang="pt-BR" sz="1200">
+              <a:solidFill>
+                <a:schemeClr val="tx2"/>
+              </a:solidFill>
+            </a:endParaRPr>
+          </a:p>
+        </p:txBody>
+      </p:sp>
+      <p:sp>
+        <p:nvSpPr>
+          <p:cNvPr id="6" name="Slide Number Placeholder 5"/>
+          <p:cNvSpPr>
+            <a:spLocks noGrp="1"/>
+          </p:cNvSpPr>
+          <p:nvPr>
+            <p:ph type="sldNum" sz="quarter" idx="12"/>
+          </p:nvPr>
+        </p:nvSpPr>
+        <p:spPr/>
+        <p:txBody>
+          <a:bodyPr/>
+          <a:lstStyle/>
+          <a:p>
+            <a:pPr algn="ctr"/>
+            <a:fld id="{CEAB1635-7AB6-4A02-8F63-2344453D2D84}" type="slidenum">
               <a:rPr lang="pt-BR" smtClean="0"/>
-              <a:t>Clique para editar o texto mestre</a:t>
-            </a:r>
-          </a:p>
-          <a:p>
-            <a:pPr lvl="1"/>
-            <a:r>
-              <a:rPr lang="pt-BR" smtClean="0"/>
-              <a:t>Segundo nível</a:t>
-            </a:r>
-          </a:p>
-          <a:p>
-            <a:pPr lvl="2"/>
-            <a:r>
-              <a:rPr lang="pt-BR" smtClean="0"/>
-              <a:t>Terceiro nível</a:t>
-            </a:r>
-          </a:p>
-          <a:p>
-            <a:pPr lvl="3"/>
-            <a:r>
-              <a:rPr lang="pt-BR" smtClean="0"/>
-              <a:t>Quarto nível</a:t>
-            </a:r>
-          </a:p>
-          <a:p>
-            <a:pPr lvl="4"/>
-            <a:r>
-              <a:rPr lang="pt-BR" smtClean="0"/>
-              <a:t>Quinto nível</a:t>
-            </a:r>
-            <a:endParaRPr lang="pt-BR"/>
-          </a:p>
-        </p:txBody>
-      </p:sp>
-      <p:sp>
-        <p:nvSpPr>
-          <p:cNvPr id="4" name="Date Placeholder 3"/>
-          <p:cNvSpPr>
-            <a:spLocks noGrp="1"/>
-          </p:cNvSpPr>
-          <p:nvPr>
-            <p:ph type="dt" sz="half" idx="10"/>
-          </p:nvPr>
-        </p:nvSpPr>
-        <p:spPr/>
-        <p:txBody>
-          <a:bodyPr/>
-          <a:lstStyle/>
-          <a:p>
-            <a:fld id="{DCFA480D-CB17-4C49-BB2A-C7514E1C7CEA}" type="datetimeFigureOut">
-              <a:rPr lang="pt-BR"/>
-              <a:pPr/>
-              <a:t>12/08/2016</a:t>
-            </a:fld>
-            <a:endParaRPr lang="pt-BR"/>
-          </a:p>
-        </p:txBody>
-      </p:sp>
-      <p:sp>
-        <p:nvSpPr>
-          <p:cNvPr id="5" name="Footer Placeholder 4"/>
-          <p:cNvSpPr>
-            <a:spLocks noGrp="1"/>
-          </p:cNvSpPr>
-          <p:nvPr>
-            <p:ph type="ftr" sz="quarter" idx="11"/>
-          </p:nvPr>
-        </p:nvSpPr>
-        <p:spPr/>
-        <p:txBody>
-          <a:bodyPr/>
-          <a:lstStyle/>
-          <a:p>
-            <a:endParaRPr lang="pt-BR"/>
-          </a:p>
-        </p:txBody>
-      </p:sp>
-      <p:sp>
-        <p:nvSpPr>
-          <p:cNvPr id="6" name="Slide Number Placeholder 5"/>
-          <p:cNvSpPr>
-            <a:spLocks noGrp="1"/>
-          </p:cNvSpPr>
-          <p:nvPr>
-            <p:ph type="sldNum" sz="quarter" idx="12"/>
-          </p:nvPr>
-        </p:nvSpPr>
-        <p:spPr/>
-        <p:txBody>
-          <a:bodyPr/>
-          <a:lstStyle/>
-          <a:p>
-            <a:fld id="{CEAB1635-7AB6-4A02-8F63-2344453D2D84}" type="slidenum">
-              <a:rPr/>
-              <a:pPr/>
+              <a:pPr algn="ctr"/>
               <a:t>‹nº›</a:t>
             </a:fld>
-            <a:endParaRPr lang="pt-BR"/>
+            <a:endParaRPr lang="pt-BR" sz="1600" baseline="0">
+              <a:solidFill>
+                <a:schemeClr val="tx2"/>
+              </a:solidFill>
+            </a:endParaRPr>
           </a:p>
         </p:txBody>
       </p:sp>
     </p:spTree>
+    <p:extLst>
+      <p:ext uri="{BB962C8B-B14F-4D97-AF65-F5344CB8AC3E}">
+        <p14:creationId xmlns:p14="http://schemas.microsoft.com/office/powerpoint/2010/main" val="280136255"/>
+      </p:ext>
+    </p:extLst>
   </p:cSld>
   <p:clrMapOvr>
     <a:masterClrMapping/>
@@ -1275,7 +1233,7 @@
 
 <file path=ppt/slideLayouts/slideLayout11.xml><?xml version="1.0" encoding="utf-8"?>
 <p:sldLayout xmlns:a="http://schemas.openxmlformats.org/drawingml/2006/main" xmlns:r="http://schemas.openxmlformats.org/officeDocument/2006/relationships" xmlns:p="http://schemas.openxmlformats.org/presentationml/2006/main" type="vertTitleAndTx" preserve="1">
-  <p:cSld name="Título e Texto">
+  <p:cSld name="Texto e Título Vertical">
     <p:spTree>
       <p:nvGrpSpPr>
         <p:cNvPr id="1" name=""/>
@@ -1302,8 +1260,8 @@
         </p:nvSpPr>
         <p:spPr>
           <a:xfrm>
-            <a:off x="6629400" y="274638"/>
-            <a:ext cx="2057400" cy="5851525"/>
+            <a:off x="6557963" y="695325"/>
+            <a:ext cx="1971675" cy="4800600"/>
           </a:xfrm>
         </p:spPr>
         <p:txBody>
@@ -1311,10 +1269,10 @@
           <a:lstStyle/>
           <a:p>
             <a:r>
-              <a:rPr lang="pt-BR" smtClean="0"/>
+              <a:rPr lang="pt-BR"/>
               <a:t>Clique para editar o título mestre</a:t>
             </a:r>
-            <a:endParaRPr lang="pt-BR"/>
+            <a:endParaRPr lang="en-US" dirty="0"/>
           </a:p>
         </p:txBody>
       </p:sp>
@@ -1330,8 +1288,8 @@
         </p:nvSpPr>
         <p:spPr>
           <a:xfrm>
-            <a:off x="457200" y="274638"/>
-            <a:ext cx="6019800" cy="5851525"/>
+            <a:off x="578644" y="714376"/>
+            <a:ext cx="5800725" cy="5400675"/>
           </a:xfrm>
         </p:spPr>
         <p:txBody>
@@ -1340,109 +1298,128 @@
           <a:p>
             <a:pPr lvl="0"/>
             <a:r>
+              <a:rPr lang="pt-BR"/>
+              <a:t>Editar estilos de texto Mestre</a:t>
+            </a:r>
+          </a:p>
+          <a:p>
+            <a:pPr lvl="1"/>
+            <a:r>
+              <a:rPr lang="pt-BR"/>
+              <a:t>Segundo nível</a:t>
+            </a:r>
+          </a:p>
+          <a:p>
+            <a:pPr lvl="2"/>
+            <a:r>
+              <a:rPr lang="pt-BR"/>
+              <a:t>Terceiro nível</a:t>
+            </a:r>
+          </a:p>
+          <a:p>
+            <a:pPr lvl="3"/>
+            <a:r>
+              <a:rPr lang="pt-BR"/>
+              <a:t>Quarto nível</a:t>
+            </a:r>
+          </a:p>
+          <a:p>
+            <a:pPr lvl="4"/>
+            <a:r>
+              <a:rPr lang="pt-BR"/>
+              <a:t>Quinto nível</a:t>
+            </a:r>
+            <a:endParaRPr lang="en-US" dirty="0"/>
+          </a:p>
+        </p:txBody>
+      </p:sp>
+      <p:sp>
+        <p:nvSpPr>
+          <p:cNvPr id="4" name="Date Placeholder 3"/>
+          <p:cNvSpPr>
+            <a:spLocks noGrp="1"/>
+          </p:cNvSpPr>
+          <p:nvPr>
+            <p:ph type="dt" sz="half" idx="10"/>
+          </p:nvPr>
+        </p:nvSpPr>
+        <p:spPr/>
+        <p:txBody>
+          <a:bodyPr/>
+          <a:lstStyle/>
+          <a:p>
+            <a:fld id="{DCFA480D-CB17-4C49-BB2A-C7514E1C7CEA}" type="datetimeFigureOut">
               <a:rPr lang="pt-BR" smtClean="0"/>
-              <a:t>Clique para editar o texto mestre</a:t>
-            </a:r>
-          </a:p>
-          <a:p>
-            <a:pPr lvl="1"/>
-            <a:r>
+              <a:pPr/>
+              <a:t>19/11/2016</a:t>
+            </a:fld>
+            <a:endParaRPr lang="pt-BR" sz="1200">
+              <a:solidFill>
+                <a:schemeClr val="tx2"/>
+              </a:solidFill>
+            </a:endParaRPr>
+          </a:p>
+        </p:txBody>
+      </p:sp>
+      <p:sp>
+        <p:nvSpPr>
+          <p:cNvPr id="5" name="Footer Placeholder 4"/>
+          <p:cNvSpPr>
+            <a:spLocks noGrp="1"/>
+          </p:cNvSpPr>
+          <p:nvPr>
+            <p:ph type="ftr" sz="quarter" idx="11"/>
+          </p:nvPr>
+        </p:nvSpPr>
+        <p:spPr/>
+        <p:txBody>
+          <a:bodyPr/>
+          <a:lstStyle/>
+          <a:p>
+            <a:pPr algn="r"/>
+            <a:endParaRPr lang="pt-BR" sz="1200">
+              <a:solidFill>
+                <a:schemeClr val="tx2"/>
+              </a:solidFill>
+            </a:endParaRPr>
+          </a:p>
+        </p:txBody>
+      </p:sp>
+      <p:sp>
+        <p:nvSpPr>
+          <p:cNvPr id="6" name="Slide Number Placeholder 5"/>
+          <p:cNvSpPr>
+            <a:spLocks noGrp="1"/>
+          </p:cNvSpPr>
+          <p:nvPr>
+            <p:ph type="sldNum" sz="quarter" idx="12"/>
+          </p:nvPr>
+        </p:nvSpPr>
+        <p:spPr/>
+        <p:txBody>
+          <a:bodyPr/>
+          <a:lstStyle/>
+          <a:p>
+            <a:pPr algn="ctr"/>
+            <a:fld id="{CEAB1635-7AB6-4A02-8F63-2344453D2D84}" type="slidenum">
               <a:rPr lang="pt-BR" smtClean="0"/>
-              <a:t>Segundo nível</a:t>
-            </a:r>
-          </a:p>
-          <a:p>
-            <a:pPr lvl="2"/>
-            <a:r>
-              <a:rPr lang="pt-BR" smtClean="0"/>
-              <a:t>Terceiro nível</a:t>
-            </a:r>
-          </a:p>
-          <a:p>
-            <a:pPr lvl="3"/>
-            <a:r>
-              <a:rPr lang="pt-BR" smtClean="0"/>
-              <a:t>Quarto nível</a:t>
-            </a:r>
-          </a:p>
-          <a:p>
-            <a:pPr lvl="4"/>
-            <a:r>
-              <a:rPr lang="pt-BR" smtClean="0"/>
-              <a:t>Quinto nível</a:t>
-            </a:r>
-            <a:endParaRPr lang="pt-BR"/>
-          </a:p>
-        </p:txBody>
-      </p:sp>
-      <p:sp>
-        <p:nvSpPr>
-          <p:cNvPr id="4" name="Date Placeholder 3"/>
-          <p:cNvSpPr>
-            <a:spLocks noGrp="1"/>
-          </p:cNvSpPr>
-          <p:nvPr>
-            <p:ph type="dt" sz="half" idx="10"/>
-          </p:nvPr>
-        </p:nvSpPr>
-        <p:spPr/>
-        <p:txBody>
-          <a:bodyPr/>
-          <a:lstStyle/>
-          <a:p>
-            <a:fld id="{DCFA480D-CB17-4C49-BB2A-C7514E1C7CEA}" type="datetimeFigureOut">
-              <a:rPr lang="pt-BR"/>
-              <a:pPr/>
-              <a:t>12/08/2016</a:t>
-            </a:fld>
-            <a:endParaRPr lang="pt-BR"/>
-          </a:p>
-        </p:txBody>
-      </p:sp>
-      <p:sp>
-        <p:nvSpPr>
-          <p:cNvPr id="5" name="Footer Placeholder 4"/>
-          <p:cNvSpPr>
-            <a:spLocks noGrp="1"/>
-          </p:cNvSpPr>
-          <p:nvPr>
-            <p:ph type="ftr" sz="quarter" idx="11"/>
-          </p:nvPr>
-        </p:nvSpPr>
-        <p:spPr/>
-        <p:txBody>
-          <a:bodyPr/>
-          <a:lstStyle/>
-          <a:p>
-            <a:endParaRPr lang="pt-BR"/>
-          </a:p>
-        </p:txBody>
-      </p:sp>
-      <p:sp>
-        <p:nvSpPr>
-          <p:cNvPr id="6" name="Slide Number Placeholder 5"/>
-          <p:cNvSpPr>
-            <a:spLocks noGrp="1"/>
-          </p:cNvSpPr>
-          <p:nvPr>
-            <p:ph type="sldNum" sz="quarter" idx="12"/>
-          </p:nvPr>
-        </p:nvSpPr>
-        <p:spPr/>
-        <p:txBody>
-          <a:bodyPr/>
-          <a:lstStyle/>
-          <a:p>
-            <a:fld id="{CEAB1635-7AB6-4A02-8F63-2344453D2D84}" type="slidenum">
-              <a:rPr/>
-              <a:pPr/>
+              <a:pPr algn="ctr"/>
               <a:t>‹nº›</a:t>
             </a:fld>
-            <a:endParaRPr lang="pt-BR"/>
+            <a:endParaRPr lang="pt-BR" sz="1600" baseline="0">
+              <a:solidFill>
+                <a:schemeClr val="tx2"/>
+              </a:solidFill>
+            </a:endParaRPr>
           </a:p>
         </p:txBody>
       </p:sp>
     </p:spTree>
+    <p:extLst>
+      <p:ext uri="{BB962C8B-B14F-4D97-AF65-F5344CB8AC3E}">
+        <p14:creationId xmlns:p14="http://schemas.microsoft.com/office/powerpoint/2010/main" val="1450647744"/>
+      </p:ext>
+    </p:extLst>
   </p:cSld>
   <p:clrMapOvr>
     <a:masterClrMapping/>
@@ -1469,7 +1446,30 @@
       </p:grpSpPr>
       <p:sp>
         <p:nvSpPr>
-          <p:cNvPr id="9" name="Content Placeholder 8"/>
+          <p:cNvPr id="2" name="Title 1"/>
+          <p:cNvSpPr>
+            <a:spLocks noGrp="1"/>
+          </p:cNvSpPr>
+          <p:nvPr>
+            <p:ph type="title"/>
+          </p:nvPr>
+        </p:nvSpPr>
+        <p:spPr/>
+        <p:txBody>
+          <a:bodyPr/>
+          <a:lstStyle/>
+          <a:p>
+            <a:r>
+              <a:rPr lang="pt-BR"/>
+              <a:t>Clique para editar o título mestre</a:t>
+            </a:r>
+            <a:endParaRPr lang="en-US" dirty="0"/>
+          </a:p>
+        </p:txBody>
+      </p:sp>
+      <p:sp>
+        <p:nvSpPr>
+          <p:cNvPr id="3" name="Content Placeholder 2"/>
           <p:cNvSpPr>
             <a:spLocks noGrp="1"/>
           </p:cNvSpPr>
@@ -1477,72 +1477,67 @@
             <p:ph idx="1"/>
           </p:nvPr>
         </p:nvSpPr>
-        <p:spPr>
-          <a:xfrm>
-            <a:off x="457200" y="1524000"/>
-            <a:ext cx="8229600" cy="4572000"/>
-          </a:xfrm>
-        </p:spPr>
+        <p:spPr/>
         <p:txBody>
           <a:bodyPr/>
           <a:lstStyle/>
           <a:p>
             <a:pPr lvl="0"/>
             <a:r>
+              <a:rPr lang="pt-BR"/>
+              <a:t>Editar estilos de texto Mestre</a:t>
+            </a:r>
+          </a:p>
+          <a:p>
+            <a:pPr lvl="1"/>
+            <a:r>
+              <a:rPr lang="pt-BR"/>
+              <a:t>Segundo nível</a:t>
+            </a:r>
+          </a:p>
+          <a:p>
+            <a:pPr lvl="2"/>
+            <a:r>
+              <a:rPr lang="pt-BR"/>
+              <a:t>Terceiro nível</a:t>
+            </a:r>
+          </a:p>
+          <a:p>
+            <a:pPr lvl="3"/>
+            <a:r>
+              <a:rPr lang="pt-BR"/>
+              <a:t>Quarto nível</a:t>
+            </a:r>
+          </a:p>
+          <a:p>
+            <a:pPr lvl="4"/>
+            <a:r>
+              <a:rPr lang="pt-BR"/>
+              <a:t>Quinto nível</a:t>
+            </a:r>
+            <a:endParaRPr lang="en-US" dirty="0"/>
+          </a:p>
+        </p:txBody>
+      </p:sp>
+      <p:sp>
+        <p:nvSpPr>
+          <p:cNvPr id="4" name="Date Placeholder 3"/>
+          <p:cNvSpPr>
+            <a:spLocks noGrp="1"/>
+          </p:cNvSpPr>
+          <p:nvPr>
+            <p:ph type="dt" sz="half" idx="10"/>
+          </p:nvPr>
+        </p:nvSpPr>
+        <p:spPr/>
+        <p:txBody>
+          <a:bodyPr/>
+          <a:lstStyle/>
+          <a:p>
+            <a:fld id="{DCFA480D-CB17-4C49-BB2A-C7514E1C7CEA}" type="datetimeFigureOut">
               <a:rPr lang="pt-BR" smtClean="0"/>
-              <a:t>Clique para editar o texto mestre</a:t>
-            </a:r>
-          </a:p>
-          <a:p>
-            <a:pPr lvl="1"/>
-            <a:r>
-              <a:rPr lang="pt-BR" smtClean="0"/>
-              <a:t>Segundo nível</a:t>
-            </a:r>
-          </a:p>
-          <a:p>
-            <a:pPr lvl="2"/>
-            <a:r>
-              <a:rPr lang="pt-BR" smtClean="0"/>
-              <a:t>Terceiro nível</a:t>
-            </a:r>
-          </a:p>
-          <a:p>
-            <a:pPr lvl="3"/>
-            <a:r>
-              <a:rPr lang="pt-BR" smtClean="0"/>
-              <a:t>Quarto nível</a:t>
-            </a:r>
-          </a:p>
-          <a:p>
-            <a:pPr lvl="4"/>
-            <a:r>
-              <a:rPr lang="pt-BR" smtClean="0"/>
-              <a:t>Quinto nível</a:t>
-            </a:r>
-            <a:endParaRPr lang="pt-BR"/>
-          </a:p>
-        </p:txBody>
-      </p:sp>
-      <p:sp>
-        <p:nvSpPr>
-          <p:cNvPr id="14" name="Date Placeholder 13"/>
-          <p:cNvSpPr>
-            <a:spLocks noGrp="1"/>
-          </p:cNvSpPr>
-          <p:nvPr>
-            <p:ph type="dt" sz="half" idx="14"/>
-          </p:nvPr>
-        </p:nvSpPr>
-        <p:spPr/>
-        <p:txBody>
-          <a:bodyPr/>
-          <a:lstStyle/>
-          <a:p>
-            <a:fld id="{DCFA480D-CB17-4C49-BB2A-C7514E1C7CEA}" type="datetimeFigureOut">
-              <a:rPr lang="pt-BR"/>
               <a:pPr/>
-              <a:t>12/08/2016</a:t>
+              <a:t>19/11/2016</a:t>
             </a:fld>
             <a:endParaRPr lang="pt-BR"/>
           </a:p>
@@ -1550,26 +1545,41 @@
       </p:sp>
       <p:sp>
         <p:nvSpPr>
-          <p:cNvPr id="15" name="Slide Number Placeholder 14"/>
-          <p:cNvSpPr>
-            <a:spLocks noGrp="1"/>
-          </p:cNvSpPr>
-          <p:nvPr>
-            <p:ph type="sldNum" sz="quarter" idx="15"/>
+          <p:cNvPr id="5" name="Footer Placeholder 4"/>
+          <p:cNvSpPr>
+            <a:spLocks noGrp="1"/>
+          </p:cNvSpPr>
+          <p:nvPr>
+            <p:ph type="ftr" sz="quarter" idx="11"/>
           </p:nvPr>
         </p:nvSpPr>
         <p:spPr/>
         <p:txBody>
           <a:bodyPr/>
-          <a:lstStyle>
-            <a:lvl1pPr algn="ctr" latinLnBrk="0">
-              <a:defRPr lang="pt-BR"/>
-            </a:lvl1pPr>
-          </a:lstStyle>
+          <a:lstStyle/>
+          <a:p>
+            <a:endParaRPr lang="pt-BR"/>
+          </a:p>
+        </p:txBody>
+      </p:sp>
+      <p:sp>
+        <p:nvSpPr>
+          <p:cNvPr id="6" name="Slide Number Placeholder 5"/>
+          <p:cNvSpPr>
+            <a:spLocks noGrp="1"/>
+          </p:cNvSpPr>
+          <p:nvPr>
+            <p:ph type="sldNum" sz="quarter" idx="12"/>
+          </p:nvPr>
+        </p:nvSpPr>
+        <p:spPr/>
+        <p:txBody>
+          <a:bodyPr/>
+          <a:lstStyle/>
           <a:p>
             <a:pPr algn="ctr"/>
             <a:fld id="{CEAB1635-7AB6-4A02-8F63-2344453D2D84}" type="slidenum">
-              <a:rPr/>
+              <a:rPr lang="pt-BR" smtClean="0"/>
               <a:pPr algn="ctr"/>
               <a:t>‹nº›</a:t>
             </a:fld>
@@ -1577,49 +1587,12 @@
           </a:p>
         </p:txBody>
       </p:sp>
-      <p:sp>
-        <p:nvSpPr>
-          <p:cNvPr id="16" name="Footer Placeholder 15"/>
-          <p:cNvSpPr>
-            <a:spLocks noGrp="1"/>
-          </p:cNvSpPr>
-          <p:nvPr>
-            <p:ph type="ftr" sz="quarter" idx="16"/>
-          </p:nvPr>
-        </p:nvSpPr>
-        <p:spPr/>
-        <p:txBody>
-          <a:bodyPr/>
-          <a:lstStyle/>
-          <a:p>
-            <a:endParaRPr lang="pt-BR"/>
-          </a:p>
-        </p:txBody>
-      </p:sp>
-      <p:sp>
-        <p:nvSpPr>
-          <p:cNvPr id="17" name="Title 16"/>
-          <p:cNvSpPr>
-            <a:spLocks noGrp="1"/>
-          </p:cNvSpPr>
-          <p:nvPr>
-            <p:ph type="title"/>
-          </p:nvPr>
-        </p:nvSpPr>
-        <p:spPr/>
-        <p:txBody>
-          <a:bodyPr rtlCol="0" anchor="b" anchorCtr="0"/>
-          <a:lstStyle/>
-          <a:p>
-            <a:r>
-              <a:rPr lang="pt-BR" smtClean="0"/>
-              <a:t>Clique para editar o título mestre</a:t>
-            </a:r>
-            <a:endParaRPr lang="pt-BR"/>
-          </a:p>
-        </p:txBody>
-      </p:sp>
     </p:spTree>
+    <p:extLst>
+      <p:ext uri="{BB962C8B-B14F-4D97-AF65-F5344CB8AC3E}">
+        <p14:creationId xmlns:p14="http://schemas.microsoft.com/office/powerpoint/2010/main" val="1410833864"/>
+      </p:ext>
+    </p:extLst>
   </p:cSld>
   <p:clrMapOvr>
     <a:masterClrMapping/>
@@ -1630,11 +1603,6 @@
 <file path=ppt/slideLayouts/slideLayout3.xml><?xml version="1.0" encoding="utf-8"?>
 <p:sldLayout xmlns:a="http://schemas.openxmlformats.org/drawingml/2006/main" xmlns:r="http://schemas.openxmlformats.org/officeDocument/2006/relationships" xmlns:p="http://schemas.openxmlformats.org/presentationml/2006/main" type="secHead" preserve="1">
   <p:cSld name="Cabeçalho da Seção">
-    <p:bg>
-      <p:bgRef idx="1003">
-        <a:schemeClr val="bg2"/>
-      </p:bgRef>
-    </p:bg>
     <p:spTree>
       <p:nvGrpSpPr>
         <p:cNvPr id="1" name=""/>
@@ -1651,73 +1619,6 @@
       </p:grpSpPr>
       <p:sp>
         <p:nvSpPr>
-          <p:cNvPr id="4" name="Date Placeholder 3"/>
-          <p:cNvSpPr>
-            <a:spLocks noGrp="1"/>
-          </p:cNvSpPr>
-          <p:nvPr>
-            <p:ph type="dt" sz="half" idx="10"/>
-          </p:nvPr>
-        </p:nvSpPr>
-        <p:spPr/>
-        <p:txBody>
-          <a:bodyPr/>
-          <a:lstStyle/>
-          <a:p>
-            <a:fld id="{DCFA480D-CB17-4C49-BB2A-C7514E1C7CEA}" type="datetimeFigureOut">
-              <a:rPr lang="pt-BR"/>
-              <a:pPr/>
-              <a:t>12/08/2016</a:t>
-            </a:fld>
-            <a:endParaRPr lang="pt-BR"/>
-          </a:p>
-        </p:txBody>
-      </p:sp>
-      <p:sp>
-        <p:nvSpPr>
-          <p:cNvPr id="5" name="Footer Placeholder 4"/>
-          <p:cNvSpPr>
-            <a:spLocks noGrp="1"/>
-          </p:cNvSpPr>
-          <p:nvPr>
-            <p:ph type="ftr" sz="quarter" idx="11"/>
-          </p:nvPr>
-        </p:nvSpPr>
-        <p:spPr/>
-        <p:txBody>
-          <a:bodyPr/>
-          <a:lstStyle/>
-          <a:p>
-            <a:endParaRPr lang="pt-BR"/>
-          </a:p>
-        </p:txBody>
-      </p:sp>
-      <p:sp>
-        <p:nvSpPr>
-          <p:cNvPr id="6" name="Slide Number Placeholder 5"/>
-          <p:cNvSpPr>
-            <a:spLocks noGrp="1"/>
-          </p:cNvSpPr>
-          <p:nvPr>
-            <p:ph type="sldNum" sz="quarter" idx="12"/>
-          </p:nvPr>
-        </p:nvSpPr>
-        <p:spPr/>
-        <p:txBody>
-          <a:bodyPr/>
-          <a:lstStyle/>
-          <a:p>
-            <a:fld id="{CEAB1635-7AB6-4A02-8F63-2344453D2D84}" type="slidenum">
-              <a:rPr/>
-              <a:pPr/>
-              <a:t>‹nº›</a:t>
-            </a:fld>
-            <a:endParaRPr lang="pt-BR"/>
-          </a:p>
-        </p:txBody>
-      </p:sp>
-      <p:sp>
-        <p:nvSpPr>
           <p:cNvPr id="2" name="Title 1"/>
           <p:cNvSpPr>
             <a:spLocks noGrp="1"/>
@@ -1728,50 +1629,32 @@
         </p:nvSpPr>
         <p:spPr>
           <a:xfrm>
-            <a:off x="685800" y="3505200"/>
-            <a:ext cx="7924800" cy="1371600"/>
+            <a:off x="452628" y="767419"/>
+            <a:ext cx="8085582" cy="3355848"/>
           </a:xfrm>
         </p:spPr>
         <p:txBody>
-          <a:bodyPr>
-            <a:noAutofit/>
+          <a:bodyPr anchor="b">
+            <a:normAutofit/>
           </a:bodyPr>
           <a:lstStyle>
-            <a:lvl1pPr algn="l" rtl="0" latinLnBrk="0">
-              <a:spcBef>
-                <a:spcPct val="0"/>
-              </a:spcBef>
-              <a:buNone/>
-              <a:defRPr lang="pt-BR" sz="4800" b="0">
-                <a:ln w="3200">
-                  <a:solidFill>
-                    <a:schemeClr val="bg2">
-                      <a:shade val="25000"/>
-                      <a:alpha val="25000"/>
-                    </a:schemeClr>
-                  </a:solidFill>
-                  <a:prstDash val="solid"/>
-                  <a:round/>
-                </a:ln>
+            <a:lvl1pPr>
+              <a:lnSpc>
+                <a:spcPct val="80000"/>
+              </a:lnSpc>
+              <a:defRPr sz="8000" b="0" baseline="0">
                 <a:solidFill>
-                  <a:srgbClr val="F9F9F9"/>
+                  <a:schemeClr val="accent1"/>
                 </a:solidFill>
-                <a:effectLst>
-                  <a:innerShdw blurRad="38100" dist="25400" dir="13500000">
-                    <a:prstClr val="black">
-                      <a:alpha val="70000"/>
-                    </a:prstClr>
-                  </a:innerShdw>
-                </a:effectLst>
               </a:defRPr>
             </a:lvl1pPr>
           </a:lstStyle>
           <a:p>
             <a:r>
-              <a:rPr lang="pt-BR" smtClean="0"/>
+              <a:rPr lang="pt-BR"/>
               <a:t>Clique para editar o título mestre</a:t>
             </a:r>
-            <a:endParaRPr lang="pt-BR"/>
+            <a:endParaRPr lang="en-US" dirty="0"/>
           </a:p>
         </p:txBody>
       </p:sp>
@@ -1787,24 +1670,27 @@
         </p:nvSpPr>
         <p:spPr>
           <a:xfrm>
-            <a:off x="685800" y="4958864"/>
-            <a:ext cx="7924800" cy="984736"/>
+            <a:off x="500634" y="4187275"/>
+            <a:ext cx="6919722" cy="1645920"/>
           </a:xfrm>
         </p:spPr>
         <p:txBody>
-          <a:bodyPr anchor="t"/>
+          <a:bodyPr anchor="t">
+            <a:normAutofit/>
+          </a:bodyPr>
           <a:lstStyle>
-            <a:lvl1pPr latinLnBrk="0">
+            <a:lvl1pPr marL="0" indent="0">
               <a:buNone/>
-              <a:defRPr lang="pt-BR" sz="2000" spc="100" baseline="0">
+              <a:defRPr sz="2800">
                 <a:solidFill>
-                  <a:schemeClr val="tx2"/>
+                  <a:schemeClr val="tx1"/>
                 </a:solidFill>
+                <a:latin typeface="+mj-lt"/>
               </a:defRPr>
             </a:lvl1pPr>
-            <a:lvl2pPr>
+            <a:lvl2pPr marL="457200" indent="0">
               <a:buNone/>
-              <a:defRPr lang="pt-BR" sz="1800">
+              <a:defRPr sz="1800">
                 <a:solidFill>
                   <a:schemeClr val="tx1">
                     <a:tint val="75000"/>
@@ -1812,9 +1698,9 @@
                 </a:solidFill>
               </a:defRPr>
             </a:lvl2pPr>
-            <a:lvl3pPr>
+            <a:lvl3pPr marL="914400" indent="0">
               <a:buNone/>
-              <a:defRPr lang="pt-BR" sz="1600">
+              <a:defRPr sz="1600">
                 <a:solidFill>
                   <a:schemeClr val="tx1">
                     <a:tint val="75000"/>
@@ -1822,9 +1708,9 @@
                 </a:solidFill>
               </a:defRPr>
             </a:lvl3pPr>
-            <a:lvl4pPr>
+            <a:lvl4pPr marL="1371600" indent="0">
               <a:buNone/>
-              <a:defRPr lang="pt-BR" sz="1400">
+              <a:defRPr sz="1400">
                 <a:solidFill>
                   <a:schemeClr val="tx1">
                     <a:tint val="75000"/>
@@ -1832,9 +1718,9 @@
                 </a:solidFill>
               </a:defRPr>
             </a:lvl4pPr>
-            <a:lvl5pPr>
+            <a:lvl5pPr marL="1828800" indent="0">
               <a:buNone/>
-              <a:defRPr lang="pt-BR" sz="1400">
+              <a:defRPr sz="1400">
                 <a:solidFill>
                   <a:schemeClr val="tx1">
                     <a:tint val="75000"/>
@@ -1842,64 +1728,132 @@
                 </a:solidFill>
               </a:defRPr>
             </a:lvl5pPr>
+            <a:lvl6pPr marL="2286000" indent="0">
+              <a:buNone/>
+              <a:defRPr sz="1400">
+                <a:solidFill>
+                  <a:schemeClr val="tx1">
+                    <a:tint val="75000"/>
+                  </a:schemeClr>
+                </a:solidFill>
+              </a:defRPr>
+            </a:lvl6pPr>
+            <a:lvl7pPr marL="2743200" indent="0">
+              <a:buNone/>
+              <a:defRPr sz="1400">
+                <a:solidFill>
+                  <a:schemeClr val="tx1">
+                    <a:tint val="75000"/>
+                  </a:schemeClr>
+                </a:solidFill>
+              </a:defRPr>
+            </a:lvl7pPr>
+            <a:lvl8pPr marL="3200400" indent="0">
+              <a:buNone/>
+              <a:defRPr sz="1400">
+                <a:solidFill>
+                  <a:schemeClr val="tx1">
+                    <a:tint val="75000"/>
+                  </a:schemeClr>
+                </a:solidFill>
+              </a:defRPr>
+            </a:lvl8pPr>
+            <a:lvl9pPr marL="3657600" indent="0">
+              <a:buNone/>
+              <a:defRPr sz="1400">
+                <a:solidFill>
+                  <a:schemeClr val="tx1">
+                    <a:tint val="75000"/>
+                  </a:schemeClr>
+                </a:solidFill>
+              </a:defRPr>
+            </a:lvl9pPr>
           </a:lstStyle>
           <a:p>
             <a:pPr lvl="0"/>
             <a:r>
+              <a:rPr lang="pt-BR"/>
+              <a:t>Editar estilos de texto Mestre</a:t>
+            </a:r>
+          </a:p>
+        </p:txBody>
+      </p:sp>
+      <p:sp>
+        <p:nvSpPr>
+          <p:cNvPr id="4" name="Date Placeholder 3"/>
+          <p:cNvSpPr>
+            <a:spLocks noGrp="1"/>
+          </p:cNvSpPr>
+          <p:nvPr>
+            <p:ph type="dt" sz="half" idx="10"/>
+          </p:nvPr>
+        </p:nvSpPr>
+        <p:spPr/>
+        <p:txBody>
+          <a:bodyPr/>
+          <a:lstStyle/>
+          <a:p>
+            <a:fld id="{DCFA480D-CB17-4C49-BB2A-C7514E1C7CEA}" type="datetimeFigureOut">
               <a:rPr lang="pt-BR" smtClean="0"/>
-              <a:t>Clique para editar o texto mestre</a:t>
-            </a:r>
-          </a:p>
-        </p:txBody>
-      </p:sp>
-      <p:cxnSp>
-        <p:nvCxnSpPr>
-          <p:cNvPr id="7" name="Straight Connector 6"/>
-          <p:cNvCxnSpPr/>
-          <p:nvPr/>
-        </p:nvCxnSpPr>
-        <p:spPr>
-          <a:xfrm>
-            <a:off x="685800" y="4916992"/>
-            <a:ext cx="7924800" cy="4301"/>
-          </a:xfrm>
-          <a:prstGeom prst="line">
-            <a:avLst/>
-          </a:prstGeom>
-          <a:noFill/>
-          <a:ln w="9525" cap="flat" cmpd="sng" algn="ctr">
-            <a:solidFill>
-              <a:srgbClr val="E9E9E8"/>
-            </a:solidFill>
-            <a:prstDash val="solid"/>
-          </a:ln>
-          <a:effectLst>
-            <a:outerShdw blurRad="31750" dir="2700000" algn="tl" rotWithShape="0">
-              <a:srgbClr val="000000">
-                <a:alpha val="55000"/>
-              </a:srgbClr>
-            </a:outerShdw>
-          </a:effectLst>
-        </p:spPr>
-        <p:style>
-          <a:lnRef idx="1">
-            <a:schemeClr val="accent1"/>
-          </a:lnRef>
-          <a:fillRef idx="0">
-            <a:schemeClr val="accent1"/>
-          </a:fillRef>
-          <a:effectRef idx="0">
-            <a:schemeClr val="accent1"/>
-          </a:effectRef>
-          <a:fontRef idx="minor">
-            <a:schemeClr val="tx1"/>
-          </a:fontRef>
-        </p:style>
-      </p:cxnSp>
+              <a:pPr/>
+              <a:t>19/11/2016</a:t>
+            </a:fld>
+            <a:endParaRPr lang="pt-BR"/>
+          </a:p>
+        </p:txBody>
+      </p:sp>
+      <p:sp>
+        <p:nvSpPr>
+          <p:cNvPr id="5" name="Footer Placeholder 4"/>
+          <p:cNvSpPr>
+            <a:spLocks noGrp="1"/>
+          </p:cNvSpPr>
+          <p:nvPr>
+            <p:ph type="ftr" sz="quarter" idx="11"/>
+          </p:nvPr>
+        </p:nvSpPr>
+        <p:spPr/>
+        <p:txBody>
+          <a:bodyPr/>
+          <a:lstStyle/>
+          <a:p>
+            <a:endParaRPr lang="pt-BR"/>
+          </a:p>
+        </p:txBody>
+      </p:sp>
+      <p:sp>
+        <p:nvSpPr>
+          <p:cNvPr id="6" name="Slide Number Placeholder 5"/>
+          <p:cNvSpPr>
+            <a:spLocks noGrp="1"/>
+          </p:cNvSpPr>
+          <p:nvPr>
+            <p:ph type="sldNum" sz="quarter" idx="12"/>
+          </p:nvPr>
+        </p:nvSpPr>
+        <p:spPr/>
+        <p:txBody>
+          <a:bodyPr/>
+          <a:lstStyle/>
+          <a:p>
+            <a:fld id="{CEAB1635-7AB6-4A02-8F63-2344453D2D84}" type="slidenum">
+              <a:rPr lang="pt-BR" smtClean="0"/>
+              <a:pPr/>
+              <a:t>‹nº›</a:t>
+            </a:fld>
+            <a:endParaRPr lang="pt-BR"/>
+          </a:p>
+        </p:txBody>
+      </p:sp>
     </p:spTree>
+    <p:extLst>
+      <p:ext uri="{BB962C8B-B14F-4D97-AF65-F5344CB8AC3E}">
+        <p14:creationId xmlns:p14="http://schemas.microsoft.com/office/powerpoint/2010/main" val="2903493322"/>
+      </p:ext>
+    </p:extLst>
   </p:cSld>
   <p:clrMapOvr>
-    <a:overrideClrMapping bg1="lt1" tx1="dk1" bg2="lt2" tx2="dk2" accent1="accent1" accent2="accent2" accent3="accent3" accent4="accent4" accent5="accent5" accent6="accent6" hlink="hlink" folHlink="folHlink"/>
+    <a:masterClrMapping/>
   </p:clrMapOvr>
 </p:sldLayout>
 </file>
@@ -1923,6 +1877,199 @@
       </p:grpSpPr>
       <p:sp>
         <p:nvSpPr>
+          <p:cNvPr id="2" name="Title 1"/>
+          <p:cNvSpPr>
+            <a:spLocks noGrp="1"/>
+          </p:cNvSpPr>
+          <p:nvPr>
+            <p:ph type="title"/>
+          </p:nvPr>
+        </p:nvSpPr>
+        <p:spPr/>
+        <p:txBody>
+          <a:bodyPr/>
+          <a:lstStyle/>
+          <a:p>
+            <a:r>
+              <a:rPr lang="pt-BR"/>
+              <a:t>Clique para editar o título mestre</a:t>
+            </a:r>
+            <a:endParaRPr lang="en-US" dirty="0"/>
+          </a:p>
+        </p:txBody>
+      </p:sp>
+      <p:sp>
+        <p:nvSpPr>
+          <p:cNvPr id="3" name="Content Placeholder 2"/>
+          <p:cNvSpPr>
+            <a:spLocks noGrp="1"/>
+          </p:cNvSpPr>
+          <p:nvPr>
+            <p:ph sz="half" idx="1"/>
+          </p:nvPr>
+        </p:nvSpPr>
+        <p:spPr>
+          <a:xfrm>
+            <a:off x="507492" y="1993392"/>
+            <a:ext cx="3806190" cy="3767328"/>
+          </a:xfrm>
+        </p:spPr>
+        <p:txBody>
+          <a:bodyPr/>
+          <a:lstStyle>
+            <a:lvl1pPr>
+              <a:defRPr sz="2200"/>
+            </a:lvl1pPr>
+            <a:lvl2pPr>
+              <a:defRPr sz="1900"/>
+            </a:lvl2pPr>
+            <a:lvl3pPr>
+              <a:defRPr sz="1700"/>
+            </a:lvl3pPr>
+            <a:lvl4pPr>
+              <a:defRPr sz="1500"/>
+            </a:lvl4pPr>
+            <a:lvl5pPr>
+              <a:defRPr sz="1400"/>
+            </a:lvl5pPr>
+            <a:lvl6pPr>
+              <a:defRPr sz="1400"/>
+            </a:lvl6pPr>
+            <a:lvl7pPr>
+              <a:defRPr sz="1400"/>
+            </a:lvl7pPr>
+            <a:lvl8pPr>
+              <a:defRPr sz="1400"/>
+            </a:lvl8pPr>
+            <a:lvl9pPr>
+              <a:defRPr sz="1400"/>
+            </a:lvl9pPr>
+          </a:lstStyle>
+          <a:p>
+            <a:pPr lvl="0"/>
+            <a:r>
+              <a:rPr lang="pt-BR"/>
+              <a:t>Editar estilos de texto Mestre</a:t>
+            </a:r>
+          </a:p>
+          <a:p>
+            <a:pPr lvl="1"/>
+            <a:r>
+              <a:rPr lang="pt-BR"/>
+              <a:t>Segundo nível</a:t>
+            </a:r>
+          </a:p>
+          <a:p>
+            <a:pPr lvl="2"/>
+            <a:r>
+              <a:rPr lang="pt-BR"/>
+              <a:t>Terceiro nível</a:t>
+            </a:r>
+          </a:p>
+          <a:p>
+            <a:pPr lvl="3"/>
+            <a:r>
+              <a:rPr lang="pt-BR"/>
+              <a:t>Quarto nível</a:t>
+            </a:r>
+          </a:p>
+          <a:p>
+            <a:pPr lvl="4"/>
+            <a:r>
+              <a:rPr lang="pt-BR"/>
+              <a:t>Quinto nível</a:t>
+            </a:r>
+            <a:endParaRPr lang="en-US" dirty="0"/>
+          </a:p>
+        </p:txBody>
+      </p:sp>
+      <p:sp>
+        <p:nvSpPr>
+          <p:cNvPr id="4" name="Content Placeholder 3"/>
+          <p:cNvSpPr>
+            <a:spLocks noGrp="1"/>
+          </p:cNvSpPr>
+          <p:nvPr>
+            <p:ph sz="half" idx="2"/>
+          </p:nvPr>
+        </p:nvSpPr>
+        <p:spPr>
+          <a:xfrm>
+            <a:off x="4757738" y="1993392"/>
+            <a:ext cx="3806190" cy="3767328"/>
+          </a:xfrm>
+        </p:spPr>
+        <p:txBody>
+          <a:bodyPr/>
+          <a:lstStyle>
+            <a:lvl1pPr>
+              <a:defRPr sz="2200"/>
+            </a:lvl1pPr>
+            <a:lvl2pPr>
+              <a:defRPr sz="1900"/>
+            </a:lvl2pPr>
+            <a:lvl3pPr>
+              <a:defRPr sz="1700"/>
+            </a:lvl3pPr>
+            <a:lvl4pPr>
+              <a:defRPr sz="1500"/>
+            </a:lvl4pPr>
+            <a:lvl5pPr>
+              <a:defRPr sz="1400"/>
+            </a:lvl5pPr>
+            <a:lvl6pPr>
+              <a:defRPr sz="1400"/>
+            </a:lvl6pPr>
+            <a:lvl7pPr>
+              <a:defRPr sz="1400"/>
+            </a:lvl7pPr>
+            <a:lvl8pPr>
+              <a:defRPr sz="1400"/>
+            </a:lvl8pPr>
+            <a:lvl9pPr>
+              <a:defRPr sz="1400"/>
+            </a:lvl9pPr>
+          </a:lstStyle>
+          <a:p>
+            <a:pPr lvl="0"/>
+            <a:r>
+              <a:rPr lang="pt-BR"/>
+              <a:t>Editar estilos de texto Mestre</a:t>
+            </a:r>
+          </a:p>
+          <a:p>
+            <a:pPr lvl="1"/>
+            <a:r>
+              <a:rPr lang="pt-BR"/>
+              <a:t>Segundo nível</a:t>
+            </a:r>
+          </a:p>
+          <a:p>
+            <a:pPr lvl="2"/>
+            <a:r>
+              <a:rPr lang="pt-BR"/>
+              <a:t>Terceiro nível</a:t>
+            </a:r>
+          </a:p>
+          <a:p>
+            <a:pPr lvl="3"/>
+            <a:r>
+              <a:rPr lang="pt-BR"/>
+              <a:t>Quarto nível</a:t>
+            </a:r>
+          </a:p>
+          <a:p>
+            <a:pPr lvl="4"/>
+            <a:r>
+              <a:rPr lang="pt-BR"/>
+              <a:t>Quinto nível</a:t>
+            </a:r>
+            <a:endParaRPr lang="en-US" dirty="0"/>
+          </a:p>
+        </p:txBody>
+      </p:sp>
+      <p:sp>
+        <p:nvSpPr>
           <p:cNvPr id="5" name="Date Placeholder 4"/>
           <p:cNvSpPr>
             <a:spLocks noGrp="1"/>
@@ -1937,9 +2084,9 @@
           <a:lstStyle/>
           <a:p>
             <a:fld id="{DCFA480D-CB17-4C49-BB2A-C7514E1C7CEA}" type="datetimeFigureOut">
-              <a:rPr lang="pt-BR"/>
+              <a:rPr lang="pt-BR" smtClean="0"/>
               <a:pPr/>
-              <a:t>12/08/2016</a:t>
+              <a:t>19/11/2016</a:t>
             </a:fld>
             <a:endParaRPr lang="pt-BR"/>
           </a:p>
@@ -1980,7 +2127,7 @@
           <a:lstStyle/>
           <a:p>
             <a:fld id="{CEAB1635-7AB6-4A02-8F63-2344453D2D84}" type="slidenum">
-              <a:rPr/>
+              <a:rPr lang="pt-BR" smtClean="0"/>
               <a:pPr/>
               <a:t>‹nº›</a:t>
             </a:fld>
@@ -1988,144 +2135,12 @@
           </a:p>
         </p:txBody>
       </p:sp>
-      <p:sp>
-        <p:nvSpPr>
-          <p:cNvPr id="2" name="Title 1"/>
-          <p:cNvSpPr>
-            <a:spLocks noGrp="1"/>
-          </p:cNvSpPr>
-          <p:nvPr>
-            <p:ph type="title"/>
-          </p:nvPr>
-        </p:nvSpPr>
-        <p:spPr/>
-        <p:txBody>
-          <a:bodyPr/>
-          <a:lstStyle/>
-          <a:p>
-            <a:r>
-              <a:rPr lang="pt-BR" smtClean="0"/>
-              <a:t>Clique para editar o título mestre</a:t>
-            </a:r>
-            <a:endParaRPr lang="pt-BR"/>
-          </a:p>
-        </p:txBody>
-      </p:sp>
-      <p:sp>
-        <p:nvSpPr>
-          <p:cNvPr id="11" name="Content Placeholder 10"/>
-          <p:cNvSpPr>
-            <a:spLocks noGrp="1"/>
-          </p:cNvSpPr>
-          <p:nvPr>
-            <p:ph sz="half" idx="1"/>
-          </p:nvPr>
-        </p:nvSpPr>
-        <p:spPr>
-          <a:xfrm>
-            <a:off x="457200" y="1524000"/>
-            <a:ext cx="4059936" cy="4572000"/>
-          </a:xfrm>
-        </p:spPr>
-        <p:txBody>
-          <a:bodyPr/>
-          <a:lstStyle/>
-          <a:p>
-            <a:pPr lvl="0"/>
-            <a:r>
-              <a:rPr lang="pt-BR" smtClean="0"/>
-              <a:t>Clique para editar o texto mestre</a:t>
-            </a:r>
-          </a:p>
-          <a:p>
-            <a:pPr lvl="1"/>
-            <a:r>
-              <a:rPr lang="pt-BR" smtClean="0"/>
-              <a:t>Segundo nível</a:t>
-            </a:r>
-          </a:p>
-          <a:p>
-            <a:pPr lvl="2"/>
-            <a:r>
-              <a:rPr lang="pt-BR" smtClean="0"/>
-              <a:t>Terceiro nível</a:t>
-            </a:r>
-          </a:p>
-          <a:p>
-            <a:pPr lvl="3"/>
-            <a:r>
-              <a:rPr lang="pt-BR" smtClean="0"/>
-              <a:t>Quarto nível</a:t>
-            </a:r>
-          </a:p>
-          <a:p>
-            <a:pPr lvl="4"/>
-            <a:r>
-              <a:rPr lang="pt-BR" smtClean="0"/>
-              <a:t>Quinto nível</a:t>
-            </a:r>
-            <a:endParaRPr lang="pt-BR"/>
-          </a:p>
-        </p:txBody>
-      </p:sp>
-      <p:sp>
-        <p:nvSpPr>
-          <p:cNvPr id="13" name="Content Placeholder 12"/>
-          <p:cNvSpPr>
-            <a:spLocks noGrp="1"/>
-          </p:cNvSpPr>
-          <p:nvPr>
-            <p:ph sz="half" idx="2"/>
-          </p:nvPr>
-        </p:nvSpPr>
-        <p:spPr>
-          <a:xfrm>
-            <a:off x="4648200" y="1524000"/>
-            <a:ext cx="4059936" cy="4572000"/>
-          </a:xfrm>
-        </p:spPr>
-        <p:txBody>
-          <a:bodyPr/>
-          <a:lstStyle/>
-          <a:p>
-            <a:pPr lvl="0"/>
-            <a:r>
-              <a:rPr lang="pt-BR" smtClean="0"/>
-              <a:t>Clique para editar o texto mestre</a:t>
-            </a:r>
-          </a:p>
-          <a:p>
-            <a:pPr lvl="1"/>
-            <a:r>
-              <a:rPr lang="pt-BR" smtClean="0"/>
-              <a:t>Segundo nível</a:t>
-            </a:r>
-          </a:p>
-          <a:p>
-            <a:pPr lvl="2"/>
-            <a:r>
-              <a:rPr lang="pt-BR" smtClean="0"/>
-              <a:t>Terceiro nível</a:t>
-            </a:r>
-          </a:p>
-          <a:p>
-            <a:pPr lvl="3"/>
-            <a:r>
-              <a:rPr lang="pt-BR" smtClean="0"/>
-              <a:t>Quarto nível</a:t>
-            </a:r>
-          </a:p>
-          <a:p>
-            <a:pPr lvl="4"/>
-            <a:r>
-              <a:rPr lang="pt-BR" smtClean="0"/>
-              <a:t>Quinto nível</a:t>
-            </a:r>
-            <a:endParaRPr lang="pt-BR"/>
-          </a:p>
-        </p:txBody>
-      </p:sp>
     </p:spTree>
+    <p:extLst>
+      <p:ext uri="{BB962C8B-B14F-4D97-AF65-F5344CB8AC3E}">
+        <p14:creationId xmlns:p14="http://schemas.microsoft.com/office/powerpoint/2010/main" val="1272837528"/>
+      </p:ext>
+    </p:extLst>
   </p:cSld>
   <p:clrMapOvr>
     <a:masterClrMapping/>
@@ -2152,6 +2167,392 @@
       </p:grpSpPr>
       <p:sp>
         <p:nvSpPr>
+          <p:cNvPr id="10" name="Title 9"/>
+          <p:cNvSpPr>
+            <a:spLocks noGrp="1"/>
+          </p:cNvSpPr>
+          <p:nvPr>
+            <p:ph type="title"/>
+          </p:nvPr>
+        </p:nvSpPr>
+        <p:spPr/>
+        <p:txBody>
+          <a:bodyPr/>
+          <a:lstStyle/>
+          <a:p>
+            <a:r>
+              <a:rPr lang="pt-BR"/>
+              <a:t>Clique para editar o título mestre</a:t>
+            </a:r>
+            <a:endParaRPr lang="en-US" dirty="0"/>
+          </a:p>
+        </p:txBody>
+      </p:sp>
+      <p:sp>
+        <p:nvSpPr>
+          <p:cNvPr id="3" name="Text Placeholder 2"/>
+          <p:cNvSpPr>
+            <a:spLocks noGrp="1"/>
+          </p:cNvSpPr>
+          <p:nvPr>
+            <p:ph type="body" idx="1"/>
+          </p:nvPr>
+        </p:nvSpPr>
+        <p:spPr>
+          <a:xfrm>
+            <a:off x="507492" y="2032000"/>
+            <a:ext cx="3806190" cy="723400"/>
+          </a:xfrm>
+        </p:spPr>
+        <p:txBody>
+          <a:bodyPr anchor="ctr">
+            <a:normAutofit/>
+          </a:bodyPr>
+          <a:lstStyle>
+            <a:lvl1pPr marL="0" indent="0">
+              <a:spcBef>
+                <a:spcPts val="0"/>
+              </a:spcBef>
+              <a:buNone/>
+              <a:defRPr sz="2000" b="0" cap="all" baseline="0">
+                <a:solidFill>
+                  <a:schemeClr val="tx1">
+                    <a:lumMod val="85000"/>
+                    <a:lumOff val="15000"/>
+                  </a:schemeClr>
+                </a:solidFill>
+                <a:latin typeface="+mj-lt"/>
+              </a:defRPr>
+            </a:lvl1pPr>
+            <a:lvl2pPr marL="457200" indent="0">
+              <a:buNone/>
+              <a:defRPr sz="2000" b="1"/>
+            </a:lvl2pPr>
+            <a:lvl3pPr marL="914400" indent="0">
+              <a:buNone/>
+              <a:defRPr sz="1800" b="1"/>
+            </a:lvl3pPr>
+            <a:lvl4pPr marL="1371600" indent="0">
+              <a:buNone/>
+              <a:defRPr sz="1600" b="1"/>
+            </a:lvl4pPr>
+            <a:lvl5pPr marL="1828800" indent="0">
+              <a:buNone/>
+              <a:defRPr sz="1600" b="1"/>
+            </a:lvl5pPr>
+            <a:lvl6pPr marL="2286000" indent="0">
+              <a:buNone/>
+              <a:defRPr sz="1600" b="1"/>
+            </a:lvl6pPr>
+            <a:lvl7pPr marL="2743200" indent="0">
+              <a:buNone/>
+              <a:defRPr sz="1600" b="1"/>
+            </a:lvl7pPr>
+            <a:lvl8pPr marL="3200400" indent="0">
+              <a:buNone/>
+              <a:defRPr sz="1600" b="1"/>
+            </a:lvl8pPr>
+            <a:lvl9pPr marL="3657600" indent="0">
+              <a:buNone/>
+              <a:defRPr sz="1600" b="1"/>
+            </a:lvl9pPr>
+          </a:lstStyle>
+          <a:p>
+            <a:pPr lvl="0"/>
+            <a:r>
+              <a:rPr lang="pt-BR"/>
+              <a:t>Editar estilos de texto Mestre</a:t>
+            </a:r>
+          </a:p>
+        </p:txBody>
+      </p:sp>
+      <p:sp>
+        <p:nvSpPr>
+          <p:cNvPr id="4" name="Content Placeholder 3"/>
+          <p:cNvSpPr>
+            <a:spLocks noGrp="1"/>
+          </p:cNvSpPr>
+          <p:nvPr>
+            <p:ph sz="half" idx="2"/>
+          </p:nvPr>
+        </p:nvSpPr>
+        <p:spPr>
+          <a:xfrm>
+            <a:off x="507492" y="2736150"/>
+            <a:ext cx="3806190" cy="3200400"/>
+          </a:xfrm>
+        </p:spPr>
+        <p:txBody>
+          <a:bodyPr/>
+          <a:lstStyle>
+            <a:lvl1pPr>
+              <a:defRPr sz="2100"/>
+            </a:lvl1pPr>
+            <a:lvl2pPr>
+              <a:defRPr sz="1800"/>
+            </a:lvl2pPr>
+            <a:lvl3pPr>
+              <a:defRPr sz="1600"/>
+            </a:lvl3pPr>
+            <a:lvl4pPr>
+              <a:defRPr sz="1400"/>
+            </a:lvl4pPr>
+            <a:lvl5pPr>
+              <a:defRPr sz="1400"/>
+            </a:lvl5pPr>
+            <a:lvl6pPr>
+              <a:defRPr sz="1400"/>
+            </a:lvl6pPr>
+            <a:lvl7pPr>
+              <a:defRPr sz="1400"/>
+            </a:lvl7pPr>
+            <a:lvl8pPr>
+              <a:defRPr sz="1400"/>
+            </a:lvl8pPr>
+            <a:lvl9pPr>
+              <a:defRPr sz="1400"/>
+            </a:lvl9pPr>
+          </a:lstStyle>
+          <a:p>
+            <a:pPr lvl="0"/>
+            <a:r>
+              <a:rPr lang="pt-BR"/>
+              <a:t>Editar estilos de texto Mestre</a:t>
+            </a:r>
+          </a:p>
+          <a:p>
+            <a:pPr lvl="1"/>
+            <a:r>
+              <a:rPr lang="pt-BR"/>
+              <a:t>Segundo nível</a:t>
+            </a:r>
+          </a:p>
+          <a:p>
+            <a:pPr lvl="2"/>
+            <a:r>
+              <a:rPr lang="pt-BR"/>
+              <a:t>Terceiro nível</a:t>
+            </a:r>
+          </a:p>
+          <a:p>
+            <a:pPr lvl="3"/>
+            <a:r>
+              <a:rPr lang="pt-BR"/>
+              <a:t>Quarto nível</a:t>
+            </a:r>
+          </a:p>
+          <a:p>
+            <a:pPr lvl="4"/>
+            <a:r>
+              <a:rPr lang="pt-BR"/>
+              <a:t>Quinto nível</a:t>
+            </a:r>
+            <a:endParaRPr lang="en-US" dirty="0"/>
+          </a:p>
+        </p:txBody>
+      </p:sp>
+      <p:sp>
+        <p:nvSpPr>
+          <p:cNvPr id="5" name="Text Placeholder 4"/>
+          <p:cNvSpPr>
+            <a:spLocks noGrp="1"/>
+          </p:cNvSpPr>
+          <p:nvPr>
+            <p:ph type="body" sz="quarter" idx="3"/>
+          </p:nvPr>
+        </p:nvSpPr>
+        <p:spPr>
+          <a:xfrm>
+            <a:off x="4766310" y="2029968"/>
+            <a:ext cx="3806190" cy="722376"/>
+          </a:xfrm>
+        </p:spPr>
+        <p:txBody>
+          <a:bodyPr anchor="ctr">
+            <a:normAutofit/>
+          </a:bodyPr>
+          <a:lstStyle>
+            <a:lvl1pPr marL="0" indent="0">
+              <a:spcBef>
+                <a:spcPts val="0"/>
+              </a:spcBef>
+              <a:buNone/>
+              <a:defRPr sz="2000" b="0" cap="all" baseline="0">
+                <a:latin typeface="+mj-lt"/>
+              </a:defRPr>
+            </a:lvl1pPr>
+            <a:lvl2pPr marL="457200" indent="0">
+              <a:buNone/>
+              <a:defRPr sz="2000" b="1"/>
+            </a:lvl2pPr>
+            <a:lvl3pPr marL="914400" indent="0">
+              <a:buNone/>
+              <a:defRPr sz="1800" b="1"/>
+            </a:lvl3pPr>
+            <a:lvl4pPr marL="1371600" indent="0">
+              <a:buNone/>
+              <a:defRPr sz="1600" b="1"/>
+            </a:lvl4pPr>
+            <a:lvl5pPr marL="1828800" indent="0">
+              <a:buNone/>
+              <a:defRPr sz="1600" b="1"/>
+            </a:lvl5pPr>
+            <a:lvl6pPr marL="2286000" indent="0">
+              <a:buNone/>
+              <a:defRPr sz="1600" b="1"/>
+            </a:lvl6pPr>
+            <a:lvl7pPr marL="2743200" indent="0">
+              <a:buNone/>
+              <a:defRPr sz="1600" b="1"/>
+            </a:lvl7pPr>
+            <a:lvl8pPr marL="3200400" indent="0">
+              <a:buNone/>
+              <a:defRPr sz="1600" b="1"/>
+            </a:lvl8pPr>
+            <a:lvl9pPr marL="3657600" indent="0">
+              <a:buNone/>
+              <a:defRPr sz="1600" b="1"/>
+            </a:lvl9pPr>
+          </a:lstStyle>
+          <a:p>
+            <a:pPr lvl="0"/>
+            <a:r>
+              <a:rPr lang="pt-BR"/>
+              <a:t>Editar estilos de texto Mestre</a:t>
+            </a:r>
+          </a:p>
+        </p:txBody>
+      </p:sp>
+      <p:sp>
+        <p:nvSpPr>
+          <p:cNvPr id="6" name="Content Placeholder 5"/>
+          <p:cNvSpPr>
+            <a:spLocks noGrp="1"/>
+          </p:cNvSpPr>
+          <p:nvPr>
+            <p:ph sz="quarter" idx="4"/>
+          </p:nvPr>
+        </p:nvSpPr>
+        <p:spPr>
+          <a:xfrm>
+            <a:off x="4766310" y="2734056"/>
+            <a:ext cx="3806190" cy="3200400"/>
+          </a:xfrm>
+        </p:spPr>
+        <p:txBody>
+          <a:bodyPr/>
+          <a:lstStyle>
+            <a:lvl1pPr>
+              <a:defRPr sz="2100"/>
+            </a:lvl1pPr>
+            <a:lvl2pPr>
+              <a:defRPr sz="1800"/>
+            </a:lvl2pPr>
+            <a:lvl3pPr>
+              <a:defRPr sz="1600"/>
+            </a:lvl3pPr>
+            <a:lvl4pPr>
+              <a:defRPr sz="1400"/>
+            </a:lvl4pPr>
+            <a:lvl5pPr>
+              <a:defRPr sz="1400"/>
+            </a:lvl5pPr>
+            <a:lvl6pPr>
+              <a:defRPr sz="1400"/>
+            </a:lvl6pPr>
+            <a:lvl7pPr>
+              <a:defRPr sz="1400"/>
+            </a:lvl7pPr>
+            <a:lvl8pPr>
+              <a:defRPr sz="1400"/>
+            </a:lvl8pPr>
+            <a:lvl9pPr>
+              <a:defRPr sz="1400"/>
+            </a:lvl9pPr>
+          </a:lstStyle>
+          <a:p>
+            <a:pPr lvl="0"/>
+            <a:r>
+              <a:rPr lang="pt-BR"/>
+              <a:t>Editar estilos de texto Mestre</a:t>
+            </a:r>
+          </a:p>
+          <a:p>
+            <a:pPr lvl="1"/>
+            <a:r>
+              <a:rPr lang="pt-BR"/>
+              <a:t>Segundo nível</a:t>
+            </a:r>
+          </a:p>
+          <a:p>
+            <a:pPr lvl="2"/>
+            <a:r>
+              <a:rPr lang="pt-BR"/>
+              <a:t>Terceiro nível</a:t>
+            </a:r>
+          </a:p>
+          <a:p>
+            <a:pPr lvl="3"/>
+            <a:r>
+              <a:rPr lang="pt-BR"/>
+              <a:t>Quarto nível</a:t>
+            </a:r>
+          </a:p>
+          <a:p>
+            <a:pPr lvl="4"/>
+            <a:r>
+              <a:rPr lang="pt-BR"/>
+              <a:t>Quinto nível</a:t>
+            </a:r>
+            <a:endParaRPr lang="en-US" dirty="0"/>
+          </a:p>
+        </p:txBody>
+      </p:sp>
+      <p:sp>
+        <p:nvSpPr>
+          <p:cNvPr id="7" name="Date Placeholder 6"/>
+          <p:cNvSpPr>
+            <a:spLocks noGrp="1"/>
+          </p:cNvSpPr>
+          <p:nvPr>
+            <p:ph type="dt" sz="half" idx="10"/>
+          </p:nvPr>
+        </p:nvSpPr>
+        <p:spPr/>
+        <p:txBody>
+          <a:bodyPr/>
+          <a:lstStyle/>
+          <a:p>
+            <a:fld id="{DCFA480D-CB17-4C49-BB2A-C7514E1C7CEA}" type="datetimeFigureOut">
+              <a:rPr lang="pt-BR" smtClean="0"/>
+              <a:pPr/>
+              <a:t>19/11/2016</a:t>
+            </a:fld>
+            <a:endParaRPr lang="pt-BR"/>
+          </a:p>
+        </p:txBody>
+      </p:sp>
+      <p:sp>
+        <p:nvSpPr>
+          <p:cNvPr id="8" name="Footer Placeholder 7"/>
+          <p:cNvSpPr>
+            <a:spLocks noGrp="1"/>
+          </p:cNvSpPr>
+          <p:nvPr>
+            <p:ph type="ftr" sz="quarter" idx="11"/>
+          </p:nvPr>
+        </p:nvSpPr>
+        <p:spPr/>
+        <p:txBody>
+          <a:bodyPr/>
+          <a:lstStyle/>
+          <a:p>
+            <a:endParaRPr lang="pt-BR"/>
+          </a:p>
+        </p:txBody>
+      </p:sp>
+      <p:sp>
+        <p:nvSpPr>
           <p:cNvPr id="9" name="Slide Number Placeholder 8"/>
           <p:cNvSpPr>
             <a:spLocks noGrp="1"/>
@@ -2166,7 +2567,7 @@
           <a:lstStyle/>
           <a:p>
             <a:fld id="{CEAB1635-7AB6-4A02-8F63-2344453D2D84}" type="slidenum">
-              <a:rPr/>
+              <a:rPr lang="pt-BR" smtClean="0"/>
               <a:pPr/>
               <a:t>‹nº›</a:t>
             </a:fld>
@@ -2174,449 +2575,12 @@
           </a:p>
         </p:txBody>
       </p:sp>
-      <p:sp>
-        <p:nvSpPr>
-          <p:cNvPr id="8" name="Footer Placeholder 7"/>
-          <p:cNvSpPr>
-            <a:spLocks noGrp="1"/>
-          </p:cNvSpPr>
-          <p:nvPr>
-            <p:ph type="ftr" sz="quarter" idx="11"/>
-          </p:nvPr>
-        </p:nvSpPr>
-        <p:spPr/>
-        <p:txBody>
-          <a:bodyPr/>
-          <a:lstStyle/>
-          <a:p>
-            <a:endParaRPr lang="pt-BR"/>
-          </a:p>
-        </p:txBody>
-      </p:sp>
-      <p:sp>
-        <p:nvSpPr>
-          <p:cNvPr id="7" name="Date Placeholder 6"/>
-          <p:cNvSpPr>
-            <a:spLocks noGrp="1"/>
-          </p:cNvSpPr>
-          <p:nvPr>
-            <p:ph type="dt" sz="half" idx="10"/>
-          </p:nvPr>
-        </p:nvSpPr>
-        <p:spPr/>
-        <p:txBody>
-          <a:bodyPr/>
-          <a:lstStyle/>
-          <a:p>
-            <a:fld id="{DCFA480D-CB17-4C49-BB2A-C7514E1C7CEA}" type="datetimeFigureOut">
-              <a:rPr lang="pt-BR"/>
-              <a:pPr/>
-              <a:t>12/08/2016</a:t>
-            </a:fld>
-            <a:endParaRPr lang="pt-BR"/>
-          </a:p>
-        </p:txBody>
-      </p:sp>
-      <p:sp>
-        <p:nvSpPr>
-          <p:cNvPr id="3" name="Text Placeholder 2"/>
-          <p:cNvSpPr>
-            <a:spLocks noGrp="1"/>
-          </p:cNvSpPr>
-          <p:nvPr>
-            <p:ph type="body" idx="1"/>
-          </p:nvPr>
-        </p:nvSpPr>
-        <p:spPr>
-          <a:xfrm>
-            <a:off x="457200" y="1399593"/>
-            <a:ext cx="4040188" cy="762000"/>
-          </a:xfrm>
-          <a:noFill/>
-          <a:ln w="25400" cap="rnd" cmpd="sng" algn="ctr">
-            <a:noFill/>
-            <a:prstDash val="solid"/>
-          </a:ln>
-          <a:effectLst>
-            <a:softEdge rad="63500"/>
-          </a:effectLst>
-          <a:sp3d prstMaterial="flat"/>
-        </p:spPr>
-        <p:style>
-          <a:lnRef idx="3">
-            <a:schemeClr val="lt1"/>
-          </a:lnRef>
-          <a:fillRef idx="1">
-            <a:schemeClr val="accent5"/>
-          </a:fillRef>
-          <a:effectRef idx="1">
-            <a:schemeClr val="accent5"/>
-          </a:effectRef>
-          <a:fontRef idx="minor">
-            <a:schemeClr val="lt1"/>
-          </a:fontRef>
-        </p:style>
-        <p:txBody>
-          <a:bodyPr lIns="91440" tIns="45720" rIns="91440" bIns="45720" anchor="b">
-            <a:noAutofit/>
-          </a:bodyPr>
-          <a:lstStyle>
-            <a:lvl1pPr marL="0" indent="0" algn="l" latinLnBrk="0">
-              <a:spcBef>
-                <a:spcPts val="0"/>
-              </a:spcBef>
-              <a:buNone/>
-              <a:defRPr lang="pt-BR" sz="2600" b="1">
-                <a:solidFill>
-                  <a:schemeClr val="tx2"/>
-                </a:solidFill>
-              </a:defRPr>
-            </a:lvl1pPr>
-            <a:lvl2pPr>
-              <a:buNone/>
-              <a:defRPr lang="pt-BR" sz="2000" b="1"/>
-            </a:lvl2pPr>
-            <a:lvl3pPr>
-              <a:buNone/>
-              <a:defRPr lang="pt-BR" sz="1800" b="1"/>
-            </a:lvl3pPr>
-            <a:lvl4pPr>
-              <a:buNone/>
-              <a:defRPr lang="pt-BR" sz="1600" b="1"/>
-            </a:lvl4pPr>
-            <a:lvl5pPr>
-              <a:buNone/>
-              <a:defRPr lang="pt-BR" sz="1600" b="1"/>
-            </a:lvl5pPr>
-          </a:lstStyle>
-          <a:p>
-            <a:pPr lvl="0"/>
-            <a:r>
-              <a:rPr lang="pt-BR" smtClean="0"/>
-              <a:t>Clique para editar o texto mestre</a:t>
-            </a:r>
-          </a:p>
-        </p:txBody>
-      </p:sp>
-      <p:sp>
-        <p:nvSpPr>
-          <p:cNvPr id="32" name="Content Placeholder 31"/>
-          <p:cNvSpPr>
-            <a:spLocks noGrp="1"/>
-          </p:cNvSpPr>
-          <p:nvPr>
-            <p:ph sz="half" idx="2"/>
-          </p:nvPr>
-        </p:nvSpPr>
-        <p:spPr>
-          <a:xfrm>
-            <a:off x="457200" y="2201896"/>
-            <a:ext cx="4038600" cy="3913632"/>
-          </a:xfrm>
-        </p:spPr>
-        <p:txBody>
-          <a:bodyPr/>
-          <a:lstStyle/>
-          <a:p>
-            <a:pPr lvl="0"/>
-            <a:r>
-              <a:rPr lang="pt-BR" smtClean="0"/>
-              <a:t>Clique para editar o texto mestre</a:t>
-            </a:r>
-          </a:p>
-          <a:p>
-            <a:pPr lvl="1"/>
-            <a:r>
-              <a:rPr lang="pt-BR" smtClean="0"/>
-              <a:t>Segundo nível</a:t>
-            </a:r>
-          </a:p>
-          <a:p>
-            <a:pPr lvl="2"/>
-            <a:r>
-              <a:rPr lang="pt-BR" smtClean="0"/>
-              <a:t>Terceiro nível</a:t>
-            </a:r>
-          </a:p>
-          <a:p>
-            <a:pPr lvl="3"/>
-            <a:r>
-              <a:rPr lang="pt-BR" smtClean="0"/>
-              <a:t>Quarto nível</a:t>
-            </a:r>
-          </a:p>
-          <a:p>
-            <a:pPr lvl="4"/>
-            <a:r>
-              <a:rPr lang="pt-BR" smtClean="0"/>
-              <a:t>Quinto nível</a:t>
-            </a:r>
-            <a:endParaRPr lang="pt-BR"/>
-          </a:p>
-        </p:txBody>
-      </p:sp>
-      <p:sp>
-        <p:nvSpPr>
-          <p:cNvPr id="34" name="Content Placeholder 33"/>
-          <p:cNvSpPr>
-            <a:spLocks noGrp="1"/>
-          </p:cNvSpPr>
-          <p:nvPr>
-            <p:ph sz="quarter" idx="4"/>
-          </p:nvPr>
-        </p:nvSpPr>
-        <p:spPr>
-          <a:xfrm>
-            <a:off x="4649788" y="2201896"/>
-            <a:ext cx="4038600" cy="3913632"/>
-          </a:xfrm>
-        </p:spPr>
-        <p:txBody>
-          <a:bodyPr/>
-          <a:lstStyle/>
-          <a:p>
-            <a:pPr lvl="0"/>
-            <a:r>
-              <a:rPr lang="pt-BR" smtClean="0"/>
-              <a:t>Clique para editar o texto mestre</a:t>
-            </a:r>
-          </a:p>
-          <a:p>
-            <a:pPr lvl="1"/>
-            <a:r>
-              <a:rPr lang="pt-BR" smtClean="0"/>
-              <a:t>Segundo nível</a:t>
-            </a:r>
-          </a:p>
-          <a:p>
-            <a:pPr lvl="2"/>
-            <a:r>
-              <a:rPr lang="pt-BR" smtClean="0"/>
-              <a:t>Terceiro nível</a:t>
-            </a:r>
-          </a:p>
-          <a:p>
-            <a:pPr lvl="3"/>
-            <a:r>
-              <a:rPr lang="pt-BR" smtClean="0"/>
-              <a:t>Quarto nível</a:t>
-            </a:r>
-          </a:p>
-          <a:p>
-            <a:pPr lvl="4"/>
-            <a:r>
-              <a:rPr lang="pt-BR" smtClean="0"/>
-              <a:t>Quinto nível</a:t>
-            </a:r>
-            <a:endParaRPr lang="pt-BR"/>
-          </a:p>
-        </p:txBody>
-      </p:sp>
-      <p:sp>
-        <p:nvSpPr>
-          <p:cNvPr id="2" name="Title 1"/>
-          <p:cNvSpPr>
-            <a:spLocks noGrp="1"/>
-          </p:cNvSpPr>
-          <p:nvPr>
-            <p:ph type="title"/>
-          </p:nvPr>
-        </p:nvSpPr>
-        <p:spPr>
-          <a:xfrm>
-            <a:off x="457200" y="155448"/>
-            <a:ext cx="8229600" cy="1143000"/>
-          </a:xfrm>
-        </p:spPr>
-        <p:txBody>
-          <a:bodyPr anchor="b" anchorCtr="0"/>
-          <a:lstStyle>
-            <a:lvl1pPr latinLnBrk="0">
-              <a:defRPr lang="pt-BR"/>
-            </a:lvl1pPr>
-          </a:lstStyle>
-          <a:p>
-            <a:r>
-              <a:rPr lang="pt-BR" smtClean="0"/>
-              <a:t>Clique para editar o título mestre</a:t>
-            </a:r>
-            <a:endParaRPr lang="pt-BR"/>
-          </a:p>
-        </p:txBody>
-      </p:sp>
-      <p:sp>
-        <p:nvSpPr>
-          <p:cNvPr id="12" name="Text Placeholder 11"/>
-          <p:cNvSpPr>
-            <a:spLocks noGrp="1"/>
-          </p:cNvSpPr>
-          <p:nvPr>
-            <p:ph type="body" idx="3"/>
-          </p:nvPr>
-        </p:nvSpPr>
-        <p:spPr>
-          <a:xfrm>
-            <a:off x="4648200" y="1399593"/>
-            <a:ext cx="4040188" cy="762000"/>
-          </a:xfrm>
-          <a:noFill/>
-          <a:ln w="25400" cap="rnd" cmpd="sng" algn="ctr">
-            <a:noFill/>
-            <a:prstDash val="solid"/>
-          </a:ln>
-          <a:effectLst>
-            <a:softEdge rad="63500"/>
-          </a:effectLst>
-        </p:spPr>
-        <p:style>
-          <a:lnRef idx="3">
-            <a:schemeClr val="lt1"/>
-          </a:lnRef>
-          <a:fillRef idx="1">
-            <a:schemeClr val="accent5"/>
-          </a:fillRef>
-          <a:effectRef idx="1">
-            <a:schemeClr val="accent5"/>
-          </a:effectRef>
-          <a:fontRef idx="minor">
-            <a:schemeClr val="lt1"/>
-          </a:fontRef>
-        </p:style>
-        <p:txBody>
-          <a:bodyPr lIns="91440" tIns="45720" rIns="91440" bIns="45720" anchor="b">
-            <a:noAutofit/>
-          </a:bodyPr>
-          <a:lstStyle>
-            <a:lvl1pPr marL="0" indent="0" algn="l" latinLnBrk="0">
-              <a:spcBef>
-                <a:spcPts val="0"/>
-              </a:spcBef>
-              <a:buNone/>
-              <a:defRPr lang="pt-BR" sz="2600" b="1" baseline="0">
-                <a:solidFill>
-                  <a:schemeClr val="tx2"/>
-                </a:solidFill>
-              </a:defRPr>
-            </a:lvl1pPr>
-            <a:lvl2pPr>
-              <a:buNone/>
-              <a:defRPr lang="pt-BR" sz="2000" b="1"/>
-            </a:lvl2pPr>
-            <a:lvl3pPr>
-              <a:buNone/>
-              <a:defRPr lang="pt-BR" sz="1800" b="1"/>
-            </a:lvl3pPr>
-            <a:lvl4pPr>
-              <a:buNone/>
-              <a:defRPr lang="pt-BR" sz="1600" b="1"/>
-            </a:lvl4pPr>
-            <a:lvl5pPr>
-              <a:buNone/>
-              <a:defRPr lang="pt-BR" sz="1600" b="1"/>
-            </a:lvl5pPr>
-          </a:lstStyle>
-          <a:p>
-            <a:pPr lvl="0"/>
-            <a:r>
-              <a:rPr lang="pt-BR" smtClean="0"/>
-              <a:t>Clique para editar o texto mestre</a:t>
-            </a:r>
-          </a:p>
-        </p:txBody>
-      </p:sp>
-      <p:cxnSp>
-        <p:nvCxnSpPr>
-          <p:cNvPr id="10" name="Straight Connector 9"/>
-          <p:cNvCxnSpPr/>
-          <p:nvPr/>
-        </p:nvCxnSpPr>
-        <p:spPr>
-          <a:xfrm>
-            <a:off x="562945" y="2180219"/>
-            <a:ext cx="3749040" cy="1588"/>
-          </a:xfrm>
-          <a:prstGeom prst="line">
-            <a:avLst/>
-          </a:prstGeom>
-          <a:noFill/>
-          <a:ln w="12700" cap="flat" cmpd="sng" algn="ctr">
-            <a:solidFill>
-              <a:schemeClr val="bg2">
-                <a:tint val="20000"/>
-              </a:schemeClr>
-            </a:solidFill>
-            <a:prstDash val="solid"/>
-          </a:ln>
-          <a:effectLst>
-            <a:outerShdw blurRad="34925" dir="2700000" algn="tl" rotWithShape="0">
-              <a:srgbClr val="000000">
-                <a:alpha val="55000"/>
-              </a:srgbClr>
-            </a:outerShdw>
-          </a:effectLst>
-        </p:spPr>
-        <p:style>
-          <a:lnRef idx="1">
-            <a:schemeClr val="accent1"/>
-          </a:lnRef>
-          <a:fillRef idx="0">
-            <a:schemeClr val="accent1"/>
-          </a:fillRef>
-          <a:effectRef idx="0">
-            <a:schemeClr val="accent1"/>
-          </a:effectRef>
-          <a:fontRef idx="minor">
-            <a:schemeClr val="tx1"/>
-          </a:fontRef>
-        </p:style>
-      </p:cxnSp>
-      <p:cxnSp>
-        <p:nvCxnSpPr>
-          <p:cNvPr id="17" name="Straight Connector 16"/>
-          <p:cNvCxnSpPr/>
-          <p:nvPr/>
-        </p:nvCxnSpPr>
-        <p:spPr>
-          <a:xfrm>
-            <a:off x="4754880" y="2180219"/>
-            <a:ext cx="3749040" cy="1588"/>
-          </a:xfrm>
-          <a:prstGeom prst="line">
-            <a:avLst/>
-          </a:prstGeom>
-          <a:noFill/>
-          <a:ln w="12700" cap="flat" cmpd="sng" algn="ctr">
-            <a:solidFill>
-              <a:schemeClr val="bg2">
-                <a:tint val="20000"/>
-              </a:schemeClr>
-            </a:solidFill>
-            <a:prstDash val="solid"/>
-          </a:ln>
-          <a:effectLst>
-            <a:outerShdw blurRad="34925" dir="2700000" algn="tl" rotWithShape="0">
-              <a:srgbClr val="000000">
-                <a:alpha val="55000"/>
-              </a:srgbClr>
-            </a:outerShdw>
-          </a:effectLst>
-        </p:spPr>
-        <p:style>
-          <a:lnRef idx="1">
-            <a:schemeClr val="accent1"/>
-          </a:lnRef>
-          <a:fillRef idx="0">
-            <a:schemeClr val="accent1"/>
-          </a:fillRef>
-          <a:effectRef idx="0">
-            <a:schemeClr val="accent1"/>
-          </a:effectRef>
-          <a:fontRef idx="minor">
-            <a:schemeClr val="tx1"/>
-          </a:fontRef>
-        </p:style>
-      </p:cxnSp>
     </p:spTree>
+    <p:extLst>
+      <p:ext uri="{BB962C8B-B14F-4D97-AF65-F5344CB8AC3E}">
+        <p14:creationId xmlns:p14="http://schemas.microsoft.com/office/powerpoint/2010/main" val="3408838850"/>
+      </p:ext>
+    </p:extLst>
   </p:cSld>
   <p:clrMapOvr>
     <a:masterClrMapping/>
@@ -2643,6 +2607,29 @@
       </p:grpSpPr>
       <p:sp>
         <p:nvSpPr>
+          <p:cNvPr id="6" name="Title 5"/>
+          <p:cNvSpPr>
+            <a:spLocks noGrp="1"/>
+          </p:cNvSpPr>
+          <p:nvPr>
+            <p:ph type="title"/>
+          </p:nvPr>
+        </p:nvSpPr>
+        <p:spPr/>
+        <p:txBody>
+          <a:bodyPr/>
+          <a:lstStyle/>
+          <a:p>
+            <a:r>
+              <a:rPr lang="pt-BR"/>
+              <a:t>Clique para editar o título mestre</a:t>
+            </a:r>
+            <a:endParaRPr lang="en-US" dirty="0"/>
+          </a:p>
+        </p:txBody>
+      </p:sp>
+      <p:sp>
+        <p:nvSpPr>
           <p:cNvPr id="3" name="Date Placeholder 2"/>
           <p:cNvSpPr>
             <a:spLocks noGrp="1"/>
@@ -2657,9 +2644,9 @@
           <a:lstStyle/>
           <a:p>
             <a:fld id="{DCFA480D-CB17-4C49-BB2A-C7514E1C7CEA}" type="datetimeFigureOut">
-              <a:rPr lang="pt-BR"/>
+              <a:rPr lang="pt-BR" smtClean="0"/>
               <a:pPr/>
-              <a:t>12/08/2016</a:t>
+              <a:t>19/11/2016</a:t>
             </a:fld>
             <a:endParaRPr lang="pt-BR"/>
           </a:p>
@@ -2700,7 +2687,7 @@
           <a:lstStyle/>
           <a:p>
             <a:fld id="{CEAB1635-7AB6-4A02-8F63-2344453D2D84}" type="slidenum">
-              <a:rPr/>
+              <a:rPr lang="pt-BR" smtClean="0"/>
               <a:pPr/>
               <a:t>‹nº›</a:t>
             </a:fld>
@@ -2708,30 +2695,12 @@
           </a:p>
         </p:txBody>
       </p:sp>
-      <p:sp>
-        <p:nvSpPr>
-          <p:cNvPr id="2" name="Title 1"/>
-          <p:cNvSpPr>
-            <a:spLocks noGrp="1"/>
-          </p:cNvSpPr>
-          <p:nvPr>
-            <p:ph type="title"/>
-          </p:nvPr>
-        </p:nvSpPr>
-        <p:spPr/>
-        <p:txBody>
-          <a:bodyPr/>
-          <a:lstStyle/>
-          <a:p>
-            <a:r>
-              <a:rPr lang="pt-BR" smtClean="0"/>
-              <a:t>Clique para editar o título mestre</a:t>
-            </a:r>
-            <a:endParaRPr lang="pt-BR"/>
-          </a:p>
-        </p:txBody>
-      </p:sp>
     </p:spTree>
+    <p:extLst>
+      <p:ext uri="{BB962C8B-B14F-4D97-AF65-F5344CB8AC3E}">
+        <p14:creationId xmlns:p14="http://schemas.microsoft.com/office/powerpoint/2010/main" val="1206095114"/>
+      </p:ext>
+    </p:extLst>
   </p:cSld>
   <p:clrMapOvr>
     <a:masterClrMapping/>
@@ -2741,7 +2710,7 @@
 
 <file path=ppt/slideLayouts/slideLayout7.xml><?xml version="1.0" encoding="utf-8"?>
 <p:sldLayout xmlns:a="http://schemas.openxmlformats.org/drawingml/2006/main" xmlns:r="http://schemas.openxmlformats.org/officeDocument/2006/relationships" xmlns:p="http://schemas.openxmlformats.org/presentationml/2006/main" type="blank" preserve="1">
-  <p:cSld name="Em Branco">
+  <p:cSld name="Em branco">
     <p:spTree>
       <p:nvGrpSpPr>
         <p:cNvPr id="1" name=""/>
@@ -2772,11 +2741,15 @@
           <a:lstStyle/>
           <a:p>
             <a:fld id="{DCFA480D-CB17-4C49-BB2A-C7514E1C7CEA}" type="datetimeFigureOut">
-              <a:rPr lang="pt-BR"/>
+              <a:rPr lang="pt-BR" smtClean="0"/>
               <a:pPr/>
-              <a:t>12/08/2016</a:t>
+              <a:t>19/11/2016</a:t>
             </a:fld>
-            <a:endParaRPr lang="pt-BR"/>
+            <a:endParaRPr lang="pt-BR" sz="1200">
+              <a:solidFill>
+                <a:schemeClr val="tx2"/>
+              </a:solidFill>
+            </a:endParaRPr>
           </a:p>
         </p:txBody>
       </p:sp>
@@ -2795,7 +2768,12 @@
           <a:bodyPr/>
           <a:lstStyle/>
           <a:p>
-            <a:endParaRPr lang="pt-BR"/>
+            <a:pPr algn="r"/>
+            <a:endParaRPr lang="pt-BR" sz="1200">
+              <a:solidFill>
+                <a:schemeClr val="tx2"/>
+              </a:solidFill>
+            </a:endParaRPr>
           </a:p>
         </p:txBody>
       </p:sp>
@@ -2814,16 +2792,26 @@
           <a:bodyPr/>
           <a:lstStyle/>
           <a:p>
+            <a:pPr algn="ctr"/>
             <a:fld id="{CEAB1635-7AB6-4A02-8F63-2344453D2D84}" type="slidenum">
-              <a:rPr/>
-              <a:pPr/>
+              <a:rPr lang="pt-BR" smtClean="0"/>
+              <a:pPr algn="ctr"/>
               <a:t>‹nº›</a:t>
             </a:fld>
-            <a:endParaRPr lang="pt-BR"/>
+            <a:endParaRPr lang="pt-BR" sz="1600" baseline="0">
+              <a:solidFill>
+                <a:schemeClr val="tx2"/>
+              </a:solidFill>
+            </a:endParaRPr>
           </a:p>
         </p:txBody>
       </p:sp>
     </p:spTree>
+    <p:extLst>
+      <p:ext uri="{BB962C8B-B14F-4D97-AF65-F5344CB8AC3E}">
+        <p14:creationId xmlns:p14="http://schemas.microsoft.com/office/powerpoint/2010/main" val="2963027606"/>
+      </p:ext>
+    </p:extLst>
   </p:cSld>
   <p:clrMapOvr>
     <a:masterClrMapping/>
@@ -2832,7 +2820,7 @@
 </file>
 
 <file path=ppt/slideLayouts/slideLayout8.xml><?xml version="1.0" encoding="utf-8"?>
-<p:sldLayout xmlns:a="http://schemas.openxmlformats.org/drawingml/2006/main" xmlns:r="http://schemas.openxmlformats.org/officeDocument/2006/relationships" xmlns:p="http://schemas.openxmlformats.org/presentationml/2006/main" showMasterSp="0" type="objTx" preserve="1">
+<p:sldLayout xmlns:a="http://schemas.openxmlformats.org/drawingml/2006/main" xmlns:r="http://schemas.openxmlformats.org/officeDocument/2006/relationships" xmlns:p="http://schemas.openxmlformats.org/presentationml/2006/main" type="objTx" preserve="1">
   <p:cSld name="Conteúdo com Legenda">
     <p:spTree>
       <p:nvGrpSpPr>
@@ -2850,206 +2838,336 @@
       </p:grpSpPr>
       <p:sp>
         <p:nvSpPr>
-          <p:cNvPr id="29" name="Content Placeholder 28"/>
-          <p:cNvSpPr>
-            <a:spLocks noGrp="1"/>
-          </p:cNvSpPr>
-          <p:nvPr>
-            <p:ph sz="quarter" idx="1"/>
-          </p:nvPr>
+          <p:cNvPr id="2" name="Rectangle 1"/>
+          <p:cNvSpPr/>
+          <p:nvPr/>
         </p:nvSpPr>
         <p:spPr>
           <a:xfrm>
-            <a:off x="457200" y="457200"/>
-            <a:ext cx="6248400" cy="5715000"/>
+            <a:off x="5715000" y="0"/>
+            <a:ext cx="3429000" cy="6858000"/>
+          </a:xfrm>
+          <a:prstGeom prst="rect">
+            <a:avLst/>
+          </a:prstGeom>
+          <a:ln>
+            <a:noFill/>
+          </a:ln>
+        </p:spPr>
+        <p:style>
+          <a:lnRef idx="2">
+            <a:schemeClr val="accent1">
+              <a:shade val="50000"/>
+            </a:schemeClr>
+          </a:lnRef>
+          <a:fillRef idx="1">
+            <a:schemeClr val="accent1"/>
+          </a:fillRef>
+          <a:effectRef idx="0">
+            <a:schemeClr val="accent1"/>
+          </a:effectRef>
+          <a:fontRef idx="minor">
+            <a:schemeClr val="lt1"/>
+          </a:fontRef>
+        </p:style>
+      </p:sp>
+      <p:sp>
+        <p:nvSpPr>
+          <p:cNvPr id="9" name="Title 8"/>
+          <p:cNvSpPr>
+            <a:spLocks noGrp="1"/>
+          </p:cNvSpPr>
+          <p:nvPr>
+            <p:ph type="title"/>
+          </p:nvPr>
+        </p:nvSpPr>
+        <p:spPr>
+          <a:xfrm>
+            <a:off x="6196053" y="542282"/>
+            <a:ext cx="2537460" cy="1920240"/>
           </a:xfrm>
         </p:spPr>
         <p:txBody>
-          <a:bodyPr/>
-          <a:lstStyle/>
-          <a:p>
-            <a:pPr lvl="0"/>
-            <a:r>
-              <a:rPr lang="pt-BR" smtClean="0"/>
-              <a:t>Clique para editar o texto mestre</a:t>
-            </a:r>
-          </a:p>
-          <a:p>
-            <a:pPr lvl="1"/>
-            <a:r>
-              <a:rPr lang="pt-BR" smtClean="0"/>
-              <a:t>Segundo nível</a:t>
-            </a:r>
-          </a:p>
-          <a:p>
-            <a:pPr lvl="2"/>
-            <a:r>
-              <a:rPr lang="pt-BR" smtClean="0"/>
-              <a:t>Terceiro nível</a:t>
-            </a:r>
-          </a:p>
-          <a:p>
-            <a:pPr lvl="3"/>
-            <a:r>
-              <a:rPr lang="pt-BR" smtClean="0"/>
-              <a:t>Quarto nível</a:t>
-            </a:r>
-          </a:p>
-          <a:p>
-            <a:pPr lvl="4"/>
-            <a:r>
-              <a:rPr lang="pt-BR" smtClean="0"/>
-              <a:t>Quinto nível</a:t>
-            </a:r>
-            <a:endParaRPr lang="pt-BR"/>
-          </a:p>
-        </p:txBody>
-      </p:sp>
-      <p:sp>
-        <p:nvSpPr>
-          <p:cNvPr id="3" name="Text Placeholder 2"/>
-          <p:cNvSpPr>
-            <a:spLocks noGrp="1"/>
-          </p:cNvSpPr>
-          <p:nvPr>
-            <p:ph type="body" idx="2"/>
-          </p:nvPr>
-        </p:nvSpPr>
-        <p:spPr>
-          <a:xfrm>
-            <a:off x="6781800" y="1600200"/>
-            <a:ext cx="1984248" cy="3733800"/>
-          </a:xfrm>
-        </p:spPr>
-        <p:txBody>
-          <a:bodyPr tIns="45720" bIns="45720" anchor="t" anchorCtr="0"/>
+          <a:bodyPr anchor="b">
+            <a:noAutofit/>
+          </a:bodyPr>
           <a:lstStyle>
-            <a:lvl1pPr marL="0" indent="0" latinLnBrk="0">
+            <a:lvl1pPr>
               <a:lnSpc>
-                <a:spcPts val="2400"/>
+                <a:spcPct val="85000"/>
               </a:lnSpc>
-              <a:spcAft>
-                <a:spcPts val="1000"/>
-              </a:spcAft>
-              <a:buNone/>
-              <a:defRPr lang="pt-BR" sz="1600">
+              <a:defRPr sz="3600">
                 <a:solidFill>
-                  <a:schemeClr val="tx2"/>
+                  <a:srgbClr val="FFFFFF"/>
                 </a:solidFill>
               </a:defRPr>
             </a:lvl1pPr>
+          </a:lstStyle>
+          <a:p>
+            <a:r>
+              <a:rPr lang="pt-BR"/>
+              <a:t>Clique para editar o título mestre</a:t>
+            </a:r>
+            <a:endParaRPr lang="en-US" dirty="0"/>
+          </a:p>
+        </p:txBody>
+      </p:sp>
+      <p:sp>
+        <p:nvSpPr>
+          <p:cNvPr id="3" name="Content Placeholder 2"/>
+          <p:cNvSpPr>
+            <a:spLocks noGrp="1"/>
+          </p:cNvSpPr>
+          <p:nvPr>
+            <p:ph idx="1"/>
+          </p:nvPr>
+        </p:nvSpPr>
+        <p:spPr>
+          <a:xfrm>
+            <a:off x="571500" y="762000"/>
+            <a:ext cx="4572000" cy="4572000"/>
+          </a:xfrm>
+        </p:spPr>
+        <p:txBody>
+          <a:bodyPr/>
+          <a:lstStyle>
+            <a:lvl1pPr>
+              <a:defRPr sz="2200"/>
+            </a:lvl1pPr>
             <a:lvl2pPr>
-              <a:buNone/>
-              <a:defRPr lang="pt-BR" sz="1200"/>
+              <a:defRPr sz="1900"/>
             </a:lvl2pPr>
             <a:lvl3pPr>
-              <a:buNone/>
-              <a:defRPr lang="pt-BR" sz="1000"/>
+              <a:defRPr sz="1700"/>
             </a:lvl3pPr>
             <a:lvl4pPr>
-              <a:buNone/>
-              <a:defRPr lang="pt-BR" sz="900"/>
+              <a:defRPr sz="1500"/>
             </a:lvl4pPr>
             <a:lvl5pPr>
-              <a:buNone/>
-              <a:defRPr lang="pt-BR" sz="900"/>
+              <a:defRPr sz="1400"/>
             </a:lvl5pPr>
+            <a:lvl6pPr>
+              <a:defRPr sz="1400"/>
+            </a:lvl6pPr>
+            <a:lvl7pPr>
+              <a:defRPr sz="1400"/>
+            </a:lvl7pPr>
+            <a:lvl8pPr>
+              <a:defRPr sz="1400"/>
+            </a:lvl8pPr>
+            <a:lvl9pPr>
+              <a:defRPr sz="1400"/>
+            </a:lvl9pPr>
           </a:lstStyle>
           <a:p>
             <a:pPr lvl="0"/>
             <a:r>
-              <a:rPr lang="pt-BR" smtClean="0"/>
-              <a:t>Clique para editar o texto mestre</a:t>
-            </a:r>
-          </a:p>
-        </p:txBody>
-      </p:sp>
-      <p:sp>
-        <p:nvSpPr>
-          <p:cNvPr id="31" name="Title 30"/>
-          <p:cNvSpPr>
-            <a:spLocks noGrp="1"/>
-          </p:cNvSpPr>
-          <p:nvPr>
-            <p:ph type="title"/>
+              <a:rPr lang="pt-BR"/>
+              <a:t>Editar estilos de texto Mestre</a:t>
+            </a:r>
+          </a:p>
+          <a:p>
+            <a:pPr lvl="1"/>
+            <a:r>
+              <a:rPr lang="pt-BR"/>
+              <a:t>Segundo nível</a:t>
+            </a:r>
+          </a:p>
+          <a:p>
+            <a:pPr lvl="2"/>
+            <a:r>
+              <a:rPr lang="pt-BR"/>
+              <a:t>Terceiro nível</a:t>
+            </a:r>
+          </a:p>
+          <a:p>
+            <a:pPr lvl="3"/>
+            <a:r>
+              <a:rPr lang="pt-BR"/>
+              <a:t>Quarto nível</a:t>
+            </a:r>
+          </a:p>
+          <a:p>
+            <a:pPr lvl="4"/>
+            <a:r>
+              <a:rPr lang="pt-BR"/>
+              <a:t>Quinto nível</a:t>
+            </a:r>
+            <a:endParaRPr lang="en-US" dirty="0"/>
+          </a:p>
+        </p:txBody>
+      </p:sp>
+      <p:sp>
+        <p:nvSpPr>
+          <p:cNvPr id="4" name="Text Placeholder 3"/>
+          <p:cNvSpPr>
+            <a:spLocks noGrp="1"/>
+          </p:cNvSpPr>
+          <p:nvPr>
+            <p:ph type="body" sz="half" idx="2"/>
           </p:nvPr>
         </p:nvSpPr>
         <p:spPr>
           <a:xfrm>
-            <a:off x="6781800" y="457200"/>
-            <a:ext cx="1981200" cy="1066800"/>
+            <a:off x="6206987" y="2511813"/>
+            <a:ext cx="2548890" cy="3126987"/>
           </a:xfrm>
         </p:spPr>
         <p:txBody>
-          <a:bodyPr lIns="91440" tIns="91440" anchor="b" anchorCtr="0"/>
+          <a:bodyPr>
+            <a:normAutofit/>
+          </a:bodyPr>
           <a:lstStyle>
-            <a:lvl1pPr algn="l" latinLnBrk="0">
+            <a:lvl1pPr marL="0" marR="0" indent="0" algn="l" defTabSz="914400" rtl="0" eaLnBrk="1" fontAlgn="auto" latinLnBrk="0" hangingPunct="1">
+              <a:lnSpc>
+                <a:spcPct val="100000"/>
+              </a:lnSpc>
+              <a:spcBef>
+                <a:spcPts val="1200"/>
+              </a:spcBef>
+              <a:spcAft>
+                <a:spcPts val="0"/>
+              </a:spcAft>
+              <a:buClrTx/>
+              <a:buSzTx/>
+              <a:buFontTx/>
               <a:buNone/>
-              <a:defRPr lang="pt-BR" sz="1800" b="1" spc="-50" baseline="0">
-                <a:ln w="3175">
-                  <a:noFill/>
-                </a:ln>
+              <a:tabLst/>
+              <a:defRPr sz="1500">
                 <a:solidFill>
-                  <a:schemeClr val="tx2"/>
+                  <a:srgbClr val="404040"/>
                 </a:solidFill>
-                <a:effectLst/>
-                <a:latin typeface="+mn-lt"/>
-                <a:ea typeface="+mn-lt"/>
-                <a:cs typeface="+mn-lt"/>
+              </a:defRPr>
+            </a:lvl1pPr>
+            <a:lvl2pPr marL="457200" indent="0">
+              <a:buNone/>
+              <a:defRPr sz="1200"/>
+            </a:lvl2pPr>
+            <a:lvl3pPr marL="914400" indent="0">
+              <a:buNone/>
+              <a:defRPr sz="1000"/>
+            </a:lvl3pPr>
+            <a:lvl4pPr marL="1371600" indent="0">
+              <a:buNone/>
+              <a:defRPr sz="900"/>
+            </a:lvl4pPr>
+            <a:lvl5pPr marL="1828800" indent="0">
+              <a:buNone/>
+              <a:defRPr sz="900"/>
+            </a:lvl5pPr>
+            <a:lvl6pPr marL="2286000" indent="0">
+              <a:buNone/>
+              <a:defRPr sz="900"/>
+            </a:lvl6pPr>
+            <a:lvl7pPr marL="2743200" indent="0">
+              <a:buNone/>
+              <a:defRPr sz="900"/>
+            </a:lvl7pPr>
+            <a:lvl8pPr marL="3200400" indent="0">
+              <a:buNone/>
+              <a:defRPr sz="900"/>
+            </a:lvl8pPr>
+            <a:lvl9pPr marL="3657600" indent="0">
+              <a:buNone/>
+              <a:defRPr sz="900"/>
+            </a:lvl9pPr>
+          </a:lstStyle>
+          <a:p>
+            <a:pPr marL="0" marR="0" lvl="0" indent="0" algn="l" defTabSz="914400" rtl="0" eaLnBrk="1" fontAlgn="auto" latinLnBrk="0" hangingPunct="1">
+              <a:lnSpc>
+                <a:spcPct val="100000"/>
+              </a:lnSpc>
+              <a:spcBef>
+                <a:spcPts val="1400"/>
+              </a:spcBef>
+              <a:spcAft>
+                <a:spcPts val="0"/>
+              </a:spcAft>
+              <a:buClrTx/>
+              <a:buSzTx/>
+              <a:buFontTx/>
+              <a:buNone/>
+              <a:tabLst/>
+              <a:defRPr/>
+            </a:pPr>
+            <a:r>
+              <a:rPr lang="pt-BR"/>
+              <a:t>Editar estilos de texto Mestre</a:t>
+            </a:r>
+          </a:p>
+        </p:txBody>
+      </p:sp>
+      <p:sp>
+        <p:nvSpPr>
+          <p:cNvPr id="5" name="Date Placeholder 4"/>
+          <p:cNvSpPr>
+            <a:spLocks noGrp="1"/>
+          </p:cNvSpPr>
+          <p:nvPr>
+            <p:ph type="dt" sz="half" idx="10"/>
+          </p:nvPr>
+        </p:nvSpPr>
+        <p:spPr/>
+        <p:txBody>
+          <a:bodyPr/>
+          <a:lstStyle/>
+          <a:p>
+            <a:fld id="{DCFA480D-CB17-4C49-BB2A-C7514E1C7CEA}" type="datetimeFigureOut">
+              <a:rPr lang="pt-BR" smtClean="0"/>
+              <a:pPr/>
+              <a:t>19/11/2016</a:t>
+            </a:fld>
+            <a:endParaRPr lang="pt-BR"/>
+          </a:p>
+        </p:txBody>
+      </p:sp>
+      <p:sp>
+        <p:nvSpPr>
+          <p:cNvPr id="6" name="Footer Placeholder 5"/>
+          <p:cNvSpPr>
+            <a:spLocks noGrp="1"/>
+          </p:cNvSpPr>
+          <p:nvPr>
+            <p:ph type="ftr" sz="quarter" idx="11"/>
+          </p:nvPr>
+        </p:nvSpPr>
+        <p:spPr/>
+        <p:txBody>
+          <a:bodyPr/>
+          <a:lstStyle/>
+          <a:p>
+            <a:endParaRPr lang="pt-BR"/>
+          </a:p>
+        </p:txBody>
+      </p:sp>
+      <p:sp>
+        <p:nvSpPr>
+          <p:cNvPr id="7" name="Slide Number Placeholder 6"/>
+          <p:cNvSpPr>
+            <a:spLocks noGrp="1"/>
+          </p:cNvSpPr>
+          <p:nvPr>
+            <p:ph type="sldNum" sz="quarter" idx="12"/>
+          </p:nvPr>
+        </p:nvSpPr>
+        <p:spPr/>
+        <p:txBody>
+          <a:bodyPr/>
+          <a:lstStyle>
+            <a:lvl1pPr>
+              <a:defRPr>
+                <a:solidFill>
+                  <a:srgbClr val="FFFFFF">
+                    <a:alpha val="20000"/>
+                  </a:srgbClr>
+                </a:solidFill>
               </a:defRPr>
             </a:lvl1pPr>
           </a:lstStyle>
           <a:p>
-            <a:r>
-              <a:rPr lang="pt-BR" smtClean="0"/>
-              <a:t>Clique para editar o título mestre</a:t>
-            </a:r>
-            <a:endParaRPr lang="pt-BR"/>
-          </a:p>
-        </p:txBody>
-      </p:sp>
-      <p:sp>
-        <p:nvSpPr>
-          <p:cNvPr id="8" name="Date Placeholder 7"/>
-          <p:cNvSpPr>
-            <a:spLocks noGrp="1"/>
-          </p:cNvSpPr>
-          <p:nvPr>
-            <p:ph type="dt" sz="half" idx="14"/>
-          </p:nvPr>
-        </p:nvSpPr>
-        <p:spPr/>
-        <p:txBody>
-          <a:bodyPr/>
-          <a:lstStyle/>
-          <a:p>
-            <a:fld id="{DCFA480D-CB17-4C49-BB2A-C7514E1C7CEA}" type="datetimeFigureOut">
-              <a:rPr lang="pt-BR"/>
-              <a:pPr/>
-              <a:t>12/08/2016</a:t>
-            </a:fld>
-            <a:endParaRPr lang="pt-BR"/>
-          </a:p>
-        </p:txBody>
-      </p:sp>
-      <p:sp>
-        <p:nvSpPr>
-          <p:cNvPr id="9" name="Slide Number Placeholder 8"/>
-          <p:cNvSpPr>
-            <a:spLocks noGrp="1"/>
-          </p:cNvSpPr>
-          <p:nvPr>
-            <p:ph type="sldNum" sz="quarter" idx="15"/>
-          </p:nvPr>
-        </p:nvSpPr>
-        <p:spPr/>
-        <p:txBody>
-          <a:bodyPr/>
-          <a:lstStyle/>
-          <a:p>
             <a:pPr algn="ctr"/>
             <a:fld id="{CEAB1635-7AB6-4A02-8F63-2344453D2D84}" type="slidenum">
-              <a:rPr/>
+              <a:rPr lang="pt-BR" smtClean="0"/>
               <a:pPr algn="ctr"/>
               <a:t>‹nº›</a:t>
             </a:fld>
@@ -3057,26 +3175,12 @@
           </a:p>
         </p:txBody>
       </p:sp>
-      <p:sp>
-        <p:nvSpPr>
-          <p:cNvPr id="10" name="Footer Placeholder 9"/>
-          <p:cNvSpPr>
-            <a:spLocks noGrp="1"/>
-          </p:cNvSpPr>
-          <p:nvPr>
-            <p:ph type="ftr" sz="quarter" idx="16"/>
-          </p:nvPr>
-        </p:nvSpPr>
-        <p:spPr/>
-        <p:txBody>
-          <a:bodyPr/>
-          <a:lstStyle/>
-          <a:p>
-            <a:endParaRPr lang="pt-BR"/>
-          </a:p>
-        </p:txBody>
-      </p:sp>
     </p:spTree>
+    <p:extLst>
+      <p:ext uri="{BB962C8B-B14F-4D97-AF65-F5344CB8AC3E}">
+        <p14:creationId xmlns:p14="http://schemas.microsoft.com/office/powerpoint/2010/main" val="446515276"/>
+      </p:ext>
+    </p:extLst>
   </p:cSld>
   <p:clrMapOvr>
     <a:masterClrMapping/>
@@ -3085,8 +3189,16 @@
 </file>
 
 <file path=ppt/slideLayouts/slideLayout9.xml><?xml version="1.0" encoding="utf-8"?>
-<p:sldLayout xmlns:a="http://schemas.openxmlformats.org/drawingml/2006/main" xmlns:r="http://schemas.openxmlformats.org/officeDocument/2006/relationships" xmlns:p="http://schemas.openxmlformats.org/presentationml/2006/main" showMasterSp="0" type="picTx" preserve="1">
+<p:sldLayout xmlns:a="http://schemas.openxmlformats.org/drawingml/2006/main" xmlns:r="http://schemas.openxmlformats.org/officeDocument/2006/relationships" xmlns:p="http://schemas.openxmlformats.org/presentationml/2006/main" type="picTx" preserve="1">
   <p:cSld name="Imagem com Legenda">
+    <p:bg>
+      <p:bgPr>
+        <a:solidFill>
+          <a:schemeClr val="accent1"/>
+        </a:solidFill>
+        <a:effectLst/>
+      </p:bgPr>
+    </p:bg>
     <p:spTree>
       <p:nvGrpSpPr>
         <p:cNvPr id="1" name=""/>
@@ -3113,163 +3225,219 @@
         </p:nvSpPr>
         <p:spPr>
           <a:xfrm>
-            <a:off x="6629400" y="457200"/>
-            <a:ext cx="2057400" cy="1066800"/>
+            <a:off x="486918" y="5418668"/>
+            <a:ext cx="8085582" cy="613283"/>
           </a:xfrm>
         </p:spPr>
         <p:txBody>
-          <a:bodyPr lIns="91440" tIns="91440" anchor="b" anchorCtr="0"/>
+          <a:bodyPr anchor="b">
+            <a:normAutofit/>
+          </a:bodyPr>
           <a:lstStyle>
-            <a:lvl1pPr algn="l" latinLnBrk="0">
-              <a:buNone/>
-              <a:defRPr lang="pt-BR" sz="1800" b="1" spc="-50" baseline="0">
-                <a:ln w="3175">
-                  <a:noFill/>
-                </a:ln>
+            <a:lvl1pPr>
+              <a:lnSpc>
+                <a:spcPct val="85000"/>
+              </a:lnSpc>
+              <a:defRPr sz="2800" b="0">
                 <a:solidFill>
-                  <a:schemeClr val="tx2"/>
-                </a:solidFill>
-                <a:effectLst/>
-                <a:latin typeface="+mn-lt"/>
-                <a:ea typeface="+mn-lt"/>
-                <a:cs typeface="+mn-lt"/>
-              </a:defRPr>
-            </a:lvl1pPr>
-          </a:lstStyle>
-          <a:p>
-            <a:r>
-              <a:rPr lang="pt-BR" smtClean="0"/>
-              <a:t>Clique para editar o título mestre</a:t>
-            </a:r>
-            <a:endParaRPr lang="pt-BR"/>
-          </a:p>
-        </p:txBody>
-      </p:sp>
-      <p:sp>
-        <p:nvSpPr>
-          <p:cNvPr id="3" name="Picture Placeholder 2"/>
-          <p:cNvSpPr>
-            <a:spLocks noGrp="1"/>
-          </p:cNvSpPr>
-          <p:nvPr>
-            <p:ph type="pic" idx="1"/>
-          </p:nvPr>
-        </p:nvSpPr>
-        <p:spPr>
-          <a:xfrm>
-            <a:off x="457200" y="457200"/>
-            <a:ext cx="6019800" cy="5562600"/>
-          </a:xfrm>
-          <a:solidFill>
-            <a:schemeClr val="tx2">
-              <a:tint val="40000"/>
-            </a:schemeClr>
-          </a:solidFill>
-          <a:effectLst>
-            <a:outerShdw blurRad="88900" sx="103000" sy="103000" algn="ctr" rotWithShape="0">
-              <a:prstClr val="black">
-                <a:alpha val="32000"/>
-              </a:prstClr>
-            </a:outerShdw>
-            <a:softEdge rad="127000"/>
-          </a:effectLst>
-        </p:spPr>
-        <p:txBody>
-          <a:bodyPr/>
-          <a:lstStyle>
-            <a:lvl1pPr marL="0" indent="0" latinLnBrk="0">
-              <a:buNone/>
-              <a:defRPr lang="pt-BR" sz="3200">
-                <a:solidFill>
-                  <a:schemeClr val="bg1"/>
+                  <a:srgbClr val="FFFFFF"/>
                 </a:solidFill>
               </a:defRPr>
             </a:lvl1pPr>
           </a:lstStyle>
           <a:p>
             <a:r>
-              <a:rPr lang="pt-BR" smtClean="0"/>
-              <a:t>Clique no ícone para adicionar uma imagem</a:t>
-            </a:r>
-            <a:endParaRPr lang="pt-BR"/>
-          </a:p>
-        </p:txBody>
-      </p:sp>
-      <p:sp>
-        <p:nvSpPr>
-          <p:cNvPr id="4" name="Text Placeholder 3"/>
-          <p:cNvSpPr>
-            <a:spLocks noGrp="1"/>
-          </p:cNvSpPr>
-          <p:nvPr>
-            <p:ph type="body" sz="half" idx="2"/>
+              <a:rPr lang="pt-BR"/>
+              <a:t>Clique para editar o título mestre</a:t>
+            </a:r>
+            <a:endParaRPr lang="en-US" dirty="0"/>
+          </a:p>
+        </p:txBody>
+      </p:sp>
+      <p:sp>
+        <p:nvSpPr>
+          <p:cNvPr id="3" name="Picture Placeholder 2"/>
+          <p:cNvSpPr>
+            <a:spLocks noGrp="1" noChangeAspect="1"/>
+          </p:cNvSpPr>
+          <p:nvPr>
+            <p:ph type="pic" idx="1"/>
           </p:nvPr>
         </p:nvSpPr>
         <p:spPr>
           <a:xfrm>
-            <a:off x="6629400" y="1600200"/>
-            <a:ext cx="2057400" cy="4419600"/>
+            <a:off x="0" y="0"/>
+            <a:ext cx="9144000" cy="5330952"/>
           </a:xfrm>
+          <a:blipFill>
+            <a:blip r:embed="rId2"/>
+            <a:stretch>
+              <a:fillRect/>
+            </a:stretch>
+          </a:blipFill>
         </p:spPr>
         <p:txBody>
-          <a:bodyPr anchor="t" anchorCtr="0"/>
+          <a:bodyPr anchor="t"/>
           <a:lstStyle>
-            <a:lvl1pPr marL="0" indent="0" latinLnBrk="0">
-              <a:lnSpc>
-                <a:spcPts val="2400"/>
-              </a:lnSpc>
-              <a:spcAft>
-                <a:spcPts val="1000"/>
-              </a:spcAft>
-              <a:buFontTx/>
+            <a:lvl1pPr marL="0" indent="0" algn="ctr">
+              <a:spcBef>
+                <a:spcPts val="800"/>
+              </a:spcBef>
               <a:buNone/>
-              <a:defRPr lang="pt-BR" sz="1600" b="0">
+              <a:defRPr sz="3200">
                 <a:solidFill>
-                  <a:schemeClr val="tx2"/>
+                  <a:srgbClr val="4D4D4D"/>
                 </a:solidFill>
               </a:defRPr>
             </a:lvl1pPr>
-            <a:lvl2pPr>
-              <a:defRPr lang="pt-BR" sz="1200"/>
+            <a:lvl2pPr marL="457200" indent="0">
+              <a:buNone/>
+              <a:defRPr sz="2800"/>
             </a:lvl2pPr>
-            <a:lvl3pPr>
-              <a:defRPr lang="pt-BR" sz="1000"/>
+            <a:lvl3pPr marL="914400" indent="0">
+              <a:buNone/>
+              <a:defRPr sz="2400"/>
             </a:lvl3pPr>
-            <a:lvl4pPr>
-              <a:defRPr lang="pt-BR" sz="900"/>
+            <a:lvl4pPr marL="1371600" indent="0">
+              <a:buNone/>
+              <a:defRPr sz="2000"/>
             </a:lvl4pPr>
-            <a:lvl5pPr>
-              <a:defRPr lang="pt-BR" sz="900"/>
+            <a:lvl5pPr marL="1828800" indent="0">
+              <a:buNone/>
+              <a:defRPr sz="2000"/>
             </a:lvl5pPr>
+            <a:lvl6pPr marL="2286000" indent="0">
+              <a:buNone/>
+              <a:defRPr sz="2000"/>
+            </a:lvl6pPr>
+            <a:lvl7pPr marL="2743200" indent="0">
+              <a:buNone/>
+              <a:defRPr sz="2000"/>
+            </a:lvl7pPr>
+            <a:lvl8pPr marL="3200400" indent="0">
+              <a:buNone/>
+              <a:defRPr sz="2000"/>
+            </a:lvl8pPr>
+            <a:lvl9pPr marL="3657600" indent="0">
+              <a:buNone/>
+              <a:defRPr sz="2000"/>
+            </a:lvl9pPr>
           </a:lstStyle>
           <a:p>
+            <a:r>
+              <a:rPr lang="pt-BR"/>
+              <a:t>Clique no ícone para adicionar uma imagem</a:t>
+            </a:r>
+            <a:endParaRPr lang="en-US" dirty="0"/>
+          </a:p>
+        </p:txBody>
+      </p:sp>
+      <p:sp>
+        <p:nvSpPr>
+          <p:cNvPr id="4" name="Text Placeholder 3"/>
+          <p:cNvSpPr>
+            <a:spLocks noGrp="1"/>
+          </p:cNvSpPr>
+          <p:nvPr>
+            <p:ph type="body" sz="half" idx="2"/>
+          </p:nvPr>
+        </p:nvSpPr>
+        <p:spPr>
+          <a:xfrm>
+            <a:off x="507492" y="5909735"/>
+            <a:ext cx="6922008" cy="533400"/>
+          </a:xfrm>
+        </p:spPr>
+        <p:txBody>
+          <a:bodyPr>
+            <a:normAutofit/>
+          </a:bodyPr>
+          <a:lstStyle>
+            <a:lvl1pPr marL="0" indent="0">
+              <a:lnSpc>
+                <a:spcPct val="90000"/>
+              </a:lnSpc>
+              <a:spcBef>
+                <a:spcPts val="1200"/>
+              </a:spcBef>
+              <a:buNone/>
+              <a:defRPr sz="1400">
+                <a:solidFill>
+                  <a:srgbClr val="262626"/>
+                </a:solidFill>
+              </a:defRPr>
+            </a:lvl1pPr>
+            <a:lvl2pPr marL="457200" indent="0">
+              <a:buNone/>
+              <a:defRPr sz="1200"/>
+            </a:lvl2pPr>
+            <a:lvl3pPr marL="914400" indent="0">
+              <a:buNone/>
+              <a:defRPr sz="1000"/>
+            </a:lvl3pPr>
+            <a:lvl4pPr marL="1371600" indent="0">
+              <a:buNone/>
+              <a:defRPr sz="900"/>
+            </a:lvl4pPr>
+            <a:lvl5pPr marL="1828800" indent="0">
+              <a:buNone/>
+              <a:defRPr sz="900"/>
+            </a:lvl5pPr>
+            <a:lvl6pPr marL="2286000" indent="0">
+              <a:buNone/>
+              <a:defRPr sz="900"/>
+            </a:lvl6pPr>
+            <a:lvl7pPr marL="2743200" indent="0">
+              <a:buNone/>
+              <a:defRPr sz="900"/>
+            </a:lvl7pPr>
+            <a:lvl8pPr marL="3200400" indent="0">
+              <a:buNone/>
+              <a:defRPr sz="900"/>
+            </a:lvl8pPr>
+            <a:lvl9pPr marL="3657600" indent="0">
+              <a:buNone/>
+              <a:defRPr sz="900"/>
+            </a:lvl9pPr>
+          </a:lstStyle>
+          <a:p>
             <a:pPr lvl="0"/>
             <a:r>
+              <a:rPr lang="pt-BR"/>
+              <a:t>Editar estilos de texto Mestre</a:t>
+            </a:r>
+          </a:p>
+        </p:txBody>
+      </p:sp>
+      <p:sp>
+        <p:nvSpPr>
+          <p:cNvPr id="5" name="Date Placeholder 4"/>
+          <p:cNvSpPr>
+            <a:spLocks noGrp="1"/>
+          </p:cNvSpPr>
+          <p:nvPr>
+            <p:ph type="dt" sz="half" idx="10"/>
+          </p:nvPr>
+        </p:nvSpPr>
+        <p:spPr/>
+        <p:txBody>
+          <a:bodyPr/>
+          <a:lstStyle>
+            <a:lvl1pPr>
+              <a:defRPr>
+                <a:solidFill>
+                  <a:srgbClr val="FFFFFF">
+                    <a:alpha val="75000"/>
+                  </a:srgbClr>
+                </a:solidFill>
+              </a:defRPr>
+            </a:lvl1pPr>
+          </a:lstStyle>
+          <a:p>
+            <a:fld id="{DCFA480D-CB17-4C49-BB2A-C7514E1C7CEA}" type="datetimeFigureOut">
               <a:rPr lang="pt-BR" smtClean="0"/>
-              <a:t>Clique para editar o texto mestre</a:t>
-            </a:r>
-          </a:p>
-        </p:txBody>
-      </p:sp>
-      <p:sp>
-        <p:nvSpPr>
-          <p:cNvPr id="8" name="Date Placeholder 7"/>
-          <p:cNvSpPr>
-            <a:spLocks noGrp="1"/>
-          </p:cNvSpPr>
-          <p:nvPr>
-            <p:ph type="dt" sz="half" idx="10"/>
-          </p:nvPr>
-        </p:nvSpPr>
-        <p:spPr/>
-        <p:txBody>
-          <a:bodyPr/>
-          <a:lstStyle/>
-          <a:p>
-            <a:fld id="{DCFA480D-CB17-4C49-BB2A-C7514E1C7CEA}" type="datetimeFigureOut">
-              <a:rPr lang="pt-BR"/>
               <a:pPr/>
-              <a:t>12/08/2016</a:t>
+              <a:t>19/11/2016</a:t>
             </a:fld>
             <a:endParaRPr lang="pt-BR"/>
           </a:p>
@@ -3277,22 +3445,61 @@
       </p:sp>
       <p:sp>
         <p:nvSpPr>
-          <p:cNvPr id="9" name="Slide Number Placeholder 8"/>
-          <p:cNvSpPr>
-            <a:spLocks noGrp="1"/>
-          </p:cNvSpPr>
-          <p:nvPr>
-            <p:ph type="sldNum" sz="quarter" idx="11"/>
+          <p:cNvPr id="6" name="Footer Placeholder 5"/>
+          <p:cNvSpPr>
+            <a:spLocks noGrp="1"/>
+          </p:cNvSpPr>
+          <p:nvPr>
+            <p:ph type="ftr" sz="quarter" idx="11"/>
           </p:nvPr>
         </p:nvSpPr>
         <p:spPr/>
         <p:txBody>
           <a:bodyPr/>
-          <a:lstStyle/>
+          <a:lstStyle>
+            <a:lvl1pPr>
+              <a:defRPr>
+                <a:solidFill>
+                  <a:srgbClr val="FFFFFF">
+                    <a:alpha val="75000"/>
+                  </a:srgbClr>
+                </a:solidFill>
+              </a:defRPr>
+            </a:lvl1pPr>
+          </a:lstStyle>
+          <a:p>
+            <a:endParaRPr lang="pt-BR"/>
+          </a:p>
+        </p:txBody>
+      </p:sp>
+      <p:sp>
+        <p:nvSpPr>
+          <p:cNvPr id="7" name="Slide Number Placeholder 6"/>
+          <p:cNvSpPr>
+            <a:spLocks noGrp="1"/>
+          </p:cNvSpPr>
+          <p:nvPr>
+            <p:ph type="sldNum" sz="quarter" idx="12"/>
+          </p:nvPr>
+        </p:nvSpPr>
+        <p:spPr/>
+        <p:txBody>
+          <a:bodyPr/>
+          <a:lstStyle>
+            <a:lvl1pPr>
+              <a:defRPr>
+                <a:solidFill>
+                  <a:srgbClr val="FFFFFF">
+                    <a:alpha val="20000"/>
+                  </a:srgbClr>
+                </a:solidFill>
+              </a:defRPr>
+            </a:lvl1pPr>
+          </a:lstStyle>
           <a:p>
             <a:pPr algn="ctr"/>
             <a:fld id="{CEAB1635-7AB6-4A02-8F63-2344453D2D84}" type="slidenum">
-              <a:rPr/>
+              <a:rPr lang="pt-BR" smtClean="0"/>
               <a:pPr algn="ctr"/>
               <a:t>‹nº›</a:t>
             </a:fld>
@@ -3300,29 +3507,15 @@
           </a:p>
         </p:txBody>
       </p:sp>
-      <p:sp>
-        <p:nvSpPr>
-          <p:cNvPr id="10" name="Footer Placeholder 9"/>
-          <p:cNvSpPr>
-            <a:spLocks noGrp="1"/>
-          </p:cNvSpPr>
-          <p:nvPr>
-            <p:ph type="ftr" sz="quarter" idx="12"/>
-          </p:nvPr>
-        </p:nvSpPr>
-        <p:spPr/>
-        <p:txBody>
-          <a:bodyPr/>
-          <a:lstStyle/>
-          <a:p>
-            <a:endParaRPr lang="pt-BR"/>
-          </a:p>
-        </p:txBody>
-      </p:sp>
     </p:spTree>
+    <p:extLst>
+      <p:ext uri="{BB962C8B-B14F-4D97-AF65-F5344CB8AC3E}">
+        <p14:creationId xmlns:p14="http://schemas.microsoft.com/office/powerpoint/2010/main" val="4039353982"/>
+      </p:ext>
+    </p:extLst>
   </p:cSld>
   <p:clrMapOvr>
-    <a:masterClrMapping/>
+    <a:overrideClrMapping bg1="dk1" tx1="lt1" bg2="dk2" tx2="lt2" accent1="accent1" accent2="accent2" accent3="accent3" accent4="accent4" accent5="accent5" accent6="accent6" hlink="hlink" folHlink="folHlink"/>
   </p:clrMapOvr>
 </p:sldLayout>
 </file>
@@ -3331,8 +3524,8 @@
 <p:sldMaster xmlns:a="http://schemas.openxmlformats.org/drawingml/2006/main" xmlns:r="http://schemas.openxmlformats.org/officeDocument/2006/relationships" xmlns:p="http://schemas.openxmlformats.org/presentationml/2006/main">
   <p:cSld>
     <p:bg>
-      <p:bgRef idx="1003">
-        <a:schemeClr val="bg2"/>
+      <p:bgRef idx="1001">
+        <a:schemeClr val="bg1"/>
       </p:bgRef>
     </p:bg>
     <p:spTree>
@@ -3351,100 +3544,136 @@
       </p:grpSpPr>
       <p:sp>
         <p:nvSpPr>
-          <p:cNvPr id="9" name="Text Placeholder 8"/>
-          <p:cNvSpPr>
-            <a:spLocks noGrp="1"/>
-          </p:cNvSpPr>
-          <p:nvPr>
-            <p:ph type="body" idx="1"/>
+          <p:cNvPr id="2" name="Title Placeholder 1"/>
+          <p:cNvSpPr>
+            <a:spLocks noGrp="1"/>
+          </p:cNvSpPr>
+          <p:nvPr>
+            <p:ph type="title"/>
           </p:nvPr>
         </p:nvSpPr>
         <p:spPr>
           <a:xfrm>
-            <a:off x="457200" y="1447800"/>
-            <a:ext cx="8229600" cy="4678363"/>
+            <a:off x="492919" y="499533"/>
+            <a:ext cx="8079581" cy="1658198"/>
           </a:xfrm>
           <a:prstGeom prst="rect">
             <a:avLst/>
           </a:prstGeom>
         </p:spPr>
         <p:txBody>
-          <a:bodyPr vert="horz">
+          <a:bodyPr vert="horz" lIns="91440" tIns="45720" rIns="91440" bIns="45720" rtlCol="0" anchor="ctr">
             <a:normAutofit/>
           </a:bodyPr>
           <a:lstStyle/>
           <a:p>
-            <a:pPr lvl="0"/>
             <a:r>
               <a:rPr lang="pt-BR"/>
-              <a:t>Clique para editar os estilos do texto mestre</a:t>
-            </a:r>
-          </a:p>
-          <a:p>
-            <a:pPr lvl="1"/>
-            <a:r>
-              <a:rPr lang="pt-BR"/>
-              <a:t>Segundo nível</a:t>
-            </a:r>
-          </a:p>
-          <a:p>
-            <a:pPr lvl="2"/>
-            <a:r>
-              <a:rPr lang="pt-BR"/>
-              <a:t>Terceiro nível</a:t>
-            </a:r>
-          </a:p>
-          <a:p>
-            <a:pPr lvl="3"/>
-            <a:r>
-              <a:rPr lang="pt-BR"/>
-              <a:t>Quarto nível</a:t>
-            </a:r>
-          </a:p>
-          <a:p>
-            <a:pPr lvl="4"/>
-            <a:r>
-              <a:rPr lang="pt-BR"/>
-              <a:t>Quinto nível</a:t>
-            </a:r>
-          </a:p>
-        </p:txBody>
-      </p:sp>
-      <p:sp>
-        <p:nvSpPr>
-          <p:cNvPr id="24" name="Date Placeholder 23"/>
-          <p:cNvSpPr>
-            <a:spLocks noGrp="1"/>
-          </p:cNvSpPr>
-          <p:nvPr>
-            <p:ph type="dt" sz="half" idx="2"/>
+              <a:t>Clique para editar o título mestre</a:t>
+            </a:r>
+            <a:endParaRPr lang="en-US" dirty="0"/>
+          </a:p>
+        </p:txBody>
+      </p:sp>
+      <p:sp>
+        <p:nvSpPr>
+          <p:cNvPr id="3" name="Text Placeholder 2"/>
+          <p:cNvSpPr>
+            <a:spLocks noGrp="1"/>
+          </p:cNvSpPr>
+          <p:nvPr>
+            <p:ph type="body" idx="1"/>
           </p:nvPr>
         </p:nvSpPr>
         <p:spPr>
           <a:xfrm>
-            <a:off x="5791200" y="6203667"/>
-            <a:ext cx="2590800" cy="384048"/>
+            <a:off x="507206" y="1993393"/>
+            <a:ext cx="8065294" cy="3766185"/>
           </a:xfrm>
           <a:prstGeom prst="rect">
             <a:avLst/>
           </a:prstGeom>
         </p:spPr>
         <p:txBody>
-          <a:bodyPr vert="horz" anchor="ctr" anchorCtr="0"/>
+          <a:bodyPr vert="horz" lIns="91440" tIns="45720" rIns="91440" bIns="45720" rtlCol="0">
+            <a:normAutofit/>
+          </a:bodyPr>
+          <a:lstStyle/>
+          <a:p>
+            <a:pPr lvl="0"/>
+            <a:r>
+              <a:rPr lang="pt-BR"/>
+              <a:t>Editar estilos de texto Mestre</a:t>
+            </a:r>
+          </a:p>
+          <a:p>
+            <a:pPr lvl="1"/>
+            <a:r>
+              <a:rPr lang="pt-BR"/>
+              <a:t>Segundo nível</a:t>
+            </a:r>
+          </a:p>
+          <a:p>
+            <a:pPr lvl="2"/>
+            <a:r>
+              <a:rPr lang="pt-BR"/>
+              <a:t>Terceiro nível</a:t>
+            </a:r>
+          </a:p>
+          <a:p>
+            <a:pPr lvl="3"/>
+            <a:r>
+              <a:rPr lang="pt-BR"/>
+              <a:t>Quarto nível</a:t>
+            </a:r>
+          </a:p>
+          <a:p>
+            <a:pPr lvl="4"/>
+            <a:r>
+              <a:rPr lang="pt-BR"/>
+              <a:t>Quinto nível</a:t>
+            </a:r>
+            <a:endParaRPr lang="en-US" dirty="0"/>
+          </a:p>
+        </p:txBody>
+      </p:sp>
+      <p:sp>
+        <p:nvSpPr>
+          <p:cNvPr id="4" name="Date Placeholder 3"/>
+          <p:cNvSpPr>
+            <a:spLocks noGrp="1"/>
+          </p:cNvSpPr>
+          <p:nvPr>
+            <p:ph type="dt" sz="half" idx="2"/>
+          </p:nvPr>
+        </p:nvSpPr>
+        <p:spPr>
+          <a:xfrm>
+            <a:off x="514350" y="6412447"/>
+            <a:ext cx="3086100" cy="228600"/>
+          </a:xfrm>
+          <a:prstGeom prst="rect">
+            <a:avLst/>
+          </a:prstGeom>
+        </p:spPr>
+        <p:txBody>
+          <a:bodyPr vert="horz" lIns="91440" tIns="45720" rIns="91440" bIns="45720" rtlCol="0" anchor="ctr"/>
           <a:lstStyle>
-            <a:lvl1pPr algn="l" latinLnBrk="0">
-              <a:defRPr lang="pt-BR" sz="1200">
+            <a:lvl1pPr algn="l">
+              <a:defRPr sz="950">
                 <a:solidFill>
-                  <a:schemeClr val="tx2"/>
+                  <a:schemeClr val="tx1">
+                    <a:alpha val="75000"/>
+                  </a:schemeClr>
                 </a:solidFill>
               </a:defRPr>
             </a:lvl1pPr>
           </a:lstStyle>
           <a:p>
             <a:fld id="{DCFA480D-CB17-4C49-BB2A-C7514E1C7CEA}" type="datetimeFigureOut">
-              <a:rPr lang="pt-BR"/>
+              <a:rPr lang="pt-BR" smtClean="0"/>
               <a:pPr/>
-              <a:t>12/08/2016</a:t>
+              <a:t>19/11/2016</a:t>
             </a:fld>
             <a:endParaRPr lang="pt-BR" sz="1200">
               <a:solidFill>
@@ -3456,7 +3685,7 @@
       </p:sp>
       <p:sp>
         <p:nvSpPr>
-          <p:cNvPr id="10" name="Footer Placeholder 9"/>
+          <p:cNvPr id="5" name="Footer Placeholder 4"/>
           <p:cNvSpPr>
             <a:spLocks noGrp="1"/>
           </p:cNvSpPr>
@@ -3466,20 +3695,22 @@
         </p:nvSpPr>
         <p:spPr>
           <a:xfrm>
-            <a:off x="2133600" y="6203667"/>
-            <a:ext cx="3581400" cy="384048"/>
+            <a:off x="514350" y="6554697"/>
+            <a:ext cx="3771900" cy="228600"/>
           </a:xfrm>
           <a:prstGeom prst="rect">
             <a:avLst/>
           </a:prstGeom>
         </p:spPr>
         <p:txBody>
-          <a:bodyPr vert="horz" anchor="ctr" anchorCtr="0"/>
+          <a:bodyPr vert="horz" lIns="91440" tIns="45720" rIns="91440" bIns="45720" rtlCol="0" anchor="ctr"/>
           <a:lstStyle>
-            <a:lvl1pPr algn="r" latinLnBrk="0">
-              <a:defRPr lang="pt-BR" sz="1200">
+            <a:lvl1pPr algn="l">
+              <a:defRPr sz="950" cap="all" baseline="0">
                 <a:solidFill>
-                  <a:schemeClr val="tx2"/>
+                  <a:schemeClr val="tx1">
+                    <a:alpha val="75000"/>
+                  </a:schemeClr>
                 </a:solidFill>
               </a:defRPr>
             </a:lvl1pPr>
@@ -3496,7 +3727,7 @@
       </p:sp>
       <p:sp>
         <p:nvSpPr>
-          <p:cNvPr id="22" name="Slide Number Placeholder 21"/>
+          <p:cNvPr id="6" name="Slide Number Placeholder 5"/>
           <p:cNvSpPr>
             <a:spLocks noGrp="1"/>
           </p:cNvSpPr>
@@ -3506,31 +3737,34 @@
         </p:nvSpPr>
         <p:spPr>
           <a:xfrm>
-            <a:off x="8410575" y="6181531"/>
-            <a:ext cx="609600" cy="457200"/>
+            <a:off x="6541193" y="5829748"/>
+            <a:ext cx="2194560" cy="1397039"/>
           </a:xfrm>
           <a:prstGeom prst="rect">
             <a:avLst/>
           </a:prstGeom>
-          <a:noFill/>
         </p:spPr>
         <p:txBody>
-          <a:bodyPr vert="horz" lIns="0" tIns="0" rIns="0" bIns="0" anchor="ctr" anchorCtr="0">
-            <a:noAutofit/>
-          </a:bodyPr>
+          <a:bodyPr vert="horz" lIns="91440" tIns="45720" rIns="91440" bIns="45720" rtlCol="0" anchor="b"/>
           <a:lstStyle>
-            <a:lvl1pPr algn="ctr" latinLnBrk="0">
-              <a:defRPr lang="pt-BR" sz="1600" baseline="0">
+            <a:lvl1pPr algn="r">
+              <a:defRPr sz="9000" b="0">
+                <a:ln>
+                  <a:noFill/>
+                </a:ln>
                 <a:solidFill>
-                  <a:schemeClr val="tx2"/>
+                  <a:schemeClr val="accent1">
+                    <a:alpha val="20000"/>
+                  </a:schemeClr>
                 </a:solidFill>
+                <a:latin typeface="+mj-lt"/>
               </a:defRPr>
             </a:lvl1pPr>
           </a:lstStyle>
           <a:p>
             <a:pPr algn="ctr"/>
             <a:fld id="{CEAB1635-7AB6-4A02-8F63-2344453D2D84}" type="slidenum">
-              <a:rPr/>
+              <a:rPr lang="pt-BR" smtClean="0"/>
               <a:pPr algn="ctr"/>
               <a:t>‹nº›</a:t>
             </a:fld>
@@ -3542,85 +3776,41 @@
           </a:p>
         </p:txBody>
       </p:sp>
-      <p:sp>
-        <p:nvSpPr>
-          <p:cNvPr id="5" name="Title Placeholder 4"/>
-          <p:cNvSpPr>
-            <a:spLocks noGrp="1"/>
-          </p:cNvSpPr>
-          <p:nvPr>
-            <p:ph type="title"/>
-          </p:nvPr>
-        </p:nvSpPr>
-        <p:spPr>
-          <a:xfrm>
-            <a:off x="457200" y="152400"/>
-            <a:ext cx="8229600" cy="1219200"/>
-          </a:xfrm>
-          <a:prstGeom prst="rect">
-            <a:avLst/>
-          </a:prstGeom>
-          <a:ln w="6350" cap="rnd">
-            <a:noFill/>
-          </a:ln>
-        </p:spPr>
-        <p:txBody>
-          <a:bodyPr vert="horz" anchor="b" anchorCtr="0">
-            <a:normAutofit/>
-          </a:bodyPr>
-          <a:lstStyle/>
-          <a:p>
-            <a:r>
-              <a:rPr lang="pt-BR"/>
-              <a:t>Clique para editar o estilo do título mestre</a:t>
-            </a:r>
-          </a:p>
-        </p:txBody>
-      </p:sp>
     </p:spTree>
+    <p:extLst>
+      <p:ext uri="{BB962C8B-B14F-4D97-AF65-F5344CB8AC3E}">
+        <p14:creationId xmlns:p14="http://schemas.microsoft.com/office/powerpoint/2010/main" val="607752190"/>
+      </p:ext>
+    </p:extLst>
   </p:cSld>
-  <p:clrMap bg1="dk1" tx1="lt1" bg2="dk2" tx2="lt2" accent1="accent1" accent2="accent2" accent3="accent3" accent4="accent4" accent5="accent5" accent6="accent6" hlink="hlink" folHlink="folHlink"/>
+  <p:clrMap bg1="lt1" tx1="dk1" bg2="lt2" tx2="dk2" accent1="accent1" accent2="accent2" accent3="accent3" accent4="accent4" accent5="accent5" accent6="accent6" hlink="hlink" folHlink="folHlink"/>
   <p:sldLayoutIdLst>
-    <p:sldLayoutId id="2147483661" r:id="rId1"/>
-    <p:sldLayoutId id="2147483662" r:id="rId2"/>
-    <p:sldLayoutId id="2147483663" r:id="rId3"/>
-    <p:sldLayoutId id="2147483664" r:id="rId4"/>
-    <p:sldLayoutId id="2147483665" r:id="rId5"/>
-    <p:sldLayoutId id="2147483666" r:id="rId6"/>
-    <p:sldLayoutId id="2147483667" r:id="rId7"/>
-    <p:sldLayoutId id="2147483668" r:id="rId8"/>
-    <p:sldLayoutId id="2147483669" r:id="rId9"/>
-    <p:sldLayoutId id="2147483670" r:id="rId10"/>
-    <p:sldLayoutId id="2147483671" r:id="rId11"/>
+    <p:sldLayoutId id="2147483739" r:id="rId1"/>
+    <p:sldLayoutId id="2147483740" r:id="rId2"/>
+    <p:sldLayoutId id="2147483741" r:id="rId3"/>
+    <p:sldLayoutId id="2147483742" r:id="rId4"/>
+    <p:sldLayoutId id="2147483743" r:id="rId5"/>
+    <p:sldLayoutId id="2147483744" r:id="rId6"/>
+    <p:sldLayoutId id="2147483745" r:id="rId7"/>
+    <p:sldLayoutId id="2147483746" r:id="rId8"/>
+    <p:sldLayoutId id="2147483747" r:id="rId9"/>
+    <p:sldLayoutId id="2147483748" r:id="rId10"/>
+    <p:sldLayoutId id="2147483749" r:id="rId11"/>
   </p:sldLayoutIdLst>
   <p:txStyles>
     <p:titleStyle>
-      <a:lvl1pPr algn="l" rtl="0" eaLnBrk="1" latinLnBrk="0" hangingPunct="1">
+      <a:lvl1pPr algn="l" defTabSz="914400" rtl="0" eaLnBrk="1" latinLnBrk="0" hangingPunct="1">
+        <a:lnSpc>
+          <a:spcPct val="90000"/>
+        </a:lnSpc>
         <a:spcBef>
           <a:spcPct val="0"/>
         </a:spcBef>
         <a:buNone/>
-        <a:defRPr lang="pt-BR" sz="4200" b="0" kern="1200" spc="-100" baseline="0">
-          <a:ln w="3200">
-            <a:solidFill>
-              <a:schemeClr val="bg2">
-                <a:shade val="75000"/>
-                <a:alpha val="25000"/>
-              </a:schemeClr>
-            </a:solidFill>
-            <a:prstDash val="solid"/>
-            <a:round/>
-          </a:ln>
+        <a:defRPr sz="4800" kern="1200" spc="-120" baseline="0">
           <a:solidFill>
-            <a:srgbClr val="F9F9F9"/>
+            <a:schemeClr val="accent1"/>
           </a:solidFill>
-          <a:effectLst>
-            <a:outerShdw blurRad="50800" dist="38100" dir="2700000" algn="tl" rotWithShape="0">
-              <a:prstClr val="black">
-                <a:alpha val="40000"/>
-              </a:prstClr>
-            </a:outerShdw>
-          </a:effectLst>
           <a:latin typeface="+mj-lt"/>
           <a:ea typeface="+mj-ea"/>
           <a:cs typeface="+mj-cs"/>
@@ -3628,17 +3818,202 @@
       </a:lvl1pPr>
     </p:titleStyle>
     <p:bodyStyle>
-      <a:lvl1pPr marL="274320" indent="-274320" algn="l" rtl="0" eaLnBrk="1" latinLnBrk="0" hangingPunct="1">
+      <a:lvl1pPr marL="91440" indent="-91440" algn="l" defTabSz="914400" rtl="0" eaLnBrk="1" latinLnBrk="0" hangingPunct="1">
+        <a:lnSpc>
+          <a:spcPct val="85000"/>
+        </a:lnSpc>
+        <a:spcBef>
+          <a:spcPts val="1300"/>
+        </a:spcBef>
+        <a:buFont typeface="Arial" pitchFamily="34" charset="0"/>
+        <a:buChar char=" "/>
+        <a:defRPr sz="2400" kern="1200">
+          <a:solidFill>
+            <a:schemeClr val="tx1">
+              <a:lumMod val="85000"/>
+              <a:lumOff val="15000"/>
+            </a:schemeClr>
+          </a:solidFill>
+          <a:latin typeface="+mn-lt"/>
+          <a:ea typeface="+mn-ea"/>
+          <a:cs typeface="+mn-cs"/>
+        </a:defRPr>
+      </a:lvl1pPr>
+      <a:lvl2pPr marL="274320" indent="-342900" algn="l" defTabSz="914400" rtl="0" eaLnBrk="1" latinLnBrk="0" hangingPunct="1">
+        <a:lnSpc>
+          <a:spcPct val="85000"/>
+        </a:lnSpc>
         <a:spcBef>
           <a:spcPts val="600"/>
         </a:spcBef>
-        <a:buClr>
-          <a:schemeClr val="accent2"/>
-        </a:buClr>
-        <a:buSzPct val="85000"/>
-        <a:buFont typeface="Wingdings 2"/>
-        <a:buChar char=""/>
-        <a:defRPr lang="pt-BR" sz="2600" kern="1200">
+        <a:buFont typeface="Arial" pitchFamily="34" charset="0"/>
+        <a:buChar char=" "/>
+        <a:defRPr sz="2400" kern="1200">
+          <a:solidFill>
+            <a:schemeClr val="tx1">
+              <a:lumMod val="85000"/>
+              <a:lumOff val="15000"/>
+            </a:schemeClr>
+          </a:solidFill>
+          <a:latin typeface="+mn-lt"/>
+          <a:ea typeface="+mn-ea"/>
+          <a:cs typeface="+mn-cs"/>
+        </a:defRPr>
+      </a:lvl2pPr>
+      <a:lvl3pPr marL="548640" indent="-548640" algn="l" defTabSz="914400" rtl="0" eaLnBrk="1" latinLnBrk="0" hangingPunct="1">
+        <a:lnSpc>
+          <a:spcPct val="85000"/>
+        </a:lnSpc>
+        <a:spcBef>
+          <a:spcPts val="600"/>
+        </a:spcBef>
+        <a:buFont typeface="Arial" pitchFamily="34" charset="0"/>
+        <a:buChar char=" "/>
+        <a:defRPr sz="2000" i="1" kern="1200">
+          <a:solidFill>
+            <a:schemeClr val="tx1">
+              <a:lumMod val="85000"/>
+              <a:lumOff val="15000"/>
+            </a:schemeClr>
+          </a:solidFill>
+          <a:latin typeface="+mn-lt"/>
+          <a:ea typeface="+mn-ea"/>
+          <a:cs typeface="+mn-cs"/>
+        </a:defRPr>
+      </a:lvl3pPr>
+      <a:lvl4pPr marL="822960" indent="-822960" algn="l" defTabSz="914400" rtl="0" eaLnBrk="1" latinLnBrk="0" hangingPunct="1">
+        <a:lnSpc>
+          <a:spcPct val="85000"/>
+        </a:lnSpc>
+        <a:spcBef>
+          <a:spcPts val="600"/>
+        </a:spcBef>
+        <a:buFont typeface="Arial" pitchFamily="34" charset="0"/>
+        <a:buChar char=" "/>
+        <a:defRPr sz="1800" kern="1200">
+          <a:solidFill>
+            <a:schemeClr val="tx1">
+              <a:lumMod val="85000"/>
+              <a:lumOff val="15000"/>
+            </a:schemeClr>
+          </a:solidFill>
+          <a:latin typeface="+mn-lt"/>
+          <a:ea typeface="+mn-ea"/>
+          <a:cs typeface="+mn-cs"/>
+        </a:defRPr>
+      </a:lvl4pPr>
+      <a:lvl5pPr marL="1097280" indent="-1097280" algn="l" defTabSz="914400" rtl="0" eaLnBrk="1" latinLnBrk="0" hangingPunct="1">
+        <a:lnSpc>
+          <a:spcPct val="85000"/>
+        </a:lnSpc>
+        <a:spcBef>
+          <a:spcPts val="600"/>
+        </a:spcBef>
+        <a:buFont typeface="Arial" pitchFamily="34" charset="0"/>
+        <a:buChar char=" "/>
+        <a:defRPr sz="1800" kern="1200">
+          <a:solidFill>
+            <a:schemeClr val="tx1">
+              <a:lumMod val="85000"/>
+              <a:lumOff val="15000"/>
+            </a:schemeClr>
+          </a:solidFill>
+          <a:latin typeface="+mn-lt"/>
+          <a:ea typeface="+mn-ea"/>
+          <a:cs typeface="+mn-cs"/>
+        </a:defRPr>
+      </a:lvl5pPr>
+      <a:lvl6pPr marL="1200000" indent="-228600" algn="l" defTabSz="914400" rtl="0" eaLnBrk="1" latinLnBrk="0" hangingPunct="1">
+        <a:lnSpc>
+          <a:spcPct val="85000"/>
+        </a:lnSpc>
+        <a:spcBef>
+          <a:spcPts val="600"/>
+        </a:spcBef>
+        <a:buFont typeface="Arial" pitchFamily="34" charset="0"/>
+        <a:buChar char=" "/>
+        <a:defRPr sz="1800" kern="1200">
+          <a:solidFill>
+            <a:schemeClr val="tx1">
+              <a:lumMod val="85000"/>
+              <a:lumOff val="15000"/>
+            </a:schemeClr>
+          </a:solidFill>
+          <a:latin typeface="+mn-lt"/>
+          <a:ea typeface="+mn-ea"/>
+          <a:cs typeface="+mn-cs"/>
+        </a:defRPr>
+      </a:lvl6pPr>
+      <a:lvl7pPr marL="1400000" indent="-228600" algn="l" defTabSz="914400" rtl="0" eaLnBrk="1" latinLnBrk="0" hangingPunct="1">
+        <a:lnSpc>
+          <a:spcPct val="85000"/>
+        </a:lnSpc>
+        <a:spcBef>
+          <a:spcPts val="600"/>
+        </a:spcBef>
+        <a:buFont typeface="Arial" pitchFamily="34" charset="0"/>
+        <a:buChar char=" "/>
+        <a:defRPr sz="1800" kern="1200">
+          <a:solidFill>
+            <a:schemeClr val="tx1">
+              <a:lumMod val="85000"/>
+              <a:lumOff val="15000"/>
+            </a:schemeClr>
+          </a:solidFill>
+          <a:latin typeface="+mn-lt"/>
+          <a:ea typeface="+mn-ea"/>
+          <a:cs typeface="+mn-cs"/>
+        </a:defRPr>
+      </a:lvl7pPr>
+      <a:lvl8pPr marL="1600000" indent="-228600" algn="l" defTabSz="914400" rtl="0" eaLnBrk="1" latinLnBrk="0" hangingPunct="1">
+        <a:lnSpc>
+          <a:spcPct val="85000"/>
+        </a:lnSpc>
+        <a:spcBef>
+          <a:spcPts val="600"/>
+        </a:spcBef>
+        <a:buFont typeface="Arial" pitchFamily="34" charset="0"/>
+        <a:buChar char=" "/>
+        <a:defRPr sz="1800" kern="1200">
+          <a:solidFill>
+            <a:schemeClr val="tx1">
+              <a:lumMod val="85000"/>
+              <a:lumOff val="15000"/>
+            </a:schemeClr>
+          </a:solidFill>
+          <a:latin typeface="+mn-lt"/>
+          <a:ea typeface="+mn-ea"/>
+          <a:cs typeface="+mn-cs"/>
+        </a:defRPr>
+      </a:lvl8pPr>
+      <a:lvl9pPr marL="1800000" indent="-228600" algn="l" defTabSz="914400" rtl="0" eaLnBrk="1" latinLnBrk="0" hangingPunct="1">
+        <a:lnSpc>
+          <a:spcPct val="85000"/>
+        </a:lnSpc>
+        <a:spcBef>
+          <a:spcPts val="600"/>
+        </a:spcBef>
+        <a:buFont typeface="Arial" pitchFamily="34" charset="0"/>
+        <a:buChar char=" "/>
+        <a:defRPr sz="1800" kern="1200">
+          <a:solidFill>
+            <a:schemeClr val="tx1">
+              <a:lumMod val="85000"/>
+              <a:lumOff val="15000"/>
+            </a:schemeClr>
+          </a:solidFill>
+          <a:latin typeface="+mn-lt"/>
+          <a:ea typeface="+mn-ea"/>
+          <a:cs typeface="+mn-cs"/>
+        </a:defRPr>
+      </a:lvl9pPr>
+    </p:bodyStyle>
+    <p:otherStyle>
+      <a:defPPr>
+        <a:defRPr lang="en-US"/>
+      </a:defPPr>
+      <a:lvl1pPr marL="0" algn="l" defTabSz="914400" rtl="0" eaLnBrk="1" latinLnBrk="0" hangingPunct="1">
+        <a:defRPr sz="1800" kern="1200">
           <a:solidFill>
             <a:schemeClr val="tx1"/>
           </a:solidFill>
@@ -3647,40 +4022,18 @@
           <a:cs typeface="+mn-cs"/>
         </a:defRPr>
       </a:lvl1pPr>
-      <a:lvl2pPr marL="640080" indent="-274320" algn="l" rtl="0" eaLnBrk="1" latinLnBrk="0" hangingPunct="1">
-        <a:spcBef>
-          <a:spcPts val="300"/>
-        </a:spcBef>
-        <a:buClr>
-          <a:schemeClr val="accent2">
-            <a:shade val="75000"/>
-          </a:schemeClr>
-        </a:buClr>
-        <a:buSzPct val="85000"/>
-        <a:buFont typeface="Wingdings 2"/>
-        <a:buChar char=""/>
-        <a:defRPr lang="pt-BR" sz="2400" kern="1200">
+      <a:lvl2pPr marL="457200" algn="l" defTabSz="914400" rtl="0" eaLnBrk="1" latinLnBrk="0" hangingPunct="1">
+        <a:defRPr sz="1800" kern="1200">
           <a:solidFill>
-            <a:schemeClr val="tx2"/>
+            <a:schemeClr val="tx1"/>
           </a:solidFill>
           <a:latin typeface="+mn-lt"/>
           <a:ea typeface="+mn-ea"/>
           <a:cs typeface="+mn-cs"/>
         </a:defRPr>
       </a:lvl2pPr>
-      <a:lvl3pPr marL="1005840" indent="-228600" algn="l" rtl="0" eaLnBrk="1" latinLnBrk="0" hangingPunct="1">
-        <a:spcBef>
-          <a:spcPts val="300"/>
-        </a:spcBef>
-        <a:buClr>
-          <a:schemeClr val="accent2">
-            <a:shade val="50000"/>
-          </a:schemeClr>
-        </a:buClr>
-        <a:buSzPct val="85000"/>
-        <a:buFont typeface="Wingdings 2"/>
-        <a:buChar char=""/>
-        <a:defRPr lang="pt-BR" sz="2100" kern="1200">
+      <a:lvl3pPr marL="914400" algn="l" defTabSz="914400" rtl="0" eaLnBrk="1" latinLnBrk="0" hangingPunct="1">
+        <a:defRPr sz="1800" kern="1200">
           <a:solidFill>
             <a:schemeClr val="tx1"/>
           </a:solidFill>
@@ -3689,19 +4042,8 @@
           <a:cs typeface="+mn-cs"/>
         </a:defRPr>
       </a:lvl3pPr>
-      <a:lvl4pPr marL="1280160" indent="-228600" algn="l" rtl="0" eaLnBrk="1" latinLnBrk="0" hangingPunct="1">
-        <a:spcBef>
-          <a:spcPts val="300"/>
-        </a:spcBef>
-        <a:buClr>
-          <a:schemeClr val="accent2">
-            <a:shade val="75000"/>
-          </a:schemeClr>
-        </a:buClr>
-        <a:buSzPct val="85000"/>
-        <a:buFont typeface="Wingdings 2" pitchFamily="18" charset="2"/>
-        <a:buChar char=""/>
-        <a:defRPr lang="pt-BR" sz="1900" kern="1200">
+      <a:lvl4pPr marL="1371600" algn="l" defTabSz="914400" rtl="0" eaLnBrk="1" latinLnBrk="0" hangingPunct="1">
+        <a:defRPr sz="1800" kern="1200">
           <a:solidFill>
             <a:schemeClr val="tx1"/>
           </a:solidFill>
@@ -3710,19 +4052,8 @@
           <a:cs typeface="+mn-cs"/>
         </a:defRPr>
       </a:lvl4pPr>
-      <a:lvl5pPr marL="1554480" indent="-228600" algn="l" rtl="0" eaLnBrk="1" latinLnBrk="0" hangingPunct="1">
-        <a:spcBef>
-          <a:spcPts val="340"/>
-        </a:spcBef>
-        <a:buClr>
-          <a:schemeClr val="accent2">
-            <a:shade val="75000"/>
-          </a:schemeClr>
-        </a:buClr>
-        <a:buSzPct val="85000"/>
-        <a:buFont typeface="Wingdings 2" pitchFamily="18" charset="2"/>
-        <a:buChar char=""/>
-        <a:defRPr lang="pt-BR" sz="1600" kern="1200">
+      <a:lvl5pPr marL="1828800" algn="l" defTabSz="914400" rtl="0" eaLnBrk="1" latinLnBrk="0" hangingPunct="1">
+        <a:defRPr sz="1800" kern="1200">
           <a:solidFill>
             <a:schemeClr val="tx1"/>
           </a:solidFill>
@@ -3731,19 +4062,8 @@
           <a:cs typeface="+mn-cs"/>
         </a:defRPr>
       </a:lvl5pPr>
-      <a:lvl6pPr marL="1828800" indent="-228600" algn="l" rtl="0" eaLnBrk="1" latinLnBrk="0" hangingPunct="1">
-        <a:spcBef>
-          <a:spcPts val="340"/>
-        </a:spcBef>
-        <a:buClr>
-          <a:schemeClr val="accent2">
-            <a:shade val="75000"/>
-          </a:schemeClr>
-        </a:buClr>
-        <a:buSzPct val="85000"/>
-        <a:buFont typeface="Wingdings 2" pitchFamily="18" charset="2"/>
-        <a:buChar char="?"/>
-        <a:defRPr lang="pt-BR" sz="1700" kern="1200">
+      <a:lvl6pPr marL="2286000" algn="l" defTabSz="914400" rtl="0" eaLnBrk="1" latinLnBrk="0" hangingPunct="1">
+        <a:defRPr sz="1800" kern="1200">
           <a:solidFill>
             <a:schemeClr val="tx1"/>
           </a:solidFill>
@@ -3752,19 +4072,8 @@
           <a:cs typeface="+mn-cs"/>
         </a:defRPr>
       </a:lvl6pPr>
-      <a:lvl7pPr marL="2011680" indent="-182880" algn="l" rtl="0" eaLnBrk="1" latinLnBrk="0" hangingPunct="1">
-        <a:spcBef>
-          <a:spcPts val="340"/>
-        </a:spcBef>
-        <a:buClr>
-          <a:schemeClr val="accent2">
-            <a:shade val="75000"/>
-          </a:schemeClr>
-        </a:buClr>
-        <a:buSzPct val="85000"/>
-        <a:buFont typeface="Wingdings 2" pitchFamily="18" charset="2"/>
-        <a:buChar char="?"/>
-        <a:defRPr lang="pt-BR" sz="1600" kern="1200" baseline="0">
+      <a:lvl7pPr marL="2743200" algn="l" defTabSz="914400" rtl="0" eaLnBrk="1" latinLnBrk="0" hangingPunct="1">
+        <a:defRPr sz="1800" kern="1200">
           <a:solidFill>
             <a:schemeClr val="tx1"/>
           </a:solidFill>
@@ -3773,19 +4082,8 @@
           <a:cs typeface="+mn-cs"/>
         </a:defRPr>
       </a:lvl7pPr>
-      <a:lvl8pPr marL="2286000" indent="-182880" algn="l" rtl="0" eaLnBrk="1" latinLnBrk="0" hangingPunct="1">
-        <a:spcBef>
-          <a:spcPts val="340"/>
-        </a:spcBef>
-        <a:buClr>
-          <a:schemeClr val="accent2">
-            <a:shade val="75000"/>
-          </a:schemeClr>
-        </a:buClr>
-        <a:buSzPct val="85000"/>
-        <a:buFont typeface="Wingdings 2" pitchFamily="18" charset="2"/>
-        <a:buChar char="?"/>
-        <a:defRPr lang="pt-BR" sz="1500" kern="1200">
+      <a:lvl8pPr marL="3200400" algn="l" defTabSz="914400" rtl="0" eaLnBrk="1" latinLnBrk="0" hangingPunct="1">
+        <a:defRPr sz="1800" kern="1200">
           <a:solidFill>
             <a:schemeClr val="tx1"/>
           </a:solidFill>
@@ -3794,111 +4092,8 @@
           <a:cs typeface="+mn-cs"/>
         </a:defRPr>
       </a:lvl8pPr>
-      <a:lvl9pPr marL="2560320" indent="-182880" algn="l" rtl="0" eaLnBrk="1" latinLnBrk="0" hangingPunct="1">
-        <a:spcBef>
-          <a:spcPts val="340"/>
-        </a:spcBef>
-        <a:buClr>
-          <a:schemeClr val="accent2">
-            <a:shade val="75000"/>
-          </a:schemeClr>
-        </a:buClr>
-        <a:buSzPct val="85000"/>
-        <a:buFont typeface="Wingdings 2" pitchFamily="18" charset="2"/>
-        <a:buChar char="?"/>
-        <a:defRPr lang="pt-BR" sz="1500" kern="1200">
-          <a:solidFill>
-            <a:schemeClr val="tx1"/>
-          </a:solidFill>
-          <a:latin typeface="+mn-lt"/>
-          <a:ea typeface="+mn-ea"/>
-          <a:cs typeface="+mn-cs"/>
-        </a:defRPr>
-      </a:lvl9pPr>
-    </p:bodyStyle>
-    <p:otherStyle>
-      <a:lvl1pPr marL="0" algn="l" rtl="0" eaLnBrk="1" latinLnBrk="0" hangingPunct="1">
-        <a:defRPr lang="pt-BR" kern="1200">
-          <a:solidFill>
-            <a:schemeClr val="tx1"/>
-          </a:solidFill>
-          <a:latin typeface="+mn-lt"/>
-          <a:ea typeface="+mn-ea"/>
-          <a:cs typeface="+mn-cs"/>
-        </a:defRPr>
-      </a:lvl1pPr>
-      <a:lvl2pPr marL="457200" algn="l" rtl="0" eaLnBrk="1" hangingPunct="1">
-        <a:defRPr lang="pt-BR" kern="1200">
-          <a:solidFill>
-            <a:schemeClr val="tx1"/>
-          </a:solidFill>
-          <a:latin typeface="+mn-lt"/>
-          <a:ea typeface="+mn-ea"/>
-          <a:cs typeface="+mn-cs"/>
-        </a:defRPr>
-      </a:lvl2pPr>
-      <a:lvl3pPr marL="914400" algn="l" rtl="0" eaLnBrk="1" hangingPunct="1">
-        <a:defRPr lang="pt-BR" kern="1200">
-          <a:solidFill>
-            <a:schemeClr val="tx1"/>
-          </a:solidFill>
-          <a:latin typeface="+mn-lt"/>
-          <a:ea typeface="+mn-ea"/>
-          <a:cs typeface="+mn-cs"/>
-        </a:defRPr>
-      </a:lvl3pPr>
-      <a:lvl4pPr marL="1371600" algn="l" rtl="0" eaLnBrk="1" hangingPunct="1">
-        <a:defRPr lang="pt-BR" kern="1200">
-          <a:solidFill>
-            <a:schemeClr val="tx1"/>
-          </a:solidFill>
-          <a:latin typeface="+mn-lt"/>
-          <a:ea typeface="+mn-ea"/>
-          <a:cs typeface="+mn-cs"/>
-        </a:defRPr>
-      </a:lvl4pPr>
-      <a:lvl5pPr marL="1828800" algn="l" rtl="0" eaLnBrk="1" hangingPunct="1">
-        <a:defRPr lang="pt-BR" kern="1200">
-          <a:solidFill>
-            <a:schemeClr val="tx1"/>
-          </a:solidFill>
-          <a:latin typeface="+mn-lt"/>
-          <a:ea typeface="+mn-ea"/>
-          <a:cs typeface="+mn-cs"/>
-        </a:defRPr>
-      </a:lvl5pPr>
-      <a:lvl6pPr marL="2286000" algn="l" rtl="0" eaLnBrk="1" hangingPunct="1">
-        <a:defRPr lang="pt-BR" kern="1200">
-          <a:solidFill>
-            <a:schemeClr val="tx1"/>
-          </a:solidFill>
-          <a:latin typeface="+mn-lt"/>
-          <a:ea typeface="+mn-ea"/>
-          <a:cs typeface="+mn-cs"/>
-        </a:defRPr>
-      </a:lvl6pPr>
-      <a:lvl7pPr marL="2743200" algn="l" rtl="0" eaLnBrk="1" hangingPunct="1">
-        <a:defRPr lang="pt-BR" kern="1200">
-          <a:solidFill>
-            <a:schemeClr val="tx1"/>
-          </a:solidFill>
-          <a:latin typeface="+mn-lt"/>
-          <a:ea typeface="+mn-ea"/>
-          <a:cs typeface="+mn-cs"/>
-        </a:defRPr>
-      </a:lvl7pPr>
-      <a:lvl8pPr marL="3200400" algn="l" rtl="0" eaLnBrk="1" hangingPunct="1">
-        <a:defRPr lang="pt-BR" kern="1200">
-          <a:solidFill>
-            <a:schemeClr val="tx1"/>
-          </a:solidFill>
-          <a:latin typeface="+mn-lt"/>
-          <a:ea typeface="+mn-ea"/>
-          <a:cs typeface="+mn-cs"/>
-        </a:defRPr>
-      </a:lvl8pPr>
-      <a:lvl9pPr marL="3657600" algn="l" rtl="0" eaLnBrk="1" hangingPunct="1">
-        <a:defRPr lang="pt-BR" kern="1200">
+      <a:lvl9pPr marL="3657600" algn="l" defTabSz="914400" rtl="0" eaLnBrk="1" latinLnBrk="0" hangingPunct="1">
+        <a:defRPr sz="1800" kern="1200">
           <a:solidFill>
             <a:schemeClr val="tx1"/>
           </a:solidFill>
@@ -3945,10 +4140,9 @@
           <a:lstStyle/>
           <a:p>
             <a:r>
-              <a:rPr lang="pt-BR" dirty="0" smtClean="0"/>
+              <a:rPr lang="pt-BR" sz="7200" dirty="0"/>
               <a:t>Desenvolvimento ágil de Startups</a:t>
             </a:r>
-            <a:endParaRPr lang="pt-BR" dirty="0"/>
           </a:p>
         </p:txBody>
       </p:sp>
@@ -3968,10 +4162,9 @@
           <a:lstStyle/>
           <a:p>
             <a:r>
-              <a:rPr lang="pt-BR" dirty="0" smtClean="0"/>
+              <a:rPr lang="pt-BR" dirty="0"/>
               <a:t>Elton Nascimento &amp; Gabriel Silva</a:t>
             </a:r>
-            <a:endParaRPr lang="pt-BR" dirty="0"/>
           </a:p>
         </p:txBody>
       </p:sp>
@@ -3980,13 +4173,6 @@
   <p:clrMapOvr>
     <a:masterClrMapping/>
   </p:clrMapOvr>
-  <p:timing>
-    <p:tnLst>
-      <p:par>
-        <p:cTn id="1" dur="indefinite" restart="never" nodeType="tmRoot"/>
-      </p:par>
-    </p:tnLst>
-  </p:timing>
 </p:sld>
 </file>
 
@@ -4009,6 +4195,33 @@
       </p:grpSpPr>
       <p:sp>
         <p:nvSpPr>
+          <p:cNvPr id="3" name="Título 2"/>
+          <p:cNvSpPr>
+            <a:spLocks noGrp="1"/>
+          </p:cNvSpPr>
+          <p:nvPr>
+            <p:ph type="title"/>
+          </p:nvPr>
+        </p:nvSpPr>
+        <p:spPr>
+          <a:xfrm>
+            <a:off x="467544" y="1268760"/>
+            <a:ext cx="8229600" cy="894928"/>
+          </a:xfrm>
+        </p:spPr>
+        <p:txBody>
+          <a:bodyPr/>
+          <a:lstStyle/>
+          <a:p>
+            <a:r>
+              <a:rPr lang="pt-BR" dirty="0"/>
+              <a:t>Quando foi criado?</a:t>
+            </a:r>
+          </a:p>
+        </p:txBody>
+      </p:sp>
+      <p:sp>
+        <p:nvSpPr>
           <p:cNvPr id="2" name="Espaço Reservado para Conteúdo 1"/>
           <p:cNvSpPr>
             <a:spLocks noGrp="1"/>
@@ -4031,41 +4244,8 @@
           <a:p>
             <a:r>
               <a:rPr lang="pt-BR" dirty="0"/>
-              <a:t>Em fevereiro de </a:t>
-            </a:r>
-            <a:r>
-              <a:rPr lang="pt-BR" dirty="0" smtClean="0"/>
-              <a:t>2001</a:t>
-            </a:r>
-            <a:endParaRPr lang="pt-BR" dirty="0"/>
-          </a:p>
-        </p:txBody>
-      </p:sp>
-      <p:sp>
-        <p:nvSpPr>
-          <p:cNvPr id="3" name="Título 2"/>
-          <p:cNvSpPr>
-            <a:spLocks noGrp="1"/>
-          </p:cNvSpPr>
-          <p:nvPr>
-            <p:ph type="title"/>
-          </p:nvPr>
-        </p:nvSpPr>
-        <p:spPr>
-          <a:xfrm>
-            <a:off x="467544" y="1268760"/>
-            <a:ext cx="8229600" cy="894928"/>
-          </a:xfrm>
-        </p:spPr>
-        <p:txBody>
-          <a:bodyPr/>
-          <a:lstStyle/>
-          <a:p>
-            <a:r>
-              <a:rPr lang="pt-BR" dirty="0" smtClean="0"/>
-              <a:t>Quando foi criado?</a:t>
-            </a:r>
-            <a:endParaRPr lang="pt-BR" dirty="0"/>
+              <a:t>Em fevereiro de 2001</a:t>
+            </a:r>
           </a:p>
         </p:txBody>
       </p:sp>
@@ -4282,15 +4462,7 @@
           <a:p>
             <a:r>
               <a:rPr lang="pt-BR" dirty="0"/>
-              <a:t>M</a:t>
-            </a:r>
-            <a:r>
-              <a:rPr lang="pt-BR" dirty="0" smtClean="0"/>
-              <a:t>ontanhas </a:t>
-            </a:r>
-            <a:r>
-              <a:rPr lang="pt-BR" dirty="0"/>
-              <a:t>nevadas do estado norte-americano de Utah no resort de inverno e verão </a:t>
+              <a:t>Montanhas nevadas do estado norte-americano de Utah no resort de inverno e verão </a:t>
             </a:r>
             <a:r>
               <a:rPr lang="pt-BR" dirty="0" err="1"/>
@@ -4359,10 +4531,9 @@
           </a:lstStyle>
           <a:p>
             <a:r>
-              <a:rPr lang="pt-BR" dirty="0" smtClean="0"/>
+              <a:rPr lang="pt-BR" dirty="0"/>
               <a:t>Aonde foi criado?</a:t>
             </a:r>
-            <a:endParaRPr lang="pt-BR" dirty="0"/>
           </a:p>
         </p:txBody>
       </p:sp>
@@ -4578,12 +4749,8 @@
           </a:lstStyle>
           <a:p>
             <a:r>
-              <a:rPr lang="pt-BR" dirty="0" smtClean="0"/>
-              <a:t>Uma reunião onde compareceram os 17 criadores iniciais </a:t>
-            </a:r>
-            <a:r>
-              <a:rPr lang="pt-BR" dirty="0"/>
-              <a:t>marcava o surgimento e propagação do paradigma de desenvolvimento de softwares ágeis.</a:t>
+              <a:rPr lang="pt-BR" dirty="0"/>
+              <a:t>Uma reunião onde compareceram os 17 criadores iniciais marcava o surgimento e propagação do paradigma de desenvolvimento de softwares ágeis.</a:t>
             </a:r>
           </a:p>
         </p:txBody>
@@ -4647,10 +4814,9 @@
           </a:lstStyle>
           <a:p>
             <a:r>
-              <a:rPr lang="pt-BR" dirty="0" smtClean="0"/>
+              <a:rPr lang="pt-BR" dirty="0"/>
               <a:t>Como foi criado?</a:t>
             </a:r>
-            <a:endParaRPr lang="pt-BR" dirty="0"/>
           </a:p>
         </p:txBody>
       </p:sp>
@@ -4713,10 +4879,9 @@
           </a:lstStyle>
           <a:p>
             <a:r>
-              <a:rPr lang="pt-BR" dirty="0" smtClean="0"/>
+              <a:rPr lang="pt-BR" dirty="0"/>
               <a:t>Manifesto ágil</a:t>
             </a:r>
-            <a:endParaRPr lang="pt-BR" dirty="0"/>
           </a:p>
         </p:txBody>
       </p:sp>
@@ -4730,13 +4895,6 @@
   <p:clrMapOvr>
     <a:masterClrMapping/>
   </p:clrMapOvr>
-  <p:timing>
-    <p:tnLst>
-      <p:par>
-        <p:cTn id="1" dur="indefinite" restart="never" nodeType="tmRoot"/>
-      </p:par>
-    </p:tnLst>
-  </p:timing>
 </p:sld>
 </file>
 
@@ -4759,6 +4917,33 @@
       </p:grpSpPr>
       <p:sp>
         <p:nvSpPr>
+          <p:cNvPr id="3" name="Título 2"/>
+          <p:cNvSpPr>
+            <a:spLocks noGrp="1"/>
+          </p:cNvSpPr>
+          <p:nvPr>
+            <p:ph type="title"/>
+          </p:nvPr>
+        </p:nvSpPr>
+        <p:spPr>
+          <a:xfrm>
+            <a:off x="457200" y="1556792"/>
+            <a:ext cx="8229600" cy="787152"/>
+          </a:xfrm>
+        </p:spPr>
+        <p:txBody>
+          <a:bodyPr/>
+          <a:lstStyle/>
+          <a:p>
+            <a:r>
+              <a:rPr lang="pt-BR" dirty="0"/>
+              <a:t>Porque foi criado?</a:t>
+            </a:r>
+          </a:p>
+        </p:txBody>
+      </p:sp>
+      <p:sp>
+        <p:nvSpPr>
           <p:cNvPr id="2" name="Espaço Reservado para Conteúdo 1"/>
           <p:cNvSpPr>
             <a:spLocks noGrp="1"/>
@@ -4778,88 +4963,56 @@
           <a:lstStyle/>
           <a:p>
             <a:r>
-              <a:rPr lang="en-US" dirty="0" smtClean="0"/>
+              <a:rPr lang="en-US" dirty="0"/>
               <a:t>Para </a:t>
             </a:r>
             <a:r>
-              <a:rPr lang="en-US" dirty="0" err="1" smtClean="0"/>
+              <a:rPr lang="en-US" dirty="0" err="1"/>
               <a:t>estabelecer</a:t>
-            </a:r>
-            <a:r>
-              <a:rPr lang="en-US" dirty="0" smtClean="0"/>
-              <a:t> </a:t>
-            </a:r>
-            <a:r>
-              <a:rPr lang="en-US" dirty="0" err="1" smtClean="0"/>
-              <a:t>parâmetros</a:t>
-            </a:r>
-            <a:r>
-              <a:rPr lang="en-US" dirty="0" smtClean="0"/>
-              <a:t> para </a:t>
-            </a:r>
-            <a:r>
-              <a:rPr lang="en-US" dirty="0" err="1" smtClean="0"/>
-              <a:t>criação</a:t>
-            </a:r>
-            <a:r>
-              <a:rPr lang="en-US" dirty="0" smtClean="0"/>
-              <a:t> de </a:t>
-            </a:r>
-            <a:r>
-              <a:rPr lang="en-US" dirty="0" err="1" smtClean="0"/>
-              <a:t>metodologias</a:t>
-            </a:r>
-            <a:r>
-              <a:rPr lang="en-US" dirty="0" smtClean="0"/>
-              <a:t> </a:t>
-            </a:r>
-            <a:r>
-              <a:rPr lang="en-US" dirty="0" err="1" smtClean="0"/>
-              <a:t>ágeis</a:t>
             </a:r>
             <a:r>
               <a:rPr lang="en-US" dirty="0"/>
               <a:t> </a:t>
             </a:r>
             <a:r>
-              <a:rPr lang="en-US" dirty="0" smtClean="0"/>
-              <a:t>para </a:t>
-            </a:r>
-            <a:r>
-              <a:rPr lang="en-US" dirty="0" err="1" smtClean="0"/>
+              <a:rPr lang="en-US" dirty="0" err="1"/>
+              <a:t>parâmetros</a:t>
+            </a:r>
+            <a:r>
+              <a:rPr lang="en-US" dirty="0"/>
+              <a:t> para </a:t>
+            </a:r>
+            <a:r>
+              <a:rPr lang="en-US" dirty="0" err="1"/>
+              <a:t>criação</a:t>
+            </a:r>
+            <a:r>
+              <a:rPr lang="en-US" dirty="0"/>
+              <a:t> de </a:t>
+            </a:r>
+            <a:r>
+              <a:rPr lang="en-US" dirty="0" err="1"/>
+              <a:t>metodologias</a:t>
+            </a:r>
+            <a:r>
+              <a:rPr lang="en-US" dirty="0"/>
+              <a:t> </a:t>
+            </a:r>
+            <a:r>
+              <a:rPr lang="en-US" dirty="0" err="1"/>
+              <a:t>ágeis</a:t>
+            </a:r>
+            <a:r>
+              <a:rPr lang="en-US" dirty="0"/>
+              <a:t> para </a:t>
+            </a:r>
+            <a:r>
+              <a:rPr lang="en-US" dirty="0" err="1"/>
               <a:t>desenvolvimento</a:t>
             </a:r>
             <a:r>
-              <a:rPr lang="en-US" dirty="0" smtClean="0"/>
+              <a:rPr lang="en-US" dirty="0"/>
               <a:t> de software.</a:t>
-            </a:r>
-            <a:endParaRPr lang="pt-BR" dirty="0"/>
-          </a:p>
-        </p:txBody>
-      </p:sp>
-      <p:sp>
-        <p:nvSpPr>
-          <p:cNvPr id="3" name="Título 2"/>
-          <p:cNvSpPr>
-            <a:spLocks noGrp="1"/>
-          </p:cNvSpPr>
-          <p:nvPr>
-            <p:ph type="title"/>
-          </p:nvPr>
-        </p:nvSpPr>
-        <p:spPr>
-          <a:xfrm>
-            <a:off x="457200" y="1556792"/>
-            <a:ext cx="8229600" cy="787152"/>
-          </a:xfrm>
-        </p:spPr>
-        <p:txBody>
-          <a:bodyPr/>
-          <a:lstStyle/>
-          <a:p>
-            <a:r>
-              <a:rPr lang="pt-BR" dirty="0" smtClean="0"/>
-              <a:t>Porque foi criado?</a:t>
             </a:r>
             <a:endParaRPr lang="pt-BR" dirty="0"/>
           </a:p>
@@ -4924,10 +5077,9 @@
           </a:lstStyle>
           <a:p>
             <a:r>
-              <a:rPr lang="pt-BR" dirty="0" smtClean="0"/>
+              <a:rPr lang="pt-BR" dirty="0"/>
               <a:t>Manifesto ágil</a:t>
             </a:r>
-            <a:endParaRPr lang="pt-BR" dirty="0"/>
           </a:p>
         </p:txBody>
       </p:sp>
@@ -4941,13 +5093,6 @@
   <p:clrMapOvr>
     <a:masterClrMapping/>
   </p:clrMapOvr>
-  <p:timing>
-    <p:tnLst>
-      <p:par>
-        <p:cTn id="1" dur="indefinite" restart="never" nodeType="tmRoot"/>
-      </p:par>
-    </p:tnLst>
-  </p:timing>
 </p:sld>
 </file>
 
@@ -5090,10 +5235,9 @@
           </a:lstStyle>
           <a:p>
             <a:r>
-              <a:rPr lang="pt-BR" dirty="0" smtClean="0"/>
+              <a:rPr lang="pt-BR" dirty="0"/>
               <a:t>Manifesto ágil (Objetivos)</a:t>
             </a:r>
-            <a:endParaRPr lang="pt-BR" dirty="0"/>
           </a:p>
         </p:txBody>
       </p:sp>
@@ -5107,13 +5251,6 @@
   <p:clrMapOvr>
     <a:masterClrMapping/>
   </p:clrMapOvr>
-  <p:timing>
-    <p:tnLst>
-      <p:par>
-        <p:cTn id="1" dur="indefinite" restart="never" nodeType="tmRoot"/>
-      </p:par>
-    </p:tnLst>
-  </p:timing>
 </p:sld>
 </file>
 
@@ -5136,6 +5273,28 @@
       </p:grpSpPr>
       <p:sp>
         <p:nvSpPr>
+          <p:cNvPr id="3" name="Título 2"/>
+          <p:cNvSpPr>
+            <a:spLocks noGrp="1"/>
+          </p:cNvSpPr>
+          <p:nvPr>
+            <p:ph type="title"/>
+          </p:nvPr>
+        </p:nvSpPr>
+        <p:spPr/>
+        <p:txBody>
+          <a:bodyPr/>
+          <a:lstStyle/>
+          <a:p>
+            <a:r>
+              <a:rPr lang="pt-BR" dirty="0"/>
+              <a:t>Manifesto ágil (Princípios)</a:t>
+            </a:r>
+          </a:p>
+        </p:txBody>
+      </p:sp>
+      <p:sp>
+        <p:nvSpPr>
           <p:cNvPr id="2" name="Espaço Reservado para Conteúdo 1"/>
           <p:cNvSpPr>
             <a:spLocks noGrp="1"/>
@@ -5147,99 +5306,44 @@
         <p:spPr/>
         <p:txBody>
           <a:bodyPr>
-            <a:normAutofit fontScale="92500"/>
+            <a:normAutofit/>
           </a:bodyPr>
           <a:lstStyle/>
           <a:p>
             <a:r>
-              <a:rPr lang="pt-BR" b="1" dirty="0"/>
-              <a:t>Nossa maior prioridade é satisfazer o </a:t>
-            </a:r>
-            <a:r>
-              <a:rPr lang="pt-BR" b="1" dirty="0" smtClean="0"/>
-              <a:t>cliente;</a:t>
-            </a:r>
-            <a:endParaRPr lang="pt-BR" b="1" dirty="0"/>
-          </a:p>
-          <a:p>
-            <a:r>
-              <a:rPr lang="pt-BR" b="1" dirty="0" smtClean="0"/>
+              <a:rPr lang="pt-BR" dirty="0"/>
+              <a:t>Nossa maior prioridade é satisfazer o cliente;</a:t>
+            </a:r>
+          </a:p>
+          <a:p>
+            <a:r>
+              <a:rPr lang="pt-BR" dirty="0"/>
               <a:t>Aceitar mudanças de requisitos;</a:t>
             </a:r>
           </a:p>
           <a:p>
             <a:r>
-              <a:rPr lang="pt-BR" b="1" dirty="0" smtClean="0"/>
-              <a:t>Entregar </a:t>
-            </a:r>
-            <a:r>
-              <a:rPr lang="pt-BR" b="1" dirty="0"/>
-              <a:t>software funcionando com </a:t>
-            </a:r>
-            <a:r>
-              <a:rPr lang="pt-BR" b="1" dirty="0" smtClean="0"/>
-              <a:t>frequência</a:t>
-            </a:r>
-            <a:r>
-              <a:rPr lang="pt-BR" b="1" dirty="0"/>
-              <a:t>;</a:t>
-            </a:r>
-          </a:p>
-          <a:p>
-            <a:r>
-              <a:rPr lang="pt-BR" b="1" dirty="0"/>
-              <a:t>Pessoas relacionadas à negócios e desenvolvedores devem trabalhar em conjunto e </a:t>
-            </a:r>
-            <a:r>
-              <a:rPr lang="pt-BR" b="1" dirty="0" smtClean="0"/>
-              <a:t>diariamente;</a:t>
-            </a:r>
-            <a:endParaRPr lang="pt-BR" b="1" dirty="0"/>
-          </a:p>
-          <a:p>
-            <a:r>
-              <a:rPr lang="pt-BR" b="1" dirty="0"/>
-              <a:t>Construir projetos ao redor de indivíduos motivados</a:t>
-            </a:r>
-            <a:r>
-              <a:rPr lang="pt-BR" b="1" dirty="0" smtClean="0"/>
-              <a:t>.</a:t>
-            </a:r>
-            <a:endParaRPr lang="pt-BR" b="1" dirty="0"/>
-          </a:p>
-          <a:p>
-            <a:r>
-              <a:rPr lang="pt-BR" b="1" dirty="0"/>
-              <a:t>O Método mais eficiente e eficaz de transmitir informações para, e por dentro de um time de desenvolvimento, é através de uma conversa cara a cara</a:t>
-            </a:r>
-            <a:r>
-              <a:rPr lang="pt-BR" b="1" dirty="0" smtClean="0"/>
-              <a:t>.</a:t>
-            </a:r>
-            <a:endParaRPr lang="pt-BR" b="1" dirty="0"/>
-          </a:p>
-        </p:txBody>
-      </p:sp>
-      <p:sp>
-        <p:nvSpPr>
-          <p:cNvPr id="3" name="Título 2"/>
-          <p:cNvSpPr>
-            <a:spLocks noGrp="1"/>
-          </p:cNvSpPr>
-          <p:nvPr>
-            <p:ph type="title"/>
-          </p:nvPr>
-        </p:nvSpPr>
-        <p:spPr/>
-        <p:txBody>
-          <a:bodyPr/>
-          <a:lstStyle/>
-          <a:p>
-            <a:r>
-              <a:rPr lang="pt-BR" dirty="0" smtClean="0"/>
-              <a:t>Manifesto ágil (Princípios)</a:t>
-            </a:r>
-            <a:endParaRPr lang="pt-BR" dirty="0"/>
+              <a:rPr lang="pt-BR" dirty="0"/>
+              <a:t>Entregar software funcionando com frequência;</a:t>
+            </a:r>
+          </a:p>
+          <a:p>
+            <a:r>
+              <a:rPr lang="pt-BR" dirty="0"/>
+              <a:t>Pessoas relacionadas à negócios e desenvolvedores devem trabalhar em conjunto e diariamente;</a:t>
+            </a:r>
+          </a:p>
+          <a:p>
+            <a:r>
+              <a:rPr lang="pt-BR" dirty="0"/>
+              <a:t>Construir projetos ao redor de indivíduos motivados.</a:t>
+            </a:r>
+          </a:p>
+          <a:p>
+            <a:r>
+              <a:rPr lang="pt-BR" dirty="0"/>
+              <a:t>O Método mais eficiente e eficaz de transmitir informações para, e por dentro de um time de desenvolvimento, é através de uma conversa cara a cara.</a:t>
+            </a:r>
           </a:p>
         </p:txBody>
       </p:sp>
@@ -5275,6 +5379,28 @@
       </p:grpSpPr>
       <p:sp>
         <p:nvSpPr>
+          <p:cNvPr id="3" name="Título 2"/>
+          <p:cNvSpPr>
+            <a:spLocks noGrp="1"/>
+          </p:cNvSpPr>
+          <p:nvPr>
+            <p:ph type="title"/>
+          </p:nvPr>
+        </p:nvSpPr>
+        <p:spPr/>
+        <p:txBody>
+          <a:bodyPr/>
+          <a:lstStyle/>
+          <a:p>
+            <a:r>
+              <a:rPr lang="pt-BR" dirty="0"/>
+              <a:t>Manifesto ágil (Princípios)</a:t>
+            </a:r>
+          </a:p>
+        </p:txBody>
+      </p:sp>
+      <p:sp>
+        <p:nvSpPr>
           <p:cNvPr id="2" name="Espaço Reservado para Conteúdo 1"/>
           <p:cNvSpPr>
             <a:spLocks noGrp="1"/>
@@ -5286,79 +5412,46 @@
         <p:spPr/>
         <p:txBody>
           <a:bodyPr>
-            <a:normAutofit lnSpcReduction="10000"/>
+            <a:normAutofit/>
           </a:bodyPr>
           <a:lstStyle/>
           <a:p>
             <a:r>
-              <a:rPr lang="pt-BR" b="1" dirty="0" smtClean="0"/>
-              <a:t>Software </a:t>
-            </a:r>
-            <a:r>
-              <a:rPr lang="pt-BR" b="1" dirty="0"/>
-              <a:t>funcional é a medida primária de progresso.</a:t>
-            </a:r>
-          </a:p>
-          <a:p>
-            <a:r>
-              <a:rPr lang="pt-BR" b="1" dirty="0"/>
+              <a:rPr lang="pt-BR" dirty="0"/>
+              <a:t>Software funcional é a medida primária de progresso.</a:t>
+            </a:r>
+          </a:p>
+          <a:p>
+            <a:r>
+              <a:rPr lang="pt-BR" dirty="0"/>
               <a:t>Processos ágeis promovem um ambiente sustentável. </a:t>
             </a:r>
           </a:p>
           <a:p>
             <a:r>
-              <a:rPr lang="pt-BR" b="1" dirty="0"/>
+              <a:rPr lang="pt-BR" dirty="0"/>
               <a:t>Contínua atenção à excelência técnica e bom design, aumenta a agilidade.</a:t>
             </a:r>
           </a:p>
           <a:p>
             <a:r>
-              <a:rPr lang="pt-BR" b="1" dirty="0" smtClean="0"/>
+              <a:rPr lang="pt-BR" dirty="0"/>
               <a:t>Simplicidade.</a:t>
             </a:r>
-            <a:endParaRPr lang="pt-BR" b="1" dirty="0"/>
-          </a:p>
-          <a:p>
-            <a:r>
-              <a:rPr lang="pt-BR" b="1" dirty="0"/>
-              <a:t>As melhores </a:t>
-            </a:r>
-            <a:r>
-              <a:rPr lang="pt-BR" b="1" dirty="0" smtClean="0"/>
-              <a:t>arquiteturas.</a:t>
-            </a:r>
-            <a:endParaRPr lang="pt-BR" b="1" dirty="0"/>
-          </a:p>
-          <a:p>
-            <a:r>
-              <a:rPr lang="pt-BR" b="1" dirty="0"/>
+          </a:p>
+          <a:p>
+            <a:r>
+              <a:rPr lang="pt-BR" dirty="0"/>
+              <a:t>As melhores arquiteturas.</a:t>
+            </a:r>
+          </a:p>
+          <a:p>
+            <a:r>
+              <a:rPr lang="pt-BR" dirty="0"/>
               <a:t>Em intervalos regulares, o time reflete em como ficar mais efetivo, então, se ajustam e otimizam seu comportamento de acordo.</a:t>
             </a:r>
           </a:p>
           <a:p>
-            <a:endParaRPr lang="pt-BR" dirty="0"/>
-          </a:p>
-        </p:txBody>
-      </p:sp>
-      <p:sp>
-        <p:nvSpPr>
-          <p:cNvPr id="3" name="Título 2"/>
-          <p:cNvSpPr>
-            <a:spLocks noGrp="1"/>
-          </p:cNvSpPr>
-          <p:nvPr>
-            <p:ph type="title"/>
-          </p:nvPr>
-        </p:nvSpPr>
-        <p:spPr/>
-        <p:txBody>
-          <a:bodyPr/>
-          <a:lstStyle/>
-          <a:p>
-            <a:r>
-              <a:rPr lang="pt-BR" dirty="0" smtClean="0"/>
-              <a:t>Manifesto ágil (Princípios)</a:t>
-            </a:r>
             <a:endParaRPr lang="pt-BR" dirty="0"/>
           </a:p>
         </p:txBody>
@@ -5395,6 +5488,29 @@
       </p:grpSpPr>
       <p:sp>
         <p:nvSpPr>
+          <p:cNvPr id="3" name="Título 2"/>
+          <p:cNvSpPr>
+            <a:spLocks noGrp="1"/>
+          </p:cNvSpPr>
+          <p:nvPr>
+            <p:ph type="title"/>
+          </p:nvPr>
+        </p:nvSpPr>
+        <p:spPr/>
+        <p:txBody>
+          <a:bodyPr/>
+          <a:lstStyle/>
+          <a:p>
+            <a:r>
+              <a:rPr lang="pt-BR" dirty="0" err="1"/>
+              <a:t>Scrum</a:t>
+            </a:r>
+            <a:endParaRPr lang="pt-BR" dirty="0"/>
+          </a:p>
+        </p:txBody>
+      </p:sp>
+      <p:sp>
+        <p:nvSpPr>
           <p:cNvPr id="2" name="Espaço Reservado para Conteúdo 1"/>
           <p:cNvSpPr>
             <a:spLocks noGrp="1"/>
@@ -5410,17 +5526,11 @@
           </a:bodyPr>
           <a:lstStyle/>
           <a:p>
-            <a:r>
-              <a:rPr lang="pt-BR" dirty="0" smtClean="0"/>
-              <a:t>Definição</a:t>
-            </a:r>
-          </a:p>
-          <a:p>
             <a:pPr marL="0" indent="0">
               <a:buNone/>
             </a:pPr>
             <a:r>
-              <a:rPr lang="pt-BR" dirty="0" smtClean="0"/>
+              <a:rPr lang="pt-BR" dirty="0"/>
               <a:t>Conjunto de conceitos baseados no manifesto ágil com uma estrutura pré-definida para guiar os envolvidos e comprometidos do projeto melhorando o desempenho com base na adaptação e inspeção.</a:t>
             </a:r>
           </a:p>
@@ -5428,29 +5538,6 @@
             <a:pPr marL="0" indent="0">
               <a:buNone/>
             </a:pPr>
-            <a:endParaRPr lang="pt-BR" dirty="0" smtClean="0"/>
-          </a:p>
-        </p:txBody>
-      </p:sp>
-      <p:sp>
-        <p:nvSpPr>
-          <p:cNvPr id="3" name="Título 2"/>
-          <p:cNvSpPr>
-            <a:spLocks noGrp="1"/>
-          </p:cNvSpPr>
-          <p:nvPr>
-            <p:ph type="title"/>
-          </p:nvPr>
-        </p:nvSpPr>
-        <p:spPr/>
-        <p:txBody>
-          <a:bodyPr/>
-          <a:lstStyle/>
-          <a:p>
-            <a:r>
-              <a:rPr lang="pt-BR" dirty="0" err="1" smtClean="0"/>
-              <a:t>Scrum</a:t>
-            </a:r>
             <a:endParaRPr lang="pt-BR" dirty="0"/>
           </a:p>
         </p:txBody>
@@ -5465,13 +5552,6 @@
   <p:clrMapOvr>
     <a:masterClrMapping/>
   </p:clrMapOvr>
-  <p:timing>
-    <p:tnLst>
-      <p:par>
-        <p:cTn id="1" dur="indefinite" restart="never" nodeType="tmRoot"/>
-      </p:par>
-    </p:tnLst>
-  </p:timing>
 </p:sld>
 </file>
 
@@ -5494,6 +5574,33 @@
       </p:grpSpPr>
       <p:sp>
         <p:nvSpPr>
+          <p:cNvPr id="3" name="Título 2"/>
+          <p:cNvSpPr>
+            <a:spLocks noGrp="1"/>
+          </p:cNvSpPr>
+          <p:nvPr>
+            <p:ph type="title"/>
+          </p:nvPr>
+        </p:nvSpPr>
+        <p:spPr/>
+        <p:txBody>
+          <a:bodyPr/>
+          <a:lstStyle/>
+          <a:p>
+            <a:r>
+              <a:rPr lang="pt-BR" dirty="0"/>
+              <a:t>O Time </a:t>
+            </a:r>
+            <a:r>
+              <a:rPr lang="pt-BR" dirty="0" err="1"/>
+              <a:t>Scrum</a:t>
+            </a:r>
+            <a:endParaRPr lang="pt-BR" dirty="0"/>
+          </a:p>
+        </p:txBody>
+      </p:sp>
+      <p:sp>
+        <p:nvSpPr>
           <p:cNvPr id="2" name="Espaço Reservado para Conteúdo 1"/>
           <p:cNvSpPr>
             <a:spLocks noGrp="1"/>
@@ -5505,150 +5612,48 @@
         <p:spPr/>
         <p:txBody>
           <a:bodyPr>
-            <a:normAutofit fontScale="92500" lnSpcReduction="10000"/>
+            <a:normAutofit/>
           </a:bodyPr>
           <a:lstStyle/>
           <a:p>
-            <a:r>
-              <a:rPr lang="pt-BR" dirty="0" err="1" smtClean="0"/>
-              <a:t>Stackholder</a:t>
-            </a:r>
-            <a:r>
-              <a:rPr lang="pt-BR" dirty="0" smtClean="0"/>
+            <a:pPr>
+              <a:buFont typeface="Wingdings" panose="05000000000000000000" pitchFamily="2" charset="2"/>
+              <a:buChar char="ü"/>
+            </a:pPr>
+            <a:r>
+              <a:rPr lang="pt-BR" dirty="0" err="1"/>
+              <a:t>Product</a:t>
+            </a:r>
+            <a:r>
+              <a:rPr lang="pt-BR" dirty="0"/>
               <a:t> </a:t>
             </a:r>
-          </a:p>
-          <a:p>
-            <a:pPr marL="411480" lvl="1" indent="0">
-              <a:buNone/>
+            <a:r>
+              <a:rPr lang="pt-BR" dirty="0" err="1"/>
+              <a:t>Owner</a:t>
+            </a:r>
+            <a:endParaRPr lang="pt-BR" dirty="0"/>
+          </a:p>
+          <a:p>
+            <a:pPr>
+              <a:buFont typeface="Wingdings" panose="05000000000000000000" pitchFamily="2" charset="2"/>
+              <a:buChar char="ü"/>
             </a:pPr>
             <a:r>
-              <a:rPr lang="pt-BR" i="1" dirty="0" smtClean="0"/>
-              <a:t>Alguém interessado no projeto, porém não está comprometido diretamente com ele (</a:t>
-            </a:r>
-            <a:r>
-              <a:rPr lang="pt-BR" i="1" dirty="0" err="1" smtClean="0"/>
-              <a:t>Ex</a:t>
-            </a:r>
-            <a:r>
-              <a:rPr lang="pt-BR" i="1" dirty="0" smtClean="0"/>
-              <a:t>: Cliente, Acionista, Diretor).</a:t>
-            </a:r>
-          </a:p>
-          <a:p>
-            <a:r>
-              <a:rPr lang="pt-BR" dirty="0" err="1" smtClean="0"/>
-              <a:t>Product</a:t>
-            </a:r>
-            <a:r>
-              <a:rPr lang="pt-BR" dirty="0" smtClean="0"/>
-              <a:t> </a:t>
-            </a:r>
-            <a:r>
-              <a:rPr lang="pt-BR" dirty="0" err="1" smtClean="0"/>
-              <a:t>Owner</a:t>
-            </a:r>
-            <a:endParaRPr lang="pt-BR" dirty="0" smtClean="0"/>
-          </a:p>
-          <a:p>
-            <a:pPr marL="411480" lvl="1" indent="0">
-              <a:buNone/>
+              <a:rPr lang="pt-BR" dirty="0" err="1"/>
+              <a:t>ScrumMaster</a:t>
+            </a:r>
+            <a:endParaRPr lang="pt-BR" dirty="0"/>
+          </a:p>
+          <a:p>
+            <a:pPr>
+              <a:buFont typeface="Wingdings" panose="05000000000000000000" pitchFamily="2" charset="2"/>
+              <a:buChar char="ü"/>
             </a:pPr>
             <a:r>
-              <a:rPr lang="pt-BR" i="1" dirty="0" smtClean="0"/>
-              <a:t>Pessoa responsável por gerenciar o </a:t>
-            </a:r>
-            <a:r>
-              <a:rPr lang="pt-BR" i="1" dirty="0" err="1" smtClean="0"/>
-              <a:t>Product</a:t>
-            </a:r>
-            <a:r>
-              <a:rPr lang="pt-BR" i="1" dirty="0" smtClean="0"/>
-              <a:t> </a:t>
-            </a:r>
-            <a:r>
-              <a:rPr lang="pt-BR" i="1" dirty="0" err="1" smtClean="0"/>
-              <a:t>Backlog</a:t>
-            </a:r>
-            <a:r>
-              <a:rPr lang="pt-BR" i="1" dirty="0" smtClean="0"/>
-              <a:t> a fim de maximizar o valor do projeto; Representa todos os </a:t>
-            </a:r>
-            <a:r>
-              <a:rPr lang="pt-BR" i="1" dirty="0" err="1" smtClean="0"/>
-              <a:t>stakeholders</a:t>
-            </a:r>
-            <a:r>
-              <a:rPr lang="pt-BR" i="1" dirty="0" smtClean="0"/>
-              <a:t> no projeto.</a:t>
-            </a:r>
-          </a:p>
-          <a:p>
-            <a:r>
-              <a:rPr lang="pt-BR" dirty="0" err="1" smtClean="0"/>
-              <a:t>ScrumMaster</a:t>
-            </a:r>
-            <a:endParaRPr lang="pt-BR" dirty="0" smtClean="0"/>
-          </a:p>
-          <a:p>
-            <a:pPr marL="411480" lvl="1" indent="0">
-              <a:buNone/>
-            </a:pPr>
-            <a:r>
-              <a:rPr lang="pt-BR" i="1" dirty="0" smtClean="0"/>
-              <a:t>Pessoa responsável por manter o processo </a:t>
-            </a:r>
-            <a:r>
-              <a:rPr lang="pt-BR" i="1" dirty="0" err="1" smtClean="0"/>
-              <a:t>Scrum</a:t>
-            </a:r>
-            <a:r>
-              <a:rPr lang="pt-BR" i="1" dirty="0" smtClean="0"/>
-              <a:t>.</a:t>
-            </a:r>
-          </a:p>
-          <a:p>
-            <a:r>
-              <a:rPr lang="pt-BR" dirty="0" smtClean="0"/>
+              <a:rPr lang="pt-BR" dirty="0"/>
               <a:t>Team</a:t>
             </a:r>
-          </a:p>
-          <a:p>
-            <a:pPr marL="411480" lvl="1" indent="0">
-              <a:buNone/>
-            </a:pPr>
-            <a:r>
-              <a:rPr lang="pt-BR" i="1" dirty="0" smtClean="0"/>
-              <a:t>Grupo de pessoas responsáveis pelo desenvolvimento do potencial incremento que será entregue cada Sprint.</a:t>
-            </a:r>
-            <a:endParaRPr lang="pt-BR" dirty="0" smtClean="0"/>
-          </a:p>
-        </p:txBody>
-      </p:sp>
-      <p:sp>
-        <p:nvSpPr>
-          <p:cNvPr id="3" name="Título 2"/>
-          <p:cNvSpPr>
-            <a:spLocks noGrp="1"/>
-          </p:cNvSpPr>
-          <p:nvPr>
-            <p:ph type="title"/>
-          </p:nvPr>
-        </p:nvSpPr>
-        <p:spPr/>
-        <p:txBody>
-          <a:bodyPr/>
-          <a:lstStyle/>
-          <a:p>
-            <a:r>
-              <a:rPr lang="pt-BR" dirty="0" err="1" smtClean="0"/>
-              <a:t>Scrum</a:t>
-            </a:r>
-            <a:r>
-              <a:rPr lang="pt-BR" dirty="0" smtClean="0"/>
-              <a:t> (Estruturação - Perfis)</a:t>
-            </a:r>
-            <a:endParaRPr lang="pt-BR" dirty="0"/>
           </a:p>
         </p:txBody>
       </p:sp>
@@ -5662,13 +5667,6 @@
   <p:clrMapOvr>
     <a:masterClrMapping/>
   </p:clrMapOvr>
-  <p:timing>
-    <p:tnLst>
-      <p:par>
-        <p:cTn id="1" dur="indefinite" restart="never" nodeType="tmRoot"/>
-      </p:par>
-    </p:tnLst>
-  </p:timing>
 </p:sld>
 </file>
 
@@ -5691,7 +5689,30 @@
       </p:grpSpPr>
       <p:sp>
         <p:nvSpPr>
-          <p:cNvPr id="2" name="Espaço Reservado para Conteúdo 1"/>
+          <p:cNvPr id="2" name="Título 1"/>
+          <p:cNvSpPr>
+            <a:spLocks noGrp="1"/>
+          </p:cNvSpPr>
+          <p:nvPr>
+            <p:ph type="title"/>
+          </p:nvPr>
+        </p:nvSpPr>
+        <p:spPr/>
+        <p:txBody>
+          <a:bodyPr/>
+          <a:lstStyle/>
+          <a:p>
+            <a:r>
+              <a:rPr lang="en-US" dirty="0"/>
+              <a:t>Stakeholders</a:t>
+            </a:r>
+            <a:endParaRPr lang="pt-BR" dirty="0"/>
+          </a:p>
+        </p:txBody>
+      </p:sp>
+      <p:sp>
+        <p:nvSpPr>
+          <p:cNvPr id="3" name="Espaço Reservado para Conteúdo 2"/>
           <p:cNvSpPr>
             <a:spLocks noGrp="1"/>
           </p:cNvSpPr>
@@ -5704,158 +5725,34 @@
           <a:bodyPr/>
           <a:lstStyle/>
           <a:p>
-            <a:r>
-              <a:rPr lang="pt-BR" dirty="0" err="1" smtClean="0"/>
-              <a:t>Product</a:t>
-            </a:r>
-            <a:r>
-              <a:rPr lang="pt-BR" dirty="0" smtClean="0"/>
-              <a:t> </a:t>
+            <a:pPr marL="0" indent="0">
+              <a:buNone/>
+            </a:pPr>
+            <a:r>
+              <a:rPr lang="pt-BR" dirty="0"/>
+              <a:t>Alguém interessado no projeto, porém não está comprometido diretamente com ele (</a:t>
             </a:r>
             <a:r>
               <a:rPr lang="pt-BR" dirty="0" err="1"/>
-              <a:t>Backlog</a:t>
-            </a:r>
-            <a:endParaRPr lang="pt-BR" dirty="0"/>
-          </a:p>
-          <a:p>
-            <a:r>
-              <a:rPr lang="pt-BR" dirty="0"/>
-              <a:t>Sprint</a:t>
-            </a:r>
-          </a:p>
-          <a:p>
-            <a:pPr lvl="1"/>
-            <a:r>
-              <a:rPr lang="pt-BR" dirty="0"/>
-              <a:t>Sprint Planning </a:t>
-            </a:r>
-            <a:r>
-              <a:rPr lang="pt-BR" dirty="0" smtClean="0"/>
-              <a:t>Meeting</a:t>
-            </a:r>
-            <a:endParaRPr lang="pt-BR" dirty="0"/>
-          </a:p>
-          <a:p>
-            <a:pPr lvl="1"/>
-            <a:r>
-              <a:rPr lang="pt-BR" dirty="0"/>
-              <a:t>Sprint </a:t>
-            </a:r>
-            <a:r>
-              <a:rPr lang="pt-BR" dirty="0" err="1"/>
-              <a:t>Backlog</a:t>
-            </a:r>
-            <a:endParaRPr lang="pt-BR" dirty="0"/>
-          </a:p>
-          <a:p>
-            <a:pPr lvl="1"/>
-            <a:r>
-              <a:rPr lang="pt-BR" dirty="0"/>
-              <a:t>Sprint </a:t>
-            </a:r>
-            <a:r>
-              <a:rPr lang="pt-BR" dirty="0" err="1"/>
-              <a:t>Retrospective</a:t>
-            </a:r>
-            <a:r>
-              <a:rPr lang="pt-BR" dirty="0"/>
-              <a:t> Meeting</a:t>
-            </a:r>
-          </a:p>
-          <a:p>
-            <a:pPr lvl="1"/>
-            <a:r>
-              <a:rPr lang="pt-BR" dirty="0"/>
-              <a:t>Sprint </a:t>
-            </a:r>
-            <a:r>
-              <a:rPr lang="pt-BR" dirty="0" err="1"/>
-              <a:t>Review</a:t>
-            </a:r>
-            <a:r>
-              <a:rPr lang="pt-BR" dirty="0"/>
-              <a:t> Meeting</a:t>
-            </a:r>
-          </a:p>
-          <a:p>
-            <a:r>
-              <a:rPr lang="pt-BR" dirty="0"/>
-              <a:t>Daily </a:t>
-            </a:r>
-            <a:r>
-              <a:rPr lang="pt-BR" dirty="0" err="1"/>
-              <a:t>Scrum</a:t>
-            </a:r>
-            <a:r>
-              <a:rPr lang="pt-BR" dirty="0"/>
-              <a:t> Meeting</a:t>
-            </a:r>
-          </a:p>
-          <a:p>
-            <a:r>
-              <a:rPr lang="pt-BR" dirty="0" err="1"/>
-              <a:t>Burndown</a:t>
-            </a:r>
-            <a:r>
-              <a:rPr lang="pt-BR" dirty="0"/>
-              <a:t> </a:t>
-            </a:r>
-            <a:r>
-              <a:rPr lang="pt-BR" dirty="0" err="1"/>
-              <a:t>graph</a:t>
-            </a:r>
-            <a:endParaRPr lang="pt-BR" dirty="0"/>
-          </a:p>
-          <a:p>
-            <a:endParaRPr lang="pt-BR" dirty="0"/>
-          </a:p>
-        </p:txBody>
-      </p:sp>
-      <p:sp>
-        <p:nvSpPr>
-          <p:cNvPr id="3" name="Título 2"/>
-          <p:cNvSpPr>
-            <a:spLocks noGrp="1"/>
-          </p:cNvSpPr>
-          <p:nvPr>
-            <p:ph type="title"/>
-          </p:nvPr>
-        </p:nvSpPr>
-        <p:spPr/>
-        <p:txBody>
-          <a:bodyPr/>
-          <a:lstStyle/>
-          <a:p>
-            <a:r>
-              <a:rPr lang="pt-BR" dirty="0" err="1" smtClean="0"/>
-              <a:t>Scrum</a:t>
-            </a:r>
-            <a:r>
-              <a:rPr lang="pt-BR" dirty="0" smtClean="0"/>
-              <a:t> (Estruturação - Regras)</a:t>
-            </a:r>
-            <a:endParaRPr lang="pt-BR" dirty="0"/>
+              <a:t>Ex</a:t>
+            </a:r>
+            <a:r>
+              <a:rPr lang="pt-BR" dirty="0"/>
+              <a:t>: Cliente, Acionista, Diretor).</a:t>
+            </a:r>
           </a:p>
         </p:txBody>
       </p:sp>
     </p:spTree>
     <p:extLst>
       <p:ext uri="{BB962C8B-B14F-4D97-AF65-F5344CB8AC3E}">
-        <p14:creationId xmlns:p14="http://schemas.microsoft.com/office/powerpoint/2010/main" val="4218315490"/>
+        <p14:creationId xmlns:p14="http://schemas.microsoft.com/office/powerpoint/2010/main" val="2334867245"/>
       </p:ext>
     </p:extLst>
   </p:cSld>
   <p:clrMapOvr>
     <a:masterClrMapping/>
   </p:clrMapOvr>
-  <p:timing>
-    <p:tnLst>
-      <p:par>
-        <p:cTn id="1" dur="indefinite" restart="never" nodeType="tmRoot"/>
-      </p:par>
-    </p:tnLst>
-  </p:timing>
 </p:sld>
 </file>
 
@@ -5878,6 +5775,216 @@
       </p:grpSpPr>
       <p:sp>
         <p:nvSpPr>
+          <p:cNvPr id="2" name="Título 1"/>
+          <p:cNvSpPr>
+            <a:spLocks noGrp="1"/>
+          </p:cNvSpPr>
+          <p:nvPr>
+            <p:ph type="title"/>
+          </p:nvPr>
+        </p:nvSpPr>
+        <p:spPr/>
+        <p:txBody>
+          <a:bodyPr/>
+          <a:lstStyle/>
+          <a:p>
+            <a:r>
+              <a:rPr lang="en-US" dirty="0"/>
+              <a:t>Product Owner</a:t>
+            </a:r>
+            <a:endParaRPr lang="pt-BR" dirty="0"/>
+          </a:p>
+        </p:txBody>
+      </p:sp>
+      <p:sp>
+        <p:nvSpPr>
+          <p:cNvPr id="3" name="Espaço Reservado para Conteúdo 2"/>
+          <p:cNvSpPr>
+            <a:spLocks noGrp="1"/>
+          </p:cNvSpPr>
+          <p:nvPr>
+            <p:ph idx="1"/>
+          </p:nvPr>
+        </p:nvSpPr>
+        <p:spPr/>
+        <p:txBody>
+          <a:bodyPr/>
+          <a:lstStyle/>
+          <a:p>
+            <a:pPr marL="0" indent="0">
+              <a:buNone/>
+            </a:pPr>
+            <a:r>
+              <a:rPr lang="pt-BR" dirty="0"/>
+              <a:t>Pessoa responsável por gerenciar o </a:t>
+            </a:r>
+            <a:r>
+              <a:rPr lang="pt-BR" dirty="0" err="1"/>
+              <a:t>Product</a:t>
+            </a:r>
+            <a:r>
+              <a:rPr lang="pt-BR" dirty="0"/>
+              <a:t> </a:t>
+            </a:r>
+            <a:r>
+              <a:rPr lang="pt-BR" dirty="0" err="1"/>
+              <a:t>Backlog</a:t>
+            </a:r>
+            <a:r>
+              <a:rPr lang="pt-BR" dirty="0"/>
+              <a:t> a fim de maximizar o valor do projeto; Representa todos os </a:t>
+            </a:r>
+            <a:r>
+              <a:rPr lang="pt-BR" dirty="0" err="1"/>
+              <a:t>stakeholders</a:t>
+            </a:r>
+            <a:r>
+              <a:rPr lang="pt-BR" dirty="0"/>
+              <a:t> no projeto.</a:t>
+            </a:r>
+          </a:p>
+        </p:txBody>
+      </p:sp>
+    </p:spTree>
+    <p:extLst>
+      <p:ext uri="{BB962C8B-B14F-4D97-AF65-F5344CB8AC3E}">
+        <p14:creationId xmlns:p14="http://schemas.microsoft.com/office/powerpoint/2010/main" val="2206234286"/>
+      </p:ext>
+    </p:extLst>
+  </p:cSld>
+  <p:clrMapOvr>
+    <a:masterClrMapping/>
+  </p:clrMapOvr>
+</p:sld>
+</file>
+
+<file path=ppt/slides/slide19.xml><?xml version="1.0" encoding="utf-8"?>
+<p:sld xmlns:a="http://schemas.openxmlformats.org/drawingml/2006/main" xmlns:r="http://schemas.openxmlformats.org/officeDocument/2006/relationships" xmlns:p="http://schemas.openxmlformats.org/presentationml/2006/main">
+  <p:cSld>
+    <p:spTree>
+      <p:nvGrpSpPr>
+        <p:cNvPr id="1" name=""/>
+        <p:cNvGrpSpPr/>
+        <p:nvPr/>
+      </p:nvGrpSpPr>
+      <p:grpSpPr>
+        <a:xfrm>
+          <a:off x="0" y="0"/>
+          <a:ext cx="0" cy="0"/>
+          <a:chOff x="0" y="0"/>
+          <a:chExt cx="0" cy="0"/>
+        </a:xfrm>
+      </p:grpSpPr>
+      <p:sp>
+        <p:nvSpPr>
+          <p:cNvPr id="2" name="Título 1"/>
+          <p:cNvSpPr>
+            <a:spLocks noGrp="1"/>
+          </p:cNvSpPr>
+          <p:nvPr>
+            <p:ph type="title"/>
+          </p:nvPr>
+        </p:nvSpPr>
+        <p:spPr/>
+        <p:txBody>
+          <a:bodyPr/>
+          <a:lstStyle/>
+          <a:p>
+            <a:r>
+              <a:rPr lang="en-US" dirty="0" err="1"/>
+              <a:t>ScrumMaster</a:t>
+            </a:r>
+            <a:endParaRPr lang="pt-BR" dirty="0"/>
+          </a:p>
+        </p:txBody>
+      </p:sp>
+      <p:sp>
+        <p:nvSpPr>
+          <p:cNvPr id="3" name="Espaço Reservado para Conteúdo 2"/>
+          <p:cNvSpPr>
+            <a:spLocks noGrp="1"/>
+          </p:cNvSpPr>
+          <p:nvPr>
+            <p:ph idx="1"/>
+          </p:nvPr>
+        </p:nvSpPr>
+        <p:spPr/>
+        <p:txBody>
+          <a:bodyPr/>
+          <a:lstStyle/>
+          <a:p>
+            <a:pPr marL="0" indent="0">
+              <a:buNone/>
+            </a:pPr>
+            <a:r>
+              <a:rPr lang="pt-BR" dirty="0"/>
+              <a:t>Pessoa responsável por manter o processo </a:t>
+            </a:r>
+            <a:r>
+              <a:rPr lang="pt-BR" dirty="0" err="1"/>
+              <a:t>Scrum</a:t>
+            </a:r>
+            <a:r>
+              <a:rPr lang="pt-BR" dirty="0"/>
+              <a:t>.</a:t>
+            </a:r>
+          </a:p>
+        </p:txBody>
+      </p:sp>
+    </p:spTree>
+    <p:extLst>
+      <p:ext uri="{BB962C8B-B14F-4D97-AF65-F5344CB8AC3E}">
+        <p14:creationId xmlns:p14="http://schemas.microsoft.com/office/powerpoint/2010/main" val="4155157275"/>
+      </p:ext>
+    </p:extLst>
+  </p:cSld>
+  <p:clrMapOvr>
+    <a:masterClrMapping/>
+  </p:clrMapOvr>
+</p:sld>
+</file>
+
+<file path=ppt/slides/slide2.xml><?xml version="1.0" encoding="utf-8"?>
+<p:sld xmlns:a="http://schemas.openxmlformats.org/drawingml/2006/main" xmlns:r="http://schemas.openxmlformats.org/officeDocument/2006/relationships" xmlns:p="http://schemas.openxmlformats.org/presentationml/2006/main">
+  <p:cSld>
+    <p:spTree>
+      <p:nvGrpSpPr>
+        <p:cNvPr id="1" name=""/>
+        <p:cNvGrpSpPr/>
+        <p:nvPr/>
+      </p:nvGrpSpPr>
+      <p:grpSpPr>
+        <a:xfrm>
+          <a:off x="0" y="0"/>
+          <a:ext cx="0" cy="0"/>
+          <a:chOff x="0" y="0"/>
+          <a:chExt cx="0" cy="0"/>
+        </a:xfrm>
+      </p:grpSpPr>
+      <p:sp>
+        <p:nvSpPr>
+          <p:cNvPr id="3" name="Título 2"/>
+          <p:cNvSpPr>
+            <a:spLocks noGrp="1"/>
+          </p:cNvSpPr>
+          <p:nvPr>
+            <p:ph type="title"/>
+          </p:nvPr>
+        </p:nvSpPr>
+        <p:spPr/>
+        <p:txBody>
+          <a:bodyPr/>
+          <a:lstStyle/>
+          <a:p>
+            <a:r>
+              <a:rPr lang="pt-BR" dirty="0"/>
+              <a:t>Introdução</a:t>
+            </a:r>
+          </a:p>
+        </p:txBody>
+      </p:sp>
+      <p:sp>
+        <p:nvSpPr>
           <p:cNvPr id="2" name="Espaço Reservado para Conteúdo 1"/>
           <p:cNvSpPr>
             <a:spLocks noGrp="1"/>
@@ -5886,12 +5993,7 @@
             <p:ph idx="1"/>
           </p:nvPr>
         </p:nvSpPr>
-        <p:spPr>
-          <a:xfrm>
-            <a:off x="1858520" y="2808102"/>
-            <a:ext cx="8515198" cy="4767919"/>
-          </a:xfrm>
-        </p:spPr>
+        <p:spPr/>
         <p:txBody>
           <a:bodyPr/>
           <a:lstStyle/>
@@ -5900,6 +6002,288 @@
           </a:p>
         </p:txBody>
       </p:sp>
+    </p:spTree>
+    <p:extLst>
+      <p:ext uri="{BB962C8B-B14F-4D97-AF65-F5344CB8AC3E}">
+        <p14:creationId xmlns:p14="http://schemas.microsoft.com/office/powerpoint/2010/main" val="759057124"/>
+      </p:ext>
+    </p:extLst>
+  </p:cSld>
+  <p:clrMapOvr>
+    <a:masterClrMapping/>
+  </p:clrMapOvr>
+</p:sld>
+</file>
+
+<file path=ppt/slides/slide20.xml><?xml version="1.0" encoding="utf-8"?>
+<p:sld xmlns:a="http://schemas.openxmlformats.org/drawingml/2006/main" xmlns:r="http://schemas.openxmlformats.org/officeDocument/2006/relationships" xmlns:p="http://schemas.openxmlformats.org/presentationml/2006/main">
+  <p:cSld>
+    <p:spTree>
+      <p:nvGrpSpPr>
+        <p:cNvPr id="1" name=""/>
+        <p:cNvGrpSpPr/>
+        <p:nvPr/>
+      </p:nvGrpSpPr>
+      <p:grpSpPr>
+        <a:xfrm>
+          <a:off x="0" y="0"/>
+          <a:ext cx="0" cy="0"/>
+          <a:chOff x="0" y="0"/>
+          <a:chExt cx="0" cy="0"/>
+        </a:xfrm>
+      </p:grpSpPr>
+      <p:sp>
+        <p:nvSpPr>
+          <p:cNvPr id="2" name="Título 1"/>
+          <p:cNvSpPr>
+            <a:spLocks noGrp="1"/>
+          </p:cNvSpPr>
+          <p:nvPr>
+            <p:ph type="title"/>
+          </p:nvPr>
+        </p:nvSpPr>
+        <p:spPr/>
+        <p:txBody>
+          <a:bodyPr/>
+          <a:lstStyle/>
+          <a:p>
+            <a:r>
+              <a:rPr lang="en-US" dirty="0"/>
+              <a:t>Team</a:t>
+            </a:r>
+            <a:endParaRPr lang="pt-BR" dirty="0"/>
+          </a:p>
+        </p:txBody>
+      </p:sp>
+      <p:sp>
+        <p:nvSpPr>
+          <p:cNvPr id="3" name="Espaço Reservado para Conteúdo 2"/>
+          <p:cNvSpPr>
+            <a:spLocks noGrp="1"/>
+          </p:cNvSpPr>
+          <p:nvPr>
+            <p:ph idx="1"/>
+          </p:nvPr>
+        </p:nvSpPr>
+        <p:spPr/>
+        <p:txBody>
+          <a:bodyPr/>
+          <a:lstStyle/>
+          <a:p>
+            <a:pPr marL="0" indent="0">
+              <a:buNone/>
+            </a:pPr>
+            <a:r>
+              <a:rPr lang="pt-BR" dirty="0"/>
+              <a:t>Grupo de pessoas responsáveis pelo desenvolvimento do potencial incremento que será entregue cada Sprint.</a:t>
+            </a:r>
+          </a:p>
+        </p:txBody>
+      </p:sp>
+    </p:spTree>
+    <p:extLst>
+      <p:ext uri="{BB962C8B-B14F-4D97-AF65-F5344CB8AC3E}">
+        <p14:creationId xmlns:p14="http://schemas.microsoft.com/office/powerpoint/2010/main" val="3008020100"/>
+      </p:ext>
+    </p:extLst>
+  </p:cSld>
+  <p:clrMapOvr>
+    <a:masterClrMapping/>
+  </p:clrMapOvr>
+</p:sld>
+</file>
+
+<file path=ppt/slides/slide21.xml><?xml version="1.0" encoding="utf-8"?>
+<p:sld xmlns:a="http://schemas.openxmlformats.org/drawingml/2006/main" xmlns:r="http://schemas.openxmlformats.org/officeDocument/2006/relationships" xmlns:p="http://schemas.openxmlformats.org/presentationml/2006/main">
+  <p:cSld>
+    <p:spTree>
+      <p:nvGrpSpPr>
+        <p:cNvPr id="1" name=""/>
+        <p:cNvGrpSpPr/>
+        <p:nvPr/>
+      </p:nvGrpSpPr>
+      <p:grpSpPr>
+        <a:xfrm>
+          <a:off x="0" y="0"/>
+          <a:ext cx="0" cy="0"/>
+          <a:chOff x="0" y="0"/>
+          <a:chExt cx="0" cy="0"/>
+        </a:xfrm>
+      </p:grpSpPr>
+      <p:sp>
+        <p:nvSpPr>
+          <p:cNvPr id="3" name="Título 2"/>
+          <p:cNvSpPr>
+            <a:spLocks noGrp="1"/>
+          </p:cNvSpPr>
+          <p:nvPr>
+            <p:ph type="title"/>
+          </p:nvPr>
+        </p:nvSpPr>
+        <p:spPr/>
+        <p:txBody>
+          <a:bodyPr/>
+          <a:lstStyle/>
+          <a:p>
+            <a:r>
+              <a:rPr lang="pt-BR" dirty="0" err="1"/>
+              <a:t>Scrum</a:t>
+            </a:r>
+            <a:r>
+              <a:rPr lang="pt-BR" dirty="0"/>
+              <a:t> (Estruturação - Regras)</a:t>
+            </a:r>
+          </a:p>
+        </p:txBody>
+      </p:sp>
+      <p:sp>
+        <p:nvSpPr>
+          <p:cNvPr id="2" name="Espaço Reservado para Conteúdo 1"/>
+          <p:cNvSpPr>
+            <a:spLocks noGrp="1"/>
+          </p:cNvSpPr>
+          <p:nvPr>
+            <p:ph idx="1"/>
+          </p:nvPr>
+        </p:nvSpPr>
+        <p:spPr/>
+        <p:txBody>
+          <a:bodyPr/>
+          <a:lstStyle/>
+          <a:p>
+            <a:r>
+              <a:rPr lang="pt-BR" dirty="0" err="1"/>
+              <a:t>Product</a:t>
+            </a:r>
+            <a:r>
+              <a:rPr lang="pt-BR" dirty="0"/>
+              <a:t> </a:t>
+            </a:r>
+            <a:r>
+              <a:rPr lang="pt-BR" dirty="0" err="1"/>
+              <a:t>Backlog</a:t>
+            </a:r>
+            <a:endParaRPr lang="pt-BR" dirty="0"/>
+          </a:p>
+          <a:p>
+            <a:r>
+              <a:rPr lang="pt-BR" dirty="0"/>
+              <a:t>Sprint</a:t>
+            </a:r>
+          </a:p>
+          <a:p>
+            <a:pPr lvl="1"/>
+            <a:r>
+              <a:rPr lang="pt-BR" dirty="0"/>
+              <a:t>Sprint Planning Meeting</a:t>
+            </a:r>
+          </a:p>
+          <a:p>
+            <a:pPr lvl="1"/>
+            <a:r>
+              <a:rPr lang="pt-BR" dirty="0"/>
+              <a:t>Sprint </a:t>
+            </a:r>
+            <a:r>
+              <a:rPr lang="pt-BR" dirty="0" err="1"/>
+              <a:t>Backlog</a:t>
+            </a:r>
+            <a:endParaRPr lang="pt-BR" dirty="0"/>
+          </a:p>
+          <a:p>
+            <a:pPr lvl="1"/>
+            <a:r>
+              <a:rPr lang="pt-BR" dirty="0"/>
+              <a:t>Sprint </a:t>
+            </a:r>
+            <a:r>
+              <a:rPr lang="pt-BR" dirty="0" err="1"/>
+              <a:t>Retrospective</a:t>
+            </a:r>
+            <a:r>
+              <a:rPr lang="pt-BR" dirty="0"/>
+              <a:t> Meeting</a:t>
+            </a:r>
+          </a:p>
+          <a:p>
+            <a:pPr lvl="1"/>
+            <a:r>
+              <a:rPr lang="pt-BR" dirty="0"/>
+              <a:t>Sprint </a:t>
+            </a:r>
+            <a:r>
+              <a:rPr lang="pt-BR" dirty="0" err="1"/>
+              <a:t>Review</a:t>
+            </a:r>
+            <a:r>
+              <a:rPr lang="pt-BR" dirty="0"/>
+              <a:t> Meeting</a:t>
+            </a:r>
+          </a:p>
+          <a:p>
+            <a:r>
+              <a:rPr lang="pt-BR" dirty="0"/>
+              <a:t>Daily </a:t>
+            </a:r>
+            <a:r>
+              <a:rPr lang="pt-BR" dirty="0" err="1"/>
+              <a:t>Scrum</a:t>
+            </a:r>
+            <a:r>
+              <a:rPr lang="pt-BR" dirty="0"/>
+              <a:t> Meeting</a:t>
+            </a:r>
+          </a:p>
+          <a:p>
+            <a:r>
+              <a:rPr lang="pt-BR" dirty="0" err="1"/>
+              <a:t>Burndown</a:t>
+            </a:r>
+            <a:r>
+              <a:rPr lang="pt-BR" dirty="0"/>
+              <a:t> </a:t>
+            </a:r>
+            <a:r>
+              <a:rPr lang="pt-BR" dirty="0" err="1"/>
+              <a:t>graph</a:t>
+            </a:r>
+            <a:endParaRPr lang="pt-BR" dirty="0"/>
+          </a:p>
+          <a:p>
+            <a:endParaRPr lang="pt-BR" dirty="0"/>
+          </a:p>
+        </p:txBody>
+      </p:sp>
+    </p:spTree>
+    <p:extLst>
+      <p:ext uri="{BB962C8B-B14F-4D97-AF65-F5344CB8AC3E}">
+        <p14:creationId xmlns:p14="http://schemas.microsoft.com/office/powerpoint/2010/main" val="4218315490"/>
+      </p:ext>
+    </p:extLst>
+  </p:cSld>
+  <p:clrMapOvr>
+    <a:masterClrMapping/>
+  </p:clrMapOvr>
+</p:sld>
+</file>
+
+<file path=ppt/slides/slide22.xml><?xml version="1.0" encoding="utf-8"?>
+<p:sld xmlns:a="http://schemas.openxmlformats.org/drawingml/2006/main" xmlns:r="http://schemas.openxmlformats.org/officeDocument/2006/relationships" xmlns:p="http://schemas.openxmlformats.org/presentationml/2006/main">
+  <p:cSld>
+    <p:spTree>
+      <p:nvGrpSpPr>
+        <p:cNvPr id="1" name=""/>
+        <p:cNvGrpSpPr/>
+        <p:nvPr/>
+      </p:nvGrpSpPr>
+      <p:grpSpPr>
+        <a:xfrm>
+          <a:off x="0" y="0"/>
+          <a:ext cx="0" cy="0"/>
+          <a:chOff x="0" y="0"/>
+          <a:chExt cx="0" cy="0"/>
+        </a:xfrm>
+      </p:grpSpPr>
       <p:pic>
         <p:nvPicPr>
           <p:cNvPr id="1026" name="Picture 2" descr="tmp535528547733733377"/>
@@ -5967,78 +6351,6 @@
 </p:sld>
 </file>
 
-<file path=ppt/slides/slide2.xml><?xml version="1.0" encoding="utf-8"?>
-<p:sld xmlns:a="http://schemas.openxmlformats.org/drawingml/2006/main" xmlns:r="http://schemas.openxmlformats.org/officeDocument/2006/relationships" xmlns:p="http://schemas.openxmlformats.org/presentationml/2006/main">
-  <p:cSld>
-    <p:spTree>
-      <p:nvGrpSpPr>
-        <p:cNvPr id="1" name=""/>
-        <p:cNvGrpSpPr/>
-        <p:nvPr/>
-      </p:nvGrpSpPr>
-      <p:grpSpPr>
-        <a:xfrm>
-          <a:off x="0" y="0"/>
-          <a:ext cx="0" cy="0"/>
-          <a:chOff x="0" y="0"/>
-          <a:chExt cx="0" cy="0"/>
-        </a:xfrm>
-      </p:grpSpPr>
-      <p:sp>
-        <p:nvSpPr>
-          <p:cNvPr id="2" name="Espaço Reservado para Conteúdo 1"/>
-          <p:cNvSpPr>
-            <a:spLocks noGrp="1"/>
-          </p:cNvSpPr>
-          <p:nvPr>
-            <p:ph idx="1"/>
-          </p:nvPr>
-        </p:nvSpPr>
-        <p:spPr/>
-        <p:txBody>
-          <a:bodyPr/>
-          <a:lstStyle/>
-          <a:p>
-            <a:endParaRPr lang="pt-BR" dirty="0"/>
-          </a:p>
-        </p:txBody>
-      </p:sp>
-      <p:sp>
-        <p:nvSpPr>
-          <p:cNvPr id="3" name="Título 2"/>
-          <p:cNvSpPr>
-            <a:spLocks noGrp="1"/>
-          </p:cNvSpPr>
-          <p:nvPr>
-            <p:ph type="title"/>
-          </p:nvPr>
-        </p:nvSpPr>
-        <p:spPr/>
-        <p:txBody>
-          <a:bodyPr/>
-          <a:lstStyle/>
-          <a:p>
-            <a:r>
-              <a:rPr lang="pt-BR" dirty="0" smtClean="0"/>
-              <a:t>Introdução</a:t>
-            </a:r>
-            <a:endParaRPr lang="pt-BR" dirty="0"/>
-          </a:p>
-        </p:txBody>
-      </p:sp>
-    </p:spTree>
-    <p:extLst>
-      <p:ext uri="{BB962C8B-B14F-4D97-AF65-F5344CB8AC3E}">
-        <p14:creationId xmlns:p14="http://schemas.microsoft.com/office/powerpoint/2010/main" val="759057124"/>
-      </p:ext>
-    </p:extLst>
-  </p:cSld>
-  <p:clrMapOvr>
-    <a:masterClrMapping/>
-  </p:clrMapOvr>
-</p:sld>
-</file>
-
 <file path=ppt/slides/slide3.xml><?xml version="1.0" encoding="utf-8"?>
 <p:sld xmlns:a="http://schemas.openxmlformats.org/drawingml/2006/main" xmlns:r="http://schemas.openxmlformats.org/officeDocument/2006/relationships" xmlns:p="http://schemas.openxmlformats.org/presentationml/2006/main">
   <p:cSld>
@@ -6072,10 +6384,9 @@
           <a:lstStyle/>
           <a:p>
             <a:r>
-              <a:rPr lang="pt-BR" dirty="0" smtClean="0"/>
+              <a:rPr lang="pt-BR" dirty="0"/>
               <a:t>Projeto</a:t>
             </a:r>
-            <a:endParaRPr lang="pt-BR" dirty="0"/>
           </a:p>
         </p:txBody>
       </p:sp>
@@ -6100,7 +6411,7 @@
               <a:buNone/>
             </a:pPr>
             <a:r>
-              <a:rPr lang="pt-BR" dirty="0" smtClean="0"/>
+              <a:rPr lang="pt-BR" dirty="0"/>
               <a:t>Refere-se a um “Plano para realização de um ato; desígnio, intenção.”. </a:t>
             </a:r>
           </a:p>
@@ -6109,7 +6420,7 @@
               <a:buNone/>
             </a:pPr>
             <a:r>
-              <a:rPr lang="pt-BR" dirty="0" smtClean="0"/>
+              <a:rPr lang="pt-BR" dirty="0"/>
               <a:t>Para que consigamos atingir um determinado objetivo com eficácia é necessário frequentemente conhecer as alternativas, adaptar a que talvez possa ser a mais condizente e inspecionar para certificar-se que está trilhando a melhor rota.</a:t>
             </a:r>
           </a:p>
@@ -6120,13 +6431,6 @@
   <p:clrMapOvr>
     <a:masterClrMapping/>
   </p:clrMapOvr>
-  <p:timing>
-    <p:tnLst>
-      <p:par>
-        <p:cTn id="1" dur="indefinite" restart="never" nodeType="tmRoot"/>
-      </p:par>
-    </p:tnLst>
-  </p:timing>
 </p:sld>
 </file>
 
@@ -6181,66 +6485,68 @@
         </p:nvSpPr>
         <p:spPr/>
         <p:txBody>
-          <a:bodyPr/>
-          <a:lstStyle/>
-          <a:p>
-            <a:r>
-              <a:rPr lang="pt-BR" dirty="0" smtClean="0"/>
+          <a:bodyPr>
+            <a:normAutofit/>
+          </a:bodyPr>
+          <a:lstStyle/>
+          <a:p>
+            <a:r>
+              <a:rPr lang="pt-BR" dirty="0"/>
               <a:t>Gestão de Projetos de Software</a:t>
             </a:r>
           </a:p>
           <a:p>
             <a:r>
-              <a:rPr lang="pt-BR" dirty="0" smtClean="0"/>
+              <a:rPr lang="pt-BR" dirty="0"/>
               <a:t>Startup</a:t>
             </a:r>
           </a:p>
           <a:p>
             <a:r>
-              <a:rPr lang="pt-BR" dirty="0" smtClean="0"/>
+              <a:rPr lang="pt-BR" dirty="0"/>
               <a:t>Processo de desenvolvimento ágil</a:t>
             </a:r>
           </a:p>
           <a:p>
             <a:pPr lvl="1"/>
             <a:r>
-              <a:rPr lang="pt-BR" dirty="0" smtClean="0"/>
+              <a:rPr lang="pt-BR" dirty="0"/>
               <a:t>Manifesto</a:t>
             </a:r>
           </a:p>
           <a:p>
             <a:pPr lvl="1"/>
             <a:r>
-              <a:rPr lang="pt-BR" dirty="0" err="1" smtClean="0"/>
+              <a:rPr lang="pt-BR" dirty="0" err="1"/>
               <a:t>Scrum</a:t>
             </a:r>
-            <a:endParaRPr lang="pt-BR" dirty="0" smtClean="0"/>
+            <a:endParaRPr lang="pt-BR" dirty="0"/>
           </a:p>
           <a:p>
             <a:pPr lvl="2"/>
             <a:r>
-              <a:rPr lang="pt-BR" dirty="0" smtClean="0"/>
+              <a:rPr lang="pt-BR" dirty="0"/>
               <a:t>Definição</a:t>
             </a:r>
           </a:p>
           <a:p>
             <a:pPr lvl="2"/>
             <a:r>
-              <a:rPr lang="pt-BR" dirty="0" smtClean="0"/>
+              <a:rPr lang="pt-BR" dirty="0"/>
               <a:t>Estruturação</a:t>
             </a:r>
           </a:p>
           <a:p>
             <a:pPr lvl="3"/>
             <a:r>
-              <a:rPr lang="pt-BR" dirty="0" smtClean="0"/>
+              <a:rPr lang="pt-BR" dirty="0"/>
               <a:t>Perfil</a:t>
             </a:r>
           </a:p>
           <a:p>
             <a:pPr lvl="3"/>
             <a:r>
-              <a:rPr lang="pt-BR" dirty="0" smtClean="0"/>
+              <a:rPr lang="pt-BR" dirty="0"/>
               <a:t>Regras</a:t>
             </a:r>
           </a:p>
@@ -6251,13 +6557,6 @@
   <p:clrMapOvr>
     <a:masterClrMapping/>
   </p:clrMapOvr>
-  <p:timing>
-    <p:tnLst>
-      <p:par>
-        <p:cTn id="1" dur="indefinite" restart="never" nodeType="tmRoot"/>
-      </p:par>
-    </p:tnLst>
-  </p:timing>
 </p:sld>
 </file>
 
@@ -6280,6 +6579,29 @@
       </p:grpSpPr>
       <p:sp>
         <p:nvSpPr>
+          <p:cNvPr id="3" name="Título 2"/>
+          <p:cNvSpPr>
+            <a:spLocks noGrp="1"/>
+          </p:cNvSpPr>
+          <p:nvPr>
+            <p:ph type="title"/>
+          </p:nvPr>
+        </p:nvSpPr>
+        <p:spPr/>
+        <p:txBody>
+          <a:bodyPr/>
+          <a:lstStyle/>
+          <a:p>
+            <a:r>
+              <a:rPr lang="en-US" dirty="0"/>
+              <a:t>Startup</a:t>
+            </a:r>
+            <a:endParaRPr lang="pt-BR" dirty="0"/>
+          </a:p>
+        </p:txBody>
+      </p:sp>
+      <p:sp>
+        <p:nvSpPr>
           <p:cNvPr id="2" name="Espaço Reservado para Conteúdo 1"/>
           <p:cNvSpPr>
             <a:spLocks noGrp="1"/>
@@ -6301,29 +6623,6 @@
               <a:rPr lang="pt-BR" dirty="0"/>
               <a:t> significa o ato de começar algo, normalmente relacionado com companhias e empresas que estão no início de suas atividades e que buscam explorar atividades inovadoras no mercado.</a:t>
             </a:r>
-          </a:p>
-        </p:txBody>
-      </p:sp>
-      <p:sp>
-        <p:nvSpPr>
-          <p:cNvPr id="3" name="Título 2"/>
-          <p:cNvSpPr>
-            <a:spLocks noGrp="1"/>
-          </p:cNvSpPr>
-          <p:nvPr>
-            <p:ph type="title"/>
-          </p:nvPr>
-        </p:nvSpPr>
-        <p:spPr/>
-        <p:txBody>
-          <a:bodyPr/>
-          <a:lstStyle/>
-          <a:p>
-            <a:r>
-              <a:rPr lang="en-US" dirty="0" smtClean="0"/>
-              <a:t>Startup</a:t>
-            </a:r>
-            <a:endParaRPr lang="pt-BR" dirty="0"/>
           </a:p>
         </p:txBody>
       </p:sp>
@@ -6359,12 +6658,12 @@
       </p:grpSpPr>
       <p:sp>
         <p:nvSpPr>
-          <p:cNvPr id="2" name="Espaço Reservado para Conteúdo 1"/>
-          <p:cNvSpPr>
-            <a:spLocks noGrp="1"/>
-          </p:cNvSpPr>
-          <p:nvPr>
-            <p:ph idx="1"/>
+          <p:cNvPr id="3" name="Título 2"/>
+          <p:cNvSpPr>
+            <a:spLocks noGrp="1"/>
+          </p:cNvSpPr>
+          <p:nvPr>
+            <p:ph type="title"/>
           </p:nvPr>
         </p:nvSpPr>
         <p:spPr/>
@@ -6375,44 +6674,20 @@
           <a:lstStyle/>
           <a:p>
             <a:r>
-              <a:rPr lang="pt-BR" dirty="0" smtClean="0"/>
-              <a:t>Gestão </a:t>
-            </a:r>
-            <a:r>
-              <a:rPr lang="pt-BR" dirty="0"/>
-              <a:t>de projetos é um conjunto de práticas que serve de guia a um grupo para trabalhar de maneira produtiva. Ela compreende métodos e ferramentas que organizam as tarefas, identificam sua </a:t>
-            </a:r>
-            <a:r>
-              <a:rPr lang="pt-BR" dirty="0" smtClean="0"/>
-              <a:t>sequência </a:t>
-            </a:r>
-            <a:r>
-              <a:rPr lang="pt-BR" dirty="0"/>
-              <a:t>de execução e dependências existentes, </a:t>
-            </a:r>
-            <a:r>
-              <a:rPr lang="pt-BR" dirty="0" smtClean="0"/>
-              <a:t>apoia </a:t>
-            </a:r>
-            <a:r>
-              <a:rPr lang="pt-BR" dirty="0"/>
-              <a:t>a alocação de recursos e tempo, além de permitir o rastreamento da execução das atividades e medição do progresso relativo ao que foi definido no plano de projeto.</a:t>
-            </a:r>
-            <a:br>
-              <a:rPr lang="pt-BR" dirty="0"/>
-            </a:br>
-            <a:endParaRPr lang="pt-BR" dirty="0"/>
-          </a:p>
-        </p:txBody>
-      </p:sp>
-      <p:sp>
-        <p:nvSpPr>
-          <p:cNvPr id="3" name="Título 2"/>
-          <p:cNvSpPr>
-            <a:spLocks noGrp="1"/>
-          </p:cNvSpPr>
-          <p:nvPr>
-            <p:ph type="title"/>
+              <a:rPr lang="pt-BR" dirty="0"/>
+              <a:t>Gestão de Projetos de Software</a:t>
+            </a:r>
+          </a:p>
+        </p:txBody>
+      </p:sp>
+      <p:sp>
+        <p:nvSpPr>
+          <p:cNvPr id="2" name="Espaço Reservado para Conteúdo 1"/>
+          <p:cNvSpPr>
+            <a:spLocks noGrp="1"/>
+          </p:cNvSpPr>
+          <p:nvPr>
+            <p:ph idx="1"/>
           </p:nvPr>
         </p:nvSpPr>
         <p:spPr/>
@@ -6423,9 +6698,12 @@
           <a:lstStyle/>
           <a:p>
             <a:r>
-              <a:rPr lang="pt-BR" dirty="0" smtClean="0"/>
-              <a:t>Gestão de Projetos de Software</a:t>
-            </a:r>
+              <a:rPr lang="pt-BR" dirty="0"/>
+              <a:t>Gestão de projetos é um conjunto de práticas que serve de guia a um grupo para trabalhar de maneira produtiva. Ela compreende métodos e ferramentas que organizam as tarefas, identificam sua sequência de execução e dependências existentes, apoia a alocação de recursos e tempo, além de permitir o rastreamento da execução das atividades e medição do progresso relativo ao que foi definido no plano de projeto.</a:t>
+            </a:r>
+            <a:br>
+              <a:rPr lang="pt-BR" dirty="0"/>
+            </a:br>
             <a:endParaRPr lang="pt-BR" dirty="0"/>
           </a:p>
         </p:txBody>
@@ -6440,13 +6718,6 @@
   <p:clrMapOvr>
     <a:masterClrMapping/>
   </p:clrMapOvr>
-  <p:timing>
-    <p:tnLst>
-      <p:par>
-        <p:cTn id="1" dur="indefinite" restart="never" nodeType="tmRoot"/>
-      </p:par>
-    </p:tnLst>
-  </p:timing>
 </p:sld>
 </file>
 
@@ -6485,12 +6756,8 @@
           <a:lstStyle/>
           <a:p>
             <a:r>
-              <a:rPr lang="pt-BR" dirty="0" smtClean="0"/>
-              <a:t>Gestão </a:t>
-            </a:r>
-            <a:r>
-              <a:rPr lang="pt-BR" dirty="0"/>
-              <a:t>de Projetos de Software</a:t>
+              <a:rPr lang="pt-BR" dirty="0"/>
+              <a:t>Gestão de Projetos de Software</a:t>
             </a:r>
           </a:p>
         </p:txBody>
@@ -6513,15 +6780,14 @@
               </a:ext>
             </a:extLst>
           </a:blip>
-          <a:srcRect/>
           <a:stretch>
             <a:fillRect/>
           </a:stretch>
         </p:blipFill>
         <p:spPr bwMode="auto">
           <a:xfrm>
-            <a:off x="468520" y="1868810"/>
-            <a:ext cx="8206958" cy="4080470"/>
+            <a:off x="1991519" y="2609850"/>
+            <a:ext cx="5095875" cy="2533650"/>
           </a:xfrm>
           <a:prstGeom prst="rect">
             <a:avLst/>
@@ -6548,13 +6814,6 @@
   <p:clrMapOvr>
     <a:masterClrMapping/>
   </p:clrMapOvr>
-  <p:timing>
-    <p:tnLst>
-      <p:par>
-        <p:cTn id="1" dur="indefinite" restart="never" nodeType="tmRoot"/>
-      </p:par>
-    </p:tnLst>
-  </p:timing>
 </p:sld>
 </file>
 
@@ -6577,6 +6836,28 @@
       </p:grpSpPr>
       <p:sp>
         <p:nvSpPr>
+          <p:cNvPr id="3" name="Título 2"/>
+          <p:cNvSpPr>
+            <a:spLocks noGrp="1"/>
+          </p:cNvSpPr>
+          <p:nvPr>
+            <p:ph type="title"/>
+          </p:nvPr>
+        </p:nvSpPr>
+        <p:spPr/>
+        <p:txBody>
+          <a:bodyPr/>
+          <a:lstStyle/>
+          <a:p>
+            <a:r>
+              <a:rPr lang="pt-BR" dirty="0"/>
+              <a:t>Startup</a:t>
+            </a:r>
+          </a:p>
+        </p:txBody>
+      </p:sp>
+      <p:sp>
+        <p:nvSpPr>
           <p:cNvPr id="2" name="Espaço Reservado para Conteúdo 1"/>
           <p:cNvSpPr>
             <a:spLocks noGrp="1"/>
@@ -6591,40 +6872,13 @@
           <a:lstStyle/>
           <a:p>
             <a:r>
-              <a:rPr lang="pt-BR" b="1" dirty="0" smtClean="0"/>
+              <a:rPr lang="pt-BR" b="1" dirty="0"/>
               <a:t>S</a:t>
             </a:r>
             <a:r>
-              <a:rPr lang="pt-BR" dirty="0" smtClean="0"/>
-              <a:t>ignifica </a:t>
-            </a:r>
-            <a:r>
-              <a:rPr lang="pt-BR" dirty="0"/>
-              <a:t>o ato de começar algo, normalmente relacionado com companhias e empresas que estão no início de suas atividades e que buscam explorar atividades inovadoras no mercado.</a:t>
-            </a:r>
-          </a:p>
-        </p:txBody>
-      </p:sp>
-      <p:sp>
-        <p:nvSpPr>
-          <p:cNvPr id="3" name="Título 2"/>
-          <p:cNvSpPr>
-            <a:spLocks noGrp="1"/>
-          </p:cNvSpPr>
-          <p:nvPr>
-            <p:ph type="title"/>
-          </p:nvPr>
-        </p:nvSpPr>
-        <p:spPr/>
-        <p:txBody>
-          <a:bodyPr/>
-          <a:lstStyle/>
-          <a:p>
-            <a:r>
-              <a:rPr lang="pt-BR" dirty="0" smtClean="0"/>
-              <a:t>Startup</a:t>
-            </a:r>
-            <a:endParaRPr lang="pt-BR" dirty="0"/>
+              <a:rPr lang="pt-BR" dirty="0"/>
+              <a:t>ignifica o ato de começar algo, normalmente relacionado com companhias e empresas que estão no início de suas atividades e que buscam explorar atividades inovadoras no mercado.</a:t>
+            </a:r>
           </a:p>
         </p:txBody>
       </p:sp>
@@ -6638,13 +6892,6 @@
   <p:clrMapOvr>
     <a:masterClrMapping/>
   </p:clrMapOvr>
-  <p:timing>
-    <p:tnLst>
-      <p:par>
-        <p:cTn id="1" dur="indefinite" restart="never" nodeType="tmRoot"/>
-      </p:par>
-    </p:tnLst>
-  </p:timing>
 </p:sld>
 </file>
 
@@ -6667,6 +6914,35 @@
       </p:grpSpPr>
       <p:sp>
         <p:nvSpPr>
+          <p:cNvPr id="3" name="Título 2"/>
+          <p:cNvSpPr>
+            <a:spLocks noGrp="1"/>
+          </p:cNvSpPr>
+          <p:nvPr>
+            <p:ph type="title"/>
+          </p:nvPr>
+        </p:nvSpPr>
+        <p:spPr>
+          <a:xfrm>
+            <a:off x="455600" y="1556792"/>
+            <a:ext cx="8229600" cy="787152"/>
+          </a:xfrm>
+        </p:spPr>
+        <p:txBody>
+          <a:bodyPr>
+            <a:normAutofit/>
+          </a:bodyPr>
+          <a:lstStyle/>
+          <a:p>
+            <a:r>
+              <a:rPr lang="pt-BR" dirty="0"/>
+              <a:t>O que é?</a:t>
+            </a:r>
+          </a:p>
+        </p:txBody>
+      </p:sp>
+      <p:sp>
+        <p:nvSpPr>
           <p:cNvPr id="2" name="Espaço Reservado para Conteúdo 1"/>
           <p:cNvSpPr>
             <a:spLocks noGrp="1"/>
@@ -6687,43 +6963,8 @@
           <a:p>
             <a:r>
               <a:rPr lang="pt-BR" dirty="0"/>
-              <a:t>O Manifesto Ágil é uma declaração de princípios que fundamentam o desenvolvimento ágil de </a:t>
-            </a:r>
-            <a:r>
-              <a:rPr lang="pt-BR" dirty="0" smtClean="0"/>
-              <a:t>softwares.</a:t>
-            </a:r>
-            <a:endParaRPr lang="pt-BR" dirty="0"/>
-          </a:p>
-        </p:txBody>
-      </p:sp>
-      <p:sp>
-        <p:nvSpPr>
-          <p:cNvPr id="3" name="Título 2"/>
-          <p:cNvSpPr>
-            <a:spLocks noGrp="1"/>
-          </p:cNvSpPr>
-          <p:nvPr>
-            <p:ph type="title"/>
-          </p:nvPr>
-        </p:nvSpPr>
-        <p:spPr>
-          <a:xfrm>
-            <a:off x="455600" y="1556792"/>
-            <a:ext cx="8229600" cy="787152"/>
-          </a:xfrm>
-        </p:spPr>
-        <p:txBody>
-          <a:bodyPr>
-            <a:normAutofit/>
-          </a:bodyPr>
-          <a:lstStyle/>
-          <a:p>
-            <a:r>
-              <a:rPr lang="pt-BR" dirty="0" smtClean="0"/>
-              <a:t>O que é?</a:t>
-            </a:r>
-            <a:endParaRPr lang="pt-BR" dirty="0"/>
+              <a:t>O Manifesto Ágil é uma declaração de princípios que fundamentam o desenvolvimento ágil de softwares.</a:t>
+            </a:r>
           </a:p>
         </p:txBody>
       </p:sp>
@@ -6786,10 +7027,9 @@
           </a:lstStyle>
           <a:p>
             <a:r>
-              <a:rPr lang="pt-BR" dirty="0" smtClean="0"/>
+              <a:rPr lang="pt-BR" dirty="0"/>
               <a:t>Quem criou?</a:t>
             </a:r>
-            <a:endParaRPr lang="pt-BR" dirty="0"/>
           </a:p>
         </p:txBody>
       </p:sp>
@@ -7005,16 +7245,8 @@
           </a:lstStyle>
           <a:p>
             <a:r>
-              <a:rPr lang="pt-BR" dirty="0" smtClean="0"/>
-              <a:t>A criação do </a:t>
-            </a:r>
-            <a:r>
-              <a:rPr lang="pt-BR" dirty="0"/>
-              <a:t>Manifesto Ágil Inicialmente, contou com 17 signatários: Kent Beck, </a:t>
-            </a:r>
-            <a:r>
-              <a:rPr lang="pt-BR" dirty="0" smtClean="0"/>
-              <a:t>Mike </a:t>
+              <a:rPr lang="pt-BR" dirty="0"/>
+              <a:t>A criação do Manifesto Ágil Inicialmente, contou com 17 signatários: Kent Beck, Mike </a:t>
             </a:r>
             <a:r>
               <a:rPr lang="pt-BR" dirty="0" err="1"/>
@@ -7022,15 +7254,7 @@
             </a:r>
             <a:r>
               <a:rPr lang="pt-BR" dirty="0"/>
-              <a:t>, </a:t>
-            </a:r>
-            <a:r>
-              <a:rPr lang="pt-BR" dirty="0" smtClean="0"/>
-              <a:t>Arie </a:t>
-            </a:r>
-            <a:r>
-              <a:rPr lang="pt-BR" dirty="0"/>
-              <a:t>van </a:t>
+              <a:t>, Arie van </a:t>
             </a:r>
             <a:r>
               <a:rPr lang="pt-BR" dirty="0" err="1"/>
@@ -7041,36 +7265,12 @@
               <a:t>, </a:t>
             </a:r>
             <a:r>
-              <a:rPr lang="pt-BR" dirty="0" err="1" smtClean="0"/>
+              <a:rPr lang="pt-BR" dirty="0" err="1"/>
               <a:t>Alistair</a:t>
             </a:r>
             <a:r>
-              <a:rPr lang="pt-BR" dirty="0" smtClean="0"/>
-              <a:t> </a:t>
-            </a:r>
-            <a:r>
-              <a:rPr lang="pt-BR" dirty="0"/>
-              <a:t>Cockburn, </a:t>
-            </a:r>
-            <a:r>
-              <a:rPr lang="pt-BR" dirty="0" smtClean="0"/>
-              <a:t>Ward </a:t>
-            </a:r>
-            <a:r>
-              <a:rPr lang="pt-BR" dirty="0"/>
-              <a:t>Cunningham, </a:t>
-            </a:r>
-            <a:r>
-              <a:rPr lang="pt-BR" dirty="0" smtClean="0"/>
-              <a:t>Martin </a:t>
-            </a:r>
-            <a:r>
-              <a:rPr lang="pt-BR" dirty="0"/>
-              <a:t>Fowler</a:t>
-            </a:r>
-            <a:r>
-              <a:rPr lang="pt-BR" dirty="0" smtClean="0"/>
-              <a:t>, James </a:t>
+              <a:rPr lang="pt-BR" dirty="0"/>
+              <a:t> Cockburn, Ward Cunningham, Martin Fowler, James </a:t>
             </a:r>
             <a:r>
               <a:rPr lang="pt-BR" dirty="0" err="1"/>
@@ -7078,11 +7278,7 @@
             </a:r>
             <a:r>
               <a:rPr lang="pt-BR" dirty="0"/>
-              <a:t>, </a:t>
-            </a:r>
-            <a:r>
-              <a:rPr lang="pt-BR" dirty="0" smtClean="0"/>
-              <a:t>Jim </a:t>
+              <a:t>, Jim </a:t>
             </a:r>
             <a:r>
               <a:rPr lang="pt-BR" dirty="0" err="1"/>
@@ -7090,19 +7286,7 @@
             </a:r>
             <a:r>
               <a:rPr lang="pt-BR" dirty="0"/>
-              <a:t>, </a:t>
-            </a:r>
-            <a:r>
-              <a:rPr lang="pt-BR" dirty="0" smtClean="0"/>
-              <a:t>Andrew </a:t>
-            </a:r>
-            <a:r>
-              <a:rPr lang="pt-BR" dirty="0"/>
-              <a:t>Hunt, </a:t>
-            </a:r>
-            <a:r>
-              <a:rPr lang="pt-BR" dirty="0" smtClean="0"/>
-              <a:t>Ron </a:t>
+              <a:t>, Andrew Hunt, Ron </a:t>
             </a:r>
             <a:r>
               <a:rPr lang="pt-BR" dirty="0" err="1"/>
@@ -7110,11 +7294,7 @@
             </a:r>
             <a:r>
               <a:rPr lang="pt-BR" dirty="0"/>
-              <a:t>, </a:t>
-            </a:r>
-            <a:r>
-              <a:rPr lang="pt-BR" dirty="0" smtClean="0"/>
-              <a:t>Jon </a:t>
+              <a:t>, Jon </a:t>
             </a:r>
             <a:r>
               <a:rPr lang="pt-BR" dirty="0" err="1"/>
@@ -7122,11 +7302,7 @@
             </a:r>
             <a:r>
               <a:rPr lang="pt-BR" dirty="0"/>
-              <a:t>, </a:t>
-            </a:r>
-            <a:r>
-              <a:rPr lang="pt-BR" dirty="0" smtClean="0"/>
-              <a:t>Brian </a:t>
+              <a:t>, Brian </a:t>
             </a:r>
             <a:r>
               <a:rPr lang="pt-BR" dirty="0" err="1"/>
@@ -7134,19 +7310,7 @@
             </a:r>
             <a:r>
               <a:rPr lang="pt-BR" dirty="0"/>
-              <a:t>, </a:t>
-            </a:r>
-            <a:r>
-              <a:rPr lang="pt-BR" dirty="0" smtClean="0"/>
-              <a:t>Robert </a:t>
-            </a:r>
-            <a:r>
-              <a:rPr lang="pt-BR" dirty="0"/>
-              <a:t>C. Martin, </a:t>
-            </a:r>
-            <a:r>
-              <a:rPr lang="pt-BR" dirty="0" smtClean="0"/>
-              <a:t>Steve </a:t>
+              <a:t>, Robert C. Martin, Steve </a:t>
             </a:r>
             <a:r>
               <a:rPr lang="pt-BR" dirty="0" err="1"/>
@@ -7154,11 +7318,7 @@
             </a:r>
             <a:r>
               <a:rPr lang="pt-BR" dirty="0"/>
-              <a:t>, </a:t>
-            </a:r>
-            <a:r>
-              <a:rPr lang="pt-BR" dirty="0" smtClean="0"/>
-              <a:t>Ken </a:t>
+              <a:t>, Ken </a:t>
             </a:r>
             <a:r>
               <a:rPr lang="pt-BR" dirty="0" err="1"/>
@@ -7166,23 +7326,7 @@
             </a:r>
             <a:r>
               <a:rPr lang="pt-BR" dirty="0"/>
-              <a:t>, </a:t>
-            </a:r>
-            <a:r>
-              <a:rPr lang="pt-BR" dirty="0" smtClean="0"/>
-              <a:t>Jeff </a:t>
-            </a:r>
-            <a:r>
-              <a:rPr lang="pt-BR" dirty="0"/>
-              <a:t>Sutherland e </a:t>
-            </a:r>
-            <a:r>
-              <a:rPr lang="pt-BR" dirty="0" smtClean="0"/>
-              <a:t>Dave </a:t>
-            </a:r>
-            <a:r>
-              <a:rPr lang="pt-BR" dirty="0"/>
-              <a:t>Thomas</a:t>
+              <a:t>, Jeff Sutherland e Dave Thomas</a:t>
             </a:r>
           </a:p>
         </p:txBody>
@@ -7246,10 +7390,9 @@
           </a:lstStyle>
           <a:p>
             <a:r>
-              <a:rPr lang="pt-BR" dirty="0" smtClean="0"/>
+              <a:rPr lang="pt-BR" dirty="0"/>
               <a:t>Manifesto ágil</a:t>
             </a:r>
-            <a:endParaRPr lang="pt-BR" dirty="0"/>
           </a:p>
         </p:txBody>
       </p:sp>
@@ -7263,20 +7406,13 @@
   <p:clrMapOvr>
     <a:masterClrMapping/>
   </p:clrMapOvr>
-  <p:timing>
-    <p:tnLst>
-      <p:par>
-        <p:cTn id="1" dur="indefinite" restart="never" nodeType="tmRoot"/>
-      </p:par>
-    </p:tnLst>
-  </p:timing>
 </p:sld>
 </file>
 
 <file path=ppt/theme/theme1.xml><?xml version="1.0" encoding="utf-8"?>
-<a:theme xmlns:a="http://schemas.openxmlformats.org/drawingml/2006/main" name="Papel">
+<a:theme xmlns:a="http://schemas.openxmlformats.org/drawingml/2006/main" name="Metropolitano">
   <a:themeElements>
-    <a:clrScheme name="Paper">
+    <a:clrScheme name="Metropolitano">
       <a:dk1>
         <a:sysClr val="windowText" lastClr="000000"/>
       </a:dk1>
@@ -7284,48 +7420,48 @@
         <a:sysClr val="window" lastClr="FFFFFF"/>
       </a:lt1>
       <a:dk2>
-        <a:srgbClr val="444D26"/>
+        <a:srgbClr val="162F33"/>
       </a:dk2>
       <a:lt2>
-        <a:srgbClr val="FEFAC9"/>
+        <a:srgbClr val="EAF0E0"/>
       </a:lt2>
       <a:accent1>
-        <a:srgbClr val="A5B592"/>
+        <a:srgbClr val="50B4C8"/>
       </a:accent1>
       <a:accent2>
-        <a:srgbClr val="F3A447"/>
+        <a:srgbClr val="A8B97F"/>
       </a:accent2>
       <a:accent3>
-        <a:srgbClr val="E7BC29"/>
+        <a:srgbClr val="9B9256"/>
       </a:accent3>
       <a:accent4>
-        <a:srgbClr val="D092A7"/>
+        <a:srgbClr val="657689"/>
       </a:accent4>
       <a:accent5>
-        <a:srgbClr val="9C85C0"/>
+        <a:srgbClr val="7A855D"/>
       </a:accent5>
       <a:accent6>
-        <a:srgbClr val="809EC2"/>
+        <a:srgbClr val="84AC9D"/>
       </a:accent6>
       <a:hlink>
-        <a:srgbClr val="8E58B6"/>
+        <a:srgbClr val="2370CD"/>
       </a:hlink>
       <a:folHlink>
-        <a:srgbClr val="7F6F6F"/>
+        <a:srgbClr val="877589"/>
       </a:folHlink>
     </a:clrScheme>
-    <a:fontScheme name="Paper">
+    <a:fontScheme name="Metropolitano">
       <a:majorFont>
-        <a:latin typeface="Constantia"/>
+        <a:latin typeface="Calibri Light" panose="020F0302020204030204"/>
         <a:ea typeface=""/>
         <a:cs typeface=""/>
-        <a:font script="Jpan" typeface="HG明朝E"/>
-        <a:font script="Hang" typeface="궁서"/>
-        <a:font script="Hans" typeface="华文新魏"/>
-        <a:font script="Hant" typeface="標楷體"/>
+        <a:font script="Jpan" typeface="ＭＳ Ｐゴシック"/>
+        <a:font script="Hang" typeface="맑은 고딕"/>
+        <a:font script="Hans" typeface="宋体"/>
+        <a:font script="Hant" typeface="新細明體"/>
         <a:font script="Arab" typeface="Times New Roman"/>
         <a:font script="Hebr" typeface="Times New Roman"/>
-        <a:font script="Thai" typeface="Browallia New"/>
+        <a:font script="Thai" typeface="Angsana New"/>
         <a:font script="Ethi" typeface="Nyala"/>
         <a:font script="Beng" typeface="Vrinda"/>
         <a:font script="Gujr" typeface="Shruti"/>
@@ -7348,18 +7484,19 @@
         <a:font script="Mong" typeface="Mongolian Baiti"/>
         <a:font script="Viet" typeface="Times New Roman"/>
         <a:font script="Uigh" typeface="Microsoft Uighur"/>
+        <a:font script="Geor" typeface="Sylfaen"/>
       </a:majorFont>
       <a:minorFont>
-        <a:latin typeface="Constantia"/>
+        <a:latin typeface="Calibri Light" panose="020F0302020204030204"/>
         <a:ea typeface=""/>
         <a:cs typeface=""/>
-        <a:font script="Jpan" typeface="HG明朝E"/>
-        <a:font script="Hang" typeface="궁서"/>
-        <a:font script="Hans" typeface="华文新魏"/>
-        <a:font script="Hant" typeface="標楷體"/>
+        <a:font script="Jpan" typeface="ＭＳ Ｐゴシック"/>
+        <a:font script="Hang" typeface="맑은 고딕"/>
+        <a:font script="Hans" typeface="宋体"/>
+        <a:font script="Hant" typeface="新細明體"/>
         <a:font script="Arab" typeface="Times New Roman"/>
         <a:font script="Hebr" typeface="Times New Roman"/>
-        <a:font script="Thai" typeface="Browallia New"/>
+        <a:font script="Thai" typeface="Angsana New"/>
         <a:font script="Ethi" typeface="Nyala"/>
         <a:font script="Beng" typeface="Vrinda"/>
         <a:font script="Gujr" typeface="Shruti"/>
@@ -7382,56 +7519,81 @@
         <a:font script="Mong" typeface="Mongolian Baiti"/>
         <a:font script="Viet" typeface="Times New Roman"/>
         <a:font script="Uigh" typeface="Microsoft Uighur"/>
+        <a:font script="Geor" typeface="Sylfaen"/>
       </a:minorFont>
     </a:fontScheme>
-    <a:fmtScheme name="Paper">
+    <a:fmtScheme name="Metropolitano">
       <a:fillStyleLst>
         <a:solidFill>
           <a:schemeClr val="phClr"/>
         </a:solidFill>
-        <a:blipFill>
-          <a:blip xmlns:r="http://schemas.openxmlformats.org/officeDocument/2006/relationships" r:embed="rId1">
-            <a:duotone>
+        <a:gradFill rotWithShape="1">
+          <a:gsLst>
+            <a:gs pos="0">
               <a:schemeClr val="phClr">
-                <a:shade val="63000"/>
+                <a:tint val="70000"/>
+                <a:satMod val="100000"/>
+                <a:lumMod val="110000"/>
+              </a:schemeClr>
+            </a:gs>
+            <a:gs pos="50000">
+              <a:schemeClr val="phClr">
+                <a:tint val="75000"/>
+                <a:satMod val="101000"/>
+                <a:lumMod val="105000"/>
+              </a:schemeClr>
+            </a:gs>
+            <a:gs pos="100000">
+              <a:schemeClr val="phClr">
                 <a:tint val="82000"/>
+                <a:satMod val="104000"/>
+                <a:lumMod val="105000"/>
               </a:schemeClr>
+            </a:gs>
+          </a:gsLst>
+          <a:lin ang="2700000" scaled="0"/>
+        </a:gradFill>
+        <a:gradFill rotWithShape="1">
+          <a:gsLst>
+            <a:gs pos="0">
               <a:schemeClr val="phClr">
-                <a:tint val="10000"/>
-                <a:satMod val="400000"/>
+                <a:tint val="97000"/>
+                <a:satMod val="100000"/>
+                <a:lumMod val="102000"/>
               </a:schemeClr>
-            </a:duotone>
-          </a:blip>
-          <a:tile tx="0" ty="0" sx="40000" sy="40000" flip="none" algn="tl"/>
-        </a:blipFill>
-        <a:blipFill>
-          <a:blip xmlns:r="http://schemas.openxmlformats.org/officeDocument/2006/relationships" r:embed="rId1">
-            <a:duotone>
+            </a:gs>
+            <a:gs pos="50000">
               <a:schemeClr val="phClr">
-                <a:shade val="40000"/>
+                <a:shade val="100000"/>
+                <a:satMod val="100000"/>
+                <a:lumMod val="100000"/>
               </a:schemeClr>
+            </a:gs>
+            <a:gs pos="100000">
               <a:schemeClr val="phClr">
-                <a:tint val="42000"/>
+                <a:shade val="80000"/>
+                <a:satMod val="100000"/>
+                <a:lumMod val="99000"/>
               </a:schemeClr>
-            </a:duotone>
-          </a:blip>
-          <a:tile tx="0" ty="0" sx="40000" sy="40000" flip="none" algn="tl"/>
-        </a:blipFill>
+            </a:gs>
+          </a:gsLst>
+          <a:lin ang="2700000" scaled="0"/>
+        </a:gradFill>
       </a:fillStyleLst>
       <a:lnStyleLst>
+        <a:ln w="9525" cap="flat" cmpd="sng" algn="ctr">
+          <a:solidFill>
+            <a:schemeClr val="phClr"/>
+          </a:solidFill>
+          <a:prstDash val="solid"/>
+        </a:ln>
         <a:ln w="12700" cap="flat" cmpd="sng" algn="ctr">
           <a:solidFill>
             <a:schemeClr val="phClr"/>
           </a:solidFill>
           <a:prstDash val="solid"/>
         </a:ln>
-        <a:ln w="38100" cap="flat" cmpd="sng" algn="ctr">
-          <a:solidFill>
-            <a:schemeClr val="phClr"/>
-          </a:solidFill>
-          <a:prstDash val="solid"/>
-        </a:ln>
-        <a:ln w="63500" cap="flat" cmpd="sng" algn="ctr">
+        <a:ln w="19050" cap="flat" cmpd="sng" algn="ctr">
           <a:solidFill>
             <a:schemeClr val="phClr"/>
           </a:solidFill>
@@ -7440,91 +7602,47 @@
       </a:lnStyleLst>
       <a:effectStyleLst>
         <a:effectStyle>
-          <a:effectLst>
-            <a:outerShdw blurRad="95000" rotWithShape="0">
-              <a:srgbClr val="000000">
-                <a:alpha val="50000"/>
-              </a:srgbClr>
-            </a:outerShdw>
-            <a:softEdge rad="12700"/>
-          </a:effectLst>
+          <a:effectLst/>
+        </a:effectStyle>
+        <a:effectStyle>
+          <a:effectLst/>
         </a:effectStyle>
         <a:effectStyle>
           <a:effectLst>
-            <a:outerShdw blurRad="95000" rotWithShape="0">
+            <a:outerShdw blurRad="57150" dist="19050" dir="5400000" algn="ctr" rotWithShape="0">
               <a:srgbClr val="000000">
-                <a:alpha val="50000"/>
-              </a:srgbClr>
-            </a:outerShdw>
-            <a:softEdge rad="12700"/>
-          </a:effectLst>
-        </a:effectStyle>
-        <a:effectStyle>
-          <a:effectLst>
-            <a:outerShdw blurRad="95000" algn="tl" rotWithShape="0">
-              <a:srgbClr val="000000">
-                <a:alpha val="50000"/>
+                <a:alpha val="63000"/>
               </a:srgbClr>
             </a:outerShdw>
           </a:effectLst>
-          <a:scene3d>
-            <a:camera prst="orthographicFront"/>
-            <a:lightRig rig="soft" dir="t">
-              <a:rot lat="0" lon="0" rev="18000000"/>
-            </a:lightRig>
-          </a:scene3d>
-          <a:sp3d prstMaterial="dkEdge">
-            <a:bevelT w="73660" h="44450" prst="riblet"/>
-          </a:sp3d>
         </a:effectStyle>
       </a:effectStyleLst>
       <a:bgFillStyleLst>
         <a:solidFill>
           <a:schemeClr val="phClr"/>
         </a:solidFill>
-        <a:blipFill>
-          <a:blip xmlns:r="http://schemas.openxmlformats.org/officeDocument/2006/relationships" r:embed="rId1">
-            <a:duotone>
-              <a:schemeClr val="phClr">
-                <a:shade val="55000"/>
-                <a:alpha val="20000"/>
-              </a:schemeClr>
-              <a:schemeClr val="phClr">
-                <a:tint val="40000"/>
-                <a:shade val="90000"/>
-                <a:satMod val="60000"/>
-                <a:alpha val="20000"/>
-              </a:schemeClr>
-            </a:duotone>
-          </a:blip>
-          <a:tile tx="0" ty="0" sx="58000" sy="38000" flip="none" algn="tl"/>
-        </a:blipFill>
-        <a:blipFill>
-          <a:blip xmlns:r="http://schemas.openxmlformats.org/officeDocument/2006/relationships" r:embed="rId2">
-            <a:duotone>
-              <a:schemeClr val="phClr">
-                <a:tint val="100000"/>
-                <a:shade val="42000"/>
-                <a:hueMod val="100000"/>
-                <a:satMod val="100000"/>
-              </a:schemeClr>
-              <a:schemeClr val="phClr">
-                <a:tint val="40000"/>
-                <a:shade val="100000"/>
-                <a:hueMod val="100000"/>
-                <a:satMod val="100000"/>
-              </a:schemeClr>
-            </a:duotone>
-          </a:blip>
-          <a:stretch>
-            <a:fillRect/>
-          </a:stretch>
-        </a:blipFill>
+        <a:solidFill>
+          <a:schemeClr val="phClr">
+            <a:tint val="95000"/>
+            <a:satMod val="170000"/>
+          </a:schemeClr>
+        </a:solidFill>
+        <a:solidFill>
+          <a:schemeClr val="phClr">
+            <a:shade val="95000"/>
+            <a:satMod val="170000"/>
+          </a:schemeClr>
+        </a:solidFill>
       </a:bgFillStyleLst>
     </a:fmtScheme>
   </a:themeElements>
   <a:objectDefaults/>
   <a:extraClrSchemeLst/>
+  <a:extLst>
+    <a:ext uri="{05A4C25C-085E-4340-85A3-A5531E510DB2}">
+      <thm15:themeFamily xmlns:thm15="http://schemas.microsoft.com/office/thememl/2012/main" name="Metropolitan" id="{4C5440D6-04D2-4954-96CF-F251137069B2}" vid="{79CFCA13-9412-4290-BB4B-85112F88857B}"/>
+    </a:ext>
+  </a:extLst>
 </a:theme>
 </file>
 

--- a/StartIdea/StartIdea.Docs/Apresentacao.pptx
+++ b/StartIdea/StartIdea.Docs/Apresentacao.pptx
@@ -5,7 +5,7 @@
     <p:sldMasterId id="2147483738" r:id="rId2"/>
   </p:sldMasterIdLst>
   <p:notesMasterIdLst>
-    <p:notesMasterId r:id="rId25"/>
+    <p:notesMasterId r:id="rId24"/>
   </p:notesMasterIdLst>
   <p:sldIdLst>
     <p:sldId id="256" r:id="rId3"/>
@@ -24,12 +24,11 @@
     <p:sldId id="275" r:id="rId16"/>
     <p:sldId id="264" r:id="rId17"/>
     <p:sldId id="262" r:id="rId18"/>
-    <p:sldId id="279" r:id="rId19"/>
-    <p:sldId id="280" r:id="rId20"/>
+    <p:sldId id="280" r:id="rId19"/>
+    <p:sldId id="282" r:id="rId20"/>
     <p:sldId id="281" r:id="rId21"/>
-    <p:sldId id="282" r:id="rId22"/>
-    <p:sldId id="263" r:id="rId23"/>
-    <p:sldId id="276" r:id="rId24"/>
+    <p:sldId id="263" r:id="rId22"/>
+    <p:sldId id="276" r:id="rId23"/>
   </p:sldIdLst>
   <p:sldSz cx="9144000" cy="6858000" type="screen4x3"/>
   <p:notesSz cx="6858000" cy="9144000"/>
@@ -5589,7 +5588,7 @@
           <a:p>
             <a:r>
               <a:rPr lang="pt-BR" dirty="0"/>
-              <a:t>O Time </a:t>
+              <a:t>Time </a:t>
             </a:r>
             <a:r>
               <a:rPr lang="pt-BR" dirty="0" err="1"/>
@@ -5621,18 +5620,9 @@
               <a:buChar char="ü"/>
             </a:pPr>
             <a:r>
-              <a:rPr lang="pt-BR" dirty="0" err="1"/>
-              <a:t>Product</a:t>
-            </a:r>
-            <a:r>
-              <a:rPr lang="pt-BR" dirty="0"/>
-              <a:t> </a:t>
-            </a:r>
-            <a:r>
-              <a:rPr lang="pt-BR" dirty="0" err="1"/>
-              <a:t>Owner</a:t>
-            </a:r>
-            <a:endParaRPr lang="pt-BR" dirty="0"/>
+              <a:rPr lang="pt-BR" dirty="0"/>
+              <a:t>Entrega o produto de forma iterativa e incremental, maximizando as oportunidades de realimentação;</a:t>
+            </a:r>
           </a:p>
           <a:p>
             <a:pPr>
@@ -5640,20 +5630,34 @@
               <a:buChar char="ü"/>
             </a:pPr>
             <a:r>
+              <a:rPr lang="pt-BR" dirty="0"/>
+              <a:t>Composto por: </a:t>
+            </a:r>
+            <a:r>
               <a:rPr lang="pt-BR" dirty="0" err="1"/>
-              <a:t>ScrumMaster</a:t>
+              <a:t>Product</a:t>
+            </a:r>
+            <a:r>
+              <a:rPr lang="pt-BR" dirty="0"/>
+              <a:t> </a:t>
+            </a:r>
+            <a:r>
+              <a:rPr lang="pt-BR" dirty="0" err="1"/>
+              <a:t>Owner</a:t>
+            </a:r>
+            <a:r>
+              <a:rPr lang="pt-BR" dirty="0"/>
+              <a:t>, Time de Desenvolvimento e </a:t>
+            </a:r>
+            <a:r>
+              <a:rPr lang="pt-BR" dirty="0" err="1"/>
+              <a:t>Scrum</a:t>
+            </a:r>
+            <a:r>
+              <a:rPr lang="pt-BR" dirty="0"/>
+              <a:t> Master.</a:t>
             </a:r>
             <a:endParaRPr lang="pt-BR" dirty="0"/>
-          </a:p>
-          <a:p>
-            <a:pPr>
-              <a:buFont typeface="Wingdings" panose="05000000000000000000" pitchFamily="2" charset="2"/>
-              <a:buChar char="ü"/>
-            </a:pPr>
-            <a:r>
-              <a:rPr lang="pt-BR" dirty="0"/>
-              <a:t>Team</a:t>
-            </a:r>
           </a:p>
         </p:txBody>
       </p:sp>
@@ -5704,7 +5708,7 @@
           <a:p>
             <a:r>
               <a:rPr lang="en-US" dirty="0"/>
-              <a:t>Stakeholders</a:t>
+              <a:t>Product Owner</a:t>
             </a:r>
             <a:endParaRPr lang="pt-BR" dirty="0"/>
           </a:p>
@@ -5720,24 +5724,119 @@
             <p:ph idx="1"/>
           </p:nvPr>
         </p:nvSpPr>
-        <p:spPr/>
-        <p:txBody>
-          <a:bodyPr/>
-          <a:lstStyle/>
+        <p:spPr>
+          <a:xfrm>
+            <a:off x="507206" y="1993393"/>
+            <a:ext cx="8065294" cy="4243919"/>
+          </a:xfrm>
+        </p:spPr>
+        <p:txBody>
+          <a:bodyPr>
+            <a:normAutofit/>
+          </a:bodyPr>
+          <a:lstStyle/>
+          <a:p>
+            <a:pPr>
+              <a:buFont typeface="Wingdings" panose="05000000000000000000" pitchFamily="2" charset="2"/>
+              <a:buChar char="ü"/>
+            </a:pPr>
+            <a:r>
+              <a:rPr lang="pt-BR" dirty="0"/>
+              <a:t>Pessoa responsável por gerenciar o </a:t>
+            </a:r>
+            <a:r>
+              <a:rPr lang="pt-BR" dirty="0" err="1"/>
+              <a:t>Backlog</a:t>
+            </a:r>
+            <a:r>
+              <a:rPr lang="pt-BR" dirty="0"/>
+              <a:t> do Produto a fim de maximizar o valor do projeto;</a:t>
+            </a:r>
+          </a:p>
+          <a:p>
+            <a:pPr lvl="2">
+              <a:buFont typeface="Wingdings" panose="05000000000000000000" pitchFamily="2" charset="2"/>
+              <a:buChar char="ü"/>
+            </a:pPr>
+            <a:r>
+              <a:rPr lang="pt-BR" dirty="0"/>
+              <a:t>Ordena por prioridade e </a:t>
+            </a:r>
+            <a:r>
+              <a:rPr lang="pt-BR" dirty="0"/>
+              <a:t>esclarece os itens do </a:t>
+            </a:r>
+            <a:r>
+              <a:rPr lang="pt-BR" dirty="0" err="1"/>
+              <a:t>Backlog</a:t>
+            </a:r>
+            <a:r>
+              <a:rPr lang="pt-BR" dirty="0"/>
+              <a:t> do Produto</a:t>
+            </a:r>
+          </a:p>
+          <a:p>
+            <a:pPr>
+              <a:buFont typeface="Wingdings" panose="05000000000000000000" pitchFamily="2" charset="2"/>
+              <a:buChar char="ü"/>
+            </a:pPr>
+            <a:r>
+              <a:rPr lang="pt-BR" dirty="0"/>
+              <a:t>Pode cancelar uma Sprint;</a:t>
+            </a:r>
+          </a:p>
+          <a:p>
+            <a:pPr>
+              <a:buFont typeface="Wingdings" panose="05000000000000000000" pitchFamily="2" charset="2"/>
+              <a:buChar char="ü"/>
+            </a:pPr>
+            <a:r>
+              <a:rPr lang="pt-BR" dirty="0"/>
+              <a:t>Representa todos os </a:t>
+            </a:r>
+            <a:r>
+              <a:rPr lang="pt-BR" dirty="0" err="1"/>
+              <a:t>stakeholders</a:t>
+            </a:r>
+            <a:r>
+              <a:rPr lang="pt-BR" dirty="0"/>
+              <a:t> no projeto.</a:t>
+            </a:r>
+          </a:p>
           <a:p>
             <a:pPr marL="0" indent="0">
               <a:buNone/>
             </a:pPr>
-            <a:r>
-              <a:rPr lang="pt-BR" dirty="0"/>
+            <a:endParaRPr lang="en-US" dirty="0"/>
+          </a:p>
+          <a:p>
+            <a:pPr marL="0" indent="0">
+              <a:buNone/>
+            </a:pPr>
+            <a:endParaRPr lang="en-US" dirty="0"/>
+          </a:p>
+          <a:p>
+            <a:pPr marL="0" indent="0">
+              <a:buNone/>
+            </a:pPr>
+            <a:r>
+              <a:rPr lang="en-US" b="1" i="1" dirty="0"/>
+              <a:t>Stakeholder</a:t>
+            </a:r>
+            <a:r>
+              <a:rPr lang="en-US" i="1" dirty="0"/>
+              <a:t>: </a:t>
+            </a:r>
+            <a:r>
+              <a:rPr lang="pt-BR" i="1" dirty="0"/>
               <a:t>Alguém interessado no projeto, porém não está comprometido diretamente com ele (</a:t>
             </a:r>
             <a:r>
-              <a:rPr lang="pt-BR" dirty="0" err="1"/>
+              <a:rPr lang="pt-BR" i="1" dirty="0" err="1"/>
               <a:t>Ex</a:t>
             </a:r>
             <a:r>
-              <a:rPr lang="pt-BR" dirty="0"/>
+              <a:rPr lang="pt-BR" i="1" dirty="0"/>
               <a:t>: Cliente, Acionista, Diretor).</a:t>
             </a:r>
           </a:p>
@@ -5746,7 +5845,7 @@
     </p:spTree>
     <p:extLst>
       <p:ext uri="{BB962C8B-B14F-4D97-AF65-F5344CB8AC3E}">
-        <p14:creationId xmlns:p14="http://schemas.microsoft.com/office/powerpoint/2010/main" val="2334867245"/>
+        <p14:creationId xmlns:p14="http://schemas.microsoft.com/office/powerpoint/2010/main" val="2206234286"/>
       </p:ext>
     </p:extLst>
   </p:cSld>
@@ -5790,7 +5889,11 @@
           <a:p>
             <a:r>
               <a:rPr lang="en-US" dirty="0"/>
-              <a:t>Product Owner</a:t>
+              <a:t>Time de </a:t>
+            </a:r>
+            <a:r>
+              <a:rPr lang="en-US" dirty="0" err="1"/>
+              <a:t>Desenvolvimento</a:t>
             </a:r>
             <a:endParaRPr lang="pt-BR" dirty="0"/>
           </a:p>
@@ -5811,36 +5914,33 @@
           <a:bodyPr/>
           <a:lstStyle/>
           <a:p>
-            <a:pPr marL="0" indent="0">
-              <a:buNone/>
+            <a:pPr>
+              <a:buFont typeface="Wingdings" panose="05000000000000000000" pitchFamily="2" charset="2"/>
+              <a:buChar char="ü"/>
             </a:pPr>
             <a:r>
               <a:rPr lang="pt-BR" dirty="0"/>
-              <a:t>Pessoa responsável por gerenciar o </a:t>
-            </a:r>
-            <a:r>
-              <a:rPr lang="pt-BR" dirty="0" err="1"/>
-              <a:t>Product</a:t>
-            </a:r>
-            <a:r>
-              <a:rPr lang="pt-BR" dirty="0"/>
-              <a:t> </a:t>
-            </a:r>
-            <a:r>
-              <a:rPr lang="pt-BR" dirty="0" err="1"/>
-              <a:t>Backlog</a:t>
-            </a:r>
-            <a:r>
-              <a:rPr lang="pt-BR" dirty="0"/>
-              <a:t> a fim de maximizar o valor do projeto; Representa todos os </a:t>
-            </a:r>
-            <a:r>
-              <a:rPr lang="pt-BR" dirty="0" err="1"/>
-              <a:t>stakeholders</a:t>
-            </a:r>
-            <a:r>
-              <a:rPr lang="pt-BR" dirty="0"/>
-              <a:t> no projeto.</a:t>
+              <a:t>Grupo de profissionais responsáveis pelo desenvolvimento do potencial incremento que será entregue a cada Sprint;</a:t>
+            </a:r>
+          </a:p>
+          <a:p>
+            <a:pPr>
+              <a:buFont typeface="Wingdings" panose="05000000000000000000" pitchFamily="2" charset="2"/>
+              <a:buChar char="ü"/>
+            </a:pPr>
+            <a:r>
+              <a:rPr lang="pt-BR" dirty="0"/>
+              <a:t>São auto organizáveis e multifuncionais;</a:t>
+            </a:r>
+          </a:p>
+          <a:p>
+            <a:pPr>
+              <a:buFont typeface="Wingdings" panose="05000000000000000000" pitchFamily="2" charset="2"/>
+              <a:buChar char="ü"/>
+            </a:pPr>
+            <a:r>
+              <a:rPr lang="pt-BR" dirty="0"/>
+              <a:t>Composto entre 3 a 9 integrantes.</a:t>
             </a:r>
           </a:p>
         </p:txBody>
@@ -5848,7 +5948,7 @@
     </p:spTree>
     <p:extLst>
       <p:ext uri="{BB962C8B-B14F-4D97-AF65-F5344CB8AC3E}">
-        <p14:creationId xmlns:p14="http://schemas.microsoft.com/office/powerpoint/2010/main" val="2206234286"/>
+        <p14:creationId xmlns:p14="http://schemas.microsoft.com/office/powerpoint/2010/main" val="3008020100"/>
       </p:ext>
     </p:extLst>
   </p:cSld>
@@ -5891,8 +5991,8 @@
           <a:lstStyle/>
           <a:p>
             <a:r>
-              <a:rPr lang="en-US" dirty="0" err="1"/>
-              <a:t>ScrumMaster</a:t>
+              <a:rPr lang="en-US" dirty="0"/>
+              <a:t>Scrum Master</a:t>
             </a:r>
             <a:endParaRPr lang="pt-BR" dirty="0"/>
           </a:p>
@@ -5913,12 +6013,13 @@
           <a:bodyPr/>
           <a:lstStyle/>
           <a:p>
-            <a:pPr marL="0" indent="0">
-              <a:buNone/>
+            <a:pPr>
+              <a:buFont typeface="Wingdings" panose="05000000000000000000" pitchFamily="2" charset="2"/>
+              <a:buChar char="ü"/>
             </a:pPr>
             <a:r>
               <a:rPr lang="pt-BR" dirty="0"/>
-              <a:t>Pessoa responsável por manter o processo </a:t>
+              <a:t>Pessoa responsável por garantir que o </a:t>
             </a:r>
             <a:r>
               <a:rPr lang="pt-BR" dirty="0" err="1"/>
@@ -5926,8 +6027,107 @@
             </a:r>
             <a:r>
               <a:rPr lang="pt-BR" dirty="0"/>
+              <a:t> seja compreendido por todos, fazendo com que aderem a teoria, praticas e regras do </a:t>
+            </a:r>
+            <a:r>
+              <a:rPr lang="pt-BR" dirty="0" err="1"/>
+              <a:t>Scrum</a:t>
+            </a:r>
+            <a:r>
+              <a:rPr lang="pt-BR" dirty="0"/>
+              <a:t>;</a:t>
+            </a:r>
+          </a:p>
+          <a:p>
+            <a:pPr>
+              <a:buFont typeface="Wingdings" panose="05000000000000000000" pitchFamily="2" charset="2"/>
+              <a:buChar char="ü"/>
+            </a:pPr>
+            <a:r>
+              <a:rPr lang="pt-BR" dirty="0"/>
+              <a:t>Facilitador e </a:t>
+            </a:r>
+            <a:r>
+              <a:rPr lang="pt-BR" dirty="0" err="1"/>
+              <a:t>potencializador</a:t>
+            </a:r>
+            <a:r>
+              <a:rPr lang="pt-BR" dirty="0"/>
+              <a:t> do trabalho do Time </a:t>
+            </a:r>
+            <a:r>
+              <a:rPr lang="pt-BR" dirty="0" err="1"/>
+              <a:t>Scrum</a:t>
+            </a:r>
+            <a:r>
+              <a:rPr lang="pt-BR" dirty="0"/>
+              <a:t>;</a:t>
+            </a:r>
+          </a:p>
+          <a:p>
+            <a:pPr lvl="2">
+              <a:buFont typeface="Wingdings" panose="05000000000000000000" pitchFamily="2" charset="2"/>
+              <a:buChar char="ü"/>
+            </a:pPr>
+            <a:r>
+              <a:rPr lang="pt-BR" dirty="0"/>
+              <a:t>Remove quaisquer impedimentos para o progresso</a:t>
+            </a:r>
+            <a:endParaRPr lang="pt-BR" dirty="0"/>
+          </a:p>
+          <a:p>
+            <a:pPr lvl="2">
+              <a:buFont typeface="Wingdings" panose="05000000000000000000" pitchFamily="2" charset="2"/>
+              <a:buChar char="ü"/>
+            </a:pPr>
+            <a:r>
+              <a:rPr lang="pt-BR" dirty="0"/>
+              <a:t>Agenda e conduz reuniões</a:t>
+            </a:r>
+          </a:p>
+          <a:p>
+            <a:pPr>
+              <a:buFont typeface="Wingdings" panose="05000000000000000000" pitchFamily="2" charset="2"/>
+              <a:buChar char="ü"/>
+            </a:pPr>
+            <a:r>
+              <a:rPr lang="pt-BR" dirty="0"/>
+              <a:t>Protege o Time </a:t>
+            </a:r>
+            <a:r>
+              <a:rPr lang="pt-BR" dirty="0" err="1"/>
+              <a:t>Scrum</a:t>
+            </a:r>
+            <a:r>
+              <a:rPr lang="pt-BR" dirty="0"/>
               <a:t>.</a:t>
             </a:r>
+          </a:p>
+          <a:p>
+            <a:pPr lvl="2">
+              <a:buFont typeface="Wingdings" panose="05000000000000000000" pitchFamily="2" charset="2"/>
+              <a:buChar char="ü"/>
+            </a:pPr>
+            <a:r>
+              <a:rPr lang="pt-BR" dirty="0"/>
+              <a:t>Ajuda aqueles que estão fora a entender quais as interações com o Time </a:t>
+            </a:r>
+            <a:r>
+              <a:rPr lang="pt-BR" dirty="0" err="1"/>
+              <a:t>Scrum</a:t>
+            </a:r>
+            <a:r>
+              <a:rPr lang="pt-BR" dirty="0"/>
+              <a:t> são úteis</a:t>
+            </a:r>
+            <a:endParaRPr lang="pt-BR" dirty="0"/>
+          </a:p>
+          <a:p>
+            <a:pPr lvl="2">
+              <a:buFont typeface="Wingdings" panose="05000000000000000000" pitchFamily="2" charset="2"/>
+              <a:buChar char="ü"/>
+            </a:pPr>
+            <a:endParaRPr lang="pt-BR" dirty="0"/>
           </a:p>
         </p:txBody>
       </p:sp>
@@ -6034,84 +6234,6 @@
       </p:grpSpPr>
       <p:sp>
         <p:nvSpPr>
-          <p:cNvPr id="2" name="Título 1"/>
-          <p:cNvSpPr>
-            <a:spLocks noGrp="1"/>
-          </p:cNvSpPr>
-          <p:nvPr>
-            <p:ph type="title"/>
-          </p:nvPr>
-        </p:nvSpPr>
-        <p:spPr/>
-        <p:txBody>
-          <a:bodyPr/>
-          <a:lstStyle/>
-          <a:p>
-            <a:r>
-              <a:rPr lang="en-US" dirty="0"/>
-              <a:t>Team</a:t>
-            </a:r>
-            <a:endParaRPr lang="pt-BR" dirty="0"/>
-          </a:p>
-        </p:txBody>
-      </p:sp>
-      <p:sp>
-        <p:nvSpPr>
-          <p:cNvPr id="3" name="Espaço Reservado para Conteúdo 2"/>
-          <p:cNvSpPr>
-            <a:spLocks noGrp="1"/>
-          </p:cNvSpPr>
-          <p:nvPr>
-            <p:ph idx="1"/>
-          </p:nvPr>
-        </p:nvSpPr>
-        <p:spPr/>
-        <p:txBody>
-          <a:bodyPr/>
-          <a:lstStyle/>
-          <a:p>
-            <a:pPr marL="0" indent="0">
-              <a:buNone/>
-            </a:pPr>
-            <a:r>
-              <a:rPr lang="pt-BR" dirty="0"/>
-              <a:t>Grupo de pessoas responsáveis pelo desenvolvimento do potencial incremento que será entregue cada Sprint.</a:t>
-            </a:r>
-          </a:p>
-        </p:txBody>
-      </p:sp>
-    </p:spTree>
-    <p:extLst>
-      <p:ext uri="{BB962C8B-B14F-4D97-AF65-F5344CB8AC3E}">
-        <p14:creationId xmlns:p14="http://schemas.microsoft.com/office/powerpoint/2010/main" val="3008020100"/>
-      </p:ext>
-    </p:extLst>
-  </p:cSld>
-  <p:clrMapOvr>
-    <a:masterClrMapping/>
-  </p:clrMapOvr>
-</p:sld>
-</file>
-
-<file path=ppt/slides/slide21.xml><?xml version="1.0" encoding="utf-8"?>
-<p:sld xmlns:a="http://schemas.openxmlformats.org/drawingml/2006/main" xmlns:r="http://schemas.openxmlformats.org/officeDocument/2006/relationships" xmlns:p="http://schemas.openxmlformats.org/presentationml/2006/main">
-  <p:cSld>
-    <p:spTree>
-      <p:nvGrpSpPr>
-        <p:cNvPr id="1" name=""/>
-        <p:cNvGrpSpPr/>
-        <p:nvPr/>
-      </p:nvGrpSpPr>
-      <p:grpSpPr>
-        <a:xfrm>
-          <a:off x="0" y="0"/>
-          <a:ext cx="0" cy="0"/>
-          <a:chOff x="0" y="0"/>
-          <a:chExt cx="0" cy="0"/>
-        </a:xfrm>
-      </p:grpSpPr>
-      <p:sp>
-        <p:nvSpPr>
           <p:cNvPr id="3" name="Título 2"/>
           <p:cNvSpPr>
             <a:spLocks noGrp="1"/>
@@ -6267,7 +6389,7 @@
 </p:sld>
 </file>
 
-<file path=ppt/slides/slide22.xml><?xml version="1.0" encoding="utf-8"?>
+<file path=ppt/slides/slide21.xml><?xml version="1.0" encoding="utf-8"?>
 <p:sld xmlns:a="http://schemas.openxmlformats.org/drawingml/2006/main" xmlns:r="http://schemas.openxmlformats.org/officeDocument/2006/relationships" xmlns:p="http://schemas.openxmlformats.org/presentationml/2006/main">
   <p:cSld>
     <p:spTree>

--- a/StartIdea/StartIdea.Docs/Apresentacao.pptx
+++ b/StartIdea/StartIdea.Docs/Apresentacao.pptx
@@ -5,7 +5,7 @@
     <p:sldMasterId id="2147483738" r:id="rId2"/>
   </p:sldMasterIdLst>
   <p:notesMasterIdLst>
-    <p:notesMasterId r:id="rId24"/>
+    <p:notesMasterId r:id="rId29"/>
   </p:notesMasterIdLst>
   <p:sldIdLst>
     <p:sldId id="256" r:id="rId3"/>
@@ -27,8 +27,13 @@
     <p:sldId id="280" r:id="rId19"/>
     <p:sldId id="282" r:id="rId20"/>
     <p:sldId id="281" r:id="rId21"/>
-    <p:sldId id="263" r:id="rId22"/>
-    <p:sldId id="276" r:id="rId23"/>
+    <p:sldId id="283" r:id="rId22"/>
+    <p:sldId id="287" r:id="rId23"/>
+    <p:sldId id="285" r:id="rId24"/>
+    <p:sldId id="288" r:id="rId25"/>
+    <p:sldId id="289" r:id="rId26"/>
+    <p:sldId id="290" r:id="rId27"/>
+    <p:sldId id="286" r:id="rId28"/>
   </p:sldIdLst>
   <p:sldSz cx="9144000" cy="6858000" type="screen4x3"/>
   <p:notesSz cx="6858000" cy="9144000"/>
@@ -195,7 +200,7 @@
             </a:lvl1pPr>
           </a:lstStyle>
           <a:p>
-            <a:endParaRPr lang="pt-BR"/>
+            <a:endParaRPr lang="pt-BR" dirty="0"/>
           </a:p>
         </p:txBody>
       </p:sp>
@@ -231,7 +236,7 @@
               <a:pPr/>
               <a:t>19/11/2016</a:t>
             </a:fld>
-            <a:endParaRPr lang="pt-BR"/>
+            <a:endParaRPr lang="pt-BR" dirty="0"/>
           </a:p>
         </p:txBody>
       </p:sp>
@@ -264,7 +269,7 @@
           <a:bodyPr vert="horz" lIns="91440" tIns="45720" rIns="91440" bIns="45720" rtlCol="0" anchor="ctr"/>
           <a:lstStyle/>
           <a:p>
-            <a:endParaRPr lang="pt-BR"/>
+            <a:endParaRPr lang="pt-BR" dirty="0"/>
           </a:p>
         </p:txBody>
       </p:sp>
@@ -356,7 +361,7 @@
             </a:lvl1pPr>
           </a:lstStyle>
           <a:p>
-            <a:endParaRPr lang="pt-BR"/>
+            <a:endParaRPr lang="pt-BR" dirty="0"/>
           </a:p>
         </p:txBody>
       </p:sp>
@@ -392,7 +397,7 @@
               <a:pPr/>
               <a:t>‹nº›</a:t>
             </a:fld>
-            <a:endParaRPr lang="pt-BR"/>
+            <a:endParaRPr lang="pt-BR" dirty="0"/>
           </a:p>
         </p:txBody>
       </p:sp>
@@ -545,7 +550,7 @@
           </a:bodyPr>
           <a:lstStyle/>
           <a:p>
-            <a:endParaRPr lang="pt-BR"/>
+            <a:endParaRPr lang="pt-BR" dirty="0"/>
           </a:p>
         </p:txBody>
       </p:sp>
@@ -569,7 +574,7 @@
               <a:pPr/>
               <a:t>1</a:t>
             </a:fld>
-            <a:endParaRPr lang="pt-BR"/>
+            <a:endParaRPr lang="pt-BR" dirty="0"/>
           </a:p>
         </p:txBody>
       </p:sp>
@@ -632,7 +637,7 @@
           </a:bodyPr>
           <a:lstStyle/>
           <a:p>
-            <a:endParaRPr lang="pt-BR"/>
+            <a:endParaRPr lang="pt-BR" dirty="0"/>
           </a:p>
         </p:txBody>
       </p:sp>
@@ -656,7 +661,7 @@
               <a:pPr/>
               <a:t>3</a:t>
             </a:fld>
-            <a:endParaRPr lang="pt-BR"/>
+            <a:endParaRPr lang="pt-BR" dirty="0"/>
           </a:p>
         </p:txBody>
       </p:sp>
@@ -719,7 +724,7 @@
           </a:bodyPr>
           <a:lstStyle/>
           <a:p>
-            <a:endParaRPr lang="pt-BR"/>
+            <a:endParaRPr lang="pt-BR" dirty="0"/>
           </a:p>
         </p:txBody>
       </p:sp>
@@ -743,7 +748,7 @@
               <a:pPr/>
               <a:t>4</a:t>
             </a:fld>
-            <a:endParaRPr lang="pt-BR"/>
+            <a:endParaRPr lang="pt-BR" dirty="0"/>
           </a:p>
         </p:txBody>
       </p:sp>
@@ -963,7 +968,7 @@
               <a:pPr/>
               <a:t>19/11/2016</a:t>
             </a:fld>
-            <a:endParaRPr lang="pt-BR"/>
+            <a:endParaRPr lang="pt-BR" dirty="0"/>
           </a:p>
         </p:txBody>
       </p:sp>
@@ -992,7 +997,7 @@
             </a:lvl1pPr>
           </a:lstStyle>
           <a:p>
-            <a:endParaRPr lang="pt-BR"/>
+            <a:endParaRPr lang="pt-BR" dirty="0"/>
           </a:p>
         </p:txBody>
       </p:sp>
@@ -1027,7 +1032,7 @@
               <a:pPr algn="ctr"/>
               <a:t>‹nº›</a:t>
             </a:fld>
-            <a:endParaRPr lang="pt-BR"/>
+            <a:endParaRPr lang="pt-BR" dirty="0"/>
           </a:p>
         </p:txBody>
       </p:sp>
@@ -1156,7 +1161,7 @@
               <a:pPr/>
               <a:t>19/11/2016</a:t>
             </a:fld>
-            <a:endParaRPr lang="pt-BR" sz="1200">
+            <a:endParaRPr lang="pt-BR" sz="1200" dirty="0">
               <a:solidFill>
                 <a:schemeClr val="tx2"/>
               </a:solidFill>
@@ -1180,7 +1185,7 @@
           <a:lstStyle/>
           <a:p>
             <a:pPr algn="r"/>
-            <a:endParaRPr lang="pt-BR" sz="1200">
+            <a:endParaRPr lang="pt-BR" sz="1200" dirty="0">
               <a:solidFill>
                 <a:schemeClr val="tx2"/>
               </a:solidFill>
@@ -1209,7 +1214,7 @@
               <a:pPr algn="ctr"/>
               <a:t>‹nº›</a:t>
             </a:fld>
-            <a:endParaRPr lang="pt-BR" sz="1600" baseline="0">
+            <a:endParaRPr lang="pt-BR" sz="1600" baseline="0" dirty="0">
               <a:solidFill>
                 <a:schemeClr val="tx2"/>
               </a:solidFill>
@@ -1352,7 +1357,7 @@
               <a:pPr/>
               <a:t>19/11/2016</a:t>
             </a:fld>
-            <a:endParaRPr lang="pt-BR" sz="1200">
+            <a:endParaRPr lang="pt-BR" sz="1200" dirty="0">
               <a:solidFill>
                 <a:schemeClr val="tx2"/>
               </a:solidFill>
@@ -1376,7 +1381,7 @@
           <a:lstStyle/>
           <a:p>
             <a:pPr algn="r"/>
-            <a:endParaRPr lang="pt-BR" sz="1200">
+            <a:endParaRPr lang="pt-BR" sz="1200" dirty="0">
               <a:solidFill>
                 <a:schemeClr val="tx2"/>
               </a:solidFill>
@@ -1405,7 +1410,7 @@
               <a:pPr algn="ctr"/>
               <a:t>‹nº›</a:t>
             </a:fld>
-            <a:endParaRPr lang="pt-BR" sz="1600" baseline="0">
+            <a:endParaRPr lang="pt-BR" sz="1600" baseline="0" dirty="0">
               <a:solidFill>
                 <a:schemeClr val="tx2"/>
               </a:solidFill>
@@ -1538,7 +1543,7 @@
               <a:pPr/>
               <a:t>19/11/2016</a:t>
             </a:fld>
-            <a:endParaRPr lang="pt-BR"/>
+            <a:endParaRPr lang="pt-BR" dirty="0"/>
           </a:p>
         </p:txBody>
       </p:sp>
@@ -1557,7 +1562,7 @@
           <a:bodyPr/>
           <a:lstStyle/>
           <a:p>
-            <a:endParaRPr lang="pt-BR"/>
+            <a:endParaRPr lang="pt-BR" dirty="0"/>
           </a:p>
         </p:txBody>
       </p:sp>
@@ -1582,7 +1587,7 @@
               <a:pPr algn="ctr"/>
               <a:t>‹nº›</a:t>
             </a:fld>
-            <a:endParaRPr lang="pt-BR"/>
+            <a:endParaRPr lang="pt-BR" dirty="0"/>
           </a:p>
         </p:txBody>
       </p:sp>
@@ -1797,7 +1802,7 @@
               <a:pPr/>
               <a:t>19/11/2016</a:t>
             </a:fld>
-            <a:endParaRPr lang="pt-BR"/>
+            <a:endParaRPr lang="pt-BR" dirty="0"/>
           </a:p>
         </p:txBody>
       </p:sp>
@@ -1816,7 +1821,7 @@
           <a:bodyPr/>
           <a:lstStyle/>
           <a:p>
-            <a:endParaRPr lang="pt-BR"/>
+            <a:endParaRPr lang="pt-BR" dirty="0"/>
           </a:p>
         </p:txBody>
       </p:sp>
@@ -1840,7 +1845,7 @@
               <a:pPr/>
               <a:t>‹nº›</a:t>
             </a:fld>
-            <a:endParaRPr lang="pt-BR"/>
+            <a:endParaRPr lang="pt-BR" dirty="0"/>
           </a:p>
         </p:txBody>
       </p:sp>
@@ -2087,7 +2092,7 @@
               <a:pPr/>
               <a:t>19/11/2016</a:t>
             </a:fld>
-            <a:endParaRPr lang="pt-BR"/>
+            <a:endParaRPr lang="pt-BR" dirty="0"/>
           </a:p>
         </p:txBody>
       </p:sp>
@@ -2106,7 +2111,7 @@
           <a:bodyPr/>
           <a:lstStyle/>
           <a:p>
-            <a:endParaRPr lang="pt-BR"/>
+            <a:endParaRPr lang="pt-BR" dirty="0"/>
           </a:p>
         </p:txBody>
       </p:sp>
@@ -2130,7 +2135,7 @@
               <a:pPr/>
               <a:t>‹nº›</a:t>
             </a:fld>
-            <a:endParaRPr lang="pt-BR"/>
+            <a:endParaRPr lang="pt-BR" dirty="0"/>
           </a:p>
         </p:txBody>
       </p:sp>
@@ -2527,7 +2532,7 @@
               <a:pPr/>
               <a:t>19/11/2016</a:t>
             </a:fld>
-            <a:endParaRPr lang="pt-BR"/>
+            <a:endParaRPr lang="pt-BR" dirty="0"/>
           </a:p>
         </p:txBody>
       </p:sp>
@@ -2546,7 +2551,7 @@
           <a:bodyPr/>
           <a:lstStyle/>
           <a:p>
-            <a:endParaRPr lang="pt-BR"/>
+            <a:endParaRPr lang="pt-BR" dirty="0"/>
           </a:p>
         </p:txBody>
       </p:sp>
@@ -2570,7 +2575,7 @@
               <a:pPr/>
               <a:t>‹nº›</a:t>
             </a:fld>
-            <a:endParaRPr lang="pt-BR"/>
+            <a:endParaRPr lang="pt-BR" dirty="0"/>
           </a:p>
         </p:txBody>
       </p:sp>
@@ -2647,7 +2652,7 @@
               <a:pPr/>
               <a:t>19/11/2016</a:t>
             </a:fld>
-            <a:endParaRPr lang="pt-BR"/>
+            <a:endParaRPr lang="pt-BR" dirty="0"/>
           </a:p>
         </p:txBody>
       </p:sp>
@@ -2666,7 +2671,7 @@
           <a:bodyPr/>
           <a:lstStyle/>
           <a:p>
-            <a:endParaRPr lang="pt-BR"/>
+            <a:endParaRPr lang="pt-BR" dirty="0"/>
           </a:p>
         </p:txBody>
       </p:sp>
@@ -2690,7 +2695,7 @@
               <a:pPr/>
               <a:t>‹nº›</a:t>
             </a:fld>
-            <a:endParaRPr lang="pt-BR"/>
+            <a:endParaRPr lang="pt-BR" dirty="0"/>
           </a:p>
         </p:txBody>
       </p:sp>
@@ -2744,7 +2749,7 @@
               <a:pPr/>
               <a:t>19/11/2016</a:t>
             </a:fld>
-            <a:endParaRPr lang="pt-BR" sz="1200">
+            <a:endParaRPr lang="pt-BR" sz="1200" dirty="0">
               <a:solidFill>
                 <a:schemeClr val="tx2"/>
               </a:solidFill>
@@ -2768,7 +2773,7 @@
           <a:lstStyle/>
           <a:p>
             <a:pPr algn="r"/>
-            <a:endParaRPr lang="pt-BR" sz="1200">
+            <a:endParaRPr lang="pt-BR" sz="1200" dirty="0">
               <a:solidFill>
                 <a:schemeClr val="tx2"/>
               </a:solidFill>
@@ -2797,7 +2802,7 @@
               <a:pPr algn="ctr"/>
               <a:t>‹nº›</a:t>
             </a:fld>
-            <a:endParaRPr lang="pt-BR" sz="1600" baseline="0">
+            <a:endParaRPr lang="pt-BR" sz="1600" baseline="0" dirty="0">
               <a:solidFill>
                 <a:schemeClr val="tx2"/>
               </a:solidFill>
@@ -3116,7 +3121,7 @@
               <a:pPr/>
               <a:t>19/11/2016</a:t>
             </a:fld>
-            <a:endParaRPr lang="pt-BR"/>
+            <a:endParaRPr lang="pt-BR" dirty="0"/>
           </a:p>
         </p:txBody>
       </p:sp>
@@ -3135,7 +3140,7 @@
           <a:bodyPr/>
           <a:lstStyle/>
           <a:p>
-            <a:endParaRPr lang="pt-BR"/>
+            <a:endParaRPr lang="pt-BR" dirty="0"/>
           </a:p>
         </p:txBody>
       </p:sp>
@@ -3170,7 +3175,7 @@
               <a:pPr algn="ctr"/>
               <a:t>‹nº›</a:t>
             </a:fld>
-            <a:endParaRPr lang="pt-BR"/>
+            <a:endParaRPr lang="pt-BR" dirty="0"/>
           </a:p>
         </p:txBody>
       </p:sp>
@@ -3324,7 +3329,7 @@
           </a:lstStyle>
           <a:p>
             <a:r>
-              <a:rPr lang="pt-BR"/>
+              <a:rPr lang="pt-BR" dirty="0"/>
               <a:t>Clique no ícone para adicionar uma imagem</a:t>
             </a:r>
             <a:endParaRPr lang="en-US" dirty="0"/>
@@ -3438,7 +3443,7 @@
               <a:pPr/>
               <a:t>19/11/2016</a:t>
             </a:fld>
-            <a:endParaRPr lang="pt-BR"/>
+            <a:endParaRPr lang="pt-BR" dirty="0"/>
           </a:p>
         </p:txBody>
       </p:sp>
@@ -3467,7 +3472,7 @@
             </a:lvl1pPr>
           </a:lstStyle>
           <a:p>
-            <a:endParaRPr lang="pt-BR"/>
+            <a:endParaRPr lang="pt-BR" dirty="0"/>
           </a:p>
         </p:txBody>
       </p:sp>
@@ -3502,7 +3507,7 @@
               <a:pPr algn="ctr"/>
               <a:t>‹nº›</a:t>
             </a:fld>
-            <a:endParaRPr lang="pt-BR"/>
+            <a:endParaRPr lang="pt-BR" dirty="0"/>
           </a:p>
         </p:txBody>
       </p:sp>
@@ -3674,7 +3679,7 @@
               <a:pPr/>
               <a:t>19/11/2016</a:t>
             </a:fld>
-            <a:endParaRPr lang="pt-BR" sz="1200">
+            <a:endParaRPr lang="pt-BR" sz="1200" dirty="0">
               <a:solidFill>
                 <a:schemeClr val="tx2"/>
               </a:solidFill>
@@ -3716,7 +3721,7 @@
           </a:lstStyle>
           <a:p>
             <a:pPr algn="r"/>
-            <a:endParaRPr lang="pt-BR" sz="1200">
+            <a:endParaRPr lang="pt-BR" sz="1200" dirty="0">
               <a:solidFill>
                 <a:schemeClr val="tx2"/>
               </a:solidFill>
@@ -3767,7 +3772,7 @@
               <a:pPr algn="ctr"/>
               <a:t>‹nº›</a:t>
             </a:fld>
-            <a:endParaRPr lang="pt-BR" sz="1600" baseline="0">
+            <a:endParaRPr lang="pt-BR" sz="1600" baseline="0" dirty="0">
               <a:solidFill>
                 <a:schemeClr val="tx2"/>
               </a:solidFill>
@@ -4461,13 +4466,8 @@
           <a:p>
             <a:r>
               <a:rPr lang="pt-BR" dirty="0"/>
-              <a:t>Montanhas nevadas do estado norte-americano de Utah no resort de inverno e verão </a:t>
-            </a:r>
-            <a:r>
-              <a:rPr lang="pt-BR" dirty="0" err="1"/>
-              <a:t>Snowbird</a:t>
-            </a:r>
-            <a:endParaRPr lang="pt-BR" dirty="0"/>
+              <a:t>Montanhas nevadas do estado norte-americano de Utah no resort de inverno e verão Snowbird</a:t>
+            </a:r>
           </a:p>
         </p:txBody>
       </p:sp>
@@ -4963,55 +4963,7 @@
           <a:p>
             <a:r>
               <a:rPr lang="en-US" dirty="0"/>
-              <a:t>Para </a:t>
-            </a:r>
-            <a:r>
-              <a:rPr lang="en-US" dirty="0" err="1"/>
-              <a:t>estabelecer</a:t>
-            </a:r>
-            <a:r>
-              <a:rPr lang="en-US" dirty="0"/>
-              <a:t> </a:t>
-            </a:r>
-            <a:r>
-              <a:rPr lang="en-US" dirty="0" err="1"/>
-              <a:t>parâmetros</a:t>
-            </a:r>
-            <a:r>
-              <a:rPr lang="en-US" dirty="0"/>
-              <a:t> para </a:t>
-            </a:r>
-            <a:r>
-              <a:rPr lang="en-US" dirty="0" err="1"/>
-              <a:t>criação</a:t>
-            </a:r>
-            <a:r>
-              <a:rPr lang="en-US" dirty="0"/>
-              <a:t> de </a:t>
-            </a:r>
-            <a:r>
-              <a:rPr lang="en-US" dirty="0" err="1"/>
-              <a:t>metodologias</a:t>
-            </a:r>
-            <a:r>
-              <a:rPr lang="en-US" dirty="0"/>
-              <a:t> </a:t>
-            </a:r>
-            <a:r>
-              <a:rPr lang="en-US" dirty="0" err="1"/>
-              <a:t>ágeis</a:t>
-            </a:r>
-            <a:r>
-              <a:rPr lang="en-US" dirty="0"/>
-              <a:t> para </a:t>
-            </a:r>
-            <a:r>
-              <a:rPr lang="en-US" dirty="0" err="1"/>
-              <a:t>desenvolvimento</a:t>
-            </a:r>
-            <a:r>
-              <a:rPr lang="en-US" dirty="0"/>
-              <a:t> de software.</a:t>
+              <a:t>Para estabelecer parâmetros para criação de metodologias ágeis para desenvolvimento de software.</a:t>
             </a:r>
             <a:endParaRPr lang="pt-BR" dirty="0"/>
           </a:p>
@@ -5501,10 +5453,9 @@
           <a:lstStyle/>
           <a:p>
             <a:r>
-              <a:rPr lang="pt-BR" dirty="0" err="1"/>
+              <a:rPr lang="pt-BR" dirty="0"/>
               <a:t>Scrum</a:t>
             </a:r>
-            <a:endParaRPr lang="pt-BR" dirty="0"/>
           </a:p>
         </p:txBody>
       </p:sp>
@@ -5588,13 +5539,8 @@
           <a:p>
             <a:r>
               <a:rPr lang="pt-BR" dirty="0"/>
-              <a:t>Time </a:t>
-            </a:r>
-            <a:r>
-              <a:rPr lang="pt-BR" dirty="0" err="1"/>
-              <a:t>Scrum</a:t>
-            </a:r>
-            <a:endParaRPr lang="pt-BR" dirty="0"/>
+              <a:t>Time Scrum</a:t>
+            </a:r>
           </a:p>
         </p:txBody>
       </p:sp>
@@ -5631,33 +5577,8 @@
             </a:pPr>
             <a:r>
               <a:rPr lang="pt-BR" dirty="0"/>
-              <a:t>Composto por: </a:t>
-            </a:r>
-            <a:r>
-              <a:rPr lang="pt-BR" dirty="0" err="1"/>
-              <a:t>Product</a:t>
-            </a:r>
-            <a:r>
-              <a:rPr lang="pt-BR" dirty="0"/>
-              <a:t> </a:t>
-            </a:r>
-            <a:r>
-              <a:rPr lang="pt-BR" dirty="0" err="1"/>
-              <a:t>Owner</a:t>
-            </a:r>
-            <a:r>
-              <a:rPr lang="pt-BR" dirty="0"/>
-              <a:t>, Time de Desenvolvimento e </a:t>
-            </a:r>
-            <a:r>
-              <a:rPr lang="pt-BR" dirty="0" err="1"/>
-              <a:t>Scrum</a:t>
-            </a:r>
-            <a:r>
-              <a:rPr lang="pt-BR" dirty="0"/>
-              <a:t> Master.</a:t>
-            </a:r>
-            <a:endParaRPr lang="pt-BR" dirty="0"/>
+              <a:t>Composto por: Product Owner, Time de Desenvolvimento e Scrum Master.</a:t>
+            </a:r>
           </a:p>
         </p:txBody>
       </p:sp>
@@ -5742,15 +5663,7 @@
             </a:pPr>
             <a:r>
               <a:rPr lang="pt-BR" dirty="0"/>
-              <a:t>Pessoa responsável por gerenciar o </a:t>
-            </a:r>
-            <a:r>
-              <a:rPr lang="pt-BR" dirty="0" err="1"/>
-              <a:t>Backlog</a:t>
-            </a:r>
-            <a:r>
-              <a:rPr lang="pt-BR" dirty="0"/>
-              <a:t> do Produto a fim de maximizar o valor do projeto;</a:t>
+              <a:t>Pessoa responsável por gerenciar o Backlog do Produto a fim de maximizar o valor do projeto;</a:t>
             </a:r>
           </a:p>
           <a:p>
@@ -5760,19 +5673,7 @@
             </a:pPr>
             <a:r>
               <a:rPr lang="pt-BR" dirty="0"/>
-              <a:t>Ordena por prioridade e </a:t>
-            </a:r>
-            <a:r>
-              <a:rPr lang="pt-BR" dirty="0"/>
-              <a:t>esclarece os itens do </a:t>
-            </a:r>
-            <a:r>
-              <a:rPr lang="pt-BR" dirty="0" err="1"/>
-              <a:t>Backlog</a:t>
-            </a:r>
-            <a:r>
-              <a:rPr lang="pt-BR" dirty="0"/>
-              <a:t> do Produto</a:t>
+              <a:t>Ordena por prioridade e esclarece os itens do Backlog do Produto</a:t>
             </a:r>
           </a:p>
           <a:p>
@@ -5792,15 +5693,7 @@
             </a:pPr>
             <a:r>
               <a:rPr lang="pt-BR" dirty="0"/>
-              <a:t>Representa todos os </a:t>
-            </a:r>
-            <a:r>
-              <a:rPr lang="pt-BR" dirty="0" err="1"/>
-              <a:t>stakeholders</a:t>
-            </a:r>
-            <a:r>
-              <a:rPr lang="pt-BR" dirty="0"/>
-              <a:t> no projeto.</a:t>
+              <a:t>Representa todos os Stakeholders no projeto.</a:t>
             </a:r>
           </a:p>
           <a:p>
@@ -5829,15 +5722,7 @@
             </a:r>
             <a:r>
               <a:rPr lang="pt-BR" i="1" dirty="0"/>
-              <a:t>Alguém interessado no projeto, porém não está comprometido diretamente com ele (</a:t>
-            </a:r>
-            <a:r>
-              <a:rPr lang="pt-BR" i="1" dirty="0" err="1"/>
-              <a:t>Ex</a:t>
-            </a:r>
-            <a:r>
-              <a:rPr lang="pt-BR" i="1" dirty="0"/>
-              <a:t>: Cliente, Acionista, Diretor).</a:t>
+              <a:t>Alguém interessado no projeto, porém não está comprometido diretamente com ele (Ex: Cliente, Acionista, Diretor).</a:t>
             </a:r>
           </a:p>
         </p:txBody>
@@ -5889,11 +5774,7 @@
           <a:p>
             <a:r>
               <a:rPr lang="en-US" dirty="0"/>
-              <a:t>Time de </a:t>
-            </a:r>
-            <a:r>
-              <a:rPr lang="en-US" dirty="0" err="1"/>
-              <a:t>Desenvolvimento</a:t>
+              <a:t>Time de Desenvolvimento</a:t>
             </a:r>
             <a:endParaRPr lang="pt-BR" dirty="0"/>
           </a:p>
@@ -6019,23 +5900,7 @@
             </a:pPr>
             <a:r>
               <a:rPr lang="pt-BR" dirty="0"/>
-              <a:t>Pessoa responsável por garantir que o </a:t>
-            </a:r>
-            <a:r>
-              <a:rPr lang="pt-BR" dirty="0" err="1"/>
-              <a:t>Scrum</a:t>
-            </a:r>
-            <a:r>
-              <a:rPr lang="pt-BR" dirty="0"/>
-              <a:t> seja compreendido por todos, fazendo com que aderem a teoria, praticas e regras do </a:t>
-            </a:r>
-            <a:r>
-              <a:rPr lang="pt-BR" dirty="0" err="1"/>
-              <a:t>Scrum</a:t>
-            </a:r>
-            <a:r>
-              <a:rPr lang="pt-BR" dirty="0"/>
-              <a:t>;</a:t>
+              <a:t>Pessoa responsável por garantir que o Scrum seja compreendido por todos, fazendo com que aderem a teoria, praticas e regras do Scrum;</a:t>
             </a:r>
           </a:p>
           <a:p>
@@ -6045,23 +5910,7 @@
             </a:pPr>
             <a:r>
               <a:rPr lang="pt-BR" dirty="0"/>
-              <a:t>Facilitador e </a:t>
-            </a:r>
-            <a:r>
-              <a:rPr lang="pt-BR" dirty="0" err="1"/>
-              <a:t>potencializador</a:t>
-            </a:r>
-            <a:r>
-              <a:rPr lang="pt-BR" dirty="0"/>
-              <a:t> do trabalho do Time </a:t>
-            </a:r>
-            <a:r>
-              <a:rPr lang="pt-BR" dirty="0" err="1"/>
-              <a:t>Scrum</a:t>
-            </a:r>
-            <a:r>
-              <a:rPr lang="pt-BR" dirty="0"/>
-              <a:t>;</a:t>
+              <a:t>Facilitador e potencializador do trabalho do Time Scrum;</a:t>
             </a:r>
           </a:p>
           <a:p>
@@ -6073,7 +5922,6 @@
               <a:rPr lang="pt-BR" dirty="0"/>
               <a:t>Remove quaisquer impedimentos para o progresso</a:t>
             </a:r>
-            <a:endParaRPr lang="pt-BR" dirty="0"/>
           </a:p>
           <a:p>
             <a:pPr lvl="2">
@@ -6092,15 +5940,7 @@
             </a:pPr>
             <a:r>
               <a:rPr lang="pt-BR" dirty="0"/>
-              <a:t>Protege o Time </a:t>
-            </a:r>
-            <a:r>
-              <a:rPr lang="pt-BR" dirty="0" err="1"/>
-              <a:t>Scrum</a:t>
-            </a:r>
-            <a:r>
-              <a:rPr lang="pt-BR" dirty="0"/>
-              <a:t>.</a:t>
+              <a:t>Protege o Time Scrum.</a:t>
             </a:r>
           </a:p>
           <a:p>
@@ -6110,17 +5950,8 @@
             </a:pPr>
             <a:r>
               <a:rPr lang="pt-BR" dirty="0"/>
-              <a:t>Ajuda aqueles que estão fora a entender quais as interações com o Time </a:t>
-            </a:r>
-            <a:r>
-              <a:rPr lang="pt-BR" dirty="0" err="1"/>
-              <a:t>Scrum</a:t>
-            </a:r>
-            <a:r>
-              <a:rPr lang="pt-BR" dirty="0"/>
-              <a:t> são úteis</a:t>
-            </a:r>
-            <a:endParaRPr lang="pt-BR" dirty="0"/>
+              <a:t>Ajuda aqueles que estão fora a entender quais as interações com o Time Scrum são úteis</a:t>
+            </a:r>
           </a:p>
           <a:p>
             <a:pPr lvl="2">
@@ -6234,7 +6065,7 @@
       </p:grpSpPr>
       <p:sp>
         <p:nvSpPr>
-          <p:cNvPr id="3" name="Título 2"/>
+          <p:cNvPr id="2" name="Título 1"/>
           <p:cNvSpPr>
             <a:spLocks noGrp="1"/>
           </p:cNvSpPr>
@@ -6248,19 +6079,16 @@
           <a:lstStyle/>
           <a:p>
             <a:r>
-              <a:rPr lang="pt-BR" dirty="0" err="1"/>
-              <a:t>Scrum</a:t>
-            </a:r>
-            <a:r>
-              <a:rPr lang="pt-BR" dirty="0"/>
-              <a:t> (Estruturação - Regras)</a:t>
-            </a:r>
-          </a:p>
-        </p:txBody>
-      </p:sp>
-      <p:sp>
-        <p:nvSpPr>
-          <p:cNvPr id="2" name="Espaço Reservado para Conteúdo 1"/>
+              <a:rPr lang="en-US" dirty="0"/>
+              <a:t>Eventos Scrum</a:t>
+            </a:r>
+            <a:endParaRPr lang="pt-BR" dirty="0"/>
+          </a:p>
+        </p:txBody>
+      </p:sp>
+      <p:sp>
+        <p:nvSpPr>
+          <p:cNvPr id="3" name="Espaço Reservado para Conteúdo 2"/>
           <p:cNvSpPr>
             <a:spLocks noGrp="1"/>
           </p:cNvSpPr>
@@ -6273,105 +6101,50 @@
           <a:bodyPr/>
           <a:lstStyle/>
           <a:p>
-            <a:r>
-              <a:rPr lang="pt-BR" dirty="0" err="1"/>
-              <a:t>Product</a:t>
-            </a:r>
-            <a:r>
-              <a:rPr lang="pt-BR" dirty="0"/>
-              <a:t> </a:t>
-            </a:r>
-            <a:r>
-              <a:rPr lang="pt-BR" dirty="0" err="1"/>
-              <a:t>Backlog</a:t>
-            </a:r>
-            <a:endParaRPr lang="pt-BR" dirty="0"/>
-          </a:p>
-          <a:p>
-            <a:r>
-              <a:rPr lang="pt-BR" dirty="0"/>
-              <a:t>Sprint</a:t>
-            </a:r>
-          </a:p>
-          <a:p>
-            <a:pPr lvl="1"/>
-            <a:r>
-              <a:rPr lang="pt-BR" dirty="0"/>
-              <a:t>Sprint Planning Meeting</a:t>
-            </a:r>
-          </a:p>
-          <a:p>
-            <a:pPr lvl="1"/>
-            <a:r>
-              <a:rPr lang="pt-BR" dirty="0"/>
-              <a:t>Sprint </a:t>
-            </a:r>
-            <a:r>
-              <a:rPr lang="pt-BR" dirty="0" err="1"/>
-              <a:t>Backlog</a:t>
-            </a:r>
-            <a:endParaRPr lang="pt-BR" dirty="0"/>
-          </a:p>
-          <a:p>
-            <a:pPr lvl="1"/>
-            <a:r>
-              <a:rPr lang="pt-BR" dirty="0"/>
-              <a:t>Sprint </a:t>
-            </a:r>
-            <a:r>
-              <a:rPr lang="pt-BR" dirty="0" err="1"/>
-              <a:t>Retrospective</a:t>
-            </a:r>
-            <a:r>
-              <a:rPr lang="pt-BR" dirty="0"/>
-              <a:t> Meeting</a:t>
-            </a:r>
-          </a:p>
-          <a:p>
-            <a:pPr lvl="1"/>
-            <a:r>
-              <a:rPr lang="pt-BR" dirty="0"/>
-              <a:t>Sprint </a:t>
-            </a:r>
-            <a:r>
-              <a:rPr lang="pt-BR" dirty="0" err="1"/>
-              <a:t>Review</a:t>
-            </a:r>
-            <a:r>
-              <a:rPr lang="pt-BR" dirty="0"/>
-              <a:t> Meeting</a:t>
-            </a:r>
-          </a:p>
-          <a:p>
-            <a:r>
-              <a:rPr lang="pt-BR" dirty="0"/>
-              <a:t>Daily </a:t>
-            </a:r>
-            <a:r>
-              <a:rPr lang="pt-BR" dirty="0" err="1"/>
-              <a:t>Scrum</a:t>
-            </a:r>
-            <a:r>
-              <a:rPr lang="pt-BR" dirty="0"/>
-              <a:t> Meeting</a:t>
-            </a:r>
-          </a:p>
-          <a:p>
-            <a:r>
-              <a:rPr lang="pt-BR" dirty="0" err="1"/>
-              <a:t>Burndown</a:t>
-            </a:r>
-            <a:r>
-              <a:rPr lang="pt-BR" dirty="0"/>
-              <a:t> </a:t>
-            </a:r>
-            <a:r>
-              <a:rPr lang="pt-BR" dirty="0" err="1"/>
-              <a:t>graph</a:t>
-            </a:r>
-            <a:endParaRPr lang="pt-BR" dirty="0"/>
-          </a:p>
-          <a:p>
+            <a:pPr>
+              <a:buFont typeface="Wingdings" panose="05000000000000000000" pitchFamily="2" charset="2"/>
+              <a:buChar char="ü"/>
+            </a:pPr>
+            <a:r>
+              <a:rPr lang="pt-BR" dirty="0"/>
+              <a:t>São usados no Scrum para criar uma rotina;</a:t>
+            </a:r>
+          </a:p>
+          <a:p>
+            <a:pPr>
+              <a:buFont typeface="Wingdings" panose="05000000000000000000" pitchFamily="2" charset="2"/>
+              <a:buChar char="ü"/>
+            </a:pPr>
+            <a:r>
+              <a:rPr lang="pt-BR" dirty="0"/>
+              <a:t>Todos os eventos possuem um tempo máximo pré-determinado para sua realização (time-boxed);</a:t>
+            </a:r>
+          </a:p>
+          <a:p>
+            <a:pPr>
+              <a:buFont typeface="Wingdings" panose="05000000000000000000" pitchFamily="2" charset="2"/>
+              <a:buChar char="ü"/>
+            </a:pPr>
+            <a:r>
+              <a:rPr lang="pt-BR" dirty="0"/>
+              <a:t>São eventos: Sprint, Reunião de Planejamento da Sprint, Reunião Diária, Revisão da Sprint e Retrospectiva da Sprint;</a:t>
+            </a:r>
+          </a:p>
+          <a:p>
+            <a:pPr>
+              <a:buFont typeface="Wingdings" panose="05000000000000000000" pitchFamily="2" charset="2"/>
+              <a:buChar char="ü"/>
+            </a:pPr>
+            <a:r>
+              <a:rPr lang="pt-BR" dirty="0"/>
+              <a:t>A não inclusão de qualquer um dos eventos resultará na redução da transparência e da perda de oportunidade para inspecionar e adaptar.</a:t>
+            </a:r>
+          </a:p>
+          <a:p>
+            <a:pPr>
+              <a:buFont typeface="Wingdings" panose="05000000000000000000" pitchFamily="2" charset="2"/>
+              <a:buChar char="ü"/>
+            </a:pPr>
             <a:endParaRPr lang="pt-BR" dirty="0"/>
           </a:p>
         </p:txBody>
@@ -6379,7 +6152,7 @@
     </p:spTree>
     <p:extLst>
       <p:ext uri="{BB962C8B-B14F-4D97-AF65-F5344CB8AC3E}">
-        <p14:creationId xmlns:p14="http://schemas.microsoft.com/office/powerpoint/2010/main" val="4218315490"/>
+        <p14:creationId xmlns:p14="http://schemas.microsoft.com/office/powerpoint/2010/main" val="2460374621"/>
       </p:ext>
     </p:extLst>
   </p:cSld>
@@ -6390,6 +6163,668 @@
 </file>
 
 <file path=ppt/slides/slide21.xml><?xml version="1.0" encoding="utf-8"?>
+<p:sld xmlns:a="http://schemas.openxmlformats.org/drawingml/2006/main" xmlns:r="http://schemas.openxmlformats.org/officeDocument/2006/relationships" xmlns:p="http://schemas.openxmlformats.org/presentationml/2006/main">
+  <p:cSld>
+    <p:spTree>
+      <p:nvGrpSpPr>
+        <p:cNvPr id="1" name=""/>
+        <p:cNvGrpSpPr/>
+        <p:nvPr/>
+      </p:nvGrpSpPr>
+      <p:grpSpPr>
+        <a:xfrm>
+          <a:off x="0" y="0"/>
+          <a:ext cx="0" cy="0"/>
+          <a:chOff x="0" y="0"/>
+          <a:chExt cx="0" cy="0"/>
+        </a:xfrm>
+      </p:grpSpPr>
+      <p:sp>
+        <p:nvSpPr>
+          <p:cNvPr id="2" name="Título 1"/>
+          <p:cNvSpPr>
+            <a:spLocks noGrp="1"/>
+          </p:cNvSpPr>
+          <p:nvPr>
+            <p:ph type="title"/>
+          </p:nvPr>
+        </p:nvSpPr>
+        <p:spPr/>
+        <p:txBody>
+          <a:bodyPr/>
+          <a:lstStyle/>
+          <a:p>
+            <a:r>
+              <a:rPr lang="pt-BR" dirty="0"/>
+              <a:t>Sprint</a:t>
+            </a:r>
+          </a:p>
+        </p:txBody>
+      </p:sp>
+      <p:sp>
+        <p:nvSpPr>
+          <p:cNvPr id="3" name="Espaço Reservado para Conteúdo 2"/>
+          <p:cNvSpPr>
+            <a:spLocks noGrp="1"/>
+          </p:cNvSpPr>
+          <p:nvPr>
+            <p:ph idx="1"/>
+          </p:nvPr>
+        </p:nvSpPr>
+        <p:spPr/>
+        <p:txBody>
+          <a:bodyPr/>
+          <a:lstStyle/>
+          <a:p>
+            <a:pPr>
+              <a:buFont typeface="Wingdings" panose="05000000000000000000" pitchFamily="2" charset="2"/>
+              <a:buChar char="ü"/>
+            </a:pPr>
+            <a:r>
+              <a:rPr lang="pt-BR" dirty="0"/>
+              <a:t>Coração do Scrum, </a:t>
+            </a:r>
+            <a:r>
+              <a:rPr lang="pt-BR" dirty="0"/>
+              <a:t>ou seja, contém todos os elementos do Scrum;</a:t>
+            </a:r>
+          </a:p>
+          <a:p>
+            <a:pPr>
+              <a:buFont typeface="Wingdings" panose="05000000000000000000" pitchFamily="2" charset="2"/>
+              <a:buChar char="ü"/>
+            </a:pPr>
+            <a:r>
+              <a:rPr lang="pt-BR" dirty="0"/>
+              <a:t>O objetivo é ter uma interação curta o suficiente para manter o time focado, mas tempo suficiente para entregar um incremento significativo do trabalho;</a:t>
+            </a:r>
+          </a:p>
+          <a:p>
+            <a:pPr lvl="2">
+              <a:buFont typeface="Wingdings" panose="05000000000000000000" pitchFamily="2" charset="2"/>
+              <a:buChar char="ü"/>
+            </a:pPr>
+            <a:r>
+              <a:rPr lang="pt-BR" dirty="0"/>
+              <a:t>Duração de máxima de um mês, e hoje comumente usada pelos times entre uma ou duas semanas</a:t>
+            </a:r>
+          </a:p>
+          <a:p>
+            <a:pPr>
+              <a:buFont typeface="Wingdings" panose="05000000000000000000" pitchFamily="2" charset="2"/>
+              <a:buChar char="ü"/>
+            </a:pPr>
+            <a:r>
+              <a:rPr lang="pt-BR" dirty="0"/>
+              <a:t>Cancelamento só pode ser feito pelo Product Owner.</a:t>
+            </a:r>
+            <a:endParaRPr lang="pt-BR" dirty="0"/>
+          </a:p>
+        </p:txBody>
+      </p:sp>
+    </p:spTree>
+    <p:extLst>
+      <p:ext uri="{BB962C8B-B14F-4D97-AF65-F5344CB8AC3E}">
+        <p14:creationId xmlns:p14="http://schemas.microsoft.com/office/powerpoint/2010/main" val="2561348211"/>
+      </p:ext>
+    </p:extLst>
+  </p:cSld>
+  <p:clrMapOvr>
+    <a:masterClrMapping/>
+  </p:clrMapOvr>
+</p:sld>
+</file>
+
+<file path=ppt/slides/slide22.xml><?xml version="1.0" encoding="utf-8"?>
+<p:sld xmlns:a="http://schemas.openxmlformats.org/drawingml/2006/main" xmlns:r="http://schemas.openxmlformats.org/officeDocument/2006/relationships" xmlns:p="http://schemas.openxmlformats.org/presentationml/2006/main">
+  <p:cSld>
+    <p:spTree>
+      <p:nvGrpSpPr>
+        <p:cNvPr id="1" name=""/>
+        <p:cNvGrpSpPr/>
+        <p:nvPr/>
+      </p:nvGrpSpPr>
+      <p:grpSpPr>
+        <a:xfrm>
+          <a:off x="0" y="0"/>
+          <a:ext cx="0" cy="0"/>
+          <a:chOff x="0" y="0"/>
+          <a:chExt cx="0" cy="0"/>
+        </a:xfrm>
+      </p:grpSpPr>
+      <p:sp>
+        <p:nvSpPr>
+          <p:cNvPr id="2" name="Título 1"/>
+          <p:cNvSpPr>
+            <a:spLocks noGrp="1"/>
+          </p:cNvSpPr>
+          <p:nvPr>
+            <p:ph type="title"/>
+          </p:nvPr>
+        </p:nvSpPr>
+        <p:spPr>
+          <a:xfrm>
+            <a:off x="492919" y="499533"/>
+            <a:ext cx="8079581" cy="913243"/>
+          </a:xfrm>
+        </p:spPr>
+        <p:txBody>
+          <a:bodyPr/>
+          <a:lstStyle/>
+          <a:p>
+            <a:r>
+              <a:rPr lang="pt-BR" dirty="0"/>
+              <a:t>Reunião de Planejamento</a:t>
+            </a:r>
+          </a:p>
+        </p:txBody>
+      </p:sp>
+      <p:sp>
+        <p:nvSpPr>
+          <p:cNvPr id="3" name="Espaço Reservado para Conteúdo 2"/>
+          <p:cNvSpPr>
+            <a:spLocks noGrp="1"/>
+          </p:cNvSpPr>
+          <p:nvPr>
+            <p:ph idx="1"/>
+          </p:nvPr>
+        </p:nvSpPr>
+        <p:spPr>
+          <a:xfrm>
+            <a:off x="507206" y="1556792"/>
+            <a:ext cx="8065294" cy="4824536"/>
+          </a:xfrm>
+        </p:spPr>
+        <p:txBody>
+          <a:bodyPr>
+            <a:normAutofit fontScale="92500" lnSpcReduction="10000"/>
+          </a:bodyPr>
+          <a:lstStyle/>
+          <a:p>
+            <a:pPr>
+              <a:buFont typeface="Wingdings" panose="05000000000000000000" pitchFamily="2" charset="2"/>
+              <a:buChar char="ü"/>
+            </a:pPr>
+            <a:r>
+              <a:rPr lang="pt-BR" dirty="0"/>
+              <a:t>Reunião na qual estão presentes o Time Scrum e Stakeholders convidados;</a:t>
+            </a:r>
+          </a:p>
+          <a:p>
+            <a:pPr>
+              <a:buFont typeface="Wingdings" panose="05000000000000000000" pitchFamily="2" charset="2"/>
+              <a:buChar char="ü"/>
+            </a:pPr>
+            <a:r>
+              <a:rPr lang="pt-BR" dirty="0"/>
+              <a:t>Duração de acordo com o tamanho da Sprint;</a:t>
+            </a:r>
+          </a:p>
+          <a:p>
+            <a:pPr lvl="2">
+              <a:buFont typeface="Wingdings" panose="05000000000000000000" pitchFamily="2" charset="2"/>
+              <a:buChar char="ü"/>
+            </a:pPr>
+            <a:r>
+              <a:rPr lang="pt-BR" dirty="0"/>
+              <a:t>Time-box com no máximo 8 horas para uma Sprint de um mês</a:t>
+            </a:r>
+          </a:p>
+          <a:p>
+            <a:pPr>
+              <a:buFont typeface="Wingdings" panose="05000000000000000000" pitchFamily="2" charset="2"/>
+              <a:buChar char="ü"/>
+            </a:pPr>
+            <a:r>
+              <a:rPr lang="pt-BR" dirty="0"/>
+              <a:t>O Scrum Master garante que o evento ocorra e que os participantes entendam seu propósito;</a:t>
+            </a:r>
+          </a:p>
+          <a:p>
+            <a:pPr>
+              <a:buFont typeface="Wingdings" panose="05000000000000000000" pitchFamily="2" charset="2"/>
+              <a:buChar char="ü"/>
+            </a:pPr>
+            <a:r>
+              <a:rPr lang="pt-BR" dirty="0"/>
+              <a:t>Normalmente dividida em 2 partes:</a:t>
+            </a:r>
+          </a:p>
+          <a:p>
+            <a:pPr lvl="2">
+              <a:buFont typeface="Wingdings" panose="05000000000000000000" pitchFamily="2" charset="2"/>
+              <a:buChar char="ü"/>
+            </a:pPr>
+            <a:r>
+              <a:rPr lang="pt-BR" dirty="0"/>
+              <a:t>1ª parte: </a:t>
+            </a:r>
+            <a:r>
+              <a:rPr lang="pt-BR" dirty="0"/>
+              <a:t>O Product Owner apresenta o Backlog do Produto, descreve o que ele deseja ver construído e esclarece dúvidas. Ao final o time seleciona os itens do Backlog do Produto e define o Sprint Goal (Objetivo) juntamente com o Product Owner</a:t>
+            </a:r>
+          </a:p>
+          <a:p>
+            <a:pPr lvl="2">
+              <a:buFont typeface="Wingdings" panose="05000000000000000000" pitchFamily="2" charset="2"/>
+              <a:buChar char="ü"/>
+            </a:pPr>
+            <a:r>
+              <a:rPr lang="pt-BR" dirty="0"/>
+              <a:t>2ª parte: </a:t>
+            </a:r>
+            <a:r>
+              <a:rPr lang="pt-BR" dirty="0"/>
+              <a:t>O Time de Desenvolvimento decide como irá construir essas funcionalidades durante a Sprint e transformá-las em um incremento de produto “Pronto”. Os itens de Backlog do Produto selecionados para a Sprint, junto com o plano de entrega destes itens é chamado de Backlog da Sprint</a:t>
+            </a:r>
+            <a:endParaRPr lang="pt-BR" dirty="0"/>
+          </a:p>
+        </p:txBody>
+      </p:sp>
+    </p:spTree>
+    <p:extLst>
+      <p:ext uri="{BB962C8B-B14F-4D97-AF65-F5344CB8AC3E}">
+        <p14:creationId xmlns:p14="http://schemas.microsoft.com/office/powerpoint/2010/main" val="1897746889"/>
+      </p:ext>
+    </p:extLst>
+  </p:cSld>
+  <p:clrMapOvr>
+    <a:masterClrMapping/>
+  </p:clrMapOvr>
+</p:sld>
+</file>
+
+<file path=ppt/slides/slide23.xml><?xml version="1.0" encoding="utf-8"?>
+<p:sld xmlns:a="http://schemas.openxmlformats.org/drawingml/2006/main" xmlns:r="http://schemas.openxmlformats.org/officeDocument/2006/relationships" xmlns:p="http://schemas.openxmlformats.org/presentationml/2006/main">
+  <p:cSld>
+    <p:spTree>
+      <p:nvGrpSpPr>
+        <p:cNvPr id="1" name=""/>
+        <p:cNvGrpSpPr/>
+        <p:nvPr/>
+      </p:nvGrpSpPr>
+      <p:grpSpPr>
+        <a:xfrm>
+          <a:off x="0" y="0"/>
+          <a:ext cx="0" cy="0"/>
+          <a:chOff x="0" y="0"/>
+          <a:chExt cx="0" cy="0"/>
+        </a:xfrm>
+      </p:grpSpPr>
+      <p:sp>
+        <p:nvSpPr>
+          <p:cNvPr id="2" name="Título 1"/>
+          <p:cNvSpPr>
+            <a:spLocks noGrp="1"/>
+          </p:cNvSpPr>
+          <p:nvPr>
+            <p:ph type="title"/>
+          </p:nvPr>
+        </p:nvSpPr>
+        <p:spPr>
+          <a:xfrm>
+            <a:off x="492919" y="499533"/>
+            <a:ext cx="8079581" cy="1057259"/>
+          </a:xfrm>
+        </p:spPr>
+        <p:txBody>
+          <a:bodyPr/>
+          <a:lstStyle/>
+          <a:p>
+            <a:r>
+              <a:rPr lang="pt-BR" dirty="0"/>
+              <a:t>Reunião Diária</a:t>
+            </a:r>
+          </a:p>
+        </p:txBody>
+      </p:sp>
+      <p:sp>
+        <p:nvSpPr>
+          <p:cNvPr id="3" name="Espaço Reservado para Conteúdo 2"/>
+          <p:cNvSpPr>
+            <a:spLocks noGrp="1"/>
+          </p:cNvSpPr>
+          <p:nvPr>
+            <p:ph idx="1"/>
+          </p:nvPr>
+        </p:nvSpPr>
+        <p:spPr>
+          <a:xfrm>
+            <a:off x="507206" y="1556792"/>
+            <a:ext cx="8065294" cy="4896545"/>
+          </a:xfrm>
+        </p:spPr>
+        <p:txBody>
+          <a:bodyPr>
+            <a:normAutofit/>
+          </a:bodyPr>
+          <a:lstStyle/>
+          <a:p>
+            <a:pPr>
+              <a:buFont typeface="Wingdings" panose="05000000000000000000" pitchFamily="2" charset="2"/>
+              <a:buChar char="ü"/>
+            </a:pPr>
+            <a:r>
+              <a:rPr lang="pt-BR" dirty="0"/>
+              <a:t>Chamada também de “Daily Scrum” é composta pelo Scrum Master e o Time de Desenvolvimento;</a:t>
+            </a:r>
+          </a:p>
+          <a:p>
+            <a:pPr>
+              <a:buFont typeface="Wingdings" panose="05000000000000000000" pitchFamily="2" charset="2"/>
+              <a:buChar char="ü"/>
+            </a:pPr>
+            <a:r>
+              <a:rPr lang="pt-BR" dirty="0"/>
+              <a:t>São realizadas sempre no mesmo lugar e na mesma hora definida, com duração máxima de 15 minutos;</a:t>
+            </a:r>
+          </a:p>
+          <a:p>
+            <a:pPr>
+              <a:buFont typeface="Wingdings" panose="05000000000000000000" pitchFamily="2" charset="2"/>
+              <a:buChar char="ü"/>
+            </a:pPr>
+            <a:r>
+              <a:rPr lang="pt-BR" dirty="0"/>
+              <a:t>Cada integrante do time deverá responder três perguntas:</a:t>
+            </a:r>
+          </a:p>
+          <a:p>
+            <a:pPr lvl="2">
+              <a:buFont typeface="Wingdings" panose="05000000000000000000" pitchFamily="2" charset="2"/>
+              <a:buChar char="ü"/>
+            </a:pPr>
+            <a:r>
+              <a:rPr lang="pt-BR" dirty="0"/>
+              <a:t>O que eu fiz ontem que ajudou o Time de Desenvolvimento a atender a meta da Sprint?</a:t>
+            </a:r>
+          </a:p>
+          <a:p>
+            <a:pPr lvl="2">
+              <a:buFont typeface="Wingdings" panose="05000000000000000000" pitchFamily="2" charset="2"/>
+              <a:buChar char="ü"/>
+            </a:pPr>
+            <a:r>
+              <a:rPr lang="pt-BR" dirty="0"/>
+              <a:t>O que eu farei hoje para ajudar o Time de Desenvolvimento atender a meta da Sprint?</a:t>
+            </a:r>
+          </a:p>
+          <a:p>
+            <a:pPr lvl="2">
+              <a:buFont typeface="Wingdings" panose="05000000000000000000" pitchFamily="2" charset="2"/>
+              <a:buChar char="ü"/>
+            </a:pPr>
+            <a:r>
+              <a:rPr lang="pt-BR" dirty="0"/>
+              <a:t>Eu vejo algum obstáculo que impeça a mim ou o Time de Desenvolvimento no atendimento da meta da Sprint?</a:t>
+            </a:r>
+          </a:p>
+          <a:p>
+            <a:pPr>
+              <a:buFont typeface="Wingdings" panose="05000000000000000000" pitchFamily="2" charset="2"/>
+              <a:buChar char="ü"/>
+            </a:pPr>
+            <a:r>
+              <a:rPr lang="pt-BR" dirty="0"/>
+              <a:t>Os impedimentos identificados no Daily Scrum devem ser tratados pelo Scrum Master o mais rapidamente possível.</a:t>
+            </a:r>
+          </a:p>
+        </p:txBody>
+      </p:sp>
+    </p:spTree>
+    <p:extLst>
+      <p:ext uri="{BB962C8B-B14F-4D97-AF65-F5344CB8AC3E}">
+        <p14:creationId xmlns:p14="http://schemas.microsoft.com/office/powerpoint/2010/main" val="1842161956"/>
+      </p:ext>
+    </p:extLst>
+  </p:cSld>
+  <p:clrMapOvr>
+    <a:masterClrMapping/>
+  </p:clrMapOvr>
+</p:sld>
+</file>
+
+<file path=ppt/slides/slide24.xml><?xml version="1.0" encoding="utf-8"?>
+<p:sld xmlns:a="http://schemas.openxmlformats.org/drawingml/2006/main" xmlns:r="http://schemas.openxmlformats.org/officeDocument/2006/relationships" xmlns:p="http://schemas.openxmlformats.org/presentationml/2006/main">
+  <p:cSld>
+    <p:spTree>
+      <p:nvGrpSpPr>
+        <p:cNvPr id="1" name=""/>
+        <p:cNvGrpSpPr/>
+        <p:nvPr/>
+      </p:nvGrpSpPr>
+      <p:grpSpPr>
+        <a:xfrm>
+          <a:off x="0" y="0"/>
+          <a:ext cx="0" cy="0"/>
+          <a:chOff x="0" y="0"/>
+          <a:chExt cx="0" cy="0"/>
+        </a:xfrm>
+      </p:grpSpPr>
+      <p:sp>
+        <p:nvSpPr>
+          <p:cNvPr id="2" name="Título 1"/>
+          <p:cNvSpPr>
+            <a:spLocks noGrp="1"/>
+          </p:cNvSpPr>
+          <p:nvPr>
+            <p:ph type="title"/>
+          </p:nvPr>
+        </p:nvSpPr>
+        <p:spPr/>
+        <p:txBody>
+          <a:bodyPr/>
+          <a:lstStyle/>
+          <a:p>
+            <a:r>
+              <a:rPr lang="pt-BR" dirty="0"/>
+              <a:t>Reunião de Revisão</a:t>
+            </a:r>
+          </a:p>
+        </p:txBody>
+      </p:sp>
+      <p:sp>
+        <p:nvSpPr>
+          <p:cNvPr id="3" name="Espaço Reservado para Conteúdo 2"/>
+          <p:cNvSpPr>
+            <a:spLocks noGrp="1"/>
+          </p:cNvSpPr>
+          <p:nvPr>
+            <p:ph idx="1"/>
+          </p:nvPr>
+        </p:nvSpPr>
+        <p:spPr>
+          <a:xfrm>
+            <a:off x="507206" y="1993393"/>
+            <a:ext cx="8065294" cy="4315927"/>
+          </a:xfrm>
+        </p:spPr>
+        <p:txBody>
+          <a:bodyPr>
+            <a:normAutofit/>
+          </a:bodyPr>
+          <a:lstStyle/>
+          <a:p>
+            <a:pPr>
+              <a:buFont typeface="Wingdings" panose="05000000000000000000" pitchFamily="2" charset="2"/>
+              <a:buChar char="ü"/>
+            </a:pPr>
+            <a:r>
+              <a:rPr lang="pt-BR" dirty="0"/>
+              <a:t>É uma reunião informal composta pelo Time Scrum e Stakeholders convidados;</a:t>
+            </a:r>
+          </a:p>
+          <a:p>
+            <a:pPr>
+              <a:buFont typeface="Wingdings" panose="05000000000000000000" pitchFamily="2" charset="2"/>
+              <a:buChar char="ü"/>
+            </a:pPr>
+            <a:r>
+              <a:rPr lang="pt-BR" dirty="0"/>
+              <a:t>Realizada no final da Sprint com duração de acordo com o tamanho da Sprint;</a:t>
+            </a:r>
+          </a:p>
+          <a:p>
+            <a:pPr lvl="2">
+              <a:buFont typeface="Wingdings" panose="05000000000000000000" pitchFamily="2" charset="2"/>
+              <a:buChar char="ü"/>
+            </a:pPr>
+            <a:r>
+              <a:rPr lang="pt-BR" dirty="0"/>
+              <a:t>Time-box com no máximo 4 horas para uma Sprint de um mês</a:t>
+            </a:r>
+          </a:p>
+          <a:p>
+            <a:pPr>
+              <a:buFont typeface="Wingdings" panose="05000000000000000000" pitchFamily="2" charset="2"/>
+              <a:buChar char="ü"/>
+            </a:pPr>
+            <a:r>
+              <a:rPr lang="pt-BR" dirty="0"/>
+              <a:t> Tem como objetivo inspecionar o incremento e adaptar o Backlog do Produto se necessário;</a:t>
+            </a:r>
+          </a:p>
+          <a:p>
+            <a:pPr>
+              <a:buFont typeface="Wingdings" panose="05000000000000000000" pitchFamily="2" charset="2"/>
+              <a:buChar char="ü"/>
+            </a:pPr>
+            <a:r>
+              <a:rPr lang="pt-BR" dirty="0"/>
+              <a:t>Durante essa reunião o Time de Desenvolvimento mostra quais itens do Backlog do Produto que eles concluíram durante a Sprint. Isso pode ocorrer sob a forma uma demo das novas funcionalidades.</a:t>
+            </a:r>
+          </a:p>
+        </p:txBody>
+      </p:sp>
+    </p:spTree>
+    <p:extLst>
+      <p:ext uri="{BB962C8B-B14F-4D97-AF65-F5344CB8AC3E}">
+        <p14:creationId xmlns:p14="http://schemas.microsoft.com/office/powerpoint/2010/main" val="3480910473"/>
+      </p:ext>
+    </p:extLst>
+  </p:cSld>
+  <p:clrMapOvr>
+    <a:masterClrMapping/>
+  </p:clrMapOvr>
+</p:sld>
+</file>
+
+<file path=ppt/slides/slide25.xml><?xml version="1.0" encoding="utf-8"?>
+<p:sld xmlns:a="http://schemas.openxmlformats.org/drawingml/2006/main" xmlns:r="http://schemas.openxmlformats.org/officeDocument/2006/relationships" xmlns:p="http://schemas.openxmlformats.org/presentationml/2006/main">
+  <p:cSld>
+    <p:spTree>
+      <p:nvGrpSpPr>
+        <p:cNvPr id="1" name=""/>
+        <p:cNvGrpSpPr/>
+        <p:nvPr/>
+      </p:nvGrpSpPr>
+      <p:grpSpPr>
+        <a:xfrm>
+          <a:off x="0" y="0"/>
+          <a:ext cx="0" cy="0"/>
+          <a:chOff x="0" y="0"/>
+          <a:chExt cx="0" cy="0"/>
+        </a:xfrm>
+      </p:grpSpPr>
+      <p:sp>
+        <p:nvSpPr>
+          <p:cNvPr id="2" name="Título 1"/>
+          <p:cNvSpPr>
+            <a:spLocks noGrp="1"/>
+          </p:cNvSpPr>
+          <p:nvPr>
+            <p:ph type="title"/>
+          </p:nvPr>
+        </p:nvSpPr>
+        <p:spPr/>
+        <p:txBody>
+          <a:bodyPr/>
+          <a:lstStyle/>
+          <a:p>
+            <a:r>
+              <a:rPr lang="pt-BR" dirty="0"/>
+              <a:t>Reunião de Retrospectiva</a:t>
+            </a:r>
+          </a:p>
+        </p:txBody>
+      </p:sp>
+      <p:sp>
+        <p:nvSpPr>
+          <p:cNvPr id="3" name="Espaço Reservado para Conteúdo 2"/>
+          <p:cNvSpPr>
+            <a:spLocks noGrp="1"/>
+          </p:cNvSpPr>
+          <p:nvPr>
+            <p:ph idx="1"/>
+          </p:nvPr>
+        </p:nvSpPr>
+        <p:spPr/>
+        <p:txBody>
+          <a:bodyPr/>
+          <a:lstStyle/>
+          <a:p>
+            <a:pPr>
+              <a:buFont typeface="Wingdings" panose="05000000000000000000" pitchFamily="2" charset="2"/>
+              <a:buChar char="ü"/>
+            </a:pPr>
+            <a:r>
+              <a:rPr lang="pt-BR" dirty="0"/>
+              <a:t>Composta apenas pelo Time Scrum deve ser time-boxed (por exemplo, 3 horas);</a:t>
+            </a:r>
+          </a:p>
+          <a:p>
+            <a:pPr lvl="2">
+              <a:buFont typeface="Wingdings" panose="05000000000000000000" pitchFamily="2" charset="2"/>
+              <a:buChar char="ü"/>
+            </a:pPr>
+            <a:r>
+              <a:rPr lang="pt-BR" dirty="0"/>
+              <a:t>Realizada após a reunião de revisão.</a:t>
+            </a:r>
+          </a:p>
+          <a:p>
+            <a:pPr>
+              <a:buFont typeface="Wingdings" panose="05000000000000000000" pitchFamily="2" charset="2"/>
+              <a:buChar char="ü"/>
+            </a:pPr>
+            <a:r>
+              <a:rPr lang="pt-BR" dirty="0"/>
+              <a:t>É uma oportunidade para o Time Scrum inspecionar a si próprio e criar um plano para melhorias a serem aplicadas na próxima Sprint;</a:t>
+            </a:r>
+          </a:p>
+          <a:p>
+            <a:pPr lvl="2">
+              <a:buFont typeface="Wingdings" panose="05000000000000000000" pitchFamily="2" charset="2"/>
+              <a:buChar char="ü"/>
+            </a:pPr>
+            <a:r>
+              <a:rPr lang="pt-BR" dirty="0"/>
+              <a:t>O que ocorreu bem durante a Sprint, o que não e que melhorias poderiam ser feitas na próxima Sprint</a:t>
+            </a:r>
+          </a:p>
+          <a:p>
+            <a:pPr>
+              <a:buFont typeface="Wingdings" panose="05000000000000000000" pitchFamily="2" charset="2"/>
+              <a:buChar char="ü"/>
+            </a:pPr>
+            <a:endParaRPr lang="pt-BR" dirty="0"/>
+          </a:p>
+        </p:txBody>
+      </p:sp>
+    </p:spTree>
+    <p:extLst>
+      <p:ext uri="{BB962C8B-B14F-4D97-AF65-F5344CB8AC3E}">
+        <p14:creationId xmlns:p14="http://schemas.microsoft.com/office/powerpoint/2010/main" val="3127285857"/>
+      </p:ext>
+    </p:extLst>
+  </p:cSld>
+  <p:clrMapOvr>
+    <a:masterClrMapping/>
+  </p:clrMapOvr>
+</p:sld>
+</file>
+
+<file path=ppt/slides/slide26.xml><?xml version="1.0" encoding="utf-8"?>
 <p:sld xmlns:a="http://schemas.openxmlformats.org/drawingml/2006/main" xmlns:r="http://schemas.openxmlformats.org/officeDocument/2006/relationships" xmlns:p="http://schemas.openxmlformats.org/presentationml/2006/main">
   <p:cSld>
     <p:spTree>
@@ -6463,7 +6898,7 @@
     </p:spTree>
     <p:extLst>
       <p:ext uri="{BB962C8B-B14F-4D97-AF65-F5344CB8AC3E}">
-        <p14:creationId xmlns:p14="http://schemas.microsoft.com/office/powerpoint/2010/main" val="1784132079"/>
+        <p14:creationId xmlns:p14="http://schemas.microsoft.com/office/powerpoint/2010/main" val="272705048"/>
       </p:ext>
     </p:extLst>
   </p:cSld>
@@ -6589,7 +7024,7 @@
           <a:lstStyle/>
           <a:p>
             <a:r>
-              <a:rPr lang="pt-BR"/>
+              <a:rPr lang="pt-BR" dirty="0"/>
               <a:t>Tópicos de discussão</a:t>
             </a:r>
           </a:p>
@@ -6639,10 +7074,9 @@
           <a:p>
             <a:pPr lvl="1"/>
             <a:r>
-              <a:rPr lang="pt-BR" dirty="0" err="1"/>
+              <a:rPr lang="pt-BR" dirty="0"/>
               <a:t>Scrum</a:t>
             </a:r>
-            <a:endParaRPr lang="pt-BR" dirty="0"/>
           </a:p>
           <a:p>
             <a:pPr lvl="2"/>
@@ -7368,87 +7802,7 @@
           <a:p>
             <a:r>
               <a:rPr lang="pt-BR" dirty="0"/>
-              <a:t>A criação do Manifesto Ágil Inicialmente, contou com 17 signatários: Kent Beck, Mike </a:t>
-            </a:r>
-            <a:r>
-              <a:rPr lang="pt-BR" dirty="0" err="1"/>
-              <a:t>Beedle</a:t>
-            </a:r>
-            <a:r>
-              <a:rPr lang="pt-BR" dirty="0"/>
-              <a:t>, Arie van </a:t>
-            </a:r>
-            <a:r>
-              <a:rPr lang="pt-BR" dirty="0" err="1"/>
-              <a:t>Bennekum</a:t>
-            </a:r>
-            <a:r>
-              <a:rPr lang="pt-BR" dirty="0"/>
-              <a:t>, </a:t>
-            </a:r>
-            <a:r>
-              <a:rPr lang="pt-BR" dirty="0" err="1"/>
-              <a:t>Alistair</a:t>
-            </a:r>
-            <a:r>
-              <a:rPr lang="pt-BR" dirty="0"/>
-              <a:t> Cockburn, Ward Cunningham, Martin Fowler, James </a:t>
-            </a:r>
-            <a:r>
-              <a:rPr lang="pt-BR" dirty="0" err="1"/>
-              <a:t>Grenning</a:t>
-            </a:r>
-            <a:r>
-              <a:rPr lang="pt-BR" dirty="0"/>
-              <a:t>, Jim </a:t>
-            </a:r>
-            <a:r>
-              <a:rPr lang="pt-BR" dirty="0" err="1"/>
-              <a:t>Highsmith</a:t>
-            </a:r>
-            <a:r>
-              <a:rPr lang="pt-BR" dirty="0"/>
-              <a:t>, Andrew Hunt, Ron </a:t>
-            </a:r>
-            <a:r>
-              <a:rPr lang="pt-BR" dirty="0" err="1"/>
-              <a:t>Jeffries</a:t>
-            </a:r>
-            <a:r>
-              <a:rPr lang="pt-BR" dirty="0"/>
-              <a:t>, Jon </a:t>
-            </a:r>
-            <a:r>
-              <a:rPr lang="pt-BR" dirty="0" err="1"/>
-              <a:t>Kern</a:t>
-            </a:r>
-            <a:r>
-              <a:rPr lang="pt-BR" dirty="0"/>
-              <a:t>, Brian </a:t>
-            </a:r>
-            <a:r>
-              <a:rPr lang="pt-BR" dirty="0" err="1"/>
-              <a:t>Marick</a:t>
-            </a:r>
-            <a:r>
-              <a:rPr lang="pt-BR" dirty="0"/>
-              <a:t>, Robert C. Martin, Steve </a:t>
-            </a:r>
-            <a:r>
-              <a:rPr lang="pt-BR" dirty="0" err="1"/>
-              <a:t>Mellor</a:t>
-            </a:r>
-            <a:r>
-              <a:rPr lang="pt-BR" dirty="0"/>
-              <a:t>, Ken </a:t>
-            </a:r>
-            <a:r>
-              <a:rPr lang="pt-BR" dirty="0" err="1"/>
-              <a:t>Schwaber</a:t>
-            </a:r>
-            <a:r>
-              <a:rPr lang="pt-BR" dirty="0"/>
-              <a:t>, Jeff Sutherland e Dave Thomas</a:t>
+              <a:t>A criação do Manifesto Ágil Inicialmente, contou com 17 signatários: Kent Beck, Mike Beedle, Arie van Bennekum, Alistair Cockburn, Ward Cunningham, Martin Fowler, James Grenning, Jim Highsmith, Andrew Hunt, Ron Jeffries, Jon Kern, Brian Marick, Robert C. Martin, Steve Mellor, Ken Schwaber, Jeff Sutherland e Dave Thomas</a:t>
             </a:r>
           </a:p>
         </p:txBody>

--- a/StartIdea/StartIdea.Docs/Apresentacao.pptx
+++ b/StartIdea/StartIdea.Docs/Apresentacao.pptx
@@ -5,7 +5,7 @@
     <p:sldMasterId id="2147483738" r:id="rId2"/>
   </p:sldMasterIdLst>
   <p:notesMasterIdLst>
-    <p:notesMasterId r:id="rId29"/>
+    <p:notesMasterId r:id="rId35"/>
   </p:notesMasterIdLst>
   <p:sldIdLst>
     <p:sldId id="256" r:id="rId3"/>
@@ -33,7 +33,13 @@
     <p:sldId id="288" r:id="rId25"/>
     <p:sldId id="289" r:id="rId26"/>
     <p:sldId id="290" r:id="rId27"/>
-    <p:sldId id="286" r:id="rId28"/>
+    <p:sldId id="291" r:id="rId28"/>
+    <p:sldId id="292" r:id="rId29"/>
+    <p:sldId id="293" r:id="rId30"/>
+    <p:sldId id="294" r:id="rId31"/>
+    <p:sldId id="295" r:id="rId32"/>
+    <p:sldId id="296" r:id="rId33"/>
+    <p:sldId id="286" r:id="rId34"/>
   </p:sldIdLst>
   <p:sldSz cx="9144000" cy="6858000" type="screen4x3"/>
   <p:notesSz cx="6858000" cy="9144000"/>
@@ -6222,11 +6228,7 @@
             </a:pPr>
             <a:r>
               <a:rPr lang="pt-BR" dirty="0"/>
-              <a:t>Coração do Scrum, </a:t>
-            </a:r>
-            <a:r>
-              <a:rPr lang="pt-BR" dirty="0"/>
-              <a:t>ou seja, contém todos os elementos do Scrum;</a:t>
+              <a:t>Coração do Scrum, ou seja, contém todos os elementos do Scrum;</a:t>
             </a:r>
           </a:p>
           <a:p>
@@ -6258,7 +6260,6 @@
               <a:rPr lang="pt-BR" dirty="0"/>
               <a:t>Cancelamento só pode ser feito pelo Product Owner.</a:t>
             </a:r>
-            <a:endParaRPr lang="pt-BR" dirty="0"/>
           </a:p>
         </p:txBody>
       </p:sp>
@@ -6397,11 +6398,7 @@
             </a:pPr>
             <a:r>
               <a:rPr lang="pt-BR" dirty="0"/>
-              <a:t>1ª parte: </a:t>
-            </a:r>
-            <a:r>
-              <a:rPr lang="pt-BR" dirty="0"/>
-              <a:t>O Product Owner apresenta o Backlog do Produto, descreve o que ele deseja ver construído e esclarece dúvidas. Ao final o time seleciona os itens do Backlog do Produto e define o Sprint Goal (Objetivo) juntamente com o Product Owner</a:t>
+              <a:t>1ª parte: O Product Owner apresenta o Backlog do Produto, descreve o que ele deseja ver construído e esclarece dúvidas. Ao final o time seleciona os itens do Backlog do Produto e define o Sprint Goal (Objetivo) juntamente com o Product Owner</a:t>
             </a:r>
           </a:p>
           <a:p>
@@ -6411,13 +6408,8 @@
             </a:pPr>
             <a:r>
               <a:rPr lang="pt-BR" dirty="0"/>
-              <a:t>2ª parte: </a:t>
-            </a:r>
-            <a:r>
-              <a:rPr lang="pt-BR" dirty="0"/>
-              <a:t>O Time de Desenvolvimento decide como irá construir essas funcionalidades durante a Sprint e transformá-las em um incremento de produto “Pronto”. Os itens de Backlog do Produto selecionados para a Sprint, junto com o plano de entrega destes itens é chamado de Backlog da Sprint</a:t>
-            </a:r>
-            <a:endParaRPr lang="pt-BR" dirty="0"/>
+              <a:t>2ª parte: O Time de Desenvolvimento decide como irá construir essas funcionalidades durante a Sprint e transformá-las em um incremento de produto “Pronto”. Os itens de Backlog do Produto selecionados para a Sprint, junto com o plano de entrega destes itens é chamado de Backlog da Sprint</a:t>
+            </a:r>
           </a:p>
         </p:txBody>
       </p:sp>
@@ -6825,6 +6817,916 @@
 </file>
 
 <file path=ppt/slides/slide26.xml><?xml version="1.0" encoding="utf-8"?>
+<p:sld xmlns:a="http://schemas.openxmlformats.org/drawingml/2006/main" xmlns:r="http://schemas.openxmlformats.org/officeDocument/2006/relationships" xmlns:p="http://schemas.openxmlformats.org/presentationml/2006/main">
+  <p:cSld>
+    <p:spTree>
+      <p:nvGrpSpPr>
+        <p:cNvPr id="1" name=""/>
+        <p:cNvGrpSpPr/>
+        <p:nvPr/>
+      </p:nvGrpSpPr>
+      <p:grpSpPr>
+        <a:xfrm>
+          <a:off x="0" y="0"/>
+          <a:ext cx="0" cy="0"/>
+          <a:chOff x="0" y="0"/>
+          <a:chExt cx="0" cy="0"/>
+        </a:xfrm>
+      </p:grpSpPr>
+      <p:sp>
+        <p:nvSpPr>
+          <p:cNvPr id="2" name="Título 1"/>
+          <p:cNvSpPr>
+            <a:spLocks noGrp="1"/>
+          </p:cNvSpPr>
+          <p:nvPr>
+            <p:ph type="title"/>
+          </p:nvPr>
+        </p:nvSpPr>
+        <p:spPr/>
+        <p:txBody>
+          <a:bodyPr/>
+          <a:lstStyle/>
+          <a:p>
+            <a:r>
+              <a:rPr lang="pt-BR" dirty="0"/>
+              <a:t>Artefatos </a:t>
+            </a:r>
+            <a:r>
+              <a:rPr lang="pt-BR" dirty="0" err="1"/>
+              <a:t>Scrum</a:t>
+            </a:r>
+            <a:endParaRPr lang="pt-BR" dirty="0"/>
+          </a:p>
+        </p:txBody>
+      </p:sp>
+      <p:sp>
+        <p:nvSpPr>
+          <p:cNvPr id="3" name="Espaço Reservado para Conteúdo 2"/>
+          <p:cNvSpPr>
+            <a:spLocks noGrp="1"/>
+          </p:cNvSpPr>
+          <p:nvPr>
+            <p:ph idx="1"/>
+          </p:nvPr>
+        </p:nvSpPr>
+        <p:spPr/>
+        <p:txBody>
+          <a:bodyPr/>
+          <a:lstStyle/>
+          <a:p>
+            <a:pPr>
+              <a:buFont typeface="Wingdings" panose="05000000000000000000" pitchFamily="2" charset="2"/>
+              <a:buChar char="ü"/>
+            </a:pPr>
+            <a:r>
+              <a:rPr lang="pt-BR" dirty="0"/>
+              <a:t>Representam o trabalho ou o valor para o fornecimento de transparência e oportunidades para inspeção e adaptação;</a:t>
+            </a:r>
+          </a:p>
+          <a:p>
+            <a:pPr>
+              <a:buFont typeface="Wingdings" panose="05000000000000000000" pitchFamily="2" charset="2"/>
+              <a:buChar char="ü"/>
+            </a:pPr>
+            <a:r>
+              <a:rPr lang="pt-BR" dirty="0"/>
+              <a:t>São artefatos: </a:t>
+            </a:r>
+            <a:r>
+              <a:rPr lang="pt-BR" dirty="0" err="1"/>
+              <a:t>Backlog</a:t>
+            </a:r>
+            <a:r>
+              <a:rPr lang="pt-BR" dirty="0"/>
+              <a:t> do Produto, </a:t>
+            </a:r>
+            <a:r>
+              <a:rPr lang="pt-BR" dirty="0" err="1"/>
+              <a:t>Backlog</a:t>
+            </a:r>
+            <a:r>
+              <a:rPr lang="pt-BR" dirty="0"/>
+              <a:t> da Sprint e Incremento.</a:t>
+            </a:r>
+          </a:p>
+        </p:txBody>
+      </p:sp>
+    </p:spTree>
+    <p:extLst>
+      <p:ext uri="{BB962C8B-B14F-4D97-AF65-F5344CB8AC3E}">
+        <p14:creationId xmlns:p14="http://schemas.microsoft.com/office/powerpoint/2010/main" val="3023515660"/>
+      </p:ext>
+    </p:extLst>
+  </p:cSld>
+  <p:clrMapOvr>
+    <a:masterClrMapping/>
+  </p:clrMapOvr>
+</p:sld>
+</file>
+
+<file path=ppt/slides/slide27.xml><?xml version="1.0" encoding="utf-8"?>
+<p:sld xmlns:a="http://schemas.openxmlformats.org/drawingml/2006/main" xmlns:r="http://schemas.openxmlformats.org/officeDocument/2006/relationships" xmlns:p="http://schemas.openxmlformats.org/presentationml/2006/main">
+  <p:cSld>
+    <p:spTree>
+      <p:nvGrpSpPr>
+        <p:cNvPr id="1" name=""/>
+        <p:cNvGrpSpPr/>
+        <p:nvPr/>
+      </p:nvGrpSpPr>
+      <p:grpSpPr>
+        <a:xfrm>
+          <a:off x="0" y="0"/>
+          <a:ext cx="0" cy="0"/>
+          <a:chOff x="0" y="0"/>
+          <a:chExt cx="0" cy="0"/>
+        </a:xfrm>
+      </p:grpSpPr>
+      <p:sp>
+        <p:nvSpPr>
+          <p:cNvPr id="2" name="Título 1"/>
+          <p:cNvSpPr>
+            <a:spLocks noGrp="1"/>
+          </p:cNvSpPr>
+          <p:nvPr>
+            <p:ph type="title"/>
+          </p:nvPr>
+        </p:nvSpPr>
+        <p:spPr>
+          <a:xfrm>
+            <a:off x="492919" y="499533"/>
+            <a:ext cx="8079581" cy="1057259"/>
+          </a:xfrm>
+        </p:spPr>
+        <p:txBody>
+          <a:bodyPr/>
+          <a:lstStyle/>
+          <a:p>
+            <a:r>
+              <a:rPr lang="pt-BR" dirty="0" err="1"/>
+              <a:t>Backlog</a:t>
+            </a:r>
+            <a:r>
+              <a:rPr lang="pt-BR" dirty="0"/>
+              <a:t> do Produto</a:t>
+            </a:r>
+          </a:p>
+        </p:txBody>
+      </p:sp>
+      <p:sp>
+        <p:nvSpPr>
+          <p:cNvPr id="3" name="Espaço Reservado para Conteúdo 2"/>
+          <p:cNvSpPr>
+            <a:spLocks noGrp="1"/>
+          </p:cNvSpPr>
+          <p:nvPr>
+            <p:ph idx="1"/>
+          </p:nvPr>
+        </p:nvSpPr>
+        <p:spPr>
+          <a:xfrm>
+            <a:off x="507206" y="1556793"/>
+            <a:ext cx="8065294" cy="4896544"/>
+          </a:xfrm>
+        </p:spPr>
+        <p:txBody>
+          <a:bodyPr>
+            <a:normAutofit/>
+          </a:bodyPr>
+          <a:lstStyle/>
+          <a:p>
+            <a:pPr>
+              <a:buFont typeface="Wingdings" panose="05000000000000000000" pitchFamily="2" charset="2"/>
+              <a:buChar char="ü"/>
+            </a:pPr>
+            <a:r>
+              <a:rPr lang="pt-BR" dirty="0"/>
+              <a:t>O </a:t>
+            </a:r>
+            <a:r>
+              <a:rPr lang="pt-BR" dirty="0" err="1"/>
+              <a:t>Backlog</a:t>
+            </a:r>
+            <a:r>
+              <a:rPr lang="pt-BR" dirty="0"/>
+              <a:t> do Produto lista todas as características, funções, requisitos, melhorias e correções que formam as mudanças que devem ser feitas no produto nas futuras versões;</a:t>
+            </a:r>
+          </a:p>
+          <a:p>
+            <a:pPr lvl="2">
+              <a:buFont typeface="Wingdings" panose="05000000000000000000" pitchFamily="2" charset="2"/>
+              <a:buChar char="ü"/>
+            </a:pPr>
+            <a:r>
+              <a:rPr lang="pt-BR" dirty="0"/>
+              <a:t>A melhor forma de expressar um item do </a:t>
+            </a:r>
+            <a:r>
+              <a:rPr lang="pt-BR" dirty="0" err="1"/>
+              <a:t>backlog</a:t>
+            </a:r>
+            <a:r>
+              <a:rPr lang="pt-BR" dirty="0"/>
+              <a:t> é na forma de </a:t>
+            </a:r>
+            <a:r>
+              <a:rPr lang="pt-BR" dirty="0" err="1"/>
+              <a:t>user</a:t>
+            </a:r>
+            <a:r>
+              <a:rPr lang="pt-BR" dirty="0"/>
+              <a:t> </a:t>
+            </a:r>
+            <a:r>
+              <a:rPr lang="pt-BR" dirty="0" err="1"/>
+              <a:t>story</a:t>
+            </a:r>
+            <a:r>
+              <a:rPr lang="pt-BR" dirty="0"/>
+              <a:t>, exemplo: “Como um cliente da loja online eu gostaria de procurar por itens para adicionar ao meu pedido”</a:t>
+            </a:r>
+          </a:p>
+          <a:p>
+            <a:pPr>
+              <a:buFont typeface="Wingdings" panose="05000000000000000000" pitchFamily="2" charset="2"/>
+              <a:buChar char="ü"/>
+            </a:pPr>
+            <a:r>
+              <a:rPr lang="pt-BR" dirty="0"/>
+              <a:t>O </a:t>
+            </a:r>
+            <a:r>
+              <a:rPr lang="pt-BR" dirty="0" err="1"/>
+              <a:t>Product</a:t>
+            </a:r>
+            <a:r>
+              <a:rPr lang="pt-BR" dirty="0"/>
+              <a:t> </a:t>
+            </a:r>
+            <a:r>
+              <a:rPr lang="pt-BR" dirty="0" err="1"/>
+              <a:t>Owner</a:t>
+            </a:r>
+            <a:r>
+              <a:rPr lang="pt-BR" dirty="0"/>
+              <a:t> é responsável pelo </a:t>
+            </a:r>
+            <a:r>
+              <a:rPr lang="pt-BR" dirty="0" err="1"/>
+              <a:t>Backlog</a:t>
+            </a:r>
+            <a:r>
+              <a:rPr lang="pt-BR" dirty="0"/>
+              <a:t> do Produto, incluindo seu conteúdo, disponibilidade e ordenação;</a:t>
+            </a:r>
+          </a:p>
+          <a:p>
+            <a:pPr>
+              <a:buFont typeface="Wingdings" panose="05000000000000000000" pitchFamily="2" charset="2"/>
+              <a:buChar char="ü"/>
+            </a:pPr>
+            <a:r>
+              <a:rPr lang="pt-BR" dirty="0"/>
+              <a:t>É ordenado pela prioridade;</a:t>
+            </a:r>
+          </a:p>
+          <a:p>
+            <a:pPr lvl="2">
+              <a:buFont typeface="Wingdings" panose="05000000000000000000" pitchFamily="2" charset="2"/>
+              <a:buChar char="ü"/>
+            </a:pPr>
+            <a:r>
+              <a:rPr lang="pt-BR" dirty="0"/>
+              <a:t>Prioridade do cliente, urgência em receber feedback, dificuldade de implementação e relações simbióticas entre os itens (B é mais fácil se fizer o A primeiro) podem influenciar na priorização</a:t>
+            </a:r>
+          </a:p>
+          <a:p>
+            <a:pPr lvl="1">
+              <a:buFont typeface="Wingdings" panose="05000000000000000000" pitchFamily="2" charset="2"/>
+              <a:buChar char="ü"/>
+            </a:pPr>
+            <a:r>
+              <a:rPr lang="pt-BR" dirty="0"/>
+              <a:t>O Time de Desenvolvimento é responsável por todas as estimativas</a:t>
+            </a:r>
+          </a:p>
+          <a:p>
+            <a:pPr marL="0" indent="0">
+              <a:buNone/>
+            </a:pPr>
+            <a:endParaRPr lang="pt-BR" dirty="0"/>
+          </a:p>
+        </p:txBody>
+      </p:sp>
+    </p:spTree>
+    <p:extLst>
+      <p:ext uri="{BB962C8B-B14F-4D97-AF65-F5344CB8AC3E}">
+        <p14:creationId xmlns:p14="http://schemas.microsoft.com/office/powerpoint/2010/main" val="3989629251"/>
+      </p:ext>
+    </p:extLst>
+  </p:cSld>
+  <p:clrMapOvr>
+    <a:masterClrMapping/>
+  </p:clrMapOvr>
+</p:sld>
+</file>
+
+<file path=ppt/slides/slide28.xml><?xml version="1.0" encoding="utf-8"?>
+<p:sld xmlns:a="http://schemas.openxmlformats.org/drawingml/2006/main" xmlns:r="http://schemas.openxmlformats.org/officeDocument/2006/relationships" xmlns:p="http://schemas.openxmlformats.org/presentationml/2006/main">
+  <p:cSld>
+    <p:spTree>
+      <p:nvGrpSpPr>
+        <p:cNvPr id="1" name=""/>
+        <p:cNvGrpSpPr/>
+        <p:nvPr/>
+      </p:nvGrpSpPr>
+      <p:grpSpPr>
+        <a:xfrm>
+          <a:off x="0" y="0"/>
+          <a:ext cx="0" cy="0"/>
+          <a:chOff x="0" y="0"/>
+          <a:chExt cx="0" cy="0"/>
+        </a:xfrm>
+      </p:grpSpPr>
+      <p:sp>
+        <p:nvSpPr>
+          <p:cNvPr id="2" name="Título 1"/>
+          <p:cNvSpPr>
+            <a:spLocks noGrp="1"/>
+          </p:cNvSpPr>
+          <p:nvPr>
+            <p:ph type="title"/>
+          </p:nvPr>
+        </p:nvSpPr>
+        <p:spPr>
+          <a:xfrm>
+            <a:off x="492919" y="499533"/>
+            <a:ext cx="8079581" cy="1057259"/>
+          </a:xfrm>
+        </p:spPr>
+        <p:txBody>
+          <a:bodyPr/>
+          <a:lstStyle/>
+          <a:p>
+            <a:r>
+              <a:rPr lang="pt-BR" dirty="0" err="1"/>
+              <a:t>Backlog</a:t>
+            </a:r>
+            <a:r>
+              <a:rPr lang="pt-BR" dirty="0"/>
+              <a:t> do Produto</a:t>
+            </a:r>
+          </a:p>
+        </p:txBody>
+      </p:sp>
+      <p:sp>
+        <p:nvSpPr>
+          <p:cNvPr id="3" name="Espaço Reservado para Conteúdo 2"/>
+          <p:cNvSpPr>
+            <a:spLocks noGrp="1"/>
+          </p:cNvSpPr>
+          <p:nvPr>
+            <p:ph idx="1"/>
+          </p:nvPr>
+        </p:nvSpPr>
+        <p:spPr>
+          <a:xfrm>
+            <a:off x="507206" y="1556793"/>
+            <a:ext cx="8065294" cy="4896544"/>
+          </a:xfrm>
+        </p:spPr>
+        <p:txBody>
+          <a:bodyPr>
+            <a:normAutofit/>
+          </a:bodyPr>
+          <a:lstStyle/>
+          <a:p>
+            <a:pPr>
+              <a:buFont typeface="Wingdings" panose="05000000000000000000" pitchFamily="2" charset="2"/>
+              <a:buChar char="ü"/>
+            </a:pPr>
+            <a:r>
+              <a:rPr lang="pt-BR" dirty="0"/>
+              <a:t>Exemplo:</a:t>
+            </a:r>
+          </a:p>
+          <a:p>
+            <a:pPr marL="0" indent="0">
+              <a:buNone/>
+            </a:pPr>
+            <a:endParaRPr lang="pt-BR" dirty="0"/>
+          </a:p>
+          <a:p>
+            <a:pPr marL="0" indent="0">
+              <a:buNone/>
+            </a:pPr>
+            <a:endParaRPr lang="pt-BR" dirty="0"/>
+          </a:p>
+          <a:p>
+            <a:pPr marL="0" indent="0">
+              <a:buNone/>
+            </a:pPr>
+            <a:endParaRPr lang="pt-BR" dirty="0"/>
+          </a:p>
+          <a:p>
+            <a:pPr marL="0" indent="0">
+              <a:buNone/>
+            </a:pPr>
+            <a:endParaRPr lang="pt-BR" dirty="0"/>
+          </a:p>
+          <a:p>
+            <a:pPr marL="0" indent="0">
+              <a:buNone/>
+            </a:pPr>
+            <a:endParaRPr lang="pt-BR" dirty="0"/>
+          </a:p>
+          <a:p>
+            <a:pPr marL="0" indent="0">
+              <a:buNone/>
+            </a:pPr>
+            <a:endParaRPr lang="pt-BR" dirty="0"/>
+          </a:p>
+          <a:p>
+            <a:pPr marL="0" indent="0">
+              <a:buNone/>
+            </a:pPr>
+            <a:endParaRPr lang="pt-BR" dirty="0"/>
+          </a:p>
+          <a:p>
+            <a:pPr marL="0" indent="0">
+              <a:buNone/>
+            </a:pPr>
+            <a:endParaRPr lang="pt-BR" dirty="0"/>
+          </a:p>
+        </p:txBody>
+      </p:sp>
+      <p:pic>
+        <p:nvPicPr>
+          <p:cNvPr id="4" name="Imagem 3"/>
+          <p:cNvPicPr/>
+          <p:nvPr/>
+        </p:nvPicPr>
+        <p:blipFill>
+          <a:blip r:embed="rId2">
+            <a:extLst>
+              <a:ext uri="{28A0092B-C50C-407E-A947-70E740481C1C}">
+                <a14:useLocalDpi xmlns:a14="http://schemas.microsoft.com/office/drawing/2010/main" val="0"/>
+              </a:ext>
+            </a:extLst>
+          </a:blip>
+          <a:stretch>
+            <a:fillRect/>
+          </a:stretch>
+        </p:blipFill>
+        <p:spPr>
+          <a:xfrm>
+            <a:off x="1605483" y="2132856"/>
+            <a:ext cx="5868740" cy="3853896"/>
+          </a:xfrm>
+          <a:prstGeom prst="rect">
+            <a:avLst/>
+          </a:prstGeom>
+        </p:spPr>
+      </p:pic>
+    </p:spTree>
+    <p:extLst>
+      <p:ext uri="{BB962C8B-B14F-4D97-AF65-F5344CB8AC3E}">
+        <p14:creationId xmlns:p14="http://schemas.microsoft.com/office/powerpoint/2010/main" val="634659157"/>
+      </p:ext>
+    </p:extLst>
+  </p:cSld>
+  <p:clrMapOvr>
+    <a:masterClrMapping/>
+  </p:clrMapOvr>
+</p:sld>
+</file>
+
+<file path=ppt/slides/slide29.xml><?xml version="1.0" encoding="utf-8"?>
+<p:sld xmlns:a="http://schemas.openxmlformats.org/drawingml/2006/main" xmlns:r="http://schemas.openxmlformats.org/officeDocument/2006/relationships" xmlns:p="http://schemas.openxmlformats.org/presentationml/2006/main">
+  <p:cSld>
+    <p:spTree>
+      <p:nvGrpSpPr>
+        <p:cNvPr id="1" name=""/>
+        <p:cNvGrpSpPr/>
+        <p:nvPr/>
+      </p:nvGrpSpPr>
+      <p:grpSpPr>
+        <a:xfrm>
+          <a:off x="0" y="0"/>
+          <a:ext cx="0" cy="0"/>
+          <a:chOff x="0" y="0"/>
+          <a:chExt cx="0" cy="0"/>
+        </a:xfrm>
+      </p:grpSpPr>
+      <p:sp>
+        <p:nvSpPr>
+          <p:cNvPr id="2" name="Título 1"/>
+          <p:cNvSpPr>
+            <a:spLocks noGrp="1"/>
+          </p:cNvSpPr>
+          <p:nvPr>
+            <p:ph type="title"/>
+          </p:nvPr>
+        </p:nvSpPr>
+        <p:spPr/>
+        <p:txBody>
+          <a:bodyPr/>
+          <a:lstStyle/>
+          <a:p>
+            <a:r>
+              <a:rPr lang="pt-BR" dirty="0" err="1"/>
+              <a:t>Backlog</a:t>
+            </a:r>
+            <a:r>
+              <a:rPr lang="pt-BR" dirty="0"/>
+              <a:t> da Sprint</a:t>
+            </a:r>
+          </a:p>
+        </p:txBody>
+      </p:sp>
+      <p:sp>
+        <p:nvSpPr>
+          <p:cNvPr id="3" name="Espaço Reservado para Conteúdo 2"/>
+          <p:cNvSpPr>
+            <a:spLocks noGrp="1"/>
+          </p:cNvSpPr>
+          <p:nvPr>
+            <p:ph idx="1"/>
+          </p:nvPr>
+        </p:nvSpPr>
+        <p:spPr/>
+        <p:txBody>
+          <a:bodyPr/>
+          <a:lstStyle/>
+          <a:p>
+            <a:pPr>
+              <a:buFont typeface="Wingdings" panose="05000000000000000000" pitchFamily="2" charset="2"/>
+              <a:buChar char="ü"/>
+            </a:pPr>
+            <a:r>
+              <a:rPr lang="pt-BR" dirty="0" err="1"/>
+              <a:t>Items</a:t>
+            </a:r>
+            <a:r>
+              <a:rPr lang="pt-BR" dirty="0"/>
+              <a:t> do </a:t>
+            </a:r>
+            <a:r>
+              <a:rPr lang="pt-BR" dirty="0" err="1"/>
+              <a:t>Backlog</a:t>
+            </a:r>
+            <a:r>
+              <a:rPr lang="pt-BR" dirty="0"/>
+              <a:t> do Produto adicionados na Sprint;</a:t>
+            </a:r>
+          </a:p>
+          <a:p>
+            <a:pPr>
+              <a:buFont typeface="Wingdings" panose="05000000000000000000" pitchFamily="2" charset="2"/>
+              <a:buChar char="ü"/>
+            </a:pPr>
+            <a:r>
+              <a:rPr lang="pt-BR" dirty="0"/>
+              <a:t>Durante a reunião de planejamento, o Time de Desenvolvimento seleciona alguns itens do </a:t>
+            </a:r>
+            <a:r>
+              <a:rPr lang="pt-BR" dirty="0" err="1"/>
+              <a:t>Backlog</a:t>
+            </a:r>
+            <a:r>
+              <a:rPr lang="pt-BR" dirty="0"/>
+              <a:t> do Produto e identifica as tarefas necessárias para resolver cada item;</a:t>
+            </a:r>
+          </a:p>
+          <a:p>
+            <a:pPr>
+              <a:buFont typeface="Wingdings" panose="05000000000000000000" pitchFamily="2" charset="2"/>
+              <a:buChar char="ü"/>
+            </a:pPr>
+            <a:r>
+              <a:rPr lang="pt-BR" dirty="0"/>
+              <a:t>Em qualquer ponto do tempo na Sprint, o total do trabalho remanescente dos itens do </a:t>
+            </a:r>
+            <a:r>
+              <a:rPr lang="pt-BR" dirty="0" err="1"/>
+              <a:t>Backlog</a:t>
+            </a:r>
+            <a:r>
+              <a:rPr lang="pt-BR" dirty="0"/>
+              <a:t> da Sprint pode ser somado.</a:t>
+            </a:r>
+            <a:endParaRPr lang="pt-BR" dirty="0"/>
+          </a:p>
+        </p:txBody>
+      </p:sp>
+    </p:spTree>
+    <p:extLst>
+      <p:ext uri="{BB962C8B-B14F-4D97-AF65-F5344CB8AC3E}">
+        <p14:creationId xmlns:p14="http://schemas.microsoft.com/office/powerpoint/2010/main" val="1782350351"/>
+      </p:ext>
+    </p:extLst>
+  </p:cSld>
+  <p:clrMapOvr>
+    <a:masterClrMapping/>
+  </p:clrMapOvr>
+</p:sld>
+</file>
+
+<file path=ppt/slides/slide3.xml><?xml version="1.0" encoding="utf-8"?>
+<p:sld xmlns:a="http://schemas.openxmlformats.org/drawingml/2006/main" xmlns:r="http://schemas.openxmlformats.org/officeDocument/2006/relationships" xmlns:p="http://schemas.openxmlformats.org/presentationml/2006/main">
+  <p:cSld>
+    <p:spTree>
+      <p:nvGrpSpPr>
+        <p:cNvPr id="1" name=""/>
+        <p:cNvGrpSpPr/>
+        <p:nvPr/>
+      </p:nvGrpSpPr>
+      <p:grpSpPr>
+        <a:xfrm>
+          <a:off x="0" y="0"/>
+          <a:ext cx="0" cy="0"/>
+          <a:chOff x="0" y="0"/>
+          <a:chExt cx="0" cy="0"/>
+        </a:xfrm>
+      </p:grpSpPr>
+      <p:sp>
+        <p:nvSpPr>
+          <p:cNvPr id="2" name="Title 1"/>
+          <p:cNvSpPr>
+            <a:spLocks noGrp="1"/>
+          </p:cNvSpPr>
+          <p:nvPr>
+            <p:ph type="title"/>
+          </p:nvPr>
+        </p:nvSpPr>
+        <p:spPr/>
+        <p:txBody>
+          <a:bodyPr/>
+          <a:lstStyle/>
+          <a:p>
+            <a:r>
+              <a:rPr lang="pt-BR" dirty="0"/>
+              <a:t>Projeto</a:t>
+            </a:r>
+          </a:p>
+        </p:txBody>
+      </p:sp>
+      <p:sp>
+        <p:nvSpPr>
+          <p:cNvPr id="3" name="Content Placeholder 2"/>
+          <p:cNvSpPr>
+            <a:spLocks noGrp="1"/>
+          </p:cNvSpPr>
+          <p:nvPr>
+            <p:ph idx="1"/>
+          </p:nvPr>
+        </p:nvSpPr>
+        <p:spPr/>
+        <p:txBody>
+          <a:bodyPr>
+            <a:normAutofit/>
+          </a:bodyPr>
+          <a:lstStyle/>
+          <a:p>
+            <a:pPr marL="0" indent="0">
+              <a:buNone/>
+            </a:pPr>
+            <a:r>
+              <a:rPr lang="pt-BR" dirty="0"/>
+              <a:t>Refere-se a um “Plano para realização de um ato; desígnio, intenção.”. </a:t>
+            </a:r>
+          </a:p>
+          <a:p>
+            <a:pPr marL="0" indent="0">
+              <a:buNone/>
+            </a:pPr>
+            <a:r>
+              <a:rPr lang="pt-BR" dirty="0"/>
+              <a:t>Para que consigamos atingir um determinado objetivo com eficácia é necessário frequentemente conhecer as alternativas, adaptar a que talvez possa ser a mais condizente e inspecionar para certificar-se que está trilhando a melhor rota.</a:t>
+            </a:r>
+          </a:p>
+        </p:txBody>
+      </p:sp>
+    </p:spTree>
+  </p:cSld>
+  <p:clrMapOvr>
+    <a:masterClrMapping/>
+  </p:clrMapOvr>
+</p:sld>
+</file>
+
+<file path=ppt/slides/slide30.xml><?xml version="1.0" encoding="utf-8"?>
+<p:sld xmlns:a="http://schemas.openxmlformats.org/drawingml/2006/main" xmlns:r="http://schemas.openxmlformats.org/officeDocument/2006/relationships" xmlns:p="http://schemas.openxmlformats.org/presentationml/2006/main">
+  <p:cSld>
+    <p:spTree>
+      <p:nvGrpSpPr>
+        <p:cNvPr id="1" name=""/>
+        <p:cNvGrpSpPr/>
+        <p:nvPr/>
+      </p:nvGrpSpPr>
+      <p:grpSpPr>
+        <a:xfrm>
+          <a:off x="0" y="0"/>
+          <a:ext cx="0" cy="0"/>
+          <a:chOff x="0" y="0"/>
+          <a:chExt cx="0" cy="0"/>
+        </a:xfrm>
+      </p:grpSpPr>
+      <p:sp>
+        <p:nvSpPr>
+          <p:cNvPr id="2" name="Título 1"/>
+          <p:cNvSpPr>
+            <a:spLocks noGrp="1"/>
+          </p:cNvSpPr>
+          <p:nvPr>
+            <p:ph type="title"/>
+          </p:nvPr>
+        </p:nvSpPr>
+        <p:spPr/>
+        <p:txBody>
+          <a:bodyPr/>
+          <a:lstStyle/>
+          <a:p>
+            <a:r>
+              <a:rPr lang="pt-BR" dirty="0" err="1"/>
+              <a:t>Backlog</a:t>
+            </a:r>
+            <a:r>
+              <a:rPr lang="pt-BR" dirty="0"/>
+              <a:t> da Sprint</a:t>
+            </a:r>
+          </a:p>
+        </p:txBody>
+      </p:sp>
+      <p:sp>
+        <p:nvSpPr>
+          <p:cNvPr id="3" name="Espaço Reservado para Conteúdo 2"/>
+          <p:cNvSpPr>
+            <a:spLocks noGrp="1"/>
+          </p:cNvSpPr>
+          <p:nvPr>
+            <p:ph idx="1"/>
+          </p:nvPr>
+        </p:nvSpPr>
+        <p:spPr/>
+        <p:txBody>
+          <a:bodyPr/>
+          <a:lstStyle/>
+          <a:p>
+            <a:pPr>
+              <a:buFont typeface="Wingdings" panose="05000000000000000000" pitchFamily="2" charset="2"/>
+              <a:buChar char="ü"/>
+            </a:pPr>
+            <a:r>
+              <a:rPr lang="pt-BR" dirty="0"/>
+              <a:t>Exemplo:</a:t>
+            </a:r>
+          </a:p>
+        </p:txBody>
+      </p:sp>
+      <p:pic>
+        <p:nvPicPr>
+          <p:cNvPr id="5" name="Imagem 4"/>
+          <p:cNvPicPr>
+            <a:picLocks noChangeAspect="1"/>
+          </p:cNvPicPr>
+          <p:nvPr/>
+        </p:nvPicPr>
+        <p:blipFill>
+          <a:blip r:embed="rId2"/>
+          <a:stretch>
+            <a:fillRect/>
+          </a:stretch>
+        </p:blipFill>
+        <p:spPr>
+          <a:xfrm>
+            <a:off x="1590828" y="2456671"/>
+            <a:ext cx="5898049" cy="3302907"/>
+          </a:xfrm>
+          <a:prstGeom prst="rect">
+            <a:avLst/>
+          </a:prstGeom>
+        </p:spPr>
+      </p:pic>
+    </p:spTree>
+    <p:extLst>
+      <p:ext uri="{BB962C8B-B14F-4D97-AF65-F5344CB8AC3E}">
+        <p14:creationId xmlns:p14="http://schemas.microsoft.com/office/powerpoint/2010/main" val="2883801537"/>
+      </p:ext>
+    </p:extLst>
+  </p:cSld>
+  <p:clrMapOvr>
+    <a:masterClrMapping/>
+  </p:clrMapOvr>
+</p:sld>
+</file>
+
+<file path=ppt/slides/slide31.xml><?xml version="1.0" encoding="utf-8"?>
+<p:sld xmlns:a="http://schemas.openxmlformats.org/drawingml/2006/main" xmlns:r="http://schemas.openxmlformats.org/officeDocument/2006/relationships" xmlns:p="http://schemas.openxmlformats.org/presentationml/2006/main">
+  <p:cSld>
+    <p:spTree>
+      <p:nvGrpSpPr>
+        <p:cNvPr id="1" name=""/>
+        <p:cNvGrpSpPr/>
+        <p:nvPr/>
+      </p:nvGrpSpPr>
+      <p:grpSpPr>
+        <a:xfrm>
+          <a:off x="0" y="0"/>
+          <a:ext cx="0" cy="0"/>
+          <a:chOff x="0" y="0"/>
+          <a:chExt cx="0" cy="0"/>
+        </a:xfrm>
+      </p:grpSpPr>
+      <p:sp>
+        <p:nvSpPr>
+          <p:cNvPr id="2" name="Título 1"/>
+          <p:cNvSpPr>
+            <a:spLocks noGrp="1"/>
+          </p:cNvSpPr>
+          <p:nvPr>
+            <p:ph type="title"/>
+          </p:nvPr>
+        </p:nvSpPr>
+        <p:spPr/>
+        <p:txBody>
+          <a:bodyPr/>
+          <a:lstStyle/>
+          <a:p>
+            <a:r>
+              <a:rPr lang="pt-BR" dirty="0"/>
+              <a:t>Incremento</a:t>
+            </a:r>
+          </a:p>
+        </p:txBody>
+      </p:sp>
+      <p:sp>
+        <p:nvSpPr>
+          <p:cNvPr id="3" name="Espaço Reservado para Conteúdo 2"/>
+          <p:cNvSpPr>
+            <a:spLocks noGrp="1"/>
+          </p:cNvSpPr>
+          <p:nvPr>
+            <p:ph idx="1"/>
+          </p:nvPr>
+        </p:nvSpPr>
+        <p:spPr/>
+        <p:txBody>
+          <a:bodyPr/>
+          <a:lstStyle/>
+          <a:p>
+            <a:pPr>
+              <a:buFont typeface="Wingdings" panose="05000000000000000000" pitchFamily="2" charset="2"/>
+              <a:buChar char="ü"/>
+            </a:pPr>
+            <a:r>
+              <a:rPr lang="pt-BR" dirty="0"/>
+              <a:t>O incremento é a soma de todos os itens completados do </a:t>
+            </a:r>
+            <a:r>
+              <a:rPr lang="pt-BR" dirty="0" err="1"/>
+              <a:t>Backlog</a:t>
+            </a:r>
+            <a:r>
+              <a:rPr lang="pt-BR" dirty="0"/>
+              <a:t> do Produto;</a:t>
+            </a:r>
+          </a:p>
+          <a:p>
+            <a:pPr>
+              <a:buFont typeface="Wingdings" panose="05000000000000000000" pitchFamily="2" charset="2"/>
+              <a:buChar char="ü"/>
+            </a:pPr>
+            <a:r>
+              <a:rPr lang="pt-BR" dirty="0"/>
+              <a:t>Esse incremento deve ser </a:t>
+            </a:r>
+            <a:r>
+              <a:rPr lang="pt-BR" dirty="0" err="1"/>
+              <a:t>entregável</a:t>
+            </a:r>
+            <a:r>
+              <a:rPr lang="pt-BR" dirty="0"/>
+              <a:t> e utilizável, de maneira que o cliente perceba valor no produto a cada final de Sprint</a:t>
+            </a:r>
+            <a:endParaRPr lang="pt-BR" dirty="0"/>
+          </a:p>
+        </p:txBody>
+      </p:sp>
+    </p:spTree>
+    <p:extLst>
+      <p:ext uri="{BB962C8B-B14F-4D97-AF65-F5344CB8AC3E}">
+        <p14:creationId xmlns:p14="http://schemas.microsoft.com/office/powerpoint/2010/main" val="1966627205"/>
+      </p:ext>
+    </p:extLst>
+  </p:cSld>
+  <p:clrMapOvr>
+    <a:masterClrMapping/>
+  </p:clrMapOvr>
+</p:sld>
+</file>
+
+<file path=ppt/slides/slide32.xml><?xml version="1.0" encoding="utf-8"?>
 <p:sld xmlns:a="http://schemas.openxmlformats.org/drawingml/2006/main" xmlns:r="http://schemas.openxmlformats.org/officeDocument/2006/relationships" xmlns:p="http://schemas.openxmlformats.org/presentationml/2006/main">
   <p:cSld>
     <p:spTree>
@@ -6901,89 +7803,6 @@
         <p14:creationId xmlns:p14="http://schemas.microsoft.com/office/powerpoint/2010/main" val="272705048"/>
       </p:ext>
     </p:extLst>
-  </p:cSld>
-  <p:clrMapOvr>
-    <a:masterClrMapping/>
-  </p:clrMapOvr>
-</p:sld>
-</file>
-
-<file path=ppt/slides/slide3.xml><?xml version="1.0" encoding="utf-8"?>
-<p:sld xmlns:a="http://schemas.openxmlformats.org/drawingml/2006/main" xmlns:r="http://schemas.openxmlformats.org/officeDocument/2006/relationships" xmlns:p="http://schemas.openxmlformats.org/presentationml/2006/main">
-  <p:cSld>
-    <p:spTree>
-      <p:nvGrpSpPr>
-        <p:cNvPr id="1" name=""/>
-        <p:cNvGrpSpPr/>
-        <p:nvPr/>
-      </p:nvGrpSpPr>
-      <p:grpSpPr>
-        <a:xfrm>
-          <a:off x="0" y="0"/>
-          <a:ext cx="0" cy="0"/>
-          <a:chOff x="0" y="0"/>
-          <a:chExt cx="0" cy="0"/>
-        </a:xfrm>
-      </p:grpSpPr>
-      <p:sp>
-        <p:nvSpPr>
-          <p:cNvPr id="2" name="Title 1"/>
-          <p:cNvSpPr>
-            <a:spLocks noGrp="1"/>
-          </p:cNvSpPr>
-          <p:nvPr>
-            <p:ph type="title"/>
-          </p:nvPr>
-        </p:nvSpPr>
-        <p:spPr/>
-        <p:txBody>
-          <a:bodyPr/>
-          <a:lstStyle/>
-          <a:p>
-            <a:r>
-              <a:rPr lang="pt-BR" dirty="0"/>
-              <a:t>Projeto</a:t>
-            </a:r>
-          </a:p>
-        </p:txBody>
-      </p:sp>
-      <p:sp>
-        <p:nvSpPr>
-          <p:cNvPr id="3" name="Content Placeholder 2"/>
-          <p:cNvSpPr>
-            <a:spLocks noGrp="1"/>
-          </p:cNvSpPr>
-          <p:nvPr>
-            <p:ph idx="1"/>
-          </p:nvPr>
-        </p:nvSpPr>
-        <p:spPr/>
-        <p:txBody>
-          <a:bodyPr>
-            <a:normAutofit/>
-          </a:bodyPr>
-          <a:lstStyle/>
-          <a:p>
-            <a:pPr marL="0" indent="0">
-              <a:buNone/>
-            </a:pPr>
-            <a:r>
-              <a:rPr lang="pt-BR" dirty="0"/>
-              <a:t>Refere-se a um “Plano para realização de um ato; desígnio, intenção.”. </a:t>
-            </a:r>
-          </a:p>
-          <a:p>
-            <a:pPr marL="0" indent="0">
-              <a:buNone/>
-            </a:pPr>
-            <a:r>
-              <a:rPr lang="pt-BR" dirty="0"/>
-              <a:t>Para que consigamos atingir um determinado objetivo com eficácia é necessário frequentemente conhecer as alternativas, adaptar a que talvez possa ser a mais condizente e inspecionar para certificar-se que está trilhando a melhor rota.</a:t>
-            </a:r>
-          </a:p>
-        </p:txBody>
-      </p:sp>
-    </p:spTree>
   </p:cSld>
   <p:clrMapOvr>
     <a:masterClrMapping/>

--- a/StartIdea/StartIdea.Docs/Apresentacao.pptx
+++ b/StartIdea/StartIdea.Docs/Apresentacao.pptx
@@ -5,7 +5,7 @@
     <p:sldMasterId id="2147483738" r:id="rId2"/>
   </p:sldMasterIdLst>
   <p:notesMasterIdLst>
-    <p:notesMasterId r:id="rId35"/>
+    <p:notesMasterId r:id="rId41"/>
   </p:notesMasterIdLst>
   <p:sldIdLst>
     <p:sldId id="256" r:id="rId3"/>
@@ -23,23 +23,29 @@
     <p:sldId id="274" r:id="rId15"/>
     <p:sldId id="275" r:id="rId16"/>
     <p:sldId id="264" r:id="rId17"/>
-    <p:sldId id="262" r:id="rId18"/>
-    <p:sldId id="280" r:id="rId19"/>
-    <p:sldId id="282" r:id="rId20"/>
-    <p:sldId id="281" r:id="rId21"/>
-    <p:sldId id="283" r:id="rId22"/>
-    <p:sldId id="287" r:id="rId23"/>
-    <p:sldId id="285" r:id="rId24"/>
-    <p:sldId id="288" r:id="rId25"/>
-    <p:sldId id="289" r:id="rId26"/>
-    <p:sldId id="290" r:id="rId27"/>
-    <p:sldId id="291" r:id="rId28"/>
-    <p:sldId id="292" r:id="rId29"/>
-    <p:sldId id="293" r:id="rId30"/>
-    <p:sldId id="294" r:id="rId31"/>
-    <p:sldId id="295" r:id="rId32"/>
-    <p:sldId id="296" r:id="rId33"/>
-    <p:sldId id="286" r:id="rId34"/>
+    <p:sldId id="303" r:id="rId18"/>
+    <p:sldId id="300" r:id="rId19"/>
+    <p:sldId id="301" r:id="rId20"/>
+    <p:sldId id="302" r:id="rId21"/>
+    <p:sldId id="304" r:id="rId22"/>
+    <p:sldId id="262" r:id="rId23"/>
+    <p:sldId id="280" r:id="rId24"/>
+    <p:sldId id="282" r:id="rId25"/>
+    <p:sldId id="281" r:id="rId26"/>
+    <p:sldId id="283" r:id="rId27"/>
+    <p:sldId id="287" r:id="rId28"/>
+    <p:sldId id="285" r:id="rId29"/>
+    <p:sldId id="288" r:id="rId30"/>
+    <p:sldId id="289" r:id="rId31"/>
+    <p:sldId id="290" r:id="rId32"/>
+    <p:sldId id="291" r:id="rId33"/>
+    <p:sldId id="292" r:id="rId34"/>
+    <p:sldId id="293" r:id="rId35"/>
+    <p:sldId id="294" r:id="rId36"/>
+    <p:sldId id="295" r:id="rId37"/>
+    <p:sldId id="296" r:id="rId38"/>
+    <p:sldId id="286" r:id="rId39"/>
+    <p:sldId id="299" r:id="rId40"/>
   </p:sldIdLst>
   <p:sldSz cx="9144000" cy="6858000" type="screen4x3"/>
   <p:notesSz cx="6858000" cy="9144000"/>
@@ -240,7 +246,7 @@
             <a:fld id="{E28287AA-0D99-42CE-A71B-10FA9908BBF8}" type="datetimeFigureOut">
               <a:rPr lang="pt-BR"/>
               <a:pPr/>
-              <a:t>19/11/2016</a:t>
+              <a:t>20/11/2016</a:t>
             </a:fld>
             <a:endParaRPr lang="pt-BR" dirty="0"/>
           </a:p>
@@ -972,7 +978,7 @@
             <a:fld id="{DCFA480D-CB17-4C49-BB2A-C7514E1C7CEA}" type="datetimeFigureOut">
               <a:rPr lang="pt-BR" smtClean="0"/>
               <a:pPr/>
-              <a:t>19/11/2016</a:t>
+              <a:t>20/11/2016</a:t>
             </a:fld>
             <a:endParaRPr lang="pt-BR" dirty="0"/>
           </a:p>
@@ -1165,7 +1171,7 @@
             <a:fld id="{DCFA480D-CB17-4C49-BB2A-C7514E1C7CEA}" type="datetimeFigureOut">
               <a:rPr lang="pt-BR" smtClean="0"/>
               <a:pPr/>
-              <a:t>19/11/2016</a:t>
+              <a:t>20/11/2016</a:t>
             </a:fld>
             <a:endParaRPr lang="pt-BR" sz="1200" dirty="0">
               <a:solidFill>
@@ -1361,7 +1367,7 @@
             <a:fld id="{DCFA480D-CB17-4C49-BB2A-C7514E1C7CEA}" type="datetimeFigureOut">
               <a:rPr lang="pt-BR" smtClean="0"/>
               <a:pPr/>
-              <a:t>19/11/2016</a:t>
+              <a:t>20/11/2016</a:t>
             </a:fld>
             <a:endParaRPr lang="pt-BR" sz="1200" dirty="0">
               <a:solidFill>
@@ -1547,7 +1553,7 @@
             <a:fld id="{DCFA480D-CB17-4C49-BB2A-C7514E1C7CEA}" type="datetimeFigureOut">
               <a:rPr lang="pt-BR" smtClean="0"/>
               <a:pPr/>
-              <a:t>19/11/2016</a:t>
+              <a:t>20/11/2016</a:t>
             </a:fld>
             <a:endParaRPr lang="pt-BR" dirty="0"/>
           </a:p>
@@ -1806,7 +1812,7 @@
             <a:fld id="{DCFA480D-CB17-4C49-BB2A-C7514E1C7CEA}" type="datetimeFigureOut">
               <a:rPr lang="pt-BR" smtClean="0"/>
               <a:pPr/>
-              <a:t>19/11/2016</a:t>
+              <a:t>20/11/2016</a:t>
             </a:fld>
             <a:endParaRPr lang="pt-BR" dirty="0"/>
           </a:p>
@@ -2096,7 +2102,7 @@
             <a:fld id="{DCFA480D-CB17-4C49-BB2A-C7514E1C7CEA}" type="datetimeFigureOut">
               <a:rPr lang="pt-BR" smtClean="0"/>
               <a:pPr/>
-              <a:t>19/11/2016</a:t>
+              <a:t>20/11/2016</a:t>
             </a:fld>
             <a:endParaRPr lang="pt-BR" dirty="0"/>
           </a:p>
@@ -2536,7 +2542,7 @@
             <a:fld id="{DCFA480D-CB17-4C49-BB2A-C7514E1C7CEA}" type="datetimeFigureOut">
               <a:rPr lang="pt-BR" smtClean="0"/>
               <a:pPr/>
-              <a:t>19/11/2016</a:t>
+              <a:t>20/11/2016</a:t>
             </a:fld>
             <a:endParaRPr lang="pt-BR" dirty="0"/>
           </a:p>
@@ -2656,7 +2662,7 @@
             <a:fld id="{DCFA480D-CB17-4C49-BB2A-C7514E1C7CEA}" type="datetimeFigureOut">
               <a:rPr lang="pt-BR" smtClean="0"/>
               <a:pPr/>
-              <a:t>19/11/2016</a:t>
+              <a:t>20/11/2016</a:t>
             </a:fld>
             <a:endParaRPr lang="pt-BR" dirty="0"/>
           </a:p>
@@ -2753,7 +2759,7 @@
             <a:fld id="{DCFA480D-CB17-4C49-BB2A-C7514E1C7CEA}" type="datetimeFigureOut">
               <a:rPr lang="pt-BR" smtClean="0"/>
               <a:pPr/>
-              <a:t>19/11/2016</a:t>
+              <a:t>20/11/2016</a:t>
             </a:fld>
             <a:endParaRPr lang="pt-BR" sz="1200" dirty="0">
               <a:solidFill>
@@ -3125,7 +3131,7 @@
             <a:fld id="{DCFA480D-CB17-4C49-BB2A-C7514E1C7CEA}" type="datetimeFigureOut">
               <a:rPr lang="pt-BR" smtClean="0"/>
               <a:pPr/>
-              <a:t>19/11/2016</a:t>
+              <a:t>20/11/2016</a:t>
             </a:fld>
             <a:endParaRPr lang="pt-BR" dirty="0"/>
           </a:p>
@@ -3447,7 +3453,7 @@
             <a:fld id="{DCFA480D-CB17-4C49-BB2A-C7514E1C7CEA}" type="datetimeFigureOut">
               <a:rPr lang="pt-BR" smtClean="0"/>
               <a:pPr/>
-              <a:t>19/11/2016</a:t>
+              <a:t>20/11/2016</a:t>
             </a:fld>
             <a:endParaRPr lang="pt-BR" dirty="0"/>
           </a:p>
@@ -3683,7 +3689,7 @@
             <a:fld id="{DCFA480D-CB17-4C49-BB2A-C7514E1C7CEA}" type="datetimeFigureOut">
               <a:rPr lang="pt-BR" smtClean="0"/>
               <a:pPr/>
-              <a:t>19/11/2016</a:t>
+              <a:t>20/11/2016</a:t>
             </a:fld>
             <a:endParaRPr lang="pt-BR" sz="1200" dirty="0">
               <a:solidFill>
@@ -5460,7 +5466,7 @@
           <a:p>
             <a:r>
               <a:rPr lang="pt-BR" dirty="0"/>
-              <a:t>Scrum</a:t>
+              <a:t>Definição do Scrum</a:t>
             </a:r>
           </a:p>
         </p:txBody>
@@ -5482,18 +5488,28 @@
           </a:bodyPr>
           <a:lstStyle/>
           <a:p>
-            <a:pPr marL="0" indent="0">
-              <a:buNone/>
+            <a:pPr>
+              <a:buFont typeface="Wingdings" panose="05000000000000000000" pitchFamily="2" charset="2"/>
+              <a:buChar char="ü"/>
             </a:pPr>
             <a:r>
               <a:rPr lang="pt-BR" dirty="0"/>
-              <a:t>Conjunto de conceitos baseados no manifesto ágil com uma estrutura pré-definida para guiar os envolvidos e comprometidos do projeto melhorando o desempenho com base na adaptação e inspeção.</a:t>
-            </a:r>
-          </a:p>
-          <a:p>
-            <a:pPr marL="0" indent="0">
-              <a:buNone/>
+              <a:t>Um framework dentro do qual pessoas podem tratar e resolver problemas complexos e adaptativos, enquanto produtiva e criativamente entregam produtos com o mais alto valor possível</a:t>
+            </a:r>
+            <a:r>
+              <a:rPr lang="pt-BR" dirty="0"/>
+              <a:t>;</a:t>
+            </a:r>
+          </a:p>
+          <a:p>
+            <a:pPr>
+              <a:buFont typeface="Wingdings" panose="05000000000000000000" pitchFamily="2" charset="2"/>
+              <a:buChar char="ü"/>
             </a:pPr>
+            <a:r>
+              <a:rPr lang="pt-BR" dirty="0"/>
+              <a:t>Quando Jeff Sutherland criou o Scrum em 1993, ele emprestou o termo de uma analogia apresentada em um estudo de 1986 por Takeuchi e Nonaka, publicado na Harvard Business Review. Nesse estudo, Takeuchi e Nonaka comparam equipes multifuncionais, alto desempenho para a formação de Scrum usado pelas equipes de Rugby.</a:t>
+            </a:r>
             <a:endParaRPr lang="pt-BR" dirty="0"/>
           </a:p>
         </p:txBody>
@@ -5530,7 +5546,7 @@
       </p:grpSpPr>
       <p:sp>
         <p:nvSpPr>
-          <p:cNvPr id="3" name="Título 2"/>
+          <p:cNvPr id="2" name="Título 1"/>
           <p:cNvSpPr>
             <a:spLocks noGrp="1"/>
           </p:cNvSpPr>
@@ -5545,14 +5561,14 @@
           <a:p>
             <a:r>
               <a:rPr lang="pt-BR" dirty="0"/>
-              <a:t>Time Scrum</a:t>
-            </a:r>
-          </a:p>
-        </p:txBody>
-      </p:sp>
-      <p:sp>
-        <p:nvSpPr>
-          <p:cNvPr id="2" name="Espaço Reservado para Conteúdo 1"/>
+              <a:t>Teoria do Scrum</a:t>
+            </a:r>
+          </a:p>
+        </p:txBody>
+      </p:sp>
+      <p:sp>
+        <p:nvSpPr>
+          <p:cNvPr id="3" name="Espaço Reservado para Conteúdo 2"/>
           <p:cNvSpPr>
             <a:spLocks noGrp="1"/>
           </p:cNvSpPr>
@@ -5562,9 +5578,7 @@
         </p:nvSpPr>
         <p:spPr/>
         <p:txBody>
-          <a:bodyPr>
-            <a:normAutofit/>
-          </a:bodyPr>
+          <a:bodyPr/>
           <a:lstStyle/>
           <a:p>
             <a:pPr>
@@ -5573,7 +5587,17 @@
             </a:pPr>
             <a:r>
               <a:rPr lang="pt-BR" dirty="0"/>
-              <a:t>Entrega o produto de forma iterativa e incremental, maximizando as oportunidades de realimentação;</a:t>
+              <a:t>Scrum é fundamentado nas teorias empíricas de controle de processo, ou empirismo;</a:t>
+            </a:r>
+          </a:p>
+          <a:p>
+            <a:pPr lvl="2">
+              <a:buFont typeface="Wingdings" panose="05000000000000000000" pitchFamily="2" charset="2"/>
+              <a:buChar char="ü"/>
+            </a:pPr>
+            <a:r>
+              <a:rPr lang="pt-BR" dirty="0"/>
+              <a:t>O empirismo afirma que o conhecimento vem da experiência e de tomada de decisões baseadas no que é conhecido;</a:t>
             </a:r>
           </a:p>
           <a:p>
@@ -5583,15 +5607,26 @@
             </a:pPr>
             <a:r>
               <a:rPr lang="pt-BR" dirty="0"/>
-              <a:t>Composto por: Product Owner, Time de Desenvolvimento e Scrum Master.</a:t>
-            </a:r>
+              <a:t>O Scrum emprega uma abordagem iterativa e incremental para aperfeiçoar a previsibilidade e o controle de riscos;</a:t>
+            </a:r>
+          </a:p>
+          <a:p>
+            <a:pPr>
+              <a:buFont typeface="Wingdings" panose="05000000000000000000" pitchFamily="2" charset="2"/>
+              <a:buChar char="ü"/>
+            </a:pPr>
+            <a:r>
+              <a:rPr lang="pt-BR" dirty="0"/>
+              <a:t>Três pilares apoiam a implementação de controle de processo empírico: transparência, inspeção e adaptação.</a:t>
+            </a:r>
+            <a:endParaRPr lang="pt-BR" dirty="0"/>
           </a:p>
         </p:txBody>
       </p:sp>
     </p:spTree>
     <p:extLst>
       <p:ext uri="{BB962C8B-B14F-4D97-AF65-F5344CB8AC3E}">
-        <p14:creationId xmlns:p14="http://schemas.microsoft.com/office/powerpoint/2010/main" val="3509287758"/>
+        <p14:creationId xmlns:p14="http://schemas.microsoft.com/office/powerpoint/2010/main" val="3220104280"/>
       </p:ext>
     </p:extLst>
   </p:cSld>
@@ -5635,9 +5670,12 @@
           <a:p>
             <a:r>
               <a:rPr lang="en-US" dirty="0"/>
-              <a:t>Product Owner</a:t>
-            </a:r>
-            <a:endParaRPr lang="pt-BR" dirty="0"/>
+              <a:t>Transfer</a:t>
+            </a:r>
+            <a:r>
+              <a:rPr lang="pt-BR" dirty="0"/>
+              <a:t>ência</a:t>
+            </a:r>
           </a:p>
         </p:txBody>
       </p:sp>
@@ -5651,16 +5689,9 @@
             <p:ph idx="1"/>
           </p:nvPr>
         </p:nvSpPr>
-        <p:spPr>
-          <a:xfrm>
-            <a:off x="507206" y="1993393"/>
-            <a:ext cx="8065294" cy="4243919"/>
-          </a:xfrm>
-        </p:spPr>
-        <p:txBody>
-          <a:bodyPr>
-            <a:normAutofit/>
-          </a:bodyPr>
+        <p:spPr/>
+        <p:txBody>
+          <a:bodyPr/>
           <a:lstStyle/>
           <a:p>
             <a:pPr>
@@ -5669,17 +5700,7 @@
             </a:pPr>
             <a:r>
               <a:rPr lang="pt-BR" dirty="0"/>
-              <a:t>Pessoa responsável por gerenciar o Backlog do Produto a fim de maximizar o valor do projeto;</a:t>
-            </a:r>
-          </a:p>
-          <a:p>
-            <a:pPr lvl="2">
-              <a:buFont typeface="Wingdings" panose="05000000000000000000" pitchFamily="2" charset="2"/>
-              <a:buChar char="ü"/>
-            </a:pPr>
-            <a:r>
-              <a:rPr lang="pt-BR" dirty="0"/>
-              <a:t>Ordena por prioridade e esclarece os itens do Backlog do Produto</a:t>
+              <a:t>Aspectos significativos do processo devem estar visíveis aos responsáveis pelos resultados;</a:t>
             </a:r>
           </a:p>
           <a:p>
@@ -5689,54 +5710,16 @@
             </a:pPr>
             <a:r>
               <a:rPr lang="pt-BR" dirty="0"/>
-              <a:t>Pode cancelar uma Sprint;</a:t>
-            </a:r>
-          </a:p>
-          <a:p>
-            <a:pPr>
-              <a:buFont typeface="Wingdings" panose="05000000000000000000" pitchFamily="2" charset="2"/>
-              <a:buChar char="ü"/>
-            </a:pPr>
-            <a:r>
-              <a:rPr lang="pt-BR" dirty="0"/>
-              <a:t>Representa todos os Stakeholders no projeto.</a:t>
-            </a:r>
-          </a:p>
-          <a:p>
-            <a:pPr marL="0" indent="0">
-              <a:buNone/>
-            </a:pPr>
-            <a:endParaRPr lang="en-US" dirty="0"/>
-          </a:p>
-          <a:p>
-            <a:pPr marL="0" indent="0">
-              <a:buNone/>
-            </a:pPr>
-            <a:endParaRPr lang="en-US" dirty="0"/>
-          </a:p>
-          <a:p>
-            <a:pPr marL="0" indent="0">
-              <a:buNone/>
-            </a:pPr>
-            <a:r>
-              <a:rPr lang="en-US" b="1" i="1" dirty="0"/>
-              <a:t>Stakeholder</a:t>
-            </a:r>
-            <a:r>
-              <a:rPr lang="en-US" i="1" dirty="0"/>
-              <a:t>: </a:t>
-            </a:r>
-            <a:r>
-              <a:rPr lang="pt-BR" i="1" dirty="0"/>
-              <a:t>Alguém interessado no projeto, porém não está comprometido diretamente com ele (Ex: Cliente, Acionista, Diretor).</a:t>
-            </a:r>
+              <a:t>Esta transparência requer aspectos definidos por um padrão comum para que os observadores compartilharem um mesmo entendimento do que está sendo visto.</a:t>
+            </a:r>
+            <a:endParaRPr lang="pt-BR" dirty="0"/>
           </a:p>
         </p:txBody>
       </p:sp>
     </p:spTree>
     <p:extLst>
       <p:ext uri="{BB962C8B-B14F-4D97-AF65-F5344CB8AC3E}">
-        <p14:creationId xmlns:p14="http://schemas.microsoft.com/office/powerpoint/2010/main" val="2206234286"/>
+        <p14:creationId xmlns:p14="http://schemas.microsoft.com/office/powerpoint/2010/main" val="1452054897"/>
       </p:ext>
     </p:extLst>
   </p:cSld>
@@ -5779,10 +5762,9 @@
           <a:lstStyle/>
           <a:p>
             <a:r>
-              <a:rPr lang="en-US" dirty="0"/>
-              <a:t>Time de Desenvolvimento</a:t>
-            </a:r>
-            <a:endParaRPr lang="pt-BR" dirty="0"/>
+              <a:rPr lang="pt-BR" dirty="0"/>
+              <a:t>Inspeção</a:t>
+            </a:r>
           </a:p>
         </p:txBody>
       </p:sp>
@@ -5807,7 +5789,7 @@
             </a:pPr>
             <a:r>
               <a:rPr lang="pt-BR" dirty="0"/>
-              <a:t>Grupo de profissionais responsáveis pelo desenvolvimento do potencial incremento que será entregue a cada Sprint;</a:t>
+              <a:t>Devem ser inspecionados frequentemente os vários aspectos do processo para identificar variações inaceitáveis;</a:t>
             </a:r>
           </a:p>
           <a:p>
@@ -5817,7 +5799,7 @@
             </a:pPr>
             <a:r>
               <a:rPr lang="pt-BR" dirty="0"/>
-              <a:t>São auto organizáveis e multifuncionais;</a:t>
+              <a:t>A frequência da inspeção deve levar em consideração que os processos são alterados pelo próprio ato de inspeção, por isso deve ficar atento para que não exceda o limite e chega a atrapalhar a própria execução do processo;</a:t>
             </a:r>
           </a:p>
           <a:p>
@@ -5827,15 +5809,16 @@
             </a:pPr>
             <a:r>
               <a:rPr lang="pt-BR" dirty="0"/>
-              <a:t>Composto entre 3 a 9 integrantes.</a:t>
-            </a:r>
+              <a:t>O inspetor deve possuir as competências para avaliar o que ele ou ela está inspecionando.</a:t>
+            </a:r>
+            <a:endParaRPr lang="pt-BR" dirty="0"/>
           </a:p>
         </p:txBody>
       </p:sp>
     </p:spTree>
     <p:extLst>
       <p:ext uri="{BB962C8B-B14F-4D97-AF65-F5344CB8AC3E}">
-        <p14:creationId xmlns:p14="http://schemas.microsoft.com/office/powerpoint/2010/main" val="3008020100"/>
+        <p14:creationId xmlns:p14="http://schemas.microsoft.com/office/powerpoint/2010/main" val="3672092319"/>
       </p:ext>
     </p:extLst>
   </p:cSld>
@@ -5878,10 +5861,9 @@
           <a:lstStyle/>
           <a:p>
             <a:r>
-              <a:rPr lang="en-US" dirty="0"/>
-              <a:t>Scrum Master</a:t>
-            </a:r>
-            <a:endParaRPr lang="pt-BR" dirty="0"/>
+              <a:rPr lang="pt-BR" dirty="0"/>
+              <a:t>Adaptação</a:t>
+            </a:r>
           </a:p>
         </p:txBody>
       </p:sp>
@@ -5906,7 +5888,7 @@
             </a:pPr>
             <a:r>
               <a:rPr lang="pt-BR" dirty="0"/>
-              <a:t>Pessoa responsável por garantir que o Scrum seja compreendido por todos, fazendo com que aderem a teoria, praticas e regras do Scrum;</a:t>
+              <a:t>Uma vez passado pelo processo de inspeção o consequentemente o resultado levará a uma adaptação visando melhorar o processo;</a:t>
             </a:r>
           </a:p>
           <a:p>
@@ -5916,27 +5898,7 @@
             </a:pPr>
             <a:r>
               <a:rPr lang="pt-BR" dirty="0"/>
-              <a:t>Facilitador e potencializador do trabalho do Time Scrum;</a:t>
-            </a:r>
-          </a:p>
-          <a:p>
-            <a:pPr lvl="2">
-              <a:buFont typeface="Wingdings" panose="05000000000000000000" pitchFamily="2" charset="2"/>
-              <a:buChar char="ü"/>
-            </a:pPr>
-            <a:r>
-              <a:rPr lang="pt-BR" dirty="0"/>
-              <a:t>Remove quaisquer impedimentos para o progresso</a:t>
-            </a:r>
-          </a:p>
-          <a:p>
-            <a:pPr lvl="2">
-              <a:buFont typeface="Wingdings" panose="05000000000000000000" pitchFamily="2" charset="2"/>
-              <a:buChar char="ü"/>
-            </a:pPr>
-            <a:r>
-              <a:rPr lang="pt-BR" dirty="0"/>
-              <a:t>Agenda e conduz reuniões</a:t>
+              <a:t>O ajuste deve ser realizado o mais breve possível para minimizar mais desvios.</a:t>
             </a:r>
           </a:p>
           <a:p>
@@ -5944,26 +5906,6 @@
               <a:buFont typeface="Wingdings" panose="05000000000000000000" pitchFamily="2" charset="2"/>
               <a:buChar char="ü"/>
             </a:pPr>
-            <a:r>
-              <a:rPr lang="pt-BR" dirty="0"/>
-              <a:t>Protege o Time Scrum.</a:t>
-            </a:r>
-          </a:p>
-          <a:p>
-            <a:pPr lvl="2">
-              <a:buFont typeface="Wingdings" panose="05000000000000000000" pitchFamily="2" charset="2"/>
-              <a:buChar char="ü"/>
-            </a:pPr>
-            <a:r>
-              <a:rPr lang="pt-BR" dirty="0"/>
-              <a:t>Ajuda aqueles que estão fora a entender quais as interações com o Time Scrum são úteis</a:t>
-            </a:r>
-          </a:p>
-          <a:p>
-            <a:pPr lvl="2">
-              <a:buFont typeface="Wingdings" panose="05000000000000000000" pitchFamily="2" charset="2"/>
-              <a:buChar char="ü"/>
-            </a:pPr>
             <a:endParaRPr lang="pt-BR" dirty="0"/>
           </a:p>
         </p:txBody>
@@ -5971,7 +5913,7 @@
     </p:spTree>
     <p:extLst>
       <p:ext uri="{BB962C8B-B14F-4D97-AF65-F5344CB8AC3E}">
-        <p14:creationId xmlns:p14="http://schemas.microsoft.com/office/powerpoint/2010/main" val="4155157275"/>
+        <p14:creationId xmlns:p14="http://schemas.microsoft.com/office/powerpoint/2010/main" val="3000532631"/>
       </p:ext>
     </p:extLst>
   </p:cSld>
@@ -6085,10 +6027,9 @@
           <a:lstStyle/>
           <a:p>
             <a:r>
-              <a:rPr lang="en-US" dirty="0"/>
-              <a:t>Eventos Scrum</a:t>
-            </a:r>
-            <a:endParaRPr lang="pt-BR" dirty="0"/>
+              <a:rPr lang="pt-BR" dirty="0"/>
+              <a:t>Valores do Scrum</a:t>
+            </a:r>
           </a:p>
         </p:txBody>
       </p:sp>
@@ -6113,7 +6054,7 @@
             </a:pPr>
             <a:r>
               <a:rPr lang="pt-BR" dirty="0"/>
-              <a:t>São usados no Scrum para criar uma rotina;</a:t>
+              <a:t>Como um framework para desenvolvimento ágil o Scrum é consistente com os valores do manifesto ágil;</a:t>
             </a:r>
           </a:p>
           <a:p>
@@ -6123,7 +6064,7 @@
             </a:pPr>
             <a:r>
               <a:rPr lang="pt-BR" dirty="0"/>
-              <a:t>Todos os eventos possuem um tempo máximo pré-determinado para sua realização (time-boxed);</a:t>
+              <a:t>Foco, coragem, franqueza, comprometimento e respeito é essencial para a saúde e o sucesso de todo processo</a:t>
             </a:r>
           </a:p>
           <a:p>
@@ -6133,24 +6074,40 @@
             </a:pPr>
             <a:r>
               <a:rPr lang="pt-BR" dirty="0"/>
-              <a:t>São eventos: Sprint, Reunião de Planejamento da Sprint, Reunião Diária, Revisão da Sprint e Retrospectiva da Sprint;</a:t>
-            </a:r>
-          </a:p>
-          <a:p>
-            <a:pPr>
-              <a:buFont typeface="Wingdings" panose="05000000000000000000" pitchFamily="2" charset="2"/>
-              <a:buChar char="ü"/>
-            </a:pPr>
-            <a:r>
-              <a:rPr lang="pt-BR" dirty="0"/>
-              <a:t>A não inclusão de qualquer um dos eventos resultará na redução da transparência e da perda de oportunidade para inspecionar e adaptar.</a:t>
-            </a:r>
-          </a:p>
-          <a:p>
-            <a:pPr>
-              <a:buFont typeface="Wingdings" panose="05000000000000000000" pitchFamily="2" charset="2"/>
-              <a:buChar char="ü"/>
-            </a:pPr>
+              <a:t>Baseia-se no sistema Toyota de produção desenvolvido por </a:t>
+            </a:r>
+            <a:r>
+              <a:rPr lang="pt-BR" dirty="0" err="1"/>
+              <a:t>Taiichi</a:t>
+            </a:r>
+            <a:r>
+              <a:rPr lang="pt-BR" dirty="0"/>
+              <a:t> </a:t>
+            </a:r>
+            <a:r>
+              <a:rPr lang="pt-BR" dirty="0" err="1"/>
+              <a:t>Ohno</a:t>
+            </a:r>
+            <a:r>
+              <a:rPr lang="pt-BR" dirty="0"/>
+              <a:t> e no ciclo OODA (Observe, </a:t>
+            </a:r>
+            <a:r>
+              <a:rPr lang="pt-BR" dirty="0" err="1"/>
+              <a:t>Orient</a:t>
+            </a:r>
+            <a:r>
+              <a:rPr lang="pt-BR" dirty="0"/>
+              <a:t>, Decide, </a:t>
+            </a:r>
+            <a:r>
+              <a:rPr lang="pt-BR" dirty="0" err="1"/>
+              <a:t>Act</a:t>
+            </a:r>
+            <a:r>
+              <a:rPr lang="pt-BR" dirty="0"/>
+              <a:t>) da aviação de combate.</a:t>
+            </a:r>
             <a:endParaRPr lang="pt-BR" dirty="0"/>
           </a:p>
         </p:txBody>
@@ -6158,7 +6115,7 @@
     </p:spTree>
     <p:extLst>
       <p:ext uri="{BB962C8B-B14F-4D97-AF65-F5344CB8AC3E}">
-        <p14:creationId xmlns:p14="http://schemas.microsoft.com/office/powerpoint/2010/main" val="2460374621"/>
+        <p14:creationId xmlns:p14="http://schemas.microsoft.com/office/powerpoint/2010/main" val="1785062720"/>
       </p:ext>
     </p:extLst>
   </p:cSld>
@@ -6187,7 +6144,7 @@
       </p:grpSpPr>
       <p:sp>
         <p:nvSpPr>
-          <p:cNvPr id="2" name="Título 1"/>
+          <p:cNvPr id="3" name="Título 2"/>
           <p:cNvSpPr>
             <a:spLocks noGrp="1"/>
           </p:cNvSpPr>
@@ -6202,14 +6159,14 @@
           <a:p>
             <a:r>
               <a:rPr lang="pt-BR" dirty="0"/>
-              <a:t>Sprint</a:t>
-            </a:r>
-          </a:p>
-        </p:txBody>
-      </p:sp>
-      <p:sp>
-        <p:nvSpPr>
-          <p:cNvPr id="3" name="Espaço Reservado para Conteúdo 2"/>
+              <a:t>Time Scrum</a:t>
+            </a:r>
+          </a:p>
+        </p:txBody>
+      </p:sp>
+      <p:sp>
+        <p:nvSpPr>
+          <p:cNvPr id="2" name="Espaço Reservado para Conteúdo 1"/>
           <p:cNvSpPr>
             <a:spLocks noGrp="1"/>
           </p:cNvSpPr>
@@ -6219,7 +6176,9 @@
         </p:nvSpPr>
         <p:spPr/>
         <p:txBody>
-          <a:bodyPr/>
+          <a:bodyPr>
+            <a:normAutofit/>
+          </a:bodyPr>
           <a:lstStyle/>
           <a:p>
             <a:pPr>
@@ -6228,7 +6187,7 @@
             </a:pPr>
             <a:r>
               <a:rPr lang="pt-BR" dirty="0"/>
-              <a:t>Coração do Scrum, ou seja, contém todos os elementos do Scrum;</a:t>
+              <a:t>Entrega o produto de forma iterativa e incremental, maximizando as oportunidades de realimentação;</a:t>
             </a:r>
           </a:p>
           <a:p>
@@ -6238,27 +6197,7 @@
             </a:pPr>
             <a:r>
               <a:rPr lang="pt-BR" dirty="0"/>
-              <a:t>O objetivo é ter uma interação curta o suficiente para manter o time focado, mas tempo suficiente para entregar um incremento significativo do trabalho;</a:t>
-            </a:r>
-          </a:p>
-          <a:p>
-            <a:pPr lvl="2">
-              <a:buFont typeface="Wingdings" panose="05000000000000000000" pitchFamily="2" charset="2"/>
-              <a:buChar char="ü"/>
-            </a:pPr>
-            <a:r>
-              <a:rPr lang="pt-BR" dirty="0"/>
-              <a:t>Duração de máxima de um mês, e hoje comumente usada pelos times entre uma ou duas semanas</a:t>
-            </a:r>
-          </a:p>
-          <a:p>
-            <a:pPr>
-              <a:buFont typeface="Wingdings" panose="05000000000000000000" pitchFamily="2" charset="2"/>
-              <a:buChar char="ü"/>
-            </a:pPr>
-            <a:r>
-              <a:rPr lang="pt-BR" dirty="0"/>
-              <a:t>Cancelamento só pode ser feito pelo Product Owner.</a:t>
+              <a:t>Composto por: Product Owner, Time de Desenvolvimento e Scrum Master.</a:t>
             </a:r>
           </a:p>
         </p:txBody>
@@ -6266,7 +6205,7 @@
     </p:spTree>
     <p:extLst>
       <p:ext uri="{BB962C8B-B14F-4D97-AF65-F5344CB8AC3E}">
-        <p14:creationId xmlns:p14="http://schemas.microsoft.com/office/powerpoint/2010/main" val="2561348211"/>
+        <p14:creationId xmlns:p14="http://schemas.microsoft.com/office/powerpoint/2010/main" val="3509287758"/>
       </p:ext>
     </p:extLst>
   </p:cSld>
@@ -6303,42 +6242,38 @@
             <p:ph type="title"/>
           </p:nvPr>
         </p:nvSpPr>
+        <p:spPr/>
+        <p:txBody>
+          <a:bodyPr/>
+          <a:lstStyle/>
+          <a:p>
+            <a:r>
+              <a:rPr lang="en-US" dirty="0"/>
+              <a:t>Product Owner</a:t>
+            </a:r>
+            <a:endParaRPr lang="pt-BR" dirty="0"/>
+          </a:p>
+        </p:txBody>
+      </p:sp>
+      <p:sp>
+        <p:nvSpPr>
+          <p:cNvPr id="3" name="Espaço Reservado para Conteúdo 2"/>
+          <p:cNvSpPr>
+            <a:spLocks noGrp="1"/>
+          </p:cNvSpPr>
+          <p:nvPr>
+            <p:ph idx="1"/>
+          </p:nvPr>
+        </p:nvSpPr>
         <p:spPr>
           <a:xfrm>
-            <a:off x="492919" y="499533"/>
-            <a:ext cx="8079581" cy="913243"/>
+            <a:off x="507206" y="1993393"/>
+            <a:ext cx="8065294" cy="4243919"/>
           </a:xfrm>
         </p:spPr>
         <p:txBody>
-          <a:bodyPr/>
-          <a:lstStyle/>
-          <a:p>
-            <a:r>
-              <a:rPr lang="pt-BR" dirty="0"/>
-              <a:t>Reunião de Planejamento</a:t>
-            </a:r>
-          </a:p>
-        </p:txBody>
-      </p:sp>
-      <p:sp>
-        <p:nvSpPr>
-          <p:cNvPr id="3" name="Espaço Reservado para Conteúdo 2"/>
-          <p:cNvSpPr>
-            <a:spLocks noGrp="1"/>
-          </p:cNvSpPr>
-          <p:nvPr>
-            <p:ph idx="1"/>
-          </p:nvPr>
-        </p:nvSpPr>
-        <p:spPr>
-          <a:xfrm>
-            <a:off x="507206" y="1556792"/>
-            <a:ext cx="8065294" cy="4824536"/>
-          </a:xfrm>
-        </p:spPr>
-        <p:txBody>
           <a:bodyPr>
-            <a:normAutofit fontScale="92500" lnSpcReduction="10000"/>
+            <a:normAutofit/>
           </a:bodyPr>
           <a:lstStyle/>
           <a:p>
@@ -6348,7 +6283,17 @@
             </a:pPr>
             <a:r>
               <a:rPr lang="pt-BR" dirty="0"/>
-              <a:t>Reunião na qual estão presentes o Time Scrum e Stakeholders convidados;</a:t>
+              <a:t>Pessoa responsável por gerenciar o Backlog do Produto a fim de maximizar o valor do projeto;</a:t>
+            </a:r>
+          </a:p>
+          <a:p>
+            <a:pPr lvl="2">
+              <a:buFont typeface="Wingdings" panose="05000000000000000000" pitchFamily="2" charset="2"/>
+              <a:buChar char="ü"/>
+            </a:pPr>
+            <a:r>
+              <a:rPr lang="pt-BR" dirty="0"/>
+              <a:t>Ordena por prioridade e esclarece os itens do Backlog do Produto</a:t>
             </a:r>
           </a:p>
           <a:p>
@@ -6358,17 +6303,7 @@
             </a:pPr>
             <a:r>
               <a:rPr lang="pt-BR" dirty="0"/>
-              <a:t>Duração de acordo com o tamanho da Sprint;</a:t>
-            </a:r>
-          </a:p>
-          <a:p>
-            <a:pPr lvl="2">
-              <a:buFont typeface="Wingdings" panose="05000000000000000000" pitchFamily="2" charset="2"/>
-              <a:buChar char="ü"/>
-            </a:pPr>
-            <a:r>
-              <a:rPr lang="pt-BR" dirty="0"/>
-              <a:t>Time-box com no máximo 8 horas para uma Sprint de um mês</a:t>
+              <a:t>Pode cancelar uma Sprint;</a:t>
             </a:r>
           </a:p>
           <a:p>
@@ -6378,37 +6313,36 @@
             </a:pPr>
             <a:r>
               <a:rPr lang="pt-BR" dirty="0"/>
-              <a:t>O Scrum Master garante que o evento ocorra e que os participantes entendam seu propósito;</a:t>
-            </a:r>
-          </a:p>
-          <a:p>
-            <a:pPr>
-              <a:buFont typeface="Wingdings" panose="05000000000000000000" pitchFamily="2" charset="2"/>
-              <a:buChar char="ü"/>
+              <a:t>Representa todos os Stakeholders no projeto.</a:t>
+            </a:r>
+          </a:p>
+          <a:p>
+            <a:pPr marL="0" indent="0">
+              <a:buNone/>
             </a:pPr>
-            <a:r>
-              <a:rPr lang="pt-BR" dirty="0"/>
-              <a:t>Normalmente dividida em 2 partes:</a:t>
-            </a:r>
-          </a:p>
-          <a:p>
-            <a:pPr lvl="2">
-              <a:buFont typeface="Wingdings" panose="05000000000000000000" pitchFamily="2" charset="2"/>
-              <a:buChar char="ü"/>
+            <a:endParaRPr lang="en-US" dirty="0"/>
+          </a:p>
+          <a:p>
+            <a:pPr marL="0" indent="0">
+              <a:buNone/>
             </a:pPr>
-            <a:r>
-              <a:rPr lang="pt-BR" dirty="0"/>
-              <a:t>1ª parte: O Product Owner apresenta o Backlog do Produto, descreve o que ele deseja ver construído e esclarece dúvidas. Ao final o time seleciona os itens do Backlog do Produto e define o Sprint Goal (Objetivo) juntamente com o Product Owner</a:t>
-            </a:r>
-          </a:p>
-          <a:p>
-            <a:pPr lvl="2">
-              <a:buFont typeface="Wingdings" panose="05000000000000000000" pitchFamily="2" charset="2"/>
-              <a:buChar char="ü"/>
+            <a:endParaRPr lang="en-US" dirty="0"/>
+          </a:p>
+          <a:p>
+            <a:pPr marL="0" indent="0">
+              <a:buNone/>
             </a:pPr>
             <a:r>
-              <a:rPr lang="pt-BR" dirty="0"/>
-              <a:t>2ª parte: O Time de Desenvolvimento decide como irá construir essas funcionalidades durante a Sprint e transformá-las em um incremento de produto “Pronto”. Os itens de Backlog do Produto selecionados para a Sprint, junto com o plano de entrega destes itens é chamado de Backlog da Sprint</a:t>
+              <a:rPr lang="en-US" b="1" i="1" dirty="0"/>
+              <a:t>Stakeholder</a:t>
+            </a:r>
+            <a:r>
+              <a:rPr lang="en-US" i="1" dirty="0"/>
+              <a:t>: </a:t>
+            </a:r>
+            <a:r>
+              <a:rPr lang="pt-BR" i="1" dirty="0"/>
+              <a:t>Alguém interessado no projeto, porém não está comprometido diretamente com ele (Ex: Cliente, Acionista, Diretor).</a:t>
             </a:r>
           </a:p>
         </p:txBody>
@@ -6416,7 +6350,7 @@
     </p:spTree>
     <p:extLst>
       <p:ext uri="{BB962C8B-B14F-4D97-AF65-F5344CB8AC3E}">
-        <p14:creationId xmlns:p14="http://schemas.microsoft.com/office/powerpoint/2010/main" val="1897746889"/>
+        <p14:creationId xmlns:p14="http://schemas.microsoft.com/office/powerpoint/2010/main" val="2206234286"/>
       </p:ext>
     </p:extLst>
   </p:cSld>
@@ -6453,20 +6387,16 @@
             <p:ph type="title"/>
           </p:nvPr>
         </p:nvSpPr>
-        <p:spPr>
-          <a:xfrm>
-            <a:off x="492919" y="499533"/>
-            <a:ext cx="8079581" cy="1057259"/>
-          </a:xfrm>
-        </p:spPr>
-        <p:txBody>
-          <a:bodyPr/>
-          <a:lstStyle/>
-          <a:p>
-            <a:r>
-              <a:rPr lang="pt-BR" dirty="0"/>
-              <a:t>Reunião Diária</a:t>
-            </a:r>
+        <p:spPr/>
+        <p:txBody>
+          <a:bodyPr/>
+          <a:lstStyle/>
+          <a:p>
+            <a:r>
+              <a:rPr lang="en-US" dirty="0"/>
+              <a:t>Time de Desenvolvimento</a:t>
+            </a:r>
+            <a:endParaRPr lang="pt-BR" dirty="0"/>
           </a:p>
         </p:txBody>
       </p:sp>
@@ -6480,16 +6410,9 @@
             <p:ph idx="1"/>
           </p:nvPr>
         </p:nvSpPr>
-        <p:spPr>
-          <a:xfrm>
-            <a:off x="507206" y="1556792"/>
-            <a:ext cx="8065294" cy="4896545"/>
-          </a:xfrm>
-        </p:spPr>
-        <p:txBody>
-          <a:bodyPr>
-            <a:normAutofit/>
-          </a:bodyPr>
+        <p:spPr/>
+        <p:txBody>
+          <a:bodyPr/>
           <a:lstStyle/>
           <a:p>
             <a:pPr>
@@ -6498,7 +6421,7 @@
             </a:pPr>
             <a:r>
               <a:rPr lang="pt-BR" dirty="0"/>
-              <a:t>Chamada também de “Daily Scrum” é composta pelo Scrum Master e o Time de Desenvolvimento;</a:t>
+              <a:t>Grupo de profissionais responsáveis pelo desenvolvimento do potencial incremento que será entregue a cada Sprint;</a:t>
             </a:r>
           </a:p>
           <a:p>
@@ -6508,7 +6431,7 @@
             </a:pPr>
             <a:r>
               <a:rPr lang="pt-BR" dirty="0"/>
-              <a:t>São realizadas sempre no mesmo lugar e na mesma hora definida, com duração máxima de 15 minutos;</a:t>
+              <a:t>São auto organizáveis e multifuncionais;</a:t>
             </a:r>
           </a:p>
           <a:p>
@@ -6518,47 +6441,7 @@
             </a:pPr>
             <a:r>
               <a:rPr lang="pt-BR" dirty="0"/>
-              <a:t>Cada integrante do time deverá responder três perguntas:</a:t>
-            </a:r>
-          </a:p>
-          <a:p>
-            <a:pPr lvl="2">
-              <a:buFont typeface="Wingdings" panose="05000000000000000000" pitchFamily="2" charset="2"/>
-              <a:buChar char="ü"/>
-            </a:pPr>
-            <a:r>
-              <a:rPr lang="pt-BR" dirty="0"/>
-              <a:t>O que eu fiz ontem que ajudou o Time de Desenvolvimento a atender a meta da Sprint?</a:t>
-            </a:r>
-          </a:p>
-          <a:p>
-            <a:pPr lvl="2">
-              <a:buFont typeface="Wingdings" panose="05000000000000000000" pitchFamily="2" charset="2"/>
-              <a:buChar char="ü"/>
-            </a:pPr>
-            <a:r>
-              <a:rPr lang="pt-BR" dirty="0"/>
-              <a:t>O que eu farei hoje para ajudar o Time de Desenvolvimento atender a meta da Sprint?</a:t>
-            </a:r>
-          </a:p>
-          <a:p>
-            <a:pPr lvl="2">
-              <a:buFont typeface="Wingdings" panose="05000000000000000000" pitchFamily="2" charset="2"/>
-              <a:buChar char="ü"/>
-            </a:pPr>
-            <a:r>
-              <a:rPr lang="pt-BR" dirty="0"/>
-              <a:t>Eu vejo algum obstáculo que impeça a mim ou o Time de Desenvolvimento no atendimento da meta da Sprint?</a:t>
-            </a:r>
-          </a:p>
-          <a:p>
-            <a:pPr>
-              <a:buFont typeface="Wingdings" panose="05000000000000000000" pitchFamily="2" charset="2"/>
-              <a:buChar char="ü"/>
-            </a:pPr>
-            <a:r>
-              <a:rPr lang="pt-BR" dirty="0"/>
-              <a:t>Os impedimentos identificados no Daily Scrum devem ser tratados pelo Scrum Master o mais rapidamente possível.</a:t>
+              <a:t>Composto entre 3 a 9 integrantes.</a:t>
             </a:r>
           </a:p>
         </p:txBody>
@@ -6566,7 +6449,7 @@
     </p:spTree>
     <p:extLst>
       <p:ext uri="{BB962C8B-B14F-4D97-AF65-F5344CB8AC3E}">
-        <p14:creationId xmlns:p14="http://schemas.microsoft.com/office/powerpoint/2010/main" val="1842161956"/>
+        <p14:creationId xmlns:p14="http://schemas.microsoft.com/office/powerpoint/2010/main" val="3008020100"/>
       </p:ext>
     </p:extLst>
   </p:cSld>
@@ -6609,9 +6492,10 @@
           <a:lstStyle/>
           <a:p>
             <a:r>
-              <a:rPr lang="pt-BR" dirty="0"/>
-              <a:t>Reunião de Revisão</a:t>
-            </a:r>
+              <a:rPr lang="en-US" dirty="0"/>
+              <a:t>Scrum Master</a:t>
+            </a:r>
+            <a:endParaRPr lang="pt-BR" dirty="0"/>
           </a:p>
         </p:txBody>
       </p:sp>
@@ -6625,16 +6509,9 @@
             <p:ph idx="1"/>
           </p:nvPr>
         </p:nvSpPr>
-        <p:spPr>
-          <a:xfrm>
-            <a:off x="507206" y="1993393"/>
-            <a:ext cx="8065294" cy="4315927"/>
-          </a:xfrm>
-        </p:spPr>
-        <p:txBody>
-          <a:bodyPr>
-            <a:normAutofit/>
-          </a:bodyPr>
+        <p:spPr/>
+        <p:txBody>
+          <a:bodyPr/>
           <a:lstStyle/>
           <a:p>
             <a:pPr>
@@ -6643,7 +6520,7 @@
             </a:pPr>
             <a:r>
               <a:rPr lang="pt-BR" dirty="0"/>
-              <a:t>É uma reunião informal composta pelo Time Scrum e Stakeholders convidados;</a:t>
+              <a:t>Pessoa responsável por garantir que o Scrum seja compreendido por todos, fazendo com que aderem a teoria, praticas e regras do Scrum;</a:t>
             </a:r>
           </a:p>
           <a:p>
@@ -6653,7 +6530,7 @@
             </a:pPr>
             <a:r>
               <a:rPr lang="pt-BR" dirty="0"/>
-              <a:t>Realizada no final da Sprint com duração de acordo com o tamanho da Sprint;</a:t>
+              <a:t>Facilitador e potencializador do trabalho do Time Scrum;</a:t>
             </a:r>
           </a:p>
           <a:p>
@@ -6663,7 +6540,17 @@
             </a:pPr>
             <a:r>
               <a:rPr lang="pt-BR" dirty="0"/>
-              <a:t>Time-box com no máximo 4 horas para uma Sprint de um mês</a:t>
+              <a:t>Remove quaisquer impedimentos para o progresso</a:t>
+            </a:r>
+          </a:p>
+          <a:p>
+            <a:pPr lvl="2">
+              <a:buFont typeface="Wingdings" panose="05000000000000000000" pitchFamily="2" charset="2"/>
+              <a:buChar char="ü"/>
+            </a:pPr>
+            <a:r>
+              <a:rPr lang="pt-BR" dirty="0"/>
+              <a:t>Agenda e conduz reuniões</a:t>
             </a:r>
           </a:p>
           <a:p>
@@ -6673,25 +6560,32 @@
             </a:pPr>
             <a:r>
               <a:rPr lang="pt-BR" dirty="0"/>
-              <a:t> Tem como objetivo inspecionar o incremento e adaptar o Backlog do Produto se necessário;</a:t>
-            </a:r>
-          </a:p>
-          <a:p>
-            <a:pPr>
+              <a:t>Protege o Time Scrum.</a:t>
+            </a:r>
+          </a:p>
+          <a:p>
+            <a:pPr lvl="2">
               <a:buFont typeface="Wingdings" panose="05000000000000000000" pitchFamily="2" charset="2"/>
               <a:buChar char="ü"/>
             </a:pPr>
             <a:r>
               <a:rPr lang="pt-BR" dirty="0"/>
-              <a:t>Durante essa reunião o Time de Desenvolvimento mostra quais itens do Backlog do Produto que eles concluíram durante a Sprint. Isso pode ocorrer sob a forma uma demo das novas funcionalidades.</a:t>
-            </a:r>
+              <a:t>Ajuda aqueles que estão fora a entender quais as interações com o Time Scrum são úteis</a:t>
+            </a:r>
+          </a:p>
+          <a:p>
+            <a:pPr lvl="2">
+              <a:buFont typeface="Wingdings" panose="05000000000000000000" pitchFamily="2" charset="2"/>
+              <a:buChar char="ü"/>
+            </a:pPr>
+            <a:endParaRPr lang="pt-BR" dirty="0"/>
           </a:p>
         </p:txBody>
       </p:sp>
     </p:spTree>
     <p:extLst>
       <p:ext uri="{BB962C8B-B14F-4D97-AF65-F5344CB8AC3E}">
-        <p14:creationId xmlns:p14="http://schemas.microsoft.com/office/powerpoint/2010/main" val="3480910473"/>
+        <p14:creationId xmlns:p14="http://schemas.microsoft.com/office/powerpoint/2010/main" val="4155157275"/>
       </p:ext>
     </p:extLst>
   </p:cSld>
@@ -6734,9 +6628,10 @@
           <a:lstStyle/>
           <a:p>
             <a:r>
-              <a:rPr lang="pt-BR" dirty="0"/>
-              <a:t>Reunião de Retrospectiva</a:t>
-            </a:r>
+              <a:rPr lang="en-US" dirty="0"/>
+              <a:t>Eventos Scrum</a:t>
+            </a:r>
+            <a:endParaRPr lang="pt-BR" dirty="0"/>
           </a:p>
         </p:txBody>
       </p:sp>
@@ -6761,17 +6656,7 @@
             </a:pPr>
             <a:r>
               <a:rPr lang="pt-BR" dirty="0"/>
-              <a:t>Composta apenas pelo Time Scrum deve ser time-boxed (por exemplo, 3 horas);</a:t>
-            </a:r>
-          </a:p>
-          <a:p>
-            <a:pPr lvl="2">
-              <a:buFont typeface="Wingdings" panose="05000000000000000000" pitchFamily="2" charset="2"/>
-              <a:buChar char="ü"/>
-            </a:pPr>
-            <a:r>
-              <a:rPr lang="pt-BR" dirty="0"/>
-              <a:t>Realizada após a reunião de revisão.</a:t>
+              <a:t>São usados no Scrum para criar uma rotina;</a:t>
             </a:r>
           </a:p>
           <a:p>
@@ -6781,17 +6666,27 @@
             </a:pPr>
             <a:r>
               <a:rPr lang="pt-BR" dirty="0"/>
-              <a:t>É uma oportunidade para o Time Scrum inspecionar a si próprio e criar um plano para melhorias a serem aplicadas na próxima Sprint;</a:t>
-            </a:r>
-          </a:p>
-          <a:p>
-            <a:pPr lvl="2">
+              <a:t>Todos os eventos possuem um tempo máximo pré-determinado para sua realização (time-boxed);</a:t>
+            </a:r>
+          </a:p>
+          <a:p>
+            <a:pPr>
               <a:buFont typeface="Wingdings" panose="05000000000000000000" pitchFamily="2" charset="2"/>
               <a:buChar char="ü"/>
             </a:pPr>
             <a:r>
               <a:rPr lang="pt-BR" dirty="0"/>
-              <a:t>O que ocorreu bem durante a Sprint, o que não e que melhorias poderiam ser feitas na próxima Sprint</a:t>
+              <a:t>São eventos: Sprint, Reunião de Planejamento da Sprint, Reunião Diária, Revisão da Sprint e Retrospectiva da Sprint;</a:t>
+            </a:r>
+          </a:p>
+          <a:p>
+            <a:pPr>
+              <a:buFont typeface="Wingdings" panose="05000000000000000000" pitchFamily="2" charset="2"/>
+              <a:buChar char="ü"/>
+            </a:pPr>
+            <a:r>
+              <a:rPr lang="pt-BR" dirty="0"/>
+              <a:t>A não inclusão de qualquer um dos eventos resultará na redução da transparência e da perda de oportunidade para inspecionar e adaptar.</a:t>
             </a:r>
           </a:p>
           <a:p>
@@ -6806,7 +6701,7 @@
     </p:spTree>
     <p:extLst>
       <p:ext uri="{BB962C8B-B14F-4D97-AF65-F5344CB8AC3E}">
-        <p14:creationId xmlns:p14="http://schemas.microsoft.com/office/powerpoint/2010/main" val="3127285857"/>
+        <p14:creationId xmlns:p14="http://schemas.microsoft.com/office/powerpoint/2010/main" val="2460374621"/>
       </p:ext>
     </p:extLst>
   </p:cSld>
@@ -6850,13 +6745,8 @@
           <a:p>
             <a:r>
               <a:rPr lang="pt-BR" dirty="0"/>
-              <a:t>Artefatos </a:t>
-            </a:r>
-            <a:r>
-              <a:rPr lang="pt-BR" dirty="0" err="1"/>
-              <a:t>Scrum</a:t>
-            </a:r>
-            <a:endParaRPr lang="pt-BR" dirty="0"/>
+              <a:t>Sprint</a:t>
+            </a:r>
           </a:p>
         </p:txBody>
       </p:sp>
@@ -6881,7 +6771,7 @@
             </a:pPr>
             <a:r>
               <a:rPr lang="pt-BR" dirty="0"/>
-              <a:t>Representam o trabalho ou o valor para o fornecimento de transparência e oportunidades para inspeção e adaptação;</a:t>
+              <a:t>Coração do Scrum, ou seja, contém todos os elementos do Scrum;</a:t>
             </a:r>
           </a:p>
           <a:p>
@@ -6891,23 +6781,27 @@
             </a:pPr>
             <a:r>
               <a:rPr lang="pt-BR" dirty="0"/>
-              <a:t>São artefatos: </a:t>
-            </a:r>
-            <a:r>
-              <a:rPr lang="pt-BR" dirty="0" err="1"/>
-              <a:t>Backlog</a:t>
-            </a:r>
-            <a:r>
-              <a:rPr lang="pt-BR" dirty="0"/>
-              <a:t> do Produto, </a:t>
-            </a:r>
-            <a:r>
-              <a:rPr lang="pt-BR" dirty="0" err="1"/>
-              <a:t>Backlog</a:t>
-            </a:r>
-            <a:r>
-              <a:rPr lang="pt-BR" dirty="0"/>
-              <a:t> da Sprint e Incremento.</a:t>
+              <a:t>O objetivo é ter uma interação curta o suficiente para manter o time focado, mas tempo suficiente para entregar um incremento significativo do trabalho;</a:t>
+            </a:r>
+          </a:p>
+          <a:p>
+            <a:pPr lvl="2">
+              <a:buFont typeface="Wingdings" panose="05000000000000000000" pitchFamily="2" charset="2"/>
+              <a:buChar char="ü"/>
+            </a:pPr>
+            <a:r>
+              <a:rPr lang="pt-BR" dirty="0"/>
+              <a:t>Duração de máxima de um mês, e hoje comumente usada pelos times entre uma ou duas semanas</a:t>
+            </a:r>
+          </a:p>
+          <a:p>
+            <a:pPr>
+              <a:buFont typeface="Wingdings" panose="05000000000000000000" pitchFamily="2" charset="2"/>
+              <a:buChar char="ü"/>
+            </a:pPr>
+            <a:r>
+              <a:rPr lang="pt-BR" dirty="0"/>
+              <a:t>Cancelamento só pode ser feito pelo Product Owner.</a:t>
             </a:r>
           </a:p>
         </p:txBody>
@@ -6915,7 +6809,7 @@
     </p:spTree>
     <p:extLst>
       <p:ext uri="{BB962C8B-B14F-4D97-AF65-F5344CB8AC3E}">
-        <p14:creationId xmlns:p14="http://schemas.microsoft.com/office/powerpoint/2010/main" val="3023515660"/>
+        <p14:creationId xmlns:p14="http://schemas.microsoft.com/office/powerpoint/2010/main" val="2561348211"/>
       </p:ext>
     </p:extLst>
   </p:cSld>
@@ -6955,7 +6849,7 @@
         <p:spPr>
           <a:xfrm>
             <a:off x="492919" y="499533"/>
-            <a:ext cx="8079581" cy="1057259"/>
+            <a:ext cx="8079581" cy="913243"/>
           </a:xfrm>
         </p:spPr>
         <p:txBody>
@@ -6963,12 +6857,8 @@
           <a:lstStyle/>
           <a:p>
             <a:r>
-              <a:rPr lang="pt-BR" dirty="0" err="1"/>
-              <a:t>Backlog</a:t>
-            </a:r>
-            <a:r>
-              <a:rPr lang="pt-BR" dirty="0"/>
-              <a:t> do Produto</a:t>
+              <a:rPr lang="pt-BR" dirty="0"/>
+              <a:t>Reunião de Planejamento</a:t>
             </a:r>
           </a:p>
         </p:txBody>
@@ -6985,13 +6875,13 @@
         </p:nvSpPr>
         <p:spPr>
           <a:xfrm>
-            <a:off x="507206" y="1556793"/>
-            <a:ext cx="8065294" cy="4896544"/>
+            <a:off x="507206" y="1556792"/>
+            <a:ext cx="8065294" cy="4824536"/>
           </a:xfrm>
         </p:spPr>
         <p:txBody>
           <a:bodyPr>
-            <a:normAutofit/>
+            <a:normAutofit fontScale="92500" lnSpcReduction="10000"/>
           </a:bodyPr>
           <a:lstStyle/>
           <a:p>
@@ -7001,15 +6891,17 @@
             </a:pPr>
             <a:r>
               <a:rPr lang="pt-BR" dirty="0"/>
-              <a:t>O </a:t>
-            </a:r>
-            <a:r>
-              <a:rPr lang="pt-BR" dirty="0" err="1"/>
-              <a:t>Backlog</a:t>
-            </a:r>
-            <a:r>
-              <a:rPr lang="pt-BR" dirty="0"/>
-              <a:t> do Produto lista todas as características, funções, requisitos, melhorias e correções que formam as mudanças que devem ser feitas no produto nas futuras versões;</a:t>
+              <a:t>Reunião na qual estão presentes o Time Scrum e Stakeholders convidados;</a:t>
+            </a:r>
+          </a:p>
+          <a:p>
+            <a:pPr>
+              <a:buFont typeface="Wingdings" panose="05000000000000000000" pitchFamily="2" charset="2"/>
+              <a:buChar char="ü"/>
+            </a:pPr>
+            <a:r>
+              <a:rPr lang="pt-BR" dirty="0"/>
+              <a:t>Duração de acordo com o tamanho da Sprint;</a:t>
             </a:r>
           </a:p>
           <a:p>
@@ -7019,31 +6911,7 @@
             </a:pPr>
             <a:r>
               <a:rPr lang="pt-BR" dirty="0"/>
-              <a:t>A melhor forma de expressar um item do </a:t>
-            </a:r>
-            <a:r>
-              <a:rPr lang="pt-BR" dirty="0" err="1"/>
-              <a:t>backlog</a:t>
-            </a:r>
-            <a:r>
-              <a:rPr lang="pt-BR" dirty="0"/>
-              <a:t> é na forma de </a:t>
-            </a:r>
-            <a:r>
-              <a:rPr lang="pt-BR" dirty="0" err="1"/>
-              <a:t>user</a:t>
-            </a:r>
-            <a:r>
-              <a:rPr lang="pt-BR" dirty="0"/>
-              <a:t> </a:t>
-            </a:r>
-            <a:r>
-              <a:rPr lang="pt-BR" dirty="0" err="1"/>
-              <a:t>story</a:t>
-            </a:r>
-            <a:r>
-              <a:rPr lang="pt-BR" dirty="0"/>
-              <a:t>, exemplo: “Como um cliente da loja online eu gostaria de procurar por itens para adicionar ao meu pedido”</a:t>
+              <a:t>Time-box com no máximo 8 horas para uma Sprint de um mês</a:t>
             </a:r>
           </a:p>
           <a:p>
@@ -7053,31 +6921,7 @@
             </a:pPr>
             <a:r>
               <a:rPr lang="pt-BR" dirty="0"/>
-              <a:t>O </a:t>
-            </a:r>
-            <a:r>
-              <a:rPr lang="pt-BR" dirty="0" err="1"/>
-              <a:t>Product</a:t>
-            </a:r>
-            <a:r>
-              <a:rPr lang="pt-BR" dirty="0"/>
-              <a:t> </a:t>
-            </a:r>
-            <a:r>
-              <a:rPr lang="pt-BR" dirty="0" err="1"/>
-              <a:t>Owner</a:t>
-            </a:r>
-            <a:r>
-              <a:rPr lang="pt-BR" dirty="0"/>
-              <a:t> é responsável pelo </a:t>
-            </a:r>
-            <a:r>
-              <a:rPr lang="pt-BR" dirty="0" err="1"/>
-              <a:t>Backlog</a:t>
-            </a:r>
-            <a:r>
-              <a:rPr lang="pt-BR" dirty="0"/>
-              <a:t> do Produto, incluindo seu conteúdo, disponibilidade e ordenação;</a:t>
+              <a:t>O Scrum Master garante que o evento ocorra e que os participantes entendam seu propósito;</a:t>
             </a:r>
           </a:p>
           <a:p>
@@ -7087,7 +6931,7 @@
             </a:pPr>
             <a:r>
               <a:rPr lang="pt-BR" dirty="0"/>
-              <a:t>É ordenado pela prioridade;</a:t>
+              <a:t>Normalmente dividida em 2 partes:</a:t>
             </a:r>
           </a:p>
           <a:p>
@@ -7097,31 +6941,25 @@
             </a:pPr>
             <a:r>
               <a:rPr lang="pt-BR" dirty="0"/>
-              <a:t>Prioridade do cliente, urgência em receber feedback, dificuldade de implementação e relações simbióticas entre os itens (B é mais fácil se fizer o A primeiro) podem influenciar na priorização</a:t>
-            </a:r>
-          </a:p>
-          <a:p>
-            <a:pPr lvl="1">
+              <a:t>1ª parte: O Product Owner apresenta o Backlog do Produto, descreve o que ele deseja ver construído e esclarece dúvidas. Ao final o time seleciona os itens do Backlog do Produto e define o Sprint Goal (Objetivo) juntamente com o Product Owner</a:t>
+            </a:r>
+          </a:p>
+          <a:p>
+            <a:pPr lvl="2">
               <a:buFont typeface="Wingdings" panose="05000000000000000000" pitchFamily="2" charset="2"/>
               <a:buChar char="ü"/>
             </a:pPr>
             <a:r>
               <a:rPr lang="pt-BR" dirty="0"/>
-              <a:t>O Time de Desenvolvimento é responsável por todas as estimativas</a:t>
-            </a:r>
-          </a:p>
-          <a:p>
-            <a:pPr marL="0" indent="0">
-              <a:buNone/>
-            </a:pPr>
-            <a:endParaRPr lang="pt-BR" dirty="0"/>
+              <a:t>2ª parte: O Time de Desenvolvimento decide como irá construir essas funcionalidades durante a Sprint e transformá-las em um incremento de produto “Pronto”. Os itens de Backlog do Produto selecionados para a Sprint, junto com o plano de entrega destes itens é chamado de Backlog da Sprint</a:t>
+            </a:r>
           </a:p>
         </p:txBody>
       </p:sp>
     </p:spTree>
     <p:extLst>
       <p:ext uri="{BB962C8B-B14F-4D97-AF65-F5344CB8AC3E}">
-        <p14:creationId xmlns:p14="http://schemas.microsoft.com/office/powerpoint/2010/main" val="3989629251"/>
+        <p14:creationId xmlns:p14="http://schemas.microsoft.com/office/powerpoint/2010/main" val="1897746889"/>
       </p:ext>
     </p:extLst>
   </p:cSld>
@@ -7169,12 +7007,715 @@
           <a:lstStyle/>
           <a:p>
             <a:r>
-              <a:rPr lang="pt-BR" dirty="0" err="1"/>
-              <a:t>Backlog</a:t>
-            </a:r>
-            <a:r>
-              <a:rPr lang="pt-BR" dirty="0"/>
-              <a:t> do Produto</a:t>
+              <a:rPr lang="pt-BR" dirty="0"/>
+              <a:t>Reunião Diária</a:t>
+            </a:r>
+          </a:p>
+        </p:txBody>
+      </p:sp>
+      <p:sp>
+        <p:nvSpPr>
+          <p:cNvPr id="3" name="Espaço Reservado para Conteúdo 2"/>
+          <p:cNvSpPr>
+            <a:spLocks noGrp="1"/>
+          </p:cNvSpPr>
+          <p:nvPr>
+            <p:ph idx="1"/>
+          </p:nvPr>
+        </p:nvSpPr>
+        <p:spPr>
+          <a:xfrm>
+            <a:off x="507206" y="1556792"/>
+            <a:ext cx="8065294" cy="4896545"/>
+          </a:xfrm>
+        </p:spPr>
+        <p:txBody>
+          <a:bodyPr>
+            <a:normAutofit/>
+          </a:bodyPr>
+          <a:lstStyle/>
+          <a:p>
+            <a:pPr>
+              <a:buFont typeface="Wingdings" panose="05000000000000000000" pitchFamily="2" charset="2"/>
+              <a:buChar char="ü"/>
+            </a:pPr>
+            <a:r>
+              <a:rPr lang="pt-BR" dirty="0"/>
+              <a:t>Chamada também de “Daily Scrum” é composta pelo Scrum Master e o Time de Desenvolvimento;</a:t>
+            </a:r>
+          </a:p>
+          <a:p>
+            <a:pPr>
+              <a:buFont typeface="Wingdings" panose="05000000000000000000" pitchFamily="2" charset="2"/>
+              <a:buChar char="ü"/>
+            </a:pPr>
+            <a:r>
+              <a:rPr lang="pt-BR" dirty="0"/>
+              <a:t>São realizadas sempre no mesmo lugar e na mesma hora definida, com duração máxima de 15 minutos;</a:t>
+            </a:r>
+          </a:p>
+          <a:p>
+            <a:pPr>
+              <a:buFont typeface="Wingdings" panose="05000000000000000000" pitchFamily="2" charset="2"/>
+              <a:buChar char="ü"/>
+            </a:pPr>
+            <a:r>
+              <a:rPr lang="pt-BR" dirty="0"/>
+              <a:t>Cada integrante do time deverá responder três perguntas:</a:t>
+            </a:r>
+          </a:p>
+          <a:p>
+            <a:pPr lvl="2">
+              <a:buFont typeface="Wingdings" panose="05000000000000000000" pitchFamily="2" charset="2"/>
+              <a:buChar char="ü"/>
+            </a:pPr>
+            <a:r>
+              <a:rPr lang="pt-BR" dirty="0"/>
+              <a:t>O que eu fiz ontem que ajudou o Time de Desenvolvimento a atender a meta da Sprint?</a:t>
+            </a:r>
+          </a:p>
+          <a:p>
+            <a:pPr lvl="2">
+              <a:buFont typeface="Wingdings" panose="05000000000000000000" pitchFamily="2" charset="2"/>
+              <a:buChar char="ü"/>
+            </a:pPr>
+            <a:r>
+              <a:rPr lang="pt-BR" dirty="0"/>
+              <a:t>O que eu farei hoje para ajudar o Time de Desenvolvimento atender a meta da Sprint?</a:t>
+            </a:r>
+          </a:p>
+          <a:p>
+            <a:pPr lvl="2">
+              <a:buFont typeface="Wingdings" panose="05000000000000000000" pitchFamily="2" charset="2"/>
+              <a:buChar char="ü"/>
+            </a:pPr>
+            <a:r>
+              <a:rPr lang="pt-BR" dirty="0"/>
+              <a:t>Eu vejo algum obstáculo que impeça a mim ou o Time de Desenvolvimento no atendimento da meta da Sprint?</a:t>
+            </a:r>
+          </a:p>
+          <a:p>
+            <a:pPr>
+              <a:buFont typeface="Wingdings" panose="05000000000000000000" pitchFamily="2" charset="2"/>
+              <a:buChar char="ü"/>
+            </a:pPr>
+            <a:r>
+              <a:rPr lang="pt-BR" dirty="0"/>
+              <a:t>Os impedimentos identificados no Daily Scrum devem ser tratados pelo Scrum Master o mais rapidamente possível.</a:t>
+            </a:r>
+          </a:p>
+        </p:txBody>
+      </p:sp>
+    </p:spTree>
+    <p:extLst>
+      <p:ext uri="{BB962C8B-B14F-4D97-AF65-F5344CB8AC3E}">
+        <p14:creationId xmlns:p14="http://schemas.microsoft.com/office/powerpoint/2010/main" val="1842161956"/>
+      </p:ext>
+    </p:extLst>
+  </p:cSld>
+  <p:clrMapOvr>
+    <a:masterClrMapping/>
+  </p:clrMapOvr>
+</p:sld>
+</file>
+
+<file path=ppt/slides/slide29.xml><?xml version="1.0" encoding="utf-8"?>
+<p:sld xmlns:a="http://schemas.openxmlformats.org/drawingml/2006/main" xmlns:r="http://schemas.openxmlformats.org/officeDocument/2006/relationships" xmlns:p="http://schemas.openxmlformats.org/presentationml/2006/main">
+  <p:cSld>
+    <p:spTree>
+      <p:nvGrpSpPr>
+        <p:cNvPr id="1" name=""/>
+        <p:cNvGrpSpPr/>
+        <p:nvPr/>
+      </p:nvGrpSpPr>
+      <p:grpSpPr>
+        <a:xfrm>
+          <a:off x="0" y="0"/>
+          <a:ext cx="0" cy="0"/>
+          <a:chOff x="0" y="0"/>
+          <a:chExt cx="0" cy="0"/>
+        </a:xfrm>
+      </p:grpSpPr>
+      <p:sp>
+        <p:nvSpPr>
+          <p:cNvPr id="2" name="Título 1"/>
+          <p:cNvSpPr>
+            <a:spLocks noGrp="1"/>
+          </p:cNvSpPr>
+          <p:nvPr>
+            <p:ph type="title"/>
+          </p:nvPr>
+        </p:nvSpPr>
+        <p:spPr/>
+        <p:txBody>
+          <a:bodyPr/>
+          <a:lstStyle/>
+          <a:p>
+            <a:r>
+              <a:rPr lang="pt-BR" dirty="0"/>
+              <a:t>Reunião de Revisão</a:t>
+            </a:r>
+          </a:p>
+        </p:txBody>
+      </p:sp>
+      <p:sp>
+        <p:nvSpPr>
+          <p:cNvPr id="3" name="Espaço Reservado para Conteúdo 2"/>
+          <p:cNvSpPr>
+            <a:spLocks noGrp="1"/>
+          </p:cNvSpPr>
+          <p:nvPr>
+            <p:ph idx="1"/>
+          </p:nvPr>
+        </p:nvSpPr>
+        <p:spPr>
+          <a:xfrm>
+            <a:off x="507206" y="1993393"/>
+            <a:ext cx="8065294" cy="4315927"/>
+          </a:xfrm>
+        </p:spPr>
+        <p:txBody>
+          <a:bodyPr>
+            <a:normAutofit/>
+          </a:bodyPr>
+          <a:lstStyle/>
+          <a:p>
+            <a:pPr>
+              <a:buFont typeface="Wingdings" panose="05000000000000000000" pitchFamily="2" charset="2"/>
+              <a:buChar char="ü"/>
+            </a:pPr>
+            <a:r>
+              <a:rPr lang="pt-BR" dirty="0"/>
+              <a:t>É uma reunião informal composta pelo Time Scrum e Stakeholders convidados;</a:t>
+            </a:r>
+          </a:p>
+          <a:p>
+            <a:pPr>
+              <a:buFont typeface="Wingdings" panose="05000000000000000000" pitchFamily="2" charset="2"/>
+              <a:buChar char="ü"/>
+            </a:pPr>
+            <a:r>
+              <a:rPr lang="pt-BR" dirty="0"/>
+              <a:t>Realizada no final da Sprint com duração de acordo com o tamanho da Sprint;</a:t>
+            </a:r>
+          </a:p>
+          <a:p>
+            <a:pPr lvl="2">
+              <a:buFont typeface="Wingdings" panose="05000000000000000000" pitchFamily="2" charset="2"/>
+              <a:buChar char="ü"/>
+            </a:pPr>
+            <a:r>
+              <a:rPr lang="pt-BR" dirty="0"/>
+              <a:t>Time-box com no máximo 4 horas para uma Sprint de um mês</a:t>
+            </a:r>
+          </a:p>
+          <a:p>
+            <a:pPr>
+              <a:buFont typeface="Wingdings" panose="05000000000000000000" pitchFamily="2" charset="2"/>
+              <a:buChar char="ü"/>
+            </a:pPr>
+            <a:r>
+              <a:rPr lang="pt-BR" dirty="0"/>
+              <a:t> Tem como objetivo inspecionar o incremento e adaptar o Backlog do Produto se necessário;</a:t>
+            </a:r>
+          </a:p>
+          <a:p>
+            <a:pPr>
+              <a:buFont typeface="Wingdings" panose="05000000000000000000" pitchFamily="2" charset="2"/>
+              <a:buChar char="ü"/>
+            </a:pPr>
+            <a:r>
+              <a:rPr lang="pt-BR" dirty="0"/>
+              <a:t>Durante essa reunião o Time de Desenvolvimento mostra quais itens do Backlog do Produto que eles concluíram durante a Sprint. Isso pode ocorrer sob a forma uma demo das novas funcionalidades.</a:t>
+            </a:r>
+          </a:p>
+        </p:txBody>
+      </p:sp>
+    </p:spTree>
+    <p:extLst>
+      <p:ext uri="{BB962C8B-B14F-4D97-AF65-F5344CB8AC3E}">
+        <p14:creationId xmlns:p14="http://schemas.microsoft.com/office/powerpoint/2010/main" val="3480910473"/>
+      </p:ext>
+    </p:extLst>
+  </p:cSld>
+  <p:clrMapOvr>
+    <a:masterClrMapping/>
+  </p:clrMapOvr>
+</p:sld>
+</file>
+
+<file path=ppt/slides/slide3.xml><?xml version="1.0" encoding="utf-8"?>
+<p:sld xmlns:a="http://schemas.openxmlformats.org/drawingml/2006/main" xmlns:r="http://schemas.openxmlformats.org/officeDocument/2006/relationships" xmlns:p="http://schemas.openxmlformats.org/presentationml/2006/main">
+  <p:cSld>
+    <p:spTree>
+      <p:nvGrpSpPr>
+        <p:cNvPr id="1" name=""/>
+        <p:cNvGrpSpPr/>
+        <p:nvPr/>
+      </p:nvGrpSpPr>
+      <p:grpSpPr>
+        <a:xfrm>
+          <a:off x="0" y="0"/>
+          <a:ext cx="0" cy="0"/>
+          <a:chOff x="0" y="0"/>
+          <a:chExt cx="0" cy="0"/>
+        </a:xfrm>
+      </p:grpSpPr>
+      <p:sp>
+        <p:nvSpPr>
+          <p:cNvPr id="2" name="Title 1"/>
+          <p:cNvSpPr>
+            <a:spLocks noGrp="1"/>
+          </p:cNvSpPr>
+          <p:nvPr>
+            <p:ph type="title"/>
+          </p:nvPr>
+        </p:nvSpPr>
+        <p:spPr/>
+        <p:txBody>
+          <a:bodyPr/>
+          <a:lstStyle/>
+          <a:p>
+            <a:r>
+              <a:rPr lang="pt-BR" dirty="0"/>
+              <a:t>Projeto</a:t>
+            </a:r>
+          </a:p>
+        </p:txBody>
+      </p:sp>
+      <p:sp>
+        <p:nvSpPr>
+          <p:cNvPr id="3" name="Content Placeholder 2"/>
+          <p:cNvSpPr>
+            <a:spLocks noGrp="1"/>
+          </p:cNvSpPr>
+          <p:nvPr>
+            <p:ph idx="1"/>
+          </p:nvPr>
+        </p:nvSpPr>
+        <p:spPr/>
+        <p:txBody>
+          <a:bodyPr>
+            <a:normAutofit/>
+          </a:bodyPr>
+          <a:lstStyle/>
+          <a:p>
+            <a:pPr marL="0" indent="0">
+              <a:buNone/>
+            </a:pPr>
+            <a:r>
+              <a:rPr lang="pt-BR" dirty="0"/>
+              <a:t>Refere-se a um “Plano para realização de um ato; desígnio, intenção.”. </a:t>
+            </a:r>
+          </a:p>
+          <a:p>
+            <a:pPr marL="0" indent="0">
+              <a:buNone/>
+            </a:pPr>
+            <a:r>
+              <a:rPr lang="pt-BR" dirty="0"/>
+              <a:t>Para que consigamos atingir um determinado objetivo com eficácia é necessário frequentemente conhecer as alternativas, adaptar a que talvez possa ser a mais condizente e inspecionar para certificar-se que está trilhando a melhor rota.</a:t>
+            </a:r>
+          </a:p>
+        </p:txBody>
+      </p:sp>
+    </p:spTree>
+  </p:cSld>
+  <p:clrMapOvr>
+    <a:masterClrMapping/>
+  </p:clrMapOvr>
+</p:sld>
+</file>
+
+<file path=ppt/slides/slide30.xml><?xml version="1.0" encoding="utf-8"?>
+<p:sld xmlns:a="http://schemas.openxmlformats.org/drawingml/2006/main" xmlns:r="http://schemas.openxmlformats.org/officeDocument/2006/relationships" xmlns:p="http://schemas.openxmlformats.org/presentationml/2006/main">
+  <p:cSld>
+    <p:spTree>
+      <p:nvGrpSpPr>
+        <p:cNvPr id="1" name=""/>
+        <p:cNvGrpSpPr/>
+        <p:nvPr/>
+      </p:nvGrpSpPr>
+      <p:grpSpPr>
+        <a:xfrm>
+          <a:off x="0" y="0"/>
+          <a:ext cx="0" cy="0"/>
+          <a:chOff x="0" y="0"/>
+          <a:chExt cx="0" cy="0"/>
+        </a:xfrm>
+      </p:grpSpPr>
+      <p:sp>
+        <p:nvSpPr>
+          <p:cNvPr id="2" name="Título 1"/>
+          <p:cNvSpPr>
+            <a:spLocks noGrp="1"/>
+          </p:cNvSpPr>
+          <p:nvPr>
+            <p:ph type="title"/>
+          </p:nvPr>
+        </p:nvSpPr>
+        <p:spPr/>
+        <p:txBody>
+          <a:bodyPr/>
+          <a:lstStyle/>
+          <a:p>
+            <a:r>
+              <a:rPr lang="pt-BR" dirty="0"/>
+              <a:t>Reunião de Retrospectiva</a:t>
+            </a:r>
+          </a:p>
+        </p:txBody>
+      </p:sp>
+      <p:sp>
+        <p:nvSpPr>
+          <p:cNvPr id="3" name="Espaço Reservado para Conteúdo 2"/>
+          <p:cNvSpPr>
+            <a:spLocks noGrp="1"/>
+          </p:cNvSpPr>
+          <p:nvPr>
+            <p:ph idx="1"/>
+          </p:nvPr>
+        </p:nvSpPr>
+        <p:spPr/>
+        <p:txBody>
+          <a:bodyPr/>
+          <a:lstStyle/>
+          <a:p>
+            <a:pPr>
+              <a:buFont typeface="Wingdings" panose="05000000000000000000" pitchFamily="2" charset="2"/>
+              <a:buChar char="ü"/>
+            </a:pPr>
+            <a:r>
+              <a:rPr lang="pt-BR" dirty="0"/>
+              <a:t>Composta apenas pelo Time Scrum deve ser time-boxed (por exemplo, 3 horas);</a:t>
+            </a:r>
+          </a:p>
+          <a:p>
+            <a:pPr lvl="2">
+              <a:buFont typeface="Wingdings" panose="05000000000000000000" pitchFamily="2" charset="2"/>
+              <a:buChar char="ü"/>
+            </a:pPr>
+            <a:r>
+              <a:rPr lang="pt-BR" dirty="0"/>
+              <a:t>Realizada após a reunião de revisão.</a:t>
+            </a:r>
+          </a:p>
+          <a:p>
+            <a:pPr>
+              <a:buFont typeface="Wingdings" panose="05000000000000000000" pitchFamily="2" charset="2"/>
+              <a:buChar char="ü"/>
+            </a:pPr>
+            <a:r>
+              <a:rPr lang="pt-BR" dirty="0"/>
+              <a:t>É uma oportunidade para o Time Scrum inspecionar a si próprio e criar um plano para melhorias a serem aplicadas na próxima Sprint;</a:t>
+            </a:r>
+          </a:p>
+          <a:p>
+            <a:pPr lvl="2">
+              <a:buFont typeface="Wingdings" panose="05000000000000000000" pitchFamily="2" charset="2"/>
+              <a:buChar char="ü"/>
+            </a:pPr>
+            <a:r>
+              <a:rPr lang="pt-BR" dirty="0"/>
+              <a:t>O que ocorreu bem durante a Sprint, o que não e que melhorias poderiam ser feitas na próxima Sprint</a:t>
+            </a:r>
+          </a:p>
+          <a:p>
+            <a:pPr>
+              <a:buFont typeface="Wingdings" panose="05000000000000000000" pitchFamily="2" charset="2"/>
+              <a:buChar char="ü"/>
+            </a:pPr>
+            <a:endParaRPr lang="pt-BR" dirty="0"/>
+          </a:p>
+        </p:txBody>
+      </p:sp>
+    </p:spTree>
+    <p:extLst>
+      <p:ext uri="{BB962C8B-B14F-4D97-AF65-F5344CB8AC3E}">
+        <p14:creationId xmlns:p14="http://schemas.microsoft.com/office/powerpoint/2010/main" val="3127285857"/>
+      </p:ext>
+    </p:extLst>
+  </p:cSld>
+  <p:clrMapOvr>
+    <a:masterClrMapping/>
+  </p:clrMapOvr>
+</p:sld>
+</file>
+
+<file path=ppt/slides/slide31.xml><?xml version="1.0" encoding="utf-8"?>
+<p:sld xmlns:a="http://schemas.openxmlformats.org/drawingml/2006/main" xmlns:r="http://schemas.openxmlformats.org/officeDocument/2006/relationships" xmlns:p="http://schemas.openxmlformats.org/presentationml/2006/main">
+  <p:cSld>
+    <p:spTree>
+      <p:nvGrpSpPr>
+        <p:cNvPr id="1" name=""/>
+        <p:cNvGrpSpPr/>
+        <p:nvPr/>
+      </p:nvGrpSpPr>
+      <p:grpSpPr>
+        <a:xfrm>
+          <a:off x="0" y="0"/>
+          <a:ext cx="0" cy="0"/>
+          <a:chOff x="0" y="0"/>
+          <a:chExt cx="0" cy="0"/>
+        </a:xfrm>
+      </p:grpSpPr>
+      <p:sp>
+        <p:nvSpPr>
+          <p:cNvPr id="2" name="Título 1"/>
+          <p:cNvSpPr>
+            <a:spLocks noGrp="1"/>
+          </p:cNvSpPr>
+          <p:nvPr>
+            <p:ph type="title"/>
+          </p:nvPr>
+        </p:nvSpPr>
+        <p:spPr/>
+        <p:txBody>
+          <a:bodyPr/>
+          <a:lstStyle/>
+          <a:p>
+            <a:r>
+              <a:rPr lang="pt-BR" dirty="0"/>
+              <a:t>Artefatos Scrum</a:t>
+            </a:r>
+          </a:p>
+        </p:txBody>
+      </p:sp>
+      <p:sp>
+        <p:nvSpPr>
+          <p:cNvPr id="3" name="Espaço Reservado para Conteúdo 2"/>
+          <p:cNvSpPr>
+            <a:spLocks noGrp="1"/>
+          </p:cNvSpPr>
+          <p:nvPr>
+            <p:ph idx="1"/>
+          </p:nvPr>
+        </p:nvSpPr>
+        <p:spPr/>
+        <p:txBody>
+          <a:bodyPr/>
+          <a:lstStyle/>
+          <a:p>
+            <a:pPr>
+              <a:buFont typeface="Wingdings" panose="05000000000000000000" pitchFamily="2" charset="2"/>
+              <a:buChar char="ü"/>
+            </a:pPr>
+            <a:r>
+              <a:rPr lang="pt-BR" dirty="0"/>
+              <a:t>Representam o trabalho ou o valor para o fornecimento de transparência e oportunidades para inspeção e adaptação;</a:t>
+            </a:r>
+          </a:p>
+          <a:p>
+            <a:pPr>
+              <a:buFont typeface="Wingdings" panose="05000000000000000000" pitchFamily="2" charset="2"/>
+              <a:buChar char="ü"/>
+            </a:pPr>
+            <a:r>
+              <a:rPr lang="pt-BR" dirty="0"/>
+              <a:t>São artefatos: Backlog do Produto, Backlog da Sprint e Incremento.</a:t>
+            </a:r>
+          </a:p>
+        </p:txBody>
+      </p:sp>
+    </p:spTree>
+    <p:extLst>
+      <p:ext uri="{BB962C8B-B14F-4D97-AF65-F5344CB8AC3E}">
+        <p14:creationId xmlns:p14="http://schemas.microsoft.com/office/powerpoint/2010/main" val="3023515660"/>
+      </p:ext>
+    </p:extLst>
+  </p:cSld>
+  <p:clrMapOvr>
+    <a:masterClrMapping/>
+  </p:clrMapOvr>
+</p:sld>
+</file>
+
+<file path=ppt/slides/slide32.xml><?xml version="1.0" encoding="utf-8"?>
+<p:sld xmlns:a="http://schemas.openxmlformats.org/drawingml/2006/main" xmlns:r="http://schemas.openxmlformats.org/officeDocument/2006/relationships" xmlns:p="http://schemas.openxmlformats.org/presentationml/2006/main">
+  <p:cSld>
+    <p:spTree>
+      <p:nvGrpSpPr>
+        <p:cNvPr id="1" name=""/>
+        <p:cNvGrpSpPr/>
+        <p:nvPr/>
+      </p:nvGrpSpPr>
+      <p:grpSpPr>
+        <a:xfrm>
+          <a:off x="0" y="0"/>
+          <a:ext cx="0" cy="0"/>
+          <a:chOff x="0" y="0"/>
+          <a:chExt cx="0" cy="0"/>
+        </a:xfrm>
+      </p:grpSpPr>
+      <p:sp>
+        <p:nvSpPr>
+          <p:cNvPr id="2" name="Título 1"/>
+          <p:cNvSpPr>
+            <a:spLocks noGrp="1"/>
+          </p:cNvSpPr>
+          <p:nvPr>
+            <p:ph type="title"/>
+          </p:nvPr>
+        </p:nvSpPr>
+        <p:spPr>
+          <a:xfrm>
+            <a:off x="492919" y="499533"/>
+            <a:ext cx="8079581" cy="1057259"/>
+          </a:xfrm>
+        </p:spPr>
+        <p:txBody>
+          <a:bodyPr/>
+          <a:lstStyle/>
+          <a:p>
+            <a:r>
+              <a:rPr lang="pt-BR" dirty="0"/>
+              <a:t>Backlog do Produto</a:t>
+            </a:r>
+          </a:p>
+        </p:txBody>
+      </p:sp>
+      <p:sp>
+        <p:nvSpPr>
+          <p:cNvPr id="3" name="Espaço Reservado para Conteúdo 2"/>
+          <p:cNvSpPr>
+            <a:spLocks noGrp="1"/>
+          </p:cNvSpPr>
+          <p:nvPr>
+            <p:ph idx="1"/>
+          </p:nvPr>
+        </p:nvSpPr>
+        <p:spPr>
+          <a:xfrm>
+            <a:off x="507206" y="1556793"/>
+            <a:ext cx="8065294" cy="4896544"/>
+          </a:xfrm>
+        </p:spPr>
+        <p:txBody>
+          <a:bodyPr>
+            <a:normAutofit/>
+          </a:bodyPr>
+          <a:lstStyle/>
+          <a:p>
+            <a:pPr>
+              <a:buFont typeface="Wingdings" panose="05000000000000000000" pitchFamily="2" charset="2"/>
+              <a:buChar char="ü"/>
+            </a:pPr>
+            <a:r>
+              <a:rPr lang="pt-BR" dirty="0"/>
+              <a:t>O Backlog do Produto lista todas as características, funções, requisitos, melhorias e correções que formam as mudanças que devem ser feitas no produto nas futuras versões;</a:t>
+            </a:r>
+          </a:p>
+          <a:p>
+            <a:pPr lvl="2">
+              <a:buFont typeface="Wingdings" panose="05000000000000000000" pitchFamily="2" charset="2"/>
+              <a:buChar char="ü"/>
+            </a:pPr>
+            <a:r>
+              <a:rPr lang="pt-BR" dirty="0"/>
+              <a:t>A melhor forma de expressar um item do backlog é na forma de user story, exemplo: “Como um cliente da loja online eu gostaria de procurar por itens para adicionar ao meu pedido”</a:t>
+            </a:r>
+          </a:p>
+          <a:p>
+            <a:pPr>
+              <a:buFont typeface="Wingdings" panose="05000000000000000000" pitchFamily="2" charset="2"/>
+              <a:buChar char="ü"/>
+            </a:pPr>
+            <a:r>
+              <a:rPr lang="pt-BR" dirty="0"/>
+              <a:t>O Product Owner é responsável pelo Backlog do Produto, incluindo seu conteúdo, disponibilidade e ordenação;</a:t>
+            </a:r>
+          </a:p>
+          <a:p>
+            <a:pPr>
+              <a:buFont typeface="Wingdings" panose="05000000000000000000" pitchFamily="2" charset="2"/>
+              <a:buChar char="ü"/>
+            </a:pPr>
+            <a:r>
+              <a:rPr lang="pt-BR" dirty="0"/>
+              <a:t>É ordenado pela prioridade;</a:t>
+            </a:r>
+          </a:p>
+          <a:p>
+            <a:pPr lvl="2">
+              <a:buFont typeface="Wingdings" panose="05000000000000000000" pitchFamily="2" charset="2"/>
+              <a:buChar char="ü"/>
+            </a:pPr>
+            <a:r>
+              <a:rPr lang="pt-BR" dirty="0"/>
+              <a:t>Prioridade do cliente, urgência em receber feedback, dificuldade de implementação e relações simbióticas entre os itens (B é mais fácil se fizer o A primeiro) podem influenciar na priorização</a:t>
+            </a:r>
+          </a:p>
+          <a:p>
+            <a:pPr lvl="1">
+              <a:buFont typeface="Wingdings" panose="05000000000000000000" pitchFamily="2" charset="2"/>
+              <a:buChar char="ü"/>
+            </a:pPr>
+            <a:r>
+              <a:rPr lang="pt-BR" dirty="0"/>
+              <a:t>O Time de Desenvolvimento é responsável por todas as estimativas</a:t>
+            </a:r>
+          </a:p>
+          <a:p>
+            <a:pPr marL="0" indent="0">
+              <a:buNone/>
+            </a:pPr>
+            <a:endParaRPr lang="pt-BR" dirty="0"/>
+          </a:p>
+        </p:txBody>
+      </p:sp>
+    </p:spTree>
+    <p:extLst>
+      <p:ext uri="{BB962C8B-B14F-4D97-AF65-F5344CB8AC3E}">
+        <p14:creationId xmlns:p14="http://schemas.microsoft.com/office/powerpoint/2010/main" val="3989629251"/>
+      </p:ext>
+    </p:extLst>
+  </p:cSld>
+  <p:clrMapOvr>
+    <a:masterClrMapping/>
+  </p:clrMapOvr>
+</p:sld>
+</file>
+
+<file path=ppt/slides/slide33.xml><?xml version="1.0" encoding="utf-8"?>
+<p:sld xmlns:a="http://schemas.openxmlformats.org/drawingml/2006/main" xmlns:r="http://schemas.openxmlformats.org/officeDocument/2006/relationships" xmlns:p="http://schemas.openxmlformats.org/presentationml/2006/main">
+  <p:cSld>
+    <p:spTree>
+      <p:nvGrpSpPr>
+        <p:cNvPr id="1" name=""/>
+        <p:cNvGrpSpPr/>
+        <p:nvPr/>
+      </p:nvGrpSpPr>
+      <p:grpSpPr>
+        <a:xfrm>
+          <a:off x="0" y="0"/>
+          <a:ext cx="0" cy="0"/>
+          <a:chOff x="0" y="0"/>
+          <a:chExt cx="0" cy="0"/>
+        </a:xfrm>
+      </p:grpSpPr>
+      <p:sp>
+        <p:nvSpPr>
+          <p:cNvPr id="2" name="Título 1"/>
+          <p:cNvSpPr>
+            <a:spLocks noGrp="1"/>
+          </p:cNvSpPr>
+          <p:nvPr>
+            <p:ph type="title"/>
+          </p:nvPr>
+        </p:nvSpPr>
+        <p:spPr>
+          <a:xfrm>
+            <a:off x="492919" y="499533"/>
+            <a:ext cx="8079581" cy="1057259"/>
+          </a:xfrm>
+        </p:spPr>
+        <p:txBody>
+          <a:bodyPr/>
+          <a:lstStyle/>
+          <a:p>
+            <a:r>
+              <a:rPr lang="pt-BR" dirty="0"/>
+              <a:t>Backlog do Produto</a:t>
             </a:r>
           </a:p>
         </p:txBody>
@@ -7301,7 +7842,7 @@
 </p:sld>
 </file>
 
-<file path=ppt/slides/slide29.xml><?xml version="1.0" encoding="utf-8"?>
+<file path=ppt/slides/slide34.xml><?xml version="1.0" encoding="utf-8"?>
 <p:sld xmlns:a="http://schemas.openxmlformats.org/drawingml/2006/main" xmlns:r="http://schemas.openxmlformats.org/officeDocument/2006/relationships" xmlns:p="http://schemas.openxmlformats.org/presentationml/2006/main">
   <p:cSld>
     <p:spTree>
@@ -7334,12 +7875,8 @@
           <a:lstStyle/>
           <a:p>
             <a:r>
-              <a:rPr lang="pt-BR" dirty="0" err="1"/>
-              <a:t>Backlog</a:t>
-            </a:r>
-            <a:r>
-              <a:rPr lang="pt-BR" dirty="0"/>
-              <a:t> da Sprint</a:t>
+              <a:rPr lang="pt-BR" dirty="0"/>
+              <a:t>Backlog da Sprint</a:t>
             </a:r>
           </a:p>
         </p:txBody>
@@ -7364,20 +7901,8 @@
               <a:buChar char="ü"/>
             </a:pPr>
             <a:r>
-              <a:rPr lang="pt-BR" dirty="0" err="1"/>
-              <a:t>Items</a:t>
-            </a:r>
-            <a:r>
-              <a:rPr lang="pt-BR" dirty="0"/>
-              <a:t> do </a:t>
-            </a:r>
-            <a:r>
-              <a:rPr lang="pt-BR" dirty="0" err="1"/>
-              <a:t>Backlog</a:t>
-            </a:r>
-            <a:r>
-              <a:rPr lang="pt-BR" dirty="0"/>
-              <a:t> do Produto adicionados na Sprint;</a:t>
+              <a:rPr lang="pt-BR" dirty="0"/>
+              <a:t>Itens do Backlog do Produto adicionados na Sprint;</a:t>
             </a:r>
           </a:p>
           <a:p>
@@ -7387,15 +7912,7 @@
             </a:pPr>
             <a:r>
               <a:rPr lang="pt-BR" dirty="0"/>
-              <a:t>Durante a reunião de planejamento, o Time de Desenvolvimento seleciona alguns itens do </a:t>
-            </a:r>
-            <a:r>
-              <a:rPr lang="pt-BR" dirty="0" err="1"/>
-              <a:t>Backlog</a:t>
-            </a:r>
-            <a:r>
-              <a:rPr lang="pt-BR" dirty="0"/>
-              <a:t> do Produto e identifica as tarefas necessárias para resolver cada item;</a:t>
+              <a:t>Durante a reunião de planejamento, o Time de Desenvolvimento seleciona alguns itens do Backlog do Produto e identifica as tarefas necessárias para resolver cada item;</a:t>
             </a:r>
           </a:p>
           <a:p>
@@ -7405,17 +7922,8 @@
             </a:pPr>
             <a:r>
               <a:rPr lang="pt-BR" dirty="0"/>
-              <a:t>Em qualquer ponto do tempo na Sprint, o total do trabalho remanescente dos itens do </a:t>
-            </a:r>
-            <a:r>
-              <a:rPr lang="pt-BR" dirty="0" err="1"/>
-              <a:t>Backlog</a:t>
-            </a:r>
-            <a:r>
-              <a:rPr lang="pt-BR" dirty="0"/>
-              <a:t> da Sprint pode ser somado.</a:t>
-            </a:r>
-            <a:endParaRPr lang="pt-BR" dirty="0"/>
+              <a:t>Em qualquer ponto do tempo na Sprint, o total do trabalho remanescente dos itens do Backlog da Sprint pode ser somado.</a:t>
+            </a:r>
           </a:p>
         </p:txBody>
       </p:sp>
@@ -7432,7 +7940,7 @@
 </p:sld>
 </file>
 
-<file path=ppt/slides/slide3.xml><?xml version="1.0" encoding="utf-8"?>
+<file path=ppt/slides/slide35.xml><?xml version="1.0" encoding="utf-8"?>
 <p:sld xmlns:a="http://schemas.openxmlformats.org/drawingml/2006/main" xmlns:r="http://schemas.openxmlformats.org/officeDocument/2006/relationships" xmlns:p="http://schemas.openxmlformats.org/presentationml/2006/main">
   <p:cSld>
     <p:spTree>
@@ -7451,7 +7959,7 @@
       </p:grpSpPr>
       <p:sp>
         <p:nvSpPr>
-          <p:cNvPr id="2" name="Title 1"/>
+          <p:cNvPr id="2" name="Título 1"/>
           <p:cNvSpPr>
             <a:spLocks noGrp="1"/>
           </p:cNvSpPr>
@@ -7466,94 +7974,7 @@
           <a:p>
             <a:r>
               <a:rPr lang="pt-BR" dirty="0"/>
-              <a:t>Projeto</a:t>
-            </a:r>
-          </a:p>
-        </p:txBody>
-      </p:sp>
-      <p:sp>
-        <p:nvSpPr>
-          <p:cNvPr id="3" name="Content Placeholder 2"/>
-          <p:cNvSpPr>
-            <a:spLocks noGrp="1"/>
-          </p:cNvSpPr>
-          <p:nvPr>
-            <p:ph idx="1"/>
-          </p:nvPr>
-        </p:nvSpPr>
-        <p:spPr/>
-        <p:txBody>
-          <a:bodyPr>
-            <a:normAutofit/>
-          </a:bodyPr>
-          <a:lstStyle/>
-          <a:p>
-            <a:pPr marL="0" indent="0">
-              <a:buNone/>
-            </a:pPr>
-            <a:r>
-              <a:rPr lang="pt-BR" dirty="0"/>
-              <a:t>Refere-se a um “Plano para realização de um ato; desígnio, intenção.”. </a:t>
-            </a:r>
-          </a:p>
-          <a:p>
-            <a:pPr marL="0" indent="0">
-              <a:buNone/>
-            </a:pPr>
-            <a:r>
-              <a:rPr lang="pt-BR" dirty="0"/>
-              <a:t>Para que consigamos atingir um determinado objetivo com eficácia é necessário frequentemente conhecer as alternativas, adaptar a que talvez possa ser a mais condizente e inspecionar para certificar-se que está trilhando a melhor rota.</a:t>
-            </a:r>
-          </a:p>
-        </p:txBody>
-      </p:sp>
-    </p:spTree>
-  </p:cSld>
-  <p:clrMapOvr>
-    <a:masterClrMapping/>
-  </p:clrMapOvr>
-</p:sld>
-</file>
-
-<file path=ppt/slides/slide30.xml><?xml version="1.0" encoding="utf-8"?>
-<p:sld xmlns:a="http://schemas.openxmlformats.org/drawingml/2006/main" xmlns:r="http://schemas.openxmlformats.org/officeDocument/2006/relationships" xmlns:p="http://schemas.openxmlformats.org/presentationml/2006/main">
-  <p:cSld>
-    <p:spTree>
-      <p:nvGrpSpPr>
-        <p:cNvPr id="1" name=""/>
-        <p:cNvGrpSpPr/>
-        <p:nvPr/>
-      </p:nvGrpSpPr>
-      <p:grpSpPr>
-        <a:xfrm>
-          <a:off x="0" y="0"/>
-          <a:ext cx="0" cy="0"/>
-          <a:chOff x="0" y="0"/>
-          <a:chExt cx="0" cy="0"/>
-        </a:xfrm>
-      </p:grpSpPr>
-      <p:sp>
-        <p:nvSpPr>
-          <p:cNvPr id="2" name="Título 1"/>
-          <p:cNvSpPr>
-            <a:spLocks noGrp="1"/>
-          </p:cNvSpPr>
-          <p:nvPr>
-            <p:ph type="title"/>
-          </p:nvPr>
-        </p:nvSpPr>
-        <p:spPr/>
-        <p:txBody>
-          <a:bodyPr/>
-          <a:lstStyle/>
-          <a:p>
-            <a:r>
-              <a:rPr lang="pt-BR" dirty="0" err="1"/>
-              <a:t>Backlog</a:t>
-            </a:r>
-            <a:r>
-              <a:rPr lang="pt-BR" dirty="0"/>
-              <a:t> da Sprint</a:t>
+              <a:t>Backlog da Sprint</a:t>
             </a:r>
           </a:p>
         </p:txBody>
@@ -7621,7 +8042,7 @@
 </p:sld>
 </file>
 
-<file path=ppt/slides/slide31.xml><?xml version="1.0" encoding="utf-8"?>
+<file path=ppt/slides/slide36.xml><?xml version="1.0" encoding="utf-8"?>
 <p:sld xmlns:a="http://schemas.openxmlformats.org/drawingml/2006/main" xmlns:r="http://schemas.openxmlformats.org/officeDocument/2006/relationships" xmlns:p="http://schemas.openxmlformats.org/presentationml/2006/main">
   <p:cSld>
     <p:spTree>
@@ -7681,15 +8102,7 @@
             </a:pPr>
             <a:r>
               <a:rPr lang="pt-BR" dirty="0"/>
-              <a:t>O incremento é a soma de todos os itens completados do </a:t>
-            </a:r>
-            <a:r>
-              <a:rPr lang="pt-BR" dirty="0" err="1"/>
-              <a:t>Backlog</a:t>
-            </a:r>
-            <a:r>
-              <a:rPr lang="pt-BR" dirty="0"/>
-              <a:t> do Produto;</a:t>
+              <a:t>O incremento é a soma de todos os itens completados do Backlog do Produto;</a:t>
             </a:r>
           </a:p>
           <a:p>
@@ -7699,17 +8112,8 @@
             </a:pPr>
             <a:r>
               <a:rPr lang="pt-BR" dirty="0"/>
-              <a:t>Esse incremento deve ser </a:t>
-            </a:r>
-            <a:r>
-              <a:rPr lang="pt-BR" dirty="0" err="1"/>
-              <a:t>entregável</a:t>
-            </a:r>
-            <a:r>
-              <a:rPr lang="pt-BR" dirty="0"/>
-              <a:t> e utilizável, de maneira que o cliente perceba valor no produto a cada final de Sprint</a:t>
-            </a:r>
-            <a:endParaRPr lang="pt-BR" dirty="0"/>
+              <a:t>Esse incremento deve ser entregável e utilizável, de maneira que o cliente perceba valor no produto a cada final de Sprint</a:t>
+            </a:r>
           </a:p>
         </p:txBody>
       </p:sp>
@@ -7726,7 +8130,7 @@
 </p:sld>
 </file>
 
-<file path=ppt/slides/slide32.xml><?xml version="1.0" encoding="utf-8"?>
+<file path=ppt/slides/slide37.xml><?xml version="1.0" encoding="utf-8"?>
 <p:sld xmlns:a="http://schemas.openxmlformats.org/drawingml/2006/main" xmlns:r="http://schemas.openxmlformats.org/officeDocument/2006/relationships" xmlns:p="http://schemas.openxmlformats.org/presentationml/2006/main">
   <p:cSld>
     <p:spTree>
@@ -7766,8 +8170,8 @@
         </p:blipFill>
         <p:spPr bwMode="auto">
           <a:xfrm>
-            <a:off x="466232" y="188640"/>
-            <a:ext cx="8282231" cy="6409218"/>
+            <a:off x="611560" y="548680"/>
+            <a:ext cx="7778176" cy="6019154"/>
           </a:xfrm>
           <a:prstGeom prst="rect">
             <a:avLst/>
@@ -7801,6 +8205,77 @@
     <p:extLst>
       <p:ext uri="{BB962C8B-B14F-4D97-AF65-F5344CB8AC3E}">
         <p14:creationId xmlns:p14="http://schemas.microsoft.com/office/powerpoint/2010/main" val="272705048"/>
+      </p:ext>
+    </p:extLst>
+  </p:cSld>
+  <p:clrMapOvr>
+    <a:masterClrMapping/>
+  </p:clrMapOvr>
+</p:sld>
+</file>
+
+<file path=ppt/slides/slide38.xml><?xml version="1.0" encoding="utf-8"?>
+<p:sld xmlns:a="http://schemas.openxmlformats.org/drawingml/2006/main" xmlns:r="http://schemas.openxmlformats.org/officeDocument/2006/relationships" xmlns:p="http://schemas.openxmlformats.org/presentationml/2006/main">
+  <p:cSld>
+    <p:spTree>
+      <p:nvGrpSpPr>
+        <p:cNvPr id="1" name=""/>
+        <p:cNvGrpSpPr/>
+        <p:nvPr/>
+      </p:nvGrpSpPr>
+      <p:grpSpPr>
+        <a:xfrm>
+          <a:off x="0" y="0"/>
+          <a:ext cx="0" cy="0"/>
+          <a:chOff x="0" y="0"/>
+          <a:chExt cx="0" cy="0"/>
+        </a:xfrm>
+      </p:grpSpPr>
+      <p:sp>
+        <p:nvSpPr>
+          <p:cNvPr id="2" name="Título 1"/>
+          <p:cNvSpPr>
+            <a:spLocks noGrp="1"/>
+          </p:cNvSpPr>
+          <p:nvPr>
+            <p:ph type="title"/>
+          </p:nvPr>
+        </p:nvSpPr>
+        <p:spPr/>
+        <p:txBody>
+          <a:bodyPr/>
+          <a:lstStyle/>
+          <a:p>
+            <a:r>
+              <a:rPr lang="pt-BR" dirty="0"/>
+              <a:t>Conclusão</a:t>
+            </a:r>
+          </a:p>
+        </p:txBody>
+      </p:sp>
+      <p:sp>
+        <p:nvSpPr>
+          <p:cNvPr id="3" name="Espaço Reservado para Conteúdo 2"/>
+          <p:cNvSpPr>
+            <a:spLocks noGrp="1"/>
+          </p:cNvSpPr>
+          <p:nvPr>
+            <p:ph idx="1"/>
+          </p:nvPr>
+        </p:nvSpPr>
+        <p:spPr/>
+        <p:txBody>
+          <a:bodyPr/>
+          <a:lstStyle/>
+          <a:p>
+            <a:endParaRPr lang="pt-BR" dirty="0"/>
+          </a:p>
+        </p:txBody>
+      </p:sp>
+    </p:spTree>
+    <p:extLst>
+      <p:ext uri="{BB962C8B-B14F-4D97-AF65-F5344CB8AC3E}">
+        <p14:creationId xmlns:p14="http://schemas.microsoft.com/office/powerpoint/2010/main" val="3657543104"/>
       </p:ext>
     </p:extLst>
   </p:cSld>

--- a/StartIdea/StartIdea.Docs/Apresentacao.pptx
+++ b/StartIdea/StartIdea.Docs/Apresentacao.pptx
@@ -5,47 +5,49 @@
     <p:sldMasterId id="2147483738" r:id="rId2"/>
   </p:sldMasterIdLst>
   <p:notesMasterIdLst>
-    <p:notesMasterId r:id="rId41"/>
+    <p:notesMasterId r:id="rId43"/>
   </p:notesMasterIdLst>
   <p:sldIdLst>
     <p:sldId id="256" r:id="rId3"/>
     <p:sldId id="278" r:id="rId4"/>
-    <p:sldId id="257" r:id="rId5"/>
-    <p:sldId id="258" r:id="rId6"/>
-    <p:sldId id="277" r:id="rId7"/>
-    <p:sldId id="270" r:id="rId8"/>
-    <p:sldId id="271" r:id="rId9"/>
-    <p:sldId id="269" r:id="rId10"/>
-    <p:sldId id="265" r:id="rId11"/>
-    <p:sldId id="266" r:id="rId12"/>
-    <p:sldId id="267" r:id="rId13"/>
-    <p:sldId id="268" r:id="rId14"/>
-    <p:sldId id="274" r:id="rId15"/>
-    <p:sldId id="275" r:id="rId16"/>
-    <p:sldId id="264" r:id="rId17"/>
-    <p:sldId id="303" r:id="rId18"/>
-    <p:sldId id="300" r:id="rId19"/>
-    <p:sldId id="301" r:id="rId20"/>
-    <p:sldId id="302" r:id="rId21"/>
-    <p:sldId id="304" r:id="rId22"/>
-    <p:sldId id="262" r:id="rId23"/>
-    <p:sldId id="280" r:id="rId24"/>
-    <p:sldId id="282" r:id="rId25"/>
-    <p:sldId id="281" r:id="rId26"/>
-    <p:sldId id="283" r:id="rId27"/>
-    <p:sldId id="287" r:id="rId28"/>
-    <p:sldId id="285" r:id="rId29"/>
-    <p:sldId id="288" r:id="rId30"/>
-    <p:sldId id="289" r:id="rId31"/>
-    <p:sldId id="290" r:id="rId32"/>
-    <p:sldId id="291" r:id="rId33"/>
-    <p:sldId id="292" r:id="rId34"/>
-    <p:sldId id="293" r:id="rId35"/>
-    <p:sldId id="294" r:id="rId36"/>
-    <p:sldId id="295" r:id="rId37"/>
-    <p:sldId id="296" r:id="rId38"/>
-    <p:sldId id="286" r:id="rId39"/>
-    <p:sldId id="299" r:id="rId40"/>
+    <p:sldId id="258" r:id="rId5"/>
+    <p:sldId id="257" r:id="rId6"/>
+    <p:sldId id="270" r:id="rId7"/>
+    <p:sldId id="312" r:id="rId8"/>
+    <p:sldId id="315" r:id="rId9"/>
+    <p:sldId id="313" r:id="rId10"/>
+    <p:sldId id="314" r:id="rId11"/>
+    <p:sldId id="305" r:id="rId12"/>
+    <p:sldId id="307" r:id="rId13"/>
+    <p:sldId id="269" r:id="rId14"/>
+    <p:sldId id="308" r:id="rId15"/>
+    <p:sldId id="309" r:id="rId16"/>
+    <p:sldId id="310" r:id="rId17"/>
+    <p:sldId id="311" r:id="rId18"/>
+    <p:sldId id="306" r:id="rId19"/>
+    <p:sldId id="303" r:id="rId20"/>
+    <p:sldId id="300" r:id="rId21"/>
+    <p:sldId id="301" r:id="rId22"/>
+    <p:sldId id="302" r:id="rId23"/>
+    <p:sldId id="304" r:id="rId24"/>
+    <p:sldId id="262" r:id="rId25"/>
+    <p:sldId id="280" r:id="rId26"/>
+    <p:sldId id="282" r:id="rId27"/>
+    <p:sldId id="281" r:id="rId28"/>
+    <p:sldId id="283" r:id="rId29"/>
+    <p:sldId id="287" r:id="rId30"/>
+    <p:sldId id="285" r:id="rId31"/>
+    <p:sldId id="288" r:id="rId32"/>
+    <p:sldId id="289" r:id="rId33"/>
+    <p:sldId id="290" r:id="rId34"/>
+    <p:sldId id="291" r:id="rId35"/>
+    <p:sldId id="292" r:id="rId36"/>
+    <p:sldId id="293" r:id="rId37"/>
+    <p:sldId id="294" r:id="rId38"/>
+    <p:sldId id="295" r:id="rId39"/>
+    <p:sldId id="296" r:id="rId40"/>
+    <p:sldId id="286" r:id="rId41"/>
+    <p:sldId id="299" r:id="rId42"/>
   </p:sldIdLst>
   <p:sldSz cx="9144000" cy="6858000" type="screen4x3"/>
   <p:notesSz cx="6858000" cy="9144000"/>
@@ -246,7 +248,7 @@
             <a:fld id="{E28287AA-0D99-42CE-A71B-10FA9908BBF8}" type="datetimeFigureOut">
               <a:rPr lang="pt-BR"/>
               <a:pPr/>
-              <a:t>20/11/2016</a:t>
+              <a:t>22/11/2016</a:t>
             </a:fld>
             <a:endParaRPr lang="pt-BR" dirty="0"/>
           </a:p>
@@ -680,7 +682,7 @@
     </p:spTree>
     <p:extLst>
       <p:ext uri="{BB962C8B-B14F-4D97-AF65-F5344CB8AC3E}">
-        <p14:creationId xmlns:p14="http://schemas.microsoft.com/office/powerpoint/2010/main" val="4124750629"/>
+        <p14:creationId xmlns:p14="http://schemas.microsoft.com/office/powerpoint/2010/main" val="3165683472"/>
       </p:ext>
     </p:extLst>
   </p:cSld>
@@ -767,7 +769,7 @@
     </p:spTree>
     <p:extLst>
       <p:ext uri="{BB962C8B-B14F-4D97-AF65-F5344CB8AC3E}">
-        <p14:creationId xmlns:p14="http://schemas.microsoft.com/office/powerpoint/2010/main" val="3165683472"/>
+        <p14:creationId xmlns:p14="http://schemas.microsoft.com/office/powerpoint/2010/main" val="4124750629"/>
       </p:ext>
     </p:extLst>
   </p:cSld>
@@ -978,7 +980,7 @@
             <a:fld id="{DCFA480D-CB17-4C49-BB2A-C7514E1C7CEA}" type="datetimeFigureOut">
               <a:rPr lang="pt-BR" smtClean="0"/>
               <a:pPr/>
-              <a:t>20/11/2016</a:t>
+              <a:t>22/11/2016</a:t>
             </a:fld>
             <a:endParaRPr lang="pt-BR" dirty="0"/>
           </a:p>
@@ -1171,7 +1173,7 @@
             <a:fld id="{DCFA480D-CB17-4C49-BB2A-C7514E1C7CEA}" type="datetimeFigureOut">
               <a:rPr lang="pt-BR" smtClean="0"/>
               <a:pPr/>
-              <a:t>20/11/2016</a:t>
+              <a:t>22/11/2016</a:t>
             </a:fld>
             <a:endParaRPr lang="pt-BR" sz="1200" dirty="0">
               <a:solidFill>
@@ -1367,7 +1369,7 @@
             <a:fld id="{DCFA480D-CB17-4C49-BB2A-C7514E1C7CEA}" type="datetimeFigureOut">
               <a:rPr lang="pt-BR" smtClean="0"/>
               <a:pPr/>
-              <a:t>20/11/2016</a:t>
+              <a:t>22/11/2016</a:t>
             </a:fld>
             <a:endParaRPr lang="pt-BR" sz="1200" dirty="0">
               <a:solidFill>
@@ -1553,7 +1555,7 @@
             <a:fld id="{DCFA480D-CB17-4C49-BB2A-C7514E1C7CEA}" type="datetimeFigureOut">
               <a:rPr lang="pt-BR" smtClean="0"/>
               <a:pPr/>
-              <a:t>20/11/2016</a:t>
+              <a:t>22/11/2016</a:t>
             </a:fld>
             <a:endParaRPr lang="pt-BR" dirty="0"/>
           </a:p>
@@ -1812,7 +1814,7 @@
             <a:fld id="{DCFA480D-CB17-4C49-BB2A-C7514E1C7CEA}" type="datetimeFigureOut">
               <a:rPr lang="pt-BR" smtClean="0"/>
               <a:pPr/>
-              <a:t>20/11/2016</a:t>
+              <a:t>22/11/2016</a:t>
             </a:fld>
             <a:endParaRPr lang="pt-BR" dirty="0"/>
           </a:p>
@@ -2102,7 +2104,7 @@
             <a:fld id="{DCFA480D-CB17-4C49-BB2A-C7514E1C7CEA}" type="datetimeFigureOut">
               <a:rPr lang="pt-BR" smtClean="0"/>
               <a:pPr/>
-              <a:t>20/11/2016</a:t>
+              <a:t>22/11/2016</a:t>
             </a:fld>
             <a:endParaRPr lang="pt-BR" dirty="0"/>
           </a:p>
@@ -2542,7 +2544,7 @@
             <a:fld id="{DCFA480D-CB17-4C49-BB2A-C7514E1C7CEA}" type="datetimeFigureOut">
               <a:rPr lang="pt-BR" smtClean="0"/>
               <a:pPr/>
-              <a:t>20/11/2016</a:t>
+              <a:t>22/11/2016</a:t>
             </a:fld>
             <a:endParaRPr lang="pt-BR" dirty="0"/>
           </a:p>
@@ -2662,7 +2664,7 @@
             <a:fld id="{DCFA480D-CB17-4C49-BB2A-C7514E1C7CEA}" type="datetimeFigureOut">
               <a:rPr lang="pt-BR" smtClean="0"/>
               <a:pPr/>
-              <a:t>20/11/2016</a:t>
+              <a:t>22/11/2016</a:t>
             </a:fld>
             <a:endParaRPr lang="pt-BR" dirty="0"/>
           </a:p>
@@ -2759,7 +2761,7 @@
             <a:fld id="{DCFA480D-CB17-4C49-BB2A-C7514E1C7CEA}" type="datetimeFigureOut">
               <a:rPr lang="pt-BR" smtClean="0"/>
               <a:pPr/>
-              <a:t>20/11/2016</a:t>
+              <a:t>22/11/2016</a:t>
             </a:fld>
             <a:endParaRPr lang="pt-BR" sz="1200" dirty="0">
               <a:solidFill>
@@ -3131,7 +3133,7 @@
             <a:fld id="{DCFA480D-CB17-4C49-BB2A-C7514E1C7CEA}" type="datetimeFigureOut">
               <a:rPr lang="pt-BR" smtClean="0"/>
               <a:pPr/>
-              <a:t>20/11/2016</a:t>
+              <a:t>22/11/2016</a:t>
             </a:fld>
             <a:endParaRPr lang="pt-BR" dirty="0"/>
           </a:p>
@@ -3453,7 +3455,7 @@
             <a:fld id="{DCFA480D-CB17-4C49-BB2A-C7514E1C7CEA}" type="datetimeFigureOut">
               <a:rPr lang="pt-BR" smtClean="0"/>
               <a:pPr/>
-              <a:t>20/11/2016</a:t>
+              <a:t>22/11/2016</a:t>
             </a:fld>
             <a:endParaRPr lang="pt-BR" dirty="0"/>
           </a:p>
@@ -3689,7 +3691,7 @@
             <a:fld id="{DCFA480D-CB17-4C49-BB2A-C7514E1C7CEA}" type="datetimeFigureOut">
               <a:rPr lang="pt-BR" smtClean="0"/>
               <a:pPr/>
-              <a:t>20/11/2016</a:t>
+              <a:t>22/11/2016</a:t>
             </a:fld>
             <a:endParaRPr lang="pt-BR" sz="1200" dirty="0">
               <a:solidFill>
@@ -4219,37 +4221,32 @@
             <p:ph type="title"/>
           </p:nvPr>
         </p:nvSpPr>
+        <p:spPr/>
+        <p:txBody>
+          <a:bodyPr/>
+          <a:lstStyle/>
+          <a:p>
+            <a:r>
+              <a:rPr lang="pt-BR" dirty="0"/>
+              <a:t>Manifesto ágil</a:t>
+            </a:r>
+          </a:p>
+        </p:txBody>
+      </p:sp>
+      <p:sp>
+        <p:nvSpPr>
+          <p:cNvPr id="2" name="Espaço Reservado para Conteúdo 1"/>
+          <p:cNvSpPr>
+            <a:spLocks noGrp="1"/>
+          </p:cNvSpPr>
+          <p:nvPr>
+            <p:ph idx="1"/>
+          </p:nvPr>
+        </p:nvSpPr>
         <p:spPr>
           <a:xfrm>
-            <a:off x="467544" y="1268760"/>
-            <a:ext cx="8229600" cy="894928"/>
-          </a:xfrm>
-        </p:spPr>
-        <p:txBody>
-          <a:bodyPr/>
-          <a:lstStyle/>
-          <a:p>
-            <a:r>
-              <a:rPr lang="pt-BR" dirty="0"/>
-              <a:t>Quando foi criado?</a:t>
-            </a:r>
-          </a:p>
-        </p:txBody>
-      </p:sp>
-      <p:sp>
-        <p:nvSpPr>
-          <p:cNvPr id="2" name="Espaço Reservado para Conteúdo 1"/>
-          <p:cNvSpPr>
-            <a:spLocks noGrp="1"/>
-          </p:cNvSpPr>
-          <p:nvPr>
-            <p:ph idx="1"/>
-          </p:nvPr>
-        </p:nvSpPr>
-        <p:spPr>
-          <a:xfrm>
-            <a:off x="467544" y="2316088"/>
-            <a:ext cx="8229600" cy="608856"/>
+            <a:off x="507206" y="1993393"/>
+            <a:ext cx="8065294" cy="4171911"/>
           </a:xfrm>
         </p:spPr>
         <p:txBody>
@@ -4258,648 +4255,210 @@
           </a:bodyPr>
           <a:lstStyle/>
           <a:p>
-            <a:r>
-              <a:rPr lang="pt-BR" dirty="0"/>
-              <a:t>Em fevereiro de 2001</a:t>
-            </a:r>
-          </a:p>
-        </p:txBody>
-      </p:sp>
-      <p:sp>
-        <p:nvSpPr>
-          <p:cNvPr id="4" name="Espaço Reservado para Conteúdo 1"/>
-          <p:cNvSpPr txBox="1">
-            <a:spLocks/>
-          </p:cNvSpPr>
-          <p:nvPr/>
-        </p:nvSpPr>
-        <p:spPr>
-          <a:xfrm>
-            <a:off x="463632" y="3864496"/>
-            <a:ext cx="8229600" cy="608856"/>
-          </a:xfrm>
-          <a:prstGeom prst="rect">
-            <a:avLst/>
-          </a:prstGeom>
-        </p:spPr>
-        <p:txBody>
-          <a:bodyPr vert="horz">
-            <a:normAutofit fontScale="77500" lnSpcReduction="20000"/>
-          </a:bodyPr>
-          <a:lstStyle>
-            <a:lvl1pPr marL="274320" indent="-274320" algn="l" rtl="0" eaLnBrk="1" latinLnBrk="0" hangingPunct="1">
-              <a:spcBef>
-                <a:spcPts val="600"/>
-              </a:spcBef>
-              <a:buClr>
-                <a:schemeClr val="accent2"/>
-              </a:buClr>
-              <a:buSzPct val="85000"/>
-              <a:buFont typeface="Wingdings 2"/>
-              <a:buChar char=""/>
-              <a:defRPr lang="pt-BR" sz="2600" kern="1200">
-                <a:solidFill>
-                  <a:schemeClr val="tx1"/>
-                </a:solidFill>
-                <a:latin typeface="+mn-lt"/>
-                <a:ea typeface="+mn-ea"/>
-                <a:cs typeface="+mn-cs"/>
-              </a:defRPr>
-            </a:lvl1pPr>
-            <a:lvl2pPr marL="640080" indent="-274320" algn="l" rtl="0" eaLnBrk="1" latinLnBrk="0" hangingPunct="1">
-              <a:spcBef>
-                <a:spcPts val="300"/>
-              </a:spcBef>
-              <a:buClr>
-                <a:schemeClr val="accent2">
-                  <a:shade val="75000"/>
-                </a:schemeClr>
-              </a:buClr>
-              <a:buSzPct val="85000"/>
-              <a:buFont typeface="Wingdings 2"/>
-              <a:buChar char=""/>
-              <a:defRPr lang="pt-BR" sz="2400" kern="1200">
-                <a:solidFill>
-                  <a:schemeClr val="tx2"/>
-                </a:solidFill>
-                <a:latin typeface="+mn-lt"/>
-                <a:ea typeface="+mn-ea"/>
-                <a:cs typeface="+mn-cs"/>
-              </a:defRPr>
-            </a:lvl2pPr>
-            <a:lvl3pPr marL="1005840" indent="-228600" algn="l" rtl="0" eaLnBrk="1" latinLnBrk="0" hangingPunct="1">
-              <a:spcBef>
-                <a:spcPts val="300"/>
-              </a:spcBef>
-              <a:buClr>
-                <a:schemeClr val="accent2">
-                  <a:shade val="50000"/>
-                </a:schemeClr>
-              </a:buClr>
-              <a:buSzPct val="85000"/>
-              <a:buFont typeface="Wingdings 2"/>
-              <a:buChar char=""/>
-              <a:defRPr lang="pt-BR" sz="2100" kern="1200">
-                <a:solidFill>
-                  <a:schemeClr val="tx1"/>
-                </a:solidFill>
-                <a:latin typeface="+mn-lt"/>
-                <a:ea typeface="+mn-ea"/>
-                <a:cs typeface="+mn-cs"/>
-              </a:defRPr>
-            </a:lvl3pPr>
-            <a:lvl4pPr marL="1280160" indent="-228600" algn="l" rtl="0" eaLnBrk="1" latinLnBrk="0" hangingPunct="1">
-              <a:spcBef>
-                <a:spcPts val="300"/>
-              </a:spcBef>
-              <a:buClr>
-                <a:schemeClr val="accent2">
-                  <a:shade val="75000"/>
-                </a:schemeClr>
-              </a:buClr>
-              <a:buSzPct val="85000"/>
-              <a:buFont typeface="Wingdings 2" pitchFamily="18" charset="2"/>
-              <a:buChar char=""/>
-              <a:defRPr lang="pt-BR" sz="1900" kern="1200">
-                <a:solidFill>
-                  <a:schemeClr val="tx1"/>
-                </a:solidFill>
-                <a:latin typeface="+mn-lt"/>
-                <a:ea typeface="+mn-ea"/>
-                <a:cs typeface="+mn-cs"/>
-              </a:defRPr>
-            </a:lvl4pPr>
-            <a:lvl5pPr marL="1554480" indent="-228600" algn="l" rtl="0" eaLnBrk="1" latinLnBrk="0" hangingPunct="1">
-              <a:spcBef>
-                <a:spcPts val="340"/>
-              </a:spcBef>
-              <a:buClr>
-                <a:schemeClr val="accent2">
-                  <a:shade val="75000"/>
-                </a:schemeClr>
-              </a:buClr>
-              <a:buSzPct val="85000"/>
-              <a:buFont typeface="Wingdings 2" pitchFamily="18" charset="2"/>
-              <a:buChar char=""/>
-              <a:defRPr lang="pt-BR" sz="1600" kern="1200">
-                <a:solidFill>
-                  <a:schemeClr val="tx1"/>
-                </a:solidFill>
-                <a:latin typeface="+mn-lt"/>
-                <a:ea typeface="+mn-ea"/>
-                <a:cs typeface="+mn-cs"/>
-              </a:defRPr>
-            </a:lvl5pPr>
-            <a:lvl6pPr marL="1828800" indent="-228600" algn="l" rtl="0" eaLnBrk="1" latinLnBrk="0" hangingPunct="1">
-              <a:spcBef>
-                <a:spcPts val="340"/>
-              </a:spcBef>
-              <a:buClr>
-                <a:schemeClr val="accent2">
-                  <a:shade val="75000"/>
-                </a:schemeClr>
-              </a:buClr>
-              <a:buSzPct val="85000"/>
-              <a:buFont typeface="Wingdings 2" pitchFamily="18" charset="2"/>
-              <a:buChar char="?"/>
-              <a:defRPr lang="pt-BR" sz="1700" kern="1200">
-                <a:solidFill>
-                  <a:schemeClr val="tx1"/>
-                </a:solidFill>
-                <a:latin typeface="+mn-lt"/>
-                <a:ea typeface="+mn-ea"/>
-                <a:cs typeface="+mn-cs"/>
-              </a:defRPr>
-            </a:lvl6pPr>
-            <a:lvl7pPr marL="2011680" indent="-182880" algn="l" rtl="0" eaLnBrk="1" latinLnBrk="0" hangingPunct="1">
-              <a:spcBef>
-                <a:spcPts val="340"/>
-              </a:spcBef>
-              <a:buClr>
-                <a:schemeClr val="accent2">
-                  <a:shade val="75000"/>
-                </a:schemeClr>
-              </a:buClr>
-              <a:buSzPct val="85000"/>
-              <a:buFont typeface="Wingdings 2" pitchFamily="18" charset="2"/>
-              <a:buChar char="?"/>
-              <a:defRPr lang="pt-BR" sz="1600" kern="1200" baseline="0">
-                <a:solidFill>
-                  <a:schemeClr val="tx1"/>
-                </a:solidFill>
-                <a:latin typeface="+mn-lt"/>
-                <a:ea typeface="+mn-ea"/>
-                <a:cs typeface="+mn-cs"/>
-              </a:defRPr>
-            </a:lvl7pPr>
-            <a:lvl8pPr marL="2286000" indent="-182880" algn="l" rtl="0" eaLnBrk="1" latinLnBrk="0" hangingPunct="1">
-              <a:spcBef>
-                <a:spcPts val="340"/>
-              </a:spcBef>
-              <a:buClr>
-                <a:schemeClr val="accent2">
-                  <a:shade val="75000"/>
-                </a:schemeClr>
-              </a:buClr>
-              <a:buSzPct val="85000"/>
-              <a:buFont typeface="Wingdings 2" pitchFamily="18" charset="2"/>
-              <a:buChar char="?"/>
-              <a:defRPr lang="pt-BR" sz="1500" kern="1200">
-                <a:solidFill>
-                  <a:schemeClr val="tx1"/>
-                </a:solidFill>
-                <a:latin typeface="+mn-lt"/>
-                <a:ea typeface="+mn-ea"/>
-                <a:cs typeface="+mn-cs"/>
-              </a:defRPr>
-            </a:lvl8pPr>
-            <a:lvl9pPr marL="2560320" indent="-182880" algn="l" rtl="0" eaLnBrk="1" latinLnBrk="0" hangingPunct="1">
-              <a:spcBef>
-                <a:spcPts val="340"/>
-              </a:spcBef>
-              <a:buClr>
-                <a:schemeClr val="accent2">
-                  <a:shade val="75000"/>
-                </a:schemeClr>
-              </a:buClr>
-              <a:buSzPct val="85000"/>
-              <a:buFont typeface="Wingdings 2" pitchFamily="18" charset="2"/>
-              <a:buChar char="?"/>
-              <a:defRPr lang="pt-BR" sz="1500" kern="1200">
-                <a:solidFill>
-                  <a:schemeClr val="tx1"/>
-                </a:solidFill>
-                <a:latin typeface="+mn-lt"/>
-                <a:ea typeface="+mn-ea"/>
-                <a:cs typeface="+mn-cs"/>
-              </a:defRPr>
-            </a:lvl9pPr>
-          </a:lstStyle>
-          <a:p>
-            <a:r>
-              <a:rPr lang="pt-BR" dirty="0"/>
-              <a:t>Montanhas nevadas do estado norte-americano de Utah no resort de inverno e verão Snowbird</a:t>
-            </a:r>
-          </a:p>
-        </p:txBody>
-      </p:sp>
-      <p:sp>
-        <p:nvSpPr>
-          <p:cNvPr id="5" name="Título 2"/>
-          <p:cNvSpPr txBox="1">
-            <a:spLocks/>
-          </p:cNvSpPr>
-          <p:nvPr/>
-        </p:nvSpPr>
-        <p:spPr>
-          <a:xfrm>
-            <a:off x="463632" y="2924944"/>
-            <a:ext cx="8229600" cy="787152"/>
-          </a:xfrm>
-          <a:prstGeom prst="rect">
-            <a:avLst/>
-          </a:prstGeom>
-          <a:ln w="6350" cap="rnd">
-            <a:noFill/>
-          </a:ln>
-        </p:spPr>
-        <p:txBody>
-          <a:bodyPr vert="horz" rtlCol="0" anchor="b" anchorCtr="0">
-            <a:normAutofit/>
-          </a:bodyPr>
-          <a:lstStyle>
-            <a:lvl1pPr algn="l" rtl="0" eaLnBrk="1" latinLnBrk="0" hangingPunct="1">
-              <a:spcBef>
-                <a:spcPct val="0"/>
-              </a:spcBef>
+            <a:pPr>
+              <a:buFont typeface="Wingdings" panose="05000000000000000000" pitchFamily="2" charset="2"/>
+              <a:buChar char="ü"/>
+            </a:pPr>
+            <a:r>
+              <a:rPr lang="pt-BR" dirty="0"/>
+              <a:t>Uma declaração de princípios que fundamentam o desenvolvimento ágil de softwares. </a:t>
+            </a:r>
+          </a:p>
+          <a:p>
+            <a:pPr>
+              <a:buFont typeface="Wingdings" panose="05000000000000000000" pitchFamily="2" charset="2"/>
+              <a:buChar char="ü"/>
+            </a:pPr>
+            <a:r>
+              <a:rPr lang="pt-BR" dirty="0"/>
+              <a:t>Criado Em fevereiro de 2001, em reunião onde compareceram os 17 criadores iniciais</a:t>
+            </a:r>
+          </a:p>
+          <a:p>
+            <a:pPr>
+              <a:buFont typeface="Wingdings" panose="05000000000000000000" pitchFamily="2" charset="2"/>
+              <a:buChar char="ü"/>
+            </a:pPr>
+            <a:r>
+              <a:rPr lang="pt-BR" dirty="0"/>
+              <a:t>Criadores: Kent Beck, Mike </a:t>
+            </a:r>
+            <a:r>
+              <a:rPr lang="pt-BR" dirty="0" err="1"/>
+              <a:t>Beedle</a:t>
+            </a:r>
+            <a:r>
+              <a:rPr lang="pt-BR" dirty="0"/>
+              <a:t>, Arie van </a:t>
+            </a:r>
+            <a:r>
+              <a:rPr lang="pt-BR" dirty="0" err="1"/>
+              <a:t>Bennekum</a:t>
+            </a:r>
+            <a:r>
+              <a:rPr lang="pt-BR" dirty="0"/>
+              <a:t>, </a:t>
+            </a:r>
+            <a:r>
+              <a:rPr lang="pt-BR" dirty="0" err="1"/>
+              <a:t>Alistair</a:t>
+            </a:r>
+            <a:r>
+              <a:rPr lang="pt-BR" dirty="0"/>
+              <a:t> Cockburn, Ward Cunningham, Martin Fowler, James </a:t>
+            </a:r>
+            <a:r>
+              <a:rPr lang="pt-BR" dirty="0" err="1"/>
+              <a:t>Grenning</a:t>
+            </a:r>
+            <a:r>
+              <a:rPr lang="pt-BR" dirty="0"/>
+              <a:t>, Jim </a:t>
+            </a:r>
+            <a:r>
+              <a:rPr lang="pt-BR" dirty="0" err="1"/>
+              <a:t>Highsmith</a:t>
+            </a:r>
+            <a:r>
+              <a:rPr lang="pt-BR" dirty="0"/>
+              <a:t>, Andrew Hunt, Ron </a:t>
+            </a:r>
+            <a:r>
+              <a:rPr lang="pt-BR" dirty="0" err="1"/>
+              <a:t>Jeffries</a:t>
+            </a:r>
+            <a:r>
+              <a:rPr lang="pt-BR" dirty="0"/>
+              <a:t>, Jon </a:t>
+            </a:r>
+            <a:r>
+              <a:rPr lang="pt-BR" dirty="0" err="1"/>
+              <a:t>Kern</a:t>
+            </a:r>
+            <a:r>
+              <a:rPr lang="pt-BR" dirty="0"/>
+              <a:t>, Brian </a:t>
+            </a:r>
+            <a:r>
+              <a:rPr lang="pt-BR" dirty="0" err="1"/>
+              <a:t>Marick</a:t>
+            </a:r>
+            <a:r>
+              <a:rPr lang="pt-BR" dirty="0"/>
+              <a:t>, Robert C. Martin, Steve </a:t>
+            </a:r>
+            <a:r>
+              <a:rPr lang="pt-BR" dirty="0" err="1"/>
+              <a:t>Mellor</a:t>
+            </a:r>
+            <a:r>
+              <a:rPr lang="pt-BR" dirty="0"/>
+              <a:t>, </a:t>
+            </a:r>
+            <a:r>
+              <a:rPr lang="pt-BR" b="1" dirty="0"/>
+              <a:t>Ken </a:t>
+            </a:r>
+            <a:r>
+              <a:rPr lang="pt-BR" b="1" dirty="0" err="1"/>
+              <a:t>Schwaber</a:t>
+            </a:r>
+            <a:r>
+              <a:rPr lang="pt-BR" b="1" dirty="0"/>
+              <a:t>, Jeff Sutherland</a:t>
+            </a:r>
+            <a:r>
+              <a:rPr lang="pt-BR" dirty="0"/>
+              <a:t> e Dave Thomas</a:t>
+            </a:r>
+          </a:p>
+          <a:p>
+            <a:pPr>
+              <a:buFont typeface="Wingdings" panose="05000000000000000000" pitchFamily="2" charset="2"/>
+              <a:buChar char="ü"/>
+            </a:pPr>
+            <a:r>
+              <a:rPr lang="en-US" dirty="0"/>
+              <a:t> </a:t>
+            </a:r>
+            <a:r>
+              <a:rPr lang="en-US" dirty="0" err="1"/>
+              <a:t>Criado</a:t>
+            </a:r>
+            <a:r>
+              <a:rPr lang="en-US" dirty="0"/>
+              <a:t> com o </a:t>
+            </a:r>
+            <a:r>
+              <a:rPr lang="en-US" dirty="0" err="1"/>
+              <a:t>objetivo</a:t>
+            </a:r>
+            <a:r>
+              <a:rPr lang="en-US" dirty="0"/>
+              <a:t> de </a:t>
+            </a:r>
+            <a:r>
+              <a:rPr lang="en-US" dirty="0" err="1"/>
+              <a:t>estabelecer</a:t>
+            </a:r>
+            <a:r>
+              <a:rPr lang="en-US" dirty="0"/>
+              <a:t> </a:t>
+            </a:r>
+            <a:r>
+              <a:rPr lang="en-US" dirty="0" err="1"/>
+              <a:t>parâmetros</a:t>
+            </a:r>
+            <a:r>
+              <a:rPr lang="en-US" dirty="0"/>
+              <a:t> para </a:t>
+            </a:r>
+            <a:r>
+              <a:rPr lang="en-US" dirty="0" err="1"/>
+              <a:t>criação</a:t>
+            </a:r>
+            <a:r>
+              <a:rPr lang="en-US" dirty="0"/>
+              <a:t> de </a:t>
+            </a:r>
+            <a:r>
+              <a:rPr lang="en-US" dirty="0" err="1"/>
+              <a:t>metodologias</a:t>
+            </a:r>
+            <a:r>
+              <a:rPr lang="en-US" dirty="0"/>
+              <a:t> </a:t>
+            </a:r>
+            <a:r>
+              <a:rPr lang="en-US" dirty="0" err="1"/>
+              <a:t>ágeis</a:t>
+            </a:r>
+            <a:r>
+              <a:rPr lang="en-US" dirty="0"/>
+              <a:t> para </a:t>
+            </a:r>
+            <a:r>
+              <a:rPr lang="en-US" dirty="0" err="1"/>
+              <a:t>desenvolvimento</a:t>
+            </a:r>
+            <a:r>
+              <a:rPr lang="en-US" dirty="0"/>
+              <a:t> de software.</a:t>
+            </a:r>
+            <a:endParaRPr lang="pt-BR" dirty="0"/>
+          </a:p>
+          <a:p>
+            <a:pPr marL="0" indent="0">
               <a:buNone/>
-              <a:defRPr lang="pt-BR" sz="4200" b="0" kern="1200" spc="-100" baseline="0">
-                <a:ln w="3200">
-                  <a:solidFill>
-                    <a:schemeClr val="bg2">
-                      <a:shade val="75000"/>
-                      <a:alpha val="25000"/>
-                    </a:schemeClr>
-                  </a:solidFill>
-                  <a:prstDash val="solid"/>
-                  <a:round/>
-                </a:ln>
-                <a:solidFill>
-                  <a:srgbClr val="F9F9F9"/>
-                </a:solidFill>
-                <a:effectLst>
-                  <a:outerShdw blurRad="50800" dist="38100" dir="2700000" algn="tl" rotWithShape="0">
-                    <a:prstClr val="black">
-                      <a:alpha val="40000"/>
-                    </a:prstClr>
-                  </a:outerShdw>
-                </a:effectLst>
-                <a:latin typeface="+mj-lt"/>
-                <a:ea typeface="+mj-ea"/>
-                <a:cs typeface="+mj-cs"/>
-              </a:defRPr>
-            </a:lvl1pPr>
-          </a:lstStyle>
-          <a:p>
-            <a:r>
-              <a:rPr lang="pt-BR" dirty="0"/>
-              <a:t>Aonde foi criado?</a:t>
-            </a:r>
-          </a:p>
-        </p:txBody>
-      </p:sp>
-      <p:sp>
-        <p:nvSpPr>
-          <p:cNvPr id="6" name="Espaço Reservado para Conteúdo 1"/>
-          <p:cNvSpPr txBox="1">
-            <a:spLocks/>
-          </p:cNvSpPr>
-          <p:nvPr/>
-        </p:nvSpPr>
-        <p:spPr>
-          <a:xfrm>
-            <a:off x="463632" y="5565304"/>
-            <a:ext cx="8229600" cy="744016"/>
-          </a:xfrm>
-          <a:prstGeom prst="rect">
-            <a:avLst/>
-          </a:prstGeom>
-        </p:spPr>
-        <p:txBody>
-          <a:bodyPr vert="horz">
-            <a:normAutofit fontScale="70000" lnSpcReduction="20000"/>
-          </a:bodyPr>
-          <a:lstStyle>
-            <a:lvl1pPr marL="274320" indent="-274320" algn="l" rtl="0" eaLnBrk="1" latinLnBrk="0" hangingPunct="1">
-              <a:spcBef>
-                <a:spcPts val="600"/>
-              </a:spcBef>
-              <a:buClr>
-                <a:schemeClr val="accent2"/>
-              </a:buClr>
-              <a:buSzPct val="85000"/>
-              <a:buFont typeface="Wingdings 2"/>
-              <a:buChar char=""/>
-              <a:defRPr lang="pt-BR" sz="2600" kern="1200">
-                <a:solidFill>
-                  <a:schemeClr val="tx1"/>
-                </a:solidFill>
-                <a:latin typeface="+mn-lt"/>
-                <a:ea typeface="+mn-ea"/>
-                <a:cs typeface="+mn-cs"/>
-              </a:defRPr>
-            </a:lvl1pPr>
-            <a:lvl2pPr marL="640080" indent="-274320" algn="l" rtl="0" eaLnBrk="1" latinLnBrk="0" hangingPunct="1">
-              <a:spcBef>
-                <a:spcPts val="300"/>
-              </a:spcBef>
-              <a:buClr>
-                <a:schemeClr val="accent2">
-                  <a:shade val="75000"/>
-                </a:schemeClr>
-              </a:buClr>
-              <a:buSzPct val="85000"/>
-              <a:buFont typeface="Wingdings 2"/>
-              <a:buChar char=""/>
-              <a:defRPr lang="pt-BR" sz="2400" kern="1200">
-                <a:solidFill>
-                  <a:schemeClr val="tx2"/>
-                </a:solidFill>
-                <a:latin typeface="+mn-lt"/>
-                <a:ea typeface="+mn-ea"/>
-                <a:cs typeface="+mn-cs"/>
-              </a:defRPr>
-            </a:lvl2pPr>
-            <a:lvl3pPr marL="1005840" indent="-228600" algn="l" rtl="0" eaLnBrk="1" latinLnBrk="0" hangingPunct="1">
-              <a:spcBef>
-                <a:spcPts val="300"/>
-              </a:spcBef>
-              <a:buClr>
-                <a:schemeClr val="accent2">
-                  <a:shade val="50000"/>
-                </a:schemeClr>
-              </a:buClr>
-              <a:buSzPct val="85000"/>
-              <a:buFont typeface="Wingdings 2"/>
-              <a:buChar char=""/>
-              <a:defRPr lang="pt-BR" sz="2100" kern="1200">
-                <a:solidFill>
-                  <a:schemeClr val="tx1"/>
-                </a:solidFill>
-                <a:latin typeface="+mn-lt"/>
-                <a:ea typeface="+mn-ea"/>
-                <a:cs typeface="+mn-cs"/>
-              </a:defRPr>
-            </a:lvl3pPr>
-            <a:lvl4pPr marL="1280160" indent="-228600" algn="l" rtl="0" eaLnBrk="1" latinLnBrk="0" hangingPunct="1">
-              <a:spcBef>
-                <a:spcPts val="300"/>
-              </a:spcBef>
-              <a:buClr>
-                <a:schemeClr val="accent2">
-                  <a:shade val="75000"/>
-                </a:schemeClr>
-              </a:buClr>
-              <a:buSzPct val="85000"/>
-              <a:buFont typeface="Wingdings 2" pitchFamily="18" charset="2"/>
-              <a:buChar char=""/>
-              <a:defRPr lang="pt-BR" sz="1900" kern="1200">
-                <a:solidFill>
-                  <a:schemeClr val="tx1"/>
-                </a:solidFill>
-                <a:latin typeface="+mn-lt"/>
-                <a:ea typeface="+mn-ea"/>
-                <a:cs typeface="+mn-cs"/>
-              </a:defRPr>
-            </a:lvl4pPr>
-            <a:lvl5pPr marL="1554480" indent="-228600" algn="l" rtl="0" eaLnBrk="1" latinLnBrk="0" hangingPunct="1">
-              <a:spcBef>
-                <a:spcPts val="340"/>
-              </a:spcBef>
-              <a:buClr>
-                <a:schemeClr val="accent2">
-                  <a:shade val="75000"/>
-                </a:schemeClr>
-              </a:buClr>
-              <a:buSzPct val="85000"/>
-              <a:buFont typeface="Wingdings 2" pitchFamily="18" charset="2"/>
-              <a:buChar char=""/>
-              <a:defRPr lang="pt-BR" sz="1600" kern="1200">
-                <a:solidFill>
-                  <a:schemeClr val="tx1"/>
-                </a:solidFill>
-                <a:latin typeface="+mn-lt"/>
-                <a:ea typeface="+mn-ea"/>
-                <a:cs typeface="+mn-cs"/>
-              </a:defRPr>
-            </a:lvl5pPr>
-            <a:lvl6pPr marL="1828800" indent="-228600" algn="l" rtl="0" eaLnBrk="1" latinLnBrk="0" hangingPunct="1">
-              <a:spcBef>
-                <a:spcPts val="340"/>
-              </a:spcBef>
-              <a:buClr>
-                <a:schemeClr val="accent2">
-                  <a:shade val="75000"/>
-                </a:schemeClr>
-              </a:buClr>
-              <a:buSzPct val="85000"/>
-              <a:buFont typeface="Wingdings 2" pitchFamily="18" charset="2"/>
-              <a:buChar char="?"/>
-              <a:defRPr lang="pt-BR" sz="1700" kern="1200">
-                <a:solidFill>
-                  <a:schemeClr val="tx1"/>
-                </a:solidFill>
-                <a:latin typeface="+mn-lt"/>
-                <a:ea typeface="+mn-ea"/>
-                <a:cs typeface="+mn-cs"/>
-              </a:defRPr>
-            </a:lvl6pPr>
-            <a:lvl7pPr marL="2011680" indent="-182880" algn="l" rtl="0" eaLnBrk="1" latinLnBrk="0" hangingPunct="1">
-              <a:spcBef>
-                <a:spcPts val="340"/>
-              </a:spcBef>
-              <a:buClr>
-                <a:schemeClr val="accent2">
-                  <a:shade val="75000"/>
-                </a:schemeClr>
-              </a:buClr>
-              <a:buSzPct val="85000"/>
-              <a:buFont typeface="Wingdings 2" pitchFamily="18" charset="2"/>
-              <a:buChar char="?"/>
-              <a:defRPr lang="pt-BR" sz="1600" kern="1200" baseline="0">
-                <a:solidFill>
-                  <a:schemeClr val="tx1"/>
-                </a:solidFill>
-                <a:latin typeface="+mn-lt"/>
-                <a:ea typeface="+mn-ea"/>
-                <a:cs typeface="+mn-cs"/>
-              </a:defRPr>
-            </a:lvl7pPr>
-            <a:lvl8pPr marL="2286000" indent="-182880" algn="l" rtl="0" eaLnBrk="1" latinLnBrk="0" hangingPunct="1">
-              <a:spcBef>
-                <a:spcPts val="340"/>
-              </a:spcBef>
-              <a:buClr>
-                <a:schemeClr val="accent2">
-                  <a:shade val="75000"/>
-                </a:schemeClr>
-              </a:buClr>
-              <a:buSzPct val="85000"/>
-              <a:buFont typeface="Wingdings 2" pitchFamily="18" charset="2"/>
-              <a:buChar char="?"/>
-              <a:defRPr lang="pt-BR" sz="1500" kern="1200">
-                <a:solidFill>
-                  <a:schemeClr val="tx1"/>
-                </a:solidFill>
-                <a:latin typeface="+mn-lt"/>
-                <a:ea typeface="+mn-ea"/>
-                <a:cs typeface="+mn-cs"/>
-              </a:defRPr>
-            </a:lvl8pPr>
-            <a:lvl9pPr marL="2560320" indent="-182880" algn="l" rtl="0" eaLnBrk="1" latinLnBrk="0" hangingPunct="1">
-              <a:spcBef>
-                <a:spcPts val="340"/>
-              </a:spcBef>
-              <a:buClr>
-                <a:schemeClr val="accent2">
-                  <a:shade val="75000"/>
-                </a:schemeClr>
-              </a:buClr>
-              <a:buSzPct val="85000"/>
-              <a:buFont typeface="Wingdings 2" pitchFamily="18" charset="2"/>
-              <a:buChar char="?"/>
-              <a:defRPr lang="pt-BR" sz="1500" kern="1200">
-                <a:solidFill>
-                  <a:schemeClr val="tx1"/>
-                </a:solidFill>
-                <a:latin typeface="+mn-lt"/>
-                <a:ea typeface="+mn-ea"/>
-                <a:cs typeface="+mn-cs"/>
-              </a:defRPr>
-            </a:lvl9pPr>
-          </a:lstStyle>
-          <a:p>
-            <a:r>
-              <a:rPr lang="pt-BR" dirty="0"/>
-              <a:t>Uma reunião onde compareceram os 17 criadores iniciais marcava o surgimento e propagação do paradigma de desenvolvimento de softwares ágeis.</a:t>
-            </a:r>
-          </a:p>
-        </p:txBody>
-      </p:sp>
-      <p:sp>
-        <p:nvSpPr>
-          <p:cNvPr id="7" name="Título 2"/>
-          <p:cNvSpPr txBox="1">
-            <a:spLocks/>
-          </p:cNvSpPr>
-          <p:nvPr/>
-        </p:nvSpPr>
-        <p:spPr>
-          <a:xfrm>
-            <a:off x="463632" y="4625752"/>
-            <a:ext cx="8229600" cy="787152"/>
-          </a:xfrm>
-          <a:prstGeom prst="rect">
-            <a:avLst/>
-          </a:prstGeom>
-          <a:ln w="6350" cap="rnd">
-            <a:noFill/>
-          </a:ln>
-        </p:spPr>
-        <p:txBody>
-          <a:bodyPr vert="horz" rtlCol="0" anchor="b" anchorCtr="0">
-            <a:normAutofit/>
-          </a:bodyPr>
-          <a:lstStyle>
-            <a:lvl1pPr algn="l" rtl="0" eaLnBrk="1" latinLnBrk="0" hangingPunct="1">
-              <a:spcBef>
-                <a:spcPct val="0"/>
-              </a:spcBef>
-              <a:buNone/>
-              <a:defRPr lang="pt-BR" sz="4200" b="0" kern="1200" spc="-100" baseline="0">
-                <a:ln w="3200">
-                  <a:solidFill>
-                    <a:schemeClr val="bg2">
-                      <a:shade val="75000"/>
-                      <a:alpha val="25000"/>
-                    </a:schemeClr>
-                  </a:solidFill>
-                  <a:prstDash val="solid"/>
-                  <a:round/>
-                </a:ln>
-                <a:solidFill>
-                  <a:srgbClr val="F9F9F9"/>
-                </a:solidFill>
-                <a:effectLst>
-                  <a:outerShdw blurRad="50800" dist="38100" dir="2700000" algn="tl" rotWithShape="0">
-                    <a:prstClr val="black">
-                      <a:alpha val="40000"/>
-                    </a:prstClr>
-                  </a:outerShdw>
-                </a:effectLst>
-                <a:latin typeface="+mj-lt"/>
-                <a:ea typeface="+mj-ea"/>
-                <a:cs typeface="+mj-cs"/>
-              </a:defRPr>
-            </a:lvl1pPr>
-          </a:lstStyle>
-          <a:p>
-            <a:r>
-              <a:rPr lang="pt-BR" dirty="0"/>
-              <a:t>Como foi criado?</a:t>
-            </a:r>
-          </a:p>
-        </p:txBody>
-      </p:sp>
-      <p:sp>
-        <p:nvSpPr>
-          <p:cNvPr id="8" name="Título 2"/>
-          <p:cNvSpPr txBox="1">
-            <a:spLocks/>
-          </p:cNvSpPr>
-          <p:nvPr/>
-        </p:nvSpPr>
-        <p:spPr>
-          <a:xfrm>
-            <a:off x="457200" y="158552"/>
-            <a:ext cx="8229600" cy="931168"/>
-          </a:xfrm>
-          <a:prstGeom prst="rect">
-            <a:avLst/>
-          </a:prstGeom>
-          <a:ln w="6350" cap="rnd">
-            <a:noFill/>
-          </a:ln>
-        </p:spPr>
-        <p:txBody>
-          <a:bodyPr vert="horz" rtlCol="0" anchor="b" anchorCtr="0">
-            <a:normAutofit/>
-          </a:bodyPr>
-          <a:lstStyle>
-            <a:lvl1pPr algn="l" rtl="0" eaLnBrk="1" latinLnBrk="0" hangingPunct="1">
-              <a:spcBef>
-                <a:spcPct val="0"/>
-              </a:spcBef>
-              <a:buNone/>
-              <a:defRPr lang="pt-BR" sz="4200" b="0" kern="1200" spc="-100" baseline="0">
-                <a:ln w="3200">
-                  <a:solidFill>
-                    <a:schemeClr val="bg2">
-                      <a:shade val="75000"/>
-                      <a:alpha val="25000"/>
-                    </a:schemeClr>
-                  </a:solidFill>
-                  <a:prstDash val="solid"/>
-                  <a:round/>
-                </a:ln>
-                <a:solidFill>
-                  <a:srgbClr val="F9F9F9"/>
-                </a:solidFill>
-                <a:effectLst>
-                  <a:outerShdw blurRad="50800" dist="38100" dir="2700000" algn="tl" rotWithShape="0">
-                    <a:prstClr val="black">
-                      <a:alpha val="40000"/>
-                    </a:prstClr>
-                  </a:outerShdw>
-                </a:effectLst>
-                <a:latin typeface="+mj-lt"/>
-                <a:ea typeface="+mj-ea"/>
-                <a:cs typeface="+mj-cs"/>
-              </a:defRPr>
-            </a:lvl1pPr>
-          </a:lstStyle>
-          <a:p>
-            <a:r>
-              <a:rPr lang="pt-BR" dirty="0"/>
-              <a:t>Manifesto ágil</a:t>
-            </a:r>
+            </a:pPr>
+            <a:endParaRPr lang="pt-BR" dirty="0"/>
           </a:p>
         </p:txBody>
       </p:sp>
     </p:spTree>
     <p:extLst>
       <p:ext uri="{BB962C8B-B14F-4D97-AF65-F5344CB8AC3E}">
-        <p14:creationId xmlns:p14="http://schemas.microsoft.com/office/powerpoint/2010/main" val="1955375432"/>
+        <p14:creationId xmlns:p14="http://schemas.microsoft.com/office/powerpoint/2010/main" val="1665822349"/>
       </p:ext>
     </p:extLst>
   </p:cSld>
@@ -4936,120 +4495,107 @@
             <p:ph type="title"/>
           </p:nvPr>
         </p:nvSpPr>
+        <p:spPr/>
+        <p:txBody>
+          <a:bodyPr/>
+          <a:lstStyle/>
+          <a:p>
+            <a:r>
+              <a:rPr lang="pt-BR" dirty="0"/>
+              <a:t>Manifesto ágil</a:t>
+            </a:r>
+          </a:p>
+        </p:txBody>
+      </p:sp>
+      <p:sp>
+        <p:nvSpPr>
+          <p:cNvPr id="2" name="Espaço Reservado para Conteúdo 1"/>
+          <p:cNvSpPr>
+            <a:spLocks noGrp="1"/>
+          </p:cNvSpPr>
+          <p:nvPr>
+            <p:ph idx="1"/>
+          </p:nvPr>
+        </p:nvSpPr>
         <p:spPr>
           <a:xfrm>
-            <a:off x="457200" y="1556792"/>
-            <a:ext cx="8229600" cy="787152"/>
+            <a:off x="507206" y="1993393"/>
+            <a:ext cx="8065294" cy="2947775"/>
           </a:xfrm>
         </p:spPr>
         <p:txBody>
-          <a:bodyPr/>
-          <a:lstStyle/>
-          <a:p>
-            <a:r>
-              <a:rPr lang="pt-BR" dirty="0"/>
-              <a:t>Porque foi criado?</a:t>
-            </a:r>
-          </a:p>
-        </p:txBody>
-      </p:sp>
-      <p:sp>
-        <p:nvSpPr>
-          <p:cNvPr id="2" name="Espaço Reservado para Conteúdo 1"/>
-          <p:cNvSpPr>
-            <a:spLocks noGrp="1"/>
-          </p:cNvSpPr>
-          <p:nvPr>
-            <p:ph idx="1"/>
-          </p:nvPr>
-        </p:nvSpPr>
-        <p:spPr>
-          <a:xfrm>
-            <a:off x="457200" y="2496344"/>
-            <a:ext cx="8229600" cy="1040904"/>
-          </a:xfrm>
-        </p:spPr>
-        <p:txBody>
-          <a:bodyPr/>
-          <a:lstStyle/>
-          <a:p>
-            <a:r>
-              <a:rPr lang="en-US" dirty="0"/>
-              <a:t>Para estabelecer parâmetros para criação de metodologias ágeis para desenvolvimento de software.</a:t>
-            </a:r>
-            <a:endParaRPr lang="pt-BR" dirty="0"/>
-          </a:p>
-        </p:txBody>
-      </p:sp>
-      <p:sp>
-        <p:nvSpPr>
-          <p:cNvPr id="4" name="Título 2"/>
-          <p:cNvSpPr txBox="1">
-            <a:spLocks/>
-          </p:cNvSpPr>
-          <p:nvPr/>
-        </p:nvSpPr>
-        <p:spPr>
-          <a:xfrm>
-            <a:off x="457200" y="158552"/>
-            <a:ext cx="8229600" cy="931168"/>
-          </a:xfrm>
-          <a:prstGeom prst="rect">
-            <a:avLst/>
-          </a:prstGeom>
-          <a:ln w="6350" cap="rnd">
-            <a:noFill/>
-          </a:ln>
-        </p:spPr>
-        <p:txBody>
-          <a:bodyPr vert="horz" rtlCol="0" anchor="b" anchorCtr="0">
+          <a:bodyPr>
             <a:normAutofit/>
           </a:bodyPr>
-          <a:lstStyle>
-            <a:lvl1pPr algn="l" rtl="0" eaLnBrk="1" latinLnBrk="0" hangingPunct="1">
-              <a:spcBef>
-                <a:spcPct val="0"/>
-              </a:spcBef>
+          <a:lstStyle/>
+          <a:p>
+            <a:pPr>
+              <a:buFont typeface="Wingdings" panose="05000000000000000000" pitchFamily="2" charset="2"/>
+              <a:buChar char="ü"/>
+            </a:pPr>
+            <a:r>
+              <a:rPr lang="pt-BR" b="1" dirty="0"/>
+              <a:t>Indivíduos e interação entre eles</a:t>
+            </a:r>
+            <a:r>
+              <a:rPr lang="pt-BR" dirty="0"/>
+              <a:t> mais que processos e ferramentas</a:t>
+            </a:r>
+          </a:p>
+          <a:p>
+            <a:pPr>
+              <a:buFont typeface="Wingdings" panose="05000000000000000000" pitchFamily="2" charset="2"/>
+              <a:buChar char="ü"/>
+            </a:pPr>
+            <a:r>
+              <a:rPr lang="pt-BR" b="1" dirty="0"/>
+              <a:t>Software em funcionamento</a:t>
+            </a:r>
+            <a:r>
+              <a:rPr lang="pt-BR" dirty="0"/>
+              <a:t> mais que documentação abrangente</a:t>
+            </a:r>
+          </a:p>
+          <a:p>
+            <a:pPr>
+              <a:buFont typeface="Wingdings" panose="05000000000000000000" pitchFamily="2" charset="2"/>
+              <a:buChar char="ü"/>
+            </a:pPr>
+            <a:r>
+              <a:rPr lang="pt-BR" b="1" dirty="0"/>
+              <a:t>Colaboração com o cliente</a:t>
+            </a:r>
+            <a:r>
+              <a:rPr lang="pt-BR" dirty="0"/>
+              <a:t> mais que negociação de contratos</a:t>
+            </a:r>
+          </a:p>
+          <a:p>
+            <a:pPr>
+              <a:buFont typeface="Wingdings" panose="05000000000000000000" pitchFamily="2" charset="2"/>
+              <a:buChar char="ü"/>
+            </a:pPr>
+            <a:r>
+              <a:rPr lang="pt-BR" b="1" dirty="0"/>
+              <a:t>Responder a mudanças</a:t>
+            </a:r>
+            <a:r>
+              <a:rPr lang="pt-BR" dirty="0"/>
+              <a:t> mais que seguir um plano</a:t>
+            </a:r>
+          </a:p>
+          <a:p>
+            <a:pPr marL="0" indent="0">
               <a:buNone/>
-              <a:defRPr lang="pt-BR" sz="4200" b="0" kern="1200" spc="-100" baseline="0">
-                <a:ln w="3200">
-                  <a:solidFill>
-                    <a:schemeClr val="bg2">
-                      <a:shade val="75000"/>
-                      <a:alpha val="25000"/>
-                    </a:schemeClr>
-                  </a:solidFill>
-                  <a:prstDash val="solid"/>
-                  <a:round/>
-                </a:ln>
-                <a:solidFill>
-                  <a:srgbClr val="F9F9F9"/>
-                </a:solidFill>
-                <a:effectLst>
-                  <a:outerShdw blurRad="50800" dist="38100" dir="2700000" algn="tl" rotWithShape="0">
-                    <a:prstClr val="black">
-                      <a:alpha val="40000"/>
-                    </a:prstClr>
-                  </a:outerShdw>
-                </a:effectLst>
-                <a:latin typeface="+mj-lt"/>
-                <a:ea typeface="+mj-ea"/>
-                <a:cs typeface="+mj-cs"/>
-              </a:defRPr>
-            </a:lvl1pPr>
-          </a:lstStyle>
-          <a:p>
-            <a:r>
-              <a:rPr lang="pt-BR" dirty="0"/>
-              <a:t>Manifesto ágil</a:t>
-            </a:r>
+            </a:pPr>
+            <a:endParaRPr lang="pt-BR" dirty="0"/>
           </a:p>
         </p:txBody>
       </p:sp>
     </p:spTree>
     <p:extLst>
       <p:ext uri="{BB962C8B-B14F-4D97-AF65-F5344CB8AC3E}">
-        <p14:creationId xmlns:p14="http://schemas.microsoft.com/office/powerpoint/2010/main" val="720111918"/>
+        <p14:creationId xmlns:p14="http://schemas.microsoft.com/office/powerpoint/2010/main" val="2305154754"/>
       </p:ext>
     </p:extLst>
   </p:cSld>
@@ -5078,6 +4624,28 @@
       </p:grpSpPr>
       <p:sp>
         <p:nvSpPr>
+          <p:cNvPr id="3" name="Título 2"/>
+          <p:cNvSpPr>
+            <a:spLocks noGrp="1"/>
+          </p:cNvSpPr>
+          <p:nvPr>
+            <p:ph type="title"/>
+          </p:nvPr>
+        </p:nvSpPr>
+        <p:spPr/>
+        <p:txBody>
+          <a:bodyPr/>
+          <a:lstStyle/>
+          <a:p>
+            <a:r>
+              <a:rPr lang="pt-BR" dirty="0"/>
+              <a:t>Startup</a:t>
+            </a:r>
+          </a:p>
+        </p:txBody>
+      </p:sp>
+      <p:sp>
+        <p:nvSpPr>
           <p:cNvPr id="2" name="Espaço Reservado para Conteúdo 1"/>
           <p:cNvSpPr>
             <a:spLocks noGrp="1"/>
@@ -5086,120 +4654,94 @@
             <p:ph idx="1"/>
           </p:nvPr>
         </p:nvSpPr>
-        <p:spPr>
-          <a:xfrm>
-            <a:off x="457200" y="1412776"/>
-            <a:ext cx="8229600" cy="4032448"/>
-          </a:xfrm>
-        </p:spPr>
+        <p:spPr/>
         <p:txBody>
           <a:bodyPr>
-            <a:normAutofit/>
+            <a:normAutofit fontScale="92500" lnSpcReduction="20000"/>
           </a:bodyPr>
           <a:lstStyle/>
           <a:p>
-            <a:r>
-              <a:rPr lang="pt-BR" b="1" dirty="0"/>
-              <a:t>Indivíduos e interação entre eles</a:t>
-            </a:r>
-            <a:r>
-              <a:rPr lang="pt-BR" dirty="0"/>
-              <a:t> mais que processos e ferramentas</a:t>
-            </a:r>
-          </a:p>
-          <a:p>
-            <a:r>
-              <a:rPr lang="pt-BR" b="1" dirty="0"/>
-              <a:t>Software em funcionamento</a:t>
-            </a:r>
-            <a:r>
-              <a:rPr lang="pt-BR" dirty="0"/>
-              <a:t> mais que documentação abrangente</a:t>
-            </a:r>
-          </a:p>
-          <a:p>
-            <a:r>
-              <a:rPr lang="pt-BR" b="1" dirty="0"/>
-              <a:t>Colaboração com o cliente</a:t>
-            </a:r>
-            <a:r>
-              <a:rPr lang="pt-BR" dirty="0"/>
-              <a:t> mais que negociação de contratos</a:t>
-            </a:r>
-          </a:p>
-          <a:p>
-            <a:r>
-              <a:rPr lang="pt-BR" b="1" dirty="0"/>
-              <a:t>Responder a mudanças</a:t>
-            </a:r>
-            <a:r>
-              <a:rPr lang="pt-BR" dirty="0"/>
-              <a:t> mais que seguir um plano</a:t>
-            </a:r>
-          </a:p>
-        </p:txBody>
-      </p:sp>
-      <p:sp>
-        <p:nvSpPr>
-          <p:cNvPr id="4" name="Título 2"/>
-          <p:cNvSpPr txBox="1">
-            <a:spLocks/>
-          </p:cNvSpPr>
-          <p:nvPr/>
-        </p:nvSpPr>
-        <p:spPr>
-          <a:xfrm>
-            <a:off x="457200" y="158552"/>
-            <a:ext cx="8229600" cy="931168"/>
-          </a:xfrm>
-          <a:prstGeom prst="rect">
-            <a:avLst/>
-          </a:prstGeom>
-          <a:ln w="6350" cap="rnd">
-            <a:noFill/>
-          </a:ln>
-        </p:spPr>
-        <p:txBody>
-          <a:bodyPr vert="horz" rtlCol="0" anchor="b" anchorCtr="0">
-            <a:normAutofit/>
-          </a:bodyPr>
-          <a:lstStyle>
-            <a:lvl1pPr algn="l" rtl="0" eaLnBrk="1" latinLnBrk="0" hangingPunct="1">
-              <a:spcBef>
-                <a:spcPct val="0"/>
-              </a:spcBef>
-              <a:buNone/>
-              <a:defRPr lang="pt-BR" sz="4200" b="0" kern="1200" spc="-100" baseline="0">
-                <a:ln w="3200">
-                  <a:solidFill>
-                    <a:schemeClr val="bg2">
-                      <a:shade val="75000"/>
-                      <a:alpha val="25000"/>
-                    </a:schemeClr>
-                  </a:solidFill>
-                  <a:prstDash val="solid"/>
-                  <a:round/>
-                </a:ln>
-                <a:solidFill>
-                  <a:srgbClr val="F9F9F9"/>
-                </a:solidFill>
-                <a:effectLst>
-                  <a:outerShdw blurRad="50800" dist="38100" dir="2700000" algn="tl" rotWithShape="0">
-                    <a:prstClr val="black">
-                      <a:alpha val="40000"/>
-                    </a:prstClr>
-                  </a:outerShdw>
-                </a:effectLst>
-                <a:latin typeface="+mj-lt"/>
-                <a:ea typeface="+mj-ea"/>
-                <a:cs typeface="+mj-cs"/>
-              </a:defRPr>
-            </a:lvl1pPr>
-          </a:lstStyle>
-          <a:p>
-            <a:r>
-              <a:rPr lang="pt-BR" dirty="0"/>
-              <a:t>Manifesto ágil (Objetivos)</a:t>
+            <a:pPr>
+              <a:buFont typeface="Wingdings" panose="05000000000000000000" pitchFamily="2" charset="2"/>
+              <a:buChar char="ü"/>
+            </a:pPr>
+            <a:r>
+              <a:rPr lang="pt-BR" dirty="0"/>
+              <a:t>Ato de começar algo, normalmente relacionado com companhias e empresas que estão no início de suas atividades e que buscam explorar atividades inovadoras no mercado.</a:t>
+            </a:r>
+          </a:p>
+          <a:p>
+            <a:pPr>
+              <a:buFont typeface="Wingdings" panose="05000000000000000000" pitchFamily="2" charset="2"/>
+              <a:buChar char="ü"/>
+            </a:pPr>
+            <a:endParaRPr lang="pt-BR" dirty="0"/>
+          </a:p>
+          <a:p>
+            <a:pPr>
+              <a:buFont typeface="Wingdings" panose="05000000000000000000" pitchFamily="2" charset="2"/>
+              <a:buChar char="ü"/>
+            </a:pPr>
+            <a:r>
+              <a:rPr lang="pt-BR" dirty="0"/>
+              <a:t>Uma instituição humana projetada para criar novos produtos e serviços sob condições de extrema incerteza</a:t>
+            </a:r>
+          </a:p>
+          <a:p>
+            <a:pPr>
+              <a:buFont typeface="Wingdings" panose="05000000000000000000" pitchFamily="2" charset="2"/>
+              <a:buChar char="ü"/>
+            </a:pPr>
+            <a:endParaRPr lang="pt-BR" dirty="0"/>
+          </a:p>
+          <a:p>
+            <a:pPr>
+              <a:buFont typeface="Wingdings" panose="05000000000000000000" pitchFamily="2" charset="2"/>
+              <a:buChar char="ü"/>
+            </a:pPr>
+            <a:r>
+              <a:rPr lang="pt-BR" dirty="0"/>
+              <a:t>Principais Características:</a:t>
+            </a:r>
+          </a:p>
+          <a:p>
+            <a:pPr lvl="2">
+              <a:buFont typeface="Wingdings" panose="05000000000000000000" pitchFamily="2" charset="2"/>
+              <a:buChar char="ü"/>
+            </a:pPr>
+            <a:r>
+              <a:rPr lang="pt-BR" dirty="0"/>
+              <a:t>Inovação </a:t>
+            </a:r>
+          </a:p>
+          <a:p>
+            <a:pPr lvl="2">
+              <a:buFont typeface="Wingdings" panose="05000000000000000000" pitchFamily="2" charset="2"/>
+              <a:buChar char="ü"/>
+            </a:pPr>
+            <a:r>
+              <a:rPr lang="pt-BR" dirty="0"/>
+              <a:t>Escalabilidade </a:t>
+            </a:r>
+          </a:p>
+          <a:p>
+            <a:pPr lvl="2">
+              <a:buFont typeface="Wingdings" panose="05000000000000000000" pitchFamily="2" charset="2"/>
+              <a:buChar char="ü"/>
+            </a:pPr>
+            <a:r>
+              <a:rPr lang="pt-BR" dirty="0"/>
+              <a:t>Ter potencial para atingir grandes mercados</a:t>
+            </a:r>
+          </a:p>
+          <a:p>
+            <a:pPr lvl="2">
+              <a:buFont typeface="Wingdings" panose="05000000000000000000" pitchFamily="2" charset="2"/>
+              <a:buChar char="ü"/>
+            </a:pPr>
+            <a:r>
+              <a:rPr lang="pt-BR" dirty="0"/>
+              <a:t>Ser enxuta e flexível</a:t>
             </a:r>
           </a:p>
         </p:txBody>
@@ -5207,7 +4749,7 @@
     </p:spTree>
     <p:extLst>
       <p:ext uri="{BB962C8B-B14F-4D97-AF65-F5344CB8AC3E}">
-        <p14:creationId xmlns:p14="http://schemas.microsoft.com/office/powerpoint/2010/main" val="3163520361"/>
+        <p14:creationId xmlns:p14="http://schemas.microsoft.com/office/powerpoint/2010/main" val="2030121317"/>
       </p:ext>
     </p:extLst>
   </p:cSld>
@@ -5236,7 +4778,7 @@
       </p:grpSpPr>
       <p:sp>
         <p:nvSpPr>
-          <p:cNvPr id="3" name="Título 2"/>
+          <p:cNvPr id="2" name="Título 1"/>
           <p:cNvSpPr>
             <a:spLocks noGrp="1"/>
           </p:cNvSpPr>
@@ -5251,14 +4793,14 @@
           <a:p>
             <a:r>
               <a:rPr lang="pt-BR" dirty="0"/>
-              <a:t>Manifesto ágil (Princípios)</a:t>
-            </a:r>
-          </a:p>
-        </p:txBody>
-      </p:sp>
-      <p:sp>
-        <p:nvSpPr>
-          <p:cNvPr id="2" name="Espaço Reservado para Conteúdo 1"/>
+              <a:t>Startup</a:t>
+            </a:r>
+          </a:p>
+        </p:txBody>
+      </p:sp>
+      <p:sp>
+        <p:nvSpPr>
+          <p:cNvPr id="3" name="Espaço Reservado para Conteúdo 2"/>
           <p:cNvSpPr>
             <a:spLocks noGrp="1"/>
           </p:cNvSpPr>
@@ -5266,54 +4808,80 @@
             <p:ph idx="1"/>
           </p:nvPr>
         </p:nvSpPr>
-        <p:spPr/>
-        <p:txBody>
-          <a:bodyPr>
-            <a:normAutofit/>
-          </a:bodyPr>
-          <a:lstStyle/>
-          <a:p>
-            <a:r>
-              <a:rPr lang="pt-BR" dirty="0"/>
-              <a:t>Nossa maior prioridade é satisfazer o cliente;</a:t>
-            </a:r>
-          </a:p>
-          <a:p>
-            <a:r>
-              <a:rPr lang="pt-BR" dirty="0"/>
-              <a:t>Aceitar mudanças de requisitos;</a:t>
-            </a:r>
-          </a:p>
-          <a:p>
-            <a:r>
-              <a:rPr lang="pt-BR" dirty="0"/>
-              <a:t>Entregar software funcionando com frequência;</a:t>
-            </a:r>
-          </a:p>
-          <a:p>
-            <a:r>
-              <a:rPr lang="pt-BR" dirty="0"/>
-              <a:t>Pessoas relacionadas à negócios e desenvolvedores devem trabalhar em conjunto e diariamente;</a:t>
-            </a:r>
-          </a:p>
-          <a:p>
-            <a:r>
-              <a:rPr lang="pt-BR" dirty="0"/>
-              <a:t>Construir projetos ao redor de indivíduos motivados.</a:t>
-            </a:r>
-          </a:p>
-          <a:p>
-            <a:r>
-              <a:rPr lang="pt-BR" dirty="0"/>
-              <a:t>O Método mais eficiente e eficaz de transmitir informações para, e por dentro de um time de desenvolvimento, é através de uma conversa cara a cara.</a:t>
-            </a:r>
-          </a:p>
-        </p:txBody>
-      </p:sp>
+        <p:spPr>
+          <a:xfrm>
+            <a:off x="507206" y="1700809"/>
+            <a:ext cx="8065294" cy="4058770"/>
+          </a:xfrm>
+        </p:spPr>
+        <p:txBody>
+          <a:bodyPr/>
+          <a:lstStyle/>
+          <a:p>
+            <a:pPr>
+              <a:buFont typeface="Wingdings" panose="05000000000000000000" pitchFamily="2" charset="2"/>
+              <a:buChar char="ü"/>
+            </a:pPr>
+            <a:r>
+              <a:rPr lang="pt-BR" dirty="0"/>
+              <a:t>Não dispõe de muitos recursos para investimento</a:t>
+            </a:r>
+          </a:p>
+          <a:p>
+            <a:pPr>
+              <a:buFont typeface="Wingdings" panose="05000000000000000000" pitchFamily="2" charset="2"/>
+              <a:buChar char="ü"/>
+            </a:pPr>
+            <a:r>
+              <a:rPr lang="pt-BR" dirty="0"/>
+              <a:t>O acesso a investimentos é um dos principais obstáculos das startups</a:t>
+            </a:r>
+          </a:p>
+          <a:p>
+            <a:pPr>
+              <a:buFont typeface="Wingdings" panose="05000000000000000000" pitchFamily="2" charset="2"/>
+              <a:buChar char="ü"/>
+            </a:pPr>
+            <a:endParaRPr lang="pt-BR" dirty="0"/>
+          </a:p>
+        </p:txBody>
+      </p:sp>
+      <p:pic>
+        <p:nvPicPr>
+          <p:cNvPr id="4" name="Imagem 3"/>
+          <p:cNvPicPr/>
+          <p:nvPr/>
+        </p:nvPicPr>
+        <p:blipFill>
+          <a:blip r:embed="rId2" cstate="print">
+            <a:extLst>
+              <a:ext uri="{28A0092B-C50C-407E-A947-70E740481C1C}">
+                <a14:useLocalDpi xmlns:a14="http://schemas.microsoft.com/office/drawing/2010/main" val="0"/>
+              </a:ext>
+            </a:extLst>
+          </a:blip>
+          <a:stretch>
+            <a:fillRect/>
+          </a:stretch>
+        </p:blipFill>
+        <p:spPr>
+          <a:xfrm>
+            <a:off x="1907704" y="2636912"/>
+            <a:ext cx="6664796" cy="4032448"/>
+          </a:xfrm>
+          <a:prstGeom prst="rect">
+            <a:avLst/>
+          </a:prstGeom>
+          <a:noFill/>
+          <a:ln>
+            <a:noFill/>
+          </a:ln>
+        </p:spPr>
+      </p:pic>
     </p:spTree>
     <p:extLst>
       <p:ext uri="{BB962C8B-B14F-4D97-AF65-F5344CB8AC3E}">
-        <p14:creationId xmlns:p14="http://schemas.microsoft.com/office/powerpoint/2010/main" val="3160660707"/>
+        <p14:creationId xmlns:p14="http://schemas.microsoft.com/office/powerpoint/2010/main" val="3569771386"/>
       </p:ext>
     </p:extLst>
   </p:cSld>
@@ -5342,7 +4910,7 @@
       </p:grpSpPr>
       <p:sp>
         <p:nvSpPr>
-          <p:cNvPr id="3" name="Título 2"/>
+          <p:cNvPr id="2" name="Título 1"/>
           <p:cNvSpPr>
             <a:spLocks noGrp="1"/>
           </p:cNvSpPr>
@@ -5357,14 +4925,14 @@
           <a:p>
             <a:r>
               <a:rPr lang="pt-BR" dirty="0"/>
-              <a:t>Manifesto ágil (Princípios)</a:t>
-            </a:r>
-          </a:p>
-        </p:txBody>
-      </p:sp>
-      <p:sp>
-        <p:nvSpPr>
-          <p:cNvPr id="2" name="Espaço Reservado para Conteúdo 1"/>
+              <a:t>Startup</a:t>
+            </a:r>
+          </a:p>
+        </p:txBody>
+      </p:sp>
+      <p:sp>
+        <p:nvSpPr>
+          <p:cNvPr id="3" name="Espaço Reservado para Conteúdo 2"/>
           <p:cNvSpPr>
             <a:spLocks noGrp="1"/>
           </p:cNvSpPr>
@@ -5372,57 +4940,118 @@
             <p:ph idx="1"/>
           </p:nvPr>
         </p:nvSpPr>
-        <p:spPr/>
+        <p:spPr>
+          <a:xfrm>
+            <a:off x="507206" y="1628800"/>
+            <a:ext cx="8065294" cy="4968551"/>
+          </a:xfrm>
+        </p:spPr>
         <p:txBody>
           <a:bodyPr>
-            <a:normAutofit/>
+            <a:normAutofit lnSpcReduction="10000"/>
           </a:bodyPr>
           <a:lstStyle/>
           <a:p>
-            <a:r>
-              <a:rPr lang="pt-BR" dirty="0"/>
-              <a:t>Software funcional é a medida primária de progresso.</a:t>
-            </a:r>
-          </a:p>
-          <a:p>
-            <a:r>
-              <a:rPr lang="pt-BR" dirty="0"/>
-              <a:t>Processos ágeis promovem um ambiente sustentável. </a:t>
-            </a:r>
-          </a:p>
-          <a:p>
-            <a:r>
-              <a:rPr lang="pt-BR" dirty="0"/>
-              <a:t>Contínua atenção à excelência técnica e bom design, aumenta a agilidade.</a:t>
-            </a:r>
-          </a:p>
-          <a:p>
-            <a:r>
-              <a:rPr lang="pt-BR" dirty="0"/>
-              <a:t>Simplicidade.</a:t>
-            </a:r>
-          </a:p>
-          <a:p>
-            <a:r>
-              <a:rPr lang="pt-BR" dirty="0"/>
-              <a:t>As melhores arquiteturas.</a:t>
-            </a:r>
-          </a:p>
-          <a:p>
-            <a:r>
-              <a:rPr lang="pt-BR" dirty="0"/>
-              <a:t>Em intervalos regulares, o time reflete em como ficar mais efetivo, então, se ajustam e otimizam seu comportamento de acordo.</a:t>
-            </a:r>
-          </a:p>
-          <a:p>
-            <a:endParaRPr lang="pt-BR" dirty="0"/>
+            <a:pPr lvl="2">
+              <a:buFont typeface="Wingdings" panose="05000000000000000000" pitchFamily="2" charset="2"/>
+              <a:buChar char="ü"/>
+            </a:pPr>
+            <a:r>
+              <a:rPr lang="pt-BR" sz="2200" i="0" dirty="0" err="1"/>
+              <a:t>Bootstrapping</a:t>
+            </a:r>
+            <a:endParaRPr lang="pt-BR" sz="2200" i="0" dirty="0"/>
+          </a:p>
+          <a:p>
+            <a:pPr marL="0" lvl="3" indent="0">
+              <a:buNone/>
+            </a:pPr>
+            <a:r>
+              <a:rPr lang="pt-BR" dirty="0"/>
+              <a:t>Criar sua startup usando somente recursos próprios e não recorrendo a investidores externos.</a:t>
+            </a:r>
+          </a:p>
+          <a:p>
+            <a:pPr marL="0" lvl="2" indent="0">
+              <a:buNone/>
+            </a:pPr>
+            <a:endParaRPr lang="pt-BR" sz="2200" i="0" dirty="0"/>
+          </a:p>
+          <a:p>
+            <a:pPr lvl="2">
+              <a:buFont typeface="Wingdings" panose="05000000000000000000" pitchFamily="2" charset="2"/>
+              <a:buChar char="ü"/>
+            </a:pPr>
+            <a:r>
+              <a:rPr lang="pt-BR" sz="2200" i="0" dirty="0"/>
+              <a:t>Investimento-Anjo</a:t>
+            </a:r>
+          </a:p>
+          <a:p>
+            <a:pPr marL="0" lvl="2" indent="0">
+              <a:buNone/>
+            </a:pPr>
+            <a:r>
+              <a:rPr lang="pt-BR" sz="1800" i="0" dirty="0"/>
+              <a:t>O investidor recebe, por seu investimento, uma participação societária minoritária no negócio, e não assume posição executiva na empresa, mas atua como um conselheiro.</a:t>
+            </a:r>
+          </a:p>
+          <a:p>
+            <a:pPr marL="0" lvl="2" indent="0">
+              <a:buNone/>
+            </a:pPr>
+            <a:endParaRPr lang="pt-BR" i="0" dirty="0"/>
+          </a:p>
+          <a:p>
+            <a:pPr lvl="2">
+              <a:buFont typeface="Wingdings" panose="05000000000000000000" pitchFamily="2" charset="2"/>
+              <a:buChar char="ü"/>
+            </a:pPr>
+            <a:r>
+              <a:rPr lang="pt-BR" sz="2200" i="0" dirty="0"/>
+              <a:t>Capital semente</a:t>
+            </a:r>
+          </a:p>
+          <a:p>
+            <a:pPr marL="0" lvl="2" indent="0">
+              <a:buNone/>
+            </a:pPr>
+            <a:r>
+              <a:rPr lang="pt-BR" sz="1800" i="0" dirty="0"/>
+              <a:t>é um modelo de financiamento dirigido a projetos empresariais em estágio inicial ou estágio zero, em fase de projeto e desenvolvimento, antes da instalação do negócio.</a:t>
+            </a:r>
+          </a:p>
+          <a:p>
+            <a:pPr marL="0" lvl="2" indent="0">
+              <a:buNone/>
+            </a:pPr>
+            <a:endParaRPr lang="pt-BR" sz="1800" i="0" dirty="0"/>
+          </a:p>
+          <a:p>
+            <a:pPr lvl="2">
+              <a:buFont typeface="Wingdings" panose="05000000000000000000" pitchFamily="2" charset="2"/>
+              <a:buChar char="ü"/>
+            </a:pPr>
+            <a:r>
+              <a:rPr lang="pt-BR" sz="2200" i="0" dirty="0"/>
+              <a:t>Incubadoras</a:t>
+            </a:r>
+          </a:p>
+          <a:p>
+            <a:pPr marL="0" lvl="2" indent="0">
+              <a:buNone/>
+            </a:pPr>
+            <a:r>
+              <a:rPr lang="pt-BR" sz="1800" i="0" dirty="0"/>
+              <a:t>Elas oferecem suporte técnico, gerencial e formação complementar ao empreendedor e facilitam o processo de inovação e acesso a novas tecnologias nos pequenos negócios.</a:t>
+            </a:r>
           </a:p>
         </p:txBody>
       </p:sp>
     </p:spTree>
     <p:extLst>
       <p:ext uri="{BB962C8B-B14F-4D97-AF65-F5344CB8AC3E}">
-        <p14:creationId xmlns:p14="http://schemas.microsoft.com/office/powerpoint/2010/main" val="1927780470"/>
+        <p14:creationId xmlns:p14="http://schemas.microsoft.com/office/powerpoint/2010/main" val="2978665427"/>
       </p:ext>
     </p:extLst>
   </p:cSld>
@@ -5451,7 +5080,7 @@
       </p:grpSpPr>
       <p:sp>
         <p:nvSpPr>
-          <p:cNvPr id="3" name="Título 2"/>
+          <p:cNvPr id="2" name="Título 1"/>
           <p:cNvSpPr>
             <a:spLocks noGrp="1"/>
           </p:cNvSpPr>
@@ -5466,14 +5095,14 @@
           <a:p>
             <a:r>
               <a:rPr lang="pt-BR" dirty="0"/>
-              <a:t>Definição do Scrum</a:t>
-            </a:r>
-          </a:p>
-        </p:txBody>
-      </p:sp>
-      <p:sp>
-        <p:nvSpPr>
-          <p:cNvPr id="2" name="Espaço Reservado para Conteúdo 1"/>
+              <a:t>Startups de sucesso</a:t>
+            </a:r>
+          </a:p>
+        </p:txBody>
+      </p:sp>
+      <p:sp>
+        <p:nvSpPr>
+          <p:cNvPr id="3" name="Espaço Reservado para Conteúdo 2"/>
           <p:cNvSpPr>
             <a:spLocks noGrp="1"/>
           </p:cNvSpPr>
@@ -5483,33 +5112,67 @@
         </p:nvSpPr>
         <p:spPr/>
         <p:txBody>
-          <a:bodyPr>
-            <a:normAutofit/>
-          </a:bodyPr>
-          <a:lstStyle/>
-          <a:p>
-            <a:pPr>
-              <a:buFont typeface="Wingdings" panose="05000000000000000000" pitchFamily="2" charset="2"/>
-              <a:buChar char="ü"/>
-            </a:pPr>
-            <a:r>
-              <a:rPr lang="pt-BR" dirty="0"/>
-              <a:t>Um framework dentro do qual pessoas podem tratar e resolver problemas complexos e adaptativos, enquanto produtiva e criativamente entregam produtos com o mais alto valor possível</a:t>
-            </a:r>
-            <a:r>
-              <a:rPr lang="pt-BR" dirty="0"/>
-              <a:t>;</a:t>
-            </a:r>
-          </a:p>
-          <a:p>
-            <a:pPr>
-              <a:buFont typeface="Wingdings" panose="05000000000000000000" pitchFamily="2" charset="2"/>
-              <a:buChar char="ü"/>
-            </a:pPr>
-            <a:r>
-              <a:rPr lang="pt-BR" dirty="0"/>
-              <a:t>Quando Jeff Sutherland criou o Scrum em 1993, ele emprestou o termo de uma analogia apresentada em um estudo de 1986 por Takeuchi e Nonaka, publicado na Harvard Business Review. Nesse estudo, Takeuchi e Nonaka comparam equipes multifuncionais, alto desempenho para a formação de Scrum usado pelas equipes de Rugby.</a:t>
-            </a:r>
+          <a:bodyPr/>
+          <a:lstStyle/>
+          <a:p>
+            <a:pPr>
+              <a:buFont typeface="Wingdings" panose="05000000000000000000" pitchFamily="2" charset="2"/>
+              <a:buChar char="ü"/>
+            </a:pPr>
+            <a:r>
+              <a:rPr lang="pt-BR" dirty="0" err="1"/>
+              <a:t>NuBank</a:t>
+            </a:r>
+            <a:endParaRPr lang="pt-BR" dirty="0"/>
+          </a:p>
+          <a:p>
+            <a:pPr>
+              <a:buFont typeface="Wingdings" panose="05000000000000000000" pitchFamily="2" charset="2"/>
+              <a:buChar char="ü"/>
+            </a:pPr>
+            <a:r>
+              <a:rPr lang="pt-BR" dirty="0"/>
+              <a:t>Uber</a:t>
+            </a:r>
+          </a:p>
+          <a:p>
+            <a:pPr>
+              <a:buFont typeface="Wingdings" panose="05000000000000000000" pitchFamily="2" charset="2"/>
+              <a:buChar char="ü"/>
+            </a:pPr>
+            <a:r>
+              <a:rPr lang="pt-BR" dirty="0" err="1"/>
+              <a:t>PayPal</a:t>
+            </a:r>
+            <a:endParaRPr lang="pt-BR" dirty="0"/>
+          </a:p>
+          <a:p>
+            <a:pPr>
+              <a:buFont typeface="Wingdings" panose="05000000000000000000" pitchFamily="2" charset="2"/>
+              <a:buChar char="ü"/>
+            </a:pPr>
+            <a:r>
+              <a:rPr lang="pt-BR" dirty="0" err="1"/>
+              <a:t>Airbnb</a:t>
+            </a:r>
+            <a:endParaRPr lang="pt-BR" dirty="0"/>
+          </a:p>
+          <a:p>
+            <a:pPr>
+              <a:buFont typeface="Wingdings" panose="05000000000000000000" pitchFamily="2" charset="2"/>
+              <a:buChar char="ü"/>
+            </a:pPr>
+            <a:r>
+              <a:rPr lang="pt-BR" dirty="0" err="1"/>
+              <a:t>LinkedIn</a:t>
+            </a:r>
+            <a:endParaRPr lang="pt-BR" dirty="0"/>
+          </a:p>
+          <a:p>
+            <a:pPr>
+              <a:buFont typeface="Wingdings" panose="05000000000000000000" pitchFamily="2" charset="2"/>
+              <a:buChar char="ü"/>
+            </a:pPr>
             <a:endParaRPr lang="pt-BR" dirty="0"/>
           </a:p>
         </p:txBody>
@@ -5517,7 +5180,7 @@
     </p:spTree>
     <p:extLst>
       <p:ext uri="{BB962C8B-B14F-4D97-AF65-F5344CB8AC3E}">
-        <p14:creationId xmlns:p14="http://schemas.microsoft.com/office/powerpoint/2010/main" val="1650354675"/>
+        <p14:creationId xmlns:p14="http://schemas.microsoft.com/office/powerpoint/2010/main" val="2117739404"/>
       </p:ext>
     </p:extLst>
   </p:cSld>
@@ -5561,7 +5224,7 @@
           <a:p>
             <a:r>
               <a:rPr lang="pt-BR" dirty="0"/>
-              <a:t>Teoria do Scrum</a:t>
+              <a:t>Startup Enxuta</a:t>
             </a:r>
           </a:p>
         </p:txBody>
@@ -5587,7 +5250,7 @@
             </a:pPr>
             <a:r>
               <a:rPr lang="pt-BR" dirty="0"/>
-              <a:t>Scrum é fundamentado nas teorias empíricas de controle de processo, ou empirismo;</a:t>
+              <a:t>Fazer experimentos lançando "produto mínimo viável“</a:t>
             </a:r>
           </a:p>
           <a:p>
@@ -5597,28 +5260,30 @@
             </a:pPr>
             <a:r>
               <a:rPr lang="pt-BR" dirty="0"/>
-              <a:t>O empirismo afirma que o conhecimento vem da experiência e de tomada de decisões baseadas no que é conhecido;</a:t>
-            </a:r>
-          </a:p>
-          <a:p>
-            <a:pPr>
-              <a:buFont typeface="Wingdings" panose="05000000000000000000" pitchFamily="2" charset="2"/>
-              <a:buChar char="ü"/>
-            </a:pPr>
-            <a:r>
-              <a:rPr lang="pt-BR" dirty="0"/>
-              <a:t>O Scrum emprega uma abordagem iterativa e incremental para aperfeiçoar a previsibilidade e o controle de riscos;</a:t>
-            </a:r>
-          </a:p>
-          <a:p>
-            <a:pPr>
-              <a:buFont typeface="Wingdings" panose="05000000000000000000" pitchFamily="2" charset="2"/>
-              <a:buChar char="ü"/>
-            </a:pPr>
-            <a:r>
-              <a:rPr lang="pt-BR" dirty="0"/>
-              <a:t>Três pilares apoiam a implementação de controle de processo empírico: transparência, inspeção e adaptação.</a:t>
-            </a:r>
+              <a:t>Confirmação que os clientes pagariam para ter o produto</a:t>
+            </a:r>
+          </a:p>
+          <a:p>
+            <a:pPr marL="0" indent="0">
+              <a:buNone/>
+            </a:pPr>
+            <a:endParaRPr lang="pt-BR" dirty="0"/>
+          </a:p>
+          <a:p>
+            <a:pPr>
+              <a:buFont typeface="Wingdings" panose="05000000000000000000" pitchFamily="2" charset="2"/>
+              <a:buChar char="ü"/>
+            </a:pPr>
+            <a:r>
+              <a:rPr lang="pt-BR" dirty="0"/>
+              <a:t>O objetivo é chegar ao conceito certo do produto, identificar quem são os clientes dispostos a pagar por ele</a:t>
+            </a:r>
+            <a:endParaRPr lang="pt-BR" dirty="0"/>
+          </a:p>
+          <a:p>
+            <a:pPr marL="0" indent="0">
+              <a:buNone/>
+            </a:pPr>
             <a:endParaRPr lang="pt-BR" dirty="0"/>
           </a:p>
         </p:txBody>
@@ -5626,7 +5291,7 @@
     </p:spTree>
     <p:extLst>
       <p:ext uri="{BB962C8B-B14F-4D97-AF65-F5344CB8AC3E}">
-        <p14:creationId xmlns:p14="http://schemas.microsoft.com/office/powerpoint/2010/main" val="3220104280"/>
+        <p14:creationId xmlns:p14="http://schemas.microsoft.com/office/powerpoint/2010/main" val="589983116"/>
       </p:ext>
     </p:extLst>
   </p:cSld>
@@ -5655,7 +5320,7 @@
       </p:grpSpPr>
       <p:sp>
         <p:nvSpPr>
-          <p:cNvPr id="2" name="Título 1"/>
+          <p:cNvPr id="3" name="Título 2"/>
           <p:cNvSpPr>
             <a:spLocks noGrp="1"/>
           </p:cNvSpPr>
@@ -5669,19 +5334,15 @@
           <a:lstStyle/>
           <a:p>
             <a:r>
-              <a:rPr lang="en-US" dirty="0"/>
-              <a:t>Transfer</a:t>
-            </a:r>
-            <a:r>
-              <a:rPr lang="pt-BR" dirty="0"/>
-              <a:t>ência</a:t>
-            </a:r>
-          </a:p>
-        </p:txBody>
-      </p:sp>
-      <p:sp>
-        <p:nvSpPr>
-          <p:cNvPr id="3" name="Espaço Reservado para Conteúdo 2"/>
+              <a:rPr lang="pt-BR" dirty="0"/>
+              <a:t>Definição do Scrum</a:t>
+            </a:r>
+          </a:p>
+        </p:txBody>
+      </p:sp>
+      <p:sp>
+        <p:nvSpPr>
+          <p:cNvPr id="2" name="Espaço Reservado para Conteúdo 1"/>
           <p:cNvSpPr>
             <a:spLocks noGrp="1"/>
           </p:cNvSpPr>
@@ -5691,35 +5352,36 @@
         </p:nvSpPr>
         <p:spPr/>
         <p:txBody>
-          <a:bodyPr/>
-          <a:lstStyle/>
-          <a:p>
-            <a:pPr>
-              <a:buFont typeface="Wingdings" panose="05000000000000000000" pitchFamily="2" charset="2"/>
-              <a:buChar char="ü"/>
-            </a:pPr>
-            <a:r>
-              <a:rPr lang="pt-BR" dirty="0"/>
-              <a:t>Aspectos significativos do processo devem estar visíveis aos responsáveis pelos resultados;</a:t>
-            </a:r>
-          </a:p>
-          <a:p>
-            <a:pPr>
-              <a:buFont typeface="Wingdings" panose="05000000000000000000" pitchFamily="2" charset="2"/>
-              <a:buChar char="ü"/>
-            </a:pPr>
-            <a:r>
-              <a:rPr lang="pt-BR" dirty="0"/>
-              <a:t>Esta transparência requer aspectos definidos por um padrão comum para que os observadores compartilharem um mesmo entendimento do que está sendo visto.</a:t>
-            </a:r>
-            <a:endParaRPr lang="pt-BR" dirty="0"/>
+          <a:bodyPr>
+            <a:normAutofit/>
+          </a:bodyPr>
+          <a:lstStyle/>
+          <a:p>
+            <a:pPr>
+              <a:buFont typeface="Wingdings" panose="05000000000000000000" pitchFamily="2" charset="2"/>
+              <a:buChar char="ü"/>
+            </a:pPr>
+            <a:r>
+              <a:rPr lang="pt-BR" dirty="0"/>
+              <a:t>Um framework dentro do qual pessoas podem tratar e resolver problemas complexos e adaptativos, enquanto produtiva e criativamente entregam produtos com o mais alto valor possível;</a:t>
+            </a:r>
+          </a:p>
+          <a:p>
+            <a:pPr>
+              <a:buFont typeface="Wingdings" panose="05000000000000000000" pitchFamily="2" charset="2"/>
+              <a:buChar char="ü"/>
+            </a:pPr>
+            <a:r>
+              <a:rPr lang="pt-BR" dirty="0"/>
+              <a:t>Quando Jeff Sutherland criou o Scrum em 1993, ele emprestou o termo de uma analogia apresentada em um estudo de 1986 por Takeuchi e Nonaka, publicado na Harvard Business Review. Nesse estudo, Takeuchi e Nonaka comparam equipes multifuncionais, alto desempenho para a formação de Scrum usado pelas equipes de Rugby.</a:t>
+            </a:r>
           </a:p>
         </p:txBody>
       </p:sp>
     </p:spTree>
     <p:extLst>
       <p:ext uri="{BB962C8B-B14F-4D97-AF65-F5344CB8AC3E}">
-        <p14:creationId xmlns:p14="http://schemas.microsoft.com/office/powerpoint/2010/main" val="1452054897"/>
+        <p14:creationId xmlns:p14="http://schemas.microsoft.com/office/powerpoint/2010/main" val="2293700926"/>
       </p:ext>
     </p:extLst>
   </p:cSld>
@@ -5763,7 +5425,7 @@
           <a:p>
             <a:r>
               <a:rPr lang="pt-BR" dirty="0"/>
-              <a:t>Inspeção</a:t>
+              <a:t>Teoria do Scrum</a:t>
             </a:r>
           </a:p>
         </p:txBody>
@@ -5789,36 +5451,45 @@
             </a:pPr>
             <a:r>
               <a:rPr lang="pt-BR" dirty="0"/>
-              <a:t>Devem ser inspecionados frequentemente os vários aspectos do processo para identificar variações inaceitáveis;</a:t>
-            </a:r>
-          </a:p>
-          <a:p>
-            <a:pPr>
-              <a:buFont typeface="Wingdings" panose="05000000000000000000" pitchFamily="2" charset="2"/>
-              <a:buChar char="ü"/>
-            </a:pPr>
-            <a:r>
-              <a:rPr lang="pt-BR" dirty="0"/>
-              <a:t>A frequência da inspeção deve levar em consideração que os processos são alterados pelo próprio ato de inspeção, por isso deve ficar atento para que não exceda o limite e chega a atrapalhar a própria execução do processo;</a:t>
-            </a:r>
-          </a:p>
-          <a:p>
-            <a:pPr>
-              <a:buFont typeface="Wingdings" panose="05000000000000000000" pitchFamily="2" charset="2"/>
-              <a:buChar char="ü"/>
-            </a:pPr>
-            <a:r>
-              <a:rPr lang="pt-BR" dirty="0"/>
-              <a:t>O inspetor deve possuir as competências para avaliar o que ele ou ela está inspecionando.</a:t>
-            </a:r>
-            <a:endParaRPr lang="pt-BR" dirty="0"/>
+              <a:t>Scrum é fundamentado nas teorias empíricas de controle de processo, ou empirismo;</a:t>
+            </a:r>
+          </a:p>
+          <a:p>
+            <a:pPr lvl="2">
+              <a:buFont typeface="Wingdings" panose="05000000000000000000" pitchFamily="2" charset="2"/>
+              <a:buChar char="ü"/>
+            </a:pPr>
+            <a:r>
+              <a:rPr lang="pt-BR" dirty="0"/>
+              <a:t>O empirismo afirma que o conhecimento vem da experiência e de tomada de decisões baseadas no que é conhecido;</a:t>
+            </a:r>
+          </a:p>
+          <a:p>
+            <a:pPr>
+              <a:buFont typeface="Wingdings" panose="05000000000000000000" pitchFamily="2" charset="2"/>
+              <a:buChar char="ü"/>
+            </a:pPr>
+            <a:r>
+              <a:rPr lang="pt-BR" dirty="0"/>
+              <a:t>O Scrum emprega uma abordagem iterativa e incremental para aperfeiçoar a previsibilidade e o controle de riscos;</a:t>
+            </a:r>
+          </a:p>
+          <a:p>
+            <a:pPr>
+              <a:buFont typeface="Wingdings" panose="05000000000000000000" pitchFamily="2" charset="2"/>
+              <a:buChar char="ü"/>
+            </a:pPr>
+            <a:r>
+              <a:rPr lang="pt-BR" dirty="0"/>
+              <a:t>Três pilares apoiam a implementação de controle de processo empírico: transparência, inspeção e adaptação.</a:t>
+            </a:r>
           </a:p>
         </p:txBody>
       </p:sp>
     </p:spTree>
     <p:extLst>
       <p:ext uri="{BB962C8B-B14F-4D97-AF65-F5344CB8AC3E}">
-        <p14:creationId xmlns:p14="http://schemas.microsoft.com/office/powerpoint/2010/main" val="3672092319"/>
+        <p14:creationId xmlns:p14="http://schemas.microsoft.com/office/powerpoint/2010/main" val="3220104280"/>
       </p:ext>
     </p:extLst>
   </p:cSld>
@@ -5861,8 +5532,12 @@
           <a:lstStyle/>
           <a:p>
             <a:r>
-              <a:rPr lang="pt-BR" dirty="0"/>
-              <a:t>Adaptação</a:t>
+              <a:rPr lang="en-US" dirty="0"/>
+              <a:t>Transfer</a:t>
+            </a:r>
+            <a:r>
+              <a:rPr lang="pt-BR" dirty="0"/>
+              <a:t>ência</a:t>
             </a:r>
           </a:p>
         </p:txBody>
@@ -5888,32 +5563,25 @@
             </a:pPr>
             <a:r>
               <a:rPr lang="pt-BR" dirty="0"/>
-              <a:t>Uma vez passado pelo processo de inspeção o consequentemente o resultado levará a uma adaptação visando melhorar o processo;</a:t>
-            </a:r>
-          </a:p>
-          <a:p>
-            <a:pPr>
-              <a:buFont typeface="Wingdings" panose="05000000000000000000" pitchFamily="2" charset="2"/>
-              <a:buChar char="ü"/>
-            </a:pPr>
-            <a:r>
-              <a:rPr lang="pt-BR" dirty="0"/>
-              <a:t>O ajuste deve ser realizado o mais breve possível para minimizar mais desvios.</a:t>
-            </a:r>
-          </a:p>
-          <a:p>
-            <a:pPr>
-              <a:buFont typeface="Wingdings" panose="05000000000000000000" pitchFamily="2" charset="2"/>
-              <a:buChar char="ü"/>
-            </a:pPr>
-            <a:endParaRPr lang="pt-BR" dirty="0"/>
+              <a:t>Aspectos significativos do processo devem estar visíveis aos responsáveis pelos resultados;</a:t>
+            </a:r>
+          </a:p>
+          <a:p>
+            <a:pPr>
+              <a:buFont typeface="Wingdings" panose="05000000000000000000" pitchFamily="2" charset="2"/>
+              <a:buChar char="ü"/>
+            </a:pPr>
+            <a:r>
+              <a:rPr lang="pt-BR" dirty="0"/>
+              <a:t>Esta transparência requer aspectos definidos por um padrão comum para que os observadores compartilharem um mesmo entendimento do que está sendo visto.</a:t>
+            </a:r>
           </a:p>
         </p:txBody>
       </p:sp>
     </p:spTree>
     <p:extLst>
       <p:ext uri="{BB962C8B-B14F-4D97-AF65-F5344CB8AC3E}">
-        <p14:creationId xmlns:p14="http://schemas.microsoft.com/office/powerpoint/2010/main" val="3000532631"/>
+        <p14:creationId xmlns:p14="http://schemas.microsoft.com/office/powerpoint/2010/main" val="1452054897"/>
       </p:ext>
     </p:extLst>
   </p:cSld>
@@ -6028,7 +5696,7 @@
           <a:p>
             <a:r>
               <a:rPr lang="pt-BR" dirty="0"/>
-              <a:t>Valores do Scrum</a:t>
+              <a:t>Inspeção</a:t>
             </a:r>
           </a:p>
         </p:txBody>
@@ -6054,68 +5722,35 @@
             </a:pPr>
             <a:r>
               <a:rPr lang="pt-BR" dirty="0"/>
-              <a:t>Como um framework para desenvolvimento ágil o Scrum é consistente com os valores do manifesto ágil;</a:t>
-            </a:r>
-          </a:p>
-          <a:p>
-            <a:pPr>
-              <a:buFont typeface="Wingdings" panose="05000000000000000000" pitchFamily="2" charset="2"/>
-              <a:buChar char="ü"/>
-            </a:pPr>
-            <a:r>
-              <a:rPr lang="pt-BR" dirty="0"/>
-              <a:t>Foco, coragem, franqueza, comprometimento e respeito é essencial para a saúde e o sucesso de todo processo</a:t>
-            </a:r>
-          </a:p>
-          <a:p>
-            <a:pPr>
-              <a:buFont typeface="Wingdings" panose="05000000000000000000" pitchFamily="2" charset="2"/>
-              <a:buChar char="ü"/>
-            </a:pPr>
-            <a:r>
-              <a:rPr lang="pt-BR" dirty="0"/>
-              <a:t>Baseia-se no sistema Toyota de produção desenvolvido por </a:t>
-            </a:r>
-            <a:r>
-              <a:rPr lang="pt-BR" dirty="0" err="1"/>
-              <a:t>Taiichi</a:t>
-            </a:r>
-            <a:r>
-              <a:rPr lang="pt-BR" dirty="0"/>
-              <a:t> </a:t>
-            </a:r>
-            <a:r>
-              <a:rPr lang="pt-BR" dirty="0" err="1"/>
-              <a:t>Ohno</a:t>
-            </a:r>
-            <a:r>
-              <a:rPr lang="pt-BR" dirty="0"/>
-              <a:t> e no ciclo OODA (Observe, </a:t>
-            </a:r>
-            <a:r>
-              <a:rPr lang="pt-BR" dirty="0" err="1"/>
-              <a:t>Orient</a:t>
-            </a:r>
-            <a:r>
-              <a:rPr lang="pt-BR" dirty="0"/>
-              <a:t>, Decide, </a:t>
-            </a:r>
-            <a:r>
-              <a:rPr lang="pt-BR" dirty="0" err="1"/>
-              <a:t>Act</a:t>
-            </a:r>
-            <a:r>
-              <a:rPr lang="pt-BR" dirty="0"/>
-              <a:t>) da aviação de combate.</a:t>
-            </a:r>
-            <a:endParaRPr lang="pt-BR" dirty="0"/>
+              <a:t>Devem ser inspecionados frequentemente os vários aspectos do processo para identificar variações inaceitáveis;</a:t>
+            </a:r>
+          </a:p>
+          <a:p>
+            <a:pPr>
+              <a:buFont typeface="Wingdings" panose="05000000000000000000" pitchFamily="2" charset="2"/>
+              <a:buChar char="ü"/>
+            </a:pPr>
+            <a:r>
+              <a:rPr lang="pt-BR" dirty="0"/>
+              <a:t>A frequência da inspeção deve levar em consideração que os processos são alterados pelo próprio ato de inspeção, por isso deve ficar atento para que não exceda o limite e chega a atrapalhar a própria execução do processo;</a:t>
+            </a:r>
+          </a:p>
+          <a:p>
+            <a:pPr>
+              <a:buFont typeface="Wingdings" panose="05000000000000000000" pitchFamily="2" charset="2"/>
+              <a:buChar char="ü"/>
+            </a:pPr>
+            <a:r>
+              <a:rPr lang="pt-BR" dirty="0"/>
+              <a:t>O inspetor deve possuir as competências para avaliar o que ele ou ela está inspecionando.</a:t>
+            </a:r>
           </a:p>
         </p:txBody>
       </p:sp>
     </p:spTree>
     <p:extLst>
       <p:ext uri="{BB962C8B-B14F-4D97-AF65-F5344CB8AC3E}">
-        <p14:creationId xmlns:p14="http://schemas.microsoft.com/office/powerpoint/2010/main" val="1785062720"/>
+        <p14:creationId xmlns:p14="http://schemas.microsoft.com/office/powerpoint/2010/main" val="3672092319"/>
       </p:ext>
     </p:extLst>
   </p:cSld>
@@ -6144,7 +5779,7 @@
       </p:grpSpPr>
       <p:sp>
         <p:nvSpPr>
-          <p:cNvPr id="3" name="Título 2"/>
+          <p:cNvPr id="2" name="Título 1"/>
           <p:cNvSpPr>
             <a:spLocks noGrp="1"/>
           </p:cNvSpPr>
@@ -6159,14 +5794,14 @@
           <a:p>
             <a:r>
               <a:rPr lang="pt-BR" dirty="0"/>
-              <a:t>Time Scrum</a:t>
-            </a:r>
-          </a:p>
-        </p:txBody>
-      </p:sp>
-      <p:sp>
-        <p:nvSpPr>
-          <p:cNvPr id="2" name="Espaço Reservado para Conteúdo 1"/>
+              <a:t>Adaptação</a:t>
+            </a:r>
+          </a:p>
+        </p:txBody>
+      </p:sp>
+      <p:sp>
+        <p:nvSpPr>
+          <p:cNvPr id="3" name="Espaço Reservado para Conteúdo 2"/>
           <p:cNvSpPr>
             <a:spLocks noGrp="1"/>
           </p:cNvSpPr>
@@ -6176,36 +5811,41 @@
         </p:nvSpPr>
         <p:spPr/>
         <p:txBody>
-          <a:bodyPr>
-            <a:normAutofit/>
-          </a:bodyPr>
-          <a:lstStyle/>
-          <a:p>
-            <a:pPr>
-              <a:buFont typeface="Wingdings" panose="05000000000000000000" pitchFamily="2" charset="2"/>
-              <a:buChar char="ü"/>
-            </a:pPr>
-            <a:r>
-              <a:rPr lang="pt-BR" dirty="0"/>
-              <a:t>Entrega o produto de forma iterativa e incremental, maximizando as oportunidades de realimentação;</a:t>
-            </a:r>
-          </a:p>
-          <a:p>
-            <a:pPr>
-              <a:buFont typeface="Wingdings" panose="05000000000000000000" pitchFamily="2" charset="2"/>
-              <a:buChar char="ü"/>
-            </a:pPr>
-            <a:r>
-              <a:rPr lang="pt-BR" dirty="0"/>
-              <a:t>Composto por: Product Owner, Time de Desenvolvimento e Scrum Master.</a:t>
-            </a:r>
+          <a:bodyPr/>
+          <a:lstStyle/>
+          <a:p>
+            <a:pPr>
+              <a:buFont typeface="Wingdings" panose="05000000000000000000" pitchFamily="2" charset="2"/>
+              <a:buChar char="ü"/>
+            </a:pPr>
+            <a:r>
+              <a:rPr lang="pt-BR" dirty="0"/>
+              <a:t>Uma vez passado pelo processo de inspeção o consequentemente o resultado levará a uma adaptação visando melhorar o processo;</a:t>
+            </a:r>
+          </a:p>
+          <a:p>
+            <a:pPr>
+              <a:buFont typeface="Wingdings" panose="05000000000000000000" pitchFamily="2" charset="2"/>
+              <a:buChar char="ü"/>
+            </a:pPr>
+            <a:r>
+              <a:rPr lang="pt-BR" dirty="0"/>
+              <a:t>O ajuste deve ser realizado o mais breve possível para minimizar mais desvios.</a:t>
+            </a:r>
+          </a:p>
+          <a:p>
+            <a:pPr>
+              <a:buFont typeface="Wingdings" panose="05000000000000000000" pitchFamily="2" charset="2"/>
+              <a:buChar char="ü"/>
+            </a:pPr>
+            <a:endParaRPr lang="pt-BR" dirty="0"/>
           </a:p>
         </p:txBody>
       </p:sp>
     </p:spTree>
     <p:extLst>
       <p:ext uri="{BB962C8B-B14F-4D97-AF65-F5344CB8AC3E}">
-        <p14:creationId xmlns:p14="http://schemas.microsoft.com/office/powerpoint/2010/main" val="3509287758"/>
+        <p14:creationId xmlns:p14="http://schemas.microsoft.com/office/powerpoint/2010/main" val="3000532631"/>
       </p:ext>
     </p:extLst>
   </p:cSld>
@@ -6248,10 +5888,9 @@
           <a:lstStyle/>
           <a:p>
             <a:r>
-              <a:rPr lang="en-US" dirty="0"/>
-              <a:t>Product Owner</a:t>
-            </a:r>
-            <a:endParaRPr lang="pt-BR" dirty="0"/>
+              <a:rPr lang="pt-BR" dirty="0"/>
+              <a:t>Valores do Scrum</a:t>
+            </a:r>
           </a:p>
         </p:txBody>
       </p:sp>
@@ -6265,84 +5904,70 @@
             <p:ph idx="1"/>
           </p:nvPr>
         </p:nvSpPr>
-        <p:spPr>
-          <a:xfrm>
-            <a:off x="507206" y="1993393"/>
-            <a:ext cx="8065294" cy="4243919"/>
-          </a:xfrm>
-        </p:spPr>
-        <p:txBody>
-          <a:bodyPr>
-            <a:normAutofit/>
-          </a:bodyPr>
-          <a:lstStyle/>
-          <a:p>
-            <a:pPr>
-              <a:buFont typeface="Wingdings" panose="05000000000000000000" pitchFamily="2" charset="2"/>
-              <a:buChar char="ü"/>
-            </a:pPr>
-            <a:r>
-              <a:rPr lang="pt-BR" dirty="0"/>
-              <a:t>Pessoa responsável por gerenciar o Backlog do Produto a fim de maximizar o valor do projeto;</a:t>
-            </a:r>
-          </a:p>
-          <a:p>
-            <a:pPr lvl="2">
-              <a:buFont typeface="Wingdings" panose="05000000000000000000" pitchFamily="2" charset="2"/>
-              <a:buChar char="ü"/>
-            </a:pPr>
-            <a:r>
-              <a:rPr lang="pt-BR" dirty="0"/>
-              <a:t>Ordena por prioridade e esclarece os itens do Backlog do Produto</a:t>
-            </a:r>
-          </a:p>
-          <a:p>
-            <a:pPr>
-              <a:buFont typeface="Wingdings" panose="05000000000000000000" pitchFamily="2" charset="2"/>
-              <a:buChar char="ü"/>
-            </a:pPr>
-            <a:r>
-              <a:rPr lang="pt-BR" dirty="0"/>
-              <a:t>Pode cancelar uma Sprint;</a:t>
-            </a:r>
-          </a:p>
-          <a:p>
-            <a:pPr>
-              <a:buFont typeface="Wingdings" panose="05000000000000000000" pitchFamily="2" charset="2"/>
-              <a:buChar char="ü"/>
-            </a:pPr>
-            <a:r>
-              <a:rPr lang="pt-BR" dirty="0"/>
-              <a:t>Representa todos os Stakeholders no projeto.</a:t>
-            </a:r>
-          </a:p>
-          <a:p>
-            <a:pPr marL="0" indent="0">
-              <a:buNone/>
-            </a:pPr>
-            <a:endParaRPr lang="en-US" dirty="0"/>
-          </a:p>
-          <a:p>
-            <a:pPr marL="0" indent="0">
-              <a:buNone/>
-            </a:pPr>
-            <a:endParaRPr lang="en-US" dirty="0"/>
-          </a:p>
-          <a:p>
-            <a:pPr marL="0" indent="0">
-              <a:buNone/>
-            </a:pPr>
-            <a:r>
-              <a:rPr lang="en-US" b="1" i="1" dirty="0"/>
-              <a:t>Stakeholder</a:t>
-            </a:r>
-            <a:r>
-              <a:rPr lang="en-US" i="1" dirty="0"/>
-              <a:t>: </a:t>
-            </a:r>
-            <a:r>
-              <a:rPr lang="pt-BR" i="1" dirty="0"/>
-              <a:t>Alguém interessado no projeto, porém não está comprometido diretamente com ele (Ex: Cliente, Acionista, Diretor).</a:t>
+        <p:spPr/>
+        <p:txBody>
+          <a:bodyPr/>
+          <a:lstStyle/>
+          <a:p>
+            <a:pPr>
+              <a:buFont typeface="Wingdings" panose="05000000000000000000" pitchFamily="2" charset="2"/>
+              <a:buChar char="ü"/>
+            </a:pPr>
+            <a:r>
+              <a:rPr lang="pt-BR" dirty="0"/>
+              <a:t>Como um framework para desenvolvimento ágil o Scrum é consistente com os valores do manifesto ágil;</a:t>
+            </a:r>
+          </a:p>
+          <a:p>
+            <a:pPr>
+              <a:buFont typeface="Wingdings" panose="05000000000000000000" pitchFamily="2" charset="2"/>
+              <a:buChar char="ü"/>
+            </a:pPr>
+            <a:r>
+              <a:rPr lang="pt-BR" dirty="0"/>
+              <a:t>Foco, coragem, franqueza, comprometimento e respeito é essencial para a saúde e o sucesso de todo processo</a:t>
+            </a:r>
+          </a:p>
+          <a:p>
+            <a:pPr>
+              <a:buFont typeface="Wingdings" panose="05000000000000000000" pitchFamily="2" charset="2"/>
+              <a:buChar char="ü"/>
+            </a:pPr>
+            <a:r>
+              <a:rPr lang="pt-BR" dirty="0"/>
+              <a:t>Baseia-se no sistema Toyota de produção desenvolvido por </a:t>
+            </a:r>
+            <a:r>
+              <a:rPr lang="pt-BR" dirty="0" err="1"/>
+              <a:t>Taiichi</a:t>
+            </a:r>
+            <a:r>
+              <a:rPr lang="pt-BR" dirty="0"/>
+              <a:t> </a:t>
+            </a:r>
+            <a:r>
+              <a:rPr lang="pt-BR" dirty="0" err="1"/>
+              <a:t>Ohno</a:t>
+            </a:r>
+            <a:r>
+              <a:rPr lang="pt-BR" dirty="0"/>
+              <a:t> e no ciclo OODA (Observe, </a:t>
+            </a:r>
+            <a:r>
+              <a:rPr lang="pt-BR" dirty="0" err="1"/>
+              <a:t>Orient</a:t>
+            </a:r>
+            <a:r>
+              <a:rPr lang="pt-BR" dirty="0"/>
+              <a:t>, Decide, </a:t>
+            </a:r>
+            <a:r>
+              <a:rPr lang="pt-BR" dirty="0" err="1"/>
+              <a:t>Act</a:t>
+            </a:r>
+            <a:r>
+              <a:rPr lang="pt-BR" dirty="0"/>
+              <a:t>) da aviação de combate.</a:t>
             </a:r>
           </a:p>
         </p:txBody>
@@ -6350,7 +5975,7 @@
     </p:spTree>
     <p:extLst>
       <p:ext uri="{BB962C8B-B14F-4D97-AF65-F5344CB8AC3E}">
-        <p14:creationId xmlns:p14="http://schemas.microsoft.com/office/powerpoint/2010/main" val="2206234286"/>
+        <p14:creationId xmlns:p14="http://schemas.microsoft.com/office/powerpoint/2010/main" val="1785062720"/>
       </p:ext>
     </p:extLst>
   </p:cSld>
@@ -6379,7 +6004,7 @@
       </p:grpSpPr>
       <p:sp>
         <p:nvSpPr>
-          <p:cNvPr id="2" name="Título 1"/>
+          <p:cNvPr id="3" name="Título 2"/>
           <p:cNvSpPr>
             <a:spLocks noGrp="1"/>
           </p:cNvSpPr>
@@ -6393,16 +6018,15 @@
           <a:lstStyle/>
           <a:p>
             <a:r>
-              <a:rPr lang="en-US" dirty="0"/>
-              <a:t>Time de Desenvolvimento</a:t>
-            </a:r>
-            <a:endParaRPr lang="pt-BR" dirty="0"/>
-          </a:p>
-        </p:txBody>
-      </p:sp>
-      <p:sp>
-        <p:nvSpPr>
-          <p:cNvPr id="3" name="Espaço Reservado para Conteúdo 2"/>
+              <a:rPr lang="pt-BR" dirty="0"/>
+              <a:t>Time Scrum</a:t>
+            </a:r>
+          </a:p>
+        </p:txBody>
+      </p:sp>
+      <p:sp>
+        <p:nvSpPr>
+          <p:cNvPr id="2" name="Espaço Reservado para Conteúdo 1"/>
           <p:cNvSpPr>
             <a:spLocks noGrp="1"/>
           </p:cNvSpPr>
@@ -6412,36 +6036,28 @@
         </p:nvSpPr>
         <p:spPr/>
         <p:txBody>
-          <a:bodyPr/>
-          <a:lstStyle/>
-          <a:p>
-            <a:pPr>
-              <a:buFont typeface="Wingdings" panose="05000000000000000000" pitchFamily="2" charset="2"/>
-              <a:buChar char="ü"/>
-            </a:pPr>
-            <a:r>
-              <a:rPr lang="pt-BR" dirty="0"/>
-              <a:t>Grupo de profissionais responsáveis pelo desenvolvimento do potencial incremento que será entregue a cada Sprint;</a:t>
-            </a:r>
-          </a:p>
-          <a:p>
-            <a:pPr>
-              <a:buFont typeface="Wingdings" panose="05000000000000000000" pitchFamily="2" charset="2"/>
-              <a:buChar char="ü"/>
-            </a:pPr>
-            <a:r>
-              <a:rPr lang="pt-BR" dirty="0"/>
-              <a:t>São auto organizáveis e multifuncionais;</a:t>
-            </a:r>
-          </a:p>
-          <a:p>
-            <a:pPr>
-              <a:buFont typeface="Wingdings" panose="05000000000000000000" pitchFamily="2" charset="2"/>
-              <a:buChar char="ü"/>
-            </a:pPr>
-            <a:r>
-              <a:rPr lang="pt-BR" dirty="0"/>
-              <a:t>Composto entre 3 a 9 integrantes.</a:t>
+          <a:bodyPr>
+            <a:normAutofit/>
+          </a:bodyPr>
+          <a:lstStyle/>
+          <a:p>
+            <a:pPr>
+              <a:buFont typeface="Wingdings" panose="05000000000000000000" pitchFamily="2" charset="2"/>
+              <a:buChar char="ü"/>
+            </a:pPr>
+            <a:r>
+              <a:rPr lang="pt-BR" dirty="0"/>
+              <a:t>Entrega o produto de forma iterativa e incremental, maximizando as oportunidades de realimentação;</a:t>
+            </a:r>
+          </a:p>
+          <a:p>
+            <a:pPr>
+              <a:buFont typeface="Wingdings" panose="05000000000000000000" pitchFamily="2" charset="2"/>
+              <a:buChar char="ü"/>
+            </a:pPr>
+            <a:r>
+              <a:rPr lang="pt-BR" dirty="0"/>
+              <a:t>Composto por: Product Owner, Time de Desenvolvimento e Scrum Master.</a:t>
             </a:r>
           </a:p>
         </p:txBody>
@@ -6449,7 +6065,7 @@
     </p:spTree>
     <p:extLst>
       <p:ext uri="{BB962C8B-B14F-4D97-AF65-F5344CB8AC3E}">
-        <p14:creationId xmlns:p14="http://schemas.microsoft.com/office/powerpoint/2010/main" val="3008020100"/>
+        <p14:creationId xmlns:p14="http://schemas.microsoft.com/office/powerpoint/2010/main" val="3509287758"/>
       </p:ext>
     </p:extLst>
   </p:cSld>
@@ -6493,7 +6109,7 @@
           <a:p>
             <a:r>
               <a:rPr lang="en-US" dirty="0"/>
-              <a:t>Scrum Master</a:t>
+              <a:t>Product Owner</a:t>
             </a:r>
             <a:endParaRPr lang="pt-BR" dirty="0"/>
           </a:p>
@@ -6509,28 +6125,25 @@
             <p:ph idx="1"/>
           </p:nvPr>
         </p:nvSpPr>
-        <p:spPr/>
-        <p:txBody>
-          <a:bodyPr/>
-          <a:lstStyle/>
-          <a:p>
-            <a:pPr>
-              <a:buFont typeface="Wingdings" panose="05000000000000000000" pitchFamily="2" charset="2"/>
-              <a:buChar char="ü"/>
-            </a:pPr>
-            <a:r>
-              <a:rPr lang="pt-BR" dirty="0"/>
-              <a:t>Pessoa responsável por garantir que o Scrum seja compreendido por todos, fazendo com que aderem a teoria, praticas e regras do Scrum;</a:t>
-            </a:r>
-          </a:p>
-          <a:p>
-            <a:pPr>
-              <a:buFont typeface="Wingdings" panose="05000000000000000000" pitchFamily="2" charset="2"/>
-              <a:buChar char="ü"/>
-            </a:pPr>
-            <a:r>
-              <a:rPr lang="pt-BR" dirty="0"/>
-              <a:t>Facilitador e potencializador do trabalho do Time Scrum;</a:t>
+        <p:spPr>
+          <a:xfrm>
+            <a:off x="507206" y="1993393"/>
+            <a:ext cx="8065294" cy="4243919"/>
+          </a:xfrm>
+        </p:spPr>
+        <p:txBody>
+          <a:bodyPr>
+            <a:normAutofit/>
+          </a:bodyPr>
+          <a:lstStyle/>
+          <a:p>
+            <a:pPr>
+              <a:buFont typeface="Wingdings" panose="05000000000000000000" pitchFamily="2" charset="2"/>
+              <a:buChar char="ü"/>
+            </a:pPr>
+            <a:r>
+              <a:rPr lang="pt-BR" dirty="0"/>
+              <a:t>Pessoa responsável por gerenciar o Backlog do Produto a fim de maximizar o valor do projeto;</a:t>
             </a:r>
           </a:p>
           <a:p>
@@ -6540,52 +6153,64 @@
             </a:pPr>
             <a:r>
               <a:rPr lang="pt-BR" dirty="0"/>
-              <a:t>Remove quaisquer impedimentos para o progresso</a:t>
-            </a:r>
-          </a:p>
-          <a:p>
-            <a:pPr lvl="2">
-              <a:buFont typeface="Wingdings" panose="05000000000000000000" pitchFamily="2" charset="2"/>
-              <a:buChar char="ü"/>
-            </a:pPr>
-            <a:r>
-              <a:rPr lang="pt-BR" dirty="0"/>
-              <a:t>Agenda e conduz reuniões</a:t>
-            </a:r>
-          </a:p>
-          <a:p>
-            <a:pPr>
-              <a:buFont typeface="Wingdings" panose="05000000000000000000" pitchFamily="2" charset="2"/>
-              <a:buChar char="ü"/>
-            </a:pPr>
-            <a:r>
-              <a:rPr lang="pt-BR" dirty="0"/>
-              <a:t>Protege o Time Scrum.</a:t>
-            </a:r>
-          </a:p>
-          <a:p>
-            <a:pPr lvl="2">
-              <a:buFont typeface="Wingdings" panose="05000000000000000000" pitchFamily="2" charset="2"/>
-              <a:buChar char="ü"/>
-            </a:pPr>
-            <a:r>
-              <a:rPr lang="pt-BR" dirty="0"/>
-              <a:t>Ajuda aqueles que estão fora a entender quais as interações com o Time Scrum são úteis</a:t>
-            </a:r>
-          </a:p>
-          <a:p>
-            <a:pPr lvl="2">
-              <a:buFont typeface="Wingdings" panose="05000000000000000000" pitchFamily="2" charset="2"/>
-              <a:buChar char="ü"/>
-            </a:pPr>
-            <a:endParaRPr lang="pt-BR" dirty="0"/>
+              <a:t>Ordena por prioridade e esclarece os itens do Backlog do Produto</a:t>
+            </a:r>
+          </a:p>
+          <a:p>
+            <a:pPr>
+              <a:buFont typeface="Wingdings" panose="05000000000000000000" pitchFamily="2" charset="2"/>
+              <a:buChar char="ü"/>
+            </a:pPr>
+            <a:r>
+              <a:rPr lang="pt-BR" dirty="0"/>
+              <a:t>Pode cancelar uma Sprint;</a:t>
+            </a:r>
+          </a:p>
+          <a:p>
+            <a:pPr>
+              <a:buFont typeface="Wingdings" panose="05000000000000000000" pitchFamily="2" charset="2"/>
+              <a:buChar char="ü"/>
+            </a:pPr>
+            <a:r>
+              <a:rPr lang="pt-BR" dirty="0"/>
+              <a:t>Representa todos os Stakeholders no projeto.</a:t>
+            </a:r>
+          </a:p>
+          <a:p>
+            <a:pPr marL="0" indent="0">
+              <a:buNone/>
+            </a:pPr>
+            <a:endParaRPr lang="en-US" dirty="0"/>
+          </a:p>
+          <a:p>
+            <a:pPr marL="0" indent="0">
+              <a:buNone/>
+            </a:pPr>
+            <a:endParaRPr lang="en-US" dirty="0"/>
+          </a:p>
+          <a:p>
+            <a:pPr marL="0" indent="0">
+              <a:buNone/>
+            </a:pPr>
+            <a:r>
+              <a:rPr lang="en-US" b="1" i="1" dirty="0"/>
+              <a:t>Stakeholder</a:t>
+            </a:r>
+            <a:r>
+              <a:rPr lang="en-US" i="1" dirty="0"/>
+              <a:t>: </a:t>
+            </a:r>
+            <a:r>
+              <a:rPr lang="pt-BR" i="1" dirty="0"/>
+              <a:t>Alguém interessado no projeto, porém não está comprometido diretamente com ele (Ex: Cliente, Acionista, Diretor).</a:t>
+            </a:r>
           </a:p>
         </p:txBody>
       </p:sp>
     </p:spTree>
     <p:extLst>
       <p:ext uri="{BB962C8B-B14F-4D97-AF65-F5344CB8AC3E}">
-        <p14:creationId xmlns:p14="http://schemas.microsoft.com/office/powerpoint/2010/main" val="4155157275"/>
+        <p14:creationId xmlns:p14="http://schemas.microsoft.com/office/powerpoint/2010/main" val="2206234286"/>
       </p:ext>
     </p:extLst>
   </p:cSld>
@@ -6629,7 +6254,7 @@
           <a:p>
             <a:r>
               <a:rPr lang="en-US" dirty="0"/>
-              <a:t>Eventos Scrum</a:t>
+              <a:t>Time de Desenvolvimento</a:t>
             </a:r>
             <a:endParaRPr lang="pt-BR" dirty="0"/>
           </a:p>
@@ -6656,52 +6281,35 @@
             </a:pPr>
             <a:r>
               <a:rPr lang="pt-BR" dirty="0"/>
-              <a:t>São usados no Scrum para criar uma rotina;</a:t>
-            </a:r>
-          </a:p>
-          <a:p>
-            <a:pPr>
-              <a:buFont typeface="Wingdings" panose="05000000000000000000" pitchFamily="2" charset="2"/>
-              <a:buChar char="ü"/>
-            </a:pPr>
-            <a:r>
-              <a:rPr lang="pt-BR" dirty="0"/>
-              <a:t>Todos os eventos possuem um tempo máximo pré-determinado para sua realização (time-boxed);</a:t>
-            </a:r>
-          </a:p>
-          <a:p>
-            <a:pPr>
-              <a:buFont typeface="Wingdings" panose="05000000000000000000" pitchFamily="2" charset="2"/>
-              <a:buChar char="ü"/>
-            </a:pPr>
-            <a:r>
-              <a:rPr lang="pt-BR" dirty="0"/>
-              <a:t>São eventos: Sprint, Reunião de Planejamento da Sprint, Reunião Diária, Revisão da Sprint e Retrospectiva da Sprint;</a:t>
-            </a:r>
-          </a:p>
-          <a:p>
-            <a:pPr>
-              <a:buFont typeface="Wingdings" panose="05000000000000000000" pitchFamily="2" charset="2"/>
-              <a:buChar char="ü"/>
-            </a:pPr>
-            <a:r>
-              <a:rPr lang="pt-BR" dirty="0"/>
-              <a:t>A não inclusão de qualquer um dos eventos resultará na redução da transparência e da perda de oportunidade para inspecionar e adaptar.</a:t>
-            </a:r>
-          </a:p>
-          <a:p>
-            <a:pPr>
-              <a:buFont typeface="Wingdings" panose="05000000000000000000" pitchFamily="2" charset="2"/>
-              <a:buChar char="ü"/>
-            </a:pPr>
-            <a:endParaRPr lang="pt-BR" dirty="0"/>
+              <a:t>Grupo de profissionais responsáveis pelo desenvolvimento do potencial incremento que será entregue a cada Sprint;</a:t>
+            </a:r>
+          </a:p>
+          <a:p>
+            <a:pPr>
+              <a:buFont typeface="Wingdings" panose="05000000000000000000" pitchFamily="2" charset="2"/>
+              <a:buChar char="ü"/>
+            </a:pPr>
+            <a:r>
+              <a:rPr lang="pt-BR" dirty="0"/>
+              <a:t>São auto organizáveis e multifuncionais;</a:t>
+            </a:r>
+          </a:p>
+          <a:p>
+            <a:pPr>
+              <a:buFont typeface="Wingdings" panose="05000000000000000000" pitchFamily="2" charset="2"/>
+              <a:buChar char="ü"/>
+            </a:pPr>
+            <a:r>
+              <a:rPr lang="pt-BR" dirty="0"/>
+              <a:t>Composto entre 3 a 9 integrantes.</a:t>
+            </a:r>
           </a:p>
         </p:txBody>
       </p:sp>
     </p:spTree>
     <p:extLst>
       <p:ext uri="{BB962C8B-B14F-4D97-AF65-F5344CB8AC3E}">
-        <p14:creationId xmlns:p14="http://schemas.microsoft.com/office/powerpoint/2010/main" val="2460374621"/>
+        <p14:creationId xmlns:p14="http://schemas.microsoft.com/office/powerpoint/2010/main" val="3008020100"/>
       </p:ext>
     </p:extLst>
   </p:cSld>
@@ -6744,9 +6352,10 @@
           <a:lstStyle/>
           <a:p>
             <a:r>
-              <a:rPr lang="pt-BR" dirty="0"/>
-              <a:t>Sprint</a:t>
-            </a:r>
+              <a:rPr lang="en-US" dirty="0"/>
+              <a:t>Scrum Master</a:t>
+            </a:r>
+            <a:endParaRPr lang="pt-BR" dirty="0"/>
           </a:p>
         </p:txBody>
       </p:sp>
@@ -6771,17 +6380,17 @@
             </a:pPr>
             <a:r>
               <a:rPr lang="pt-BR" dirty="0"/>
-              <a:t>Coração do Scrum, ou seja, contém todos os elementos do Scrum;</a:t>
-            </a:r>
-          </a:p>
-          <a:p>
-            <a:pPr>
-              <a:buFont typeface="Wingdings" panose="05000000000000000000" pitchFamily="2" charset="2"/>
-              <a:buChar char="ü"/>
-            </a:pPr>
-            <a:r>
-              <a:rPr lang="pt-BR" dirty="0"/>
-              <a:t>O objetivo é ter uma interação curta o suficiente para manter o time focado, mas tempo suficiente para entregar um incremento significativo do trabalho;</a:t>
+              <a:t>Pessoa responsável por garantir que o Scrum seja compreendido por todos, fazendo com que aderem a teoria, praticas e regras do Scrum;</a:t>
+            </a:r>
+          </a:p>
+          <a:p>
+            <a:pPr>
+              <a:buFont typeface="Wingdings" panose="05000000000000000000" pitchFamily="2" charset="2"/>
+              <a:buChar char="ü"/>
+            </a:pPr>
+            <a:r>
+              <a:rPr lang="pt-BR" dirty="0"/>
+              <a:t>Facilitador e potencializador do trabalho do Time Scrum;</a:t>
             </a:r>
           </a:p>
           <a:p>
@@ -6791,25 +6400,52 @@
             </a:pPr>
             <a:r>
               <a:rPr lang="pt-BR" dirty="0"/>
-              <a:t>Duração de máxima de um mês, e hoje comumente usada pelos times entre uma ou duas semanas</a:t>
-            </a:r>
-          </a:p>
-          <a:p>
-            <a:pPr>
-              <a:buFont typeface="Wingdings" panose="05000000000000000000" pitchFamily="2" charset="2"/>
-              <a:buChar char="ü"/>
-            </a:pPr>
-            <a:r>
-              <a:rPr lang="pt-BR" dirty="0"/>
-              <a:t>Cancelamento só pode ser feito pelo Product Owner.</a:t>
-            </a:r>
+              <a:t>Remove quaisquer impedimentos para o progresso</a:t>
+            </a:r>
+          </a:p>
+          <a:p>
+            <a:pPr lvl="2">
+              <a:buFont typeface="Wingdings" panose="05000000000000000000" pitchFamily="2" charset="2"/>
+              <a:buChar char="ü"/>
+            </a:pPr>
+            <a:r>
+              <a:rPr lang="pt-BR" dirty="0"/>
+              <a:t>Agenda e conduz reuniões</a:t>
+            </a:r>
+          </a:p>
+          <a:p>
+            <a:pPr>
+              <a:buFont typeface="Wingdings" panose="05000000000000000000" pitchFamily="2" charset="2"/>
+              <a:buChar char="ü"/>
+            </a:pPr>
+            <a:r>
+              <a:rPr lang="pt-BR" dirty="0"/>
+              <a:t>Protege o Time Scrum.</a:t>
+            </a:r>
+          </a:p>
+          <a:p>
+            <a:pPr lvl="2">
+              <a:buFont typeface="Wingdings" panose="05000000000000000000" pitchFamily="2" charset="2"/>
+              <a:buChar char="ü"/>
+            </a:pPr>
+            <a:r>
+              <a:rPr lang="pt-BR" dirty="0"/>
+              <a:t>Ajuda aqueles que estão fora a entender quais as interações com o Time Scrum são úteis</a:t>
+            </a:r>
+          </a:p>
+          <a:p>
+            <a:pPr lvl="2">
+              <a:buFont typeface="Wingdings" panose="05000000000000000000" pitchFamily="2" charset="2"/>
+              <a:buChar char="ü"/>
+            </a:pPr>
+            <a:endParaRPr lang="pt-BR" dirty="0"/>
           </a:p>
         </p:txBody>
       </p:sp>
     </p:spTree>
     <p:extLst>
       <p:ext uri="{BB962C8B-B14F-4D97-AF65-F5344CB8AC3E}">
-        <p14:creationId xmlns:p14="http://schemas.microsoft.com/office/powerpoint/2010/main" val="2561348211"/>
+        <p14:creationId xmlns:p14="http://schemas.microsoft.com/office/powerpoint/2010/main" val="4155157275"/>
       </p:ext>
     </p:extLst>
   </p:cSld>
@@ -6846,20 +6482,16 @@
             <p:ph type="title"/>
           </p:nvPr>
         </p:nvSpPr>
-        <p:spPr>
-          <a:xfrm>
-            <a:off x="492919" y="499533"/>
-            <a:ext cx="8079581" cy="913243"/>
-          </a:xfrm>
-        </p:spPr>
-        <p:txBody>
-          <a:bodyPr/>
-          <a:lstStyle/>
-          <a:p>
-            <a:r>
-              <a:rPr lang="pt-BR" dirty="0"/>
-              <a:t>Reunião de Planejamento</a:t>
-            </a:r>
+        <p:spPr/>
+        <p:txBody>
+          <a:bodyPr/>
+          <a:lstStyle/>
+          <a:p>
+            <a:r>
+              <a:rPr lang="en-US" dirty="0"/>
+              <a:t>Eventos Scrum</a:t>
+            </a:r>
+            <a:endParaRPr lang="pt-BR" dirty="0"/>
           </a:p>
         </p:txBody>
       </p:sp>
@@ -6873,93 +6505,63 @@
             <p:ph idx="1"/>
           </p:nvPr>
         </p:nvSpPr>
-        <p:spPr>
-          <a:xfrm>
-            <a:off x="507206" y="1556792"/>
-            <a:ext cx="8065294" cy="4824536"/>
-          </a:xfrm>
-        </p:spPr>
-        <p:txBody>
-          <a:bodyPr>
-            <a:normAutofit fontScale="92500" lnSpcReduction="10000"/>
-          </a:bodyPr>
-          <a:lstStyle/>
-          <a:p>
-            <a:pPr>
-              <a:buFont typeface="Wingdings" panose="05000000000000000000" pitchFamily="2" charset="2"/>
-              <a:buChar char="ü"/>
-            </a:pPr>
-            <a:r>
-              <a:rPr lang="pt-BR" dirty="0"/>
-              <a:t>Reunião na qual estão presentes o Time Scrum e Stakeholders convidados;</a:t>
-            </a:r>
-          </a:p>
-          <a:p>
-            <a:pPr>
-              <a:buFont typeface="Wingdings" panose="05000000000000000000" pitchFamily="2" charset="2"/>
-              <a:buChar char="ü"/>
-            </a:pPr>
-            <a:r>
-              <a:rPr lang="pt-BR" dirty="0"/>
-              <a:t>Duração de acordo com o tamanho da Sprint;</a:t>
-            </a:r>
-          </a:p>
-          <a:p>
-            <a:pPr lvl="2">
-              <a:buFont typeface="Wingdings" panose="05000000000000000000" pitchFamily="2" charset="2"/>
-              <a:buChar char="ü"/>
-            </a:pPr>
-            <a:r>
-              <a:rPr lang="pt-BR" dirty="0"/>
-              <a:t>Time-box com no máximo 8 horas para uma Sprint de um mês</a:t>
-            </a:r>
-          </a:p>
-          <a:p>
-            <a:pPr>
-              <a:buFont typeface="Wingdings" panose="05000000000000000000" pitchFamily="2" charset="2"/>
-              <a:buChar char="ü"/>
-            </a:pPr>
-            <a:r>
-              <a:rPr lang="pt-BR" dirty="0"/>
-              <a:t>O Scrum Master garante que o evento ocorra e que os participantes entendam seu propósito;</a:t>
-            </a:r>
-          </a:p>
-          <a:p>
-            <a:pPr>
-              <a:buFont typeface="Wingdings" panose="05000000000000000000" pitchFamily="2" charset="2"/>
-              <a:buChar char="ü"/>
-            </a:pPr>
-            <a:r>
-              <a:rPr lang="pt-BR" dirty="0"/>
-              <a:t>Normalmente dividida em 2 partes:</a:t>
-            </a:r>
-          </a:p>
-          <a:p>
-            <a:pPr lvl="2">
-              <a:buFont typeface="Wingdings" panose="05000000000000000000" pitchFamily="2" charset="2"/>
-              <a:buChar char="ü"/>
-            </a:pPr>
-            <a:r>
-              <a:rPr lang="pt-BR" dirty="0"/>
-              <a:t>1ª parte: O Product Owner apresenta o Backlog do Produto, descreve o que ele deseja ver construído e esclarece dúvidas. Ao final o time seleciona os itens do Backlog do Produto e define o Sprint Goal (Objetivo) juntamente com o Product Owner</a:t>
-            </a:r>
-          </a:p>
-          <a:p>
-            <a:pPr lvl="2">
-              <a:buFont typeface="Wingdings" panose="05000000000000000000" pitchFamily="2" charset="2"/>
-              <a:buChar char="ü"/>
-            </a:pPr>
-            <a:r>
-              <a:rPr lang="pt-BR" dirty="0"/>
-              <a:t>2ª parte: O Time de Desenvolvimento decide como irá construir essas funcionalidades durante a Sprint e transformá-las em um incremento de produto “Pronto”. Os itens de Backlog do Produto selecionados para a Sprint, junto com o plano de entrega destes itens é chamado de Backlog da Sprint</a:t>
-            </a:r>
+        <p:spPr/>
+        <p:txBody>
+          <a:bodyPr/>
+          <a:lstStyle/>
+          <a:p>
+            <a:pPr>
+              <a:buFont typeface="Wingdings" panose="05000000000000000000" pitchFamily="2" charset="2"/>
+              <a:buChar char="ü"/>
+            </a:pPr>
+            <a:r>
+              <a:rPr lang="pt-BR" dirty="0"/>
+              <a:t>São usados no Scrum para criar uma rotina;</a:t>
+            </a:r>
+          </a:p>
+          <a:p>
+            <a:pPr>
+              <a:buFont typeface="Wingdings" panose="05000000000000000000" pitchFamily="2" charset="2"/>
+              <a:buChar char="ü"/>
+            </a:pPr>
+            <a:r>
+              <a:rPr lang="pt-BR" dirty="0"/>
+              <a:t>Todos os eventos possuem um tempo máximo pré-determinado para sua realização (time-boxed);</a:t>
+            </a:r>
+          </a:p>
+          <a:p>
+            <a:pPr>
+              <a:buFont typeface="Wingdings" panose="05000000000000000000" pitchFamily="2" charset="2"/>
+              <a:buChar char="ü"/>
+            </a:pPr>
+            <a:r>
+              <a:rPr lang="pt-BR" dirty="0"/>
+              <a:t>São eventos: Sprint, Reunião de Planejamento da Sprint, Reunião Diária, Revisão da Sprint e Retrospectiva da Sprint;</a:t>
+            </a:r>
+          </a:p>
+          <a:p>
+            <a:pPr>
+              <a:buFont typeface="Wingdings" panose="05000000000000000000" pitchFamily="2" charset="2"/>
+              <a:buChar char="ü"/>
+            </a:pPr>
+            <a:r>
+              <a:rPr lang="pt-BR" dirty="0"/>
+              <a:t>A não inclusão de qualquer um dos eventos resultará na redução da transparência e da perda de oportunidade para inspecionar e adaptar.</a:t>
+            </a:r>
+          </a:p>
+          <a:p>
+            <a:pPr>
+              <a:buFont typeface="Wingdings" panose="05000000000000000000" pitchFamily="2" charset="2"/>
+              <a:buChar char="ü"/>
+            </a:pPr>
+            <a:endParaRPr lang="pt-BR" dirty="0"/>
           </a:p>
         </p:txBody>
       </p:sp>
     </p:spTree>
     <p:extLst>
       <p:ext uri="{BB962C8B-B14F-4D97-AF65-F5344CB8AC3E}">
-        <p14:creationId xmlns:p14="http://schemas.microsoft.com/office/powerpoint/2010/main" val="1897746889"/>
+        <p14:creationId xmlns:p14="http://schemas.microsoft.com/office/powerpoint/2010/main" val="2460374621"/>
       </p:ext>
     </p:extLst>
   </p:cSld>
@@ -6996,19 +6598,14 @@
             <p:ph type="title"/>
           </p:nvPr>
         </p:nvSpPr>
-        <p:spPr>
-          <a:xfrm>
-            <a:off x="492919" y="499533"/>
-            <a:ext cx="8079581" cy="1057259"/>
-          </a:xfrm>
-        </p:spPr>
-        <p:txBody>
-          <a:bodyPr/>
-          <a:lstStyle/>
-          <a:p>
-            <a:r>
-              <a:rPr lang="pt-BR" dirty="0"/>
-              <a:t>Reunião Diária</a:t>
+        <p:spPr/>
+        <p:txBody>
+          <a:bodyPr/>
+          <a:lstStyle/>
+          <a:p>
+            <a:r>
+              <a:rPr lang="pt-BR" dirty="0"/>
+              <a:t>Sprint</a:t>
             </a:r>
           </a:p>
         </p:txBody>
@@ -7023,45 +6620,28 @@
             <p:ph idx="1"/>
           </p:nvPr>
         </p:nvSpPr>
-        <p:spPr>
-          <a:xfrm>
-            <a:off x="507206" y="1556792"/>
-            <a:ext cx="8065294" cy="4896545"/>
-          </a:xfrm>
-        </p:spPr>
-        <p:txBody>
-          <a:bodyPr>
-            <a:normAutofit/>
-          </a:bodyPr>
-          <a:lstStyle/>
-          <a:p>
-            <a:pPr>
-              <a:buFont typeface="Wingdings" panose="05000000000000000000" pitchFamily="2" charset="2"/>
-              <a:buChar char="ü"/>
-            </a:pPr>
-            <a:r>
-              <a:rPr lang="pt-BR" dirty="0"/>
-              <a:t>Chamada também de “Daily Scrum” é composta pelo Scrum Master e o Time de Desenvolvimento;</a:t>
-            </a:r>
-          </a:p>
-          <a:p>
-            <a:pPr>
-              <a:buFont typeface="Wingdings" panose="05000000000000000000" pitchFamily="2" charset="2"/>
-              <a:buChar char="ü"/>
-            </a:pPr>
-            <a:r>
-              <a:rPr lang="pt-BR" dirty="0"/>
-              <a:t>São realizadas sempre no mesmo lugar e na mesma hora definida, com duração máxima de 15 minutos;</a:t>
-            </a:r>
-          </a:p>
-          <a:p>
-            <a:pPr>
-              <a:buFont typeface="Wingdings" panose="05000000000000000000" pitchFamily="2" charset="2"/>
-              <a:buChar char="ü"/>
-            </a:pPr>
-            <a:r>
-              <a:rPr lang="pt-BR" dirty="0"/>
-              <a:t>Cada integrante do time deverá responder três perguntas:</a:t>
+        <p:spPr/>
+        <p:txBody>
+          <a:bodyPr/>
+          <a:lstStyle/>
+          <a:p>
+            <a:pPr>
+              <a:buFont typeface="Wingdings" panose="05000000000000000000" pitchFamily="2" charset="2"/>
+              <a:buChar char="ü"/>
+            </a:pPr>
+            <a:r>
+              <a:rPr lang="pt-BR" dirty="0"/>
+              <a:t>Coração do Scrum, ou seja, contém todos os elementos do Scrum;</a:t>
+            </a:r>
+          </a:p>
+          <a:p>
+            <a:pPr>
+              <a:buFont typeface="Wingdings" panose="05000000000000000000" pitchFamily="2" charset="2"/>
+              <a:buChar char="ü"/>
+            </a:pPr>
+            <a:r>
+              <a:rPr lang="pt-BR" dirty="0"/>
+              <a:t>O objetivo é ter uma interação curta o suficiente para manter o time focado, mas tempo suficiente para entregar um incremento significativo do trabalho;</a:t>
             </a:r>
           </a:p>
           <a:p>
@@ -7071,37 +6651,17 @@
             </a:pPr>
             <a:r>
               <a:rPr lang="pt-BR" dirty="0"/>
-              <a:t>O que eu fiz ontem que ajudou o Time de Desenvolvimento a atender a meta da Sprint?</a:t>
-            </a:r>
-          </a:p>
-          <a:p>
-            <a:pPr lvl="2">
-              <a:buFont typeface="Wingdings" panose="05000000000000000000" pitchFamily="2" charset="2"/>
-              <a:buChar char="ü"/>
-            </a:pPr>
-            <a:r>
-              <a:rPr lang="pt-BR" dirty="0"/>
-              <a:t>O que eu farei hoje para ajudar o Time de Desenvolvimento atender a meta da Sprint?</a:t>
-            </a:r>
-          </a:p>
-          <a:p>
-            <a:pPr lvl="2">
-              <a:buFont typeface="Wingdings" panose="05000000000000000000" pitchFamily="2" charset="2"/>
-              <a:buChar char="ü"/>
-            </a:pPr>
-            <a:r>
-              <a:rPr lang="pt-BR" dirty="0"/>
-              <a:t>Eu vejo algum obstáculo que impeça a mim ou o Time de Desenvolvimento no atendimento da meta da Sprint?</a:t>
-            </a:r>
-          </a:p>
-          <a:p>
-            <a:pPr>
-              <a:buFont typeface="Wingdings" panose="05000000000000000000" pitchFamily="2" charset="2"/>
-              <a:buChar char="ü"/>
-            </a:pPr>
-            <a:r>
-              <a:rPr lang="pt-BR" dirty="0"/>
-              <a:t>Os impedimentos identificados no Daily Scrum devem ser tratados pelo Scrum Master o mais rapidamente possível.</a:t>
+              <a:t>Duração de máxima de um mês, e hoje comumente usada pelos times entre uma ou duas semanas</a:t>
+            </a:r>
+          </a:p>
+          <a:p>
+            <a:pPr>
+              <a:buFont typeface="Wingdings" panose="05000000000000000000" pitchFamily="2" charset="2"/>
+              <a:buChar char="ü"/>
+            </a:pPr>
+            <a:r>
+              <a:rPr lang="pt-BR" dirty="0"/>
+              <a:t>Cancelamento só pode ser feito pelo Product Owner.</a:t>
             </a:r>
           </a:p>
         </p:txBody>
@@ -7109,7 +6669,7 @@
     </p:spTree>
     <p:extLst>
       <p:ext uri="{BB962C8B-B14F-4D97-AF65-F5344CB8AC3E}">
-        <p14:creationId xmlns:p14="http://schemas.microsoft.com/office/powerpoint/2010/main" val="1842161956"/>
+        <p14:creationId xmlns:p14="http://schemas.microsoft.com/office/powerpoint/2010/main" val="2561348211"/>
       </p:ext>
     </p:extLst>
   </p:cSld>
@@ -7146,37 +6706,42 @@
             <p:ph type="title"/>
           </p:nvPr>
         </p:nvSpPr>
-        <p:spPr/>
-        <p:txBody>
-          <a:bodyPr/>
-          <a:lstStyle/>
-          <a:p>
-            <a:r>
-              <a:rPr lang="pt-BR" dirty="0"/>
-              <a:t>Reunião de Revisão</a:t>
-            </a:r>
-          </a:p>
-        </p:txBody>
-      </p:sp>
-      <p:sp>
-        <p:nvSpPr>
-          <p:cNvPr id="3" name="Espaço Reservado para Conteúdo 2"/>
-          <p:cNvSpPr>
-            <a:spLocks noGrp="1"/>
-          </p:cNvSpPr>
-          <p:nvPr>
-            <p:ph idx="1"/>
-          </p:nvPr>
-        </p:nvSpPr>
         <p:spPr>
           <a:xfrm>
-            <a:off x="507206" y="1993393"/>
-            <a:ext cx="8065294" cy="4315927"/>
+            <a:off x="492919" y="499533"/>
+            <a:ext cx="8079581" cy="913243"/>
           </a:xfrm>
         </p:spPr>
         <p:txBody>
+          <a:bodyPr/>
+          <a:lstStyle/>
+          <a:p>
+            <a:r>
+              <a:rPr lang="pt-BR" dirty="0"/>
+              <a:t>Reunião de Planejamento</a:t>
+            </a:r>
+          </a:p>
+        </p:txBody>
+      </p:sp>
+      <p:sp>
+        <p:nvSpPr>
+          <p:cNvPr id="3" name="Espaço Reservado para Conteúdo 2"/>
+          <p:cNvSpPr>
+            <a:spLocks noGrp="1"/>
+          </p:cNvSpPr>
+          <p:nvPr>
+            <p:ph idx="1"/>
+          </p:nvPr>
+        </p:nvSpPr>
+        <p:spPr>
+          <a:xfrm>
+            <a:off x="507206" y="1556792"/>
+            <a:ext cx="8065294" cy="4824536"/>
+          </a:xfrm>
+        </p:spPr>
+        <p:txBody>
           <a:bodyPr>
-            <a:normAutofit/>
+            <a:normAutofit fontScale="92500" lnSpcReduction="10000"/>
           </a:bodyPr>
           <a:lstStyle/>
           <a:p>
@@ -7186,17 +6751,17 @@
             </a:pPr>
             <a:r>
               <a:rPr lang="pt-BR" dirty="0"/>
-              <a:t>É uma reunião informal composta pelo Time Scrum e Stakeholders convidados;</a:t>
-            </a:r>
-          </a:p>
-          <a:p>
-            <a:pPr>
-              <a:buFont typeface="Wingdings" panose="05000000000000000000" pitchFamily="2" charset="2"/>
-              <a:buChar char="ü"/>
-            </a:pPr>
-            <a:r>
-              <a:rPr lang="pt-BR" dirty="0"/>
-              <a:t>Realizada no final da Sprint com duração de acordo com o tamanho da Sprint;</a:t>
+              <a:t>Reunião na qual estão presentes o Time Scrum e Stakeholders convidados;</a:t>
+            </a:r>
+          </a:p>
+          <a:p>
+            <a:pPr>
+              <a:buFont typeface="Wingdings" panose="05000000000000000000" pitchFamily="2" charset="2"/>
+              <a:buChar char="ü"/>
+            </a:pPr>
+            <a:r>
+              <a:rPr lang="pt-BR" dirty="0"/>
+              <a:t>Duração de acordo com o tamanho da Sprint;</a:t>
             </a:r>
           </a:p>
           <a:p>
@@ -7206,27 +6771,47 @@
             </a:pPr>
             <a:r>
               <a:rPr lang="pt-BR" dirty="0"/>
-              <a:t>Time-box com no máximo 4 horas para uma Sprint de um mês</a:t>
-            </a:r>
-          </a:p>
-          <a:p>
-            <a:pPr>
-              <a:buFont typeface="Wingdings" panose="05000000000000000000" pitchFamily="2" charset="2"/>
-              <a:buChar char="ü"/>
-            </a:pPr>
-            <a:r>
-              <a:rPr lang="pt-BR" dirty="0"/>
-              <a:t> Tem como objetivo inspecionar o incremento e adaptar o Backlog do Produto se necessário;</a:t>
-            </a:r>
-          </a:p>
-          <a:p>
-            <a:pPr>
-              <a:buFont typeface="Wingdings" panose="05000000000000000000" pitchFamily="2" charset="2"/>
-              <a:buChar char="ü"/>
-            </a:pPr>
-            <a:r>
-              <a:rPr lang="pt-BR" dirty="0"/>
-              <a:t>Durante essa reunião o Time de Desenvolvimento mostra quais itens do Backlog do Produto que eles concluíram durante a Sprint. Isso pode ocorrer sob a forma uma demo das novas funcionalidades.</a:t>
+              <a:t>Time-box com no máximo 8 horas para uma Sprint de um mês</a:t>
+            </a:r>
+          </a:p>
+          <a:p>
+            <a:pPr>
+              <a:buFont typeface="Wingdings" panose="05000000000000000000" pitchFamily="2" charset="2"/>
+              <a:buChar char="ü"/>
+            </a:pPr>
+            <a:r>
+              <a:rPr lang="pt-BR" dirty="0"/>
+              <a:t>O Scrum Master garante que o evento ocorra e que os participantes entendam seu propósito;</a:t>
+            </a:r>
+          </a:p>
+          <a:p>
+            <a:pPr>
+              <a:buFont typeface="Wingdings" panose="05000000000000000000" pitchFamily="2" charset="2"/>
+              <a:buChar char="ü"/>
+            </a:pPr>
+            <a:r>
+              <a:rPr lang="pt-BR" dirty="0"/>
+              <a:t>Normalmente dividida em 2 partes:</a:t>
+            </a:r>
+          </a:p>
+          <a:p>
+            <a:pPr lvl="2">
+              <a:buFont typeface="Wingdings" panose="05000000000000000000" pitchFamily="2" charset="2"/>
+              <a:buChar char="ü"/>
+            </a:pPr>
+            <a:r>
+              <a:rPr lang="pt-BR" dirty="0"/>
+              <a:t>1ª parte: O Product Owner apresenta o Backlog do Produto, descreve o que ele deseja ver construído e esclarece dúvidas. Ao final o time seleciona os itens do Backlog do Produto e define o Sprint Goal (Objetivo) juntamente com o Product Owner</a:t>
+            </a:r>
+          </a:p>
+          <a:p>
+            <a:pPr lvl="2">
+              <a:buFont typeface="Wingdings" panose="05000000000000000000" pitchFamily="2" charset="2"/>
+              <a:buChar char="ü"/>
+            </a:pPr>
+            <a:r>
+              <a:rPr lang="pt-BR" dirty="0"/>
+              <a:t>2ª parte: O Time de Desenvolvimento decide como irá construir essas funcionalidades durante a Sprint e transformá-las em um incremento de produto “Pronto”. Os itens de Backlog do Produto selecionados para a Sprint, junto com o plano de entrega destes itens é chamado de Backlog da Sprint</a:t>
             </a:r>
           </a:p>
         </p:txBody>
@@ -7234,7 +6819,7 @@
     </p:spTree>
     <p:extLst>
       <p:ext uri="{BB962C8B-B14F-4D97-AF65-F5344CB8AC3E}">
-        <p14:creationId xmlns:p14="http://schemas.microsoft.com/office/powerpoint/2010/main" val="3480910473"/>
+        <p14:creationId xmlns:p14="http://schemas.microsoft.com/office/powerpoint/2010/main" val="1897746889"/>
       </p:ext>
     </p:extLst>
   </p:cSld>
@@ -7278,7 +6863,7 @@
           <a:p>
             <a:r>
               <a:rPr lang="pt-BR" dirty="0"/>
-              <a:t>Projeto</a:t>
+              <a:t>Tópicos de discussão</a:t>
             </a:r>
           </a:p>
         </p:txBody>
@@ -7300,21 +6885,63 @@
           </a:bodyPr>
           <a:lstStyle/>
           <a:p>
-            <a:pPr marL="0" indent="0">
-              <a:buNone/>
-            </a:pPr>
-            <a:r>
-              <a:rPr lang="pt-BR" dirty="0"/>
-              <a:t>Refere-se a um “Plano para realização de um ato; desígnio, intenção.”. </a:t>
-            </a:r>
-          </a:p>
-          <a:p>
-            <a:pPr marL="0" indent="0">
-              <a:buNone/>
-            </a:pPr>
-            <a:r>
-              <a:rPr lang="pt-BR" dirty="0"/>
-              <a:t>Para que consigamos atingir um determinado objetivo com eficácia é necessário frequentemente conhecer as alternativas, adaptar a que talvez possa ser a mais condizente e inspecionar para certificar-se que está trilhando a melhor rota.</a:t>
+            <a:r>
+              <a:rPr lang="pt-BR" dirty="0"/>
+              <a:t>Gestão de Projetos de Software</a:t>
+            </a:r>
+          </a:p>
+          <a:p>
+            <a:r>
+              <a:rPr lang="pt-BR" dirty="0"/>
+              <a:t>Startup</a:t>
+            </a:r>
+          </a:p>
+          <a:p>
+            <a:r>
+              <a:rPr lang="pt-BR" dirty="0"/>
+              <a:t>Processo de desenvolvimento ágil</a:t>
+            </a:r>
+          </a:p>
+          <a:p>
+            <a:pPr lvl="1"/>
+            <a:r>
+              <a:rPr lang="pt-BR" dirty="0"/>
+              <a:t>Manifesto</a:t>
+            </a:r>
+          </a:p>
+          <a:p>
+            <a:pPr lvl="1"/>
+            <a:r>
+              <a:rPr lang="pt-BR" dirty="0"/>
+              <a:t>Scrum</a:t>
+            </a:r>
+          </a:p>
+          <a:p>
+            <a:pPr lvl="2"/>
+            <a:r>
+              <a:rPr lang="pt-BR" dirty="0"/>
+              <a:t>Definição</a:t>
+            </a:r>
+          </a:p>
+          <a:p>
+            <a:pPr lvl="2"/>
+            <a:r>
+              <a:rPr lang="pt-BR" dirty="0"/>
+              <a:t>Estruturação</a:t>
+            </a:r>
+          </a:p>
+          <a:p>
+            <a:pPr lvl="3"/>
+            <a:r>
+              <a:rPr lang="pt-BR" dirty="0"/>
+              <a:t>Perfil</a:t>
+            </a:r>
+          </a:p>
+          <a:p>
+            <a:pPr lvl="3"/>
+            <a:r>
+              <a:rPr lang="pt-BR" dirty="0"/>
+              <a:t>Regras</a:t>
             </a:r>
           </a:p>
         </p:txBody>
@@ -7354,14 +6981,19 @@
             <p:ph type="title"/>
           </p:nvPr>
         </p:nvSpPr>
-        <p:spPr/>
-        <p:txBody>
-          <a:bodyPr/>
-          <a:lstStyle/>
-          <a:p>
-            <a:r>
-              <a:rPr lang="pt-BR" dirty="0"/>
-              <a:t>Reunião de Retrospectiva</a:t>
+        <p:spPr>
+          <a:xfrm>
+            <a:off x="492919" y="499533"/>
+            <a:ext cx="8079581" cy="1057259"/>
+          </a:xfrm>
+        </p:spPr>
+        <p:txBody>
+          <a:bodyPr/>
+          <a:lstStyle/>
+          <a:p>
+            <a:r>
+              <a:rPr lang="pt-BR" dirty="0"/>
+              <a:t>Reunião Diária</a:t>
             </a:r>
           </a:p>
         </p:txBody>
@@ -7376,18 +7008,45 @@
             <p:ph idx="1"/>
           </p:nvPr>
         </p:nvSpPr>
-        <p:spPr/>
-        <p:txBody>
-          <a:bodyPr/>
-          <a:lstStyle/>
-          <a:p>
-            <a:pPr>
-              <a:buFont typeface="Wingdings" panose="05000000000000000000" pitchFamily="2" charset="2"/>
-              <a:buChar char="ü"/>
-            </a:pPr>
-            <a:r>
-              <a:rPr lang="pt-BR" dirty="0"/>
-              <a:t>Composta apenas pelo Time Scrum deve ser time-boxed (por exemplo, 3 horas);</a:t>
+        <p:spPr>
+          <a:xfrm>
+            <a:off x="507206" y="1556792"/>
+            <a:ext cx="8065294" cy="4896545"/>
+          </a:xfrm>
+        </p:spPr>
+        <p:txBody>
+          <a:bodyPr>
+            <a:normAutofit/>
+          </a:bodyPr>
+          <a:lstStyle/>
+          <a:p>
+            <a:pPr>
+              <a:buFont typeface="Wingdings" panose="05000000000000000000" pitchFamily="2" charset="2"/>
+              <a:buChar char="ü"/>
+            </a:pPr>
+            <a:r>
+              <a:rPr lang="pt-BR" dirty="0"/>
+              <a:t>Chamada também de “Daily Scrum” é composta pelo Scrum Master e o Time de Desenvolvimento;</a:t>
+            </a:r>
+          </a:p>
+          <a:p>
+            <a:pPr>
+              <a:buFont typeface="Wingdings" panose="05000000000000000000" pitchFamily="2" charset="2"/>
+              <a:buChar char="ü"/>
+            </a:pPr>
+            <a:r>
+              <a:rPr lang="pt-BR" dirty="0"/>
+              <a:t>São realizadas sempre no mesmo lugar e na mesma hora definida, com duração máxima de 15 minutos;</a:t>
+            </a:r>
+          </a:p>
+          <a:p>
+            <a:pPr>
+              <a:buFont typeface="Wingdings" panose="05000000000000000000" pitchFamily="2" charset="2"/>
+              <a:buChar char="ü"/>
+            </a:pPr>
+            <a:r>
+              <a:rPr lang="pt-BR" dirty="0"/>
+              <a:t>Cada integrante do time deverá responder três perguntas:</a:t>
             </a:r>
           </a:p>
           <a:p>
@@ -7397,17 +7056,7 @@
             </a:pPr>
             <a:r>
               <a:rPr lang="pt-BR" dirty="0"/>
-              <a:t>Realizada após a reunião de revisão.</a:t>
-            </a:r>
-          </a:p>
-          <a:p>
-            <a:pPr>
-              <a:buFont typeface="Wingdings" panose="05000000000000000000" pitchFamily="2" charset="2"/>
-              <a:buChar char="ü"/>
-            </a:pPr>
-            <a:r>
-              <a:rPr lang="pt-BR" dirty="0"/>
-              <a:t>É uma oportunidade para o Time Scrum inspecionar a si próprio e criar um plano para melhorias a serem aplicadas na próxima Sprint;</a:t>
+              <a:t>O que eu fiz ontem que ajudou o Time de Desenvolvimento a atender a meta da Sprint?</a:t>
             </a:r>
           </a:p>
           <a:p>
@@ -7417,22 +7066,35 @@
             </a:pPr>
             <a:r>
               <a:rPr lang="pt-BR" dirty="0"/>
-              <a:t>O que ocorreu bem durante a Sprint, o que não e que melhorias poderiam ser feitas na próxima Sprint</a:t>
-            </a:r>
-          </a:p>
-          <a:p>
-            <a:pPr>
-              <a:buFont typeface="Wingdings" panose="05000000000000000000" pitchFamily="2" charset="2"/>
-              <a:buChar char="ü"/>
-            </a:pPr>
-            <a:endParaRPr lang="pt-BR" dirty="0"/>
+              <a:t>O que eu farei hoje para ajudar o Time de Desenvolvimento atender a meta da Sprint?</a:t>
+            </a:r>
+          </a:p>
+          <a:p>
+            <a:pPr lvl="2">
+              <a:buFont typeface="Wingdings" panose="05000000000000000000" pitchFamily="2" charset="2"/>
+              <a:buChar char="ü"/>
+            </a:pPr>
+            <a:r>
+              <a:rPr lang="pt-BR" dirty="0"/>
+              <a:t>Eu vejo algum obstáculo que impeça a mim ou o Time de Desenvolvimento no atendimento da meta da Sprint?</a:t>
+            </a:r>
+          </a:p>
+          <a:p>
+            <a:pPr>
+              <a:buFont typeface="Wingdings" panose="05000000000000000000" pitchFamily="2" charset="2"/>
+              <a:buChar char="ü"/>
+            </a:pPr>
+            <a:r>
+              <a:rPr lang="pt-BR" dirty="0"/>
+              <a:t>Os impedimentos identificados no Daily Scrum devem ser tratados pelo Scrum Master o mais rapidamente possível.</a:t>
+            </a:r>
           </a:p>
         </p:txBody>
       </p:sp>
     </p:spTree>
     <p:extLst>
       <p:ext uri="{BB962C8B-B14F-4D97-AF65-F5344CB8AC3E}">
-        <p14:creationId xmlns:p14="http://schemas.microsoft.com/office/powerpoint/2010/main" val="3127285857"/>
+        <p14:creationId xmlns:p14="http://schemas.microsoft.com/office/powerpoint/2010/main" val="1842161956"/>
       </p:ext>
     </p:extLst>
   </p:cSld>
@@ -7476,7 +7138,7 @@
           <a:p>
             <a:r>
               <a:rPr lang="pt-BR" dirty="0"/>
-              <a:t>Artefatos Scrum</a:t>
+              <a:t>Reunião de Revisão</a:t>
             </a:r>
           </a:p>
         </p:txBody>
@@ -7491,28 +7153,65 @@
             <p:ph idx="1"/>
           </p:nvPr>
         </p:nvSpPr>
-        <p:spPr/>
-        <p:txBody>
-          <a:bodyPr/>
-          <a:lstStyle/>
-          <a:p>
-            <a:pPr>
-              <a:buFont typeface="Wingdings" panose="05000000000000000000" pitchFamily="2" charset="2"/>
-              <a:buChar char="ü"/>
-            </a:pPr>
-            <a:r>
-              <a:rPr lang="pt-BR" dirty="0"/>
-              <a:t>Representam o trabalho ou o valor para o fornecimento de transparência e oportunidades para inspeção e adaptação;</a:t>
-            </a:r>
-          </a:p>
-          <a:p>
-            <a:pPr>
-              <a:buFont typeface="Wingdings" panose="05000000000000000000" pitchFamily="2" charset="2"/>
-              <a:buChar char="ü"/>
-            </a:pPr>
-            <a:r>
-              <a:rPr lang="pt-BR" dirty="0"/>
-              <a:t>São artefatos: Backlog do Produto, Backlog da Sprint e Incremento.</a:t>
+        <p:spPr>
+          <a:xfrm>
+            <a:off x="507206" y="1993393"/>
+            <a:ext cx="8065294" cy="4315927"/>
+          </a:xfrm>
+        </p:spPr>
+        <p:txBody>
+          <a:bodyPr>
+            <a:normAutofit/>
+          </a:bodyPr>
+          <a:lstStyle/>
+          <a:p>
+            <a:pPr>
+              <a:buFont typeface="Wingdings" panose="05000000000000000000" pitchFamily="2" charset="2"/>
+              <a:buChar char="ü"/>
+            </a:pPr>
+            <a:r>
+              <a:rPr lang="pt-BR" dirty="0"/>
+              <a:t>É uma reunião informal composta pelo Time Scrum e Stakeholders convidados;</a:t>
+            </a:r>
+          </a:p>
+          <a:p>
+            <a:pPr>
+              <a:buFont typeface="Wingdings" panose="05000000000000000000" pitchFamily="2" charset="2"/>
+              <a:buChar char="ü"/>
+            </a:pPr>
+            <a:r>
+              <a:rPr lang="pt-BR" dirty="0"/>
+              <a:t>Realizada no final da Sprint com duração de acordo com o tamanho da Sprint;</a:t>
+            </a:r>
+          </a:p>
+          <a:p>
+            <a:pPr lvl="2">
+              <a:buFont typeface="Wingdings" panose="05000000000000000000" pitchFamily="2" charset="2"/>
+              <a:buChar char="ü"/>
+            </a:pPr>
+            <a:r>
+              <a:rPr lang="pt-BR" dirty="0"/>
+              <a:t>Time-box com no máximo 4 horas para uma Sprint de um mês</a:t>
+            </a:r>
+          </a:p>
+          <a:p>
+            <a:pPr>
+              <a:buFont typeface="Wingdings" panose="05000000000000000000" pitchFamily="2" charset="2"/>
+              <a:buChar char="ü"/>
+            </a:pPr>
+            <a:r>
+              <a:rPr lang="pt-BR" dirty="0"/>
+              <a:t> Tem como objetivo inspecionar o incremento e adaptar o Backlog do Produto se necessário;</a:t>
+            </a:r>
+          </a:p>
+          <a:p>
+            <a:pPr>
+              <a:buFont typeface="Wingdings" panose="05000000000000000000" pitchFamily="2" charset="2"/>
+              <a:buChar char="ü"/>
+            </a:pPr>
+            <a:r>
+              <a:rPr lang="pt-BR" dirty="0"/>
+              <a:t>Durante essa reunião o Time de Desenvolvimento mostra quais itens do Backlog do Produto que eles concluíram durante a Sprint. Isso pode ocorrer sob a forma uma demo das novas funcionalidades.</a:t>
             </a:r>
           </a:p>
         </p:txBody>
@@ -7520,7 +7219,7 @@
     </p:spTree>
     <p:extLst>
       <p:ext uri="{BB962C8B-B14F-4D97-AF65-F5344CB8AC3E}">
-        <p14:creationId xmlns:p14="http://schemas.microsoft.com/office/powerpoint/2010/main" val="3023515660"/>
+        <p14:creationId xmlns:p14="http://schemas.microsoft.com/office/powerpoint/2010/main" val="3480910473"/>
       </p:ext>
     </p:extLst>
   </p:cSld>
@@ -7557,6 +7256,209 @@
             <p:ph type="title"/>
           </p:nvPr>
         </p:nvSpPr>
+        <p:spPr/>
+        <p:txBody>
+          <a:bodyPr/>
+          <a:lstStyle/>
+          <a:p>
+            <a:r>
+              <a:rPr lang="pt-BR" dirty="0"/>
+              <a:t>Reunião de Retrospectiva</a:t>
+            </a:r>
+          </a:p>
+        </p:txBody>
+      </p:sp>
+      <p:sp>
+        <p:nvSpPr>
+          <p:cNvPr id="3" name="Espaço Reservado para Conteúdo 2"/>
+          <p:cNvSpPr>
+            <a:spLocks noGrp="1"/>
+          </p:cNvSpPr>
+          <p:nvPr>
+            <p:ph idx="1"/>
+          </p:nvPr>
+        </p:nvSpPr>
+        <p:spPr/>
+        <p:txBody>
+          <a:bodyPr/>
+          <a:lstStyle/>
+          <a:p>
+            <a:pPr>
+              <a:buFont typeface="Wingdings" panose="05000000000000000000" pitchFamily="2" charset="2"/>
+              <a:buChar char="ü"/>
+            </a:pPr>
+            <a:r>
+              <a:rPr lang="pt-BR" dirty="0"/>
+              <a:t>Composta apenas pelo Time Scrum deve ser time-boxed (por exemplo, 3 horas);</a:t>
+            </a:r>
+          </a:p>
+          <a:p>
+            <a:pPr lvl="2">
+              <a:buFont typeface="Wingdings" panose="05000000000000000000" pitchFamily="2" charset="2"/>
+              <a:buChar char="ü"/>
+            </a:pPr>
+            <a:r>
+              <a:rPr lang="pt-BR" dirty="0"/>
+              <a:t>Realizada após a reunião de revisão.</a:t>
+            </a:r>
+          </a:p>
+          <a:p>
+            <a:pPr>
+              <a:buFont typeface="Wingdings" panose="05000000000000000000" pitchFamily="2" charset="2"/>
+              <a:buChar char="ü"/>
+            </a:pPr>
+            <a:r>
+              <a:rPr lang="pt-BR" dirty="0"/>
+              <a:t>É uma oportunidade para o Time Scrum inspecionar a si próprio e criar um plano para melhorias a serem aplicadas na próxima Sprint;</a:t>
+            </a:r>
+          </a:p>
+          <a:p>
+            <a:pPr lvl="2">
+              <a:buFont typeface="Wingdings" panose="05000000000000000000" pitchFamily="2" charset="2"/>
+              <a:buChar char="ü"/>
+            </a:pPr>
+            <a:r>
+              <a:rPr lang="pt-BR" dirty="0"/>
+              <a:t>O que ocorreu bem durante a Sprint, o que não e que melhorias poderiam ser feitas na próxima Sprint</a:t>
+            </a:r>
+          </a:p>
+          <a:p>
+            <a:pPr>
+              <a:buFont typeface="Wingdings" panose="05000000000000000000" pitchFamily="2" charset="2"/>
+              <a:buChar char="ü"/>
+            </a:pPr>
+            <a:endParaRPr lang="pt-BR" dirty="0"/>
+          </a:p>
+        </p:txBody>
+      </p:sp>
+    </p:spTree>
+    <p:extLst>
+      <p:ext uri="{BB962C8B-B14F-4D97-AF65-F5344CB8AC3E}">
+        <p14:creationId xmlns:p14="http://schemas.microsoft.com/office/powerpoint/2010/main" val="3127285857"/>
+      </p:ext>
+    </p:extLst>
+  </p:cSld>
+  <p:clrMapOvr>
+    <a:masterClrMapping/>
+  </p:clrMapOvr>
+</p:sld>
+</file>
+
+<file path=ppt/slides/slide33.xml><?xml version="1.0" encoding="utf-8"?>
+<p:sld xmlns:a="http://schemas.openxmlformats.org/drawingml/2006/main" xmlns:r="http://schemas.openxmlformats.org/officeDocument/2006/relationships" xmlns:p="http://schemas.openxmlformats.org/presentationml/2006/main">
+  <p:cSld>
+    <p:spTree>
+      <p:nvGrpSpPr>
+        <p:cNvPr id="1" name=""/>
+        <p:cNvGrpSpPr/>
+        <p:nvPr/>
+      </p:nvGrpSpPr>
+      <p:grpSpPr>
+        <a:xfrm>
+          <a:off x="0" y="0"/>
+          <a:ext cx="0" cy="0"/>
+          <a:chOff x="0" y="0"/>
+          <a:chExt cx="0" cy="0"/>
+        </a:xfrm>
+      </p:grpSpPr>
+      <p:sp>
+        <p:nvSpPr>
+          <p:cNvPr id="2" name="Título 1"/>
+          <p:cNvSpPr>
+            <a:spLocks noGrp="1"/>
+          </p:cNvSpPr>
+          <p:nvPr>
+            <p:ph type="title"/>
+          </p:nvPr>
+        </p:nvSpPr>
+        <p:spPr/>
+        <p:txBody>
+          <a:bodyPr/>
+          <a:lstStyle/>
+          <a:p>
+            <a:r>
+              <a:rPr lang="pt-BR" dirty="0"/>
+              <a:t>Artefatos Scrum</a:t>
+            </a:r>
+          </a:p>
+        </p:txBody>
+      </p:sp>
+      <p:sp>
+        <p:nvSpPr>
+          <p:cNvPr id="3" name="Espaço Reservado para Conteúdo 2"/>
+          <p:cNvSpPr>
+            <a:spLocks noGrp="1"/>
+          </p:cNvSpPr>
+          <p:nvPr>
+            <p:ph idx="1"/>
+          </p:nvPr>
+        </p:nvSpPr>
+        <p:spPr/>
+        <p:txBody>
+          <a:bodyPr/>
+          <a:lstStyle/>
+          <a:p>
+            <a:pPr>
+              <a:buFont typeface="Wingdings" panose="05000000000000000000" pitchFamily="2" charset="2"/>
+              <a:buChar char="ü"/>
+            </a:pPr>
+            <a:r>
+              <a:rPr lang="pt-BR" dirty="0"/>
+              <a:t>Representam o trabalho ou o valor para o fornecimento de transparência e oportunidades para inspeção e adaptação;</a:t>
+            </a:r>
+          </a:p>
+          <a:p>
+            <a:pPr>
+              <a:buFont typeface="Wingdings" panose="05000000000000000000" pitchFamily="2" charset="2"/>
+              <a:buChar char="ü"/>
+            </a:pPr>
+            <a:r>
+              <a:rPr lang="pt-BR" dirty="0"/>
+              <a:t>São artefatos: Backlog do Produto, Backlog da Sprint e Incremento.</a:t>
+            </a:r>
+          </a:p>
+        </p:txBody>
+      </p:sp>
+    </p:spTree>
+    <p:extLst>
+      <p:ext uri="{BB962C8B-B14F-4D97-AF65-F5344CB8AC3E}">
+        <p14:creationId xmlns:p14="http://schemas.microsoft.com/office/powerpoint/2010/main" val="3023515660"/>
+      </p:ext>
+    </p:extLst>
+  </p:cSld>
+  <p:clrMapOvr>
+    <a:masterClrMapping/>
+  </p:clrMapOvr>
+</p:sld>
+</file>
+
+<file path=ppt/slides/slide34.xml><?xml version="1.0" encoding="utf-8"?>
+<p:sld xmlns:a="http://schemas.openxmlformats.org/drawingml/2006/main" xmlns:r="http://schemas.openxmlformats.org/officeDocument/2006/relationships" xmlns:p="http://schemas.openxmlformats.org/presentationml/2006/main">
+  <p:cSld>
+    <p:spTree>
+      <p:nvGrpSpPr>
+        <p:cNvPr id="1" name=""/>
+        <p:cNvGrpSpPr/>
+        <p:nvPr/>
+      </p:nvGrpSpPr>
+      <p:grpSpPr>
+        <a:xfrm>
+          <a:off x="0" y="0"/>
+          <a:ext cx="0" cy="0"/>
+          <a:chOff x="0" y="0"/>
+          <a:chExt cx="0" cy="0"/>
+        </a:xfrm>
+      </p:grpSpPr>
+      <p:sp>
+        <p:nvSpPr>
+          <p:cNvPr id="2" name="Título 1"/>
+          <p:cNvSpPr>
+            <a:spLocks noGrp="1"/>
+          </p:cNvSpPr>
+          <p:nvPr>
+            <p:ph type="title"/>
+          </p:nvPr>
+        </p:nvSpPr>
         <p:spPr>
           <a:xfrm>
             <a:off x="492919" y="499533"/>
@@ -7676,7 +7578,7 @@
 </p:sld>
 </file>
 
-<file path=ppt/slides/slide33.xml><?xml version="1.0" encoding="utf-8"?>
+<file path=ppt/slides/slide35.xml><?xml version="1.0" encoding="utf-8"?>
 <p:sld xmlns:a="http://schemas.openxmlformats.org/drawingml/2006/main" xmlns:r="http://schemas.openxmlformats.org/officeDocument/2006/relationships" xmlns:p="http://schemas.openxmlformats.org/presentationml/2006/main">
   <p:cSld>
     <p:spTree>
@@ -7842,7 +7744,7 @@
 </p:sld>
 </file>
 
-<file path=ppt/slides/slide34.xml><?xml version="1.0" encoding="utf-8"?>
+<file path=ppt/slides/slide36.xml><?xml version="1.0" encoding="utf-8"?>
 <p:sld xmlns:a="http://schemas.openxmlformats.org/drawingml/2006/main" xmlns:r="http://schemas.openxmlformats.org/officeDocument/2006/relationships" xmlns:p="http://schemas.openxmlformats.org/presentationml/2006/main">
   <p:cSld>
     <p:spTree>
@@ -7940,7 +7842,7 @@
 </p:sld>
 </file>
 
-<file path=ppt/slides/slide35.xml><?xml version="1.0" encoding="utf-8"?>
+<file path=ppt/slides/slide37.xml><?xml version="1.0" encoding="utf-8"?>
 <p:sld xmlns:a="http://schemas.openxmlformats.org/drawingml/2006/main" xmlns:r="http://schemas.openxmlformats.org/officeDocument/2006/relationships" xmlns:p="http://schemas.openxmlformats.org/presentationml/2006/main">
   <p:cSld>
     <p:spTree>
@@ -8042,7 +7944,7 @@
 </p:sld>
 </file>
 
-<file path=ppt/slides/slide36.xml><?xml version="1.0" encoding="utf-8"?>
+<file path=ppt/slides/slide38.xml><?xml version="1.0" encoding="utf-8"?>
 <p:sld xmlns:a="http://schemas.openxmlformats.org/drawingml/2006/main" xmlns:r="http://schemas.openxmlformats.org/officeDocument/2006/relationships" xmlns:p="http://schemas.openxmlformats.org/presentationml/2006/main">
   <p:cSld>
     <p:spTree>
@@ -8130,7 +8032,7 @@
 </p:sld>
 </file>
 
-<file path=ppt/slides/slide37.xml><?xml version="1.0" encoding="utf-8"?>
+<file path=ppt/slides/slide39.xml><?xml version="1.0" encoding="utf-8"?>
 <p:sld xmlns:a="http://schemas.openxmlformats.org/drawingml/2006/main" xmlns:r="http://schemas.openxmlformats.org/officeDocument/2006/relationships" xmlns:p="http://schemas.openxmlformats.org/presentationml/2006/main">
   <p:cSld>
     <p:spTree>
@@ -8214,77 +8116,6 @@
 </p:sld>
 </file>
 
-<file path=ppt/slides/slide38.xml><?xml version="1.0" encoding="utf-8"?>
-<p:sld xmlns:a="http://schemas.openxmlformats.org/drawingml/2006/main" xmlns:r="http://schemas.openxmlformats.org/officeDocument/2006/relationships" xmlns:p="http://schemas.openxmlformats.org/presentationml/2006/main">
-  <p:cSld>
-    <p:spTree>
-      <p:nvGrpSpPr>
-        <p:cNvPr id="1" name=""/>
-        <p:cNvGrpSpPr/>
-        <p:nvPr/>
-      </p:nvGrpSpPr>
-      <p:grpSpPr>
-        <a:xfrm>
-          <a:off x="0" y="0"/>
-          <a:ext cx="0" cy="0"/>
-          <a:chOff x="0" y="0"/>
-          <a:chExt cx="0" cy="0"/>
-        </a:xfrm>
-      </p:grpSpPr>
-      <p:sp>
-        <p:nvSpPr>
-          <p:cNvPr id="2" name="Título 1"/>
-          <p:cNvSpPr>
-            <a:spLocks noGrp="1"/>
-          </p:cNvSpPr>
-          <p:nvPr>
-            <p:ph type="title"/>
-          </p:nvPr>
-        </p:nvSpPr>
-        <p:spPr/>
-        <p:txBody>
-          <a:bodyPr/>
-          <a:lstStyle/>
-          <a:p>
-            <a:r>
-              <a:rPr lang="pt-BR" dirty="0"/>
-              <a:t>Conclusão</a:t>
-            </a:r>
-          </a:p>
-        </p:txBody>
-      </p:sp>
-      <p:sp>
-        <p:nvSpPr>
-          <p:cNvPr id="3" name="Espaço Reservado para Conteúdo 2"/>
-          <p:cNvSpPr>
-            <a:spLocks noGrp="1"/>
-          </p:cNvSpPr>
-          <p:nvPr>
-            <p:ph idx="1"/>
-          </p:nvPr>
-        </p:nvSpPr>
-        <p:spPr/>
-        <p:txBody>
-          <a:bodyPr/>
-          <a:lstStyle/>
-          <a:p>
-            <a:endParaRPr lang="pt-BR" dirty="0"/>
-          </a:p>
-        </p:txBody>
-      </p:sp>
-    </p:spTree>
-    <p:extLst>
-      <p:ext uri="{BB962C8B-B14F-4D97-AF65-F5344CB8AC3E}">
-        <p14:creationId xmlns:p14="http://schemas.microsoft.com/office/powerpoint/2010/main" val="3657543104"/>
-      </p:ext>
-    </p:extLst>
-  </p:cSld>
-  <p:clrMapOvr>
-    <a:masterClrMapping/>
-  </p:clrMapOvr>
-</p:sld>
-</file>
-
 <file path=ppt/slides/slide4.xml><?xml version="1.0" encoding="utf-8"?>
 <p:sld xmlns:a="http://schemas.openxmlformats.org/drawingml/2006/main" xmlns:r="http://schemas.openxmlformats.org/officeDocument/2006/relationships" xmlns:p="http://schemas.openxmlformats.org/presentationml/2006/main">
   <p:cSld>
@@ -8304,28 +8135,6 @@
       </p:grpSpPr>
       <p:sp>
         <p:nvSpPr>
-          <p:cNvPr id="2" name="Title 1"/>
-          <p:cNvSpPr>
-            <a:spLocks noGrp="1"/>
-          </p:cNvSpPr>
-          <p:nvPr>
-            <p:ph type="title"/>
-          </p:nvPr>
-        </p:nvSpPr>
-        <p:spPr/>
-        <p:txBody>
-          <a:bodyPr/>
-          <a:lstStyle/>
-          <a:p>
-            <a:r>
-              <a:rPr lang="pt-BR" dirty="0"/>
-              <a:t>Tópicos de discussão</a:t>
-            </a:r>
-          </a:p>
-        </p:txBody>
-      </p:sp>
-      <p:sp>
-        <p:nvSpPr>
           <p:cNvPr id="3" name="Content Placeholder 2"/>
           <p:cNvSpPr>
             <a:spLocks noGrp="1"/>
@@ -8341,68 +8150,142 @@
           </a:bodyPr>
           <a:lstStyle/>
           <a:p>
-            <a:r>
-              <a:rPr lang="pt-BR" dirty="0"/>
-              <a:t>Gestão de Projetos de Software</a:t>
-            </a:r>
-          </a:p>
-          <a:p>
-            <a:r>
-              <a:rPr lang="pt-BR" dirty="0"/>
-              <a:t>Startup</a:t>
-            </a:r>
-          </a:p>
-          <a:p>
-            <a:r>
-              <a:rPr lang="pt-BR" dirty="0"/>
-              <a:t>Processo de desenvolvimento ágil</a:t>
-            </a:r>
-          </a:p>
-          <a:p>
-            <a:pPr lvl="1"/>
-            <a:r>
-              <a:rPr lang="pt-BR" dirty="0"/>
-              <a:t>Manifesto</a:t>
-            </a:r>
-          </a:p>
-          <a:p>
-            <a:pPr lvl="1"/>
-            <a:r>
-              <a:rPr lang="pt-BR" dirty="0"/>
-              <a:t>Scrum</a:t>
-            </a:r>
-          </a:p>
-          <a:p>
-            <a:pPr lvl="2"/>
-            <a:r>
-              <a:rPr lang="pt-BR" dirty="0"/>
-              <a:t>Definição</a:t>
-            </a:r>
-          </a:p>
-          <a:p>
-            <a:pPr lvl="2"/>
-            <a:r>
-              <a:rPr lang="pt-BR" dirty="0"/>
-              <a:t>Estruturação</a:t>
-            </a:r>
-          </a:p>
-          <a:p>
-            <a:pPr lvl="3"/>
-            <a:r>
-              <a:rPr lang="pt-BR" dirty="0"/>
-              <a:t>Perfil</a:t>
-            </a:r>
-          </a:p>
-          <a:p>
-            <a:pPr lvl="3"/>
-            <a:r>
-              <a:rPr lang="pt-BR" dirty="0"/>
-              <a:t>Regras</a:t>
+            <a:pPr>
+              <a:buFont typeface="Wingdings" panose="05000000000000000000" pitchFamily="2" charset="2"/>
+              <a:buChar char="ü"/>
+            </a:pPr>
+            <a:r>
+              <a:rPr lang="pt-BR" dirty="0"/>
+              <a:t>Um plano para realização de um ato, desígnio, intenção </a:t>
+            </a:r>
+          </a:p>
+          <a:p>
+            <a:pPr>
+              <a:buFont typeface="Wingdings" panose="05000000000000000000" pitchFamily="2" charset="2"/>
+              <a:buChar char="ü"/>
+            </a:pPr>
+            <a:r>
+              <a:rPr lang="pt-BR" dirty="0"/>
+              <a:t>Para que consigamos atingir um determinado objetivo com eficácia é necessário frequentemente conhecer as alternativas, adaptar a que talvez possa ser a mais condizente e inspecionar para certificar-se que está trilhando a melhor rota.</a:t>
+            </a:r>
+          </a:p>
+        </p:txBody>
+      </p:sp>
+      <p:sp>
+        <p:nvSpPr>
+          <p:cNvPr id="5" name="Título 2"/>
+          <p:cNvSpPr>
+            <a:spLocks noGrp="1"/>
+          </p:cNvSpPr>
+          <p:nvPr>
+            <p:ph type="title"/>
+          </p:nvPr>
+        </p:nvSpPr>
+        <p:spPr/>
+        <p:txBody>
+          <a:bodyPr/>
+          <a:lstStyle/>
+          <a:p>
+            <a:r>
+              <a:rPr lang="pt-BR" dirty="0"/>
+              <a:t>Projeto</a:t>
             </a:r>
           </a:p>
         </p:txBody>
       </p:sp>
     </p:spTree>
+  </p:cSld>
+  <p:clrMapOvr>
+    <a:masterClrMapping/>
+  </p:clrMapOvr>
+</p:sld>
+</file>
+
+<file path=ppt/slides/slide40.xml><?xml version="1.0" encoding="utf-8"?>
+<p:sld xmlns:a="http://schemas.openxmlformats.org/drawingml/2006/main" xmlns:r="http://schemas.openxmlformats.org/officeDocument/2006/relationships" xmlns:p="http://schemas.openxmlformats.org/presentationml/2006/main">
+  <p:cSld>
+    <p:spTree>
+      <p:nvGrpSpPr>
+        <p:cNvPr id="1" name=""/>
+        <p:cNvGrpSpPr/>
+        <p:nvPr/>
+      </p:nvGrpSpPr>
+      <p:grpSpPr>
+        <a:xfrm>
+          <a:off x="0" y="0"/>
+          <a:ext cx="0" cy="0"/>
+          <a:chOff x="0" y="0"/>
+          <a:chExt cx="0" cy="0"/>
+        </a:xfrm>
+      </p:grpSpPr>
+      <p:sp>
+        <p:nvSpPr>
+          <p:cNvPr id="2" name="Título 1"/>
+          <p:cNvSpPr>
+            <a:spLocks noGrp="1"/>
+          </p:cNvSpPr>
+          <p:nvPr>
+            <p:ph type="title"/>
+          </p:nvPr>
+        </p:nvSpPr>
+        <p:spPr/>
+        <p:txBody>
+          <a:bodyPr/>
+          <a:lstStyle/>
+          <a:p>
+            <a:r>
+              <a:rPr lang="pt-BR" dirty="0"/>
+              <a:t>Conclusão</a:t>
+            </a:r>
+          </a:p>
+        </p:txBody>
+      </p:sp>
+      <p:sp>
+        <p:nvSpPr>
+          <p:cNvPr id="3" name="Espaço Reservado para Conteúdo 2"/>
+          <p:cNvSpPr>
+            <a:spLocks noGrp="1"/>
+          </p:cNvSpPr>
+          <p:nvPr>
+            <p:ph idx="1"/>
+          </p:nvPr>
+        </p:nvSpPr>
+        <p:spPr/>
+        <p:txBody>
+          <a:bodyPr/>
+          <a:lstStyle/>
+          <a:p>
+            <a:pPr>
+              <a:buFont typeface="Wingdings" panose="05000000000000000000" pitchFamily="2" charset="2"/>
+              <a:buChar char="ü"/>
+            </a:pPr>
+            <a:r>
+              <a:rPr lang="pt-BR" dirty="0"/>
+              <a:t>É fundamental a utilização das metodologias ágeis de desenvolvimento de projetos em startups</a:t>
+            </a:r>
+          </a:p>
+          <a:p>
+            <a:pPr>
+              <a:buFont typeface="Wingdings" panose="05000000000000000000" pitchFamily="2" charset="2"/>
+              <a:buChar char="ü"/>
+            </a:pPr>
+            <a:endParaRPr lang="pt-BR" dirty="0"/>
+          </a:p>
+          <a:p>
+            <a:pPr>
+              <a:buFont typeface="Wingdings" panose="05000000000000000000" pitchFamily="2" charset="2"/>
+              <a:buChar char="ü"/>
+            </a:pPr>
+            <a:endParaRPr lang="pt-BR" dirty="0"/>
+          </a:p>
+        </p:txBody>
+      </p:sp>
+    </p:spTree>
+    <p:extLst>
+      <p:ext uri="{BB962C8B-B14F-4D97-AF65-F5344CB8AC3E}">
+        <p14:creationId xmlns:p14="http://schemas.microsoft.com/office/powerpoint/2010/main" val="3657543104"/>
+      </p:ext>
+    </p:extLst>
   </p:cSld>
   <p:clrMapOvr>
     <a:masterClrMapping/>
@@ -8439,47 +8322,79 @@
         </p:nvSpPr>
         <p:spPr/>
         <p:txBody>
-          <a:bodyPr/>
-          <a:lstStyle/>
-          <a:p>
-            <a:r>
-              <a:rPr lang="en-US" dirty="0"/>
-              <a:t>Startup</a:t>
-            </a:r>
+          <a:bodyPr>
+            <a:normAutofit/>
+          </a:bodyPr>
+          <a:lstStyle/>
+          <a:p>
+            <a:r>
+              <a:rPr lang="pt-BR" dirty="0"/>
+              <a:t>Gerenciamento de Projetos de Software</a:t>
+            </a:r>
+          </a:p>
+        </p:txBody>
+      </p:sp>
+      <p:sp>
+        <p:nvSpPr>
+          <p:cNvPr id="2" name="Espaço Reservado para Conteúdo 1"/>
+          <p:cNvSpPr>
+            <a:spLocks noGrp="1"/>
+          </p:cNvSpPr>
+          <p:nvPr>
+            <p:ph idx="1"/>
+          </p:nvPr>
+        </p:nvSpPr>
+        <p:spPr>
+          <a:xfrm>
+            <a:off x="525732" y="2157731"/>
+            <a:ext cx="8065294" cy="3766185"/>
+          </a:xfrm>
+        </p:spPr>
+        <p:txBody>
+          <a:bodyPr>
+            <a:normAutofit/>
+          </a:bodyPr>
+          <a:lstStyle/>
+          <a:p>
+            <a:pPr>
+              <a:buFont typeface="Wingdings" panose="05000000000000000000" pitchFamily="2" charset="2"/>
+              <a:buChar char="ü"/>
+            </a:pPr>
+            <a:r>
+              <a:rPr lang="pt-BR" dirty="0"/>
+              <a:t>Conjunto de práticas que serve de guia a um grupo para trabalhar de maneira produtiva. </a:t>
+            </a:r>
+          </a:p>
+          <a:p>
+            <a:pPr>
+              <a:buFont typeface="Wingdings" panose="05000000000000000000" pitchFamily="2" charset="2"/>
+              <a:buChar char="ü"/>
+            </a:pPr>
+            <a:r>
+              <a:rPr lang="pt-BR" dirty="0"/>
+              <a:t>Compreende métodos e ferramentas que organizam as tarefas, identificam sua sequência e dependências.</a:t>
+            </a:r>
+          </a:p>
+          <a:p>
+            <a:pPr>
+              <a:buFont typeface="Wingdings" panose="05000000000000000000" pitchFamily="2" charset="2"/>
+              <a:buChar char="ü"/>
+            </a:pPr>
+            <a:r>
+              <a:rPr lang="pt-BR" dirty="0"/>
+              <a:t>Apoia a alocação de recursos e tempo, além de permitir o rastreamento da execução das atividades e medição do progresso relativo ao que foi definido no plano de projeto.</a:t>
+            </a:r>
+            <a:br>
+              <a:rPr lang="pt-BR" dirty="0"/>
+            </a:br>
             <a:endParaRPr lang="pt-BR" dirty="0"/>
-          </a:p>
-        </p:txBody>
-      </p:sp>
-      <p:sp>
-        <p:nvSpPr>
-          <p:cNvPr id="2" name="Espaço Reservado para Conteúdo 1"/>
-          <p:cNvSpPr>
-            <a:spLocks noGrp="1"/>
-          </p:cNvSpPr>
-          <p:nvPr>
-            <p:ph idx="1"/>
-          </p:nvPr>
-        </p:nvSpPr>
-        <p:spPr/>
-        <p:txBody>
-          <a:bodyPr/>
-          <a:lstStyle/>
-          <a:p>
-            <a:r>
-              <a:rPr lang="pt-BR" b="1" dirty="0"/>
-              <a:t>Startup</a:t>
-            </a:r>
-            <a:r>
-              <a:rPr lang="pt-BR" dirty="0"/>
-              <a:t> significa o ato de começar algo, normalmente relacionado com companhias e empresas que estão no início de suas atividades e que buscam explorar atividades inovadoras no mercado.</a:t>
-            </a:r>
           </a:p>
         </p:txBody>
       </p:sp>
     </p:spTree>
     <p:extLst>
       <p:ext uri="{BB962C8B-B14F-4D97-AF65-F5344CB8AC3E}">
-        <p14:creationId xmlns:p14="http://schemas.microsoft.com/office/powerpoint/2010/main" val="1734874789"/>
+        <p14:creationId xmlns:p14="http://schemas.microsoft.com/office/powerpoint/2010/main" val="1619631794"/>
       </p:ext>
     </p:extLst>
   </p:cSld>
@@ -8508,7 +8423,7 @@
       </p:grpSpPr>
       <p:sp>
         <p:nvSpPr>
-          <p:cNvPr id="3" name="Título 2"/>
+          <p:cNvPr id="2" name="Título 1"/>
           <p:cNvSpPr>
             <a:spLocks noGrp="1"/>
           </p:cNvSpPr>
@@ -8517,51 +8432,98 @@
           </p:nvPr>
         </p:nvSpPr>
         <p:spPr/>
+        <p:txBody>
+          <a:bodyPr/>
+          <a:lstStyle/>
+          <a:p>
+            <a:r>
+              <a:rPr lang="pt-BR" dirty="0"/>
+              <a:t>Padrões Tradicionais de Gerenciamento</a:t>
+            </a:r>
+          </a:p>
+        </p:txBody>
+      </p:sp>
+      <p:sp>
+        <p:nvSpPr>
+          <p:cNvPr id="3" name="Espaço Reservado para Conteúdo 2"/>
+          <p:cNvSpPr>
+            <a:spLocks noGrp="1"/>
+          </p:cNvSpPr>
+          <p:nvPr>
+            <p:ph idx="1"/>
+          </p:nvPr>
+        </p:nvSpPr>
+        <p:spPr>
+          <a:xfrm>
+            <a:off x="507206" y="2157731"/>
+            <a:ext cx="8065294" cy="4079581"/>
+          </a:xfrm>
+        </p:spPr>
         <p:txBody>
           <a:bodyPr>
             <a:normAutofit/>
           </a:bodyPr>
           <a:lstStyle/>
           <a:p>
-            <a:r>
-              <a:rPr lang="pt-BR" dirty="0"/>
-              <a:t>Gestão de Projetos de Software</a:t>
-            </a:r>
-          </a:p>
-        </p:txBody>
-      </p:sp>
-      <p:sp>
-        <p:nvSpPr>
-          <p:cNvPr id="2" name="Espaço Reservado para Conteúdo 1"/>
-          <p:cNvSpPr>
-            <a:spLocks noGrp="1"/>
-          </p:cNvSpPr>
-          <p:nvPr>
-            <p:ph idx="1"/>
-          </p:nvPr>
-        </p:nvSpPr>
-        <p:spPr/>
-        <p:txBody>
-          <a:bodyPr>
-            <a:normAutofit/>
-          </a:bodyPr>
-          <a:lstStyle/>
-          <a:p>
-            <a:r>
-              <a:rPr lang="pt-BR" dirty="0"/>
-              <a:t>Gestão de projetos é um conjunto de práticas que serve de guia a um grupo para trabalhar de maneira produtiva. Ela compreende métodos e ferramentas que organizam as tarefas, identificam sua sequência de execução e dependências existentes, apoia a alocação de recursos e tempo, além de permitir o rastreamento da execução das atividades e medição do progresso relativo ao que foi definido no plano de projeto.</a:t>
-            </a:r>
-            <a:br>
-              <a:rPr lang="pt-BR" dirty="0"/>
-            </a:br>
+            <a:pPr>
+              <a:buFont typeface="Wingdings" panose="05000000000000000000" pitchFamily="2" charset="2"/>
+              <a:buChar char="ü"/>
+            </a:pPr>
+            <a:r>
+              <a:rPr lang="pt-BR" dirty="0"/>
+              <a:t>O método mais utilizado no desenvolvimento de software.</a:t>
+            </a:r>
+          </a:p>
+          <a:p>
+            <a:pPr>
+              <a:buFont typeface="Wingdings" panose="05000000000000000000" pitchFamily="2" charset="2"/>
+              <a:buChar char="ü"/>
+            </a:pPr>
             <a:endParaRPr lang="pt-BR" dirty="0"/>
+          </a:p>
+          <a:p>
+            <a:pPr>
+              <a:buFont typeface="Wingdings" panose="05000000000000000000" pitchFamily="2" charset="2"/>
+              <a:buChar char="ü"/>
+            </a:pPr>
+            <a:r>
+              <a:rPr lang="pt-BR" dirty="0"/>
+              <a:t>Desenvolvimento em cascata</a:t>
+            </a:r>
+          </a:p>
+          <a:p>
+            <a:pPr lvl="2">
+              <a:buFont typeface="Wingdings" panose="05000000000000000000" pitchFamily="2" charset="2"/>
+              <a:buChar char="ü"/>
+            </a:pPr>
+            <a:r>
+              <a:rPr lang="pt-BR" dirty="0"/>
+              <a:t>o software é construído seguindo uma sequência de fases, sendo que cada fase, com exceção da primeira, depende da conclusão da fase anterior </a:t>
+            </a:r>
+          </a:p>
+          <a:p>
+            <a:pPr>
+              <a:buFont typeface="Wingdings" panose="05000000000000000000" pitchFamily="2" charset="2"/>
+              <a:buChar char="ü"/>
+            </a:pPr>
+            <a:endParaRPr lang="pt-BR" dirty="0"/>
+          </a:p>
+          <a:p>
+            <a:pPr>
+              <a:buFont typeface="Wingdings" panose="05000000000000000000" pitchFamily="2" charset="2"/>
+              <a:buChar char="ü"/>
+            </a:pPr>
+            <a:r>
+              <a:rPr lang="pt-BR" dirty="0"/>
+              <a:t>A partir das informações históricas e da repetição obtém-se a melhoria da capacidade do processo através da padronização, medição e controle.</a:t>
+            </a:r>
           </a:p>
         </p:txBody>
       </p:sp>
     </p:spTree>
     <p:extLst>
       <p:ext uri="{BB962C8B-B14F-4D97-AF65-F5344CB8AC3E}">
-        <p14:creationId xmlns:p14="http://schemas.microsoft.com/office/powerpoint/2010/main" val="1619631794"/>
+        <p14:creationId xmlns:p14="http://schemas.microsoft.com/office/powerpoint/2010/main" val="2404541622"/>
       </p:ext>
     </p:extLst>
   </p:cSld>
@@ -8590,12 +8552,35 @@
       </p:grpSpPr>
       <p:sp>
         <p:nvSpPr>
-          <p:cNvPr id="3" name="Título 2"/>
+          <p:cNvPr id="2" name="Título 1"/>
           <p:cNvSpPr>
             <a:spLocks noGrp="1"/>
           </p:cNvSpPr>
           <p:nvPr>
             <p:ph type="title"/>
+          </p:nvPr>
+        </p:nvSpPr>
+        <p:spPr/>
+        <p:txBody>
+          <a:bodyPr/>
+          <a:lstStyle/>
+          <a:p>
+            <a:r>
+              <a:rPr lang="pt-BR" dirty="0"/>
+              <a:t>Padrões Tradicionais de Gerenciamento</a:t>
+            </a:r>
+            <a:endParaRPr lang="pt-BR" dirty="0"/>
+          </a:p>
+        </p:txBody>
+      </p:sp>
+      <p:sp>
+        <p:nvSpPr>
+          <p:cNvPr id="3" name="Espaço Reservado para Conteúdo 2"/>
+          <p:cNvSpPr>
+            <a:spLocks noGrp="1"/>
+          </p:cNvSpPr>
+          <p:nvPr>
+            <p:ph idx="1"/>
           </p:nvPr>
         </p:nvSpPr>
         <p:spPr/>
@@ -8605,59 +8590,79 @@
           </a:bodyPr>
           <a:lstStyle/>
           <a:p>
-            <a:r>
-              <a:rPr lang="pt-BR" dirty="0"/>
-              <a:t>Gestão de Projetos de Software</a:t>
-            </a:r>
+            <a:pPr lvl="2">
+              <a:buFont typeface="Wingdings" panose="05000000000000000000" pitchFamily="2" charset="2"/>
+              <a:buChar char="ü"/>
+            </a:pPr>
+            <a:endParaRPr lang="pt-BR" dirty="0"/>
+          </a:p>
+          <a:p>
+            <a:pPr>
+              <a:buFont typeface="Wingdings" panose="05000000000000000000" pitchFamily="2" charset="2"/>
+              <a:buChar char="ü"/>
+            </a:pPr>
+            <a:r>
+              <a:rPr lang="pt-BR" dirty="0"/>
+              <a:t>Estrutura mais rígida, pouco flexível a modificações e com grande exaltação da figura do gerente de projetos</a:t>
+            </a:r>
+          </a:p>
+          <a:p>
+            <a:pPr>
+              <a:buFont typeface="Wingdings" panose="05000000000000000000" pitchFamily="2" charset="2"/>
+              <a:buChar char="ü"/>
+            </a:pPr>
+            <a:r>
+              <a:rPr lang="pt-BR" dirty="0"/>
+              <a:t>dificuldades em responder com rapidez as mudanças impostas pelos clientes </a:t>
+            </a:r>
+          </a:p>
+          <a:p>
+            <a:pPr>
+              <a:buFont typeface="Wingdings" panose="05000000000000000000" pitchFamily="2" charset="2"/>
+              <a:buChar char="ü"/>
+            </a:pPr>
+            <a:r>
+              <a:rPr lang="pt-BR" dirty="0"/>
+              <a:t>Monitoramento do andamento do projeto através das entregas</a:t>
+            </a:r>
+          </a:p>
+          <a:p>
+            <a:pPr lvl="2">
+              <a:buFont typeface="Wingdings" panose="05000000000000000000" pitchFamily="2" charset="2"/>
+              <a:buChar char="ü"/>
+            </a:pPr>
+            <a:endParaRPr lang="pt-BR" dirty="0"/>
           </a:p>
         </p:txBody>
       </p:sp>
       <p:pic>
         <p:nvPicPr>
-          <p:cNvPr id="1026" name="Picture 2" descr="http://www.devmedia.com.br/Imagens/engsoft/ed02/artigo1/image1.jpg"/>
+          <p:cNvPr id="4" name="Imagem 3"/>
           <p:cNvPicPr>
-            <a:picLocks noGrp="1" noChangeAspect="1" noChangeArrowheads="1"/>
+            <a:picLocks noChangeAspect="1"/>
           </p:cNvPicPr>
-          <p:nvPr>
-            <p:ph idx="1"/>
-          </p:nvPr>
+          <p:nvPr/>
         </p:nvPicPr>
         <p:blipFill>
-          <a:blip r:embed="rId2">
-            <a:extLst>
-              <a:ext uri="{28A0092B-C50C-407E-A947-70E740481C1C}">
-                <a14:useLocalDpi xmlns:a14="http://schemas.microsoft.com/office/drawing/2010/main" val="0"/>
-              </a:ext>
-            </a:extLst>
-          </a:blip>
+          <a:blip r:embed="rId2"/>
           <a:stretch>
             <a:fillRect/>
           </a:stretch>
         </p:blipFill>
-        <p:spPr bwMode="auto">
+        <p:spPr>
           <a:xfrm>
-            <a:off x="1991519" y="2609850"/>
-            <a:ext cx="5095875" cy="2533650"/>
+            <a:off x="2843808" y="4509120"/>
+            <a:ext cx="2808312" cy="2060536"/>
           </a:xfrm>
           <a:prstGeom prst="rect">
             <a:avLst/>
           </a:prstGeom>
-          <a:noFill/>
-          <a:extLst>
-            <a:ext uri="{909E8E84-426E-40DD-AFC4-6F175D3DCCD1}">
-              <a14:hiddenFill xmlns:a14="http://schemas.microsoft.com/office/drawing/2010/main">
-                <a:solidFill>
-                  <a:srgbClr val="FFFFFF"/>
-                </a:solidFill>
-              </a14:hiddenFill>
-            </a:ext>
-          </a:extLst>
         </p:spPr>
       </p:pic>
     </p:spTree>
     <p:extLst>
       <p:ext uri="{BB962C8B-B14F-4D97-AF65-F5344CB8AC3E}">
-        <p14:creationId xmlns:p14="http://schemas.microsoft.com/office/powerpoint/2010/main" val="363032986"/>
+        <p14:creationId xmlns:p14="http://schemas.microsoft.com/office/powerpoint/2010/main" val="86567153"/>
       </p:ext>
     </p:extLst>
   </p:cSld>
@@ -8686,7 +8691,7 @@
       </p:grpSpPr>
       <p:sp>
         <p:nvSpPr>
-          <p:cNvPr id="3" name="Título 2"/>
+          <p:cNvPr id="2" name="Título 1"/>
           <p:cNvSpPr>
             <a:spLocks noGrp="1"/>
           </p:cNvSpPr>
@@ -8701,14 +8706,19 @@
           <a:p>
             <a:r>
               <a:rPr lang="pt-BR" dirty="0"/>
-              <a:t>Startup</a:t>
-            </a:r>
-          </a:p>
-        </p:txBody>
-      </p:sp>
-      <p:sp>
-        <p:nvSpPr>
-          <p:cNvPr id="2" name="Espaço Reservado para Conteúdo 1"/>
+              <a:t>Slides </a:t>
+            </a:r>
+            <a:r>
+              <a:rPr lang="pt-BR" dirty="0" err="1"/>
+              <a:t>toyota</a:t>
+            </a:r>
+            <a:endParaRPr lang="pt-BR" dirty="0"/>
+          </a:p>
+        </p:txBody>
+      </p:sp>
+      <p:sp>
+        <p:nvSpPr>
+          <p:cNvPr id="3" name="Espaço Reservado para Conteúdo 2"/>
           <p:cNvSpPr>
             <a:spLocks noGrp="1"/>
           </p:cNvSpPr>
@@ -8721,21 +8731,14 @@
           <a:bodyPr/>
           <a:lstStyle/>
           <a:p>
-            <a:r>
-              <a:rPr lang="pt-BR" b="1" dirty="0"/>
-              <a:t>S</a:t>
-            </a:r>
-            <a:r>
-              <a:rPr lang="pt-BR" dirty="0"/>
-              <a:t>ignifica o ato de começar algo, normalmente relacionado com companhias e empresas que estão no início de suas atividades e que buscam explorar atividades inovadoras no mercado.</a:t>
-            </a:r>
+            <a:endParaRPr lang="pt-BR"/>
           </a:p>
         </p:txBody>
       </p:sp>
     </p:spTree>
     <p:extLst>
       <p:ext uri="{BB962C8B-B14F-4D97-AF65-F5344CB8AC3E}">
-        <p14:creationId xmlns:p14="http://schemas.microsoft.com/office/powerpoint/2010/main" val="2030121317"/>
+        <p14:creationId xmlns:p14="http://schemas.microsoft.com/office/powerpoint/2010/main" val="981767770"/>
       </p:ext>
     </p:extLst>
   </p:cSld>
@@ -8764,7 +8767,7 @@
       </p:grpSpPr>
       <p:sp>
         <p:nvSpPr>
-          <p:cNvPr id="3" name="Título 2"/>
+          <p:cNvPr id="2" name="Título 1"/>
           <p:cNvSpPr>
             <a:spLocks noGrp="1"/>
           </p:cNvSpPr>
@@ -8772,404 +8775,98 @@
             <p:ph type="title"/>
           </p:nvPr>
         </p:nvSpPr>
+        <p:spPr/>
+        <p:txBody>
+          <a:bodyPr/>
+          <a:lstStyle/>
+          <a:p>
+            <a:r>
+              <a:rPr lang="pt-BR" dirty="0"/>
+              <a:t>Desenvolvimento Ágil</a:t>
+            </a:r>
+          </a:p>
+        </p:txBody>
+      </p:sp>
+      <p:sp>
+        <p:nvSpPr>
+          <p:cNvPr id="3" name="Espaço Reservado para Conteúdo 2"/>
+          <p:cNvSpPr>
+            <a:spLocks noGrp="1"/>
+          </p:cNvSpPr>
+          <p:nvPr>
+            <p:ph idx="1"/>
+          </p:nvPr>
+        </p:nvSpPr>
+        <p:spPr/>
+        <p:txBody>
+          <a:bodyPr/>
+          <a:lstStyle/>
+          <a:p>
+            <a:pPr>
+              <a:buFont typeface="Wingdings" panose="05000000000000000000" pitchFamily="2" charset="2"/>
+              <a:buChar char="ü"/>
+            </a:pPr>
+            <a:r>
+              <a:rPr lang="pt-BR" dirty="0"/>
+              <a:t>Surgiu com a necessidade de introduzir no mercado produtos com mais rapidez e níveis elevados de satisfação.</a:t>
+            </a:r>
+          </a:p>
+          <a:p>
+            <a:pPr>
+              <a:buFont typeface="Wingdings" panose="05000000000000000000" pitchFamily="2" charset="2"/>
+              <a:buChar char="ü"/>
+            </a:pPr>
+            <a:r>
+              <a:rPr lang="pt-BR" dirty="0"/>
+              <a:t>Divide o problema em produtos menores e que visa entregar software funcionando regularmente.</a:t>
+            </a:r>
+          </a:p>
+          <a:p>
+            <a:pPr>
+              <a:buFont typeface="Wingdings" panose="05000000000000000000" pitchFamily="2" charset="2"/>
+              <a:buChar char="ü"/>
+            </a:pPr>
+            <a:r>
+              <a:rPr lang="pt-BR" dirty="0"/>
+              <a:t>Não existe nenhuma necessidade especificar detalhadamente tudo que ocorrerá durante a implementação do sistema.</a:t>
+            </a:r>
+          </a:p>
+          <a:p>
+            <a:pPr marL="0" indent="0">
+              <a:buNone/>
+            </a:pPr>
+            <a:endParaRPr lang="pt-BR" dirty="0"/>
+          </a:p>
+        </p:txBody>
+      </p:sp>
+      <p:pic>
+        <p:nvPicPr>
+          <p:cNvPr id="4" name="Imagem 3"/>
+          <p:cNvPicPr>
+            <a:picLocks noChangeAspect="1"/>
+          </p:cNvPicPr>
+          <p:nvPr/>
+        </p:nvPicPr>
+        <p:blipFill>
+          <a:blip r:embed="rId2"/>
+          <a:stretch>
+            <a:fillRect/>
+          </a:stretch>
+        </p:blipFill>
         <p:spPr>
           <a:xfrm>
-            <a:off x="455600" y="1556792"/>
-            <a:ext cx="8229600" cy="787152"/>
-          </a:xfrm>
-        </p:spPr>
-        <p:txBody>
-          <a:bodyPr>
-            <a:normAutofit/>
-          </a:bodyPr>
-          <a:lstStyle/>
-          <a:p>
-            <a:r>
-              <a:rPr lang="pt-BR" dirty="0"/>
-              <a:t>O que é?</a:t>
-            </a:r>
-          </a:p>
-        </p:txBody>
-      </p:sp>
-      <p:sp>
-        <p:nvSpPr>
-          <p:cNvPr id="2" name="Espaço Reservado para Conteúdo 1"/>
-          <p:cNvSpPr>
-            <a:spLocks noGrp="1"/>
-          </p:cNvSpPr>
-          <p:nvPr>
-            <p:ph idx="1"/>
-          </p:nvPr>
-        </p:nvSpPr>
-        <p:spPr>
-          <a:xfrm>
-            <a:off x="455600" y="2496344"/>
-            <a:ext cx="8229600" cy="1040904"/>
-          </a:xfrm>
-        </p:spPr>
-        <p:txBody>
-          <a:bodyPr/>
-          <a:lstStyle/>
-          <a:p>
-            <a:r>
-              <a:rPr lang="pt-BR" dirty="0"/>
-              <a:t>O Manifesto Ágil é uma declaração de princípios que fundamentam o desenvolvimento ágil de softwares.</a:t>
-            </a:r>
-          </a:p>
-        </p:txBody>
-      </p:sp>
-      <p:sp>
-        <p:nvSpPr>
-          <p:cNvPr id="4" name="Título 2"/>
-          <p:cNvSpPr txBox="1">
-            <a:spLocks/>
-          </p:cNvSpPr>
-          <p:nvPr/>
-        </p:nvSpPr>
-        <p:spPr>
-          <a:xfrm>
-            <a:off x="455600" y="3861048"/>
-            <a:ext cx="8229600" cy="792088"/>
-          </a:xfrm>
-          <a:prstGeom prst="rect">
-            <a:avLst/>
-          </a:prstGeom>
-          <a:ln w="6350" cap="rnd">
-            <a:noFill/>
-          </a:ln>
-        </p:spPr>
-        <p:txBody>
-          <a:bodyPr vert="horz" rtlCol="0" anchor="b" anchorCtr="0">
-            <a:normAutofit/>
-          </a:bodyPr>
-          <a:lstStyle>
-            <a:lvl1pPr algn="l" rtl="0" eaLnBrk="1" latinLnBrk="0" hangingPunct="1">
-              <a:spcBef>
-                <a:spcPct val="0"/>
-              </a:spcBef>
-              <a:buNone/>
-              <a:defRPr lang="pt-BR" sz="4200" b="0" kern="1200" spc="-100" baseline="0">
-                <a:ln w="3200">
-                  <a:solidFill>
-                    <a:schemeClr val="bg2">
-                      <a:shade val="75000"/>
-                      <a:alpha val="25000"/>
-                    </a:schemeClr>
-                  </a:solidFill>
-                  <a:prstDash val="solid"/>
-                  <a:round/>
-                </a:ln>
-                <a:solidFill>
-                  <a:srgbClr val="F9F9F9"/>
-                </a:solidFill>
-                <a:effectLst>
-                  <a:outerShdw blurRad="50800" dist="38100" dir="2700000" algn="tl" rotWithShape="0">
-                    <a:prstClr val="black">
-                      <a:alpha val="40000"/>
-                    </a:prstClr>
-                  </a:outerShdw>
-                </a:effectLst>
-                <a:latin typeface="+mj-lt"/>
-                <a:ea typeface="+mj-ea"/>
-                <a:cs typeface="+mj-cs"/>
-              </a:defRPr>
-            </a:lvl1pPr>
-          </a:lstStyle>
-          <a:p>
-            <a:r>
-              <a:rPr lang="pt-BR" dirty="0"/>
-              <a:t>Quem criou?</a:t>
-            </a:r>
-          </a:p>
-        </p:txBody>
-      </p:sp>
-      <p:sp>
-        <p:nvSpPr>
-          <p:cNvPr id="5" name="Espaço Reservado para Conteúdo 1"/>
-          <p:cNvSpPr txBox="1">
-            <a:spLocks/>
-          </p:cNvSpPr>
-          <p:nvPr/>
-        </p:nvSpPr>
-        <p:spPr>
-          <a:xfrm>
-            <a:off x="393936" y="4653136"/>
-            <a:ext cx="8229600" cy="1296144"/>
+            <a:off x="3131840" y="4365104"/>
+            <a:ext cx="3165749" cy="1823103"/>
           </a:xfrm>
           <a:prstGeom prst="rect">
             <a:avLst/>
           </a:prstGeom>
         </p:spPr>
-        <p:txBody>
-          <a:bodyPr vert="horz">
-            <a:normAutofit fontScale="70000" lnSpcReduction="20000"/>
-          </a:bodyPr>
-          <a:lstStyle>
-            <a:lvl1pPr marL="274320" indent="-274320" algn="l" rtl="0" eaLnBrk="1" latinLnBrk="0" hangingPunct="1">
-              <a:spcBef>
-                <a:spcPts val="600"/>
-              </a:spcBef>
-              <a:buClr>
-                <a:schemeClr val="accent2"/>
-              </a:buClr>
-              <a:buSzPct val="85000"/>
-              <a:buFont typeface="Wingdings 2"/>
-              <a:buChar char=""/>
-              <a:defRPr lang="pt-BR" sz="2600" kern="1200">
-                <a:solidFill>
-                  <a:schemeClr val="tx1"/>
-                </a:solidFill>
-                <a:latin typeface="+mn-lt"/>
-                <a:ea typeface="+mn-ea"/>
-                <a:cs typeface="+mn-cs"/>
-              </a:defRPr>
-            </a:lvl1pPr>
-            <a:lvl2pPr marL="640080" indent="-274320" algn="l" rtl="0" eaLnBrk="1" latinLnBrk="0" hangingPunct="1">
-              <a:spcBef>
-                <a:spcPts val="300"/>
-              </a:spcBef>
-              <a:buClr>
-                <a:schemeClr val="accent2">
-                  <a:shade val="75000"/>
-                </a:schemeClr>
-              </a:buClr>
-              <a:buSzPct val="85000"/>
-              <a:buFont typeface="Wingdings 2"/>
-              <a:buChar char=""/>
-              <a:defRPr lang="pt-BR" sz="2400" kern="1200">
-                <a:solidFill>
-                  <a:schemeClr val="tx2"/>
-                </a:solidFill>
-                <a:latin typeface="+mn-lt"/>
-                <a:ea typeface="+mn-ea"/>
-                <a:cs typeface="+mn-cs"/>
-              </a:defRPr>
-            </a:lvl2pPr>
-            <a:lvl3pPr marL="1005840" indent="-228600" algn="l" rtl="0" eaLnBrk="1" latinLnBrk="0" hangingPunct="1">
-              <a:spcBef>
-                <a:spcPts val="300"/>
-              </a:spcBef>
-              <a:buClr>
-                <a:schemeClr val="accent2">
-                  <a:shade val="50000"/>
-                </a:schemeClr>
-              </a:buClr>
-              <a:buSzPct val="85000"/>
-              <a:buFont typeface="Wingdings 2"/>
-              <a:buChar char=""/>
-              <a:defRPr lang="pt-BR" sz="2100" kern="1200">
-                <a:solidFill>
-                  <a:schemeClr val="tx1"/>
-                </a:solidFill>
-                <a:latin typeface="+mn-lt"/>
-                <a:ea typeface="+mn-ea"/>
-                <a:cs typeface="+mn-cs"/>
-              </a:defRPr>
-            </a:lvl3pPr>
-            <a:lvl4pPr marL="1280160" indent="-228600" algn="l" rtl="0" eaLnBrk="1" latinLnBrk="0" hangingPunct="1">
-              <a:spcBef>
-                <a:spcPts val="300"/>
-              </a:spcBef>
-              <a:buClr>
-                <a:schemeClr val="accent2">
-                  <a:shade val="75000"/>
-                </a:schemeClr>
-              </a:buClr>
-              <a:buSzPct val="85000"/>
-              <a:buFont typeface="Wingdings 2" pitchFamily="18" charset="2"/>
-              <a:buChar char=""/>
-              <a:defRPr lang="pt-BR" sz="1900" kern="1200">
-                <a:solidFill>
-                  <a:schemeClr val="tx1"/>
-                </a:solidFill>
-                <a:latin typeface="+mn-lt"/>
-                <a:ea typeface="+mn-ea"/>
-                <a:cs typeface="+mn-cs"/>
-              </a:defRPr>
-            </a:lvl4pPr>
-            <a:lvl5pPr marL="1554480" indent="-228600" algn="l" rtl="0" eaLnBrk="1" latinLnBrk="0" hangingPunct="1">
-              <a:spcBef>
-                <a:spcPts val="340"/>
-              </a:spcBef>
-              <a:buClr>
-                <a:schemeClr val="accent2">
-                  <a:shade val="75000"/>
-                </a:schemeClr>
-              </a:buClr>
-              <a:buSzPct val="85000"/>
-              <a:buFont typeface="Wingdings 2" pitchFamily="18" charset="2"/>
-              <a:buChar char=""/>
-              <a:defRPr lang="pt-BR" sz="1600" kern="1200">
-                <a:solidFill>
-                  <a:schemeClr val="tx1"/>
-                </a:solidFill>
-                <a:latin typeface="+mn-lt"/>
-                <a:ea typeface="+mn-ea"/>
-                <a:cs typeface="+mn-cs"/>
-              </a:defRPr>
-            </a:lvl5pPr>
-            <a:lvl6pPr marL="1828800" indent="-228600" algn="l" rtl="0" eaLnBrk="1" latinLnBrk="0" hangingPunct="1">
-              <a:spcBef>
-                <a:spcPts val="340"/>
-              </a:spcBef>
-              <a:buClr>
-                <a:schemeClr val="accent2">
-                  <a:shade val="75000"/>
-                </a:schemeClr>
-              </a:buClr>
-              <a:buSzPct val="85000"/>
-              <a:buFont typeface="Wingdings 2" pitchFamily="18" charset="2"/>
-              <a:buChar char="?"/>
-              <a:defRPr lang="pt-BR" sz="1700" kern="1200">
-                <a:solidFill>
-                  <a:schemeClr val="tx1"/>
-                </a:solidFill>
-                <a:latin typeface="+mn-lt"/>
-                <a:ea typeface="+mn-ea"/>
-                <a:cs typeface="+mn-cs"/>
-              </a:defRPr>
-            </a:lvl6pPr>
-            <a:lvl7pPr marL="2011680" indent="-182880" algn="l" rtl="0" eaLnBrk="1" latinLnBrk="0" hangingPunct="1">
-              <a:spcBef>
-                <a:spcPts val="340"/>
-              </a:spcBef>
-              <a:buClr>
-                <a:schemeClr val="accent2">
-                  <a:shade val="75000"/>
-                </a:schemeClr>
-              </a:buClr>
-              <a:buSzPct val="85000"/>
-              <a:buFont typeface="Wingdings 2" pitchFamily="18" charset="2"/>
-              <a:buChar char="?"/>
-              <a:defRPr lang="pt-BR" sz="1600" kern="1200" baseline="0">
-                <a:solidFill>
-                  <a:schemeClr val="tx1"/>
-                </a:solidFill>
-                <a:latin typeface="+mn-lt"/>
-                <a:ea typeface="+mn-ea"/>
-                <a:cs typeface="+mn-cs"/>
-              </a:defRPr>
-            </a:lvl7pPr>
-            <a:lvl8pPr marL="2286000" indent="-182880" algn="l" rtl="0" eaLnBrk="1" latinLnBrk="0" hangingPunct="1">
-              <a:spcBef>
-                <a:spcPts val="340"/>
-              </a:spcBef>
-              <a:buClr>
-                <a:schemeClr val="accent2">
-                  <a:shade val="75000"/>
-                </a:schemeClr>
-              </a:buClr>
-              <a:buSzPct val="85000"/>
-              <a:buFont typeface="Wingdings 2" pitchFamily="18" charset="2"/>
-              <a:buChar char="?"/>
-              <a:defRPr lang="pt-BR" sz="1500" kern="1200">
-                <a:solidFill>
-                  <a:schemeClr val="tx1"/>
-                </a:solidFill>
-                <a:latin typeface="+mn-lt"/>
-                <a:ea typeface="+mn-ea"/>
-                <a:cs typeface="+mn-cs"/>
-              </a:defRPr>
-            </a:lvl8pPr>
-            <a:lvl9pPr marL="2560320" indent="-182880" algn="l" rtl="0" eaLnBrk="1" latinLnBrk="0" hangingPunct="1">
-              <a:spcBef>
-                <a:spcPts val="340"/>
-              </a:spcBef>
-              <a:buClr>
-                <a:schemeClr val="accent2">
-                  <a:shade val="75000"/>
-                </a:schemeClr>
-              </a:buClr>
-              <a:buSzPct val="85000"/>
-              <a:buFont typeface="Wingdings 2" pitchFamily="18" charset="2"/>
-              <a:buChar char="?"/>
-              <a:defRPr lang="pt-BR" sz="1500" kern="1200">
-                <a:solidFill>
-                  <a:schemeClr val="tx1"/>
-                </a:solidFill>
-                <a:latin typeface="+mn-lt"/>
-                <a:ea typeface="+mn-ea"/>
-                <a:cs typeface="+mn-cs"/>
-              </a:defRPr>
-            </a:lvl9pPr>
-          </a:lstStyle>
-          <a:p>
-            <a:r>
-              <a:rPr lang="pt-BR" dirty="0"/>
-              <a:t>A criação do Manifesto Ágil Inicialmente, contou com 17 signatários: Kent Beck, Mike Beedle, Arie van Bennekum, Alistair Cockburn, Ward Cunningham, Martin Fowler, James Grenning, Jim Highsmith, Andrew Hunt, Ron Jeffries, Jon Kern, Brian Marick, Robert C. Martin, Steve Mellor, Ken Schwaber, Jeff Sutherland e Dave Thomas</a:t>
-            </a:r>
-          </a:p>
-        </p:txBody>
-      </p:sp>
-      <p:sp>
-        <p:nvSpPr>
-          <p:cNvPr id="6" name="Título 2"/>
-          <p:cNvSpPr txBox="1">
-            <a:spLocks/>
-          </p:cNvSpPr>
-          <p:nvPr/>
-        </p:nvSpPr>
-        <p:spPr>
-          <a:xfrm>
-            <a:off x="457200" y="158552"/>
-            <a:ext cx="8229600" cy="931168"/>
-          </a:xfrm>
-          <a:prstGeom prst="rect">
-            <a:avLst/>
-          </a:prstGeom>
-          <a:ln w="6350" cap="rnd">
-            <a:noFill/>
-          </a:ln>
-        </p:spPr>
-        <p:txBody>
-          <a:bodyPr vert="horz" rtlCol="0" anchor="b" anchorCtr="0">
-            <a:normAutofit/>
-          </a:bodyPr>
-          <a:lstStyle>
-            <a:lvl1pPr algn="l" rtl="0" eaLnBrk="1" latinLnBrk="0" hangingPunct="1">
-              <a:spcBef>
-                <a:spcPct val="0"/>
-              </a:spcBef>
-              <a:buNone/>
-              <a:defRPr lang="pt-BR" sz="4200" b="0" kern="1200" spc="-100" baseline="0">
-                <a:ln w="3200">
-                  <a:solidFill>
-                    <a:schemeClr val="bg2">
-                      <a:shade val="75000"/>
-                      <a:alpha val="25000"/>
-                    </a:schemeClr>
-                  </a:solidFill>
-                  <a:prstDash val="solid"/>
-                  <a:round/>
-                </a:ln>
-                <a:solidFill>
-                  <a:srgbClr val="F9F9F9"/>
-                </a:solidFill>
-                <a:effectLst>
-                  <a:outerShdw blurRad="50800" dist="38100" dir="2700000" algn="tl" rotWithShape="0">
-                    <a:prstClr val="black">
-                      <a:alpha val="40000"/>
-                    </a:prstClr>
-                  </a:outerShdw>
-                </a:effectLst>
-                <a:latin typeface="+mj-lt"/>
-                <a:ea typeface="+mj-ea"/>
-                <a:cs typeface="+mj-cs"/>
-              </a:defRPr>
-            </a:lvl1pPr>
-          </a:lstStyle>
-          <a:p>
-            <a:r>
-              <a:rPr lang="pt-BR" dirty="0"/>
-              <a:t>Manifesto ágil</a:t>
-            </a:r>
-          </a:p>
-        </p:txBody>
-      </p:sp>
+      </p:pic>
     </p:spTree>
     <p:extLst>
       <p:ext uri="{BB962C8B-B14F-4D97-AF65-F5344CB8AC3E}">
-        <p14:creationId xmlns:p14="http://schemas.microsoft.com/office/powerpoint/2010/main" val="887008733"/>
+        <p14:creationId xmlns:p14="http://schemas.microsoft.com/office/powerpoint/2010/main" val="3076839744"/>
       </p:ext>
     </p:extLst>
   </p:cSld>

--- a/StartIdea/StartIdea.Docs/Apresentacao.pptx
+++ b/StartIdea/StartIdea.Docs/Apresentacao.pptx
@@ -5,49 +5,50 @@
     <p:sldMasterId id="2147483738" r:id="rId2"/>
   </p:sldMasterIdLst>
   <p:notesMasterIdLst>
-    <p:notesMasterId r:id="rId43"/>
+    <p:notesMasterId r:id="rId44"/>
   </p:notesMasterIdLst>
   <p:sldIdLst>
     <p:sldId id="256" r:id="rId3"/>
-    <p:sldId id="278" r:id="rId4"/>
-    <p:sldId id="258" r:id="rId5"/>
-    <p:sldId id="257" r:id="rId6"/>
-    <p:sldId id="270" r:id="rId7"/>
-    <p:sldId id="312" r:id="rId8"/>
-    <p:sldId id="315" r:id="rId9"/>
-    <p:sldId id="313" r:id="rId10"/>
-    <p:sldId id="314" r:id="rId11"/>
-    <p:sldId id="305" r:id="rId12"/>
-    <p:sldId id="307" r:id="rId13"/>
-    <p:sldId id="269" r:id="rId14"/>
-    <p:sldId id="308" r:id="rId15"/>
-    <p:sldId id="309" r:id="rId16"/>
-    <p:sldId id="310" r:id="rId17"/>
-    <p:sldId id="311" r:id="rId18"/>
-    <p:sldId id="306" r:id="rId19"/>
-    <p:sldId id="303" r:id="rId20"/>
-    <p:sldId id="300" r:id="rId21"/>
-    <p:sldId id="301" r:id="rId22"/>
-    <p:sldId id="302" r:id="rId23"/>
-    <p:sldId id="304" r:id="rId24"/>
-    <p:sldId id="262" r:id="rId25"/>
-    <p:sldId id="280" r:id="rId26"/>
-    <p:sldId id="282" r:id="rId27"/>
-    <p:sldId id="281" r:id="rId28"/>
-    <p:sldId id="283" r:id="rId29"/>
-    <p:sldId id="287" r:id="rId30"/>
-    <p:sldId id="285" r:id="rId31"/>
-    <p:sldId id="288" r:id="rId32"/>
-    <p:sldId id="289" r:id="rId33"/>
-    <p:sldId id="290" r:id="rId34"/>
-    <p:sldId id="291" r:id="rId35"/>
-    <p:sldId id="292" r:id="rId36"/>
-    <p:sldId id="293" r:id="rId37"/>
-    <p:sldId id="294" r:id="rId38"/>
-    <p:sldId id="295" r:id="rId39"/>
-    <p:sldId id="296" r:id="rId40"/>
-    <p:sldId id="286" r:id="rId41"/>
-    <p:sldId id="299" r:id="rId42"/>
+    <p:sldId id="258" r:id="rId4"/>
+    <p:sldId id="257" r:id="rId5"/>
+    <p:sldId id="270" r:id="rId6"/>
+    <p:sldId id="312" r:id="rId7"/>
+    <p:sldId id="315" r:id="rId8"/>
+    <p:sldId id="313" r:id="rId9"/>
+    <p:sldId id="314" r:id="rId10"/>
+    <p:sldId id="305" r:id="rId11"/>
+    <p:sldId id="307" r:id="rId12"/>
+    <p:sldId id="269" r:id="rId13"/>
+    <p:sldId id="308" r:id="rId14"/>
+    <p:sldId id="316" r:id="rId15"/>
+    <p:sldId id="310" r:id="rId16"/>
+    <p:sldId id="311" r:id="rId17"/>
+    <p:sldId id="306" r:id="rId18"/>
+    <p:sldId id="303" r:id="rId19"/>
+    <p:sldId id="300" r:id="rId20"/>
+    <p:sldId id="301" r:id="rId21"/>
+    <p:sldId id="302" r:id="rId22"/>
+    <p:sldId id="304" r:id="rId23"/>
+    <p:sldId id="262" r:id="rId24"/>
+    <p:sldId id="280" r:id="rId25"/>
+    <p:sldId id="282" r:id="rId26"/>
+    <p:sldId id="281" r:id="rId27"/>
+    <p:sldId id="283" r:id="rId28"/>
+    <p:sldId id="287" r:id="rId29"/>
+    <p:sldId id="285" r:id="rId30"/>
+    <p:sldId id="288" r:id="rId31"/>
+    <p:sldId id="289" r:id="rId32"/>
+    <p:sldId id="290" r:id="rId33"/>
+    <p:sldId id="291" r:id="rId34"/>
+    <p:sldId id="292" r:id="rId35"/>
+    <p:sldId id="293" r:id="rId36"/>
+    <p:sldId id="294" r:id="rId37"/>
+    <p:sldId id="295" r:id="rId38"/>
+    <p:sldId id="296" r:id="rId39"/>
+    <p:sldId id="286" r:id="rId40"/>
+    <p:sldId id="317" r:id="rId41"/>
+    <p:sldId id="318" r:id="rId42"/>
+    <p:sldId id="299" r:id="rId43"/>
   </p:sldIdLst>
   <p:sldSz cx="9144000" cy="6858000" type="screen4x3"/>
   <p:notesSz cx="6858000" cy="9144000"/>
@@ -248,7 +249,7 @@
             <a:fld id="{E28287AA-0D99-42CE-A71B-10FA9908BBF8}" type="datetimeFigureOut">
               <a:rPr lang="pt-BR"/>
               <a:pPr/>
-              <a:t>22/11/2016</a:t>
+              <a:t>23/11/2016</a:t>
             </a:fld>
             <a:endParaRPr lang="pt-BR" dirty="0"/>
           </a:p>
@@ -673,7 +674,7 @@
             <a:fld id="{D7C167DB-EFF0-400D-96A1-6799F871DE5B}" type="slidenum">
               <a:rPr lang="pt-BR" smtClean="0"/>
               <a:pPr/>
-              <a:t>3</a:t>
+              <a:t>2</a:t>
             </a:fld>
             <a:endParaRPr lang="pt-BR" dirty="0"/>
           </a:p>
@@ -760,7 +761,7 @@
             <a:fld id="{D7C167DB-EFF0-400D-96A1-6799F871DE5B}" type="slidenum">
               <a:rPr lang="pt-BR" smtClean="0"/>
               <a:pPr/>
-              <a:t>4</a:t>
+              <a:t>3</a:t>
             </a:fld>
             <a:endParaRPr lang="pt-BR" dirty="0"/>
           </a:p>
@@ -980,7 +981,7 @@
             <a:fld id="{DCFA480D-CB17-4C49-BB2A-C7514E1C7CEA}" type="datetimeFigureOut">
               <a:rPr lang="pt-BR" smtClean="0"/>
               <a:pPr/>
-              <a:t>22/11/2016</a:t>
+              <a:t>23/11/2016</a:t>
             </a:fld>
             <a:endParaRPr lang="pt-BR" dirty="0"/>
           </a:p>
@@ -1173,7 +1174,7 @@
             <a:fld id="{DCFA480D-CB17-4C49-BB2A-C7514E1C7CEA}" type="datetimeFigureOut">
               <a:rPr lang="pt-BR" smtClean="0"/>
               <a:pPr/>
-              <a:t>22/11/2016</a:t>
+              <a:t>23/11/2016</a:t>
             </a:fld>
             <a:endParaRPr lang="pt-BR" sz="1200" dirty="0">
               <a:solidFill>
@@ -1369,7 +1370,7 @@
             <a:fld id="{DCFA480D-CB17-4C49-BB2A-C7514E1C7CEA}" type="datetimeFigureOut">
               <a:rPr lang="pt-BR" smtClean="0"/>
               <a:pPr/>
-              <a:t>22/11/2016</a:t>
+              <a:t>23/11/2016</a:t>
             </a:fld>
             <a:endParaRPr lang="pt-BR" sz="1200" dirty="0">
               <a:solidFill>
@@ -1555,7 +1556,7 @@
             <a:fld id="{DCFA480D-CB17-4C49-BB2A-C7514E1C7CEA}" type="datetimeFigureOut">
               <a:rPr lang="pt-BR" smtClean="0"/>
               <a:pPr/>
-              <a:t>22/11/2016</a:t>
+              <a:t>23/11/2016</a:t>
             </a:fld>
             <a:endParaRPr lang="pt-BR" dirty="0"/>
           </a:p>
@@ -1814,7 +1815,7 @@
             <a:fld id="{DCFA480D-CB17-4C49-BB2A-C7514E1C7CEA}" type="datetimeFigureOut">
               <a:rPr lang="pt-BR" smtClean="0"/>
               <a:pPr/>
-              <a:t>22/11/2016</a:t>
+              <a:t>23/11/2016</a:t>
             </a:fld>
             <a:endParaRPr lang="pt-BR" dirty="0"/>
           </a:p>
@@ -2104,7 +2105,7 @@
             <a:fld id="{DCFA480D-CB17-4C49-BB2A-C7514E1C7CEA}" type="datetimeFigureOut">
               <a:rPr lang="pt-BR" smtClean="0"/>
               <a:pPr/>
-              <a:t>22/11/2016</a:t>
+              <a:t>23/11/2016</a:t>
             </a:fld>
             <a:endParaRPr lang="pt-BR" dirty="0"/>
           </a:p>
@@ -2544,7 +2545,7 @@
             <a:fld id="{DCFA480D-CB17-4C49-BB2A-C7514E1C7CEA}" type="datetimeFigureOut">
               <a:rPr lang="pt-BR" smtClean="0"/>
               <a:pPr/>
-              <a:t>22/11/2016</a:t>
+              <a:t>23/11/2016</a:t>
             </a:fld>
             <a:endParaRPr lang="pt-BR" dirty="0"/>
           </a:p>
@@ -2664,7 +2665,7 @@
             <a:fld id="{DCFA480D-CB17-4C49-BB2A-C7514E1C7CEA}" type="datetimeFigureOut">
               <a:rPr lang="pt-BR" smtClean="0"/>
               <a:pPr/>
-              <a:t>22/11/2016</a:t>
+              <a:t>23/11/2016</a:t>
             </a:fld>
             <a:endParaRPr lang="pt-BR" dirty="0"/>
           </a:p>
@@ -2761,7 +2762,7 @@
             <a:fld id="{DCFA480D-CB17-4C49-BB2A-C7514E1C7CEA}" type="datetimeFigureOut">
               <a:rPr lang="pt-BR" smtClean="0"/>
               <a:pPr/>
-              <a:t>22/11/2016</a:t>
+              <a:t>23/11/2016</a:t>
             </a:fld>
             <a:endParaRPr lang="pt-BR" sz="1200" dirty="0">
               <a:solidFill>
@@ -3133,7 +3134,7 @@
             <a:fld id="{DCFA480D-CB17-4C49-BB2A-C7514E1C7CEA}" type="datetimeFigureOut">
               <a:rPr lang="pt-BR" smtClean="0"/>
               <a:pPr/>
-              <a:t>22/11/2016</a:t>
+              <a:t>23/11/2016</a:t>
             </a:fld>
             <a:endParaRPr lang="pt-BR" dirty="0"/>
           </a:p>
@@ -3455,7 +3456,7 @@
             <a:fld id="{DCFA480D-CB17-4C49-BB2A-C7514E1C7CEA}" type="datetimeFigureOut">
               <a:rPr lang="pt-BR" smtClean="0"/>
               <a:pPr/>
-              <a:t>22/11/2016</a:t>
+              <a:t>23/11/2016</a:t>
             </a:fld>
             <a:endParaRPr lang="pt-BR" dirty="0"/>
           </a:p>
@@ -3691,7 +3692,7 @@
             <a:fld id="{DCFA480D-CB17-4C49-BB2A-C7514E1C7CEA}" type="datetimeFigureOut">
               <a:rPr lang="pt-BR" smtClean="0"/>
               <a:pPr/>
-              <a:t>22/11/2016</a:t>
+              <a:t>23/11/2016</a:t>
             </a:fld>
             <a:endParaRPr lang="pt-BR" sz="1200" dirty="0">
               <a:solidFill>
@@ -4181,7 +4182,7 @@
           <a:p>
             <a:r>
               <a:rPr lang="pt-BR" dirty="0"/>
-              <a:t>Elton Nascimento &amp; Gabriel Silva</a:t>
+              <a:t>Elton Garbin &amp; Gabriel Silva</a:t>
             </a:r>
           </a:p>
         </p:txBody>
@@ -4246,7 +4247,7 @@
         <p:spPr>
           <a:xfrm>
             <a:off x="507206" y="1993393"/>
-            <a:ext cx="8065294" cy="4171911"/>
+            <a:ext cx="8065294" cy="2947775"/>
           </a:xfrm>
         </p:spPr>
         <p:txBody>
@@ -4260,192 +4261,55 @@
               <a:buChar char="ü"/>
             </a:pPr>
             <a:r>
-              <a:rPr lang="pt-BR" dirty="0"/>
-              <a:t>Uma declaração de princípios que fundamentam o desenvolvimento ágil de softwares. </a:t>
-            </a:r>
-          </a:p>
-          <a:p>
-            <a:pPr>
-              <a:buFont typeface="Wingdings" panose="05000000000000000000" pitchFamily="2" charset="2"/>
-              <a:buChar char="ü"/>
-            </a:pPr>
-            <a:r>
-              <a:rPr lang="pt-BR" dirty="0"/>
-              <a:t>Criado Em fevereiro de 2001, em reunião onde compareceram os 17 criadores iniciais</a:t>
-            </a:r>
-          </a:p>
-          <a:p>
-            <a:pPr>
-              <a:buFont typeface="Wingdings" panose="05000000000000000000" pitchFamily="2" charset="2"/>
-              <a:buChar char="ü"/>
-            </a:pPr>
-            <a:r>
-              <a:rPr lang="pt-BR" dirty="0"/>
-              <a:t>Criadores: Kent Beck, Mike </a:t>
-            </a:r>
-            <a:r>
-              <a:rPr lang="pt-BR" dirty="0" err="1"/>
-              <a:t>Beedle</a:t>
-            </a:r>
-            <a:r>
-              <a:rPr lang="pt-BR" dirty="0"/>
-              <a:t>, Arie van </a:t>
-            </a:r>
-            <a:r>
-              <a:rPr lang="pt-BR" dirty="0" err="1"/>
-              <a:t>Bennekum</a:t>
-            </a:r>
-            <a:r>
-              <a:rPr lang="pt-BR" dirty="0"/>
-              <a:t>, </a:t>
-            </a:r>
-            <a:r>
-              <a:rPr lang="pt-BR" dirty="0" err="1"/>
-              <a:t>Alistair</a:t>
-            </a:r>
-            <a:r>
-              <a:rPr lang="pt-BR" dirty="0"/>
-              <a:t> Cockburn, Ward Cunningham, Martin Fowler, James </a:t>
-            </a:r>
-            <a:r>
-              <a:rPr lang="pt-BR" dirty="0" err="1"/>
-              <a:t>Grenning</a:t>
-            </a:r>
-            <a:r>
-              <a:rPr lang="pt-BR" dirty="0"/>
-              <a:t>, Jim </a:t>
-            </a:r>
-            <a:r>
-              <a:rPr lang="pt-BR" dirty="0" err="1"/>
-              <a:t>Highsmith</a:t>
-            </a:r>
-            <a:r>
-              <a:rPr lang="pt-BR" dirty="0"/>
-              <a:t>, Andrew Hunt, Ron </a:t>
-            </a:r>
-            <a:r>
-              <a:rPr lang="pt-BR" dirty="0" err="1"/>
-              <a:t>Jeffries</a:t>
-            </a:r>
-            <a:r>
-              <a:rPr lang="pt-BR" dirty="0"/>
-              <a:t>, Jon </a:t>
-            </a:r>
-            <a:r>
-              <a:rPr lang="pt-BR" dirty="0" err="1"/>
-              <a:t>Kern</a:t>
-            </a:r>
-            <a:r>
-              <a:rPr lang="pt-BR" dirty="0"/>
-              <a:t>, Brian </a:t>
-            </a:r>
-            <a:r>
-              <a:rPr lang="pt-BR" dirty="0" err="1"/>
-              <a:t>Marick</a:t>
-            </a:r>
-            <a:r>
-              <a:rPr lang="pt-BR" dirty="0"/>
-              <a:t>, Robert C. Martin, Steve </a:t>
-            </a:r>
-            <a:r>
-              <a:rPr lang="pt-BR" dirty="0" err="1"/>
-              <a:t>Mellor</a:t>
-            </a:r>
-            <a:r>
-              <a:rPr lang="pt-BR" dirty="0"/>
-              <a:t>, </a:t>
-            </a:r>
-            <a:r>
               <a:rPr lang="pt-BR" b="1" dirty="0"/>
-              <a:t>Ken </a:t>
-            </a:r>
-            <a:r>
-              <a:rPr lang="pt-BR" b="1" dirty="0" err="1"/>
-              <a:t>Schwaber</a:t>
-            </a:r>
+              <a:t>Indivíduos e interação entre eles</a:t>
+            </a:r>
+            <a:r>
+              <a:rPr lang="pt-BR" dirty="0"/>
+              <a:t> mais que processos e ferramentas</a:t>
+            </a:r>
+          </a:p>
+          <a:p>
+            <a:pPr>
+              <a:buFont typeface="Wingdings" panose="05000000000000000000" pitchFamily="2" charset="2"/>
+              <a:buChar char="ü"/>
+            </a:pPr>
             <a:r>
               <a:rPr lang="pt-BR" b="1" dirty="0"/>
-              <a:t>, Jeff Sutherland</a:t>
-            </a:r>
-            <a:r>
-              <a:rPr lang="pt-BR" dirty="0"/>
-              <a:t> e Dave Thomas</a:t>
-            </a:r>
-          </a:p>
-          <a:p>
-            <a:pPr>
-              <a:buFont typeface="Wingdings" panose="05000000000000000000" pitchFamily="2" charset="2"/>
-              <a:buChar char="ü"/>
-            </a:pPr>
-            <a:r>
-              <a:rPr lang="en-US" dirty="0"/>
-              <a:t> </a:t>
-            </a:r>
-            <a:r>
-              <a:rPr lang="en-US" dirty="0" err="1"/>
-              <a:t>Criado</a:t>
-            </a:r>
-            <a:r>
-              <a:rPr lang="en-US" dirty="0"/>
-              <a:t> com o </a:t>
-            </a:r>
-            <a:r>
-              <a:rPr lang="en-US" dirty="0" err="1"/>
-              <a:t>objetivo</a:t>
-            </a:r>
-            <a:r>
-              <a:rPr lang="en-US" dirty="0"/>
-              <a:t> de </a:t>
-            </a:r>
-            <a:r>
-              <a:rPr lang="en-US" dirty="0" err="1"/>
-              <a:t>estabelecer</a:t>
-            </a:r>
-            <a:r>
-              <a:rPr lang="en-US" dirty="0"/>
-              <a:t> </a:t>
-            </a:r>
-            <a:r>
-              <a:rPr lang="en-US" dirty="0" err="1"/>
-              <a:t>parâmetros</a:t>
-            </a:r>
-            <a:r>
-              <a:rPr lang="en-US" dirty="0"/>
-              <a:t> para </a:t>
-            </a:r>
-            <a:r>
-              <a:rPr lang="en-US" dirty="0" err="1"/>
-              <a:t>criação</a:t>
-            </a:r>
-            <a:r>
-              <a:rPr lang="en-US" dirty="0"/>
-              <a:t> de </a:t>
-            </a:r>
-            <a:r>
-              <a:rPr lang="en-US" dirty="0" err="1"/>
-              <a:t>metodologias</a:t>
-            </a:r>
-            <a:r>
-              <a:rPr lang="en-US" dirty="0"/>
-              <a:t> </a:t>
-            </a:r>
-            <a:r>
-              <a:rPr lang="en-US" dirty="0" err="1"/>
-              <a:t>ágeis</a:t>
-            </a:r>
-            <a:r>
-              <a:rPr lang="en-US" dirty="0"/>
-              <a:t> para </a:t>
-            </a:r>
-            <a:r>
-              <a:rPr lang="en-US" dirty="0" err="1"/>
-              <a:t>desenvolvimento</a:t>
-            </a:r>
-            <a:r>
-              <a:rPr lang="en-US" dirty="0"/>
-              <a:t> de software.</a:t>
-            </a:r>
-            <a:endParaRPr lang="pt-BR" dirty="0"/>
+              <a:t>Software em funcionamento</a:t>
+            </a:r>
+            <a:r>
+              <a:rPr lang="pt-BR" dirty="0"/>
+              <a:t> mais que documentação abrangente</a:t>
+            </a:r>
+          </a:p>
+          <a:p>
+            <a:pPr>
+              <a:buFont typeface="Wingdings" panose="05000000000000000000" pitchFamily="2" charset="2"/>
+              <a:buChar char="ü"/>
+            </a:pPr>
+            <a:r>
+              <a:rPr lang="pt-BR" b="1" dirty="0"/>
+              <a:t>Colaboração com o cliente</a:t>
+            </a:r>
+            <a:r>
+              <a:rPr lang="pt-BR" dirty="0"/>
+              <a:t> mais que negociação de contratos</a:t>
+            </a:r>
+          </a:p>
+          <a:p>
+            <a:pPr>
+              <a:buFont typeface="Wingdings" panose="05000000000000000000" pitchFamily="2" charset="2"/>
+              <a:buChar char="ü"/>
+            </a:pPr>
+            <a:r>
+              <a:rPr lang="pt-BR" b="1" dirty="0"/>
+              <a:t>Responder a mudanças</a:t>
+            </a:r>
+            <a:r>
+              <a:rPr lang="pt-BR" dirty="0"/>
+              <a:t> mais que seguir um plano</a:t>
+            </a:r>
           </a:p>
           <a:p>
             <a:pPr marL="0" indent="0">
@@ -4458,7 +4322,7 @@
     </p:spTree>
     <p:extLst>
       <p:ext uri="{BB962C8B-B14F-4D97-AF65-F5344CB8AC3E}">
-        <p14:creationId xmlns:p14="http://schemas.microsoft.com/office/powerpoint/2010/main" val="1665822349"/>
+        <p14:creationId xmlns:p14="http://schemas.microsoft.com/office/powerpoint/2010/main" val="2305154754"/>
       </p:ext>
     </p:extLst>
   </p:cSld>
@@ -4502,7 +4366,7 @@
           <a:p>
             <a:r>
               <a:rPr lang="pt-BR" dirty="0"/>
-              <a:t>Manifesto ágil</a:t>
+              <a:t>Startup</a:t>
             </a:r>
           </a:p>
         </p:txBody>
@@ -4517,12 +4381,7 @@
             <p:ph idx="1"/>
           </p:nvPr>
         </p:nvSpPr>
-        <p:spPr>
-          <a:xfrm>
-            <a:off x="507206" y="1993393"/>
-            <a:ext cx="8065294" cy="2947775"/>
-          </a:xfrm>
-        </p:spPr>
+        <p:spPr/>
         <p:txBody>
           <a:bodyPr>
             <a:normAutofit/>
@@ -4534,68 +4393,76 @@
               <a:buChar char="ü"/>
             </a:pPr>
             <a:r>
-              <a:rPr lang="pt-BR" b="1" dirty="0"/>
-              <a:t>Indivíduos e interação entre eles</a:t>
-            </a:r>
-            <a:r>
-              <a:rPr lang="pt-BR" dirty="0"/>
-              <a:t> mais que processos e ferramentas</a:t>
-            </a:r>
-          </a:p>
-          <a:p>
-            <a:pPr>
-              <a:buFont typeface="Wingdings" panose="05000000000000000000" pitchFamily="2" charset="2"/>
-              <a:buChar char="ü"/>
-            </a:pPr>
-            <a:r>
-              <a:rPr lang="pt-BR" b="1" dirty="0"/>
-              <a:t>Software em funcionamento</a:t>
-            </a:r>
-            <a:r>
-              <a:rPr lang="pt-BR" dirty="0"/>
-              <a:t> mais que documentação abrangente</a:t>
-            </a:r>
-          </a:p>
-          <a:p>
-            <a:pPr>
-              <a:buFont typeface="Wingdings" panose="05000000000000000000" pitchFamily="2" charset="2"/>
-              <a:buChar char="ü"/>
-            </a:pPr>
-            <a:r>
-              <a:rPr lang="pt-BR" b="1" dirty="0"/>
-              <a:t>Colaboração com o cliente</a:t>
-            </a:r>
-            <a:r>
-              <a:rPr lang="pt-BR" dirty="0"/>
-              <a:t> mais que negociação de contratos</a:t>
-            </a:r>
-          </a:p>
-          <a:p>
-            <a:pPr>
-              <a:buFont typeface="Wingdings" panose="05000000000000000000" pitchFamily="2" charset="2"/>
-              <a:buChar char="ü"/>
-            </a:pPr>
-            <a:r>
-              <a:rPr lang="pt-BR" b="1" dirty="0"/>
-              <a:t>Responder a mudanças</a:t>
-            </a:r>
-            <a:r>
-              <a:rPr lang="pt-BR" dirty="0"/>
-              <a:t> mais que seguir um plano</a:t>
-            </a:r>
-          </a:p>
-          <a:p>
-            <a:pPr marL="0" indent="0">
-              <a:buNone/>
-            </a:pPr>
-            <a:endParaRPr lang="pt-BR" dirty="0"/>
+              <a:rPr lang="pt-BR" dirty="0"/>
+              <a:t>Ato de começar algo, normalmente relacionado com companhias e empresas que estão no início de suas atividades e que buscam explorar atividades inovadoras no mercado.</a:t>
+            </a:r>
+          </a:p>
+          <a:p>
+            <a:pPr>
+              <a:buFont typeface="Wingdings" panose="05000000000000000000" pitchFamily="2" charset="2"/>
+              <a:buChar char="ü"/>
+            </a:pPr>
+            <a:r>
+              <a:rPr lang="pt-BR" dirty="0"/>
+              <a:t>Uma instituição humana projetada para criar novos produtos e serviços sob condições de extrema incerteza</a:t>
+            </a:r>
+          </a:p>
+          <a:p>
+            <a:pPr>
+              <a:buFont typeface="Wingdings" panose="05000000000000000000" pitchFamily="2" charset="2"/>
+              <a:buChar char="ü"/>
+            </a:pPr>
+            <a:r>
+              <a:rPr lang="pt-BR" dirty="0"/>
+              <a:t>Principais Características:</a:t>
+            </a:r>
+          </a:p>
+          <a:p>
+            <a:pPr lvl="2">
+              <a:buFont typeface="Wingdings" panose="05000000000000000000" pitchFamily="2" charset="2"/>
+              <a:buChar char="ü"/>
+            </a:pPr>
+            <a:r>
+              <a:rPr lang="pt-BR" dirty="0"/>
+              <a:t>Inovação </a:t>
+            </a:r>
+          </a:p>
+          <a:p>
+            <a:pPr lvl="2">
+              <a:buFont typeface="Wingdings" panose="05000000000000000000" pitchFamily="2" charset="2"/>
+              <a:buChar char="ü"/>
+            </a:pPr>
+            <a:r>
+              <a:rPr lang="pt-BR" dirty="0"/>
+              <a:t>Escalabilidade </a:t>
+            </a:r>
+          </a:p>
+          <a:p>
+            <a:pPr lvl="2">
+              <a:buFont typeface="Wingdings" panose="05000000000000000000" pitchFamily="2" charset="2"/>
+              <a:buChar char="ü"/>
+            </a:pPr>
+            <a:r>
+              <a:rPr lang="pt-BR" dirty="0"/>
+              <a:t>Ter potencial para atingir grandes mercados</a:t>
+            </a:r>
+          </a:p>
+          <a:p>
+            <a:pPr lvl="2">
+              <a:buFont typeface="Wingdings" panose="05000000000000000000" pitchFamily="2" charset="2"/>
+              <a:buChar char="ü"/>
+            </a:pPr>
+            <a:r>
+              <a:rPr lang="pt-BR" dirty="0"/>
+              <a:t>Ser enxuta e flexível</a:t>
+            </a:r>
           </a:p>
         </p:txBody>
       </p:sp>
     </p:spTree>
     <p:extLst>
       <p:ext uri="{BB962C8B-B14F-4D97-AF65-F5344CB8AC3E}">
-        <p14:creationId xmlns:p14="http://schemas.microsoft.com/office/powerpoint/2010/main" val="2305154754"/>
+        <p14:creationId xmlns:p14="http://schemas.microsoft.com/office/powerpoint/2010/main" val="2030121317"/>
       </p:ext>
     </p:extLst>
   </p:cSld>
@@ -4624,7 +4491,7 @@
       </p:grpSpPr>
       <p:sp>
         <p:nvSpPr>
-          <p:cNvPr id="3" name="Título 2"/>
+          <p:cNvPr id="2" name="Título 1"/>
           <p:cNvSpPr>
             <a:spLocks noGrp="1"/>
           </p:cNvSpPr>
@@ -4632,7 +4499,12 @@
             <p:ph type="title"/>
           </p:nvPr>
         </p:nvSpPr>
-        <p:spPr/>
+        <p:spPr>
+          <a:xfrm>
+            <a:off x="492919" y="499533"/>
+            <a:ext cx="8079581" cy="1201276"/>
+          </a:xfrm>
+        </p:spPr>
         <p:txBody>
           <a:bodyPr/>
           <a:lstStyle/>
@@ -4646,7 +4518,7 @@
       </p:sp>
       <p:sp>
         <p:nvSpPr>
-          <p:cNvPr id="2" name="Espaço Reservado para Conteúdo 1"/>
+          <p:cNvPr id="3" name="Espaço Reservado para Conteúdo 2"/>
           <p:cNvSpPr>
             <a:spLocks noGrp="1"/>
           </p:cNvSpPr>
@@ -4654,20 +4526,33 @@
             <p:ph idx="1"/>
           </p:nvPr>
         </p:nvSpPr>
-        <p:spPr/>
-        <p:txBody>
-          <a:bodyPr>
-            <a:normAutofit fontScale="92500" lnSpcReduction="20000"/>
-          </a:bodyPr>
-          <a:lstStyle/>
-          <a:p>
-            <a:pPr>
-              <a:buFont typeface="Wingdings" panose="05000000000000000000" pitchFamily="2" charset="2"/>
-              <a:buChar char="ü"/>
-            </a:pPr>
-            <a:r>
-              <a:rPr lang="pt-BR" dirty="0"/>
-              <a:t>Ato de começar algo, normalmente relacionado com companhias e empresas que estão no início de suas atividades e que buscam explorar atividades inovadoras no mercado.</a:t>
+        <p:spPr>
+          <a:xfrm>
+            <a:off x="507206" y="1556792"/>
+            <a:ext cx="8065294" cy="4202787"/>
+          </a:xfrm>
+        </p:spPr>
+        <p:txBody>
+          <a:bodyPr/>
+          <a:lstStyle/>
+          <a:p>
+            <a:pPr>
+              <a:buFont typeface="Wingdings" panose="05000000000000000000" pitchFamily="2" charset="2"/>
+              <a:buChar char="ü"/>
+            </a:pPr>
+            <a:r>
+              <a:rPr lang="pt-BR" dirty="0"/>
+              <a:t>Não dispõe de muitos recursos para investimento</a:t>
+            </a:r>
+          </a:p>
+          <a:p>
+            <a:pPr>
+              <a:buFont typeface="Wingdings" panose="05000000000000000000" pitchFamily="2" charset="2"/>
+              <a:buChar char="ü"/>
+            </a:pPr>
+            <a:r>
+              <a:rPr lang="pt-BR" dirty="0"/>
+              <a:t>O acesso a investimentos é um dos principais obstáculos das startups</a:t>
             </a:r>
           </a:p>
           <a:p>
@@ -4677,79 +4562,44 @@
             </a:pPr>
             <a:endParaRPr lang="pt-BR" dirty="0"/>
           </a:p>
-          <a:p>
-            <a:pPr>
-              <a:buFont typeface="Wingdings" panose="05000000000000000000" pitchFamily="2" charset="2"/>
-              <a:buChar char="ü"/>
-            </a:pPr>
-            <a:r>
-              <a:rPr lang="pt-BR" dirty="0"/>
-              <a:t>Uma instituição humana projetada para criar novos produtos e serviços sob condições de extrema incerteza</a:t>
-            </a:r>
-          </a:p>
-          <a:p>
-            <a:pPr>
-              <a:buFont typeface="Wingdings" panose="05000000000000000000" pitchFamily="2" charset="2"/>
-              <a:buChar char="ü"/>
-            </a:pPr>
-            <a:endParaRPr lang="pt-BR" dirty="0"/>
-          </a:p>
-          <a:p>
-            <a:pPr>
-              <a:buFont typeface="Wingdings" panose="05000000000000000000" pitchFamily="2" charset="2"/>
-              <a:buChar char="ü"/>
-            </a:pPr>
-            <a:r>
-              <a:rPr lang="pt-BR" dirty="0"/>
-              <a:t>Principais Características:</a:t>
-            </a:r>
-          </a:p>
-          <a:p>
-            <a:pPr lvl="2">
-              <a:buFont typeface="Wingdings" panose="05000000000000000000" pitchFamily="2" charset="2"/>
-              <a:buChar char="ü"/>
-            </a:pPr>
-            <a:r>
-              <a:rPr lang="pt-BR" dirty="0"/>
-              <a:t>Inovação </a:t>
-            </a:r>
-          </a:p>
-          <a:p>
-            <a:pPr lvl="2">
-              <a:buFont typeface="Wingdings" panose="05000000000000000000" pitchFamily="2" charset="2"/>
-              <a:buChar char="ü"/>
-            </a:pPr>
-            <a:r>
-              <a:rPr lang="pt-BR" dirty="0"/>
-              <a:t>Escalabilidade </a:t>
-            </a:r>
-          </a:p>
-          <a:p>
-            <a:pPr lvl="2">
-              <a:buFont typeface="Wingdings" panose="05000000000000000000" pitchFamily="2" charset="2"/>
-              <a:buChar char="ü"/>
-            </a:pPr>
-            <a:r>
-              <a:rPr lang="pt-BR" dirty="0"/>
-              <a:t>Ter potencial para atingir grandes mercados</a:t>
-            </a:r>
-          </a:p>
-          <a:p>
-            <a:pPr lvl="2">
-              <a:buFont typeface="Wingdings" panose="05000000000000000000" pitchFamily="2" charset="2"/>
-              <a:buChar char="ü"/>
-            </a:pPr>
-            <a:r>
-              <a:rPr lang="pt-BR" dirty="0"/>
-              <a:t>Ser enxuta e flexível</a:t>
-            </a:r>
-          </a:p>
-        </p:txBody>
-      </p:sp>
+        </p:txBody>
+      </p:sp>
+      <p:pic>
+        <p:nvPicPr>
+          <p:cNvPr id="4" name="Imagem 3"/>
+          <p:cNvPicPr/>
+          <p:nvPr/>
+        </p:nvPicPr>
+        <p:blipFill>
+          <a:blip r:embed="rId2" cstate="print">
+            <a:extLst>
+              <a:ext uri="{28A0092B-C50C-407E-A947-70E740481C1C}">
+                <a14:useLocalDpi xmlns:a14="http://schemas.microsoft.com/office/drawing/2010/main" val="0"/>
+              </a:ext>
+            </a:extLst>
+          </a:blip>
+          <a:stretch>
+            <a:fillRect/>
+          </a:stretch>
+        </p:blipFill>
+        <p:spPr>
+          <a:xfrm>
+            <a:off x="1907704" y="2420888"/>
+            <a:ext cx="6664796" cy="4032448"/>
+          </a:xfrm>
+          <a:prstGeom prst="rect">
+            <a:avLst/>
+          </a:prstGeom>
+          <a:noFill/>
+          <a:ln>
+            <a:noFill/>
+          </a:ln>
+        </p:spPr>
+      </p:pic>
     </p:spTree>
     <p:extLst>
       <p:ext uri="{BB962C8B-B14F-4D97-AF65-F5344CB8AC3E}">
-        <p14:creationId xmlns:p14="http://schemas.microsoft.com/office/powerpoint/2010/main" val="2030121317"/>
+        <p14:creationId xmlns:p14="http://schemas.microsoft.com/office/powerpoint/2010/main" val="3569771386"/>
       </p:ext>
     </p:extLst>
   </p:cSld>
@@ -4786,102 +4636,135 @@
             <p:ph type="title"/>
           </p:nvPr>
         </p:nvSpPr>
-        <p:spPr/>
-        <p:txBody>
-          <a:bodyPr/>
-          <a:lstStyle/>
-          <a:p>
-            <a:r>
-              <a:rPr lang="pt-BR" dirty="0"/>
-              <a:t>Startup</a:t>
-            </a:r>
-          </a:p>
-        </p:txBody>
-      </p:sp>
-      <p:sp>
-        <p:nvSpPr>
-          <p:cNvPr id="3" name="Espaço Reservado para Conteúdo 2"/>
-          <p:cNvSpPr>
-            <a:spLocks noGrp="1"/>
-          </p:cNvSpPr>
-          <p:nvPr>
-            <p:ph idx="1"/>
-          </p:nvPr>
-        </p:nvSpPr>
         <p:spPr>
           <a:xfrm>
-            <a:off x="507206" y="1700809"/>
-            <a:ext cx="8065294" cy="4058770"/>
+            <a:off x="492919" y="499533"/>
+            <a:ext cx="8079581" cy="1057259"/>
           </a:xfrm>
         </p:spPr>
         <p:txBody>
           <a:bodyPr/>
           <a:lstStyle/>
           <a:p>
-            <a:pPr>
-              <a:buFont typeface="Wingdings" panose="05000000000000000000" pitchFamily="2" charset="2"/>
-              <a:buChar char="ü"/>
-            </a:pPr>
-            <a:r>
-              <a:rPr lang="pt-BR" dirty="0"/>
-              <a:t>Não dispõe de muitos recursos para investimento</a:t>
-            </a:r>
-          </a:p>
-          <a:p>
-            <a:pPr>
-              <a:buFont typeface="Wingdings" panose="05000000000000000000" pitchFamily="2" charset="2"/>
-              <a:buChar char="ü"/>
-            </a:pPr>
-            <a:r>
-              <a:rPr lang="pt-BR" dirty="0"/>
-              <a:t>O acesso a investimentos é um dos principais obstáculos das startups</a:t>
-            </a:r>
-          </a:p>
-          <a:p>
-            <a:pPr>
-              <a:buFont typeface="Wingdings" panose="05000000000000000000" pitchFamily="2" charset="2"/>
-              <a:buChar char="ü"/>
-            </a:pPr>
-            <a:endParaRPr lang="pt-BR" dirty="0"/>
-          </a:p>
-        </p:txBody>
-      </p:sp>
-      <p:pic>
-        <p:nvPicPr>
-          <p:cNvPr id="4" name="Imagem 3"/>
-          <p:cNvPicPr/>
-          <p:nvPr/>
-        </p:nvPicPr>
-        <p:blipFill>
-          <a:blip r:embed="rId2" cstate="print">
-            <a:extLst>
-              <a:ext uri="{28A0092B-C50C-407E-A947-70E740481C1C}">
-                <a14:useLocalDpi xmlns:a14="http://schemas.microsoft.com/office/drawing/2010/main" val="0"/>
-              </a:ext>
-            </a:extLst>
-          </a:blip>
-          <a:stretch>
-            <a:fillRect/>
-          </a:stretch>
-        </p:blipFill>
+            <a:r>
+              <a:rPr lang="pt-BR" dirty="0"/>
+              <a:t>Startup</a:t>
+            </a:r>
+          </a:p>
+        </p:txBody>
+      </p:sp>
+      <p:sp>
+        <p:nvSpPr>
+          <p:cNvPr id="3" name="Espaço Reservado para Conteúdo 2"/>
+          <p:cNvSpPr>
+            <a:spLocks noGrp="1"/>
+          </p:cNvSpPr>
+          <p:nvPr>
+            <p:ph idx="1"/>
+          </p:nvPr>
+        </p:nvSpPr>
         <p:spPr>
           <a:xfrm>
-            <a:off x="1907704" y="2636912"/>
-            <a:ext cx="6664796" cy="4032448"/>
+            <a:off x="507206" y="1556793"/>
+            <a:ext cx="8065294" cy="4824536"/>
           </a:xfrm>
-          <a:prstGeom prst="rect">
-            <a:avLst/>
-          </a:prstGeom>
-          <a:noFill/>
-          <a:ln>
-            <a:noFill/>
-          </a:ln>
         </p:spPr>
-      </p:pic>
+        <p:txBody>
+          <a:bodyPr>
+            <a:normAutofit lnSpcReduction="10000"/>
+          </a:bodyPr>
+          <a:lstStyle/>
+          <a:p>
+            <a:pPr>
+              <a:buFont typeface="Wingdings" panose="05000000000000000000" pitchFamily="2" charset="2"/>
+              <a:buChar char="ü"/>
+            </a:pPr>
+            <a:r>
+              <a:rPr lang="pt-BR" dirty="0" err="1"/>
+              <a:t>Bootstrapping</a:t>
+            </a:r>
+            <a:r>
+              <a:rPr lang="pt-BR" dirty="0"/>
+              <a:t>;</a:t>
+            </a:r>
+          </a:p>
+          <a:p>
+            <a:pPr lvl="2">
+              <a:buFont typeface="Wingdings" panose="05000000000000000000" pitchFamily="2" charset="2"/>
+              <a:buChar char="ü"/>
+            </a:pPr>
+            <a:r>
+              <a:rPr lang="pt-BR" dirty="0"/>
+              <a:t>Criar sua startup usando somente recursos próprios e não recorrendo a investidores externos.</a:t>
+            </a:r>
+          </a:p>
+          <a:p>
+            <a:pPr>
+              <a:buFont typeface="Wingdings" panose="05000000000000000000" pitchFamily="2" charset="2"/>
+              <a:buChar char="ü"/>
+            </a:pPr>
+            <a:r>
+              <a:rPr lang="pt-BR" dirty="0"/>
+              <a:t>Investimento-Anjo;</a:t>
+            </a:r>
+          </a:p>
+          <a:p>
+            <a:pPr lvl="2">
+              <a:buFont typeface="Wingdings" panose="05000000000000000000" pitchFamily="2" charset="2"/>
+              <a:buChar char="ü"/>
+            </a:pPr>
+            <a:r>
+              <a:rPr lang="pt-BR" dirty="0"/>
+              <a:t>O investidor recebe, por seu investimento, uma participação societária minoritária no negócio, e não assume posição executiva na empresa, mas atua como um conselheiro.</a:t>
+            </a:r>
+          </a:p>
+          <a:p>
+            <a:pPr>
+              <a:buFont typeface="Wingdings" panose="05000000000000000000" pitchFamily="2" charset="2"/>
+              <a:buChar char="ü"/>
+            </a:pPr>
+            <a:r>
+              <a:rPr lang="pt-BR" dirty="0"/>
+              <a:t>Capital semente;</a:t>
+            </a:r>
+          </a:p>
+          <a:p>
+            <a:pPr lvl="2">
+              <a:buFont typeface="Wingdings" panose="05000000000000000000" pitchFamily="2" charset="2"/>
+              <a:buChar char="ü"/>
+            </a:pPr>
+            <a:r>
+              <a:rPr lang="pt-BR" dirty="0"/>
+              <a:t>É um modelo de financiamento dirigido a projetos empresariais em estágio inicial ou estágio zero, em fase de projeto e desenvolvimento, antes da instalação do negócio.</a:t>
+            </a:r>
+          </a:p>
+          <a:p>
+            <a:pPr>
+              <a:buFont typeface="Wingdings" panose="05000000000000000000" pitchFamily="2" charset="2"/>
+              <a:buChar char="ü"/>
+            </a:pPr>
+            <a:r>
+              <a:rPr lang="pt-BR" dirty="0"/>
+              <a:t>Incubadoras.</a:t>
+            </a:r>
+          </a:p>
+          <a:p>
+            <a:pPr lvl="2">
+              <a:buFont typeface="Wingdings" panose="05000000000000000000" pitchFamily="2" charset="2"/>
+              <a:buChar char="ü"/>
+            </a:pPr>
+            <a:r>
+              <a:rPr lang="pt-BR" dirty="0"/>
+              <a:t>Elas oferecem suporte técnico, gerencial e formação complementar ao empreendedor e facilitam o processo de inovação e acesso a novas tecnologias nos pequenos negócios.</a:t>
+            </a:r>
+            <a:endParaRPr lang="pt-BR" dirty="0"/>
+          </a:p>
+        </p:txBody>
+      </p:sp>
     </p:spTree>
     <p:extLst>
       <p:ext uri="{BB962C8B-B14F-4D97-AF65-F5344CB8AC3E}">
-        <p14:creationId xmlns:p14="http://schemas.microsoft.com/office/powerpoint/2010/main" val="3569771386"/>
+        <p14:creationId xmlns:p14="http://schemas.microsoft.com/office/powerpoint/2010/main" val="2244996834"/>
       </p:ext>
     </p:extLst>
   </p:cSld>
@@ -4925,7 +4808,7 @@
           <a:p>
             <a:r>
               <a:rPr lang="pt-BR" dirty="0"/>
-              <a:t>Startup</a:t>
+              <a:t>Startups de sucesso</a:t>
             </a:r>
           </a:p>
         </p:txBody>
@@ -4940,118 +4823,77 @@
             <p:ph idx="1"/>
           </p:nvPr>
         </p:nvSpPr>
-        <p:spPr>
-          <a:xfrm>
-            <a:off x="507206" y="1628800"/>
-            <a:ext cx="8065294" cy="4968551"/>
-          </a:xfrm>
-        </p:spPr>
-        <p:txBody>
-          <a:bodyPr>
-            <a:normAutofit lnSpcReduction="10000"/>
-          </a:bodyPr>
-          <a:lstStyle/>
-          <a:p>
-            <a:pPr lvl="2">
-              <a:buFont typeface="Wingdings" panose="05000000000000000000" pitchFamily="2" charset="2"/>
-              <a:buChar char="ü"/>
-            </a:pPr>
-            <a:r>
-              <a:rPr lang="pt-BR" sz="2200" i="0" dirty="0" err="1"/>
-              <a:t>Bootstrapping</a:t>
-            </a:r>
-            <a:endParaRPr lang="pt-BR" sz="2200" i="0" dirty="0"/>
-          </a:p>
-          <a:p>
-            <a:pPr marL="0" lvl="3" indent="0">
-              <a:buNone/>
-            </a:pPr>
-            <a:r>
-              <a:rPr lang="pt-BR" dirty="0"/>
-              <a:t>Criar sua startup usando somente recursos próprios e não recorrendo a investidores externos.</a:t>
-            </a:r>
-          </a:p>
-          <a:p>
-            <a:pPr marL="0" lvl="2" indent="0">
-              <a:buNone/>
-            </a:pPr>
-            <a:endParaRPr lang="pt-BR" sz="2200" i="0" dirty="0"/>
-          </a:p>
-          <a:p>
-            <a:pPr lvl="2">
-              <a:buFont typeface="Wingdings" panose="05000000000000000000" pitchFamily="2" charset="2"/>
-              <a:buChar char="ü"/>
-            </a:pPr>
-            <a:r>
-              <a:rPr lang="pt-BR" sz="2200" i="0" dirty="0"/>
-              <a:t>Investimento-Anjo</a:t>
-            </a:r>
-          </a:p>
-          <a:p>
-            <a:pPr marL="0" lvl="2" indent="0">
-              <a:buNone/>
-            </a:pPr>
-            <a:r>
-              <a:rPr lang="pt-BR" sz="1800" i="0" dirty="0"/>
-              <a:t>O investidor recebe, por seu investimento, uma participação societária minoritária no negócio, e não assume posição executiva na empresa, mas atua como um conselheiro.</a:t>
-            </a:r>
-          </a:p>
-          <a:p>
-            <a:pPr marL="0" lvl="2" indent="0">
-              <a:buNone/>
-            </a:pPr>
-            <a:endParaRPr lang="pt-BR" i="0" dirty="0"/>
-          </a:p>
-          <a:p>
-            <a:pPr lvl="2">
-              <a:buFont typeface="Wingdings" panose="05000000000000000000" pitchFamily="2" charset="2"/>
-              <a:buChar char="ü"/>
-            </a:pPr>
-            <a:r>
-              <a:rPr lang="pt-BR" sz="2200" i="0" dirty="0"/>
-              <a:t>Capital semente</a:t>
-            </a:r>
-          </a:p>
-          <a:p>
-            <a:pPr marL="0" lvl="2" indent="0">
-              <a:buNone/>
-            </a:pPr>
-            <a:r>
-              <a:rPr lang="pt-BR" sz="1800" i="0" dirty="0"/>
-              <a:t>é um modelo de financiamento dirigido a projetos empresariais em estágio inicial ou estágio zero, em fase de projeto e desenvolvimento, antes da instalação do negócio.</a:t>
-            </a:r>
-          </a:p>
-          <a:p>
-            <a:pPr marL="0" lvl="2" indent="0">
-              <a:buNone/>
-            </a:pPr>
-            <a:endParaRPr lang="pt-BR" sz="1800" i="0" dirty="0"/>
-          </a:p>
-          <a:p>
-            <a:pPr lvl="2">
-              <a:buFont typeface="Wingdings" panose="05000000000000000000" pitchFamily="2" charset="2"/>
-              <a:buChar char="ü"/>
-            </a:pPr>
-            <a:r>
-              <a:rPr lang="pt-BR" sz="2200" i="0" dirty="0"/>
-              <a:t>Incubadoras</a:t>
-            </a:r>
-          </a:p>
-          <a:p>
-            <a:pPr marL="0" lvl="2" indent="0">
-              <a:buNone/>
-            </a:pPr>
-            <a:r>
-              <a:rPr lang="pt-BR" sz="1800" i="0" dirty="0"/>
-              <a:t>Elas oferecem suporte técnico, gerencial e formação complementar ao empreendedor e facilitam o processo de inovação e acesso a novas tecnologias nos pequenos negócios.</a:t>
-            </a:r>
+        <p:spPr/>
+        <p:txBody>
+          <a:bodyPr/>
+          <a:lstStyle/>
+          <a:p>
+            <a:pPr>
+              <a:buFont typeface="Wingdings" panose="05000000000000000000" pitchFamily="2" charset="2"/>
+              <a:buChar char="ü"/>
+            </a:pPr>
+            <a:r>
+              <a:rPr lang="pt-BR" dirty="0" err="1"/>
+              <a:t>NuBank</a:t>
+            </a:r>
+            <a:endParaRPr lang="pt-BR" dirty="0"/>
+          </a:p>
+          <a:p>
+            <a:pPr>
+              <a:buFont typeface="Wingdings" panose="05000000000000000000" pitchFamily="2" charset="2"/>
+              <a:buChar char="ü"/>
+            </a:pPr>
+            <a:r>
+              <a:rPr lang="pt-BR" dirty="0"/>
+              <a:t>Uber</a:t>
+            </a:r>
+          </a:p>
+          <a:p>
+            <a:pPr>
+              <a:buFont typeface="Wingdings" panose="05000000000000000000" pitchFamily="2" charset="2"/>
+              <a:buChar char="ü"/>
+            </a:pPr>
+            <a:r>
+              <a:rPr lang="pt-BR" dirty="0" err="1"/>
+              <a:t>PayPal</a:t>
+            </a:r>
+            <a:endParaRPr lang="pt-BR" dirty="0"/>
+          </a:p>
+          <a:p>
+            <a:pPr>
+              <a:buFont typeface="Wingdings" panose="05000000000000000000" pitchFamily="2" charset="2"/>
+              <a:buChar char="ü"/>
+            </a:pPr>
+            <a:r>
+              <a:rPr lang="pt-BR" dirty="0" err="1"/>
+              <a:t>Airbnb</a:t>
+            </a:r>
+            <a:endParaRPr lang="pt-BR" dirty="0"/>
+          </a:p>
+          <a:p>
+            <a:pPr>
+              <a:buFont typeface="Wingdings" panose="05000000000000000000" pitchFamily="2" charset="2"/>
+              <a:buChar char="ü"/>
+            </a:pPr>
+            <a:r>
+              <a:rPr lang="pt-BR" dirty="0" err="1"/>
+              <a:t>LinkedIn</a:t>
+            </a:r>
+            <a:endParaRPr lang="pt-BR" dirty="0"/>
+          </a:p>
+          <a:p>
+            <a:pPr>
+              <a:buFont typeface="Wingdings" panose="05000000000000000000" pitchFamily="2" charset="2"/>
+              <a:buChar char="ü"/>
+            </a:pPr>
+            <a:endParaRPr lang="pt-BR" dirty="0"/>
           </a:p>
         </p:txBody>
       </p:sp>
     </p:spTree>
     <p:extLst>
       <p:ext uri="{BB962C8B-B14F-4D97-AF65-F5344CB8AC3E}">
-        <p14:creationId xmlns:p14="http://schemas.microsoft.com/office/powerpoint/2010/main" val="2978665427"/>
+        <p14:creationId xmlns:p14="http://schemas.microsoft.com/office/powerpoint/2010/main" val="2117739404"/>
       </p:ext>
     </p:extLst>
   </p:cSld>
@@ -5095,7 +4937,7 @@
           <a:p>
             <a:r>
               <a:rPr lang="pt-BR" dirty="0"/>
-              <a:t>Startups de sucesso</a:t>
+              <a:t>Startup Enxuta</a:t>
             </a:r>
           </a:p>
         </p:txBody>
@@ -5120,58 +4962,33 @@
               <a:buChar char="ü"/>
             </a:pPr>
             <a:r>
-              <a:rPr lang="pt-BR" dirty="0" err="1"/>
-              <a:t>NuBank</a:t>
-            </a:r>
-            <a:endParaRPr lang="pt-BR" dirty="0"/>
-          </a:p>
-          <a:p>
-            <a:pPr>
-              <a:buFont typeface="Wingdings" panose="05000000000000000000" pitchFamily="2" charset="2"/>
-              <a:buChar char="ü"/>
-            </a:pPr>
-            <a:r>
-              <a:rPr lang="pt-BR" dirty="0"/>
-              <a:t>Uber</a:t>
-            </a:r>
-          </a:p>
-          <a:p>
-            <a:pPr>
-              <a:buFont typeface="Wingdings" panose="05000000000000000000" pitchFamily="2" charset="2"/>
-              <a:buChar char="ü"/>
-            </a:pPr>
-            <a:r>
-              <a:rPr lang="pt-BR" dirty="0" err="1"/>
-              <a:t>PayPal</a:t>
-            </a:r>
-            <a:endParaRPr lang="pt-BR" dirty="0"/>
-          </a:p>
-          <a:p>
-            <a:pPr>
-              <a:buFont typeface="Wingdings" panose="05000000000000000000" pitchFamily="2" charset="2"/>
-              <a:buChar char="ü"/>
-            </a:pPr>
-            <a:r>
-              <a:rPr lang="pt-BR" dirty="0" err="1"/>
-              <a:t>Airbnb</a:t>
-            </a:r>
-            <a:endParaRPr lang="pt-BR" dirty="0"/>
-          </a:p>
-          <a:p>
-            <a:pPr>
-              <a:buFont typeface="Wingdings" panose="05000000000000000000" pitchFamily="2" charset="2"/>
-              <a:buChar char="ü"/>
-            </a:pPr>
-            <a:r>
-              <a:rPr lang="pt-BR" dirty="0" err="1"/>
-              <a:t>LinkedIn</a:t>
-            </a:r>
-            <a:endParaRPr lang="pt-BR" dirty="0"/>
-          </a:p>
-          <a:p>
-            <a:pPr>
-              <a:buFont typeface="Wingdings" panose="05000000000000000000" pitchFamily="2" charset="2"/>
-              <a:buChar char="ü"/>
+              <a:rPr lang="pt-BR" dirty="0"/>
+              <a:t>Fazer experimentos lançando "produto mínimo viável“</a:t>
+            </a:r>
+          </a:p>
+          <a:p>
+            <a:pPr lvl="2">
+              <a:buFont typeface="Wingdings" panose="05000000000000000000" pitchFamily="2" charset="2"/>
+              <a:buChar char="ü"/>
+            </a:pPr>
+            <a:r>
+              <a:rPr lang="pt-BR" dirty="0"/>
+              <a:t>Confirmação que os clientes pagariam para ter o produto</a:t>
+            </a:r>
+          </a:p>
+          <a:p>
+            <a:pPr>
+              <a:buFont typeface="Wingdings" panose="05000000000000000000" pitchFamily="2" charset="2"/>
+              <a:buChar char="ü"/>
+            </a:pPr>
+            <a:r>
+              <a:rPr lang="pt-BR" dirty="0"/>
+              <a:t>O objetivo é chegar ao conceito certo do produto, identificar quem são os clientes dispostos a pagar por ele</a:t>
+            </a:r>
+          </a:p>
+          <a:p>
+            <a:pPr marL="0" indent="0">
+              <a:buNone/>
             </a:pPr>
             <a:endParaRPr lang="pt-BR" dirty="0"/>
           </a:p>
@@ -5180,7 +4997,7 @@
     </p:spTree>
     <p:extLst>
       <p:ext uri="{BB962C8B-B14F-4D97-AF65-F5344CB8AC3E}">
-        <p14:creationId xmlns:p14="http://schemas.microsoft.com/office/powerpoint/2010/main" val="2117739404"/>
+        <p14:creationId xmlns:p14="http://schemas.microsoft.com/office/powerpoint/2010/main" val="589983116"/>
       </p:ext>
     </p:extLst>
   </p:cSld>
@@ -5209,7 +5026,7 @@
       </p:grpSpPr>
       <p:sp>
         <p:nvSpPr>
-          <p:cNvPr id="2" name="Título 1"/>
+          <p:cNvPr id="3" name="Título 2"/>
           <p:cNvSpPr>
             <a:spLocks noGrp="1"/>
           </p:cNvSpPr>
@@ -5224,14 +5041,14 @@
           <a:p>
             <a:r>
               <a:rPr lang="pt-BR" dirty="0"/>
-              <a:t>Startup Enxuta</a:t>
-            </a:r>
-          </a:p>
-        </p:txBody>
-      </p:sp>
-      <p:sp>
-        <p:nvSpPr>
-          <p:cNvPr id="3" name="Espaço Reservado para Conteúdo 2"/>
+              <a:t>Definição do Scrum</a:t>
+            </a:r>
+          </a:p>
+        </p:txBody>
+      </p:sp>
+      <p:sp>
+        <p:nvSpPr>
+          <p:cNvPr id="2" name="Espaço Reservado para Conteúdo 1"/>
           <p:cNvSpPr>
             <a:spLocks noGrp="1"/>
           </p:cNvSpPr>
@@ -5241,57 +5058,36 @@
         </p:nvSpPr>
         <p:spPr/>
         <p:txBody>
-          <a:bodyPr/>
-          <a:lstStyle/>
-          <a:p>
-            <a:pPr>
-              <a:buFont typeface="Wingdings" panose="05000000000000000000" pitchFamily="2" charset="2"/>
-              <a:buChar char="ü"/>
-            </a:pPr>
-            <a:r>
-              <a:rPr lang="pt-BR" dirty="0"/>
-              <a:t>Fazer experimentos lançando "produto mínimo viável“</a:t>
-            </a:r>
-          </a:p>
-          <a:p>
-            <a:pPr lvl="2">
-              <a:buFont typeface="Wingdings" panose="05000000000000000000" pitchFamily="2" charset="2"/>
-              <a:buChar char="ü"/>
-            </a:pPr>
-            <a:r>
-              <a:rPr lang="pt-BR" dirty="0"/>
-              <a:t>Confirmação que os clientes pagariam para ter o produto</a:t>
-            </a:r>
-          </a:p>
-          <a:p>
-            <a:pPr marL="0" indent="0">
-              <a:buNone/>
-            </a:pPr>
-            <a:endParaRPr lang="pt-BR" dirty="0"/>
-          </a:p>
-          <a:p>
-            <a:pPr>
-              <a:buFont typeface="Wingdings" panose="05000000000000000000" pitchFamily="2" charset="2"/>
-              <a:buChar char="ü"/>
-            </a:pPr>
-            <a:r>
-              <a:rPr lang="pt-BR" dirty="0"/>
-              <a:t>O objetivo é chegar ao conceito certo do produto, identificar quem são os clientes dispostos a pagar por ele</a:t>
-            </a:r>
-            <a:endParaRPr lang="pt-BR" dirty="0"/>
-          </a:p>
-          <a:p>
-            <a:pPr marL="0" indent="0">
-              <a:buNone/>
-            </a:pPr>
-            <a:endParaRPr lang="pt-BR" dirty="0"/>
+          <a:bodyPr>
+            <a:normAutofit/>
+          </a:bodyPr>
+          <a:lstStyle/>
+          <a:p>
+            <a:pPr>
+              <a:buFont typeface="Wingdings" panose="05000000000000000000" pitchFamily="2" charset="2"/>
+              <a:buChar char="ü"/>
+            </a:pPr>
+            <a:r>
+              <a:rPr lang="pt-BR" dirty="0"/>
+              <a:t>Um framework dentro do qual pessoas podem tratar e resolver problemas complexos e adaptativos, enquanto produtiva e criativamente entregam produtos com o mais alto valor possível;</a:t>
+            </a:r>
+          </a:p>
+          <a:p>
+            <a:pPr>
+              <a:buFont typeface="Wingdings" panose="05000000000000000000" pitchFamily="2" charset="2"/>
+              <a:buChar char="ü"/>
+            </a:pPr>
+            <a:r>
+              <a:rPr lang="pt-BR" dirty="0"/>
+              <a:t>Quando Jeff Sutherland criou o Scrum em 1993, ele emprestou o termo de uma analogia apresentada em um estudo de 1986 por Takeuchi e Nonaka, publicado na Harvard Business Review. Nesse estudo, Takeuchi e Nonaka comparam equipes multifuncionais, alto desempenho para a formação de Scrum usado pelas equipes de Rugby.</a:t>
+            </a:r>
           </a:p>
         </p:txBody>
       </p:sp>
     </p:spTree>
     <p:extLst>
       <p:ext uri="{BB962C8B-B14F-4D97-AF65-F5344CB8AC3E}">
-        <p14:creationId xmlns:p14="http://schemas.microsoft.com/office/powerpoint/2010/main" val="589983116"/>
+        <p14:creationId xmlns:p14="http://schemas.microsoft.com/office/powerpoint/2010/main" val="2293700926"/>
       </p:ext>
     </p:extLst>
   </p:cSld>
@@ -5320,7 +5116,7 @@
       </p:grpSpPr>
       <p:sp>
         <p:nvSpPr>
-          <p:cNvPr id="3" name="Título 2"/>
+          <p:cNvPr id="2" name="Título 1"/>
           <p:cNvSpPr>
             <a:spLocks noGrp="1"/>
           </p:cNvSpPr>
@@ -5335,14 +5131,14 @@
           <a:p>
             <a:r>
               <a:rPr lang="pt-BR" dirty="0"/>
-              <a:t>Definição do Scrum</a:t>
-            </a:r>
-          </a:p>
-        </p:txBody>
-      </p:sp>
-      <p:sp>
-        <p:nvSpPr>
-          <p:cNvPr id="2" name="Espaço Reservado para Conteúdo 1"/>
+              <a:t>Teoria do Scrum</a:t>
+            </a:r>
+          </a:p>
+        </p:txBody>
+      </p:sp>
+      <p:sp>
+        <p:nvSpPr>
+          <p:cNvPr id="3" name="Espaço Reservado para Conteúdo 2"/>
           <p:cNvSpPr>
             <a:spLocks noGrp="1"/>
           </p:cNvSpPr>
@@ -5352,28 +5148,46 @@
         </p:nvSpPr>
         <p:spPr/>
         <p:txBody>
-          <a:bodyPr>
-            <a:normAutofit/>
-          </a:bodyPr>
-          <a:lstStyle/>
-          <a:p>
-            <a:pPr>
-              <a:buFont typeface="Wingdings" panose="05000000000000000000" pitchFamily="2" charset="2"/>
-              <a:buChar char="ü"/>
-            </a:pPr>
-            <a:r>
-              <a:rPr lang="pt-BR" dirty="0"/>
-              <a:t>Um framework dentro do qual pessoas podem tratar e resolver problemas complexos e adaptativos, enquanto produtiva e criativamente entregam produtos com o mais alto valor possível;</a:t>
-            </a:r>
-          </a:p>
-          <a:p>
-            <a:pPr>
-              <a:buFont typeface="Wingdings" panose="05000000000000000000" pitchFamily="2" charset="2"/>
-              <a:buChar char="ü"/>
-            </a:pPr>
-            <a:r>
-              <a:rPr lang="pt-BR" dirty="0"/>
-              <a:t>Quando Jeff Sutherland criou o Scrum em 1993, ele emprestou o termo de uma analogia apresentada em um estudo de 1986 por Takeuchi e Nonaka, publicado na Harvard Business Review. Nesse estudo, Takeuchi e Nonaka comparam equipes multifuncionais, alto desempenho para a formação de Scrum usado pelas equipes de Rugby.</a:t>
+          <a:bodyPr/>
+          <a:lstStyle/>
+          <a:p>
+            <a:pPr>
+              <a:buFont typeface="Wingdings" panose="05000000000000000000" pitchFamily="2" charset="2"/>
+              <a:buChar char="ü"/>
+            </a:pPr>
+            <a:r>
+              <a:rPr lang="pt-BR" dirty="0"/>
+              <a:t>Scrum é fundamentado nas teorias empíricas de controle de processo, ou empirismo;</a:t>
+            </a:r>
+          </a:p>
+          <a:p>
+            <a:pPr lvl="2">
+              <a:buFont typeface="Wingdings" panose="05000000000000000000" pitchFamily="2" charset="2"/>
+              <a:buChar char="ü"/>
+            </a:pPr>
+            <a:r>
+              <a:rPr lang="pt-BR" dirty="0"/>
+              <a:t>O empirismo afirma que o conhecimento vem da experiência e de tomada de decisões baseadas no que é conhecido;</a:t>
+            </a:r>
+          </a:p>
+          <a:p>
+            <a:pPr>
+              <a:buFont typeface="Wingdings" panose="05000000000000000000" pitchFamily="2" charset="2"/>
+              <a:buChar char="ü"/>
+            </a:pPr>
+            <a:r>
+              <a:rPr lang="pt-BR" dirty="0"/>
+              <a:t>O Scrum emprega uma abordagem iterativa e incremental para aperfeiçoar a previsibilidade e o controle de riscos;</a:t>
+            </a:r>
+          </a:p>
+          <a:p>
+            <a:pPr>
+              <a:buFont typeface="Wingdings" panose="05000000000000000000" pitchFamily="2" charset="2"/>
+              <a:buChar char="ü"/>
+            </a:pPr>
+            <a:r>
+              <a:rPr lang="pt-BR" dirty="0"/>
+              <a:t>Três pilares apoiam a implementação de controle de processo empírico: transparência, inspeção e adaptação.</a:t>
             </a:r>
           </a:p>
         </p:txBody>
@@ -5381,7 +5195,7 @@
     </p:spTree>
     <p:extLst>
       <p:ext uri="{BB962C8B-B14F-4D97-AF65-F5344CB8AC3E}">
-        <p14:creationId xmlns:p14="http://schemas.microsoft.com/office/powerpoint/2010/main" val="2293700926"/>
+        <p14:creationId xmlns:p14="http://schemas.microsoft.com/office/powerpoint/2010/main" val="3220104280"/>
       </p:ext>
     </p:extLst>
   </p:cSld>
@@ -5424,8 +5238,12 @@
           <a:lstStyle/>
           <a:p>
             <a:r>
-              <a:rPr lang="pt-BR" dirty="0"/>
-              <a:t>Teoria do Scrum</a:t>
+              <a:rPr lang="en-US" dirty="0"/>
+              <a:t>Transfer</a:t>
+            </a:r>
+            <a:r>
+              <a:rPr lang="pt-BR" dirty="0"/>
+              <a:t>ência</a:t>
             </a:r>
           </a:p>
         </p:txBody>
@@ -5451,37 +5269,17 @@
             </a:pPr>
             <a:r>
               <a:rPr lang="pt-BR" dirty="0"/>
-              <a:t>Scrum é fundamentado nas teorias empíricas de controle de processo, ou empirismo;</a:t>
-            </a:r>
-          </a:p>
-          <a:p>
-            <a:pPr lvl="2">
-              <a:buFont typeface="Wingdings" panose="05000000000000000000" pitchFamily="2" charset="2"/>
-              <a:buChar char="ü"/>
-            </a:pPr>
-            <a:r>
-              <a:rPr lang="pt-BR" dirty="0"/>
-              <a:t>O empirismo afirma que o conhecimento vem da experiência e de tomada de decisões baseadas no que é conhecido;</a:t>
-            </a:r>
-          </a:p>
-          <a:p>
-            <a:pPr>
-              <a:buFont typeface="Wingdings" panose="05000000000000000000" pitchFamily="2" charset="2"/>
-              <a:buChar char="ü"/>
-            </a:pPr>
-            <a:r>
-              <a:rPr lang="pt-BR" dirty="0"/>
-              <a:t>O Scrum emprega uma abordagem iterativa e incremental para aperfeiçoar a previsibilidade e o controle de riscos;</a:t>
-            </a:r>
-          </a:p>
-          <a:p>
-            <a:pPr>
-              <a:buFont typeface="Wingdings" panose="05000000000000000000" pitchFamily="2" charset="2"/>
-              <a:buChar char="ü"/>
-            </a:pPr>
-            <a:r>
-              <a:rPr lang="pt-BR" dirty="0"/>
-              <a:t>Três pilares apoiam a implementação de controle de processo empírico: transparência, inspeção e adaptação.</a:t>
+              <a:t>Aspectos significativos do processo devem estar visíveis aos responsáveis pelos resultados;</a:t>
+            </a:r>
+          </a:p>
+          <a:p>
+            <a:pPr>
+              <a:buFont typeface="Wingdings" panose="05000000000000000000" pitchFamily="2" charset="2"/>
+              <a:buChar char="ü"/>
+            </a:pPr>
+            <a:r>
+              <a:rPr lang="pt-BR" dirty="0"/>
+              <a:t>Esta transparência requer aspectos definidos por um padrão comum para que os observadores compartilharem um mesmo entendimento do que está sendo visto.</a:t>
             </a:r>
           </a:p>
         </p:txBody>
@@ -5489,7 +5287,7 @@
     </p:spTree>
     <p:extLst>
       <p:ext uri="{BB962C8B-B14F-4D97-AF65-F5344CB8AC3E}">
-        <p14:creationId xmlns:p14="http://schemas.microsoft.com/office/powerpoint/2010/main" val="3220104280"/>
+        <p14:creationId xmlns:p14="http://schemas.microsoft.com/office/powerpoint/2010/main" val="1452054897"/>
       </p:ext>
     </p:extLst>
   </p:cSld>
@@ -5532,12 +5330,8 @@
           <a:lstStyle/>
           <a:p>
             <a:r>
-              <a:rPr lang="en-US" dirty="0"/>
-              <a:t>Transfer</a:t>
-            </a:r>
-            <a:r>
-              <a:rPr lang="pt-BR" dirty="0"/>
-              <a:t>ência</a:t>
+              <a:rPr lang="pt-BR" dirty="0"/>
+              <a:t>Inspeção</a:t>
             </a:r>
           </a:p>
         </p:txBody>
@@ -5563,17 +5357,27 @@
             </a:pPr>
             <a:r>
               <a:rPr lang="pt-BR" dirty="0"/>
-              <a:t>Aspectos significativos do processo devem estar visíveis aos responsáveis pelos resultados;</a:t>
-            </a:r>
-          </a:p>
-          <a:p>
-            <a:pPr>
-              <a:buFont typeface="Wingdings" panose="05000000000000000000" pitchFamily="2" charset="2"/>
-              <a:buChar char="ü"/>
-            </a:pPr>
-            <a:r>
-              <a:rPr lang="pt-BR" dirty="0"/>
-              <a:t>Esta transparência requer aspectos definidos por um padrão comum para que os observadores compartilharem um mesmo entendimento do que está sendo visto.</a:t>
+              <a:t>Devem ser inspecionados frequentemente os vários aspectos do processo para identificar variações inaceitáveis;</a:t>
+            </a:r>
+          </a:p>
+          <a:p>
+            <a:pPr>
+              <a:buFont typeface="Wingdings" panose="05000000000000000000" pitchFamily="2" charset="2"/>
+              <a:buChar char="ü"/>
+            </a:pPr>
+            <a:r>
+              <a:rPr lang="pt-BR" dirty="0"/>
+              <a:t>A frequência da inspeção deve levar em consideração que os processos são alterados pelo próprio ato de inspeção, por isso deve ficar atento para que não exceda o limite e chega a atrapalhar a própria execução do processo;</a:t>
+            </a:r>
+          </a:p>
+          <a:p>
+            <a:pPr>
+              <a:buFont typeface="Wingdings" panose="05000000000000000000" pitchFamily="2" charset="2"/>
+              <a:buChar char="ü"/>
+            </a:pPr>
+            <a:r>
+              <a:rPr lang="pt-BR" dirty="0"/>
+              <a:t>O inspetor deve possuir as competências para avaliar o que ele ou ela está inspecionando.</a:t>
             </a:r>
           </a:p>
         </p:txBody>
@@ -5581,7 +5385,7 @@
     </p:spTree>
     <p:extLst>
       <p:ext uri="{BB962C8B-B14F-4D97-AF65-F5344CB8AC3E}">
-        <p14:creationId xmlns:p14="http://schemas.microsoft.com/office/powerpoint/2010/main" val="1452054897"/>
+        <p14:creationId xmlns:p14="http://schemas.microsoft.com/office/powerpoint/2010/main" val="3672092319"/>
       </p:ext>
     </p:extLst>
   </p:cSld>
@@ -5610,7 +5414,7 @@
       </p:grpSpPr>
       <p:sp>
         <p:nvSpPr>
-          <p:cNvPr id="3" name="Título 2"/>
+          <p:cNvPr id="2" name="Title 1"/>
           <p:cNvSpPr>
             <a:spLocks noGrp="1"/>
           </p:cNvSpPr>
@@ -5632,7 +5436,7 @@
       </p:sp>
       <p:sp>
         <p:nvSpPr>
-          <p:cNvPr id="2" name="Espaço Reservado para Conteúdo 1"/>
+          <p:cNvPr id="3" name="Content Placeholder 2"/>
           <p:cNvSpPr>
             <a:spLocks noGrp="1"/>
           </p:cNvSpPr>
@@ -5642,19 +5446,73 @@
         </p:nvSpPr>
         <p:spPr/>
         <p:txBody>
-          <a:bodyPr/>
-          <a:lstStyle/>
-          <a:p>
-            <a:endParaRPr lang="pt-BR" dirty="0"/>
+          <a:bodyPr>
+            <a:normAutofit/>
+          </a:bodyPr>
+          <a:lstStyle/>
+          <a:p>
+            <a:r>
+              <a:rPr lang="pt-BR" dirty="0"/>
+              <a:t>Gestão de Projetos de Software</a:t>
+            </a:r>
+          </a:p>
+          <a:p>
+            <a:r>
+              <a:rPr lang="pt-BR" dirty="0"/>
+              <a:t>Startup</a:t>
+            </a:r>
+          </a:p>
+          <a:p>
+            <a:r>
+              <a:rPr lang="pt-BR" dirty="0"/>
+              <a:t>Processo de desenvolvimento ágil</a:t>
+            </a:r>
+          </a:p>
+          <a:p>
+            <a:pPr lvl="1"/>
+            <a:r>
+              <a:rPr lang="pt-BR" dirty="0"/>
+              <a:t>Manifesto</a:t>
+            </a:r>
+          </a:p>
+          <a:p>
+            <a:pPr lvl="1"/>
+            <a:r>
+              <a:rPr lang="pt-BR" dirty="0"/>
+              <a:t>Scrum</a:t>
+            </a:r>
+          </a:p>
+          <a:p>
+            <a:pPr lvl="2"/>
+            <a:r>
+              <a:rPr lang="pt-BR" dirty="0"/>
+              <a:t>Definição</a:t>
+            </a:r>
+          </a:p>
+          <a:p>
+            <a:pPr lvl="2"/>
+            <a:r>
+              <a:rPr lang="pt-BR" dirty="0"/>
+              <a:t>Estruturação</a:t>
+            </a:r>
+          </a:p>
+          <a:p>
+            <a:pPr lvl="3"/>
+            <a:r>
+              <a:rPr lang="pt-BR" dirty="0"/>
+              <a:t>Perfil</a:t>
+            </a:r>
+          </a:p>
+          <a:p>
+            <a:pPr lvl="3"/>
+            <a:r>
+              <a:rPr lang="pt-BR" dirty="0"/>
+              <a:t>Regras</a:t>
+            </a:r>
           </a:p>
         </p:txBody>
       </p:sp>
     </p:spTree>
-    <p:extLst>
-      <p:ext uri="{BB962C8B-B14F-4D97-AF65-F5344CB8AC3E}">
-        <p14:creationId xmlns:p14="http://schemas.microsoft.com/office/powerpoint/2010/main" val="759057124"/>
-      </p:ext>
-    </p:extLst>
   </p:cSld>
   <p:clrMapOvr>
     <a:masterClrMapping/>
@@ -5696,7 +5554,7 @@
           <a:p>
             <a:r>
               <a:rPr lang="pt-BR" dirty="0"/>
-              <a:t>Inspeção</a:t>
+              <a:t>Adaptação</a:t>
             </a:r>
           </a:p>
         </p:txBody>
@@ -5722,35 +5580,32 @@
             </a:pPr>
             <a:r>
               <a:rPr lang="pt-BR" dirty="0"/>
-              <a:t>Devem ser inspecionados frequentemente os vários aspectos do processo para identificar variações inaceitáveis;</a:t>
-            </a:r>
-          </a:p>
-          <a:p>
-            <a:pPr>
-              <a:buFont typeface="Wingdings" panose="05000000000000000000" pitchFamily="2" charset="2"/>
-              <a:buChar char="ü"/>
-            </a:pPr>
-            <a:r>
-              <a:rPr lang="pt-BR" dirty="0"/>
-              <a:t>A frequência da inspeção deve levar em consideração que os processos são alterados pelo próprio ato de inspeção, por isso deve ficar atento para que não exceda o limite e chega a atrapalhar a própria execução do processo;</a:t>
-            </a:r>
-          </a:p>
-          <a:p>
-            <a:pPr>
-              <a:buFont typeface="Wingdings" panose="05000000000000000000" pitchFamily="2" charset="2"/>
-              <a:buChar char="ü"/>
-            </a:pPr>
-            <a:r>
-              <a:rPr lang="pt-BR" dirty="0"/>
-              <a:t>O inspetor deve possuir as competências para avaliar o que ele ou ela está inspecionando.</a:t>
-            </a:r>
+              <a:t>Uma vez passado pelo processo de inspeção o consequentemente o resultado levará a uma adaptação visando melhorar o processo;</a:t>
+            </a:r>
+          </a:p>
+          <a:p>
+            <a:pPr>
+              <a:buFont typeface="Wingdings" panose="05000000000000000000" pitchFamily="2" charset="2"/>
+              <a:buChar char="ü"/>
+            </a:pPr>
+            <a:r>
+              <a:rPr lang="pt-BR" dirty="0"/>
+              <a:t>O ajuste deve ser realizado o mais breve possível para minimizar mais desvios.</a:t>
+            </a:r>
+          </a:p>
+          <a:p>
+            <a:pPr>
+              <a:buFont typeface="Wingdings" panose="05000000000000000000" pitchFamily="2" charset="2"/>
+              <a:buChar char="ü"/>
+            </a:pPr>
+            <a:endParaRPr lang="pt-BR" dirty="0"/>
           </a:p>
         </p:txBody>
       </p:sp>
     </p:spTree>
     <p:extLst>
       <p:ext uri="{BB962C8B-B14F-4D97-AF65-F5344CB8AC3E}">
-        <p14:creationId xmlns:p14="http://schemas.microsoft.com/office/powerpoint/2010/main" val="3672092319"/>
+        <p14:creationId xmlns:p14="http://schemas.microsoft.com/office/powerpoint/2010/main" val="3000532631"/>
       </p:ext>
     </p:extLst>
   </p:cSld>
@@ -5794,7 +5649,7 @@
           <a:p>
             <a:r>
               <a:rPr lang="pt-BR" dirty="0"/>
-              <a:t>Adaptação</a:t>
+              <a:t>Valores do Scrum</a:t>
             </a:r>
           </a:p>
         </p:txBody>
@@ -5820,32 +5675,67 @@
             </a:pPr>
             <a:r>
               <a:rPr lang="pt-BR" dirty="0"/>
-              <a:t>Uma vez passado pelo processo de inspeção o consequentemente o resultado levará a uma adaptação visando melhorar o processo;</a:t>
-            </a:r>
-          </a:p>
-          <a:p>
-            <a:pPr>
-              <a:buFont typeface="Wingdings" panose="05000000000000000000" pitchFamily="2" charset="2"/>
-              <a:buChar char="ü"/>
-            </a:pPr>
-            <a:r>
-              <a:rPr lang="pt-BR" dirty="0"/>
-              <a:t>O ajuste deve ser realizado o mais breve possível para minimizar mais desvios.</a:t>
-            </a:r>
-          </a:p>
-          <a:p>
-            <a:pPr>
-              <a:buFont typeface="Wingdings" panose="05000000000000000000" pitchFamily="2" charset="2"/>
-              <a:buChar char="ü"/>
-            </a:pPr>
-            <a:endParaRPr lang="pt-BR" dirty="0"/>
+              <a:t>Como um framework para desenvolvimento ágil o Scrum é consistente com os valores do manifesto ágil;</a:t>
+            </a:r>
+          </a:p>
+          <a:p>
+            <a:pPr>
+              <a:buFont typeface="Wingdings" panose="05000000000000000000" pitchFamily="2" charset="2"/>
+              <a:buChar char="ü"/>
+            </a:pPr>
+            <a:r>
+              <a:rPr lang="pt-BR" dirty="0"/>
+              <a:t>Foco, coragem, franqueza, comprometimento e respeito é essencial para a saúde e o sucesso de todo processo</a:t>
+            </a:r>
+          </a:p>
+          <a:p>
+            <a:pPr>
+              <a:buFont typeface="Wingdings" panose="05000000000000000000" pitchFamily="2" charset="2"/>
+              <a:buChar char="ü"/>
+            </a:pPr>
+            <a:r>
+              <a:rPr lang="pt-BR" dirty="0"/>
+              <a:t>Baseia-se no sistema Toyota de produção desenvolvido por </a:t>
+            </a:r>
+            <a:r>
+              <a:rPr lang="pt-BR" dirty="0" err="1"/>
+              <a:t>Taiichi</a:t>
+            </a:r>
+            <a:r>
+              <a:rPr lang="pt-BR" dirty="0"/>
+              <a:t> </a:t>
+            </a:r>
+            <a:r>
+              <a:rPr lang="pt-BR" dirty="0" err="1"/>
+              <a:t>Ohno</a:t>
+            </a:r>
+            <a:r>
+              <a:rPr lang="pt-BR" dirty="0"/>
+              <a:t> e no ciclo OODA (Observe, </a:t>
+            </a:r>
+            <a:r>
+              <a:rPr lang="pt-BR" dirty="0" err="1"/>
+              <a:t>Orient</a:t>
+            </a:r>
+            <a:r>
+              <a:rPr lang="pt-BR" dirty="0"/>
+              <a:t>, Decide, </a:t>
+            </a:r>
+            <a:r>
+              <a:rPr lang="pt-BR" dirty="0" err="1"/>
+              <a:t>Act</a:t>
+            </a:r>
+            <a:r>
+              <a:rPr lang="pt-BR" dirty="0"/>
+              <a:t>) da aviação de combate.</a:t>
+            </a:r>
           </a:p>
         </p:txBody>
       </p:sp>
     </p:spTree>
     <p:extLst>
       <p:ext uri="{BB962C8B-B14F-4D97-AF65-F5344CB8AC3E}">
-        <p14:creationId xmlns:p14="http://schemas.microsoft.com/office/powerpoint/2010/main" val="3000532631"/>
+        <p14:creationId xmlns:p14="http://schemas.microsoft.com/office/powerpoint/2010/main" val="1785062720"/>
       </p:ext>
     </p:extLst>
   </p:cSld>
@@ -5874,7 +5764,7 @@
       </p:grpSpPr>
       <p:sp>
         <p:nvSpPr>
-          <p:cNvPr id="2" name="Título 1"/>
+          <p:cNvPr id="3" name="Título 2"/>
           <p:cNvSpPr>
             <a:spLocks noGrp="1"/>
           </p:cNvSpPr>
@@ -5889,14 +5779,14 @@
           <a:p>
             <a:r>
               <a:rPr lang="pt-BR" dirty="0"/>
-              <a:t>Valores do Scrum</a:t>
-            </a:r>
-          </a:p>
-        </p:txBody>
-      </p:sp>
-      <p:sp>
-        <p:nvSpPr>
-          <p:cNvPr id="3" name="Espaço Reservado para Conteúdo 2"/>
+              <a:t>Time Scrum</a:t>
+            </a:r>
+          </a:p>
+        </p:txBody>
+      </p:sp>
+      <p:sp>
+        <p:nvSpPr>
+          <p:cNvPr id="2" name="Espaço Reservado para Conteúdo 1"/>
           <p:cNvSpPr>
             <a:spLocks noGrp="1"/>
           </p:cNvSpPr>
@@ -5906,68 +5796,28 @@
         </p:nvSpPr>
         <p:spPr/>
         <p:txBody>
-          <a:bodyPr/>
-          <a:lstStyle/>
-          <a:p>
-            <a:pPr>
-              <a:buFont typeface="Wingdings" panose="05000000000000000000" pitchFamily="2" charset="2"/>
-              <a:buChar char="ü"/>
-            </a:pPr>
-            <a:r>
-              <a:rPr lang="pt-BR" dirty="0"/>
-              <a:t>Como um framework para desenvolvimento ágil o Scrum é consistente com os valores do manifesto ágil;</a:t>
-            </a:r>
-          </a:p>
-          <a:p>
-            <a:pPr>
-              <a:buFont typeface="Wingdings" panose="05000000000000000000" pitchFamily="2" charset="2"/>
-              <a:buChar char="ü"/>
-            </a:pPr>
-            <a:r>
-              <a:rPr lang="pt-BR" dirty="0"/>
-              <a:t>Foco, coragem, franqueza, comprometimento e respeito é essencial para a saúde e o sucesso de todo processo</a:t>
-            </a:r>
-          </a:p>
-          <a:p>
-            <a:pPr>
-              <a:buFont typeface="Wingdings" panose="05000000000000000000" pitchFamily="2" charset="2"/>
-              <a:buChar char="ü"/>
-            </a:pPr>
-            <a:r>
-              <a:rPr lang="pt-BR" dirty="0"/>
-              <a:t>Baseia-se no sistema Toyota de produção desenvolvido por </a:t>
-            </a:r>
-            <a:r>
-              <a:rPr lang="pt-BR" dirty="0" err="1"/>
-              <a:t>Taiichi</a:t>
-            </a:r>
-            <a:r>
-              <a:rPr lang="pt-BR" dirty="0"/>
-              <a:t> </a:t>
-            </a:r>
-            <a:r>
-              <a:rPr lang="pt-BR" dirty="0" err="1"/>
-              <a:t>Ohno</a:t>
-            </a:r>
-            <a:r>
-              <a:rPr lang="pt-BR" dirty="0"/>
-              <a:t> e no ciclo OODA (Observe, </a:t>
-            </a:r>
-            <a:r>
-              <a:rPr lang="pt-BR" dirty="0" err="1"/>
-              <a:t>Orient</a:t>
-            </a:r>
-            <a:r>
-              <a:rPr lang="pt-BR" dirty="0"/>
-              <a:t>, Decide, </a:t>
-            </a:r>
-            <a:r>
-              <a:rPr lang="pt-BR" dirty="0" err="1"/>
-              <a:t>Act</a:t>
-            </a:r>
-            <a:r>
-              <a:rPr lang="pt-BR" dirty="0"/>
-              <a:t>) da aviação de combate.</a:t>
+          <a:bodyPr>
+            <a:normAutofit/>
+          </a:bodyPr>
+          <a:lstStyle/>
+          <a:p>
+            <a:pPr>
+              <a:buFont typeface="Wingdings" panose="05000000000000000000" pitchFamily="2" charset="2"/>
+              <a:buChar char="ü"/>
+            </a:pPr>
+            <a:r>
+              <a:rPr lang="pt-BR" dirty="0"/>
+              <a:t>Entrega o produto de forma iterativa e incremental, maximizando as oportunidades de realimentação;</a:t>
+            </a:r>
+          </a:p>
+          <a:p>
+            <a:pPr>
+              <a:buFont typeface="Wingdings" panose="05000000000000000000" pitchFamily="2" charset="2"/>
+              <a:buChar char="ü"/>
+            </a:pPr>
+            <a:r>
+              <a:rPr lang="pt-BR" dirty="0"/>
+              <a:t>Composto por: Product Owner, Time de Desenvolvimento e Scrum Master.</a:t>
             </a:r>
           </a:p>
         </p:txBody>
@@ -5975,7 +5825,7 @@
     </p:spTree>
     <p:extLst>
       <p:ext uri="{BB962C8B-B14F-4D97-AF65-F5344CB8AC3E}">
-        <p14:creationId xmlns:p14="http://schemas.microsoft.com/office/powerpoint/2010/main" val="1785062720"/>
+        <p14:creationId xmlns:p14="http://schemas.microsoft.com/office/powerpoint/2010/main" val="3509287758"/>
       </p:ext>
     </p:extLst>
   </p:cSld>
@@ -6004,7 +5854,7 @@
       </p:grpSpPr>
       <p:sp>
         <p:nvSpPr>
-          <p:cNvPr id="3" name="Título 2"/>
+          <p:cNvPr id="2" name="Título 1"/>
           <p:cNvSpPr>
             <a:spLocks noGrp="1"/>
           </p:cNvSpPr>
@@ -6018,15 +5868,16 @@
           <a:lstStyle/>
           <a:p>
             <a:r>
-              <a:rPr lang="pt-BR" dirty="0"/>
-              <a:t>Time Scrum</a:t>
-            </a:r>
-          </a:p>
-        </p:txBody>
-      </p:sp>
-      <p:sp>
-        <p:nvSpPr>
-          <p:cNvPr id="2" name="Espaço Reservado para Conteúdo 1"/>
+              <a:rPr lang="en-US" dirty="0"/>
+              <a:t>Product Owner</a:t>
+            </a:r>
+            <a:endParaRPr lang="pt-BR" dirty="0"/>
+          </a:p>
+        </p:txBody>
+      </p:sp>
+      <p:sp>
+        <p:nvSpPr>
+          <p:cNvPr id="3" name="Espaço Reservado para Conteúdo 2"/>
           <p:cNvSpPr>
             <a:spLocks noGrp="1"/>
           </p:cNvSpPr>
@@ -6034,7 +5885,12 @@
             <p:ph idx="1"/>
           </p:nvPr>
         </p:nvSpPr>
-        <p:spPr/>
+        <p:spPr>
+          <a:xfrm>
+            <a:off x="507206" y="1993393"/>
+            <a:ext cx="8065294" cy="4243919"/>
+          </a:xfrm>
+        </p:spPr>
         <p:txBody>
           <a:bodyPr>
             <a:normAutofit/>
@@ -6047,17 +5903,66 @@
             </a:pPr>
             <a:r>
               <a:rPr lang="pt-BR" dirty="0"/>
-              <a:t>Entrega o produto de forma iterativa e incremental, maximizando as oportunidades de realimentação;</a:t>
-            </a:r>
-          </a:p>
-          <a:p>
-            <a:pPr>
-              <a:buFont typeface="Wingdings" panose="05000000000000000000" pitchFamily="2" charset="2"/>
-              <a:buChar char="ü"/>
-            </a:pPr>
-            <a:r>
-              <a:rPr lang="pt-BR" dirty="0"/>
-              <a:t>Composto por: Product Owner, Time de Desenvolvimento e Scrum Master.</a:t>
+              <a:t>Pessoa responsável por gerenciar o Backlog do Produto a fim de maximizar o valor do projeto;</a:t>
+            </a:r>
+          </a:p>
+          <a:p>
+            <a:pPr lvl="2">
+              <a:buFont typeface="Wingdings" panose="05000000000000000000" pitchFamily="2" charset="2"/>
+              <a:buChar char="ü"/>
+            </a:pPr>
+            <a:r>
+              <a:rPr lang="pt-BR" dirty="0"/>
+              <a:t>Ordena por prioridade e esclarece os itens do Backlog do Produto</a:t>
+            </a:r>
+          </a:p>
+          <a:p>
+            <a:pPr>
+              <a:buFont typeface="Wingdings" panose="05000000000000000000" pitchFamily="2" charset="2"/>
+              <a:buChar char="ü"/>
+            </a:pPr>
+            <a:r>
+              <a:rPr lang="pt-BR" dirty="0"/>
+              <a:t>Pode cancelar uma Sprint;</a:t>
+            </a:r>
+          </a:p>
+          <a:p>
+            <a:pPr>
+              <a:buFont typeface="Wingdings" panose="05000000000000000000" pitchFamily="2" charset="2"/>
+              <a:buChar char="ü"/>
+            </a:pPr>
+            <a:r>
+              <a:rPr lang="pt-BR" dirty="0"/>
+              <a:t>Representa todos os Stakeholders no projeto.</a:t>
+            </a:r>
+          </a:p>
+          <a:p>
+            <a:pPr marL="0" indent="0">
+              <a:buNone/>
+            </a:pPr>
+            <a:endParaRPr lang="en-US" dirty="0"/>
+          </a:p>
+          <a:p>
+            <a:pPr marL="0" indent="0">
+              <a:buNone/>
+            </a:pPr>
+            <a:endParaRPr lang="en-US" dirty="0"/>
+          </a:p>
+          <a:p>
+            <a:pPr marL="0" indent="0">
+              <a:buNone/>
+            </a:pPr>
+            <a:r>
+              <a:rPr lang="en-US" b="1" i="1" dirty="0"/>
+              <a:t>Stakeholder</a:t>
+            </a:r>
+            <a:r>
+              <a:rPr lang="en-US" i="1" dirty="0"/>
+              <a:t>: </a:t>
+            </a:r>
+            <a:r>
+              <a:rPr lang="pt-BR" i="1" dirty="0"/>
+              <a:t>Alguém interessado no projeto, porém não está comprometido diretamente com ele (Ex: Cliente, Acionista, Diretor).</a:t>
             </a:r>
           </a:p>
         </p:txBody>
@@ -6065,7 +5970,7 @@
     </p:spTree>
     <p:extLst>
       <p:ext uri="{BB962C8B-B14F-4D97-AF65-F5344CB8AC3E}">
-        <p14:creationId xmlns:p14="http://schemas.microsoft.com/office/powerpoint/2010/main" val="3509287758"/>
+        <p14:creationId xmlns:p14="http://schemas.microsoft.com/office/powerpoint/2010/main" val="2206234286"/>
       </p:ext>
     </p:extLst>
   </p:cSld>
@@ -6109,7 +6014,7 @@
           <a:p>
             <a:r>
               <a:rPr lang="en-US" dirty="0"/>
-              <a:t>Product Owner</a:t>
+              <a:t>Time de Desenvolvimento</a:t>
             </a:r>
             <a:endParaRPr lang="pt-BR" dirty="0"/>
           </a:p>
@@ -6125,84 +6030,38 @@
             <p:ph idx="1"/>
           </p:nvPr>
         </p:nvSpPr>
-        <p:spPr>
-          <a:xfrm>
-            <a:off x="507206" y="1993393"/>
-            <a:ext cx="8065294" cy="4243919"/>
-          </a:xfrm>
-        </p:spPr>
-        <p:txBody>
-          <a:bodyPr>
-            <a:normAutofit/>
-          </a:bodyPr>
-          <a:lstStyle/>
-          <a:p>
-            <a:pPr>
-              <a:buFont typeface="Wingdings" panose="05000000000000000000" pitchFamily="2" charset="2"/>
-              <a:buChar char="ü"/>
-            </a:pPr>
-            <a:r>
-              <a:rPr lang="pt-BR" dirty="0"/>
-              <a:t>Pessoa responsável por gerenciar o Backlog do Produto a fim de maximizar o valor do projeto;</a:t>
-            </a:r>
-          </a:p>
-          <a:p>
-            <a:pPr lvl="2">
-              <a:buFont typeface="Wingdings" panose="05000000000000000000" pitchFamily="2" charset="2"/>
-              <a:buChar char="ü"/>
-            </a:pPr>
-            <a:r>
-              <a:rPr lang="pt-BR" dirty="0"/>
-              <a:t>Ordena por prioridade e esclarece os itens do Backlog do Produto</a:t>
-            </a:r>
-          </a:p>
-          <a:p>
-            <a:pPr>
-              <a:buFont typeface="Wingdings" panose="05000000000000000000" pitchFamily="2" charset="2"/>
-              <a:buChar char="ü"/>
-            </a:pPr>
-            <a:r>
-              <a:rPr lang="pt-BR" dirty="0"/>
-              <a:t>Pode cancelar uma Sprint;</a:t>
-            </a:r>
-          </a:p>
-          <a:p>
-            <a:pPr>
-              <a:buFont typeface="Wingdings" panose="05000000000000000000" pitchFamily="2" charset="2"/>
-              <a:buChar char="ü"/>
-            </a:pPr>
-            <a:r>
-              <a:rPr lang="pt-BR" dirty="0"/>
-              <a:t>Representa todos os Stakeholders no projeto.</a:t>
-            </a:r>
-          </a:p>
-          <a:p>
-            <a:pPr marL="0" indent="0">
-              <a:buNone/>
-            </a:pPr>
-            <a:endParaRPr lang="en-US" dirty="0"/>
-          </a:p>
-          <a:p>
-            <a:pPr marL="0" indent="0">
-              <a:buNone/>
-            </a:pPr>
-            <a:endParaRPr lang="en-US" dirty="0"/>
-          </a:p>
-          <a:p>
-            <a:pPr marL="0" indent="0">
-              <a:buNone/>
-            </a:pPr>
-            <a:r>
-              <a:rPr lang="en-US" b="1" i="1" dirty="0"/>
-              <a:t>Stakeholder</a:t>
-            </a:r>
-            <a:r>
-              <a:rPr lang="en-US" i="1" dirty="0"/>
-              <a:t>: </a:t>
-            </a:r>
-            <a:r>
-              <a:rPr lang="pt-BR" i="1" dirty="0"/>
-              <a:t>Alguém interessado no projeto, porém não está comprometido diretamente com ele (Ex: Cliente, Acionista, Diretor).</a:t>
+        <p:spPr/>
+        <p:txBody>
+          <a:bodyPr/>
+          <a:lstStyle/>
+          <a:p>
+            <a:pPr>
+              <a:buFont typeface="Wingdings" panose="05000000000000000000" pitchFamily="2" charset="2"/>
+              <a:buChar char="ü"/>
+            </a:pPr>
+            <a:r>
+              <a:rPr lang="pt-BR" dirty="0"/>
+              <a:t>Grupo de profissionais responsáveis pelo desenvolvimento do potencial incremento que será entregue a cada Sprint;</a:t>
+            </a:r>
+          </a:p>
+          <a:p>
+            <a:pPr>
+              <a:buFont typeface="Wingdings" panose="05000000000000000000" pitchFamily="2" charset="2"/>
+              <a:buChar char="ü"/>
+            </a:pPr>
+            <a:r>
+              <a:rPr lang="pt-BR" dirty="0"/>
+              <a:t>São auto organizáveis e multifuncionais;</a:t>
+            </a:r>
+          </a:p>
+          <a:p>
+            <a:pPr>
+              <a:buFont typeface="Wingdings" panose="05000000000000000000" pitchFamily="2" charset="2"/>
+              <a:buChar char="ü"/>
+            </a:pPr>
+            <a:r>
+              <a:rPr lang="pt-BR" dirty="0"/>
+              <a:t>Composto entre 3 a 9 integrantes.</a:t>
             </a:r>
           </a:p>
         </p:txBody>
@@ -6210,7 +6069,7 @@
     </p:spTree>
     <p:extLst>
       <p:ext uri="{BB962C8B-B14F-4D97-AF65-F5344CB8AC3E}">
-        <p14:creationId xmlns:p14="http://schemas.microsoft.com/office/powerpoint/2010/main" val="2206234286"/>
+        <p14:creationId xmlns:p14="http://schemas.microsoft.com/office/powerpoint/2010/main" val="3008020100"/>
       </p:ext>
     </p:extLst>
   </p:cSld>
@@ -6254,7 +6113,7 @@
           <a:p>
             <a:r>
               <a:rPr lang="en-US" dirty="0"/>
-              <a:t>Time de Desenvolvimento</a:t>
+              <a:t>Scrum Master</a:t>
             </a:r>
             <a:endParaRPr lang="pt-BR" dirty="0"/>
           </a:p>
@@ -6281,35 +6140,72 @@
             </a:pPr>
             <a:r>
               <a:rPr lang="pt-BR" dirty="0"/>
-              <a:t>Grupo de profissionais responsáveis pelo desenvolvimento do potencial incremento que será entregue a cada Sprint;</a:t>
-            </a:r>
-          </a:p>
-          <a:p>
-            <a:pPr>
-              <a:buFont typeface="Wingdings" panose="05000000000000000000" pitchFamily="2" charset="2"/>
-              <a:buChar char="ü"/>
-            </a:pPr>
-            <a:r>
-              <a:rPr lang="pt-BR" dirty="0"/>
-              <a:t>São auto organizáveis e multifuncionais;</a:t>
-            </a:r>
-          </a:p>
-          <a:p>
-            <a:pPr>
-              <a:buFont typeface="Wingdings" panose="05000000000000000000" pitchFamily="2" charset="2"/>
-              <a:buChar char="ü"/>
-            </a:pPr>
-            <a:r>
-              <a:rPr lang="pt-BR" dirty="0"/>
-              <a:t>Composto entre 3 a 9 integrantes.</a:t>
-            </a:r>
+              <a:t>Pessoa responsável por garantir que o Scrum seja compreendido por todos, fazendo com que aderem a teoria, praticas e regras do Scrum;</a:t>
+            </a:r>
+          </a:p>
+          <a:p>
+            <a:pPr>
+              <a:buFont typeface="Wingdings" panose="05000000000000000000" pitchFamily="2" charset="2"/>
+              <a:buChar char="ü"/>
+            </a:pPr>
+            <a:r>
+              <a:rPr lang="pt-BR" dirty="0"/>
+              <a:t>Facilitador e potencializador do trabalho do Time Scrum;</a:t>
+            </a:r>
+          </a:p>
+          <a:p>
+            <a:pPr lvl="2">
+              <a:buFont typeface="Wingdings" panose="05000000000000000000" pitchFamily="2" charset="2"/>
+              <a:buChar char="ü"/>
+            </a:pPr>
+            <a:r>
+              <a:rPr lang="pt-BR" dirty="0"/>
+              <a:t>Remove quaisquer impedimentos para o progresso</a:t>
+            </a:r>
+          </a:p>
+          <a:p>
+            <a:pPr lvl="2">
+              <a:buFont typeface="Wingdings" panose="05000000000000000000" pitchFamily="2" charset="2"/>
+              <a:buChar char="ü"/>
+            </a:pPr>
+            <a:r>
+              <a:rPr lang="pt-BR" dirty="0"/>
+              <a:t>Agenda e conduz reuniões</a:t>
+            </a:r>
+          </a:p>
+          <a:p>
+            <a:pPr>
+              <a:buFont typeface="Wingdings" panose="05000000000000000000" pitchFamily="2" charset="2"/>
+              <a:buChar char="ü"/>
+            </a:pPr>
+            <a:r>
+              <a:rPr lang="pt-BR" dirty="0"/>
+              <a:t>Protege o Time Scrum.</a:t>
+            </a:r>
+          </a:p>
+          <a:p>
+            <a:pPr lvl="2">
+              <a:buFont typeface="Wingdings" panose="05000000000000000000" pitchFamily="2" charset="2"/>
+              <a:buChar char="ü"/>
+            </a:pPr>
+            <a:r>
+              <a:rPr lang="pt-BR" dirty="0"/>
+              <a:t>Ajuda aqueles que estão fora a entender quais as interações com o Time Scrum são úteis</a:t>
+            </a:r>
+          </a:p>
+          <a:p>
+            <a:pPr lvl="2">
+              <a:buFont typeface="Wingdings" panose="05000000000000000000" pitchFamily="2" charset="2"/>
+              <a:buChar char="ü"/>
+            </a:pPr>
+            <a:endParaRPr lang="pt-BR" dirty="0"/>
           </a:p>
         </p:txBody>
       </p:sp>
     </p:spTree>
     <p:extLst>
       <p:ext uri="{BB962C8B-B14F-4D97-AF65-F5344CB8AC3E}">
-        <p14:creationId xmlns:p14="http://schemas.microsoft.com/office/powerpoint/2010/main" val="3008020100"/>
+        <p14:creationId xmlns:p14="http://schemas.microsoft.com/office/powerpoint/2010/main" val="4155157275"/>
       </p:ext>
     </p:extLst>
   </p:cSld>
@@ -6353,7 +6249,7 @@
           <a:p>
             <a:r>
               <a:rPr lang="en-US" dirty="0"/>
-              <a:t>Scrum Master</a:t>
+              <a:t>Eventos Scrum</a:t>
             </a:r>
             <a:endParaRPr lang="pt-BR" dirty="0"/>
           </a:p>
@@ -6380,61 +6276,41 @@
             </a:pPr>
             <a:r>
               <a:rPr lang="pt-BR" dirty="0"/>
-              <a:t>Pessoa responsável por garantir que o Scrum seja compreendido por todos, fazendo com que aderem a teoria, praticas e regras do Scrum;</a:t>
-            </a:r>
-          </a:p>
-          <a:p>
-            <a:pPr>
-              <a:buFont typeface="Wingdings" panose="05000000000000000000" pitchFamily="2" charset="2"/>
-              <a:buChar char="ü"/>
-            </a:pPr>
-            <a:r>
-              <a:rPr lang="pt-BR" dirty="0"/>
-              <a:t>Facilitador e potencializador do trabalho do Time Scrum;</a:t>
-            </a:r>
-          </a:p>
-          <a:p>
-            <a:pPr lvl="2">
-              <a:buFont typeface="Wingdings" panose="05000000000000000000" pitchFamily="2" charset="2"/>
-              <a:buChar char="ü"/>
-            </a:pPr>
-            <a:r>
-              <a:rPr lang="pt-BR" dirty="0"/>
-              <a:t>Remove quaisquer impedimentos para o progresso</a:t>
-            </a:r>
-          </a:p>
-          <a:p>
-            <a:pPr lvl="2">
-              <a:buFont typeface="Wingdings" panose="05000000000000000000" pitchFamily="2" charset="2"/>
-              <a:buChar char="ü"/>
-            </a:pPr>
-            <a:r>
-              <a:rPr lang="pt-BR" dirty="0"/>
-              <a:t>Agenda e conduz reuniões</a:t>
-            </a:r>
-          </a:p>
-          <a:p>
-            <a:pPr>
-              <a:buFont typeface="Wingdings" panose="05000000000000000000" pitchFamily="2" charset="2"/>
-              <a:buChar char="ü"/>
-            </a:pPr>
-            <a:r>
-              <a:rPr lang="pt-BR" dirty="0"/>
-              <a:t>Protege o Time Scrum.</a:t>
-            </a:r>
-          </a:p>
-          <a:p>
-            <a:pPr lvl="2">
-              <a:buFont typeface="Wingdings" panose="05000000000000000000" pitchFamily="2" charset="2"/>
-              <a:buChar char="ü"/>
-            </a:pPr>
-            <a:r>
-              <a:rPr lang="pt-BR" dirty="0"/>
-              <a:t>Ajuda aqueles que estão fora a entender quais as interações com o Time Scrum são úteis</a:t>
-            </a:r>
-          </a:p>
-          <a:p>
-            <a:pPr lvl="2">
+              <a:t>São usados no Scrum para criar uma rotina;</a:t>
+            </a:r>
+          </a:p>
+          <a:p>
+            <a:pPr>
+              <a:buFont typeface="Wingdings" panose="05000000000000000000" pitchFamily="2" charset="2"/>
+              <a:buChar char="ü"/>
+            </a:pPr>
+            <a:r>
+              <a:rPr lang="pt-BR" dirty="0"/>
+              <a:t>Todos os eventos possuem um tempo máximo pré-determinado para sua realização (time-boxed);</a:t>
+            </a:r>
+          </a:p>
+          <a:p>
+            <a:pPr>
+              <a:buFont typeface="Wingdings" panose="05000000000000000000" pitchFamily="2" charset="2"/>
+              <a:buChar char="ü"/>
+            </a:pPr>
+            <a:r>
+              <a:rPr lang="pt-BR" dirty="0"/>
+              <a:t>São eventos: Sprint, Reunião de Planejamento da Sprint, Reunião Diária, Revisão da Sprint e Retrospectiva da Sprint;</a:t>
+            </a:r>
+          </a:p>
+          <a:p>
+            <a:pPr>
+              <a:buFont typeface="Wingdings" panose="05000000000000000000" pitchFamily="2" charset="2"/>
+              <a:buChar char="ü"/>
+            </a:pPr>
+            <a:r>
+              <a:rPr lang="pt-BR" dirty="0"/>
+              <a:t>A não inclusão de qualquer um dos eventos resultará na redução da transparência e da perda de oportunidade para inspecionar e adaptar.</a:t>
+            </a:r>
+          </a:p>
+          <a:p>
+            <a:pPr>
               <a:buFont typeface="Wingdings" panose="05000000000000000000" pitchFamily="2" charset="2"/>
               <a:buChar char="ü"/>
             </a:pPr>
@@ -6445,7 +6321,7 @@
     </p:spTree>
     <p:extLst>
       <p:ext uri="{BB962C8B-B14F-4D97-AF65-F5344CB8AC3E}">
-        <p14:creationId xmlns:p14="http://schemas.microsoft.com/office/powerpoint/2010/main" val="4155157275"/>
+        <p14:creationId xmlns:p14="http://schemas.microsoft.com/office/powerpoint/2010/main" val="2460374621"/>
       </p:ext>
     </p:extLst>
   </p:cSld>
@@ -6488,10 +6364,9 @@
           <a:lstStyle/>
           <a:p>
             <a:r>
-              <a:rPr lang="en-US" dirty="0"/>
-              <a:t>Eventos Scrum</a:t>
-            </a:r>
-            <a:endParaRPr lang="pt-BR" dirty="0"/>
+              <a:rPr lang="pt-BR" dirty="0"/>
+              <a:t>Sprint</a:t>
+            </a:r>
           </a:p>
         </p:txBody>
       </p:sp>
@@ -6516,52 +6391,45 @@
             </a:pPr>
             <a:r>
               <a:rPr lang="pt-BR" dirty="0"/>
-              <a:t>São usados no Scrum para criar uma rotina;</a:t>
-            </a:r>
-          </a:p>
-          <a:p>
-            <a:pPr>
-              <a:buFont typeface="Wingdings" panose="05000000000000000000" pitchFamily="2" charset="2"/>
-              <a:buChar char="ü"/>
-            </a:pPr>
-            <a:r>
-              <a:rPr lang="pt-BR" dirty="0"/>
-              <a:t>Todos os eventos possuem um tempo máximo pré-determinado para sua realização (time-boxed);</a:t>
-            </a:r>
-          </a:p>
-          <a:p>
-            <a:pPr>
-              <a:buFont typeface="Wingdings" panose="05000000000000000000" pitchFamily="2" charset="2"/>
-              <a:buChar char="ü"/>
-            </a:pPr>
-            <a:r>
-              <a:rPr lang="pt-BR" dirty="0"/>
-              <a:t>São eventos: Sprint, Reunião de Planejamento da Sprint, Reunião Diária, Revisão da Sprint e Retrospectiva da Sprint;</a:t>
-            </a:r>
-          </a:p>
-          <a:p>
-            <a:pPr>
-              <a:buFont typeface="Wingdings" panose="05000000000000000000" pitchFamily="2" charset="2"/>
-              <a:buChar char="ü"/>
-            </a:pPr>
-            <a:r>
-              <a:rPr lang="pt-BR" dirty="0"/>
-              <a:t>A não inclusão de qualquer um dos eventos resultará na redução da transparência e da perda de oportunidade para inspecionar e adaptar.</a:t>
-            </a:r>
-          </a:p>
-          <a:p>
-            <a:pPr>
-              <a:buFont typeface="Wingdings" panose="05000000000000000000" pitchFamily="2" charset="2"/>
-              <a:buChar char="ü"/>
-            </a:pPr>
-            <a:endParaRPr lang="pt-BR" dirty="0"/>
+              <a:t>Coração do Scrum, ou seja, contém todos os elementos do Scrum;</a:t>
+            </a:r>
+          </a:p>
+          <a:p>
+            <a:pPr>
+              <a:buFont typeface="Wingdings" panose="05000000000000000000" pitchFamily="2" charset="2"/>
+              <a:buChar char="ü"/>
+            </a:pPr>
+            <a:r>
+              <a:rPr lang="pt-BR" dirty="0"/>
+              <a:t>O objetivo é ter uma interação curta o suficiente para manter o time focado, mas tempo suficiente para entregar um incremento significativo do trabalho;</a:t>
+            </a:r>
+          </a:p>
+          <a:p>
+            <a:pPr lvl="2">
+              <a:buFont typeface="Wingdings" panose="05000000000000000000" pitchFamily="2" charset="2"/>
+              <a:buChar char="ü"/>
+            </a:pPr>
+            <a:r>
+              <a:rPr lang="pt-BR" dirty="0"/>
+              <a:t>Duração de máxima de um mês, e hoje comumente usada pelos times entre uma ou duas semanas</a:t>
+            </a:r>
+          </a:p>
+          <a:p>
+            <a:pPr>
+              <a:buFont typeface="Wingdings" panose="05000000000000000000" pitchFamily="2" charset="2"/>
+              <a:buChar char="ü"/>
+            </a:pPr>
+            <a:r>
+              <a:rPr lang="pt-BR" dirty="0"/>
+              <a:t>Cancelamento só pode ser feito pelo Product Owner.</a:t>
+            </a:r>
           </a:p>
         </p:txBody>
       </p:sp>
     </p:spTree>
     <p:extLst>
       <p:ext uri="{BB962C8B-B14F-4D97-AF65-F5344CB8AC3E}">
-        <p14:creationId xmlns:p14="http://schemas.microsoft.com/office/powerpoint/2010/main" val="2460374621"/>
+        <p14:creationId xmlns:p14="http://schemas.microsoft.com/office/powerpoint/2010/main" val="2561348211"/>
       </p:ext>
     </p:extLst>
   </p:cSld>
@@ -6598,14 +6466,19 @@
             <p:ph type="title"/>
           </p:nvPr>
         </p:nvSpPr>
-        <p:spPr/>
-        <p:txBody>
-          <a:bodyPr/>
-          <a:lstStyle/>
-          <a:p>
-            <a:r>
-              <a:rPr lang="pt-BR" dirty="0"/>
-              <a:t>Sprint</a:t>
+        <p:spPr>
+          <a:xfrm>
+            <a:off x="492919" y="499533"/>
+            <a:ext cx="8079581" cy="913243"/>
+          </a:xfrm>
+        </p:spPr>
+        <p:txBody>
+          <a:bodyPr/>
+          <a:lstStyle/>
+          <a:p>
+            <a:r>
+              <a:rPr lang="pt-BR" dirty="0"/>
+              <a:t>Reunião de Planejamento</a:t>
             </a:r>
           </a:p>
         </p:txBody>
@@ -6620,28 +6493,35 @@
             <p:ph idx="1"/>
           </p:nvPr>
         </p:nvSpPr>
-        <p:spPr/>
-        <p:txBody>
-          <a:bodyPr/>
-          <a:lstStyle/>
-          <a:p>
-            <a:pPr>
-              <a:buFont typeface="Wingdings" panose="05000000000000000000" pitchFamily="2" charset="2"/>
-              <a:buChar char="ü"/>
-            </a:pPr>
-            <a:r>
-              <a:rPr lang="pt-BR" dirty="0"/>
-              <a:t>Coração do Scrum, ou seja, contém todos os elementos do Scrum;</a:t>
-            </a:r>
-          </a:p>
-          <a:p>
-            <a:pPr>
-              <a:buFont typeface="Wingdings" panose="05000000000000000000" pitchFamily="2" charset="2"/>
-              <a:buChar char="ü"/>
-            </a:pPr>
-            <a:r>
-              <a:rPr lang="pt-BR" dirty="0"/>
-              <a:t>O objetivo é ter uma interação curta o suficiente para manter o time focado, mas tempo suficiente para entregar um incremento significativo do trabalho;</a:t>
+        <p:spPr>
+          <a:xfrm>
+            <a:off x="507206" y="1556792"/>
+            <a:ext cx="8065294" cy="4824536"/>
+          </a:xfrm>
+        </p:spPr>
+        <p:txBody>
+          <a:bodyPr>
+            <a:normAutofit fontScale="92500" lnSpcReduction="10000"/>
+          </a:bodyPr>
+          <a:lstStyle/>
+          <a:p>
+            <a:pPr>
+              <a:buFont typeface="Wingdings" panose="05000000000000000000" pitchFamily="2" charset="2"/>
+              <a:buChar char="ü"/>
+            </a:pPr>
+            <a:r>
+              <a:rPr lang="pt-BR" dirty="0"/>
+              <a:t>Reunião na qual estão presentes o Time Scrum e Stakeholders convidados;</a:t>
+            </a:r>
+          </a:p>
+          <a:p>
+            <a:pPr>
+              <a:buFont typeface="Wingdings" panose="05000000000000000000" pitchFamily="2" charset="2"/>
+              <a:buChar char="ü"/>
+            </a:pPr>
+            <a:r>
+              <a:rPr lang="pt-BR" dirty="0"/>
+              <a:t>Duração de acordo com o tamanho da Sprint;</a:t>
             </a:r>
           </a:p>
           <a:p>
@@ -6651,17 +6531,47 @@
             </a:pPr>
             <a:r>
               <a:rPr lang="pt-BR" dirty="0"/>
-              <a:t>Duração de máxima de um mês, e hoje comumente usada pelos times entre uma ou duas semanas</a:t>
-            </a:r>
-          </a:p>
-          <a:p>
-            <a:pPr>
-              <a:buFont typeface="Wingdings" panose="05000000000000000000" pitchFamily="2" charset="2"/>
-              <a:buChar char="ü"/>
-            </a:pPr>
-            <a:r>
-              <a:rPr lang="pt-BR" dirty="0"/>
-              <a:t>Cancelamento só pode ser feito pelo Product Owner.</a:t>
+              <a:t>Time-box com no máximo 8 horas para uma Sprint de um mês</a:t>
+            </a:r>
+          </a:p>
+          <a:p>
+            <a:pPr>
+              <a:buFont typeface="Wingdings" panose="05000000000000000000" pitchFamily="2" charset="2"/>
+              <a:buChar char="ü"/>
+            </a:pPr>
+            <a:r>
+              <a:rPr lang="pt-BR" dirty="0"/>
+              <a:t>O Scrum Master garante que o evento ocorra e que os participantes entendam seu propósito;</a:t>
+            </a:r>
+          </a:p>
+          <a:p>
+            <a:pPr>
+              <a:buFont typeface="Wingdings" panose="05000000000000000000" pitchFamily="2" charset="2"/>
+              <a:buChar char="ü"/>
+            </a:pPr>
+            <a:r>
+              <a:rPr lang="pt-BR" dirty="0"/>
+              <a:t>Normalmente dividida em 2 partes:</a:t>
+            </a:r>
+          </a:p>
+          <a:p>
+            <a:pPr lvl="2">
+              <a:buFont typeface="Wingdings" panose="05000000000000000000" pitchFamily="2" charset="2"/>
+              <a:buChar char="ü"/>
+            </a:pPr>
+            <a:r>
+              <a:rPr lang="pt-BR" dirty="0"/>
+              <a:t>1ª parte: O Product Owner apresenta o Backlog do Produto, descreve o que ele deseja ver construído e esclarece dúvidas. Ao final o time seleciona os itens do Backlog do Produto e define o Sprint Goal (Objetivo) juntamente com o Product Owner</a:t>
+            </a:r>
+          </a:p>
+          <a:p>
+            <a:pPr lvl="2">
+              <a:buFont typeface="Wingdings" panose="05000000000000000000" pitchFamily="2" charset="2"/>
+              <a:buChar char="ü"/>
+            </a:pPr>
+            <a:r>
+              <a:rPr lang="pt-BR" dirty="0"/>
+              <a:t>2ª parte: O Time de Desenvolvimento decide como irá construir essas funcionalidades durante a Sprint e transformá-las em um incremento de produto “Pronto”. Os itens de Backlog do Produto selecionados para a Sprint, junto com o plano de entrega destes itens é chamado de Backlog da Sprint</a:t>
             </a:r>
           </a:p>
         </p:txBody>
@@ -6669,7 +6579,7 @@
     </p:spTree>
     <p:extLst>
       <p:ext uri="{BB962C8B-B14F-4D97-AF65-F5344CB8AC3E}">
-        <p14:creationId xmlns:p14="http://schemas.microsoft.com/office/powerpoint/2010/main" val="2561348211"/>
+        <p14:creationId xmlns:p14="http://schemas.microsoft.com/office/powerpoint/2010/main" val="1897746889"/>
       </p:ext>
     </p:extLst>
   </p:cSld>
@@ -6709,7 +6619,7 @@
         <p:spPr>
           <a:xfrm>
             <a:off x="492919" y="499533"/>
-            <a:ext cx="8079581" cy="913243"/>
+            <a:ext cx="8079581" cy="1057259"/>
           </a:xfrm>
         </p:spPr>
         <p:txBody>
@@ -6718,7 +6628,7 @@
           <a:p>
             <a:r>
               <a:rPr lang="pt-BR" dirty="0"/>
-              <a:t>Reunião de Planejamento</a:t>
+              <a:t>Reunião Diária</a:t>
             </a:r>
           </a:p>
         </p:txBody>
@@ -6736,12 +6646,12 @@
         <p:spPr>
           <a:xfrm>
             <a:off x="507206" y="1556792"/>
-            <a:ext cx="8065294" cy="4824536"/>
+            <a:ext cx="8065294" cy="4896545"/>
           </a:xfrm>
         </p:spPr>
         <p:txBody>
           <a:bodyPr>
-            <a:normAutofit fontScale="92500" lnSpcReduction="10000"/>
+            <a:normAutofit/>
           </a:bodyPr>
           <a:lstStyle/>
           <a:p>
@@ -6751,17 +6661,27 @@
             </a:pPr>
             <a:r>
               <a:rPr lang="pt-BR" dirty="0"/>
-              <a:t>Reunião na qual estão presentes o Time Scrum e Stakeholders convidados;</a:t>
-            </a:r>
-          </a:p>
-          <a:p>
-            <a:pPr>
-              <a:buFont typeface="Wingdings" panose="05000000000000000000" pitchFamily="2" charset="2"/>
-              <a:buChar char="ü"/>
-            </a:pPr>
-            <a:r>
-              <a:rPr lang="pt-BR" dirty="0"/>
-              <a:t>Duração de acordo com o tamanho da Sprint;</a:t>
+              <a:t>Chamada também de “Daily Scrum” é composta pelo Scrum Master e o Time de Desenvolvimento;</a:t>
+            </a:r>
+          </a:p>
+          <a:p>
+            <a:pPr>
+              <a:buFont typeface="Wingdings" panose="05000000000000000000" pitchFamily="2" charset="2"/>
+              <a:buChar char="ü"/>
+            </a:pPr>
+            <a:r>
+              <a:rPr lang="pt-BR" dirty="0"/>
+              <a:t>São realizadas sempre no mesmo lugar e na mesma hora definida, com duração máxima de 15 minutos;</a:t>
+            </a:r>
+          </a:p>
+          <a:p>
+            <a:pPr>
+              <a:buFont typeface="Wingdings" panose="05000000000000000000" pitchFamily="2" charset="2"/>
+              <a:buChar char="ü"/>
+            </a:pPr>
+            <a:r>
+              <a:rPr lang="pt-BR" dirty="0"/>
+              <a:t>Cada integrante do time deverá responder três perguntas:</a:t>
             </a:r>
           </a:p>
           <a:p>
@@ -6771,27 +6691,7 @@
             </a:pPr>
             <a:r>
               <a:rPr lang="pt-BR" dirty="0"/>
-              <a:t>Time-box com no máximo 8 horas para uma Sprint de um mês</a:t>
-            </a:r>
-          </a:p>
-          <a:p>
-            <a:pPr>
-              <a:buFont typeface="Wingdings" panose="05000000000000000000" pitchFamily="2" charset="2"/>
-              <a:buChar char="ü"/>
-            </a:pPr>
-            <a:r>
-              <a:rPr lang="pt-BR" dirty="0"/>
-              <a:t>O Scrum Master garante que o evento ocorra e que os participantes entendam seu propósito;</a:t>
-            </a:r>
-          </a:p>
-          <a:p>
-            <a:pPr>
-              <a:buFont typeface="Wingdings" panose="05000000000000000000" pitchFamily="2" charset="2"/>
-              <a:buChar char="ü"/>
-            </a:pPr>
-            <a:r>
-              <a:rPr lang="pt-BR" dirty="0"/>
-              <a:t>Normalmente dividida em 2 partes:</a:t>
+              <a:t>O que eu fiz ontem que ajudou o Time de Desenvolvimento a atender a meta da Sprint?</a:t>
             </a:r>
           </a:p>
           <a:p>
@@ -6801,7 +6701,7 @@
             </a:pPr>
             <a:r>
               <a:rPr lang="pt-BR" dirty="0"/>
-              <a:t>1ª parte: O Product Owner apresenta o Backlog do Produto, descreve o que ele deseja ver construído e esclarece dúvidas. Ao final o time seleciona os itens do Backlog do Produto e define o Sprint Goal (Objetivo) juntamente com o Product Owner</a:t>
+              <a:t>O que eu farei hoje para ajudar o Time de Desenvolvimento atender a meta da Sprint?</a:t>
             </a:r>
           </a:p>
           <a:p>
@@ -6811,7 +6711,17 @@
             </a:pPr>
             <a:r>
               <a:rPr lang="pt-BR" dirty="0"/>
-              <a:t>2ª parte: O Time de Desenvolvimento decide como irá construir essas funcionalidades durante a Sprint e transformá-las em um incremento de produto “Pronto”. Os itens de Backlog do Produto selecionados para a Sprint, junto com o plano de entrega destes itens é chamado de Backlog da Sprint</a:t>
+              <a:t>Eu vejo algum obstáculo que impeça a mim ou o Time de Desenvolvimento no atendimento da meta da Sprint?</a:t>
+            </a:r>
+          </a:p>
+          <a:p>
+            <a:pPr>
+              <a:buFont typeface="Wingdings" panose="05000000000000000000" pitchFamily="2" charset="2"/>
+              <a:buChar char="ü"/>
+            </a:pPr>
+            <a:r>
+              <a:rPr lang="pt-BR" dirty="0"/>
+              <a:t>Os impedimentos identificados no Daily Scrum devem ser tratados pelo Scrum Master o mais rapidamente possível.</a:t>
             </a:r>
           </a:p>
         </p:txBody>
@@ -6819,7 +6729,7 @@
     </p:spTree>
     <p:extLst>
       <p:ext uri="{BB962C8B-B14F-4D97-AF65-F5344CB8AC3E}">
-        <p14:creationId xmlns:p14="http://schemas.microsoft.com/office/powerpoint/2010/main" val="1897746889"/>
+        <p14:creationId xmlns:p14="http://schemas.microsoft.com/office/powerpoint/2010/main" val="1842161956"/>
       </p:ext>
     </p:extLst>
   </p:cSld>
@@ -6848,28 +6758,6 @@
       </p:grpSpPr>
       <p:sp>
         <p:nvSpPr>
-          <p:cNvPr id="2" name="Title 1"/>
-          <p:cNvSpPr>
-            <a:spLocks noGrp="1"/>
-          </p:cNvSpPr>
-          <p:nvPr>
-            <p:ph type="title"/>
-          </p:nvPr>
-        </p:nvSpPr>
-        <p:spPr/>
-        <p:txBody>
-          <a:bodyPr/>
-          <a:lstStyle/>
-          <a:p>
-            <a:r>
-              <a:rPr lang="pt-BR" dirty="0"/>
-              <a:t>Tópicos de discussão</a:t>
-            </a:r>
-          </a:p>
-        </p:txBody>
-      </p:sp>
-      <p:sp>
-        <p:nvSpPr>
           <p:cNvPr id="3" name="Content Placeholder 2"/>
           <p:cNvSpPr>
             <a:spLocks noGrp="1"/>
@@ -6885,63 +6773,45 @@
           </a:bodyPr>
           <a:lstStyle/>
           <a:p>
-            <a:r>
-              <a:rPr lang="pt-BR" dirty="0"/>
-              <a:t>Gestão de Projetos de Software</a:t>
-            </a:r>
-          </a:p>
-          <a:p>
-            <a:r>
-              <a:rPr lang="pt-BR" dirty="0"/>
-              <a:t>Startup</a:t>
-            </a:r>
-          </a:p>
-          <a:p>
-            <a:r>
-              <a:rPr lang="pt-BR" dirty="0"/>
-              <a:t>Processo de desenvolvimento ágil</a:t>
-            </a:r>
-          </a:p>
-          <a:p>
-            <a:pPr lvl="1"/>
-            <a:r>
-              <a:rPr lang="pt-BR" dirty="0"/>
-              <a:t>Manifesto</a:t>
-            </a:r>
-          </a:p>
-          <a:p>
-            <a:pPr lvl="1"/>
-            <a:r>
-              <a:rPr lang="pt-BR" dirty="0"/>
-              <a:t>Scrum</a:t>
-            </a:r>
-          </a:p>
-          <a:p>
-            <a:pPr lvl="2"/>
-            <a:r>
-              <a:rPr lang="pt-BR" dirty="0"/>
-              <a:t>Definição</a:t>
-            </a:r>
-          </a:p>
-          <a:p>
-            <a:pPr lvl="2"/>
-            <a:r>
-              <a:rPr lang="pt-BR" dirty="0"/>
-              <a:t>Estruturação</a:t>
-            </a:r>
-          </a:p>
-          <a:p>
-            <a:pPr lvl="3"/>
-            <a:r>
-              <a:rPr lang="pt-BR" dirty="0"/>
-              <a:t>Perfil</a:t>
-            </a:r>
-          </a:p>
-          <a:p>
-            <a:pPr lvl="3"/>
-            <a:r>
-              <a:rPr lang="pt-BR" dirty="0"/>
-              <a:t>Regras</a:t>
+            <a:pPr>
+              <a:buFont typeface="Wingdings" panose="05000000000000000000" pitchFamily="2" charset="2"/>
+              <a:buChar char="ü"/>
+            </a:pPr>
+            <a:r>
+              <a:rPr lang="pt-BR" dirty="0"/>
+              <a:t>Um plano para realização de um ato, desígnio, intenção </a:t>
+            </a:r>
+          </a:p>
+          <a:p>
+            <a:pPr>
+              <a:buFont typeface="Wingdings" panose="05000000000000000000" pitchFamily="2" charset="2"/>
+              <a:buChar char="ü"/>
+            </a:pPr>
+            <a:r>
+              <a:rPr lang="pt-BR" dirty="0"/>
+              <a:t>Para que consigamos atingir um determinado objetivo com eficácia é necessário frequentemente conhecer as alternativas, adaptar a que talvez possa ser a mais condizente e inspecionar para certificar-se que está trilhando a melhor rota.</a:t>
+            </a:r>
+          </a:p>
+        </p:txBody>
+      </p:sp>
+      <p:sp>
+        <p:nvSpPr>
+          <p:cNvPr id="5" name="Título 2"/>
+          <p:cNvSpPr>
+            <a:spLocks noGrp="1"/>
+          </p:cNvSpPr>
+          <p:nvPr>
+            <p:ph type="title"/>
+          </p:nvPr>
+        </p:nvSpPr>
+        <p:spPr/>
+        <p:txBody>
+          <a:bodyPr/>
+          <a:lstStyle/>
+          <a:p>
+            <a:r>
+              <a:rPr lang="pt-BR" dirty="0"/>
+              <a:t>Projeto</a:t>
             </a:r>
           </a:p>
         </p:txBody>
@@ -6981,37 +6851,32 @@
             <p:ph type="title"/>
           </p:nvPr>
         </p:nvSpPr>
+        <p:spPr/>
+        <p:txBody>
+          <a:bodyPr/>
+          <a:lstStyle/>
+          <a:p>
+            <a:r>
+              <a:rPr lang="pt-BR" dirty="0"/>
+              <a:t>Reunião de Revisão</a:t>
+            </a:r>
+          </a:p>
+        </p:txBody>
+      </p:sp>
+      <p:sp>
+        <p:nvSpPr>
+          <p:cNvPr id="3" name="Espaço Reservado para Conteúdo 2"/>
+          <p:cNvSpPr>
+            <a:spLocks noGrp="1"/>
+          </p:cNvSpPr>
+          <p:nvPr>
+            <p:ph idx="1"/>
+          </p:nvPr>
+        </p:nvSpPr>
         <p:spPr>
           <a:xfrm>
-            <a:off x="492919" y="499533"/>
-            <a:ext cx="8079581" cy="1057259"/>
-          </a:xfrm>
-        </p:spPr>
-        <p:txBody>
-          <a:bodyPr/>
-          <a:lstStyle/>
-          <a:p>
-            <a:r>
-              <a:rPr lang="pt-BR" dirty="0"/>
-              <a:t>Reunião Diária</a:t>
-            </a:r>
-          </a:p>
-        </p:txBody>
-      </p:sp>
-      <p:sp>
-        <p:nvSpPr>
-          <p:cNvPr id="3" name="Espaço Reservado para Conteúdo 2"/>
-          <p:cNvSpPr>
-            <a:spLocks noGrp="1"/>
-          </p:cNvSpPr>
-          <p:nvPr>
-            <p:ph idx="1"/>
-          </p:nvPr>
-        </p:nvSpPr>
-        <p:spPr>
-          <a:xfrm>
-            <a:off x="507206" y="1556792"/>
-            <a:ext cx="8065294" cy="4896545"/>
+            <a:off x="507206" y="1993393"/>
+            <a:ext cx="8065294" cy="4315927"/>
           </a:xfrm>
         </p:spPr>
         <p:txBody>
@@ -7026,27 +6891,17 @@
             </a:pPr>
             <a:r>
               <a:rPr lang="pt-BR" dirty="0"/>
-              <a:t>Chamada também de “Daily Scrum” é composta pelo Scrum Master e o Time de Desenvolvimento;</a:t>
-            </a:r>
-          </a:p>
-          <a:p>
-            <a:pPr>
-              <a:buFont typeface="Wingdings" panose="05000000000000000000" pitchFamily="2" charset="2"/>
-              <a:buChar char="ü"/>
-            </a:pPr>
-            <a:r>
-              <a:rPr lang="pt-BR" dirty="0"/>
-              <a:t>São realizadas sempre no mesmo lugar e na mesma hora definida, com duração máxima de 15 minutos;</a:t>
-            </a:r>
-          </a:p>
-          <a:p>
-            <a:pPr>
-              <a:buFont typeface="Wingdings" panose="05000000000000000000" pitchFamily="2" charset="2"/>
-              <a:buChar char="ü"/>
-            </a:pPr>
-            <a:r>
-              <a:rPr lang="pt-BR" dirty="0"/>
-              <a:t>Cada integrante do time deverá responder três perguntas:</a:t>
+              <a:t>É uma reunião informal composta pelo Time Scrum e Stakeholders convidados;</a:t>
+            </a:r>
+          </a:p>
+          <a:p>
+            <a:pPr>
+              <a:buFont typeface="Wingdings" panose="05000000000000000000" pitchFamily="2" charset="2"/>
+              <a:buChar char="ü"/>
+            </a:pPr>
+            <a:r>
+              <a:rPr lang="pt-BR" dirty="0"/>
+              <a:t>Realizada no final da Sprint com duração de acordo com o tamanho da Sprint;</a:t>
             </a:r>
           </a:p>
           <a:p>
@@ -7056,37 +6911,27 @@
             </a:pPr>
             <a:r>
               <a:rPr lang="pt-BR" dirty="0"/>
-              <a:t>O que eu fiz ontem que ajudou o Time de Desenvolvimento a atender a meta da Sprint?</a:t>
-            </a:r>
-          </a:p>
-          <a:p>
-            <a:pPr lvl="2">
-              <a:buFont typeface="Wingdings" panose="05000000000000000000" pitchFamily="2" charset="2"/>
-              <a:buChar char="ü"/>
-            </a:pPr>
-            <a:r>
-              <a:rPr lang="pt-BR" dirty="0"/>
-              <a:t>O que eu farei hoje para ajudar o Time de Desenvolvimento atender a meta da Sprint?</a:t>
-            </a:r>
-          </a:p>
-          <a:p>
-            <a:pPr lvl="2">
-              <a:buFont typeface="Wingdings" panose="05000000000000000000" pitchFamily="2" charset="2"/>
-              <a:buChar char="ü"/>
-            </a:pPr>
-            <a:r>
-              <a:rPr lang="pt-BR" dirty="0"/>
-              <a:t>Eu vejo algum obstáculo que impeça a mim ou o Time de Desenvolvimento no atendimento da meta da Sprint?</a:t>
-            </a:r>
-          </a:p>
-          <a:p>
-            <a:pPr>
-              <a:buFont typeface="Wingdings" panose="05000000000000000000" pitchFamily="2" charset="2"/>
-              <a:buChar char="ü"/>
-            </a:pPr>
-            <a:r>
-              <a:rPr lang="pt-BR" dirty="0"/>
-              <a:t>Os impedimentos identificados no Daily Scrum devem ser tratados pelo Scrum Master o mais rapidamente possível.</a:t>
+              <a:t>Time-box com no máximo 4 horas para uma Sprint de um mês</a:t>
+            </a:r>
+          </a:p>
+          <a:p>
+            <a:pPr>
+              <a:buFont typeface="Wingdings" panose="05000000000000000000" pitchFamily="2" charset="2"/>
+              <a:buChar char="ü"/>
+            </a:pPr>
+            <a:r>
+              <a:rPr lang="pt-BR" dirty="0"/>
+              <a:t> Tem como objetivo inspecionar o incremento e adaptar o Backlog do Produto se necessário;</a:t>
+            </a:r>
+          </a:p>
+          <a:p>
+            <a:pPr>
+              <a:buFont typeface="Wingdings" panose="05000000000000000000" pitchFamily="2" charset="2"/>
+              <a:buChar char="ü"/>
+            </a:pPr>
+            <a:r>
+              <a:rPr lang="pt-BR" dirty="0"/>
+              <a:t>Durante essa reunião o Time de Desenvolvimento mostra quais itens do Backlog do Produto que eles concluíram durante a Sprint. Isso pode ocorrer sob a forma uma demo das novas funcionalidades.</a:t>
             </a:r>
           </a:p>
         </p:txBody>
@@ -7094,7 +6939,7 @@
     </p:spTree>
     <p:extLst>
       <p:ext uri="{BB962C8B-B14F-4D97-AF65-F5344CB8AC3E}">
-        <p14:creationId xmlns:p14="http://schemas.microsoft.com/office/powerpoint/2010/main" val="1842161956"/>
+        <p14:creationId xmlns:p14="http://schemas.microsoft.com/office/powerpoint/2010/main" val="3480910473"/>
       </p:ext>
     </p:extLst>
   </p:cSld>
@@ -7138,7 +6983,7 @@
           <a:p>
             <a:r>
               <a:rPr lang="pt-BR" dirty="0"/>
-              <a:t>Reunião de Revisão</a:t>
+              <a:t>Reunião de Retrospectiva</a:t>
             </a:r>
           </a:p>
         </p:txBody>
@@ -7153,35 +6998,18 @@
             <p:ph idx="1"/>
           </p:nvPr>
         </p:nvSpPr>
-        <p:spPr>
-          <a:xfrm>
-            <a:off x="507206" y="1993393"/>
-            <a:ext cx="8065294" cy="4315927"/>
-          </a:xfrm>
-        </p:spPr>
-        <p:txBody>
-          <a:bodyPr>
-            <a:normAutofit/>
-          </a:bodyPr>
-          <a:lstStyle/>
-          <a:p>
-            <a:pPr>
-              <a:buFont typeface="Wingdings" panose="05000000000000000000" pitchFamily="2" charset="2"/>
-              <a:buChar char="ü"/>
-            </a:pPr>
-            <a:r>
-              <a:rPr lang="pt-BR" dirty="0"/>
-              <a:t>É uma reunião informal composta pelo Time Scrum e Stakeholders convidados;</a:t>
-            </a:r>
-          </a:p>
-          <a:p>
-            <a:pPr>
-              <a:buFont typeface="Wingdings" panose="05000000000000000000" pitchFamily="2" charset="2"/>
-              <a:buChar char="ü"/>
-            </a:pPr>
-            <a:r>
-              <a:rPr lang="pt-BR" dirty="0"/>
-              <a:t>Realizada no final da Sprint com duração de acordo com o tamanho da Sprint;</a:t>
+        <p:spPr/>
+        <p:txBody>
+          <a:bodyPr/>
+          <a:lstStyle/>
+          <a:p>
+            <a:pPr>
+              <a:buFont typeface="Wingdings" panose="05000000000000000000" pitchFamily="2" charset="2"/>
+              <a:buChar char="ü"/>
+            </a:pPr>
+            <a:r>
+              <a:rPr lang="pt-BR" dirty="0"/>
+              <a:t>Composta apenas pelo Time Scrum deve ser time-boxed (por exemplo, 3 horas);</a:t>
             </a:r>
           </a:p>
           <a:p>
@@ -7191,35 +7019,42 @@
             </a:pPr>
             <a:r>
               <a:rPr lang="pt-BR" dirty="0"/>
-              <a:t>Time-box com no máximo 4 horas para uma Sprint de um mês</a:t>
-            </a:r>
-          </a:p>
-          <a:p>
-            <a:pPr>
-              <a:buFont typeface="Wingdings" panose="05000000000000000000" pitchFamily="2" charset="2"/>
-              <a:buChar char="ü"/>
-            </a:pPr>
-            <a:r>
-              <a:rPr lang="pt-BR" dirty="0"/>
-              <a:t> Tem como objetivo inspecionar o incremento e adaptar o Backlog do Produto se necessário;</a:t>
-            </a:r>
-          </a:p>
-          <a:p>
-            <a:pPr>
-              <a:buFont typeface="Wingdings" panose="05000000000000000000" pitchFamily="2" charset="2"/>
-              <a:buChar char="ü"/>
-            </a:pPr>
-            <a:r>
-              <a:rPr lang="pt-BR" dirty="0"/>
-              <a:t>Durante essa reunião o Time de Desenvolvimento mostra quais itens do Backlog do Produto que eles concluíram durante a Sprint. Isso pode ocorrer sob a forma uma demo das novas funcionalidades.</a:t>
-            </a:r>
+              <a:t>Realizada após a reunião de revisão.</a:t>
+            </a:r>
+          </a:p>
+          <a:p>
+            <a:pPr>
+              <a:buFont typeface="Wingdings" panose="05000000000000000000" pitchFamily="2" charset="2"/>
+              <a:buChar char="ü"/>
+            </a:pPr>
+            <a:r>
+              <a:rPr lang="pt-BR" dirty="0"/>
+              <a:t>É uma oportunidade para o Time Scrum inspecionar a si próprio e criar um plano para melhorias a serem aplicadas na próxima Sprint;</a:t>
+            </a:r>
+          </a:p>
+          <a:p>
+            <a:pPr lvl="2">
+              <a:buFont typeface="Wingdings" panose="05000000000000000000" pitchFamily="2" charset="2"/>
+              <a:buChar char="ü"/>
+            </a:pPr>
+            <a:r>
+              <a:rPr lang="pt-BR" dirty="0"/>
+              <a:t>O que ocorreu bem durante a Sprint, o que não e que melhorias poderiam ser feitas na próxima Sprint</a:t>
+            </a:r>
+          </a:p>
+          <a:p>
+            <a:pPr>
+              <a:buFont typeface="Wingdings" panose="05000000000000000000" pitchFamily="2" charset="2"/>
+              <a:buChar char="ü"/>
+            </a:pPr>
+            <a:endParaRPr lang="pt-BR" dirty="0"/>
           </a:p>
         </p:txBody>
       </p:sp>
     </p:spTree>
     <p:extLst>
       <p:ext uri="{BB962C8B-B14F-4D97-AF65-F5344CB8AC3E}">
-        <p14:creationId xmlns:p14="http://schemas.microsoft.com/office/powerpoint/2010/main" val="3480910473"/>
+        <p14:creationId xmlns:p14="http://schemas.microsoft.com/office/powerpoint/2010/main" val="3127285857"/>
       </p:ext>
     </p:extLst>
   </p:cSld>
@@ -7263,7 +7098,7 @@
           <a:p>
             <a:r>
               <a:rPr lang="pt-BR" dirty="0"/>
-              <a:t>Reunião de Retrospectiva</a:t>
+              <a:t>Artefatos Scrum</a:t>
             </a:r>
           </a:p>
         </p:txBody>
@@ -7289,52 +7124,25 @@
             </a:pPr>
             <a:r>
               <a:rPr lang="pt-BR" dirty="0"/>
-              <a:t>Composta apenas pelo Time Scrum deve ser time-boxed (por exemplo, 3 horas);</a:t>
-            </a:r>
-          </a:p>
-          <a:p>
-            <a:pPr lvl="2">
-              <a:buFont typeface="Wingdings" panose="05000000000000000000" pitchFamily="2" charset="2"/>
-              <a:buChar char="ü"/>
-            </a:pPr>
-            <a:r>
-              <a:rPr lang="pt-BR" dirty="0"/>
-              <a:t>Realizada após a reunião de revisão.</a:t>
-            </a:r>
-          </a:p>
-          <a:p>
-            <a:pPr>
-              <a:buFont typeface="Wingdings" panose="05000000000000000000" pitchFamily="2" charset="2"/>
-              <a:buChar char="ü"/>
-            </a:pPr>
-            <a:r>
-              <a:rPr lang="pt-BR" dirty="0"/>
-              <a:t>É uma oportunidade para o Time Scrum inspecionar a si próprio e criar um plano para melhorias a serem aplicadas na próxima Sprint;</a:t>
-            </a:r>
-          </a:p>
-          <a:p>
-            <a:pPr lvl="2">
-              <a:buFont typeface="Wingdings" panose="05000000000000000000" pitchFamily="2" charset="2"/>
-              <a:buChar char="ü"/>
-            </a:pPr>
-            <a:r>
-              <a:rPr lang="pt-BR" dirty="0"/>
-              <a:t>O que ocorreu bem durante a Sprint, o que não e que melhorias poderiam ser feitas na próxima Sprint</a:t>
-            </a:r>
-          </a:p>
-          <a:p>
-            <a:pPr>
-              <a:buFont typeface="Wingdings" panose="05000000000000000000" pitchFamily="2" charset="2"/>
-              <a:buChar char="ü"/>
-            </a:pPr>
-            <a:endParaRPr lang="pt-BR" dirty="0"/>
+              <a:t>Representam o trabalho ou o valor para o fornecimento de transparência e oportunidades para inspeção e adaptação;</a:t>
+            </a:r>
+          </a:p>
+          <a:p>
+            <a:pPr>
+              <a:buFont typeface="Wingdings" panose="05000000000000000000" pitchFamily="2" charset="2"/>
+              <a:buChar char="ü"/>
+            </a:pPr>
+            <a:r>
+              <a:rPr lang="pt-BR" dirty="0"/>
+              <a:t>São artefatos: Backlog do Produto, Backlog da Sprint e Incremento.</a:t>
+            </a:r>
           </a:p>
         </p:txBody>
       </p:sp>
     </p:spTree>
     <p:extLst>
       <p:ext uri="{BB962C8B-B14F-4D97-AF65-F5344CB8AC3E}">
-        <p14:creationId xmlns:p14="http://schemas.microsoft.com/office/powerpoint/2010/main" val="3127285857"/>
+        <p14:creationId xmlns:p14="http://schemas.microsoft.com/office/powerpoint/2010/main" val="3023515660"/>
       </p:ext>
     </p:extLst>
   </p:cSld>
@@ -7371,94 +7179,6 @@
             <p:ph type="title"/>
           </p:nvPr>
         </p:nvSpPr>
-        <p:spPr/>
-        <p:txBody>
-          <a:bodyPr/>
-          <a:lstStyle/>
-          <a:p>
-            <a:r>
-              <a:rPr lang="pt-BR" dirty="0"/>
-              <a:t>Artefatos Scrum</a:t>
-            </a:r>
-          </a:p>
-        </p:txBody>
-      </p:sp>
-      <p:sp>
-        <p:nvSpPr>
-          <p:cNvPr id="3" name="Espaço Reservado para Conteúdo 2"/>
-          <p:cNvSpPr>
-            <a:spLocks noGrp="1"/>
-          </p:cNvSpPr>
-          <p:nvPr>
-            <p:ph idx="1"/>
-          </p:nvPr>
-        </p:nvSpPr>
-        <p:spPr/>
-        <p:txBody>
-          <a:bodyPr/>
-          <a:lstStyle/>
-          <a:p>
-            <a:pPr>
-              <a:buFont typeface="Wingdings" panose="05000000000000000000" pitchFamily="2" charset="2"/>
-              <a:buChar char="ü"/>
-            </a:pPr>
-            <a:r>
-              <a:rPr lang="pt-BR" dirty="0"/>
-              <a:t>Representam o trabalho ou o valor para o fornecimento de transparência e oportunidades para inspeção e adaptação;</a:t>
-            </a:r>
-          </a:p>
-          <a:p>
-            <a:pPr>
-              <a:buFont typeface="Wingdings" panose="05000000000000000000" pitchFamily="2" charset="2"/>
-              <a:buChar char="ü"/>
-            </a:pPr>
-            <a:r>
-              <a:rPr lang="pt-BR" dirty="0"/>
-              <a:t>São artefatos: Backlog do Produto, Backlog da Sprint e Incremento.</a:t>
-            </a:r>
-          </a:p>
-        </p:txBody>
-      </p:sp>
-    </p:spTree>
-    <p:extLst>
-      <p:ext uri="{BB962C8B-B14F-4D97-AF65-F5344CB8AC3E}">
-        <p14:creationId xmlns:p14="http://schemas.microsoft.com/office/powerpoint/2010/main" val="3023515660"/>
-      </p:ext>
-    </p:extLst>
-  </p:cSld>
-  <p:clrMapOvr>
-    <a:masterClrMapping/>
-  </p:clrMapOvr>
-</p:sld>
-</file>
-
-<file path=ppt/slides/slide34.xml><?xml version="1.0" encoding="utf-8"?>
-<p:sld xmlns:a="http://schemas.openxmlformats.org/drawingml/2006/main" xmlns:r="http://schemas.openxmlformats.org/officeDocument/2006/relationships" xmlns:p="http://schemas.openxmlformats.org/presentationml/2006/main">
-  <p:cSld>
-    <p:spTree>
-      <p:nvGrpSpPr>
-        <p:cNvPr id="1" name=""/>
-        <p:cNvGrpSpPr/>
-        <p:nvPr/>
-      </p:nvGrpSpPr>
-      <p:grpSpPr>
-        <a:xfrm>
-          <a:off x="0" y="0"/>
-          <a:ext cx="0" cy="0"/>
-          <a:chOff x="0" y="0"/>
-          <a:chExt cx="0" cy="0"/>
-        </a:xfrm>
-      </p:grpSpPr>
-      <p:sp>
-        <p:nvSpPr>
-          <p:cNvPr id="2" name="Título 1"/>
-          <p:cNvSpPr>
-            <a:spLocks noGrp="1"/>
-          </p:cNvSpPr>
-          <p:nvPr>
-            <p:ph type="title"/>
-          </p:nvPr>
-        </p:nvSpPr>
         <p:spPr>
           <a:xfrm>
             <a:off x="492919" y="499533"/>
@@ -7578,7 +7298,7 @@
 </p:sld>
 </file>
 
-<file path=ppt/slides/slide35.xml><?xml version="1.0" encoding="utf-8"?>
+<file path=ppt/slides/slide34.xml><?xml version="1.0" encoding="utf-8"?>
 <p:sld xmlns:a="http://schemas.openxmlformats.org/drawingml/2006/main" xmlns:r="http://schemas.openxmlformats.org/officeDocument/2006/relationships" xmlns:p="http://schemas.openxmlformats.org/presentationml/2006/main">
   <p:cSld>
     <p:spTree>
@@ -7744,7 +7464,7 @@
 </p:sld>
 </file>
 
-<file path=ppt/slides/slide36.xml><?xml version="1.0" encoding="utf-8"?>
+<file path=ppt/slides/slide35.xml><?xml version="1.0" encoding="utf-8"?>
 <p:sld xmlns:a="http://schemas.openxmlformats.org/drawingml/2006/main" xmlns:r="http://schemas.openxmlformats.org/officeDocument/2006/relationships" xmlns:p="http://schemas.openxmlformats.org/presentationml/2006/main">
   <p:cSld>
     <p:spTree>
@@ -7842,7 +7562,7 @@
 </p:sld>
 </file>
 
-<file path=ppt/slides/slide37.xml><?xml version="1.0" encoding="utf-8"?>
+<file path=ppt/slides/slide36.xml><?xml version="1.0" encoding="utf-8"?>
 <p:sld xmlns:a="http://schemas.openxmlformats.org/drawingml/2006/main" xmlns:r="http://schemas.openxmlformats.org/officeDocument/2006/relationships" xmlns:p="http://schemas.openxmlformats.org/presentationml/2006/main">
   <p:cSld>
     <p:spTree>
@@ -7944,7 +7664,7 @@
 </p:sld>
 </file>
 
-<file path=ppt/slides/slide38.xml><?xml version="1.0" encoding="utf-8"?>
+<file path=ppt/slides/slide37.xml><?xml version="1.0" encoding="utf-8"?>
 <p:sld xmlns:a="http://schemas.openxmlformats.org/drawingml/2006/main" xmlns:r="http://schemas.openxmlformats.org/officeDocument/2006/relationships" xmlns:p="http://schemas.openxmlformats.org/presentationml/2006/main">
   <p:cSld>
     <p:spTree>
@@ -8032,7 +7752,7 @@
 </p:sld>
 </file>
 
-<file path=ppt/slides/slide39.xml><?xml version="1.0" encoding="utf-8"?>
+<file path=ppt/slides/slide38.xml><?xml version="1.0" encoding="utf-8"?>
 <p:sld xmlns:a="http://schemas.openxmlformats.org/drawingml/2006/main" xmlns:r="http://schemas.openxmlformats.org/officeDocument/2006/relationships" xmlns:p="http://schemas.openxmlformats.org/presentationml/2006/main">
   <p:cSld>
     <p:spTree>
@@ -8116,6 +7836,82 @@
 </p:sld>
 </file>
 
+<file path=ppt/slides/slide39.xml><?xml version="1.0" encoding="utf-8"?>
+<p:sld xmlns:a="http://schemas.openxmlformats.org/drawingml/2006/main" xmlns:r="http://schemas.openxmlformats.org/officeDocument/2006/relationships" xmlns:p="http://schemas.openxmlformats.org/presentationml/2006/main">
+  <p:cSld>
+    <p:spTree>
+      <p:nvGrpSpPr>
+        <p:cNvPr id="1" name=""/>
+        <p:cNvGrpSpPr/>
+        <p:nvPr/>
+      </p:nvGrpSpPr>
+      <p:grpSpPr>
+        <a:xfrm>
+          <a:off x="0" y="0"/>
+          <a:ext cx="0" cy="0"/>
+          <a:chOff x="0" y="0"/>
+          <a:chExt cx="0" cy="0"/>
+        </a:xfrm>
+      </p:grpSpPr>
+      <p:sp>
+        <p:nvSpPr>
+          <p:cNvPr id="2" name="Título 1"/>
+          <p:cNvSpPr>
+            <a:spLocks noGrp="1"/>
+          </p:cNvSpPr>
+          <p:nvPr>
+            <p:ph type="title"/>
+          </p:nvPr>
+        </p:nvSpPr>
+        <p:spPr/>
+        <p:txBody>
+          <a:bodyPr/>
+          <a:lstStyle/>
+          <a:p>
+            <a:r>
+              <a:rPr lang="pt-BR" dirty="0"/>
+              <a:t>Adesão ao </a:t>
+            </a:r>
+            <a:r>
+              <a:rPr lang="pt-BR" dirty="0" err="1"/>
+              <a:t>Scrum</a:t>
+            </a:r>
+            <a:endParaRPr lang="pt-BR" dirty="0"/>
+          </a:p>
+        </p:txBody>
+      </p:sp>
+      <p:sp>
+        <p:nvSpPr>
+          <p:cNvPr id="3" name="Espaço Reservado para Conteúdo 2"/>
+          <p:cNvSpPr>
+            <a:spLocks noGrp="1"/>
+          </p:cNvSpPr>
+          <p:nvPr>
+            <p:ph idx="1"/>
+          </p:nvPr>
+        </p:nvSpPr>
+        <p:spPr/>
+        <p:txBody>
+          <a:bodyPr/>
+          <a:lstStyle/>
+          <a:p>
+            <a:endParaRPr lang="pt-BR"/>
+          </a:p>
+        </p:txBody>
+      </p:sp>
+    </p:spTree>
+    <p:extLst>
+      <p:ext uri="{BB962C8B-B14F-4D97-AF65-F5344CB8AC3E}">
+        <p14:creationId xmlns:p14="http://schemas.microsoft.com/office/powerpoint/2010/main" val="2249379163"/>
+      </p:ext>
+    </p:extLst>
+  </p:cSld>
+  <p:clrMapOvr>
+    <a:masterClrMapping/>
+  </p:clrMapOvr>
+</p:sld>
+</file>
+
 <file path=ppt/slides/slide4.xml><?xml version="1.0" encoding="utf-8"?>
 <p:sld xmlns:a="http://schemas.openxmlformats.org/drawingml/2006/main" xmlns:r="http://schemas.openxmlformats.org/officeDocument/2006/relationships" xmlns:p="http://schemas.openxmlformats.org/presentationml/2006/main">
   <p:cSld>
@@ -8135,12 +7931,12 @@
       </p:grpSpPr>
       <p:sp>
         <p:nvSpPr>
-          <p:cNvPr id="3" name="Content Placeholder 2"/>
-          <p:cNvSpPr>
-            <a:spLocks noGrp="1"/>
-          </p:cNvSpPr>
-          <p:nvPr>
-            <p:ph idx="1"/>
+          <p:cNvPr id="3" name="Título 2"/>
+          <p:cNvSpPr>
+            <a:spLocks noGrp="1"/>
+          </p:cNvSpPr>
+          <p:nvPr>
+            <p:ph type="title"/>
           </p:nvPr>
         </p:nvSpPr>
         <p:spPr/>
@@ -8150,50 +7946,76 @@
           </a:bodyPr>
           <a:lstStyle/>
           <a:p>
-            <a:pPr>
-              <a:buFont typeface="Wingdings" panose="05000000000000000000" pitchFamily="2" charset="2"/>
-              <a:buChar char="ü"/>
-            </a:pPr>
-            <a:r>
-              <a:rPr lang="pt-BR" dirty="0"/>
-              <a:t>Um plano para realização de um ato, desígnio, intenção </a:t>
-            </a:r>
-          </a:p>
-          <a:p>
-            <a:pPr>
-              <a:buFont typeface="Wingdings" panose="05000000000000000000" pitchFamily="2" charset="2"/>
-              <a:buChar char="ü"/>
-            </a:pPr>
-            <a:r>
-              <a:rPr lang="pt-BR" dirty="0"/>
-              <a:t>Para que consigamos atingir um determinado objetivo com eficácia é necessário frequentemente conhecer as alternativas, adaptar a que talvez possa ser a mais condizente e inspecionar para certificar-se que está trilhando a melhor rota.</a:t>
-            </a:r>
-          </a:p>
-        </p:txBody>
-      </p:sp>
-      <p:sp>
-        <p:nvSpPr>
-          <p:cNvPr id="5" name="Título 2"/>
-          <p:cNvSpPr>
-            <a:spLocks noGrp="1"/>
-          </p:cNvSpPr>
-          <p:nvPr>
-            <p:ph type="title"/>
-          </p:nvPr>
-        </p:nvSpPr>
-        <p:spPr/>
-        <p:txBody>
-          <a:bodyPr/>
-          <a:lstStyle/>
-          <a:p>
-            <a:r>
-              <a:rPr lang="pt-BR" dirty="0"/>
-              <a:t>Projeto</a:t>
-            </a:r>
+            <a:r>
+              <a:rPr lang="pt-BR" dirty="0"/>
+              <a:t>Gerenciamento de Projetos de Software</a:t>
+            </a:r>
+          </a:p>
+        </p:txBody>
+      </p:sp>
+      <p:sp>
+        <p:nvSpPr>
+          <p:cNvPr id="2" name="Espaço Reservado para Conteúdo 1"/>
+          <p:cNvSpPr>
+            <a:spLocks noGrp="1"/>
+          </p:cNvSpPr>
+          <p:nvPr>
+            <p:ph idx="1"/>
+          </p:nvPr>
+        </p:nvSpPr>
+        <p:spPr>
+          <a:xfrm>
+            <a:off x="525732" y="2157731"/>
+            <a:ext cx="8065294" cy="3766185"/>
+          </a:xfrm>
+        </p:spPr>
+        <p:txBody>
+          <a:bodyPr>
+            <a:normAutofit/>
+          </a:bodyPr>
+          <a:lstStyle/>
+          <a:p>
+            <a:pPr>
+              <a:buFont typeface="Wingdings" panose="05000000000000000000" pitchFamily="2" charset="2"/>
+              <a:buChar char="ü"/>
+            </a:pPr>
+            <a:r>
+              <a:rPr lang="pt-BR" dirty="0"/>
+              <a:t>Conjunto de práticas que serve de guia a um grupo para trabalhar de maneira produtiva;</a:t>
+            </a:r>
+          </a:p>
+          <a:p>
+            <a:pPr>
+              <a:buFont typeface="Wingdings" panose="05000000000000000000" pitchFamily="2" charset="2"/>
+              <a:buChar char="ü"/>
+            </a:pPr>
+            <a:r>
+              <a:rPr lang="pt-BR" dirty="0"/>
+              <a:t>Compreende métodos e ferramentas que organizam as tarefas, identificam sua sequência e dependências;</a:t>
+            </a:r>
+          </a:p>
+          <a:p>
+            <a:pPr>
+              <a:buFont typeface="Wingdings" panose="05000000000000000000" pitchFamily="2" charset="2"/>
+              <a:buChar char="ü"/>
+            </a:pPr>
+            <a:r>
+              <a:rPr lang="pt-BR" dirty="0"/>
+              <a:t>Apoia a alocação de recursos e tempo, além de permitir o rastreamento da execução das atividades e medição do progresso relativo ao que foi definido no plano de projeto.</a:t>
+            </a:r>
+            <a:br>
+              <a:rPr lang="pt-BR" dirty="0"/>
+            </a:br>
+            <a:endParaRPr lang="pt-BR" dirty="0"/>
           </a:p>
         </p:txBody>
       </p:sp>
     </p:spTree>
+    <p:extLst>
+      <p:ext uri="{BB962C8B-B14F-4D97-AF65-F5344CB8AC3E}">
+        <p14:creationId xmlns:p14="http://schemas.microsoft.com/office/powerpoint/2010/main" val="1619631794"/>
+      </p:ext>
+    </p:extLst>
   </p:cSld>
   <p:clrMapOvr>
     <a:masterClrMapping/>
@@ -8235,6 +8057,82 @@
           <a:p>
             <a:r>
               <a:rPr lang="pt-BR" dirty="0"/>
+              <a:t>Certificação </a:t>
+            </a:r>
+            <a:r>
+              <a:rPr lang="pt-BR" dirty="0" err="1"/>
+              <a:t>Scrum</a:t>
+            </a:r>
+            <a:endParaRPr lang="pt-BR" dirty="0"/>
+          </a:p>
+        </p:txBody>
+      </p:sp>
+      <p:sp>
+        <p:nvSpPr>
+          <p:cNvPr id="3" name="Espaço Reservado para Conteúdo 2"/>
+          <p:cNvSpPr>
+            <a:spLocks noGrp="1"/>
+          </p:cNvSpPr>
+          <p:nvPr>
+            <p:ph idx="1"/>
+          </p:nvPr>
+        </p:nvSpPr>
+        <p:spPr/>
+        <p:txBody>
+          <a:bodyPr/>
+          <a:lstStyle/>
+          <a:p>
+            <a:endParaRPr lang="pt-BR"/>
+          </a:p>
+        </p:txBody>
+      </p:sp>
+    </p:spTree>
+    <p:extLst>
+      <p:ext uri="{BB962C8B-B14F-4D97-AF65-F5344CB8AC3E}">
+        <p14:creationId xmlns:p14="http://schemas.microsoft.com/office/powerpoint/2010/main" val="272233007"/>
+      </p:ext>
+    </p:extLst>
+  </p:cSld>
+  <p:clrMapOvr>
+    <a:masterClrMapping/>
+  </p:clrMapOvr>
+</p:sld>
+</file>
+
+<file path=ppt/slides/slide41.xml><?xml version="1.0" encoding="utf-8"?>
+<p:sld xmlns:a="http://schemas.openxmlformats.org/drawingml/2006/main" xmlns:r="http://schemas.openxmlformats.org/officeDocument/2006/relationships" xmlns:p="http://schemas.openxmlformats.org/presentationml/2006/main">
+  <p:cSld>
+    <p:spTree>
+      <p:nvGrpSpPr>
+        <p:cNvPr id="1" name=""/>
+        <p:cNvGrpSpPr/>
+        <p:nvPr/>
+      </p:nvGrpSpPr>
+      <p:grpSpPr>
+        <a:xfrm>
+          <a:off x="0" y="0"/>
+          <a:ext cx="0" cy="0"/>
+          <a:chOff x="0" y="0"/>
+          <a:chExt cx="0" cy="0"/>
+        </a:xfrm>
+      </p:grpSpPr>
+      <p:sp>
+        <p:nvSpPr>
+          <p:cNvPr id="2" name="Título 1"/>
+          <p:cNvSpPr>
+            <a:spLocks noGrp="1"/>
+          </p:cNvSpPr>
+          <p:nvPr>
+            <p:ph type="title"/>
+          </p:nvPr>
+        </p:nvSpPr>
+        <p:spPr/>
+        <p:txBody>
+          <a:bodyPr/>
+          <a:lstStyle/>
+          <a:p>
+            <a:r>
+              <a:rPr lang="pt-BR" dirty="0"/>
               <a:t>Conclusão</a:t>
             </a:r>
           </a:p>
@@ -8261,7 +8159,7 @@
             </a:pPr>
             <a:r>
               <a:rPr lang="pt-BR" dirty="0"/>
-              <a:t>É fundamental a utilização das metodologias ágeis de desenvolvimento de projetos em startups</a:t>
+              <a:t>É fundamental a utilização das metodologias ágeis de desenvolvimento de projetos em startups.</a:t>
             </a:r>
           </a:p>
           <a:p>
@@ -8312,7 +8210,7 @@
       </p:grpSpPr>
       <p:sp>
         <p:nvSpPr>
-          <p:cNvPr id="3" name="Título 2"/>
+          <p:cNvPr id="2" name="Título 1"/>
           <p:cNvSpPr>
             <a:spLocks noGrp="1"/>
           </p:cNvSpPr>
@@ -8321,80 +8219,84 @@
           </p:nvPr>
         </p:nvSpPr>
         <p:spPr/>
+        <p:txBody>
+          <a:bodyPr/>
+          <a:lstStyle/>
+          <a:p>
+            <a:r>
+              <a:rPr lang="pt-BR" dirty="0"/>
+              <a:t>Padrões Tradicionais de Gerenciamento</a:t>
+            </a:r>
+          </a:p>
+        </p:txBody>
+      </p:sp>
+      <p:sp>
+        <p:nvSpPr>
+          <p:cNvPr id="3" name="Espaço Reservado para Conteúdo 2"/>
+          <p:cNvSpPr>
+            <a:spLocks noGrp="1"/>
+          </p:cNvSpPr>
+          <p:nvPr>
+            <p:ph idx="1"/>
+          </p:nvPr>
+        </p:nvSpPr>
+        <p:spPr>
+          <a:xfrm>
+            <a:off x="507206" y="2157731"/>
+            <a:ext cx="8065294" cy="4079581"/>
+          </a:xfrm>
+        </p:spPr>
         <p:txBody>
           <a:bodyPr>
             <a:normAutofit/>
           </a:bodyPr>
           <a:lstStyle/>
           <a:p>
-            <a:r>
-              <a:rPr lang="pt-BR" dirty="0"/>
-              <a:t>Gerenciamento de Projetos de Software</a:t>
-            </a:r>
-          </a:p>
-        </p:txBody>
-      </p:sp>
-      <p:sp>
-        <p:nvSpPr>
-          <p:cNvPr id="2" name="Espaço Reservado para Conteúdo 1"/>
-          <p:cNvSpPr>
-            <a:spLocks noGrp="1"/>
-          </p:cNvSpPr>
-          <p:nvPr>
-            <p:ph idx="1"/>
-          </p:nvPr>
-        </p:nvSpPr>
-        <p:spPr>
-          <a:xfrm>
-            <a:off x="525732" y="2157731"/>
-            <a:ext cx="8065294" cy="3766185"/>
-          </a:xfrm>
-        </p:spPr>
-        <p:txBody>
-          <a:bodyPr>
-            <a:normAutofit/>
-          </a:bodyPr>
-          <a:lstStyle/>
-          <a:p>
-            <a:pPr>
-              <a:buFont typeface="Wingdings" panose="05000000000000000000" pitchFamily="2" charset="2"/>
-              <a:buChar char="ü"/>
-            </a:pPr>
-            <a:r>
-              <a:rPr lang="pt-BR" dirty="0"/>
-              <a:t>Conjunto de práticas que serve de guia a um grupo para trabalhar de maneira produtiva. </a:t>
-            </a:r>
-          </a:p>
-          <a:p>
-            <a:pPr>
-              <a:buFont typeface="Wingdings" panose="05000000000000000000" pitchFamily="2" charset="2"/>
-              <a:buChar char="ü"/>
-            </a:pPr>
-            <a:r>
-              <a:rPr lang="pt-BR" dirty="0"/>
-              <a:t>Compreende métodos e ferramentas que organizam as tarefas, identificam sua sequência e dependências.</a:t>
-            </a:r>
-          </a:p>
-          <a:p>
-            <a:pPr>
-              <a:buFont typeface="Wingdings" panose="05000000000000000000" pitchFamily="2" charset="2"/>
-              <a:buChar char="ü"/>
-            </a:pPr>
-            <a:r>
-              <a:rPr lang="pt-BR" dirty="0"/>
-              <a:t>Apoia a alocação de recursos e tempo, além de permitir o rastreamento da execução das atividades e medição do progresso relativo ao que foi definido no plano de projeto.</a:t>
-            </a:r>
-            <a:br>
-              <a:rPr lang="pt-BR" dirty="0"/>
-            </a:br>
-            <a:endParaRPr lang="pt-BR" dirty="0"/>
+            <a:pPr>
+              <a:buFont typeface="Wingdings" panose="05000000000000000000" pitchFamily="2" charset="2"/>
+              <a:buChar char="ü"/>
+            </a:pPr>
+            <a:r>
+              <a:rPr lang="pt-BR" dirty="0"/>
+              <a:t>O método mais utilizado no desenvolvimento de software;</a:t>
+            </a:r>
+          </a:p>
+          <a:p>
+            <a:pPr>
+              <a:buFont typeface="Wingdings" panose="05000000000000000000" pitchFamily="2" charset="2"/>
+              <a:buChar char="ü"/>
+            </a:pPr>
+            <a:r>
+              <a:rPr lang="pt-BR" dirty="0"/>
+              <a:t>Desenvolvimento em cascata;</a:t>
+            </a:r>
+          </a:p>
+          <a:p>
+            <a:pPr lvl="2">
+              <a:buFont typeface="Wingdings" panose="05000000000000000000" pitchFamily="2" charset="2"/>
+              <a:buChar char="ü"/>
+            </a:pPr>
+            <a:r>
+              <a:rPr lang="pt-BR" dirty="0"/>
+              <a:t>O software é construído seguindo uma sequência de fases, sendo que cada fase, com exceção da primeira, depende da conclusão da fase anterior </a:t>
+            </a:r>
+          </a:p>
+          <a:p>
+            <a:pPr>
+              <a:buFont typeface="Wingdings" panose="05000000000000000000" pitchFamily="2" charset="2"/>
+              <a:buChar char="ü"/>
+            </a:pPr>
+            <a:r>
+              <a:rPr lang="pt-BR" dirty="0"/>
+              <a:t>A partir das informações históricas e da repetição obtém-se a melhoria da capacidade do processo através da padronização, medição e controle.</a:t>
+            </a:r>
           </a:p>
         </p:txBody>
       </p:sp>
     </p:spTree>
     <p:extLst>
       <p:ext uri="{BB962C8B-B14F-4D97-AF65-F5344CB8AC3E}">
-        <p14:creationId xmlns:p14="http://schemas.microsoft.com/office/powerpoint/2010/main" val="1619631794"/>
+        <p14:creationId xmlns:p14="http://schemas.microsoft.com/office/powerpoint/2010/main" val="2404541622"/>
       </p:ext>
     </p:extLst>
   </p:cSld>
@@ -8431,32 +8333,37 @@
             <p:ph type="title"/>
           </p:nvPr>
         </p:nvSpPr>
-        <p:spPr/>
-        <p:txBody>
-          <a:bodyPr/>
-          <a:lstStyle/>
-          <a:p>
-            <a:r>
-              <a:rPr lang="pt-BR" dirty="0"/>
-              <a:t>Padrões Tradicionais de Gerenciamento</a:t>
-            </a:r>
-          </a:p>
-        </p:txBody>
-      </p:sp>
-      <p:sp>
-        <p:nvSpPr>
-          <p:cNvPr id="3" name="Espaço Reservado para Conteúdo 2"/>
-          <p:cNvSpPr>
-            <a:spLocks noGrp="1"/>
-          </p:cNvSpPr>
-          <p:nvPr>
-            <p:ph idx="1"/>
-          </p:nvPr>
-        </p:nvSpPr>
         <p:spPr>
           <a:xfrm>
-            <a:off x="507206" y="2157731"/>
-            <a:ext cx="8065294" cy="4079581"/>
+            <a:off x="492919" y="499533"/>
+            <a:ext cx="8079581" cy="1561315"/>
+          </a:xfrm>
+        </p:spPr>
+        <p:txBody>
+          <a:bodyPr/>
+          <a:lstStyle/>
+          <a:p>
+            <a:r>
+              <a:rPr lang="pt-BR" dirty="0"/>
+              <a:t>Padrões Tradicionais de Gerenciamento</a:t>
+            </a:r>
+          </a:p>
+        </p:txBody>
+      </p:sp>
+      <p:sp>
+        <p:nvSpPr>
+          <p:cNvPr id="3" name="Espaço Reservado para Conteúdo 2"/>
+          <p:cNvSpPr>
+            <a:spLocks noGrp="1"/>
+          </p:cNvSpPr>
+          <p:nvPr>
+            <p:ph idx="1"/>
+          </p:nvPr>
+        </p:nvSpPr>
+        <p:spPr>
+          <a:xfrm>
+            <a:off x="507206" y="2060847"/>
+            <a:ext cx="8065294" cy="3698731"/>
           </a:xfrm>
         </p:spPr>
         <p:txBody>
@@ -8471,59 +8378,66 @@
             </a:pPr>
             <a:r>
               <a:rPr lang="pt-BR" dirty="0"/>
-              <a:t>O método mais utilizado no desenvolvimento de software.</a:t>
-            </a:r>
-          </a:p>
-          <a:p>
-            <a:pPr>
+              <a:t>Estrutura mais rígida, pouco flexível a modificações e com grande exaltação da figura do gerente de projetos;</a:t>
+            </a:r>
+          </a:p>
+          <a:p>
+            <a:pPr>
+              <a:buFont typeface="Wingdings" panose="05000000000000000000" pitchFamily="2" charset="2"/>
+              <a:buChar char="ü"/>
+            </a:pPr>
+            <a:r>
+              <a:rPr lang="pt-BR" dirty="0"/>
+              <a:t>dificuldades em responder com rapidez as mudanças impostas pelos clientes ;</a:t>
+            </a:r>
+          </a:p>
+          <a:p>
+            <a:pPr>
+              <a:buFont typeface="Wingdings" panose="05000000000000000000" pitchFamily="2" charset="2"/>
+              <a:buChar char="ü"/>
+            </a:pPr>
+            <a:r>
+              <a:rPr lang="pt-BR" dirty="0"/>
+              <a:t>Monitoramento do andamento do projeto através das entregas.</a:t>
+            </a:r>
+          </a:p>
+          <a:p>
+            <a:pPr lvl="2">
               <a:buFont typeface="Wingdings" panose="05000000000000000000" pitchFamily="2" charset="2"/>
               <a:buChar char="ü"/>
             </a:pPr>
             <a:endParaRPr lang="pt-BR" dirty="0"/>
           </a:p>
-          <a:p>
-            <a:pPr>
-              <a:buFont typeface="Wingdings" panose="05000000000000000000" pitchFamily="2" charset="2"/>
-              <a:buChar char="ü"/>
-            </a:pPr>
-            <a:r>
-              <a:rPr lang="pt-BR" dirty="0"/>
-              <a:t>Desenvolvimento em cascata</a:t>
-            </a:r>
-          </a:p>
-          <a:p>
-            <a:pPr lvl="2">
-              <a:buFont typeface="Wingdings" panose="05000000000000000000" pitchFamily="2" charset="2"/>
-              <a:buChar char="ü"/>
-            </a:pPr>
-            <a:r>
-              <a:rPr lang="pt-BR" dirty="0"/>
-              <a:t>o software é construído seguindo uma sequência de fases, sendo que cada fase, com exceção da primeira, depende da conclusão da fase anterior </a:t>
-            </a:r>
-          </a:p>
-          <a:p>
-            <a:pPr>
-              <a:buFont typeface="Wingdings" panose="05000000000000000000" pitchFamily="2" charset="2"/>
-              <a:buChar char="ü"/>
-            </a:pPr>
-            <a:endParaRPr lang="pt-BR" dirty="0"/>
-          </a:p>
-          <a:p>
-            <a:pPr>
-              <a:buFont typeface="Wingdings" panose="05000000000000000000" pitchFamily="2" charset="2"/>
-              <a:buChar char="ü"/>
-            </a:pPr>
-            <a:r>
-              <a:rPr lang="pt-BR" dirty="0"/>
-              <a:t>A partir das informações históricas e da repetição obtém-se a melhoria da capacidade do processo através da padronização, medição e controle.</a:t>
-            </a:r>
-          </a:p>
-        </p:txBody>
-      </p:sp>
+        </p:txBody>
+      </p:sp>
+      <p:pic>
+        <p:nvPicPr>
+          <p:cNvPr id="4" name="Imagem 3"/>
+          <p:cNvPicPr>
+            <a:picLocks noChangeAspect="1"/>
+          </p:cNvPicPr>
+          <p:nvPr/>
+        </p:nvPicPr>
+        <p:blipFill>
+          <a:blip r:embed="rId2"/>
+          <a:stretch>
+            <a:fillRect/>
+          </a:stretch>
+        </p:blipFill>
+        <p:spPr>
+          <a:xfrm>
+            <a:off x="2843808" y="4365104"/>
+            <a:ext cx="2808312" cy="2060536"/>
+          </a:xfrm>
+          <a:prstGeom prst="rect">
+            <a:avLst/>
+          </a:prstGeom>
+        </p:spPr>
+      </p:pic>
     </p:spTree>
     <p:extLst>
       <p:ext uri="{BB962C8B-B14F-4D97-AF65-F5344CB8AC3E}">
-        <p14:creationId xmlns:p14="http://schemas.microsoft.com/office/powerpoint/2010/main" val="2404541622"/>
+        <p14:creationId xmlns:p14="http://schemas.microsoft.com/office/powerpoint/2010/main" val="86567153"/>
       </p:ext>
     </p:extLst>
   </p:cSld>
@@ -8567,7 +8481,11 @@
           <a:p>
             <a:r>
               <a:rPr lang="pt-BR" dirty="0"/>
-              <a:t>Padrões Tradicionais de Gerenciamento</a:t>
+              <a:t>Slides </a:t>
+            </a:r>
+            <a:r>
+              <a:rPr lang="pt-BR" dirty="0" err="1"/>
+              <a:t>toyota</a:t>
             </a:r>
             <a:endParaRPr lang="pt-BR" dirty="0"/>
           </a:p>
@@ -8585,84 +8503,17 @@
         </p:nvSpPr>
         <p:spPr/>
         <p:txBody>
-          <a:bodyPr>
-            <a:normAutofit/>
-          </a:bodyPr>
-          <a:lstStyle/>
-          <a:p>
-            <a:pPr lvl="2">
-              <a:buFont typeface="Wingdings" panose="05000000000000000000" pitchFamily="2" charset="2"/>
-              <a:buChar char="ü"/>
-            </a:pPr>
-            <a:endParaRPr lang="pt-BR" dirty="0"/>
-          </a:p>
-          <a:p>
-            <a:pPr>
-              <a:buFont typeface="Wingdings" panose="05000000000000000000" pitchFamily="2" charset="2"/>
-              <a:buChar char="ü"/>
-            </a:pPr>
-            <a:r>
-              <a:rPr lang="pt-BR" dirty="0"/>
-              <a:t>Estrutura mais rígida, pouco flexível a modificações e com grande exaltação da figura do gerente de projetos</a:t>
-            </a:r>
-          </a:p>
-          <a:p>
-            <a:pPr>
-              <a:buFont typeface="Wingdings" panose="05000000000000000000" pitchFamily="2" charset="2"/>
-              <a:buChar char="ü"/>
-            </a:pPr>
-            <a:r>
-              <a:rPr lang="pt-BR" dirty="0"/>
-              <a:t>dificuldades em responder com rapidez as mudanças impostas pelos clientes </a:t>
-            </a:r>
-          </a:p>
-          <a:p>
-            <a:pPr>
-              <a:buFont typeface="Wingdings" panose="05000000000000000000" pitchFamily="2" charset="2"/>
-              <a:buChar char="ü"/>
-            </a:pPr>
-            <a:r>
-              <a:rPr lang="pt-BR" dirty="0"/>
-              <a:t>Monitoramento do andamento do projeto através das entregas</a:t>
-            </a:r>
-          </a:p>
-          <a:p>
-            <a:pPr lvl="2">
-              <a:buFont typeface="Wingdings" panose="05000000000000000000" pitchFamily="2" charset="2"/>
-              <a:buChar char="ü"/>
-            </a:pPr>
-            <a:endParaRPr lang="pt-BR" dirty="0"/>
-          </a:p>
-        </p:txBody>
-      </p:sp>
-      <p:pic>
-        <p:nvPicPr>
-          <p:cNvPr id="4" name="Imagem 3"/>
-          <p:cNvPicPr>
-            <a:picLocks noChangeAspect="1"/>
-          </p:cNvPicPr>
-          <p:nvPr/>
-        </p:nvPicPr>
-        <p:blipFill>
-          <a:blip r:embed="rId2"/>
-          <a:stretch>
-            <a:fillRect/>
-          </a:stretch>
-        </p:blipFill>
-        <p:spPr>
-          <a:xfrm>
-            <a:off x="2843808" y="4509120"/>
-            <a:ext cx="2808312" cy="2060536"/>
-          </a:xfrm>
-          <a:prstGeom prst="rect">
-            <a:avLst/>
-          </a:prstGeom>
-        </p:spPr>
-      </p:pic>
+          <a:bodyPr/>
+          <a:lstStyle/>
+          <a:p>
+            <a:endParaRPr lang="pt-BR"/>
+          </a:p>
+        </p:txBody>
+      </p:sp>
     </p:spTree>
     <p:extLst>
       <p:ext uri="{BB962C8B-B14F-4D97-AF65-F5344CB8AC3E}">
-        <p14:creationId xmlns:p14="http://schemas.microsoft.com/office/powerpoint/2010/main" val="86567153"/>
+        <p14:creationId xmlns:p14="http://schemas.microsoft.com/office/powerpoint/2010/main" val="981767770"/>
       </p:ext>
     </p:extLst>
   </p:cSld>
@@ -8699,20 +8550,20 @@
             <p:ph type="title"/>
           </p:nvPr>
         </p:nvSpPr>
-        <p:spPr/>
-        <p:txBody>
-          <a:bodyPr/>
-          <a:lstStyle/>
-          <a:p>
-            <a:r>
-              <a:rPr lang="pt-BR" dirty="0"/>
-              <a:t>Slides </a:t>
-            </a:r>
-            <a:r>
-              <a:rPr lang="pt-BR" dirty="0" err="1"/>
-              <a:t>toyota</a:t>
-            </a:r>
-            <a:endParaRPr lang="pt-BR" dirty="0"/>
+        <p:spPr>
+          <a:xfrm>
+            <a:off x="492919" y="499533"/>
+            <a:ext cx="8079581" cy="1493860"/>
+          </a:xfrm>
+        </p:spPr>
+        <p:txBody>
+          <a:bodyPr/>
+          <a:lstStyle/>
+          <a:p>
+            <a:r>
+              <a:rPr lang="pt-BR" dirty="0"/>
+              <a:t>Desenvolvimento Ágil</a:t>
+            </a:r>
           </a:p>
         </p:txBody>
       </p:sp>
@@ -8726,99 +8577,33 @@
             <p:ph idx="1"/>
           </p:nvPr>
         </p:nvSpPr>
-        <p:spPr/>
-        <p:txBody>
-          <a:bodyPr/>
-          <a:lstStyle/>
-          <a:p>
-            <a:endParaRPr lang="pt-BR"/>
-          </a:p>
-        </p:txBody>
-      </p:sp>
-    </p:spTree>
-    <p:extLst>
-      <p:ext uri="{BB962C8B-B14F-4D97-AF65-F5344CB8AC3E}">
-        <p14:creationId xmlns:p14="http://schemas.microsoft.com/office/powerpoint/2010/main" val="981767770"/>
-      </p:ext>
-    </p:extLst>
-  </p:cSld>
-  <p:clrMapOvr>
-    <a:masterClrMapping/>
-  </p:clrMapOvr>
-</p:sld>
-</file>
-
-<file path=ppt/slides/slide9.xml><?xml version="1.0" encoding="utf-8"?>
-<p:sld xmlns:a="http://schemas.openxmlformats.org/drawingml/2006/main" xmlns:r="http://schemas.openxmlformats.org/officeDocument/2006/relationships" xmlns:p="http://schemas.openxmlformats.org/presentationml/2006/main">
-  <p:cSld>
-    <p:spTree>
-      <p:nvGrpSpPr>
-        <p:cNvPr id="1" name=""/>
-        <p:cNvGrpSpPr/>
-        <p:nvPr/>
-      </p:nvGrpSpPr>
-      <p:grpSpPr>
-        <a:xfrm>
-          <a:off x="0" y="0"/>
-          <a:ext cx="0" cy="0"/>
-          <a:chOff x="0" y="0"/>
-          <a:chExt cx="0" cy="0"/>
-        </a:xfrm>
-      </p:grpSpPr>
-      <p:sp>
-        <p:nvSpPr>
-          <p:cNvPr id="2" name="Título 1"/>
-          <p:cNvSpPr>
-            <a:spLocks noGrp="1"/>
-          </p:cNvSpPr>
-          <p:nvPr>
-            <p:ph type="title"/>
-          </p:nvPr>
-        </p:nvSpPr>
-        <p:spPr/>
-        <p:txBody>
-          <a:bodyPr/>
-          <a:lstStyle/>
-          <a:p>
-            <a:r>
-              <a:rPr lang="pt-BR" dirty="0"/>
-              <a:t>Desenvolvimento Ágil</a:t>
-            </a:r>
-          </a:p>
-        </p:txBody>
-      </p:sp>
-      <p:sp>
-        <p:nvSpPr>
-          <p:cNvPr id="3" name="Espaço Reservado para Conteúdo 2"/>
-          <p:cNvSpPr>
-            <a:spLocks noGrp="1"/>
-          </p:cNvSpPr>
-          <p:nvPr>
-            <p:ph idx="1"/>
-          </p:nvPr>
-        </p:nvSpPr>
-        <p:spPr/>
-        <p:txBody>
-          <a:bodyPr/>
-          <a:lstStyle/>
-          <a:p>
-            <a:pPr>
-              <a:buFont typeface="Wingdings" panose="05000000000000000000" pitchFamily="2" charset="2"/>
-              <a:buChar char="ü"/>
-            </a:pPr>
-            <a:r>
-              <a:rPr lang="pt-BR" dirty="0"/>
-              <a:t>Surgiu com a necessidade de introduzir no mercado produtos com mais rapidez e níveis elevados de satisfação.</a:t>
-            </a:r>
-          </a:p>
-          <a:p>
-            <a:pPr>
-              <a:buFont typeface="Wingdings" panose="05000000000000000000" pitchFamily="2" charset="2"/>
-              <a:buChar char="ü"/>
-            </a:pPr>
-            <a:r>
-              <a:rPr lang="pt-BR" dirty="0"/>
-              <a:t>Divide o problema em produtos menores e que visa entregar software funcionando regularmente.</a:t>
+        <p:spPr>
+          <a:xfrm>
+            <a:off x="507206" y="1844825"/>
+            <a:ext cx="8065294" cy="3914754"/>
+          </a:xfrm>
+        </p:spPr>
+        <p:txBody>
+          <a:bodyPr/>
+          <a:lstStyle/>
+          <a:p>
+            <a:pPr>
+              <a:buFont typeface="Wingdings" panose="05000000000000000000" pitchFamily="2" charset="2"/>
+              <a:buChar char="ü"/>
+            </a:pPr>
+            <a:r>
+              <a:rPr lang="pt-BR" dirty="0"/>
+              <a:t>Surgiu com a necessidade de introduzir no mercado produtos com mais rapidez e níveis elevados de satisfação;</a:t>
+            </a:r>
+          </a:p>
+          <a:p>
+            <a:pPr>
+              <a:buFont typeface="Wingdings" panose="05000000000000000000" pitchFamily="2" charset="2"/>
+              <a:buChar char="ü"/>
+            </a:pPr>
+            <a:r>
+              <a:rPr lang="pt-BR" dirty="0"/>
+              <a:t>Divide o problema em produtos menores e que visa entregar software funcionando regularmente;</a:t>
             </a:r>
           </a:p>
           <a:p>
@@ -8867,6 +8652,280 @@
     <p:extLst>
       <p:ext uri="{BB962C8B-B14F-4D97-AF65-F5344CB8AC3E}">
         <p14:creationId xmlns:p14="http://schemas.microsoft.com/office/powerpoint/2010/main" val="3076839744"/>
+      </p:ext>
+    </p:extLst>
+  </p:cSld>
+  <p:clrMapOvr>
+    <a:masterClrMapping/>
+  </p:clrMapOvr>
+</p:sld>
+</file>
+
+<file path=ppt/slides/slide9.xml><?xml version="1.0" encoding="utf-8"?>
+<p:sld xmlns:a="http://schemas.openxmlformats.org/drawingml/2006/main" xmlns:r="http://schemas.openxmlformats.org/officeDocument/2006/relationships" xmlns:p="http://schemas.openxmlformats.org/presentationml/2006/main">
+  <p:cSld>
+    <p:spTree>
+      <p:nvGrpSpPr>
+        <p:cNvPr id="1" name=""/>
+        <p:cNvGrpSpPr/>
+        <p:nvPr/>
+      </p:nvGrpSpPr>
+      <p:grpSpPr>
+        <a:xfrm>
+          <a:off x="0" y="0"/>
+          <a:ext cx="0" cy="0"/>
+          <a:chOff x="0" y="0"/>
+          <a:chExt cx="0" cy="0"/>
+        </a:xfrm>
+      </p:grpSpPr>
+      <p:sp>
+        <p:nvSpPr>
+          <p:cNvPr id="3" name="Título 2"/>
+          <p:cNvSpPr>
+            <a:spLocks noGrp="1"/>
+          </p:cNvSpPr>
+          <p:nvPr>
+            <p:ph type="title"/>
+          </p:nvPr>
+        </p:nvSpPr>
+        <p:spPr/>
+        <p:txBody>
+          <a:bodyPr/>
+          <a:lstStyle/>
+          <a:p>
+            <a:r>
+              <a:rPr lang="pt-BR" dirty="0"/>
+              <a:t>Manifesto ágil</a:t>
+            </a:r>
+          </a:p>
+        </p:txBody>
+      </p:sp>
+      <p:sp>
+        <p:nvSpPr>
+          <p:cNvPr id="2" name="Espaço Reservado para Conteúdo 1"/>
+          <p:cNvSpPr>
+            <a:spLocks noGrp="1"/>
+          </p:cNvSpPr>
+          <p:nvPr>
+            <p:ph idx="1"/>
+          </p:nvPr>
+        </p:nvSpPr>
+        <p:spPr>
+          <a:xfrm>
+            <a:off x="507206" y="1993393"/>
+            <a:ext cx="8065294" cy="4171911"/>
+          </a:xfrm>
+        </p:spPr>
+        <p:txBody>
+          <a:bodyPr>
+            <a:normAutofit/>
+          </a:bodyPr>
+          <a:lstStyle/>
+          <a:p>
+            <a:pPr>
+              <a:buFont typeface="Wingdings" panose="05000000000000000000" pitchFamily="2" charset="2"/>
+              <a:buChar char="ü"/>
+            </a:pPr>
+            <a:r>
+              <a:rPr lang="pt-BR" dirty="0"/>
+              <a:t>Uma declaração de princípios que fundamentam o desenvolvimento ágil de softwares;</a:t>
+            </a:r>
+          </a:p>
+          <a:p>
+            <a:pPr>
+              <a:buFont typeface="Wingdings" panose="05000000000000000000" pitchFamily="2" charset="2"/>
+              <a:buChar char="ü"/>
+            </a:pPr>
+            <a:r>
+              <a:rPr lang="pt-BR" dirty="0"/>
+              <a:t>Criado Em fevereiro de 2001, em reunião onde compareceram os 17 criadores iniciais;</a:t>
+            </a:r>
+          </a:p>
+          <a:p>
+            <a:pPr>
+              <a:buFont typeface="Wingdings" panose="05000000000000000000" pitchFamily="2" charset="2"/>
+              <a:buChar char="ü"/>
+            </a:pPr>
+            <a:r>
+              <a:rPr lang="pt-BR" dirty="0"/>
+              <a:t>Criadores: Kent Beck, Mike </a:t>
+            </a:r>
+            <a:r>
+              <a:rPr lang="pt-BR" dirty="0" err="1"/>
+              <a:t>Beedle</a:t>
+            </a:r>
+            <a:r>
+              <a:rPr lang="pt-BR" dirty="0"/>
+              <a:t>, Arie van </a:t>
+            </a:r>
+            <a:r>
+              <a:rPr lang="pt-BR" dirty="0" err="1"/>
+              <a:t>Bennekum</a:t>
+            </a:r>
+            <a:r>
+              <a:rPr lang="pt-BR" dirty="0"/>
+              <a:t>, </a:t>
+            </a:r>
+            <a:r>
+              <a:rPr lang="pt-BR" dirty="0" err="1"/>
+              <a:t>Alistair</a:t>
+            </a:r>
+            <a:r>
+              <a:rPr lang="pt-BR" dirty="0"/>
+              <a:t> Cockburn, Ward Cunningham, Martin Fowler, James </a:t>
+            </a:r>
+            <a:r>
+              <a:rPr lang="pt-BR" dirty="0" err="1"/>
+              <a:t>Grenning</a:t>
+            </a:r>
+            <a:r>
+              <a:rPr lang="pt-BR" dirty="0"/>
+              <a:t>, Jim </a:t>
+            </a:r>
+            <a:r>
+              <a:rPr lang="pt-BR" dirty="0" err="1"/>
+              <a:t>Highsmith</a:t>
+            </a:r>
+            <a:r>
+              <a:rPr lang="pt-BR" dirty="0"/>
+              <a:t>, Andrew Hunt, Ron </a:t>
+            </a:r>
+            <a:r>
+              <a:rPr lang="pt-BR" dirty="0" err="1"/>
+              <a:t>Jeffries</a:t>
+            </a:r>
+            <a:r>
+              <a:rPr lang="pt-BR" dirty="0"/>
+              <a:t>, Jon </a:t>
+            </a:r>
+            <a:r>
+              <a:rPr lang="pt-BR" dirty="0" err="1"/>
+              <a:t>Kern</a:t>
+            </a:r>
+            <a:r>
+              <a:rPr lang="pt-BR" dirty="0"/>
+              <a:t>, Brian </a:t>
+            </a:r>
+            <a:r>
+              <a:rPr lang="pt-BR" dirty="0" err="1"/>
+              <a:t>Marick</a:t>
+            </a:r>
+            <a:r>
+              <a:rPr lang="pt-BR" dirty="0"/>
+              <a:t>, Robert C. Martin, Steve </a:t>
+            </a:r>
+            <a:r>
+              <a:rPr lang="pt-BR" dirty="0" err="1"/>
+              <a:t>Mellor</a:t>
+            </a:r>
+            <a:r>
+              <a:rPr lang="pt-BR" dirty="0"/>
+              <a:t>, </a:t>
+            </a:r>
+            <a:r>
+              <a:rPr lang="pt-BR" b="1" dirty="0"/>
+              <a:t>Ken </a:t>
+            </a:r>
+            <a:r>
+              <a:rPr lang="pt-BR" b="1" dirty="0" err="1"/>
+              <a:t>Schwaber</a:t>
+            </a:r>
+            <a:r>
+              <a:rPr lang="pt-BR" b="1" dirty="0"/>
+              <a:t>, Jeff Sutherland</a:t>
+            </a:r>
+            <a:r>
+              <a:rPr lang="pt-BR" dirty="0"/>
+              <a:t> e Dave Thomas;</a:t>
+            </a:r>
+          </a:p>
+          <a:p>
+            <a:pPr>
+              <a:buFont typeface="Wingdings" panose="05000000000000000000" pitchFamily="2" charset="2"/>
+              <a:buChar char="ü"/>
+            </a:pPr>
+            <a:r>
+              <a:rPr lang="en-US" dirty="0"/>
+              <a:t> </a:t>
+            </a:r>
+            <a:r>
+              <a:rPr lang="en-US" dirty="0" err="1"/>
+              <a:t>Criado</a:t>
+            </a:r>
+            <a:r>
+              <a:rPr lang="en-US" dirty="0"/>
+              <a:t> com o </a:t>
+            </a:r>
+            <a:r>
+              <a:rPr lang="en-US" dirty="0" err="1"/>
+              <a:t>objetivo</a:t>
+            </a:r>
+            <a:r>
+              <a:rPr lang="en-US" dirty="0"/>
+              <a:t> de </a:t>
+            </a:r>
+            <a:r>
+              <a:rPr lang="en-US" dirty="0" err="1"/>
+              <a:t>estabelecer</a:t>
+            </a:r>
+            <a:r>
+              <a:rPr lang="en-US" dirty="0"/>
+              <a:t> </a:t>
+            </a:r>
+            <a:r>
+              <a:rPr lang="en-US" dirty="0" err="1"/>
+              <a:t>parâmetros</a:t>
+            </a:r>
+            <a:r>
+              <a:rPr lang="en-US" dirty="0"/>
+              <a:t> para </a:t>
+            </a:r>
+            <a:r>
+              <a:rPr lang="en-US" dirty="0" err="1"/>
+              <a:t>criação</a:t>
+            </a:r>
+            <a:r>
+              <a:rPr lang="en-US" dirty="0"/>
+              <a:t> de </a:t>
+            </a:r>
+            <a:r>
+              <a:rPr lang="en-US" dirty="0" err="1"/>
+              <a:t>metodologias</a:t>
+            </a:r>
+            <a:r>
+              <a:rPr lang="en-US" dirty="0"/>
+              <a:t> </a:t>
+            </a:r>
+            <a:r>
+              <a:rPr lang="en-US" dirty="0" err="1"/>
+              <a:t>ágeis</a:t>
+            </a:r>
+            <a:r>
+              <a:rPr lang="en-US" dirty="0"/>
+              <a:t> para </a:t>
+            </a:r>
+            <a:r>
+              <a:rPr lang="en-US" dirty="0" err="1"/>
+              <a:t>desenvolvimento</a:t>
+            </a:r>
+            <a:r>
+              <a:rPr lang="en-US" dirty="0"/>
+              <a:t> de software.</a:t>
+            </a:r>
+            <a:endParaRPr lang="pt-BR" dirty="0"/>
+          </a:p>
+          <a:p>
+            <a:pPr marL="0" indent="0">
+              <a:buNone/>
+            </a:pPr>
+            <a:endParaRPr lang="pt-BR" dirty="0"/>
+          </a:p>
+        </p:txBody>
+      </p:sp>
+    </p:spTree>
+    <p:extLst>
+      <p:ext uri="{BB962C8B-B14F-4D97-AF65-F5344CB8AC3E}">
+        <p14:creationId xmlns:p14="http://schemas.microsoft.com/office/powerpoint/2010/main" val="1665822349"/>
       </p:ext>
     </p:extLst>
   </p:cSld>

--- a/StartIdea/StartIdea.Docs/Apresentacao.pptx
+++ b/StartIdea/StartIdea.Docs/Apresentacao.pptx
@@ -5,7 +5,7 @@
     <p:sldMasterId id="2147483738" r:id="rId2"/>
   </p:sldMasterIdLst>
   <p:notesMasterIdLst>
-    <p:notesMasterId r:id="rId44"/>
+    <p:notesMasterId r:id="rId43"/>
   </p:notesMasterIdLst>
   <p:sldIdLst>
     <p:sldId id="256" r:id="rId3"/>
@@ -15,14 +15,14 @@
     <p:sldId id="312" r:id="rId7"/>
     <p:sldId id="315" r:id="rId8"/>
     <p:sldId id="313" r:id="rId9"/>
-    <p:sldId id="314" r:id="rId10"/>
-    <p:sldId id="305" r:id="rId11"/>
-    <p:sldId id="307" r:id="rId12"/>
-    <p:sldId id="269" r:id="rId13"/>
-    <p:sldId id="308" r:id="rId14"/>
-    <p:sldId id="316" r:id="rId15"/>
-    <p:sldId id="310" r:id="rId16"/>
-    <p:sldId id="311" r:id="rId17"/>
+    <p:sldId id="269" r:id="rId10"/>
+    <p:sldId id="308" r:id="rId11"/>
+    <p:sldId id="316" r:id="rId12"/>
+    <p:sldId id="311" r:id="rId13"/>
+    <p:sldId id="310" r:id="rId14"/>
+    <p:sldId id="314" r:id="rId15"/>
+    <p:sldId id="305" r:id="rId16"/>
+    <p:sldId id="307" r:id="rId17"/>
     <p:sldId id="306" r:id="rId18"/>
     <p:sldId id="303" r:id="rId19"/>
     <p:sldId id="300" r:id="rId20"/>
@@ -47,8 +47,7 @@
     <p:sldId id="296" r:id="rId39"/>
     <p:sldId id="286" r:id="rId40"/>
     <p:sldId id="317" r:id="rId41"/>
-    <p:sldId id="318" r:id="rId42"/>
-    <p:sldId id="299" r:id="rId43"/>
+    <p:sldId id="299" r:id="rId42"/>
   </p:sldIdLst>
   <p:sldSz cx="9144000" cy="6858000" type="screen4x3"/>
   <p:notesSz cx="6858000" cy="9144000"/>
@@ -4214,45 +4213,50 @@
       </p:grpSpPr>
       <p:sp>
         <p:nvSpPr>
-          <p:cNvPr id="3" name="Título 2"/>
+          <p:cNvPr id="2" name="Título 1"/>
           <p:cNvSpPr>
             <a:spLocks noGrp="1"/>
           </p:cNvSpPr>
           <p:nvPr>
             <p:ph type="title"/>
-          </p:nvPr>
-        </p:nvSpPr>
-        <p:spPr/>
-        <p:txBody>
-          <a:bodyPr/>
-          <a:lstStyle/>
-          <a:p>
-            <a:r>
-              <a:rPr lang="pt-BR" dirty="0"/>
-              <a:t>Manifesto ágil</a:t>
-            </a:r>
-          </a:p>
-        </p:txBody>
-      </p:sp>
-      <p:sp>
-        <p:nvSpPr>
-          <p:cNvPr id="2" name="Espaço Reservado para Conteúdo 1"/>
-          <p:cNvSpPr>
-            <a:spLocks noGrp="1"/>
-          </p:cNvSpPr>
-          <p:nvPr>
-            <p:ph idx="1"/>
           </p:nvPr>
         </p:nvSpPr>
         <p:spPr>
           <a:xfrm>
-            <a:off x="507206" y="1993393"/>
-            <a:ext cx="8065294" cy="2947775"/>
+            <a:off x="492919" y="499533"/>
+            <a:ext cx="8079581" cy="1057259"/>
           </a:xfrm>
         </p:spPr>
         <p:txBody>
+          <a:bodyPr/>
+          <a:lstStyle/>
+          <a:p>
+            <a:r>
+              <a:rPr lang="pt-BR" dirty="0"/>
+              <a:t>Startup – Tipos de Investimento</a:t>
+            </a:r>
+          </a:p>
+        </p:txBody>
+      </p:sp>
+      <p:sp>
+        <p:nvSpPr>
+          <p:cNvPr id="3" name="Espaço Reservado para Conteúdo 2"/>
+          <p:cNvSpPr>
+            <a:spLocks noGrp="1"/>
+          </p:cNvSpPr>
+          <p:nvPr>
+            <p:ph idx="1"/>
+          </p:nvPr>
+        </p:nvSpPr>
+        <p:spPr>
+          <a:xfrm>
+            <a:off x="507206" y="1556793"/>
+            <a:ext cx="8065294" cy="4824536"/>
+          </a:xfrm>
+        </p:spPr>
+        <p:txBody>
           <a:bodyPr>
-            <a:normAutofit/>
+            <a:normAutofit lnSpcReduction="10000"/>
           </a:bodyPr>
           <a:lstStyle/>
           <a:p>
@@ -4261,68 +4265,90 @@
               <a:buChar char="ü"/>
             </a:pPr>
             <a:r>
-              <a:rPr lang="pt-BR" b="1" dirty="0"/>
-              <a:t>Indivíduos e interação entre eles</a:t>
-            </a:r>
-            <a:r>
-              <a:rPr lang="pt-BR" dirty="0"/>
-              <a:t> mais que processos e ferramentas</a:t>
-            </a:r>
-          </a:p>
-          <a:p>
-            <a:pPr>
-              <a:buFont typeface="Wingdings" panose="05000000000000000000" pitchFamily="2" charset="2"/>
-              <a:buChar char="ü"/>
-            </a:pPr>
-            <a:r>
-              <a:rPr lang="pt-BR" b="1" dirty="0"/>
-              <a:t>Software em funcionamento</a:t>
-            </a:r>
-            <a:r>
-              <a:rPr lang="pt-BR" dirty="0"/>
-              <a:t> mais que documentação abrangente</a:t>
-            </a:r>
-          </a:p>
-          <a:p>
-            <a:pPr>
-              <a:buFont typeface="Wingdings" panose="05000000000000000000" pitchFamily="2" charset="2"/>
-              <a:buChar char="ü"/>
-            </a:pPr>
-            <a:r>
-              <a:rPr lang="pt-BR" b="1" dirty="0"/>
-              <a:t>Colaboração com o cliente</a:t>
-            </a:r>
-            <a:r>
-              <a:rPr lang="pt-BR" dirty="0"/>
-              <a:t> mais que negociação de contratos</a:t>
-            </a:r>
-          </a:p>
-          <a:p>
-            <a:pPr>
-              <a:buFont typeface="Wingdings" panose="05000000000000000000" pitchFamily="2" charset="2"/>
-              <a:buChar char="ü"/>
-            </a:pPr>
-            <a:r>
-              <a:rPr lang="pt-BR" b="1" dirty="0"/>
-              <a:t>Responder a mudanças</a:t>
-            </a:r>
-            <a:r>
-              <a:rPr lang="pt-BR" dirty="0"/>
-              <a:t> mais que seguir um plano</a:t>
-            </a:r>
-          </a:p>
-          <a:p>
-            <a:pPr marL="0" indent="0">
-              <a:buNone/>
-            </a:pPr>
-            <a:endParaRPr lang="pt-BR" dirty="0"/>
+              <a:rPr lang="pt-BR" dirty="0" err="1"/>
+              <a:t>Bootstrapping</a:t>
+            </a:r>
+            <a:r>
+              <a:rPr lang="pt-BR" dirty="0"/>
+              <a:t>;</a:t>
+            </a:r>
+          </a:p>
+          <a:p>
+            <a:pPr lvl="2">
+              <a:buFont typeface="Wingdings" panose="05000000000000000000" pitchFamily="2" charset="2"/>
+              <a:buChar char="ü"/>
+            </a:pPr>
+            <a:r>
+              <a:rPr lang="pt-BR" dirty="0"/>
+              <a:t>Criar sua startup usando somente recursos próprios e não recorrendo a investidores externos.</a:t>
+            </a:r>
+          </a:p>
+          <a:p>
+            <a:pPr>
+              <a:buFont typeface="Wingdings" panose="05000000000000000000" pitchFamily="2" charset="2"/>
+              <a:buChar char="ü"/>
+            </a:pPr>
+            <a:r>
+              <a:rPr lang="pt-BR" dirty="0"/>
+              <a:t>Investimento-Anjo;</a:t>
+            </a:r>
+          </a:p>
+          <a:p>
+            <a:pPr lvl="2">
+              <a:buFont typeface="Wingdings" panose="05000000000000000000" pitchFamily="2" charset="2"/>
+              <a:buChar char="ü"/>
+            </a:pPr>
+            <a:r>
+              <a:rPr lang="pt-BR" dirty="0"/>
+              <a:t>O investidor recebe, por seu investimento, uma participação societária minoritária no negócio, e não assume posição executiva na empresa, mas atua como um conselheiro.</a:t>
+            </a:r>
+          </a:p>
+          <a:p>
+            <a:pPr>
+              <a:buFont typeface="Wingdings" panose="05000000000000000000" pitchFamily="2" charset="2"/>
+              <a:buChar char="ü"/>
+            </a:pPr>
+            <a:r>
+              <a:rPr lang="pt-BR" dirty="0"/>
+              <a:t>Capital semente;</a:t>
+            </a:r>
+          </a:p>
+          <a:p>
+            <a:pPr lvl="2">
+              <a:buFont typeface="Wingdings" panose="05000000000000000000" pitchFamily="2" charset="2"/>
+              <a:buChar char="ü"/>
+            </a:pPr>
+            <a:r>
+              <a:rPr lang="pt-BR" dirty="0"/>
+              <a:t>É um modelo de financiamento dirigido a projetos empresariais em estágio inicial ou estágio zero, em fase de projeto e desenvolvimento, antes da instalação do negócio.</a:t>
+            </a:r>
+          </a:p>
+          <a:p>
+            <a:pPr>
+              <a:buFont typeface="Wingdings" panose="05000000000000000000" pitchFamily="2" charset="2"/>
+              <a:buChar char="ü"/>
+            </a:pPr>
+            <a:r>
+              <a:rPr lang="pt-BR" dirty="0"/>
+              <a:t>Incubadoras.</a:t>
+            </a:r>
+          </a:p>
+          <a:p>
+            <a:pPr lvl="2">
+              <a:buFont typeface="Wingdings" panose="05000000000000000000" pitchFamily="2" charset="2"/>
+              <a:buChar char="ü"/>
+            </a:pPr>
+            <a:r>
+              <a:rPr lang="pt-BR" dirty="0"/>
+              <a:t>Elas oferecem suporte técnico, gerencial e formação complementar ao empreendedor e facilitam o processo de inovação e acesso a novas tecnologias nos pequenos negócios.</a:t>
+            </a:r>
           </a:p>
         </p:txBody>
       </p:sp>
     </p:spTree>
     <p:extLst>
       <p:ext uri="{BB962C8B-B14F-4D97-AF65-F5344CB8AC3E}">
-        <p14:creationId xmlns:p14="http://schemas.microsoft.com/office/powerpoint/2010/main" val="2305154754"/>
+        <p14:creationId xmlns:p14="http://schemas.microsoft.com/office/powerpoint/2010/main" val="2244996834"/>
       </p:ext>
     </p:extLst>
   </p:cSld>
@@ -4351,7 +4377,7 @@
       </p:grpSpPr>
       <p:sp>
         <p:nvSpPr>
-          <p:cNvPr id="3" name="Título 2"/>
+          <p:cNvPr id="2" name="Título 1"/>
           <p:cNvSpPr>
             <a:spLocks noGrp="1"/>
           </p:cNvSpPr>
@@ -4366,14 +4392,14 @@
           <a:p>
             <a:r>
               <a:rPr lang="pt-BR" dirty="0"/>
-              <a:t>Startup</a:t>
-            </a:r>
-          </a:p>
-        </p:txBody>
-      </p:sp>
-      <p:sp>
-        <p:nvSpPr>
-          <p:cNvPr id="2" name="Espaço Reservado para Conteúdo 1"/>
+              <a:t>Startup Enxuta</a:t>
+            </a:r>
+          </a:p>
+        </p:txBody>
+      </p:sp>
+      <p:sp>
+        <p:nvSpPr>
+          <p:cNvPr id="3" name="Espaço Reservado para Conteúdo 2"/>
           <p:cNvSpPr>
             <a:spLocks noGrp="1"/>
           </p:cNvSpPr>
@@ -4383,38 +4409,16 @@
         </p:nvSpPr>
         <p:spPr/>
         <p:txBody>
-          <a:bodyPr>
-            <a:normAutofit/>
-          </a:bodyPr>
-          <a:lstStyle/>
-          <a:p>
-            <a:pPr>
-              <a:buFont typeface="Wingdings" panose="05000000000000000000" pitchFamily="2" charset="2"/>
-              <a:buChar char="ü"/>
-            </a:pPr>
-            <a:r>
-              <a:rPr lang="pt-BR" dirty="0"/>
-              <a:t>Ato de começar algo, normalmente relacionado com companhias e empresas que estão no início de suas atividades e que buscam explorar atividades inovadoras no mercado.</a:t>
-            </a:r>
-          </a:p>
-          <a:p>
-            <a:pPr>
-              <a:buFont typeface="Wingdings" panose="05000000000000000000" pitchFamily="2" charset="2"/>
-              <a:buChar char="ü"/>
-            </a:pPr>
-            <a:r>
-              <a:rPr lang="pt-BR" dirty="0"/>
-              <a:t>Uma instituição humana projetada para criar novos produtos e serviços sob condições de extrema incerteza</a:t>
-            </a:r>
-          </a:p>
-          <a:p>
-            <a:pPr>
-              <a:buFont typeface="Wingdings" panose="05000000000000000000" pitchFamily="2" charset="2"/>
-              <a:buChar char="ü"/>
-            </a:pPr>
-            <a:r>
-              <a:rPr lang="pt-BR" dirty="0"/>
-              <a:t>Principais Características:</a:t>
+          <a:bodyPr/>
+          <a:lstStyle/>
+          <a:p>
+            <a:pPr>
+              <a:buFont typeface="Wingdings" panose="05000000000000000000" pitchFamily="2" charset="2"/>
+              <a:buChar char="ü"/>
+            </a:pPr>
+            <a:r>
+              <a:rPr lang="pt-BR" dirty="0"/>
+              <a:t>Fazer experimentos lançando "produto mínimo viável“</a:t>
             </a:r>
           </a:p>
           <a:p>
@@ -4424,45 +4428,31 @@
             </a:pPr>
             <a:r>
               <a:rPr lang="pt-BR" dirty="0"/>
-              <a:t>Inovação </a:t>
-            </a:r>
-          </a:p>
-          <a:p>
-            <a:pPr lvl="2">
-              <a:buFont typeface="Wingdings" panose="05000000000000000000" pitchFamily="2" charset="2"/>
-              <a:buChar char="ü"/>
-            </a:pPr>
-            <a:r>
-              <a:rPr lang="pt-BR" dirty="0"/>
-              <a:t>Escalabilidade </a:t>
-            </a:r>
-          </a:p>
-          <a:p>
-            <a:pPr lvl="2">
-              <a:buFont typeface="Wingdings" panose="05000000000000000000" pitchFamily="2" charset="2"/>
-              <a:buChar char="ü"/>
-            </a:pPr>
-            <a:r>
-              <a:rPr lang="pt-BR" dirty="0"/>
-              <a:t>Ter potencial para atingir grandes mercados</a:t>
-            </a:r>
-          </a:p>
-          <a:p>
-            <a:pPr lvl="2">
-              <a:buFont typeface="Wingdings" panose="05000000000000000000" pitchFamily="2" charset="2"/>
-              <a:buChar char="ü"/>
-            </a:pPr>
-            <a:r>
-              <a:rPr lang="pt-BR" dirty="0"/>
-              <a:t>Ser enxuta e flexível</a:t>
-            </a:r>
+              <a:t>Confirmação que os clientes pagariam para ter o produto</a:t>
+            </a:r>
+          </a:p>
+          <a:p>
+            <a:pPr>
+              <a:buFont typeface="Wingdings" panose="05000000000000000000" pitchFamily="2" charset="2"/>
+              <a:buChar char="ü"/>
+            </a:pPr>
+            <a:r>
+              <a:rPr lang="pt-BR" dirty="0"/>
+              <a:t>O objetivo é chegar ao conceito certo do produto, identificar quem são os clientes dispostos a pagar por ele</a:t>
+            </a:r>
+          </a:p>
+          <a:p>
+            <a:pPr marL="0" indent="0">
+              <a:buNone/>
+            </a:pPr>
+            <a:endParaRPr lang="pt-BR" dirty="0"/>
           </a:p>
         </p:txBody>
       </p:sp>
     </p:spTree>
     <p:extLst>
       <p:ext uri="{BB962C8B-B14F-4D97-AF65-F5344CB8AC3E}">
-        <p14:creationId xmlns:p14="http://schemas.microsoft.com/office/powerpoint/2010/main" val="2030121317"/>
+        <p14:creationId xmlns:p14="http://schemas.microsoft.com/office/powerpoint/2010/main" val="589983116"/>
       </p:ext>
     </p:extLst>
   </p:cSld>
@@ -4499,19 +4489,14 @@
             <p:ph type="title"/>
           </p:nvPr>
         </p:nvSpPr>
-        <p:spPr>
-          <a:xfrm>
-            <a:off x="492919" y="499533"/>
-            <a:ext cx="8079581" cy="1201276"/>
-          </a:xfrm>
-        </p:spPr>
-        <p:txBody>
-          <a:bodyPr/>
-          <a:lstStyle/>
-          <a:p>
-            <a:r>
-              <a:rPr lang="pt-BR" dirty="0"/>
-              <a:t>Startup</a:t>
+        <p:spPr/>
+        <p:txBody>
+          <a:bodyPr/>
+          <a:lstStyle/>
+          <a:p>
+            <a:r>
+              <a:rPr lang="pt-BR" dirty="0"/>
+              <a:t>Startups de sucesso</a:t>
             </a:r>
           </a:p>
         </p:txBody>
@@ -4526,80 +4511,70 @@
             <p:ph idx="1"/>
           </p:nvPr>
         </p:nvSpPr>
-        <p:spPr>
-          <a:xfrm>
-            <a:off x="507206" y="1556792"/>
-            <a:ext cx="8065294" cy="4202787"/>
-          </a:xfrm>
-        </p:spPr>
-        <p:txBody>
-          <a:bodyPr/>
-          <a:lstStyle/>
-          <a:p>
-            <a:pPr>
-              <a:buFont typeface="Wingdings" panose="05000000000000000000" pitchFamily="2" charset="2"/>
-              <a:buChar char="ü"/>
-            </a:pPr>
-            <a:r>
-              <a:rPr lang="pt-BR" dirty="0"/>
-              <a:t>Não dispõe de muitos recursos para investimento</a:t>
-            </a:r>
-          </a:p>
-          <a:p>
-            <a:pPr>
-              <a:buFont typeface="Wingdings" panose="05000000000000000000" pitchFamily="2" charset="2"/>
-              <a:buChar char="ü"/>
-            </a:pPr>
-            <a:r>
-              <a:rPr lang="pt-BR" dirty="0"/>
-              <a:t>O acesso a investimentos é um dos principais obstáculos das startups</a:t>
-            </a:r>
-          </a:p>
-          <a:p>
-            <a:pPr>
-              <a:buFont typeface="Wingdings" panose="05000000000000000000" pitchFamily="2" charset="2"/>
-              <a:buChar char="ü"/>
-            </a:pPr>
+        <p:spPr/>
+        <p:txBody>
+          <a:bodyPr/>
+          <a:lstStyle/>
+          <a:p>
+            <a:pPr>
+              <a:buFont typeface="Wingdings" panose="05000000000000000000" pitchFamily="2" charset="2"/>
+              <a:buChar char="ü"/>
+            </a:pPr>
+            <a:r>
+              <a:rPr lang="pt-BR" dirty="0" err="1"/>
+              <a:t>NuBank</a:t>
+            </a:r>
             <a:endParaRPr lang="pt-BR" dirty="0"/>
           </a:p>
-        </p:txBody>
-      </p:sp>
-      <p:pic>
-        <p:nvPicPr>
-          <p:cNvPr id="4" name="Imagem 3"/>
-          <p:cNvPicPr/>
-          <p:nvPr/>
-        </p:nvPicPr>
-        <p:blipFill>
-          <a:blip r:embed="rId2" cstate="print">
-            <a:extLst>
-              <a:ext uri="{28A0092B-C50C-407E-A947-70E740481C1C}">
-                <a14:useLocalDpi xmlns:a14="http://schemas.microsoft.com/office/drawing/2010/main" val="0"/>
-              </a:ext>
-            </a:extLst>
-          </a:blip>
-          <a:stretch>
-            <a:fillRect/>
-          </a:stretch>
-        </p:blipFill>
-        <p:spPr>
-          <a:xfrm>
-            <a:off x="1907704" y="2420888"/>
-            <a:ext cx="6664796" cy="4032448"/>
-          </a:xfrm>
-          <a:prstGeom prst="rect">
-            <a:avLst/>
-          </a:prstGeom>
-          <a:noFill/>
-          <a:ln>
-            <a:noFill/>
-          </a:ln>
-        </p:spPr>
-      </p:pic>
+          <a:p>
+            <a:pPr>
+              <a:buFont typeface="Wingdings" panose="05000000000000000000" pitchFamily="2" charset="2"/>
+              <a:buChar char="ü"/>
+            </a:pPr>
+            <a:r>
+              <a:rPr lang="pt-BR" dirty="0"/>
+              <a:t>Uber</a:t>
+            </a:r>
+          </a:p>
+          <a:p>
+            <a:pPr>
+              <a:buFont typeface="Wingdings" panose="05000000000000000000" pitchFamily="2" charset="2"/>
+              <a:buChar char="ü"/>
+            </a:pPr>
+            <a:r>
+              <a:rPr lang="pt-BR" dirty="0" err="1"/>
+              <a:t>PayPal</a:t>
+            </a:r>
+            <a:endParaRPr lang="pt-BR" dirty="0"/>
+          </a:p>
+          <a:p>
+            <a:pPr>
+              <a:buFont typeface="Wingdings" panose="05000000000000000000" pitchFamily="2" charset="2"/>
+              <a:buChar char="ü"/>
+            </a:pPr>
+            <a:r>
+              <a:rPr lang="pt-BR" dirty="0" err="1"/>
+              <a:t>Airbnb</a:t>
+            </a:r>
+            <a:endParaRPr lang="pt-BR" dirty="0"/>
+          </a:p>
+          <a:p>
+            <a:pPr>
+              <a:buFont typeface="Wingdings" panose="05000000000000000000" pitchFamily="2" charset="2"/>
+              <a:buChar char="ü"/>
+            </a:pPr>
+            <a:r>
+              <a:rPr lang="pt-BR" dirty="0" err="1"/>
+              <a:t>LinkedIn</a:t>
+            </a:r>
+            <a:endParaRPr lang="pt-BR" dirty="0"/>
+          </a:p>
+        </p:txBody>
+      </p:sp>
     </p:spTree>
     <p:extLst>
       <p:ext uri="{BB962C8B-B14F-4D97-AF65-F5344CB8AC3E}">
-        <p14:creationId xmlns:p14="http://schemas.microsoft.com/office/powerpoint/2010/main" val="3569771386"/>
+        <p14:creationId xmlns:p14="http://schemas.microsoft.com/office/powerpoint/2010/main" val="2117739404"/>
       </p:ext>
     </p:extLst>
   </p:cSld>
@@ -4639,7 +4614,7 @@
         <p:spPr>
           <a:xfrm>
             <a:off x="492919" y="499533"/>
-            <a:ext cx="8079581" cy="1057259"/>
+            <a:ext cx="8079581" cy="1493860"/>
           </a:xfrm>
         </p:spPr>
         <p:txBody>
@@ -4648,7 +4623,7 @@
           <a:p>
             <a:r>
               <a:rPr lang="pt-BR" dirty="0"/>
-              <a:t>Startup</a:t>
+              <a:t>Desenvolvimento Ágil</a:t>
             </a:r>
           </a:p>
         </p:txBody>
@@ -4665,106 +4640,79 @@
         </p:nvSpPr>
         <p:spPr>
           <a:xfrm>
-            <a:off x="507206" y="1556793"/>
-            <a:ext cx="8065294" cy="4824536"/>
+            <a:off x="507206" y="1844825"/>
+            <a:ext cx="8065294" cy="3914754"/>
           </a:xfrm>
         </p:spPr>
         <p:txBody>
-          <a:bodyPr>
-            <a:normAutofit lnSpcReduction="10000"/>
-          </a:bodyPr>
-          <a:lstStyle/>
-          <a:p>
-            <a:pPr>
-              <a:buFont typeface="Wingdings" panose="05000000000000000000" pitchFamily="2" charset="2"/>
-              <a:buChar char="ü"/>
-            </a:pPr>
-            <a:r>
-              <a:rPr lang="pt-BR" dirty="0" err="1"/>
-              <a:t>Bootstrapping</a:t>
-            </a:r>
-            <a:r>
-              <a:rPr lang="pt-BR" dirty="0"/>
-              <a:t>;</a:t>
-            </a:r>
-          </a:p>
-          <a:p>
-            <a:pPr lvl="2">
-              <a:buFont typeface="Wingdings" panose="05000000000000000000" pitchFamily="2" charset="2"/>
-              <a:buChar char="ü"/>
-            </a:pPr>
-            <a:r>
-              <a:rPr lang="pt-BR" dirty="0"/>
-              <a:t>Criar sua startup usando somente recursos próprios e não recorrendo a investidores externos.</a:t>
-            </a:r>
-          </a:p>
-          <a:p>
-            <a:pPr>
-              <a:buFont typeface="Wingdings" panose="05000000000000000000" pitchFamily="2" charset="2"/>
-              <a:buChar char="ü"/>
-            </a:pPr>
-            <a:r>
-              <a:rPr lang="pt-BR" dirty="0"/>
-              <a:t>Investimento-Anjo;</a:t>
-            </a:r>
-          </a:p>
-          <a:p>
-            <a:pPr lvl="2">
-              <a:buFont typeface="Wingdings" panose="05000000000000000000" pitchFamily="2" charset="2"/>
-              <a:buChar char="ü"/>
-            </a:pPr>
-            <a:r>
-              <a:rPr lang="pt-BR" dirty="0"/>
-              <a:t>O investidor recebe, por seu investimento, uma participação societária minoritária no negócio, e não assume posição executiva na empresa, mas atua como um conselheiro.</a:t>
-            </a:r>
-          </a:p>
-          <a:p>
-            <a:pPr>
-              <a:buFont typeface="Wingdings" panose="05000000000000000000" pitchFamily="2" charset="2"/>
-              <a:buChar char="ü"/>
-            </a:pPr>
-            <a:r>
-              <a:rPr lang="pt-BR" dirty="0"/>
-              <a:t>Capital semente;</a:t>
-            </a:r>
-          </a:p>
-          <a:p>
-            <a:pPr lvl="2">
-              <a:buFont typeface="Wingdings" panose="05000000000000000000" pitchFamily="2" charset="2"/>
-              <a:buChar char="ü"/>
-            </a:pPr>
-            <a:r>
-              <a:rPr lang="pt-BR" dirty="0"/>
-              <a:t>É um modelo de financiamento dirigido a projetos empresariais em estágio inicial ou estágio zero, em fase de projeto e desenvolvimento, antes da instalação do negócio.</a:t>
-            </a:r>
-          </a:p>
-          <a:p>
-            <a:pPr>
-              <a:buFont typeface="Wingdings" panose="05000000000000000000" pitchFamily="2" charset="2"/>
-              <a:buChar char="ü"/>
-            </a:pPr>
-            <a:r>
-              <a:rPr lang="pt-BR" dirty="0"/>
-              <a:t>Incubadoras.</a:t>
-            </a:r>
-          </a:p>
-          <a:p>
-            <a:pPr lvl="2">
-              <a:buFont typeface="Wingdings" panose="05000000000000000000" pitchFamily="2" charset="2"/>
-              <a:buChar char="ü"/>
-            </a:pPr>
-            <a:r>
-              <a:rPr lang="pt-BR" dirty="0"/>
-              <a:t>Elas oferecem suporte técnico, gerencial e formação complementar ao empreendedor e facilitam o processo de inovação e acesso a novas tecnologias nos pequenos negócios.</a:t>
-            </a:r>
+          <a:bodyPr/>
+          <a:lstStyle/>
+          <a:p>
+            <a:pPr>
+              <a:buFont typeface="Wingdings" panose="05000000000000000000" pitchFamily="2" charset="2"/>
+              <a:buChar char="ü"/>
+            </a:pPr>
+            <a:r>
+              <a:rPr lang="pt-BR" dirty="0"/>
+              <a:t>Surgiu com a necessidade de introduzir no mercado produtos com mais rapidez e níveis elevados de satisfação;</a:t>
+            </a:r>
+          </a:p>
+          <a:p>
+            <a:pPr>
+              <a:buFont typeface="Wingdings" panose="05000000000000000000" pitchFamily="2" charset="2"/>
+              <a:buChar char="ü"/>
+            </a:pPr>
+            <a:r>
+              <a:rPr lang="pt-BR" dirty="0"/>
+              <a:t>Divide o problema em produtos menores e que visa entregar software funcionando regularmente;</a:t>
+            </a:r>
+          </a:p>
+          <a:p>
+            <a:pPr>
+              <a:buFont typeface="Wingdings" panose="05000000000000000000" pitchFamily="2" charset="2"/>
+              <a:buChar char="ü"/>
+            </a:pPr>
+            <a:r>
+              <a:rPr lang="pt-BR" dirty="0"/>
+              <a:t>Não existe nenhuma necessidade especificar detalhadamente tudo que ocorrerá durante a implementação do sistema.</a:t>
+            </a:r>
+          </a:p>
+          <a:p>
+            <a:pPr marL="0" indent="0">
+              <a:buNone/>
+            </a:pPr>
             <a:endParaRPr lang="pt-BR" dirty="0"/>
           </a:p>
         </p:txBody>
       </p:sp>
+      <p:pic>
+        <p:nvPicPr>
+          <p:cNvPr id="4" name="Imagem 3"/>
+          <p:cNvPicPr>
+            <a:picLocks noChangeAspect="1"/>
+          </p:cNvPicPr>
+          <p:nvPr/>
+        </p:nvPicPr>
+        <p:blipFill>
+          <a:blip r:embed="rId2"/>
+          <a:stretch>
+            <a:fillRect/>
+          </a:stretch>
+        </p:blipFill>
+        <p:spPr>
+          <a:xfrm>
+            <a:off x="3131840" y="4365104"/>
+            <a:ext cx="3165749" cy="1823103"/>
+          </a:xfrm>
+          <a:prstGeom prst="rect">
+            <a:avLst/>
+          </a:prstGeom>
+        </p:spPr>
+      </p:pic>
     </p:spTree>
     <p:extLst>
       <p:ext uri="{BB962C8B-B14F-4D97-AF65-F5344CB8AC3E}">
-        <p14:creationId xmlns:p14="http://schemas.microsoft.com/office/powerpoint/2010/main" val="2244996834"/>
+        <p14:creationId xmlns:p14="http://schemas.microsoft.com/office/powerpoint/2010/main" val="3076839744"/>
       </p:ext>
     </p:extLst>
   </p:cSld>
@@ -4793,7 +4741,7 @@
       </p:grpSpPr>
       <p:sp>
         <p:nvSpPr>
-          <p:cNvPr id="2" name="Título 1"/>
+          <p:cNvPr id="3" name="Título 2"/>
           <p:cNvSpPr>
             <a:spLocks noGrp="1"/>
           </p:cNvSpPr>
@@ -4808,14 +4756,14 @@
           <a:p>
             <a:r>
               <a:rPr lang="pt-BR" dirty="0"/>
-              <a:t>Startups de sucesso</a:t>
-            </a:r>
-          </a:p>
-        </p:txBody>
-      </p:sp>
-      <p:sp>
-        <p:nvSpPr>
-          <p:cNvPr id="3" name="Espaço Reservado para Conteúdo 2"/>
+              <a:t>Manifesto ágil</a:t>
+            </a:r>
+          </a:p>
+        </p:txBody>
+      </p:sp>
+      <p:sp>
+        <p:nvSpPr>
+          <p:cNvPr id="2" name="Espaço Reservado para Conteúdo 1"/>
           <p:cNvSpPr>
             <a:spLocks noGrp="1"/>
           </p:cNvSpPr>
@@ -4823,68 +4771,213 @@
             <p:ph idx="1"/>
           </p:nvPr>
         </p:nvSpPr>
-        <p:spPr/>
-        <p:txBody>
-          <a:bodyPr/>
-          <a:lstStyle/>
-          <a:p>
-            <a:pPr>
-              <a:buFont typeface="Wingdings" panose="05000000000000000000" pitchFamily="2" charset="2"/>
-              <a:buChar char="ü"/>
-            </a:pPr>
+        <p:spPr>
+          <a:xfrm>
+            <a:off x="507206" y="1993393"/>
+            <a:ext cx="8065294" cy="4171911"/>
+          </a:xfrm>
+        </p:spPr>
+        <p:txBody>
+          <a:bodyPr>
+            <a:normAutofit/>
+          </a:bodyPr>
+          <a:lstStyle/>
+          <a:p>
+            <a:pPr>
+              <a:buFont typeface="Wingdings" panose="05000000000000000000" pitchFamily="2" charset="2"/>
+              <a:buChar char="ü"/>
+            </a:pPr>
+            <a:r>
+              <a:rPr lang="pt-BR" dirty="0"/>
+              <a:t>Uma declaração de princípios que fundamentam o desenvolvimento ágil de softwares;</a:t>
+            </a:r>
+          </a:p>
+          <a:p>
+            <a:pPr>
+              <a:buFont typeface="Wingdings" panose="05000000000000000000" pitchFamily="2" charset="2"/>
+              <a:buChar char="ü"/>
+            </a:pPr>
+            <a:r>
+              <a:rPr lang="pt-BR" dirty="0"/>
+              <a:t>Criado Em fevereiro de 2001, em reunião onde compareceram os 17 criadores iniciais;</a:t>
+            </a:r>
+          </a:p>
+          <a:p>
+            <a:pPr>
+              <a:buFont typeface="Wingdings" panose="05000000000000000000" pitchFamily="2" charset="2"/>
+              <a:buChar char="ü"/>
+            </a:pPr>
+            <a:r>
+              <a:rPr lang="pt-BR" dirty="0"/>
+              <a:t>Criadores: Kent Beck, Mike </a:t>
+            </a:r>
             <a:r>
               <a:rPr lang="pt-BR" dirty="0" err="1"/>
-              <a:t>NuBank</a:t>
+              <a:t>Beedle</a:t>
+            </a:r>
+            <a:r>
+              <a:rPr lang="pt-BR" dirty="0"/>
+              <a:t>, Arie van </a:t>
+            </a:r>
+            <a:r>
+              <a:rPr lang="pt-BR" dirty="0" err="1"/>
+              <a:t>Bennekum</a:t>
+            </a:r>
+            <a:r>
+              <a:rPr lang="pt-BR" dirty="0"/>
+              <a:t>, </a:t>
+            </a:r>
+            <a:r>
+              <a:rPr lang="pt-BR" dirty="0" err="1"/>
+              <a:t>Alistair</a:t>
+            </a:r>
+            <a:r>
+              <a:rPr lang="pt-BR" dirty="0"/>
+              <a:t> Cockburn, Ward Cunningham, Martin Fowler, James </a:t>
+            </a:r>
+            <a:r>
+              <a:rPr lang="pt-BR" dirty="0" err="1"/>
+              <a:t>Grenning</a:t>
+            </a:r>
+            <a:r>
+              <a:rPr lang="pt-BR" dirty="0"/>
+              <a:t>, Jim </a:t>
+            </a:r>
+            <a:r>
+              <a:rPr lang="pt-BR" dirty="0" err="1"/>
+              <a:t>Highsmith</a:t>
+            </a:r>
+            <a:r>
+              <a:rPr lang="pt-BR" dirty="0"/>
+              <a:t>, Andrew Hunt, Ron </a:t>
+            </a:r>
+            <a:r>
+              <a:rPr lang="pt-BR" dirty="0" err="1"/>
+              <a:t>Jeffries</a:t>
+            </a:r>
+            <a:r>
+              <a:rPr lang="pt-BR" dirty="0"/>
+              <a:t>, Jon </a:t>
+            </a:r>
+            <a:r>
+              <a:rPr lang="pt-BR" dirty="0" err="1"/>
+              <a:t>Kern</a:t>
+            </a:r>
+            <a:r>
+              <a:rPr lang="pt-BR" dirty="0"/>
+              <a:t>, Brian </a:t>
+            </a:r>
+            <a:r>
+              <a:rPr lang="pt-BR" dirty="0" err="1"/>
+              <a:t>Marick</a:t>
+            </a:r>
+            <a:r>
+              <a:rPr lang="pt-BR" dirty="0"/>
+              <a:t>, Robert C. Martin, Steve </a:t>
+            </a:r>
+            <a:r>
+              <a:rPr lang="pt-BR" dirty="0" err="1"/>
+              <a:t>Mellor</a:t>
+            </a:r>
+            <a:r>
+              <a:rPr lang="pt-BR" dirty="0"/>
+              <a:t>, </a:t>
+            </a:r>
+            <a:r>
+              <a:rPr lang="pt-BR" b="1" dirty="0"/>
+              <a:t>Ken </a:t>
+            </a:r>
+            <a:r>
+              <a:rPr lang="pt-BR" b="1" dirty="0" err="1"/>
+              <a:t>Schwaber</a:t>
+            </a:r>
+            <a:r>
+              <a:rPr lang="pt-BR" b="1" dirty="0"/>
+              <a:t>, Jeff Sutherland</a:t>
+            </a:r>
+            <a:r>
+              <a:rPr lang="pt-BR" dirty="0"/>
+              <a:t> e Dave Thomas;</a:t>
+            </a:r>
+          </a:p>
+          <a:p>
+            <a:pPr>
+              <a:buFont typeface="Wingdings" panose="05000000000000000000" pitchFamily="2" charset="2"/>
+              <a:buChar char="ü"/>
+            </a:pPr>
+            <a:r>
+              <a:rPr lang="en-US" dirty="0"/>
+              <a:t> </a:t>
+            </a:r>
+            <a:r>
+              <a:rPr lang="en-US" dirty="0" err="1"/>
+              <a:t>Criado</a:t>
+            </a:r>
+            <a:r>
+              <a:rPr lang="en-US" dirty="0"/>
+              <a:t> com o </a:t>
+            </a:r>
+            <a:r>
+              <a:rPr lang="en-US" dirty="0" err="1"/>
+              <a:t>objetivo</a:t>
+            </a:r>
+            <a:r>
+              <a:rPr lang="en-US" dirty="0"/>
+              <a:t> de </a:t>
+            </a:r>
+            <a:r>
+              <a:rPr lang="en-US" dirty="0" err="1"/>
+              <a:t>estabelecer</a:t>
+            </a:r>
+            <a:r>
+              <a:rPr lang="en-US" dirty="0"/>
+              <a:t> </a:t>
+            </a:r>
+            <a:r>
+              <a:rPr lang="en-US" dirty="0" err="1"/>
+              <a:t>parâmetros</a:t>
+            </a:r>
+            <a:r>
+              <a:rPr lang="en-US" dirty="0"/>
+              <a:t> para </a:t>
+            </a:r>
+            <a:r>
+              <a:rPr lang="en-US" dirty="0" err="1"/>
+              <a:t>criação</a:t>
+            </a:r>
+            <a:r>
+              <a:rPr lang="en-US" dirty="0"/>
+              <a:t> de </a:t>
+            </a:r>
+            <a:r>
+              <a:rPr lang="en-US" dirty="0" err="1"/>
+              <a:t>metodologias</a:t>
+            </a:r>
+            <a:r>
+              <a:rPr lang="en-US" dirty="0"/>
+              <a:t> </a:t>
+            </a:r>
+            <a:r>
+              <a:rPr lang="en-US" dirty="0" err="1"/>
+              <a:t>ágeis</a:t>
+            </a:r>
+            <a:r>
+              <a:rPr lang="en-US" dirty="0"/>
+              <a:t> para </a:t>
+            </a:r>
+            <a:r>
+              <a:rPr lang="en-US" dirty="0" err="1"/>
+              <a:t>desenvolvimento</a:t>
+            </a:r>
+            <a:r>
+              <a:rPr lang="en-US" dirty="0"/>
+              <a:t> de software.</a:t>
             </a:r>
             <a:endParaRPr lang="pt-BR" dirty="0"/>
           </a:p>
           <a:p>
-            <a:pPr>
-              <a:buFont typeface="Wingdings" panose="05000000000000000000" pitchFamily="2" charset="2"/>
-              <a:buChar char="ü"/>
-            </a:pPr>
-            <a:r>
-              <a:rPr lang="pt-BR" dirty="0"/>
-              <a:t>Uber</a:t>
-            </a:r>
-          </a:p>
-          <a:p>
-            <a:pPr>
-              <a:buFont typeface="Wingdings" panose="05000000000000000000" pitchFamily="2" charset="2"/>
-              <a:buChar char="ü"/>
-            </a:pPr>
-            <a:r>
-              <a:rPr lang="pt-BR" dirty="0" err="1"/>
-              <a:t>PayPal</a:t>
-            </a:r>
-            <a:endParaRPr lang="pt-BR" dirty="0"/>
-          </a:p>
-          <a:p>
-            <a:pPr>
-              <a:buFont typeface="Wingdings" panose="05000000000000000000" pitchFamily="2" charset="2"/>
-              <a:buChar char="ü"/>
-            </a:pPr>
-            <a:r>
-              <a:rPr lang="pt-BR" dirty="0" err="1"/>
-              <a:t>Airbnb</a:t>
-            </a:r>
-            <a:endParaRPr lang="pt-BR" dirty="0"/>
-          </a:p>
-          <a:p>
-            <a:pPr>
-              <a:buFont typeface="Wingdings" panose="05000000000000000000" pitchFamily="2" charset="2"/>
-              <a:buChar char="ü"/>
-            </a:pPr>
-            <a:r>
-              <a:rPr lang="pt-BR" dirty="0" err="1"/>
-              <a:t>LinkedIn</a:t>
-            </a:r>
-            <a:endParaRPr lang="pt-BR" dirty="0"/>
-          </a:p>
-          <a:p>
-            <a:pPr>
-              <a:buFont typeface="Wingdings" panose="05000000000000000000" pitchFamily="2" charset="2"/>
-              <a:buChar char="ü"/>
+            <a:pPr marL="0" indent="0">
+              <a:buNone/>
             </a:pPr>
             <a:endParaRPr lang="pt-BR" dirty="0"/>
           </a:p>
@@ -4893,7 +4986,7 @@
     </p:spTree>
     <p:extLst>
       <p:ext uri="{BB962C8B-B14F-4D97-AF65-F5344CB8AC3E}">
-        <p14:creationId xmlns:p14="http://schemas.microsoft.com/office/powerpoint/2010/main" val="2117739404"/>
+        <p14:creationId xmlns:p14="http://schemas.microsoft.com/office/powerpoint/2010/main" val="1665822349"/>
       </p:ext>
     </p:extLst>
   </p:cSld>
@@ -4922,7 +5015,7 @@
       </p:grpSpPr>
       <p:sp>
         <p:nvSpPr>
-          <p:cNvPr id="2" name="Título 1"/>
+          <p:cNvPr id="3" name="Título 2"/>
           <p:cNvSpPr>
             <a:spLocks noGrp="1"/>
           </p:cNvSpPr>
@@ -4937,14 +5030,14 @@
           <a:p>
             <a:r>
               <a:rPr lang="pt-BR" dirty="0"/>
-              <a:t>Startup Enxuta</a:t>
-            </a:r>
-          </a:p>
-        </p:txBody>
-      </p:sp>
-      <p:sp>
-        <p:nvSpPr>
-          <p:cNvPr id="3" name="Espaço Reservado para Conteúdo 2"/>
+              <a:t>Manifesto ágil - Princípios</a:t>
+            </a:r>
+          </a:p>
+        </p:txBody>
+      </p:sp>
+      <p:sp>
+        <p:nvSpPr>
+          <p:cNvPr id="2" name="Espaço Reservado para Conteúdo 1"/>
           <p:cNvSpPr>
             <a:spLocks noGrp="1"/>
           </p:cNvSpPr>
@@ -4952,38 +5045,71 @@
             <p:ph idx="1"/>
           </p:nvPr>
         </p:nvSpPr>
-        <p:spPr/>
-        <p:txBody>
-          <a:bodyPr/>
-          <a:lstStyle/>
-          <a:p>
-            <a:pPr>
-              <a:buFont typeface="Wingdings" panose="05000000000000000000" pitchFamily="2" charset="2"/>
-              <a:buChar char="ü"/>
-            </a:pPr>
-            <a:r>
-              <a:rPr lang="pt-BR" dirty="0"/>
-              <a:t>Fazer experimentos lançando "produto mínimo viável“</a:t>
-            </a:r>
-          </a:p>
-          <a:p>
-            <a:pPr lvl="2">
-              <a:buFont typeface="Wingdings" panose="05000000000000000000" pitchFamily="2" charset="2"/>
-              <a:buChar char="ü"/>
-            </a:pPr>
-            <a:r>
-              <a:rPr lang="pt-BR" dirty="0"/>
-              <a:t>Confirmação que os clientes pagariam para ter o produto</a:t>
-            </a:r>
-          </a:p>
-          <a:p>
-            <a:pPr>
-              <a:buFont typeface="Wingdings" panose="05000000000000000000" pitchFamily="2" charset="2"/>
-              <a:buChar char="ü"/>
-            </a:pPr>
-            <a:r>
-              <a:rPr lang="pt-BR" dirty="0"/>
-              <a:t>O objetivo é chegar ao conceito certo do produto, identificar quem são os clientes dispostos a pagar por ele</a:t>
+        <p:spPr>
+          <a:xfrm>
+            <a:off x="507206" y="1993393"/>
+            <a:ext cx="8065294" cy="2947775"/>
+          </a:xfrm>
+        </p:spPr>
+        <p:txBody>
+          <a:bodyPr>
+            <a:normAutofit/>
+          </a:bodyPr>
+          <a:lstStyle/>
+          <a:p>
+            <a:pPr>
+              <a:buFont typeface="Wingdings" panose="05000000000000000000" pitchFamily="2" charset="2"/>
+              <a:buChar char="ü"/>
+            </a:pPr>
+            <a:r>
+              <a:rPr lang="pt-BR" b="1" dirty="0"/>
+              <a:t>Indivíduos e interação entre eles</a:t>
+            </a:r>
+            <a:r>
+              <a:rPr lang="pt-BR" dirty="0"/>
+              <a:t> mais que processos e ferramentas</a:t>
+            </a:r>
+          </a:p>
+          <a:p>
+            <a:pPr>
+              <a:buFont typeface="Wingdings" panose="05000000000000000000" pitchFamily="2" charset="2"/>
+              <a:buChar char="ü"/>
+            </a:pPr>
+            <a:r>
+              <a:rPr lang="pt-BR" b="1" dirty="0"/>
+              <a:t>Software em funcionamento</a:t>
+            </a:r>
+            <a:r>
+              <a:rPr lang="pt-BR" dirty="0"/>
+              <a:t> mais que documentação abrangente</a:t>
+            </a:r>
+          </a:p>
+          <a:p>
+            <a:pPr>
+              <a:buFont typeface="Wingdings" panose="05000000000000000000" pitchFamily="2" charset="2"/>
+              <a:buChar char="ü"/>
+            </a:pPr>
+            <a:r>
+              <a:rPr lang="pt-BR" b="1" dirty="0"/>
+              <a:t>Colaboração com o cliente</a:t>
+            </a:r>
+            <a:r>
+              <a:rPr lang="pt-BR" dirty="0"/>
+              <a:t> mais que negociação de contratos</a:t>
+            </a:r>
+          </a:p>
+          <a:p>
+            <a:pPr>
+              <a:buFont typeface="Wingdings" panose="05000000000000000000" pitchFamily="2" charset="2"/>
+              <a:buChar char="ü"/>
+            </a:pPr>
+            <a:r>
+              <a:rPr lang="pt-BR" b="1" dirty="0"/>
+              <a:t>Responder a mudanças</a:t>
+            </a:r>
+            <a:r>
+              <a:rPr lang="pt-BR" dirty="0"/>
+              <a:t> mais que seguir um plano</a:t>
             </a:r>
           </a:p>
           <a:p>
@@ -4997,7 +5123,7 @@
     </p:spTree>
     <p:extLst>
       <p:ext uri="{BB962C8B-B14F-4D97-AF65-F5344CB8AC3E}">
-        <p14:creationId xmlns:p14="http://schemas.microsoft.com/office/powerpoint/2010/main" val="589983116"/>
+        <p14:creationId xmlns:p14="http://schemas.microsoft.com/office/powerpoint/2010/main" val="2305154754"/>
       </p:ext>
     </p:extLst>
   </p:cSld>
@@ -7870,7 +7996,7 @@
           <a:p>
             <a:r>
               <a:rPr lang="pt-BR" dirty="0"/>
-              <a:t>Adesão ao </a:t>
+              <a:t>Empresas que utilizam o </a:t>
             </a:r>
             <a:r>
               <a:rPr lang="pt-BR" dirty="0" err="1"/>
@@ -7892,10 +8018,91 @@
         </p:nvSpPr>
         <p:spPr/>
         <p:txBody>
-          <a:bodyPr/>
-          <a:lstStyle/>
-          <a:p>
-            <a:endParaRPr lang="pt-BR"/>
+          <a:bodyPr numCol="2"/>
+          <a:lstStyle/>
+          <a:p>
+            <a:pPr>
+              <a:buFont typeface="Wingdings" panose="05000000000000000000" pitchFamily="2" charset="2"/>
+              <a:buChar char="ü"/>
+            </a:pPr>
+            <a:r>
+              <a:rPr lang="pt-BR" dirty="0"/>
+              <a:t>Google</a:t>
+            </a:r>
+          </a:p>
+          <a:p>
+            <a:pPr>
+              <a:buFont typeface="Wingdings" panose="05000000000000000000" pitchFamily="2" charset="2"/>
+              <a:buChar char="ü"/>
+            </a:pPr>
+            <a:r>
+              <a:rPr lang="pt-BR" dirty="0"/>
+              <a:t>Bosch</a:t>
+            </a:r>
+          </a:p>
+          <a:p>
+            <a:pPr>
+              <a:buFont typeface="Wingdings" panose="05000000000000000000" pitchFamily="2" charset="2"/>
+              <a:buChar char="ü"/>
+            </a:pPr>
+            <a:r>
+              <a:rPr lang="pt-BR" dirty="0"/>
+              <a:t>Globo</a:t>
+            </a:r>
+          </a:p>
+          <a:p>
+            <a:pPr>
+              <a:buFont typeface="Wingdings" panose="05000000000000000000" pitchFamily="2" charset="2"/>
+              <a:buChar char="ü"/>
+            </a:pPr>
+            <a:r>
+              <a:rPr lang="pt-BR" dirty="0" err="1"/>
+              <a:t>Locaweb</a:t>
+            </a:r>
+            <a:endParaRPr lang="pt-BR" dirty="0"/>
+          </a:p>
+          <a:p>
+            <a:pPr>
+              <a:buFont typeface="Wingdings" panose="05000000000000000000" pitchFamily="2" charset="2"/>
+              <a:buChar char="ü"/>
+            </a:pPr>
+            <a:r>
+              <a:rPr lang="pt-BR" dirty="0"/>
+              <a:t>Abril</a:t>
+            </a:r>
+          </a:p>
+          <a:p>
+            <a:pPr>
+              <a:buFont typeface="Wingdings" panose="05000000000000000000" pitchFamily="2" charset="2"/>
+              <a:buChar char="ü"/>
+            </a:pPr>
+            <a:r>
+              <a:rPr lang="pt-BR" dirty="0" err="1"/>
+              <a:t>Caelum</a:t>
+            </a:r>
+            <a:endParaRPr lang="pt-BR" dirty="0"/>
+          </a:p>
+          <a:p>
+            <a:pPr>
+              <a:buFont typeface="Wingdings" panose="05000000000000000000" pitchFamily="2" charset="2"/>
+              <a:buChar char="ü"/>
+            </a:pPr>
+            <a:r>
+              <a:rPr lang="pt-BR" dirty="0"/>
+              <a:t>DB1 Informática</a:t>
+            </a:r>
+          </a:p>
+          <a:p>
+            <a:pPr marL="0" indent="0">
+              <a:buNone/>
+            </a:pPr>
+            <a:endParaRPr lang="pt-BR" dirty="0"/>
+          </a:p>
+          <a:p>
+            <a:pPr marL="0" indent="0">
+              <a:buNone/>
+            </a:pPr>
+            <a:endParaRPr lang="pt-BR" dirty="0"/>
           </a:p>
         </p:txBody>
       </p:sp>
@@ -8024,82 +8231,6 @@
 </file>
 
 <file path=ppt/slides/slide40.xml><?xml version="1.0" encoding="utf-8"?>
-<p:sld xmlns:a="http://schemas.openxmlformats.org/drawingml/2006/main" xmlns:r="http://schemas.openxmlformats.org/officeDocument/2006/relationships" xmlns:p="http://schemas.openxmlformats.org/presentationml/2006/main">
-  <p:cSld>
-    <p:spTree>
-      <p:nvGrpSpPr>
-        <p:cNvPr id="1" name=""/>
-        <p:cNvGrpSpPr/>
-        <p:nvPr/>
-      </p:nvGrpSpPr>
-      <p:grpSpPr>
-        <a:xfrm>
-          <a:off x="0" y="0"/>
-          <a:ext cx="0" cy="0"/>
-          <a:chOff x="0" y="0"/>
-          <a:chExt cx="0" cy="0"/>
-        </a:xfrm>
-      </p:grpSpPr>
-      <p:sp>
-        <p:nvSpPr>
-          <p:cNvPr id="2" name="Título 1"/>
-          <p:cNvSpPr>
-            <a:spLocks noGrp="1"/>
-          </p:cNvSpPr>
-          <p:nvPr>
-            <p:ph type="title"/>
-          </p:nvPr>
-        </p:nvSpPr>
-        <p:spPr/>
-        <p:txBody>
-          <a:bodyPr/>
-          <a:lstStyle/>
-          <a:p>
-            <a:r>
-              <a:rPr lang="pt-BR" dirty="0"/>
-              <a:t>Certificação </a:t>
-            </a:r>
-            <a:r>
-              <a:rPr lang="pt-BR" dirty="0" err="1"/>
-              <a:t>Scrum</a:t>
-            </a:r>
-            <a:endParaRPr lang="pt-BR" dirty="0"/>
-          </a:p>
-        </p:txBody>
-      </p:sp>
-      <p:sp>
-        <p:nvSpPr>
-          <p:cNvPr id="3" name="Espaço Reservado para Conteúdo 2"/>
-          <p:cNvSpPr>
-            <a:spLocks noGrp="1"/>
-          </p:cNvSpPr>
-          <p:nvPr>
-            <p:ph idx="1"/>
-          </p:nvPr>
-        </p:nvSpPr>
-        <p:spPr/>
-        <p:txBody>
-          <a:bodyPr/>
-          <a:lstStyle/>
-          <a:p>
-            <a:endParaRPr lang="pt-BR"/>
-          </a:p>
-        </p:txBody>
-      </p:sp>
-    </p:spTree>
-    <p:extLst>
-      <p:ext uri="{BB962C8B-B14F-4D97-AF65-F5344CB8AC3E}">
-        <p14:creationId xmlns:p14="http://schemas.microsoft.com/office/powerpoint/2010/main" val="272233007"/>
-      </p:ext>
-    </p:extLst>
-  </p:cSld>
-  <p:clrMapOvr>
-    <a:masterClrMapping/>
-  </p:clrMapOvr>
-</p:sld>
-</file>
-
-<file path=ppt/slides/slide41.xml><?xml version="1.0" encoding="utf-8"?>
 <p:sld xmlns:a="http://schemas.openxmlformats.org/drawingml/2006/main" xmlns:r="http://schemas.openxmlformats.org/officeDocument/2006/relationships" xmlns:p="http://schemas.openxmlformats.org/presentationml/2006/main">
   <p:cSld>
     <p:spTree>
@@ -8481,11 +8612,7 @@
           <a:p>
             <a:r>
               <a:rPr lang="pt-BR" dirty="0"/>
-              <a:t>Slides </a:t>
-            </a:r>
-            <a:r>
-              <a:rPr lang="pt-BR" dirty="0" err="1"/>
-              <a:t>toyota</a:t>
+              <a:t>Sistema Toyota de Produção (TPS)</a:t>
             </a:r>
             <a:endParaRPr lang="pt-BR" dirty="0"/>
           </a:p>
@@ -8542,7 +8669,7 @@
       </p:grpSpPr>
       <p:sp>
         <p:nvSpPr>
-          <p:cNvPr id="2" name="Título 1"/>
+          <p:cNvPr id="3" name="Título 2"/>
           <p:cNvSpPr>
             <a:spLocks noGrp="1"/>
           </p:cNvSpPr>
@@ -8550,26 +8677,26 @@
             <p:ph type="title"/>
           </p:nvPr>
         </p:nvSpPr>
-        <p:spPr>
-          <a:xfrm>
-            <a:off x="492919" y="499533"/>
-            <a:ext cx="8079581" cy="1493860"/>
-          </a:xfrm>
-        </p:spPr>
-        <p:txBody>
-          <a:bodyPr/>
-          <a:lstStyle/>
-          <a:p>
-            <a:r>
-              <a:rPr lang="pt-BR" dirty="0"/>
-              <a:t>Desenvolvimento Ágil</a:t>
-            </a:r>
-          </a:p>
-        </p:txBody>
-      </p:sp>
-      <p:sp>
-        <p:nvSpPr>
-          <p:cNvPr id="3" name="Espaço Reservado para Conteúdo 2"/>
+        <p:spPr/>
+        <p:txBody>
+          <a:bodyPr/>
+          <a:lstStyle/>
+          <a:p>
+            <a:r>
+              <a:rPr lang="pt-BR" dirty="0"/>
+              <a:t>Definição de </a:t>
+            </a:r>
+            <a:r>
+              <a:rPr lang="pt-BR" dirty="0"/>
+              <a:t>Startup</a:t>
+            </a:r>
+            <a:endParaRPr lang="pt-BR" dirty="0"/>
+          </a:p>
+        </p:txBody>
+      </p:sp>
+      <p:sp>
+        <p:nvSpPr>
+          <p:cNvPr id="2" name="Espaço Reservado para Conteúdo 1"/>
           <p:cNvSpPr>
             <a:spLocks noGrp="1"/>
           </p:cNvSpPr>
@@ -8577,81 +8704,78 @@
             <p:ph idx="1"/>
           </p:nvPr>
         </p:nvSpPr>
-        <p:spPr>
-          <a:xfrm>
-            <a:off x="507206" y="1844825"/>
-            <a:ext cx="8065294" cy="3914754"/>
-          </a:xfrm>
-        </p:spPr>
-        <p:txBody>
-          <a:bodyPr/>
-          <a:lstStyle/>
-          <a:p>
-            <a:pPr>
-              <a:buFont typeface="Wingdings" panose="05000000000000000000" pitchFamily="2" charset="2"/>
-              <a:buChar char="ü"/>
-            </a:pPr>
-            <a:r>
-              <a:rPr lang="pt-BR" dirty="0"/>
-              <a:t>Surgiu com a necessidade de introduzir no mercado produtos com mais rapidez e níveis elevados de satisfação;</a:t>
-            </a:r>
-          </a:p>
-          <a:p>
-            <a:pPr>
-              <a:buFont typeface="Wingdings" panose="05000000000000000000" pitchFamily="2" charset="2"/>
-              <a:buChar char="ü"/>
-            </a:pPr>
-            <a:r>
-              <a:rPr lang="pt-BR" dirty="0"/>
-              <a:t>Divide o problema em produtos menores e que visa entregar software funcionando regularmente;</a:t>
-            </a:r>
-          </a:p>
-          <a:p>
-            <a:pPr>
-              <a:buFont typeface="Wingdings" panose="05000000000000000000" pitchFamily="2" charset="2"/>
-              <a:buChar char="ü"/>
-            </a:pPr>
-            <a:r>
-              <a:rPr lang="pt-BR" dirty="0"/>
-              <a:t>Não existe nenhuma necessidade especificar detalhadamente tudo que ocorrerá durante a implementação do sistema.</a:t>
-            </a:r>
-          </a:p>
-          <a:p>
-            <a:pPr marL="0" indent="0">
-              <a:buNone/>
-            </a:pPr>
-            <a:endParaRPr lang="pt-BR" dirty="0"/>
-          </a:p>
-        </p:txBody>
-      </p:sp>
-      <p:pic>
-        <p:nvPicPr>
-          <p:cNvPr id="4" name="Imagem 3"/>
-          <p:cNvPicPr>
-            <a:picLocks noChangeAspect="1"/>
-          </p:cNvPicPr>
-          <p:nvPr/>
-        </p:nvPicPr>
-        <p:blipFill>
-          <a:blip r:embed="rId2"/>
-          <a:stretch>
-            <a:fillRect/>
-          </a:stretch>
-        </p:blipFill>
-        <p:spPr>
-          <a:xfrm>
-            <a:off x="3131840" y="4365104"/>
-            <a:ext cx="3165749" cy="1823103"/>
-          </a:xfrm>
-          <a:prstGeom prst="rect">
-            <a:avLst/>
-          </a:prstGeom>
-        </p:spPr>
-      </p:pic>
+        <p:spPr/>
+        <p:txBody>
+          <a:bodyPr>
+            <a:normAutofit/>
+          </a:bodyPr>
+          <a:lstStyle/>
+          <a:p>
+            <a:pPr>
+              <a:buFont typeface="Wingdings" panose="05000000000000000000" pitchFamily="2" charset="2"/>
+              <a:buChar char="ü"/>
+            </a:pPr>
+            <a:r>
+              <a:rPr lang="pt-BR" dirty="0"/>
+              <a:t>Uma instituição humana projetada para criar novos produtos e serviços sob condições de extrema incerteza;</a:t>
+            </a:r>
+          </a:p>
+          <a:p>
+            <a:pPr>
+              <a:buFont typeface="Wingdings" panose="05000000000000000000" pitchFamily="2" charset="2"/>
+              <a:buChar char="ü"/>
+            </a:pPr>
+            <a:r>
+              <a:rPr lang="pt-BR" dirty="0"/>
+              <a:t>Principais Características:</a:t>
+            </a:r>
+          </a:p>
+          <a:p>
+            <a:pPr lvl="2">
+              <a:buFont typeface="Wingdings" panose="05000000000000000000" pitchFamily="2" charset="2"/>
+              <a:buChar char="ü"/>
+            </a:pPr>
+            <a:r>
+              <a:rPr lang="pt-BR" dirty="0"/>
+              <a:t>Inovação </a:t>
+            </a:r>
+          </a:p>
+          <a:p>
+            <a:pPr lvl="2">
+              <a:buFont typeface="Wingdings" panose="05000000000000000000" pitchFamily="2" charset="2"/>
+              <a:buChar char="ü"/>
+            </a:pPr>
+            <a:r>
+              <a:rPr lang="pt-BR" dirty="0"/>
+              <a:t>Escalabilidade </a:t>
+            </a:r>
+          </a:p>
+          <a:p>
+            <a:pPr lvl="2">
+              <a:buFont typeface="Wingdings" panose="05000000000000000000" pitchFamily="2" charset="2"/>
+              <a:buChar char="ü"/>
+            </a:pPr>
+            <a:r>
+              <a:rPr lang="pt-BR" dirty="0"/>
+              <a:t>Ter potencial para atingir grandes mercados</a:t>
+            </a:r>
+          </a:p>
+          <a:p>
+            <a:pPr lvl="2">
+              <a:buFont typeface="Wingdings" panose="05000000000000000000" pitchFamily="2" charset="2"/>
+              <a:buChar char="ü"/>
+            </a:pPr>
+            <a:r>
+              <a:rPr lang="pt-BR" dirty="0"/>
+              <a:t>Ser enxuta e flexível</a:t>
+            </a:r>
+          </a:p>
+        </p:txBody>
+      </p:sp>
     </p:spTree>
     <p:extLst>
       <p:ext uri="{BB962C8B-B14F-4D97-AF65-F5344CB8AC3E}">
-        <p14:creationId xmlns:p14="http://schemas.microsoft.com/office/powerpoint/2010/main" val="3076839744"/>
+        <p14:creationId xmlns:p14="http://schemas.microsoft.com/office/powerpoint/2010/main" val="2030121317"/>
       </p:ext>
     </p:extLst>
   </p:cSld>
@@ -8680,252 +8804,115 @@
       </p:grpSpPr>
       <p:sp>
         <p:nvSpPr>
-          <p:cNvPr id="3" name="Título 2"/>
+          <p:cNvPr id="2" name="Título 1"/>
           <p:cNvSpPr>
             <a:spLocks noGrp="1"/>
           </p:cNvSpPr>
           <p:nvPr>
             <p:ph type="title"/>
-          </p:nvPr>
-        </p:nvSpPr>
-        <p:spPr/>
-        <p:txBody>
-          <a:bodyPr/>
-          <a:lstStyle/>
-          <a:p>
-            <a:r>
-              <a:rPr lang="pt-BR" dirty="0"/>
-              <a:t>Manifesto ágil</a:t>
-            </a:r>
-          </a:p>
-        </p:txBody>
-      </p:sp>
-      <p:sp>
-        <p:nvSpPr>
-          <p:cNvPr id="2" name="Espaço Reservado para Conteúdo 1"/>
-          <p:cNvSpPr>
-            <a:spLocks noGrp="1"/>
-          </p:cNvSpPr>
-          <p:nvPr>
-            <p:ph idx="1"/>
           </p:nvPr>
         </p:nvSpPr>
         <p:spPr>
           <a:xfrm>
-            <a:off x="507206" y="1993393"/>
-            <a:ext cx="8065294" cy="4171911"/>
+            <a:off x="492919" y="499533"/>
+            <a:ext cx="8079581" cy="1201276"/>
           </a:xfrm>
         </p:spPr>
         <p:txBody>
-          <a:bodyPr>
-            <a:normAutofit/>
-          </a:bodyPr>
-          <a:lstStyle/>
-          <a:p>
-            <a:pPr>
-              <a:buFont typeface="Wingdings" panose="05000000000000000000" pitchFamily="2" charset="2"/>
-              <a:buChar char="ü"/>
-            </a:pPr>
-            <a:r>
-              <a:rPr lang="pt-BR" dirty="0"/>
-              <a:t>Uma declaração de princípios que fundamentam o desenvolvimento ágil de softwares;</a:t>
-            </a:r>
-          </a:p>
-          <a:p>
-            <a:pPr>
-              <a:buFont typeface="Wingdings" panose="05000000000000000000" pitchFamily="2" charset="2"/>
-              <a:buChar char="ü"/>
-            </a:pPr>
-            <a:r>
-              <a:rPr lang="pt-BR" dirty="0"/>
-              <a:t>Criado Em fevereiro de 2001, em reunião onde compareceram os 17 criadores iniciais;</a:t>
-            </a:r>
-          </a:p>
-          <a:p>
-            <a:pPr>
-              <a:buFont typeface="Wingdings" panose="05000000000000000000" pitchFamily="2" charset="2"/>
-              <a:buChar char="ü"/>
-            </a:pPr>
-            <a:r>
-              <a:rPr lang="pt-BR" dirty="0"/>
-              <a:t>Criadores: Kent Beck, Mike </a:t>
-            </a:r>
-            <a:r>
-              <a:rPr lang="pt-BR" dirty="0" err="1"/>
-              <a:t>Beedle</a:t>
-            </a:r>
-            <a:r>
-              <a:rPr lang="pt-BR" dirty="0"/>
-              <a:t>, Arie van </a:t>
-            </a:r>
-            <a:r>
-              <a:rPr lang="pt-BR" dirty="0" err="1"/>
-              <a:t>Bennekum</a:t>
-            </a:r>
-            <a:r>
-              <a:rPr lang="pt-BR" dirty="0"/>
-              <a:t>, </a:t>
-            </a:r>
-            <a:r>
-              <a:rPr lang="pt-BR" dirty="0" err="1"/>
-              <a:t>Alistair</a:t>
-            </a:r>
-            <a:r>
-              <a:rPr lang="pt-BR" dirty="0"/>
-              <a:t> Cockburn, Ward Cunningham, Martin Fowler, James </a:t>
-            </a:r>
-            <a:r>
-              <a:rPr lang="pt-BR" dirty="0" err="1"/>
-              <a:t>Grenning</a:t>
-            </a:r>
-            <a:r>
-              <a:rPr lang="pt-BR" dirty="0"/>
-              <a:t>, Jim </a:t>
-            </a:r>
-            <a:r>
-              <a:rPr lang="pt-BR" dirty="0" err="1"/>
-              <a:t>Highsmith</a:t>
-            </a:r>
-            <a:r>
-              <a:rPr lang="pt-BR" dirty="0"/>
-              <a:t>, Andrew Hunt, Ron </a:t>
-            </a:r>
-            <a:r>
-              <a:rPr lang="pt-BR" dirty="0" err="1"/>
-              <a:t>Jeffries</a:t>
-            </a:r>
-            <a:r>
-              <a:rPr lang="pt-BR" dirty="0"/>
-              <a:t>, Jon </a:t>
-            </a:r>
-            <a:r>
-              <a:rPr lang="pt-BR" dirty="0" err="1"/>
-              <a:t>Kern</a:t>
-            </a:r>
-            <a:r>
-              <a:rPr lang="pt-BR" dirty="0"/>
-              <a:t>, Brian </a:t>
-            </a:r>
-            <a:r>
-              <a:rPr lang="pt-BR" dirty="0" err="1"/>
-              <a:t>Marick</a:t>
-            </a:r>
-            <a:r>
-              <a:rPr lang="pt-BR" dirty="0"/>
-              <a:t>, Robert C. Martin, Steve </a:t>
-            </a:r>
-            <a:r>
-              <a:rPr lang="pt-BR" dirty="0" err="1"/>
-              <a:t>Mellor</a:t>
-            </a:r>
-            <a:r>
-              <a:rPr lang="pt-BR" dirty="0"/>
-              <a:t>, </a:t>
-            </a:r>
-            <a:r>
-              <a:rPr lang="pt-BR" b="1" dirty="0"/>
-              <a:t>Ken </a:t>
-            </a:r>
-            <a:r>
-              <a:rPr lang="pt-BR" b="1" dirty="0" err="1"/>
-              <a:t>Schwaber</a:t>
-            </a:r>
-            <a:r>
-              <a:rPr lang="pt-BR" b="1" dirty="0"/>
-              <a:t>, Jeff Sutherland</a:t>
-            </a:r>
-            <a:r>
-              <a:rPr lang="pt-BR" dirty="0"/>
-              <a:t> e Dave Thomas;</a:t>
-            </a:r>
-          </a:p>
-          <a:p>
-            <a:pPr>
-              <a:buFont typeface="Wingdings" panose="05000000000000000000" pitchFamily="2" charset="2"/>
-              <a:buChar char="ü"/>
-            </a:pPr>
-            <a:r>
-              <a:rPr lang="en-US" dirty="0"/>
-              <a:t> </a:t>
-            </a:r>
-            <a:r>
-              <a:rPr lang="en-US" dirty="0" err="1"/>
-              <a:t>Criado</a:t>
-            </a:r>
-            <a:r>
-              <a:rPr lang="en-US" dirty="0"/>
-              <a:t> com o </a:t>
-            </a:r>
-            <a:r>
-              <a:rPr lang="en-US" dirty="0" err="1"/>
-              <a:t>objetivo</a:t>
-            </a:r>
-            <a:r>
-              <a:rPr lang="en-US" dirty="0"/>
-              <a:t> de </a:t>
-            </a:r>
-            <a:r>
-              <a:rPr lang="en-US" dirty="0" err="1"/>
-              <a:t>estabelecer</a:t>
-            </a:r>
-            <a:r>
-              <a:rPr lang="en-US" dirty="0"/>
-              <a:t> </a:t>
-            </a:r>
-            <a:r>
-              <a:rPr lang="en-US" dirty="0" err="1"/>
-              <a:t>parâmetros</a:t>
-            </a:r>
-            <a:r>
-              <a:rPr lang="en-US" dirty="0"/>
-              <a:t> para </a:t>
-            </a:r>
-            <a:r>
-              <a:rPr lang="en-US" dirty="0" err="1"/>
-              <a:t>criação</a:t>
-            </a:r>
-            <a:r>
-              <a:rPr lang="en-US" dirty="0"/>
-              <a:t> de </a:t>
-            </a:r>
-            <a:r>
-              <a:rPr lang="en-US" dirty="0" err="1"/>
-              <a:t>metodologias</a:t>
-            </a:r>
-            <a:r>
-              <a:rPr lang="en-US" dirty="0"/>
-              <a:t> </a:t>
-            </a:r>
-            <a:r>
-              <a:rPr lang="en-US" dirty="0" err="1"/>
-              <a:t>ágeis</a:t>
-            </a:r>
-            <a:r>
-              <a:rPr lang="en-US" dirty="0"/>
-              <a:t> para </a:t>
-            </a:r>
-            <a:r>
-              <a:rPr lang="en-US" dirty="0" err="1"/>
-              <a:t>desenvolvimento</a:t>
-            </a:r>
-            <a:r>
-              <a:rPr lang="en-US" dirty="0"/>
-              <a:t> de software.</a:t>
-            </a:r>
+          <a:bodyPr/>
+          <a:lstStyle/>
+          <a:p>
+            <a:r>
+              <a:rPr lang="pt-BR" dirty="0"/>
+              <a:t>Startup - Recursos</a:t>
+            </a:r>
+          </a:p>
+        </p:txBody>
+      </p:sp>
+      <p:sp>
+        <p:nvSpPr>
+          <p:cNvPr id="3" name="Espaço Reservado para Conteúdo 2"/>
+          <p:cNvSpPr>
+            <a:spLocks noGrp="1"/>
+          </p:cNvSpPr>
+          <p:nvPr>
+            <p:ph idx="1"/>
+          </p:nvPr>
+        </p:nvSpPr>
+        <p:spPr>
+          <a:xfrm>
+            <a:off x="507206" y="1556792"/>
+            <a:ext cx="8065294" cy="4202787"/>
+          </a:xfrm>
+        </p:spPr>
+        <p:txBody>
+          <a:bodyPr/>
+          <a:lstStyle/>
+          <a:p>
+            <a:pPr>
+              <a:buFont typeface="Wingdings" panose="05000000000000000000" pitchFamily="2" charset="2"/>
+              <a:buChar char="ü"/>
+            </a:pPr>
+            <a:r>
+              <a:rPr lang="pt-BR" dirty="0"/>
+              <a:t>Não dispõe de muitos recursos para investimento</a:t>
+            </a:r>
+          </a:p>
+          <a:p>
+            <a:pPr>
+              <a:buFont typeface="Wingdings" panose="05000000000000000000" pitchFamily="2" charset="2"/>
+              <a:buChar char="ü"/>
+            </a:pPr>
+            <a:r>
+              <a:rPr lang="pt-BR" dirty="0"/>
+              <a:t>O acesso a investimentos é um dos principais obstáculos das startups</a:t>
+            </a:r>
+          </a:p>
+          <a:p>
+            <a:pPr>
+              <a:buFont typeface="Wingdings" panose="05000000000000000000" pitchFamily="2" charset="2"/>
+              <a:buChar char="ü"/>
+            </a:pPr>
             <a:endParaRPr lang="pt-BR" dirty="0"/>
           </a:p>
-          <a:p>
-            <a:pPr marL="0" indent="0">
-              <a:buNone/>
-            </a:pPr>
-            <a:endParaRPr lang="pt-BR" dirty="0"/>
-          </a:p>
-        </p:txBody>
-      </p:sp>
+        </p:txBody>
+      </p:sp>
+      <p:pic>
+        <p:nvPicPr>
+          <p:cNvPr id="4" name="Imagem 3"/>
+          <p:cNvPicPr/>
+          <p:nvPr/>
+        </p:nvPicPr>
+        <p:blipFill>
+          <a:blip r:embed="rId2" cstate="print">
+            <a:extLst>
+              <a:ext uri="{28A0092B-C50C-407E-A947-70E740481C1C}">
+                <a14:useLocalDpi xmlns:a14="http://schemas.microsoft.com/office/drawing/2010/main" val="0"/>
+              </a:ext>
+            </a:extLst>
+          </a:blip>
+          <a:stretch>
+            <a:fillRect/>
+          </a:stretch>
+        </p:blipFill>
+        <p:spPr>
+          <a:xfrm>
+            <a:off x="1907704" y="2420888"/>
+            <a:ext cx="6664796" cy="4032448"/>
+          </a:xfrm>
+          <a:prstGeom prst="rect">
+            <a:avLst/>
+          </a:prstGeom>
+          <a:noFill/>
+          <a:ln>
+            <a:noFill/>
+          </a:ln>
+        </p:spPr>
+      </p:pic>
     </p:spTree>
     <p:extLst>
       <p:ext uri="{BB962C8B-B14F-4D97-AF65-F5344CB8AC3E}">
-        <p14:creationId xmlns:p14="http://schemas.microsoft.com/office/powerpoint/2010/main" val="1665822349"/>
+        <p14:creationId xmlns:p14="http://schemas.microsoft.com/office/powerpoint/2010/main" val="3569771386"/>
       </p:ext>
     </p:extLst>
   </p:cSld>

--- a/StartIdea/StartIdea.Docs/Apresentacao.pptx
+++ b/StartIdea/StartIdea.Docs/Apresentacao.pptx
@@ -5,7 +5,7 @@
     <p:sldMasterId id="2147483738" r:id="rId2"/>
   </p:sldMasterIdLst>
   <p:notesMasterIdLst>
-    <p:notesMasterId r:id="rId43"/>
+    <p:notesMasterId r:id="rId56"/>
   </p:notesMasterIdLst>
   <p:sldIdLst>
     <p:sldId id="256" r:id="rId3"/>
@@ -15,39 +15,52 @@
     <p:sldId id="312" r:id="rId7"/>
     <p:sldId id="315" r:id="rId8"/>
     <p:sldId id="313" r:id="rId9"/>
-    <p:sldId id="269" r:id="rId10"/>
-    <p:sldId id="308" r:id="rId11"/>
-    <p:sldId id="316" r:id="rId12"/>
-    <p:sldId id="311" r:id="rId13"/>
-    <p:sldId id="310" r:id="rId14"/>
-    <p:sldId id="314" r:id="rId15"/>
-    <p:sldId id="305" r:id="rId16"/>
-    <p:sldId id="307" r:id="rId17"/>
-    <p:sldId id="306" r:id="rId18"/>
-    <p:sldId id="303" r:id="rId19"/>
-    <p:sldId id="300" r:id="rId20"/>
-    <p:sldId id="301" r:id="rId21"/>
-    <p:sldId id="302" r:id="rId22"/>
-    <p:sldId id="304" r:id="rId23"/>
-    <p:sldId id="262" r:id="rId24"/>
-    <p:sldId id="280" r:id="rId25"/>
-    <p:sldId id="282" r:id="rId26"/>
-    <p:sldId id="281" r:id="rId27"/>
-    <p:sldId id="283" r:id="rId28"/>
-    <p:sldId id="287" r:id="rId29"/>
-    <p:sldId id="285" r:id="rId30"/>
-    <p:sldId id="288" r:id="rId31"/>
-    <p:sldId id="289" r:id="rId32"/>
-    <p:sldId id="290" r:id="rId33"/>
-    <p:sldId id="291" r:id="rId34"/>
-    <p:sldId id="292" r:id="rId35"/>
-    <p:sldId id="293" r:id="rId36"/>
-    <p:sldId id="294" r:id="rId37"/>
-    <p:sldId id="295" r:id="rId38"/>
-    <p:sldId id="296" r:id="rId39"/>
-    <p:sldId id="286" r:id="rId40"/>
-    <p:sldId id="317" r:id="rId41"/>
-    <p:sldId id="299" r:id="rId42"/>
+    <p:sldId id="318" r:id="rId10"/>
+    <p:sldId id="319" r:id="rId11"/>
+    <p:sldId id="320" r:id="rId12"/>
+    <p:sldId id="321" r:id="rId13"/>
+    <p:sldId id="323" r:id="rId14"/>
+    <p:sldId id="322" r:id="rId15"/>
+    <p:sldId id="324" r:id="rId16"/>
+    <p:sldId id="325" r:id="rId17"/>
+    <p:sldId id="326" r:id="rId18"/>
+    <p:sldId id="328" r:id="rId19"/>
+    <p:sldId id="327" r:id="rId20"/>
+    <p:sldId id="329" r:id="rId21"/>
+    <p:sldId id="330" r:id="rId22"/>
+    <p:sldId id="269" r:id="rId23"/>
+    <p:sldId id="308" r:id="rId24"/>
+    <p:sldId id="316" r:id="rId25"/>
+    <p:sldId id="311" r:id="rId26"/>
+    <p:sldId id="310" r:id="rId27"/>
+    <p:sldId id="314" r:id="rId28"/>
+    <p:sldId id="305" r:id="rId29"/>
+    <p:sldId id="307" r:id="rId30"/>
+    <p:sldId id="306" r:id="rId31"/>
+    <p:sldId id="303" r:id="rId32"/>
+    <p:sldId id="300" r:id="rId33"/>
+    <p:sldId id="301" r:id="rId34"/>
+    <p:sldId id="302" r:id="rId35"/>
+    <p:sldId id="304" r:id="rId36"/>
+    <p:sldId id="262" r:id="rId37"/>
+    <p:sldId id="280" r:id="rId38"/>
+    <p:sldId id="282" r:id="rId39"/>
+    <p:sldId id="281" r:id="rId40"/>
+    <p:sldId id="283" r:id="rId41"/>
+    <p:sldId id="287" r:id="rId42"/>
+    <p:sldId id="285" r:id="rId43"/>
+    <p:sldId id="288" r:id="rId44"/>
+    <p:sldId id="289" r:id="rId45"/>
+    <p:sldId id="290" r:id="rId46"/>
+    <p:sldId id="291" r:id="rId47"/>
+    <p:sldId id="292" r:id="rId48"/>
+    <p:sldId id="293" r:id="rId49"/>
+    <p:sldId id="294" r:id="rId50"/>
+    <p:sldId id="295" r:id="rId51"/>
+    <p:sldId id="296" r:id="rId52"/>
+    <p:sldId id="286" r:id="rId53"/>
+    <p:sldId id="317" r:id="rId54"/>
+    <p:sldId id="299" r:id="rId55"/>
   </p:sldIdLst>
   <p:sldSz cx="9144000" cy="6858000" type="screen4x3"/>
   <p:notesSz cx="6858000" cy="9144000"/>
@@ -4221,20 +4234,16 @@
             <p:ph type="title"/>
           </p:nvPr>
         </p:nvSpPr>
-        <p:spPr>
-          <a:xfrm>
-            <a:off x="492919" y="499533"/>
-            <a:ext cx="8079581" cy="1057259"/>
-          </a:xfrm>
-        </p:spPr>
-        <p:txBody>
-          <a:bodyPr/>
-          <a:lstStyle/>
-          <a:p>
-            <a:r>
-              <a:rPr lang="pt-BR" dirty="0"/>
-              <a:t>Startup – Tipos de Investimento</a:t>
-            </a:r>
+        <p:spPr/>
+        <p:txBody>
+          <a:bodyPr/>
+          <a:lstStyle/>
+          <a:p>
+            <a:r>
+              <a:rPr lang="pt-BR" dirty="0" err="1"/>
+              <a:t>Kaizen</a:t>
+            </a:r>
+            <a:endParaRPr lang="pt-BR" dirty="0"/>
           </a:p>
         </p:txBody>
       </p:sp>
@@ -4248,107 +4257,61 @@
             <p:ph idx="1"/>
           </p:nvPr>
         </p:nvSpPr>
-        <p:spPr>
-          <a:xfrm>
-            <a:off x="507206" y="1556793"/>
-            <a:ext cx="8065294" cy="4824536"/>
-          </a:xfrm>
-        </p:spPr>
-        <p:txBody>
-          <a:bodyPr>
-            <a:normAutofit lnSpcReduction="10000"/>
-          </a:bodyPr>
-          <a:lstStyle/>
-          <a:p>
-            <a:pPr>
-              <a:buFont typeface="Wingdings" panose="05000000000000000000" pitchFamily="2" charset="2"/>
-              <a:buChar char="ü"/>
-            </a:pPr>
+        <p:spPr/>
+        <p:txBody>
+          <a:bodyPr/>
+          <a:lstStyle/>
+          <a:p>
+            <a:pPr>
+              <a:buFont typeface="Wingdings" panose="05000000000000000000" pitchFamily="2" charset="2"/>
+              <a:buChar char="ü"/>
+            </a:pPr>
+            <a:r>
+              <a:rPr lang="pt-BR" dirty="0"/>
+              <a:t>Constituída de dois ideogramas: O primeiro (Kai) representa mudança e o Zen, bondade ou virtude;</a:t>
+            </a:r>
+          </a:p>
+          <a:p>
+            <a:pPr>
+              <a:buFont typeface="Wingdings" panose="05000000000000000000" pitchFamily="2" charset="2"/>
+              <a:buChar char="ü"/>
+            </a:pPr>
+            <a:r>
+              <a:rPr lang="pt-BR" dirty="0"/>
+              <a:t>Melhoria contínua;</a:t>
+            </a:r>
+          </a:p>
+          <a:p>
+            <a:pPr lvl="2">
+              <a:buFont typeface="Wingdings" panose="05000000000000000000" pitchFamily="2" charset="2"/>
+              <a:buChar char="ü"/>
+            </a:pPr>
+            <a:r>
+              <a:rPr lang="pt-BR" dirty="0"/>
+              <a:t>Na prática o </a:t>
+            </a:r>
             <a:r>
               <a:rPr lang="pt-BR" dirty="0" err="1"/>
-              <a:t>Bootstrapping</a:t>
-            </a:r>
-            <a:r>
-              <a:rPr lang="pt-BR" dirty="0"/>
-              <a:t>;</a:t>
-            </a:r>
-          </a:p>
-          <a:p>
-            <a:pPr lvl="2">
-              <a:buFont typeface="Wingdings" panose="05000000000000000000" pitchFamily="2" charset="2"/>
-              <a:buChar char="ü"/>
-            </a:pPr>
-            <a:r>
-              <a:rPr lang="pt-BR" dirty="0"/>
-              <a:t>Criar sua startup usando somente recursos próprios e não recorrendo a investidores externos.</a:t>
-            </a:r>
-          </a:p>
-          <a:p>
-            <a:pPr>
-              <a:buFont typeface="Wingdings" panose="05000000000000000000" pitchFamily="2" charset="2"/>
-              <a:buChar char="ü"/>
-            </a:pPr>
-            <a:r>
-              <a:rPr lang="pt-BR" dirty="0"/>
-              <a:t>Investimento-Anjo;</a:t>
-            </a:r>
-          </a:p>
-          <a:p>
-            <a:pPr lvl="2">
-              <a:buFont typeface="Wingdings" panose="05000000000000000000" pitchFamily="2" charset="2"/>
-              <a:buChar char="ü"/>
-            </a:pPr>
-            <a:r>
-              <a:rPr lang="pt-BR" dirty="0"/>
-              <a:t>O investidor recebe, por seu investimento, uma participação societária minoritária no negócio, e não assume posição executiva na empresa, mas atua como um conselheiro.</a:t>
-            </a:r>
-          </a:p>
-          <a:p>
-            <a:pPr>
-              <a:buFont typeface="Wingdings" panose="05000000000000000000" pitchFamily="2" charset="2"/>
-              <a:buChar char="ü"/>
-            </a:pPr>
-            <a:r>
-              <a:rPr lang="pt-BR" dirty="0"/>
-              <a:t>Capital semente;</a:t>
-            </a:r>
-          </a:p>
-          <a:p>
-            <a:pPr lvl="2">
-              <a:buFont typeface="Wingdings" panose="05000000000000000000" pitchFamily="2" charset="2"/>
-              <a:buChar char="ü"/>
-            </a:pPr>
-            <a:r>
-              <a:rPr lang="pt-BR" dirty="0"/>
-              <a:t>É um modelo de financiamento dirigido a projetos empresariais em estágio inicial ou estágio zero, em fase de projeto e desenvolvimento, antes da instalação do negócio.</a:t>
-            </a:r>
-          </a:p>
-          <a:p>
-            <a:pPr>
-              <a:buFont typeface="Wingdings" panose="05000000000000000000" pitchFamily="2" charset="2"/>
-              <a:buChar char="ü"/>
-            </a:pPr>
-            <a:r>
-              <a:rPr lang="pt-BR" dirty="0"/>
-              <a:t>Incubadoras.</a:t>
-            </a:r>
-          </a:p>
-          <a:p>
-            <a:pPr lvl="2">
-              <a:buFont typeface="Wingdings" panose="05000000000000000000" pitchFamily="2" charset="2"/>
-              <a:buChar char="ü"/>
-            </a:pPr>
-            <a:r>
-              <a:rPr lang="pt-BR" dirty="0"/>
-              <a:t>Elas oferecem suporte técnico, gerencial e formação complementar ao empreendedor e facilitam o processo de inovação e acesso a novas tecnologias nos pequenos negócios.</a:t>
-            </a:r>
+              <a:t>Kaizen</a:t>
+            </a:r>
+            <a:r>
+              <a:rPr lang="pt-BR" dirty="0"/>
+              <a:t> significa que todos os colaboradores em todas as partes da organização estão continuamente à procura de maneiras para melhorar as operações.</a:t>
+            </a:r>
+          </a:p>
+          <a:p>
+            <a:pPr>
+              <a:buFont typeface="Wingdings" panose="05000000000000000000" pitchFamily="2" charset="2"/>
+              <a:buChar char="ü"/>
+            </a:pPr>
+            <a:endParaRPr lang="pt-BR" dirty="0"/>
           </a:p>
         </p:txBody>
       </p:sp>
     </p:spTree>
     <p:extLst>
       <p:ext uri="{BB962C8B-B14F-4D97-AF65-F5344CB8AC3E}">
-        <p14:creationId xmlns:p14="http://schemas.microsoft.com/office/powerpoint/2010/main" val="2244996834"/>
+        <p14:creationId xmlns:p14="http://schemas.microsoft.com/office/powerpoint/2010/main" val="794923938"/>
       </p:ext>
     </p:extLst>
   </p:cSld>
@@ -4392,8 +4355,9 @@
           <a:p>
             <a:r>
               <a:rPr lang="pt-BR" dirty="0"/>
-              <a:t>Startup Enxuta</a:t>
-            </a:r>
+              <a:t>Normalização</a:t>
+            </a:r>
+            <a:endParaRPr lang="pt-BR" dirty="0"/>
           </a:p>
         </p:txBody>
       </p:sp>
@@ -4418,33 +4382,8 @@
             </a:pPr>
             <a:r>
               <a:rPr lang="pt-BR" dirty="0"/>
-              <a:t>Fazer experimentos lançando "produto mínimo viável“</a:t>
-            </a:r>
-          </a:p>
-          <a:p>
-            <a:pPr lvl="2">
-              <a:buFont typeface="Wingdings" panose="05000000000000000000" pitchFamily="2" charset="2"/>
-              <a:buChar char="ü"/>
-            </a:pPr>
-            <a:r>
-              <a:rPr lang="pt-BR" dirty="0"/>
-              <a:t>Confirmação que os clientes pagariam para ter o produto</a:t>
-            </a:r>
-          </a:p>
-          <a:p>
-            <a:pPr>
-              <a:buFont typeface="Wingdings" panose="05000000000000000000" pitchFamily="2" charset="2"/>
-              <a:buChar char="ü"/>
-            </a:pPr>
-            <a:r>
-              <a:rPr lang="pt-BR" dirty="0"/>
-              <a:t>O objetivo é chegar ao conceito certo do produto, identificar quem são os clientes dispostos a pagar por ele</a:t>
-            </a:r>
-          </a:p>
-          <a:p>
-            <a:pPr marL="0" indent="0">
-              <a:buNone/>
-            </a:pPr>
+              <a:t>O desenvolvimento com base em tarefas normalizadas assegura não só a consistência de elevados níveis de qualidade, mas também mantém o ritmo de produção e fornece termos de comparação para implementar uma estratégia de melhoria contínua;</a:t>
+            </a:r>
             <a:endParaRPr lang="pt-BR" dirty="0"/>
           </a:p>
         </p:txBody>
@@ -4452,7 +4391,7 @@
     </p:spTree>
     <p:extLst>
       <p:ext uri="{BB962C8B-B14F-4D97-AF65-F5344CB8AC3E}">
-        <p14:creationId xmlns:p14="http://schemas.microsoft.com/office/powerpoint/2010/main" val="589983116"/>
+        <p14:creationId xmlns:p14="http://schemas.microsoft.com/office/powerpoint/2010/main" val="2224756767"/>
       </p:ext>
     </p:extLst>
   </p:cSld>
@@ -4489,6 +4428,1989 @@
             <p:ph type="title"/>
           </p:nvPr>
         </p:nvSpPr>
+        <p:spPr>
+          <a:xfrm>
+            <a:off x="492919" y="499533"/>
+            <a:ext cx="8079581" cy="1057259"/>
+          </a:xfrm>
+        </p:spPr>
+        <p:txBody>
+          <a:bodyPr/>
+          <a:lstStyle/>
+          <a:p>
+            <a:r>
+              <a:rPr lang="pt-BR" dirty="0"/>
+              <a:t>Pilares do TPS</a:t>
+            </a:r>
+          </a:p>
+        </p:txBody>
+      </p:sp>
+      <p:pic>
+        <p:nvPicPr>
+          <p:cNvPr id="4" name="Espaço Reservado para Conteúdo 3"/>
+          <p:cNvPicPr>
+            <a:picLocks noGrp="1"/>
+          </p:cNvPicPr>
+          <p:nvPr>
+            <p:ph idx="1"/>
+          </p:nvPr>
+        </p:nvPicPr>
+        <p:blipFill>
+          <a:blip r:embed="rId2">
+            <a:extLst>
+              <a:ext uri="{28A0092B-C50C-407E-A947-70E740481C1C}">
+                <a14:useLocalDpi xmlns:a14="http://schemas.microsoft.com/office/drawing/2010/main" val="0"/>
+              </a:ext>
+            </a:extLst>
+          </a:blip>
+          <a:stretch>
+            <a:fillRect/>
+          </a:stretch>
+        </p:blipFill>
+        <p:spPr>
+          <a:xfrm>
+            <a:off x="2103585" y="1556792"/>
+            <a:ext cx="4858247" cy="4858247"/>
+          </a:xfrm>
+          <a:prstGeom prst="rect">
+            <a:avLst/>
+          </a:prstGeom>
+          <a:noFill/>
+          <a:ln>
+            <a:noFill/>
+          </a:ln>
+        </p:spPr>
+      </p:pic>
+    </p:spTree>
+    <p:extLst>
+      <p:ext uri="{BB962C8B-B14F-4D97-AF65-F5344CB8AC3E}">
+        <p14:creationId xmlns:p14="http://schemas.microsoft.com/office/powerpoint/2010/main" val="200612223"/>
+      </p:ext>
+    </p:extLst>
+  </p:cSld>
+  <p:clrMapOvr>
+    <a:masterClrMapping/>
+  </p:clrMapOvr>
+</p:sld>
+</file>
+
+<file path=ppt/slides/slide13.xml><?xml version="1.0" encoding="utf-8"?>
+<p:sld xmlns:a="http://schemas.openxmlformats.org/drawingml/2006/main" xmlns:r="http://schemas.openxmlformats.org/officeDocument/2006/relationships" xmlns:p="http://schemas.openxmlformats.org/presentationml/2006/main">
+  <p:cSld>
+    <p:spTree>
+      <p:nvGrpSpPr>
+        <p:cNvPr id="1" name=""/>
+        <p:cNvGrpSpPr/>
+        <p:nvPr/>
+      </p:nvGrpSpPr>
+      <p:grpSpPr>
+        <a:xfrm>
+          <a:off x="0" y="0"/>
+          <a:ext cx="0" cy="0"/>
+          <a:chOff x="0" y="0"/>
+          <a:chExt cx="0" cy="0"/>
+        </a:xfrm>
+      </p:grpSpPr>
+      <p:sp>
+        <p:nvSpPr>
+          <p:cNvPr id="2" name="Título 1"/>
+          <p:cNvSpPr>
+            <a:spLocks noGrp="1"/>
+          </p:cNvSpPr>
+          <p:nvPr>
+            <p:ph type="title"/>
+          </p:nvPr>
+        </p:nvSpPr>
+        <p:spPr/>
+        <p:txBody>
+          <a:bodyPr/>
+          <a:lstStyle/>
+          <a:p>
+            <a:r>
+              <a:rPr lang="pt-BR" dirty="0" err="1"/>
+              <a:t>Jidoka</a:t>
+            </a:r>
+            <a:endParaRPr lang="pt-BR" dirty="0"/>
+          </a:p>
+        </p:txBody>
+      </p:sp>
+      <p:sp>
+        <p:nvSpPr>
+          <p:cNvPr id="3" name="Espaço Reservado para Conteúdo 2"/>
+          <p:cNvSpPr>
+            <a:spLocks noGrp="1"/>
+          </p:cNvSpPr>
+          <p:nvPr>
+            <p:ph idx="1"/>
+          </p:nvPr>
+        </p:nvSpPr>
+        <p:spPr/>
+        <p:txBody>
+          <a:bodyPr/>
+          <a:lstStyle/>
+          <a:p>
+            <a:pPr>
+              <a:buFont typeface="Wingdings" panose="05000000000000000000" pitchFamily="2" charset="2"/>
+              <a:buChar char="ü"/>
+            </a:pPr>
+            <a:r>
+              <a:rPr lang="pt-BR" dirty="0"/>
+              <a:t>Significa </a:t>
+            </a:r>
+            <a:r>
+              <a:rPr lang="pt-BR" dirty="0" err="1"/>
+              <a:t>autonomação</a:t>
+            </a:r>
+            <a:r>
+              <a:rPr lang="pt-BR" dirty="0"/>
+              <a:t> (automação com um toque humano);</a:t>
+            </a:r>
+          </a:p>
+          <a:p>
+            <a:pPr>
+              <a:buFont typeface="Wingdings" panose="05000000000000000000" pitchFamily="2" charset="2"/>
+              <a:buChar char="ü"/>
+            </a:pPr>
+            <a:r>
+              <a:rPr lang="pt-BR" dirty="0"/>
+              <a:t>Aplicar </a:t>
+            </a:r>
+            <a:r>
+              <a:rPr lang="pt-BR" dirty="0" err="1"/>
+              <a:t>Jidoka</a:t>
+            </a:r>
+            <a:r>
+              <a:rPr lang="pt-BR" dirty="0"/>
+              <a:t> evita que os defeitos de produção gerem retrabalhos, refugos, ou até mesmo que cheguem junto com o produto acabado às mãos do cliente;</a:t>
+            </a:r>
+          </a:p>
+          <a:p>
+            <a:pPr>
+              <a:buFont typeface="Wingdings" panose="05000000000000000000" pitchFamily="2" charset="2"/>
+              <a:buChar char="ü"/>
+            </a:pPr>
+            <a:r>
+              <a:rPr lang="pt-BR" dirty="0"/>
+              <a:t>É constituído por elementos importantes tais como: </a:t>
+            </a:r>
+            <a:r>
+              <a:rPr lang="pt-BR" dirty="0" err="1"/>
+              <a:t>Genchi</a:t>
+            </a:r>
+            <a:r>
+              <a:rPr lang="pt-BR" dirty="0"/>
+              <a:t> </a:t>
+            </a:r>
+            <a:r>
+              <a:rPr lang="pt-BR" dirty="0" err="1"/>
+              <a:t>Genbutsu</a:t>
+            </a:r>
+            <a:r>
+              <a:rPr lang="pt-BR" dirty="0"/>
+              <a:t>, Painel </a:t>
+            </a:r>
+            <a:r>
+              <a:rPr lang="pt-BR" dirty="0" err="1"/>
+              <a:t>Andon</a:t>
+            </a:r>
+            <a:r>
+              <a:rPr lang="pt-BR" dirty="0"/>
+              <a:t> e </a:t>
+            </a:r>
+            <a:r>
+              <a:rPr lang="pt-BR" dirty="0" err="1"/>
+              <a:t>Poka-Yoke</a:t>
+            </a:r>
+            <a:r>
+              <a:rPr lang="pt-BR" dirty="0"/>
+              <a:t>.</a:t>
+            </a:r>
+          </a:p>
+        </p:txBody>
+      </p:sp>
+    </p:spTree>
+    <p:extLst>
+      <p:ext uri="{BB962C8B-B14F-4D97-AF65-F5344CB8AC3E}">
+        <p14:creationId xmlns:p14="http://schemas.microsoft.com/office/powerpoint/2010/main" val="2910521171"/>
+      </p:ext>
+    </p:extLst>
+  </p:cSld>
+  <p:clrMapOvr>
+    <a:masterClrMapping/>
+  </p:clrMapOvr>
+</p:sld>
+</file>
+
+<file path=ppt/slides/slide14.xml><?xml version="1.0" encoding="utf-8"?>
+<p:sld xmlns:a="http://schemas.openxmlformats.org/drawingml/2006/main" xmlns:r="http://schemas.openxmlformats.org/officeDocument/2006/relationships" xmlns:p="http://schemas.openxmlformats.org/presentationml/2006/main">
+  <p:cSld>
+    <p:spTree>
+      <p:nvGrpSpPr>
+        <p:cNvPr id="1" name=""/>
+        <p:cNvGrpSpPr/>
+        <p:nvPr/>
+      </p:nvGrpSpPr>
+      <p:grpSpPr>
+        <a:xfrm>
+          <a:off x="0" y="0"/>
+          <a:ext cx="0" cy="0"/>
+          <a:chOff x="0" y="0"/>
+          <a:chExt cx="0" cy="0"/>
+        </a:xfrm>
+      </p:grpSpPr>
+      <p:sp>
+        <p:nvSpPr>
+          <p:cNvPr id="2" name="Título 1"/>
+          <p:cNvSpPr>
+            <a:spLocks noGrp="1"/>
+          </p:cNvSpPr>
+          <p:nvPr>
+            <p:ph type="title"/>
+          </p:nvPr>
+        </p:nvSpPr>
+        <p:spPr/>
+        <p:txBody>
+          <a:bodyPr/>
+          <a:lstStyle/>
+          <a:p>
+            <a:r>
+              <a:rPr lang="pt-BR" dirty="0" err="1"/>
+              <a:t>Genchi</a:t>
+            </a:r>
+            <a:r>
+              <a:rPr lang="pt-BR" dirty="0"/>
+              <a:t> </a:t>
+            </a:r>
+            <a:r>
+              <a:rPr lang="pt-BR" dirty="0" err="1"/>
+              <a:t>Genbutsu</a:t>
+            </a:r>
+            <a:endParaRPr lang="pt-BR" dirty="0"/>
+          </a:p>
+        </p:txBody>
+      </p:sp>
+      <p:sp>
+        <p:nvSpPr>
+          <p:cNvPr id="3" name="Espaço Reservado para Conteúdo 2"/>
+          <p:cNvSpPr>
+            <a:spLocks noGrp="1"/>
+          </p:cNvSpPr>
+          <p:nvPr>
+            <p:ph idx="1"/>
+          </p:nvPr>
+        </p:nvSpPr>
+        <p:spPr/>
+        <p:txBody>
+          <a:bodyPr/>
+          <a:lstStyle/>
+          <a:p>
+            <a:pPr>
+              <a:buFont typeface="Wingdings" panose="05000000000000000000" pitchFamily="2" charset="2"/>
+              <a:buChar char="ü"/>
+            </a:pPr>
+            <a:r>
+              <a:rPr lang="pt-BR" dirty="0"/>
+              <a:t>Expressão japonesa que significa “vai e veja você mesmo” não distante da ideia do conceito MBWA (Management </a:t>
+            </a:r>
+            <a:r>
+              <a:rPr lang="pt-BR" dirty="0" err="1"/>
+              <a:t>By</a:t>
+            </a:r>
+            <a:r>
+              <a:rPr lang="pt-BR" dirty="0"/>
+              <a:t> </a:t>
+            </a:r>
+            <a:r>
+              <a:rPr lang="pt-BR" dirty="0" err="1"/>
+              <a:t>Walking</a:t>
+            </a:r>
+            <a:r>
+              <a:rPr lang="pt-BR" dirty="0"/>
+              <a:t> </a:t>
+            </a:r>
+            <a:r>
+              <a:rPr lang="pt-BR" dirty="0" err="1"/>
+              <a:t>Around</a:t>
+            </a:r>
+            <a:r>
+              <a:rPr lang="pt-BR" dirty="0"/>
+              <a:t>);</a:t>
+            </a:r>
+          </a:p>
+          <a:p>
+            <a:pPr>
+              <a:buFont typeface="Wingdings" panose="05000000000000000000" pitchFamily="2" charset="2"/>
+              <a:buChar char="ü"/>
+            </a:pPr>
+            <a:r>
+              <a:rPr lang="pt-BR" dirty="0"/>
+              <a:t>É muito mais do que uma atividade adicional nas empresas. É mais que uma simples questão de caminhar e conversar.</a:t>
+            </a:r>
+            <a:endParaRPr lang="pt-BR" dirty="0"/>
+          </a:p>
+        </p:txBody>
+      </p:sp>
+    </p:spTree>
+    <p:extLst>
+      <p:ext uri="{BB962C8B-B14F-4D97-AF65-F5344CB8AC3E}">
+        <p14:creationId xmlns:p14="http://schemas.microsoft.com/office/powerpoint/2010/main" val="2330899761"/>
+      </p:ext>
+    </p:extLst>
+  </p:cSld>
+  <p:clrMapOvr>
+    <a:masterClrMapping/>
+  </p:clrMapOvr>
+</p:sld>
+</file>
+
+<file path=ppt/slides/slide15.xml><?xml version="1.0" encoding="utf-8"?>
+<p:sld xmlns:a="http://schemas.openxmlformats.org/drawingml/2006/main" xmlns:r="http://schemas.openxmlformats.org/officeDocument/2006/relationships" xmlns:p="http://schemas.openxmlformats.org/presentationml/2006/main">
+  <p:cSld>
+    <p:spTree>
+      <p:nvGrpSpPr>
+        <p:cNvPr id="1" name=""/>
+        <p:cNvGrpSpPr/>
+        <p:nvPr/>
+      </p:nvGrpSpPr>
+      <p:grpSpPr>
+        <a:xfrm>
+          <a:off x="0" y="0"/>
+          <a:ext cx="0" cy="0"/>
+          <a:chOff x="0" y="0"/>
+          <a:chExt cx="0" cy="0"/>
+        </a:xfrm>
+      </p:grpSpPr>
+      <p:sp>
+        <p:nvSpPr>
+          <p:cNvPr id="2" name="Título 1"/>
+          <p:cNvSpPr>
+            <a:spLocks noGrp="1"/>
+          </p:cNvSpPr>
+          <p:nvPr>
+            <p:ph type="title"/>
+          </p:nvPr>
+        </p:nvSpPr>
+        <p:spPr>
+          <a:xfrm>
+            <a:off x="492919" y="499533"/>
+            <a:ext cx="8079581" cy="1493860"/>
+          </a:xfrm>
+        </p:spPr>
+        <p:txBody>
+          <a:bodyPr/>
+          <a:lstStyle/>
+          <a:p>
+            <a:r>
+              <a:rPr lang="pt-BR" dirty="0"/>
+              <a:t>Painel </a:t>
+            </a:r>
+            <a:r>
+              <a:rPr lang="pt-BR" dirty="0" err="1"/>
+              <a:t>Andon</a:t>
+            </a:r>
+            <a:endParaRPr lang="pt-BR" dirty="0"/>
+          </a:p>
+        </p:txBody>
+      </p:sp>
+      <p:sp>
+        <p:nvSpPr>
+          <p:cNvPr id="3" name="Espaço Reservado para Conteúdo 2"/>
+          <p:cNvSpPr>
+            <a:spLocks noGrp="1"/>
+          </p:cNvSpPr>
+          <p:nvPr>
+            <p:ph idx="1"/>
+          </p:nvPr>
+        </p:nvSpPr>
+        <p:spPr>
+          <a:xfrm>
+            <a:off x="507206" y="1993393"/>
+            <a:ext cx="8065294" cy="3766185"/>
+          </a:xfrm>
+        </p:spPr>
+        <p:txBody>
+          <a:bodyPr/>
+          <a:lstStyle/>
+          <a:p>
+            <a:pPr>
+              <a:buFont typeface="Wingdings" panose="05000000000000000000" pitchFamily="2" charset="2"/>
+              <a:buChar char="ü"/>
+            </a:pPr>
+            <a:r>
+              <a:rPr lang="pt-BR" dirty="0"/>
+              <a:t>É um simples quadro electrónico altamente visível que mostra o estado de cada linha de produção. Caso um operador detecte uma falha o quadro notifica imediatamente a gestão, indicando a sua localização precisa.</a:t>
+            </a:r>
+          </a:p>
+          <a:p>
+            <a:pPr marL="0" indent="0">
+              <a:buNone/>
+            </a:pPr>
+            <a:endParaRPr lang="pt-BR" dirty="0"/>
+          </a:p>
+        </p:txBody>
+      </p:sp>
+      <p:pic>
+        <p:nvPicPr>
+          <p:cNvPr id="4" name="Imagem 3"/>
+          <p:cNvPicPr/>
+          <p:nvPr/>
+        </p:nvPicPr>
+        <p:blipFill>
+          <a:blip r:embed="rId2" cstate="print">
+            <a:extLst>
+              <a:ext uri="{28A0092B-C50C-407E-A947-70E740481C1C}">
+                <a14:useLocalDpi xmlns:a14="http://schemas.microsoft.com/office/drawing/2010/main" val="0"/>
+              </a:ext>
+            </a:extLst>
+          </a:blip>
+          <a:stretch>
+            <a:fillRect/>
+          </a:stretch>
+        </p:blipFill>
+        <p:spPr>
+          <a:xfrm>
+            <a:off x="2699792" y="3429000"/>
+            <a:ext cx="3655616" cy="2741492"/>
+          </a:xfrm>
+          <a:prstGeom prst="rect">
+            <a:avLst/>
+          </a:prstGeom>
+          <a:noFill/>
+          <a:ln>
+            <a:noFill/>
+          </a:ln>
+        </p:spPr>
+      </p:pic>
+    </p:spTree>
+    <p:extLst>
+      <p:ext uri="{BB962C8B-B14F-4D97-AF65-F5344CB8AC3E}">
+        <p14:creationId xmlns:p14="http://schemas.microsoft.com/office/powerpoint/2010/main" val="2162098475"/>
+      </p:ext>
+    </p:extLst>
+  </p:cSld>
+  <p:clrMapOvr>
+    <a:masterClrMapping/>
+  </p:clrMapOvr>
+</p:sld>
+</file>
+
+<file path=ppt/slides/slide16.xml><?xml version="1.0" encoding="utf-8"?>
+<p:sld xmlns:a="http://schemas.openxmlformats.org/drawingml/2006/main" xmlns:r="http://schemas.openxmlformats.org/officeDocument/2006/relationships" xmlns:p="http://schemas.openxmlformats.org/presentationml/2006/main">
+  <p:cSld>
+    <p:spTree>
+      <p:nvGrpSpPr>
+        <p:cNvPr id="1" name=""/>
+        <p:cNvGrpSpPr/>
+        <p:nvPr/>
+      </p:nvGrpSpPr>
+      <p:grpSpPr>
+        <a:xfrm>
+          <a:off x="0" y="0"/>
+          <a:ext cx="0" cy="0"/>
+          <a:chOff x="0" y="0"/>
+          <a:chExt cx="0" cy="0"/>
+        </a:xfrm>
+      </p:grpSpPr>
+      <p:sp>
+        <p:nvSpPr>
+          <p:cNvPr id="2" name="Título 1"/>
+          <p:cNvSpPr>
+            <a:spLocks noGrp="1"/>
+          </p:cNvSpPr>
+          <p:nvPr>
+            <p:ph type="title"/>
+          </p:nvPr>
+        </p:nvSpPr>
+        <p:spPr/>
+        <p:txBody>
+          <a:bodyPr/>
+          <a:lstStyle/>
+          <a:p>
+            <a:r>
+              <a:rPr lang="pt-BR" dirty="0" err="1"/>
+              <a:t>Poka-Yoke</a:t>
+            </a:r>
+            <a:endParaRPr lang="pt-BR" dirty="0"/>
+          </a:p>
+        </p:txBody>
+      </p:sp>
+      <p:sp>
+        <p:nvSpPr>
+          <p:cNvPr id="3" name="Espaço Reservado para Conteúdo 2"/>
+          <p:cNvSpPr>
+            <a:spLocks noGrp="1"/>
+          </p:cNvSpPr>
+          <p:nvPr>
+            <p:ph idx="1"/>
+          </p:nvPr>
+        </p:nvSpPr>
+        <p:spPr/>
+        <p:txBody>
+          <a:bodyPr/>
+          <a:lstStyle/>
+          <a:p>
+            <a:pPr>
+              <a:buFont typeface="Wingdings" panose="05000000000000000000" pitchFamily="2" charset="2"/>
+              <a:buChar char="ü"/>
+            </a:pPr>
+            <a:r>
+              <a:rPr lang="pt-BR" dirty="0"/>
+              <a:t>Expressão japonesa que significa “à prova de erros”;</a:t>
+            </a:r>
+          </a:p>
+          <a:p>
+            <a:pPr>
+              <a:buFont typeface="Wingdings" panose="05000000000000000000" pitchFamily="2" charset="2"/>
+              <a:buChar char="ü"/>
+            </a:pPr>
+            <a:r>
+              <a:rPr lang="pt-BR" dirty="0"/>
+              <a:t>Todos os itens usados com frequência estão claramente identificados para que possam ser usados e encontrados por qualquer pessoa.</a:t>
+            </a:r>
+            <a:endParaRPr lang="pt-BR" dirty="0"/>
+          </a:p>
+        </p:txBody>
+      </p:sp>
+    </p:spTree>
+    <p:extLst>
+      <p:ext uri="{BB962C8B-B14F-4D97-AF65-F5344CB8AC3E}">
+        <p14:creationId xmlns:p14="http://schemas.microsoft.com/office/powerpoint/2010/main" val="833273520"/>
+      </p:ext>
+    </p:extLst>
+  </p:cSld>
+  <p:clrMapOvr>
+    <a:masterClrMapping/>
+  </p:clrMapOvr>
+</p:sld>
+</file>
+
+<file path=ppt/slides/slide17.xml><?xml version="1.0" encoding="utf-8"?>
+<p:sld xmlns:a="http://schemas.openxmlformats.org/drawingml/2006/main" xmlns:r="http://schemas.openxmlformats.org/officeDocument/2006/relationships" xmlns:p="http://schemas.openxmlformats.org/presentationml/2006/main">
+  <p:cSld>
+    <p:spTree>
+      <p:nvGrpSpPr>
+        <p:cNvPr id="1" name=""/>
+        <p:cNvGrpSpPr/>
+        <p:nvPr/>
+      </p:nvGrpSpPr>
+      <p:grpSpPr>
+        <a:xfrm>
+          <a:off x="0" y="0"/>
+          <a:ext cx="0" cy="0"/>
+          <a:chOff x="0" y="0"/>
+          <a:chExt cx="0" cy="0"/>
+        </a:xfrm>
+      </p:grpSpPr>
+      <p:sp>
+        <p:nvSpPr>
+          <p:cNvPr id="2" name="Título 1"/>
+          <p:cNvSpPr>
+            <a:spLocks noGrp="1"/>
+          </p:cNvSpPr>
+          <p:nvPr>
+            <p:ph type="title"/>
+          </p:nvPr>
+        </p:nvSpPr>
+        <p:spPr>
+          <a:xfrm>
+            <a:off x="492919" y="499533"/>
+            <a:ext cx="8079581" cy="1057259"/>
+          </a:xfrm>
+        </p:spPr>
+        <p:txBody>
+          <a:bodyPr/>
+          <a:lstStyle/>
+          <a:p>
+            <a:r>
+              <a:rPr lang="pt-BR" dirty="0"/>
+              <a:t>Pilares do TPS</a:t>
+            </a:r>
+          </a:p>
+        </p:txBody>
+      </p:sp>
+      <p:pic>
+        <p:nvPicPr>
+          <p:cNvPr id="4" name="Espaço Reservado para Conteúdo 3"/>
+          <p:cNvPicPr>
+            <a:picLocks noGrp="1"/>
+          </p:cNvPicPr>
+          <p:nvPr>
+            <p:ph idx="1"/>
+          </p:nvPr>
+        </p:nvPicPr>
+        <p:blipFill>
+          <a:blip r:embed="rId2">
+            <a:extLst>
+              <a:ext uri="{28A0092B-C50C-407E-A947-70E740481C1C}">
+                <a14:useLocalDpi xmlns:a14="http://schemas.microsoft.com/office/drawing/2010/main" val="0"/>
+              </a:ext>
+            </a:extLst>
+          </a:blip>
+          <a:stretch>
+            <a:fillRect/>
+          </a:stretch>
+        </p:blipFill>
+        <p:spPr>
+          <a:xfrm>
+            <a:off x="2103585" y="1556792"/>
+            <a:ext cx="4858247" cy="4858247"/>
+          </a:xfrm>
+          <a:prstGeom prst="rect">
+            <a:avLst/>
+          </a:prstGeom>
+          <a:noFill/>
+          <a:ln>
+            <a:noFill/>
+          </a:ln>
+        </p:spPr>
+      </p:pic>
+    </p:spTree>
+    <p:extLst>
+      <p:ext uri="{BB962C8B-B14F-4D97-AF65-F5344CB8AC3E}">
+        <p14:creationId xmlns:p14="http://schemas.microsoft.com/office/powerpoint/2010/main" val="880359493"/>
+      </p:ext>
+    </p:extLst>
+  </p:cSld>
+  <p:clrMapOvr>
+    <a:masterClrMapping/>
+  </p:clrMapOvr>
+</p:sld>
+</file>
+
+<file path=ppt/slides/slide18.xml><?xml version="1.0" encoding="utf-8"?>
+<p:sld xmlns:a="http://schemas.openxmlformats.org/drawingml/2006/main" xmlns:r="http://schemas.openxmlformats.org/officeDocument/2006/relationships" xmlns:p="http://schemas.openxmlformats.org/presentationml/2006/main">
+  <p:cSld>
+    <p:spTree>
+      <p:nvGrpSpPr>
+        <p:cNvPr id="1" name=""/>
+        <p:cNvGrpSpPr/>
+        <p:nvPr/>
+      </p:nvGrpSpPr>
+      <p:grpSpPr>
+        <a:xfrm>
+          <a:off x="0" y="0"/>
+          <a:ext cx="0" cy="0"/>
+          <a:chOff x="0" y="0"/>
+          <a:chExt cx="0" cy="0"/>
+        </a:xfrm>
+      </p:grpSpPr>
+      <p:sp>
+        <p:nvSpPr>
+          <p:cNvPr id="2" name="Título 1"/>
+          <p:cNvSpPr>
+            <a:spLocks noGrp="1"/>
+          </p:cNvSpPr>
+          <p:nvPr>
+            <p:ph type="title"/>
+          </p:nvPr>
+        </p:nvSpPr>
+        <p:spPr>
+          <a:xfrm>
+            <a:off x="492919" y="499533"/>
+            <a:ext cx="8079581" cy="913243"/>
+          </a:xfrm>
+        </p:spPr>
+        <p:txBody>
+          <a:bodyPr/>
+          <a:lstStyle/>
+          <a:p>
+            <a:r>
+              <a:rPr lang="pt-BR" b="1" dirty="0"/>
+              <a:t>Just-in-time (JIT)</a:t>
+            </a:r>
+            <a:endParaRPr lang="pt-BR" dirty="0"/>
+          </a:p>
+        </p:txBody>
+      </p:sp>
+      <p:sp>
+        <p:nvSpPr>
+          <p:cNvPr id="3" name="Espaço Reservado para Conteúdo 2"/>
+          <p:cNvSpPr>
+            <a:spLocks noGrp="1"/>
+          </p:cNvSpPr>
+          <p:nvPr>
+            <p:ph idx="1"/>
+          </p:nvPr>
+        </p:nvSpPr>
+        <p:spPr>
+          <a:xfrm>
+            <a:off x="507206" y="1412776"/>
+            <a:ext cx="8065294" cy="4346803"/>
+          </a:xfrm>
+        </p:spPr>
+        <p:txBody>
+          <a:bodyPr/>
+          <a:lstStyle/>
+          <a:p>
+            <a:pPr>
+              <a:buFont typeface="Wingdings" panose="05000000000000000000" pitchFamily="2" charset="2"/>
+              <a:buChar char="ü"/>
+            </a:pPr>
+            <a:r>
+              <a:rPr lang="pt-BR" dirty="0"/>
+              <a:t>Assegura fluxos de trabalho suaves, contínuos e optimizados, com tempos de ciclo de trabalho planeados e medidos cuidadosamente, e movimentos de produtos de acordo com a procura, reduzem custos com desperdícios de tempo, materiais e capacidade;</a:t>
+            </a:r>
+          </a:p>
+          <a:p>
+            <a:pPr>
+              <a:buFont typeface="Wingdings" panose="05000000000000000000" pitchFamily="2" charset="2"/>
+              <a:buChar char="ü"/>
+            </a:pPr>
+            <a:r>
+              <a:rPr lang="pt-BR" dirty="0"/>
+              <a:t>É constituído por princípios chaves tais como: Eliminação do desperdiço (muda), </a:t>
+            </a:r>
+            <a:r>
+              <a:rPr lang="pt-BR" dirty="0" err="1"/>
+              <a:t>Takt</a:t>
+            </a:r>
+            <a:r>
+              <a:rPr lang="pt-BR" dirty="0"/>
+              <a:t> time e </a:t>
+            </a:r>
+            <a:r>
+              <a:rPr lang="pt-BR" dirty="0" err="1"/>
+              <a:t>Kanban</a:t>
+            </a:r>
+            <a:r>
+              <a:rPr lang="pt-BR" dirty="0"/>
+              <a:t>.</a:t>
+            </a:r>
+            <a:endParaRPr lang="pt-BR" dirty="0"/>
+          </a:p>
+        </p:txBody>
+      </p:sp>
+      <p:pic>
+        <p:nvPicPr>
+          <p:cNvPr id="5" name="Imagem 4"/>
+          <p:cNvPicPr/>
+          <p:nvPr/>
+        </p:nvPicPr>
+        <p:blipFill>
+          <a:blip r:embed="rId2">
+            <a:extLst>
+              <a:ext uri="{28A0092B-C50C-407E-A947-70E740481C1C}">
+                <a14:useLocalDpi xmlns:a14="http://schemas.microsoft.com/office/drawing/2010/main" val="0"/>
+              </a:ext>
+            </a:extLst>
+          </a:blip>
+          <a:stretch>
+            <a:fillRect/>
+          </a:stretch>
+        </p:blipFill>
+        <p:spPr>
+          <a:xfrm>
+            <a:off x="2793998" y="3861048"/>
+            <a:ext cx="3551632" cy="2664296"/>
+          </a:xfrm>
+          <a:prstGeom prst="rect">
+            <a:avLst/>
+          </a:prstGeom>
+          <a:noFill/>
+          <a:ln>
+            <a:noFill/>
+          </a:ln>
+        </p:spPr>
+      </p:pic>
+    </p:spTree>
+    <p:extLst>
+      <p:ext uri="{BB962C8B-B14F-4D97-AF65-F5344CB8AC3E}">
+        <p14:creationId xmlns:p14="http://schemas.microsoft.com/office/powerpoint/2010/main" val="2999392889"/>
+      </p:ext>
+    </p:extLst>
+  </p:cSld>
+  <p:clrMapOvr>
+    <a:masterClrMapping/>
+  </p:clrMapOvr>
+</p:sld>
+</file>
+
+<file path=ppt/slides/slide19.xml><?xml version="1.0" encoding="utf-8"?>
+<p:sld xmlns:a="http://schemas.openxmlformats.org/drawingml/2006/main" xmlns:r="http://schemas.openxmlformats.org/officeDocument/2006/relationships" xmlns:p="http://schemas.openxmlformats.org/presentationml/2006/main">
+  <p:cSld>
+    <p:spTree>
+      <p:nvGrpSpPr>
+        <p:cNvPr id="1" name=""/>
+        <p:cNvGrpSpPr/>
+        <p:nvPr/>
+      </p:nvGrpSpPr>
+      <p:grpSpPr>
+        <a:xfrm>
+          <a:off x="0" y="0"/>
+          <a:ext cx="0" cy="0"/>
+          <a:chOff x="0" y="0"/>
+          <a:chExt cx="0" cy="0"/>
+        </a:xfrm>
+      </p:grpSpPr>
+      <p:sp>
+        <p:nvSpPr>
+          <p:cNvPr id="2" name="Título 1"/>
+          <p:cNvSpPr>
+            <a:spLocks noGrp="1"/>
+          </p:cNvSpPr>
+          <p:nvPr>
+            <p:ph type="title"/>
+          </p:nvPr>
+        </p:nvSpPr>
+        <p:spPr>
+          <a:xfrm>
+            <a:off x="492919" y="499533"/>
+            <a:ext cx="8079581" cy="1103444"/>
+          </a:xfrm>
+        </p:spPr>
+        <p:txBody>
+          <a:bodyPr/>
+          <a:lstStyle/>
+          <a:p>
+            <a:r>
+              <a:rPr lang="pt-BR" dirty="0"/>
+              <a:t>Eliminação do desperdiço</a:t>
+            </a:r>
+            <a:endParaRPr lang="pt-BR" dirty="0"/>
+          </a:p>
+        </p:txBody>
+      </p:sp>
+      <p:sp>
+        <p:nvSpPr>
+          <p:cNvPr id="3" name="Espaço Reservado para Conteúdo 2"/>
+          <p:cNvSpPr>
+            <a:spLocks noGrp="1"/>
+          </p:cNvSpPr>
+          <p:nvPr>
+            <p:ph idx="1"/>
+          </p:nvPr>
+        </p:nvSpPr>
+        <p:spPr>
+          <a:xfrm>
+            <a:off x="507205" y="1571739"/>
+            <a:ext cx="8065294" cy="1929269"/>
+          </a:xfrm>
+        </p:spPr>
+        <p:txBody>
+          <a:bodyPr/>
+          <a:lstStyle/>
+          <a:p>
+            <a:pPr>
+              <a:buFont typeface="Wingdings" panose="05000000000000000000" pitchFamily="2" charset="2"/>
+              <a:buChar char="ü"/>
+            </a:pPr>
+            <a:r>
+              <a:rPr lang="pt-BR" dirty="0"/>
+              <a:t>Desperdício (muda) é definido como qualquer coisa que não adiciona valor. </a:t>
+            </a:r>
+          </a:p>
+          <a:p>
+            <a:pPr lvl="2">
+              <a:buFont typeface="Wingdings" panose="05000000000000000000" pitchFamily="2" charset="2"/>
+              <a:buChar char="ü"/>
+            </a:pPr>
+            <a:r>
+              <a:rPr lang="pt-BR" dirty="0"/>
+              <a:t>Isto inclui áreas que normalmente não são consideradas como desperdício, tais como sobre produção, stocks, movimentos e processamentos em excesso e tempo de espera desnecessário.</a:t>
+            </a:r>
+          </a:p>
+        </p:txBody>
+      </p:sp>
+      <p:sp>
+        <p:nvSpPr>
+          <p:cNvPr id="4" name="Título 1"/>
+          <p:cNvSpPr txBox="1">
+            <a:spLocks/>
+          </p:cNvSpPr>
+          <p:nvPr/>
+        </p:nvSpPr>
+        <p:spPr>
+          <a:xfrm>
+            <a:off x="507205" y="3501008"/>
+            <a:ext cx="8079581" cy="921623"/>
+          </a:xfrm>
+          <a:prstGeom prst="rect">
+            <a:avLst/>
+          </a:prstGeom>
+        </p:spPr>
+        <p:txBody>
+          <a:bodyPr vert="horz" lIns="91440" tIns="45720" rIns="91440" bIns="45720" rtlCol="0" anchor="ctr">
+            <a:normAutofit/>
+          </a:bodyPr>
+          <a:lstStyle>
+            <a:lvl1pPr algn="l" defTabSz="914400" rtl="0" eaLnBrk="1" latinLnBrk="0" hangingPunct="1">
+              <a:lnSpc>
+                <a:spcPct val="90000"/>
+              </a:lnSpc>
+              <a:spcBef>
+                <a:spcPct val="0"/>
+              </a:spcBef>
+              <a:buNone/>
+              <a:defRPr sz="4800" kern="1200" spc="-120" baseline="0">
+                <a:solidFill>
+                  <a:schemeClr val="accent1"/>
+                </a:solidFill>
+                <a:latin typeface="+mj-lt"/>
+                <a:ea typeface="+mj-ea"/>
+                <a:cs typeface="+mj-cs"/>
+              </a:defRPr>
+            </a:lvl1pPr>
+          </a:lstStyle>
+          <a:p>
+            <a:r>
+              <a:rPr lang="pt-BR" dirty="0" err="1"/>
+              <a:t>Takt</a:t>
+            </a:r>
+            <a:r>
+              <a:rPr lang="pt-BR" dirty="0"/>
+              <a:t> time</a:t>
+            </a:r>
+            <a:endParaRPr lang="pt-BR" dirty="0"/>
+          </a:p>
+        </p:txBody>
+      </p:sp>
+      <p:sp>
+        <p:nvSpPr>
+          <p:cNvPr id="5" name="Espaço Reservado para Conteúdo 2"/>
+          <p:cNvSpPr txBox="1">
+            <a:spLocks/>
+          </p:cNvSpPr>
+          <p:nvPr/>
+        </p:nvSpPr>
+        <p:spPr>
+          <a:xfrm>
+            <a:off x="492919" y="4422631"/>
+            <a:ext cx="8065294" cy="1526649"/>
+          </a:xfrm>
+          <a:prstGeom prst="rect">
+            <a:avLst/>
+          </a:prstGeom>
+        </p:spPr>
+        <p:txBody>
+          <a:bodyPr vert="horz" lIns="91440" tIns="45720" rIns="91440" bIns="45720" rtlCol="0">
+            <a:normAutofit/>
+          </a:bodyPr>
+          <a:lstStyle>
+            <a:lvl1pPr marL="91440" indent="-91440" algn="l" defTabSz="914400" rtl="0" eaLnBrk="1" latinLnBrk="0" hangingPunct="1">
+              <a:lnSpc>
+                <a:spcPct val="85000"/>
+              </a:lnSpc>
+              <a:spcBef>
+                <a:spcPts val="1300"/>
+              </a:spcBef>
+              <a:buFont typeface="Arial" pitchFamily="34" charset="0"/>
+              <a:buChar char=" "/>
+              <a:defRPr sz="2400" kern="1200">
+                <a:solidFill>
+                  <a:schemeClr val="tx1">
+                    <a:lumMod val="85000"/>
+                    <a:lumOff val="15000"/>
+                  </a:schemeClr>
+                </a:solidFill>
+                <a:latin typeface="+mn-lt"/>
+                <a:ea typeface="+mn-ea"/>
+                <a:cs typeface="+mn-cs"/>
+              </a:defRPr>
+            </a:lvl1pPr>
+            <a:lvl2pPr marL="274320" indent="-342900" algn="l" defTabSz="914400" rtl="0" eaLnBrk="1" latinLnBrk="0" hangingPunct="1">
+              <a:lnSpc>
+                <a:spcPct val="85000"/>
+              </a:lnSpc>
+              <a:spcBef>
+                <a:spcPts val="600"/>
+              </a:spcBef>
+              <a:buFont typeface="Arial" pitchFamily="34" charset="0"/>
+              <a:buChar char=" "/>
+              <a:defRPr sz="2400" kern="1200">
+                <a:solidFill>
+                  <a:schemeClr val="tx1">
+                    <a:lumMod val="85000"/>
+                    <a:lumOff val="15000"/>
+                  </a:schemeClr>
+                </a:solidFill>
+                <a:latin typeface="+mn-lt"/>
+                <a:ea typeface="+mn-ea"/>
+                <a:cs typeface="+mn-cs"/>
+              </a:defRPr>
+            </a:lvl2pPr>
+            <a:lvl3pPr marL="548640" indent="-548640" algn="l" defTabSz="914400" rtl="0" eaLnBrk="1" latinLnBrk="0" hangingPunct="1">
+              <a:lnSpc>
+                <a:spcPct val="85000"/>
+              </a:lnSpc>
+              <a:spcBef>
+                <a:spcPts val="600"/>
+              </a:spcBef>
+              <a:buFont typeface="Arial" pitchFamily="34" charset="0"/>
+              <a:buChar char=" "/>
+              <a:defRPr sz="2000" i="1" kern="1200">
+                <a:solidFill>
+                  <a:schemeClr val="tx1">
+                    <a:lumMod val="85000"/>
+                    <a:lumOff val="15000"/>
+                  </a:schemeClr>
+                </a:solidFill>
+                <a:latin typeface="+mn-lt"/>
+                <a:ea typeface="+mn-ea"/>
+                <a:cs typeface="+mn-cs"/>
+              </a:defRPr>
+            </a:lvl3pPr>
+            <a:lvl4pPr marL="822960" indent="-822960" algn="l" defTabSz="914400" rtl="0" eaLnBrk="1" latinLnBrk="0" hangingPunct="1">
+              <a:lnSpc>
+                <a:spcPct val="85000"/>
+              </a:lnSpc>
+              <a:spcBef>
+                <a:spcPts val="600"/>
+              </a:spcBef>
+              <a:buFont typeface="Arial" pitchFamily="34" charset="0"/>
+              <a:buChar char=" "/>
+              <a:defRPr sz="1800" kern="1200">
+                <a:solidFill>
+                  <a:schemeClr val="tx1">
+                    <a:lumMod val="85000"/>
+                    <a:lumOff val="15000"/>
+                  </a:schemeClr>
+                </a:solidFill>
+                <a:latin typeface="+mn-lt"/>
+                <a:ea typeface="+mn-ea"/>
+                <a:cs typeface="+mn-cs"/>
+              </a:defRPr>
+            </a:lvl4pPr>
+            <a:lvl5pPr marL="1097280" indent="-1097280" algn="l" defTabSz="914400" rtl="0" eaLnBrk="1" latinLnBrk="0" hangingPunct="1">
+              <a:lnSpc>
+                <a:spcPct val="85000"/>
+              </a:lnSpc>
+              <a:spcBef>
+                <a:spcPts val="600"/>
+              </a:spcBef>
+              <a:buFont typeface="Arial" pitchFamily="34" charset="0"/>
+              <a:buChar char=" "/>
+              <a:defRPr sz="1800" kern="1200">
+                <a:solidFill>
+                  <a:schemeClr val="tx1">
+                    <a:lumMod val="85000"/>
+                    <a:lumOff val="15000"/>
+                  </a:schemeClr>
+                </a:solidFill>
+                <a:latin typeface="+mn-lt"/>
+                <a:ea typeface="+mn-ea"/>
+                <a:cs typeface="+mn-cs"/>
+              </a:defRPr>
+            </a:lvl5pPr>
+            <a:lvl6pPr marL="1200000" indent="-228600" algn="l" defTabSz="914400" rtl="0" eaLnBrk="1" latinLnBrk="0" hangingPunct="1">
+              <a:lnSpc>
+                <a:spcPct val="85000"/>
+              </a:lnSpc>
+              <a:spcBef>
+                <a:spcPts val="600"/>
+              </a:spcBef>
+              <a:buFont typeface="Arial" pitchFamily="34" charset="0"/>
+              <a:buChar char=" "/>
+              <a:defRPr sz="1800" kern="1200">
+                <a:solidFill>
+                  <a:schemeClr val="tx1">
+                    <a:lumMod val="85000"/>
+                    <a:lumOff val="15000"/>
+                  </a:schemeClr>
+                </a:solidFill>
+                <a:latin typeface="+mn-lt"/>
+                <a:ea typeface="+mn-ea"/>
+                <a:cs typeface="+mn-cs"/>
+              </a:defRPr>
+            </a:lvl6pPr>
+            <a:lvl7pPr marL="1400000" indent="-228600" algn="l" defTabSz="914400" rtl="0" eaLnBrk="1" latinLnBrk="0" hangingPunct="1">
+              <a:lnSpc>
+                <a:spcPct val="85000"/>
+              </a:lnSpc>
+              <a:spcBef>
+                <a:spcPts val="600"/>
+              </a:spcBef>
+              <a:buFont typeface="Arial" pitchFamily="34" charset="0"/>
+              <a:buChar char=" "/>
+              <a:defRPr sz="1800" kern="1200">
+                <a:solidFill>
+                  <a:schemeClr val="tx1">
+                    <a:lumMod val="85000"/>
+                    <a:lumOff val="15000"/>
+                  </a:schemeClr>
+                </a:solidFill>
+                <a:latin typeface="+mn-lt"/>
+                <a:ea typeface="+mn-ea"/>
+                <a:cs typeface="+mn-cs"/>
+              </a:defRPr>
+            </a:lvl7pPr>
+            <a:lvl8pPr marL="1600000" indent="-228600" algn="l" defTabSz="914400" rtl="0" eaLnBrk="1" latinLnBrk="0" hangingPunct="1">
+              <a:lnSpc>
+                <a:spcPct val="85000"/>
+              </a:lnSpc>
+              <a:spcBef>
+                <a:spcPts val="600"/>
+              </a:spcBef>
+              <a:buFont typeface="Arial" pitchFamily="34" charset="0"/>
+              <a:buChar char=" "/>
+              <a:defRPr sz="1800" kern="1200">
+                <a:solidFill>
+                  <a:schemeClr val="tx1">
+                    <a:lumMod val="85000"/>
+                    <a:lumOff val="15000"/>
+                  </a:schemeClr>
+                </a:solidFill>
+                <a:latin typeface="+mn-lt"/>
+                <a:ea typeface="+mn-ea"/>
+                <a:cs typeface="+mn-cs"/>
+              </a:defRPr>
+            </a:lvl8pPr>
+            <a:lvl9pPr marL="1800000" indent="-228600" algn="l" defTabSz="914400" rtl="0" eaLnBrk="1" latinLnBrk="0" hangingPunct="1">
+              <a:lnSpc>
+                <a:spcPct val="85000"/>
+              </a:lnSpc>
+              <a:spcBef>
+                <a:spcPts val="600"/>
+              </a:spcBef>
+              <a:buFont typeface="Arial" pitchFamily="34" charset="0"/>
+              <a:buChar char=" "/>
+              <a:defRPr sz="1800" kern="1200">
+                <a:solidFill>
+                  <a:schemeClr val="tx1">
+                    <a:lumMod val="85000"/>
+                    <a:lumOff val="15000"/>
+                  </a:schemeClr>
+                </a:solidFill>
+                <a:latin typeface="+mn-lt"/>
+                <a:ea typeface="+mn-ea"/>
+                <a:cs typeface="+mn-cs"/>
+              </a:defRPr>
+            </a:lvl9pPr>
+          </a:lstStyle>
+          <a:p>
+            <a:pPr>
+              <a:buFont typeface="Wingdings" panose="05000000000000000000" pitchFamily="2" charset="2"/>
+              <a:buChar char="ü"/>
+            </a:pPr>
+            <a:r>
+              <a:rPr lang="pt-BR" dirty="0"/>
+              <a:t>Vem da palavra alemã </a:t>
+            </a:r>
+            <a:r>
+              <a:rPr lang="pt-BR" dirty="0" err="1"/>
+              <a:t>taktzeit</a:t>
+            </a:r>
+            <a:r>
+              <a:rPr lang="pt-BR" dirty="0"/>
+              <a:t>, que pode ser traduzida como tempo de ciclo;</a:t>
+            </a:r>
+          </a:p>
+          <a:p>
+            <a:pPr lvl="2">
+              <a:buFont typeface="Wingdings" panose="05000000000000000000" pitchFamily="2" charset="2"/>
+              <a:buChar char="ü"/>
+            </a:pPr>
+            <a:r>
+              <a:rPr lang="pt-BR" dirty="0"/>
+              <a:t>Considerada como a taxa de procura dos clientes</a:t>
+            </a:r>
+          </a:p>
+          <a:p>
+            <a:pPr>
+              <a:buFont typeface="Wingdings" panose="05000000000000000000" pitchFamily="2" charset="2"/>
+              <a:buChar char="ü"/>
+            </a:pPr>
+            <a:endParaRPr lang="pt-BR" dirty="0"/>
+          </a:p>
+        </p:txBody>
+      </p:sp>
+    </p:spTree>
+    <p:extLst>
+      <p:ext uri="{BB962C8B-B14F-4D97-AF65-F5344CB8AC3E}">
+        <p14:creationId xmlns:p14="http://schemas.microsoft.com/office/powerpoint/2010/main" val="1732325093"/>
+      </p:ext>
+    </p:extLst>
+  </p:cSld>
+  <p:clrMapOvr>
+    <a:masterClrMapping/>
+  </p:clrMapOvr>
+</p:sld>
+</file>
+
+<file path=ppt/slides/slide2.xml><?xml version="1.0" encoding="utf-8"?>
+<p:sld xmlns:a="http://schemas.openxmlformats.org/drawingml/2006/main" xmlns:r="http://schemas.openxmlformats.org/officeDocument/2006/relationships" xmlns:p="http://schemas.openxmlformats.org/presentationml/2006/main">
+  <p:cSld>
+    <p:spTree>
+      <p:nvGrpSpPr>
+        <p:cNvPr id="1" name=""/>
+        <p:cNvGrpSpPr/>
+        <p:nvPr/>
+      </p:nvGrpSpPr>
+      <p:grpSpPr>
+        <a:xfrm>
+          <a:off x="0" y="0"/>
+          <a:ext cx="0" cy="0"/>
+          <a:chOff x="0" y="0"/>
+          <a:chExt cx="0" cy="0"/>
+        </a:xfrm>
+      </p:grpSpPr>
+      <p:sp>
+        <p:nvSpPr>
+          <p:cNvPr id="2" name="Title 1"/>
+          <p:cNvSpPr>
+            <a:spLocks noGrp="1"/>
+          </p:cNvSpPr>
+          <p:nvPr>
+            <p:ph type="title"/>
+          </p:nvPr>
+        </p:nvSpPr>
+        <p:spPr/>
+        <p:txBody>
+          <a:bodyPr/>
+          <a:lstStyle/>
+          <a:p>
+            <a:r>
+              <a:rPr lang="pt-BR" dirty="0"/>
+              <a:t>Introdução</a:t>
+            </a:r>
+          </a:p>
+        </p:txBody>
+      </p:sp>
+      <p:sp>
+        <p:nvSpPr>
+          <p:cNvPr id="3" name="Content Placeholder 2"/>
+          <p:cNvSpPr>
+            <a:spLocks noGrp="1"/>
+          </p:cNvSpPr>
+          <p:nvPr>
+            <p:ph idx="1"/>
+          </p:nvPr>
+        </p:nvSpPr>
+        <p:spPr/>
+        <p:txBody>
+          <a:bodyPr>
+            <a:normAutofit/>
+          </a:bodyPr>
+          <a:lstStyle/>
+          <a:p>
+            <a:r>
+              <a:rPr lang="pt-BR" dirty="0"/>
+              <a:t>Gestão de Projetos de Software</a:t>
+            </a:r>
+          </a:p>
+          <a:p>
+            <a:r>
+              <a:rPr lang="pt-BR" dirty="0"/>
+              <a:t>Startup</a:t>
+            </a:r>
+          </a:p>
+          <a:p>
+            <a:r>
+              <a:rPr lang="pt-BR" dirty="0"/>
+              <a:t>Processo de desenvolvimento ágil</a:t>
+            </a:r>
+          </a:p>
+          <a:p>
+            <a:pPr lvl="1"/>
+            <a:r>
+              <a:rPr lang="pt-BR" dirty="0"/>
+              <a:t>Manifesto</a:t>
+            </a:r>
+          </a:p>
+          <a:p>
+            <a:pPr lvl="1"/>
+            <a:r>
+              <a:rPr lang="pt-BR" dirty="0"/>
+              <a:t>Scrum</a:t>
+            </a:r>
+          </a:p>
+          <a:p>
+            <a:pPr lvl="2"/>
+            <a:r>
+              <a:rPr lang="pt-BR" dirty="0"/>
+              <a:t>Definição</a:t>
+            </a:r>
+          </a:p>
+          <a:p>
+            <a:pPr lvl="2"/>
+            <a:r>
+              <a:rPr lang="pt-BR" dirty="0"/>
+              <a:t>Estruturação</a:t>
+            </a:r>
+          </a:p>
+          <a:p>
+            <a:pPr lvl="3"/>
+            <a:r>
+              <a:rPr lang="pt-BR" dirty="0"/>
+              <a:t>Perfil</a:t>
+            </a:r>
+          </a:p>
+          <a:p>
+            <a:pPr lvl="3"/>
+            <a:r>
+              <a:rPr lang="pt-BR" dirty="0"/>
+              <a:t>Regras</a:t>
+            </a:r>
+          </a:p>
+        </p:txBody>
+      </p:sp>
+    </p:spTree>
+  </p:cSld>
+  <p:clrMapOvr>
+    <a:masterClrMapping/>
+  </p:clrMapOvr>
+</p:sld>
+</file>
+
+<file path=ppt/slides/slide20.xml><?xml version="1.0" encoding="utf-8"?>
+<p:sld xmlns:a="http://schemas.openxmlformats.org/drawingml/2006/main" xmlns:r="http://schemas.openxmlformats.org/officeDocument/2006/relationships" xmlns:p="http://schemas.openxmlformats.org/presentationml/2006/main">
+  <p:cSld>
+    <p:spTree>
+      <p:nvGrpSpPr>
+        <p:cNvPr id="1" name=""/>
+        <p:cNvGrpSpPr/>
+        <p:nvPr/>
+      </p:nvGrpSpPr>
+      <p:grpSpPr>
+        <a:xfrm>
+          <a:off x="0" y="0"/>
+          <a:ext cx="0" cy="0"/>
+          <a:chOff x="0" y="0"/>
+          <a:chExt cx="0" cy="0"/>
+        </a:xfrm>
+      </p:grpSpPr>
+      <p:sp>
+        <p:nvSpPr>
+          <p:cNvPr id="2" name="Título 1"/>
+          <p:cNvSpPr>
+            <a:spLocks noGrp="1"/>
+          </p:cNvSpPr>
+          <p:nvPr>
+            <p:ph type="title"/>
+          </p:nvPr>
+        </p:nvSpPr>
+        <p:spPr/>
+        <p:txBody>
+          <a:bodyPr/>
+          <a:lstStyle/>
+          <a:p>
+            <a:r>
+              <a:rPr lang="pt-BR" dirty="0" err="1"/>
+              <a:t>Kanban</a:t>
+            </a:r>
+            <a:endParaRPr lang="pt-BR" dirty="0"/>
+          </a:p>
+        </p:txBody>
+      </p:sp>
+      <p:sp>
+        <p:nvSpPr>
+          <p:cNvPr id="3" name="Espaço Reservado para Conteúdo 2"/>
+          <p:cNvSpPr>
+            <a:spLocks noGrp="1"/>
+          </p:cNvSpPr>
+          <p:nvPr>
+            <p:ph idx="1"/>
+          </p:nvPr>
+        </p:nvSpPr>
+        <p:spPr/>
+        <p:txBody>
+          <a:bodyPr/>
+          <a:lstStyle/>
+          <a:p>
+            <a:pPr>
+              <a:buFont typeface="Wingdings" panose="05000000000000000000" pitchFamily="2" charset="2"/>
+              <a:buChar char="ü"/>
+            </a:pPr>
+            <a:r>
+              <a:rPr lang="pt-BR" dirty="0"/>
+              <a:t>Palavra de origem japonesa que pode ser traduzida como cartas (ou cartão);</a:t>
+            </a:r>
+          </a:p>
+          <a:p>
+            <a:pPr lvl="2">
+              <a:buFont typeface="Wingdings" panose="05000000000000000000" pitchFamily="2" charset="2"/>
+              <a:buChar char="ü"/>
+            </a:pPr>
+            <a:r>
+              <a:rPr lang="pt-BR" dirty="0"/>
+              <a:t>Esses quadros e cartões visuais integram o sistema </a:t>
+            </a:r>
+            <a:r>
+              <a:rPr lang="pt-BR" dirty="0" err="1"/>
+              <a:t>Kanban</a:t>
+            </a:r>
+            <a:r>
+              <a:rPr lang="pt-BR" dirty="0"/>
+              <a:t>, que ajudam os trabalhadores a planejarem a produção na indústria e a controlar o estoque. Assim, conforme a quantidade de cartões disponíveis nos quadros são tomadas decisões, priorizando o que é mais importante, realizando setup de máquinas e até mesmo as paradas para manutenção</a:t>
+            </a:r>
+            <a:endParaRPr lang="pt-BR" dirty="0"/>
+          </a:p>
+        </p:txBody>
+      </p:sp>
+    </p:spTree>
+    <p:extLst>
+      <p:ext uri="{BB962C8B-B14F-4D97-AF65-F5344CB8AC3E}">
+        <p14:creationId xmlns:p14="http://schemas.microsoft.com/office/powerpoint/2010/main" val="1953355252"/>
+      </p:ext>
+    </p:extLst>
+  </p:cSld>
+  <p:clrMapOvr>
+    <a:masterClrMapping/>
+  </p:clrMapOvr>
+</p:sld>
+</file>
+
+<file path=ppt/slides/slide21.xml><?xml version="1.0" encoding="utf-8"?>
+<p:sld xmlns:a="http://schemas.openxmlformats.org/drawingml/2006/main" xmlns:r="http://schemas.openxmlformats.org/officeDocument/2006/relationships" xmlns:p="http://schemas.openxmlformats.org/presentationml/2006/main">
+  <p:cSld>
+    <p:spTree>
+      <p:nvGrpSpPr>
+        <p:cNvPr id="1" name=""/>
+        <p:cNvGrpSpPr/>
+        <p:nvPr/>
+      </p:nvGrpSpPr>
+      <p:grpSpPr>
+        <a:xfrm>
+          <a:off x="0" y="0"/>
+          <a:ext cx="0" cy="0"/>
+          <a:chOff x="0" y="0"/>
+          <a:chExt cx="0" cy="0"/>
+        </a:xfrm>
+      </p:grpSpPr>
+      <p:sp>
+        <p:nvSpPr>
+          <p:cNvPr id="3" name="Título 2"/>
+          <p:cNvSpPr>
+            <a:spLocks noGrp="1"/>
+          </p:cNvSpPr>
+          <p:nvPr>
+            <p:ph type="title"/>
+          </p:nvPr>
+        </p:nvSpPr>
+        <p:spPr/>
+        <p:txBody>
+          <a:bodyPr/>
+          <a:lstStyle/>
+          <a:p>
+            <a:r>
+              <a:rPr lang="pt-BR" dirty="0"/>
+              <a:t>Definição de Startup</a:t>
+            </a:r>
+          </a:p>
+        </p:txBody>
+      </p:sp>
+      <p:sp>
+        <p:nvSpPr>
+          <p:cNvPr id="2" name="Espaço Reservado para Conteúdo 1"/>
+          <p:cNvSpPr>
+            <a:spLocks noGrp="1"/>
+          </p:cNvSpPr>
+          <p:nvPr>
+            <p:ph idx="1"/>
+          </p:nvPr>
+        </p:nvSpPr>
+        <p:spPr/>
+        <p:txBody>
+          <a:bodyPr>
+            <a:normAutofit/>
+          </a:bodyPr>
+          <a:lstStyle/>
+          <a:p>
+            <a:pPr>
+              <a:buFont typeface="Wingdings" panose="05000000000000000000" pitchFamily="2" charset="2"/>
+              <a:buChar char="ü"/>
+            </a:pPr>
+            <a:r>
+              <a:rPr lang="pt-BR" dirty="0"/>
+              <a:t>Uma instituição humana projetada para criar novos produtos e serviços sob condições de extrema incerteza;</a:t>
+            </a:r>
+          </a:p>
+          <a:p>
+            <a:pPr>
+              <a:buFont typeface="Wingdings" panose="05000000000000000000" pitchFamily="2" charset="2"/>
+              <a:buChar char="ü"/>
+            </a:pPr>
+            <a:r>
+              <a:rPr lang="pt-BR" dirty="0"/>
+              <a:t>Principais Características:</a:t>
+            </a:r>
+          </a:p>
+          <a:p>
+            <a:pPr lvl="2">
+              <a:buFont typeface="Wingdings" panose="05000000000000000000" pitchFamily="2" charset="2"/>
+              <a:buChar char="ü"/>
+            </a:pPr>
+            <a:r>
+              <a:rPr lang="pt-BR" dirty="0"/>
+              <a:t>Inovação </a:t>
+            </a:r>
+          </a:p>
+          <a:p>
+            <a:pPr lvl="2">
+              <a:buFont typeface="Wingdings" panose="05000000000000000000" pitchFamily="2" charset="2"/>
+              <a:buChar char="ü"/>
+            </a:pPr>
+            <a:r>
+              <a:rPr lang="pt-BR" dirty="0"/>
+              <a:t>Escalabilidade </a:t>
+            </a:r>
+          </a:p>
+          <a:p>
+            <a:pPr lvl="2">
+              <a:buFont typeface="Wingdings" panose="05000000000000000000" pitchFamily="2" charset="2"/>
+              <a:buChar char="ü"/>
+            </a:pPr>
+            <a:r>
+              <a:rPr lang="pt-BR" dirty="0"/>
+              <a:t>Ter potencial para atingir grandes mercados</a:t>
+            </a:r>
+          </a:p>
+          <a:p>
+            <a:pPr lvl="2">
+              <a:buFont typeface="Wingdings" panose="05000000000000000000" pitchFamily="2" charset="2"/>
+              <a:buChar char="ü"/>
+            </a:pPr>
+            <a:r>
+              <a:rPr lang="pt-BR" dirty="0"/>
+              <a:t>Ser enxuta e flexível</a:t>
+            </a:r>
+          </a:p>
+        </p:txBody>
+      </p:sp>
+    </p:spTree>
+    <p:extLst>
+      <p:ext uri="{BB962C8B-B14F-4D97-AF65-F5344CB8AC3E}">
+        <p14:creationId xmlns:p14="http://schemas.microsoft.com/office/powerpoint/2010/main" val="2030121317"/>
+      </p:ext>
+    </p:extLst>
+  </p:cSld>
+  <p:clrMapOvr>
+    <a:masterClrMapping/>
+  </p:clrMapOvr>
+</p:sld>
+</file>
+
+<file path=ppt/slides/slide22.xml><?xml version="1.0" encoding="utf-8"?>
+<p:sld xmlns:a="http://schemas.openxmlformats.org/drawingml/2006/main" xmlns:r="http://schemas.openxmlformats.org/officeDocument/2006/relationships" xmlns:p="http://schemas.openxmlformats.org/presentationml/2006/main">
+  <p:cSld>
+    <p:spTree>
+      <p:nvGrpSpPr>
+        <p:cNvPr id="1" name=""/>
+        <p:cNvGrpSpPr/>
+        <p:nvPr/>
+      </p:nvGrpSpPr>
+      <p:grpSpPr>
+        <a:xfrm>
+          <a:off x="0" y="0"/>
+          <a:ext cx="0" cy="0"/>
+          <a:chOff x="0" y="0"/>
+          <a:chExt cx="0" cy="0"/>
+        </a:xfrm>
+      </p:grpSpPr>
+      <p:sp>
+        <p:nvSpPr>
+          <p:cNvPr id="2" name="Título 1"/>
+          <p:cNvSpPr>
+            <a:spLocks noGrp="1"/>
+          </p:cNvSpPr>
+          <p:nvPr>
+            <p:ph type="title"/>
+          </p:nvPr>
+        </p:nvSpPr>
+        <p:spPr>
+          <a:xfrm>
+            <a:off x="492919" y="499533"/>
+            <a:ext cx="8079581" cy="1201276"/>
+          </a:xfrm>
+        </p:spPr>
+        <p:txBody>
+          <a:bodyPr/>
+          <a:lstStyle/>
+          <a:p>
+            <a:r>
+              <a:rPr lang="pt-BR" dirty="0"/>
+              <a:t>Startup - Recursos</a:t>
+            </a:r>
+          </a:p>
+        </p:txBody>
+      </p:sp>
+      <p:sp>
+        <p:nvSpPr>
+          <p:cNvPr id="3" name="Espaço Reservado para Conteúdo 2"/>
+          <p:cNvSpPr>
+            <a:spLocks noGrp="1"/>
+          </p:cNvSpPr>
+          <p:nvPr>
+            <p:ph idx="1"/>
+          </p:nvPr>
+        </p:nvSpPr>
+        <p:spPr>
+          <a:xfrm>
+            <a:off x="507206" y="1556792"/>
+            <a:ext cx="8065294" cy="4202787"/>
+          </a:xfrm>
+        </p:spPr>
+        <p:txBody>
+          <a:bodyPr/>
+          <a:lstStyle/>
+          <a:p>
+            <a:pPr>
+              <a:buFont typeface="Wingdings" panose="05000000000000000000" pitchFamily="2" charset="2"/>
+              <a:buChar char="ü"/>
+            </a:pPr>
+            <a:r>
+              <a:rPr lang="pt-BR" dirty="0"/>
+              <a:t>Não dispõe de muitos recursos para investimento</a:t>
+            </a:r>
+          </a:p>
+          <a:p>
+            <a:pPr>
+              <a:buFont typeface="Wingdings" panose="05000000000000000000" pitchFamily="2" charset="2"/>
+              <a:buChar char="ü"/>
+            </a:pPr>
+            <a:r>
+              <a:rPr lang="pt-BR" dirty="0"/>
+              <a:t>O acesso a investimentos é um dos principais obstáculos das startups</a:t>
+            </a:r>
+          </a:p>
+          <a:p>
+            <a:pPr>
+              <a:buFont typeface="Wingdings" panose="05000000000000000000" pitchFamily="2" charset="2"/>
+              <a:buChar char="ü"/>
+            </a:pPr>
+            <a:endParaRPr lang="pt-BR" dirty="0"/>
+          </a:p>
+        </p:txBody>
+      </p:sp>
+      <p:pic>
+        <p:nvPicPr>
+          <p:cNvPr id="4" name="Imagem 3"/>
+          <p:cNvPicPr/>
+          <p:nvPr/>
+        </p:nvPicPr>
+        <p:blipFill>
+          <a:blip r:embed="rId2" cstate="print">
+            <a:extLst>
+              <a:ext uri="{28A0092B-C50C-407E-A947-70E740481C1C}">
+                <a14:useLocalDpi xmlns:a14="http://schemas.microsoft.com/office/drawing/2010/main" val="0"/>
+              </a:ext>
+            </a:extLst>
+          </a:blip>
+          <a:stretch>
+            <a:fillRect/>
+          </a:stretch>
+        </p:blipFill>
+        <p:spPr>
+          <a:xfrm>
+            <a:off x="1907704" y="2420888"/>
+            <a:ext cx="6664796" cy="4032448"/>
+          </a:xfrm>
+          <a:prstGeom prst="rect">
+            <a:avLst/>
+          </a:prstGeom>
+          <a:noFill/>
+          <a:ln>
+            <a:noFill/>
+          </a:ln>
+        </p:spPr>
+      </p:pic>
+    </p:spTree>
+    <p:extLst>
+      <p:ext uri="{BB962C8B-B14F-4D97-AF65-F5344CB8AC3E}">
+        <p14:creationId xmlns:p14="http://schemas.microsoft.com/office/powerpoint/2010/main" val="3569771386"/>
+      </p:ext>
+    </p:extLst>
+  </p:cSld>
+  <p:clrMapOvr>
+    <a:masterClrMapping/>
+  </p:clrMapOvr>
+</p:sld>
+</file>
+
+<file path=ppt/slides/slide23.xml><?xml version="1.0" encoding="utf-8"?>
+<p:sld xmlns:a="http://schemas.openxmlformats.org/drawingml/2006/main" xmlns:r="http://schemas.openxmlformats.org/officeDocument/2006/relationships" xmlns:p="http://schemas.openxmlformats.org/presentationml/2006/main">
+  <p:cSld>
+    <p:spTree>
+      <p:nvGrpSpPr>
+        <p:cNvPr id="1" name=""/>
+        <p:cNvGrpSpPr/>
+        <p:nvPr/>
+      </p:nvGrpSpPr>
+      <p:grpSpPr>
+        <a:xfrm>
+          <a:off x="0" y="0"/>
+          <a:ext cx="0" cy="0"/>
+          <a:chOff x="0" y="0"/>
+          <a:chExt cx="0" cy="0"/>
+        </a:xfrm>
+      </p:grpSpPr>
+      <p:sp>
+        <p:nvSpPr>
+          <p:cNvPr id="2" name="Título 1"/>
+          <p:cNvSpPr>
+            <a:spLocks noGrp="1"/>
+          </p:cNvSpPr>
+          <p:nvPr>
+            <p:ph type="title"/>
+          </p:nvPr>
+        </p:nvSpPr>
+        <p:spPr>
+          <a:xfrm>
+            <a:off x="492919" y="499533"/>
+            <a:ext cx="8079581" cy="1057259"/>
+          </a:xfrm>
+        </p:spPr>
+        <p:txBody>
+          <a:bodyPr/>
+          <a:lstStyle/>
+          <a:p>
+            <a:r>
+              <a:rPr lang="pt-BR" dirty="0"/>
+              <a:t>Startup – Tipos de Investimento</a:t>
+            </a:r>
+          </a:p>
+        </p:txBody>
+      </p:sp>
+      <p:sp>
+        <p:nvSpPr>
+          <p:cNvPr id="3" name="Espaço Reservado para Conteúdo 2"/>
+          <p:cNvSpPr>
+            <a:spLocks noGrp="1"/>
+          </p:cNvSpPr>
+          <p:nvPr>
+            <p:ph idx="1"/>
+          </p:nvPr>
+        </p:nvSpPr>
+        <p:spPr>
+          <a:xfrm>
+            <a:off x="507206" y="1556793"/>
+            <a:ext cx="8065294" cy="4824536"/>
+          </a:xfrm>
+        </p:spPr>
+        <p:txBody>
+          <a:bodyPr>
+            <a:normAutofit lnSpcReduction="10000"/>
+          </a:bodyPr>
+          <a:lstStyle/>
+          <a:p>
+            <a:pPr>
+              <a:buFont typeface="Wingdings" panose="05000000000000000000" pitchFamily="2" charset="2"/>
+              <a:buChar char="ü"/>
+            </a:pPr>
+            <a:r>
+              <a:rPr lang="pt-BR" dirty="0" err="1"/>
+              <a:t>Bootstrapping</a:t>
+            </a:r>
+            <a:r>
+              <a:rPr lang="pt-BR" dirty="0"/>
+              <a:t>;</a:t>
+            </a:r>
+          </a:p>
+          <a:p>
+            <a:pPr lvl="2">
+              <a:buFont typeface="Wingdings" panose="05000000000000000000" pitchFamily="2" charset="2"/>
+              <a:buChar char="ü"/>
+            </a:pPr>
+            <a:r>
+              <a:rPr lang="pt-BR" dirty="0"/>
+              <a:t>Criar sua startup usando somente recursos próprios e não recorrendo a investidores externos.</a:t>
+            </a:r>
+          </a:p>
+          <a:p>
+            <a:pPr>
+              <a:buFont typeface="Wingdings" panose="05000000000000000000" pitchFamily="2" charset="2"/>
+              <a:buChar char="ü"/>
+            </a:pPr>
+            <a:r>
+              <a:rPr lang="pt-BR" dirty="0"/>
+              <a:t>Investimento-Anjo;</a:t>
+            </a:r>
+          </a:p>
+          <a:p>
+            <a:pPr lvl="2">
+              <a:buFont typeface="Wingdings" panose="05000000000000000000" pitchFamily="2" charset="2"/>
+              <a:buChar char="ü"/>
+            </a:pPr>
+            <a:r>
+              <a:rPr lang="pt-BR" dirty="0"/>
+              <a:t>O investidor recebe, por seu investimento, uma participação societária minoritária no negócio, e não assume posição executiva na empresa, mas atua como um conselheiro.</a:t>
+            </a:r>
+          </a:p>
+          <a:p>
+            <a:pPr>
+              <a:buFont typeface="Wingdings" panose="05000000000000000000" pitchFamily="2" charset="2"/>
+              <a:buChar char="ü"/>
+            </a:pPr>
+            <a:r>
+              <a:rPr lang="pt-BR" dirty="0"/>
+              <a:t>Capital semente;</a:t>
+            </a:r>
+          </a:p>
+          <a:p>
+            <a:pPr lvl="2">
+              <a:buFont typeface="Wingdings" panose="05000000000000000000" pitchFamily="2" charset="2"/>
+              <a:buChar char="ü"/>
+            </a:pPr>
+            <a:r>
+              <a:rPr lang="pt-BR" dirty="0"/>
+              <a:t>É um modelo de financiamento dirigido a projetos empresariais em estágio inicial ou estágio zero, em fase de projeto e desenvolvimento, antes da instalação do negócio.</a:t>
+            </a:r>
+          </a:p>
+          <a:p>
+            <a:pPr>
+              <a:buFont typeface="Wingdings" panose="05000000000000000000" pitchFamily="2" charset="2"/>
+              <a:buChar char="ü"/>
+            </a:pPr>
+            <a:r>
+              <a:rPr lang="pt-BR" dirty="0"/>
+              <a:t>Incubadoras.</a:t>
+            </a:r>
+          </a:p>
+          <a:p>
+            <a:pPr lvl="2">
+              <a:buFont typeface="Wingdings" panose="05000000000000000000" pitchFamily="2" charset="2"/>
+              <a:buChar char="ü"/>
+            </a:pPr>
+            <a:r>
+              <a:rPr lang="pt-BR" dirty="0"/>
+              <a:t>Elas oferecem suporte técnico, gerencial e formação complementar ao empreendedor e facilitam o processo de inovação e acesso a novas tecnologias nos pequenos negócios.</a:t>
+            </a:r>
+          </a:p>
+        </p:txBody>
+      </p:sp>
+    </p:spTree>
+    <p:extLst>
+      <p:ext uri="{BB962C8B-B14F-4D97-AF65-F5344CB8AC3E}">
+        <p14:creationId xmlns:p14="http://schemas.microsoft.com/office/powerpoint/2010/main" val="2244996834"/>
+      </p:ext>
+    </p:extLst>
+  </p:cSld>
+  <p:clrMapOvr>
+    <a:masterClrMapping/>
+  </p:clrMapOvr>
+</p:sld>
+</file>
+
+<file path=ppt/slides/slide24.xml><?xml version="1.0" encoding="utf-8"?>
+<p:sld xmlns:a="http://schemas.openxmlformats.org/drawingml/2006/main" xmlns:r="http://schemas.openxmlformats.org/officeDocument/2006/relationships" xmlns:p="http://schemas.openxmlformats.org/presentationml/2006/main">
+  <p:cSld>
+    <p:spTree>
+      <p:nvGrpSpPr>
+        <p:cNvPr id="1" name=""/>
+        <p:cNvGrpSpPr/>
+        <p:nvPr/>
+      </p:nvGrpSpPr>
+      <p:grpSpPr>
+        <a:xfrm>
+          <a:off x="0" y="0"/>
+          <a:ext cx="0" cy="0"/>
+          <a:chOff x="0" y="0"/>
+          <a:chExt cx="0" cy="0"/>
+        </a:xfrm>
+      </p:grpSpPr>
+      <p:sp>
+        <p:nvSpPr>
+          <p:cNvPr id="2" name="Título 1"/>
+          <p:cNvSpPr>
+            <a:spLocks noGrp="1"/>
+          </p:cNvSpPr>
+          <p:nvPr>
+            <p:ph type="title"/>
+          </p:nvPr>
+        </p:nvSpPr>
+        <p:spPr/>
+        <p:txBody>
+          <a:bodyPr/>
+          <a:lstStyle/>
+          <a:p>
+            <a:r>
+              <a:rPr lang="pt-BR" dirty="0"/>
+              <a:t>Startup Enxuta</a:t>
+            </a:r>
+          </a:p>
+        </p:txBody>
+      </p:sp>
+      <p:sp>
+        <p:nvSpPr>
+          <p:cNvPr id="3" name="Espaço Reservado para Conteúdo 2"/>
+          <p:cNvSpPr>
+            <a:spLocks noGrp="1"/>
+          </p:cNvSpPr>
+          <p:nvPr>
+            <p:ph idx="1"/>
+          </p:nvPr>
+        </p:nvSpPr>
+        <p:spPr/>
+        <p:txBody>
+          <a:bodyPr/>
+          <a:lstStyle/>
+          <a:p>
+            <a:pPr>
+              <a:buFont typeface="Wingdings" panose="05000000000000000000" pitchFamily="2" charset="2"/>
+              <a:buChar char="ü"/>
+            </a:pPr>
+            <a:r>
+              <a:rPr lang="pt-BR" dirty="0"/>
+              <a:t>Fazer experimentos lançando "produto mínimo viável“</a:t>
+            </a:r>
+          </a:p>
+          <a:p>
+            <a:pPr lvl="2">
+              <a:buFont typeface="Wingdings" panose="05000000000000000000" pitchFamily="2" charset="2"/>
+              <a:buChar char="ü"/>
+            </a:pPr>
+            <a:r>
+              <a:rPr lang="pt-BR" dirty="0"/>
+              <a:t>Confirmação que os clientes pagariam para ter o produto</a:t>
+            </a:r>
+          </a:p>
+          <a:p>
+            <a:pPr>
+              <a:buFont typeface="Wingdings" panose="05000000000000000000" pitchFamily="2" charset="2"/>
+              <a:buChar char="ü"/>
+            </a:pPr>
+            <a:r>
+              <a:rPr lang="pt-BR" dirty="0"/>
+              <a:t>O objetivo é chegar ao conceito certo do produto, identificar quem são os clientes dispostos a pagar por ele</a:t>
+            </a:r>
+          </a:p>
+          <a:p>
+            <a:pPr marL="0" indent="0">
+              <a:buNone/>
+            </a:pPr>
+            <a:endParaRPr lang="pt-BR" dirty="0"/>
+          </a:p>
+        </p:txBody>
+      </p:sp>
+    </p:spTree>
+    <p:extLst>
+      <p:ext uri="{BB962C8B-B14F-4D97-AF65-F5344CB8AC3E}">
+        <p14:creationId xmlns:p14="http://schemas.microsoft.com/office/powerpoint/2010/main" val="589983116"/>
+      </p:ext>
+    </p:extLst>
+  </p:cSld>
+  <p:clrMapOvr>
+    <a:masterClrMapping/>
+  </p:clrMapOvr>
+</p:sld>
+</file>
+
+<file path=ppt/slides/slide25.xml><?xml version="1.0" encoding="utf-8"?>
+<p:sld xmlns:a="http://schemas.openxmlformats.org/drawingml/2006/main" xmlns:r="http://schemas.openxmlformats.org/officeDocument/2006/relationships" xmlns:p="http://schemas.openxmlformats.org/presentationml/2006/main">
+  <p:cSld>
+    <p:spTree>
+      <p:nvGrpSpPr>
+        <p:cNvPr id="1" name=""/>
+        <p:cNvGrpSpPr/>
+        <p:nvPr/>
+      </p:nvGrpSpPr>
+      <p:grpSpPr>
+        <a:xfrm>
+          <a:off x="0" y="0"/>
+          <a:ext cx="0" cy="0"/>
+          <a:chOff x="0" y="0"/>
+          <a:chExt cx="0" cy="0"/>
+        </a:xfrm>
+      </p:grpSpPr>
+      <p:sp>
+        <p:nvSpPr>
+          <p:cNvPr id="2" name="Título 1"/>
+          <p:cNvSpPr>
+            <a:spLocks noGrp="1"/>
+          </p:cNvSpPr>
+          <p:nvPr>
+            <p:ph type="title"/>
+          </p:nvPr>
+        </p:nvSpPr>
         <p:spPr/>
         <p:txBody>
           <a:bodyPr/>
@@ -4584,7 +6506,7 @@
 </p:sld>
 </file>
 
-<file path=ppt/slides/slide13.xml><?xml version="1.0" encoding="utf-8"?>
+<file path=ppt/slides/slide26.xml><?xml version="1.0" encoding="utf-8"?>
 <p:sld xmlns:a="http://schemas.openxmlformats.org/drawingml/2006/main" xmlns:r="http://schemas.openxmlformats.org/officeDocument/2006/relationships" xmlns:p="http://schemas.openxmlformats.org/presentationml/2006/main">
   <p:cSld>
     <p:spTree>
@@ -4722,1741 +6644,6 @@
 </p:sld>
 </file>
 
-<file path=ppt/slides/slide14.xml><?xml version="1.0" encoding="utf-8"?>
-<p:sld xmlns:a="http://schemas.openxmlformats.org/drawingml/2006/main" xmlns:r="http://schemas.openxmlformats.org/officeDocument/2006/relationships" xmlns:p="http://schemas.openxmlformats.org/presentationml/2006/main">
-  <p:cSld>
-    <p:spTree>
-      <p:nvGrpSpPr>
-        <p:cNvPr id="1" name=""/>
-        <p:cNvGrpSpPr/>
-        <p:nvPr/>
-      </p:nvGrpSpPr>
-      <p:grpSpPr>
-        <a:xfrm>
-          <a:off x="0" y="0"/>
-          <a:ext cx="0" cy="0"/>
-          <a:chOff x="0" y="0"/>
-          <a:chExt cx="0" cy="0"/>
-        </a:xfrm>
-      </p:grpSpPr>
-      <p:sp>
-        <p:nvSpPr>
-          <p:cNvPr id="3" name="Título 2"/>
-          <p:cNvSpPr>
-            <a:spLocks noGrp="1"/>
-          </p:cNvSpPr>
-          <p:nvPr>
-            <p:ph type="title"/>
-          </p:nvPr>
-        </p:nvSpPr>
-        <p:spPr/>
-        <p:txBody>
-          <a:bodyPr/>
-          <a:lstStyle/>
-          <a:p>
-            <a:r>
-              <a:rPr lang="pt-BR" dirty="0"/>
-              <a:t>Manifesto ágil</a:t>
-            </a:r>
-          </a:p>
-        </p:txBody>
-      </p:sp>
-      <p:sp>
-        <p:nvSpPr>
-          <p:cNvPr id="2" name="Espaço Reservado para Conteúdo 1"/>
-          <p:cNvSpPr>
-            <a:spLocks noGrp="1"/>
-          </p:cNvSpPr>
-          <p:nvPr>
-            <p:ph idx="1"/>
-          </p:nvPr>
-        </p:nvSpPr>
-        <p:spPr>
-          <a:xfrm>
-            <a:off x="507206" y="1993393"/>
-            <a:ext cx="8065294" cy="4171911"/>
-          </a:xfrm>
-        </p:spPr>
-        <p:txBody>
-          <a:bodyPr>
-            <a:normAutofit/>
-          </a:bodyPr>
-          <a:lstStyle/>
-          <a:p>
-            <a:pPr>
-              <a:buFont typeface="Wingdings" panose="05000000000000000000" pitchFamily="2" charset="2"/>
-              <a:buChar char="ü"/>
-            </a:pPr>
-            <a:r>
-              <a:rPr lang="pt-BR" dirty="0"/>
-              <a:t>Uma declaração de princípios que fundamentam o desenvolvimento ágil de softwares;</a:t>
-            </a:r>
-          </a:p>
-          <a:p>
-            <a:pPr>
-              <a:buFont typeface="Wingdings" panose="05000000000000000000" pitchFamily="2" charset="2"/>
-              <a:buChar char="ü"/>
-            </a:pPr>
-            <a:r>
-              <a:rPr lang="pt-BR" dirty="0"/>
-              <a:t>Criado Em fevereiro de 2001, em reunião onde compareceram os 17 criadores iniciais;</a:t>
-            </a:r>
-          </a:p>
-          <a:p>
-            <a:pPr>
-              <a:buFont typeface="Wingdings" panose="05000000000000000000" pitchFamily="2" charset="2"/>
-              <a:buChar char="ü"/>
-            </a:pPr>
-            <a:r>
-              <a:rPr lang="pt-BR" dirty="0"/>
-              <a:t>Criadores: Kent Beck, Mike </a:t>
-            </a:r>
-            <a:r>
-              <a:rPr lang="pt-BR" dirty="0" err="1"/>
-              <a:t>Beedle</a:t>
-            </a:r>
-            <a:r>
-              <a:rPr lang="pt-BR" dirty="0"/>
-              <a:t>, Arie van </a:t>
-            </a:r>
-            <a:r>
-              <a:rPr lang="pt-BR" dirty="0" err="1"/>
-              <a:t>Bennekum</a:t>
-            </a:r>
-            <a:r>
-              <a:rPr lang="pt-BR" dirty="0"/>
-              <a:t>, </a:t>
-            </a:r>
-            <a:r>
-              <a:rPr lang="pt-BR" dirty="0" err="1"/>
-              <a:t>Alistair</a:t>
-            </a:r>
-            <a:r>
-              <a:rPr lang="pt-BR" dirty="0"/>
-              <a:t> Cockburn, Ward Cunningham, Martin Fowler, James </a:t>
-            </a:r>
-            <a:r>
-              <a:rPr lang="pt-BR" dirty="0" err="1"/>
-              <a:t>Grenning</a:t>
-            </a:r>
-            <a:r>
-              <a:rPr lang="pt-BR" dirty="0"/>
-              <a:t>, Jim </a:t>
-            </a:r>
-            <a:r>
-              <a:rPr lang="pt-BR" dirty="0" err="1"/>
-              <a:t>Highsmith</a:t>
-            </a:r>
-            <a:r>
-              <a:rPr lang="pt-BR" dirty="0"/>
-              <a:t>, Andrew Hunt, Ron </a:t>
-            </a:r>
-            <a:r>
-              <a:rPr lang="pt-BR" dirty="0" err="1"/>
-              <a:t>Jeffries</a:t>
-            </a:r>
-            <a:r>
-              <a:rPr lang="pt-BR" dirty="0"/>
-              <a:t>, Jon </a:t>
-            </a:r>
-            <a:r>
-              <a:rPr lang="pt-BR" dirty="0" err="1"/>
-              <a:t>Kern</a:t>
-            </a:r>
-            <a:r>
-              <a:rPr lang="pt-BR" dirty="0"/>
-              <a:t>, Brian </a:t>
-            </a:r>
-            <a:r>
-              <a:rPr lang="pt-BR" dirty="0" err="1"/>
-              <a:t>Marick</a:t>
-            </a:r>
-            <a:r>
-              <a:rPr lang="pt-BR" dirty="0"/>
-              <a:t>, Robert C. Martin, Steve </a:t>
-            </a:r>
-            <a:r>
-              <a:rPr lang="pt-BR" dirty="0" err="1"/>
-              <a:t>Mellor</a:t>
-            </a:r>
-            <a:r>
-              <a:rPr lang="pt-BR" dirty="0"/>
-              <a:t>, </a:t>
-            </a:r>
-            <a:r>
-              <a:rPr lang="pt-BR" b="1" dirty="0"/>
-              <a:t>Ken </a:t>
-            </a:r>
-            <a:r>
-              <a:rPr lang="pt-BR" b="1" dirty="0" err="1"/>
-              <a:t>Schwaber</a:t>
-            </a:r>
-            <a:r>
-              <a:rPr lang="pt-BR" b="1" dirty="0"/>
-              <a:t>, Jeff Sutherland</a:t>
-            </a:r>
-            <a:r>
-              <a:rPr lang="pt-BR" dirty="0"/>
-              <a:t> e Dave Thomas;</a:t>
-            </a:r>
-          </a:p>
-          <a:p>
-            <a:pPr>
-              <a:buFont typeface="Wingdings" panose="05000000000000000000" pitchFamily="2" charset="2"/>
-              <a:buChar char="ü"/>
-            </a:pPr>
-            <a:r>
-              <a:rPr lang="en-US" dirty="0"/>
-              <a:t> </a:t>
-            </a:r>
-            <a:r>
-              <a:rPr lang="en-US" dirty="0" err="1"/>
-              <a:t>Criado</a:t>
-            </a:r>
-            <a:r>
-              <a:rPr lang="en-US" dirty="0"/>
-              <a:t> com o </a:t>
-            </a:r>
-            <a:r>
-              <a:rPr lang="en-US" dirty="0" err="1"/>
-              <a:t>objetivo</a:t>
-            </a:r>
-            <a:r>
-              <a:rPr lang="en-US" dirty="0"/>
-              <a:t> de </a:t>
-            </a:r>
-            <a:r>
-              <a:rPr lang="en-US" dirty="0" err="1"/>
-              <a:t>estabelecer</a:t>
-            </a:r>
-            <a:r>
-              <a:rPr lang="en-US" dirty="0"/>
-              <a:t> </a:t>
-            </a:r>
-            <a:r>
-              <a:rPr lang="en-US" dirty="0" err="1"/>
-              <a:t>parâmetros</a:t>
-            </a:r>
-            <a:r>
-              <a:rPr lang="en-US" dirty="0"/>
-              <a:t> para </a:t>
-            </a:r>
-            <a:r>
-              <a:rPr lang="en-US" dirty="0" err="1"/>
-              <a:t>criação</a:t>
-            </a:r>
-            <a:r>
-              <a:rPr lang="en-US" dirty="0"/>
-              <a:t> de </a:t>
-            </a:r>
-            <a:r>
-              <a:rPr lang="en-US" dirty="0" err="1"/>
-              <a:t>metodologias</a:t>
-            </a:r>
-            <a:r>
-              <a:rPr lang="en-US" dirty="0"/>
-              <a:t> </a:t>
-            </a:r>
-            <a:r>
-              <a:rPr lang="en-US" dirty="0" err="1"/>
-              <a:t>ágeis</a:t>
-            </a:r>
-            <a:r>
-              <a:rPr lang="en-US" dirty="0"/>
-              <a:t> para </a:t>
-            </a:r>
-            <a:r>
-              <a:rPr lang="en-US" dirty="0" err="1"/>
-              <a:t>desenvolvimento</a:t>
-            </a:r>
-            <a:r>
-              <a:rPr lang="en-US" dirty="0"/>
-              <a:t> de software.</a:t>
-            </a:r>
-            <a:endParaRPr lang="pt-BR" dirty="0"/>
-          </a:p>
-          <a:p>
-            <a:pPr marL="0" indent="0">
-              <a:buNone/>
-            </a:pPr>
-            <a:endParaRPr lang="pt-BR" dirty="0"/>
-          </a:p>
-        </p:txBody>
-      </p:sp>
-    </p:spTree>
-    <p:extLst>
-      <p:ext uri="{BB962C8B-B14F-4D97-AF65-F5344CB8AC3E}">
-        <p14:creationId xmlns:p14="http://schemas.microsoft.com/office/powerpoint/2010/main" val="1665822349"/>
-      </p:ext>
-    </p:extLst>
-  </p:cSld>
-  <p:clrMapOvr>
-    <a:masterClrMapping/>
-  </p:clrMapOvr>
-</p:sld>
-</file>
-
-<file path=ppt/slides/slide15.xml><?xml version="1.0" encoding="utf-8"?>
-<p:sld xmlns:a="http://schemas.openxmlformats.org/drawingml/2006/main" xmlns:r="http://schemas.openxmlformats.org/officeDocument/2006/relationships" xmlns:p="http://schemas.openxmlformats.org/presentationml/2006/main">
-  <p:cSld>
-    <p:spTree>
-      <p:nvGrpSpPr>
-        <p:cNvPr id="1" name=""/>
-        <p:cNvGrpSpPr/>
-        <p:nvPr/>
-      </p:nvGrpSpPr>
-      <p:grpSpPr>
-        <a:xfrm>
-          <a:off x="0" y="0"/>
-          <a:ext cx="0" cy="0"/>
-          <a:chOff x="0" y="0"/>
-          <a:chExt cx="0" cy="0"/>
-        </a:xfrm>
-      </p:grpSpPr>
-      <p:sp>
-        <p:nvSpPr>
-          <p:cNvPr id="3" name="Título 2"/>
-          <p:cNvSpPr>
-            <a:spLocks noGrp="1"/>
-          </p:cNvSpPr>
-          <p:nvPr>
-            <p:ph type="title"/>
-          </p:nvPr>
-        </p:nvSpPr>
-        <p:spPr/>
-        <p:txBody>
-          <a:bodyPr/>
-          <a:lstStyle/>
-          <a:p>
-            <a:r>
-              <a:rPr lang="pt-BR" dirty="0"/>
-              <a:t>Manifesto ágil - Princípios</a:t>
-            </a:r>
-          </a:p>
-        </p:txBody>
-      </p:sp>
-      <p:sp>
-        <p:nvSpPr>
-          <p:cNvPr id="2" name="Espaço Reservado para Conteúdo 1"/>
-          <p:cNvSpPr>
-            <a:spLocks noGrp="1"/>
-          </p:cNvSpPr>
-          <p:nvPr>
-            <p:ph idx="1"/>
-          </p:nvPr>
-        </p:nvSpPr>
-        <p:spPr>
-          <a:xfrm>
-            <a:off x="507206" y="1993393"/>
-            <a:ext cx="8065294" cy="2947775"/>
-          </a:xfrm>
-        </p:spPr>
-        <p:txBody>
-          <a:bodyPr>
-            <a:normAutofit/>
-          </a:bodyPr>
-          <a:lstStyle/>
-          <a:p>
-            <a:pPr>
-              <a:buFont typeface="Wingdings" panose="05000000000000000000" pitchFamily="2" charset="2"/>
-              <a:buChar char="ü"/>
-            </a:pPr>
-            <a:r>
-              <a:rPr lang="pt-BR" b="1" dirty="0"/>
-              <a:t>Indivíduos e interação entre eles</a:t>
-            </a:r>
-            <a:r>
-              <a:rPr lang="pt-BR" dirty="0"/>
-              <a:t> mais que processos e ferramentas</a:t>
-            </a:r>
-          </a:p>
-          <a:p>
-            <a:pPr>
-              <a:buFont typeface="Wingdings" panose="05000000000000000000" pitchFamily="2" charset="2"/>
-              <a:buChar char="ü"/>
-            </a:pPr>
-            <a:r>
-              <a:rPr lang="pt-BR" b="1" dirty="0"/>
-              <a:t>Software em funcionamento</a:t>
-            </a:r>
-            <a:r>
-              <a:rPr lang="pt-BR" dirty="0"/>
-              <a:t> mais que documentação abrangente</a:t>
-            </a:r>
-          </a:p>
-          <a:p>
-            <a:pPr>
-              <a:buFont typeface="Wingdings" panose="05000000000000000000" pitchFamily="2" charset="2"/>
-              <a:buChar char="ü"/>
-            </a:pPr>
-            <a:r>
-              <a:rPr lang="pt-BR" b="1" dirty="0"/>
-              <a:t>Colaboração com o cliente</a:t>
-            </a:r>
-            <a:r>
-              <a:rPr lang="pt-BR" dirty="0"/>
-              <a:t> mais que negociação de contratos</a:t>
-            </a:r>
-          </a:p>
-          <a:p>
-            <a:pPr>
-              <a:buFont typeface="Wingdings" panose="05000000000000000000" pitchFamily="2" charset="2"/>
-              <a:buChar char="ü"/>
-            </a:pPr>
-            <a:r>
-              <a:rPr lang="pt-BR" b="1" dirty="0"/>
-              <a:t>Responder a mudanças</a:t>
-            </a:r>
-            <a:r>
-              <a:rPr lang="pt-BR" dirty="0"/>
-              <a:t> mais que seguir um plano</a:t>
-            </a:r>
-          </a:p>
-          <a:p>
-            <a:pPr marL="0" indent="0">
-              <a:buNone/>
-            </a:pPr>
-            <a:endParaRPr lang="pt-BR" dirty="0"/>
-          </a:p>
-        </p:txBody>
-      </p:sp>
-    </p:spTree>
-    <p:extLst>
-      <p:ext uri="{BB962C8B-B14F-4D97-AF65-F5344CB8AC3E}">
-        <p14:creationId xmlns:p14="http://schemas.microsoft.com/office/powerpoint/2010/main" val="2305154754"/>
-      </p:ext>
-    </p:extLst>
-  </p:cSld>
-  <p:clrMapOvr>
-    <a:masterClrMapping/>
-  </p:clrMapOvr>
-</p:sld>
-</file>
-
-<file path=ppt/slides/slide16.xml><?xml version="1.0" encoding="utf-8"?>
-<p:sld xmlns:a="http://schemas.openxmlformats.org/drawingml/2006/main" xmlns:r="http://schemas.openxmlformats.org/officeDocument/2006/relationships" xmlns:p="http://schemas.openxmlformats.org/presentationml/2006/main">
-  <p:cSld>
-    <p:spTree>
-      <p:nvGrpSpPr>
-        <p:cNvPr id="1" name=""/>
-        <p:cNvGrpSpPr/>
-        <p:nvPr/>
-      </p:nvGrpSpPr>
-      <p:grpSpPr>
-        <a:xfrm>
-          <a:off x="0" y="0"/>
-          <a:ext cx="0" cy="0"/>
-          <a:chOff x="0" y="0"/>
-          <a:chExt cx="0" cy="0"/>
-        </a:xfrm>
-      </p:grpSpPr>
-      <p:sp>
-        <p:nvSpPr>
-          <p:cNvPr id="3" name="Título 2"/>
-          <p:cNvSpPr>
-            <a:spLocks noGrp="1"/>
-          </p:cNvSpPr>
-          <p:nvPr>
-            <p:ph type="title"/>
-          </p:nvPr>
-        </p:nvSpPr>
-        <p:spPr/>
-        <p:txBody>
-          <a:bodyPr/>
-          <a:lstStyle/>
-          <a:p>
-            <a:r>
-              <a:rPr lang="pt-BR" dirty="0"/>
-              <a:t>Definição do Scrum</a:t>
-            </a:r>
-          </a:p>
-        </p:txBody>
-      </p:sp>
-      <p:sp>
-        <p:nvSpPr>
-          <p:cNvPr id="2" name="Espaço Reservado para Conteúdo 1"/>
-          <p:cNvSpPr>
-            <a:spLocks noGrp="1"/>
-          </p:cNvSpPr>
-          <p:nvPr>
-            <p:ph idx="1"/>
-          </p:nvPr>
-        </p:nvSpPr>
-        <p:spPr/>
-        <p:txBody>
-          <a:bodyPr>
-            <a:normAutofit/>
-          </a:bodyPr>
-          <a:lstStyle/>
-          <a:p>
-            <a:pPr>
-              <a:buFont typeface="Wingdings" panose="05000000000000000000" pitchFamily="2" charset="2"/>
-              <a:buChar char="ü"/>
-            </a:pPr>
-            <a:r>
-              <a:rPr lang="pt-BR" dirty="0"/>
-              <a:t>Um framework dentro do qual pessoas podem tratar e resolver problemas complexos e adaptativos, enquanto produtiva e criativamente entregam produtos com o mais alto valor possível;</a:t>
-            </a:r>
-          </a:p>
-          <a:p>
-            <a:pPr>
-              <a:buFont typeface="Wingdings" panose="05000000000000000000" pitchFamily="2" charset="2"/>
-              <a:buChar char="ü"/>
-            </a:pPr>
-            <a:r>
-              <a:rPr lang="pt-BR" dirty="0"/>
-              <a:t>Quando Jeff Sutherland criou o Scrum em 1993, ele emprestou o termo de uma analogia apresentada em um estudo de 1986 por Takeuchi e Nonaka, publicado na Harvard Business Review. Nesse estudo, Takeuchi e Nonaka comparam equipes multifuncionais, alto desempenho para a formação de Scrum usado pelas equipes de Rugby.</a:t>
-            </a:r>
-          </a:p>
-        </p:txBody>
-      </p:sp>
-    </p:spTree>
-    <p:extLst>
-      <p:ext uri="{BB962C8B-B14F-4D97-AF65-F5344CB8AC3E}">
-        <p14:creationId xmlns:p14="http://schemas.microsoft.com/office/powerpoint/2010/main" val="2293700926"/>
-      </p:ext>
-    </p:extLst>
-  </p:cSld>
-  <p:clrMapOvr>
-    <a:masterClrMapping/>
-  </p:clrMapOvr>
-</p:sld>
-</file>
-
-<file path=ppt/slides/slide17.xml><?xml version="1.0" encoding="utf-8"?>
-<p:sld xmlns:a="http://schemas.openxmlformats.org/drawingml/2006/main" xmlns:r="http://schemas.openxmlformats.org/officeDocument/2006/relationships" xmlns:p="http://schemas.openxmlformats.org/presentationml/2006/main">
-  <p:cSld>
-    <p:spTree>
-      <p:nvGrpSpPr>
-        <p:cNvPr id="1" name=""/>
-        <p:cNvGrpSpPr/>
-        <p:nvPr/>
-      </p:nvGrpSpPr>
-      <p:grpSpPr>
-        <a:xfrm>
-          <a:off x="0" y="0"/>
-          <a:ext cx="0" cy="0"/>
-          <a:chOff x="0" y="0"/>
-          <a:chExt cx="0" cy="0"/>
-        </a:xfrm>
-      </p:grpSpPr>
-      <p:sp>
-        <p:nvSpPr>
-          <p:cNvPr id="2" name="Título 1"/>
-          <p:cNvSpPr>
-            <a:spLocks noGrp="1"/>
-          </p:cNvSpPr>
-          <p:nvPr>
-            <p:ph type="title"/>
-          </p:nvPr>
-        </p:nvSpPr>
-        <p:spPr/>
-        <p:txBody>
-          <a:bodyPr/>
-          <a:lstStyle/>
-          <a:p>
-            <a:r>
-              <a:rPr lang="pt-BR" dirty="0"/>
-              <a:t>Teoria do Scrum</a:t>
-            </a:r>
-          </a:p>
-        </p:txBody>
-      </p:sp>
-      <p:sp>
-        <p:nvSpPr>
-          <p:cNvPr id="3" name="Espaço Reservado para Conteúdo 2"/>
-          <p:cNvSpPr>
-            <a:spLocks noGrp="1"/>
-          </p:cNvSpPr>
-          <p:nvPr>
-            <p:ph idx="1"/>
-          </p:nvPr>
-        </p:nvSpPr>
-        <p:spPr/>
-        <p:txBody>
-          <a:bodyPr/>
-          <a:lstStyle/>
-          <a:p>
-            <a:pPr>
-              <a:buFont typeface="Wingdings" panose="05000000000000000000" pitchFamily="2" charset="2"/>
-              <a:buChar char="ü"/>
-            </a:pPr>
-            <a:r>
-              <a:rPr lang="pt-BR" dirty="0"/>
-              <a:t>Scrum é fundamentado nas teorias empíricas de controle de processo, ou empirismo;</a:t>
-            </a:r>
-          </a:p>
-          <a:p>
-            <a:pPr lvl="2">
-              <a:buFont typeface="Wingdings" panose="05000000000000000000" pitchFamily="2" charset="2"/>
-              <a:buChar char="ü"/>
-            </a:pPr>
-            <a:r>
-              <a:rPr lang="pt-BR" dirty="0"/>
-              <a:t>O empirismo afirma que o conhecimento vem da experiência e de tomada de decisões baseadas no que é conhecido;</a:t>
-            </a:r>
-          </a:p>
-          <a:p>
-            <a:pPr>
-              <a:buFont typeface="Wingdings" panose="05000000000000000000" pitchFamily="2" charset="2"/>
-              <a:buChar char="ü"/>
-            </a:pPr>
-            <a:r>
-              <a:rPr lang="pt-BR" dirty="0"/>
-              <a:t>O Scrum emprega uma abordagem iterativa e incremental para aperfeiçoar a previsibilidade e o controle de riscos;</a:t>
-            </a:r>
-          </a:p>
-          <a:p>
-            <a:pPr>
-              <a:buFont typeface="Wingdings" panose="05000000000000000000" pitchFamily="2" charset="2"/>
-              <a:buChar char="ü"/>
-            </a:pPr>
-            <a:r>
-              <a:rPr lang="pt-BR" dirty="0"/>
-              <a:t>Três pilares apoiam a implementação de controle de processo empírico: transparência, inspeção e adaptação.</a:t>
-            </a:r>
-          </a:p>
-        </p:txBody>
-      </p:sp>
-    </p:spTree>
-    <p:extLst>
-      <p:ext uri="{BB962C8B-B14F-4D97-AF65-F5344CB8AC3E}">
-        <p14:creationId xmlns:p14="http://schemas.microsoft.com/office/powerpoint/2010/main" val="3220104280"/>
-      </p:ext>
-    </p:extLst>
-  </p:cSld>
-  <p:clrMapOvr>
-    <a:masterClrMapping/>
-  </p:clrMapOvr>
-</p:sld>
-</file>
-
-<file path=ppt/slides/slide18.xml><?xml version="1.0" encoding="utf-8"?>
-<p:sld xmlns:a="http://schemas.openxmlformats.org/drawingml/2006/main" xmlns:r="http://schemas.openxmlformats.org/officeDocument/2006/relationships" xmlns:p="http://schemas.openxmlformats.org/presentationml/2006/main">
-  <p:cSld>
-    <p:spTree>
-      <p:nvGrpSpPr>
-        <p:cNvPr id="1" name=""/>
-        <p:cNvGrpSpPr/>
-        <p:nvPr/>
-      </p:nvGrpSpPr>
-      <p:grpSpPr>
-        <a:xfrm>
-          <a:off x="0" y="0"/>
-          <a:ext cx="0" cy="0"/>
-          <a:chOff x="0" y="0"/>
-          <a:chExt cx="0" cy="0"/>
-        </a:xfrm>
-      </p:grpSpPr>
-      <p:sp>
-        <p:nvSpPr>
-          <p:cNvPr id="2" name="Título 1"/>
-          <p:cNvSpPr>
-            <a:spLocks noGrp="1"/>
-          </p:cNvSpPr>
-          <p:nvPr>
-            <p:ph type="title"/>
-          </p:nvPr>
-        </p:nvSpPr>
-        <p:spPr/>
-        <p:txBody>
-          <a:bodyPr/>
-          <a:lstStyle/>
-          <a:p>
-            <a:r>
-              <a:rPr lang="en-US" dirty="0"/>
-              <a:t>Transfer</a:t>
-            </a:r>
-            <a:r>
-              <a:rPr lang="pt-BR" dirty="0"/>
-              <a:t>ência</a:t>
-            </a:r>
-          </a:p>
-        </p:txBody>
-      </p:sp>
-      <p:sp>
-        <p:nvSpPr>
-          <p:cNvPr id="3" name="Espaço Reservado para Conteúdo 2"/>
-          <p:cNvSpPr>
-            <a:spLocks noGrp="1"/>
-          </p:cNvSpPr>
-          <p:nvPr>
-            <p:ph idx="1"/>
-          </p:nvPr>
-        </p:nvSpPr>
-        <p:spPr/>
-        <p:txBody>
-          <a:bodyPr/>
-          <a:lstStyle/>
-          <a:p>
-            <a:pPr>
-              <a:buFont typeface="Wingdings" panose="05000000000000000000" pitchFamily="2" charset="2"/>
-              <a:buChar char="ü"/>
-            </a:pPr>
-            <a:r>
-              <a:rPr lang="pt-BR" dirty="0"/>
-              <a:t>Aspectos significativos do processo devem estar visíveis aos responsáveis pelos resultados;</a:t>
-            </a:r>
-          </a:p>
-          <a:p>
-            <a:pPr>
-              <a:buFont typeface="Wingdings" panose="05000000000000000000" pitchFamily="2" charset="2"/>
-              <a:buChar char="ü"/>
-            </a:pPr>
-            <a:r>
-              <a:rPr lang="pt-BR" dirty="0"/>
-              <a:t>Esta transparência requer aspectos definidos por um padrão comum para que os observadores compartilharem um mesmo entendimento do que está sendo visto.</a:t>
-            </a:r>
-          </a:p>
-        </p:txBody>
-      </p:sp>
-    </p:spTree>
-    <p:extLst>
-      <p:ext uri="{BB962C8B-B14F-4D97-AF65-F5344CB8AC3E}">
-        <p14:creationId xmlns:p14="http://schemas.microsoft.com/office/powerpoint/2010/main" val="1452054897"/>
-      </p:ext>
-    </p:extLst>
-  </p:cSld>
-  <p:clrMapOvr>
-    <a:masterClrMapping/>
-  </p:clrMapOvr>
-</p:sld>
-</file>
-
-<file path=ppt/slides/slide19.xml><?xml version="1.0" encoding="utf-8"?>
-<p:sld xmlns:a="http://schemas.openxmlformats.org/drawingml/2006/main" xmlns:r="http://schemas.openxmlformats.org/officeDocument/2006/relationships" xmlns:p="http://schemas.openxmlformats.org/presentationml/2006/main">
-  <p:cSld>
-    <p:spTree>
-      <p:nvGrpSpPr>
-        <p:cNvPr id="1" name=""/>
-        <p:cNvGrpSpPr/>
-        <p:nvPr/>
-      </p:nvGrpSpPr>
-      <p:grpSpPr>
-        <a:xfrm>
-          <a:off x="0" y="0"/>
-          <a:ext cx="0" cy="0"/>
-          <a:chOff x="0" y="0"/>
-          <a:chExt cx="0" cy="0"/>
-        </a:xfrm>
-      </p:grpSpPr>
-      <p:sp>
-        <p:nvSpPr>
-          <p:cNvPr id="2" name="Título 1"/>
-          <p:cNvSpPr>
-            <a:spLocks noGrp="1"/>
-          </p:cNvSpPr>
-          <p:nvPr>
-            <p:ph type="title"/>
-          </p:nvPr>
-        </p:nvSpPr>
-        <p:spPr/>
-        <p:txBody>
-          <a:bodyPr/>
-          <a:lstStyle/>
-          <a:p>
-            <a:r>
-              <a:rPr lang="pt-BR" dirty="0"/>
-              <a:t>Inspeção</a:t>
-            </a:r>
-          </a:p>
-        </p:txBody>
-      </p:sp>
-      <p:sp>
-        <p:nvSpPr>
-          <p:cNvPr id="3" name="Espaço Reservado para Conteúdo 2"/>
-          <p:cNvSpPr>
-            <a:spLocks noGrp="1"/>
-          </p:cNvSpPr>
-          <p:nvPr>
-            <p:ph idx="1"/>
-          </p:nvPr>
-        </p:nvSpPr>
-        <p:spPr/>
-        <p:txBody>
-          <a:bodyPr/>
-          <a:lstStyle/>
-          <a:p>
-            <a:pPr>
-              <a:buFont typeface="Wingdings" panose="05000000000000000000" pitchFamily="2" charset="2"/>
-              <a:buChar char="ü"/>
-            </a:pPr>
-            <a:r>
-              <a:rPr lang="pt-BR" dirty="0"/>
-              <a:t>Devem ser inspecionados frequentemente os vários aspectos do processo para identificar variações inaceitáveis;</a:t>
-            </a:r>
-          </a:p>
-          <a:p>
-            <a:pPr>
-              <a:buFont typeface="Wingdings" panose="05000000000000000000" pitchFamily="2" charset="2"/>
-              <a:buChar char="ü"/>
-            </a:pPr>
-            <a:r>
-              <a:rPr lang="pt-BR" dirty="0"/>
-              <a:t>A frequência da inspeção deve levar em consideração que os processos são alterados pelo próprio ato de inspeção, por isso deve ficar atento para que não exceda o limite e chega a atrapalhar a própria execução do processo;</a:t>
-            </a:r>
-          </a:p>
-          <a:p>
-            <a:pPr>
-              <a:buFont typeface="Wingdings" panose="05000000000000000000" pitchFamily="2" charset="2"/>
-              <a:buChar char="ü"/>
-            </a:pPr>
-            <a:r>
-              <a:rPr lang="pt-BR" dirty="0"/>
-              <a:t>O inspetor deve possuir as competências para avaliar o que ele ou ela está inspecionando.</a:t>
-            </a:r>
-          </a:p>
-        </p:txBody>
-      </p:sp>
-    </p:spTree>
-    <p:extLst>
-      <p:ext uri="{BB962C8B-B14F-4D97-AF65-F5344CB8AC3E}">
-        <p14:creationId xmlns:p14="http://schemas.microsoft.com/office/powerpoint/2010/main" val="3672092319"/>
-      </p:ext>
-    </p:extLst>
-  </p:cSld>
-  <p:clrMapOvr>
-    <a:masterClrMapping/>
-  </p:clrMapOvr>
-</p:sld>
-</file>
-
-<file path=ppt/slides/slide2.xml><?xml version="1.0" encoding="utf-8"?>
-<p:sld xmlns:a="http://schemas.openxmlformats.org/drawingml/2006/main" xmlns:r="http://schemas.openxmlformats.org/officeDocument/2006/relationships" xmlns:p="http://schemas.openxmlformats.org/presentationml/2006/main">
-  <p:cSld>
-    <p:spTree>
-      <p:nvGrpSpPr>
-        <p:cNvPr id="1" name=""/>
-        <p:cNvGrpSpPr/>
-        <p:nvPr/>
-      </p:nvGrpSpPr>
-      <p:grpSpPr>
-        <a:xfrm>
-          <a:off x="0" y="0"/>
-          <a:ext cx="0" cy="0"/>
-          <a:chOff x="0" y="0"/>
-          <a:chExt cx="0" cy="0"/>
-        </a:xfrm>
-      </p:grpSpPr>
-      <p:sp>
-        <p:nvSpPr>
-          <p:cNvPr id="2" name="Title 1"/>
-          <p:cNvSpPr>
-            <a:spLocks noGrp="1"/>
-          </p:cNvSpPr>
-          <p:nvPr>
-            <p:ph type="title"/>
-          </p:nvPr>
-        </p:nvSpPr>
-        <p:spPr/>
-        <p:txBody>
-          <a:bodyPr/>
-          <a:lstStyle/>
-          <a:p>
-            <a:r>
-              <a:rPr lang="pt-BR" dirty="0"/>
-              <a:t>Introdução</a:t>
-            </a:r>
-          </a:p>
-        </p:txBody>
-      </p:sp>
-      <p:sp>
-        <p:nvSpPr>
-          <p:cNvPr id="3" name="Content Placeholder 2"/>
-          <p:cNvSpPr>
-            <a:spLocks noGrp="1"/>
-          </p:cNvSpPr>
-          <p:nvPr>
-            <p:ph idx="1"/>
-          </p:nvPr>
-        </p:nvSpPr>
-        <p:spPr/>
-        <p:txBody>
-          <a:bodyPr>
-            <a:normAutofit/>
-          </a:bodyPr>
-          <a:lstStyle/>
-          <a:p>
-            <a:r>
-              <a:rPr lang="pt-BR" dirty="0"/>
-              <a:t>Gestão de Projetos de Software</a:t>
-            </a:r>
-          </a:p>
-          <a:p>
-            <a:r>
-              <a:rPr lang="pt-BR" dirty="0"/>
-              <a:t>Startup</a:t>
-            </a:r>
-          </a:p>
-          <a:p>
-            <a:r>
-              <a:rPr lang="pt-BR" dirty="0"/>
-              <a:t>Processo de desenvolvimento ágil</a:t>
-            </a:r>
-          </a:p>
-          <a:p>
-            <a:pPr lvl="1"/>
-            <a:r>
-              <a:rPr lang="pt-BR" dirty="0"/>
-              <a:t>Manifesto</a:t>
-            </a:r>
-          </a:p>
-          <a:p>
-            <a:pPr lvl="1"/>
-            <a:r>
-              <a:rPr lang="pt-BR" dirty="0"/>
-              <a:t>Scrum</a:t>
-            </a:r>
-          </a:p>
-          <a:p>
-            <a:pPr lvl="2"/>
-            <a:r>
-              <a:rPr lang="pt-BR" dirty="0"/>
-              <a:t>Definição</a:t>
-            </a:r>
-          </a:p>
-          <a:p>
-            <a:pPr lvl="2"/>
-            <a:r>
-              <a:rPr lang="pt-BR" dirty="0"/>
-              <a:t>Estruturação</a:t>
-            </a:r>
-          </a:p>
-          <a:p>
-            <a:pPr lvl="3"/>
-            <a:r>
-              <a:rPr lang="pt-BR" dirty="0"/>
-              <a:t>Perfil</a:t>
-            </a:r>
-          </a:p>
-          <a:p>
-            <a:pPr lvl="3"/>
-            <a:r>
-              <a:rPr lang="pt-BR" dirty="0"/>
-              <a:t>Regras</a:t>
-            </a:r>
-          </a:p>
-        </p:txBody>
-      </p:sp>
-    </p:spTree>
-  </p:cSld>
-  <p:clrMapOvr>
-    <a:masterClrMapping/>
-  </p:clrMapOvr>
-</p:sld>
-</file>
-
-<file path=ppt/slides/slide20.xml><?xml version="1.0" encoding="utf-8"?>
-<p:sld xmlns:a="http://schemas.openxmlformats.org/drawingml/2006/main" xmlns:r="http://schemas.openxmlformats.org/officeDocument/2006/relationships" xmlns:p="http://schemas.openxmlformats.org/presentationml/2006/main">
-  <p:cSld>
-    <p:spTree>
-      <p:nvGrpSpPr>
-        <p:cNvPr id="1" name=""/>
-        <p:cNvGrpSpPr/>
-        <p:nvPr/>
-      </p:nvGrpSpPr>
-      <p:grpSpPr>
-        <a:xfrm>
-          <a:off x="0" y="0"/>
-          <a:ext cx="0" cy="0"/>
-          <a:chOff x="0" y="0"/>
-          <a:chExt cx="0" cy="0"/>
-        </a:xfrm>
-      </p:grpSpPr>
-      <p:sp>
-        <p:nvSpPr>
-          <p:cNvPr id="2" name="Título 1"/>
-          <p:cNvSpPr>
-            <a:spLocks noGrp="1"/>
-          </p:cNvSpPr>
-          <p:nvPr>
-            <p:ph type="title"/>
-          </p:nvPr>
-        </p:nvSpPr>
-        <p:spPr/>
-        <p:txBody>
-          <a:bodyPr/>
-          <a:lstStyle/>
-          <a:p>
-            <a:r>
-              <a:rPr lang="pt-BR" dirty="0"/>
-              <a:t>Adaptação</a:t>
-            </a:r>
-          </a:p>
-        </p:txBody>
-      </p:sp>
-      <p:sp>
-        <p:nvSpPr>
-          <p:cNvPr id="3" name="Espaço Reservado para Conteúdo 2"/>
-          <p:cNvSpPr>
-            <a:spLocks noGrp="1"/>
-          </p:cNvSpPr>
-          <p:nvPr>
-            <p:ph idx="1"/>
-          </p:nvPr>
-        </p:nvSpPr>
-        <p:spPr/>
-        <p:txBody>
-          <a:bodyPr/>
-          <a:lstStyle/>
-          <a:p>
-            <a:pPr>
-              <a:buFont typeface="Wingdings" panose="05000000000000000000" pitchFamily="2" charset="2"/>
-              <a:buChar char="ü"/>
-            </a:pPr>
-            <a:r>
-              <a:rPr lang="pt-BR" dirty="0"/>
-              <a:t>Uma vez passado pelo processo de inspeção o consequentemente o resultado levará a uma adaptação visando melhorar o processo;</a:t>
-            </a:r>
-          </a:p>
-          <a:p>
-            <a:pPr>
-              <a:buFont typeface="Wingdings" panose="05000000000000000000" pitchFamily="2" charset="2"/>
-              <a:buChar char="ü"/>
-            </a:pPr>
-            <a:r>
-              <a:rPr lang="pt-BR" dirty="0"/>
-              <a:t>O ajuste deve ser realizado o mais breve possível para minimizar mais desvios.</a:t>
-            </a:r>
-          </a:p>
-          <a:p>
-            <a:pPr>
-              <a:buFont typeface="Wingdings" panose="05000000000000000000" pitchFamily="2" charset="2"/>
-              <a:buChar char="ü"/>
-            </a:pPr>
-            <a:endParaRPr lang="pt-BR" dirty="0"/>
-          </a:p>
-        </p:txBody>
-      </p:sp>
-    </p:spTree>
-    <p:extLst>
-      <p:ext uri="{BB962C8B-B14F-4D97-AF65-F5344CB8AC3E}">
-        <p14:creationId xmlns:p14="http://schemas.microsoft.com/office/powerpoint/2010/main" val="3000532631"/>
-      </p:ext>
-    </p:extLst>
-  </p:cSld>
-  <p:clrMapOvr>
-    <a:masterClrMapping/>
-  </p:clrMapOvr>
-</p:sld>
-</file>
-
-<file path=ppt/slides/slide21.xml><?xml version="1.0" encoding="utf-8"?>
-<p:sld xmlns:a="http://schemas.openxmlformats.org/drawingml/2006/main" xmlns:r="http://schemas.openxmlformats.org/officeDocument/2006/relationships" xmlns:p="http://schemas.openxmlformats.org/presentationml/2006/main">
-  <p:cSld>
-    <p:spTree>
-      <p:nvGrpSpPr>
-        <p:cNvPr id="1" name=""/>
-        <p:cNvGrpSpPr/>
-        <p:nvPr/>
-      </p:nvGrpSpPr>
-      <p:grpSpPr>
-        <a:xfrm>
-          <a:off x="0" y="0"/>
-          <a:ext cx="0" cy="0"/>
-          <a:chOff x="0" y="0"/>
-          <a:chExt cx="0" cy="0"/>
-        </a:xfrm>
-      </p:grpSpPr>
-      <p:sp>
-        <p:nvSpPr>
-          <p:cNvPr id="2" name="Título 1"/>
-          <p:cNvSpPr>
-            <a:spLocks noGrp="1"/>
-          </p:cNvSpPr>
-          <p:nvPr>
-            <p:ph type="title"/>
-          </p:nvPr>
-        </p:nvSpPr>
-        <p:spPr/>
-        <p:txBody>
-          <a:bodyPr/>
-          <a:lstStyle/>
-          <a:p>
-            <a:r>
-              <a:rPr lang="pt-BR" dirty="0"/>
-              <a:t>Valores do Scrum</a:t>
-            </a:r>
-          </a:p>
-        </p:txBody>
-      </p:sp>
-      <p:sp>
-        <p:nvSpPr>
-          <p:cNvPr id="3" name="Espaço Reservado para Conteúdo 2"/>
-          <p:cNvSpPr>
-            <a:spLocks noGrp="1"/>
-          </p:cNvSpPr>
-          <p:nvPr>
-            <p:ph idx="1"/>
-          </p:nvPr>
-        </p:nvSpPr>
-        <p:spPr/>
-        <p:txBody>
-          <a:bodyPr/>
-          <a:lstStyle/>
-          <a:p>
-            <a:pPr>
-              <a:buFont typeface="Wingdings" panose="05000000000000000000" pitchFamily="2" charset="2"/>
-              <a:buChar char="ü"/>
-            </a:pPr>
-            <a:r>
-              <a:rPr lang="pt-BR" dirty="0"/>
-              <a:t>Como um framework para desenvolvimento ágil o Scrum é consistente com os valores do manifesto ágil;</a:t>
-            </a:r>
-          </a:p>
-          <a:p>
-            <a:pPr>
-              <a:buFont typeface="Wingdings" panose="05000000000000000000" pitchFamily="2" charset="2"/>
-              <a:buChar char="ü"/>
-            </a:pPr>
-            <a:r>
-              <a:rPr lang="pt-BR" dirty="0"/>
-              <a:t>Foco, coragem, franqueza, comprometimento e respeito é essencial para a saúde e o sucesso de todo processo</a:t>
-            </a:r>
-          </a:p>
-          <a:p>
-            <a:pPr>
-              <a:buFont typeface="Wingdings" panose="05000000000000000000" pitchFamily="2" charset="2"/>
-              <a:buChar char="ü"/>
-            </a:pPr>
-            <a:r>
-              <a:rPr lang="pt-BR" dirty="0"/>
-              <a:t>Baseia-se no sistema Toyota de produção desenvolvido por </a:t>
-            </a:r>
-            <a:r>
-              <a:rPr lang="pt-BR" dirty="0" err="1"/>
-              <a:t>Taiichi</a:t>
-            </a:r>
-            <a:r>
-              <a:rPr lang="pt-BR" dirty="0"/>
-              <a:t> </a:t>
-            </a:r>
-            <a:r>
-              <a:rPr lang="pt-BR" dirty="0" err="1"/>
-              <a:t>Ohno</a:t>
-            </a:r>
-            <a:r>
-              <a:rPr lang="pt-BR" dirty="0"/>
-              <a:t> e no ciclo OODA (Observe, </a:t>
-            </a:r>
-            <a:r>
-              <a:rPr lang="pt-BR" dirty="0" err="1"/>
-              <a:t>Orient</a:t>
-            </a:r>
-            <a:r>
-              <a:rPr lang="pt-BR" dirty="0"/>
-              <a:t>, Decide, </a:t>
-            </a:r>
-            <a:r>
-              <a:rPr lang="pt-BR" dirty="0" err="1"/>
-              <a:t>Act</a:t>
-            </a:r>
-            <a:r>
-              <a:rPr lang="pt-BR" dirty="0"/>
-              <a:t>) da aviação de combate.</a:t>
-            </a:r>
-          </a:p>
-        </p:txBody>
-      </p:sp>
-    </p:spTree>
-    <p:extLst>
-      <p:ext uri="{BB962C8B-B14F-4D97-AF65-F5344CB8AC3E}">
-        <p14:creationId xmlns:p14="http://schemas.microsoft.com/office/powerpoint/2010/main" val="1785062720"/>
-      </p:ext>
-    </p:extLst>
-  </p:cSld>
-  <p:clrMapOvr>
-    <a:masterClrMapping/>
-  </p:clrMapOvr>
-</p:sld>
-</file>
-
-<file path=ppt/slides/slide22.xml><?xml version="1.0" encoding="utf-8"?>
-<p:sld xmlns:a="http://schemas.openxmlformats.org/drawingml/2006/main" xmlns:r="http://schemas.openxmlformats.org/officeDocument/2006/relationships" xmlns:p="http://schemas.openxmlformats.org/presentationml/2006/main">
-  <p:cSld>
-    <p:spTree>
-      <p:nvGrpSpPr>
-        <p:cNvPr id="1" name=""/>
-        <p:cNvGrpSpPr/>
-        <p:nvPr/>
-      </p:nvGrpSpPr>
-      <p:grpSpPr>
-        <a:xfrm>
-          <a:off x="0" y="0"/>
-          <a:ext cx="0" cy="0"/>
-          <a:chOff x="0" y="0"/>
-          <a:chExt cx="0" cy="0"/>
-        </a:xfrm>
-      </p:grpSpPr>
-      <p:sp>
-        <p:nvSpPr>
-          <p:cNvPr id="3" name="Título 2"/>
-          <p:cNvSpPr>
-            <a:spLocks noGrp="1"/>
-          </p:cNvSpPr>
-          <p:nvPr>
-            <p:ph type="title"/>
-          </p:nvPr>
-        </p:nvSpPr>
-        <p:spPr/>
-        <p:txBody>
-          <a:bodyPr/>
-          <a:lstStyle/>
-          <a:p>
-            <a:r>
-              <a:rPr lang="pt-BR" dirty="0"/>
-              <a:t>Time Scrum</a:t>
-            </a:r>
-          </a:p>
-        </p:txBody>
-      </p:sp>
-      <p:sp>
-        <p:nvSpPr>
-          <p:cNvPr id="2" name="Espaço Reservado para Conteúdo 1"/>
-          <p:cNvSpPr>
-            <a:spLocks noGrp="1"/>
-          </p:cNvSpPr>
-          <p:nvPr>
-            <p:ph idx="1"/>
-          </p:nvPr>
-        </p:nvSpPr>
-        <p:spPr/>
-        <p:txBody>
-          <a:bodyPr>
-            <a:normAutofit/>
-          </a:bodyPr>
-          <a:lstStyle/>
-          <a:p>
-            <a:pPr>
-              <a:buFont typeface="Wingdings" panose="05000000000000000000" pitchFamily="2" charset="2"/>
-              <a:buChar char="ü"/>
-            </a:pPr>
-            <a:r>
-              <a:rPr lang="pt-BR" dirty="0"/>
-              <a:t>Entrega o produto de forma iterativa e incremental, maximizando as oportunidades de realimentação;</a:t>
-            </a:r>
-          </a:p>
-          <a:p>
-            <a:pPr>
-              <a:buFont typeface="Wingdings" panose="05000000000000000000" pitchFamily="2" charset="2"/>
-              <a:buChar char="ü"/>
-            </a:pPr>
-            <a:r>
-              <a:rPr lang="pt-BR" dirty="0"/>
-              <a:t>Composto por: Product Owner, Time de Desenvolvimento e Scrum Master.</a:t>
-            </a:r>
-          </a:p>
-        </p:txBody>
-      </p:sp>
-    </p:spTree>
-    <p:extLst>
-      <p:ext uri="{BB962C8B-B14F-4D97-AF65-F5344CB8AC3E}">
-        <p14:creationId xmlns:p14="http://schemas.microsoft.com/office/powerpoint/2010/main" val="3509287758"/>
-      </p:ext>
-    </p:extLst>
-  </p:cSld>
-  <p:clrMapOvr>
-    <a:masterClrMapping/>
-  </p:clrMapOvr>
-</p:sld>
-</file>
-
-<file path=ppt/slides/slide23.xml><?xml version="1.0" encoding="utf-8"?>
-<p:sld xmlns:a="http://schemas.openxmlformats.org/drawingml/2006/main" xmlns:r="http://schemas.openxmlformats.org/officeDocument/2006/relationships" xmlns:p="http://schemas.openxmlformats.org/presentationml/2006/main">
-  <p:cSld>
-    <p:spTree>
-      <p:nvGrpSpPr>
-        <p:cNvPr id="1" name=""/>
-        <p:cNvGrpSpPr/>
-        <p:nvPr/>
-      </p:nvGrpSpPr>
-      <p:grpSpPr>
-        <a:xfrm>
-          <a:off x="0" y="0"/>
-          <a:ext cx="0" cy="0"/>
-          <a:chOff x="0" y="0"/>
-          <a:chExt cx="0" cy="0"/>
-        </a:xfrm>
-      </p:grpSpPr>
-      <p:sp>
-        <p:nvSpPr>
-          <p:cNvPr id="2" name="Título 1"/>
-          <p:cNvSpPr>
-            <a:spLocks noGrp="1"/>
-          </p:cNvSpPr>
-          <p:nvPr>
-            <p:ph type="title"/>
-          </p:nvPr>
-        </p:nvSpPr>
-        <p:spPr/>
-        <p:txBody>
-          <a:bodyPr/>
-          <a:lstStyle/>
-          <a:p>
-            <a:r>
-              <a:rPr lang="en-US" dirty="0"/>
-              <a:t>Product Owner</a:t>
-            </a:r>
-            <a:endParaRPr lang="pt-BR" dirty="0"/>
-          </a:p>
-        </p:txBody>
-      </p:sp>
-      <p:sp>
-        <p:nvSpPr>
-          <p:cNvPr id="3" name="Espaço Reservado para Conteúdo 2"/>
-          <p:cNvSpPr>
-            <a:spLocks noGrp="1"/>
-          </p:cNvSpPr>
-          <p:nvPr>
-            <p:ph idx="1"/>
-          </p:nvPr>
-        </p:nvSpPr>
-        <p:spPr>
-          <a:xfrm>
-            <a:off x="507206" y="1993393"/>
-            <a:ext cx="8065294" cy="4243919"/>
-          </a:xfrm>
-        </p:spPr>
-        <p:txBody>
-          <a:bodyPr>
-            <a:normAutofit/>
-          </a:bodyPr>
-          <a:lstStyle/>
-          <a:p>
-            <a:pPr>
-              <a:buFont typeface="Wingdings" panose="05000000000000000000" pitchFamily="2" charset="2"/>
-              <a:buChar char="ü"/>
-            </a:pPr>
-            <a:r>
-              <a:rPr lang="pt-BR" dirty="0"/>
-              <a:t>Pessoa responsável por gerenciar o Backlog do Produto a fim de maximizar o valor do projeto;</a:t>
-            </a:r>
-          </a:p>
-          <a:p>
-            <a:pPr lvl="2">
-              <a:buFont typeface="Wingdings" panose="05000000000000000000" pitchFamily="2" charset="2"/>
-              <a:buChar char="ü"/>
-            </a:pPr>
-            <a:r>
-              <a:rPr lang="pt-BR" dirty="0"/>
-              <a:t>Ordena por prioridade e esclarece os itens do Backlog do Produto</a:t>
-            </a:r>
-          </a:p>
-          <a:p>
-            <a:pPr>
-              <a:buFont typeface="Wingdings" panose="05000000000000000000" pitchFamily="2" charset="2"/>
-              <a:buChar char="ü"/>
-            </a:pPr>
-            <a:r>
-              <a:rPr lang="pt-BR" dirty="0"/>
-              <a:t>Pode cancelar uma Sprint;</a:t>
-            </a:r>
-          </a:p>
-          <a:p>
-            <a:pPr>
-              <a:buFont typeface="Wingdings" panose="05000000000000000000" pitchFamily="2" charset="2"/>
-              <a:buChar char="ü"/>
-            </a:pPr>
-            <a:r>
-              <a:rPr lang="pt-BR" dirty="0"/>
-              <a:t>Representa todos os Stakeholders no projeto.</a:t>
-            </a:r>
-          </a:p>
-          <a:p>
-            <a:pPr marL="0" indent="0">
-              <a:buNone/>
-            </a:pPr>
-            <a:endParaRPr lang="en-US" dirty="0"/>
-          </a:p>
-          <a:p>
-            <a:pPr marL="0" indent="0">
-              <a:buNone/>
-            </a:pPr>
-            <a:endParaRPr lang="en-US" dirty="0"/>
-          </a:p>
-          <a:p>
-            <a:pPr marL="0" indent="0">
-              <a:buNone/>
-            </a:pPr>
-            <a:r>
-              <a:rPr lang="en-US" b="1" i="1" dirty="0"/>
-              <a:t>Stakeholder</a:t>
-            </a:r>
-            <a:r>
-              <a:rPr lang="en-US" i="1" dirty="0"/>
-              <a:t>: </a:t>
-            </a:r>
-            <a:r>
-              <a:rPr lang="pt-BR" i="1" dirty="0"/>
-              <a:t>Alguém interessado no projeto, porém não está comprometido diretamente com ele (Ex: Cliente, Acionista, Diretor).</a:t>
-            </a:r>
-          </a:p>
-        </p:txBody>
-      </p:sp>
-    </p:spTree>
-    <p:extLst>
-      <p:ext uri="{BB962C8B-B14F-4D97-AF65-F5344CB8AC3E}">
-        <p14:creationId xmlns:p14="http://schemas.microsoft.com/office/powerpoint/2010/main" val="2206234286"/>
-      </p:ext>
-    </p:extLst>
-  </p:cSld>
-  <p:clrMapOvr>
-    <a:masterClrMapping/>
-  </p:clrMapOvr>
-</p:sld>
-</file>
-
-<file path=ppt/slides/slide24.xml><?xml version="1.0" encoding="utf-8"?>
-<p:sld xmlns:a="http://schemas.openxmlformats.org/drawingml/2006/main" xmlns:r="http://schemas.openxmlformats.org/officeDocument/2006/relationships" xmlns:p="http://schemas.openxmlformats.org/presentationml/2006/main">
-  <p:cSld>
-    <p:spTree>
-      <p:nvGrpSpPr>
-        <p:cNvPr id="1" name=""/>
-        <p:cNvGrpSpPr/>
-        <p:nvPr/>
-      </p:nvGrpSpPr>
-      <p:grpSpPr>
-        <a:xfrm>
-          <a:off x="0" y="0"/>
-          <a:ext cx="0" cy="0"/>
-          <a:chOff x="0" y="0"/>
-          <a:chExt cx="0" cy="0"/>
-        </a:xfrm>
-      </p:grpSpPr>
-      <p:sp>
-        <p:nvSpPr>
-          <p:cNvPr id="2" name="Título 1"/>
-          <p:cNvSpPr>
-            <a:spLocks noGrp="1"/>
-          </p:cNvSpPr>
-          <p:nvPr>
-            <p:ph type="title"/>
-          </p:nvPr>
-        </p:nvSpPr>
-        <p:spPr/>
-        <p:txBody>
-          <a:bodyPr/>
-          <a:lstStyle/>
-          <a:p>
-            <a:r>
-              <a:rPr lang="en-US" dirty="0"/>
-              <a:t>Time de Desenvolvimento</a:t>
-            </a:r>
-            <a:endParaRPr lang="pt-BR" dirty="0"/>
-          </a:p>
-        </p:txBody>
-      </p:sp>
-      <p:sp>
-        <p:nvSpPr>
-          <p:cNvPr id="3" name="Espaço Reservado para Conteúdo 2"/>
-          <p:cNvSpPr>
-            <a:spLocks noGrp="1"/>
-          </p:cNvSpPr>
-          <p:nvPr>
-            <p:ph idx="1"/>
-          </p:nvPr>
-        </p:nvSpPr>
-        <p:spPr/>
-        <p:txBody>
-          <a:bodyPr/>
-          <a:lstStyle/>
-          <a:p>
-            <a:pPr>
-              <a:buFont typeface="Wingdings" panose="05000000000000000000" pitchFamily="2" charset="2"/>
-              <a:buChar char="ü"/>
-            </a:pPr>
-            <a:r>
-              <a:rPr lang="pt-BR" dirty="0"/>
-              <a:t>Grupo de profissionais responsáveis pelo desenvolvimento do potencial incremento que será entregue a cada Sprint;</a:t>
-            </a:r>
-          </a:p>
-          <a:p>
-            <a:pPr>
-              <a:buFont typeface="Wingdings" panose="05000000000000000000" pitchFamily="2" charset="2"/>
-              <a:buChar char="ü"/>
-            </a:pPr>
-            <a:r>
-              <a:rPr lang="pt-BR" dirty="0"/>
-              <a:t>São auto organizáveis e multifuncionais;</a:t>
-            </a:r>
-          </a:p>
-          <a:p>
-            <a:pPr>
-              <a:buFont typeface="Wingdings" panose="05000000000000000000" pitchFamily="2" charset="2"/>
-              <a:buChar char="ü"/>
-            </a:pPr>
-            <a:r>
-              <a:rPr lang="pt-BR" dirty="0"/>
-              <a:t>Composto entre 3 a 9 integrantes.</a:t>
-            </a:r>
-          </a:p>
-        </p:txBody>
-      </p:sp>
-    </p:spTree>
-    <p:extLst>
-      <p:ext uri="{BB962C8B-B14F-4D97-AF65-F5344CB8AC3E}">
-        <p14:creationId xmlns:p14="http://schemas.microsoft.com/office/powerpoint/2010/main" val="3008020100"/>
-      </p:ext>
-    </p:extLst>
-  </p:cSld>
-  <p:clrMapOvr>
-    <a:masterClrMapping/>
-  </p:clrMapOvr>
-</p:sld>
-</file>
-
-<file path=ppt/slides/slide25.xml><?xml version="1.0" encoding="utf-8"?>
-<p:sld xmlns:a="http://schemas.openxmlformats.org/drawingml/2006/main" xmlns:r="http://schemas.openxmlformats.org/officeDocument/2006/relationships" xmlns:p="http://schemas.openxmlformats.org/presentationml/2006/main">
-  <p:cSld>
-    <p:spTree>
-      <p:nvGrpSpPr>
-        <p:cNvPr id="1" name=""/>
-        <p:cNvGrpSpPr/>
-        <p:nvPr/>
-      </p:nvGrpSpPr>
-      <p:grpSpPr>
-        <a:xfrm>
-          <a:off x="0" y="0"/>
-          <a:ext cx="0" cy="0"/>
-          <a:chOff x="0" y="0"/>
-          <a:chExt cx="0" cy="0"/>
-        </a:xfrm>
-      </p:grpSpPr>
-      <p:sp>
-        <p:nvSpPr>
-          <p:cNvPr id="2" name="Título 1"/>
-          <p:cNvSpPr>
-            <a:spLocks noGrp="1"/>
-          </p:cNvSpPr>
-          <p:nvPr>
-            <p:ph type="title"/>
-          </p:nvPr>
-        </p:nvSpPr>
-        <p:spPr/>
-        <p:txBody>
-          <a:bodyPr/>
-          <a:lstStyle/>
-          <a:p>
-            <a:r>
-              <a:rPr lang="en-US" dirty="0"/>
-              <a:t>Scrum Master</a:t>
-            </a:r>
-            <a:endParaRPr lang="pt-BR" dirty="0"/>
-          </a:p>
-        </p:txBody>
-      </p:sp>
-      <p:sp>
-        <p:nvSpPr>
-          <p:cNvPr id="3" name="Espaço Reservado para Conteúdo 2"/>
-          <p:cNvSpPr>
-            <a:spLocks noGrp="1"/>
-          </p:cNvSpPr>
-          <p:nvPr>
-            <p:ph idx="1"/>
-          </p:nvPr>
-        </p:nvSpPr>
-        <p:spPr/>
-        <p:txBody>
-          <a:bodyPr/>
-          <a:lstStyle/>
-          <a:p>
-            <a:pPr>
-              <a:buFont typeface="Wingdings" panose="05000000000000000000" pitchFamily="2" charset="2"/>
-              <a:buChar char="ü"/>
-            </a:pPr>
-            <a:r>
-              <a:rPr lang="pt-BR" dirty="0"/>
-              <a:t>Pessoa responsável por garantir que o Scrum seja compreendido por todos, fazendo com que aderem a teoria, praticas e regras do Scrum;</a:t>
-            </a:r>
-          </a:p>
-          <a:p>
-            <a:pPr>
-              <a:buFont typeface="Wingdings" panose="05000000000000000000" pitchFamily="2" charset="2"/>
-              <a:buChar char="ü"/>
-            </a:pPr>
-            <a:r>
-              <a:rPr lang="pt-BR" dirty="0"/>
-              <a:t>Facilitador e potencializador do trabalho do Time Scrum;</a:t>
-            </a:r>
-          </a:p>
-          <a:p>
-            <a:pPr lvl="2">
-              <a:buFont typeface="Wingdings" panose="05000000000000000000" pitchFamily="2" charset="2"/>
-              <a:buChar char="ü"/>
-            </a:pPr>
-            <a:r>
-              <a:rPr lang="pt-BR" dirty="0"/>
-              <a:t>Remove quaisquer impedimentos para o progresso</a:t>
-            </a:r>
-          </a:p>
-          <a:p>
-            <a:pPr lvl="2">
-              <a:buFont typeface="Wingdings" panose="05000000000000000000" pitchFamily="2" charset="2"/>
-              <a:buChar char="ü"/>
-            </a:pPr>
-            <a:r>
-              <a:rPr lang="pt-BR" dirty="0"/>
-              <a:t>Agenda e conduz reuniões</a:t>
-            </a:r>
-          </a:p>
-          <a:p>
-            <a:pPr>
-              <a:buFont typeface="Wingdings" panose="05000000000000000000" pitchFamily="2" charset="2"/>
-              <a:buChar char="ü"/>
-            </a:pPr>
-            <a:r>
-              <a:rPr lang="pt-BR" dirty="0"/>
-              <a:t>Protege o Time Scrum.</a:t>
-            </a:r>
-          </a:p>
-          <a:p>
-            <a:pPr lvl="2">
-              <a:buFont typeface="Wingdings" panose="05000000000000000000" pitchFamily="2" charset="2"/>
-              <a:buChar char="ü"/>
-            </a:pPr>
-            <a:r>
-              <a:rPr lang="pt-BR" dirty="0"/>
-              <a:t>Ajuda aqueles que estão fora a entender quais as interações com o Time Scrum são úteis</a:t>
-            </a:r>
-          </a:p>
-          <a:p>
-            <a:pPr lvl="2">
-              <a:buFont typeface="Wingdings" panose="05000000000000000000" pitchFamily="2" charset="2"/>
-              <a:buChar char="ü"/>
-            </a:pPr>
-            <a:endParaRPr lang="pt-BR" dirty="0"/>
-          </a:p>
-        </p:txBody>
-      </p:sp>
-    </p:spTree>
-    <p:extLst>
-      <p:ext uri="{BB962C8B-B14F-4D97-AF65-F5344CB8AC3E}">
-        <p14:creationId xmlns:p14="http://schemas.microsoft.com/office/powerpoint/2010/main" val="4155157275"/>
-      </p:ext>
-    </p:extLst>
-  </p:cSld>
-  <p:clrMapOvr>
-    <a:masterClrMapping/>
-  </p:clrMapOvr>
-</p:sld>
-</file>
-
-<file path=ppt/slides/slide26.xml><?xml version="1.0" encoding="utf-8"?>
-<p:sld xmlns:a="http://schemas.openxmlformats.org/drawingml/2006/main" xmlns:r="http://schemas.openxmlformats.org/officeDocument/2006/relationships" xmlns:p="http://schemas.openxmlformats.org/presentationml/2006/main">
-  <p:cSld>
-    <p:spTree>
-      <p:nvGrpSpPr>
-        <p:cNvPr id="1" name=""/>
-        <p:cNvGrpSpPr/>
-        <p:nvPr/>
-      </p:nvGrpSpPr>
-      <p:grpSpPr>
-        <a:xfrm>
-          <a:off x="0" y="0"/>
-          <a:ext cx="0" cy="0"/>
-          <a:chOff x="0" y="0"/>
-          <a:chExt cx="0" cy="0"/>
-        </a:xfrm>
-      </p:grpSpPr>
-      <p:sp>
-        <p:nvSpPr>
-          <p:cNvPr id="2" name="Título 1"/>
-          <p:cNvSpPr>
-            <a:spLocks noGrp="1"/>
-          </p:cNvSpPr>
-          <p:nvPr>
-            <p:ph type="title"/>
-          </p:nvPr>
-        </p:nvSpPr>
-        <p:spPr/>
-        <p:txBody>
-          <a:bodyPr/>
-          <a:lstStyle/>
-          <a:p>
-            <a:r>
-              <a:rPr lang="en-US" dirty="0"/>
-              <a:t>Eventos Scrum</a:t>
-            </a:r>
-            <a:endParaRPr lang="pt-BR" dirty="0"/>
-          </a:p>
-        </p:txBody>
-      </p:sp>
-      <p:sp>
-        <p:nvSpPr>
-          <p:cNvPr id="3" name="Espaço Reservado para Conteúdo 2"/>
-          <p:cNvSpPr>
-            <a:spLocks noGrp="1"/>
-          </p:cNvSpPr>
-          <p:nvPr>
-            <p:ph idx="1"/>
-          </p:nvPr>
-        </p:nvSpPr>
-        <p:spPr/>
-        <p:txBody>
-          <a:bodyPr/>
-          <a:lstStyle/>
-          <a:p>
-            <a:pPr>
-              <a:buFont typeface="Wingdings" panose="05000000000000000000" pitchFamily="2" charset="2"/>
-              <a:buChar char="ü"/>
-            </a:pPr>
-            <a:r>
-              <a:rPr lang="pt-BR" dirty="0"/>
-              <a:t>São usados no Scrum para criar uma rotina;</a:t>
-            </a:r>
-          </a:p>
-          <a:p>
-            <a:pPr>
-              <a:buFont typeface="Wingdings" panose="05000000000000000000" pitchFamily="2" charset="2"/>
-              <a:buChar char="ü"/>
-            </a:pPr>
-            <a:r>
-              <a:rPr lang="pt-BR" dirty="0"/>
-              <a:t>Todos os eventos possuem um tempo máximo pré-determinado para sua realização (time-boxed);</a:t>
-            </a:r>
-          </a:p>
-          <a:p>
-            <a:pPr>
-              <a:buFont typeface="Wingdings" panose="05000000000000000000" pitchFamily="2" charset="2"/>
-              <a:buChar char="ü"/>
-            </a:pPr>
-            <a:r>
-              <a:rPr lang="pt-BR" dirty="0"/>
-              <a:t>São eventos: Sprint, Reunião de Planejamento da Sprint, Reunião Diária, Revisão da Sprint e Retrospectiva da Sprint;</a:t>
-            </a:r>
-          </a:p>
-          <a:p>
-            <a:pPr>
-              <a:buFont typeface="Wingdings" panose="05000000000000000000" pitchFamily="2" charset="2"/>
-              <a:buChar char="ü"/>
-            </a:pPr>
-            <a:r>
-              <a:rPr lang="pt-BR" dirty="0"/>
-              <a:t>A não inclusão de qualquer um dos eventos resultará na redução da transparência e da perda de oportunidade para inspecionar e adaptar.</a:t>
-            </a:r>
-          </a:p>
-          <a:p>
-            <a:pPr>
-              <a:buFont typeface="Wingdings" panose="05000000000000000000" pitchFamily="2" charset="2"/>
-              <a:buChar char="ü"/>
-            </a:pPr>
-            <a:endParaRPr lang="pt-BR" dirty="0"/>
-          </a:p>
-        </p:txBody>
-      </p:sp>
-    </p:spTree>
-    <p:extLst>
-      <p:ext uri="{BB962C8B-B14F-4D97-AF65-F5344CB8AC3E}">
-        <p14:creationId xmlns:p14="http://schemas.microsoft.com/office/powerpoint/2010/main" val="2460374621"/>
-      </p:ext>
-    </p:extLst>
-  </p:cSld>
-  <p:clrMapOvr>
-    <a:masterClrMapping/>
-  </p:clrMapOvr>
-</p:sld>
-</file>
-
 <file path=ppt/slides/slide27.xml><?xml version="1.0" encoding="utf-8"?>
 <p:sld xmlns:a="http://schemas.openxmlformats.org/drawingml/2006/main" xmlns:r="http://schemas.openxmlformats.org/officeDocument/2006/relationships" xmlns:p="http://schemas.openxmlformats.org/presentationml/2006/main">
   <p:cSld>
@@ -6476,7 +6663,7 @@
       </p:grpSpPr>
       <p:sp>
         <p:nvSpPr>
-          <p:cNvPr id="2" name="Título 1"/>
+          <p:cNvPr id="3" name="Título 2"/>
           <p:cNvSpPr>
             <a:spLocks noGrp="1"/>
           </p:cNvSpPr>
@@ -6491,14 +6678,14 @@
           <a:p>
             <a:r>
               <a:rPr lang="pt-BR" dirty="0"/>
-              <a:t>Sprint</a:t>
-            </a:r>
-          </a:p>
-        </p:txBody>
-      </p:sp>
-      <p:sp>
-        <p:nvSpPr>
-          <p:cNvPr id="3" name="Espaço Reservado para Conteúdo 2"/>
+              <a:t>Manifesto ágil</a:t>
+            </a:r>
+          </a:p>
+        </p:txBody>
+      </p:sp>
+      <p:sp>
+        <p:nvSpPr>
+          <p:cNvPr id="2" name="Espaço Reservado para Conteúdo 1"/>
           <p:cNvSpPr>
             <a:spLocks noGrp="1"/>
           </p:cNvSpPr>
@@ -6506,56 +6693,222 @@
             <p:ph idx="1"/>
           </p:nvPr>
         </p:nvSpPr>
-        <p:spPr/>
-        <p:txBody>
-          <a:bodyPr/>
-          <a:lstStyle/>
-          <a:p>
-            <a:pPr>
-              <a:buFont typeface="Wingdings" panose="05000000000000000000" pitchFamily="2" charset="2"/>
-              <a:buChar char="ü"/>
-            </a:pPr>
-            <a:r>
-              <a:rPr lang="pt-BR" dirty="0"/>
-              <a:t>Coração do Scrum, ou seja, contém todos os elementos do Scrum;</a:t>
-            </a:r>
-          </a:p>
-          <a:p>
-            <a:pPr>
-              <a:buFont typeface="Wingdings" panose="05000000000000000000" pitchFamily="2" charset="2"/>
-              <a:buChar char="ü"/>
-            </a:pPr>
-            <a:r>
-              <a:rPr lang="pt-BR" dirty="0"/>
-              <a:t>O objetivo é ter uma interação curta o suficiente para manter o time focado, mas tempo suficiente para entregar um incremento significativo do trabalho;</a:t>
-            </a:r>
-          </a:p>
-          <a:p>
-            <a:pPr lvl="2">
-              <a:buFont typeface="Wingdings" panose="05000000000000000000" pitchFamily="2" charset="2"/>
-              <a:buChar char="ü"/>
-            </a:pPr>
-            <a:r>
-              <a:rPr lang="pt-BR" dirty="0"/>
-              <a:t>Duração de máxima de um mês, e hoje comumente usada pelos times entre uma ou duas semanas</a:t>
-            </a:r>
-          </a:p>
-          <a:p>
-            <a:pPr>
-              <a:buFont typeface="Wingdings" panose="05000000000000000000" pitchFamily="2" charset="2"/>
-              <a:buChar char="ü"/>
-            </a:pPr>
-            <a:r>
-              <a:rPr lang="pt-BR" dirty="0"/>
-              <a:t>Cancelamento só pode ser feito pelo Product Owner.</a:t>
-            </a:r>
+        <p:spPr>
+          <a:xfrm>
+            <a:off x="507206" y="1993393"/>
+            <a:ext cx="8065294" cy="4171911"/>
+          </a:xfrm>
+        </p:spPr>
+        <p:txBody>
+          <a:bodyPr>
+            <a:normAutofit/>
+          </a:bodyPr>
+          <a:lstStyle/>
+          <a:p>
+            <a:pPr>
+              <a:buFont typeface="Wingdings" panose="05000000000000000000" pitchFamily="2" charset="2"/>
+              <a:buChar char="ü"/>
+            </a:pPr>
+            <a:r>
+              <a:rPr lang="pt-BR" dirty="0"/>
+              <a:t>Uma declaração de princípios que fundamentam o desenvolvimento ágil de softwares;</a:t>
+            </a:r>
+          </a:p>
+          <a:p>
+            <a:pPr>
+              <a:buFont typeface="Wingdings" panose="05000000000000000000" pitchFamily="2" charset="2"/>
+              <a:buChar char="ü"/>
+            </a:pPr>
+            <a:r>
+              <a:rPr lang="pt-BR" dirty="0"/>
+              <a:t>Criado Em fevereiro de 2001, em reunião onde compareceram os 17 criadores iniciais;</a:t>
+            </a:r>
+          </a:p>
+          <a:p>
+            <a:pPr>
+              <a:buFont typeface="Wingdings" panose="05000000000000000000" pitchFamily="2" charset="2"/>
+              <a:buChar char="ü"/>
+            </a:pPr>
+            <a:r>
+              <a:rPr lang="pt-BR" dirty="0"/>
+              <a:t>Criadores: Kent Beck, Mike </a:t>
+            </a:r>
+            <a:r>
+              <a:rPr lang="pt-BR" dirty="0" err="1"/>
+              <a:t>Beedle</a:t>
+            </a:r>
+            <a:r>
+              <a:rPr lang="pt-BR" dirty="0"/>
+              <a:t>, Arie van </a:t>
+            </a:r>
+            <a:r>
+              <a:rPr lang="pt-BR" dirty="0" err="1"/>
+              <a:t>Bennekum</a:t>
+            </a:r>
+            <a:r>
+              <a:rPr lang="pt-BR" dirty="0"/>
+              <a:t>, </a:t>
+            </a:r>
+            <a:r>
+              <a:rPr lang="pt-BR" dirty="0" err="1"/>
+              <a:t>Alistair</a:t>
+            </a:r>
+            <a:r>
+              <a:rPr lang="pt-BR" dirty="0"/>
+              <a:t> Cockburn, Ward Cunningham, Martin Fowler, James </a:t>
+            </a:r>
+            <a:r>
+              <a:rPr lang="pt-BR" dirty="0" err="1"/>
+              <a:t>Grenning</a:t>
+            </a:r>
+            <a:r>
+              <a:rPr lang="pt-BR" dirty="0"/>
+              <a:t>, Jim </a:t>
+            </a:r>
+            <a:r>
+              <a:rPr lang="pt-BR" dirty="0" err="1"/>
+              <a:t>Highsmith</a:t>
+            </a:r>
+            <a:r>
+              <a:rPr lang="pt-BR" dirty="0"/>
+              <a:t>, Andrew Hunt, Ron </a:t>
+            </a:r>
+            <a:r>
+              <a:rPr lang="pt-BR" dirty="0" err="1"/>
+              <a:t>Jeffries</a:t>
+            </a:r>
+            <a:r>
+              <a:rPr lang="pt-BR" dirty="0"/>
+              <a:t>, Jon </a:t>
+            </a:r>
+            <a:r>
+              <a:rPr lang="pt-BR" dirty="0" err="1"/>
+              <a:t>Kern</a:t>
+            </a:r>
+            <a:r>
+              <a:rPr lang="pt-BR" dirty="0"/>
+              <a:t>, Brian </a:t>
+            </a:r>
+            <a:r>
+              <a:rPr lang="pt-BR" dirty="0" err="1"/>
+              <a:t>Marick</a:t>
+            </a:r>
+            <a:r>
+              <a:rPr lang="pt-BR" dirty="0"/>
+              <a:t>, Robert C. Martin, Steve </a:t>
+            </a:r>
+            <a:r>
+              <a:rPr lang="pt-BR" dirty="0" err="1"/>
+              <a:t>Mellor</a:t>
+            </a:r>
+            <a:r>
+              <a:rPr lang="pt-BR" dirty="0"/>
+              <a:t>, </a:t>
+            </a:r>
+            <a:r>
+              <a:rPr lang="pt-BR" b="1" dirty="0"/>
+              <a:t>Ken </a:t>
+            </a:r>
+            <a:r>
+              <a:rPr lang="pt-BR" b="1" dirty="0" err="1"/>
+              <a:t>Schwaber</a:t>
+            </a:r>
+            <a:r>
+              <a:rPr lang="pt-BR" b="1" dirty="0"/>
+              <a:t>, Jeff Sutherland</a:t>
+            </a:r>
+            <a:r>
+              <a:rPr lang="pt-BR" dirty="0"/>
+              <a:t> e Dave Thomas;</a:t>
+            </a:r>
+          </a:p>
+          <a:p>
+            <a:pPr>
+              <a:buFont typeface="Wingdings" panose="05000000000000000000" pitchFamily="2" charset="2"/>
+              <a:buChar char="ü"/>
+            </a:pPr>
+            <a:r>
+              <a:rPr lang="en-US" dirty="0"/>
+              <a:t> </a:t>
+            </a:r>
+            <a:r>
+              <a:rPr lang="en-US" dirty="0" err="1"/>
+              <a:t>Criado</a:t>
+            </a:r>
+            <a:r>
+              <a:rPr lang="en-US" dirty="0"/>
+              <a:t> com o </a:t>
+            </a:r>
+            <a:r>
+              <a:rPr lang="en-US" dirty="0" err="1"/>
+              <a:t>objetivo</a:t>
+            </a:r>
+            <a:r>
+              <a:rPr lang="en-US" dirty="0"/>
+              <a:t> de </a:t>
+            </a:r>
+            <a:r>
+              <a:rPr lang="en-US" dirty="0" err="1"/>
+              <a:t>estabelecer</a:t>
+            </a:r>
+            <a:r>
+              <a:rPr lang="en-US" dirty="0"/>
+              <a:t> </a:t>
+            </a:r>
+            <a:r>
+              <a:rPr lang="en-US" dirty="0" err="1"/>
+              <a:t>parâmetros</a:t>
+            </a:r>
+            <a:r>
+              <a:rPr lang="en-US" dirty="0"/>
+              <a:t> para </a:t>
+            </a:r>
+            <a:r>
+              <a:rPr lang="en-US" dirty="0" err="1"/>
+              <a:t>criação</a:t>
+            </a:r>
+            <a:r>
+              <a:rPr lang="en-US" dirty="0"/>
+              <a:t> de </a:t>
+            </a:r>
+            <a:r>
+              <a:rPr lang="en-US" dirty="0" err="1"/>
+              <a:t>metodologias</a:t>
+            </a:r>
+            <a:r>
+              <a:rPr lang="en-US" dirty="0"/>
+              <a:t> </a:t>
+            </a:r>
+            <a:r>
+              <a:rPr lang="en-US" dirty="0" err="1"/>
+              <a:t>ágeis</a:t>
+            </a:r>
+            <a:r>
+              <a:rPr lang="en-US" dirty="0"/>
+              <a:t> para </a:t>
+            </a:r>
+            <a:r>
+              <a:rPr lang="en-US" dirty="0" err="1"/>
+              <a:t>desenvolvimento</a:t>
+            </a:r>
+            <a:r>
+              <a:rPr lang="en-US" dirty="0"/>
+              <a:t> de software.</a:t>
+            </a:r>
+            <a:endParaRPr lang="pt-BR" dirty="0"/>
+          </a:p>
+          <a:p>
+            <a:pPr marL="0" indent="0">
+              <a:buNone/>
+            </a:pPr>
+            <a:endParaRPr lang="pt-BR" dirty="0"/>
           </a:p>
         </p:txBody>
       </p:sp>
     </p:spTree>
     <p:extLst>
       <p:ext uri="{BB962C8B-B14F-4D97-AF65-F5344CB8AC3E}">
-        <p14:creationId xmlns:p14="http://schemas.microsoft.com/office/powerpoint/2010/main" val="2561348211"/>
+        <p14:creationId xmlns:p14="http://schemas.microsoft.com/office/powerpoint/2010/main" val="1665822349"/>
       </p:ext>
     </p:extLst>
   </p:cSld>
@@ -6584,50 +6937,45 @@
       </p:grpSpPr>
       <p:sp>
         <p:nvSpPr>
-          <p:cNvPr id="2" name="Título 1"/>
+          <p:cNvPr id="3" name="Título 2"/>
           <p:cNvSpPr>
             <a:spLocks noGrp="1"/>
           </p:cNvSpPr>
           <p:nvPr>
             <p:ph type="title"/>
+          </p:nvPr>
+        </p:nvSpPr>
+        <p:spPr/>
+        <p:txBody>
+          <a:bodyPr/>
+          <a:lstStyle/>
+          <a:p>
+            <a:r>
+              <a:rPr lang="pt-BR" dirty="0"/>
+              <a:t>Manifesto ágil - Princípios</a:t>
+            </a:r>
+          </a:p>
+        </p:txBody>
+      </p:sp>
+      <p:sp>
+        <p:nvSpPr>
+          <p:cNvPr id="2" name="Espaço Reservado para Conteúdo 1"/>
+          <p:cNvSpPr>
+            <a:spLocks noGrp="1"/>
+          </p:cNvSpPr>
+          <p:nvPr>
+            <p:ph idx="1"/>
           </p:nvPr>
         </p:nvSpPr>
         <p:spPr>
           <a:xfrm>
-            <a:off x="492919" y="499533"/>
-            <a:ext cx="8079581" cy="913243"/>
+            <a:off x="507206" y="1993393"/>
+            <a:ext cx="8065294" cy="2947775"/>
           </a:xfrm>
         </p:spPr>
         <p:txBody>
-          <a:bodyPr/>
-          <a:lstStyle/>
-          <a:p>
-            <a:r>
-              <a:rPr lang="pt-BR" dirty="0"/>
-              <a:t>Reunião de Planejamento</a:t>
-            </a:r>
-          </a:p>
-        </p:txBody>
-      </p:sp>
-      <p:sp>
-        <p:nvSpPr>
-          <p:cNvPr id="3" name="Espaço Reservado para Conteúdo 2"/>
-          <p:cNvSpPr>
-            <a:spLocks noGrp="1"/>
-          </p:cNvSpPr>
-          <p:nvPr>
-            <p:ph idx="1"/>
-          </p:nvPr>
-        </p:nvSpPr>
-        <p:spPr>
-          <a:xfrm>
-            <a:off x="507206" y="1556792"/>
-            <a:ext cx="8065294" cy="4824536"/>
-          </a:xfrm>
-        </p:spPr>
-        <p:txBody>
           <a:bodyPr>
-            <a:normAutofit fontScale="92500" lnSpcReduction="10000"/>
+            <a:normAutofit/>
           </a:bodyPr>
           <a:lstStyle/>
           <a:p>
@@ -6636,76 +6984,68 @@
               <a:buChar char="ü"/>
             </a:pPr>
             <a:r>
-              <a:rPr lang="pt-BR" dirty="0"/>
-              <a:t>Reunião na qual estão presentes o Time Scrum e Stakeholders convidados;</a:t>
-            </a:r>
-          </a:p>
-          <a:p>
-            <a:pPr>
-              <a:buFont typeface="Wingdings" panose="05000000000000000000" pitchFamily="2" charset="2"/>
-              <a:buChar char="ü"/>
-            </a:pPr>
-            <a:r>
-              <a:rPr lang="pt-BR" dirty="0"/>
-              <a:t>Duração de acordo com o tamanho da Sprint;</a:t>
-            </a:r>
-          </a:p>
-          <a:p>
-            <a:pPr lvl="2">
-              <a:buFont typeface="Wingdings" panose="05000000000000000000" pitchFamily="2" charset="2"/>
-              <a:buChar char="ü"/>
-            </a:pPr>
-            <a:r>
-              <a:rPr lang="pt-BR" dirty="0"/>
-              <a:t>Time-box com no máximo 8 horas para uma Sprint de um mês</a:t>
-            </a:r>
-          </a:p>
-          <a:p>
-            <a:pPr>
-              <a:buFont typeface="Wingdings" panose="05000000000000000000" pitchFamily="2" charset="2"/>
-              <a:buChar char="ü"/>
-            </a:pPr>
-            <a:r>
-              <a:rPr lang="pt-BR" dirty="0"/>
-              <a:t>O Scrum Master garante que o evento ocorra e que os participantes entendam seu propósito;</a:t>
-            </a:r>
-          </a:p>
-          <a:p>
-            <a:pPr>
-              <a:buFont typeface="Wingdings" panose="05000000000000000000" pitchFamily="2" charset="2"/>
-              <a:buChar char="ü"/>
-            </a:pPr>
-            <a:r>
-              <a:rPr lang="pt-BR" dirty="0"/>
-              <a:t>Normalmente dividida em 2 partes:</a:t>
-            </a:r>
-          </a:p>
-          <a:p>
-            <a:pPr lvl="2">
-              <a:buFont typeface="Wingdings" panose="05000000000000000000" pitchFamily="2" charset="2"/>
-              <a:buChar char="ü"/>
-            </a:pPr>
-            <a:r>
-              <a:rPr lang="pt-BR" dirty="0"/>
-              <a:t>1ª parte: O Product Owner apresenta o Backlog do Produto, descreve o que ele deseja ver construído e esclarece dúvidas. Ao final o time seleciona os itens do Backlog do Produto e define o Sprint Goal (Objetivo) juntamente com o Product Owner</a:t>
-            </a:r>
-          </a:p>
-          <a:p>
-            <a:pPr lvl="2">
-              <a:buFont typeface="Wingdings" panose="05000000000000000000" pitchFamily="2" charset="2"/>
-              <a:buChar char="ü"/>
-            </a:pPr>
-            <a:r>
-              <a:rPr lang="pt-BR" dirty="0"/>
-              <a:t>2ª parte: O Time de Desenvolvimento decide como irá construir essas funcionalidades durante a Sprint e transformá-las em um incremento de produto “Pronto”. Os itens de Backlog do Produto selecionados para a Sprint, junto com o plano de entrega destes itens é chamado de Backlog da Sprint</a:t>
-            </a:r>
+              <a:rPr lang="pt-BR" b="1" dirty="0"/>
+              <a:t>Indivíduos e interação entre eles</a:t>
+            </a:r>
+            <a:r>
+              <a:rPr lang="pt-BR" dirty="0"/>
+              <a:t> mais que processos e ferramentas</a:t>
+            </a:r>
+          </a:p>
+          <a:p>
+            <a:pPr>
+              <a:buFont typeface="Wingdings" panose="05000000000000000000" pitchFamily="2" charset="2"/>
+              <a:buChar char="ü"/>
+            </a:pPr>
+            <a:r>
+              <a:rPr lang="pt-BR" b="1" dirty="0"/>
+              <a:t>Software em funcionamento</a:t>
+            </a:r>
+            <a:r>
+              <a:rPr lang="pt-BR" dirty="0"/>
+              <a:t> mais que documentação abrangente</a:t>
+            </a:r>
+          </a:p>
+          <a:p>
+            <a:pPr>
+              <a:buFont typeface="Wingdings" panose="05000000000000000000" pitchFamily="2" charset="2"/>
+              <a:buChar char="ü"/>
+            </a:pPr>
+            <a:r>
+              <a:rPr lang="pt-BR" b="1" dirty="0"/>
+              <a:t>Colaboração com o cliente</a:t>
+            </a:r>
+            <a:r>
+              <a:rPr lang="pt-BR" dirty="0"/>
+              <a:t> mais que negociação de contratos</a:t>
+            </a:r>
+          </a:p>
+          <a:p>
+            <a:pPr>
+              <a:buFont typeface="Wingdings" panose="05000000000000000000" pitchFamily="2" charset="2"/>
+              <a:buChar char="ü"/>
+            </a:pPr>
+            <a:r>
+              <a:rPr lang="pt-BR" b="1" dirty="0"/>
+              <a:t>Responder a mudanças</a:t>
+            </a:r>
+            <a:r>
+              <a:rPr lang="pt-BR" dirty="0"/>
+              <a:t> mais que seguir um plano</a:t>
+            </a:r>
+          </a:p>
+          <a:p>
+            <a:pPr marL="0" indent="0">
+              <a:buNone/>
+            </a:pPr>
+            <a:endParaRPr lang="pt-BR" dirty="0"/>
           </a:p>
         </p:txBody>
       </p:sp>
     </p:spTree>
     <p:extLst>
       <p:ext uri="{BB962C8B-B14F-4D97-AF65-F5344CB8AC3E}">
-        <p14:creationId xmlns:p14="http://schemas.microsoft.com/office/powerpoint/2010/main" val="1897746889"/>
+        <p14:creationId xmlns:p14="http://schemas.microsoft.com/office/powerpoint/2010/main" val="2305154754"/>
       </p:ext>
     </p:extLst>
   </p:cSld>
@@ -6734,7 +7074,7 @@
       </p:grpSpPr>
       <p:sp>
         <p:nvSpPr>
-          <p:cNvPr id="2" name="Título 1"/>
+          <p:cNvPr id="3" name="Título 2"/>
           <p:cNvSpPr>
             <a:spLocks noGrp="1"/>
           </p:cNvSpPr>
@@ -6742,26 +7082,21 @@
             <p:ph type="title"/>
           </p:nvPr>
         </p:nvSpPr>
-        <p:spPr>
-          <a:xfrm>
-            <a:off x="492919" y="499533"/>
-            <a:ext cx="8079581" cy="1057259"/>
-          </a:xfrm>
-        </p:spPr>
-        <p:txBody>
-          <a:bodyPr/>
-          <a:lstStyle/>
-          <a:p>
-            <a:r>
-              <a:rPr lang="pt-BR" dirty="0"/>
-              <a:t>Reunião Diária</a:t>
-            </a:r>
-          </a:p>
-        </p:txBody>
-      </p:sp>
-      <p:sp>
-        <p:nvSpPr>
-          <p:cNvPr id="3" name="Espaço Reservado para Conteúdo 2"/>
+        <p:spPr/>
+        <p:txBody>
+          <a:bodyPr/>
+          <a:lstStyle/>
+          <a:p>
+            <a:r>
+              <a:rPr lang="pt-BR" dirty="0"/>
+              <a:t>Definição do Scrum</a:t>
+            </a:r>
+          </a:p>
+        </p:txBody>
+      </p:sp>
+      <p:sp>
+        <p:nvSpPr>
+          <p:cNvPr id="2" name="Espaço Reservado para Conteúdo 1"/>
           <p:cNvSpPr>
             <a:spLocks noGrp="1"/>
           </p:cNvSpPr>
@@ -6769,12 +7104,7 @@
             <p:ph idx="1"/>
           </p:nvPr>
         </p:nvSpPr>
-        <p:spPr>
-          <a:xfrm>
-            <a:off x="507206" y="1556792"/>
-            <a:ext cx="8065294" cy="4896545"/>
-          </a:xfrm>
-        </p:spPr>
+        <p:spPr/>
         <p:txBody>
           <a:bodyPr>
             <a:normAutofit/>
@@ -6787,67 +7117,17 @@
             </a:pPr>
             <a:r>
               <a:rPr lang="pt-BR" dirty="0"/>
-              <a:t>Chamada também de “Daily Scrum” é composta pelo Scrum Master e o Time de Desenvolvimento;</a:t>
-            </a:r>
-          </a:p>
-          <a:p>
-            <a:pPr>
-              <a:buFont typeface="Wingdings" panose="05000000000000000000" pitchFamily="2" charset="2"/>
-              <a:buChar char="ü"/>
-            </a:pPr>
-            <a:r>
-              <a:rPr lang="pt-BR" dirty="0"/>
-              <a:t>São realizadas sempre no mesmo lugar e na mesma hora definida, com duração máxima de 15 minutos;</a:t>
-            </a:r>
-          </a:p>
-          <a:p>
-            <a:pPr>
-              <a:buFont typeface="Wingdings" panose="05000000000000000000" pitchFamily="2" charset="2"/>
-              <a:buChar char="ü"/>
-            </a:pPr>
-            <a:r>
-              <a:rPr lang="pt-BR" dirty="0"/>
-              <a:t>Cada integrante do time deverá responder três perguntas:</a:t>
-            </a:r>
-          </a:p>
-          <a:p>
-            <a:pPr lvl="2">
-              <a:buFont typeface="Wingdings" panose="05000000000000000000" pitchFamily="2" charset="2"/>
-              <a:buChar char="ü"/>
-            </a:pPr>
-            <a:r>
-              <a:rPr lang="pt-BR" dirty="0"/>
-              <a:t>O que eu fiz ontem que ajudou o Time de Desenvolvimento a atender a meta da Sprint?</a:t>
-            </a:r>
-          </a:p>
-          <a:p>
-            <a:pPr lvl="2">
-              <a:buFont typeface="Wingdings" panose="05000000000000000000" pitchFamily="2" charset="2"/>
-              <a:buChar char="ü"/>
-            </a:pPr>
-            <a:r>
-              <a:rPr lang="pt-BR" dirty="0"/>
-              <a:t>O que eu farei hoje para ajudar o Time de Desenvolvimento atender a meta da Sprint?</a:t>
-            </a:r>
-          </a:p>
-          <a:p>
-            <a:pPr lvl="2">
-              <a:buFont typeface="Wingdings" panose="05000000000000000000" pitchFamily="2" charset="2"/>
-              <a:buChar char="ü"/>
-            </a:pPr>
-            <a:r>
-              <a:rPr lang="pt-BR" dirty="0"/>
-              <a:t>Eu vejo algum obstáculo que impeça a mim ou o Time de Desenvolvimento no atendimento da meta da Sprint?</a:t>
-            </a:r>
-          </a:p>
-          <a:p>
-            <a:pPr>
-              <a:buFont typeface="Wingdings" panose="05000000000000000000" pitchFamily="2" charset="2"/>
-              <a:buChar char="ü"/>
-            </a:pPr>
-            <a:r>
-              <a:rPr lang="pt-BR" dirty="0"/>
-              <a:t>Os impedimentos identificados no Daily Scrum devem ser tratados pelo Scrum Master o mais rapidamente possível.</a:t>
+              <a:t>Um framework dentro do qual pessoas podem tratar e resolver problemas complexos e adaptativos, enquanto produtiva e criativamente entregam produtos com o mais alto valor possível;</a:t>
+            </a:r>
+          </a:p>
+          <a:p>
+            <a:pPr>
+              <a:buFont typeface="Wingdings" panose="05000000000000000000" pitchFamily="2" charset="2"/>
+              <a:buChar char="ü"/>
+            </a:pPr>
+            <a:r>
+              <a:rPr lang="pt-BR" dirty="0"/>
+              <a:t>Quando Jeff Sutherland criou o Scrum em 1993, ele emprestou o termo de uma analogia apresentada em um estudo de 1986 por Takeuchi e Nonaka, publicado na Harvard Business Review. Nesse estudo, Takeuchi e Nonaka comparam equipes multifuncionais, alto desempenho para a formação de Scrum usado pelas equipes de Rugby.</a:t>
             </a:r>
           </a:p>
         </p:txBody>
@@ -6855,7 +7135,7 @@
     </p:spTree>
     <p:extLst>
       <p:ext uri="{BB962C8B-B14F-4D97-AF65-F5344CB8AC3E}">
-        <p14:creationId xmlns:p14="http://schemas.microsoft.com/office/powerpoint/2010/main" val="1842161956"/>
+        <p14:creationId xmlns:p14="http://schemas.microsoft.com/office/powerpoint/2010/main" val="2293700926"/>
       </p:ext>
     </p:extLst>
   </p:cSld>
@@ -6984,7 +7264,7 @@
           <a:p>
             <a:r>
               <a:rPr lang="pt-BR" dirty="0"/>
-              <a:t>Reunião de Revisão</a:t>
+              <a:t>Teoria do Scrum</a:t>
             </a:r>
           </a:p>
         </p:txBody>
@@ -6999,35 +7279,18 @@
             <p:ph idx="1"/>
           </p:nvPr>
         </p:nvSpPr>
-        <p:spPr>
-          <a:xfrm>
-            <a:off x="507206" y="1993393"/>
-            <a:ext cx="8065294" cy="4315927"/>
-          </a:xfrm>
-        </p:spPr>
-        <p:txBody>
-          <a:bodyPr>
-            <a:normAutofit/>
-          </a:bodyPr>
-          <a:lstStyle/>
-          <a:p>
-            <a:pPr>
-              <a:buFont typeface="Wingdings" panose="05000000000000000000" pitchFamily="2" charset="2"/>
-              <a:buChar char="ü"/>
-            </a:pPr>
-            <a:r>
-              <a:rPr lang="pt-BR" dirty="0"/>
-              <a:t>É uma reunião informal composta pelo Time Scrum e Stakeholders convidados;</a:t>
-            </a:r>
-          </a:p>
-          <a:p>
-            <a:pPr>
-              <a:buFont typeface="Wingdings" panose="05000000000000000000" pitchFamily="2" charset="2"/>
-              <a:buChar char="ü"/>
-            </a:pPr>
-            <a:r>
-              <a:rPr lang="pt-BR" dirty="0"/>
-              <a:t>Realizada no final da Sprint com duração de acordo com o tamanho da Sprint;</a:t>
+        <p:spPr/>
+        <p:txBody>
+          <a:bodyPr/>
+          <a:lstStyle/>
+          <a:p>
+            <a:pPr>
+              <a:buFont typeface="Wingdings" panose="05000000000000000000" pitchFamily="2" charset="2"/>
+              <a:buChar char="ü"/>
+            </a:pPr>
+            <a:r>
+              <a:rPr lang="pt-BR" dirty="0"/>
+              <a:t>Scrum é fundamentado nas teorias empíricas de controle de processo, ou empirismo;</a:t>
             </a:r>
           </a:p>
           <a:p>
@@ -7037,27 +7300,27 @@
             </a:pPr>
             <a:r>
               <a:rPr lang="pt-BR" dirty="0"/>
-              <a:t>Time-box com no máximo 4 horas para uma Sprint de um mês</a:t>
-            </a:r>
-          </a:p>
-          <a:p>
-            <a:pPr>
-              <a:buFont typeface="Wingdings" panose="05000000000000000000" pitchFamily="2" charset="2"/>
-              <a:buChar char="ü"/>
-            </a:pPr>
-            <a:r>
-              <a:rPr lang="pt-BR" dirty="0"/>
-              <a:t> Tem como objetivo inspecionar o incremento e adaptar o Backlog do Produto se necessário;</a:t>
-            </a:r>
-          </a:p>
-          <a:p>
-            <a:pPr>
-              <a:buFont typeface="Wingdings" panose="05000000000000000000" pitchFamily="2" charset="2"/>
-              <a:buChar char="ü"/>
-            </a:pPr>
-            <a:r>
-              <a:rPr lang="pt-BR" dirty="0"/>
-              <a:t>Durante essa reunião o Time de Desenvolvimento mostra quais itens do Backlog do Produto que eles concluíram durante a Sprint. Isso pode ocorrer sob a forma uma demo das novas funcionalidades.</a:t>
+              <a:t>O empirismo afirma que o conhecimento vem da experiência e de tomada de decisões baseadas no que é conhecido;</a:t>
+            </a:r>
+          </a:p>
+          <a:p>
+            <a:pPr>
+              <a:buFont typeface="Wingdings" panose="05000000000000000000" pitchFamily="2" charset="2"/>
+              <a:buChar char="ü"/>
+            </a:pPr>
+            <a:r>
+              <a:rPr lang="pt-BR" dirty="0"/>
+              <a:t>O Scrum emprega uma abordagem iterativa e incremental para aperfeiçoar a previsibilidade e o controle de riscos;</a:t>
+            </a:r>
+          </a:p>
+          <a:p>
+            <a:pPr>
+              <a:buFont typeface="Wingdings" panose="05000000000000000000" pitchFamily="2" charset="2"/>
+              <a:buChar char="ü"/>
+            </a:pPr>
+            <a:r>
+              <a:rPr lang="pt-BR" dirty="0"/>
+              <a:t>Três pilares apoiam a implementação de controle de processo empírico: transparência, inspeção e adaptação.</a:t>
             </a:r>
           </a:p>
         </p:txBody>
@@ -7065,7 +7328,7 @@
     </p:spTree>
     <p:extLst>
       <p:ext uri="{BB962C8B-B14F-4D97-AF65-F5344CB8AC3E}">
-        <p14:creationId xmlns:p14="http://schemas.microsoft.com/office/powerpoint/2010/main" val="3480910473"/>
+        <p14:creationId xmlns:p14="http://schemas.microsoft.com/office/powerpoint/2010/main" val="3220104280"/>
       </p:ext>
     </p:extLst>
   </p:cSld>
@@ -7108,8 +7371,12 @@
           <a:lstStyle/>
           <a:p>
             <a:r>
-              <a:rPr lang="pt-BR" dirty="0"/>
-              <a:t>Reunião de Retrospectiva</a:t>
+              <a:rPr lang="en-US" dirty="0" err="1"/>
+              <a:t>Transpar</a:t>
+            </a:r>
+            <a:r>
+              <a:rPr lang="pt-BR" dirty="0"/>
+              <a:t>ência</a:t>
             </a:r>
           </a:p>
         </p:txBody>
@@ -7135,52 +7402,25 @@
             </a:pPr>
             <a:r>
               <a:rPr lang="pt-BR" dirty="0"/>
-              <a:t>Composta apenas pelo Time Scrum deve ser time-boxed (por exemplo, 3 horas);</a:t>
-            </a:r>
-          </a:p>
-          <a:p>
-            <a:pPr lvl="2">
-              <a:buFont typeface="Wingdings" panose="05000000000000000000" pitchFamily="2" charset="2"/>
-              <a:buChar char="ü"/>
-            </a:pPr>
-            <a:r>
-              <a:rPr lang="pt-BR" dirty="0"/>
-              <a:t>Realizada após a reunião de revisão.</a:t>
-            </a:r>
-          </a:p>
-          <a:p>
-            <a:pPr>
-              <a:buFont typeface="Wingdings" panose="05000000000000000000" pitchFamily="2" charset="2"/>
-              <a:buChar char="ü"/>
-            </a:pPr>
-            <a:r>
-              <a:rPr lang="pt-BR" dirty="0"/>
-              <a:t>É uma oportunidade para o Time Scrum inspecionar a si próprio e criar um plano para melhorias a serem aplicadas na próxima Sprint;</a:t>
-            </a:r>
-          </a:p>
-          <a:p>
-            <a:pPr lvl="2">
-              <a:buFont typeface="Wingdings" panose="05000000000000000000" pitchFamily="2" charset="2"/>
-              <a:buChar char="ü"/>
-            </a:pPr>
-            <a:r>
-              <a:rPr lang="pt-BR" dirty="0"/>
-              <a:t>O que ocorreu bem durante a Sprint, o que não e que melhorias poderiam ser feitas na próxima Sprint</a:t>
-            </a:r>
-          </a:p>
-          <a:p>
-            <a:pPr>
-              <a:buFont typeface="Wingdings" panose="05000000000000000000" pitchFamily="2" charset="2"/>
-              <a:buChar char="ü"/>
-            </a:pPr>
-            <a:endParaRPr lang="pt-BR" dirty="0"/>
+              <a:t>Aspectos significativos do processo devem estar visíveis aos responsáveis pelos resultados;</a:t>
+            </a:r>
+          </a:p>
+          <a:p>
+            <a:pPr>
+              <a:buFont typeface="Wingdings" panose="05000000000000000000" pitchFamily="2" charset="2"/>
+              <a:buChar char="ü"/>
+            </a:pPr>
+            <a:r>
+              <a:rPr lang="pt-BR" dirty="0"/>
+              <a:t>Esta transparência requer aspectos definidos por um padrão comum para que os observadores compartilharem um mesmo entendimento do que está sendo visto.</a:t>
+            </a:r>
           </a:p>
         </p:txBody>
       </p:sp>
     </p:spTree>
     <p:extLst>
       <p:ext uri="{BB962C8B-B14F-4D97-AF65-F5344CB8AC3E}">
-        <p14:creationId xmlns:p14="http://schemas.microsoft.com/office/powerpoint/2010/main" val="3127285857"/>
+        <p14:creationId xmlns:p14="http://schemas.microsoft.com/office/powerpoint/2010/main" val="1452054897"/>
       </p:ext>
     </p:extLst>
   </p:cSld>
@@ -7224,7 +7464,7 @@
           <a:p>
             <a:r>
               <a:rPr lang="pt-BR" dirty="0"/>
-              <a:t>Artefatos Scrum</a:t>
+              <a:t>Inspeção</a:t>
             </a:r>
           </a:p>
         </p:txBody>
@@ -7250,17 +7490,27 @@
             </a:pPr>
             <a:r>
               <a:rPr lang="pt-BR" dirty="0"/>
-              <a:t>Representam o trabalho ou o valor para o fornecimento de transparência e oportunidades para inspeção e adaptação;</a:t>
-            </a:r>
-          </a:p>
-          <a:p>
-            <a:pPr>
-              <a:buFont typeface="Wingdings" panose="05000000000000000000" pitchFamily="2" charset="2"/>
-              <a:buChar char="ü"/>
-            </a:pPr>
-            <a:r>
-              <a:rPr lang="pt-BR" dirty="0"/>
-              <a:t>São artefatos: Backlog do Produto, Backlog da Sprint e Incremento.</a:t>
+              <a:t>Devem ser inspecionados frequentemente os vários aspectos do processo para identificar variações inaceitáveis;</a:t>
+            </a:r>
+          </a:p>
+          <a:p>
+            <a:pPr>
+              <a:buFont typeface="Wingdings" panose="05000000000000000000" pitchFamily="2" charset="2"/>
+              <a:buChar char="ü"/>
+            </a:pPr>
+            <a:r>
+              <a:rPr lang="pt-BR" dirty="0"/>
+              <a:t>A frequência da inspeção deve levar em consideração que os processos são alterados pelo próprio ato de inspeção, por isso deve ficar atento para que não exceda o limite e chega a atrapalhar a própria execução do processo;</a:t>
+            </a:r>
+          </a:p>
+          <a:p>
+            <a:pPr>
+              <a:buFont typeface="Wingdings" panose="05000000000000000000" pitchFamily="2" charset="2"/>
+              <a:buChar char="ü"/>
+            </a:pPr>
+            <a:r>
+              <a:rPr lang="pt-BR" dirty="0"/>
+              <a:t>O inspetor deve possuir as competências para avaliar o que ele ou ela está inspecionando.</a:t>
             </a:r>
           </a:p>
         </p:txBody>
@@ -7268,7 +7518,7 @@
     </p:spTree>
     <p:extLst>
       <p:ext uri="{BB962C8B-B14F-4D97-AF65-F5344CB8AC3E}">
-        <p14:creationId xmlns:p14="http://schemas.microsoft.com/office/powerpoint/2010/main" val="3023515660"/>
+        <p14:creationId xmlns:p14="http://schemas.microsoft.com/office/powerpoint/2010/main" val="3672092319"/>
       </p:ext>
     </p:extLst>
   </p:cSld>
@@ -7305,6 +7555,1664 @@
             <p:ph type="title"/>
           </p:nvPr>
         </p:nvSpPr>
+        <p:spPr/>
+        <p:txBody>
+          <a:bodyPr/>
+          <a:lstStyle/>
+          <a:p>
+            <a:r>
+              <a:rPr lang="pt-BR" dirty="0"/>
+              <a:t>Adaptação</a:t>
+            </a:r>
+          </a:p>
+        </p:txBody>
+      </p:sp>
+      <p:sp>
+        <p:nvSpPr>
+          <p:cNvPr id="3" name="Espaço Reservado para Conteúdo 2"/>
+          <p:cNvSpPr>
+            <a:spLocks noGrp="1"/>
+          </p:cNvSpPr>
+          <p:nvPr>
+            <p:ph idx="1"/>
+          </p:nvPr>
+        </p:nvSpPr>
+        <p:spPr/>
+        <p:txBody>
+          <a:bodyPr/>
+          <a:lstStyle/>
+          <a:p>
+            <a:pPr>
+              <a:buFont typeface="Wingdings" panose="05000000000000000000" pitchFamily="2" charset="2"/>
+              <a:buChar char="ü"/>
+            </a:pPr>
+            <a:r>
+              <a:rPr lang="pt-BR" dirty="0"/>
+              <a:t>Uma vez passado pelo processo de inspeção o consequentemente o resultado levará a uma adaptação visando melhorar o processo;</a:t>
+            </a:r>
+          </a:p>
+          <a:p>
+            <a:pPr>
+              <a:buFont typeface="Wingdings" panose="05000000000000000000" pitchFamily="2" charset="2"/>
+              <a:buChar char="ü"/>
+            </a:pPr>
+            <a:r>
+              <a:rPr lang="pt-BR" dirty="0"/>
+              <a:t>O ajuste deve ser realizado o mais breve possível para minimizar mais desvios.</a:t>
+            </a:r>
+          </a:p>
+          <a:p>
+            <a:pPr>
+              <a:buFont typeface="Wingdings" panose="05000000000000000000" pitchFamily="2" charset="2"/>
+              <a:buChar char="ü"/>
+            </a:pPr>
+            <a:endParaRPr lang="pt-BR" dirty="0"/>
+          </a:p>
+        </p:txBody>
+      </p:sp>
+    </p:spTree>
+    <p:extLst>
+      <p:ext uri="{BB962C8B-B14F-4D97-AF65-F5344CB8AC3E}">
+        <p14:creationId xmlns:p14="http://schemas.microsoft.com/office/powerpoint/2010/main" val="3000532631"/>
+      </p:ext>
+    </p:extLst>
+  </p:cSld>
+  <p:clrMapOvr>
+    <a:masterClrMapping/>
+  </p:clrMapOvr>
+</p:sld>
+</file>
+
+<file path=ppt/slides/slide34.xml><?xml version="1.0" encoding="utf-8"?>
+<p:sld xmlns:a="http://schemas.openxmlformats.org/drawingml/2006/main" xmlns:r="http://schemas.openxmlformats.org/officeDocument/2006/relationships" xmlns:p="http://schemas.openxmlformats.org/presentationml/2006/main">
+  <p:cSld>
+    <p:spTree>
+      <p:nvGrpSpPr>
+        <p:cNvPr id="1" name=""/>
+        <p:cNvGrpSpPr/>
+        <p:nvPr/>
+      </p:nvGrpSpPr>
+      <p:grpSpPr>
+        <a:xfrm>
+          <a:off x="0" y="0"/>
+          <a:ext cx="0" cy="0"/>
+          <a:chOff x="0" y="0"/>
+          <a:chExt cx="0" cy="0"/>
+        </a:xfrm>
+      </p:grpSpPr>
+      <p:sp>
+        <p:nvSpPr>
+          <p:cNvPr id="2" name="Título 1"/>
+          <p:cNvSpPr>
+            <a:spLocks noGrp="1"/>
+          </p:cNvSpPr>
+          <p:nvPr>
+            <p:ph type="title"/>
+          </p:nvPr>
+        </p:nvSpPr>
+        <p:spPr/>
+        <p:txBody>
+          <a:bodyPr/>
+          <a:lstStyle/>
+          <a:p>
+            <a:r>
+              <a:rPr lang="pt-BR" dirty="0"/>
+              <a:t>Valores do Scrum</a:t>
+            </a:r>
+          </a:p>
+        </p:txBody>
+      </p:sp>
+      <p:sp>
+        <p:nvSpPr>
+          <p:cNvPr id="3" name="Espaço Reservado para Conteúdo 2"/>
+          <p:cNvSpPr>
+            <a:spLocks noGrp="1"/>
+          </p:cNvSpPr>
+          <p:nvPr>
+            <p:ph idx="1"/>
+          </p:nvPr>
+        </p:nvSpPr>
+        <p:spPr/>
+        <p:txBody>
+          <a:bodyPr/>
+          <a:lstStyle/>
+          <a:p>
+            <a:pPr>
+              <a:buFont typeface="Wingdings" panose="05000000000000000000" pitchFamily="2" charset="2"/>
+              <a:buChar char="ü"/>
+            </a:pPr>
+            <a:r>
+              <a:rPr lang="pt-BR" dirty="0"/>
+              <a:t>Como um framework para desenvolvimento ágil o Scrum é consistente com os valores do manifesto ágil;</a:t>
+            </a:r>
+          </a:p>
+          <a:p>
+            <a:pPr>
+              <a:buFont typeface="Wingdings" panose="05000000000000000000" pitchFamily="2" charset="2"/>
+              <a:buChar char="ü"/>
+            </a:pPr>
+            <a:r>
+              <a:rPr lang="pt-BR" dirty="0"/>
+              <a:t>Foco, coragem, franqueza, comprometimento e respeito é essencial para a saúde e o sucesso de todo processo</a:t>
+            </a:r>
+          </a:p>
+          <a:p>
+            <a:pPr>
+              <a:buFont typeface="Wingdings" panose="05000000000000000000" pitchFamily="2" charset="2"/>
+              <a:buChar char="ü"/>
+            </a:pPr>
+            <a:r>
+              <a:rPr lang="pt-BR" dirty="0"/>
+              <a:t>Baseia-se no sistema Toyota de produção desenvolvido por </a:t>
+            </a:r>
+            <a:r>
+              <a:rPr lang="pt-BR" dirty="0" err="1"/>
+              <a:t>Taiichi</a:t>
+            </a:r>
+            <a:r>
+              <a:rPr lang="pt-BR" dirty="0"/>
+              <a:t> </a:t>
+            </a:r>
+            <a:r>
+              <a:rPr lang="pt-BR" dirty="0" err="1"/>
+              <a:t>Ohno</a:t>
+            </a:r>
+            <a:r>
+              <a:rPr lang="pt-BR" dirty="0"/>
+              <a:t> e no ciclo OODA (Observe, </a:t>
+            </a:r>
+            <a:r>
+              <a:rPr lang="pt-BR" dirty="0" err="1"/>
+              <a:t>Orient</a:t>
+            </a:r>
+            <a:r>
+              <a:rPr lang="pt-BR" dirty="0"/>
+              <a:t>, Decide, </a:t>
+            </a:r>
+            <a:r>
+              <a:rPr lang="pt-BR" dirty="0" err="1"/>
+              <a:t>Act</a:t>
+            </a:r>
+            <a:r>
+              <a:rPr lang="pt-BR" dirty="0"/>
+              <a:t>) da aviação de combate.</a:t>
+            </a:r>
+          </a:p>
+        </p:txBody>
+      </p:sp>
+    </p:spTree>
+    <p:extLst>
+      <p:ext uri="{BB962C8B-B14F-4D97-AF65-F5344CB8AC3E}">
+        <p14:creationId xmlns:p14="http://schemas.microsoft.com/office/powerpoint/2010/main" val="1785062720"/>
+      </p:ext>
+    </p:extLst>
+  </p:cSld>
+  <p:clrMapOvr>
+    <a:masterClrMapping/>
+  </p:clrMapOvr>
+</p:sld>
+</file>
+
+<file path=ppt/slides/slide35.xml><?xml version="1.0" encoding="utf-8"?>
+<p:sld xmlns:a="http://schemas.openxmlformats.org/drawingml/2006/main" xmlns:r="http://schemas.openxmlformats.org/officeDocument/2006/relationships" xmlns:p="http://schemas.openxmlformats.org/presentationml/2006/main">
+  <p:cSld>
+    <p:spTree>
+      <p:nvGrpSpPr>
+        <p:cNvPr id="1" name=""/>
+        <p:cNvGrpSpPr/>
+        <p:nvPr/>
+      </p:nvGrpSpPr>
+      <p:grpSpPr>
+        <a:xfrm>
+          <a:off x="0" y="0"/>
+          <a:ext cx="0" cy="0"/>
+          <a:chOff x="0" y="0"/>
+          <a:chExt cx="0" cy="0"/>
+        </a:xfrm>
+      </p:grpSpPr>
+      <p:sp>
+        <p:nvSpPr>
+          <p:cNvPr id="3" name="Título 2"/>
+          <p:cNvSpPr>
+            <a:spLocks noGrp="1"/>
+          </p:cNvSpPr>
+          <p:nvPr>
+            <p:ph type="title"/>
+          </p:nvPr>
+        </p:nvSpPr>
+        <p:spPr/>
+        <p:txBody>
+          <a:bodyPr/>
+          <a:lstStyle/>
+          <a:p>
+            <a:r>
+              <a:rPr lang="pt-BR" dirty="0"/>
+              <a:t>Time Scrum</a:t>
+            </a:r>
+          </a:p>
+        </p:txBody>
+      </p:sp>
+      <p:sp>
+        <p:nvSpPr>
+          <p:cNvPr id="2" name="Espaço Reservado para Conteúdo 1"/>
+          <p:cNvSpPr>
+            <a:spLocks noGrp="1"/>
+          </p:cNvSpPr>
+          <p:nvPr>
+            <p:ph idx="1"/>
+          </p:nvPr>
+        </p:nvSpPr>
+        <p:spPr/>
+        <p:txBody>
+          <a:bodyPr>
+            <a:normAutofit/>
+          </a:bodyPr>
+          <a:lstStyle/>
+          <a:p>
+            <a:pPr>
+              <a:buFont typeface="Wingdings" panose="05000000000000000000" pitchFamily="2" charset="2"/>
+              <a:buChar char="ü"/>
+            </a:pPr>
+            <a:r>
+              <a:rPr lang="pt-BR" dirty="0"/>
+              <a:t>Entrega o produto de forma iterativa e incremental, maximizando as oportunidades de realimentação;</a:t>
+            </a:r>
+          </a:p>
+          <a:p>
+            <a:pPr>
+              <a:buFont typeface="Wingdings" panose="05000000000000000000" pitchFamily="2" charset="2"/>
+              <a:buChar char="ü"/>
+            </a:pPr>
+            <a:r>
+              <a:rPr lang="pt-BR" dirty="0"/>
+              <a:t>Composto por: Product Owner, Time de Desenvolvimento e Scrum Master.</a:t>
+            </a:r>
+          </a:p>
+        </p:txBody>
+      </p:sp>
+    </p:spTree>
+    <p:extLst>
+      <p:ext uri="{BB962C8B-B14F-4D97-AF65-F5344CB8AC3E}">
+        <p14:creationId xmlns:p14="http://schemas.microsoft.com/office/powerpoint/2010/main" val="3509287758"/>
+      </p:ext>
+    </p:extLst>
+  </p:cSld>
+  <p:clrMapOvr>
+    <a:masterClrMapping/>
+  </p:clrMapOvr>
+</p:sld>
+</file>
+
+<file path=ppt/slides/slide36.xml><?xml version="1.0" encoding="utf-8"?>
+<p:sld xmlns:a="http://schemas.openxmlformats.org/drawingml/2006/main" xmlns:r="http://schemas.openxmlformats.org/officeDocument/2006/relationships" xmlns:p="http://schemas.openxmlformats.org/presentationml/2006/main">
+  <p:cSld>
+    <p:spTree>
+      <p:nvGrpSpPr>
+        <p:cNvPr id="1" name=""/>
+        <p:cNvGrpSpPr/>
+        <p:nvPr/>
+      </p:nvGrpSpPr>
+      <p:grpSpPr>
+        <a:xfrm>
+          <a:off x="0" y="0"/>
+          <a:ext cx="0" cy="0"/>
+          <a:chOff x="0" y="0"/>
+          <a:chExt cx="0" cy="0"/>
+        </a:xfrm>
+      </p:grpSpPr>
+      <p:sp>
+        <p:nvSpPr>
+          <p:cNvPr id="2" name="Título 1"/>
+          <p:cNvSpPr>
+            <a:spLocks noGrp="1"/>
+          </p:cNvSpPr>
+          <p:nvPr>
+            <p:ph type="title"/>
+          </p:nvPr>
+        </p:nvSpPr>
+        <p:spPr/>
+        <p:txBody>
+          <a:bodyPr/>
+          <a:lstStyle/>
+          <a:p>
+            <a:r>
+              <a:rPr lang="en-US" dirty="0"/>
+              <a:t>Product Owner</a:t>
+            </a:r>
+            <a:endParaRPr lang="pt-BR" dirty="0"/>
+          </a:p>
+        </p:txBody>
+      </p:sp>
+      <p:sp>
+        <p:nvSpPr>
+          <p:cNvPr id="3" name="Espaço Reservado para Conteúdo 2"/>
+          <p:cNvSpPr>
+            <a:spLocks noGrp="1"/>
+          </p:cNvSpPr>
+          <p:nvPr>
+            <p:ph idx="1"/>
+          </p:nvPr>
+        </p:nvSpPr>
+        <p:spPr>
+          <a:xfrm>
+            <a:off x="507206" y="1993393"/>
+            <a:ext cx="8065294" cy="4243919"/>
+          </a:xfrm>
+        </p:spPr>
+        <p:txBody>
+          <a:bodyPr>
+            <a:normAutofit/>
+          </a:bodyPr>
+          <a:lstStyle/>
+          <a:p>
+            <a:pPr>
+              <a:buFont typeface="Wingdings" panose="05000000000000000000" pitchFamily="2" charset="2"/>
+              <a:buChar char="ü"/>
+            </a:pPr>
+            <a:r>
+              <a:rPr lang="pt-BR" dirty="0"/>
+              <a:t>Pessoa responsável por gerenciar o Backlog do Produto a fim de maximizar o valor do projeto;</a:t>
+            </a:r>
+          </a:p>
+          <a:p>
+            <a:pPr lvl="2">
+              <a:buFont typeface="Wingdings" panose="05000000000000000000" pitchFamily="2" charset="2"/>
+              <a:buChar char="ü"/>
+            </a:pPr>
+            <a:r>
+              <a:rPr lang="pt-BR" dirty="0"/>
+              <a:t>Ordena por prioridade e esclarece os itens do Backlog do Produto</a:t>
+            </a:r>
+          </a:p>
+          <a:p>
+            <a:pPr>
+              <a:buFont typeface="Wingdings" panose="05000000000000000000" pitchFamily="2" charset="2"/>
+              <a:buChar char="ü"/>
+            </a:pPr>
+            <a:r>
+              <a:rPr lang="pt-BR" dirty="0"/>
+              <a:t>Pode cancelar uma Sprint;</a:t>
+            </a:r>
+          </a:p>
+          <a:p>
+            <a:pPr>
+              <a:buFont typeface="Wingdings" panose="05000000000000000000" pitchFamily="2" charset="2"/>
+              <a:buChar char="ü"/>
+            </a:pPr>
+            <a:r>
+              <a:rPr lang="pt-BR" dirty="0"/>
+              <a:t>Representa todos os Stakeholders no projeto.</a:t>
+            </a:r>
+          </a:p>
+          <a:p>
+            <a:pPr marL="0" indent="0">
+              <a:buNone/>
+            </a:pPr>
+            <a:endParaRPr lang="en-US" dirty="0"/>
+          </a:p>
+          <a:p>
+            <a:pPr marL="0" indent="0">
+              <a:buNone/>
+            </a:pPr>
+            <a:endParaRPr lang="en-US" dirty="0"/>
+          </a:p>
+          <a:p>
+            <a:pPr marL="0" indent="0">
+              <a:buNone/>
+            </a:pPr>
+            <a:r>
+              <a:rPr lang="en-US" b="1" i="1" dirty="0"/>
+              <a:t>Stakeholder</a:t>
+            </a:r>
+            <a:r>
+              <a:rPr lang="en-US" i="1" dirty="0"/>
+              <a:t>: </a:t>
+            </a:r>
+            <a:r>
+              <a:rPr lang="pt-BR" i="1" dirty="0"/>
+              <a:t>Alguém interessado no projeto, porém não está comprometido diretamente com ele (Ex: Cliente, Acionista, Diretor).</a:t>
+            </a:r>
+          </a:p>
+        </p:txBody>
+      </p:sp>
+    </p:spTree>
+    <p:extLst>
+      <p:ext uri="{BB962C8B-B14F-4D97-AF65-F5344CB8AC3E}">
+        <p14:creationId xmlns:p14="http://schemas.microsoft.com/office/powerpoint/2010/main" val="2206234286"/>
+      </p:ext>
+    </p:extLst>
+  </p:cSld>
+  <p:clrMapOvr>
+    <a:masterClrMapping/>
+  </p:clrMapOvr>
+</p:sld>
+</file>
+
+<file path=ppt/slides/slide37.xml><?xml version="1.0" encoding="utf-8"?>
+<p:sld xmlns:a="http://schemas.openxmlformats.org/drawingml/2006/main" xmlns:r="http://schemas.openxmlformats.org/officeDocument/2006/relationships" xmlns:p="http://schemas.openxmlformats.org/presentationml/2006/main">
+  <p:cSld>
+    <p:spTree>
+      <p:nvGrpSpPr>
+        <p:cNvPr id="1" name=""/>
+        <p:cNvGrpSpPr/>
+        <p:nvPr/>
+      </p:nvGrpSpPr>
+      <p:grpSpPr>
+        <a:xfrm>
+          <a:off x="0" y="0"/>
+          <a:ext cx="0" cy="0"/>
+          <a:chOff x="0" y="0"/>
+          <a:chExt cx="0" cy="0"/>
+        </a:xfrm>
+      </p:grpSpPr>
+      <p:sp>
+        <p:nvSpPr>
+          <p:cNvPr id="2" name="Título 1"/>
+          <p:cNvSpPr>
+            <a:spLocks noGrp="1"/>
+          </p:cNvSpPr>
+          <p:nvPr>
+            <p:ph type="title"/>
+          </p:nvPr>
+        </p:nvSpPr>
+        <p:spPr/>
+        <p:txBody>
+          <a:bodyPr/>
+          <a:lstStyle/>
+          <a:p>
+            <a:r>
+              <a:rPr lang="en-US" dirty="0"/>
+              <a:t>Time de Desenvolvimento</a:t>
+            </a:r>
+            <a:endParaRPr lang="pt-BR" dirty="0"/>
+          </a:p>
+        </p:txBody>
+      </p:sp>
+      <p:sp>
+        <p:nvSpPr>
+          <p:cNvPr id="3" name="Espaço Reservado para Conteúdo 2"/>
+          <p:cNvSpPr>
+            <a:spLocks noGrp="1"/>
+          </p:cNvSpPr>
+          <p:nvPr>
+            <p:ph idx="1"/>
+          </p:nvPr>
+        </p:nvSpPr>
+        <p:spPr/>
+        <p:txBody>
+          <a:bodyPr/>
+          <a:lstStyle/>
+          <a:p>
+            <a:pPr>
+              <a:buFont typeface="Wingdings" panose="05000000000000000000" pitchFamily="2" charset="2"/>
+              <a:buChar char="ü"/>
+            </a:pPr>
+            <a:r>
+              <a:rPr lang="pt-BR" dirty="0"/>
+              <a:t>Grupo de profissionais responsáveis pelo desenvolvimento do potencial incremento que será entregue a cada Sprint;</a:t>
+            </a:r>
+          </a:p>
+          <a:p>
+            <a:pPr>
+              <a:buFont typeface="Wingdings" panose="05000000000000000000" pitchFamily="2" charset="2"/>
+              <a:buChar char="ü"/>
+            </a:pPr>
+            <a:r>
+              <a:rPr lang="pt-BR" dirty="0"/>
+              <a:t>São auto organizáveis e multifuncionais;</a:t>
+            </a:r>
+          </a:p>
+          <a:p>
+            <a:pPr>
+              <a:buFont typeface="Wingdings" panose="05000000000000000000" pitchFamily="2" charset="2"/>
+              <a:buChar char="ü"/>
+            </a:pPr>
+            <a:r>
+              <a:rPr lang="pt-BR" dirty="0"/>
+              <a:t>Composto entre 3 a 9 integrantes.</a:t>
+            </a:r>
+          </a:p>
+        </p:txBody>
+      </p:sp>
+    </p:spTree>
+    <p:extLst>
+      <p:ext uri="{BB962C8B-B14F-4D97-AF65-F5344CB8AC3E}">
+        <p14:creationId xmlns:p14="http://schemas.microsoft.com/office/powerpoint/2010/main" val="3008020100"/>
+      </p:ext>
+    </p:extLst>
+  </p:cSld>
+  <p:clrMapOvr>
+    <a:masterClrMapping/>
+  </p:clrMapOvr>
+</p:sld>
+</file>
+
+<file path=ppt/slides/slide38.xml><?xml version="1.0" encoding="utf-8"?>
+<p:sld xmlns:a="http://schemas.openxmlformats.org/drawingml/2006/main" xmlns:r="http://schemas.openxmlformats.org/officeDocument/2006/relationships" xmlns:p="http://schemas.openxmlformats.org/presentationml/2006/main">
+  <p:cSld>
+    <p:spTree>
+      <p:nvGrpSpPr>
+        <p:cNvPr id="1" name=""/>
+        <p:cNvGrpSpPr/>
+        <p:nvPr/>
+      </p:nvGrpSpPr>
+      <p:grpSpPr>
+        <a:xfrm>
+          <a:off x="0" y="0"/>
+          <a:ext cx="0" cy="0"/>
+          <a:chOff x="0" y="0"/>
+          <a:chExt cx="0" cy="0"/>
+        </a:xfrm>
+      </p:grpSpPr>
+      <p:sp>
+        <p:nvSpPr>
+          <p:cNvPr id="2" name="Título 1"/>
+          <p:cNvSpPr>
+            <a:spLocks noGrp="1"/>
+          </p:cNvSpPr>
+          <p:nvPr>
+            <p:ph type="title"/>
+          </p:nvPr>
+        </p:nvSpPr>
+        <p:spPr/>
+        <p:txBody>
+          <a:bodyPr/>
+          <a:lstStyle/>
+          <a:p>
+            <a:r>
+              <a:rPr lang="en-US" dirty="0"/>
+              <a:t>Scrum Master</a:t>
+            </a:r>
+            <a:endParaRPr lang="pt-BR" dirty="0"/>
+          </a:p>
+        </p:txBody>
+      </p:sp>
+      <p:sp>
+        <p:nvSpPr>
+          <p:cNvPr id="3" name="Espaço Reservado para Conteúdo 2"/>
+          <p:cNvSpPr>
+            <a:spLocks noGrp="1"/>
+          </p:cNvSpPr>
+          <p:nvPr>
+            <p:ph idx="1"/>
+          </p:nvPr>
+        </p:nvSpPr>
+        <p:spPr/>
+        <p:txBody>
+          <a:bodyPr/>
+          <a:lstStyle/>
+          <a:p>
+            <a:pPr>
+              <a:buFont typeface="Wingdings" panose="05000000000000000000" pitchFamily="2" charset="2"/>
+              <a:buChar char="ü"/>
+            </a:pPr>
+            <a:r>
+              <a:rPr lang="pt-BR" dirty="0"/>
+              <a:t>Pessoa responsável por garantir que o Scrum seja compreendido por todos, fazendo com que aderem a teoria, praticas e regras do Scrum;</a:t>
+            </a:r>
+          </a:p>
+          <a:p>
+            <a:pPr>
+              <a:buFont typeface="Wingdings" panose="05000000000000000000" pitchFamily="2" charset="2"/>
+              <a:buChar char="ü"/>
+            </a:pPr>
+            <a:r>
+              <a:rPr lang="pt-BR" dirty="0"/>
+              <a:t>Facilitador e potencializador do trabalho do Time Scrum;</a:t>
+            </a:r>
+          </a:p>
+          <a:p>
+            <a:pPr lvl="2">
+              <a:buFont typeface="Wingdings" panose="05000000000000000000" pitchFamily="2" charset="2"/>
+              <a:buChar char="ü"/>
+            </a:pPr>
+            <a:r>
+              <a:rPr lang="pt-BR" dirty="0"/>
+              <a:t>Remove quaisquer impedimentos para o progresso</a:t>
+            </a:r>
+          </a:p>
+          <a:p>
+            <a:pPr lvl="2">
+              <a:buFont typeface="Wingdings" panose="05000000000000000000" pitchFamily="2" charset="2"/>
+              <a:buChar char="ü"/>
+            </a:pPr>
+            <a:r>
+              <a:rPr lang="pt-BR" dirty="0"/>
+              <a:t>Agenda e conduz reuniões</a:t>
+            </a:r>
+          </a:p>
+          <a:p>
+            <a:pPr>
+              <a:buFont typeface="Wingdings" panose="05000000000000000000" pitchFamily="2" charset="2"/>
+              <a:buChar char="ü"/>
+            </a:pPr>
+            <a:r>
+              <a:rPr lang="pt-BR" dirty="0"/>
+              <a:t>Protege o Time Scrum.</a:t>
+            </a:r>
+          </a:p>
+          <a:p>
+            <a:pPr lvl="2">
+              <a:buFont typeface="Wingdings" panose="05000000000000000000" pitchFamily="2" charset="2"/>
+              <a:buChar char="ü"/>
+            </a:pPr>
+            <a:r>
+              <a:rPr lang="pt-BR" dirty="0"/>
+              <a:t>Ajuda aqueles que estão fora a entender quais as interações com o Time Scrum são úteis</a:t>
+            </a:r>
+          </a:p>
+          <a:p>
+            <a:pPr lvl="2">
+              <a:buFont typeface="Wingdings" panose="05000000000000000000" pitchFamily="2" charset="2"/>
+              <a:buChar char="ü"/>
+            </a:pPr>
+            <a:endParaRPr lang="pt-BR" dirty="0"/>
+          </a:p>
+        </p:txBody>
+      </p:sp>
+    </p:spTree>
+    <p:extLst>
+      <p:ext uri="{BB962C8B-B14F-4D97-AF65-F5344CB8AC3E}">
+        <p14:creationId xmlns:p14="http://schemas.microsoft.com/office/powerpoint/2010/main" val="4155157275"/>
+      </p:ext>
+    </p:extLst>
+  </p:cSld>
+  <p:clrMapOvr>
+    <a:masterClrMapping/>
+  </p:clrMapOvr>
+</p:sld>
+</file>
+
+<file path=ppt/slides/slide39.xml><?xml version="1.0" encoding="utf-8"?>
+<p:sld xmlns:a="http://schemas.openxmlformats.org/drawingml/2006/main" xmlns:r="http://schemas.openxmlformats.org/officeDocument/2006/relationships" xmlns:p="http://schemas.openxmlformats.org/presentationml/2006/main">
+  <p:cSld>
+    <p:spTree>
+      <p:nvGrpSpPr>
+        <p:cNvPr id="1" name=""/>
+        <p:cNvGrpSpPr/>
+        <p:nvPr/>
+      </p:nvGrpSpPr>
+      <p:grpSpPr>
+        <a:xfrm>
+          <a:off x="0" y="0"/>
+          <a:ext cx="0" cy="0"/>
+          <a:chOff x="0" y="0"/>
+          <a:chExt cx="0" cy="0"/>
+        </a:xfrm>
+      </p:grpSpPr>
+      <p:sp>
+        <p:nvSpPr>
+          <p:cNvPr id="2" name="Título 1"/>
+          <p:cNvSpPr>
+            <a:spLocks noGrp="1"/>
+          </p:cNvSpPr>
+          <p:nvPr>
+            <p:ph type="title"/>
+          </p:nvPr>
+        </p:nvSpPr>
+        <p:spPr/>
+        <p:txBody>
+          <a:bodyPr/>
+          <a:lstStyle/>
+          <a:p>
+            <a:r>
+              <a:rPr lang="en-US" dirty="0"/>
+              <a:t>Eventos Scrum</a:t>
+            </a:r>
+            <a:endParaRPr lang="pt-BR" dirty="0"/>
+          </a:p>
+        </p:txBody>
+      </p:sp>
+      <p:sp>
+        <p:nvSpPr>
+          <p:cNvPr id="3" name="Espaço Reservado para Conteúdo 2"/>
+          <p:cNvSpPr>
+            <a:spLocks noGrp="1"/>
+          </p:cNvSpPr>
+          <p:nvPr>
+            <p:ph idx="1"/>
+          </p:nvPr>
+        </p:nvSpPr>
+        <p:spPr/>
+        <p:txBody>
+          <a:bodyPr/>
+          <a:lstStyle/>
+          <a:p>
+            <a:pPr>
+              <a:buFont typeface="Wingdings" panose="05000000000000000000" pitchFamily="2" charset="2"/>
+              <a:buChar char="ü"/>
+            </a:pPr>
+            <a:r>
+              <a:rPr lang="pt-BR" dirty="0"/>
+              <a:t>São usados no Scrum para criar uma rotina;</a:t>
+            </a:r>
+          </a:p>
+          <a:p>
+            <a:pPr>
+              <a:buFont typeface="Wingdings" panose="05000000000000000000" pitchFamily="2" charset="2"/>
+              <a:buChar char="ü"/>
+            </a:pPr>
+            <a:r>
+              <a:rPr lang="pt-BR" dirty="0"/>
+              <a:t>Todos os eventos possuem um tempo máximo pré-determinado para sua realização (time-boxed);</a:t>
+            </a:r>
+          </a:p>
+          <a:p>
+            <a:pPr>
+              <a:buFont typeface="Wingdings" panose="05000000000000000000" pitchFamily="2" charset="2"/>
+              <a:buChar char="ü"/>
+            </a:pPr>
+            <a:r>
+              <a:rPr lang="pt-BR" dirty="0"/>
+              <a:t>São eventos: Sprint, Reunião de Planejamento da Sprint, Reunião Diária, Revisão da Sprint e Retrospectiva da Sprint;</a:t>
+            </a:r>
+          </a:p>
+          <a:p>
+            <a:pPr>
+              <a:buFont typeface="Wingdings" panose="05000000000000000000" pitchFamily="2" charset="2"/>
+              <a:buChar char="ü"/>
+            </a:pPr>
+            <a:r>
+              <a:rPr lang="pt-BR" dirty="0"/>
+              <a:t>A não inclusão de qualquer um dos eventos resultará na redução da transparência e da perda de oportunidade para inspecionar e adaptar.</a:t>
+            </a:r>
+          </a:p>
+          <a:p>
+            <a:pPr>
+              <a:buFont typeface="Wingdings" panose="05000000000000000000" pitchFamily="2" charset="2"/>
+              <a:buChar char="ü"/>
+            </a:pPr>
+            <a:endParaRPr lang="pt-BR" dirty="0"/>
+          </a:p>
+        </p:txBody>
+      </p:sp>
+    </p:spTree>
+    <p:extLst>
+      <p:ext uri="{BB962C8B-B14F-4D97-AF65-F5344CB8AC3E}">
+        <p14:creationId xmlns:p14="http://schemas.microsoft.com/office/powerpoint/2010/main" val="2460374621"/>
+      </p:ext>
+    </p:extLst>
+  </p:cSld>
+  <p:clrMapOvr>
+    <a:masterClrMapping/>
+  </p:clrMapOvr>
+</p:sld>
+</file>
+
+<file path=ppt/slides/slide4.xml><?xml version="1.0" encoding="utf-8"?>
+<p:sld xmlns:a="http://schemas.openxmlformats.org/drawingml/2006/main" xmlns:r="http://schemas.openxmlformats.org/officeDocument/2006/relationships" xmlns:p="http://schemas.openxmlformats.org/presentationml/2006/main">
+  <p:cSld>
+    <p:spTree>
+      <p:nvGrpSpPr>
+        <p:cNvPr id="1" name=""/>
+        <p:cNvGrpSpPr/>
+        <p:nvPr/>
+      </p:nvGrpSpPr>
+      <p:grpSpPr>
+        <a:xfrm>
+          <a:off x="0" y="0"/>
+          <a:ext cx="0" cy="0"/>
+          <a:chOff x="0" y="0"/>
+          <a:chExt cx="0" cy="0"/>
+        </a:xfrm>
+      </p:grpSpPr>
+      <p:sp>
+        <p:nvSpPr>
+          <p:cNvPr id="3" name="Título 2"/>
+          <p:cNvSpPr>
+            <a:spLocks noGrp="1"/>
+          </p:cNvSpPr>
+          <p:nvPr>
+            <p:ph type="title"/>
+          </p:nvPr>
+        </p:nvSpPr>
+        <p:spPr/>
+        <p:txBody>
+          <a:bodyPr>
+            <a:normAutofit/>
+          </a:bodyPr>
+          <a:lstStyle/>
+          <a:p>
+            <a:r>
+              <a:rPr lang="pt-BR" dirty="0"/>
+              <a:t>Gerenciamento de Projetos de Software</a:t>
+            </a:r>
+          </a:p>
+        </p:txBody>
+      </p:sp>
+      <p:sp>
+        <p:nvSpPr>
+          <p:cNvPr id="2" name="Espaço Reservado para Conteúdo 1"/>
+          <p:cNvSpPr>
+            <a:spLocks noGrp="1"/>
+          </p:cNvSpPr>
+          <p:nvPr>
+            <p:ph idx="1"/>
+          </p:nvPr>
+        </p:nvSpPr>
+        <p:spPr>
+          <a:xfrm>
+            <a:off x="525732" y="2157731"/>
+            <a:ext cx="8065294" cy="3766185"/>
+          </a:xfrm>
+        </p:spPr>
+        <p:txBody>
+          <a:bodyPr>
+            <a:normAutofit/>
+          </a:bodyPr>
+          <a:lstStyle/>
+          <a:p>
+            <a:pPr>
+              <a:buFont typeface="Wingdings" panose="05000000000000000000" pitchFamily="2" charset="2"/>
+              <a:buChar char="ü"/>
+            </a:pPr>
+            <a:r>
+              <a:rPr lang="pt-BR" dirty="0"/>
+              <a:t>Conjunto de práticas que serve de guia a um grupo para trabalhar de maneira produtiva;</a:t>
+            </a:r>
+          </a:p>
+          <a:p>
+            <a:pPr>
+              <a:buFont typeface="Wingdings" panose="05000000000000000000" pitchFamily="2" charset="2"/>
+              <a:buChar char="ü"/>
+            </a:pPr>
+            <a:r>
+              <a:rPr lang="pt-BR" dirty="0"/>
+              <a:t>Compreende métodos e ferramentas que organizam as tarefas, identificam sua sequência e dependências;</a:t>
+            </a:r>
+          </a:p>
+          <a:p>
+            <a:pPr>
+              <a:buFont typeface="Wingdings" panose="05000000000000000000" pitchFamily="2" charset="2"/>
+              <a:buChar char="ü"/>
+            </a:pPr>
+            <a:r>
+              <a:rPr lang="pt-BR" dirty="0"/>
+              <a:t>Apoia a alocação de recursos e tempo, além de permitir o rastreamento da execução das atividades e medição do progresso relativo ao que foi definido no plano de projeto.</a:t>
+            </a:r>
+            <a:br>
+              <a:rPr lang="pt-BR" dirty="0"/>
+            </a:br>
+            <a:endParaRPr lang="pt-BR" dirty="0"/>
+          </a:p>
+        </p:txBody>
+      </p:sp>
+    </p:spTree>
+    <p:extLst>
+      <p:ext uri="{BB962C8B-B14F-4D97-AF65-F5344CB8AC3E}">
+        <p14:creationId xmlns:p14="http://schemas.microsoft.com/office/powerpoint/2010/main" val="1619631794"/>
+      </p:ext>
+    </p:extLst>
+  </p:cSld>
+  <p:clrMapOvr>
+    <a:masterClrMapping/>
+  </p:clrMapOvr>
+</p:sld>
+</file>
+
+<file path=ppt/slides/slide40.xml><?xml version="1.0" encoding="utf-8"?>
+<p:sld xmlns:a="http://schemas.openxmlformats.org/drawingml/2006/main" xmlns:r="http://schemas.openxmlformats.org/officeDocument/2006/relationships" xmlns:p="http://schemas.openxmlformats.org/presentationml/2006/main">
+  <p:cSld>
+    <p:spTree>
+      <p:nvGrpSpPr>
+        <p:cNvPr id="1" name=""/>
+        <p:cNvGrpSpPr/>
+        <p:nvPr/>
+      </p:nvGrpSpPr>
+      <p:grpSpPr>
+        <a:xfrm>
+          <a:off x="0" y="0"/>
+          <a:ext cx="0" cy="0"/>
+          <a:chOff x="0" y="0"/>
+          <a:chExt cx="0" cy="0"/>
+        </a:xfrm>
+      </p:grpSpPr>
+      <p:sp>
+        <p:nvSpPr>
+          <p:cNvPr id="2" name="Título 1"/>
+          <p:cNvSpPr>
+            <a:spLocks noGrp="1"/>
+          </p:cNvSpPr>
+          <p:nvPr>
+            <p:ph type="title"/>
+          </p:nvPr>
+        </p:nvSpPr>
+        <p:spPr/>
+        <p:txBody>
+          <a:bodyPr/>
+          <a:lstStyle/>
+          <a:p>
+            <a:r>
+              <a:rPr lang="pt-BR" dirty="0"/>
+              <a:t>Sprint</a:t>
+            </a:r>
+          </a:p>
+        </p:txBody>
+      </p:sp>
+      <p:sp>
+        <p:nvSpPr>
+          <p:cNvPr id="3" name="Espaço Reservado para Conteúdo 2"/>
+          <p:cNvSpPr>
+            <a:spLocks noGrp="1"/>
+          </p:cNvSpPr>
+          <p:nvPr>
+            <p:ph idx="1"/>
+          </p:nvPr>
+        </p:nvSpPr>
+        <p:spPr/>
+        <p:txBody>
+          <a:bodyPr/>
+          <a:lstStyle/>
+          <a:p>
+            <a:pPr>
+              <a:buFont typeface="Wingdings" panose="05000000000000000000" pitchFamily="2" charset="2"/>
+              <a:buChar char="ü"/>
+            </a:pPr>
+            <a:r>
+              <a:rPr lang="pt-BR" dirty="0"/>
+              <a:t>Coração do Scrum, ou seja, contém todos os elementos do Scrum;</a:t>
+            </a:r>
+          </a:p>
+          <a:p>
+            <a:pPr>
+              <a:buFont typeface="Wingdings" panose="05000000000000000000" pitchFamily="2" charset="2"/>
+              <a:buChar char="ü"/>
+            </a:pPr>
+            <a:r>
+              <a:rPr lang="pt-BR" dirty="0"/>
+              <a:t>O objetivo é ter uma interação curta o suficiente para manter o time focado, mas tempo suficiente para entregar um incremento significativo do trabalho;</a:t>
+            </a:r>
+          </a:p>
+          <a:p>
+            <a:pPr lvl="2">
+              <a:buFont typeface="Wingdings" panose="05000000000000000000" pitchFamily="2" charset="2"/>
+              <a:buChar char="ü"/>
+            </a:pPr>
+            <a:r>
+              <a:rPr lang="pt-BR" dirty="0"/>
+              <a:t>Duração de máxima de um mês, e hoje comumente usada pelos times entre uma ou duas semanas</a:t>
+            </a:r>
+          </a:p>
+          <a:p>
+            <a:pPr>
+              <a:buFont typeface="Wingdings" panose="05000000000000000000" pitchFamily="2" charset="2"/>
+              <a:buChar char="ü"/>
+            </a:pPr>
+            <a:r>
+              <a:rPr lang="pt-BR" dirty="0"/>
+              <a:t>Cancelamento só pode ser feito pelo Product Owner.</a:t>
+            </a:r>
+          </a:p>
+        </p:txBody>
+      </p:sp>
+    </p:spTree>
+    <p:extLst>
+      <p:ext uri="{BB962C8B-B14F-4D97-AF65-F5344CB8AC3E}">
+        <p14:creationId xmlns:p14="http://schemas.microsoft.com/office/powerpoint/2010/main" val="2561348211"/>
+      </p:ext>
+    </p:extLst>
+  </p:cSld>
+  <p:clrMapOvr>
+    <a:masterClrMapping/>
+  </p:clrMapOvr>
+</p:sld>
+</file>
+
+<file path=ppt/slides/slide41.xml><?xml version="1.0" encoding="utf-8"?>
+<p:sld xmlns:a="http://schemas.openxmlformats.org/drawingml/2006/main" xmlns:r="http://schemas.openxmlformats.org/officeDocument/2006/relationships" xmlns:p="http://schemas.openxmlformats.org/presentationml/2006/main">
+  <p:cSld>
+    <p:spTree>
+      <p:nvGrpSpPr>
+        <p:cNvPr id="1" name=""/>
+        <p:cNvGrpSpPr/>
+        <p:nvPr/>
+      </p:nvGrpSpPr>
+      <p:grpSpPr>
+        <a:xfrm>
+          <a:off x="0" y="0"/>
+          <a:ext cx="0" cy="0"/>
+          <a:chOff x="0" y="0"/>
+          <a:chExt cx="0" cy="0"/>
+        </a:xfrm>
+      </p:grpSpPr>
+      <p:sp>
+        <p:nvSpPr>
+          <p:cNvPr id="2" name="Título 1"/>
+          <p:cNvSpPr>
+            <a:spLocks noGrp="1"/>
+          </p:cNvSpPr>
+          <p:nvPr>
+            <p:ph type="title"/>
+          </p:nvPr>
+        </p:nvSpPr>
+        <p:spPr>
+          <a:xfrm>
+            <a:off x="492919" y="499533"/>
+            <a:ext cx="8079581" cy="913243"/>
+          </a:xfrm>
+        </p:spPr>
+        <p:txBody>
+          <a:bodyPr/>
+          <a:lstStyle/>
+          <a:p>
+            <a:r>
+              <a:rPr lang="pt-BR" dirty="0"/>
+              <a:t>Reunião de Planejamento</a:t>
+            </a:r>
+          </a:p>
+        </p:txBody>
+      </p:sp>
+      <p:sp>
+        <p:nvSpPr>
+          <p:cNvPr id="3" name="Espaço Reservado para Conteúdo 2"/>
+          <p:cNvSpPr>
+            <a:spLocks noGrp="1"/>
+          </p:cNvSpPr>
+          <p:nvPr>
+            <p:ph idx="1"/>
+          </p:nvPr>
+        </p:nvSpPr>
+        <p:spPr>
+          <a:xfrm>
+            <a:off x="507206" y="1556792"/>
+            <a:ext cx="8065294" cy="4824536"/>
+          </a:xfrm>
+        </p:spPr>
+        <p:txBody>
+          <a:bodyPr>
+            <a:normAutofit fontScale="92500" lnSpcReduction="10000"/>
+          </a:bodyPr>
+          <a:lstStyle/>
+          <a:p>
+            <a:pPr>
+              <a:buFont typeface="Wingdings" panose="05000000000000000000" pitchFamily="2" charset="2"/>
+              <a:buChar char="ü"/>
+            </a:pPr>
+            <a:r>
+              <a:rPr lang="pt-BR" dirty="0"/>
+              <a:t>Reunião na qual estão presentes o Time Scrum e Stakeholders convidados;</a:t>
+            </a:r>
+          </a:p>
+          <a:p>
+            <a:pPr>
+              <a:buFont typeface="Wingdings" panose="05000000000000000000" pitchFamily="2" charset="2"/>
+              <a:buChar char="ü"/>
+            </a:pPr>
+            <a:r>
+              <a:rPr lang="pt-BR" dirty="0"/>
+              <a:t>Duração de acordo com o tamanho da Sprint;</a:t>
+            </a:r>
+          </a:p>
+          <a:p>
+            <a:pPr lvl="2">
+              <a:buFont typeface="Wingdings" panose="05000000000000000000" pitchFamily="2" charset="2"/>
+              <a:buChar char="ü"/>
+            </a:pPr>
+            <a:r>
+              <a:rPr lang="pt-BR" dirty="0"/>
+              <a:t>Time-box com no máximo 8 horas para uma Sprint de um mês</a:t>
+            </a:r>
+          </a:p>
+          <a:p>
+            <a:pPr>
+              <a:buFont typeface="Wingdings" panose="05000000000000000000" pitchFamily="2" charset="2"/>
+              <a:buChar char="ü"/>
+            </a:pPr>
+            <a:r>
+              <a:rPr lang="pt-BR" dirty="0"/>
+              <a:t>O Scrum Master garante que o evento ocorra e que os participantes entendam seu propósito;</a:t>
+            </a:r>
+          </a:p>
+          <a:p>
+            <a:pPr>
+              <a:buFont typeface="Wingdings" panose="05000000000000000000" pitchFamily="2" charset="2"/>
+              <a:buChar char="ü"/>
+            </a:pPr>
+            <a:r>
+              <a:rPr lang="pt-BR" dirty="0"/>
+              <a:t>Normalmente dividida em 2 partes:</a:t>
+            </a:r>
+          </a:p>
+          <a:p>
+            <a:pPr lvl="2">
+              <a:buFont typeface="Wingdings" panose="05000000000000000000" pitchFamily="2" charset="2"/>
+              <a:buChar char="ü"/>
+            </a:pPr>
+            <a:r>
+              <a:rPr lang="pt-BR" dirty="0"/>
+              <a:t>1ª parte: O Product Owner apresenta o Backlog do Produto, descreve o que ele deseja ver construído e esclarece dúvidas. Ao final o time seleciona os itens do Backlog do Produto e define o Sprint Goal (Objetivo) juntamente com o Product Owner</a:t>
+            </a:r>
+          </a:p>
+          <a:p>
+            <a:pPr lvl="2">
+              <a:buFont typeface="Wingdings" panose="05000000000000000000" pitchFamily="2" charset="2"/>
+              <a:buChar char="ü"/>
+            </a:pPr>
+            <a:r>
+              <a:rPr lang="pt-BR" dirty="0"/>
+              <a:t>2ª parte: O Time de Desenvolvimento decide como irá construir essas funcionalidades durante a Sprint e transformá-las em um incremento de produto “Pronto”. Os itens de Backlog do Produto selecionados para a Sprint, junto com o plano de entrega destes itens é chamado de Backlog da Sprint</a:t>
+            </a:r>
+          </a:p>
+        </p:txBody>
+      </p:sp>
+    </p:spTree>
+    <p:extLst>
+      <p:ext uri="{BB962C8B-B14F-4D97-AF65-F5344CB8AC3E}">
+        <p14:creationId xmlns:p14="http://schemas.microsoft.com/office/powerpoint/2010/main" val="1897746889"/>
+      </p:ext>
+    </p:extLst>
+  </p:cSld>
+  <p:clrMapOvr>
+    <a:masterClrMapping/>
+  </p:clrMapOvr>
+</p:sld>
+</file>
+
+<file path=ppt/slides/slide42.xml><?xml version="1.0" encoding="utf-8"?>
+<p:sld xmlns:a="http://schemas.openxmlformats.org/drawingml/2006/main" xmlns:r="http://schemas.openxmlformats.org/officeDocument/2006/relationships" xmlns:p="http://schemas.openxmlformats.org/presentationml/2006/main">
+  <p:cSld>
+    <p:spTree>
+      <p:nvGrpSpPr>
+        <p:cNvPr id="1" name=""/>
+        <p:cNvGrpSpPr/>
+        <p:nvPr/>
+      </p:nvGrpSpPr>
+      <p:grpSpPr>
+        <a:xfrm>
+          <a:off x="0" y="0"/>
+          <a:ext cx="0" cy="0"/>
+          <a:chOff x="0" y="0"/>
+          <a:chExt cx="0" cy="0"/>
+        </a:xfrm>
+      </p:grpSpPr>
+      <p:sp>
+        <p:nvSpPr>
+          <p:cNvPr id="2" name="Título 1"/>
+          <p:cNvSpPr>
+            <a:spLocks noGrp="1"/>
+          </p:cNvSpPr>
+          <p:nvPr>
+            <p:ph type="title"/>
+          </p:nvPr>
+        </p:nvSpPr>
+        <p:spPr>
+          <a:xfrm>
+            <a:off x="492919" y="499533"/>
+            <a:ext cx="8079581" cy="1057259"/>
+          </a:xfrm>
+        </p:spPr>
+        <p:txBody>
+          <a:bodyPr/>
+          <a:lstStyle/>
+          <a:p>
+            <a:r>
+              <a:rPr lang="pt-BR" dirty="0"/>
+              <a:t>Reunião Diária</a:t>
+            </a:r>
+          </a:p>
+        </p:txBody>
+      </p:sp>
+      <p:sp>
+        <p:nvSpPr>
+          <p:cNvPr id="3" name="Espaço Reservado para Conteúdo 2"/>
+          <p:cNvSpPr>
+            <a:spLocks noGrp="1"/>
+          </p:cNvSpPr>
+          <p:nvPr>
+            <p:ph idx="1"/>
+          </p:nvPr>
+        </p:nvSpPr>
+        <p:spPr>
+          <a:xfrm>
+            <a:off x="507206" y="1556792"/>
+            <a:ext cx="8065294" cy="4896545"/>
+          </a:xfrm>
+        </p:spPr>
+        <p:txBody>
+          <a:bodyPr>
+            <a:normAutofit/>
+          </a:bodyPr>
+          <a:lstStyle/>
+          <a:p>
+            <a:pPr>
+              <a:buFont typeface="Wingdings" panose="05000000000000000000" pitchFamily="2" charset="2"/>
+              <a:buChar char="ü"/>
+            </a:pPr>
+            <a:r>
+              <a:rPr lang="pt-BR" dirty="0"/>
+              <a:t>Chamada também de “Daily Scrum” é composta pelo Scrum Master e o Time de Desenvolvimento;</a:t>
+            </a:r>
+          </a:p>
+          <a:p>
+            <a:pPr>
+              <a:buFont typeface="Wingdings" panose="05000000000000000000" pitchFamily="2" charset="2"/>
+              <a:buChar char="ü"/>
+            </a:pPr>
+            <a:r>
+              <a:rPr lang="pt-BR" dirty="0"/>
+              <a:t>São realizadas sempre no mesmo lugar e na mesma hora definida, com duração máxima de 15 minutos;</a:t>
+            </a:r>
+          </a:p>
+          <a:p>
+            <a:pPr>
+              <a:buFont typeface="Wingdings" panose="05000000000000000000" pitchFamily="2" charset="2"/>
+              <a:buChar char="ü"/>
+            </a:pPr>
+            <a:r>
+              <a:rPr lang="pt-BR" dirty="0"/>
+              <a:t>Cada integrante do time deverá responder três perguntas:</a:t>
+            </a:r>
+          </a:p>
+          <a:p>
+            <a:pPr lvl="2">
+              <a:buFont typeface="Wingdings" panose="05000000000000000000" pitchFamily="2" charset="2"/>
+              <a:buChar char="ü"/>
+            </a:pPr>
+            <a:r>
+              <a:rPr lang="pt-BR" dirty="0"/>
+              <a:t>O que eu fiz ontem que ajudou o Time de Desenvolvimento a atender a meta da Sprint?</a:t>
+            </a:r>
+          </a:p>
+          <a:p>
+            <a:pPr lvl="2">
+              <a:buFont typeface="Wingdings" panose="05000000000000000000" pitchFamily="2" charset="2"/>
+              <a:buChar char="ü"/>
+            </a:pPr>
+            <a:r>
+              <a:rPr lang="pt-BR" dirty="0"/>
+              <a:t>O que eu farei hoje para ajudar o Time de Desenvolvimento atender a meta da Sprint?</a:t>
+            </a:r>
+          </a:p>
+          <a:p>
+            <a:pPr lvl="2">
+              <a:buFont typeface="Wingdings" panose="05000000000000000000" pitchFamily="2" charset="2"/>
+              <a:buChar char="ü"/>
+            </a:pPr>
+            <a:r>
+              <a:rPr lang="pt-BR" dirty="0"/>
+              <a:t>Eu vejo algum obstáculo que impeça a mim ou o Time de Desenvolvimento no atendimento da meta da Sprint?</a:t>
+            </a:r>
+          </a:p>
+          <a:p>
+            <a:pPr>
+              <a:buFont typeface="Wingdings" panose="05000000000000000000" pitchFamily="2" charset="2"/>
+              <a:buChar char="ü"/>
+            </a:pPr>
+            <a:r>
+              <a:rPr lang="pt-BR" dirty="0"/>
+              <a:t>Os impedimentos identificados no Daily Scrum devem ser tratados pelo Scrum Master o mais rapidamente possível.</a:t>
+            </a:r>
+          </a:p>
+        </p:txBody>
+      </p:sp>
+    </p:spTree>
+    <p:extLst>
+      <p:ext uri="{BB962C8B-B14F-4D97-AF65-F5344CB8AC3E}">
+        <p14:creationId xmlns:p14="http://schemas.microsoft.com/office/powerpoint/2010/main" val="1842161956"/>
+      </p:ext>
+    </p:extLst>
+  </p:cSld>
+  <p:clrMapOvr>
+    <a:masterClrMapping/>
+  </p:clrMapOvr>
+</p:sld>
+</file>
+
+<file path=ppt/slides/slide43.xml><?xml version="1.0" encoding="utf-8"?>
+<p:sld xmlns:a="http://schemas.openxmlformats.org/drawingml/2006/main" xmlns:r="http://schemas.openxmlformats.org/officeDocument/2006/relationships" xmlns:p="http://schemas.openxmlformats.org/presentationml/2006/main">
+  <p:cSld>
+    <p:spTree>
+      <p:nvGrpSpPr>
+        <p:cNvPr id="1" name=""/>
+        <p:cNvGrpSpPr/>
+        <p:nvPr/>
+      </p:nvGrpSpPr>
+      <p:grpSpPr>
+        <a:xfrm>
+          <a:off x="0" y="0"/>
+          <a:ext cx="0" cy="0"/>
+          <a:chOff x="0" y="0"/>
+          <a:chExt cx="0" cy="0"/>
+        </a:xfrm>
+      </p:grpSpPr>
+      <p:sp>
+        <p:nvSpPr>
+          <p:cNvPr id="2" name="Título 1"/>
+          <p:cNvSpPr>
+            <a:spLocks noGrp="1"/>
+          </p:cNvSpPr>
+          <p:nvPr>
+            <p:ph type="title"/>
+          </p:nvPr>
+        </p:nvSpPr>
+        <p:spPr/>
+        <p:txBody>
+          <a:bodyPr/>
+          <a:lstStyle/>
+          <a:p>
+            <a:r>
+              <a:rPr lang="pt-BR" dirty="0"/>
+              <a:t>Reunião de Revisão</a:t>
+            </a:r>
+          </a:p>
+        </p:txBody>
+      </p:sp>
+      <p:sp>
+        <p:nvSpPr>
+          <p:cNvPr id="3" name="Espaço Reservado para Conteúdo 2"/>
+          <p:cNvSpPr>
+            <a:spLocks noGrp="1"/>
+          </p:cNvSpPr>
+          <p:nvPr>
+            <p:ph idx="1"/>
+          </p:nvPr>
+        </p:nvSpPr>
+        <p:spPr>
+          <a:xfrm>
+            <a:off x="507206" y="1993393"/>
+            <a:ext cx="8065294" cy="4315927"/>
+          </a:xfrm>
+        </p:spPr>
+        <p:txBody>
+          <a:bodyPr>
+            <a:normAutofit/>
+          </a:bodyPr>
+          <a:lstStyle/>
+          <a:p>
+            <a:pPr>
+              <a:buFont typeface="Wingdings" panose="05000000000000000000" pitchFamily="2" charset="2"/>
+              <a:buChar char="ü"/>
+            </a:pPr>
+            <a:r>
+              <a:rPr lang="pt-BR" dirty="0"/>
+              <a:t>É uma reunião informal composta pelo Time Scrum e Stakeholders convidados;</a:t>
+            </a:r>
+          </a:p>
+          <a:p>
+            <a:pPr>
+              <a:buFont typeface="Wingdings" panose="05000000000000000000" pitchFamily="2" charset="2"/>
+              <a:buChar char="ü"/>
+            </a:pPr>
+            <a:r>
+              <a:rPr lang="pt-BR" dirty="0"/>
+              <a:t>Realizada no final da Sprint com duração de acordo com o tamanho da Sprint;</a:t>
+            </a:r>
+          </a:p>
+          <a:p>
+            <a:pPr lvl="2">
+              <a:buFont typeface="Wingdings" panose="05000000000000000000" pitchFamily="2" charset="2"/>
+              <a:buChar char="ü"/>
+            </a:pPr>
+            <a:r>
+              <a:rPr lang="pt-BR" dirty="0"/>
+              <a:t>Time-box com no máximo 4 horas para uma Sprint de um mês</a:t>
+            </a:r>
+          </a:p>
+          <a:p>
+            <a:pPr>
+              <a:buFont typeface="Wingdings" panose="05000000000000000000" pitchFamily="2" charset="2"/>
+              <a:buChar char="ü"/>
+            </a:pPr>
+            <a:r>
+              <a:rPr lang="pt-BR" dirty="0"/>
+              <a:t> Tem como objetivo inspecionar o incremento e adaptar o Backlog do Produto se necessário;</a:t>
+            </a:r>
+          </a:p>
+          <a:p>
+            <a:pPr>
+              <a:buFont typeface="Wingdings" panose="05000000000000000000" pitchFamily="2" charset="2"/>
+              <a:buChar char="ü"/>
+            </a:pPr>
+            <a:r>
+              <a:rPr lang="pt-BR" dirty="0"/>
+              <a:t>Durante essa reunião o Time de Desenvolvimento mostra quais itens do Backlog do Produto que eles concluíram durante a Sprint. Isso pode ocorrer sob a forma uma demo das novas funcionalidades.</a:t>
+            </a:r>
+          </a:p>
+        </p:txBody>
+      </p:sp>
+    </p:spTree>
+    <p:extLst>
+      <p:ext uri="{BB962C8B-B14F-4D97-AF65-F5344CB8AC3E}">
+        <p14:creationId xmlns:p14="http://schemas.microsoft.com/office/powerpoint/2010/main" val="3480910473"/>
+      </p:ext>
+    </p:extLst>
+  </p:cSld>
+  <p:clrMapOvr>
+    <a:masterClrMapping/>
+  </p:clrMapOvr>
+</p:sld>
+</file>
+
+<file path=ppt/slides/slide44.xml><?xml version="1.0" encoding="utf-8"?>
+<p:sld xmlns:a="http://schemas.openxmlformats.org/drawingml/2006/main" xmlns:r="http://schemas.openxmlformats.org/officeDocument/2006/relationships" xmlns:p="http://schemas.openxmlformats.org/presentationml/2006/main">
+  <p:cSld>
+    <p:spTree>
+      <p:nvGrpSpPr>
+        <p:cNvPr id="1" name=""/>
+        <p:cNvGrpSpPr/>
+        <p:nvPr/>
+      </p:nvGrpSpPr>
+      <p:grpSpPr>
+        <a:xfrm>
+          <a:off x="0" y="0"/>
+          <a:ext cx="0" cy="0"/>
+          <a:chOff x="0" y="0"/>
+          <a:chExt cx="0" cy="0"/>
+        </a:xfrm>
+      </p:grpSpPr>
+      <p:sp>
+        <p:nvSpPr>
+          <p:cNvPr id="2" name="Título 1"/>
+          <p:cNvSpPr>
+            <a:spLocks noGrp="1"/>
+          </p:cNvSpPr>
+          <p:nvPr>
+            <p:ph type="title"/>
+          </p:nvPr>
+        </p:nvSpPr>
+        <p:spPr/>
+        <p:txBody>
+          <a:bodyPr/>
+          <a:lstStyle/>
+          <a:p>
+            <a:r>
+              <a:rPr lang="pt-BR" dirty="0"/>
+              <a:t>Reunião de Retrospectiva</a:t>
+            </a:r>
+          </a:p>
+        </p:txBody>
+      </p:sp>
+      <p:sp>
+        <p:nvSpPr>
+          <p:cNvPr id="3" name="Espaço Reservado para Conteúdo 2"/>
+          <p:cNvSpPr>
+            <a:spLocks noGrp="1"/>
+          </p:cNvSpPr>
+          <p:nvPr>
+            <p:ph idx="1"/>
+          </p:nvPr>
+        </p:nvSpPr>
+        <p:spPr/>
+        <p:txBody>
+          <a:bodyPr/>
+          <a:lstStyle/>
+          <a:p>
+            <a:pPr>
+              <a:buFont typeface="Wingdings" panose="05000000000000000000" pitchFamily="2" charset="2"/>
+              <a:buChar char="ü"/>
+            </a:pPr>
+            <a:r>
+              <a:rPr lang="pt-BR" dirty="0"/>
+              <a:t>Composta apenas pelo Time Scrum deve ser time-boxed (por exemplo, 3 horas);</a:t>
+            </a:r>
+          </a:p>
+          <a:p>
+            <a:pPr lvl="2">
+              <a:buFont typeface="Wingdings" panose="05000000000000000000" pitchFamily="2" charset="2"/>
+              <a:buChar char="ü"/>
+            </a:pPr>
+            <a:r>
+              <a:rPr lang="pt-BR" dirty="0"/>
+              <a:t>Realizada após a reunião de revisão.</a:t>
+            </a:r>
+          </a:p>
+          <a:p>
+            <a:pPr>
+              <a:buFont typeface="Wingdings" panose="05000000000000000000" pitchFamily="2" charset="2"/>
+              <a:buChar char="ü"/>
+            </a:pPr>
+            <a:r>
+              <a:rPr lang="pt-BR" dirty="0"/>
+              <a:t>É uma oportunidade para o Time Scrum inspecionar a si próprio e criar um plano para melhorias a serem aplicadas na próxima Sprint;</a:t>
+            </a:r>
+          </a:p>
+          <a:p>
+            <a:pPr lvl="2">
+              <a:buFont typeface="Wingdings" panose="05000000000000000000" pitchFamily="2" charset="2"/>
+              <a:buChar char="ü"/>
+            </a:pPr>
+            <a:r>
+              <a:rPr lang="pt-BR" dirty="0"/>
+              <a:t>O que ocorreu bem durante a Sprint, o que não e que melhorias poderiam ser feitas na próxima Sprint</a:t>
+            </a:r>
+          </a:p>
+          <a:p>
+            <a:pPr>
+              <a:buFont typeface="Wingdings" panose="05000000000000000000" pitchFamily="2" charset="2"/>
+              <a:buChar char="ü"/>
+            </a:pPr>
+            <a:endParaRPr lang="pt-BR" dirty="0"/>
+          </a:p>
+        </p:txBody>
+      </p:sp>
+    </p:spTree>
+    <p:extLst>
+      <p:ext uri="{BB962C8B-B14F-4D97-AF65-F5344CB8AC3E}">
+        <p14:creationId xmlns:p14="http://schemas.microsoft.com/office/powerpoint/2010/main" val="3127285857"/>
+      </p:ext>
+    </p:extLst>
+  </p:cSld>
+  <p:clrMapOvr>
+    <a:masterClrMapping/>
+  </p:clrMapOvr>
+</p:sld>
+</file>
+
+<file path=ppt/slides/slide45.xml><?xml version="1.0" encoding="utf-8"?>
+<p:sld xmlns:a="http://schemas.openxmlformats.org/drawingml/2006/main" xmlns:r="http://schemas.openxmlformats.org/officeDocument/2006/relationships" xmlns:p="http://schemas.openxmlformats.org/presentationml/2006/main">
+  <p:cSld>
+    <p:spTree>
+      <p:nvGrpSpPr>
+        <p:cNvPr id="1" name=""/>
+        <p:cNvGrpSpPr/>
+        <p:nvPr/>
+      </p:nvGrpSpPr>
+      <p:grpSpPr>
+        <a:xfrm>
+          <a:off x="0" y="0"/>
+          <a:ext cx="0" cy="0"/>
+          <a:chOff x="0" y="0"/>
+          <a:chExt cx="0" cy="0"/>
+        </a:xfrm>
+      </p:grpSpPr>
+      <p:sp>
+        <p:nvSpPr>
+          <p:cNvPr id="2" name="Título 1"/>
+          <p:cNvSpPr>
+            <a:spLocks noGrp="1"/>
+          </p:cNvSpPr>
+          <p:nvPr>
+            <p:ph type="title"/>
+          </p:nvPr>
+        </p:nvSpPr>
+        <p:spPr/>
+        <p:txBody>
+          <a:bodyPr/>
+          <a:lstStyle/>
+          <a:p>
+            <a:r>
+              <a:rPr lang="pt-BR" dirty="0"/>
+              <a:t>Artefatos Scrum</a:t>
+            </a:r>
+          </a:p>
+        </p:txBody>
+      </p:sp>
+      <p:sp>
+        <p:nvSpPr>
+          <p:cNvPr id="3" name="Espaço Reservado para Conteúdo 2"/>
+          <p:cNvSpPr>
+            <a:spLocks noGrp="1"/>
+          </p:cNvSpPr>
+          <p:nvPr>
+            <p:ph idx="1"/>
+          </p:nvPr>
+        </p:nvSpPr>
+        <p:spPr/>
+        <p:txBody>
+          <a:bodyPr/>
+          <a:lstStyle/>
+          <a:p>
+            <a:pPr>
+              <a:buFont typeface="Wingdings" panose="05000000000000000000" pitchFamily="2" charset="2"/>
+              <a:buChar char="ü"/>
+            </a:pPr>
+            <a:r>
+              <a:rPr lang="pt-BR" dirty="0"/>
+              <a:t>Representam o trabalho ou o valor para o fornecimento de transparência e oportunidades para inspeção e adaptação;</a:t>
+            </a:r>
+          </a:p>
+          <a:p>
+            <a:pPr>
+              <a:buFont typeface="Wingdings" panose="05000000000000000000" pitchFamily="2" charset="2"/>
+              <a:buChar char="ü"/>
+            </a:pPr>
+            <a:r>
+              <a:rPr lang="pt-BR" dirty="0"/>
+              <a:t>São artefatos: Backlog do Produto, Backlog da Sprint e Incremento.</a:t>
+            </a:r>
+          </a:p>
+        </p:txBody>
+      </p:sp>
+    </p:spTree>
+    <p:extLst>
+      <p:ext uri="{BB962C8B-B14F-4D97-AF65-F5344CB8AC3E}">
+        <p14:creationId xmlns:p14="http://schemas.microsoft.com/office/powerpoint/2010/main" val="3023515660"/>
+      </p:ext>
+    </p:extLst>
+  </p:cSld>
+  <p:clrMapOvr>
+    <a:masterClrMapping/>
+  </p:clrMapOvr>
+</p:sld>
+</file>
+
+<file path=ppt/slides/slide46.xml><?xml version="1.0" encoding="utf-8"?>
+<p:sld xmlns:a="http://schemas.openxmlformats.org/drawingml/2006/main" xmlns:r="http://schemas.openxmlformats.org/officeDocument/2006/relationships" xmlns:p="http://schemas.openxmlformats.org/presentationml/2006/main">
+  <p:cSld>
+    <p:spTree>
+      <p:nvGrpSpPr>
+        <p:cNvPr id="1" name=""/>
+        <p:cNvGrpSpPr/>
+        <p:nvPr/>
+      </p:nvGrpSpPr>
+      <p:grpSpPr>
+        <a:xfrm>
+          <a:off x="0" y="0"/>
+          <a:ext cx="0" cy="0"/>
+          <a:chOff x="0" y="0"/>
+          <a:chExt cx="0" cy="0"/>
+        </a:xfrm>
+      </p:grpSpPr>
+      <p:sp>
+        <p:nvSpPr>
+          <p:cNvPr id="2" name="Título 1"/>
+          <p:cNvSpPr>
+            <a:spLocks noGrp="1"/>
+          </p:cNvSpPr>
+          <p:nvPr>
+            <p:ph type="title"/>
+          </p:nvPr>
+        </p:nvSpPr>
         <p:spPr>
           <a:xfrm>
             <a:off x="492919" y="499533"/>
@@ -7424,7 +9332,7 @@
 </p:sld>
 </file>
 
-<file path=ppt/slides/slide34.xml><?xml version="1.0" encoding="utf-8"?>
+<file path=ppt/slides/slide47.xml><?xml version="1.0" encoding="utf-8"?>
 <p:sld xmlns:a="http://schemas.openxmlformats.org/drawingml/2006/main" xmlns:r="http://schemas.openxmlformats.org/officeDocument/2006/relationships" xmlns:p="http://schemas.openxmlformats.org/presentationml/2006/main">
   <p:cSld>
     <p:spTree>
@@ -7590,7 +9498,7 @@
 </p:sld>
 </file>
 
-<file path=ppt/slides/slide35.xml><?xml version="1.0" encoding="utf-8"?>
+<file path=ppt/slides/slide48.xml><?xml version="1.0" encoding="utf-8"?>
 <p:sld xmlns:a="http://schemas.openxmlformats.org/drawingml/2006/main" xmlns:r="http://schemas.openxmlformats.org/officeDocument/2006/relationships" xmlns:p="http://schemas.openxmlformats.org/presentationml/2006/main">
   <p:cSld>
     <p:spTree>
@@ -7688,7 +9596,7 @@
 </p:sld>
 </file>
 
-<file path=ppt/slides/slide36.xml><?xml version="1.0" encoding="utf-8"?>
+<file path=ppt/slides/slide49.xml><?xml version="1.0" encoding="utf-8"?>
 <p:sld xmlns:a="http://schemas.openxmlformats.org/drawingml/2006/main" xmlns:r="http://schemas.openxmlformats.org/officeDocument/2006/relationships" xmlns:p="http://schemas.openxmlformats.org/presentationml/2006/main">
   <p:cSld>
     <p:spTree>
@@ -7790,7 +9698,7 @@
 </p:sld>
 </file>
 
-<file path=ppt/slides/slide37.xml><?xml version="1.0" encoding="utf-8"?>
+<file path=ppt/slides/slide5.xml><?xml version="1.0" encoding="utf-8"?>
 <p:sld xmlns:a="http://schemas.openxmlformats.org/drawingml/2006/main" xmlns:r="http://schemas.openxmlformats.org/officeDocument/2006/relationships" xmlns:p="http://schemas.openxmlformats.org/presentationml/2006/main">
   <p:cSld>
     <p:spTree>
@@ -7824,6 +9732,121 @@
           <a:p>
             <a:r>
               <a:rPr lang="pt-BR" dirty="0"/>
+              <a:t>Padrões Tradicionais de Gerenciamento</a:t>
+            </a:r>
+          </a:p>
+        </p:txBody>
+      </p:sp>
+      <p:sp>
+        <p:nvSpPr>
+          <p:cNvPr id="3" name="Espaço Reservado para Conteúdo 2"/>
+          <p:cNvSpPr>
+            <a:spLocks noGrp="1"/>
+          </p:cNvSpPr>
+          <p:nvPr>
+            <p:ph idx="1"/>
+          </p:nvPr>
+        </p:nvSpPr>
+        <p:spPr>
+          <a:xfrm>
+            <a:off x="507206" y="2157731"/>
+            <a:ext cx="8065294" cy="4079581"/>
+          </a:xfrm>
+        </p:spPr>
+        <p:txBody>
+          <a:bodyPr>
+            <a:normAutofit/>
+          </a:bodyPr>
+          <a:lstStyle/>
+          <a:p>
+            <a:pPr>
+              <a:buFont typeface="Wingdings" panose="05000000000000000000" pitchFamily="2" charset="2"/>
+              <a:buChar char="ü"/>
+            </a:pPr>
+            <a:r>
+              <a:rPr lang="pt-BR" dirty="0"/>
+              <a:t>O método mais utilizado no desenvolvimento de software;</a:t>
+            </a:r>
+          </a:p>
+          <a:p>
+            <a:pPr>
+              <a:buFont typeface="Wingdings" panose="05000000000000000000" pitchFamily="2" charset="2"/>
+              <a:buChar char="ü"/>
+            </a:pPr>
+            <a:r>
+              <a:rPr lang="pt-BR" dirty="0"/>
+              <a:t>Desenvolvimento em cascata;</a:t>
+            </a:r>
+          </a:p>
+          <a:p>
+            <a:pPr lvl="2">
+              <a:buFont typeface="Wingdings" panose="05000000000000000000" pitchFamily="2" charset="2"/>
+              <a:buChar char="ü"/>
+            </a:pPr>
+            <a:r>
+              <a:rPr lang="pt-BR" dirty="0"/>
+              <a:t>O software é construído seguindo uma sequência de fases, sendo que cada fase, com exceção da primeira, depende da conclusão da fase anterior </a:t>
+            </a:r>
+          </a:p>
+          <a:p>
+            <a:pPr>
+              <a:buFont typeface="Wingdings" panose="05000000000000000000" pitchFamily="2" charset="2"/>
+              <a:buChar char="ü"/>
+            </a:pPr>
+            <a:r>
+              <a:rPr lang="pt-BR" dirty="0"/>
+              <a:t>A partir das informações históricas e da repetição obtém-se a melhoria da capacidade do processo através da padronização, medição e controle.</a:t>
+            </a:r>
+          </a:p>
+        </p:txBody>
+      </p:sp>
+    </p:spTree>
+    <p:extLst>
+      <p:ext uri="{BB962C8B-B14F-4D97-AF65-F5344CB8AC3E}">
+        <p14:creationId xmlns:p14="http://schemas.microsoft.com/office/powerpoint/2010/main" val="2404541622"/>
+      </p:ext>
+    </p:extLst>
+  </p:cSld>
+  <p:clrMapOvr>
+    <a:masterClrMapping/>
+  </p:clrMapOvr>
+</p:sld>
+</file>
+
+<file path=ppt/slides/slide50.xml><?xml version="1.0" encoding="utf-8"?>
+<p:sld xmlns:a="http://schemas.openxmlformats.org/drawingml/2006/main" xmlns:r="http://schemas.openxmlformats.org/officeDocument/2006/relationships" xmlns:p="http://schemas.openxmlformats.org/presentationml/2006/main">
+  <p:cSld>
+    <p:spTree>
+      <p:nvGrpSpPr>
+        <p:cNvPr id="1" name=""/>
+        <p:cNvGrpSpPr/>
+        <p:nvPr/>
+      </p:nvGrpSpPr>
+      <p:grpSpPr>
+        <a:xfrm>
+          <a:off x="0" y="0"/>
+          <a:ext cx="0" cy="0"/>
+          <a:chOff x="0" y="0"/>
+          <a:chExt cx="0" cy="0"/>
+        </a:xfrm>
+      </p:grpSpPr>
+      <p:sp>
+        <p:nvSpPr>
+          <p:cNvPr id="2" name="Título 1"/>
+          <p:cNvSpPr>
+            <a:spLocks noGrp="1"/>
+          </p:cNvSpPr>
+          <p:nvPr>
+            <p:ph type="title"/>
+          </p:nvPr>
+        </p:nvSpPr>
+        <p:spPr/>
+        <p:txBody>
+          <a:bodyPr/>
+          <a:lstStyle/>
+          <a:p>
+            <a:r>
+              <a:rPr lang="pt-BR" dirty="0"/>
               <a:t>Incremento</a:t>
             </a:r>
           </a:p>
@@ -7878,7 +9901,7 @@
 </p:sld>
 </file>
 
-<file path=ppt/slides/slide38.xml><?xml version="1.0" encoding="utf-8"?>
+<file path=ppt/slides/slide51.xml><?xml version="1.0" encoding="utf-8"?>
 <p:sld xmlns:a="http://schemas.openxmlformats.org/drawingml/2006/main" xmlns:r="http://schemas.openxmlformats.org/officeDocument/2006/relationships" xmlns:p="http://schemas.openxmlformats.org/presentationml/2006/main">
   <p:cSld>
     <p:spTree>
@@ -7962,7 +9985,7 @@
 </p:sld>
 </file>
 
-<file path=ppt/slides/slide39.xml><?xml version="1.0" encoding="utf-8"?>
+<file path=ppt/slides/slide52.xml><?xml version="1.0" encoding="utf-8"?>
 <p:sld xmlns:a="http://schemas.openxmlformats.org/drawingml/2006/main" xmlns:r="http://schemas.openxmlformats.org/officeDocument/2006/relationships" xmlns:p="http://schemas.openxmlformats.org/presentationml/2006/main">
   <p:cSld>
     <p:spTree>
@@ -8119,7 +10142,7 @@
 </p:sld>
 </file>
 
-<file path=ppt/slides/slide4.xml><?xml version="1.0" encoding="utf-8"?>
+<file path=ppt/slides/slide53.xml><?xml version="1.0" encoding="utf-8"?>
 <p:sld xmlns:a="http://schemas.openxmlformats.org/drawingml/2006/main" xmlns:r="http://schemas.openxmlformats.org/officeDocument/2006/relationships" xmlns:p="http://schemas.openxmlformats.org/presentationml/2006/main">
   <p:cSld>
     <p:spTree>
@@ -8138,117 +10161,6 @@
       </p:grpSpPr>
       <p:sp>
         <p:nvSpPr>
-          <p:cNvPr id="3" name="Título 2"/>
-          <p:cNvSpPr>
-            <a:spLocks noGrp="1"/>
-          </p:cNvSpPr>
-          <p:nvPr>
-            <p:ph type="title"/>
-          </p:nvPr>
-        </p:nvSpPr>
-        <p:spPr/>
-        <p:txBody>
-          <a:bodyPr>
-            <a:normAutofit/>
-          </a:bodyPr>
-          <a:lstStyle/>
-          <a:p>
-            <a:r>
-              <a:rPr lang="pt-BR" dirty="0"/>
-              <a:t>Gerenciamento de Projetos de Software</a:t>
-            </a:r>
-          </a:p>
-        </p:txBody>
-      </p:sp>
-      <p:sp>
-        <p:nvSpPr>
-          <p:cNvPr id="2" name="Espaço Reservado para Conteúdo 1"/>
-          <p:cNvSpPr>
-            <a:spLocks noGrp="1"/>
-          </p:cNvSpPr>
-          <p:nvPr>
-            <p:ph idx="1"/>
-          </p:nvPr>
-        </p:nvSpPr>
-        <p:spPr>
-          <a:xfrm>
-            <a:off x="525732" y="2157731"/>
-            <a:ext cx="8065294" cy="3766185"/>
-          </a:xfrm>
-        </p:spPr>
-        <p:txBody>
-          <a:bodyPr>
-            <a:normAutofit/>
-          </a:bodyPr>
-          <a:lstStyle/>
-          <a:p>
-            <a:pPr>
-              <a:buFont typeface="Wingdings" panose="05000000000000000000" pitchFamily="2" charset="2"/>
-              <a:buChar char="ü"/>
-            </a:pPr>
-            <a:r>
-              <a:rPr lang="pt-BR" dirty="0"/>
-              <a:t>Conjunto de práticas que serve de guia a um grupo para trabalhar de maneira produtiva;</a:t>
-            </a:r>
-          </a:p>
-          <a:p>
-            <a:pPr>
-              <a:buFont typeface="Wingdings" panose="05000000000000000000" pitchFamily="2" charset="2"/>
-              <a:buChar char="ü"/>
-            </a:pPr>
-            <a:r>
-              <a:rPr lang="pt-BR" dirty="0"/>
-              <a:t>Compreende métodos e ferramentas que organizam as tarefas, identificam sua sequência e dependências;</a:t>
-            </a:r>
-          </a:p>
-          <a:p>
-            <a:pPr>
-              <a:buFont typeface="Wingdings" panose="05000000000000000000" pitchFamily="2" charset="2"/>
-              <a:buChar char="ü"/>
-            </a:pPr>
-            <a:r>
-              <a:rPr lang="pt-BR" dirty="0"/>
-              <a:t>Apoia a alocação de recursos e tempo, além de permitir o rastreamento da execução das atividades e medição do progresso relativo ao que foi definido no plano de projeto.</a:t>
-            </a:r>
-            <a:br>
-              <a:rPr lang="pt-BR" dirty="0"/>
-            </a:br>
-            <a:endParaRPr lang="pt-BR" dirty="0"/>
-          </a:p>
-        </p:txBody>
-      </p:sp>
-    </p:spTree>
-    <p:extLst>
-      <p:ext uri="{BB962C8B-B14F-4D97-AF65-F5344CB8AC3E}">
-        <p14:creationId xmlns:p14="http://schemas.microsoft.com/office/powerpoint/2010/main" val="1619631794"/>
-      </p:ext>
-    </p:extLst>
-  </p:cSld>
-  <p:clrMapOvr>
-    <a:masterClrMapping/>
-  </p:clrMapOvr>
-</p:sld>
-</file>
-
-<file path=ppt/slides/slide40.xml><?xml version="1.0" encoding="utf-8"?>
-<p:sld xmlns:a="http://schemas.openxmlformats.org/drawingml/2006/main" xmlns:r="http://schemas.openxmlformats.org/officeDocument/2006/relationships" xmlns:p="http://schemas.openxmlformats.org/presentationml/2006/main">
-  <p:cSld>
-    <p:spTree>
-      <p:nvGrpSpPr>
-        <p:cNvPr id="1" name=""/>
-        <p:cNvGrpSpPr/>
-        <p:nvPr/>
-      </p:nvGrpSpPr>
-      <p:grpSpPr>
-        <a:xfrm>
-          <a:off x="0" y="0"/>
-          <a:ext cx="0" cy="0"/>
-          <a:chOff x="0" y="0"/>
-          <a:chExt cx="0" cy="0"/>
-        </a:xfrm>
-      </p:grpSpPr>
-      <p:sp>
-        <p:nvSpPr>
           <p:cNvPr id="2" name="Título 1"/>
           <p:cNvSpPr>
             <a:spLocks noGrp="1"/>
@@ -8313,121 +10225,6 @@
     <p:extLst>
       <p:ext uri="{BB962C8B-B14F-4D97-AF65-F5344CB8AC3E}">
         <p14:creationId xmlns:p14="http://schemas.microsoft.com/office/powerpoint/2010/main" val="3657543104"/>
-      </p:ext>
-    </p:extLst>
-  </p:cSld>
-  <p:clrMapOvr>
-    <a:masterClrMapping/>
-  </p:clrMapOvr>
-</p:sld>
-</file>
-
-<file path=ppt/slides/slide5.xml><?xml version="1.0" encoding="utf-8"?>
-<p:sld xmlns:a="http://schemas.openxmlformats.org/drawingml/2006/main" xmlns:r="http://schemas.openxmlformats.org/officeDocument/2006/relationships" xmlns:p="http://schemas.openxmlformats.org/presentationml/2006/main">
-  <p:cSld>
-    <p:spTree>
-      <p:nvGrpSpPr>
-        <p:cNvPr id="1" name=""/>
-        <p:cNvGrpSpPr/>
-        <p:nvPr/>
-      </p:nvGrpSpPr>
-      <p:grpSpPr>
-        <a:xfrm>
-          <a:off x="0" y="0"/>
-          <a:ext cx="0" cy="0"/>
-          <a:chOff x="0" y="0"/>
-          <a:chExt cx="0" cy="0"/>
-        </a:xfrm>
-      </p:grpSpPr>
-      <p:sp>
-        <p:nvSpPr>
-          <p:cNvPr id="2" name="Título 1"/>
-          <p:cNvSpPr>
-            <a:spLocks noGrp="1"/>
-          </p:cNvSpPr>
-          <p:nvPr>
-            <p:ph type="title"/>
-          </p:nvPr>
-        </p:nvSpPr>
-        <p:spPr/>
-        <p:txBody>
-          <a:bodyPr/>
-          <a:lstStyle/>
-          <a:p>
-            <a:r>
-              <a:rPr lang="pt-BR" dirty="0"/>
-              <a:t>Padrões Tradicionais de Gerenciamento</a:t>
-            </a:r>
-          </a:p>
-        </p:txBody>
-      </p:sp>
-      <p:sp>
-        <p:nvSpPr>
-          <p:cNvPr id="3" name="Espaço Reservado para Conteúdo 2"/>
-          <p:cNvSpPr>
-            <a:spLocks noGrp="1"/>
-          </p:cNvSpPr>
-          <p:nvPr>
-            <p:ph idx="1"/>
-          </p:nvPr>
-        </p:nvSpPr>
-        <p:spPr>
-          <a:xfrm>
-            <a:off x="507206" y="2157731"/>
-            <a:ext cx="8065294" cy="4079581"/>
-          </a:xfrm>
-        </p:spPr>
-        <p:txBody>
-          <a:bodyPr>
-            <a:normAutofit/>
-          </a:bodyPr>
-          <a:lstStyle/>
-          <a:p>
-            <a:pPr>
-              <a:buFont typeface="Wingdings" panose="05000000000000000000" pitchFamily="2" charset="2"/>
-              <a:buChar char="ü"/>
-            </a:pPr>
-            <a:r>
-              <a:rPr lang="pt-BR" dirty="0"/>
-              <a:t>O método mais utilizado no desenvolvimento de software;</a:t>
-            </a:r>
-          </a:p>
-          <a:p>
-            <a:pPr>
-              <a:buFont typeface="Wingdings" panose="05000000000000000000" pitchFamily="2" charset="2"/>
-              <a:buChar char="ü"/>
-            </a:pPr>
-            <a:r>
-              <a:rPr lang="pt-BR" dirty="0"/>
-              <a:t>Desenvolvimento em cascata;</a:t>
-            </a:r>
-          </a:p>
-          <a:p>
-            <a:pPr lvl="2">
-              <a:buFont typeface="Wingdings" panose="05000000000000000000" pitchFamily="2" charset="2"/>
-              <a:buChar char="ü"/>
-            </a:pPr>
-            <a:r>
-              <a:rPr lang="pt-BR" dirty="0"/>
-              <a:t>O software é construído seguindo uma sequência de fases, sendo que cada fase, com exceção da primeira, depende da conclusão da fase anterior </a:t>
-            </a:r>
-          </a:p>
-          <a:p>
-            <a:pPr>
-              <a:buFont typeface="Wingdings" panose="05000000000000000000" pitchFamily="2" charset="2"/>
-              <a:buChar char="ü"/>
-            </a:pPr>
-            <a:r>
-              <a:rPr lang="pt-BR" dirty="0"/>
-              <a:t>A partir das informações históricas e da repetição obtém-se a melhoria da capacidade do processo através da padronização, medição e controle.</a:t>
-            </a:r>
-          </a:p>
-        </p:txBody>
-      </p:sp>
-    </p:spTree>
-    <p:extLst>
-      <p:ext uri="{BB962C8B-B14F-4D97-AF65-F5344CB8AC3E}">
-        <p14:creationId xmlns:p14="http://schemas.microsoft.com/office/powerpoint/2010/main" val="2404541622"/>
       </p:ext>
     </p:extLst>
   </p:cSld>
@@ -8614,7 +10411,6 @@
               <a:rPr lang="pt-BR" dirty="0"/>
               <a:t>Sistema Toyota de Produção (TPS)</a:t>
             </a:r>
-            <a:endParaRPr lang="pt-BR" dirty="0"/>
           </a:p>
         </p:txBody>
       </p:sp>
@@ -8633,7 +10429,45 @@
           <a:bodyPr/>
           <a:lstStyle/>
           <a:p>
-            <a:endParaRPr lang="pt-BR"/>
+            <a:pPr>
+              <a:buFont typeface="Wingdings" panose="05000000000000000000" pitchFamily="2" charset="2"/>
+              <a:buChar char="ü"/>
+            </a:pPr>
+            <a:r>
+              <a:rPr lang="pt-BR" dirty="0"/>
+              <a:t>É uma combinação dos princípios e técnicas de qualidade total, da administração científica e das tradições culturais japonesas;</a:t>
+            </a:r>
+          </a:p>
+          <a:p>
+            <a:pPr>
+              <a:buFont typeface="Wingdings" panose="05000000000000000000" pitchFamily="2" charset="2"/>
+              <a:buChar char="ü"/>
+            </a:pPr>
+            <a:r>
+              <a:rPr lang="pt-BR" dirty="0"/>
+              <a:t>Concebido na década de 1950, quando </a:t>
+            </a:r>
+            <a:r>
+              <a:rPr lang="pt-BR" dirty="0" err="1"/>
+              <a:t>Toyoda</a:t>
+            </a:r>
+            <a:r>
+              <a:rPr lang="pt-BR" dirty="0"/>
+              <a:t> e </a:t>
+            </a:r>
+            <a:r>
+              <a:rPr lang="pt-BR" dirty="0" err="1"/>
+              <a:t>Ohno</a:t>
+            </a:r>
+            <a:r>
+              <a:rPr lang="pt-BR" dirty="0"/>
+              <a:t>, visitando os Estados Unidos, concluíram que o principal problema do modelo de Ford era o desperdício de recursos. Dessa observação nasceram os elementos básicos do Sistema Toyota de Produção, sendo também seus dois princípios mais importantes: </a:t>
+            </a:r>
+            <a:r>
+              <a:rPr lang="pt-BR" b="1" dirty="0"/>
+              <a:t>a eliminação de desperdícios e a fabricação com qualidade.</a:t>
+            </a:r>
+            <a:endParaRPr lang="pt-BR" b="1" dirty="0"/>
           </a:p>
         </p:txBody>
       </p:sp>
@@ -8669,7 +10503,7 @@
       </p:grpSpPr>
       <p:sp>
         <p:nvSpPr>
-          <p:cNvPr id="3" name="Título 2"/>
+          <p:cNvPr id="2" name="Título 1"/>
           <p:cNvSpPr>
             <a:spLocks noGrp="1"/>
           </p:cNvSpPr>
@@ -8677,105 +10511,63 @@
             <p:ph type="title"/>
           </p:nvPr>
         </p:nvSpPr>
-        <p:spPr/>
-        <p:txBody>
-          <a:bodyPr/>
-          <a:lstStyle/>
-          <a:p>
-            <a:r>
-              <a:rPr lang="pt-BR" dirty="0"/>
-              <a:t>Definição de </a:t>
-            </a:r>
-            <a:r>
-              <a:rPr lang="pt-BR" dirty="0"/>
-              <a:t>Startup</a:t>
-            </a:r>
-            <a:endParaRPr lang="pt-BR" dirty="0"/>
-          </a:p>
-        </p:txBody>
-      </p:sp>
-      <p:sp>
-        <p:nvSpPr>
-          <p:cNvPr id="2" name="Espaço Reservado para Conteúdo 1"/>
-          <p:cNvSpPr>
-            <a:spLocks noGrp="1"/>
-          </p:cNvSpPr>
+        <p:spPr>
+          <a:xfrm>
+            <a:off x="492919" y="499533"/>
+            <a:ext cx="8079581" cy="1057259"/>
+          </a:xfrm>
+        </p:spPr>
+        <p:txBody>
+          <a:bodyPr/>
+          <a:lstStyle/>
+          <a:p>
+            <a:r>
+              <a:rPr lang="pt-BR" dirty="0"/>
+              <a:t>Pilares do TPS</a:t>
+            </a:r>
+          </a:p>
+        </p:txBody>
+      </p:sp>
+      <p:pic>
+        <p:nvPicPr>
+          <p:cNvPr id="4" name="Espaço Reservado para Conteúdo 3"/>
+          <p:cNvPicPr>
+            <a:picLocks noGrp="1"/>
+          </p:cNvPicPr>
           <p:nvPr>
             <p:ph idx="1"/>
           </p:nvPr>
-        </p:nvSpPr>
-        <p:spPr/>
-        <p:txBody>
-          <a:bodyPr>
-            <a:normAutofit/>
-          </a:bodyPr>
-          <a:lstStyle/>
-          <a:p>
-            <a:pPr>
-              <a:buFont typeface="Wingdings" panose="05000000000000000000" pitchFamily="2" charset="2"/>
-              <a:buChar char="ü"/>
-            </a:pPr>
-            <a:r>
-              <a:rPr lang="pt-BR" dirty="0"/>
-              <a:t>Uma instituição humana projetada para criar novos produtos e serviços sob condições de extrema incerteza;</a:t>
-            </a:r>
-          </a:p>
-          <a:p>
-            <a:pPr>
-              <a:buFont typeface="Wingdings" panose="05000000000000000000" pitchFamily="2" charset="2"/>
-              <a:buChar char="ü"/>
-            </a:pPr>
-            <a:r>
-              <a:rPr lang="pt-BR" dirty="0"/>
-              <a:t>Principais Características:</a:t>
-            </a:r>
-          </a:p>
-          <a:p>
-            <a:pPr lvl="2">
-              <a:buFont typeface="Wingdings" panose="05000000000000000000" pitchFamily="2" charset="2"/>
-              <a:buChar char="ü"/>
-            </a:pPr>
-            <a:r>
-              <a:rPr lang="pt-BR" dirty="0"/>
-              <a:t>Inovação </a:t>
-            </a:r>
-          </a:p>
-          <a:p>
-            <a:pPr lvl="2">
-              <a:buFont typeface="Wingdings" panose="05000000000000000000" pitchFamily="2" charset="2"/>
-              <a:buChar char="ü"/>
-            </a:pPr>
-            <a:r>
-              <a:rPr lang="pt-BR" dirty="0"/>
-              <a:t>Escalabilidade </a:t>
-            </a:r>
-          </a:p>
-          <a:p>
-            <a:pPr lvl="2">
-              <a:buFont typeface="Wingdings" panose="05000000000000000000" pitchFamily="2" charset="2"/>
-              <a:buChar char="ü"/>
-            </a:pPr>
-            <a:r>
-              <a:rPr lang="pt-BR" dirty="0"/>
-              <a:t>Ter potencial para atingir grandes mercados</a:t>
-            </a:r>
-          </a:p>
-          <a:p>
-            <a:pPr lvl="2">
-              <a:buFont typeface="Wingdings" panose="05000000000000000000" pitchFamily="2" charset="2"/>
-              <a:buChar char="ü"/>
-            </a:pPr>
-            <a:r>
-              <a:rPr lang="pt-BR" dirty="0"/>
-              <a:t>Ser enxuta e flexível</a:t>
-            </a:r>
-          </a:p>
-        </p:txBody>
-      </p:sp>
+        </p:nvPicPr>
+        <p:blipFill>
+          <a:blip r:embed="rId2">
+            <a:extLst>
+              <a:ext uri="{28A0092B-C50C-407E-A947-70E740481C1C}">
+                <a14:useLocalDpi xmlns:a14="http://schemas.microsoft.com/office/drawing/2010/main" val="0"/>
+              </a:ext>
+            </a:extLst>
+          </a:blip>
+          <a:stretch>
+            <a:fillRect/>
+          </a:stretch>
+        </p:blipFill>
+        <p:spPr>
+          <a:xfrm>
+            <a:off x="2103585" y="1556792"/>
+            <a:ext cx="4858247" cy="4858247"/>
+          </a:xfrm>
+          <a:prstGeom prst="rect">
+            <a:avLst/>
+          </a:prstGeom>
+          <a:noFill/>
+          <a:ln>
+            <a:noFill/>
+          </a:ln>
+        </p:spPr>
+      </p:pic>
     </p:spTree>
     <p:extLst>
       <p:ext uri="{BB962C8B-B14F-4D97-AF65-F5344CB8AC3E}">
-        <p14:creationId xmlns:p14="http://schemas.microsoft.com/office/powerpoint/2010/main" val="2030121317"/>
+        <p14:creationId xmlns:p14="http://schemas.microsoft.com/office/powerpoint/2010/main" val="1979695662"/>
       </p:ext>
     </p:extLst>
   </p:cSld>
@@ -8815,7 +10607,7 @@
         <p:spPr>
           <a:xfrm>
             <a:off x="492919" y="499533"/>
-            <a:ext cx="8079581" cy="1201276"/>
+            <a:ext cx="8079581" cy="924770"/>
           </a:xfrm>
         </p:spPr>
         <p:txBody>
@@ -8823,9 +10615,10 @@
           <a:lstStyle/>
           <a:p>
             <a:r>
-              <a:rPr lang="pt-BR" dirty="0"/>
-              <a:t>Startup - Recursos</a:t>
-            </a:r>
+              <a:rPr lang="pt-BR" dirty="0" err="1"/>
+              <a:t>Heijunka</a:t>
+            </a:r>
+            <a:endParaRPr lang="pt-BR" dirty="0"/>
           </a:p>
         </p:txBody>
       </p:sp>
@@ -8841,8 +10634,8 @@
         </p:nvSpPr>
         <p:spPr>
           <a:xfrm>
-            <a:off x="507206" y="1556792"/>
-            <a:ext cx="8065294" cy="4202787"/>
+            <a:off x="507206" y="1424303"/>
+            <a:ext cx="8065294" cy="4335275"/>
           </a:xfrm>
         </p:spPr>
         <p:txBody>
@@ -8855,23 +10648,12 @@
             </a:pPr>
             <a:r>
               <a:rPr lang="pt-BR" dirty="0"/>
-              <a:t>Não dispõe de muitos recursos para investimento</a:t>
-            </a:r>
-          </a:p>
-          <a:p>
-            <a:pPr>
-              <a:buFont typeface="Wingdings" panose="05000000000000000000" pitchFamily="2" charset="2"/>
-              <a:buChar char="ü"/>
-            </a:pPr>
-            <a:r>
-              <a:rPr lang="pt-BR" dirty="0"/>
-              <a:t>O acesso a investimentos é um dos principais obstáculos das startups</a:t>
-            </a:r>
-          </a:p>
-          <a:p>
-            <a:pPr>
-              <a:buFont typeface="Wingdings" panose="05000000000000000000" pitchFamily="2" charset="2"/>
-              <a:buChar char="ü"/>
+              <a:t>Consiste na eliminação da variação da carga de trabalho (mura). Isto é feito através do nivelamento dos volumes de produção de forma a conseguir um fluxo suave, contínuo e eficiente.</a:t>
+            </a:r>
+          </a:p>
+          <a:p>
+            <a:pPr marL="0" indent="0">
+              <a:buNone/>
             </a:pPr>
             <a:endParaRPr lang="pt-BR" dirty="0"/>
           </a:p>
@@ -8897,8 +10679,8 @@
         </p:blipFill>
         <p:spPr>
           <a:xfrm>
-            <a:off x="1907704" y="2420888"/>
-            <a:ext cx="6664796" cy="4032448"/>
+            <a:off x="1932317" y="2636912"/>
+            <a:ext cx="5215072" cy="3738349"/>
           </a:xfrm>
           <a:prstGeom prst="rect">
             <a:avLst/>
@@ -8912,7 +10694,7 @@
     </p:spTree>
     <p:extLst>
       <p:ext uri="{BB962C8B-B14F-4D97-AF65-F5344CB8AC3E}">
-        <p14:creationId xmlns:p14="http://schemas.microsoft.com/office/powerpoint/2010/main" val="3569771386"/>
+        <p14:creationId xmlns:p14="http://schemas.microsoft.com/office/powerpoint/2010/main" val="2139616728"/>
       </p:ext>
     </p:extLst>
   </p:cSld>

--- a/StartIdea/StartIdea.Docs/Apresentacao.pptx
+++ b/StartIdea/StartIdea.Docs/Apresentacao.pptx
@@ -261,7 +261,7 @@
             <a:fld id="{E28287AA-0D99-42CE-A71B-10FA9908BBF8}" type="datetimeFigureOut">
               <a:rPr lang="pt-BR"/>
               <a:pPr/>
-              <a:t>23/11/2016</a:t>
+              <a:t>24/11/2016</a:t>
             </a:fld>
             <a:endParaRPr lang="pt-BR" dirty="0"/>
           </a:p>
@@ -993,7 +993,7 @@
             <a:fld id="{DCFA480D-CB17-4C49-BB2A-C7514E1C7CEA}" type="datetimeFigureOut">
               <a:rPr lang="pt-BR" smtClean="0"/>
               <a:pPr/>
-              <a:t>23/11/2016</a:t>
+              <a:t>24/11/2016</a:t>
             </a:fld>
             <a:endParaRPr lang="pt-BR" dirty="0"/>
           </a:p>
@@ -1186,7 +1186,7 @@
             <a:fld id="{DCFA480D-CB17-4C49-BB2A-C7514E1C7CEA}" type="datetimeFigureOut">
               <a:rPr lang="pt-BR" smtClean="0"/>
               <a:pPr/>
-              <a:t>23/11/2016</a:t>
+              <a:t>24/11/2016</a:t>
             </a:fld>
             <a:endParaRPr lang="pt-BR" sz="1200" dirty="0">
               <a:solidFill>
@@ -1382,7 +1382,7 @@
             <a:fld id="{DCFA480D-CB17-4C49-BB2A-C7514E1C7CEA}" type="datetimeFigureOut">
               <a:rPr lang="pt-BR" smtClean="0"/>
               <a:pPr/>
-              <a:t>23/11/2016</a:t>
+              <a:t>24/11/2016</a:t>
             </a:fld>
             <a:endParaRPr lang="pt-BR" sz="1200" dirty="0">
               <a:solidFill>
@@ -1568,7 +1568,7 @@
             <a:fld id="{DCFA480D-CB17-4C49-BB2A-C7514E1C7CEA}" type="datetimeFigureOut">
               <a:rPr lang="pt-BR" smtClean="0"/>
               <a:pPr/>
-              <a:t>23/11/2016</a:t>
+              <a:t>24/11/2016</a:t>
             </a:fld>
             <a:endParaRPr lang="pt-BR" dirty="0"/>
           </a:p>
@@ -1827,7 +1827,7 @@
             <a:fld id="{DCFA480D-CB17-4C49-BB2A-C7514E1C7CEA}" type="datetimeFigureOut">
               <a:rPr lang="pt-BR" smtClean="0"/>
               <a:pPr/>
-              <a:t>23/11/2016</a:t>
+              <a:t>24/11/2016</a:t>
             </a:fld>
             <a:endParaRPr lang="pt-BR" dirty="0"/>
           </a:p>
@@ -2117,7 +2117,7 @@
             <a:fld id="{DCFA480D-CB17-4C49-BB2A-C7514E1C7CEA}" type="datetimeFigureOut">
               <a:rPr lang="pt-BR" smtClean="0"/>
               <a:pPr/>
-              <a:t>23/11/2016</a:t>
+              <a:t>24/11/2016</a:t>
             </a:fld>
             <a:endParaRPr lang="pt-BR" dirty="0"/>
           </a:p>
@@ -2557,7 +2557,7 @@
             <a:fld id="{DCFA480D-CB17-4C49-BB2A-C7514E1C7CEA}" type="datetimeFigureOut">
               <a:rPr lang="pt-BR" smtClean="0"/>
               <a:pPr/>
-              <a:t>23/11/2016</a:t>
+              <a:t>24/11/2016</a:t>
             </a:fld>
             <a:endParaRPr lang="pt-BR" dirty="0"/>
           </a:p>
@@ -2677,7 +2677,7 @@
             <a:fld id="{DCFA480D-CB17-4C49-BB2A-C7514E1C7CEA}" type="datetimeFigureOut">
               <a:rPr lang="pt-BR" smtClean="0"/>
               <a:pPr/>
-              <a:t>23/11/2016</a:t>
+              <a:t>24/11/2016</a:t>
             </a:fld>
             <a:endParaRPr lang="pt-BR" dirty="0"/>
           </a:p>
@@ -2774,7 +2774,7 @@
             <a:fld id="{DCFA480D-CB17-4C49-BB2A-C7514E1C7CEA}" type="datetimeFigureOut">
               <a:rPr lang="pt-BR" smtClean="0"/>
               <a:pPr/>
-              <a:t>23/11/2016</a:t>
+              <a:t>24/11/2016</a:t>
             </a:fld>
             <a:endParaRPr lang="pt-BR" sz="1200" dirty="0">
               <a:solidFill>
@@ -3146,7 +3146,7 @@
             <a:fld id="{DCFA480D-CB17-4C49-BB2A-C7514E1C7CEA}" type="datetimeFigureOut">
               <a:rPr lang="pt-BR" smtClean="0"/>
               <a:pPr/>
-              <a:t>23/11/2016</a:t>
+              <a:t>24/11/2016</a:t>
             </a:fld>
             <a:endParaRPr lang="pt-BR" dirty="0"/>
           </a:p>
@@ -3468,7 +3468,7 @@
             <a:fld id="{DCFA480D-CB17-4C49-BB2A-C7514E1C7CEA}" type="datetimeFigureOut">
               <a:rPr lang="pt-BR" smtClean="0"/>
               <a:pPr/>
-              <a:t>23/11/2016</a:t>
+              <a:t>24/11/2016</a:t>
             </a:fld>
             <a:endParaRPr lang="pt-BR" dirty="0"/>
           </a:p>
@@ -3704,7 +3704,7 @@
             <a:fld id="{DCFA480D-CB17-4C49-BB2A-C7514E1C7CEA}" type="datetimeFigureOut">
               <a:rPr lang="pt-BR" smtClean="0"/>
               <a:pPr/>
-              <a:t>23/11/2016</a:t>
+              <a:t>24/11/2016</a:t>
             </a:fld>
             <a:endParaRPr lang="pt-BR" sz="1200" dirty="0">
               <a:solidFill>
@@ -4357,7 +4357,6 @@
               <a:rPr lang="pt-BR" dirty="0"/>
               <a:t>Normalização</a:t>
             </a:r>
-            <a:endParaRPr lang="pt-BR" dirty="0"/>
           </a:p>
         </p:txBody>
       </p:sp>
@@ -4384,7 +4383,6 @@
               <a:rPr lang="pt-BR" dirty="0"/>
               <a:t>O desenvolvimento com base em tarefas normalizadas assegura não só a consistência de elevados níveis de qualidade, mas também mantém o ritmo de produção e fornece termos de comparação para implementar uma estratégia de melhoria contínua;</a:t>
             </a:r>
-            <a:endParaRPr lang="pt-BR" dirty="0"/>
           </a:p>
         </p:txBody>
       </p:sp>
@@ -4746,7 +4744,6 @@
               <a:rPr lang="pt-BR" dirty="0"/>
               <a:t>É muito mais do que uma atividade adicional nas empresas. É mais que uma simples questão de caminhar e conversar.</a:t>
             </a:r>
-            <a:endParaRPr lang="pt-BR" dirty="0"/>
           </a:p>
         </p:txBody>
       </p:sp>
@@ -4967,7 +4964,6 @@
               <a:rPr lang="pt-BR" dirty="0"/>
               <a:t>Todos os itens usados com frequência estão claramente identificados para que possam ser usados e encontrados por qualquer pessoa.</a:t>
             </a:r>
-            <a:endParaRPr lang="pt-BR" dirty="0"/>
           </a:p>
         </p:txBody>
       </p:sp>
@@ -5176,7 +5172,6 @@
               <a:rPr lang="pt-BR" dirty="0"/>
               <a:t>.</a:t>
             </a:r>
-            <a:endParaRPr lang="pt-BR" dirty="0"/>
           </a:p>
         </p:txBody>
       </p:sp>
@@ -5266,7 +5261,6 @@
               <a:rPr lang="pt-BR" dirty="0"/>
               <a:t>Eliminação do desperdiço</a:t>
             </a:r>
-            <a:endParaRPr lang="pt-BR" dirty="0"/>
           </a:p>
         </p:txBody>
       </p:sp>
@@ -5360,7 +5354,6 @@
               <a:rPr lang="pt-BR" dirty="0"/>
               <a:t> time</a:t>
             </a:r>
-            <a:endParaRPr lang="pt-BR" dirty="0"/>
           </a:p>
         </p:txBody>
       </p:sp>
@@ -5682,64 +5675,75 @@
           </a:bodyPr>
           <a:lstStyle/>
           <a:p>
-            <a:r>
-              <a:rPr lang="pt-BR" dirty="0"/>
-              <a:t>Gestão de Projetos de Software</a:t>
-            </a:r>
-          </a:p>
-          <a:p>
-            <a:r>
-              <a:rPr lang="pt-BR" dirty="0"/>
-              <a:t>Startup</a:t>
-            </a:r>
-          </a:p>
-          <a:p>
-            <a:r>
-              <a:rPr lang="pt-BR" dirty="0"/>
-              <a:t>Processo de desenvolvimento ágil</a:t>
-            </a:r>
-          </a:p>
-          <a:p>
-            <a:pPr lvl="1"/>
+            <a:pPr>
+              <a:buFont typeface="Wingdings" panose="05000000000000000000" pitchFamily="2" charset="2"/>
+              <a:buChar char="ü"/>
+            </a:pPr>
+            <a:r>
+              <a:rPr lang="pt-BR" dirty="0"/>
+              <a:t>Projeto;</a:t>
+            </a:r>
+          </a:p>
+          <a:p>
+            <a:pPr>
+              <a:buFont typeface="Wingdings" panose="05000000000000000000" pitchFamily="2" charset="2"/>
+              <a:buChar char="ü"/>
+            </a:pPr>
+            <a:r>
+              <a:rPr lang="pt-BR" dirty="0"/>
+              <a:t>Gerenciamento de Projetos de Software;</a:t>
+            </a:r>
+          </a:p>
+          <a:p>
+            <a:pPr>
+              <a:buFont typeface="Wingdings" panose="05000000000000000000" pitchFamily="2" charset="2"/>
+              <a:buChar char="ü"/>
+            </a:pPr>
+            <a:r>
+              <a:rPr lang="pt-BR" dirty="0"/>
+              <a:t>Sistema Toyota de Produção;</a:t>
+            </a:r>
+          </a:p>
+          <a:p>
+            <a:pPr>
+              <a:buFont typeface="Wingdings" panose="05000000000000000000" pitchFamily="2" charset="2"/>
+              <a:buChar char="ü"/>
+            </a:pPr>
+            <a:r>
+              <a:rPr lang="pt-BR" dirty="0"/>
+              <a:t>Startup;</a:t>
+            </a:r>
+          </a:p>
+          <a:p>
+            <a:pPr>
+              <a:buFont typeface="Wingdings" panose="05000000000000000000" pitchFamily="2" charset="2"/>
+              <a:buChar char="ü"/>
+            </a:pPr>
+            <a:r>
+              <a:rPr lang="pt-BR" dirty="0"/>
+              <a:t>Processo de desenvolvimento ágil.</a:t>
+            </a:r>
+          </a:p>
+          <a:p>
+            <a:pPr marL="617220" lvl="2">
+              <a:buFont typeface="Wingdings" panose="05000000000000000000" pitchFamily="2" charset="2"/>
+              <a:buChar char="ü"/>
+            </a:pPr>
             <a:r>
               <a:rPr lang="pt-BR" dirty="0"/>
               <a:t>Manifesto</a:t>
             </a:r>
           </a:p>
           <a:p>
-            <a:pPr lvl="1"/>
-            <a:r>
-              <a:rPr lang="pt-BR" dirty="0"/>
+            <a:pPr marL="617220" lvl="2">
+              <a:buFont typeface="Wingdings" panose="05000000000000000000" pitchFamily="2" charset="2"/>
+              <a:buChar char="ü"/>
+            </a:pPr>
+            <a:r>
+              <a:rPr lang="pt-BR" dirty="0" err="1"/>
               <a:t>Scrum</a:t>
             </a:r>
-          </a:p>
-          <a:p>
-            <a:pPr lvl="2"/>
-            <a:r>
-              <a:rPr lang="pt-BR" dirty="0"/>
-              <a:t>Definição</a:t>
-            </a:r>
-          </a:p>
-          <a:p>
-            <a:pPr lvl="2"/>
-            <a:r>
-              <a:rPr lang="pt-BR" dirty="0"/>
-              <a:t>Estruturação</a:t>
-            </a:r>
-          </a:p>
-          <a:p>
-            <a:pPr lvl="3"/>
-            <a:r>
-              <a:rPr lang="pt-BR" dirty="0"/>
-              <a:t>Perfil</a:t>
-            </a:r>
-          </a:p>
-          <a:p>
-            <a:pPr lvl="3"/>
-            <a:r>
-              <a:rPr lang="pt-BR" dirty="0"/>
-              <a:t>Regras</a:t>
-            </a:r>
+            <a:endParaRPr lang="pt-BR" dirty="0"/>
           </a:p>
         </p:txBody>
       </p:sp>
@@ -5832,7 +5836,6 @@
               <a:rPr lang="pt-BR" dirty="0"/>
               <a:t>, que ajudam os trabalhadores a planejarem a produção na indústria e a controlar o estoque. Assim, conforme a quantidade de cartões disponíveis nos quadros são tomadas decisões, priorizando o que é mais importante, realizando setup de máquinas e até mesmo as paradas para manutenção</a:t>
             </a:r>
-            <a:endParaRPr lang="pt-BR" dirty="0"/>
           </a:p>
         </p:txBody>
       </p:sp>
@@ -10467,7 +10470,6 @@
               <a:rPr lang="pt-BR" b="1" dirty="0"/>
               <a:t>a eliminação de desperdícios e a fabricação com qualidade.</a:t>
             </a:r>
-            <a:endParaRPr lang="pt-BR" b="1" dirty="0"/>
           </a:p>
         </p:txBody>
       </p:sp>

--- a/StartIdea/StartIdea.Docs/Apresentacao.pptx
+++ b/StartIdea/StartIdea.Docs/Apresentacao.pptx
@@ -4197,6 +4197,16 @@
               <a:t>Elton Garbin &amp; Gabriel Silva</a:t>
             </a:r>
           </a:p>
+          <a:p>
+            <a:r>
+              <a:rPr lang="en-US" i="1" dirty="0"/>
+              <a:t>Orientador</a:t>
+            </a:r>
+            <a:r>
+              <a:rPr lang="pt-BR" i="1" dirty="0"/>
+              <a:t>: Guilherme Santos</a:t>
+            </a:r>
+          </a:p>
         </p:txBody>
       </p:sp>
     </p:spTree>
@@ -4240,10 +4250,9 @@
           <a:lstStyle/>
           <a:p>
             <a:r>
-              <a:rPr lang="pt-BR" dirty="0" err="1"/>
+              <a:rPr lang="pt-BR" dirty="0"/>
               <a:t>Kaizen</a:t>
             </a:r>
-            <a:endParaRPr lang="pt-BR" dirty="0"/>
           </a:p>
         </p:txBody>
       </p:sp>
@@ -4288,15 +4297,7 @@
             </a:pPr>
             <a:r>
               <a:rPr lang="pt-BR" dirty="0"/>
-              <a:t>Na prática o </a:t>
-            </a:r>
-            <a:r>
-              <a:rPr lang="pt-BR" dirty="0" err="1"/>
-              <a:t>Kaizen</a:t>
-            </a:r>
-            <a:r>
-              <a:rPr lang="pt-BR" dirty="0"/>
-              <a:t> significa que todos os colaboradores em todas as partes da organização estão continuamente à procura de maneiras para melhorar as operações.</a:t>
+              <a:t>Na prática o Kaizen significa que todos os colaboradores em todas as partes da organização estão continuamente à procura de maneiras para melhorar as operações.</a:t>
             </a:r>
           </a:p>
           <a:p>
@@ -4525,10 +4526,9 @@
           <a:lstStyle/>
           <a:p>
             <a:r>
-              <a:rPr lang="pt-BR" dirty="0" err="1"/>
+              <a:rPr lang="pt-BR" dirty="0"/>
               <a:t>Jidoka</a:t>
             </a:r>
-            <a:endParaRPr lang="pt-BR" dirty="0"/>
           </a:p>
         </p:txBody>
       </p:sp>
@@ -4553,75 +4553,27 @@
             </a:pPr>
             <a:r>
               <a:rPr lang="pt-BR" dirty="0"/>
-              <a:t>Significa </a:t>
-            </a:r>
-            <a:r>
-              <a:rPr lang="pt-BR" dirty="0" err="1"/>
-              <a:t>autonomação</a:t>
-            </a:r>
-            <a:r>
-              <a:rPr lang="pt-BR" dirty="0"/>
-              <a:t> (automação com um toque humano);</a:t>
-            </a:r>
-          </a:p>
-          <a:p>
-            <a:pPr>
-              <a:buFont typeface="Wingdings" panose="05000000000000000000" pitchFamily="2" charset="2"/>
-              <a:buChar char="ü"/>
-            </a:pPr>
-            <a:r>
-              <a:rPr lang="pt-BR" dirty="0"/>
-              <a:t>Aplicar </a:t>
-            </a:r>
-            <a:r>
-              <a:rPr lang="pt-BR" dirty="0" err="1"/>
-              <a:t>Jidoka</a:t>
-            </a:r>
-            <a:r>
-              <a:rPr lang="pt-BR" dirty="0"/>
-              <a:t> evita que os defeitos de produção gerem retrabalhos, refugos, ou até mesmo que cheguem junto com o produto acabado às mãos do cliente;</a:t>
-            </a:r>
-          </a:p>
-          <a:p>
-            <a:pPr>
-              <a:buFont typeface="Wingdings" panose="05000000000000000000" pitchFamily="2" charset="2"/>
-              <a:buChar char="ü"/>
-            </a:pPr>
-            <a:r>
-              <a:rPr lang="pt-BR" dirty="0"/>
-              <a:t>É constituído por elementos importantes tais como: </a:t>
-            </a:r>
-            <a:r>
-              <a:rPr lang="pt-BR" dirty="0" err="1"/>
-              <a:t>Genchi</a:t>
-            </a:r>
-            <a:r>
-              <a:rPr lang="pt-BR" dirty="0"/>
-              <a:t> </a:t>
-            </a:r>
-            <a:r>
-              <a:rPr lang="pt-BR" dirty="0" err="1"/>
-              <a:t>Genbutsu</a:t>
-            </a:r>
-            <a:r>
-              <a:rPr lang="pt-BR" dirty="0"/>
-              <a:t>, Painel </a:t>
-            </a:r>
-            <a:r>
-              <a:rPr lang="pt-BR" dirty="0" err="1"/>
-              <a:t>Andon</a:t>
-            </a:r>
-            <a:r>
-              <a:rPr lang="pt-BR" dirty="0"/>
-              <a:t> e </a:t>
-            </a:r>
-            <a:r>
-              <a:rPr lang="pt-BR" dirty="0" err="1"/>
-              <a:t>Poka-Yoke</a:t>
-            </a:r>
-            <a:r>
-              <a:rPr lang="pt-BR" dirty="0"/>
-              <a:t>.</a:t>
+              <a:t>Significa autonomação (automação com um toque humano);</a:t>
+            </a:r>
+          </a:p>
+          <a:p>
+            <a:pPr>
+              <a:buFont typeface="Wingdings" panose="05000000000000000000" pitchFamily="2" charset="2"/>
+              <a:buChar char="ü"/>
+            </a:pPr>
+            <a:r>
+              <a:rPr lang="pt-BR" dirty="0"/>
+              <a:t>Aplicar Jidoka evita que os defeitos de produção gerem retrabalhos, refugos, ou até mesmo que cheguem junto com o produto acabado às mãos do cliente;</a:t>
+            </a:r>
+          </a:p>
+          <a:p>
+            <a:pPr>
+              <a:buFont typeface="Wingdings" panose="05000000000000000000" pitchFamily="2" charset="2"/>
+              <a:buChar char="ü"/>
+            </a:pPr>
+            <a:r>
+              <a:rPr lang="pt-BR" dirty="0"/>
+              <a:t>É constituído por elementos importantes tais como: Genchi Genbutsu, Painel Andon e Poka-Yoke.</a:t>
             </a:r>
           </a:p>
         </p:txBody>
@@ -4672,18 +4624,9 @@
           <a:lstStyle/>
           <a:p>
             <a:r>
-              <a:rPr lang="pt-BR" dirty="0" err="1"/>
-              <a:t>Genchi</a:t>
-            </a:r>
-            <a:r>
-              <a:rPr lang="pt-BR" dirty="0"/>
-              <a:t> </a:t>
-            </a:r>
-            <a:r>
-              <a:rPr lang="pt-BR" dirty="0" err="1"/>
-              <a:t>Genbutsu</a:t>
-            </a:r>
-            <a:endParaRPr lang="pt-BR" dirty="0"/>
+              <a:rPr lang="pt-BR" dirty="0"/>
+              <a:t>Genchi Genbutsu</a:t>
+            </a:r>
           </a:p>
         </p:txBody>
       </p:sp>
@@ -4708,31 +4651,7 @@
             </a:pPr>
             <a:r>
               <a:rPr lang="pt-BR" dirty="0"/>
-              <a:t>Expressão japonesa que significa “vai e veja você mesmo” não distante da ideia do conceito MBWA (Management </a:t>
-            </a:r>
-            <a:r>
-              <a:rPr lang="pt-BR" dirty="0" err="1"/>
-              <a:t>By</a:t>
-            </a:r>
-            <a:r>
-              <a:rPr lang="pt-BR" dirty="0"/>
-              <a:t> </a:t>
-            </a:r>
-            <a:r>
-              <a:rPr lang="pt-BR" dirty="0" err="1"/>
-              <a:t>Walking</a:t>
-            </a:r>
-            <a:r>
-              <a:rPr lang="pt-BR" dirty="0"/>
-              <a:t> </a:t>
-            </a:r>
-            <a:r>
-              <a:rPr lang="pt-BR" dirty="0" err="1"/>
-              <a:t>Around</a:t>
-            </a:r>
-            <a:r>
-              <a:rPr lang="pt-BR" dirty="0"/>
-              <a:t>);</a:t>
+              <a:t>Expressão japonesa que significa “vai e veja você mesmo” não distante da ideia do conceito MBWA (Management By Walking Around);</a:t>
             </a:r>
           </a:p>
           <a:p>
@@ -4799,13 +4718,8 @@
           <a:p>
             <a:r>
               <a:rPr lang="pt-BR" dirty="0"/>
-              <a:t>Painel </a:t>
-            </a:r>
-            <a:r>
-              <a:rPr lang="pt-BR" dirty="0" err="1"/>
-              <a:t>Andon</a:t>
-            </a:r>
-            <a:endParaRPr lang="pt-BR" dirty="0"/>
+              <a:t>Painel Andon</a:t>
+            </a:r>
           </a:p>
         </p:txBody>
       </p:sp>
@@ -4924,10 +4838,9 @@
           <a:lstStyle/>
           <a:p>
             <a:r>
-              <a:rPr lang="pt-BR" dirty="0" err="1"/>
+              <a:rPr lang="pt-BR" dirty="0"/>
               <a:t>Poka-Yoke</a:t>
             </a:r>
-            <a:endParaRPr lang="pt-BR" dirty="0"/>
           </a:p>
         </p:txBody>
       </p:sp>
@@ -5154,23 +5067,7 @@
             </a:pPr>
             <a:r>
               <a:rPr lang="pt-BR" dirty="0"/>
-              <a:t>É constituído por princípios chaves tais como: Eliminação do desperdiço (muda), </a:t>
-            </a:r>
-            <a:r>
-              <a:rPr lang="pt-BR" dirty="0" err="1"/>
-              <a:t>Takt</a:t>
-            </a:r>
-            <a:r>
-              <a:rPr lang="pt-BR" dirty="0"/>
-              <a:t> time e </a:t>
-            </a:r>
-            <a:r>
-              <a:rPr lang="pt-BR" dirty="0" err="1"/>
-              <a:t>Kanban</a:t>
-            </a:r>
-            <a:r>
-              <a:rPr lang="pt-BR" dirty="0"/>
-              <a:t>.</a:t>
+              <a:t>É constituído por princípios chaves tais como: Eliminação do desperdiço (muda), Takt time e Kanban.</a:t>
             </a:r>
           </a:p>
         </p:txBody>
@@ -5347,12 +5244,8 @@
           </a:lstStyle>
           <a:p>
             <a:r>
-              <a:rPr lang="pt-BR" dirty="0" err="1"/>
-              <a:t>Takt</a:t>
-            </a:r>
-            <a:r>
-              <a:rPr lang="pt-BR" dirty="0"/>
-              <a:t> time</a:t>
+              <a:rPr lang="pt-BR" dirty="0"/>
+              <a:t>Takt time</a:t>
             </a:r>
           </a:p>
         </p:txBody>
@@ -5576,15 +5469,7 @@
             </a:pPr>
             <a:r>
               <a:rPr lang="pt-BR" dirty="0"/>
-              <a:t>Vem da palavra alemã </a:t>
-            </a:r>
-            <a:r>
-              <a:rPr lang="pt-BR" dirty="0" err="1"/>
-              <a:t>taktzeit</a:t>
-            </a:r>
-            <a:r>
-              <a:rPr lang="pt-BR" dirty="0"/>
-              <a:t>, que pode ser traduzida como tempo de ciclo;</a:t>
+              <a:t>Vem da palavra alemã taktzeit, que pode ser traduzida como tempo de ciclo;</a:t>
             </a:r>
           </a:p>
           <a:p>
@@ -5740,10 +5625,9 @@
               <a:buChar char="ü"/>
             </a:pPr>
             <a:r>
-              <a:rPr lang="pt-BR" dirty="0" err="1"/>
+              <a:rPr lang="pt-BR" dirty="0"/>
               <a:t>Scrum</a:t>
             </a:r>
-            <a:endParaRPr lang="pt-BR" dirty="0"/>
           </a:p>
         </p:txBody>
       </p:sp>
@@ -5788,10 +5672,9 @@
           <a:lstStyle/>
           <a:p>
             <a:r>
-              <a:rPr lang="pt-BR" dirty="0" err="1"/>
+              <a:rPr lang="pt-BR" dirty="0"/>
               <a:t>Kanban</a:t>
             </a:r>
-            <a:endParaRPr lang="pt-BR" dirty="0"/>
           </a:p>
         </p:txBody>
       </p:sp>
@@ -5826,15 +5709,7 @@
             </a:pPr>
             <a:r>
               <a:rPr lang="pt-BR" dirty="0"/>
-              <a:t>Esses quadros e cartões visuais integram o sistema </a:t>
-            </a:r>
-            <a:r>
-              <a:rPr lang="pt-BR" dirty="0" err="1"/>
-              <a:t>Kanban</a:t>
-            </a:r>
-            <a:r>
-              <a:rPr lang="pt-BR" dirty="0"/>
-              <a:t>, que ajudam os trabalhadores a planejarem a produção na indústria e a controlar o estoque. Assim, conforme a quantidade de cartões disponíveis nos quadros são tomadas decisões, priorizando o que é mais importante, realizando setup de máquinas e até mesmo as paradas para manutenção</a:t>
+              <a:t>Esses quadros e cartões visuais integram o sistema Kanban, que ajudam os trabalhadores a planejarem a produção na indústria e a controlar o estoque. Assim, conforme a quantidade de cartões disponíveis nos quadros são tomadas decisões, priorizando o que é mais importante, realizando setup de máquinas e até mesmo as paradas para manutenção</a:t>
             </a:r>
           </a:p>
         </p:txBody>
@@ -6190,12 +6065,8 @@
               <a:buChar char="ü"/>
             </a:pPr>
             <a:r>
-              <a:rPr lang="pt-BR" dirty="0" err="1"/>
-              <a:t>Bootstrapping</a:t>
-            </a:r>
-            <a:r>
-              <a:rPr lang="pt-BR" dirty="0"/>
-              <a:t>;</a:t>
+              <a:rPr lang="pt-BR" dirty="0"/>
+              <a:t>Bootstrapping;</a:t>
             </a:r>
           </a:p>
           <a:p>
@@ -6446,10 +6317,9 @@
               <a:buChar char="ü"/>
             </a:pPr>
             <a:r>
-              <a:rPr lang="pt-BR" dirty="0" err="1"/>
+              <a:rPr lang="pt-BR" dirty="0"/>
               <a:t>NuBank</a:t>
             </a:r>
-            <a:endParaRPr lang="pt-BR" dirty="0"/>
           </a:p>
           <a:p>
             <a:pPr>
@@ -6467,32 +6337,29 @@
               <a:buChar char="ü"/>
             </a:pPr>
             <a:r>
-              <a:rPr lang="pt-BR" dirty="0" err="1"/>
+              <a:rPr lang="pt-BR" dirty="0"/>
               <a:t>PayPal</a:t>
             </a:r>
-            <a:endParaRPr lang="pt-BR" dirty="0"/>
-          </a:p>
-          <a:p>
-            <a:pPr>
-              <a:buFont typeface="Wingdings" panose="05000000000000000000" pitchFamily="2" charset="2"/>
-              <a:buChar char="ü"/>
-            </a:pPr>
-            <a:r>
-              <a:rPr lang="pt-BR" dirty="0" err="1"/>
+          </a:p>
+          <a:p>
+            <a:pPr>
+              <a:buFont typeface="Wingdings" panose="05000000000000000000" pitchFamily="2" charset="2"/>
+              <a:buChar char="ü"/>
+            </a:pPr>
+            <a:r>
+              <a:rPr lang="pt-BR" dirty="0"/>
               <a:t>Airbnb</a:t>
             </a:r>
-            <a:endParaRPr lang="pt-BR" dirty="0"/>
-          </a:p>
-          <a:p>
-            <a:pPr>
-              <a:buFont typeface="Wingdings" panose="05000000000000000000" pitchFamily="2" charset="2"/>
-              <a:buChar char="ü"/>
-            </a:pPr>
-            <a:r>
-              <a:rPr lang="pt-BR" dirty="0" err="1"/>
+          </a:p>
+          <a:p>
+            <a:pPr>
+              <a:buFont typeface="Wingdings" panose="05000000000000000000" pitchFamily="2" charset="2"/>
+              <a:buChar char="ü"/>
+            </a:pPr>
+            <a:r>
+              <a:rPr lang="pt-BR" dirty="0"/>
               <a:t>LinkedIn</a:t>
             </a:r>
-            <a:endParaRPr lang="pt-BR" dirty="0"/>
           </a:p>
         </p:txBody>
       </p:sp>
@@ -6734,91 +6601,11 @@
             </a:pPr>
             <a:r>
               <a:rPr lang="pt-BR" dirty="0"/>
-              <a:t>Criadores: Kent Beck, Mike </a:t>
-            </a:r>
-            <a:r>
-              <a:rPr lang="pt-BR" dirty="0" err="1"/>
-              <a:t>Beedle</a:t>
-            </a:r>
-            <a:r>
-              <a:rPr lang="pt-BR" dirty="0"/>
-              <a:t>, Arie van </a:t>
-            </a:r>
-            <a:r>
-              <a:rPr lang="pt-BR" dirty="0" err="1"/>
-              <a:t>Bennekum</a:t>
-            </a:r>
-            <a:r>
-              <a:rPr lang="pt-BR" dirty="0"/>
-              <a:t>, </a:t>
-            </a:r>
-            <a:r>
-              <a:rPr lang="pt-BR" dirty="0" err="1"/>
-              <a:t>Alistair</a:t>
-            </a:r>
-            <a:r>
-              <a:rPr lang="pt-BR" dirty="0"/>
-              <a:t> Cockburn, Ward Cunningham, Martin Fowler, James </a:t>
-            </a:r>
-            <a:r>
-              <a:rPr lang="pt-BR" dirty="0" err="1"/>
-              <a:t>Grenning</a:t>
-            </a:r>
-            <a:r>
-              <a:rPr lang="pt-BR" dirty="0"/>
-              <a:t>, Jim </a:t>
-            </a:r>
-            <a:r>
-              <a:rPr lang="pt-BR" dirty="0" err="1"/>
-              <a:t>Highsmith</a:t>
-            </a:r>
-            <a:r>
-              <a:rPr lang="pt-BR" dirty="0"/>
-              <a:t>, Andrew Hunt, Ron </a:t>
-            </a:r>
-            <a:r>
-              <a:rPr lang="pt-BR" dirty="0" err="1"/>
-              <a:t>Jeffries</a:t>
-            </a:r>
-            <a:r>
-              <a:rPr lang="pt-BR" dirty="0"/>
-              <a:t>, Jon </a:t>
-            </a:r>
-            <a:r>
-              <a:rPr lang="pt-BR" dirty="0" err="1"/>
-              <a:t>Kern</a:t>
-            </a:r>
-            <a:r>
-              <a:rPr lang="pt-BR" dirty="0"/>
-              <a:t>, Brian </a:t>
-            </a:r>
-            <a:r>
-              <a:rPr lang="pt-BR" dirty="0" err="1"/>
-              <a:t>Marick</a:t>
-            </a:r>
-            <a:r>
-              <a:rPr lang="pt-BR" dirty="0"/>
-              <a:t>, Robert C. Martin, Steve </a:t>
-            </a:r>
-            <a:r>
-              <a:rPr lang="pt-BR" dirty="0" err="1"/>
-              <a:t>Mellor</a:t>
-            </a:r>
-            <a:r>
-              <a:rPr lang="pt-BR" dirty="0"/>
-              <a:t>, </a:t>
+              <a:t>Criadores: Kent Beck, Mike Beedle, Arie van Bennekum, Alistair Cockburn, Ward Cunningham, Martin Fowler, James Grenning, Jim Highsmith, Andrew Hunt, Ron Jeffries, Jon Kern, Brian Marick, Robert C. Martin, Steve Mellor, </a:t>
             </a:r>
             <a:r>
               <a:rPr lang="pt-BR" b="1" dirty="0"/>
-              <a:t>Ken </a:t>
-            </a:r>
-            <a:r>
-              <a:rPr lang="pt-BR" b="1" dirty="0" err="1"/>
-              <a:t>Schwaber</a:t>
-            </a:r>
-            <a:r>
-              <a:rPr lang="pt-BR" b="1" dirty="0"/>
-              <a:t>, Jeff Sutherland</a:t>
+              <a:t>Ken Schwaber, Jeff Sutherland</a:t>
             </a:r>
             <a:r>
               <a:rPr lang="pt-BR" dirty="0"/>
@@ -6832,71 +6619,7 @@
             </a:pPr>
             <a:r>
               <a:rPr lang="en-US" dirty="0"/>
-              <a:t> </a:t>
-            </a:r>
-            <a:r>
-              <a:rPr lang="en-US" dirty="0" err="1"/>
-              <a:t>Criado</a:t>
-            </a:r>
-            <a:r>
-              <a:rPr lang="en-US" dirty="0"/>
-              <a:t> com o </a:t>
-            </a:r>
-            <a:r>
-              <a:rPr lang="en-US" dirty="0" err="1"/>
-              <a:t>objetivo</a:t>
-            </a:r>
-            <a:r>
-              <a:rPr lang="en-US" dirty="0"/>
-              <a:t> de </a:t>
-            </a:r>
-            <a:r>
-              <a:rPr lang="en-US" dirty="0" err="1"/>
-              <a:t>estabelecer</a:t>
-            </a:r>
-            <a:r>
-              <a:rPr lang="en-US" dirty="0"/>
-              <a:t> </a:t>
-            </a:r>
-            <a:r>
-              <a:rPr lang="en-US" dirty="0" err="1"/>
-              <a:t>parâmetros</a:t>
-            </a:r>
-            <a:r>
-              <a:rPr lang="en-US" dirty="0"/>
-              <a:t> para </a:t>
-            </a:r>
-            <a:r>
-              <a:rPr lang="en-US" dirty="0" err="1"/>
-              <a:t>criação</a:t>
-            </a:r>
-            <a:r>
-              <a:rPr lang="en-US" dirty="0"/>
-              <a:t> de </a:t>
-            </a:r>
-            <a:r>
-              <a:rPr lang="en-US" dirty="0" err="1"/>
-              <a:t>metodologias</a:t>
-            </a:r>
-            <a:r>
-              <a:rPr lang="en-US" dirty="0"/>
-              <a:t> </a:t>
-            </a:r>
-            <a:r>
-              <a:rPr lang="en-US" dirty="0" err="1"/>
-              <a:t>ágeis</a:t>
-            </a:r>
-            <a:r>
-              <a:rPr lang="en-US" dirty="0"/>
-              <a:t> para </a:t>
-            </a:r>
-            <a:r>
-              <a:rPr lang="en-US" dirty="0" err="1"/>
-              <a:t>desenvolvimento</a:t>
-            </a:r>
-            <a:r>
-              <a:rPr lang="en-US" dirty="0"/>
-              <a:t> de software.</a:t>
+              <a:t> Criado com o objetivo de estabelecer parâmetros para criação de metodologias ágeis para desenvolvimento de software.</a:t>
             </a:r>
             <a:endParaRPr lang="pt-BR" dirty="0"/>
           </a:p>
@@ -7374,7 +7097,7 @@
           <a:lstStyle/>
           <a:p>
             <a:r>
-              <a:rPr lang="en-US" dirty="0" err="1"/>
+              <a:rPr lang="en-US" dirty="0"/>
               <a:t>Transpar</a:t>
             </a:r>
             <a:r>
@@ -7706,39 +7429,7 @@
             </a:pPr>
             <a:r>
               <a:rPr lang="pt-BR" dirty="0"/>
-              <a:t>Baseia-se no sistema Toyota de produção desenvolvido por </a:t>
-            </a:r>
-            <a:r>
-              <a:rPr lang="pt-BR" dirty="0" err="1"/>
-              <a:t>Taiichi</a:t>
-            </a:r>
-            <a:r>
-              <a:rPr lang="pt-BR" dirty="0"/>
-              <a:t> </a:t>
-            </a:r>
-            <a:r>
-              <a:rPr lang="pt-BR" dirty="0" err="1"/>
-              <a:t>Ohno</a:t>
-            </a:r>
-            <a:r>
-              <a:rPr lang="pt-BR" dirty="0"/>
-              <a:t> e no ciclo OODA (Observe, </a:t>
-            </a:r>
-            <a:r>
-              <a:rPr lang="pt-BR" dirty="0" err="1"/>
-              <a:t>Orient</a:t>
-            </a:r>
-            <a:r>
-              <a:rPr lang="pt-BR" dirty="0"/>
-              <a:t>, Decide, </a:t>
-            </a:r>
-            <a:r>
-              <a:rPr lang="pt-BR" dirty="0" err="1"/>
-              <a:t>Act</a:t>
-            </a:r>
-            <a:r>
-              <a:rPr lang="pt-BR" dirty="0"/>
-              <a:t>) da aviação de combate.</a:t>
+              <a:t>Baseia-se no sistema Toyota de produção desenvolvido por Taiichi Ohno e no ciclo OODA (Observe, Orient, Decide, Act) da aviação de combate.</a:t>
             </a:r>
           </a:p>
         </p:txBody>
@@ -10022,13 +9713,8 @@
           <a:p>
             <a:r>
               <a:rPr lang="pt-BR" dirty="0"/>
-              <a:t>Empresas que utilizam o </a:t>
-            </a:r>
-            <a:r>
-              <a:rPr lang="pt-BR" dirty="0" err="1"/>
-              <a:t>Scrum</a:t>
-            </a:r>
-            <a:endParaRPr lang="pt-BR" dirty="0"/>
+              <a:t>Empresas que utilizam o Scrum</a:t>
+            </a:r>
           </a:p>
         </p:txBody>
       </p:sp>
@@ -10082,10 +9768,9 @@
               <a:buChar char="ü"/>
             </a:pPr>
             <a:r>
-              <a:rPr lang="pt-BR" dirty="0" err="1"/>
+              <a:rPr lang="pt-BR" dirty="0"/>
               <a:t>Locaweb</a:t>
             </a:r>
-            <a:endParaRPr lang="pt-BR" dirty="0"/>
           </a:p>
           <a:p>
             <a:pPr>
@@ -10103,10 +9788,9 @@
               <a:buChar char="ü"/>
             </a:pPr>
             <a:r>
-              <a:rPr lang="pt-BR" dirty="0" err="1"/>
+              <a:rPr lang="pt-BR" dirty="0"/>
               <a:t>Caelum</a:t>
             </a:r>
-            <a:endParaRPr lang="pt-BR" dirty="0"/>
           </a:p>
           <a:p>
             <a:pPr>
@@ -10172,7 +9856,12 @@
             <p:ph type="title"/>
           </p:nvPr>
         </p:nvSpPr>
-        <p:spPr/>
+        <p:spPr>
+          <a:xfrm>
+            <a:off x="492919" y="332657"/>
+            <a:ext cx="8079581" cy="864096"/>
+          </a:xfrm>
+        </p:spPr>
         <p:txBody>
           <a:bodyPr/>
           <a:lstStyle/>
@@ -10194,19 +9883,67 @@
             <p:ph idx="1"/>
           </p:nvPr>
         </p:nvSpPr>
-        <p:spPr/>
-        <p:txBody>
-          <a:bodyPr/>
-          <a:lstStyle/>
-          <a:p>
-            <a:pPr>
-              <a:buFont typeface="Wingdings" panose="05000000000000000000" pitchFamily="2" charset="2"/>
-              <a:buChar char="ü"/>
-            </a:pPr>
-            <a:r>
-              <a:rPr lang="pt-BR" dirty="0"/>
-              <a:t>É fundamental a utilização das metodologias ágeis de desenvolvimento de projetos em startups.</a:t>
-            </a:r>
+        <p:spPr>
+          <a:xfrm>
+            <a:off x="507206" y="1196752"/>
+            <a:ext cx="8065294" cy="5328592"/>
+          </a:xfrm>
+        </p:spPr>
+        <p:txBody>
+          <a:bodyPr>
+            <a:normAutofit lnSpcReduction="10000"/>
+          </a:bodyPr>
+          <a:lstStyle/>
+          <a:p>
+            <a:pPr>
+              <a:buFont typeface="Wingdings" panose="05000000000000000000" pitchFamily="2" charset="2"/>
+              <a:buChar char="ü"/>
+            </a:pPr>
+            <a:r>
+              <a:rPr lang="pt-BR" dirty="0"/>
+              <a:t>O desenvolvimento tradicional de software está muito burocrático e pouco flexível com as mudanças recorrentes no mercado;</a:t>
+            </a:r>
+          </a:p>
+          <a:p>
+            <a:pPr>
+              <a:buFont typeface="Wingdings" panose="05000000000000000000" pitchFamily="2" charset="2"/>
+              <a:buChar char="ü"/>
+            </a:pPr>
+            <a:r>
+              <a:rPr lang="pt-BR" dirty="0"/>
+              <a:t>Através dos ensinamentos do TPS podemos perceber que a produção enxuta fornece mais vantagens competitivas, e com a melhoria contínua o valor do produto tende a ser o melhor possível;</a:t>
+            </a:r>
+          </a:p>
+          <a:p>
+            <a:pPr>
+              <a:buFont typeface="Wingdings" panose="05000000000000000000" pitchFamily="2" charset="2"/>
+              <a:buChar char="ü"/>
+            </a:pPr>
+            <a:r>
+              <a:rPr lang="pt-BR" dirty="0"/>
+              <a:t>Startups são frutos de empreendedores que enxergarão oportunidades de negócio em um ambiente de extrema incerteza;</a:t>
+            </a:r>
+          </a:p>
+          <a:p>
+            <a:pPr>
+              <a:buFont typeface="Wingdings" panose="05000000000000000000" pitchFamily="2" charset="2"/>
+              <a:buChar char="ü"/>
+            </a:pPr>
+            <a:r>
+              <a:rPr lang="pt-BR" dirty="0"/>
+              <a:t>O manifesto ágil contribuiu na definição dos princípios para o desenvolvimento ágil de software com base nos conceitos de produção enxuta.</a:t>
+            </a:r>
+          </a:p>
+          <a:p>
+            <a:pPr>
+              <a:buFont typeface="Wingdings" panose="05000000000000000000" pitchFamily="2" charset="2"/>
+              <a:buChar char="ü"/>
+            </a:pPr>
+            <a:r>
+              <a:rPr lang="pt-BR" dirty="0"/>
+              <a:t>A  agilidade do Scrum é responsável, em grande parte, pela inovação apresentada. Tudo é feito a partir das necessidades dos clientes e não a partir de soluções pré-programadas;</a:t>
+            </a:r>
+            <a:endParaRPr lang="pt-BR" dirty="0"/>
           </a:p>
           <a:p>
             <a:pPr>
@@ -10448,23 +10185,7 @@
             </a:pPr>
             <a:r>
               <a:rPr lang="pt-BR" dirty="0"/>
-              <a:t>Concebido na década de 1950, quando </a:t>
-            </a:r>
-            <a:r>
-              <a:rPr lang="pt-BR" dirty="0" err="1"/>
-              <a:t>Toyoda</a:t>
-            </a:r>
-            <a:r>
-              <a:rPr lang="pt-BR" dirty="0"/>
-              <a:t> e </a:t>
-            </a:r>
-            <a:r>
-              <a:rPr lang="pt-BR" dirty="0" err="1"/>
-              <a:t>Ohno</a:t>
-            </a:r>
-            <a:r>
-              <a:rPr lang="pt-BR" dirty="0"/>
-              <a:t>, visitando os Estados Unidos, concluíram que o principal problema do modelo de Ford era o desperdício de recursos. Dessa observação nasceram os elementos básicos do Sistema Toyota de Produção, sendo também seus dois princípios mais importantes: </a:t>
+              <a:t>Concebido na década de 1950, quando Toyoda e Ohno, visitando os Estados Unidos, concluíram que o principal problema do modelo de Ford era o desperdício de recursos. Dessa observação nasceram os elementos básicos do Sistema Toyota de Produção, sendo também seus dois princípios mais importantes: </a:t>
             </a:r>
             <a:r>
               <a:rPr lang="pt-BR" b="1" dirty="0"/>
@@ -10617,10 +10338,9 @@
           <a:lstStyle/>
           <a:p>
             <a:r>
-              <a:rPr lang="pt-BR" dirty="0" err="1"/>
+              <a:rPr lang="pt-BR" dirty="0"/>
               <a:t>Heijunka</a:t>
             </a:r>
-            <a:endParaRPr lang="pt-BR" dirty="0"/>
           </a:p>
         </p:txBody>
       </p:sp>

--- a/StartIdea/StartIdea.Docs/Apresentacao.pptx
+++ b/StartIdea/StartIdea.Docs/Apresentacao.pptx
@@ -5,7 +5,7 @@
     <p:sldMasterId id="2147483738" r:id="rId2"/>
   </p:sldMasterIdLst>
   <p:notesMasterIdLst>
-    <p:notesMasterId r:id="rId56"/>
+    <p:notesMasterId r:id="rId38"/>
   </p:notesMasterIdLst>
   <p:sldIdLst>
     <p:sldId id="256" r:id="rId3"/>
@@ -13,54 +13,36 @@
     <p:sldId id="257" r:id="rId5"/>
     <p:sldId id="270" r:id="rId6"/>
     <p:sldId id="312" r:id="rId7"/>
-    <p:sldId id="315" r:id="rId8"/>
-    <p:sldId id="313" r:id="rId9"/>
-    <p:sldId id="318" r:id="rId10"/>
-    <p:sldId id="319" r:id="rId11"/>
-    <p:sldId id="320" r:id="rId12"/>
-    <p:sldId id="321" r:id="rId13"/>
-    <p:sldId id="323" r:id="rId14"/>
-    <p:sldId id="322" r:id="rId15"/>
-    <p:sldId id="324" r:id="rId16"/>
-    <p:sldId id="325" r:id="rId17"/>
-    <p:sldId id="326" r:id="rId18"/>
-    <p:sldId id="328" r:id="rId19"/>
-    <p:sldId id="327" r:id="rId20"/>
-    <p:sldId id="329" r:id="rId21"/>
-    <p:sldId id="330" r:id="rId22"/>
-    <p:sldId id="269" r:id="rId23"/>
-    <p:sldId id="308" r:id="rId24"/>
-    <p:sldId id="316" r:id="rId25"/>
-    <p:sldId id="311" r:id="rId26"/>
-    <p:sldId id="310" r:id="rId27"/>
-    <p:sldId id="314" r:id="rId28"/>
-    <p:sldId id="305" r:id="rId29"/>
-    <p:sldId id="307" r:id="rId30"/>
-    <p:sldId id="306" r:id="rId31"/>
-    <p:sldId id="303" r:id="rId32"/>
-    <p:sldId id="300" r:id="rId33"/>
-    <p:sldId id="301" r:id="rId34"/>
-    <p:sldId id="302" r:id="rId35"/>
-    <p:sldId id="304" r:id="rId36"/>
-    <p:sldId id="262" r:id="rId37"/>
-    <p:sldId id="280" r:id="rId38"/>
-    <p:sldId id="282" r:id="rId39"/>
-    <p:sldId id="281" r:id="rId40"/>
-    <p:sldId id="283" r:id="rId41"/>
-    <p:sldId id="287" r:id="rId42"/>
-    <p:sldId id="285" r:id="rId43"/>
-    <p:sldId id="288" r:id="rId44"/>
-    <p:sldId id="289" r:id="rId45"/>
-    <p:sldId id="290" r:id="rId46"/>
-    <p:sldId id="291" r:id="rId47"/>
-    <p:sldId id="292" r:id="rId48"/>
-    <p:sldId id="293" r:id="rId49"/>
-    <p:sldId id="294" r:id="rId50"/>
-    <p:sldId id="295" r:id="rId51"/>
-    <p:sldId id="296" r:id="rId52"/>
-    <p:sldId id="286" r:id="rId53"/>
-    <p:sldId id="317" r:id="rId54"/>
-    <p:sldId id="299" r:id="rId55"/>
+    <p:sldId id="313" r:id="rId8"/>
+    <p:sldId id="318" r:id="rId9"/>
+    <p:sldId id="314" r:id="rId10"/>
+    <p:sldId id="305" r:id="rId11"/>
+    <p:sldId id="307" r:id="rId12"/>
+    <p:sldId id="306" r:id="rId13"/>
+    <p:sldId id="303" r:id="rId14"/>
+    <p:sldId id="304" r:id="rId15"/>
+    <p:sldId id="262" r:id="rId16"/>
+    <p:sldId id="280" r:id="rId17"/>
+    <p:sldId id="282" r:id="rId18"/>
+    <p:sldId id="281" r:id="rId19"/>
+    <p:sldId id="283" r:id="rId20"/>
+    <p:sldId id="287" r:id="rId21"/>
+    <p:sldId id="285" r:id="rId22"/>
+    <p:sldId id="288" r:id="rId23"/>
+    <p:sldId id="289" r:id="rId24"/>
+    <p:sldId id="290" r:id="rId25"/>
+    <p:sldId id="291" r:id="rId26"/>
+    <p:sldId id="292" r:id="rId27"/>
+    <p:sldId id="293" r:id="rId28"/>
+    <p:sldId id="294" r:id="rId29"/>
+    <p:sldId id="295" r:id="rId30"/>
+    <p:sldId id="296" r:id="rId31"/>
+    <p:sldId id="286" r:id="rId32"/>
+    <p:sldId id="269" r:id="rId33"/>
+    <p:sldId id="308" r:id="rId34"/>
+    <p:sldId id="316" r:id="rId35"/>
+    <p:sldId id="311" r:id="rId36"/>
+    <p:sldId id="299" r:id="rId37"/>
   </p:sldIdLst>
   <p:sldSz cx="9144000" cy="6858000" type="screen4x3"/>
   <p:notesSz cx="6858000" cy="9144000"/>
@@ -261,7 +243,7 @@
             <a:fld id="{E28287AA-0D99-42CE-A71B-10FA9908BBF8}" type="datetimeFigureOut">
               <a:rPr lang="pt-BR"/>
               <a:pPr/>
-              <a:t>24/11/2016</a:t>
+              <a:t>01/12/2016</a:t>
             </a:fld>
             <a:endParaRPr lang="pt-BR" dirty="0"/>
           </a:p>
@@ -993,7 +975,7 @@
             <a:fld id="{DCFA480D-CB17-4C49-BB2A-C7514E1C7CEA}" type="datetimeFigureOut">
               <a:rPr lang="pt-BR" smtClean="0"/>
               <a:pPr/>
-              <a:t>24/11/2016</a:t>
+              <a:t>01/12/2016</a:t>
             </a:fld>
             <a:endParaRPr lang="pt-BR" dirty="0"/>
           </a:p>
@@ -1186,7 +1168,7 @@
             <a:fld id="{DCFA480D-CB17-4C49-BB2A-C7514E1C7CEA}" type="datetimeFigureOut">
               <a:rPr lang="pt-BR" smtClean="0"/>
               <a:pPr/>
-              <a:t>24/11/2016</a:t>
+              <a:t>01/12/2016</a:t>
             </a:fld>
             <a:endParaRPr lang="pt-BR" sz="1200" dirty="0">
               <a:solidFill>
@@ -1382,7 +1364,7 @@
             <a:fld id="{DCFA480D-CB17-4C49-BB2A-C7514E1C7CEA}" type="datetimeFigureOut">
               <a:rPr lang="pt-BR" smtClean="0"/>
               <a:pPr/>
-              <a:t>24/11/2016</a:t>
+              <a:t>01/12/2016</a:t>
             </a:fld>
             <a:endParaRPr lang="pt-BR" sz="1200" dirty="0">
               <a:solidFill>
@@ -1568,7 +1550,7 @@
             <a:fld id="{DCFA480D-CB17-4C49-BB2A-C7514E1C7CEA}" type="datetimeFigureOut">
               <a:rPr lang="pt-BR" smtClean="0"/>
               <a:pPr/>
-              <a:t>24/11/2016</a:t>
+              <a:t>01/12/2016</a:t>
             </a:fld>
             <a:endParaRPr lang="pt-BR" dirty="0"/>
           </a:p>
@@ -1827,7 +1809,7 @@
             <a:fld id="{DCFA480D-CB17-4C49-BB2A-C7514E1C7CEA}" type="datetimeFigureOut">
               <a:rPr lang="pt-BR" smtClean="0"/>
               <a:pPr/>
-              <a:t>24/11/2016</a:t>
+              <a:t>01/12/2016</a:t>
             </a:fld>
             <a:endParaRPr lang="pt-BR" dirty="0"/>
           </a:p>
@@ -2117,7 +2099,7 @@
             <a:fld id="{DCFA480D-CB17-4C49-BB2A-C7514E1C7CEA}" type="datetimeFigureOut">
               <a:rPr lang="pt-BR" smtClean="0"/>
               <a:pPr/>
-              <a:t>24/11/2016</a:t>
+              <a:t>01/12/2016</a:t>
             </a:fld>
             <a:endParaRPr lang="pt-BR" dirty="0"/>
           </a:p>
@@ -2557,7 +2539,7 @@
             <a:fld id="{DCFA480D-CB17-4C49-BB2A-C7514E1C7CEA}" type="datetimeFigureOut">
               <a:rPr lang="pt-BR" smtClean="0"/>
               <a:pPr/>
-              <a:t>24/11/2016</a:t>
+              <a:t>01/12/2016</a:t>
             </a:fld>
             <a:endParaRPr lang="pt-BR" dirty="0"/>
           </a:p>
@@ -2677,7 +2659,7 @@
             <a:fld id="{DCFA480D-CB17-4C49-BB2A-C7514E1C7CEA}" type="datetimeFigureOut">
               <a:rPr lang="pt-BR" smtClean="0"/>
               <a:pPr/>
-              <a:t>24/11/2016</a:t>
+              <a:t>01/12/2016</a:t>
             </a:fld>
             <a:endParaRPr lang="pt-BR" dirty="0"/>
           </a:p>
@@ -2774,7 +2756,7 @@
             <a:fld id="{DCFA480D-CB17-4C49-BB2A-C7514E1C7CEA}" type="datetimeFigureOut">
               <a:rPr lang="pt-BR" smtClean="0"/>
               <a:pPr/>
-              <a:t>24/11/2016</a:t>
+              <a:t>01/12/2016</a:t>
             </a:fld>
             <a:endParaRPr lang="pt-BR" sz="1200" dirty="0">
               <a:solidFill>
@@ -3146,7 +3128,7 @@
             <a:fld id="{DCFA480D-CB17-4C49-BB2A-C7514E1C7CEA}" type="datetimeFigureOut">
               <a:rPr lang="pt-BR" smtClean="0"/>
               <a:pPr/>
-              <a:t>24/11/2016</a:t>
+              <a:t>01/12/2016</a:t>
             </a:fld>
             <a:endParaRPr lang="pt-BR" dirty="0"/>
           </a:p>
@@ -3468,7 +3450,7 @@
             <a:fld id="{DCFA480D-CB17-4C49-BB2A-C7514E1C7CEA}" type="datetimeFigureOut">
               <a:rPr lang="pt-BR" smtClean="0"/>
               <a:pPr/>
-              <a:t>24/11/2016</a:t>
+              <a:t>01/12/2016</a:t>
             </a:fld>
             <a:endParaRPr lang="pt-BR" dirty="0"/>
           </a:p>
@@ -3704,7 +3686,7 @@
             <a:fld id="{DCFA480D-CB17-4C49-BB2A-C7514E1C7CEA}" type="datetimeFigureOut">
               <a:rPr lang="pt-BR" smtClean="0"/>
               <a:pPr/>
-              <a:t>24/11/2016</a:t>
+              <a:t>01/12/2016</a:t>
             </a:fld>
             <a:endParaRPr lang="pt-BR" sz="1200" dirty="0">
               <a:solidFill>
@@ -4236,7 +4218,7 @@
       </p:grpSpPr>
       <p:sp>
         <p:nvSpPr>
-          <p:cNvPr id="2" name="Título 1"/>
+          <p:cNvPr id="3" name="Título 2"/>
           <p:cNvSpPr>
             <a:spLocks noGrp="1"/>
           </p:cNvSpPr>
@@ -4251,14 +4233,14 @@
           <a:p>
             <a:r>
               <a:rPr lang="pt-BR" dirty="0"/>
-              <a:t>Kaizen</a:t>
-            </a:r>
-          </a:p>
-        </p:txBody>
-      </p:sp>
-      <p:sp>
-        <p:nvSpPr>
-          <p:cNvPr id="3" name="Espaço Reservado para Conteúdo 2"/>
+              <a:t>Manifesto ágil - Princípios</a:t>
+            </a:r>
+          </a:p>
+        </p:txBody>
+      </p:sp>
+      <p:sp>
+        <p:nvSpPr>
+          <p:cNvPr id="2" name="Espaço Reservado para Conteúdo 1"/>
           <p:cNvSpPr>
             <a:spLocks noGrp="1"/>
           </p:cNvSpPr>
@@ -4266,44 +4248,76 @@
             <p:ph idx="1"/>
           </p:nvPr>
         </p:nvSpPr>
-        <p:spPr/>
-        <p:txBody>
-          <a:bodyPr/>
-          <a:lstStyle/>
-          <a:p>
-            <a:pPr>
-              <a:buFont typeface="Wingdings" panose="05000000000000000000" pitchFamily="2" charset="2"/>
-              <a:buChar char="ü"/>
-            </a:pPr>
-            <a:r>
-              <a:rPr lang="pt-BR" dirty="0"/>
-              <a:t>Constituída de dois ideogramas: O primeiro (Kai) representa mudança e o Zen, bondade ou virtude;</a:t>
-            </a:r>
-          </a:p>
-          <a:p>
-            <a:pPr>
-              <a:buFont typeface="Wingdings" panose="05000000000000000000" pitchFamily="2" charset="2"/>
-              <a:buChar char="ü"/>
-            </a:pPr>
-            <a:r>
-              <a:rPr lang="pt-BR" dirty="0"/>
-              <a:t>Melhoria contínua;</a:t>
-            </a:r>
-          </a:p>
-          <a:p>
-            <a:pPr lvl="2">
-              <a:buFont typeface="Wingdings" panose="05000000000000000000" pitchFamily="2" charset="2"/>
-              <a:buChar char="ü"/>
-            </a:pPr>
-            <a:r>
-              <a:rPr lang="pt-BR" dirty="0"/>
-              <a:t>Na prática o Kaizen significa que todos os colaboradores em todas as partes da organização estão continuamente à procura de maneiras para melhorar as operações.</a:t>
-            </a:r>
-          </a:p>
-          <a:p>
-            <a:pPr>
-              <a:buFont typeface="Wingdings" panose="05000000000000000000" pitchFamily="2" charset="2"/>
-              <a:buChar char="ü"/>
+        <p:spPr>
+          <a:xfrm>
+            <a:off x="507206" y="1993393"/>
+            <a:ext cx="8065294" cy="2947775"/>
+          </a:xfrm>
+        </p:spPr>
+        <p:txBody>
+          <a:bodyPr>
+            <a:normAutofit/>
+          </a:bodyPr>
+          <a:lstStyle/>
+          <a:p>
+            <a:pPr>
+              <a:buFont typeface="Wingdings" panose="05000000000000000000" pitchFamily="2" charset="2"/>
+              <a:buChar char="ü"/>
+            </a:pPr>
+            <a:r>
+              <a:rPr lang="pt-BR" b="1" dirty="0"/>
+              <a:t>Indivíduos e interação entre eles</a:t>
+            </a:r>
+            <a:r>
+              <a:rPr lang="pt-BR" dirty="0"/>
+              <a:t> mais que processos e ferramentas</a:t>
+            </a:r>
+          </a:p>
+          <a:p>
+            <a:pPr>
+              <a:buFont typeface="Wingdings" panose="05000000000000000000" pitchFamily="2" charset="2"/>
+              <a:buChar char="ü"/>
+            </a:pPr>
+            <a:r>
+              <a:rPr lang="pt-BR" b="1" dirty="0"/>
+              <a:t>Software em funcionamento</a:t>
+            </a:r>
+            <a:r>
+              <a:rPr lang="pt-BR" dirty="0"/>
+              <a:t> mais que documentação abrangente</a:t>
+            </a:r>
+          </a:p>
+          <a:p>
+            <a:pPr>
+              <a:buFont typeface="Wingdings" panose="05000000000000000000" pitchFamily="2" charset="2"/>
+              <a:buChar char="ü"/>
+            </a:pPr>
+            <a:r>
+              <a:rPr lang="pt-BR" b="1" dirty="0"/>
+              <a:t>Colaboração com o cliente</a:t>
+            </a:r>
+            <a:r>
+              <a:rPr lang="pt-BR" dirty="0"/>
+              <a:t> mais que negociação de contratos</a:t>
+            </a:r>
+          </a:p>
+          <a:p>
+            <a:pPr>
+              <a:buFont typeface="Wingdings" panose="05000000000000000000" pitchFamily="2" charset="2"/>
+              <a:buChar char="ü"/>
+            </a:pPr>
+            <a:r>
+              <a:rPr lang="pt-BR" b="1" dirty="0"/>
+              <a:t>Responder a mudanças</a:t>
+            </a:r>
+            <a:r>
+              <a:rPr lang="pt-BR" dirty="0"/>
+              <a:t> mais que seguir um plano</a:t>
+            </a:r>
+          </a:p>
+          <a:p>
+            <a:pPr marL="0" indent="0">
+              <a:buNone/>
             </a:pPr>
             <a:endParaRPr lang="pt-BR" dirty="0"/>
           </a:p>
@@ -4312,7 +4326,7 @@
     </p:spTree>
     <p:extLst>
       <p:ext uri="{BB962C8B-B14F-4D97-AF65-F5344CB8AC3E}">
-        <p14:creationId xmlns:p14="http://schemas.microsoft.com/office/powerpoint/2010/main" val="794923938"/>
+        <p14:creationId xmlns:p14="http://schemas.microsoft.com/office/powerpoint/2010/main" val="2305154754"/>
       </p:ext>
     </p:extLst>
   </p:cSld>
@@ -4341,7 +4355,7 @@
       </p:grpSpPr>
       <p:sp>
         <p:nvSpPr>
-          <p:cNvPr id="2" name="Título 1"/>
+          <p:cNvPr id="3" name="Título 2"/>
           <p:cNvSpPr>
             <a:spLocks noGrp="1"/>
           </p:cNvSpPr>
@@ -4356,14 +4370,14 @@
           <a:p>
             <a:r>
               <a:rPr lang="pt-BR" dirty="0"/>
-              <a:t>Normalização</a:t>
-            </a:r>
-          </a:p>
-        </p:txBody>
-      </p:sp>
-      <p:sp>
-        <p:nvSpPr>
-          <p:cNvPr id="3" name="Espaço Reservado para Conteúdo 2"/>
+              <a:t>Definição do Scrum</a:t>
+            </a:r>
+          </a:p>
+        </p:txBody>
+      </p:sp>
+      <p:sp>
+        <p:nvSpPr>
+          <p:cNvPr id="2" name="Espaço Reservado para Conteúdo 1"/>
           <p:cNvSpPr>
             <a:spLocks noGrp="1"/>
           </p:cNvSpPr>
@@ -4373,16 +4387,28 @@
         </p:nvSpPr>
         <p:spPr/>
         <p:txBody>
-          <a:bodyPr/>
-          <a:lstStyle/>
-          <a:p>
-            <a:pPr>
-              <a:buFont typeface="Wingdings" panose="05000000000000000000" pitchFamily="2" charset="2"/>
-              <a:buChar char="ü"/>
-            </a:pPr>
-            <a:r>
-              <a:rPr lang="pt-BR" dirty="0"/>
-              <a:t>O desenvolvimento com base em tarefas normalizadas assegura não só a consistência de elevados níveis de qualidade, mas também mantém o ritmo de produção e fornece termos de comparação para implementar uma estratégia de melhoria contínua;</a:t>
+          <a:bodyPr>
+            <a:normAutofit/>
+          </a:bodyPr>
+          <a:lstStyle/>
+          <a:p>
+            <a:pPr>
+              <a:buFont typeface="Wingdings" panose="05000000000000000000" pitchFamily="2" charset="2"/>
+              <a:buChar char="ü"/>
+            </a:pPr>
+            <a:r>
+              <a:rPr lang="pt-BR" dirty="0"/>
+              <a:t>Um framework dentro do qual pessoas podem tratar e resolver problemas complexos e adaptativos, enquanto produtiva e criativamente entregam produtos com o mais alto valor possível;</a:t>
+            </a:r>
+          </a:p>
+          <a:p>
+            <a:pPr>
+              <a:buFont typeface="Wingdings" panose="05000000000000000000" pitchFamily="2" charset="2"/>
+              <a:buChar char="ü"/>
+            </a:pPr>
+            <a:r>
+              <a:rPr lang="pt-BR" dirty="0"/>
+              <a:t>Quando Jeff Sutherland criou o Scrum em 1993, ele emprestou o termo de uma analogia apresentada em um estudo de 1986 por Takeuchi e Nonaka, publicado na Harvard Business Review. Nesse estudo, Takeuchi e Nonaka comparam equipes multifuncionais, alto desempenho para a formação de Scrum usado pelas equipes de Rugby.</a:t>
             </a:r>
           </a:p>
         </p:txBody>
@@ -4390,7 +4416,7 @@
     </p:spTree>
     <p:extLst>
       <p:ext uri="{BB962C8B-B14F-4D97-AF65-F5344CB8AC3E}">
-        <p14:creationId xmlns:p14="http://schemas.microsoft.com/office/powerpoint/2010/main" val="2224756767"/>
+        <p14:creationId xmlns:p14="http://schemas.microsoft.com/office/powerpoint/2010/main" val="2293700926"/>
       </p:ext>
     </p:extLst>
   </p:cSld>
@@ -4427,63 +4453,78 @@
             <p:ph type="title"/>
           </p:nvPr>
         </p:nvSpPr>
-        <p:spPr>
-          <a:xfrm>
-            <a:off x="492919" y="499533"/>
-            <a:ext cx="8079581" cy="1057259"/>
-          </a:xfrm>
-        </p:spPr>
-        <p:txBody>
-          <a:bodyPr/>
-          <a:lstStyle/>
-          <a:p>
-            <a:r>
-              <a:rPr lang="pt-BR" dirty="0"/>
-              <a:t>Pilares do TPS</a:t>
-            </a:r>
-          </a:p>
-        </p:txBody>
-      </p:sp>
-      <p:pic>
-        <p:nvPicPr>
-          <p:cNvPr id="4" name="Espaço Reservado para Conteúdo 3"/>
-          <p:cNvPicPr>
-            <a:picLocks noGrp="1"/>
-          </p:cNvPicPr>
+        <p:spPr/>
+        <p:txBody>
+          <a:bodyPr/>
+          <a:lstStyle/>
+          <a:p>
+            <a:r>
+              <a:rPr lang="pt-BR" dirty="0"/>
+              <a:t>Teoria do Scrum</a:t>
+            </a:r>
+          </a:p>
+        </p:txBody>
+      </p:sp>
+      <p:sp>
+        <p:nvSpPr>
+          <p:cNvPr id="3" name="Espaço Reservado para Conteúdo 2"/>
+          <p:cNvSpPr>
+            <a:spLocks noGrp="1"/>
+          </p:cNvSpPr>
           <p:nvPr>
             <p:ph idx="1"/>
           </p:nvPr>
-        </p:nvPicPr>
-        <p:blipFill>
-          <a:blip r:embed="rId2">
-            <a:extLst>
-              <a:ext uri="{28A0092B-C50C-407E-A947-70E740481C1C}">
-                <a14:useLocalDpi xmlns:a14="http://schemas.microsoft.com/office/drawing/2010/main" val="0"/>
-              </a:ext>
-            </a:extLst>
-          </a:blip>
-          <a:stretch>
-            <a:fillRect/>
-          </a:stretch>
-        </p:blipFill>
-        <p:spPr>
-          <a:xfrm>
-            <a:off x="2103585" y="1556792"/>
-            <a:ext cx="4858247" cy="4858247"/>
-          </a:xfrm>
-          <a:prstGeom prst="rect">
-            <a:avLst/>
-          </a:prstGeom>
-          <a:noFill/>
-          <a:ln>
-            <a:noFill/>
-          </a:ln>
-        </p:spPr>
-      </p:pic>
+        </p:nvSpPr>
+        <p:spPr/>
+        <p:txBody>
+          <a:bodyPr/>
+          <a:lstStyle/>
+          <a:p>
+            <a:pPr>
+              <a:buFont typeface="Wingdings" panose="05000000000000000000" pitchFamily="2" charset="2"/>
+              <a:buChar char="ü"/>
+            </a:pPr>
+            <a:r>
+              <a:rPr lang="pt-BR" dirty="0"/>
+              <a:t>Scrum é fundamentado nas teorias empíricas de controle de processo, ou empirismo;</a:t>
+            </a:r>
+          </a:p>
+          <a:p>
+            <a:pPr lvl="2">
+              <a:buFont typeface="Wingdings" panose="05000000000000000000" pitchFamily="2" charset="2"/>
+              <a:buChar char="ü"/>
+            </a:pPr>
+            <a:r>
+              <a:rPr lang="pt-BR" dirty="0"/>
+              <a:t>O empirismo afirma que o conhecimento vem da experiência e de tomada de decisões baseadas no que é conhecido;</a:t>
+            </a:r>
+          </a:p>
+          <a:p>
+            <a:pPr>
+              <a:buFont typeface="Wingdings" panose="05000000000000000000" pitchFamily="2" charset="2"/>
+              <a:buChar char="ü"/>
+            </a:pPr>
+            <a:r>
+              <a:rPr lang="pt-BR" dirty="0"/>
+              <a:t>O Scrum emprega uma abordagem iterativa e incremental para aperfeiçoar a previsibilidade e o controle de riscos;</a:t>
+            </a:r>
+          </a:p>
+          <a:p>
+            <a:pPr>
+              <a:buFont typeface="Wingdings" panose="05000000000000000000" pitchFamily="2" charset="2"/>
+              <a:buChar char="ü"/>
+            </a:pPr>
+            <a:r>
+              <a:rPr lang="pt-BR" dirty="0"/>
+              <a:t>Três pilares apoiam a implementação de controle de processo empírico: transparência, inspeção e adaptação.</a:t>
+            </a:r>
+          </a:p>
+        </p:txBody>
+      </p:sp>
     </p:spTree>
     <p:extLst>
       <p:ext uri="{BB962C8B-B14F-4D97-AF65-F5344CB8AC3E}">
-        <p14:creationId xmlns:p14="http://schemas.microsoft.com/office/powerpoint/2010/main" val="200612223"/>
+        <p14:creationId xmlns:p14="http://schemas.microsoft.com/office/powerpoint/2010/main" val="3220104280"/>
       </p:ext>
     </p:extLst>
   </p:cSld>
@@ -4527,7 +4568,7 @@
           <a:p>
             <a:r>
               <a:rPr lang="pt-BR" dirty="0"/>
-              <a:t>Jidoka</a:t>
+              <a:t>Valores do Scrum</a:t>
             </a:r>
           </a:p>
         </p:txBody>
@@ -4553,27 +4594,27 @@
             </a:pPr>
             <a:r>
               <a:rPr lang="pt-BR" dirty="0"/>
-              <a:t>Significa autonomação (automação com um toque humano);</a:t>
-            </a:r>
-          </a:p>
-          <a:p>
-            <a:pPr>
-              <a:buFont typeface="Wingdings" panose="05000000000000000000" pitchFamily="2" charset="2"/>
-              <a:buChar char="ü"/>
-            </a:pPr>
-            <a:r>
-              <a:rPr lang="pt-BR" dirty="0"/>
-              <a:t>Aplicar Jidoka evita que os defeitos de produção gerem retrabalhos, refugos, ou até mesmo que cheguem junto com o produto acabado às mãos do cliente;</a:t>
-            </a:r>
-          </a:p>
-          <a:p>
-            <a:pPr>
-              <a:buFont typeface="Wingdings" panose="05000000000000000000" pitchFamily="2" charset="2"/>
-              <a:buChar char="ü"/>
-            </a:pPr>
-            <a:r>
-              <a:rPr lang="pt-BR" dirty="0"/>
-              <a:t>É constituído por elementos importantes tais como: Genchi Genbutsu, Painel Andon e Poka-Yoke.</a:t>
+              <a:t>Como um framework para desenvolvimento ágil o Scrum é consistente com os valores do manifesto ágil;</a:t>
+            </a:r>
+          </a:p>
+          <a:p>
+            <a:pPr>
+              <a:buFont typeface="Wingdings" panose="05000000000000000000" pitchFamily="2" charset="2"/>
+              <a:buChar char="ü"/>
+            </a:pPr>
+            <a:r>
+              <a:rPr lang="pt-BR" dirty="0"/>
+              <a:t>Foco, coragem, franqueza, comprometimento e respeito é essencial para a saúde e o sucesso de todo processo</a:t>
+            </a:r>
+          </a:p>
+          <a:p>
+            <a:pPr>
+              <a:buFont typeface="Wingdings" panose="05000000000000000000" pitchFamily="2" charset="2"/>
+              <a:buChar char="ü"/>
+            </a:pPr>
+            <a:r>
+              <a:rPr lang="pt-BR" dirty="0"/>
+              <a:t>Baseia-se no sistema Toyota de produção desenvolvido por Taiichi Ohno e no ciclo OODA (Observe, Orient, Decide, Act) da aviação de combate.</a:t>
             </a:r>
           </a:p>
         </p:txBody>
@@ -4581,7 +4622,7 @@
     </p:spTree>
     <p:extLst>
       <p:ext uri="{BB962C8B-B14F-4D97-AF65-F5344CB8AC3E}">
-        <p14:creationId xmlns:p14="http://schemas.microsoft.com/office/powerpoint/2010/main" val="2910521171"/>
+        <p14:creationId xmlns:p14="http://schemas.microsoft.com/office/powerpoint/2010/main" val="1785062720"/>
       </p:ext>
     </p:extLst>
   </p:cSld>
@@ -4610,7 +4651,7 @@
       </p:grpSpPr>
       <p:sp>
         <p:nvSpPr>
-          <p:cNvPr id="2" name="Título 1"/>
+          <p:cNvPr id="3" name="Título 2"/>
           <p:cNvSpPr>
             <a:spLocks noGrp="1"/>
           </p:cNvSpPr>
@@ -4625,14 +4666,14 @@
           <a:p>
             <a:r>
               <a:rPr lang="pt-BR" dirty="0"/>
-              <a:t>Genchi Genbutsu</a:t>
-            </a:r>
-          </a:p>
-        </p:txBody>
-      </p:sp>
-      <p:sp>
-        <p:nvSpPr>
-          <p:cNvPr id="3" name="Espaço Reservado para Conteúdo 2"/>
+              <a:t>Time Scrum</a:t>
+            </a:r>
+          </a:p>
+        </p:txBody>
+      </p:sp>
+      <p:sp>
+        <p:nvSpPr>
+          <p:cNvPr id="2" name="Espaço Reservado para Conteúdo 1"/>
           <p:cNvSpPr>
             <a:spLocks noGrp="1"/>
           </p:cNvSpPr>
@@ -4642,26 +4683,28 @@
         </p:nvSpPr>
         <p:spPr/>
         <p:txBody>
-          <a:bodyPr/>
-          <a:lstStyle/>
-          <a:p>
-            <a:pPr>
-              <a:buFont typeface="Wingdings" panose="05000000000000000000" pitchFamily="2" charset="2"/>
-              <a:buChar char="ü"/>
-            </a:pPr>
-            <a:r>
-              <a:rPr lang="pt-BR" dirty="0"/>
-              <a:t>Expressão japonesa que significa “vai e veja você mesmo” não distante da ideia do conceito MBWA (Management By Walking Around);</a:t>
-            </a:r>
-          </a:p>
-          <a:p>
-            <a:pPr>
-              <a:buFont typeface="Wingdings" panose="05000000000000000000" pitchFamily="2" charset="2"/>
-              <a:buChar char="ü"/>
-            </a:pPr>
-            <a:r>
-              <a:rPr lang="pt-BR" dirty="0"/>
-              <a:t>É muito mais do que uma atividade adicional nas empresas. É mais que uma simples questão de caminhar e conversar.</a:t>
+          <a:bodyPr>
+            <a:normAutofit/>
+          </a:bodyPr>
+          <a:lstStyle/>
+          <a:p>
+            <a:pPr>
+              <a:buFont typeface="Wingdings" panose="05000000000000000000" pitchFamily="2" charset="2"/>
+              <a:buChar char="ü"/>
+            </a:pPr>
+            <a:r>
+              <a:rPr lang="pt-BR" dirty="0"/>
+              <a:t>Entrega o produto de forma iterativa e incremental, maximizando as oportunidades de realimentação;</a:t>
+            </a:r>
+          </a:p>
+          <a:p>
+            <a:pPr>
+              <a:buFont typeface="Wingdings" panose="05000000000000000000" pitchFamily="2" charset="2"/>
+              <a:buChar char="ü"/>
+            </a:pPr>
+            <a:r>
+              <a:rPr lang="pt-BR" dirty="0"/>
+              <a:t>Composto por: Product Owner, Time de Desenvolvimento e Scrum Master.</a:t>
             </a:r>
           </a:p>
         </p:txBody>
@@ -4669,7 +4712,7 @@
     </p:spTree>
     <p:extLst>
       <p:ext uri="{BB962C8B-B14F-4D97-AF65-F5344CB8AC3E}">
-        <p14:creationId xmlns:p14="http://schemas.microsoft.com/office/powerpoint/2010/main" val="2330899761"/>
+        <p14:creationId xmlns:p14="http://schemas.microsoft.com/office/powerpoint/2010/main" val="3509287758"/>
       </p:ext>
     </p:extLst>
   </p:cSld>
@@ -4706,20 +4749,16 @@
             <p:ph type="title"/>
           </p:nvPr>
         </p:nvSpPr>
-        <p:spPr>
-          <a:xfrm>
-            <a:off x="492919" y="499533"/>
-            <a:ext cx="8079581" cy="1493860"/>
-          </a:xfrm>
-        </p:spPr>
-        <p:txBody>
-          <a:bodyPr/>
-          <a:lstStyle/>
-          <a:p>
-            <a:r>
-              <a:rPr lang="pt-BR" dirty="0"/>
-              <a:t>Painel Andon</a:t>
-            </a:r>
+        <p:spPr/>
+        <p:txBody>
+          <a:bodyPr/>
+          <a:lstStyle/>
+          <a:p>
+            <a:r>
+              <a:rPr lang="en-US" dirty="0"/>
+              <a:t>Product Owner</a:t>
+            </a:r>
+            <a:endParaRPr lang="pt-BR" dirty="0"/>
           </a:p>
         </p:txBody>
       </p:sp>
@@ -4736,66 +4775,89 @@
         <p:spPr>
           <a:xfrm>
             <a:off x="507206" y="1993393"/>
-            <a:ext cx="8065294" cy="3766185"/>
+            <a:ext cx="8065294" cy="4243919"/>
           </a:xfrm>
         </p:spPr>
         <p:txBody>
-          <a:bodyPr/>
-          <a:lstStyle/>
-          <a:p>
-            <a:pPr>
-              <a:buFont typeface="Wingdings" panose="05000000000000000000" pitchFamily="2" charset="2"/>
-              <a:buChar char="ü"/>
-            </a:pPr>
-            <a:r>
-              <a:rPr lang="pt-BR" dirty="0"/>
-              <a:t>É um simples quadro electrónico altamente visível que mostra o estado de cada linha de produção. Caso um operador detecte uma falha o quadro notifica imediatamente a gestão, indicando a sua localização precisa.</a:t>
+          <a:bodyPr>
+            <a:normAutofit/>
+          </a:bodyPr>
+          <a:lstStyle/>
+          <a:p>
+            <a:pPr>
+              <a:buFont typeface="Wingdings" panose="05000000000000000000" pitchFamily="2" charset="2"/>
+              <a:buChar char="ü"/>
+            </a:pPr>
+            <a:r>
+              <a:rPr lang="pt-BR" dirty="0"/>
+              <a:t>Pessoa responsável por gerenciar o Backlog do Produto a fim de maximizar o valor do projeto;</a:t>
+            </a:r>
+          </a:p>
+          <a:p>
+            <a:pPr lvl="2">
+              <a:buFont typeface="Wingdings" panose="05000000000000000000" pitchFamily="2" charset="2"/>
+              <a:buChar char="ü"/>
+            </a:pPr>
+            <a:r>
+              <a:rPr lang="pt-BR" dirty="0"/>
+              <a:t>Ordena por prioridade e esclarece os itens do Backlog do Produto</a:t>
+            </a:r>
+          </a:p>
+          <a:p>
+            <a:pPr>
+              <a:buFont typeface="Wingdings" panose="05000000000000000000" pitchFamily="2" charset="2"/>
+              <a:buChar char="ü"/>
+            </a:pPr>
+            <a:r>
+              <a:rPr lang="pt-BR" dirty="0"/>
+              <a:t>Pode cancelar uma Sprint;</a:t>
+            </a:r>
+          </a:p>
+          <a:p>
+            <a:pPr>
+              <a:buFont typeface="Wingdings" panose="05000000000000000000" pitchFamily="2" charset="2"/>
+              <a:buChar char="ü"/>
+            </a:pPr>
+            <a:r>
+              <a:rPr lang="pt-BR" dirty="0"/>
+              <a:t>Representa todos os Stakeholders no projeto.</a:t>
             </a:r>
           </a:p>
           <a:p>
             <a:pPr marL="0" indent="0">
               <a:buNone/>
             </a:pPr>
-            <a:endParaRPr lang="pt-BR" dirty="0"/>
-          </a:p>
-        </p:txBody>
-      </p:sp>
-      <p:pic>
-        <p:nvPicPr>
-          <p:cNvPr id="4" name="Imagem 3"/>
-          <p:cNvPicPr/>
-          <p:nvPr/>
-        </p:nvPicPr>
-        <p:blipFill>
-          <a:blip r:embed="rId2" cstate="print">
-            <a:extLst>
-              <a:ext uri="{28A0092B-C50C-407E-A947-70E740481C1C}">
-                <a14:useLocalDpi xmlns:a14="http://schemas.microsoft.com/office/drawing/2010/main" val="0"/>
-              </a:ext>
-            </a:extLst>
-          </a:blip>
-          <a:stretch>
-            <a:fillRect/>
-          </a:stretch>
-        </p:blipFill>
-        <p:spPr>
-          <a:xfrm>
-            <a:off x="2699792" y="3429000"/>
-            <a:ext cx="3655616" cy="2741492"/>
-          </a:xfrm>
-          <a:prstGeom prst="rect">
-            <a:avLst/>
-          </a:prstGeom>
-          <a:noFill/>
-          <a:ln>
-            <a:noFill/>
-          </a:ln>
-        </p:spPr>
-      </p:pic>
+            <a:endParaRPr lang="en-US" dirty="0"/>
+          </a:p>
+          <a:p>
+            <a:pPr marL="0" indent="0">
+              <a:buNone/>
+            </a:pPr>
+            <a:endParaRPr lang="en-US" dirty="0"/>
+          </a:p>
+          <a:p>
+            <a:pPr marL="0" indent="0">
+              <a:buNone/>
+            </a:pPr>
+            <a:r>
+              <a:rPr lang="en-US" b="1" i="1" dirty="0"/>
+              <a:t>Stakeholder</a:t>
+            </a:r>
+            <a:r>
+              <a:rPr lang="en-US" i="1" dirty="0"/>
+              <a:t>: </a:t>
+            </a:r>
+            <a:r>
+              <a:rPr lang="pt-BR" i="1" dirty="0"/>
+              <a:t>Alguém interessado no projeto, porém não está comprometido diretamente com ele (Ex: Cliente, Acionista, Diretor).</a:t>
+            </a:r>
+          </a:p>
+        </p:txBody>
+      </p:sp>
     </p:spTree>
     <p:extLst>
       <p:ext uri="{BB962C8B-B14F-4D97-AF65-F5344CB8AC3E}">
-        <p14:creationId xmlns:p14="http://schemas.microsoft.com/office/powerpoint/2010/main" val="2162098475"/>
+        <p14:creationId xmlns:p14="http://schemas.microsoft.com/office/powerpoint/2010/main" val="2206234286"/>
       </p:ext>
     </p:extLst>
   </p:cSld>
@@ -4838,9 +4900,10 @@
           <a:lstStyle/>
           <a:p>
             <a:r>
-              <a:rPr lang="pt-BR" dirty="0"/>
-              <a:t>Poka-Yoke</a:t>
-            </a:r>
+              <a:rPr lang="en-US" dirty="0"/>
+              <a:t>Time de Desenvolvimento</a:t>
+            </a:r>
+            <a:endParaRPr lang="pt-BR" dirty="0"/>
           </a:p>
         </p:txBody>
       </p:sp>
@@ -4865,17 +4928,27 @@
             </a:pPr>
             <a:r>
               <a:rPr lang="pt-BR" dirty="0"/>
-              <a:t>Expressão japonesa que significa “à prova de erros”;</a:t>
-            </a:r>
-          </a:p>
-          <a:p>
-            <a:pPr>
-              <a:buFont typeface="Wingdings" panose="05000000000000000000" pitchFamily="2" charset="2"/>
-              <a:buChar char="ü"/>
-            </a:pPr>
-            <a:r>
-              <a:rPr lang="pt-BR" dirty="0"/>
-              <a:t>Todos os itens usados com frequência estão claramente identificados para que possam ser usados e encontrados por qualquer pessoa.</a:t>
+              <a:t>Grupo de profissionais responsáveis pelo desenvolvimento do potencial incremento que será entregue a cada Sprint;</a:t>
+            </a:r>
+          </a:p>
+          <a:p>
+            <a:pPr>
+              <a:buFont typeface="Wingdings" panose="05000000000000000000" pitchFamily="2" charset="2"/>
+              <a:buChar char="ü"/>
+            </a:pPr>
+            <a:r>
+              <a:rPr lang="pt-BR" dirty="0"/>
+              <a:t>São auto organizáveis e multifuncionais;</a:t>
+            </a:r>
+          </a:p>
+          <a:p>
+            <a:pPr>
+              <a:buFont typeface="Wingdings" panose="05000000000000000000" pitchFamily="2" charset="2"/>
+              <a:buChar char="ü"/>
+            </a:pPr>
+            <a:r>
+              <a:rPr lang="pt-BR" dirty="0"/>
+              <a:t>Composto entre 3 a 9 integrantes.</a:t>
             </a:r>
           </a:p>
         </p:txBody>
@@ -4883,7 +4956,7 @@
     </p:spTree>
     <p:extLst>
       <p:ext uri="{BB962C8B-B14F-4D97-AF65-F5344CB8AC3E}">
-        <p14:creationId xmlns:p14="http://schemas.microsoft.com/office/powerpoint/2010/main" val="833273520"/>
+        <p14:creationId xmlns:p14="http://schemas.microsoft.com/office/powerpoint/2010/main" val="3008020100"/>
       </p:ext>
     </p:extLst>
   </p:cSld>
@@ -4920,63 +4993,106 @@
             <p:ph type="title"/>
           </p:nvPr>
         </p:nvSpPr>
-        <p:spPr>
-          <a:xfrm>
-            <a:off x="492919" y="499533"/>
-            <a:ext cx="8079581" cy="1057259"/>
-          </a:xfrm>
-        </p:spPr>
-        <p:txBody>
-          <a:bodyPr/>
-          <a:lstStyle/>
-          <a:p>
-            <a:r>
-              <a:rPr lang="pt-BR" dirty="0"/>
-              <a:t>Pilares do TPS</a:t>
-            </a:r>
-          </a:p>
-        </p:txBody>
-      </p:sp>
-      <p:pic>
-        <p:nvPicPr>
-          <p:cNvPr id="4" name="Espaço Reservado para Conteúdo 3"/>
-          <p:cNvPicPr>
-            <a:picLocks noGrp="1"/>
-          </p:cNvPicPr>
+        <p:spPr/>
+        <p:txBody>
+          <a:bodyPr/>
+          <a:lstStyle/>
+          <a:p>
+            <a:r>
+              <a:rPr lang="en-US" dirty="0"/>
+              <a:t>Scrum Master</a:t>
+            </a:r>
+            <a:endParaRPr lang="pt-BR" dirty="0"/>
+          </a:p>
+        </p:txBody>
+      </p:sp>
+      <p:sp>
+        <p:nvSpPr>
+          <p:cNvPr id="3" name="Espaço Reservado para Conteúdo 2"/>
+          <p:cNvSpPr>
+            <a:spLocks noGrp="1"/>
+          </p:cNvSpPr>
           <p:nvPr>
             <p:ph idx="1"/>
           </p:nvPr>
-        </p:nvPicPr>
-        <p:blipFill>
-          <a:blip r:embed="rId2">
-            <a:extLst>
-              <a:ext uri="{28A0092B-C50C-407E-A947-70E740481C1C}">
-                <a14:useLocalDpi xmlns:a14="http://schemas.microsoft.com/office/drawing/2010/main" val="0"/>
-              </a:ext>
-            </a:extLst>
-          </a:blip>
-          <a:stretch>
-            <a:fillRect/>
-          </a:stretch>
-        </p:blipFill>
-        <p:spPr>
-          <a:xfrm>
-            <a:off x="2103585" y="1556792"/>
-            <a:ext cx="4858247" cy="4858247"/>
-          </a:xfrm>
-          <a:prstGeom prst="rect">
-            <a:avLst/>
-          </a:prstGeom>
-          <a:noFill/>
-          <a:ln>
-            <a:noFill/>
-          </a:ln>
-        </p:spPr>
-      </p:pic>
+        </p:nvSpPr>
+        <p:spPr/>
+        <p:txBody>
+          <a:bodyPr/>
+          <a:lstStyle/>
+          <a:p>
+            <a:pPr>
+              <a:buFont typeface="Wingdings" panose="05000000000000000000" pitchFamily="2" charset="2"/>
+              <a:buChar char="ü"/>
+            </a:pPr>
+            <a:r>
+              <a:rPr lang="pt-BR" dirty="0"/>
+              <a:t>Pessoa responsável por garantir que o Scrum seja compreendido por todos, fazendo com que aderem a teoria, praticas e regras do Scrum;</a:t>
+            </a:r>
+          </a:p>
+          <a:p>
+            <a:pPr>
+              <a:buFont typeface="Wingdings" panose="05000000000000000000" pitchFamily="2" charset="2"/>
+              <a:buChar char="ü"/>
+            </a:pPr>
+            <a:r>
+              <a:rPr lang="pt-BR" dirty="0"/>
+              <a:t>Facilitador e potencializador do trabalho do Time Scrum;</a:t>
+            </a:r>
+          </a:p>
+          <a:p>
+            <a:pPr lvl="2">
+              <a:buFont typeface="Wingdings" panose="05000000000000000000" pitchFamily="2" charset="2"/>
+              <a:buChar char="ü"/>
+            </a:pPr>
+            <a:r>
+              <a:rPr lang="pt-BR" dirty="0"/>
+              <a:t>Remove quaisquer impedimentos para o progresso</a:t>
+            </a:r>
+          </a:p>
+          <a:p>
+            <a:pPr lvl="2">
+              <a:buFont typeface="Wingdings" panose="05000000000000000000" pitchFamily="2" charset="2"/>
+              <a:buChar char="ü"/>
+            </a:pPr>
+            <a:r>
+              <a:rPr lang="pt-BR" dirty="0"/>
+              <a:t>Agenda e conduz reuniões</a:t>
+            </a:r>
+          </a:p>
+          <a:p>
+            <a:pPr>
+              <a:buFont typeface="Wingdings" panose="05000000000000000000" pitchFamily="2" charset="2"/>
+              <a:buChar char="ü"/>
+            </a:pPr>
+            <a:r>
+              <a:rPr lang="pt-BR" dirty="0"/>
+              <a:t>Protege o Time Scrum.</a:t>
+            </a:r>
+          </a:p>
+          <a:p>
+            <a:pPr lvl="2">
+              <a:buFont typeface="Wingdings" panose="05000000000000000000" pitchFamily="2" charset="2"/>
+              <a:buChar char="ü"/>
+            </a:pPr>
+            <a:r>
+              <a:rPr lang="pt-BR" dirty="0"/>
+              <a:t>Ajuda aqueles que estão fora a entender quais as interações com o Time Scrum são úteis</a:t>
+            </a:r>
+          </a:p>
+          <a:p>
+            <a:pPr lvl="2">
+              <a:buFont typeface="Wingdings" panose="05000000000000000000" pitchFamily="2" charset="2"/>
+              <a:buChar char="ü"/>
+            </a:pPr>
+            <a:endParaRPr lang="pt-BR" dirty="0"/>
+          </a:p>
+        </p:txBody>
+      </p:sp>
     </p:spTree>
     <p:extLst>
       <p:ext uri="{BB962C8B-B14F-4D97-AF65-F5344CB8AC3E}">
-        <p14:creationId xmlns:p14="http://schemas.microsoft.com/office/powerpoint/2010/main" val="880359493"/>
+        <p14:creationId xmlns:p14="http://schemas.microsoft.com/office/powerpoint/2010/main" val="4155157275"/>
       </p:ext>
     </p:extLst>
   </p:cSld>
@@ -5013,19 +5129,14 @@
             <p:ph type="title"/>
           </p:nvPr>
         </p:nvSpPr>
-        <p:spPr>
-          <a:xfrm>
-            <a:off x="492919" y="499533"/>
-            <a:ext cx="8079581" cy="913243"/>
-          </a:xfrm>
-        </p:spPr>
-        <p:txBody>
-          <a:bodyPr/>
-          <a:lstStyle/>
-          <a:p>
-            <a:r>
-              <a:rPr lang="pt-BR" b="1" dirty="0"/>
-              <a:t>Just-in-time (JIT)</a:t>
+        <p:spPr/>
+        <p:txBody>
+          <a:bodyPr/>
+          <a:lstStyle/>
+          <a:p>
+            <a:r>
+              <a:rPr lang="en-US" dirty="0"/>
+              <a:t>Eventos Scrum</a:t>
             </a:r>
             <a:endParaRPr lang="pt-BR" dirty="0"/>
           </a:p>
@@ -5041,73 +5152,63 @@
             <p:ph idx="1"/>
           </p:nvPr>
         </p:nvSpPr>
-        <p:spPr>
-          <a:xfrm>
-            <a:off x="507206" y="1412776"/>
-            <a:ext cx="8065294" cy="4346803"/>
-          </a:xfrm>
-        </p:spPr>
-        <p:txBody>
-          <a:bodyPr/>
-          <a:lstStyle/>
-          <a:p>
-            <a:pPr>
-              <a:buFont typeface="Wingdings" panose="05000000000000000000" pitchFamily="2" charset="2"/>
-              <a:buChar char="ü"/>
-            </a:pPr>
-            <a:r>
-              <a:rPr lang="pt-BR" dirty="0"/>
-              <a:t>Assegura fluxos de trabalho suaves, contínuos e optimizados, com tempos de ciclo de trabalho planeados e medidos cuidadosamente, e movimentos de produtos de acordo com a procura, reduzem custos com desperdícios de tempo, materiais e capacidade;</a:t>
-            </a:r>
-          </a:p>
-          <a:p>
-            <a:pPr>
-              <a:buFont typeface="Wingdings" panose="05000000000000000000" pitchFamily="2" charset="2"/>
-              <a:buChar char="ü"/>
-            </a:pPr>
-            <a:r>
-              <a:rPr lang="pt-BR" dirty="0"/>
-              <a:t>É constituído por princípios chaves tais como: Eliminação do desperdiço (muda), Takt time e Kanban.</a:t>
-            </a:r>
-          </a:p>
-        </p:txBody>
-      </p:sp>
-      <p:pic>
-        <p:nvPicPr>
-          <p:cNvPr id="5" name="Imagem 4"/>
-          <p:cNvPicPr/>
-          <p:nvPr/>
-        </p:nvPicPr>
-        <p:blipFill>
-          <a:blip r:embed="rId2">
-            <a:extLst>
-              <a:ext uri="{28A0092B-C50C-407E-A947-70E740481C1C}">
-                <a14:useLocalDpi xmlns:a14="http://schemas.microsoft.com/office/drawing/2010/main" val="0"/>
-              </a:ext>
-            </a:extLst>
-          </a:blip>
-          <a:stretch>
-            <a:fillRect/>
-          </a:stretch>
-        </p:blipFill>
-        <p:spPr>
-          <a:xfrm>
-            <a:off x="2793998" y="3861048"/>
-            <a:ext cx="3551632" cy="2664296"/>
-          </a:xfrm>
-          <a:prstGeom prst="rect">
-            <a:avLst/>
-          </a:prstGeom>
-          <a:noFill/>
-          <a:ln>
-            <a:noFill/>
-          </a:ln>
-        </p:spPr>
-      </p:pic>
+        <p:spPr/>
+        <p:txBody>
+          <a:bodyPr/>
+          <a:lstStyle/>
+          <a:p>
+            <a:pPr>
+              <a:buFont typeface="Wingdings" panose="05000000000000000000" pitchFamily="2" charset="2"/>
+              <a:buChar char="ü"/>
+            </a:pPr>
+            <a:r>
+              <a:rPr lang="pt-BR" dirty="0"/>
+              <a:t>São usados no Scrum para criar uma rotina;</a:t>
+            </a:r>
+          </a:p>
+          <a:p>
+            <a:pPr>
+              <a:buFont typeface="Wingdings" panose="05000000000000000000" pitchFamily="2" charset="2"/>
+              <a:buChar char="ü"/>
+            </a:pPr>
+            <a:r>
+              <a:rPr lang="pt-BR" dirty="0"/>
+              <a:t>Todos os eventos possuem um tempo máximo pré-determinado para sua realização (time-boxed);</a:t>
+            </a:r>
+          </a:p>
+          <a:p>
+            <a:pPr>
+              <a:buFont typeface="Wingdings" panose="05000000000000000000" pitchFamily="2" charset="2"/>
+              <a:buChar char="ü"/>
+            </a:pPr>
+            <a:r>
+              <a:rPr lang="pt-BR" dirty="0"/>
+              <a:t>São eventos: Sprint, Reunião de Planejamento da Sprint, Reunião Diária, Revisão da Sprint e Retrospectiva da Sprint;</a:t>
+            </a:r>
+          </a:p>
+          <a:p>
+            <a:pPr>
+              <a:buFont typeface="Wingdings" panose="05000000000000000000" pitchFamily="2" charset="2"/>
+              <a:buChar char="ü"/>
+            </a:pPr>
+            <a:r>
+              <a:rPr lang="pt-BR" dirty="0"/>
+              <a:t>A não inclusão de qualquer um dos eventos resultará na redução da transparência e da perda de oportunidade para inspecionar e adaptar.</a:t>
+            </a:r>
+          </a:p>
+          <a:p>
+            <a:pPr>
+              <a:buFont typeface="Wingdings" panose="05000000000000000000" pitchFamily="2" charset="2"/>
+              <a:buChar char="ü"/>
+            </a:pPr>
+            <a:endParaRPr lang="pt-BR" dirty="0"/>
+          </a:p>
+        </p:txBody>
+      </p:sp>
     </p:spTree>
     <p:extLst>
       <p:ext uri="{BB962C8B-B14F-4D97-AF65-F5344CB8AC3E}">
-        <p14:creationId xmlns:p14="http://schemas.microsoft.com/office/powerpoint/2010/main" val="2999392889"/>
+        <p14:creationId xmlns:p14="http://schemas.microsoft.com/office/powerpoint/2010/main" val="2460374621"/>
       </p:ext>
     </p:extLst>
   </p:cSld>
@@ -5144,19 +5245,14 @@
             <p:ph type="title"/>
           </p:nvPr>
         </p:nvSpPr>
-        <p:spPr>
-          <a:xfrm>
-            <a:off x="492919" y="499533"/>
-            <a:ext cx="8079581" cy="1103444"/>
-          </a:xfrm>
-        </p:spPr>
-        <p:txBody>
-          <a:bodyPr/>
-          <a:lstStyle/>
-          <a:p>
-            <a:r>
-              <a:rPr lang="pt-BR" dirty="0"/>
-              <a:t>Eliminação do desperdiço</a:t>
+        <p:spPr/>
+        <p:txBody>
+          <a:bodyPr/>
+          <a:lstStyle/>
+          <a:p>
+            <a:r>
+              <a:rPr lang="pt-BR" dirty="0"/>
+              <a:t>Sprint</a:t>
             </a:r>
           </a:p>
         </p:txBody>
@@ -5171,23 +5267,28 @@
             <p:ph idx="1"/>
           </p:nvPr>
         </p:nvSpPr>
-        <p:spPr>
-          <a:xfrm>
-            <a:off x="507205" y="1571739"/>
-            <a:ext cx="8065294" cy="1929269"/>
-          </a:xfrm>
-        </p:spPr>
-        <p:txBody>
-          <a:bodyPr/>
-          <a:lstStyle/>
-          <a:p>
-            <a:pPr>
-              <a:buFont typeface="Wingdings" panose="05000000000000000000" pitchFamily="2" charset="2"/>
-              <a:buChar char="ü"/>
-            </a:pPr>
-            <a:r>
-              <a:rPr lang="pt-BR" dirty="0"/>
-              <a:t>Desperdício (muda) é definido como qualquer coisa que não adiciona valor. </a:t>
+        <p:spPr/>
+        <p:txBody>
+          <a:bodyPr/>
+          <a:lstStyle/>
+          <a:p>
+            <a:pPr>
+              <a:buFont typeface="Wingdings" panose="05000000000000000000" pitchFamily="2" charset="2"/>
+              <a:buChar char="ü"/>
+            </a:pPr>
+            <a:r>
+              <a:rPr lang="pt-BR" dirty="0"/>
+              <a:t>Coração do Scrum, ou seja, contém todos os elementos do Scrum;</a:t>
+            </a:r>
+          </a:p>
+          <a:p>
+            <a:pPr>
+              <a:buFont typeface="Wingdings" panose="05000000000000000000" pitchFamily="2" charset="2"/>
+              <a:buChar char="ü"/>
+            </a:pPr>
+            <a:r>
+              <a:rPr lang="pt-BR" dirty="0"/>
+              <a:t>O objetivo é ter uma interação curta o suficiente para manter o time focado, mas tempo suficiente para entregar um incremento significativo do trabalho;</a:t>
             </a:r>
           </a:p>
           <a:p>
@@ -5197,304 +5298,25 @@
             </a:pPr>
             <a:r>
               <a:rPr lang="pt-BR" dirty="0"/>
-              <a:t>Isto inclui áreas que normalmente não são consideradas como desperdício, tais como sobre produção, stocks, movimentos e processamentos em excesso e tempo de espera desnecessário.</a:t>
-            </a:r>
-          </a:p>
-        </p:txBody>
-      </p:sp>
-      <p:sp>
-        <p:nvSpPr>
-          <p:cNvPr id="4" name="Título 1"/>
-          <p:cNvSpPr txBox="1">
-            <a:spLocks/>
-          </p:cNvSpPr>
-          <p:nvPr/>
-        </p:nvSpPr>
-        <p:spPr>
-          <a:xfrm>
-            <a:off x="507205" y="3501008"/>
-            <a:ext cx="8079581" cy="921623"/>
-          </a:xfrm>
-          <a:prstGeom prst="rect">
-            <a:avLst/>
-          </a:prstGeom>
-        </p:spPr>
-        <p:txBody>
-          <a:bodyPr vert="horz" lIns="91440" tIns="45720" rIns="91440" bIns="45720" rtlCol="0" anchor="ctr">
-            <a:normAutofit/>
-          </a:bodyPr>
-          <a:lstStyle>
-            <a:lvl1pPr algn="l" defTabSz="914400" rtl="0" eaLnBrk="1" latinLnBrk="0" hangingPunct="1">
-              <a:lnSpc>
-                <a:spcPct val="90000"/>
-              </a:lnSpc>
-              <a:spcBef>
-                <a:spcPct val="0"/>
-              </a:spcBef>
-              <a:buNone/>
-              <a:defRPr sz="4800" kern="1200" spc="-120" baseline="0">
-                <a:solidFill>
-                  <a:schemeClr val="accent1"/>
-                </a:solidFill>
-                <a:latin typeface="+mj-lt"/>
-                <a:ea typeface="+mj-ea"/>
-                <a:cs typeface="+mj-cs"/>
-              </a:defRPr>
-            </a:lvl1pPr>
-          </a:lstStyle>
-          <a:p>
-            <a:r>
-              <a:rPr lang="pt-BR" dirty="0"/>
-              <a:t>Takt time</a:t>
-            </a:r>
-          </a:p>
-        </p:txBody>
-      </p:sp>
-      <p:sp>
-        <p:nvSpPr>
-          <p:cNvPr id="5" name="Espaço Reservado para Conteúdo 2"/>
-          <p:cNvSpPr txBox="1">
-            <a:spLocks/>
-          </p:cNvSpPr>
-          <p:nvPr/>
-        </p:nvSpPr>
-        <p:spPr>
-          <a:xfrm>
-            <a:off x="492919" y="4422631"/>
-            <a:ext cx="8065294" cy="1526649"/>
-          </a:xfrm>
-          <a:prstGeom prst="rect">
-            <a:avLst/>
-          </a:prstGeom>
-        </p:spPr>
-        <p:txBody>
-          <a:bodyPr vert="horz" lIns="91440" tIns="45720" rIns="91440" bIns="45720" rtlCol="0">
-            <a:normAutofit/>
-          </a:bodyPr>
-          <a:lstStyle>
-            <a:lvl1pPr marL="91440" indent="-91440" algn="l" defTabSz="914400" rtl="0" eaLnBrk="1" latinLnBrk="0" hangingPunct="1">
-              <a:lnSpc>
-                <a:spcPct val="85000"/>
-              </a:lnSpc>
-              <a:spcBef>
-                <a:spcPts val="1300"/>
-              </a:spcBef>
-              <a:buFont typeface="Arial" pitchFamily="34" charset="0"/>
-              <a:buChar char=" "/>
-              <a:defRPr sz="2400" kern="1200">
-                <a:solidFill>
-                  <a:schemeClr val="tx1">
-                    <a:lumMod val="85000"/>
-                    <a:lumOff val="15000"/>
-                  </a:schemeClr>
-                </a:solidFill>
-                <a:latin typeface="+mn-lt"/>
-                <a:ea typeface="+mn-ea"/>
-                <a:cs typeface="+mn-cs"/>
-              </a:defRPr>
-            </a:lvl1pPr>
-            <a:lvl2pPr marL="274320" indent="-342900" algn="l" defTabSz="914400" rtl="0" eaLnBrk="1" latinLnBrk="0" hangingPunct="1">
-              <a:lnSpc>
-                <a:spcPct val="85000"/>
-              </a:lnSpc>
-              <a:spcBef>
-                <a:spcPts val="600"/>
-              </a:spcBef>
-              <a:buFont typeface="Arial" pitchFamily="34" charset="0"/>
-              <a:buChar char=" "/>
-              <a:defRPr sz="2400" kern="1200">
-                <a:solidFill>
-                  <a:schemeClr val="tx1">
-                    <a:lumMod val="85000"/>
-                    <a:lumOff val="15000"/>
-                  </a:schemeClr>
-                </a:solidFill>
-                <a:latin typeface="+mn-lt"/>
-                <a:ea typeface="+mn-ea"/>
-                <a:cs typeface="+mn-cs"/>
-              </a:defRPr>
-            </a:lvl2pPr>
-            <a:lvl3pPr marL="548640" indent="-548640" algn="l" defTabSz="914400" rtl="0" eaLnBrk="1" latinLnBrk="0" hangingPunct="1">
-              <a:lnSpc>
-                <a:spcPct val="85000"/>
-              </a:lnSpc>
-              <a:spcBef>
-                <a:spcPts val="600"/>
-              </a:spcBef>
-              <a:buFont typeface="Arial" pitchFamily="34" charset="0"/>
-              <a:buChar char=" "/>
-              <a:defRPr sz="2000" i="1" kern="1200">
-                <a:solidFill>
-                  <a:schemeClr val="tx1">
-                    <a:lumMod val="85000"/>
-                    <a:lumOff val="15000"/>
-                  </a:schemeClr>
-                </a:solidFill>
-                <a:latin typeface="+mn-lt"/>
-                <a:ea typeface="+mn-ea"/>
-                <a:cs typeface="+mn-cs"/>
-              </a:defRPr>
-            </a:lvl3pPr>
-            <a:lvl4pPr marL="822960" indent="-822960" algn="l" defTabSz="914400" rtl="0" eaLnBrk="1" latinLnBrk="0" hangingPunct="1">
-              <a:lnSpc>
-                <a:spcPct val="85000"/>
-              </a:lnSpc>
-              <a:spcBef>
-                <a:spcPts val="600"/>
-              </a:spcBef>
-              <a:buFont typeface="Arial" pitchFamily="34" charset="0"/>
-              <a:buChar char=" "/>
-              <a:defRPr sz="1800" kern="1200">
-                <a:solidFill>
-                  <a:schemeClr val="tx1">
-                    <a:lumMod val="85000"/>
-                    <a:lumOff val="15000"/>
-                  </a:schemeClr>
-                </a:solidFill>
-                <a:latin typeface="+mn-lt"/>
-                <a:ea typeface="+mn-ea"/>
-                <a:cs typeface="+mn-cs"/>
-              </a:defRPr>
-            </a:lvl4pPr>
-            <a:lvl5pPr marL="1097280" indent="-1097280" algn="l" defTabSz="914400" rtl="0" eaLnBrk="1" latinLnBrk="0" hangingPunct="1">
-              <a:lnSpc>
-                <a:spcPct val="85000"/>
-              </a:lnSpc>
-              <a:spcBef>
-                <a:spcPts val="600"/>
-              </a:spcBef>
-              <a:buFont typeface="Arial" pitchFamily="34" charset="0"/>
-              <a:buChar char=" "/>
-              <a:defRPr sz="1800" kern="1200">
-                <a:solidFill>
-                  <a:schemeClr val="tx1">
-                    <a:lumMod val="85000"/>
-                    <a:lumOff val="15000"/>
-                  </a:schemeClr>
-                </a:solidFill>
-                <a:latin typeface="+mn-lt"/>
-                <a:ea typeface="+mn-ea"/>
-                <a:cs typeface="+mn-cs"/>
-              </a:defRPr>
-            </a:lvl5pPr>
-            <a:lvl6pPr marL="1200000" indent="-228600" algn="l" defTabSz="914400" rtl="0" eaLnBrk="1" latinLnBrk="0" hangingPunct="1">
-              <a:lnSpc>
-                <a:spcPct val="85000"/>
-              </a:lnSpc>
-              <a:spcBef>
-                <a:spcPts val="600"/>
-              </a:spcBef>
-              <a:buFont typeface="Arial" pitchFamily="34" charset="0"/>
-              <a:buChar char=" "/>
-              <a:defRPr sz="1800" kern="1200">
-                <a:solidFill>
-                  <a:schemeClr val="tx1">
-                    <a:lumMod val="85000"/>
-                    <a:lumOff val="15000"/>
-                  </a:schemeClr>
-                </a:solidFill>
-                <a:latin typeface="+mn-lt"/>
-                <a:ea typeface="+mn-ea"/>
-                <a:cs typeface="+mn-cs"/>
-              </a:defRPr>
-            </a:lvl6pPr>
-            <a:lvl7pPr marL="1400000" indent="-228600" algn="l" defTabSz="914400" rtl="0" eaLnBrk="1" latinLnBrk="0" hangingPunct="1">
-              <a:lnSpc>
-                <a:spcPct val="85000"/>
-              </a:lnSpc>
-              <a:spcBef>
-                <a:spcPts val="600"/>
-              </a:spcBef>
-              <a:buFont typeface="Arial" pitchFamily="34" charset="0"/>
-              <a:buChar char=" "/>
-              <a:defRPr sz="1800" kern="1200">
-                <a:solidFill>
-                  <a:schemeClr val="tx1">
-                    <a:lumMod val="85000"/>
-                    <a:lumOff val="15000"/>
-                  </a:schemeClr>
-                </a:solidFill>
-                <a:latin typeface="+mn-lt"/>
-                <a:ea typeface="+mn-ea"/>
-                <a:cs typeface="+mn-cs"/>
-              </a:defRPr>
-            </a:lvl7pPr>
-            <a:lvl8pPr marL="1600000" indent="-228600" algn="l" defTabSz="914400" rtl="0" eaLnBrk="1" latinLnBrk="0" hangingPunct="1">
-              <a:lnSpc>
-                <a:spcPct val="85000"/>
-              </a:lnSpc>
-              <a:spcBef>
-                <a:spcPts val="600"/>
-              </a:spcBef>
-              <a:buFont typeface="Arial" pitchFamily="34" charset="0"/>
-              <a:buChar char=" "/>
-              <a:defRPr sz="1800" kern="1200">
-                <a:solidFill>
-                  <a:schemeClr val="tx1">
-                    <a:lumMod val="85000"/>
-                    <a:lumOff val="15000"/>
-                  </a:schemeClr>
-                </a:solidFill>
-                <a:latin typeface="+mn-lt"/>
-                <a:ea typeface="+mn-ea"/>
-                <a:cs typeface="+mn-cs"/>
-              </a:defRPr>
-            </a:lvl8pPr>
-            <a:lvl9pPr marL="1800000" indent="-228600" algn="l" defTabSz="914400" rtl="0" eaLnBrk="1" latinLnBrk="0" hangingPunct="1">
-              <a:lnSpc>
-                <a:spcPct val="85000"/>
-              </a:lnSpc>
-              <a:spcBef>
-                <a:spcPts val="600"/>
-              </a:spcBef>
-              <a:buFont typeface="Arial" pitchFamily="34" charset="0"/>
-              <a:buChar char=" "/>
-              <a:defRPr sz="1800" kern="1200">
-                <a:solidFill>
-                  <a:schemeClr val="tx1">
-                    <a:lumMod val="85000"/>
-                    <a:lumOff val="15000"/>
-                  </a:schemeClr>
-                </a:solidFill>
-                <a:latin typeface="+mn-lt"/>
-                <a:ea typeface="+mn-ea"/>
-                <a:cs typeface="+mn-cs"/>
-              </a:defRPr>
-            </a:lvl9pPr>
-          </a:lstStyle>
-          <a:p>
-            <a:pPr>
-              <a:buFont typeface="Wingdings" panose="05000000000000000000" pitchFamily="2" charset="2"/>
-              <a:buChar char="ü"/>
-            </a:pPr>
-            <a:r>
-              <a:rPr lang="pt-BR" dirty="0"/>
-              <a:t>Vem da palavra alemã taktzeit, que pode ser traduzida como tempo de ciclo;</a:t>
-            </a:r>
-          </a:p>
-          <a:p>
-            <a:pPr lvl="2">
-              <a:buFont typeface="Wingdings" panose="05000000000000000000" pitchFamily="2" charset="2"/>
-              <a:buChar char="ü"/>
-            </a:pPr>
-            <a:r>
-              <a:rPr lang="pt-BR" dirty="0"/>
-              <a:t>Considerada como a taxa de procura dos clientes</a:t>
-            </a:r>
-          </a:p>
-          <a:p>
-            <a:pPr>
-              <a:buFont typeface="Wingdings" panose="05000000000000000000" pitchFamily="2" charset="2"/>
-              <a:buChar char="ü"/>
-            </a:pPr>
-            <a:endParaRPr lang="pt-BR" dirty="0"/>
+              <a:t>Duração de máxima de um mês, e hoje comumente usada pelos times entre uma ou duas semanas</a:t>
+            </a:r>
+          </a:p>
+          <a:p>
+            <a:pPr>
+              <a:buFont typeface="Wingdings" panose="05000000000000000000" pitchFamily="2" charset="2"/>
+              <a:buChar char="ü"/>
+            </a:pPr>
+            <a:r>
+              <a:rPr lang="pt-BR" dirty="0"/>
+              <a:t>Cancelamento só pode ser feito pelo Product Owner.</a:t>
+            </a:r>
           </a:p>
         </p:txBody>
       </p:sp>
     </p:spTree>
     <p:extLst>
       <p:ext uri="{BB962C8B-B14F-4D97-AF65-F5344CB8AC3E}">
-        <p14:creationId xmlns:p14="http://schemas.microsoft.com/office/powerpoint/2010/main" val="1732325093"/>
+        <p14:creationId xmlns:p14="http://schemas.microsoft.com/office/powerpoint/2010/main" val="2561348211"/>
       </p:ext>
     </p:extLst>
   </p:cSld>
@@ -5666,14 +5488,19 @@
             <p:ph type="title"/>
           </p:nvPr>
         </p:nvSpPr>
-        <p:spPr/>
-        <p:txBody>
-          <a:bodyPr/>
-          <a:lstStyle/>
-          <a:p>
-            <a:r>
-              <a:rPr lang="pt-BR" dirty="0"/>
-              <a:t>Kanban</a:t>
+        <p:spPr>
+          <a:xfrm>
+            <a:off x="492919" y="499533"/>
+            <a:ext cx="8079581" cy="913243"/>
+          </a:xfrm>
+        </p:spPr>
+        <p:txBody>
+          <a:bodyPr/>
+          <a:lstStyle/>
+          <a:p>
+            <a:r>
+              <a:rPr lang="pt-BR" dirty="0"/>
+              <a:t>Reunião de Planejamento</a:t>
             </a:r>
           </a:p>
         </p:txBody>
@@ -5688,18 +5515,35 @@
             <p:ph idx="1"/>
           </p:nvPr>
         </p:nvSpPr>
-        <p:spPr/>
-        <p:txBody>
-          <a:bodyPr/>
-          <a:lstStyle/>
-          <a:p>
-            <a:pPr>
-              <a:buFont typeface="Wingdings" panose="05000000000000000000" pitchFamily="2" charset="2"/>
-              <a:buChar char="ü"/>
-            </a:pPr>
-            <a:r>
-              <a:rPr lang="pt-BR" dirty="0"/>
-              <a:t>Palavra de origem japonesa que pode ser traduzida como cartas (ou cartão);</a:t>
+        <p:spPr>
+          <a:xfrm>
+            <a:off x="507206" y="1556792"/>
+            <a:ext cx="8065294" cy="4824536"/>
+          </a:xfrm>
+        </p:spPr>
+        <p:txBody>
+          <a:bodyPr>
+            <a:normAutofit fontScale="92500" lnSpcReduction="10000"/>
+          </a:bodyPr>
+          <a:lstStyle/>
+          <a:p>
+            <a:pPr>
+              <a:buFont typeface="Wingdings" panose="05000000000000000000" pitchFamily="2" charset="2"/>
+              <a:buChar char="ü"/>
+            </a:pPr>
+            <a:r>
+              <a:rPr lang="pt-BR" dirty="0"/>
+              <a:t>Reunião na qual estão presentes o Time Scrum e Stakeholders convidados;</a:t>
+            </a:r>
+          </a:p>
+          <a:p>
+            <a:pPr>
+              <a:buFont typeface="Wingdings" panose="05000000000000000000" pitchFamily="2" charset="2"/>
+              <a:buChar char="ü"/>
+            </a:pPr>
+            <a:r>
+              <a:rPr lang="pt-BR" dirty="0"/>
+              <a:t>Duração de acordo com o tamanho da Sprint;</a:t>
             </a:r>
           </a:p>
           <a:p>
@@ -5709,7 +5553,47 @@
             </a:pPr>
             <a:r>
               <a:rPr lang="pt-BR" dirty="0"/>
-              <a:t>Esses quadros e cartões visuais integram o sistema Kanban, que ajudam os trabalhadores a planejarem a produção na indústria e a controlar o estoque. Assim, conforme a quantidade de cartões disponíveis nos quadros são tomadas decisões, priorizando o que é mais importante, realizando setup de máquinas e até mesmo as paradas para manutenção</a:t>
+              <a:t>Time-box com no máximo 8 horas para uma Sprint de um mês</a:t>
+            </a:r>
+          </a:p>
+          <a:p>
+            <a:pPr>
+              <a:buFont typeface="Wingdings" panose="05000000000000000000" pitchFamily="2" charset="2"/>
+              <a:buChar char="ü"/>
+            </a:pPr>
+            <a:r>
+              <a:rPr lang="pt-BR" dirty="0"/>
+              <a:t>O Scrum Master garante que o evento ocorra e que os participantes entendam seu propósito;</a:t>
+            </a:r>
+          </a:p>
+          <a:p>
+            <a:pPr>
+              <a:buFont typeface="Wingdings" panose="05000000000000000000" pitchFamily="2" charset="2"/>
+              <a:buChar char="ü"/>
+            </a:pPr>
+            <a:r>
+              <a:rPr lang="pt-BR" dirty="0"/>
+              <a:t>Normalmente dividida em 2 partes:</a:t>
+            </a:r>
+          </a:p>
+          <a:p>
+            <a:pPr lvl="2">
+              <a:buFont typeface="Wingdings" panose="05000000000000000000" pitchFamily="2" charset="2"/>
+              <a:buChar char="ü"/>
+            </a:pPr>
+            <a:r>
+              <a:rPr lang="pt-BR" dirty="0"/>
+              <a:t>1ª parte: O Product Owner apresenta o Backlog do Produto, descreve o que ele deseja ver construído e esclarece dúvidas. Ao final o time seleciona os itens do Backlog do Produto e define o Sprint Goal (Objetivo) juntamente com o Product Owner</a:t>
+            </a:r>
+          </a:p>
+          <a:p>
+            <a:pPr lvl="2">
+              <a:buFont typeface="Wingdings" panose="05000000000000000000" pitchFamily="2" charset="2"/>
+              <a:buChar char="ü"/>
+            </a:pPr>
+            <a:r>
+              <a:rPr lang="pt-BR" dirty="0"/>
+              <a:t>2ª parte: O Time de Desenvolvimento decide como irá construir essas funcionalidades durante a Sprint e transformá-las em um incremento de produto “Pronto”. Os itens de Backlog do Produto selecionados para a Sprint, junto com o plano de entrega destes itens é chamado de Backlog da Sprint</a:t>
             </a:r>
           </a:p>
         </p:txBody>
@@ -5717,7 +5601,7 @@
     </p:spTree>
     <p:extLst>
       <p:ext uri="{BB962C8B-B14F-4D97-AF65-F5344CB8AC3E}">
-        <p14:creationId xmlns:p14="http://schemas.microsoft.com/office/powerpoint/2010/main" val="1953355252"/>
+        <p14:creationId xmlns:p14="http://schemas.microsoft.com/office/powerpoint/2010/main" val="1897746889"/>
       </p:ext>
     </p:extLst>
   </p:cSld>
@@ -5746,7 +5630,7 @@
       </p:grpSpPr>
       <p:sp>
         <p:nvSpPr>
-          <p:cNvPr id="3" name="Título 2"/>
+          <p:cNvPr id="2" name="Título 1"/>
           <p:cNvSpPr>
             <a:spLocks noGrp="1"/>
           </p:cNvSpPr>
@@ -5754,21 +5638,26 @@
             <p:ph type="title"/>
           </p:nvPr>
         </p:nvSpPr>
-        <p:spPr/>
-        <p:txBody>
-          <a:bodyPr/>
-          <a:lstStyle/>
-          <a:p>
-            <a:r>
-              <a:rPr lang="pt-BR" dirty="0"/>
-              <a:t>Definição de Startup</a:t>
-            </a:r>
-          </a:p>
-        </p:txBody>
-      </p:sp>
-      <p:sp>
-        <p:nvSpPr>
-          <p:cNvPr id="2" name="Espaço Reservado para Conteúdo 1"/>
+        <p:spPr>
+          <a:xfrm>
+            <a:off x="492919" y="499533"/>
+            <a:ext cx="8079581" cy="1057259"/>
+          </a:xfrm>
+        </p:spPr>
+        <p:txBody>
+          <a:bodyPr/>
+          <a:lstStyle/>
+          <a:p>
+            <a:r>
+              <a:rPr lang="pt-BR" dirty="0"/>
+              <a:t>Reunião Diária</a:t>
+            </a:r>
+          </a:p>
+        </p:txBody>
+      </p:sp>
+      <p:sp>
+        <p:nvSpPr>
+          <p:cNvPr id="3" name="Espaço Reservado para Conteúdo 2"/>
           <p:cNvSpPr>
             <a:spLocks noGrp="1"/>
           </p:cNvSpPr>
@@ -5776,7 +5665,12 @@
             <p:ph idx="1"/>
           </p:nvPr>
         </p:nvSpPr>
-        <p:spPr/>
+        <p:spPr>
+          <a:xfrm>
+            <a:off x="507206" y="1556792"/>
+            <a:ext cx="8065294" cy="4896545"/>
+          </a:xfrm>
+        </p:spPr>
         <p:txBody>
           <a:bodyPr>
             <a:normAutofit/>
@@ -5789,17 +5683,27 @@
             </a:pPr>
             <a:r>
               <a:rPr lang="pt-BR" dirty="0"/>
-              <a:t>Uma instituição humana projetada para criar novos produtos e serviços sob condições de extrema incerteza;</a:t>
-            </a:r>
-          </a:p>
-          <a:p>
-            <a:pPr>
-              <a:buFont typeface="Wingdings" panose="05000000000000000000" pitchFamily="2" charset="2"/>
-              <a:buChar char="ü"/>
-            </a:pPr>
-            <a:r>
-              <a:rPr lang="pt-BR" dirty="0"/>
-              <a:t>Principais Características:</a:t>
+              <a:t>Chamada também de “Daily Scrum” é composta pelo Scrum Master e o Time de Desenvolvimento;</a:t>
+            </a:r>
+          </a:p>
+          <a:p>
+            <a:pPr>
+              <a:buFont typeface="Wingdings" panose="05000000000000000000" pitchFamily="2" charset="2"/>
+              <a:buChar char="ü"/>
+            </a:pPr>
+            <a:r>
+              <a:rPr lang="pt-BR" dirty="0"/>
+              <a:t>São realizadas sempre no mesmo lugar e na mesma hora definida, com duração máxima de 15 minutos;</a:t>
+            </a:r>
+          </a:p>
+          <a:p>
+            <a:pPr>
+              <a:buFont typeface="Wingdings" panose="05000000000000000000" pitchFamily="2" charset="2"/>
+              <a:buChar char="ü"/>
+            </a:pPr>
+            <a:r>
+              <a:rPr lang="pt-BR" dirty="0"/>
+              <a:t>Cada integrante do time deverá responder três perguntas:</a:t>
             </a:r>
           </a:p>
           <a:p>
@@ -5809,7 +5713,7 @@
             </a:pPr>
             <a:r>
               <a:rPr lang="pt-BR" dirty="0"/>
-              <a:t>Inovação </a:t>
+              <a:t>O que eu fiz ontem que ajudou o Time de Desenvolvimento a atender a meta da Sprint?</a:t>
             </a:r>
           </a:p>
           <a:p>
@@ -5819,7 +5723,7 @@
             </a:pPr>
             <a:r>
               <a:rPr lang="pt-BR" dirty="0"/>
-              <a:t>Escalabilidade </a:t>
+              <a:t>O que eu farei hoje para ajudar o Time de Desenvolvimento atender a meta da Sprint?</a:t>
             </a:r>
           </a:p>
           <a:p>
@@ -5829,17 +5733,17 @@
             </a:pPr>
             <a:r>
               <a:rPr lang="pt-BR" dirty="0"/>
-              <a:t>Ter potencial para atingir grandes mercados</a:t>
-            </a:r>
-          </a:p>
-          <a:p>
-            <a:pPr lvl="2">
-              <a:buFont typeface="Wingdings" panose="05000000000000000000" pitchFamily="2" charset="2"/>
-              <a:buChar char="ü"/>
-            </a:pPr>
-            <a:r>
-              <a:rPr lang="pt-BR" dirty="0"/>
-              <a:t>Ser enxuta e flexível</a:t>
+              <a:t>Eu vejo algum obstáculo que impeça a mim ou o Time de Desenvolvimento no atendimento da meta da Sprint?</a:t>
+            </a:r>
+          </a:p>
+          <a:p>
+            <a:pPr>
+              <a:buFont typeface="Wingdings" panose="05000000000000000000" pitchFamily="2" charset="2"/>
+              <a:buChar char="ü"/>
+            </a:pPr>
+            <a:r>
+              <a:rPr lang="pt-BR" dirty="0"/>
+              <a:t>Os impedimentos identificados no Daily Scrum devem ser tratados pelo Scrum Master o mais rapidamente possível.</a:t>
             </a:r>
           </a:p>
         </p:txBody>
@@ -5847,7 +5751,7 @@
     </p:spTree>
     <p:extLst>
       <p:ext uri="{BB962C8B-B14F-4D97-AF65-F5344CB8AC3E}">
-        <p14:creationId xmlns:p14="http://schemas.microsoft.com/office/powerpoint/2010/main" val="2030121317"/>
+        <p14:creationId xmlns:p14="http://schemas.microsoft.com/office/powerpoint/2010/main" val="1842161956"/>
       </p:ext>
     </p:extLst>
   </p:cSld>
@@ -5884,107 +5788,95 @@
             <p:ph type="title"/>
           </p:nvPr>
         </p:nvSpPr>
+        <p:spPr/>
+        <p:txBody>
+          <a:bodyPr/>
+          <a:lstStyle/>
+          <a:p>
+            <a:r>
+              <a:rPr lang="pt-BR" dirty="0"/>
+              <a:t>Reunião de Revisão</a:t>
+            </a:r>
+          </a:p>
+        </p:txBody>
+      </p:sp>
+      <p:sp>
+        <p:nvSpPr>
+          <p:cNvPr id="3" name="Espaço Reservado para Conteúdo 2"/>
+          <p:cNvSpPr>
+            <a:spLocks noGrp="1"/>
+          </p:cNvSpPr>
+          <p:nvPr>
+            <p:ph idx="1"/>
+          </p:nvPr>
+        </p:nvSpPr>
         <p:spPr>
           <a:xfrm>
-            <a:off x="492919" y="499533"/>
-            <a:ext cx="8079581" cy="1201276"/>
+            <a:off x="507206" y="1993393"/>
+            <a:ext cx="8065294" cy="4315927"/>
           </a:xfrm>
         </p:spPr>
         <p:txBody>
-          <a:bodyPr/>
-          <a:lstStyle/>
-          <a:p>
-            <a:r>
-              <a:rPr lang="pt-BR" dirty="0"/>
-              <a:t>Startup - Recursos</a:t>
-            </a:r>
-          </a:p>
-        </p:txBody>
-      </p:sp>
-      <p:sp>
-        <p:nvSpPr>
-          <p:cNvPr id="3" name="Espaço Reservado para Conteúdo 2"/>
-          <p:cNvSpPr>
-            <a:spLocks noGrp="1"/>
-          </p:cNvSpPr>
-          <p:nvPr>
-            <p:ph idx="1"/>
-          </p:nvPr>
-        </p:nvSpPr>
-        <p:spPr>
-          <a:xfrm>
-            <a:off x="507206" y="1556792"/>
-            <a:ext cx="8065294" cy="4202787"/>
-          </a:xfrm>
-        </p:spPr>
-        <p:txBody>
-          <a:bodyPr/>
-          <a:lstStyle/>
-          <a:p>
-            <a:pPr>
-              <a:buFont typeface="Wingdings" panose="05000000000000000000" pitchFamily="2" charset="2"/>
-              <a:buChar char="ü"/>
-            </a:pPr>
-            <a:r>
-              <a:rPr lang="pt-BR" dirty="0"/>
-              <a:t>Não dispõe de muitos recursos para investimento</a:t>
-            </a:r>
-          </a:p>
-          <a:p>
-            <a:pPr>
-              <a:buFont typeface="Wingdings" panose="05000000000000000000" pitchFamily="2" charset="2"/>
-              <a:buChar char="ü"/>
-            </a:pPr>
-            <a:r>
-              <a:rPr lang="pt-BR" dirty="0"/>
-              <a:t>O acesso a investimentos é um dos principais obstáculos das startups</a:t>
-            </a:r>
-          </a:p>
-          <a:p>
-            <a:pPr>
-              <a:buFont typeface="Wingdings" panose="05000000000000000000" pitchFamily="2" charset="2"/>
-              <a:buChar char="ü"/>
-            </a:pPr>
-            <a:endParaRPr lang="pt-BR" dirty="0"/>
-          </a:p>
-        </p:txBody>
-      </p:sp>
-      <p:pic>
-        <p:nvPicPr>
-          <p:cNvPr id="4" name="Imagem 3"/>
-          <p:cNvPicPr/>
-          <p:nvPr/>
-        </p:nvPicPr>
-        <p:blipFill>
-          <a:blip r:embed="rId2" cstate="print">
-            <a:extLst>
-              <a:ext uri="{28A0092B-C50C-407E-A947-70E740481C1C}">
-                <a14:useLocalDpi xmlns:a14="http://schemas.microsoft.com/office/drawing/2010/main" val="0"/>
-              </a:ext>
-            </a:extLst>
-          </a:blip>
-          <a:stretch>
-            <a:fillRect/>
-          </a:stretch>
-        </p:blipFill>
-        <p:spPr>
-          <a:xfrm>
-            <a:off x="1907704" y="2420888"/>
-            <a:ext cx="6664796" cy="4032448"/>
-          </a:xfrm>
-          <a:prstGeom prst="rect">
-            <a:avLst/>
-          </a:prstGeom>
-          <a:noFill/>
-          <a:ln>
-            <a:noFill/>
-          </a:ln>
-        </p:spPr>
-      </p:pic>
+          <a:bodyPr>
+            <a:normAutofit/>
+          </a:bodyPr>
+          <a:lstStyle/>
+          <a:p>
+            <a:pPr>
+              <a:buFont typeface="Wingdings" panose="05000000000000000000" pitchFamily="2" charset="2"/>
+              <a:buChar char="ü"/>
+            </a:pPr>
+            <a:r>
+              <a:rPr lang="pt-BR" dirty="0"/>
+              <a:t>É uma reunião informal composta pelo Time Scrum e Stakeholders convidados;</a:t>
+            </a:r>
+          </a:p>
+          <a:p>
+            <a:pPr>
+              <a:buFont typeface="Wingdings" panose="05000000000000000000" pitchFamily="2" charset="2"/>
+              <a:buChar char="ü"/>
+            </a:pPr>
+            <a:r>
+              <a:rPr lang="pt-BR" dirty="0"/>
+              <a:t>Realizada no final da Sprint com duração de acordo com o tamanho da Sprint;</a:t>
+            </a:r>
+          </a:p>
+          <a:p>
+            <a:pPr lvl="2">
+              <a:buFont typeface="Wingdings" panose="05000000000000000000" pitchFamily="2" charset="2"/>
+              <a:buChar char="ü"/>
+            </a:pPr>
+            <a:r>
+              <a:rPr lang="pt-BR" dirty="0"/>
+              <a:t>Time-box com no máximo 4 horas para uma Sprint de um mês</a:t>
+            </a:r>
+          </a:p>
+          <a:p>
+            <a:pPr>
+              <a:buFont typeface="Wingdings" panose="05000000000000000000" pitchFamily="2" charset="2"/>
+              <a:buChar char="ü"/>
+            </a:pPr>
+            <a:r>
+              <a:rPr lang="pt-BR" dirty="0"/>
+              <a:t> Tem como objetivo inspecionar o incremento e adaptar o Backlog do Produto se necessário;</a:t>
+            </a:r>
+          </a:p>
+          <a:p>
+            <a:pPr>
+              <a:buFont typeface="Wingdings" panose="05000000000000000000" pitchFamily="2" charset="2"/>
+              <a:buChar char="ü"/>
+            </a:pPr>
+            <a:r>
+              <a:rPr lang="pt-BR" dirty="0"/>
+              <a:t>Durante essa reunião o Time de Desenvolvimento mostra quais itens do Backlog do Produto que eles concluíram durante a Sprint. Isso pode ocorrer sob a forma uma demo das novas funcionalidades.</a:t>
+            </a:r>
+          </a:p>
+        </p:txBody>
+      </p:sp>
     </p:spTree>
     <p:extLst>
       <p:ext uri="{BB962C8B-B14F-4D97-AF65-F5344CB8AC3E}">
-        <p14:creationId xmlns:p14="http://schemas.microsoft.com/office/powerpoint/2010/main" val="3569771386"/>
+        <p14:creationId xmlns:p14="http://schemas.microsoft.com/office/powerpoint/2010/main" val="3480910473"/>
       </p:ext>
     </p:extLst>
   </p:cSld>
@@ -6021,19 +5913,14 @@
             <p:ph type="title"/>
           </p:nvPr>
         </p:nvSpPr>
-        <p:spPr>
-          <a:xfrm>
-            <a:off x="492919" y="499533"/>
-            <a:ext cx="8079581" cy="1057259"/>
-          </a:xfrm>
-        </p:spPr>
-        <p:txBody>
-          <a:bodyPr/>
-          <a:lstStyle/>
-          <a:p>
-            <a:r>
-              <a:rPr lang="pt-BR" dirty="0"/>
-              <a:t>Startup – Tipos de Investimento</a:t>
+        <p:spPr/>
+        <p:txBody>
+          <a:bodyPr/>
+          <a:lstStyle/>
+          <a:p>
+            <a:r>
+              <a:rPr lang="pt-BR" dirty="0"/>
+              <a:t>Reunião de Retrospectiva</a:t>
             </a:r>
           </a:p>
         </p:txBody>
@@ -6048,25 +5935,18 @@
             <p:ph idx="1"/>
           </p:nvPr>
         </p:nvSpPr>
-        <p:spPr>
-          <a:xfrm>
-            <a:off x="507206" y="1556793"/>
-            <a:ext cx="8065294" cy="4824536"/>
-          </a:xfrm>
-        </p:spPr>
-        <p:txBody>
-          <a:bodyPr>
-            <a:normAutofit lnSpcReduction="10000"/>
-          </a:bodyPr>
-          <a:lstStyle/>
-          <a:p>
-            <a:pPr>
-              <a:buFont typeface="Wingdings" panose="05000000000000000000" pitchFamily="2" charset="2"/>
-              <a:buChar char="ü"/>
-            </a:pPr>
-            <a:r>
-              <a:rPr lang="pt-BR" dirty="0"/>
-              <a:t>Bootstrapping;</a:t>
+        <p:spPr/>
+        <p:txBody>
+          <a:bodyPr/>
+          <a:lstStyle/>
+          <a:p>
+            <a:pPr>
+              <a:buFont typeface="Wingdings" panose="05000000000000000000" pitchFamily="2" charset="2"/>
+              <a:buChar char="ü"/>
+            </a:pPr>
+            <a:r>
+              <a:rPr lang="pt-BR" dirty="0"/>
+              <a:t>Composta apenas pelo Time Scrum deve ser time-boxed (por exemplo, 3 horas);</a:t>
             </a:r>
           </a:p>
           <a:p>
@@ -6076,17 +5956,17 @@
             </a:pPr>
             <a:r>
               <a:rPr lang="pt-BR" dirty="0"/>
-              <a:t>Criar sua startup usando somente recursos próprios e não recorrendo a investidores externos.</a:t>
-            </a:r>
-          </a:p>
-          <a:p>
-            <a:pPr>
-              <a:buFont typeface="Wingdings" panose="05000000000000000000" pitchFamily="2" charset="2"/>
-              <a:buChar char="ü"/>
-            </a:pPr>
-            <a:r>
-              <a:rPr lang="pt-BR" dirty="0"/>
-              <a:t>Investimento-Anjo;</a:t>
+              <a:t>Realizada após a reunião de revisão.</a:t>
+            </a:r>
+          </a:p>
+          <a:p>
+            <a:pPr>
+              <a:buFont typeface="Wingdings" panose="05000000000000000000" pitchFamily="2" charset="2"/>
+              <a:buChar char="ü"/>
+            </a:pPr>
+            <a:r>
+              <a:rPr lang="pt-BR" dirty="0"/>
+              <a:t>É uma oportunidade para o Time Scrum inspecionar a si próprio e criar um plano para melhorias a serem aplicadas na próxima Sprint;</a:t>
             </a:r>
           </a:p>
           <a:p>
@@ -6096,55 +5976,22 @@
             </a:pPr>
             <a:r>
               <a:rPr lang="pt-BR" dirty="0"/>
-              <a:t>O investidor recebe, por seu investimento, uma participação societária minoritária no negócio, e não assume posição executiva na empresa, mas atua como um conselheiro.</a:t>
-            </a:r>
-          </a:p>
-          <a:p>
-            <a:pPr>
-              <a:buFont typeface="Wingdings" panose="05000000000000000000" pitchFamily="2" charset="2"/>
-              <a:buChar char="ü"/>
-            </a:pPr>
-            <a:r>
-              <a:rPr lang="pt-BR" dirty="0"/>
-              <a:t>Capital semente;</a:t>
-            </a:r>
-          </a:p>
-          <a:p>
-            <a:pPr lvl="2">
-              <a:buFont typeface="Wingdings" panose="05000000000000000000" pitchFamily="2" charset="2"/>
-              <a:buChar char="ü"/>
-            </a:pPr>
-            <a:r>
-              <a:rPr lang="pt-BR" dirty="0"/>
-              <a:t>É um modelo de financiamento dirigido a projetos empresariais em estágio inicial ou estágio zero, em fase de projeto e desenvolvimento, antes da instalação do negócio.</a:t>
-            </a:r>
-          </a:p>
-          <a:p>
-            <a:pPr>
-              <a:buFont typeface="Wingdings" panose="05000000000000000000" pitchFamily="2" charset="2"/>
-              <a:buChar char="ü"/>
-            </a:pPr>
-            <a:r>
-              <a:rPr lang="pt-BR" dirty="0"/>
-              <a:t>Incubadoras.</a:t>
-            </a:r>
-          </a:p>
-          <a:p>
-            <a:pPr lvl="2">
-              <a:buFont typeface="Wingdings" panose="05000000000000000000" pitchFamily="2" charset="2"/>
-              <a:buChar char="ü"/>
-            </a:pPr>
-            <a:r>
-              <a:rPr lang="pt-BR" dirty="0"/>
-              <a:t>Elas oferecem suporte técnico, gerencial e formação complementar ao empreendedor e facilitam o processo de inovação e acesso a novas tecnologias nos pequenos negócios.</a:t>
-            </a:r>
+              <a:t>O que ocorreu bem durante a Sprint, o que não e que melhorias poderiam ser feitas na próxima Sprint</a:t>
+            </a:r>
+          </a:p>
+          <a:p>
+            <a:pPr>
+              <a:buFont typeface="Wingdings" panose="05000000000000000000" pitchFamily="2" charset="2"/>
+              <a:buChar char="ü"/>
+            </a:pPr>
+            <a:endParaRPr lang="pt-BR" dirty="0"/>
           </a:p>
         </p:txBody>
       </p:sp>
     </p:spTree>
     <p:extLst>
       <p:ext uri="{BB962C8B-B14F-4D97-AF65-F5344CB8AC3E}">
-        <p14:creationId xmlns:p14="http://schemas.microsoft.com/office/powerpoint/2010/main" val="2244996834"/>
+        <p14:creationId xmlns:p14="http://schemas.microsoft.com/office/powerpoint/2010/main" val="3127285857"/>
       </p:ext>
     </p:extLst>
   </p:cSld>
@@ -6188,7 +6035,7 @@
           <a:p>
             <a:r>
               <a:rPr lang="pt-BR" dirty="0"/>
-              <a:t>Startup Enxuta</a:t>
+              <a:t>Artefatos Scrum</a:t>
             </a:r>
           </a:p>
         </p:txBody>
@@ -6214,41 +6061,25 @@
             </a:pPr>
             <a:r>
               <a:rPr lang="pt-BR" dirty="0"/>
-              <a:t>Fazer experimentos lançando "produto mínimo viável“</a:t>
-            </a:r>
-          </a:p>
-          <a:p>
-            <a:pPr lvl="2">
-              <a:buFont typeface="Wingdings" panose="05000000000000000000" pitchFamily="2" charset="2"/>
-              <a:buChar char="ü"/>
-            </a:pPr>
-            <a:r>
-              <a:rPr lang="pt-BR" dirty="0"/>
-              <a:t>Confirmação que os clientes pagariam para ter o produto</a:t>
-            </a:r>
-          </a:p>
-          <a:p>
-            <a:pPr>
-              <a:buFont typeface="Wingdings" panose="05000000000000000000" pitchFamily="2" charset="2"/>
-              <a:buChar char="ü"/>
-            </a:pPr>
-            <a:r>
-              <a:rPr lang="pt-BR" dirty="0"/>
-              <a:t>O objetivo é chegar ao conceito certo do produto, identificar quem são os clientes dispostos a pagar por ele</a:t>
-            </a:r>
-          </a:p>
-          <a:p>
-            <a:pPr marL="0" indent="0">
-              <a:buNone/>
-            </a:pPr>
-            <a:endParaRPr lang="pt-BR" dirty="0"/>
+              <a:t>Representam o trabalho ou o valor para o fornecimento de transparência e oportunidades para inspeção e adaptação;</a:t>
+            </a:r>
+          </a:p>
+          <a:p>
+            <a:pPr>
+              <a:buFont typeface="Wingdings" panose="05000000000000000000" pitchFamily="2" charset="2"/>
+              <a:buChar char="ü"/>
+            </a:pPr>
+            <a:r>
+              <a:rPr lang="pt-BR" dirty="0"/>
+              <a:t>São artefatos: Backlog do Produto, Backlog da Sprint e Incremento.</a:t>
+            </a:r>
           </a:p>
         </p:txBody>
       </p:sp>
     </p:spTree>
     <p:extLst>
       <p:ext uri="{BB962C8B-B14F-4D97-AF65-F5344CB8AC3E}">
-        <p14:creationId xmlns:p14="http://schemas.microsoft.com/office/powerpoint/2010/main" val="589983116"/>
+        <p14:creationId xmlns:p14="http://schemas.microsoft.com/office/powerpoint/2010/main" val="3023515660"/>
       </p:ext>
     </p:extLst>
   </p:cSld>
@@ -6285,2628 +6116,6 @@
             <p:ph type="title"/>
           </p:nvPr>
         </p:nvSpPr>
-        <p:spPr/>
-        <p:txBody>
-          <a:bodyPr/>
-          <a:lstStyle/>
-          <a:p>
-            <a:r>
-              <a:rPr lang="pt-BR" dirty="0"/>
-              <a:t>Startups de sucesso</a:t>
-            </a:r>
-          </a:p>
-        </p:txBody>
-      </p:sp>
-      <p:sp>
-        <p:nvSpPr>
-          <p:cNvPr id="3" name="Espaço Reservado para Conteúdo 2"/>
-          <p:cNvSpPr>
-            <a:spLocks noGrp="1"/>
-          </p:cNvSpPr>
-          <p:nvPr>
-            <p:ph idx="1"/>
-          </p:nvPr>
-        </p:nvSpPr>
-        <p:spPr/>
-        <p:txBody>
-          <a:bodyPr/>
-          <a:lstStyle/>
-          <a:p>
-            <a:pPr>
-              <a:buFont typeface="Wingdings" panose="05000000000000000000" pitchFamily="2" charset="2"/>
-              <a:buChar char="ü"/>
-            </a:pPr>
-            <a:r>
-              <a:rPr lang="pt-BR" dirty="0"/>
-              <a:t>NuBank</a:t>
-            </a:r>
-          </a:p>
-          <a:p>
-            <a:pPr>
-              <a:buFont typeface="Wingdings" panose="05000000000000000000" pitchFamily="2" charset="2"/>
-              <a:buChar char="ü"/>
-            </a:pPr>
-            <a:r>
-              <a:rPr lang="pt-BR" dirty="0"/>
-              <a:t>Uber</a:t>
-            </a:r>
-          </a:p>
-          <a:p>
-            <a:pPr>
-              <a:buFont typeface="Wingdings" panose="05000000000000000000" pitchFamily="2" charset="2"/>
-              <a:buChar char="ü"/>
-            </a:pPr>
-            <a:r>
-              <a:rPr lang="pt-BR" dirty="0"/>
-              <a:t>PayPal</a:t>
-            </a:r>
-          </a:p>
-          <a:p>
-            <a:pPr>
-              <a:buFont typeface="Wingdings" panose="05000000000000000000" pitchFamily="2" charset="2"/>
-              <a:buChar char="ü"/>
-            </a:pPr>
-            <a:r>
-              <a:rPr lang="pt-BR" dirty="0"/>
-              <a:t>Airbnb</a:t>
-            </a:r>
-          </a:p>
-          <a:p>
-            <a:pPr>
-              <a:buFont typeface="Wingdings" panose="05000000000000000000" pitchFamily="2" charset="2"/>
-              <a:buChar char="ü"/>
-            </a:pPr>
-            <a:r>
-              <a:rPr lang="pt-BR" dirty="0"/>
-              <a:t>LinkedIn</a:t>
-            </a:r>
-          </a:p>
-        </p:txBody>
-      </p:sp>
-    </p:spTree>
-    <p:extLst>
-      <p:ext uri="{BB962C8B-B14F-4D97-AF65-F5344CB8AC3E}">
-        <p14:creationId xmlns:p14="http://schemas.microsoft.com/office/powerpoint/2010/main" val="2117739404"/>
-      </p:ext>
-    </p:extLst>
-  </p:cSld>
-  <p:clrMapOvr>
-    <a:masterClrMapping/>
-  </p:clrMapOvr>
-</p:sld>
-</file>
-
-<file path=ppt/slides/slide26.xml><?xml version="1.0" encoding="utf-8"?>
-<p:sld xmlns:a="http://schemas.openxmlformats.org/drawingml/2006/main" xmlns:r="http://schemas.openxmlformats.org/officeDocument/2006/relationships" xmlns:p="http://schemas.openxmlformats.org/presentationml/2006/main">
-  <p:cSld>
-    <p:spTree>
-      <p:nvGrpSpPr>
-        <p:cNvPr id="1" name=""/>
-        <p:cNvGrpSpPr/>
-        <p:nvPr/>
-      </p:nvGrpSpPr>
-      <p:grpSpPr>
-        <a:xfrm>
-          <a:off x="0" y="0"/>
-          <a:ext cx="0" cy="0"/>
-          <a:chOff x="0" y="0"/>
-          <a:chExt cx="0" cy="0"/>
-        </a:xfrm>
-      </p:grpSpPr>
-      <p:sp>
-        <p:nvSpPr>
-          <p:cNvPr id="2" name="Título 1"/>
-          <p:cNvSpPr>
-            <a:spLocks noGrp="1"/>
-          </p:cNvSpPr>
-          <p:nvPr>
-            <p:ph type="title"/>
-          </p:nvPr>
-        </p:nvSpPr>
-        <p:spPr>
-          <a:xfrm>
-            <a:off x="492919" y="499533"/>
-            <a:ext cx="8079581" cy="1493860"/>
-          </a:xfrm>
-        </p:spPr>
-        <p:txBody>
-          <a:bodyPr/>
-          <a:lstStyle/>
-          <a:p>
-            <a:r>
-              <a:rPr lang="pt-BR" dirty="0"/>
-              <a:t>Desenvolvimento Ágil</a:t>
-            </a:r>
-          </a:p>
-        </p:txBody>
-      </p:sp>
-      <p:sp>
-        <p:nvSpPr>
-          <p:cNvPr id="3" name="Espaço Reservado para Conteúdo 2"/>
-          <p:cNvSpPr>
-            <a:spLocks noGrp="1"/>
-          </p:cNvSpPr>
-          <p:nvPr>
-            <p:ph idx="1"/>
-          </p:nvPr>
-        </p:nvSpPr>
-        <p:spPr>
-          <a:xfrm>
-            <a:off x="507206" y="1844825"/>
-            <a:ext cx="8065294" cy="3914754"/>
-          </a:xfrm>
-        </p:spPr>
-        <p:txBody>
-          <a:bodyPr/>
-          <a:lstStyle/>
-          <a:p>
-            <a:pPr>
-              <a:buFont typeface="Wingdings" panose="05000000000000000000" pitchFamily="2" charset="2"/>
-              <a:buChar char="ü"/>
-            </a:pPr>
-            <a:r>
-              <a:rPr lang="pt-BR" dirty="0"/>
-              <a:t>Surgiu com a necessidade de introduzir no mercado produtos com mais rapidez e níveis elevados de satisfação;</a:t>
-            </a:r>
-          </a:p>
-          <a:p>
-            <a:pPr>
-              <a:buFont typeface="Wingdings" panose="05000000000000000000" pitchFamily="2" charset="2"/>
-              <a:buChar char="ü"/>
-            </a:pPr>
-            <a:r>
-              <a:rPr lang="pt-BR" dirty="0"/>
-              <a:t>Divide o problema em produtos menores e que visa entregar software funcionando regularmente;</a:t>
-            </a:r>
-          </a:p>
-          <a:p>
-            <a:pPr>
-              <a:buFont typeface="Wingdings" panose="05000000000000000000" pitchFamily="2" charset="2"/>
-              <a:buChar char="ü"/>
-            </a:pPr>
-            <a:r>
-              <a:rPr lang="pt-BR" dirty="0"/>
-              <a:t>Não existe nenhuma necessidade especificar detalhadamente tudo que ocorrerá durante a implementação do sistema.</a:t>
-            </a:r>
-          </a:p>
-          <a:p>
-            <a:pPr marL="0" indent="0">
-              <a:buNone/>
-            </a:pPr>
-            <a:endParaRPr lang="pt-BR" dirty="0"/>
-          </a:p>
-        </p:txBody>
-      </p:sp>
-      <p:pic>
-        <p:nvPicPr>
-          <p:cNvPr id="4" name="Imagem 3"/>
-          <p:cNvPicPr>
-            <a:picLocks noChangeAspect="1"/>
-          </p:cNvPicPr>
-          <p:nvPr/>
-        </p:nvPicPr>
-        <p:blipFill>
-          <a:blip r:embed="rId2"/>
-          <a:stretch>
-            <a:fillRect/>
-          </a:stretch>
-        </p:blipFill>
-        <p:spPr>
-          <a:xfrm>
-            <a:off x="3131840" y="4365104"/>
-            <a:ext cx="3165749" cy="1823103"/>
-          </a:xfrm>
-          <a:prstGeom prst="rect">
-            <a:avLst/>
-          </a:prstGeom>
-        </p:spPr>
-      </p:pic>
-    </p:spTree>
-    <p:extLst>
-      <p:ext uri="{BB962C8B-B14F-4D97-AF65-F5344CB8AC3E}">
-        <p14:creationId xmlns:p14="http://schemas.microsoft.com/office/powerpoint/2010/main" val="3076839744"/>
-      </p:ext>
-    </p:extLst>
-  </p:cSld>
-  <p:clrMapOvr>
-    <a:masterClrMapping/>
-  </p:clrMapOvr>
-</p:sld>
-</file>
-
-<file path=ppt/slides/slide27.xml><?xml version="1.0" encoding="utf-8"?>
-<p:sld xmlns:a="http://schemas.openxmlformats.org/drawingml/2006/main" xmlns:r="http://schemas.openxmlformats.org/officeDocument/2006/relationships" xmlns:p="http://schemas.openxmlformats.org/presentationml/2006/main">
-  <p:cSld>
-    <p:spTree>
-      <p:nvGrpSpPr>
-        <p:cNvPr id="1" name=""/>
-        <p:cNvGrpSpPr/>
-        <p:nvPr/>
-      </p:nvGrpSpPr>
-      <p:grpSpPr>
-        <a:xfrm>
-          <a:off x="0" y="0"/>
-          <a:ext cx="0" cy="0"/>
-          <a:chOff x="0" y="0"/>
-          <a:chExt cx="0" cy="0"/>
-        </a:xfrm>
-      </p:grpSpPr>
-      <p:sp>
-        <p:nvSpPr>
-          <p:cNvPr id="3" name="Título 2"/>
-          <p:cNvSpPr>
-            <a:spLocks noGrp="1"/>
-          </p:cNvSpPr>
-          <p:nvPr>
-            <p:ph type="title"/>
-          </p:nvPr>
-        </p:nvSpPr>
-        <p:spPr/>
-        <p:txBody>
-          <a:bodyPr/>
-          <a:lstStyle/>
-          <a:p>
-            <a:r>
-              <a:rPr lang="pt-BR" dirty="0"/>
-              <a:t>Manifesto ágil</a:t>
-            </a:r>
-          </a:p>
-        </p:txBody>
-      </p:sp>
-      <p:sp>
-        <p:nvSpPr>
-          <p:cNvPr id="2" name="Espaço Reservado para Conteúdo 1"/>
-          <p:cNvSpPr>
-            <a:spLocks noGrp="1"/>
-          </p:cNvSpPr>
-          <p:nvPr>
-            <p:ph idx="1"/>
-          </p:nvPr>
-        </p:nvSpPr>
-        <p:spPr>
-          <a:xfrm>
-            <a:off x="507206" y="1993393"/>
-            <a:ext cx="8065294" cy="4171911"/>
-          </a:xfrm>
-        </p:spPr>
-        <p:txBody>
-          <a:bodyPr>
-            <a:normAutofit/>
-          </a:bodyPr>
-          <a:lstStyle/>
-          <a:p>
-            <a:pPr>
-              <a:buFont typeface="Wingdings" panose="05000000000000000000" pitchFamily="2" charset="2"/>
-              <a:buChar char="ü"/>
-            </a:pPr>
-            <a:r>
-              <a:rPr lang="pt-BR" dirty="0"/>
-              <a:t>Uma declaração de princípios que fundamentam o desenvolvimento ágil de softwares;</a:t>
-            </a:r>
-          </a:p>
-          <a:p>
-            <a:pPr>
-              <a:buFont typeface="Wingdings" panose="05000000000000000000" pitchFamily="2" charset="2"/>
-              <a:buChar char="ü"/>
-            </a:pPr>
-            <a:r>
-              <a:rPr lang="pt-BR" dirty="0"/>
-              <a:t>Criado Em fevereiro de 2001, em reunião onde compareceram os 17 criadores iniciais;</a:t>
-            </a:r>
-          </a:p>
-          <a:p>
-            <a:pPr>
-              <a:buFont typeface="Wingdings" panose="05000000000000000000" pitchFamily="2" charset="2"/>
-              <a:buChar char="ü"/>
-            </a:pPr>
-            <a:r>
-              <a:rPr lang="pt-BR" dirty="0"/>
-              <a:t>Criadores: Kent Beck, Mike Beedle, Arie van Bennekum, Alistair Cockburn, Ward Cunningham, Martin Fowler, James Grenning, Jim Highsmith, Andrew Hunt, Ron Jeffries, Jon Kern, Brian Marick, Robert C. Martin, Steve Mellor, </a:t>
-            </a:r>
-            <a:r>
-              <a:rPr lang="pt-BR" b="1" dirty="0"/>
-              <a:t>Ken Schwaber, Jeff Sutherland</a:t>
-            </a:r>
-            <a:r>
-              <a:rPr lang="pt-BR" dirty="0"/>
-              <a:t> e Dave Thomas;</a:t>
-            </a:r>
-          </a:p>
-          <a:p>
-            <a:pPr>
-              <a:buFont typeface="Wingdings" panose="05000000000000000000" pitchFamily="2" charset="2"/>
-              <a:buChar char="ü"/>
-            </a:pPr>
-            <a:r>
-              <a:rPr lang="en-US" dirty="0"/>
-              <a:t> Criado com o objetivo de estabelecer parâmetros para criação de metodologias ágeis para desenvolvimento de software.</a:t>
-            </a:r>
-            <a:endParaRPr lang="pt-BR" dirty="0"/>
-          </a:p>
-          <a:p>
-            <a:pPr marL="0" indent="0">
-              <a:buNone/>
-            </a:pPr>
-            <a:endParaRPr lang="pt-BR" dirty="0"/>
-          </a:p>
-        </p:txBody>
-      </p:sp>
-    </p:spTree>
-    <p:extLst>
-      <p:ext uri="{BB962C8B-B14F-4D97-AF65-F5344CB8AC3E}">
-        <p14:creationId xmlns:p14="http://schemas.microsoft.com/office/powerpoint/2010/main" val="1665822349"/>
-      </p:ext>
-    </p:extLst>
-  </p:cSld>
-  <p:clrMapOvr>
-    <a:masterClrMapping/>
-  </p:clrMapOvr>
-</p:sld>
-</file>
-
-<file path=ppt/slides/slide28.xml><?xml version="1.0" encoding="utf-8"?>
-<p:sld xmlns:a="http://schemas.openxmlformats.org/drawingml/2006/main" xmlns:r="http://schemas.openxmlformats.org/officeDocument/2006/relationships" xmlns:p="http://schemas.openxmlformats.org/presentationml/2006/main">
-  <p:cSld>
-    <p:spTree>
-      <p:nvGrpSpPr>
-        <p:cNvPr id="1" name=""/>
-        <p:cNvGrpSpPr/>
-        <p:nvPr/>
-      </p:nvGrpSpPr>
-      <p:grpSpPr>
-        <a:xfrm>
-          <a:off x="0" y="0"/>
-          <a:ext cx="0" cy="0"/>
-          <a:chOff x="0" y="0"/>
-          <a:chExt cx="0" cy="0"/>
-        </a:xfrm>
-      </p:grpSpPr>
-      <p:sp>
-        <p:nvSpPr>
-          <p:cNvPr id="3" name="Título 2"/>
-          <p:cNvSpPr>
-            <a:spLocks noGrp="1"/>
-          </p:cNvSpPr>
-          <p:nvPr>
-            <p:ph type="title"/>
-          </p:nvPr>
-        </p:nvSpPr>
-        <p:spPr/>
-        <p:txBody>
-          <a:bodyPr/>
-          <a:lstStyle/>
-          <a:p>
-            <a:r>
-              <a:rPr lang="pt-BR" dirty="0"/>
-              <a:t>Manifesto ágil - Princípios</a:t>
-            </a:r>
-          </a:p>
-        </p:txBody>
-      </p:sp>
-      <p:sp>
-        <p:nvSpPr>
-          <p:cNvPr id="2" name="Espaço Reservado para Conteúdo 1"/>
-          <p:cNvSpPr>
-            <a:spLocks noGrp="1"/>
-          </p:cNvSpPr>
-          <p:nvPr>
-            <p:ph idx="1"/>
-          </p:nvPr>
-        </p:nvSpPr>
-        <p:spPr>
-          <a:xfrm>
-            <a:off x="507206" y="1993393"/>
-            <a:ext cx="8065294" cy="2947775"/>
-          </a:xfrm>
-        </p:spPr>
-        <p:txBody>
-          <a:bodyPr>
-            <a:normAutofit/>
-          </a:bodyPr>
-          <a:lstStyle/>
-          <a:p>
-            <a:pPr>
-              <a:buFont typeface="Wingdings" panose="05000000000000000000" pitchFamily="2" charset="2"/>
-              <a:buChar char="ü"/>
-            </a:pPr>
-            <a:r>
-              <a:rPr lang="pt-BR" b="1" dirty="0"/>
-              <a:t>Indivíduos e interação entre eles</a:t>
-            </a:r>
-            <a:r>
-              <a:rPr lang="pt-BR" dirty="0"/>
-              <a:t> mais que processos e ferramentas</a:t>
-            </a:r>
-          </a:p>
-          <a:p>
-            <a:pPr>
-              <a:buFont typeface="Wingdings" panose="05000000000000000000" pitchFamily="2" charset="2"/>
-              <a:buChar char="ü"/>
-            </a:pPr>
-            <a:r>
-              <a:rPr lang="pt-BR" b="1" dirty="0"/>
-              <a:t>Software em funcionamento</a:t>
-            </a:r>
-            <a:r>
-              <a:rPr lang="pt-BR" dirty="0"/>
-              <a:t> mais que documentação abrangente</a:t>
-            </a:r>
-          </a:p>
-          <a:p>
-            <a:pPr>
-              <a:buFont typeface="Wingdings" panose="05000000000000000000" pitchFamily="2" charset="2"/>
-              <a:buChar char="ü"/>
-            </a:pPr>
-            <a:r>
-              <a:rPr lang="pt-BR" b="1" dirty="0"/>
-              <a:t>Colaboração com o cliente</a:t>
-            </a:r>
-            <a:r>
-              <a:rPr lang="pt-BR" dirty="0"/>
-              <a:t> mais que negociação de contratos</a:t>
-            </a:r>
-          </a:p>
-          <a:p>
-            <a:pPr>
-              <a:buFont typeface="Wingdings" panose="05000000000000000000" pitchFamily="2" charset="2"/>
-              <a:buChar char="ü"/>
-            </a:pPr>
-            <a:r>
-              <a:rPr lang="pt-BR" b="1" dirty="0"/>
-              <a:t>Responder a mudanças</a:t>
-            </a:r>
-            <a:r>
-              <a:rPr lang="pt-BR" dirty="0"/>
-              <a:t> mais que seguir um plano</a:t>
-            </a:r>
-          </a:p>
-          <a:p>
-            <a:pPr marL="0" indent="0">
-              <a:buNone/>
-            </a:pPr>
-            <a:endParaRPr lang="pt-BR" dirty="0"/>
-          </a:p>
-        </p:txBody>
-      </p:sp>
-    </p:spTree>
-    <p:extLst>
-      <p:ext uri="{BB962C8B-B14F-4D97-AF65-F5344CB8AC3E}">
-        <p14:creationId xmlns:p14="http://schemas.microsoft.com/office/powerpoint/2010/main" val="2305154754"/>
-      </p:ext>
-    </p:extLst>
-  </p:cSld>
-  <p:clrMapOvr>
-    <a:masterClrMapping/>
-  </p:clrMapOvr>
-</p:sld>
-</file>
-
-<file path=ppt/slides/slide29.xml><?xml version="1.0" encoding="utf-8"?>
-<p:sld xmlns:a="http://schemas.openxmlformats.org/drawingml/2006/main" xmlns:r="http://schemas.openxmlformats.org/officeDocument/2006/relationships" xmlns:p="http://schemas.openxmlformats.org/presentationml/2006/main">
-  <p:cSld>
-    <p:spTree>
-      <p:nvGrpSpPr>
-        <p:cNvPr id="1" name=""/>
-        <p:cNvGrpSpPr/>
-        <p:nvPr/>
-      </p:nvGrpSpPr>
-      <p:grpSpPr>
-        <a:xfrm>
-          <a:off x="0" y="0"/>
-          <a:ext cx="0" cy="0"/>
-          <a:chOff x="0" y="0"/>
-          <a:chExt cx="0" cy="0"/>
-        </a:xfrm>
-      </p:grpSpPr>
-      <p:sp>
-        <p:nvSpPr>
-          <p:cNvPr id="3" name="Título 2"/>
-          <p:cNvSpPr>
-            <a:spLocks noGrp="1"/>
-          </p:cNvSpPr>
-          <p:nvPr>
-            <p:ph type="title"/>
-          </p:nvPr>
-        </p:nvSpPr>
-        <p:spPr/>
-        <p:txBody>
-          <a:bodyPr/>
-          <a:lstStyle/>
-          <a:p>
-            <a:r>
-              <a:rPr lang="pt-BR" dirty="0"/>
-              <a:t>Definição do Scrum</a:t>
-            </a:r>
-          </a:p>
-        </p:txBody>
-      </p:sp>
-      <p:sp>
-        <p:nvSpPr>
-          <p:cNvPr id="2" name="Espaço Reservado para Conteúdo 1"/>
-          <p:cNvSpPr>
-            <a:spLocks noGrp="1"/>
-          </p:cNvSpPr>
-          <p:nvPr>
-            <p:ph idx="1"/>
-          </p:nvPr>
-        </p:nvSpPr>
-        <p:spPr/>
-        <p:txBody>
-          <a:bodyPr>
-            <a:normAutofit/>
-          </a:bodyPr>
-          <a:lstStyle/>
-          <a:p>
-            <a:pPr>
-              <a:buFont typeface="Wingdings" panose="05000000000000000000" pitchFamily="2" charset="2"/>
-              <a:buChar char="ü"/>
-            </a:pPr>
-            <a:r>
-              <a:rPr lang="pt-BR" dirty="0"/>
-              <a:t>Um framework dentro do qual pessoas podem tratar e resolver problemas complexos e adaptativos, enquanto produtiva e criativamente entregam produtos com o mais alto valor possível;</a:t>
-            </a:r>
-          </a:p>
-          <a:p>
-            <a:pPr>
-              <a:buFont typeface="Wingdings" panose="05000000000000000000" pitchFamily="2" charset="2"/>
-              <a:buChar char="ü"/>
-            </a:pPr>
-            <a:r>
-              <a:rPr lang="pt-BR" dirty="0"/>
-              <a:t>Quando Jeff Sutherland criou o Scrum em 1993, ele emprestou o termo de uma analogia apresentada em um estudo de 1986 por Takeuchi e Nonaka, publicado na Harvard Business Review. Nesse estudo, Takeuchi e Nonaka comparam equipes multifuncionais, alto desempenho para a formação de Scrum usado pelas equipes de Rugby.</a:t>
-            </a:r>
-          </a:p>
-        </p:txBody>
-      </p:sp>
-    </p:spTree>
-    <p:extLst>
-      <p:ext uri="{BB962C8B-B14F-4D97-AF65-F5344CB8AC3E}">
-        <p14:creationId xmlns:p14="http://schemas.microsoft.com/office/powerpoint/2010/main" val="2293700926"/>
-      </p:ext>
-    </p:extLst>
-  </p:cSld>
-  <p:clrMapOvr>
-    <a:masterClrMapping/>
-  </p:clrMapOvr>
-</p:sld>
-</file>
-
-<file path=ppt/slides/slide3.xml><?xml version="1.0" encoding="utf-8"?>
-<p:sld xmlns:a="http://schemas.openxmlformats.org/drawingml/2006/main" xmlns:r="http://schemas.openxmlformats.org/officeDocument/2006/relationships" xmlns:p="http://schemas.openxmlformats.org/presentationml/2006/main">
-  <p:cSld>
-    <p:spTree>
-      <p:nvGrpSpPr>
-        <p:cNvPr id="1" name=""/>
-        <p:cNvGrpSpPr/>
-        <p:nvPr/>
-      </p:nvGrpSpPr>
-      <p:grpSpPr>
-        <a:xfrm>
-          <a:off x="0" y="0"/>
-          <a:ext cx="0" cy="0"/>
-          <a:chOff x="0" y="0"/>
-          <a:chExt cx="0" cy="0"/>
-        </a:xfrm>
-      </p:grpSpPr>
-      <p:sp>
-        <p:nvSpPr>
-          <p:cNvPr id="3" name="Content Placeholder 2"/>
-          <p:cNvSpPr>
-            <a:spLocks noGrp="1"/>
-          </p:cNvSpPr>
-          <p:nvPr>
-            <p:ph idx="1"/>
-          </p:nvPr>
-        </p:nvSpPr>
-        <p:spPr/>
-        <p:txBody>
-          <a:bodyPr>
-            <a:normAutofit/>
-          </a:bodyPr>
-          <a:lstStyle/>
-          <a:p>
-            <a:pPr>
-              <a:buFont typeface="Wingdings" panose="05000000000000000000" pitchFamily="2" charset="2"/>
-              <a:buChar char="ü"/>
-            </a:pPr>
-            <a:r>
-              <a:rPr lang="pt-BR" dirty="0"/>
-              <a:t>Um plano para realização de um ato, desígnio, intenção </a:t>
-            </a:r>
-          </a:p>
-          <a:p>
-            <a:pPr>
-              <a:buFont typeface="Wingdings" panose="05000000000000000000" pitchFamily="2" charset="2"/>
-              <a:buChar char="ü"/>
-            </a:pPr>
-            <a:r>
-              <a:rPr lang="pt-BR" dirty="0"/>
-              <a:t>Para que consigamos atingir um determinado objetivo com eficácia é necessário frequentemente conhecer as alternativas, adaptar a que talvez possa ser a mais condizente e inspecionar para certificar-se que está trilhando a melhor rota.</a:t>
-            </a:r>
-          </a:p>
-        </p:txBody>
-      </p:sp>
-      <p:sp>
-        <p:nvSpPr>
-          <p:cNvPr id="5" name="Título 2"/>
-          <p:cNvSpPr>
-            <a:spLocks noGrp="1"/>
-          </p:cNvSpPr>
-          <p:nvPr>
-            <p:ph type="title"/>
-          </p:nvPr>
-        </p:nvSpPr>
-        <p:spPr/>
-        <p:txBody>
-          <a:bodyPr/>
-          <a:lstStyle/>
-          <a:p>
-            <a:r>
-              <a:rPr lang="pt-BR" dirty="0"/>
-              <a:t>Projeto</a:t>
-            </a:r>
-          </a:p>
-        </p:txBody>
-      </p:sp>
-    </p:spTree>
-  </p:cSld>
-  <p:clrMapOvr>
-    <a:masterClrMapping/>
-  </p:clrMapOvr>
-</p:sld>
-</file>
-
-<file path=ppt/slides/slide30.xml><?xml version="1.0" encoding="utf-8"?>
-<p:sld xmlns:a="http://schemas.openxmlformats.org/drawingml/2006/main" xmlns:r="http://schemas.openxmlformats.org/officeDocument/2006/relationships" xmlns:p="http://schemas.openxmlformats.org/presentationml/2006/main">
-  <p:cSld>
-    <p:spTree>
-      <p:nvGrpSpPr>
-        <p:cNvPr id="1" name=""/>
-        <p:cNvGrpSpPr/>
-        <p:nvPr/>
-      </p:nvGrpSpPr>
-      <p:grpSpPr>
-        <a:xfrm>
-          <a:off x="0" y="0"/>
-          <a:ext cx="0" cy="0"/>
-          <a:chOff x="0" y="0"/>
-          <a:chExt cx="0" cy="0"/>
-        </a:xfrm>
-      </p:grpSpPr>
-      <p:sp>
-        <p:nvSpPr>
-          <p:cNvPr id="2" name="Título 1"/>
-          <p:cNvSpPr>
-            <a:spLocks noGrp="1"/>
-          </p:cNvSpPr>
-          <p:nvPr>
-            <p:ph type="title"/>
-          </p:nvPr>
-        </p:nvSpPr>
-        <p:spPr/>
-        <p:txBody>
-          <a:bodyPr/>
-          <a:lstStyle/>
-          <a:p>
-            <a:r>
-              <a:rPr lang="pt-BR" dirty="0"/>
-              <a:t>Teoria do Scrum</a:t>
-            </a:r>
-          </a:p>
-        </p:txBody>
-      </p:sp>
-      <p:sp>
-        <p:nvSpPr>
-          <p:cNvPr id="3" name="Espaço Reservado para Conteúdo 2"/>
-          <p:cNvSpPr>
-            <a:spLocks noGrp="1"/>
-          </p:cNvSpPr>
-          <p:nvPr>
-            <p:ph idx="1"/>
-          </p:nvPr>
-        </p:nvSpPr>
-        <p:spPr/>
-        <p:txBody>
-          <a:bodyPr/>
-          <a:lstStyle/>
-          <a:p>
-            <a:pPr>
-              <a:buFont typeface="Wingdings" panose="05000000000000000000" pitchFamily="2" charset="2"/>
-              <a:buChar char="ü"/>
-            </a:pPr>
-            <a:r>
-              <a:rPr lang="pt-BR" dirty="0"/>
-              <a:t>Scrum é fundamentado nas teorias empíricas de controle de processo, ou empirismo;</a:t>
-            </a:r>
-          </a:p>
-          <a:p>
-            <a:pPr lvl="2">
-              <a:buFont typeface="Wingdings" panose="05000000000000000000" pitchFamily="2" charset="2"/>
-              <a:buChar char="ü"/>
-            </a:pPr>
-            <a:r>
-              <a:rPr lang="pt-BR" dirty="0"/>
-              <a:t>O empirismo afirma que o conhecimento vem da experiência e de tomada de decisões baseadas no que é conhecido;</a:t>
-            </a:r>
-          </a:p>
-          <a:p>
-            <a:pPr>
-              <a:buFont typeface="Wingdings" panose="05000000000000000000" pitchFamily="2" charset="2"/>
-              <a:buChar char="ü"/>
-            </a:pPr>
-            <a:r>
-              <a:rPr lang="pt-BR" dirty="0"/>
-              <a:t>O Scrum emprega uma abordagem iterativa e incremental para aperfeiçoar a previsibilidade e o controle de riscos;</a:t>
-            </a:r>
-          </a:p>
-          <a:p>
-            <a:pPr>
-              <a:buFont typeface="Wingdings" panose="05000000000000000000" pitchFamily="2" charset="2"/>
-              <a:buChar char="ü"/>
-            </a:pPr>
-            <a:r>
-              <a:rPr lang="pt-BR" dirty="0"/>
-              <a:t>Três pilares apoiam a implementação de controle de processo empírico: transparência, inspeção e adaptação.</a:t>
-            </a:r>
-          </a:p>
-        </p:txBody>
-      </p:sp>
-    </p:spTree>
-    <p:extLst>
-      <p:ext uri="{BB962C8B-B14F-4D97-AF65-F5344CB8AC3E}">
-        <p14:creationId xmlns:p14="http://schemas.microsoft.com/office/powerpoint/2010/main" val="3220104280"/>
-      </p:ext>
-    </p:extLst>
-  </p:cSld>
-  <p:clrMapOvr>
-    <a:masterClrMapping/>
-  </p:clrMapOvr>
-</p:sld>
-</file>
-
-<file path=ppt/slides/slide31.xml><?xml version="1.0" encoding="utf-8"?>
-<p:sld xmlns:a="http://schemas.openxmlformats.org/drawingml/2006/main" xmlns:r="http://schemas.openxmlformats.org/officeDocument/2006/relationships" xmlns:p="http://schemas.openxmlformats.org/presentationml/2006/main">
-  <p:cSld>
-    <p:spTree>
-      <p:nvGrpSpPr>
-        <p:cNvPr id="1" name=""/>
-        <p:cNvGrpSpPr/>
-        <p:nvPr/>
-      </p:nvGrpSpPr>
-      <p:grpSpPr>
-        <a:xfrm>
-          <a:off x="0" y="0"/>
-          <a:ext cx="0" cy="0"/>
-          <a:chOff x="0" y="0"/>
-          <a:chExt cx="0" cy="0"/>
-        </a:xfrm>
-      </p:grpSpPr>
-      <p:sp>
-        <p:nvSpPr>
-          <p:cNvPr id="2" name="Título 1"/>
-          <p:cNvSpPr>
-            <a:spLocks noGrp="1"/>
-          </p:cNvSpPr>
-          <p:nvPr>
-            <p:ph type="title"/>
-          </p:nvPr>
-        </p:nvSpPr>
-        <p:spPr/>
-        <p:txBody>
-          <a:bodyPr/>
-          <a:lstStyle/>
-          <a:p>
-            <a:r>
-              <a:rPr lang="en-US" dirty="0"/>
-              <a:t>Transpar</a:t>
-            </a:r>
-            <a:r>
-              <a:rPr lang="pt-BR" dirty="0"/>
-              <a:t>ência</a:t>
-            </a:r>
-          </a:p>
-        </p:txBody>
-      </p:sp>
-      <p:sp>
-        <p:nvSpPr>
-          <p:cNvPr id="3" name="Espaço Reservado para Conteúdo 2"/>
-          <p:cNvSpPr>
-            <a:spLocks noGrp="1"/>
-          </p:cNvSpPr>
-          <p:nvPr>
-            <p:ph idx="1"/>
-          </p:nvPr>
-        </p:nvSpPr>
-        <p:spPr/>
-        <p:txBody>
-          <a:bodyPr/>
-          <a:lstStyle/>
-          <a:p>
-            <a:pPr>
-              <a:buFont typeface="Wingdings" panose="05000000000000000000" pitchFamily="2" charset="2"/>
-              <a:buChar char="ü"/>
-            </a:pPr>
-            <a:r>
-              <a:rPr lang="pt-BR" dirty="0"/>
-              <a:t>Aspectos significativos do processo devem estar visíveis aos responsáveis pelos resultados;</a:t>
-            </a:r>
-          </a:p>
-          <a:p>
-            <a:pPr>
-              <a:buFont typeface="Wingdings" panose="05000000000000000000" pitchFamily="2" charset="2"/>
-              <a:buChar char="ü"/>
-            </a:pPr>
-            <a:r>
-              <a:rPr lang="pt-BR" dirty="0"/>
-              <a:t>Esta transparência requer aspectos definidos por um padrão comum para que os observadores compartilharem um mesmo entendimento do que está sendo visto.</a:t>
-            </a:r>
-          </a:p>
-        </p:txBody>
-      </p:sp>
-    </p:spTree>
-    <p:extLst>
-      <p:ext uri="{BB962C8B-B14F-4D97-AF65-F5344CB8AC3E}">
-        <p14:creationId xmlns:p14="http://schemas.microsoft.com/office/powerpoint/2010/main" val="1452054897"/>
-      </p:ext>
-    </p:extLst>
-  </p:cSld>
-  <p:clrMapOvr>
-    <a:masterClrMapping/>
-  </p:clrMapOvr>
-</p:sld>
-</file>
-
-<file path=ppt/slides/slide32.xml><?xml version="1.0" encoding="utf-8"?>
-<p:sld xmlns:a="http://schemas.openxmlformats.org/drawingml/2006/main" xmlns:r="http://schemas.openxmlformats.org/officeDocument/2006/relationships" xmlns:p="http://schemas.openxmlformats.org/presentationml/2006/main">
-  <p:cSld>
-    <p:spTree>
-      <p:nvGrpSpPr>
-        <p:cNvPr id="1" name=""/>
-        <p:cNvGrpSpPr/>
-        <p:nvPr/>
-      </p:nvGrpSpPr>
-      <p:grpSpPr>
-        <a:xfrm>
-          <a:off x="0" y="0"/>
-          <a:ext cx="0" cy="0"/>
-          <a:chOff x="0" y="0"/>
-          <a:chExt cx="0" cy="0"/>
-        </a:xfrm>
-      </p:grpSpPr>
-      <p:sp>
-        <p:nvSpPr>
-          <p:cNvPr id="2" name="Título 1"/>
-          <p:cNvSpPr>
-            <a:spLocks noGrp="1"/>
-          </p:cNvSpPr>
-          <p:nvPr>
-            <p:ph type="title"/>
-          </p:nvPr>
-        </p:nvSpPr>
-        <p:spPr/>
-        <p:txBody>
-          <a:bodyPr/>
-          <a:lstStyle/>
-          <a:p>
-            <a:r>
-              <a:rPr lang="pt-BR" dirty="0"/>
-              <a:t>Inspeção</a:t>
-            </a:r>
-          </a:p>
-        </p:txBody>
-      </p:sp>
-      <p:sp>
-        <p:nvSpPr>
-          <p:cNvPr id="3" name="Espaço Reservado para Conteúdo 2"/>
-          <p:cNvSpPr>
-            <a:spLocks noGrp="1"/>
-          </p:cNvSpPr>
-          <p:nvPr>
-            <p:ph idx="1"/>
-          </p:nvPr>
-        </p:nvSpPr>
-        <p:spPr/>
-        <p:txBody>
-          <a:bodyPr/>
-          <a:lstStyle/>
-          <a:p>
-            <a:pPr>
-              <a:buFont typeface="Wingdings" panose="05000000000000000000" pitchFamily="2" charset="2"/>
-              <a:buChar char="ü"/>
-            </a:pPr>
-            <a:r>
-              <a:rPr lang="pt-BR" dirty="0"/>
-              <a:t>Devem ser inspecionados frequentemente os vários aspectos do processo para identificar variações inaceitáveis;</a:t>
-            </a:r>
-          </a:p>
-          <a:p>
-            <a:pPr>
-              <a:buFont typeface="Wingdings" panose="05000000000000000000" pitchFamily="2" charset="2"/>
-              <a:buChar char="ü"/>
-            </a:pPr>
-            <a:r>
-              <a:rPr lang="pt-BR" dirty="0"/>
-              <a:t>A frequência da inspeção deve levar em consideração que os processos são alterados pelo próprio ato de inspeção, por isso deve ficar atento para que não exceda o limite e chega a atrapalhar a própria execução do processo;</a:t>
-            </a:r>
-          </a:p>
-          <a:p>
-            <a:pPr>
-              <a:buFont typeface="Wingdings" panose="05000000000000000000" pitchFamily="2" charset="2"/>
-              <a:buChar char="ü"/>
-            </a:pPr>
-            <a:r>
-              <a:rPr lang="pt-BR" dirty="0"/>
-              <a:t>O inspetor deve possuir as competências para avaliar o que ele ou ela está inspecionando.</a:t>
-            </a:r>
-          </a:p>
-        </p:txBody>
-      </p:sp>
-    </p:spTree>
-    <p:extLst>
-      <p:ext uri="{BB962C8B-B14F-4D97-AF65-F5344CB8AC3E}">
-        <p14:creationId xmlns:p14="http://schemas.microsoft.com/office/powerpoint/2010/main" val="3672092319"/>
-      </p:ext>
-    </p:extLst>
-  </p:cSld>
-  <p:clrMapOvr>
-    <a:masterClrMapping/>
-  </p:clrMapOvr>
-</p:sld>
-</file>
-
-<file path=ppt/slides/slide33.xml><?xml version="1.0" encoding="utf-8"?>
-<p:sld xmlns:a="http://schemas.openxmlformats.org/drawingml/2006/main" xmlns:r="http://schemas.openxmlformats.org/officeDocument/2006/relationships" xmlns:p="http://schemas.openxmlformats.org/presentationml/2006/main">
-  <p:cSld>
-    <p:spTree>
-      <p:nvGrpSpPr>
-        <p:cNvPr id="1" name=""/>
-        <p:cNvGrpSpPr/>
-        <p:nvPr/>
-      </p:nvGrpSpPr>
-      <p:grpSpPr>
-        <a:xfrm>
-          <a:off x="0" y="0"/>
-          <a:ext cx="0" cy="0"/>
-          <a:chOff x="0" y="0"/>
-          <a:chExt cx="0" cy="0"/>
-        </a:xfrm>
-      </p:grpSpPr>
-      <p:sp>
-        <p:nvSpPr>
-          <p:cNvPr id="2" name="Título 1"/>
-          <p:cNvSpPr>
-            <a:spLocks noGrp="1"/>
-          </p:cNvSpPr>
-          <p:nvPr>
-            <p:ph type="title"/>
-          </p:nvPr>
-        </p:nvSpPr>
-        <p:spPr/>
-        <p:txBody>
-          <a:bodyPr/>
-          <a:lstStyle/>
-          <a:p>
-            <a:r>
-              <a:rPr lang="pt-BR" dirty="0"/>
-              <a:t>Adaptação</a:t>
-            </a:r>
-          </a:p>
-        </p:txBody>
-      </p:sp>
-      <p:sp>
-        <p:nvSpPr>
-          <p:cNvPr id="3" name="Espaço Reservado para Conteúdo 2"/>
-          <p:cNvSpPr>
-            <a:spLocks noGrp="1"/>
-          </p:cNvSpPr>
-          <p:nvPr>
-            <p:ph idx="1"/>
-          </p:nvPr>
-        </p:nvSpPr>
-        <p:spPr/>
-        <p:txBody>
-          <a:bodyPr/>
-          <a:lstStyle/>
-          <a:p>
-            <a:pPr>
-              <a:buFont typeface="Wingdings" panose="05000000000000000000" pitchFamily="2" charset="2"/>
-              <a:buChar char="ü"/>
-            </a:pPr>
-            <a:r>
-              <a:rPr lang="pt-BR" dirty="0"/>
-              <a:t>Uma vez passado pelo processo de inspeção o consequentemente o resultado levará a uma adaptação visando melhorar o processo;</a:t>
-            </a:r>
-          </a:p>
-          <a:p>
-            <a:pPr>
-              <a:buFont typeface="Wingdings" panose="05000000000000000000" pitchFamily="2" charset="2"/>
-              <a:buChar char="ü"/>
-            </a:pPr>
-            <a:r>
-              <a:rPr lang="pt-BR" dirty="0"/>
-              <a:t>O ajuste deve ser realizado o mais breve possível para minimizar mais desvios.</a:t>
-            </a:r>
-          </a:p>
-          <a:p>
-            <a:pPr>
-              <a:buFont typeface="Wingdings" panose="05000000000000000000" pitchFamily="2" charset="2"/>
-              <a:buChar char="ü"/>
-            </a:pPr>
-            <a:endParaRPr lang="pt-BR" dirty="0"/>
-          </a:p>
-        </p:txBody>
-      </p:sp>
-    </p:spTree>
-    <p:extLst>
-      <p:ext uri="{BB962C8B-B14F-4D97-AF65-F5344CB8AC3E}">
-        <p14:creationId xmlns:p14="http://schemas.microsoft.com/office/powerpoint/2010/main" val="3000532631"/>
-      </p:ext>
-    </p:extLst>
-  </p:cSld>
-  <p:clrMapOvr>
-    <a:masterClrMapping/>
-  </p:clrMapOvr>
-</p:sld>
-</file>
-
-<file path=ppt/slides/slide34.xml><?xml version="1.0" encoding="utf-8"?>
-<p:sld xmlns:a="http://schemas.openxmlformats.org/drawingml/2006/main" xmlns:r="http://schemas.openxmlformats.org/officeDocument/2006/relationships" xmlns:p="http://schemas.openxmlformats.org/presentationml/2006/main">
-  <p:cSld>
-    <p:spTree>
-      <p:nvGrpSpPr>
-        <p:cNvPr id="1" name=""/>
-        <p:cNvGrpSpPr/>
-        <p:nvPr/>
-      </p:nvGrpSpPr>
-      <p:grpSpPr>
-        <a:xfrm>
-          <a:off x="0" y="0"/>
-          <a:ext cx="0" cy="0"/>
-          <a:chOff x="0" y="0"/>
-          <a:chExt cx="0" cy="0"/>
-        </a:xfrm>
-      </p:grpSpPr>
-      <p:sp>
-        <p:nvSpPr>
-          <p:cNvPr id="2" name="Título 1"/>
-          <p:cNvSpPr>
-            <a:spLocks noGrp="1"/>
-          </p:cNvSpPr>
-          <p:nvPr>
-            <p:ph type="title"/>
-          </p:nvPr>
-        </p:nvSpPr>
-        <p:spPr/>
-        <p:txBody>
-          <a:bodyPr/>
-          <a:lstStyle/>
-          <a:p>
-            <a:r>
-              <a:rPr lang="pt-BR" dirty="0"/>
-              <a:t>Valores do Scrum</a:t>
-            </a:r>
-          </a:p>
-        </p:txBody>
-      </p:sp>
-      <p:sp>
-        <p:nvSpPr>
-          <p:cNvPr id="3" name="Espaço Reservado para Conteúdo 2"/>
-          <p:cNvSpPr>
-            <a:spLocks noGrp="1"/>
-          </p:cNvSpPr>
-          <p:nvPr>
-            <p:ph idx="1"/>
-          </p:nvPr>
-        </p:nvSpPr>
-        <p:spPr/>
-        <p:txBody>
-          <a:bodyPr/>
-          <a:lstStyle/>
-          <a:p>
-            <a:pPr>
-              <a:buFont typeface="Wingdings" panose="05000000000000000000" pitchFamily="2" charset="2"/>
-              <a:buChar char="ü"/>
-            </a:pPr>
-            <a:r>
-              <a:rPr lang="pt-BR" dirty="0"/>
-              <a:t>Como um framework para desenvolvimento ágil o Scrum é consistente com os valores do manifesto ágil;</a:t>
-            </a:r>
-          </a:p>
-          <a:p>
-            <a:pPr>
-              <a:buFont typeface="Wingdings" panose="05000000000000000000" pitchFamily="2" charset="2"/>
-              <a:buChar char="ü"/>
-            </a:pPr>
-            <a:r>
-              <a:rPr lang="pt-BR" dirty="0"/>
-              <a:t>Foco, coragem, franqueza, comprometimento e respeito é essencial para a saúde e o sucesso de todo processo</a:t>
-            </a:r>
-          </a:p>
-          <a:p>
-            <a:pPr>
-              <a:buFont typeface="Wingdings" panose="05000000000000000000" pitchFamily="2" charset="2"/>
-              <a:buChar char="ü"/>
-            </a:pPr>
-            <a:r>
-              <a:rPr lang="pt-BR" dirty="0"/>
-              <a:t>Baseia-se no sistema Toyota de produção desenvolvido por Taiichi Ohno e no ciclo OODA (Observe, Orient, Decide, Act) da aviação de combate.</a:t>
-            </a:r>
-          </a:p>
-        </p:txBody>
-      </p:sp>
-    </p:spTree>
-    <p:extLst>
-      <p:ext uri="{BB962C8B-B14F-4D97-AF65-F5344CB8AC3E}">
-        <p14:creationId xmlns:p14="http://schemas.microsoft.com/office/powerpoint/2010/main" val="1785062720"/>
-      </p:ext>
-    </p:extLst>
-  </p:cSld>
-  <p:clrMapOvr>
-    <a:masterClrMapping/>
-  </p:clrMapOvr>
-</p:sld>
-</file>
-
-<file path=ppt/slides/slide35.xml><?xml version="1.0" encoding="utf-8"?>
-<p:sld xmlns:a="http://schemas.openxmlformats.org/drawingml/2006/main" xmlns:r="http://schemas.openxmlformats.org/officeDocument/2006/relationships" xmlns:p="http://schemas.openxmlformats.org/presentationml/2006/main">
-  <p:cSld>
-    <p:spTree>
-      <p:nvGrpSpPr>
-        <p:cNvPr id="1" name=""/>
-        <p:cNvGrpSpPr/>
-        <p:nvPr/>
-      </p:nvGrpSpPr>
-      <p:grpSpPr>
-        <a:xfrm>
-          <a:off x="0" y="0"/>
-          <a:ext cx="0" cy="0"/>
-          <a:chOff x="0" y="0"/>
-          <a:chExt cx="0" cy="0"/>
-        </a:xfrm>
-      </p:grpSpPr>
-      <p:sp>
-        <p:nvSpPr>
-          <p:cNvPr id="3" name="Título 2"/>
-          <p:cNvSpPr>
-            <a:spLocks noGrp="1"/>
-          </p:cNvSpPr>
-          <p:nvPr>
-            <p:ph type="title"/>
-          </p:nvPr>
-        </p:nvSpPr>
-        <p:spPr/>
-        <p:txBody>
-          <a:bodyPr/>
-          <a:lstStyle/>
-          <a:p>
-            <a:r>
-              <a:rPr lang="pt-BR" dirty="0"/>
-              <a:t>Time Scrum</a:t>
-            </a:r>
-          </a:p>
-        </p:txBody>
-      </p:sp>
-      <p:sp>
-        <p:nvSpPr>
-          <p:cNvPr id="2" name="Espaço Reservado para Conteúdo 1"/>
-          <p:cNvSpPr>
-            <a:spLocks noGrp="1"/>
-          </p:cNvSpPr>
-          <p:nvPr>
-            <p:ph idx="1"/>
-          </p:nvPr>
-        </p:nvSpPr>
-        <p:spPr/>
-        <p:txBody>
-          <a:bodyPr>
-            <a:normAutofit/>
-          </a:bodyPr>
-          <a:lstStyle/>
-          <a:p>
-            <a:pPr>
-              <a:buFont typeface="Wingdings" panose="05000000000000000000" pitchFamily="2" charset="2"/>
-              <a:buChar char="ü"/>
-            </a:pPr>
-            <a:r>
-              <a:rPr lang="pt-BR" dirty="0"/>
-              <a:t>Entrega o produto de forma iterativa e incremental, maximizando as oportunidades de realimentação;</a:t>
-            </a:r>
-          </a:p>
-          <a:p>
-            <a:pPr>
-              <a:buFont typeface="Wingdings" panose="05000000000000000000" pitchFamily="2" charset="2"/>
-              <a:buChar char="ü"/>
-            </a:pPr>
-            <a:r>
-              <a:rPr lang="pt-BR" dirty="0"/>
-              <a:t>Composto por: Product Owner, Time de Desenvolvimento e Scrum Master.</a:t>
-            </a:r>
-          </a:p>
-        </p:txBody>
-      </p:sp>
-    </p:spTree>
-    <p:extLst>
-      <p:ext uri="{BB962C8B-B14F-4D97-AF65-F5344CB8AC3E}">
-        <p14:creationId xmlns:p14="http://schemas.microsoft.com/office/powerpoint/2010/main" val="3509287758"/>
-      </p:ext>
-    </p:extLst>
-  </p:cSld>
-  <p:clrMapOvr>
-    <a:masterClrMapping/>
-  </p:clrMapOvr>
-</p:sld>
-</file>
-
-<file path=ppt/slides/slide36.xml><?xml version="1.0" encoding="utf-8"?>
-<p:sld xmlns:a="http://schemas.openxmlformats.org/drawingml/2006/main" xmlns:r="http://schemas.openxmlformats.org/officeDocument/2006/relationships" xmlns:p="http://schemas.openxmlformats.org/presentationml/2006/main">
-  <p:cSld>
-    <p:spTree>
-      <p:nvGrpSpPr>
-        <p:cNvPr id="1" name=""/>
-        <p:cNvGrpSpPr/>
-        <p:nvPr/>
-      </p:nvGrpSpPr>
-      <p:grpSpPr>
-        <a:xfrm>
-          <a:off x="0" y="0"/>
-          <a:ext cx="0" cy="0"/>
-          <a:chOff x="0" y="0"/>
-          <a:chExt cx="0" cy="0"/>
-        </a:xfrm>
-      </p:grpSpPr>
-      <p:sp>
-        <p:nvSpPr>
-          <p:cNvPr id="2" name="Título 1"/>
-          <p:cNvSpPr>
-            <a:spLocks noGrp="1"/>
-          </p:cNvSpPr>
-          <p:nvPr>
-            <p:ph type="title"/>
-          </p:nvPr>
-        </p:nvSpPr>
-        <p:spPr/>
-        <p:txBody>
-          <a:bodyPr/>
-          <a:lstStyle/>
-          <a:p>
-            <a:r>
-              <a:rPr lang="en-US" dirty="0"/>
-              <a:t>Product Owner</a:t>
-            </a:r>
-            <a:endParaRPr lang="pt-BR" dirty="0"/>
-          </a:p>
-        </p:txBody>
-      </p:sp>
-      <p:sp>
-        <p:nvSpPr>
-          <p:cNvPr id="3" name="Espaço Reservado para Conteúdo 2"/>
-          <p:cNvSpPr>
-            <a:spLocks noGrp="1"/>
-          </p:cNvSpPr>
-          <p:nvPr>
-            <p:ph idx="1"/>
-          </p:nvPr>
-        </p:nvSpPr>
-        <p:spPr>
-          <a:xfrm>
-            <a:off x="507206" y="1993393"/>
-            <a:ext cx="8065294" cy="4243919"/>
-          </a:xfrm>
-        </p:spPr>
-        <p:txBody>
-          <a:bodyPr>
-            <a:normAutofit/>
-          </a:bodyPr>
-          <a:lstStyle/>
-          <a:p>
-            <a:pPr>
-              <a:buFont typeface="Wingdings" panose="05000000000000000000" pitchFamily="2" charset="2"/>
-              <a:buChar char="ü"/>
-            </a:pPr>
-            <a:r>
-              <a:rPr lang="pt-BR" dirty="0"/>
-              <a:t>Pessoa responsável por gerenciar o Backlog do Produto a fim de maximizar o valor do projeto;</a:t>
-            </a:r>
-          </a:p>
-          <a:p>
-            <a:pPr lvl="2">
-              <a:buFont typeface="Wingdings" panose="05000000000000000000" pitchFamily="2" charset="2"/>
-              <a:buChar char="ü"/>
-            </a:pPr>
-            <a:r>
-              <a:rPr lang="pt-BR" dirty="0"/>
-              <a:t>Ordena por prioridade e esclarece os itens do Backlog do Produto</a:t>
-            </a:r>
-          </a:p>
-          <a:p>
-            <a:pPr>
-              <a:buFont typeface="Wingdings" panose="05000000000000000000" pitchFamily="2" charset="2"/>
-              <a:buChar char="ü"/>
-            </a:pPr>
-            <a:r>
-              <a:rPr lang="pt-BR" dirty="0"/>
-              <a:t>Pode cancelar uma Sprint;</a:t>
-            </a:r>
-          </a:p>
-          <a:p>
-            <a:pPr>
-              <a:buFont typeface="Wingdings" panose="05000000000000000000" pitchFamily="2" charset="2"/>
-              <a:buChar char="ü"/>
-            </a:pPr>
-            <a:r>
-              <a:rPr lang="pt-BR" dirty="0"/>
-              <a:t>Representa todos os Stakeholders no projeto.</a:t>
-            </a:r>
-          </a:p>
-          <a:p>
-            <a:pPr marL="0" indent="0">
-              <a:buNone/>
-            </a:pPr>
-            <a:endParaRPr lang="en-US" dirty="0"/>
-          </a:p>
-          <a:p>
-            <a:pPr marL="0" indent="0">
-              <a:buNone/>
-            </a:pPr>
-            <a:endParaRPr lang="en-US" dirty="0"/>
-          </a:p>
-          <a:p>
-            <a:pPr marL="0" indent="0">
-              <a:buNone/>
-            </a:pPr>
-            <a:r>
-              <a:rPr lang="en-US" b="1" i="1" dirty="0"/>
-              <a:t>Stakeholder</a:t>
-            </a:r>
-            <a:r>
-              <a:rPr lang="en-US" i="1" dirty="0"/>
-              <a:t>: </a:t>
-            </a:r>
-            <a:r>
-              <a:rPr lang="pt-BR" i="1" dirty="0"/>
-              <a:t>Alguém interessado no projeto, porém não está comprometido diretamente com ele (Ex: Cliente, Acionista, Diretor).</a:t>
-            </a:r>
-          </a:p>
-        </p:txBody>
-      </p:sp>
-    </p:spTree>
-    <p:extLst>
-      <p:ext uri="{BB962C8B-B14F-4D97-AF65-F5344CB8AC3E}">
-        <p14:creationId xmlns:p14="http://schemas.microsoft.com/office/powerpoint/2010/main" val="2206234286"/>
-      </p:ext>
-    </p:extLst>
-  </p:cSld>
-  <p:clrMapOvr>
-    <a:masterClrMapping/>
-  </p:clrMapOvr>
-</p:sld>
-</file>
-
-<file path=ppt/slides/slide37.xml><?xml version="1.0" encoding="utf-8"?>
-<p:sld xmlns:a="http://schemas.openxmlformats.org/drawingml/2006/main" xmlns:r="http://schemas.openxmlformats.org/officeDocument/2006/relationships" xmlns:p="http://schemas.openxmlformats.org/presentationml/2006/main">
-  <p:cSld>
-    <p:spTree>
-      <p:nvGrpSpPr>
-        <p:cNvPr id="1" name=""/>
-        <p:cNvGrpSpPr/>
-        <p:nvPr/>
-      </p:nvGrpSpPr>
-      <p:grpSpPr>
-        <a:xfrm>
-          <a:off x="0" y="0"/>
-          <a:ext cx="0" cy="0"/>
-          <a:chOff x="0" y="0"/>
-          <a:chExt cx="0" cy="0"/>
-        </a:xfrm>
-      </p:grpSpPr>
-      <p:sp>
-        <p:nvSpPr>
-          <p:cNvPr id="2" name="Título 1"/>
-          <p:cNvSpPr>
-            <a:spLocks noGrp="1"/>
-          </p:cNvSpPr>
-          <p:nvPr>
-            <p:ph type="title"/>
-          </p:nvPr>
-        </p:nvSpPr>
-        <p:spPr/>
-        <p:txBody>
-          <a:bodyPr/>
-          <a:lstStyle/>
-          <a:p>
-            <a:r>
-              <a:rPr lang="en-US" dirty="0"/>
-              <a:t>Time de Desenvolvimento</a:t>
-            </a:r>
-            <a:endParaRPr lang="pt-BR" dirty="0"/>
-          </a:p>
-        </p:txBody>
-      </p:sp>
-      <p:sp>
-        <p:nvSpPr>
-          <p:cNvPr id="3" name="Espaço Reservado para Conteúdo 2"/>
-          <p:cNvSpPr>
-            <a:spLocks noGrp="1"/>
-          </p:cNvSpPr>
-          <p:nvPr>
-            <p:ph idx="1"/>
-          </p:nvPr>
-        </p:nvSpPr>
-        <p:spPr/>
-        <p:txBody>
-          <a:bodyPr/>
-          <a:lstStyle/>
-          <a:p>
-            <a:pPr>
-              <a:buFont typeface="Wingdings" panose="05000000000000000000" pitchFamily="2" charset="2"/>
-              <a:buChar char="ü"/>
-            </a:pPr>
-            <a:r>
-              <a:rPr lang="pt-BR" dirty="0"/>
-              <a:t>Grupo de profissionais responsáveis pelo desenvolvimento do potencial incremento que será entregue a cada Sprint;</a:t>
-            </a:r>
-          </a:p>
-          <a:p>
-            <a:pPr>
-              <a:buFont typeface="Wingdings" panose="05000000000000000000" pitchFamily="2" charset="2"/>
-              <a:buChar char="ü"/>
-            </a:pPr>
-            <a:r>
-              <a:rPr lang="pt-BR" dirty="0"/>
-              <a:t>São auto organizáveis e multifuncionais;</a:t>
-            </a:r>
-          </a:p>
-          <a:p>
-            <a:pPr>
-              <a:buFont typeface="Wingdings" panose="05000000000000000000" pitchFamily="2" charset="2"/>
-              <a:buChar char="ü"/>
-            </a:pPr>
-            <a:r>
-              <a:rPr lang="pt-BR" dirty="0"/>
-              <a:t>Composto entre 3 a 9 integrantes.</a:t>
-            </a:r>
-          </a:p>
-        </p:txBody>
-      </p:sp>
-    </p:spTree>
-    <p:extLst>
-      <p:ext uri="{BB962C8B-B14F-4D97-AF65-F5344CB8AC3E}">
-        <p14:creationId xmlns:p14="http://schemas.microsoft.com/office/powerpoint/2010/main" val="3008020100"/>
-      </p:ext>
-    </p:extLst>
-  </p:cSld>
-  <p:clrMapOvr>
-    <a:masterClrMapping/>
-  </p:clrMapOvr>
-</p:sld>
-</file>
-
-<file path=ppt/slides/slide38.xml><?xml version="1.0" encoding="utf-8"?>
-<p:sld xmlns:a="http://schemas.openxmlformats.org/drawingml/2006/main" xmlns:r="http://schemas.openxmlformats.org/officeDocument/2006/relationships" xmlns:p="http://schemas.openxmlformats.org/presentationml/2006/main">
-  <p:cSld>
-    <p:spTree>
-      <p:nvGrpSpPr>
-        <p:cNvPr id="1" name=""/>
-        <p:cNvGrpSpPr/>
-        <p:nvPr/>
-      </p:nvGrpSpPr>
-      <p:grpSpPr>
-        <a:xfrm>
-          <a:off x="0" y="0"/>
-          <a:ext cx="0" cy="0"/>
-          <a:chOff x="0" y="0"/>
-          <a:chExt cx="0" cy="0"/>
-        </a:xfrm>
-      </p:grpSpPr>
-      <p:sp>
-        <p:nvSpPr>
-          <p:cNvPr id="2" name="Título 1"/>
-          <p:cNvSpPr>
-            <a:spLocks noGrp="1"/>
-          </p:cNvSpPr>
-          <p:nvPr>
-            <p:ph type="title"/>
-          </p:nvPr>
-        </p:nvSpPr>
-        <p:spPr/>
-        <p:txBody>
-          <a:bodyPr/>
-          <a:lstStyle/>
-          <a:p>
-            <a:r>
-              <a:rPr lang="en-US" dirty="0"/>
-              <a:t>Scrum Master</a:t>
-            </a:r>
-            <a:endParaRPr lang="pt-BR" dirty="0"/>
-          </a:p>
-        </p:txBody>
-      </p:sp>
-      <p:sp>
-        <p:nvSpPr>
-          <p:cNvPr id="3" name="Espaço Reservado para Conteúdo 2"/>
-          <p:cNvSpPr>
-            <a:spLocks noGrp="1"/>
-          </p:cNvSpPr>
-          <p:nvPr>
-            <p:ph idx="1"/>
-          </p:nvPr>
-        </p:nvSpPr>
-        <p:spPr/>
-        <p:txBody>
-          <a:bodyPr/>
-          <a:lstStyle/>
-          <a:p>
-            <a:pPr>
-              <a:buFont typeface="Wingdings" panose="05000000000000000000" pitchFamily="2" charset="2"/>
-              <a:buChar char="ü"/>
-            </a:pPr>
-            <a:r>
-              <a:rPr lang="pt-BR" dirty="0"/>
-              <a:t>Pessoa responsável por garantir que o Scrum seja compreendido por todos, fazendo com que aderem a teoria, praticas e regras do Scrum;</a:t>
-            </a:r>
-          </a:p>
-          <a:p>
-            <a:pPr>
-              <a:buFont typeface="Wingdings" panose="05000000000000000000" pitchFamily="2" charset="2"/>
-              <a:buChar char="ü"/>
-            </a:pPr>
-            <a:r>
-              <a:rPr lang="pt-BR" dirty="0"/>
-              <a:t>Facilitador e potencializador do trabalho do Time Scrum;</a:t>
-            </a:r>
-          </a:p>
-          <a:p>
-            <a:pPr lvl="2">
-              <a:buFont typeface="Wingdings" panose="05000000000000000000" pitchFamily="2" charset="2"/>
-              <a:buChar char="ü"/>
-            </a:pPr>
-            <a:r>
-              <a:rPr lang="pt-BR" dirty="0"/>
-              <a:t>Remove quaisquer impedimentos para o progresso</a:t>
-            </a:r>
-          </a:p>
-          <a:p>
-            <a:pPr lvl="2">
-              <a:buFont typeface="Wingdings" panose="05000000000000000000" pitchFamily="2" charset="2"/>
-              <a:buChar char="ü"/>
-            </a:pPr>
-            <a:r>
-              <a:rPr lang="pt-BR" dirty="0"/>
-              <a:t>Agenda e conduz reuniões</a:t>
-            </a:r>
-          </a:p>
-          <a:p>
-            <a:pPr>
-              <a:buFont typeface="Wingdings" panose="05000000000000000000" pitchFamily="2" charset="2"/>
-              <a:buChar char="ü"/>
-            </a:pPr>
-            <a:r>
-              <a:rPr lang="pt-BR" dirty="0"/>
-              <a:t>Protege o Time Scrum.</a:t>
-            </a:r>
-          </a:p>
-          <a:p>
-            <a:pPr lvl="2">
-              <a:buFont typeface="Wingdings" panose="05000000000000000000" pitchFamily="2" charset="2"/>
-              <a:buChar char="ü"/>
-            </a:pPr>
-            <a:r>
-              <a:rPr lang="pt-BR" dirty="0"/>
-              <a:t>Ajuda aqueles que estão fora a entender quais as interações com o Time Scrum são úteis</a:t>
-            </a:r>
-          </a:p>
-          <a:p>
-            <a:pPr lvl="2">
-              <a:buFont typeface="Wingdings" panose="05000000000000000000" pitchFamily="2" charset="2"/>
-              <a:buChar char="ü"/>
-            </a:pPr>
-            <a:endParaRPr lang="pt-BR" dirty="0"/>
-          </a:p>
-        </p:txBody>
-      </p:sp>
-    </p:spTree>
-    <p:extLst>
-      <p:ext uri="{BB962C8B-B14F-4D97-AF65-F5344CB8AC3E}">
-        <p14:creationId xmlns:p14="http://schemas.microsoft.com/office/powerpoint/2010/main" val="4155157275"/>
-      </p:ext>
-    </p:extLst>
-  </p:cSld>
-  <p:clrMapOvr>
-    <a:masterClrMapping/>
-  </p:clrMapOvr>
-</p:sld>
-</file>
-
-<file path=ppt/slides/slide39.xml><?xml version="1.0" encoding="utf-8"?>
-<p:sld xmlns:a="http://schemas.openxmlformats.org/drawingml/2006/main" xmlns:r="http://schemas.openxmlformats.org/officeDocument/2006/relationships" xmlns:p="http://schemas.openxmlformats.org/presentationml/2006/main">
-  <p:cSld>
-    <p:spTree>
-      <p:nvGrpSpPr>
-        <p:cNvPr id="1" name=""/>
-        <p:cNvGrpSpPr/>
-        <p:nvPr/>
-      </p:nvGrpSpPr>
-      <p:grpSpPr>
-        <a:xfrm>
-          <a:off x="0" y="0"/>
-          <a:ext cx="0" cy="0"/>
-          <a:chOff x="0" y="0"/>
-          <a:chExt cx="0" cy="0"/>
-        </a:xfrm>
-      </p:grpSpPr>
-      <p:sp>
-        <p:nvSpPr>
-          <p:cNvPr id="2" name="Título 1"/>
-          <p:cNvSpPr>
-            <a:spLocks noGrp="1"/>
-          </p:cNvSpPr>
-          <p:nvPr>
-            <p:ph type="title"/>
-          </p:nvPr>
-        </p:nvSpPr>
-        <p:spPr/>
-        <p:txBody>
-          <a:bodyPr/>
-          <a:lstStyle/>
-          <a:p>
-            <a:r>
-              <a:rPr lang="en-US" dirty="0"/>
-              <a:t>Eventos Scrum</a:t>
-            </a:r>
-            <a:endParaRPr lang="pt-BR" dirty="0"/>
-          </a:p>
-        </p:txBody>
-      </p:sp>
-      <p:sp>
-        <p:nvSpPr>
-          <p:cNvPr id="3" name="Espaço Reservado para Conteúdo 2"/>
-          <p:cNvSpPr>
-            <a:spLocks noGrp="1"/>
-          </p:cNvSpPr>
-          <p:nvPr>
-            <p:ph idx="1"/>
-          </p:nvPr>
-        </p:nvSpPr>
-        <p:spPr/>
-        <p:txBody>
-          <a:bodyPr/>
-          <a:lstStyle/>
-          <a:p>
-            <a:pPr>
-              <a:buFont typeface="Wingdings" panose="05000000000000000000" pitchFamily="2" charset="2"/>
-              <a:buChar char="ü"/>
-            </a:pPr>
-            <a:r>
-              <a:rPr lang="pt-BR" dirty="0"/>
-              <a:t>São usados no Scrum para criar uma rotina;</a:t>
-            </a:r>
-          </a:p>
-          <a:p>
-            <a:pPr>
-              <a:buFont typeface="Wingdings" panose="05000000000000000000" pitchFamily="2" charset="2"/>
-              <a:buChar char="ü"/>
-            </a:pPr>
-            <a:r>
-              <a:rPr lang="pt-BR" dirty="0"/>
-              <a:t>Todos os eventos possuem um tempo máximo pré-determinado para sua realização (time-boxed);</a:t>
-            </a:r>
-          </a:p>
-          <a:p>
-            <a:pPr>
-              <a:buFont typeface="Wingdings" panose="05000000000000000000" pitchFamily="2" charset="2"/>
-              <a:buChar char="ü"/>
-            </a:pPr>
-            <a:r>
-              <a:rPr lang="pt-BR" dirty="0"/>
-              <a:t>São eventos: Sprint, Reunião de Planejamento da Sprint, Reunião Diária, Revisão da Sprint e Retrospectiva da Sprint;</a:t>
-            </a:r>
-          </a:p>
-          <a:p>
-            <a:pPr>
-              <a:buFont typeface="Wingdings" panose="05000000000000000000" pitchFamily="2" charset="2"/>
-              <a:buChar char="ü"/>
-            </a:pPr>
-            <a:r>
-              <a:rPr lang="pt-BR" dirty="0"/>
-              <a:t>A não inclusão de qualquer um dos eventos resultará na redução da transparência e da perda de oportunidade para inspecionar e adaptar.</a:t>
-            </a:r>
-          </a:p>
-          <a:p>
-            <a:pPr>
-              <a:buFont typeface="Wingdings" panose="05000000000000000000" pitchFamily="2" charset="2"/>
-              <a:buChar char="ü"/>
-            </a:pPr>
-            <a:endParaRPr lang="pt-BR" dirty="0"/>
-          </a:p>
-        </p:txBody>
-      </p:sp>
-    </p:spTree>
-    <p:extLst>
-      <p:ext uri="{BB962C8B-B14F-4D97-AF65-F5344CB8AC3E}">
-        <p14:creationId xmlns:p14="http://schemas.microsoft.com/office/powerpoint/2010/main" val="2460374621"/>
-      </p:ext>
-    </p:extLst>
-  </p:cSld>
-  <p:clrMapOvr>
-    <a:masterClrMapping/>
-  </p:clrMapOvr>
-</p:sld>
-</file>
-
-<file path=ppt/slides/slide4.xml><?xml version="1.0" encoding="utf-8"?>
-<p:sld xmlns:a="http://schemas.openxmlformats.org/drawingml/2006/main" xmlns:r="http://schemas.openxmlformats.org/officeDocument/2006/relationships" xmlns:p="http://schemas.openxmlformats.org/presentationml/2006/main">
-  <p:cSld>
-    <p:spTree>
-      <p:nvGrpSpPr>
-        <p:cNvPr id="1" name=""/>
-        <p:cNvGrpSpPr/>
-        <p:nvPr/>
-      </p:nvGrpSpPr>
-      <p:grpSpPr>
-        <a:xfrm>
-          <a:off x="0" y="0"/>
-          <a:ext cx="0" cy="0"/>
-          <a:chOff x="0" y="0"/>
-          <a:chExt cx="0" cy="0"/>
-        </a:xfrm>
-      </p:grpSpPr>
-      <p:sp>
-        <p:nvSpPr>
-          <p:cNvPr id="3" name="Título 2"/>
-          <p:cNvSpPr>
-            <a:spLocks noGrp="1"/>
-          </p:cNvSpPr>
-          <p:nvPr>
-            <p:ph type="title"/>
-          </p:nvPr>
-        </p:nvSpPr>
-        <p:spPr/>
-        <p:txBody>
-          <a:bodyPr>
-            <a:normAutofit/>
-          </a:bodyPr>
-          <a:lstStyle/>
-          <a:p>
-            <a:r>
-              <a:rPr lang="pt-BR" dirty="0"/>
-              <a:t>Gerenciamento de Projetos de Software</a:t>
-            </a:r>
-          </a:p>
-        </p:txBody>
-      </p:sp>
-      <p:sp>
-        <p:nvSpPr>
-          <p:cNvPr id="2" name="Espaço Reservado para Conteúdo 1"/>
-          <p:cNvSpPr>
-            <a:spLocks noGrp="1"/>
-          </p:cNvSpPr>
-          <p:nvPr>
-            <p:ph idx="1"/>
-          </p:nvPr>
-        </p:nvSpPr>
-        <p:spPr>
-          <a:xfrm>
-            <a:off x="525732" y="2157731"/>
-            <a:ext cx="8065294" cy="3766185"/>
-          </a:xfrm>
-        </p:spPr>
-        <p:txBody>
-          <a:bodyPr>
-            <a:normAutofit/>
-          </a:bodyPr>
-          <a:lstStyle/>
-          <a:p>
-            <a:pPr>
-              <a:buFont typeface="Wingdings" panose="05000000000000000000" pitchFamily="2" charset="2"/>
-              <a:buChar char="ü"/>
-            </a:pPr>
-            <a:r>
-              <a:rPr lang="pt-BR" dirty="0"/>
-              <a:t>Conjunto de práticas que serve de guia a um grupo para trabalhar de maneira produtiva;</a:t>
-            </a:r>
-          </a:p>
-          <a:p>
-            <a:pPr>
-              <a:buFont typeface="Wingdings" panose="05000000000000000000" pitchFamily="2" charset="2"/>
-              <a:buChar char="ü"/>
-            </a:pPr>
-            <a:r>
-              <a:rPr lang="pt-BR" dirty="0"/>
-              <a:t>Compreende métodos e ferramentas que organizam as tarefas, identificam sua sequência e dependências;</a:t>
-            </a:r>
-          </a:p>
-          <a:p>
-            <a:pPr>
-              <a:buFont typeface="Wingdings" panose="05000000000000000000" pitchFamily="2" charset="2"/>
-              <a:buChar char="ü"/>
-            </a:pPr>
-            <a:r>
-              <a:rPr lang="pt-BR" dirty="0"/>
-              <a:t>Apoia a alocação de recursos e tempo, além de permitir o rastreamento da execução das atividades e medição do progresso relativo ao que foi definido no plano de projeto.</a:t>
-            </a:r>
-            <a:br>
-              <a:rPr lang="pt-BR" dirty="0"/>
-            </a:br>
-            <a:endParaRPr lang="pt-BR" dirty="0"/>
-          </a:p>
-        </p:txBody>
-      </p:sp>
-    </p:spTree>
-    <p:extLst>
-      <p:ext uri="{BB962C8B-B14F-4D97-AF65-F5344CB8AC3E}">
-        <p14:creationId xmlns:p14="http://schemas.microsoft.com/office/powerpoint/2010/main" val="1619631794"/>
-      </p:ext>
-    </p:extLst>
-  </p:cSld>
-  <p:clrMapOvr>
-    <a:masterClrMapping/>
-  </p:clrMapOvr>
-</p:sld>
-</file>
-
-<file path=ppt/slides/slide40.xml><?xml version="1.0" encoding="utf-8"?>
-<p:sld xmlns:a="http://schemas.openxmlformats.org/drawingml/2006/main" xmlns:r="http://schemas.openxmlformats.org/officeDocument/2006/relationships" xmlns:p="http://schemas.openxmlformats.org/presentationml/2006/main">
-  <p:cSld>
-    <p:spTree>
-      <p:nvGrpSpPr>
-        <p:cNvPr id="1" name=""/>
-        <p:cNvGrpSpPr/>
-        <p:nvPr/>
-      </p:nvGrpSpPr>
-      <p:grpSpPr>
-        <a:xfrm>
-          <a:off x="0" y="0"/>
-          <a:ext cx="0" cy="0"/>
-          <a:chOff x="0" y="0"/>
-          <a:chExt cx="0" cy="0"/>
-        </a:xfrm>
-      </p:grpSpPr>
-      <p:sp>
-        <p:nvSpPr>
-          <p:cNvPr id="2" name="Título 1"/>
-          <p:cNvSpPr>
-            <a:spLocks noGrp="1"/>
-          </p:cNvSpPr>
-          <p:nvPr>
-            <p:ph type="title"/>
-          </p:nvPr>
-        </p:nvSpPr>
-        <p:spPr/>
-        <p:txBody>
-          <a:bodyPr/>
-          <a:lstStyle/>
-          <a:p>
-            <a:r>
-              <a:rPr lang="pt-BR" dirty="0"/>
-              <a:t>Sprint</a:t>
-            </a:r>
-          </a:p>
-        </p:txBody>
-      </p:sp>
-      <p:sp>
-        <p:nvSpPr>
-          <p:cNvPr id="3" name="Espaço Reservado para Conteúdo 2"/>
-          <p:cNvSpPr>
-            <a:spLocks noGrp="1"/>
-          </p:cNvSpPr>
-          <p:nvPr>
-            <p:ph idx="1"/>
-          </p:nvPr>
-        </p:nvSpPr>
-        <p:spPr/>
-        <p:txBody>
-          <a:bodyPr/>
-          <a:lstStyle/>
-          <a:p>
-            <a:pPr>
-              <a:buFont typeface="Wingdings" panose="05000000000000000000" pitchFamily="2" charset="2"/>
-              <a:buChar char="ü"/>
-            </a:pPr>
-            <a:r>
-              <a:rPr lang="pt-BR" dirty="0"/>
-              <a:t>Coração do Scrum, ou seja, contém todos os elementos do Scrum;</a:t>
-            </a:r>
-          </a:p>
-          <a:p>
-            <a:pPr>
-              <a:buFont typeface="Wingdings" panose="05000000000000000000" pitchFamily="2" charset="2"/>
-              <a:buChar char="ü"/>
-            </a:pPr>
-            <a:r>
-              <a:rPr lang="pt-BR" dirty="0"/>
-              <a:t>O objetivo é ter uma interação curta o suficiente para manter o time focado, mas tempo suficiente para entregar um incremento significativo do trabalho;</a:t>
-            </a:r>
-          </a:p>
-          <a:p>
-            <a:pPr lvl="2">
-              <a:buFont typeface="Wingdings" panose="05000000000000000000" pitchFamily="2" charset="2"/>
-              <a:buChar char="ü"/>
-            </a:pPr>
-            <a:r>
-              <a:rPr lang="pt-BR" dirty="0"/>
-              <a:t>Duração de máxima de um mês, e hoje comumente usada pelos times entre uma ou duas semanas</a:t>
-            </a:r>
-          </a:p>
-          <a:p>
-            <a:pPr>
-              <a:buFont typeface="Wingdings" panose="05000000000000000000" pitchFamily="2" charset="2"/>
-              <a:buChar char="ü"/>
-            </a:pPr>
-            <a:r>
-              <a:rPr lang="pt-BR" dirty="0"/>
-              <a:t>Cancelamento só pode ser feito pelo Product Owner.</a:t>
-            </a:r>
-          </a:p>
-        </p:txBody>
-      </p:sp>
-    </p:spTree>
-    <p:extLst>
-      <p:ext uri="{BB962C8B-B14F-4D97-AF65-F5344CB8AC3E}">
-        <p14:creationId xmlns:p14="http://schemas.microsoft.com/office/powerpoint/2010/main" val="2561348211"/>
-      </p:ext>
-    </p:extLst>
-  </p:cSld>
-  <p:clrMapOvr>
-    <a:masterClrMapping/>
-  </p:clrMapOvr>
-</p:sld>
-</file>
-
-<file path=ppt/slides/slide41.xml><?xml version="1.0" encoding="utf-8"?>
-<p:sld xmlns:a="http://schemas.openxmlformats.org/drawingml/2006/main" xmlns:r="http://schemas.openxmlformats.org/officeDocument/2006/relationships" xmlns:p="http://schemas.openxmlformats.org/presentationml/2006/main">
-  <p:cSld>
-    <p:spTree>
-      <p:nvGrpSpPr>
-        <p:cNvPr id="1" name=""/>
-        <p:cNvGrpSpPr/>
-        <p:nvPr/>
-      </p:nvGrpSpPr>
-      <p:grpSpPr>
-        <a:xfrm>
-          <a:off x="0" y="0"/>
-          <a:ext cx="0" cy="0"/>
-          <a:chOff x="0" y="0"/>
-          <a:chExt cx="0" cy="0"/>
-        </a:xfrm>
-      </p:grpSpPr>
-      <p:sp>
-        <p:nvSpPr>
-          <p:cNvPr id="2" name="Título 1"/>
-          <p:cNvSpPr>
-            <a:spLocks noGrp="1"/>
-          </p:cNvSpPr>
-          <p:nvPr>
-            <p:ph type="title"/>
-          </p:nvPr>
-        </p:nvSpPr>
-        <p:spPr>
-          <a:xfrm>
-            <a:off x="492919" y="499533"/>
-            <a:ext cx="8079581" cy="913243"/>
-          </a:xfrm>
-        </p:spPr>
-        <p:txBody>
-          <a:bodyPr/>
-          <a:lstStyle/>
-          <a:p>
-            <a:r>
-              <a:rPr lang="pt-BR" dirty="0"/>
-              <a:t>Reunião de Planejamento</a:t>
-            </a:r>
-          </a:p>
-        </p:txBody>
-      </p:sp>
-      <p:sp>
-        <p:nvSpPr>
-          <p:cNvPr id="3" name="Espaço Reservado para Conteúdo 2"/>
-          <p:cNvSpPr>
-            <a:spLocks noGrp="1"/>
-          </p:cNvSpPr>
-          <p:nvPr>
-            <p:ph idx="1"/>
-          </p:nvPr>
-        </p:nvSpPr>
-        <p:spPr>
-          <a:xfrm>
-            <a:off x="507206" y="1556792"/>
-            <a:ext cx="8065294" cy="4824536"/>
-          </a:xfrm>
-        </p:spPr>
-        <p:txBody>
-          <a:bodyPr>
-            <a:normAutofit fontScale="92500" lnSpcReduction="10000"/>
-          </a:bodyPr>
-          <a:lstStyle/>
-          <a:p>
-            <a:pPr>
-              <a:buFont typeface="Wingdings" panose="05000000000000000000" pitchFamily="2" charset="2"/>
-              <a:buChar char="ü"/>
-            </a:pPr>
-            <a:r>
-              <a:rPr lang="pt-BR" dirty="0"/>
-              <a:t>Reunião na qual estão presentes o Time Scrum e Stakeholders convidados;</a:t>
-            </a:r>
-          </a:p>
-          <a:p>
-            <a:pPr>
-              <a:buFont typeface="Wingdings" panose="05000000000000000000" pitchFamily="2" charset="2"/>
-              <a:buChar char="ü"/>
-            </a:pPr>
-            <a:r>
-              <a:rPr lang="pt-BR" dirty="0"/>
-              <a:t>Duração de acordo com o tamanho da Sprint;</a:t>
-            </a:r>
-          </a:p>
-          <a:p>
-            <a:pPr lvl="2">
-              <a:buFont typeface="Wingdings" panose="05000000000000000000" pitchFamily="2" charset="2"/>
-              <a:buChar char="ü"/>
-            </a:pPr>
-            <a:r>
-              <a:rPr lang="pt-BR" dirty="0"/>
-              <a:t>Time-box com no máximo 8 horas para uma Sprint de um mês</a:t>
-            </a:r>
-          </a:p>
-          <a:p>
-            <a:pPr>
-              <a:buFont typeface="Wingdings" panose="05000000000000000000" pitchFamily="2" charset="2"/>
-              <a:buChar char="ü"/>
-            </a:pPr>
-            <a:r>
-              <a:rPr lang="pt-BR" dirty="0"/>
-              <a:t>O Scrum Master garante que o evento ocorra e que os participantes entendam seu propósito;</a:t>
-            </a:r>
-          </a:p>
-          <a:p>
-            <a:pPr>
-              <a:buFont typeface="Wingdings" panose="05000000000000000000" pitchFamily="2" charset="2"/>
-              <a:buChar char="ü"/>
-            </a:pPr>
-            <a:r>
-              <a:rPr lang="pt-BR" dirty="0"/>
-              <a:t>Normalmente dividida em 2 partes:</a:t>
-            </a:r>
-          </a:p>
-          <a:p>
-            <a:pPr lvl="2">
-              <a:buFont typeface="Wingdings" panose="05000000000000000000" pitchFamily="2" charset="2"/>
-              <a:buChar char="ü"/>
-            </a:pPr>
-            <a:r>
-              <a:rPr lang="pt-BR" dirty="0"/>
-              <a:t>1ª parte: O Product Owner apresenta o Backlog do Produto, descreve o que ele deseja ver construído e esclarece dúvidas. Ao final o time seleciona os itens do Backlog do Produto e define o Sprint Goal (Objetivo) juntamente com o Product Owner</a:t>
-            </a:r>
-          </a:p>
-          <a:p>
-            <a:pPr lvl="2">
-              <a:buFont typeface="Wingdings" panose="05000000000000000000" pitchFamily="2" charset="2"/>
-              <a:buChar char="ü"/>
-            </a:pPr>
-            <a:r>
-              <a:rPr lang="pt-BR" dirty="0"/>
-              <a:t>2ª parte: O Time de Desenvolvimento decide como irá construir essas funcionalidades durante a Sprint e transformá-las em um incremento de produto “Pronto”. Os itens de Backlog do Produto selecionados para a Sprint, junto com o plano de entrega destes itens é chamado de Backlog da Sprint</a:t>
-            </a:r>
-          </a:p>
-        </p:txBody>
-      </p:sp>
-    </p:spTree>
-    <p:extLst>
-      <p:ext uri="{BB962C8B-B14F-4D97-AF65-F5344CB8AC3E}">
-        <p14:creationId xmlns:p14="http://schemas.microsoft.com/office/powerpoint/2010/main" val="1897746889"/>
-      </p:ext>
-    </p:extLst>
-  </p:cSld>
-  <p:clrMapOvr>
-    <a:masterClrMapping/>
-  </p:clrMapOvr>
-</p:sld>
-</file>
-
-<file path=ppt/slides/slide42.xml><?xml version="1.0" encoding="utf-8"?>
-<p:sld xmlns:a="http://schemas.openxmlformats.org/drawingml/2006/main" xmlns:r="http://schemas.openxmlformats.org/officeDocument/2006/relationships" xmlns:p="http://schemas.openxmlformats.org/presentationml/2006/main">
-  <p:cSld>
-    <p:spTree>
-      <p:nvGrpSpPr>
-        <p:cNvPr id="1" name=""/>
-        <p:cNvGrpSpPr/>
-        <p:nvPr/>
-      </p:nvGrpSpPr>
-      <p:grpSpPr>
-        <a:xfrm>
-          <a:off x="0" y="0"/>
-          <a:ext cx="0" cy="0"/>
-          <a:chOff x="0" y="0"/>
-          <a:chExt cx="0" cy="0"/>
-        </a:xfrm>
-      </p:grpSpPr>
-      <p:sp>
-        <p:nvSpPr>
-          <p:cNvPr id="2" name="Título 1"/>
-          <p:cNvSpPr>
-            <a:spLocks noGrp="1"/>
-          </p:cNvSpPr>
-          <p:nvPr>
-            <p:ph type="title"/>
-          </p:nvPr>
-        </p:nvSpPr>
-        <p:spPr>
-          <a:xfrm>
-            <a:off x="492919" y="499533"/>
-            <a:ext cx="8079581" cy="1057259"/>
-          </a:xfrm>
-        </p:spPr>
-        <p:txBody>
-          <a:bodyPr/>
-          <a:lstStyle/>
-          <a:p>
-            <a:r>
-              <a:rPr lang="pt-BR" dirty="0"/>
-              <a:t>Reunião Diária</a:t>
-            </a:r>
-          </a:p>
-        </p:txBody>
-      </p:sp>
-      <p:sp>
-        <p:nvSpPr>
-          <p:cNvPr id="3" name="Espaço Reservado para Conteúdo 2"/>
-          <p:cNvSpPr>
-            <a:spLocks noGrp="1"/>
-          </p:cNvSpPr>
-          <p:nvPr>
-            <p:ph idx="1"/>
-          </p:nvPr>
-        </p:nvSpPr>
-        <p:spPr>
-          <a:xfrm>
-            <a:off x="507206" y="1556792"/>
-            <a:ext cx="8065294" cy="4896545"/>
-          </a:xfrm>
-        </p:spPr>
-        <p:txBody>
-          <a:bodyPr>
-            <a:normAutofit/>
-          </a:bodyPr>
-          <a:lstStyle/>
-          <a:p>
-            <a:pPr>
-              <a:buFont typeface="Wingdings" panose="05000000000000000000" pitchFamily="2" charset="2"/>
-              <a:buChar char="ü"/>
-            </a:pPr>
-            <a:r>
-              <a:rPr lang="pt-BR" dirty="0"/>
-              <a:t>Chamada também de “Daily Scrum” é composta pelo Scrum Master e o Time de Desenvolvimento;</a:t>
-            </a:r>
-          </a:p>
-          <a:p>
-            <a:pPr>
-              <a:buFont typeface="Wingdings" panose="05000000000000000000" pitchFamily="2" charset="2"/>
-              <a:buChar char="ü"/>
-            </a:pPr>
-            <a:r>
-              <a:rPr lang="pt-BR" dirty="0"/>
-              <a:t>São realizadas sempre no mesmo lugar e na mesma hora definida, com duração máxima de 15 minutos;</a:t>
-            </a:r>
-          </a:p>
-          <a:p>
-            <a:pPr>
-              <a:buFont typeface="Wingdings" panose="05000000000000000000" pitchFamily="2" charset="2"/>
-              <a:buChar char="ü"/>
-            </a:pPr>
-            <a:r>
-              <a:rPr lang="pt-BR" dirty="0"/>
-              <a:t>Cada integrante do time deverá responder três perguntas:</a:t>
-            </a:r>
-          </a:p>
-          <a:p>
-            <a:pPr lvl="2">
-              <a:buFont typeface="Wingdings" panose="05000000000000000000" pitchFamily="2" charset="2"/>
-              <a:buChar char="ü"/>
-            </a:pPr>
-            <a:r>
-              <a:rPr lang="pt-BR" dirty="0"/>
-              <a:t>O que eu fiz ontem que ajudou o Time de Desenvolvimento a atender a meta da Sprint?</a:t>
-            </a:r>
-          </a:p>
-          <a:p>
-            <a:pPr lvl="2">
-              <a:buFont typeface="Wingdings" panose="05000000000000000000" pitchFamily="2" charset="2"/>
-              <a:buChar char="ü"/>
-            </a:pPr>
-            <a:r>
-              <a:rPr lang="pt-BR" dirty="0"/>
-              <a:t>O que eu farei hoje para ajudar o Time de Desenvolvimento atender a meta da Sprint?</a:t>
-            </a:r>
-          </a:p>
-          <a:p>
-            <a:pPr lvl="2">
-              <a:buFont typeface="Wingdings" panose="05000000000000000000" pitchFamily="2" charset="2"/>
-              <a:buChar char="ü"/>
-            </a:pPr>
-            <a:r>
-              <a:rPr lang="pt-BR" dirty="0"/>
-              <a:t>Eu vejo algum obstáculo que impeça a mim ou o Time de Desenvolvimento no atendimento da meta da Sprint?</a:t>
-            </a:r>
-          </a:p>
-          <a:p>
-            <a:pPr>
-              <a:buFont typeface="Wingdings" panose="05000000000000000000" pitchFamily="2" charset="2"/>
-              <a:buChar char="ü"/>
-            </a:pPr>
-            <a:r>
-              <a:rPr lang="pt-BR" dirty="0"/>
-              <a:t>Os impedimentos identificados no Daily Scrum devem ser tratados pelo Scrum Master o mais rapidamente possível.</a:t>
-            </a:r>
-          </a:p>
-        </p:txBody>
-      </p:sp>
-    </p:spTree>
-    <p:extLst>
-      <p:ext uri="{BB962C8B-B14F-4D97-AF65-F5344CB8AC3E}">
-        <p14:creationId xmlns:p14="http://schemas.microsoft.com/office/powerpoint/2010/main" val="1842161956"/>
-      </p:ext>
-    </p:extLst>
-  </p:cSld>
-  <p:clrMapOvr>
-    <a:masterClrMapping/>
-  </p:clrMapOvr>
-</p:sld>
-</file>
-
-<file path=ppt/slides/slide43.xml><?xml version="1.0" encoding="utf-8"?>
-<p:sld xmlns:a="http://schemas.openxmlformats.org/drawingml/2006/main" xmlns:r="http://schemas.openxmlformats.org/officeDocument/2006/relationships" xmlns:p="http://schemas.openxmlformats.org/presentationml/2006/main">
-  <p:cSld>
-    <p:spTree>
-      <p:nvGrpSpPr>
-        <p:cNvPr id="1" name=""/>
-        <p:cNvGrpSpPr/>
-        <p:nvPr/>
-      </p:nvGrpSpPr>
-      <p:grpSpPr>
-        <a:xfrm>
-          <a:off x="0" y="0"/>
-          <a:ext cx="0" cy="0"/>
-          <a:chOff x="0" y="0"/>
-          <a:chExt cx="0" cy="0"/>
-        </a:xfrm>
-      </p:grpSpPr>
-      <p:sp>
-        <p:nvSpPr>
-          <p:cNvPr id="2" name="Título 1"/>
-          <p:cNvSpPr>
-            <a:spLocks noGrp="1"/>
-          </p:cNvSpPr>
-          <p:nvPr>
-            <p:ph type="title"/>
-          </p:nvPr>
-        </p:nvSpPr>
-        <p:spPr/>
-        <p:txBody>
-          <a:bodyPr/>
-          <a:lstStyle/>
-          <a:p>
-            <a:r>
-              <a:rPr lang="pt-BR" dirty="0"/>
-              <a:t>Reunião de Revisão</a:t>
-            </a:r>
-          </a:p>
-        </p:txBody>
-      </p:sp>
-      <p:sp>
-        <p:nvSpPr>
-          <p:cNvPr id="3" name="Espaço Reservado para Conteúdo 2"/>
-          <p:cNvSpPr>
-            <a:spLocks noGrp="1"/>
-          </p:cNvSpPr>
-          <p:nvPr>
-            <p:ph idx="1"/>
-          </p:nvPr>
-        </p:nvSpPr>
-        <p:spPr>
-          <a:xfrm>
-            <a:off x="507206" y="1993393"/>
-            <a:ext cx="8065294" cy="4315927"/>
-          </a:xfrm>
-        </p:spPr>
-        <p:txBody>
-          <a:bodyPr>
-            <a:normAutofit/>
-          </a:bodyPr>
-          <a:lstStyle/>
-          <a:p>
-            <a:pPr>
-              <a:buFont typeface="Wingdings" panose="05000000000000000000" pitchFamily="2" charset="2"/>
-              <a:buChar char="ü"/>
-            </a:pPr>
-            <a:r>
-              <a:rPr lang="pt-BR" dirty="0"/>
-              <a:t>É uma reunião informal composta pelo Time Scrum e Stakeholders convidados;</a:t>
-            </a:r>
-          </a:p>
-          <a:p>
-            <a:pPr>
-              <a:buFont typeface="Wingdings" panose="05000000000000000000" pitchFamily="2" charset="2"/>
-              <a:buChar char="ü"/>
-            </a:pPr>
-            <a:r>
-              <a:rPr lang="pt-BR" dirty="0"/>
-              <a:t>Realizada no final da Sprint com duração de acordo com o tamanho da Sprint;</a:t>
-            </a:r>
-          </a:p>
-          <a:p>
-            <a:pPr lvl="2">
-              <a:buFont typeface="Wingdings" panose="05000000000000000000" pitchFamily="2" charset="2"/>
-              <a:buChar char="ü"/>
-            </a:pPr>
-            <a:r>
-              <a:rPr lang="pt-BR" dirty="0"/>
-              <a:t>Time-box com no máximo 4 horas para uma Sprint de um mês</a:t>
-            </a:r>
-          </a:p>
-          <a:p>
-            <a:pPr>
-              <a:buFont typeface="Wingdings" panose="05000000000000000000" pitchFamily="2" charset="2"/>
-              <a:buChar char="ü"/>
-            </a:pPr>
-            <a:r>
-              <a:rPr lang="pt-BR" dirty="0"/>
-              <a:t> Tem como objetivo inspecionar o incremento e adaptar o Backlog do Produto se necessário;</a:t>
-            </a:r>
-          </a:p>
-          <a:p>
-            <a:pPr>
-              <a:buFont typeface="Wingdings" panose="05000000000000000000" pitchFamily="2" charset="2"/>
-              <a:buChar char="ü"/>
-            </a:pPr>
-            <a:r>
-              <a:rPr lang="pt-BR" dirty="0"/>
-              <a:t>Durante essa reunião o Time de Desenvolvimento mostra quais itens do Backlog do Produto que eles concluíram durante a Sprint. Isso pode ocorrer sob a forma uma demo das novas funcionalidades.</a:t>
-            </a:r>
-          </a:p>
-        </p:txBody>
-      </p:sp>
-    </p:spTree>
-    <p:extLst>
-      <p:ext uri="{BB962C8B-B14F-4D97-AF65-F5344CB8AC3E}">
-        <p14:creationId xmlns:p14="http://schemas.microsoft.com/office/powerpoint/2010/main" val="3480910473"/>
-      </p:ext>
-    </p:extLst>
-  </p:cSld>
-  <p:clrMapOvr>
-    <a:masterClrMapping/>
-  </p:clrMapOvr>
-</p:sld>
-</file>
-
-<file path=ppt/slides/slide44.xml><?xml version="1.0" encoding="utf-8"?>
-<p:sld xmlns:a="http://schemas.openxmlformats.org/drawingml/2006/main" xmlns:r="http://schemas.openxmlformats.org/officeDocument/2006/relationships" xmlns:p="http://schemas.openxmlformats.org/presentationml/2006/main">
-  <p:cSld>
-    <p:spTree>
-      <p:nvGrpSpPr>
-        <p:cNvPr id="1" name=""/>
-        <p:cNvGrpSpPr/>
-        <p:nvPr/>
-      </p:nvGrpSpPr>
-      <p:grpSpPr>
-        <a:xfrm>
-          <a:off x="0" y="0"/>
-          <a:ext cx="0" cy="0"/>
-          <a:chOff x="0" y="0"/>
-          <a:chExt cx="0" cy="0"/>
-        </a:xfrm>
-      </p:grpSpPr>
-      <p:sp>
-        <p:nvSpPr>
-          <p:cNvPr id="2" name="Título 1"/>
-          <p:cNvSpPr>
-            <a:spLocks noGrp="1"/>
-          </p:cNvSpPr>
-          <p:nvPr>
-            <p:ph type="title"/>
-          </p:nvPr>
-        </p:nvSpPr>
-        <p:spPr/>
-        <p:txBody>
-          <a:bodyPr/>
-          <a:lstStyle/>
-          <a:p>
-            <a:r>
-              <a:rPr lang="pt-BR" dirty="0"/>
-              <a:t>Reunião de Retrospectiva</a:t>
-            </a:r>
-          </a:p>
-        </p:txBody>
-      </p:sp>
-      <p:sp>
-        <p:nvSpPr>
-          <p:cNvPr id="3" name="Espaço Reservado para Conteúdo 2"/>
-          <p:cNvSpPr>
-            <a:spLocks noGrp="1"/>
-          </p:cNvSpPr>
-          <p:nvPr>
-            <p:ph idx="1"/>
-          </p:nvPr>
-        </p:nvSpPr>
-        <p:spPr/>
-        <p:txBody>
-          <a:bodyPr/>
-          <a:lstStyle/>
-          <a:p>
-            <a:pPr>
-              <a:buFont typeface="Wingdings" panose="05000000000000000000" pitchFamily="2" charset="2"/>
-              <a:buChar char="ü"/>
-            </a:pPr>
-            <a:r>
-              <a:rPr lang="pt-BR" dirty="0"/>
-              <a:t>Composta apenas pelo Time Scrum deve ser time-boxed (por exemplo, 3 horas);</a:t>
-            </a:r>
-          </a:p>
-          <a:p>
-            <a:pPr lvl="2">
-              <a:buFont typeface="Wingdings" panose="05000000000000000000" pitchFamily="2" charset="2"/>
-              <a:buChar char="ü"/>
-            </a:pPr>
-            <a:r>
-              <a:rPr lang="pt-BR" dirty="0"/>
-              <a:t>Realizada após a reunião de revisão.</a:t>
-            </a:r>
-          </a:p>
-          <a:p>
-            <a:pPr>
-              <a:buFont typeface="Wingdings" panose="05000000000000000000" pitchFamily="2" charset="2"/>
-              <a:buChar char="ü"/>
-            </a:pPr>
-            <a:r>
-              <a:rPr lang="pt-BR" dirty="0"/>
-              <a:t>É uma oportunidade para o Time Scrum inspecionar a si próprio e criar um plano para melhorias a serem aplicadas na próxima Sprint;</a:t>
-            </a:r>
-          </a:p>
-          <a:p>
-            <a:pPr lvl="2">
-              <a:buFont typeface="Wingdings" panose="05000000000000000000" pitchFamily="2" charset="2"/>
-              <a:buChar char="ü"/>
-            </a:pPr>
-            <a:r>
-              <a:rPr lang="pt-BR" dirty="0"/>
-              <a:t>O que ocorreu bem durante a Sprint, o que não e que melhorias poderiam ser feitas na próxima Sprint</a:t>
-            </a:r>
-          </a:p>
-          <a:p>
-            <a:pPr>
-              <a:buFont typeface="Wingdings" panose="05000000000000000000" pitchFamily="2" charset="2"/>
-              <a:buChar char="ü"/>
-            </a:pPr>
-            <a:endParaRPr lang="pt-BR" dirty="0"/>
-          </a:p>
-        </p:txBody>
-      </p:sp>
-    </p:spTree>
-    <p:extLst>
-      <p:ext uri="{BB962C8B-B14F-4D97-AF65-F5344CB8AC3E}">
-        <p14:creationId xmlns:p14="http://schemas.microsoft.com/office/powerpoint/2010/main" val="3127285857"/>
-      </p:ext>
-    </p:extLst>
-  </p:cSld>
-  <p:clrMapOvr>
-    <a:masterClrMapping/>
-  </p:clrMapOvr>
-</p:sld>
-</file>
-
-<file path=ppt/slides/slide45.xml><?xml version="1.0" encoding="utf-8"?>
-<p:sld xmlns:a="http://schemas.openxmlformats.org/drawingml/2006/main" xmlns:r="http://schemas.openxmlformats.org/officeDocument/2006/relationships" xmlns:p="http://schemas.openxmlformats.org/presentationml/2006/main">
-  <p:cSld>
-    <p:spTree>
-      <p:nvGrpSpPr>
-        <p:cNvPr id="1" name=""/>
-        <p:cNvGrpSpPr/>
-        <p:nvPr/>
-      </p:nvGrpSpPr>
-      <p:grpSpPr>
-        <a:xfrm>
-          <a:off x="0" y="0"/>
-          <a:ext cx="0" cy="0"/>
-          <a:chOff x="0" y="0"/>
-          <a:chExt cx="0" cy="0"/>
-        </a:xfrm>
-      </p:grpSpPr>
-      <p:sp>
-        <p:nvSpPr>
-          <p:cNvPr id="2" name="Título 1"/>
-          <p:cNvSpPr>
-            <a:spLocks noGrp="1"/>
-          </p:cNvSpPr>
-          <p:nvPr>
-            <p:ph type="title"/>
-          </p:nvPr>
-        </p:nvSpPr>
-        <p:spPr/>
-        <p:txBody>
-          <a:bodyPr/>
-          <a:lstStyle/>
-          <a:p>
-            <a:r>
-              <a:rPr lang="pt-BR" dirty="0"/>
-              <a:t>Artefatos Scrum</a:t>
-            </a:r>
-          </a:p>
-        </p:txBody>
-      </p:sp>
-      <p:sp>
-        <p:nvSpPr>
-          <p:cNvPr id="3" name="Espaço Reservado para Conteúdo 2"/>
-          <p:cNvSpPr>
-            <a:spLocks noGrp="1"/>
-          </p:cNvSpPr>
-          <p:nvPr>
-            <p:ph idx="1"/>
-          </p:nvPr>
-        </p:nvSpPr>
-        <p:spPr/>
-        <p:txBody>
-          <a:bodyPr/>
-          <a:lstStyle/>
-          <a:p>
-            <a:pPr>
-              <a:buFont typeface="Wingdings" panose="05000000000000000000" pitchFamily="2" charset="2"/>
-              <a:buChar char="ü"/>
-            </a:pPr>
-            <a:r>
-              <a:rPr lang="pt-BR" dirty="0"/>
-              <a:t>Representam o trabalho ou o valor para o fornecimento de transparência e oportunidades para inspeção e adaptação;</a:t>
-            </a:r>
-          </a:p>
-          <a:p>
-            <a:pPr>
-              <a:buFont typeface="Wingdings" panose="05000000000000000000" pitchFamily="2" charset="2"/>
-              <a:buChar char="ü"/>
-            </a:pPr>
-            <a:r>
-              <a:rPr lang="pt-BR" dirty="0"/>
-              <a:t>São artefatos: Backlog do Produto, Backlog da Sprint e Incremento.</a:t>
-            </a:r>
-          </a:p>
-        </p:txBody>
-      </p:sp>
-    </p:spTree>
-    <p:extLst>
-      <p:ext uri="{BB962C8B-B14F-4D97-AF65-F5344CB8AC3E}">
-        <p14:creationId xmlns:p14="http://schemas.microsoft.com/office/powerpoint/2010/main" val="3023515660"/>
-      </p:ext>
-    </p:extLst>
-  </p:cSld>
-  <p:clrMapOvr>
-    <a:masterClrMapping/>
-  </p:clrMapOvr>
-</p:sld>
-</file>
-
-<file path=ppt/slides/slide46.xml><?xml version="1.0" encoding="utf-8"?>
-<p:sld xmlns:a="http://schemas.openxmlformats.org/drawingml/2006/main" xmlns:r="http://schemas.openxmlformats.org/officeDocument/2006/relationships" xmlns:p="http://schemas.openxmlformats.org/presentationml/2006/main">
-  <p:cSld>
-    <p:spTree>
-      <p:nvGrpSpPr>
-        <p:cNvPr id="1" name=""/>
-        <p:cNvGrpSpPr/>
-        <p:nvPr/>
-      </p:nvGrpSpPr>
-      <p:grpSpPr>
-        <a:xfrm>
-          <a:off x="0" y="0"/>
-          <a:ext cx="0" cy="0"/>
-          <a:chOff x="0" y="0"/>
-          <a:chExt cx="0" cy="0"/>
-        </a:xfrm>
-      </p:grpSpPr>
-      <p:sp>
-        <p:nvSpPr>
-          <p:cNvPr id="2" name="Título 1"/>
-          <p:cNvSpPr>
-            <a:spLocks noGrp="1"/>
-          </p:cNvSpPr>
-          <p:nvPr>
-            <p:ph type="title"/>
-          </p:nvPr>
-        </p:nvSpPr>
         <p:spPr>
           <a:xfrm>
             <a:off x="492919" y="499533"/>
@@ -9026,7 +6235,7 @@
 </p:sld>
 </file>
 
-<file path=ppt/slides/slide47.xml><?xml version="1.0" encoding="utf-8"?>
+<file path=ppt/slides/slide26.xml><?xml version="1.0" encoding="utf-8"?>
 <p:sld xmlns:a="http://schemas.openxmlformats.org/drawingml/2006/main" xmlns:r="http://schemas.openxmlformats.org/officeDocument/2006/relationships" xmlns:p="http://schemas.openxmlformats.org/presentationml/2006/main">
   <p:cSld>
     <p:spTree>
@@ -9192,7 +6401,7 @@
 </p:sld>
 </file>
 
-<file path=ppt/slides/slide48.xml><?xml version="1.0" encoding="utf-8"?>
+<file path=ppt/slides/slide27.xml><?xml version="1.0" encoding="utf-8"?>
 <p:sld xmlns:a="http://schemas.openxmlformats.org/drawingml/2006/main" xmlns:r="http://schemas.openxmlformats.org/officeDocument/2006/relationships" xmlns:p="http://schemas.openxmlformats.org/presentationml/2006/main">
   <p:cSld>
     <p:spTree>
@@ -9290,7 +6499,7 @@
 </p:sld>
 </file>
 
-<file path=ppt/slides/slide49.xml><?xml version="1.0" encoding="utf-8"?>
+<file path=ppt/slides/slide28.xml><?xml version="1.0" encoding="utf-8"?>
 <p:sld xmlns:a="http://schemas.openxmlformats.org/drawingml/2006/main" xmlns:r="http://schemas.openxmlformats.org/officeDocument/2006/relationships" xmlns:p="http://schemas.openxmlformats.org/presentationml/2006/main">
   <p:cSld>
     <p:spTree>
@@ -9392,7 +6601,7 @@
 </p:sld>
 </file>
 
-<file path=ppt/slides/slide5.xml><?xml version="1.0" encoding="utf-8"?>
+<file path=ppt/slides/slide29.xml><?xml version="1.0" encoding="utf-8"?>
 <p:sld xmlns:a="http://schemas.openxmlformats.org/drawingml/2006/main" xmlns:r="http://schemas.openxmlformats.org/officeDocument/2006/relationships" xmlns:p="http://schemas.openxmlformats.org/presentationml/2006/main">
   <p:cSld>
     <p:spTree>
@@ -9426,7 +6635,7 @@
           <a:p>
             <a:r>
               <a:rPr lang="pt-BR" dirty="0"/>
-              <a:t>Padrões Tradicionais de Gerenciamento</a:t>
+              <a:t>Incremento</a:t>
             </a:r>
           </a:p>
         </p:txBody>
@@ -9441,55 +6650,28 @@
             <p:ph idx="1"/>
           </p:nvPr>
         </p:nvSpPr>
-        <p:spPr>
-          <a:xfrm>
-            <a:off x="507206" y="2157731"/>
-            <a:ext cx="8065294" cy="4079581"/>
-          </a:xfrm>
-        </p:spPr>
-        <p:txBody>
-          <a:bodyPr>
-            <a:normAutofit/>
-          </a:bodyPr>
-          <a:lstStyle/>
-          <a:p>
-            <a:pPr>
-              <a:buFont typeface="Wingdings" panose="05000000000000000000" pitchFamily="2" charset="2"/>
-              <a:buChar char="ü"/>
-            </a:pPr>
-            <a:r>
-              <a:rPr lang="pt-BR" dirty="0"/>
-              <a:t>O método mais utilizado no desenvolvimento de software;</a:t>
-            </a:r>
-          </a:p>
-          <a:p>
-            <a:pPr>
-              <a:buFont typeface="Wingdings" panose="05000000000000000000" pitchFamily="2" charset="2"/>
-              <a:buChar char="ü"/>
-            </a:pPr>
-            <a:r>
-              <a:rPr lang="pt-BR" dirty="0"/>
-              <a:t>Desenvolvimento em cascata;</a:t>
-            </a:r>
-          </a:p>
-          <a:p>
-            <a:pPr lvl="2">
-              <a:buFont typeface="Wingdings" panose="05000000000000000000" pitchFamily="2" charset="2"/>
-              <a:buChar char="ü"/>
-            </a:pPr>
-            <a:r>
-              <a:rPr lang="pt-BR" dirty="0"/>
-              <a:t>O software é construído seguindo uma sequência de fases, sendo que cada fase, com exceção da primeira, depende da conclusão da fase anterior </a:t>
-            </a:r>
-          </a:p>
-          <a:p>
-            <a:pPr>
-              <a:buFont typeface="Wingdings" panose="05000000000000000000" pitchFamily="2" charset="2"/>
-              <a:buChar char="ü"/>
-            </a:pPr>
-            <a:r>
-              <a:rPr lang="pt-BR" dirty="0"/>
-              <a:t>A partir das informações históricas e da repetição obtém-se a melhoria da capacidade do processo através da padronização, medição e controle.</a:t>
+        <p:spPr/>
+        <p:txBody>
+          <a:bodyPr/>
+          <a:lstStyle/>
+          <a:p>
+            <a:pPr>
+              <a:buFont typeface="Wingdings" panose="05000000000000000000" pitchFamily="2" charset="2"/>
+              <a:buChar char="ü"/>
+            </a:pPr>
+            <a:r>
+              <a:rPr lang="pt-BR" dirty="0"/>
+              <a:t>O incremento é a soma de todos os itens completados do Backlog do Produto;</a:t>
+            </a:r>
+          </a:p>
+          <a:p>
+            <a:pPr>
+              <a:buFont typeface="Wingdings" panose="05000000000000000000" pitchFamily="2" charset="2"/>
+              <a:buChar char="ü"/>
+            </a:pPr>
+            <a:r>
+              <a:rPr lang="pt-BR" dirty="0"/>
+              <a:t>Esse incremento deve ser entregável e utilizável, de maneira que o cliente perceba valor no produto a cada final de Sprint</a:t>
             </a:r>
           </a:p>
         </p:txBody>
@@ -9497,7 +6679,7 @@
     </p:spTree>
     <p:extLst>
       <p:ext uri="{BB962C8B-B14F-4D97-AF65-F5344CB8AC3E}">
-        <p14:creationId xmlns:p14="http://schemas.microsoft.com/office/powerpoint/2010/main" val="2404541622"/>
+        <p14:creationId xmlns:p14="http://schemas.microsoft.com/office/powerpoint/2010/main" val="1966627205"/>
       </p:ext>
     </p:extLst>
   </p:cSld>
@@ -9507,7 +6689,7 @@
 </p:sld>
 </file>
 
-<file path=ppt/slides/slide50.xml><?xml version="1.0" encoding="utf-8"?>
+<file path=ppt/slides/slide3.xml><?xml version="1.0" encoding="utf-8"?>
 <p:sld xmlns:a="http://schemas.openxmlformats.org/drawingml/2006/main" xmlns:r="http://schemas.openxmlformats.org/officeDocument/2006/relationships" xmlns:p="http://schemas.openxmlformats.org/presentationml/2006/main">
   <p:cSld>
     <p:spTree>
@@ -9526,7 +6708,45 @@
       </p:grpSpPr>
       <p:sp>
         <p:nvSpPr>
-          <p:cNvPr id="2" name="Título 1"/>
+          <p:cNvPr id="3" name="Content Placeholder 2"/>
+          <p:cNvSpPr>
+            <a:spLocks noGrp="1"/>
+          </p:cNvSpPr>
+          <p:nvPr>
+            <p:ph idx="1"/>
+          </p:nvPr>
+        </p:nvSpPr>
+        <p:spPr/>
+        <p:txBody>
+          <a:bodyPr>
+            <a:normAutofit/>
+          </a:bodyPr>
+          <a:lstStyle/>
+          <a:p>
+            <a:pPr>
+              <a:buFont typeface="Wingdings" panose="05000000000000000000" pitchFamily="2" charset="2"/>
+              <a:buChar char="ü"/>
+            </a:pPr>
+            <a:r>
+              <a:rPr lang="pt-BR" dirty="0"/>
+              <a:t>Um plano para realização de um ato, desígnio, intenção </a:t>
+            </a:r>
+          </a:p>
+          <a:p>
+            <a:pPr>
+              <a:buFont typeface="Wingdings" panose="05000000000000000000" pitchFamily="2" charset="2"/>
+              <a:buChar char="ü"/>
+            </a:pPr>
+            <a:r>
+              <a:rPr lang="pt-BR" dirty="0"/>
+              <a:t>Para que consigamos atingir um determinado objetivo com eficácia é necessário frequentemente conhecer as alternativas, adaptar a que talvez possa ser a mais condizente e inspecionar para certificar-se que está trilhando a melhor rota.</a:t>
+            </a:r>
+          </a:p>
+        </p:txBody>
+      </p:sp>
+      <p:sp>
+        <p:nvSpPr>
+          <p:cNvPr id="5" name="Título 2"/>
           <p:cNvSpPr>
             <a:spLocks noGrp="1"/>
           </p:cNvSpPr>
@@ -9541,53 +6761,12 @@
           <a:p>
             <a:r>
               <a:rPr lang="pt-BR" dirty="0"/>
-              <a:t>Incremento</a:t>
-            </a:r>
-          </a:p>
-        </p:txBody>
-      </p:sp>
-      <p:sp>
-        <p:nvSpPr>
-          <p:cNvPr id="3" name="Espaço Reservado para Conteúdo 2"/>
-          <p:cNvSpPr>
-            <a:spLocks noGrp="1"/>
-          </p:cNvSpPr>
-          <p:nvPr>
-            <p:ph idx="1"/>
-          </p:nvPr>
-        </p:nvSpPr>
-        <p:spPr/>
-        <p:txBody>
-          <a:bodyPr/>
-          <a:lstStyle/>
-          <a:p>
-            <a:pPr>
-              <a:buFont typeface="Wingdings" panose="05000000000000000000" pitchFamily="2" charset="2"/>
-              <a:buChar char="ü"/>
-            </a:pPr>
-            <a:r>
-              <a:rPr lang="pt-BR" dirty="0"/>
-              <a:t>O incremento é a soma de todos os itens completados do Backlog do Produto;</a:t>
-            </a:r>
-          </a:p>
-          <a:p>
-            <a:pPr>
-              <a:buFont typeface="Wingdings" panose="05000000000000000000" pitchFamily="2" charset="2"/>
-              <a:buChar char="ü"/>
-            </a:pPr>
-            <a:r>
-              <a:rPr lang="pt-BR" dirty="0"/>
-              <a:t>Esse incremento deve ser entregável e utilizável, de maneira que o cliente perceba valor no produto a cada final de Sprint</a:t>
+              <a:t>Projeto</a:t>
             </a:r>
           </a:p>
         </p:txBody>
       </p:sp>
     </p:spTree>
-    <p:extLst>
-      <p:ext uri="{BB962C8B-B14F-4D97-AF65-F5344CB8AC3E}">
-        <p14:creationId xmlns:p14="http://schemas.microsoft.com/office/powerpoint/2010/main" val="1966627205"/>
-      </p:ext>
-    </p:extLst>
   </p:cSld>
   <p:clrMapOvr>
     <a:masterClrMapping/>
@@ -9595,7 +6774,7 @@
 </p:sld>
 </file>
 
-<file path=ppt/slides/slide51.xml><?xml version="1.0" encoding="utf-8"?>
+<file path=ppt/slides/slide30.xml><?xml version="1.0" encoding="utf-8"?>
 <p:sld xmlns:a="http://schemas.openxmlformats.org/drawingml/2006/main" xmlns:r="http://schemas.openxmlformats.org/officeDocument/2006/relationships" xmlns:p="http://schemas.openxmlformats.org/presentationml/2006/main">
   <p:cSld>
     <p:spTree>
@@ -9679,7 +6858,7 @@
 </p:sld>
 </file>
 
-<file path=ppt/slides/slide52.xml><?xml version="1.0" encoding="utf-8"?>
+<file path=ppt/slides/slide31.xml><?xml version="1.0" encoding="utf-8"?>
 <p:sld xmlns:a="http://schemas.openxmlformats.org/drawingml/2006/main" xmlns:r="http://schemas.openxmlformats.org/officeDocument/2006/relationships" xmlns:p="http://schemas.openxmlformats.org/presentationml/2006/main">
   <p:cSld>
     <p:spTree>
@@ -9698,7 +6877,7 @@
       </p:grpSpPr>
       <p:sp>
         <p:nvSpPr>
-          <p:cNvPr id="2" name="Título 1"/>
+          <p:cNvPr id="3" name="Título 2"/>
           <p:cNvSpPr>
             <a:spLocks noGrp="1"/>
           </p:cNvSpPr>
@@ -9713,14 +6892,14 @@
           <a:p>
             <a:r>
               <a:rPr lang="pt-BR" dirty="0"/>
-              <a:t>Empresas que utilizam o Scrum</a:t>
-            </a:r>
-          </a:p>
-        </p:txBody>
-      </p:sp>
-      <p:sp>
-        <p:nvSpPr>
-          <p:cNvPr id="3" name="Espaço Reservado para Conteúdo 2"/>
+              <a:t>Definição de Startup</a:t>
+            </a:r>
+          </a:p>
+        </p:txBody>
+      </p:sp>
+      <p:sp>
+        <p:nvSpPr>
+          <p:cNvPr id="2" name="Espaço Reservado para Conteúdo 1"/>
           <p:cNvSpPr>
             <a:spLocks noGrp="1"/>
           </p:cNvSpPr>
@@ -9730,96 +6909,76 @@
         </p:nvSpPr>
         <p:spPr/>
         <p:txBody>
-          <a:bodyPr numCol="2"/>
-          <a:lstStyle/>
-          <a:p>
-            <a:pPr>
-              <a:buFont typeface="Wingdings" panose="05000000000000000000" pitchFamily="2" charset="2"/>
-              <a:buChar char="ü"/>
-            </a:pPr>
-            <a:r>
-              <a:rPr lang="pt-BR" dirty="0"/>
-              <a:t>Google</a:t>
-            </a:r>
-          </a:p>
-          <a:p>
-            <a:pPr>
-              <a:buFont typeface="Wingdings" panose="05000000000000000000" pitchFamily="2" charset="2"/>
-              <a:buChar char="ü"/>
-            </a:pPr>
-            <a:r>
-              <a:rPr lang="pt-BR" dirty="0"/>
-              <a:t>Bosch</a:t>
-            </a:r>
-          </a:p>
-          <a:p>
-            <a:pPr>
-              <a:buFont typeface="Wingdings" panose="05000000000000000000" pitchFamily="2" charset="2"/>
-              <a:buChar char="ü"/>
-            </a:pPr>
-            <a:r>
-              <a:rPr lang="pt-BR" dirty="0"/>
-              <a:t>Globo</a:t>
-            </a:r>
-          </a:p>
-          <a:p>
-            <a:pPr>
-              <a:buFont typeface="Wingdings" panose="05000000000000000000" pitchFamily="2" charset="2"/>
-              <a:buChar char="ü"/>
-            </a:pPr>
-            <a:r>
-              <a:rPr lang="pt-BR" dirty="0"/>
-              <a:t>Locaweb</a:t>
-            </a:r>
-          </a:p>
-          <a:p>
-            <a:pPr>
-              <a:buFont typeface="Wingdings" panose="05000000000000000000" pitchFamily="2" charset="2"/>
-              <a:buChar char="ü"/>
-            </a:pPr>
-            <a:r>
-              <a:rPr lang="pt-BR" dirty="0"/>
-              <a:t>Abril</a:t>
-            </a:r>
-          </a:p>
-          <a:p>
-            <a:pPr>
-              <a:buFont typeface="Wingdings" panose="05000000000000000000" pitchFamily="2" charset="2"/>
-              <a:buChar char="ü"/>
-            </a:pPr>
-            <a:r>
-              <a:rPr lang="pt-BR" dirty="0"/>
-              <a:t>Caelum</a:t>
-            </a:r>
-          </a:p>
-          <a:p>
-            <a:pPr>
-              <a:buFont typeface="Wingdings" panose="05000000000000000000" pitchFamily="2" charset="2"/>
-              <a:buChar char="ü"/>
-            </a:pPr>
-            <a:r>
-              <a:rPr lang="pt-BR" dirty="0"/>
-              <a:t>DB1 Informática</a:t>
-            </a:r>
-          </a:p>
-          <a:p>
-            <a:pPr marL="0" indent="0">
-              <a:buNone/>
-            </a:pPr>
-            <a:endParaRPr lang="pt-BR" dirty="0"/>
-          </a:p>
-          <a:p>
-            <a:pPr marL="0" indent="0">
-              <a:buNone/>
-            </a:pPr>
-            <a:endParaRPr lang="pt-BR" dirty="0"/>
+          <a:bodyPr>
+            <a:normAutofit/>
+          </a:bodyPr>
+          <a:lstStyle/>
+          <a:p>
+            <a:pPr>
+              <a:buFont typeface="Wingdings" panose="05000000000000000000" pitchFamily="2" charset="2"/>
+              <a:buChar char="ü"/>
+            </a:pPr>
+            <a:r>
+              <a:rPr lang="pt-BR" dirty="0"/>
+              <a:t>Uma instituição humana projetada para criar novos produtos e serviços sob condições de extrema incerteza;</a:t>
+            </a:r>
+          </a:p>
+          <a:p>
+            <a:pPr>
+              <a:buFont typeface="Wingdings" panose="05000000000000000000" pitchFamily="2" charset="2"/>
+              <a:buChar char="ü"/>
+            </a:pPr>
+            <a:r>
+              <a:rPr lang="pt-BR" dirty="0"/>
+              <a:t>Principais Características:</a:t>
+            </a:r>
+          </a:p>
+          <a:p>
+            <a:pPr lvl="2">
+              <a:buFont typeface="Wingdings" panose="05000000000000000000" pitchFamily="2" charset="2"/>
+              <a:buChar char="ü"/>
+            </a:pPr>
+            <a:r>
+              <a:rPr lang="pt-BR" dirty="0"/>
+              <a:t>Inovação </a:t>
+            </a:r>
+          </a:p>
+          <a:p>
+            <a:pPr lvl="2">
+              <a:buFont typeface="Wingdings" panose="05000000000000000000" pitchFamily="2" charset="2"/>
+              <a:buChar char="ü"/>
+            </a:pPr>
+            <a:r>
+              <a:rPr lang="pt-BR" dirty="0"/>
+              <a:t>Escalabilidade </a:t>
+            </a:r>
+          </a:p>
+          <a:p>
+            <a:pPr lvl="2">
+              <a:buFont typeface="Wingdings" panose="05000000000000000000" pitchFamily="2" charset="2"/>
+              <a:buChar char="ü"/>
+            </a:pPr>
+            <a:r>
+              <a:rPr lang="pt-BR" dirty="0"/>
+              <a:t>Ter potencial para atingir grandes mercados</a:t>
+            </a:r>
+          </a:p>
+          <a:p>
+            <a:pPr lvl="2">
+              <a:buFont typeface="Wingdings" panose="05000000000000000000" pitchFamily="2" charset="2"/>
+              <a:buChar char="ü"/>
+            </a:pPr>
+            <a:r>
+              <a:rPr lang="pt-BR" dirty="0"/>
+              <a:t>Ser enxuta e flexível</a:t>
+            </a:r>
           </a:p>
         </p:txBody>
       </p:sp>
     </p:spTree>
     <p:extLst>
       <p:ext uri="{BB962C8B-B14F-4D97-AF65-F5344CB8AC3E}">
-        <p14:creationId xmlns:p14="http://schemas.microsoft.com/office/powerpoint/2010/main" val="2249379163"/>
+        <p14:creationId xmlns:p14="http://schemas.microsoft.com/office/powerpoint/2010/main" val="2030121317"/>
       </p:ext>
     </p:extLst>
   </p:cSld>
@@ -9829,7 +6988,7 @@
 </p:sld>
 </file>
 
-<file path=ppt/slides/slide53.xml><?xml version="1.0" encoding="utf-8"?>
+<file path=ppt/slides/slide32.xml><?xml version="1.0" encoding="utf-8"?>
 <p:sld xmlns:a="http://schemas.openxmlformats.org/drawingml/2006/main" xmlns:r="http://schemas.openxmlformats.org/officeDocument/2006/relationships" xmlns:p="http://schemas.openxmlformats.org/presentationml/2006/main">
   <p:cSld>
     <p:spTree>
@@ -9858,6 +7017,426 @@
         </p:nvSpPr>
         <p:spPr>
           <a:xfrm>
+            <a:off x="492919" y="499533"/>
+            <a:ext cx="8079581" cy="1201276"/>
+          </a:xfrm>
+        </p:spPr>
+        <p:txBody>
+          <a:bodyPr/>
+          <a:lstStyle/>
+          <a:p>
+            <a:r>
+              <a:rPr lang="pt-BR" dirty="0"/>
+              <a:t>Startup - Recursos</a:t>
+            </a:r>
+          </a:p>
+        </p:txBody>
+      </p:sp>
+      <p:sp>
+        <p:nvSpPr>
+          <p:cNvPr id="3" name="Espaço Reservado para Conteúdo 2"/>
+          <p:cNvSpPr>
+            <a:spLocks noGrp="1"/>
+          </p:cNvSpPr>
+          <p:nvPr>
+            <p:ph idx="1"/>
+          </p:nvPr>
+        </p:nvSpPr>
+        <p:spPr>
+          <a:xfrm>
+            <a:off x="507206" y="1556792"/>
+            <a:ext cx="8065294" cy="4202787"/>
+          </a:xfrm>
+        </p:spPr>
+        <p:txBody>
+          <a:bodyPr/>
+          <a:lstStyle/>
+          <a:p>
+            <a:pPr>
+              <a:buFont typeface="Wingdings" panose="05000000000000000000" pitchFamily="2" charset="2"/>
+              <a:buChar char="ü"/>
+            </a:pPr>
+            <a:r>
+              <a:rPr lang="pt-BR" dirty="0"/>
+              <a:t>Não dispõe de muitos recursos para investimento</a:t>
+            </a:r>
+          </a:p>
+          <a:p>
+            <a:pPr>
+              <a:buFont typeface="Wingdings" panose="05000000000000000000" pitchFamily="2" charset="2"/>
+              <a:buChar char="ü"/>
+            </a:pPr>
+            <a:r>
+              <a:rPr lang="pt-BR" dirty="0"/>
+              <a:t>O acesso a investimentos é um dos principais obstáculos das startups</a:t>
+            </a:r>
+          </a:p>
+          <a:p>
+            <a:pPr>
+              <a:buFont typeface="Wingdings" panose="05000000000000000000" pitchFamily="2" charset="2"/>
+              <a:buChar char="ü"/>
+            </a:pPr>
+            <a:endParaRPr lang="pt-BR" dirty="0"/>
+          </a:p>
+        </p:txBody>
+      </p:sp>
+      <p:pic>
+        <p:nvPicPr>
+          <p:cNvPr id="4" name="Imagem 3"/>
+          <p:cNvPicPr/>
+          <p:nvPr/>
+        </p:nvPicPr>
+        <p:blipFill>
+          <a:blip r:embed="rId2" cstate="print">
+            <a:extLst>
+              <a:ext uri="{28A0092B-C50C-407E-A947-70E740481C1C}">
+                <a14:useLocalDpi xmlns:a14="http://schemas.microsoft.com/office/drawing/2010/main" val="0"/>
+              </a:ext>
+            </a:extLst>
+          </a:blip>
+          <a:stretch>
+            <a:fillRect/>
+          </a:stretch>
+        </p:blipFill>
+        <p:spPr>
+          <a:xfrm>
+            <a:off x="1907704" y="2420888"/>
+            <a:ext cx="6664796" cy="4032448"/>
+          </a:xfrm>
+          <a:prstGeom prst="rect">
+            <a:avLst/>
+          </a:prstGeom>
+          <a:noFill/>
+          <a:ln>
+            <a:noFill/>
+          </a:ln>
+        </p:spPr>
+      </p:pic>
+    </p:spTree>
+    <p:extLst>
+      <p:ext uri="{BB962C8B-B14F-4D97-AF65-F5344CB8AC3E}">
+        <p14:creationId xmlns:p14="http://schemas.microsoft.com/office/powerpoint/2010/main" val="3569771386"/>
+      </p:ext>
+    </p:extLst>
+  </p:cSld>
+  <p:clrMapOvr>
+    <a:masterClrMapping/>
+  </p:clrMapOvr>
+</p:sld>
+</file>
+
+<file path=ppt/slides/slide33.xml><?xml version="1.0" encoding="utf-8"?>
+<p:sld xmlns:a="http://schemas.openxmlformats.org/drawingml/2006/main" xmlns:r="http://schemas.openxmlformats.org/officeDocument/2006/relationships" xmlns:p="http://schemas.openxmlformats.org/presentationml/2006/main">
+  <p:cSld>
+    <p:spTree>
+      <p:nvGrpSpPr>
+        <p:cNvPr id="1" name=""/>
+        <p:cNvGrpSpPr/>
+        <p:nvPr/>
+      </p:nvGrpSpPr>
+      <p:grpSpPr>
+        <a:xfrm>
+          <a:off x="0" y="0"/>
+          <a:ext cx="0" cy="0"/>
+          <a:chOff x="0" y="0"/>
+          <a:chExt cx="0" cy="0"/>
+        </a:xfrm>
+      </p:grpSpPr>
+      <p:sp>
+        <p:nvSpPr>
+          <p:cNvPr id="2" name="Título 1"/>
+          <p:cNvSpPr>
+            <a:spLocks noGrp="1"/>
+          </p:cNvSpPr>
+          <p:nvPr>
+            <p:ph type="title"/>
+          </p:nvPr>
+        </p:nvSpPr>
+        <p:spPr>
+          <a:xfrm>
+            <a:off x="492919" y="499533"/>
+            <a:ext cx="8079581" cy="1057259"/>
+          </a:xfrm>
+        </p:spPr>
+        <p:txBody>
+          <a:bodyPr/>
+          <a:lstStyle/>
+          <a:p>
+            <a:r>
+              <a:rPr lang="pt-BR" dirty="0"/>
+              <a:t>Startup – Tipos de Investimento</a:t>
+            </a:r>
+          </a:p>
+        </p:txBody>
+      </p:sp>
+      <p:sp>
+        <p:nvSpPr>
+          <p:cNvPr id="3" name="Espaço Reservado para Conteúdo 2"/>
+          <p:cNvSpPr>
+            <a:spLocks noGrp="1"/>
+          </p:cNvSpPr>
+          <p:nvPr>
+            <p:ph idx="1"/>
+          </p:nvPr>
+        </p:nvSpPr>
+        <p:spPr>
+          <a:xfrm>
+            <a:off x="507206" y="1556793"/>
+            <a:ext cx="8065294" cy="4824536"/>
+          </a:xfrm>
+        </p:spPr>
+        <p:txBody>
+          <a:bodyPr>
+            <a:normAutofit lnSpcReduction="10000"/>
+          </a:bodyPr>
+          <a:lstStyle/>
+          <a:p>
+            <a:pPr>
+              <a:buFont typeface="Wingdings" panose="05000000000000000000" pitchFamily="2" charset="2"/>
+              <a:buChar char="ü"/>
+            </a:pPr>
+            <a:r>
+              <a:rPr lang="pt-BR" dirty="0" err="1"/>
+              <a:t>Bootstrapping</a:t>
+            </a:r>
+            <a:r>
+              <a:rPr lang="pt-BR" dirty="0"/>
+              <a:t>;</a:t>
+            </a:r>
+          </a:p>
+          <a:p>
+            <a:pPr lvl="2">
+              <a:buFont typeface="Wingdings" panose="05000000000000000000" pitchFamily="2" charset="2"/>
+              <a:buChar char="ü"/>
+            </a:pPr>
+            <a:r>
+              <a:rPr lang="pt-BR" dirty="0"/>
+              <a:t>Criar sua startup usando somente recursos próprios e não recorrendo a investidores externos.</a:t>
+            </a:r>
+          </a:p>
+          <a:p>
+            <a:pPr>
+              <a:buFont typeface="Wingdings" panose="05000000000000000000" pitchFamily="2" charset="2"/>
+              <a:buChar char="ü"/>
+            </a:pPr>
+            <a:r>
+              <a:rPr lang="pt-BR" dirty="0"/>
+              <a:t>Investimento-Anjo;</a:t>
+            </a:r>
+          </a:p>
+          <a:p>
+            <a:pPr lvl="2">
+              <a:buFont typeface="Wingdings" panose="05000000000000000000" pitchFamily="2" charset="2"/>
+              <a:buChar char="ü"/>
+            </a:pPr>
+            <a:r>
+              <a:rPr lang="pt-BR" dirty="0"/>
+              <a:t>O investidor recebe, por seu investimento, uma participação societária minoritária no negócio, e não assume posição executiva na empresa, mas atua como um conselheiro.</a:t>
+            </a:r>
+          </a:p>
+          <a:p>
+            <a:pPr>
+              <a:buFont typeface="Wingdings" panose="05000000000000000000" pitchFamily="2" charset="2"/>
+              <a:buChar char="ü"/>
+            </a:pPr>
+            <a:r>
+              <a:rPr lang="pt-BR" dirty="0"/>
+              <a:t>Capital semente;</a:t>
+            </a:r>
+          </a:p>
+          <a:p>
+            <a:pPr lvl="2">
+              <a:buFont typeface="Wingdings" panose="05000000000000000000" pitchFamily="2" charset="2"/>
+              <a:buChar char="ü"/>
+            </a:pPr>
+            <a:r>
+              <a:rPr lang="pt-BR" dirty="0"/>
+              <a:t>É um modelo de financiamento dirigido a projetos empresariais em estágio inicial ou estágio zero, em fase de projeto e desenvolvimento, antes da instalação do negócio.</a:t>
+            </a:r>
+          </a:p>
+          <a:p>
+            <a:pPr>
+              <a:buFont typeface="Wingdings" panose="05000000000000000000" pitchFamily="2" charset="2"/>
+              <a:buChar char="ü"/>
+            </a:pPr>
+            <a:r>
+              <a:rPr lang="pt-BR" dirty="0"/>
+              <a:t>Incubadoras.</a:t>
+            </a:r>
+          </a:p>
+          <a:p>
+            <a:pPr lvl="2">
+              <a:buFont typeface="Wingdings" panose="05000000000000000000" pitchFamily="2" charset="2"/>
+              <a:buChar char="ü"/>
+            </a:pPr>
+            <a:r>
+              <a:rPr lang="pt-BR" dirty="0"/>
+              <a:t>Elas oferecem suporte técnico, gerencial e formação complementar ao empreendedor e facilitam o processo de inovação e acesso a novas tecnologias nos pequenos negócios.</a:t>
+            </a:r>
+          </a:p>
+        </p:txBody>
+      </p:sp>
+    </p:spTree>
+    <p:extLst>
+      <p:ext uri="{BB962C8B-B14F-4D97-AF65-F5344CB8AC3E}">
+        <p14:creationId xmlns:p14="http://schemas.microsoft.com/office/powerpoint/2010/main" val="2244996834"/>
+      </p:ext>
+    </p:extLst>
+  </p:cSld>
+  <p:clrMapOvr>
+    <a:masterClrMapping/>
+  </p:clrMapOvr>
+</p:sld>
+</file>
+
+<file path=ppt/slides/slide34.xml><?xml version="1.0" encoding="utf-8"?>
+<p:sld xmlns:a="http://schemas.openxmlformats.org/drawingml/2006/main" xmlns:r="http://schemas.openxmlformats.org/officeDocument/2006/relationships" xmlns:p="http://schemas.openxmlformats.org/presentationml/2006/main">
+  <p:cSld>
+    <p:spTree>
+      <p:nvGrpSpPr>
+        <p:cNvPr id="1" name=""/>
+        <p:cNvGrpSpPr/>
+        <p:nvPr/>
+      </p:nvGrpSpPr>
+      <p:grpSpPr>
+        <a:xfrm>
+          <a:off x="0" y="0"/>
+          <a:ext cx="0" cy="0"/>
+          <a:chOff x="0" y="0"/>
+          <a:chExt cx="0" cy="0"/>
+        </a:xfrm>
+      </p:grpSpPr>
+      <p:sp>
+        <p:nvSpPr>
+          <p:cNvPr id="2" name="Título 1"/>
+          <p:cNvSpPr>
+            <a:spLocks noGrp="1"/>
+          </p:cNvSpPr>
+          <p:nvPr>
+            <p:ph type="title"/>
+          </p:nvPr>
+        </p:nvSpPr>
+        <p:spPr/>
+        <p:txBody>
+          <a:bodyPr/>
+          <a:lstStyle/>
+          <a:p>
+            <a:r>
+              <a:rPr lang="pt-BR" dirty="0"/>
+              <a:t>Startup Enxuta – Características</a:t>
+            </a:r>
+          </a:p>
+        </p:txBody>
+      </p:sp>
+      <p:sp>
+        <p:nvSpPr>
+          <p:cNvPr id="3" name="Espaço Reservado para Conteúdo 2"/>
+          <p:cNvSpPr>
+            <a:spLocks noGrp="1"/>
+          </p:cNvSpPr>
+          <p:nvPr>
+            <p:ph idx="1"/>
+          </p:nvPr>
+        </p:nvSpPr>
+        <p:spPr/>
+        <p:txBody>
+          <a:bodyPr/>
+          <a:lstStyle/>
+          <a:p>
+            <a:pPr>
+              <a:buFont typeface="Wingdings" panose="05000000000000000000" pitchFamily="2" charset="2"/>
+              <a:buChar char="ü"/>
+            </a:pPr>
+            <a:r>
+              <a:rPr lang="pt-BR" dirty="0"/>
+              <a:t>Empreendedores estão por toda parte; </a:t>
+            </a:r>
+          </a:p>
+          <a:p>
+            <a:pPr>
+              <a:buFont typeface="Wingdings" panose="05000000000000000000" pitchFamily="2" charset="2"/>
+              <a:buChar char="ü"/>
+            </a:pPr>
+            <a:r>
+              <a:rPr lang="pt-BR" dirty="0"/>
+              <a:t>Empreender é administrar; </a:t>
+            </a:r>
+          </a:p>
+          <a:p>
+            <a:pPr>
+              <a:buFont typeface="Wingdings" panose="05000000000000000000" pitchFamily="2" charset="2"/>
+              <a:buChar char="ü"/>
+            </a:pPr>
+            <a:r>
+              <a:rPr lang="pt-BR" dirty="0"/>
+              <a:t>Aprendizado validado; </a:t>
+            </a:r>
+          </a:p>
+          <a:p>
+            <a:pPr>
+              <a:buFont typeface="Wingdings" panose="05000000000000000000" pitchFamily="2" charset="2"/>
+              <a:buChar char="ü"/>
+            </a:pPr>
+            <a:r>
+              <a:rPr lang="pt-BR" dirty="0"/>
+              <a:t>Construir-medir-aprender; </a:t>
+            </a:r>
+          </a:p>
+          <a:p>
+            <a:pPr>
+              <a:buFont typeface="Wingdings" panose="05000000000000000000" pitchFamily="2" charset="2"/>
+              <a:buChar char="ü"/>
+            </a:pPr>
+            <a:r>
+              <a:rPr lang="pt-BR" dirty="0"/>
+              <a:t>Contabilidade para inovação.</a:t>
+            </a:r>
+            <a:endParaRPr lang="pt-BR" dirty="0"/>
+          </a:p>
+        </p:txBody>
+      </p:sp>
+    </p:spTree>
+    <p:extLst>
+      <p:ext uri="{BB962C8B-B14F-4D97-AF65-F5344CB8AC3E}">
+        <p14:creationId xmlns:p14="http://schemas.microsoft.com/office/powerpoint/2010/main" val="589983116"/>
+      </p:ext>
+    </p:extLst>
+  </p:cSld>
+  <p:clrMapOvr>
+    <a:masterClrMapping/>
+  </p:clrMapOvr>
+</p:sld>
+</file>
+
+<file path=ppt/slides/slide35.xml><?xml version="1.0" encoding="utf-8"?>
+<p:sld xmlns:a="http://schemas.openxmlformats.org/drawingml/2006/main" xmlns:r="http://schemas.openxmlformats.org/officeDocument/2006/relationships" xmlns:p="http://schemas.openxmlformats.org/presentationml/2006/main">
+  <p:cSld>
+    <p:spTree>
+      <p:nvGrpSpPr>
+        <p:cNvPr id="1" name=""/>
+        <p:cNvGrpSpPr/>
+        <p:nvPr/>
+      </p:nvGrpSpPr>
+      <p:grpSpPr>
+        <a:xfrm>
+          <a:off x="0" y="0"/>
+          <a:ext cx="0" cy="0"/>
+          <a:chOff x="0" y="0"/>
+          <a:chExt cx="0" cy="0"/>
+        </a:xfrm>
+      </p:grpSpPr>
+      <p:sp>
+        <p:nvSpPr>
+          <p:cNvPr id="2" name="Título 1"/>
+          <p:cNvSpPr>
+            <a:spLocks noGrp="1"/>
+          </p:cNvSpPr>
+          <p:nvPr>
+            <p:ph type="title"/>
+          </p:nvPr>
+        </p:nvSpPr>
+        <p:spPr>
+          <a:xfrm>
             <a:off x="492919" y="332657"/>
             <a:ext cx="8079581" cy="864096"/>
           </a:xfrm>
@@ -9921,29 +7500,28 @@
             </a:pPr>
             <a:r>
               <a:rPr lang="pt-BR" dirty="0"/>
+              <a:t>O manifesto ágil contribuiu na definição dos princípios para o desenvolvimento ágil de software com base nos conceitos de produção enxuta.</a:t>
+            </a:r>
+          </a:p>
+          <a:p>
+            <a:pPr>
+              <a:buFont typeface="Wingdings" panose="05000000000000000000" pitchFamily="2" charset="2"/>
+              <a:buChar char="ü"/>
+            </a:pPr>
+            <a:r>
+              <a:rPr lang="pt-BR" dirty="0"/>
+              <a:t>A  agilidade do Scrum é responsável, em grande parte, pela inovação apresentada. Tudo é feito a partir das necessidades dos clientes e não a partir de soluções pré-programadas;</a:t>
+            </a:r>
+          </a:p>
+          <a:p>
+            <a:pPr>
+              <a:buFont typeface="Wingdings" panose="05000000000000000000" pitchFamily="2" charset="2"/>
+              <a:buChar char="ü"/>
+            </a:pPr>
+            <a:r>
+              <a:rPr lang="pt-BR" dirty="0"/>
               <a:t>Startups são frutos de empreendedores que enxergarão oportunidades de negócio em um ambiente de extrema incerteza;</a:t>
             </a:r>
-          </a:p>
-          <a:p>
-            <a:pPr>
-              <a:buFont typeface="Wingdings" panose="05000000000000000000" pitchFamily="2" charset="2"/>
-              <a:buChar char="ü"/>
-            </a:pPr>
-            <a:r>
-              <a:rPr lang="pt-BR" dirty="0"/>
-              <a:t>O manifesto ágil contribuiu na definição dos princípios para o desenvolvimento ágil de software com base nos conceitos de produção enxuta.</a:t>
-            </a:r>
-          </a:p>
-          <a:p>
-            <a:pPr>
-              <a:buFont typeface="Wingdings" panose="05000000000000000000" pitchFamily="2" charset="2"/>
-              <a:buChar char="ü"/>
-            </a:pPr>
-            <a:r>
-              <a:rPr lang="pt-BR" dirty="0"/>
-              <a:t>A  agilidade do Scrum é responsável, em grande parte, pela inovação apresentada. Tudo é feito a partir das necessidades dos clientes e não a partir de soluções pré-programadas;</a:t>
-            </a:r>
-            <a:endParaRPr lang="pt-BR" dirty="0"/>
           </a:p>
           <a:p>
             <a:pPr>
@@ -9965,6 +7543,268 @@
     <p:extLst>
       <p:ext uri="{BB962C8B-B14F-4D97-AF65-F5344CB8AC3E}">
         <p14:creationId xmlns:p14="http://schemas.microsoft.com/office/powerpoint/2010/main" val="3657543104"/>
+      </p:ext>
+    </p:extLst>
+  </p:cSld>
+  <p:clrMapOvr>
+    <a:masterClrMapping/>
+  </p:clrMapOvr>
+</p:sld>
+</file>
+
+<file path=ppt/slides/slide4.xml><?xml version="1.0" encoding="utf-8"?>
+<p:sld xmlns:a="http://schemas.openxmlformats.org/drawingml/2006/main" xmlns:r="http://schemas.openxmlformats.org/officeDocument/2006/relationships" xmlns:p="http://schemas.openxmlformats.org/presentationml/2006/main">
+  <p:cSld>
+    <p:spTree>
+      <p:nvGrpSpPr>
+        <p:cNvPr id="1" name=""/>
+        <p:cNvGrpSpPr/>
+        <p:nvPr/>
+      </p:nvGrpSpPr>
+      <p:grpSpPr>
+        <a:xfrm>
+          <a:off x="0" y="0"/>
+          <a:ext cx="0" cy="0"/>
+          <a:chOff x="0" y="0"/>
+          <a:chExt cx="0" cy="0"/>
+        </a:xfrm>
+      </p:grpSpPr>
+      <p:sp>
+        <p:nvSpPr>
+          <p:cNvPr id="3" name="Título 2"/>
+          <p:cNvSpPr>
+            <a:spLocks noGrp="1"/>
+          </p:cNvSpPr>
+          <p:nvPr>
+            <p:ph type="title"/>
+          </p:nvPr>
+        </p:nvSpPr>
+        <p:spPr/>
+        <p:txBody>
+          <a:bodyPr>
+            <a:normAutofit/>
+          </a:bodyPr>
+          <a:lstStyle/>
+          <a:p>
+            <a:r>
+              <a:rPr lang="pt-BR" dirty="0"/>
+              <a:t>Gerenciamento de Projetos de Software</a:t>
+            </a:r>
+          </a:p>
+        </p:txBody>
+      </p:sp>
+      <p:sp>
+        <p:nvSpPr>
+          <p:cNvPr id="2" name="Espaço Reservado para Conteúdo 1"/>
+          <p:cNvSpPr>
+            <a:spLocks noGrp="1"/>
+          </p:cNvSpPr>
+          <p:nvPr>
+            <p:ph idx="1"/>
+          </p:nvPr>
+        </p:nvSpPr>
+        <p:spPr>
+          <a:xfrm>
+            <a:off x="525732" y="2157731"/>
+            <a:ext cx="8065294" cy="3766185"/>
+          </a:xfrm>
+        </p:spPr>
+        <p:txBody>
+          <a:bodyPr>
+            <a:normAutofit/>
+          </a:bodyPr>
+          <a:lstStyle/>
+          <a:p>
+            <a:pPr>
+              <a:buFont typeface="Wingdings" panose="05000000000000000000" pitchFamily="2" charset="2"/>
+              <a:buChar char="ü"/>
+            </a:pPr>
+            <a:r>
+              <a:rPr lang="pt-BR" dirty="0"/>
+              <a:t>Conjunto de práticas que serve de guia a um grupo para trabalhar de maneira produtiva;</a:t>
+            </a:r>
+          </a:p>
+          <a:p>
+            <a:pPr>
+              <a:buFont typeface="Wingdings" panose="05000000000000000000" pitchFamily="2" charset="2"/>
+              <a:buChar char="ü"/>
+            </a:pPr>
+            <a:r>
+              <a:rPr lang="pt-BR" dirty="0"/>
+              <a:t>Compreende métodos e ferramentas que organizam as tarefas, identificam sua sequência e dependências;</a:t>
+            </a:r>
+          </a:p>
+          <a:p>
+            <a:pPr>
+              <a:buFont typeface="Wingdings" panose="05000000000000000000" pitchFamily="2" charset="2"/>
+              <a:buChar char="ü"/>
+            </a:pPr>
+            <a:r>
+              <a:rPr lang="pt-BR" dirty="0"/>
+              <a:t>Apoia a alocação de recursos e tempo, além de permitir o rastreamento da execução das atividades e medição do progresso relativo ao que foi definido no plano de projeto.</a:t>
+            </a:r>
+            <a:br>
+              <a:rPr lang="pt-BR" dirty="0"/>
+            </a:br>
+            <a:endParaRPr lang="pt-BR" dirty="0"/>
+          </a:p>
+        </p:txBody>
+      </p:sp>
+    </p:spTree>
+    <p:extLst>
+      <p:ext uri="{BB962C8B-B14F-4D97-AF65-F5344CB8AC3E}">
+        <p14:creationId xmlns:p14="http://schemas.microsoft.com/office/powerpoint/2010/main" val="1619631794"/>
+      </p:ext>
+    </p:extLst>
+  </p:cSld>
+  <p:clrMapOvr>
+    <a:masterClrMapping/>
+  </p:clrMapOvr>
+</p:sld>
+</file>
+
+<file path=ppt/slides/slide5.xml><?xml version="1.0" encoding="utf-8"?>
+<p:sld xmlns:a="http://schemas.openxmlformats.org/drawingml/2006/main" xmlns:r="http://schemas.openxmlformats.org/officeDocument/2006/relationships" xmlns:p="http://schemas.openxmlformats.org/presentationml/2006/main">
+  <p:cSld>
+    <p:spTree>
+      <p:nvGrpSpPr>
+        <p:cNvPr id="1" name=""/>
+        <p:cNvGrpSpPr/>
+        <p:nvPr/>
+      </p:nvGrpSpPr>
+      <p:grpSpPr>
+        <a:xfrm>
+          <a:off x="0" y="0"/>
+          <a:ext cx="0" cy="0"/>
+          <a:chOff x="0" y="0"/>
+          <a:chExt cx="0" cy="0"/>
+        </a:xfrm>
+      </p:grpSpPr>
+      <p:sp>
+        <p:nvSpPr>
+          <p:cNvPr id="2" name="Título 1"/>
+          <p:cNvSpPr>
+            <a:spLocks noGrp="1"/>
+          </p:cNvSpPr>
+          <p:nvPr>
+            <p:ph type="title"/>
+          </p:nvPr>
+        </p:nvSpPr>
+        <p:spPr>
+          <a:xfrm>
+            <a:off x="492919" y="404665"/>
+            <a:ext cx="8079581" cy="1512168"/>
+          </a:xfrm>
+        </p:spPr>
+        <p:txBody>
+          <a:bodyPr/>
+          <a:lstStyle/>
+          <a:p>
+            <a:r>
+              <a:rPr lang="pt-BR" dirty="0"/>
+              <a:t>Padrões Tradicionais de Gerenciamento</a:t>
+            </a:r>
+          </a:p>
+        </p:txBody>
+      </p:sp>
+      <p:sp>
+        <p:nvSpPr>
+          <p:cNvPr id="3" name="Espaço Reservado para Conteúdo 2"/>
+          <p:cNvSpPr>
+            <a:spLocks noGrp="1"/>
+          </p:cNvSpPr>
+          <p:nvPr>
+            <p:ph idx="1"/>
+          </p:nvPr>
+        </p:nvSpPr>
+        <p:spPr>
+          <a:xfrm>
+            <a:off x="507206" y="1916833"/>
+            <a:ext cx="8241258" cy="4608511"/>
+          </a:xfrm>
+        </p:spPr>
+        <p:txBody>
+          <a:bodyPr>
+            <a:normAutofit/>
+          </a:bodyPr>
+          <a:lstStyle/>
+          <a:p>
+            <a:pPr>
+              <a:buFont typeface="Wingdings" panose="05000000000000000000" pitchFamily="2" charset="2"/>
+              <a:buChar char="ü"/>
+            </a:pPr>
+            <a:r>
+              <a:rPr lang="pt-BR" dirty="0"/>
+              <a:t>Desenvolvimento em cascata;</a:t>
+            </a:r>
+          </a:p>
+          <a:p>
+            <a:pPr>
+              <a:buFont typeface="Wingdings" panose="05000000000000000000" pitchFamily="2" charset="2"/>
+              <a:buChar char="ü"/>
+            </a:pPr>
+            <a:r>
+              <a:rPr lang="pt-BR" dirty="0"/>
+              <a:t>Estrutura mais rígida, pouco flexível a modificações e com grande exaltação da figura do gerente de projetos;</a:t>
+            </a:r>
+          </a:p>
+          <a:p>
+            <a:pPr>
+              <a:buFont typeface="Wingdings" panose="05000000000000000000" pitchFamily="2" charset="2"/>
+              <a:buChar char="ü"/>
+            </a:pPr>
+            <a:r>
+              <a:rPr lang="pt-BR" dirty="0"/>
+              <a:t>Dificuldades em responder com rapidez as mudanças impostas pelos clientes ;</a:t>
+            </a:r>
+          </a:p>
+          <a:p>
+            <a:pPr>
+              <a:buFont typeface="Wingdings" panose="05000000000000000000" pitchFamily="2" charset="2"/>
+              <a:buChar char="ü"/>
+            </a:pPr>
+            <a:r>
+              <a:rPr lang="pt-BR" dirty="0"/>
+              <a:t>Monitoramento do andamento do projeto através das entregas.</a:t>
+            </a:r>
+          </a:p>
+          <a:p>
+            <a:pPr>
+              <a:buFont typeface="Wingdings" panose="05000000000000000000" pitchFamily="2" charset="2"/>
+              <a:buChar char="ü"/>
+            </a:pPr>
+            <a:endParaRPr lang="pt-BR" dirty="0"/>
+          </a:p>
+        </p:txBody>
+      </p:sp>
+      <p:pic>
+        <p:nvPicPr>
+          <p:cNvPr id="6" name="Imagem 5"/>
+          <p:cNvPicPr>
+            <a:picLocks noChangeAspect="1"/>
+          </p:cNvPicPr>
+          <p:nvPr/>
+        </p:nvPicPr>
+        <p:blipFill>
+          <a:blip r:embed="rId2"/>
+          <a:stretch>
+            <a:fillRect/>
+          </a:stretch>
+        </p:blipFill>
+        <p:spPr>
+          <a:xfrm>
+            <a:off x="3128553" y="4459399"/>
+            <a:ext cx="2808312" cy="2060536"/>
+          </a:xfrm>
+          <a:prstGeom prst="rect">
+            <a:avLst/>
+          </a:prstGeom>
+        </p:spPr>
+      </p:pic>
+    </p:spTree>
+    <p:extLst>
+      <p:ext uri="{BB962C8B-B14F-4D97-AF65-F5344CB8AC3E}">
+        <p14:creationId xmlns:p14="http://schemas.microsoft.com/office/powerpoint/2010/main" val="2404541622"/>
       </p:ext>
     </p:extLst>
   </p:cSld>
@@ -10001,147 +7841,6 @@
             <p:ph type="title"/>
           </p:nvPr>
         </p:nvSpPr>
-        <p:spPr>
-          <a:xfrm>
-            <a:off x="492919" y="499533"/>
-            <a:ext cx="8079581" cy="1561315"/>
-          </a:xfrm>
-        </p:spPr>
-        <p:txBody>
-          <a:bodyPr/>
-          <a:lstStyle/>
-          <a:p>
-            <a:r>
-              <a:rPr lang="pt-BR" dirty="0"/>
-              <a:t>Padrões Tradicionais de Gerenciamento</a:t>
-            </a:r>
-          </a:p>
-        </p:txBody>
-      </p:sp>
-      <p:sp>
-        <p:nvSpPr>
-          <p:cNvPr id="3" name="Espaço Reservado para Conteúdo 2"/>
-          <p:cNvSpPr>
-            <a:spLocks noGrp="1"/>
-          </p:cNvSpPr>
-          <p:nvPr>
-            <p:ph idx="1"/>
-          </p:nvPr>
-        </p:nvSpPr>
-        <p:spPr>
-          <a:xfrm>
-            <a:off x="507206" y="2060847"/>
-            <a:ext cx="8065294" cy="3698731"/>
-          </a:xfrm>
-        </p:spPr>
-        <p:txBody>
-          <a:bodyPr>
-            <a:normAutofit/>
-          </a:bodyPr>
-          <a:lstStyle/>
-          <a:p>
-            <a:pPr>
-              <a:buFont typeface="Wingdings" panose="05000000000000000000" pitchFamily="2" charset="2"/>
-              <a:buChar char="ü"/>
-            </a:pPr>
-            <a:r>
-              <a:rPr lang="pt-BR" dirty="0"/>
-              <a:t>Estrutura mais rígida, pouco flexível a modificações e com grande exaltação da figura do gerente de projetos;</a:t>
-            </a:r>
-          </a:p>
-          <a:p>
-            <a:pPr>
-              <a:buFont typeface="Wingdings" panose="05000000000000000000" pitchFamily="2" charset="2"/>
-              <a:buChar char="ü"/>
-            </a:pPr>
-            <a:r>
-              <a:rPr lang="pt-BR" dirty="0"/>
-              <a:t>dificuldades em responder com rapidez as mudanças impostas pelos clientes ;</a:t>
-            </a:r>
-          </a:p>
-          <a:p>
-            <a:pPr>
-              <a:buFont typeface="Wingdings" panose="05000000000000000000" pitchFamily="2" charset="2"/>
-              <a:buChar char="ü"/>
-            </a:pPr>
-            <a:r>
-              <a:rPr lang="pt-BR" dirty="0"/>
-              <a:t>Monitoramento do andamento do projeto através das entregas.</a:t>
-            </a:r>
-          </a:p>
-          <a:p>
-            <a:pPr lvl="2">
-              <a:buFont typeface="Wingdings" panose="05000000000000000000" pitchFamily="2" charset="2"/>
-              <a:buChar char="ü"/>
-            </a:pPr>
-            <a:endParaRPr lang="pt-BR" dirty="0"/>
-          </a:p>
-        </p:txBody>
-      </p:sp>
-      <p:pic>
-        <p:nvPicPr>
-          <p:cNvPr id="4" name="Imagem 3"/>
-          <p:cNvPicPr>
-            <a:picLocks noChangeAspect="1"/>
-          </p:cNvPicPr>
-          <p:nvPr/>
-        </p:nvPicPr>
-        <p:blipFill>
-          <a:blip r:embed="rId2"/>
-          <a:stretch>
-            <a:fillRect/>
-          </a:stretch>
-        </p:blipFill>
-        <p:spPr>
-          <a:xfrm>
-            <a:off x="2843808" y="4365104"/>
-            <a:ext cx="2808312" cy="2060536"/>
-          </a:xfrm>
-          <a:prstGeom prst="rect">
-            <a:avLst/>
-          </a:prstGeom>
-        </p:spPr>
-      </p:pic>
-    </p:spTree>
-    <p:extLst>
-      <p:ext uri="{BB962C8B-B14F-4D97-AF65-F5344CB8AC3E}">
-        <p14:creationId xmlns:p14="http://schemas.microsoft.com/office/powerpoint/2010/main" val="86567153"/>
-      </p:ext>
-    </p:extLst>
-  </p:cSld>
-  <p:clrMapOvr>
-    <a:masterClrMapping/>
-  </p:clrMapOvr>
-</p:sld>
-</file>
-
-<file path=ppt/slides/slide7.xml><?xml version="1.0" encoding="utf-8"?>
-<p:sld xmlns:a="http://schemas.openxmlformats.org/drawingml/2006/main" xmlns:r="http://schemas.openxmlformats.org/officeDocument/2006/relationships" xmlns:p="http://schemas.openxmlformats.org/presentationml/2006/main">
-  <p:cSld>
-    <p:spTree>
-      <p:nvGrpSpPr>
-        <p:cNvPr id="1" name=""/>
-        <p:cNvGrpSpPr/>
-        <p:nvPr/>
-      </p:nvGrpSpPr>
-      <p:grpSpPr>
-        <a:xfrm>
-          <a:off x="0" y="0"/>
-          <a:ext cx="0" cy="0"/>
-          <a:chOff x="0" y="0"/>
-          <a:chExt cx="0" cy="0"/>
-        </a:xfrm>
-      </p:grpSpPr>
-      <p:sp>
-        <p:nvSpPr>
-          <p:cNvPr id="2" name="Título 1"/>
-          <p:cNvSpPr>
-            <a:spLocks noGrp="1"/>
-          </p:cNvSpPr>
-          <p:nvPr>
-            <p:ph type="title"/>
-          </p:nvPr>
-        </p:nvSpPr>
         <p:spPr/>
         <p:txBody>
           <a:bodyPr/>
@@ -10207,7 +7906,7 @@
 </p:sld>
 </file>
 
-<file path=ppt/slides/slide8.xml><?xml version="1.0" encoding="utf-8"?>
+<file path=ppt/slides/slide7.xml><?xml version="1.0" encoding="utf-8"?>
 <p:sld xmlns:a="http://schemas.openxmlformats.org/drawingml/2006/main" xmlns:r="http://schemas.openxmlformats.org/officeDocument/2006/relationships" xmlns:p="http://schemas.openxmlformats.org/presentationml/2006/main">
   <p:cSld>
     <p:spTree>
@@ -10300,6 +7999,144 @@
 </p:sld>
 </file>
 
+<file path=ppt/slides/slide8.xml><?xml version="1.0" encoding="utf-8"?>
+<p:sld xmlns:a="http://schemas.openxmlformats.org/drawingml/2006/main" xmlns:r="http://schemas.openxmlformats.org/officeDocument/2006/relationships" xmlns:p="http://schemas.openxmlformats.org/presentationml/2006/main">
+  <p:cSld>
+    <p:spTree>
+      <p:nvGrpSpPr>
+        <p:cNvPr id="1" name=""/>
+        <p:cNvGrpSpPr/>
+        <p:nvPr/>
+      </p:nvGrpSpPr>
+      <p:grpSpPr>
+        <a:xfrm>
+          <a:off x="0" y="0"/>
+          <a:ext cx="0" cy="0"/>
+          <a:chOff x="0" y="0"/>
+          <a:chExt cx="0" cy="0"/>
+        </a:xfrm>
+      </p:grpSpPr>
+      <p:sp>
+        <p:nvSpPr>
+          <p:cNvPr id="2" name="Título 1"/>
+          <p:cNvSpPr>
+            <a:spLocks noGrp="1"/>
+          </p:cNvSpPr>
+          <p:nvPr>
+            <p:ph type="title"/>
+          </p:nvPr>
+        </p:nvSpPr>
+        <p:spPr>
+          <a:xfrm>
+            <a:off x="492919" y="499533"/>
+            <a:ext cx="8079581" cy="1493860"/>
+          </a:xfrm>
+        </p:spPr>
+        <p:txBody>
+          <a:bodyPr/>
+          <a:lstStyle/>
+          <a:p>
+            <a:r>
+              <a:rPr lang="pt-BR" dirty="0"/>
+              <a:t>Desenvolvimento Ágil</a:t>
+            </a:r>
+          </a:p>
+        </p:txBody>
+      </p:sp>
+      <p:sp>
+        <p:nvSpPr>
+          <p:cNvPr id="3" name="Espaço Reservado para Conteúdo 2"/>
+          <p:cNvSpPr>
+            <a:spLocks noGrp="1"/>
+          </p:cNvSpPr>
+          <p:nvPr>
+            <p:ph idx="1"/>
+          </p:nvPr>
+        </p:nvSpPr>
+        <p:spPr>
+          <a:xfrm>
+            <a:off x="507206" y="1844825"/>
+            <a:ext cx="8065294" cy="3914754"/>
+          </a:xfrm>
+        </p:spPr>
+        <p:txBody>
+          <a:bodyPr/>
+          <a:lstStyle/>
+          <a:p>
+            <a:pPr>
+              <a:buFont typeface="Wingdings" panose="05000000000000000000" pitchFamily="2" charset="2"/>
+              <a:buChar char="ü"/>
+            </a:pPr>
+            <a:r>
+              <a:rPr lang="pt-BR" dirty="0"/>
+              <a:t>Surgiu com a necessidade de introduzir no mercado produtos com mais rapidez e níveis elevados de satisfação;</a:t>
+            </a:r>
+          </a:p>
+          <a:p>
+            <a:pPr>
+              <a:buFont typeface="Wingdings" panose="05000000000000000000" pitchFamily="2" charset="2"/>
+              <a:buChar char="ü"/>
+            </a:pPr>
+            <a:r>
+              <a:rPr lang="pt-BR" dirty="0"/>
+              <a:t>Divide o problema em produtos menores e que visa entregar software funcionando regularmente;</a:t>
+            </a:r>
+          </a:p>
+          <a:p>
+            <a:pPr>
+              <a:buFont typeface="Wingdings" panose="05000000000000000000" pitchFamily="2" charset="2"/>
+              <a:buChar char="ü"/>
+            </a:pPr>
+            <a:r>
+              <a:rPr lang="pt-BR" dirty="0"/>
+              <a:t>Não existe nenhuma necessidade especificar detalhadamente tudo que ocorrerá durante a implementação do sistema.</a:t>
+            </a:r>
+          </a:p>
+          <a:p>
+            <a:pPr marL="0" indent="0">
+              <a:buNone/>
+            </a:pPr>
+            <a:endParaRPr lang="pt-BR" dirty="0"/>
+          </a:p>
+        </p:txBody>
+      </p:sp>
+      <p:pic>
+        <p:nvPicPr>
+          <p:cNvPr id="4" name="Imagem 3"/>
+          <p:cNvPicPr>
+            <a:picLocks noChangeAspect="1"/>
+          </p:cNvPicPr>
+          <p:nvPr/>
+        </p:nvPicPr>
+        <p:blipFill>
+          <a:blip r:embed="rId2"/>
+          <a:stretch>
+            <a:fillRect/>
+          </a:stretch>
+        </p:blipFill>
+        <p:spPr>
+          <a:xfrm>
+            <a:off x="3131840" y="4365104"/>
+            <a:ext cx="3165749" cy="1823103"/>
+          </a:xfrm>
+          <a:prstGeom prst="rect">
+            <a:avLst/>
+          </a:prstGeom>
+        </p:spPr>
+      </p:pic>
+    </p:spTree>
+    <p:extLst>
+      <p:ext uri="{BB962C8B-B14F-4D97-AF65-F5344CB8AC3E}">
+        <p14:creationId xmlns:p14="http://schemas.microsoft.com/office/powerpoint/2010/main" val="3076839744"/>
+      </p:ext>
+    </p:extLst>
+  </p:cSld>
+  <p:clrMapOvr>
+    <a:masterClrMapping/>
+  </p:clrMapOvr>
+</p:sld>
+</file>
+
 <file path=ppt/slides/slide9.xml><?xml version="1.0" encoding="utf-8"?>
 <p:sld xmlns:a="http://schemas.openxmlformats.org/drawingml/2006/main" xmlns:r="http://schemas.openxmlformats.org/officeDocument/2006/relationships" xmlns:p="http://schemas.openxmlformats.org/presentationml/2006/main">
   <p:cSld>
@@ -10319,59 +8156,95 @@
       </p:grpSpPr>
       <p:sp>
         <p:nvSpPr>
-          <p:cNvPr id="2" name="Título 1"/>
+          <p:cNvPr id="3" name="Título 2"/>
           <p:cNvSpPr>
             <a:spLocks noGrp="1"/>
           </p:cNvSpPr>
           <p:nvPr>
             <p:ph type="title"/>
+          </p:nvPr>
+        </p:nvSpPr>
+        <p:spPr/>
+        <p:txBody>
+          <a:bodyPr/>
+          <a:lstStyle/>
+          <a:p>
+            <a:r>
+              <a:rPr lang="pt-BR" dirty="0"/>
+              <a:t>Manifesto ágil</a:t>
+            </a:r>
+          </a:p>
+        </p:txBody>
+      </p:sp>
+      <p:sp>
+        <p:nvSpPr>
+          <p:cNvPr id="2" name="Espaço Reservado para Conteúdo 1"/>
+          <p:cNvSpPr>
+            <a:spLocks noGrp="1"/>
+          </p:cNvSpPr>
+          <p:nvPr>
+            <p:ph idx="1"/>
           </p:nvPr>
         </p:nvSpPr>
         <p:spPr>
           <a:xfrm>
-            <a:off x="492919" y="499533"/>
-            <a:ext cx="8079581" cy="924770"/>
+            <a:off x="507206" y="1993393"/>
+            <a:ext cx="8065294" cy="4171911"/>
           </a:xfrm>
         </p:spPr>
         <p:txBody>
-          <a:bodyPr/>
-          <a:lstStyle/>
-          <a:p>
-            <a:r>
-              <a:rPr lang="pt-BR" dirty="0"/>
-              <a:t>Heijunka</a:t>
-            </a:r>
-          </a:p>
-        </p:txBody>
-      </p:sp>
-      <p:sp>
-        <p:nvSpPr>
-          <p:cNvPr id="3" name="Espaço Reservado para Conteúdo 2"/>
-          <p:cNvSpPr>
-            <a:spLocks noGrp="1"/>
-          </p:cNvSpPr>
-          <p:nvPr>
-            <p:ph idx="1"/>
-          </p:nvPr>
-        </p:nvSpPr>
-        <p:spPr>
-          <a:xfrm>
-            <a:off x="507206" y="1424303"/>
-            <a:ext cx="8065294" cy="4335275"/>
-          </a:xfrm>
-        </p:spPr>
-        <p:txBody>
-          <a:bodyPr/>
-          <a:lstStyle/>
-          <a:p>
-            <a:pPr>
-              <a:buFont typeface="Wingdings" panose="05000000000000000000" pitchFamily="2" charset="2"/>
-              <a:buChar char="ü"/>
-            </a:pPr>
-            <a:r>
-              <a:rPr lang="pt-BR" dirty="0"/>
-              <a:t>Consiste na eliminação da variação da carga de trabalho (mura). Isto é feito através do nivelamento dos volumes de produção de forma a conseguir um fluxo suave, contínuo e eficiente.</a:t>
-            </a:r>
+          <a:bodyPr>
+            <a:normAutofit/>
+          </a:bodyPr>
+          <a:lstStyle/>
+          <a:p>
+            <a:pPr>
+              <a:buFont typeface="Wingdings" panose="05000000000000000000" pitchFamily="2" charset="2"/>
+              <a:buChar char="ü"/>
+            </a:pPr>
+            <a:r>
+              <a:rPr lang="pt-BR" dirty="0"/>
+              <a:t>Uma declaração de princípios que fundamentam o desenvolvimento ágil de softwares;</a:t>
+            </a:r>
+          </a:p>
+          <a:p>
+            <a:pPr>
+              <a:buFont typeface="Wingdings" panose="05000000000000000000" pitchFamily="2" charset="2"/>
+              <a:buChar char="ü"/>
+            </a:pPr>
+            <a:r>
+              <a:rPr lang="pt-BR" dirty="0"/>
+              <a:t>Criado Em fevereiro de 2001, em reunião onde compareceram os 17 criadores iniciais;</a:t>
+            </a:r>
+          </a:p>
+          <a:p>
+            <a:pPr>
+              <a:buFont typeface="Wingdings" panose="05000000000000000000" pitchFamily="2" charset="2"/>
+              <a:buChar char="ü"/>
+            </a:pPr>
+            <a:r>
+              <a:rPr lang="pt-BR" dirty="0"/>
+              <a:t>Criadores: Kent Beck, Mike Beedle, Arie van Bennekum, Alistair Cockburn, Ward Cunningham, Martin Fowler, James Grenning, Jim Highsmith, Andrew Hunt, Ron Jeffries, Jon Kern, Brian Marick, Robert C. Martin, Steve Mellor, </a:t>
+            </a:r>
+            <a:r>
+              <a:rPr lang="pt-BR" b="1" dirty="0"/>
+              <a:t>Ken Schwaber, Jeff Sutherland</a:t>
+            </a:r>
+            <a:r>
+              <a:rPr lang="pt-BR" dirty="0"/>
+              <a:t> e Dave Thomas;</a:t>
+            </a:r>
+          </a:p>
+          <a:p>
+            <a:pPr>
+              <a:buFont typeface="Wingdings" panose="05000000000000000000" pitchFamily="2" charset="2"/>
+              <a:buChar char="ü"/>
+            </a:pPr>
+            <a:r>
+              <a:rPr lang="en-US" dirty="0"/>
+              <a:t> Criado com o objetivo de estabelecer parâmetros para criação de metodologias ágeis para desenvolvimento de software.</a:t>
+            </a:r>
+            <a:endParaRPr lang="pt-BR" dirty="0"/>
           </a:p>
           <a:p>
             <a:pPr marL="0" indent="0">
@@ -10381,42 +8254,10 @@
           </a:p>
         </p:txBody>
       </p:sp>
-      <p:pic>
-        <p:nvPicPr>
-          <p:cNvPr id="4" name="Imagem 3"/>
-          <p:cNvPicPr/>
-          <p:nvPr/>
-        </p:nvPicPr>
-        <p:blipFill>
-          <a:blip r:embed="rId2" cstate="print">
-            <a:extLst>
-              <a:ext uri="{28A0092B-C50C-407E-A947-70E740481C1C}">
-                <a14:useLocalDpi xmlns:a14="http://schemas.microsoft.com/office/drawing/2010/main" val="0"/>
-              </a:ext>
-            </a:extLst>
-          </a:blip>
-          <a:stretch>
-            <a:fillRect/>
-          </a:stretch>
-        </p:blipFill>
-        <p:spPr>
-          <a:xfrm>
-            <a:off x="1932317" y="2636912"/>
-            <a:ext cx="5215072" cy="3738349"/>
-          </a:xfrm>
-          <a:prstGeom prst="rect">
-            <a:avLst/>
-          </a:prstGeom>
-          <a:noFill/>
-          <a:ln>
-            <a:noFill/>
-          </a:ln>
-        </p:spPr>
-      </p:pic>
     </p:spTree>
     <p:extLst>
       <p:ext uri="{BB962C8B-B14F-4D97-AF65-F5344CB8AC3E}">
-        <p14:creationId xmlns:p14="http://schemas.microsoft.com/office/powerpoint/2010/main" val="2139616728"/>
+        <p14:creationId xmlns:p14="http://schemas.microsoft.com/office/powerpoint/2010/main" val="1665822349"/>
       </p:ext>
     </p:extLst>
   </p:cSld>

--- a/StartIdea/StartIdea.Docs/Apresentacao.pptx
+++ b/StartIdea/StartIdea.Docs/Apresentacao.pptx
@@ -5,7 +5,7 @@
     <p:sldMasterId id="2147483738" r:id="rId2"/>
   </p:sldMasterIdLst>
   <p:notesMasterIdLst>
-    <p:notesMasterId r:id="rId38"/>
+    <p:notesMasterId r:id="rId23"/>
   </p:notesMasterIdLst>
   <p:sldIdLst>
     <p:sldId id="256" r:id="rId3"/>
@@ -22,27 +22,12 @@
     <p:sldId id="303" r:id="rId14"/>
     <p:sldId id="304" r:id="rId15"/>
     <p:sldId id="262" r:id="rId16"/>
-    <p:sldId id="280" r:id="rId17"/>
-    <p:sldId id="282" r:id="rId18"/>
-    <p:sldId id="281" r:id="rId19"/>
-    <p:sldId id="283" r:id="rId20"/>
-    <p:sldId id="287" r:id="rId21"/>
-    <p:sldId id="285" r:id="rId22"/>
-    <p:sldId id="288" r:id="rId23"/>
-    <p:sldId id="289" r:id="rId24"/>
-    <p:sldId id="290" r:id="rId25"/>
-    <p:sldId id="291" r:id="rId26"/>
-    <p:sldId id="292" r:id="rId27"/>
-    <p:sldId id="293" r:id="rId28"/>
-    <p:sldId id="294" r:id="rId29"/>
-    <p:sldId id="295" r:id="rId30"/>
-    <p:sldId id="296" r:id="rId31"/>
-    <p:sldId id="286" r:id="rId32"/>
-    <p:sldId id="269" r:id="rId33"/>
-    <p:sldId id="308" r:id="rId34"/>
-    <p:sldId id="316" r:id="rId35"/>
-    <p:sldId id="311" r:id="rId36"/>
-    <p:sldId id="299" r:id="rId37"/>
+    <p:sldId id="283" r:id="rId17"/>
+    <p:sldId id="291" r:id="rId18"/>
+    <p:sldId id="286" r:id="rId19"/>
+    <p:sldId id="269" r:id="rId20"/>
+    <p:sldId id="311" r:id="rId21"/>
+    <p:sldId id="299" r:id="rId22"/>
   </p:sldIdLst>
   <p:sldSz cx="9144000" cy="6858000" type="screen4x3"/>
   <p:notesSz cx="6858000" cy="9144000"/>
@@ -243,7 +228,7 @@
             <a:fld id="{E28287AA-0D99-42CE-A71B-10FA9908BBF8}" type="datetimeFigureOut">
               <a:rPr lang="pt-BR"/>
               <a:pPr/>
-              <a:t>01/12/2016</a:t>
+              <a:t>03/12/2016</a:t>
             </a:fld>
             <a:endParaRPr lang="pt-BR" dirty="0"/>
           </a:p>
@@ -975,7 +960,7 @@
             <a:fld id="{DCFA480D-CB17-4C49-BB2A-C7514E1C7CEA}" type="datetimeFigureOut">
               <a:rPr lang="pt-BR" smtClean="0"/>
               <a:pPr/>
-              <a:t>01/12/2016</a:t>
+              <a:t>03/12/2016</a:t>
             </a:fld>
             <a:endParaRPr lang="pt-BR" dirty="0"/>
           </a:p>
@@ -1168,7 +1153,7 @@
             <a:fld id="{DCFA480D-CB17-4C49-BB2A-C7514E1C7CEA}" type="datetimeFigureOut">
               <a:rPr lang="pt-BR" smtClean="0"/>
               <a:pPr/>
-              <a:t>01/12/2016</a:t>
+              <a:t>03/12/2016</a:t>
             </a:fld>
             <a:endParaRPr lang="pt-BR" sz="1200" dirty="0">
               <a:solidFill>
@@ -1364,7 +1349,7 @@
             <a:fld id="{DCFA480D-CB17-4C49-BB2A-C7514E1C7CEA}" type="datetimeFigureOut">
               <a:rPr lang="pt-BR" smtClean="0"/>
               <a:pPr/>
-              <a:t>01/12/2016</a:t>
+              <a:t>03/12/2016</a:t>
             </a:fld>
             <a:endParaRPr lang="pt-BR" sz="1200" dirty="0">
               <a:solidFill>
@@ -1550,7 +1535,7 @@
             <a:fld id="{DCFA480D-CB17-4C49-BB2A-C7514E1C7CEA}" type="datetimeFigureOut">
               <a:rPr lang="pt-BR" smtClean="0"/>
               <a:pPr/>
-              <a:t>01/12/2016</a:t>
+              <a:t>03/12/2016</a:t>
             </a:fld>
             <a:endParaRPr lang="pt-BR" dirty="0"/>
           </a:p>
@@ -1809,7 +1794,7 @@
             <a:fld id="{DCFA480D-CB17-4C49-BB2A-C7514E1C7CEA}" type="datetimeFigureOut">
               <a:rPr lang="pt-BR" smtClean="0"/>
               <a:pPr/>
-              <a:t>01/12/2016</a:t>
+              <a:t>03/12/2016</a:t>
             </a:fld>
             <a:endParaRPr lang="pt-BR" dirty="0"/>
           </a:p>
@@ -2099,7 +2084,7 @@
             <a:fld id="{DCFA480D-CB17-4C49-BB2A-C7514E1C7CEA}" type="datetimeFigureOut">
               <a:rPr lang="pt-BR" smtClean="0"/>
               <a:pPr/>
-              <a:t>01/12/2016</a:t>
+              <a:t>03/12/2016</a:t>
             </a:fld>
             <a:endParaRPr lang="pt-BR" dirty="0"/>
           </a:p>
@@ -2539,7 +2524,7 @@
             <a:fld id="{DCFA480D-CB17-4C49-BB2A-C7514E1C7CEA}" type="datetimeFigureOut">
               <a:rPr lang="pt-BR" smtClean="0"/>
               <a:pPr/>
-              <a:t>01/12/2016</a:t>
+              <a:t>03/12/2016</a:t>
             </a:fld>
             <a:endParaRPr lang="pt-BR" dirty="0"/>
           </a:p>
@@ -2659,7 +2644,7 @@
             <a:fld id="{DCFA480D-CB17-4C49-BB2A-C7514E1C7CEA}" type="datetimeFigureOut">
               <a:rPr lang="pt-BR" smtClean="0"/>
               <a:pPr/>
-              <a:t>01/12/2016</a:t>
+              <a:t>03/12/2016</a:t>
             </a:fld>
             <a:endParaRPr lang="pt-BR" dirty="0"/>
           </a:p>
@@ -2756,7 +2741,7 @@
             <a:fld id="{DCFA480D-CB17-4C49-BB2A-C7514E1C7CEA}" type="datetimeFigureOut">
               <a:rPr lang="pt-BR" smtClean="0"/>
               <a:pPr/>
-              <a:t>01/12/2016</a:t>
+              <a:t>03/12/2016</a:t>
             </a:fld>
             <a:endParaRPr lang="pt-BR" sz="1200" dirty="0">
               <a:solidFill>
@@ -3128,7 +3113,7 @@
             <a:fld id="{DCFA480D-CB17-4C49-BB2A-C7514E1C7CEA}" type="datetimeFigureOut">
               <a:rPr lang="pt-BR" smtClean="0"/>
               <a:pPr/>
-              <a:t>01/12/2016</a:t>
+              <a:t>03/12/2016</a:t>
             </a:fld>
             <a:endParaRPr lang="pt-BR" dirty="0"/>
           </a:p>
@@ -3450,7 +3435,7 @@
             <a:fld id="{DCFA480D-CB17-4C49-BB2A-C7514E1C7CEA}" type="datetimeFigureOut">
               <a:rPr lang="pt-BR" smtClean="0"/>
               <a:pPr/>
-              <a:t>01/12/2016</a:t>
+              <a:t>03/12/2016</a:t>
             </a:fld>
             <a:endParaRPr lang="pt-BR" dirty="0"/>
           </a:p>
@@ -3686,7 +3671,7 @@
             <a:fld id="{DCFA480D-CB17-4C49-BB2A-C7514E1C7CEA}" type="datetimeFigureOut">
               <a:rPr lang="pt-BR" smtClean="0"/>
               <a:pPr/>
-              <a:t>01/12/2016</a:t>
+              <a:t>03/12/2016</a:t>
             </a:fld>
             <a:endParaRPr lang="pt-BR" sz="1200" dirty="0">
               <a:solidFill>
@@ -4756,7 +4741,7 @@
           <a:p>
             <a:r>
               <a:rPr lang="en-US" dirty="0"/>
-              <a:t>Product Owner</a:t>
+              <a:t>Eventos Scrum</a:t>
             </a:r>
             <a:endParaRPr lang="pt-BR" dirty="0"/>
           </a:p>
@@ -4772,16 +4757,9 @@
             <p:ph idx="1"/>
           </p:nvPr>
         </p:nvSpPr>
-        <p:spPr>
-          <a:xfrm>
-            <a:off x="507206" y="1993393"/>
-            <a:ext cx="8065294" cy="4243919"/>
-          </a:xfrm>
-        </p:spPr>
-        <p:txBody>
-          <a:bodyPr>
-            <a:normAutofit/>
-          </a:bodyPr>
+        <p:spPr/>
+        <p:txBody>
+          <a:bodyPr/>
           <a:lstStyle/>
           <a:p>
             <a:pPr>
@@ -4790,17 +4768,7 @@
             </a:pPr>
             <a:r>
               <a:rPr lang="pt-BR" dirty="0"/>
-              <a:t>Pessoa responsável por gerenciar o Backlog do Produto a fim de maximizar o valor do projeto;</a:t>
-            </a:r>
-          </a:p>
-          <a:p>
-            <a:pPr lvl="2">
-              <a:buFont typeface="Wingdings" panose="05000000000000000000" pitchFamily="2" charset="2"/>
-              <a:buChar char="ü"/>
-            </a:pPr>
-            <a:r>
-              <a:rPr lang="pt-BR" dirty="0"/>
-              <a:t>Ordena por prioridade e esclarece os itens do Backlog do Produto</a:t>
+              <a:t>São usados no Scrum para criar uma rotina;</a:t>
             </a:r>
           </a:p>
           <a:p>
@@ -4810,7 +4778,7 @@
             </a:pPr>
             <a:r>
               <a:rPr lang="pt-BR" dirty="0"/>
-              <a:t>Pode cancelar uma Sprint;</a:t>
+              <a:t>Todos os eventos possuem um tempo máximo pré-determinado para sua realização (time-boxed);</a:t>
             </a:r>
           </a:p>
           <a:p>
@@ -4820,44 +4788,32 @@
             </a:pPr>
             <a:r>
               <a:rPr lang="pt-BR" dirty="0"/>
-              <a:t>Representa todos os Stakeholders no projeto.</a:t>
-            </a:r>
-          </a:p>
-          <a:p>
-            <a:pPr marL="0" indent="0">
-              <a:buNone/>
-            </a:pPr>
-            <a:endParaRPr lang="en-US" dirty="0"/>
-          </a:p>
-          <a:p>
-            <a:pPr marL="0" indent="0">
-              <a:buNone/>
-            </a:pPr>
-            <a:endParaRPr lang="en-US" dirty="0"/>
-          </a:p>
-          <a:p>
-            <a:pPr marL="0" indent="0">
-              <a:buNone/>
-            </a:pPr>
-            <a:r>
-              <a:rPr lang="en-US" b="1" i="1" dirty="0"/>
-              <a:t>Stakeholder</a:t>
-            </a:r>
-            <a:r>
-              <a:rPr lang="en-US" i="1" dirty="0"/>
-              <a:t>: </a:t>
-            </a:r>
-            <a:r>
-              <a:rPr lang="pt-BR" i="1" dirty="0"/>
-              <a:t>Alguém interessado no projeto, porém não está comprometido diretamente com ele (Ex: Cliente, Acionista, Diretor).</a:t>
-            </a:r>
+              <a:t>São eventos: Sprint, Reunião de Planejamento da Sprint, Reunião Diária, Revisão da Sprint e Retrospectiva da Sprint;</a:t>
+            </a:r>
+          </a:p>
+          <a:p>
+            <a:pPr>
+              <a:buFont typeface="Wingdings" panose="05000000000000000000" pitchFamily="2" charset="2"/>
+              <a:buChar char="ü"/>
+            </a:pPr>
+            <a:r>
+              <a:rPr lang="pt-BR" dirty="0"/>
+              <a:t>A não inclusão de qualquer um dos eventos resultará na redução da transparência e da perda de oportunidade para inspecionar e adaptar.</a:t>
+            </a:r>
+          </a:p>
+          <a:p>
+            <a:pPr>
+              <a:buFont typeface="Wingdings" panose="05000000000000000000" pitchFamily="2" charset="2"/>
+              <a:buChar char="ü"/>
+            </a:pPr>
+            <a:endParaRPr lang="pt-BR" dirty="0"/>
           </a:p>
         </p:txBody>
       </p:sp>
     </p:spTree>
     <p:extLst>
       <p:ext uri="{BB962C8B-B14F-4D97-AF65-F5344CB8AC3E}">
-        <p14:creationId xmlns:p14="http://schemas.microsoft.com/office/powerpoint/2010/main" val="2206234286"/>
+        <p14:creationId xmlns:p14="http://schemas.microsoft.com/office/powerpoint/2010/main" val="2460374621"/>
       </p:ext>
     </p:extLst>
   </p:cSld>
@@ -4900,1140 +4856,6 @@
           <a:lstStyle/>
           <a:p>
             <a:r>
-              <a:rPr lang="en-US" dirty="0"/>
-              <a:t>Time de Desenvolvimento</a:t>
-            </a:r>
-            <a:endParaRPr lang="pt-BR" dirty="0"/>
-          </a:p>
-        </p:txBody>
-      </p:sp>
-      <p:sp>
-        <p:nvSpPr>
-          <p:cNvPr id="3" name="Espaço Reservado para Conteúdo 2"/>
-          <p:cNvSpPr>
-            <a:spLocks noGrp="1"/>
-          </p:cNvSpPr>
-          <p:nvPr>
-            <p:ph idx="1"/>
-          </p:nvPr>
-        </p:nvSpPr>
-        <p:spPr/>
-        <p:txBody>
-          <a:bodyPr/>
-          <a:lstStyle/>
-          <a:p>
-            <a:pPr>
-              <a:buFont typeface="Wingdings" panose="05000000000000000000" pitchFamily="2" charset="2"/>
-              <a:buChar char="ü"/>
-            </a:pPr>
-            <a:r>
-              <a:rPr lang="pt-BR" dirty="0"/>
-              <a:t>Grupo de profissionais responsáveis pelo desenvolvimento do potencial incremento que será entregue a cada Sprint;</a:t>
-            </a:r>
-          </a:p>
-          <a:p>
-            <a:pPr>
-              <a:buFont typeface="Wingdings" panose="05000000000000000000" pitchFamily="2" charset="2"/>
-              <a:buChar char="ü"/>
-            </a:pPr>
-            <a:r>
-              <a:rPr lang="pt-BR" dirty="0"/>
-              <a:t>São auto organizáveis e multifuncionais;</a:t>
-            </a:r>
-          </a:p>
-          <a:p>
-            <a:pPr>
-              <a:buFont typeface="Wingdings" panose="05000000000000000000" pitchFamily="2" charset="2"/>
-              <a:buChar char="ü"/>
-            </a:pPr>
-            <a:r>
-              <a:rPr lang="pt-BR" dirty="0"/>
-              <a:t>Composto entre 3 a 9 integrantes.</a:t>
-            </a:r>
-          </a:p>
-        </p:txBody>
-      </p:sp>
-    </p:spTree>
-    <p:extLst>
-      <p:ext uri="{BB962C8B-B14F-4D97-AF65-F5344CB8AC3E}">
-        <p14:creationId xmlns:p14="http://schemas.microsoft.com/office/powerpoint/2010/main" val="3008020100"/>
-      </p:ext>
-    </p:extLst>
-  </p:cSld>
-  <p:clrMapOvr>
-    <a:masterClrMapping/>
-  </p:clrMapOvr>
-</p:sld>
-</file>
-
-<file path=ppt/slides/slide17.xml><?xml version="1.0" encoding="utf-8"?>
-<p:sld xmlns:a="http://schemas.openxmlformats.org/drawingml/2006/main" xmlns:r="http://schemas.openxmlformats.org/officeDocument/2006/relationships" xmlns:p="http://schemas.openxmlformats.org/presentationml/2006/main">
-  <p:cSld>
-    <p:spTree>
-      <p:nvGrpSpPr>
-        <p:cNvPr id="1" name=""/>
-        <p:cNvGrpSpPr/>
-        <p:nvPr/>
-      </p:nvGrpSpPr>
-      <p:grpSpPr>
-        <a:xfrm>
-          <a:off x="0" y="0"/>
-          <a:ext cx="0" cy="0"/>
-          <a:chOff x="0" y="0"/>
-          <a:chExt cx="0" cy="0"/>
-        </a:xfrm>
-      </p:grpSpPr>
-      <p:sp>
-        <p:nvSpPr>
-          <p:cNvPr id="2" name="Título 1"/>
-          <p:cNvSpPr>
-            <a:spLocks noGrp="1"/>
-          </p:cNvSpPr>
-          <p:nvPr>
-            <p:ph type="title"/>
-          </p:nvPr>
-        </p:nvSpPr>
-        <p:spPr/>
-        <p:txBody>
-          <a:bodyPr/>
-          <a:lstStyle/>
-          <a:p>
-            <a:r>
-              <a:rPr lang="en-US" dirty="0"/>
-              <a:t>Scrum Master</a:t>
-            </a:r>
-            <a:endParaRPr lang="pt-BR" dirty="0"/>
-          </a:p>
-        </p:txBody>
-      </p:sp>
-      <p:sp>
-        <p:nvSpPr>
-          <p:cNvPr id="3" name="Espaço Reservado para Conteúdo 2"/>
-          <p:cNvSpPr>
-            <a:spLocks noGrp="1"/>
-          </p:cNvSpPr>
-          <p:nvPr>
-            <p:ph idx="1"/>
-          </p:nvPr>
-        </p:nvSpPr>
-        <p:spPr/>
-        <p:txBody>
-          <a:bodyPr/>
-          <a:lstStyle/>
-          <a:p>
-            <a:pPr>
-              <a:buFont typeface="Wingdings" panose="05000000000000000000" pitchFamily="2" charset="2"/>
-              <a:buChar char="ü"/>
-            </a:pPr>
-            <a:r>
-              <a:rPr lang="pt-BR" dirty="0"/>
-              <a:t>Pessoa responsável por garantir que o Scrum seja compreendido por todos, fazendo com que aderem a teoria, praticas e regras do Scrum;</a:t>
-            </a:r>
-          </a:p>
-          <a:p>
-            <a:pPr>
-              <a:buFont typeface="Wingdings" panose="05000000000000000000" pitchFamily="2" charset="2"/>
-              <a:buChar char="ü"/>
-            </a:pPr>
-            <a:r>
-              <a:rPr lang="pt-BR" dirty="0"/>
-              <a:t>Facilitador e potencializador do trabalho do Time Scrum;</a:t>
-            </a:r>
-          </a:p>
-          <a:p>
-            <a:pPr lvl="2">
-              <a:buFont typeface="Wingdings" panose="05000000000000000000" pitchFamily="2" charset="2"/>
-              <a:buChar char="ü"/>
-            </a:pPr>
-            <a:r>
-              <a:rPr lang="pt-BR" dirty="0"/>
-              <a:t>Remove quaisquer impedimentos para o progresso</a:t>
-            </a:r>
-          </a:p>
-          <a:p>
-            <a:pPr lvl="2">
-              <a:buFont typeface="Wingdings" panose="05000000000000000000" pitchFamily="2" charset="2"/>
-              <a:buChar char="ü"/>
-            </a:pPr>
-            <a:r>
-              <a:rPr lang="pt-BR" dirty="0"/>
-              <a:t>Agenda e conduz reuniões</a:t>
-            </a:r>
-          </a:p>
-          <a:p>
-            <a:pPr>
-              <a:buFont typeface="Wingdings" panose="05000000000000000000" pitchFamily="2" charset="2"/>
-              <a:buChar char="ü"/>
-            </a:pPr>
-            <a:r>
-              <a:rPr lang="pt-BR" dirty="0"/>
-              <a:t>Protege o Time Scrum.</a:t>
-            </a:r>
-          </a:p>
-          <a:p>
-            <a:pPr lvl="2">
-              <a:buFont typeface="Wingdings" panose="05000000000000000000" pitchFamily="2" charset="2"/>
-              <a:buChar char="ü"/>
-            </a:pPr>
-            <a:r>
-              <a:rPr lang="pt-BR" dirty="0"/>
-              <a:t>Ajuda aqueles que estão fora a entender quais as interações com o Time Scrum são úteis</a:t>
-            </a:r>
-          </a:p>
-          <a:p>
-            <a:pPr lvl="2">
-              <a:buFont typeface="Wingdings" panose="05000000000000000000" pitchFamily="2" charset="2"/>
-              <a:buChar char="ü"/>
-            </a:pPr>
-            <a:endParaRPr lang="pt-BR" dirty="0"/>
-          </a:p>
-        </p:txBody>
-      </p:sp>
-    </p:spTree>
-    <p:extLst>
-      <p:ext uri="{BB962C8B-B14F-4D97-AF65-F5344CB8AC3E}">
-        <p14:creationId xmlns:p14="http://schemas.microsoft.com/office/powerpoint/2010/main" val="4155157275"/>
-      </p:ext>
-    </p:extLst>
-  </p:cSld>
-  <p:clrMapOvr>
-    <a:masterClrMapping/>
-  </p:clrMapOvr>
-</p:sld>
-</file>
-
-<file path=ppt/slides/slide18.xml><?xml version="1.0" encoding="utf-8"?>
-<p:sld xmlns:a="http://schemas.openxmlformats.org/drawingml/2006/main" xmlns:r="http://schemas.openxmlformats.org/officeDocument/2006/relationships" xmlns:p="http://schemas.openxmlformats.org/presentationml/2006/main">
-  <p:cSld>
-    <p:spTree>
-      <p:nvGrpSpPr>
-        <p:cNvPr id="1" name=""/>
-        <p:cNvGrpSpPr/>
-        <p:nvPr/>
-      </p:nvGrpSpPr>
-      <p:grpSpPr>
-        <a:xfrm>
-          <a:off x="0" y="0"/>
-          <a:ext cx="0" cy="0"/>
-          <a:chOff x="0" y="0"/>
-          <a:chExt cx="0" cy="0"/>
-        </a:xfrm>
-      </p:grpSpPr>
-      <p:sp>
-        <p:nvSpPr>
-          <p:cNvPr id="2" name="Título 1"/>
-          <p:cNvSpPr>
-            <a:spLocks noGrp="1"/>
-          </p:cNvSpPr>
-          <p:nvPr>
-            <p:ph type="title"/>
-          </p:nvPr>
-        </p:nvSpPr>
-        <p:spPr/>
-        <p:txBody>
-          <a:bodyPr/>
-          <a:lstStyle/>
-          <a:p>
-            <a:r>
-              <a:rPr lang="en-US" dirty="0"/>
-              <a:t>Eventos Scrum</a:t>
-            </a:r>
-            <a:endParaRPr lang="pt-BR" dirty="0"/>
-          </a:p>
-        </p:txBody>
-      </p:sp>
-      <p:sp>
-        <p:nvSpPr>
-          <p:cNvPr id="3" name="Espaço Reservado para Conteúdo 2"/>
-          <p:cNvSpPr>
-            <a:spLocks noGrp="1"/>
-          </p:cNvSpPr>
-          <p:nvPr>
-            <p:ph idx="1"/>
-          </p:nvPr>
-        </p:nvSpPr>
-        <p:spPr/>
-        <p:txBody>
-          <a:bodyPr/>
-          <a:lstStyle/>
-          <a:p>
-            <a:pPr>
-              <a:buFont typeface="Wingdings" panose="05000000000000000000" pitchFamily="2" charset="2"/>
-              <a:buChar char="ü"/>
-            </a:pPr>
-            <a:r>
-              <a:rPr lang="pt-BR" dirty="0"/>
-              <a:t>São usados no Scrum para criar uma rotina;</a:t>
-            </a:r>
-          </a:p>
-          <a:p>
-            <a:pPr>
-              <a:buFont typeface="Wingdings" panose="05000000000000000000" pitchFamily="2" charset="2"/>
-              <a:buChar char="ü"/>
-            </a:pPr>
-            <a:r>
-              <a:rPr lang="pt-BR" dirty="0"/>
-              <a:t>Todos os eventos possuem um tempo máximo pré-determinado para sua realização (time-boxed);</a:t>
-            </a:r>
-          </a:p>
-          <a:p>
-            <a:pPr>
-              <a:buFont typeface="Wingdings" panose="05000000000000000000" pitchFamily="2" charset="2"/>
-              <a:buChar char="ü"/>
-            </a:pPr>
-            <a:r>
-              <a:rPr lang="pt-BR" dirty="0"/>
-              <a:t>São eventos: Sprint, Reunião de Planejamento da Sprint, Reunião Diária, Revisão da Sprint e Retrospectiva da Sprint;</a:t>
-            </a:r>
-          </a:p>
-          <a:p>
-            <a:pPr>
-              <a:buFont typeface="Wingdings" panose="05000000000000000000" pitchFamily="2" charset="2"/>
-              <a:buChar char="ü"/>
-            </a:pPr>
-            <a:r>
-              <a:rPr lang="pt-BR" dirty="0"/>
-              <a:t>A não inclusão de qualquer um dos eventos resultará na redução da transparência e da perda de oportunidade para inspecionar e adaptar.</a:t>
-            </a:r>
-          </a:p>
-          <a:p>
-            <a:pPr>
-              <a:buFont typeface="Wingdings" panose="05000000000000000000" pitchFamily="2" charset="2"/>
-              <a:buChar char="ü"/>
-            </a:pPr>
-            <a:endParaRPr lang="pt-BR" dirty="0"/>
-          </a:p>
-        </p:txBody>
-      </p:sp>
-    </p:spTree>
-    <p:extLst>
-      <p:ext uri="{BB962C8B-B14F-4D97-AF65-F5344CB8AC3E}">
-        <p14:creationId xmlns:p14="http://schemas.microsoft.com/office/powerpoint/2010/main" val="2460374621"/>
-      </p:ext>
-    </p:extLst>
-  </p:cSld>
-  <p:clrMapOvr>
-    <a:masterClrMapping/>
-  </p:clrMapOvr>
-</p:sld>
-</file>
-
-<file path=ppt/slides/slide19.xml><?xml version="1.0" encoding="utf-8"?>
-<p:sld xmlns:a="http://schemas.openxmlformats.org/drawingml/2006/main" xmlns:r="http://schemas.openxmlformats.org/officeDocument/2006/relationships" xmlns:p="http://schemas.openxmlformats.org/presentationml/2006/main">
-  <p:cSld>
-    <p:spTree>
-      <p:nvGrpSpPr>
-        <p:cNvPr id="1" name=""/>
-        <p:cNvGrpSpPr/>
-        <p:nvPr/>
-      </p:nvGrpSpPr>
-      <p:grpSpPr>
-        <a:xfrm>
-          <a:off x="0" y="0"/>
-          <a:ext cx="0" cy="0"/>
-          <a:chOff x="0" y="0"/>
-          <a:chExt cx="0" cy="0"/>
-        </a:xfrm>
-      </p:grpSpPr>
-      <p:sp>
-        <p:nvSpPr>
-          <p:cNvPr id="2" name="Título 1"/>
-          <p:cNvSpPr>
-            <a:spLocks noGrp="1"/>
-          </p:cNvSpPr>
-          <p:nvPr>
-            <p:ph type="title"/>
-          </p:nvPr>
-        </p:nvSpPr>
-        <p:spPr/>
-        <p:txBody>
-          <a:bodyPr/>
-          <a:lstStyle/>
-          <a:p>
-            <a:r>
-              <a:rPr lang="pt-BR" dirty="0"/>
-              <a:t>Sprint</a:t>
-            </a:r>
-          </a:p>
-        </p:txBody>
-      </p:sp>
-      <p:sp>
-        <p:nvSpPr>
-          <p:cNvPr id="3" name="Espaço Reservado para Conteúdo 2"/>
-          <p:cNvSpPr>
-            <a:spLocks noGrp="1"/>
-          </p:cNvSpPr>
-          <p:nvPr>
-            <p:ph idx="1"/>
-          </p:nvPr>
-        </p:nvSpPr>
-        <p:spPr/>
-        <p:txBody>
-          <a:bodyPr/>
-          <a:lstStyle/>
-          <a:p>
-            <a:pPr>
-              <a:buFont typeface="Wingdings" panose="05000000000000000000" pitchFamily="2" charset="2"/>
-              <a:buChar char="ü"/>
-            </a:pPr>
-            <a:r>
-              <a:rPr lang="pt-BR" dirty="0"/>
-              <a:t>Coração do Scrum, ou seja, contém todos os elementos do Scrum;</a:t>
-            </a:r>
-          </a:p>
-          <a:p>
-            <a:pPr>
-              <a:buFont typeface="Wingdings" panose="05000000000000000000" pitchFamily="2" charset="2"/>
-              <a:buChar char="ü"/>
-            </a:pPr>
-            <a:r>
-              <a:rPr lang="pt-BR" dirty="0"/>
-              <a:t>O objetivo é ter uma interação curta o suficiente para manter o time focado, mas tempo suficiente para entregar um incremento significativo do trabalho;</a:t>
-            </a:r>
-          </a:p>
-          <a:p>
-            <a:pPr lvl="2">
-              <a:buFont typeface="Wingdings" panose="05000000000000000000" pitchFamily="2" charset="2"/>
-              <a:buChar char="ü"/>
-            </a:pPr>
-            <a:r>
-              <a:rPr lang="pt-BR" dirty="0"/>
-              <a:t>Duração de máxima de um mês, e hoje comumente usada pelos times entre uma ou duas semanas</a:t>
-            </a:r>
-          </a:p>
-          <a:p>
-            <a:pPr>
-              <a:buFont typeface="Wingdings" panose="05000000000000000000" pitchFamily="2" charset="2"/>
-              <a:buChar char="ü"/>
-            </a:pPr>
-            <a:r>
-              <a:rPr lang="pt-BR" dirty="0"/>
-              <a:t>Cancelamento só pode ser feito pelo Product Owner.</a:t>
-            </a:r>
-          </a:p>
-        </p:txBody>
-      </p:sp>
-    </p:spTree>
-    <p:extLst>
-      <p:ext uri="{BB962C8B-B14F-4D97-AF65-F5344CB8AC3E}">
-        <p14:creationId xmlns:p14="http://schemas.microsoft.com/office/powerpoint/2010/main" val="2561348211"/>
-      </p:ext>
-    </p:extLst>
-  </p:cSld>
-  <p:clrMapOvr>
-    <a:masterClrMapping/>
-  </p:clrMapOvr>
-</p:sld>
-</file>
-
-<file path=ppt/slides/slide2.xml><?xml version="1.0" encoding="utf-8"?>
-<p:sld xmlns:a="http://schemas.openxmlformats.org/drawingml/2006/main" xmlns:r="http://schemas.openxmlformats.org/officeDocument/2006/relationships" xmlns:p="http://schemas.openxmlformats.org/presentationml/2006/main">
-  <p:cSld>
-    <p:spTree>
-      <p:nvGrpSpPr>
-        <p:cNvPr id="1" name=""/>
-        <p:cNvGrpSpPr/>
-        <p:nvPr/>
-      </p:nvGrpSpPr>
-      <p:grpSpPr>
-        <a:xfrm>
-          <a:off x="0" y="0"/>
-          <a:ext cx="0" cy="0"/>
-          <a:chOff x="0" y="0"/>
-          <a:chExt cx="0" cy="0"/>
-        </a:xfrm>
-      </p:grpSpPr>
-      <p:sp>
-        <p:nvSpPr>
-          <p:cNvPr id="2" name="Title 1"/>
-          <p:cNvSpPr>
-            <a:spLocks noGrp="1"/>
-          </p:cNvSpPr>
-          <p:nvPr>
-            <p:ph type="title"/>
-          </p:nvPr>
-        </p:nvSpPr>
-        <p:spPr/>
-        <p:txBody>
-          <a:bodyPr/>
-          <a:lstStyle/>
-          <a:p>
-            <a:r>
-              <a:rPr lang="pt-BR" dirty="0"/>
-              <a:t>Introdução</a:t>
-            </a:r>
-          </a:p>
-        </p:txBody>
-      </p:sp>
-      <p:sp>
-        <p:nvSpPr>
-          <p:cNvPr id="3" name="Content Placeholder 2"/>
-          <p:cNvSpPr>
-            <a:spLocks noGrp="1"/>
-          </p:cNvSpPr>
-          <p:nvPr>
-            <p:ph idx="1"/>
-          </p:nvPr>
-        </p:nvSpPr>
-        <p:spPr/>
-        <p:txBody>
-          <a:bodyPr>
-            <a:normAutofit/>
-          </a:bodyPr>
-          <a:lstStyle/>
-          <a:p>
-            <a:pPr>
-              <a:buFont typeface="Wingdings" panose="05000000000000000000" pitchFamily="2" charset="2"/>
-              <a:buChar char="ü"/>
-            </a:pPr>
-            <a:r>
-              <a:rPr lang="pt-BR" dirty="0"/>
-              <a:t>Projeto;</a:t>
-            </a:r>
-          </a:p>
-          <a:p>
-            <a:pPr>
-              <a:buFont typeface="Wingdings" panose="05000000000000000000" pitchFamily="2" charset="2"/>
-              <a:buChar char="ü"/>
-            </a:pPr>
-            <a:r>
-              <a:rPr lang="pt-BR" dirty="0"/>
-              <a:t>Gerenciamento de Projetos de Software;</a:t>
-            </a:r>
-          </a:p>
-          <a:p>
-            <a:pPr>
-              <a:buFont typeface="Wingdings" panose="05000000000000000000" pitchFamily="2" charset="2"/>
-              <a:buChar char="ü"/>
-            </a:pPr>
-            <a:r>
-              <a:rPr lang="pt-BR" dirty="0"/>
-              <a:t>Sistema Toyota de Produção;</a:t>
-            </a:r>
-          </a:p>
-          <a:p>
-            <a:pPr>
-              <a:buFont typeface="Wingdings" panose="05000000000000000000" pitchFamily="2" charset="2"/>
-              <a:buChar char="ü"/>
-            </a:pPr>
-            <a:r>
-              <a:rPr lang="pt-BR" dirty="0"/>
-              <a:t>Startup;</a:t>
-            </a:r>
-          </a:p>
-          <a:p>
-            <a:pPr>
-              <a:buFont typeface="Wingdings" panose="05000000000000000000" pitchFamily="2" charset="2"/>
-              <a:buChar char="ü"/>
-            </a:pPr>
-            <a:r>
-              <a:rPr lang="pt-BR" dirty="0"/>
-              <a:t>Processo de desenvolvimento ágil.</a:t>
-            </a:r>
-          </a:p>
-          <a:p>
-            <a:pPr marL="617220" lvl="2">
-              <a:buFont typeface="Wingdings" panose="05000000000000000000" pitchFamily="2" charset="2"/>
-              <a:buChar char="ü"/>
-            </a:pPr>
-            <a:r>
-              <a:rPr lang="pt-BR" dirty="0"/>
-              <a:t>Manifesto</a:t>
-            </a:r>
-          </a:p>
-          <a:p>
-            <a:pPr marL="617220" lvl="2">
-              <a:buFont typeface="Wingdings" panose="05000000000000000000" pitchFamily="2" charset="2"/>
-              <a:buChar char="ü"/>
-            </a:pPr>
-            <a:r>
-              <a:rPr lang="pt-BR" dirty="0"/>
-              <a:t>Scrum</a:t>
-            </a:r>
-          </a:p>
-        </p:txBody>
-      </p:sp>
-    </p:spTree>
-  </p:cSld>
-  <p:clrMapOvr>
-    <a:masterClrMapping/>
-  </p:clrMapOvr>
-</p:sld>
-</file>
-
-<file path=ppt/slides/slide20.xml><?xml version="1.0" encoding="utf-8"?>
-<p:sld xmlns:a="http://schemas.openxmlformats.org/drawingml/2006/main" xmlns:r="http://schemas.openxmlformats.org/officeDocument/2006/relationships" xmlns:p="http://schemas.openxmlformats.org/presentationml/2006/main">
-  <p:cSld>
-    <p:spTree>
-      <p:nvGrpSpPr>
-        <p:cNvPr id="1" name=""/>
-        <p:cNvGrpSpPr/>
-        <p:nvPr/>
-      </p:nvGrpSpPr>
-      <p:grpSpPr>
-        <a:xfrm>
-          <a:off x="0" y="0"/>
-          <a:ext cx="0" cy="0"/>
-          <a:chOff x="0" y="0"/>
-          <a:chExt cx="0" cy="0"/>
-        </a:xfrm>
-      </p:grpSpPr>
-      <p:sp>
-        <p:nvSpPr>
-          <p:cNvPr id="2" name="Título 1"/>
-          <p:cNvSpPr>
-            <a:spLocks noGrp="1"/>
-          </p:cNvSpPr>
-          <p:nvPr>
-            <p:ph type="title"/>
-          </p:nvPr>
-        </p:nvSpPr>
-        <p:spPr>
-          <a:xfrm>
-            <a:off x="492919" y="499533"/>
-            <a:ext cx="8079581" cy="913243"/>
-          </a:xfrm>
-        </p:spPr>
-        <p:txBody>
-          <a:bodyPr/>
-          <a:lstStyle/>
-          <a:p>
-            <a:r>
-              <a:rPr lang="pt-BR" dirty="0"/>
-              <a:t>Reunião de Planejamento</a:t>
-            </a:r>
-          </a:p>
-        </p:txBody>
-      </p:sp>
-      <p:sp>
-        <p:nvSpPr>
-          <p:cNvPr id="3" name="Espaço Reservado para Conteúdo 2"/>
-          <p:cNvSpPr>
-            <a:spLocks noGrp="1"/>
-          </p:cNvSpPr>
-          <p:nvPr>
-            <p:ph idx="1"/>
-          </p:nvPr>
-        </p:nvSpPr>
-        <p:spPr>
-          <a:xfrm>
-            <a:off x="507206" y="1556792"/>
-            <a:ext cx="8065294" cy="4824536"/>
-          </a:xfrm>
-        </p:spPr>
-        <p:txBody>
-          <a:bodyPr>
-            <a:normAutofit fontScale="92500" lnSpcReduction="10000"/>
-          </a:bodyPr>
-          <a:lstStyle/>
-          <a:p>
-            <a:pPr>
-              <a:buFont typeface="Wingdings" panose="05000000000000000000" pitchFamily="2" charset="2"/>
-              <a:buChar char="ü"/>
-            </a:pPr>
-            <a:r>
-              <a:rPr lang="pt-BR" dirty="0"/>
-              <a:t>Reunião na qual estão presentes o Time Scrum e Stakeholders convidados;</a:t>
-            </a:r>
-          </a:p>
-          <a:p>
-            <a:pPr>
-              <a:buFont typeface="Wingdings" panose="05000000000000000000" pitchFamily="2" charset="2"/>
-              <a:buChar char="ü"/>
-            </a:pPr>
-            <a:r>
-              <a:rPr lang="pt-BR" dirty="0"/>
-              <a:t>Duração de acordo com o tamanho da Sprint;</a:t>
-            </a:r>
-          </a:p>
-          <a:p>
-            <a:pPr lvl="2">
-              <a:buFont typeface="Wingdings" panose="05000000000000000000" pitchFamily="2" charset="2"/>
-              <a:buChar char="ü"/>
-            </a:pPr>
-            <a:r>
-              <a:rPr lang="pt-BR" dirty="0"/>
-              <a:t>Time-box com no máximo 8 horas para uma Sprint de um mês</a:t>
-            </a:r>
-          </a:p>
-          <a:p>
-            <a:pPr>
-              <a:buFont typeface="Wingdings" panose="05000000000000000000" pitchFamily="2" charset="2"/>
-              <a:buChar char="ü"/>
-            </a:pPr>
-            <a:r>
-              <a:rPr lang="pt-BR" dirty="0"/>
-              <a:t>O Scrum Master garante que o evento ocorra e que os participantes entendam seu propósito;</a:t>
-            </a:r>
-          </a:p>
-          <a:p>
-            <a:pPr>
-              <a:buFont typeface="Wingdings" panose="05000000000000000000" pitchFamily="2" charset="2"/>
-              <a:buChar char="ü"/>
-            </a:pPr>
-            <a:r>
-              <a:rPr lang="pt-BR" dirty="0"/>
-              <a:t>Normalmente dividida em 2 partes:</a:t>
-            </a:r>
-          </a:p>
-          <a:p>
-            <a:pPr lvl="2">
-              <a:buFont typeface="Wingdings" panose="05000000000000000000" pitchFamily="2" charset="2"/>
-              <a:buChar char="ü"/>
-            </a:pPr>
-            <a:r>
-              <a:rPr lang="pt-BR" dirty="0"/>
-              <a:t>1ª parte: O Product Owner apresenta o Backlog do Produto, descreve o que ele deseja ver construído e esclarece dúvidas. Ao final o time seleciona os itens do Backlog do Produto e define o Sprint Goal (Objetivo) juntamente com o Product Owner</a:t>
-            </a:r>
-          </a:p>
-          <a:p>
-            <a:pPr lvl="2">
-              <a:buFont typeface="Wingdings" panose="05000000000000000000" pitchFamily="2" charset="2"/>
-              <a:buChar char="ü"/>
-            </a:pPr>
-            <a:r>
-              <a:rPr lang="pt-BR" dirty="0"/>
-              <a:t>2ª parte: O Time de Desenvolvimento decide como irá construir essas funcionalidades durante a Sprint e transformá-las em um incremento de produto “Pronto”. Os itens de Backlog do Produto selecionados para a Sprint, junto com o plano de entrega destes itens é chamado de Backlog da Sprint</a:t>
-            </a:r>
-          </a:p>
-        </p:txBody>
-      </p:sp>
-    </p:spTree>
-    <p:extLst>
-      <p:ext uri="{BB962C8B-B14F-4D97-AF65-F5344CB8AC3E}">
-        <p14:creationId xmlns:p14="http://schemas.microsoft.com/office/powerpoint/2010/main" val="1897746889"/>
-      </p:ext>
-    </p:extLst>
-  </p:cSld>
-  <p:clrMapOvr>
-    <a:masterClrMapping/>
-  </p:clrMapOvr>
-</p:sld>
-</file>
-
-<file path=ppt/slides/slide21.xml><?xml version="1.0" encoding="utf-8"?>
-<p:sld xmlns:a="http://schemas.openxmlformats.org/drawingml/2006/main" xmlns:r="http://schemas.openxmlformats.org/officeDocument/2006/relationships" xmlns:p="http://schemas.openxmlformats.org/presentationml/2006/main">
-  <p:cSld>
-    <p:spTree>
-      <p:nvGrpSpPr>
-        <p:cNvPr id="1" name=""/>
-        <p:cNvGrpSpPr/>
-        <p:nvPr/>
-      </p:nvGrpSpPr>
-      <p:grpSpPr>
-        <a:xfrm>
-          <a:off x="0" y="0"/>
-          <a:ext cx="0" cy="0"/>
-          <a:chOff x="0" y="0"/>
-          <a:chExt cx="0" cy="0"/>
-        </a:xfrm>
-      </p:grpSpPr>
-      <p:sp>
-        <p:nvSpPr>
-          <p:cNvPr id="2" name="Título 1"/>
-          <p:cNvSpPr>
-            <a:spLocks noGrp="1"/>
-          </p:cNvSpPr>
-          <p:nvPr>
-            <p:ph type="title"/>
-          </p:nvPr>
-        </p:nvSpPr>
-        <p:spPr>
-          <a:xfrm>
-            <a:off x="492919" y="499533"/>
-            <a:ext cx="8079581" cy="1057259"/>
-          </a:xfrm>
-        </p:spPr>
-        <p:txBody>
-          <a:bodyPr/>
-          <a:lstStyle/>
-          <a:p>
-            <a:r>
-              <a:rPr lang="pt-BR" dirty="0"/>
-              <a:t>Reunião Diária</a:t>
-            </a:r>
-          </a:p>
-        </p:txBody>
-      </p:sp>
-      <p:sp>
-        <p:nvSpPr>
-          <p:cNvPr id="3" name="Espaço Reservado para Conteúdo 2"/>
-          <p:cNvSpPr>
-            <a:spLocks noGrp="1"/>
-          </p:cNvSpPr>
-          <p:nvPr>
-            <p:ph idx="1"/>
-          </p:nvPr>
-        </p:nvSpPr>
-        <p:spPr>
-          <a:xfrm>
-            <a:off x="507206" y="1556792"/>
-            <a:ext cx="8065294" cy="4896545"/>
-          </a:xfrm>
-        </p:spPr>
-        <p:txBody>
-          <a:bodyPr>
-            <a:normAutofit/>
-          </a:bodyPr>
-          <a:lstStyle/>
-          <a:p>
-            <a:pPr>
-              <a:buFont typeface="Wingdings" panose="05000000000000000000" pitchFamily="2" charset="2"/>
-              <a:buChar char="ü"/>
-            </a:pPr>
-            <a:r>
-              <a:rPr lang="pt-BR" dirty="0"/>
-              <a:t>Chamada também de “Daily Scrum” é composta pelo Scrum Master e o Time de Desenvolvimento;</a:t>
-            </a:r>
-          </a:p>
-          <a:p>
-            <a:pPr>
-              <a:buFont typeface="Wingdings" panose="05000000000000000000" pitchFamily="2" charset="2"/>
-              <a:buChar char="ü"/>
-            </a:pPr>
-            <a:r>
-              <a:rPr lang="pt-BR" dirty="0"/>
-              <a:t>São realizadas sempre no mesmo lugar e na mesma hora definida, com duração máxima de 15 minutos;</a:t>
-            </a:r>
-          </a:p>
-          <a:p>
-            <a:pPr>
-              <a:buFont typeface="Wingdings" panose="05000000000000000000" pitchFamily="2" charset="2"/>
-              <a:buChar char="ü"/>
-            </a:pPr>
-            <a:r>
-              <a:rPr lang="pt-BR" dirty="0"/>
-              <a:t>Cada integrante do time deverá responder três perguntas:</a:t>
-            </a:r>
-          </a:p>
-          <a:p>
-            <a:pPr lvl="2">
-              <a:buFont typeface="Wingdings" panose="05000000000000000000" pitchFamily="2" charset="2"/>
-              <a:buChar char="ü"/>
-            </a:pPr>
-            <a:r>
-              <a:rPr lang="pt-BR" dirty="0"/>
-              <a:t>O que eu fiz ontem que ajudou o Time de Desenvolvimento a atender a meta da Sprint?</a:t>
-            </a:r>
-          </a:p>
-          <a:p>
-            <a:pPr lvl="2">
-              <a:buFont typeface="Wingdings" panose="05000000000000000000" pitchFamily="2" charset="2"/>
-              <a:buChar char="ü"/>
-            </a:pPr>
-            <a:r>
-              <a:rPr lang="pt-BR" dirty="0"/>
-              <a:t>O que eu farei hoje para ajudar o Time de Desenvolvimento atender a meta da Sprint?</a:t>
-            </a:r>
-          </a:p>
-          <a:p>
-            <a:pPr lvl="2">
-              <a:buFont typeface="Wingdings" panose="05000000000000000000" pitchFamily="2" charset="2"/>
-              <a:buChar char="ü"/>
-            </a:pPr>
-            <a:r>
-              <a:rPr lang="pt-BR" dirty="0"/>
-              <a:t>Eu vejo algum obstáculo que impeça a mim ou o Time de Desenvolvimento no atendimento da meta da Sprint?</a:t>
-            </a:r>
-          </a:p>
-          <a:p>
-            <a:pPr>
-              <a:buFont typeface="Wingdings" panose="05000000000000000000" pitchFamily="2" charset="2"/>
-              <a:buChar char="ü"/>
-            </a:pPr>
-            <a:r>
-              <a:rPr lang="pt-BR" dirty="0"/>
-              <a:t>Os impedimentos identificados no Daily Scrum devem ser tratados pelo Scrum Master o mais rapidamente possível.</a:t>
-            </a:r>
-          </a:p>
-        </p:txBody>
-      </p:sp>
-    </p:spTree>
-    <p:extLst>
-      <p:ext uri="{BB962C8B-B14F-4D97-AF65-F5344CB8AC3E}">
-        <p14:creationId xmlns:p14="http://schemas.microsoft.com/office/powerpoint/2010/main" val="1842161956"/>
-      </p:ext>
-    </p:extLst>
-  </p:cSld>
-  <p:clrMapOvr>
-    <a:masterClrMapping/>
-  </p:clrMapOvr>
-</p:sld>
-</file>
-
-<file path=ppt/slides/slide22.xml><?xml version="1.0" encoding="utf-8"?>
-<p:sld xmlns:a="http://schemas.openxmlformats.org/drawingml/2006/main" xmlns:r="http://schemas.openxmlformats.org/officeDocument/2006/relationships" xmlns:p="http://schemas.openxmlformats.org/presentationml/2006/main">
-  <p:cSld>
-    <p:spTree>
-      <p:nvGrpSpPr>
-        <p:cNvPr id="1" name=""/>
-        <p:cNvGrpSpPr/>
-        <p:nvPr/>
-      </p:nvGrpSpPr>
-      <p:grpSpPr>
-        <a:xfrm>
-          <a:off x="0" y="0"/>
-          <a:ext cx="0" cy="0"/>
-          <a:chOff x="0" y="0"/>
-          <a:chExt cx="0" cy="0"/>
-        </a:xfrm>
-      </p:grpSpPr>
-      <p:sp>
-        <p:nvSpPr>
-          <p:cNvPr id="2" name="Título 1"/>
-          <p:cNvSpPr>
-            <a:spLocks noGrp="1"/>
-          </p:cNvSpPr>
-          <p:nvPr>
-            <p:ph type="title"/>
-          </p:nvPr>
-        </p:nvSpPr>
-        <p:spPr/>
-        <p:txBody>
-          <a:bodyPr/>
-          <a:lstStyle/>
-          <a:p>
-            <a:r>
-              <a:rPr lang="pt-BR" dirty="0"/>
-              <a:t>Reunião de Revisão</a:t>
-            </a:r>
-          </a:p>
-        </p:txBody>
-      </p:sp>
-      <p:sp>
-        <p:nvSpPr>
-          <p:cNvPr id="3" name="Espaço Reservado para Conteúdo 2"/>
-          <p:cNvSpPr>
-            <a:spLocks noGrp="1"/>
-          </p:cNvSpPr>
-          <p:nvPr>
-            <p:ph idx="1"/>
-          </p:nvPr>
-        </p:nvSpPr>
-        <p:spPr>
-          <a:xfrm>
-            <a:off x="507206" y="1993393"/>
-            <a:ext cx="8065294" cy="4315927"/>
-          </a:xfrm>
-        </p:spPr>
-        <p:txBody>
-          <a:bodyPr>
-            <a:normAutofit/>
-          </a:bodyPr>
-          <a:lstStyle/>
-          <a:p>
-            <a:pPr>
-              <a:buFont typeface="Wingdings" panose="05000000000000000000" pitchFamily="2" charset="2"/>
-              <a:buChar char="ü"/>
-            </a:pPr>
-            <a:r>
-              <a:rPr lang="pt-BR" dirty="0"/>
-              <a:t>É uma reunião informal composta pelo Time Scrum e Stakeholders convidados;</a:t>
-            </a:r>
-          </a:p>
-          <a:p>
-            <a:pPr>
-              <a:buFont typeface="Wingdings" panose="05000000000000000000" pitchFamily="2" charset="2"/>
-              <a:buChar char="ü"/>
-            </a:pPr>
-            <a:r>
-              <a:rPr lang="pt-BR" dirty="0"/>
-              <a:t>Realizada no final da Sprint com duração de acordo com o tamanho da Sprint;</a:t>
-            </a:r>
-          </a:p>
-          <a:p>
-            <a:pPr lvl="2">
-              <a:buFont typeface="Wingdings" panose="05000000000000000000" pitchFamily="2" charset="2"/>
-              <a:buChar char="ü"/>
-            </a:pPr>
-            <a:r>
-              <a:rPr lang="pt-BR" dirty="0"/>
-              <a:t>Time-box com no máximo 4 horas para uma Sprint de um mês</a:t>
-            </a:r>
-          </a:p>
-          <a:p>
-            <a:pPr>
-              <a:buFont typeface="Wingdings" panose="05000000000000000000" pitchFamily="2" charset="2"/>
-              <a:buChar char="ü"/>
-            </a:pPr>
-            <a:r>
-              <a:rPr lang="pt-BR" dirty="0"/>
-              <a:t> Tem como objetivo inspecionar o incremento e adaptar o Backlog do Produto se necessário;</a:t>
-            </a:r>
-          </a:p>
-          <a:p>
-            <a:pPr>
-              <a:buFont typeface="Wingdings" panose="05000000000000000000" pitchFamily="2" charset="2"/>
-              <a:buChar char="ü"/>
-            </a:pPr>
-            <a:r>
-              <a:rPr lang="pt-BR" dirty="0"/>
-              <a:t>Durante essa reunião o Time de Desenvolvimento mostra quais itens do Backlog do Produto que eles concluíram durante a Sprint. Isso pode ocorrer sob a forma uma demo das novas funcionalidades.</a:t>
-            </a:r>
-          </a:p>
-        </p:txBody>
-      </p:sp>
-    </p:spTree>
-    <p:extLst>
-      <p:ext uri="{BB962C8B-B14F-4D97-AF65-F5344CB8AC3E}">
-        <p14:creationId xmlns:p14="http://schemas.microsoft.com/office/powerpoint/2010/main" val="3480910473"/>
-      </p:ext>
-    </p:extLst>
-  </p:cSld>
-  <p:clrMapOvr>
-    <a:masterClrMapping/>
-  </p:clrMapOvr>
-</p:sld>
-</file>
-
-<file path=ppt/slides/slide23.xml><?xml version="1.0" encoding="utf-8"?>
-<p:sld xmlns:a="http://schemas.openxmlformats.org/drawingml/2006/main" xmlns:r="http://schemas.openxmlformats.org/officeDocument/2006/relationships" xmlns:p="http://schemas.openxmlformats.org/presentationml/2006/main">
-  <p:cSld>
-    <p:spTree>
-      <p:nvGrpSpPr>
-        <p:cNvPr id="1" name=""/>
-        <p:cNvGrpSpPr/>
-        <p:nvPr/>
-      </p:nvGrpSpPr>
-      <p:grpSpPr>
-        <a:xfrm>
-          <a:off x="0" y="0"/>
-          <a:ext cx="0" cy="0"/>
-          <a:chOff x="0" y="0"/>
-          <a:chExt cx="0" cy="0"/>
-        </a:xfrm>
-      </p:grpSpPr>
-      <p:sp>
-        <p:nvSpPr>
-          <p:cNvPr id="2" name="Título 1"/>
-          <p:cNvSpPr>
-            <a:spLocks noGrp="1"/>
-          </p:cNvSpPr>
-          <p:nvPr>
-            <p:ph type="title"/>
-          </p:nvPr>
-        </p:nvSpPr>
-        <p:spPr/>
-        <p:txBody>
-          <a:bodyPr/>
-          <a:lstStyle/>
-          <a:p>
-            <a:r>
-              <a:rPr lang="pt-BR" dirty="0"/>
-              <a:t>Reunião de Retrospectiva</a:t>
-            </a:r>
-          </a:p>
-        </p:txBody>
-      </p:sp>
-      <p:sp>
-        <p:nvSpPr>
-          <p:cNvPr id="3" name="Espaço Reservado para Conteúdo 2"/>
-          <p:cNvSpPr>
-            <a:spLocks noGrp="1"/>
-          </p:cNvSpPr>
-          <p:nvPr>
-            <p:ph idx="1"/>
-          </p:nvPr>
-        </p:nvSpPr>
-        <p:spPr/>
-        <p:txBody>
-          <a:bodyPr/>
-          <a:lstStyle/>
-          <a:p>
-            <a:pPr>
-              <a:buFont typeface="Wingdings" panose="05000000000000000000" pitchFamily="2" charset="2"/>
-              <a:buChar char="ü"/>
-            </a:pPr>
-            <a:r>
-              <a:rPr lang="pt-BR" dirty="0"/>
-              <a:t>Composta apenas pelo Time Scrum deve ser time-boxed (por exemplo, 3 horas);</a:t>
-            </a:r>
-          </a:p>
-          <a:p>
-            <a:pPr lvl="2">
-              <a:buFont typeface="Wingdings" panose="05000000000000000000" pitchFamily="2" charset="2"/>
-              <a:buChar char="ü"/>
-            </a:pPr>
-            <a:r>
-              <a:rPr lang="pt-BR" dirty="0"/>
-              <a:t>Realizada após a reunião de revisão.</a:t>
-            </a:r>
-          </a:p>
-          <a:p>
-            <a:pPr>
-              <a:buFont typeface="Wingdings" panose="05000000000000000000" pitchFamily="2" charset="2"/>
-              <a:buChar char="ü"/>
-            </a:pPr>
-            <a:r>
-              <a:rPr lang="pt-BR" dirty="0"/>
-              <a:t>É uma oportunidade para o Time Scrum inspecionar a si próprio e criar um plano para melhorias a serem aplicadas na próxima Sprint;</a:t>
-            </a:r>
-          </a:p>
-          <a:p>
-            <a:pPr lvl="2">
-              <a:buFont typeface="Wingdings" panose="05000000000000000000" pitchFamily="2" charset="2"/>
-              <a:buChar char="ü"/>
-            </a:pPr>
-            <a:r>
-              <a:rPr lang="pt-BR" dirty="0"/>
-              <a:t>O que ocorreu bem durante a Sprint, o que não e que melhorias poderiam ser feitas na próxima Sprint</a:t>
-            </a:r>
-          </a:p>
-          <a:p>
-            <a:pPr>
-              <a:buFont typeface="Wingdings" panose="05000000000000000000" pitchFamily="2" charset="2"/>
-              <a:buChar char="ü"/>
-            </a:pPr>
-            <a:endParaRPr lang="pt-BR" dirty="0"/>
-          </a:p>
-        </p:txBody>
-      </p:sp>
-    </p:spTree>
-    <p:extLst>
-      <p:ext uri="{BB962C8B-B14F-4D97-AF65-F5344CB8AC3E}">
-        <p14:creationId xmlns:p14="http://schemas.microsoft.com/office/powerpoint/2010/main" val="3127285857"/>
-      </p:ext>
-    </p:extLst>
-  </p:cSld>
-  <p:clrMapOvr>
-    <a:masterClrMapping/>
-  </p:clrMapOvr>
-</p:sld>
-</file>
-
-<file path=ppt/slides/slide24.xml><?xml version="1.0" encoding="utf-8"?>
-<p:sld xmlns:a="http://schemas.openxmlformats.org/drawingml/2006/main" xmlns:r="http://schemas.openxmlformats.org/officeDocument/2006/relationships" xmlns:p="http://schemas.openxmlformats.org/presentationml/2006/main">
-  <p:cSld>
-    <p:spTree>
-      <p:nvGrpSpPr>
-        <p:cNvPr id="1" name=""/>
-        <p:cNvGrpSpPr/>
-        <p:nvPr/>
-      </p:nvGrpSpPr>
-      <p:grpSpPr>
-        <a:xfrm>
-          <a:off x="0" y="0"/>
-          <a:ext cx="0" cy="0"/>
-          <a:chOff x="0" y="0"/>
-          <a:chExt cx="0" cy="0"/>
-        </a:xfrm>
-      </p:grpSpPr>
-      <p:sp>
-        <p:nvSpPr>
-          <p:cNvPr id="2" name="Título 1"/>
-          <p:cNvSpPr>
-            <a:spLocks noGrp="1"/>
-          </p:cNvSpPr>
-          <p:nvPr>
-            <p:ph type="title"/>
-          </p:nvPr>
-        </p:nvSpPr>
-        <p:spPr/>
-        <p:txBody>
-          <a:bodyPr/>
-          <a:lstStyle/>
-          <a:p>
-            <a:r>
               <a:rPr lang="pt-BR" dirty="0"/>
               <a:t>Artefatos Scrum</a:t>
             </a:r>
@@ -6089,692 +4911,7 @@
 </p:sld>
 </file>
 
-<file path=ppt/slides/slide25.xml><?xml version="1.0" encoding="utf-8"?>
-<p:sld xmlns:a="http://schemas.openxmlformats.org/drawingml/2006/main" xmlns:r="http://schemas.openxmlformats.org/officeDocument/2006/relationships" xmlns:p="http://schemas.openxmlformats.org/presentationml/2006/main">
-  <p:cSld>
-    <p:spTree>
-      <p:nvGrpSpPr>
-        <p:cNvPr id="1" name=""/>
-        <p:cNvGrpSpPr/>
-        <p:nvPr/>
-      </p:nvGrpSpPr>
-      <p:grpSpPr>
-        <a:xfrm>
-          <a:off x="0" y="0"/>
-          <a:ext cx="0" cy="0"/>
-          <a:chOff x="0" y="0"/>
-          <a:chExt cx="0" cy="0"/>
-        </a:xfrm>
-      </p:grpSpPr>
-      <p:sp>
-        <p:nvSpPr>
-          <p:cNvPr id="2" name="Título 1"/>
-          <p:cNvSpPr>
-            <a:spLocks noGrp="1"/>
-          </p:cNvSpPr>
-          <p:nvPr>
-            <p:ph type="title"/>
-          </p:nvPr>
-        </p:nvSpPr>
-        <p:spPr>
-          <a:xfrm>
-            <a:off x="492919" y="499533"/>
-            <a:ext cx="8079581" cy="1057259"/>
-          </a:xfrm>
-        </p:spPr>
-        <p:txBody>
-          <a:bodyPr/>
-          <a:lstStyle/>
-          <a:p>
-            <a:r>
-              <a:rPr lang="pt-BR" dirty="0"/>
-              <a:t>Backlog do Produto</a:t>
-            </a:r>
-          </a:p>
-        </p:txBody>
-      </p:sp>
-      <p:sp>
-        <p:nvSpPr>
-          <p:cNvPr id="3" name="Espaço Reservado para Conteúdo 2"/>
-          <p:cNvSpPr>
-            <a:spLocks noGrp="1"/>
-          </p:cNvSpPr>
-          <p:nvPr>
-            <p:ph idx="1"/>
-          </p:nvPr>
-        </p:nvSpPr>
-        <p:spPr>
-          <a:xfrm>
-            <a:off x="507206" y="1556793"/>
-            <a:ext cx="8065294" cy="4896544"/>
-          </a:xfrm>
-        </p:spPr>
-        <p:txBody>
-          <a:bodyPr>
-            <a:normAutofit/>
-          </a:bodyPr>
-          <a:lstStyle/>
-          <a:p>
-            <a:pPr>
-              <a:buFont typeface="Wingdings" panose="05000000000000000000" pitchFamily="2" charset="2"/>
-              <a:buChar char="ü"/>
-            </a:pPr>
-            <a:r>
-              <a:rPr lang="pt-BR" dirty="0"/>
-              <a:t>O Backlog do Produto lista todas as características, funções, requisitos, melhorias e correções que formam as mudanças que devem ser feitas no produto nas futuras versões;</a:t>
-            </a:r>
-          </a:p>
-          <a:p>
-            <a:pPr lvl="2">
-              <a:buFont typeface="Wingdings" panose="05000000000000000000" pitchFamily="2" charset="2"/>
-              <a:buChar char="ü"/>
-            </a:pPr>
-            <a:r>
-              <a:rPr lang="pt-BR" dirty="0"/>
-              <a:t>A melhor forma de expressar um item do backlog é na forma de user story, exemplo: “Como um cliente da loja online eu gostaria de procurar por itens para adicionar ao meu pedido”</a:t>
-            </a:r>
-          </a:p>
-          <a:p>
-            <a:pPr>
-              <a:buFont typeface="Wingdings" panose="05000000000000000000" pitchFamily="2" charset="2"/>
-              <a:buChar char="ü"/>
-            </a:pPr>
-            <a:r>
-              <a:rPr lang="pt-BR" dirty="0"/>
-              <a:t>O Product Owner é responsável pelo Backlog do Produto, incluindo seu conteúdo, disponibilidade e ordenação;</a:t>
-            </a:r>
-          </a:p>
-          <a:p>
-            <a:pPr>
-              <a:buFont typeface="Wingdings" panose="05000000000000000000" pitchFamily="2" charset="2"/>
-              <a:buChar char="ü"/>
-            </a:pPr>
-            <a:r>
-              <a:rPr lang="pt-BR" dirty="0"/>
-              <a:t>É ordenado pela prioridade;</a:t>
-            </a:r>
-          </a:p>
-          <a:p>
-            <a:pPr lvl="2">
-              <a:buFont typeface="Wingdings" panose="05000000000000000000" pitchFamily="2" charset="2"/>
-              <a:buChar char="ü"/>
-            </a:pPr>
-            <a:r>
-              <a:rPr lang="pt-BR" dirty="0"/>
-              <a:t>Prioridade do cliente, urgência em receber feedback, dificuldade de implementação e relações simbióticas entre os itens (B é mais fácil se fizer o A primeiro) podem influenciar na priorização</a:t>
-            </a:r>
-          </a:p>
-          <a:p>
-            <a:pPr lvl="1">
-              <a:buFont typeface="Wingdings" panose="05000000000000000000" pitchFamily="2" charset="2"/>
-              <a:buChar char="ü"/>
-            </a:pPr>
-            <a:r>
-              <a:rPr lang="pt-BR" dirty="0"/>
-              <a:t>O Time de Desenvolvimento é responsável por todas as estimativas</a:t>
-            </a:r>
-          </a:p>
-          <a:p>
-            <a:pPr marL="0" indent="0">
-              <a:buNone/>
-            </a:pPr>
-            <a:endParaRPr lang="pt-BR" dirty="0"/>
-          </a:p>
-        </p:txBody>
-      </p:sp>
-    </p:spTree>
-    <p:extLst>
-      <p:ext uri="{BB962C8B-B14F-4D97-AF65-F5344CB8AC3E}">
-        <p14:creationId xmlns:p14="http://schemas.microsoft.com/office/powerpoint/2010/main" val="3989629251"/>
-      </p:ext>
-    </p:extLst>
-  </p:cSld>
-  <p:clrMapOvr>
-    <a:masterClrMapping/>
-  </p:clrMapOvr>
-</p:sld>
-</file>
-
-<file path=ppt/slides/slide26.xml><?xml version="1.0" encoding="utf-8"?>
-<p:sld xmlns:a="http://schemas.openxmlformats.org/drawingml/2006/main" xmlns:r="http://schemas.openxmlformats.org/officeDocument/2006/relationships" xmlns:p="http://schemas.openxmlformats.org/presentationml/2006/main">
-  <p:cSld>
-    <p:spTree>
-      <p:nvGrpSpPr>
-        <p:cNvPr id="1" name=""/>
-        <p:cNvGrpSpPr/>
-        <p:nvPr/>
-      </p:nvGrpSpPr>
-      <p:grpSpPr>
-        <a:xfrm>
-          <a:off x="0" y="0"/>
-          <a:ext cx="0" cy="0"/>
-          <a:chOff x="0" y="0"/>
-          <a:chExt cx="0" cy="0"/>
-        </a:xfrm>
-      </p:grpSpPr>
-      <p:sp>
-        <p:nvSpPr>
-          <p:cNvPr id="2" name="Título 1"/>
-          <p:cNvSpPr>
-            <a:spLocks noGrp="1"/>
-          </p:cNvSpPr>
-          <p:nvPr>
-            <p:ph type="title"/>
-          </p:nvPr>
-        </p:nvSpPr>
-        <p:spPr>
-          <a:xfrm>
-            <a:off x="492919" y="499533"/>
-            <a:ext cx="8079581" cy="1057259"/>
-          </a:xfrm>
-        </p:spPr>
-        <p:txBody>
-          <a:bodyPr/>
-          <a:lstStyle/>
-          <a:p>
-            <a:r>
-              <a:rPr lang="pt-BR" dirty="0"/>
-              <a:t>Backlog do Produto</a:t>
-            </a:r>
-          </a:p>
-        </p:txBody>
-      </p:sp>
-      <p:sp>
-        <p:nvSpPr>
-          <p:cNvPr id="3" name="Espaço Reservado para Conteúdo 2"/>
-          <p:cNvSpPr>
-            <a:spLocks noGrp="1"/>
-          </p:cNvSpPr>
-          <p:nvPr>
-            <p:ph idx="1"/>
-          </p:nvPr>
-        </p:nvSpPr>
-        <p:spPr>
-          <a:xfrm>
-            <a:off x="507206" y="1556793"/>
-            <a:ext cx="8065294" cy="4896544"/>
-          </a:xfrm>
-        </p:spPr>
-        <p:txBody>
-          <a:bodyPr>
-            <a:normAutofit/>
-          </a:bodyPr>
-          <a:lstStyle/>
-          <a:p>
-            <a:pPr>
-              <a:buFont typeface="Wingdings" panose="05000000000000000000" pitchFamily="2" charset="2"/>
-              <a:buChar char="ü"/>
-            </a:pPr>
-            <a:r>
-              <a:rPr lang="pt-BR" dirty="0"/>
-              <a:t>Exemplo:</a:t>
-            </a:r>
-          </a:p>
-          <a:p>
-            <a:pPr marL="0" indent="0">
-              <a:buNone/>
-            </a:pPr>
-            <a:endParaRPr lang="pt-BR" dirty="0"/>
-          </a:p>
-          <a:p>
-            <a:pPr marL="0" indent="0">
-              <a:buNone/>
-            </a:pPr>
-            <a:endParaRPr lang="pt-BR" dirty="0"/>
-          </a:p>
-          <a:p>
-            <a:pPr marL="0" indent="0">
-              <a:buNone/>
-            </a:pPr>
-            <a:endParaRPr lang="pt-BR" dirty="0"/>
-          </a:p>
-          <a:p>
-            <a:pPr marL="0" indent="0">
-              <a:buNone/>
-            </a:pPr>
-            <a:endParaRPr lang="pt-BR" dirty="0"/>
-          </a:p>
-          <a:p>
-            <a:pPr marL="0" indent="0">
-              <a:buNone/>
-            </a:pPr>
-            <a:endParaRPr lang="pt-BR" dirty="0"/>
-          </a:p>
-          <a:p>
-            <a:pPr marL="0" indent="0">
-              <a:buNone/>
-            </a:pPr>
-            <a:endParaRPr lang="pt-BR" dirty="0"/>
-          </a:p>
-          <a:p>
-            <a:pPr marL="0" indent="0">
-              <a:buNone/>
-            </a:pPr>
-            <a:endParaRPr lang="pt-BR" dirty="0"/>
-          </a:p>
-          <a:p>
-            <a:pPr marL="0" indent="0">
-              <a:buNone/>
-            </a:pPr>
-            <a:endParaRPr lang="pt-BR" dirty="0"/>
-          </a:p>
-        </p:txBody>
-      </p:sp>
-      <p:pic>
-        <p:nvPicPr>
-          <p:cNvPr id="4" name="Imagem 3"/>
-          <p:cNvPicPr/>
-          <p:nvPr/>
-        </p:nvPicPr>
-        <p:blipFill>
-          <a:blip r:embed="rId2">
-            <a:extLst>
-              <a:ext uri="{28A0092B-C50C-407E-A947-70E740481C1C}">
-                <a14:useLocalDpi xmlns:a14="http://schemas.microsoft.com/office/drawing/2010/main" val="0"/>
-              </a:ext>
-            </a:extLst>
-          </a:blip>
-          <a:stretch>
-            <a:fillRect/>
-          </a:stretch>
-        </p:blipFill>
-        <p:spPr>
-          <a:xfrm>
-            <a:off x="1605483" y="2132856"/>
-            <a:ext cx="5868740" cy="3853896"/>
-          </a:xfrm>
-          <a:prstGeom prst="rect">
-            <a:avLst/>
-          </a:prstGeom>
-        </p:spPr>
-      </p:pic>
-    </p:spTree>
-    <p:extLst>
-      <p:ext uri="{BB962C8B-B14F-4D97-AF65-F5344CB8AC3E}">
-        <p14:creationId xmlns:p14="http://schemas.microsoft.com/office/powerpoint/2010/main" val="634659157"/>
-      </p:ext>
-    </p:extLst>
-  </p:cSld>
-  <p:clrMapOvr>
-    <a:masterClrMapping/>
-  </p:clrMapOvr>
-</p:sld>
-</file>
-
-<file path=ppt/slides/slide27.xml><?xml version="1.0" encoding="utf-8"?>
-<p:sld xmlns:a="http://schemas.openxmlformats.org/drawingml/2006/main" xmlns:r="http://schemas.openxmlformats.org/officeDocument/2006/relationships" xmlns:p="http://schemas.openxmlformats.org/presentationml/2006/main">
-  <p:cSld>
-    <p:spTree>
-      <p:nvGrpSpPr>
-        <p:cNvPr id="1" name=""/>
-        <p:cNvGrpSpPr/>
-        <p:nvPr/>
-      </p:nvGrpSpPr>
-      <p:grpSpPr>
-        <a:xfrm>
-          <a:off x="0" y="0"/>
-          <a:ext cx="0" cy="0"/>
-          <a:chOff x="0" y="0"/>
-          <a:chExt cx="0" cy="0"/>
-        </a:xfrm>
-      </p:grpSpPr>
-      <p:sp>
-        <p:nvSpPr>
-          <p:cNvPr id="2" name="Título 1"/>
-          <p:cNvSpPr>
-            <a:spLocks noGrp="1"/>
-          </p:cNvSpPr>
-          <p:nvPr>
-            <p:ph type="title"/>
-          </p:nvPr>
-        </p:nvSpPr>
-        <p:spPr/>
-        <p:txBody>
-          <a:bodyPr/>
-          <a:lstStyle/>
-          <a:p>
-            <a:r>
-              <a:rPr lang="pt-BR" dirty="0"/>
-              <a:t>Backlog da Sprint</a:t>
-            </a:r>
-          </a:p>
-        </p:txBody>
-      </p:sp>
-      <p:sp>
-        <p:nvSpPr>
-          <p:cNvPr id="3" name="Espaço Reservado para Conteúdo 2"/>
-          <p:cNvSpPr>
-            <a:spLocks noGrp="1"/>
-          </p:cNvSpPr>
-          <p:nvPr>
-            <p:ph idx="1"/>
-          </p:nvPr>
-        </p:nvSpPr>
-        <p:spPr/>
-        <p:txBody>
-          <a:bodyPr/>
-          <a:lstStyle/>
-          <a:p>
-            <a:pPr>
-              <a:buFont typeface="Wingdings" panose="05000000000000000000" pitchFamily="2" charset="2"/>
-              <a:buChar char="ü"/>
-            </a:pPr>
-            <a:r>
-              <a:rPr lang="pt-BR" dirty="0"/>
-              <a:t>Itens do Backlog do Produto adicionados na Sprint;</a:t>
-            </a:r>
-          </a:p>
-          <a:p>
-            <a:pPr>
-              <a:buFont typeface="Wingdings" panose="05000000000000000000" pitchFamily="2" charset="2"/>
-              <a:buChar char="ü"/>
-            </a:pPr>
-            <a:r>
-              <a:rPr lang="pt-BR" dirty="0"/>
-              <a:t>Durante a reunião de planejamento, o Time de Desenvolvimento seleciona alguns itens do Backlog do Produto e identifica as tarefas necessárias para resolver cada item;</a:t>
-            </a:r>
-          </a:p>
-          <a:p>
-            <a:pPr>
-              <a:buFont typeface="Wingdings" panose="05000000000000000000" pitchFamily="2" charset="2"/>
-              <a:buChar char="ü"/>
-            </a:pPr>
-            <a:r>
-              <a:rPr lang="pt-BR" dirty="0"/>
-              <a:t>Em qualquer ponto do tempo na Sprint, o total do trabalho remanescente dos itens do Backlog da Sprint pode ser somado.</a:t>
-            </a:r>
-          </a:p>
-        </p:txBody>
-      </p:sp>
-    </p:spTree>
-    <p:extLst>
-      <p:ext uri="{BB962C8B-B14F-4D97-AF65-F5344CB8AC3E}">
-        <p14:creationId xmlns:p14="http://schemas.microsoft.com/office/powerpoint/2010/main" val="1782350351"/>
-      </p:ext>
-    </p:extLst>
-  </p:cSld>
-  <p:clrMapOvr>
-    <a:masterClrMapping/>
-  </p:clrMapOvr>
-</p:sld>
-</file>
-
-<file path=ppt/slides/slide28.xml><?xml version="1.0" encoding="utf-8"?>
-<p:sld xmlns:a="http://schemas.openxmlformats.org/drawingml/2006/main" xmlns:r="http://schemas.openxmlformats.org/officeDocument/2006/relationships" xmlns:p="http://schemas.openxmlformats.org/presentationml/2006/main">
-  <p:cSld>
-    <p:spTree>
-      <p:nvGrpSpPr>
-        <p:cNvPr id="1" name=""/>
-        <p:cNvGrpSpPr/>
-        <p:nvPr/>
-      </p:nvGrpSpPr>
-      <p:grpSpPr>
-        <a:xfrm>
-          <a:off x="0" y="0"/>
-          <a:ext cx="0" cy="0"/>
-          <a:chOff x="0" y="0"/>
-          <a:chExt cx="0" cy="0"/>
-        </a:xfrm>
-      </p:grpSpPr>
-      <p:sp>
-        <p:nvSpPr>
-          <p:cNvPr id="2" name="Título 1"/>
-          <p:cNvSpPr>
-            <a:spLocks noGrp="1"/>
-          </p:cNvSpPr>
-          <p:nvPr>
-            <p:ph type="title"/>
-          </p:nvPr>
-        </p:nvSpPr>
-        <p:spPr/>
-        <p:txBody>
-          <a:bodyPr/>
-          <a:lstStyle/>
-          <a:p>
-            <a:r>
-              <a:rPr lang="pt-BR" dirty="0"/>
-              <a:t>Backlog da Sprint</a:t>
-            </a:r>
-          </a:p>
-        </p:txBody>
-      </p:sp>
-      <p:sp>
-        <p:nvSpPr>
-          <p:cNvPr id="3" name="Espaço Reservado para Conteúdo 2"/>
-          <p:cNvSpPr>
-            <a:spLocks noGrp="1"/>
-          </p:cNvSpPr>
-          <p:nvPr>
-            <p:ph idx="1"/>
-          </p:nvPr>
-        </p:nvSpPr>
-        <p:spPr/>
-        <p:txBody>
-          <a:bodyPr/>
-          <a:lstStyle/>
-          <a:p>
-            <a:pPr>
-              <a:buFont typeface="Wingdings" panose="05000000000000000000" pitchFamily="2" charset="2"/>
-              <a:buChar char="ü"/>
-            </a:pPr>
-            <a:r>
-              <a:rPr lang="pt-BR" dirty="0"/>
-              <a:t>Exemplo:</a:t>
-            </a:r>
-          </a:p>
-        </p:txBody>
-      </p:sp>
-      <p:pic>
-        <p:nvPicPr>
-          <p:cNvPr id="5" name="Imagem 4"/>
-          <p:cNvPicPr>
-            <a:picLocks noChangeAspect="1"/>
-          </p:cNvPicPr>
-          <p:nvPr/>
-        </p:nvPicPr>
-        <p:blipFill>
-          <a:blip r:embed="rId2"/>
-          <a:stretch>
-            <a:fillRect/>
-          </a:stretch>
-        </p:blipFill>
-        <p:spPr>
-          <a:xfrm>
-            <a:off x="1590828" y="2456671"/>
-            <a:ext cx="5898049" cy="3302907"/>
-          </a:xfrm>
-          <a:prstGeom prst="rect">
-            <a:avLst/>
-          </a:prstGeom>
-        </p:spPr>
-      </p:pic>
-    </p:spTree>
-    <p:extLst>
-      <p:ext uri="{BB962C8B-B14F-4D97-AF65-F5344CB8AC3E}">
-        <p14:creationId xmlns:p14="http://schemas.microsoft.com/office/powerpoint/2010/main" val="2883801537"/>
-      </p:ext>
-    </p:extLst>
-  </p:cSld>
-  <p:clrMapOvr>
-    <a:masterClrMapping/>
-  </p:clrMapOvr>
-</p:sld>
-</file>
-
-<file path=ppt/slides/slide29.xml><?xml version="1.0" encoding="utf-8"?>
-<p:sld xmlns:a="http://schemas.openxmlformats.org/drawingml/2006/main" xmlns:r="http://schemas.openxmlformats.org/officeDocument/2006/relationships" xmlns:p="http://schemas.openxmlformats.org/presentationml/2006/main">
-  <p:cSld>
-    <p:spTree>
-      <p:nvGrpSpPr>
-        <p:cNvPr id="1" name=""/>
-        <p:cNvGrpSpPr/>
-        <p:nvPr/>
-      </p:nvGrpSpPr>
-      <p:grpSpPr>
-        <a:xfrm>
-          <a:off x="0" y="0"/>
-          <a:ext cx="0" cy="0"/>
-          <a:chOff x="0" y="0"/>
-          <a:chExt cx="0" cy="0"/>
-        </a:xfrm>
-      </p:grpSpPr>
-      <p:sp>
-        <p:nvSpPr>
-          <p:cNvPr id="2" name="Título 1"/>
-          <p:cNvSpPr>
-            <a:spLocks noGrp="1"/>
-          </p:cNvSpPr>
-          <p:nvPr>
-            <p:ph type="title"/>
-          </p:nvPr>
-        </p:nvSpPr>
-        <p:spPr/>
-        <p:txBody>
-          <a:bodyPr/>
-          <a:lstStyle/>
-          <a:p>
-            <a:r>
-              <a:rPr lang="pt-BR" dirty="0"/>
-              <a:t>Incremento</a:t>
-            </a:r>
-          </a:p>
-        </p:txBody>
-      </p:sp>
-      <p:sp>
-        <p:nvSpPr>
-          <p:cNvPr id="3" name="Espaço Reservado para Conteúdo 2"/>
-          <p:cNvSpPr>
-            <a:spLocks noGrp="1"/>
-          </p:cNvSpPr>
-          <p:nvPr>
-            <p:ph idx="1"/>
-          </p:nvPr>
-        </p:nvSpPr>
-        <p:spPr/>
-        <p:txBody>
-          <a:bodyPr/>
-          <a:lstStyle/>
-          <a:p>
-            <a:pPr>
-              <a:buFont typeface="Wingdings" panose="05000000000000000000" pitchFamily="2" charset="2"/>
-              <a:buChar char="ü"/>
-            </a:pPr>
-            <a:r>
-              <a:rPr lang="pt-BR" dirty="0"/>
-              <a:t>O incremento é a soma de todos os itens completados do Backlog do Produto;</a:t>
-            </a:r>
-          </a:p>
-          <a:p>
-            <a:pPr>
-              <a:buFont typeface="Wingdings" panose="05000000000000000000" pitchFamily="2" charset="2"/>
-              <a:buChar char="ü"/>
-            </a:pPr>
-            <a:r>
-              <a:rPr lang="pt-BR" dirty="0"/>
-              <a:t>Esse incremento deve ser entregável e utilizável, de maneira que o cliente perceba valor no produto a cada final de Sprint</a:t>
-            </a:r>
-          </a:p>
-        </p:txBody>
-      </p:sp>
-    </p:spTree>
-    <p:extLst>
-      <p:ext uri="{BB962C8B-B14F-4D97-AF65-F5344CB8AC3E}">
-        <p14:creationId xmlns:p14="http://schemas.microsoft.com/office/powerpoint/2010/main" val="1966627205"/>
-      </p:ext>
-    </p:extLst>
-  </p:cSld>
-  <p:clrMapOvr>
-    <a:masterClrMapping/>
-  </p:clrMapOvr>
-</p:sld>
-</file>
-
-<file path=ppt/slides/slide3.xml><?xml version="1.0" encoding="utf-8"?>
-<p:sld xmlns:a="http://schemas.openxmlformats.org/drawingml/2006/main" xmlns:r="http://schemas.openxmlformats.org/officeDocument/2006/relationships" xmlns:p="http://schemas.openxmlformats.org/presentationml/2006/main">
-  <p:cSld>
-    <p:spTree>
-      <p:nvGrpSpPr>
-        <p:cNvPr id="1" name=""/>
-        <p:cNvGrpSpPr/>
-        <p:nvPr/>
-      </p:nvGrpSpPr>
-      <p:grpSpPr>
-        <a:xfrm>
-          <a:off x="0" y="0"/>
-          <a:ext cx="0" cy="0"/>
-          <a:chOff x="0" y="0"/>
-          <a:chExt cx="0" cy="0"/>
-        </a:xfrm>
-      </p:grpSpPr>
-      <p:sp>
-        <p:nvSpPr>
-          <p:cNvPr id="3" name="Content Placeholder 2"/>
-          <p:cNvSpPr>
-            <a:spLocks noGrp="1"/>
-          </p:cNvSpPr>
-          <p:nvPr>
-            <p:ph idx="1"/>
-          </p:nvPr>
-        </p:nvSpPr>
-        <p:spPr/>
-        <p:txBody>
-          <a:bodyPr>
-            <a:normAutofit/>
-          </a:bodyPr>
-          <a:lstStyle/>
-          <a:p>
-            <a:pPr>
-              <a:buFont typeface="Wingdings" panose="05000000000000000000" pitchFamily="2" charset="2"/>
-              <a:buChar char="ü"/>
-            </a:pPr>
-            <a:r>
-              <a:rPr lang="pt-BR" dirty="0"/>
-              <a:t>Um plano para realização de um ato, desígnio, intenção </a:t>
-            </a:r>
-          </a:p>
-          <a:p>
-            <a:pPr>
-              <a:buFont typeface="Wingdings" panose="05000000000000000000" pitchFamily="2" charset="2"/>
-              <a:buChar char="ü"/>
-            </a:pPr>
-            <a:r>
-              <a:rPr lang="pt-BR" dirty="0"/>
-              <a:t>Para que consigamos atingir um determinado objetivo com eficácia é necessário frequentemente conhecer as alternativas, adaptar a que talvez possa ser a mais condizente e inspecionar para certificar-se que está trilhando a melhor rota.</a:t>
-            </a:r>
-          </a:p>
-        </p:txBody>
-      </p:sp>
-      <p:sp>
-        <p:nvSpPr>
-          <p:cNvPr id="5" name="Título 2"/>
-          <p:cNvSpPr>
-            <a:spLocks noGrp="1"/>
-          </p:cNvSpPr>
-          <p:nvPr>
-            <p:ph type="title"/>
-          </p:nvPr>
-        </p:nvSpPr>
-        <p:spPr/>
-        <p:txBody>
-          <a:bodyPr/>
-          <a:lstStyle/>
-          <a:p>
-            <a:r>
-              <a:rPr lang="pt-BR" dirty="0"/>
-              <a:t>Projeto</a:t>
-            </a:r>
-          </a:p>
-        </p:txBody>
-      </p:sp>
-    </p:spTree>
-  </p:cSld>
-  <p:clrMapOvr>
-    <a:masterClrMapping/>
-  </p:clrMapOvr>
-</p:sld>
-</file>
-
-<file path=ppt/slides/slide30.xml><?xml version="1.0" encoding="utf-8"?>
+<file path=ppt/slides/slide17.xml><?xml version="1.0" encoding="utf-8"?>
 <p:sld xmlns:a="http://schemas.openxmlformats.org/drawingml/2006/main" xmlns:r="http://schemas.openxmlformats.org/officeDocument/2006/relationships" xmlns:p="http://schemas.openxmlformats.org/presentationml/2006/main">
   <p:cSld>
     <p:spTree>
@@ -6858,7 +4995,7 @@
 </p:sld>
 </file>
 
-<file path=ppt/slides/slide31.xml><?xml version="1.0" encoding="utf-8"?>
+<file path=ppt/slides/slide18.xml><?xml version="1.0" encoding="utf-8"?>
 <p:sld xmlns:a="http://schemas.openxmlformats.org/drawingml/2006/main" xmlns:r="http://schemas.openxmlformats.org/officeDocument/2006/relationships" xmlns:p="http://schemas.openxmlformats.org/presentationml/2006/main">
   <p:cSld>
     <p:spTree>
@@ -6885,14 +5022,21 @@
             <p:ph type="title"/>
           </p:nvPr>
         </p:nvSpPr>
-        <p:spPr/>
-        <p:txBody>
-          <a:bodyPr/>
-          <a:lstStyle/>
-          <a:p>
-            <a:r>
-              <a:rPr lang="pt-BR" dirty="0"/>
-              <a:t>Definição de Startup</a:t>
+        <p:spPr>
+          <a:xfrm>
+            <a:off x="492919" y="499533"/>
+            <a:ext cx="8079581" cy="697219"/>
+          </a:xfrm>
+        </p:spPr>
+        <p:txBody>
+          <a:bodyPr>
+            <a:normAutofit fontScale="90000"/>
+          </a:bodyPr>
+          <a:lstStyle/>
+          <a:p>
+            <a:r>
+              <a:rPr lang="pt-BR" dirty="0"/>
+              <a:t>Startup</a:t>
             </a:r>
           </a:p>
         </p:txBody>
@@ -6907,7 +5051,12 @@
             <p:ph idx="1"/>
           </p:nvPr>
         </p:nvSpPr>
-        <p:spPr/>
+        <p:spPr>
+          <a:xfrm>
+            <a:off x="507206" y="1196752"/>
+            <a:ext cx="8065294" cy="5328593"/>
+          </a:xfrm>
+        </p:spPr>
         <p:txBody>
           <a:bodyPr>
             <a:normAutofit/>
@@ -6930,6 +5079,67 @@
             </a:pPr>
             <a:r>
               <a:rPr lang="pt-BR" dirty="0"/>
+              <a:t>Não dispõe de muitos recursos para investimento;</a:t>
+            </a:r>
+          </a:p>
+          <a:p>
+            <a:pPr>
+              <a:buFont typeface="Wingdings" panose="05000000000000000000" pitchFamily="2" charset="2"/>
+              <a:buChar char="ü"/>
+            </a:pPr>
+            <a:r>
+              <a:rPr lang="pt-BR" dirty="0"/>
+              <a:t>O acesso a investimentos é um dos principais obstáculos das startups;</a:t>
+            </a:r>
+          </a:p>
+          <a:p>
+            <a:pPr lvl="2">
+              <a:buFont typeface="Wingdings" panose="05000000000000000000" pitchFamily="2" charset="2"/>
+              <a:buChar char="ü"/>
+            </a:pPr>
+            <a:r>
+              <a:rPr lang="pt-BR" dirty="0" err="1"/>
+              <a:t>Bootstrapping</a:t>
+            </a:r>
+            <a:endParaRPr lang="pt-BR" dirty="0"/>
+          </a:p>
+          <a:p>
+            <a:pPr lvl="2">
+              <a:buFont typeface="Wingdings" panose="05000000000000000000" pitchFamily="2" charset="2"/>
+              <a:buChar char="ü"/>
+            </a:pPr>
+            <a:r>
+              <a:rPr lang="pt-BR" dirty="0"/>
+              <a:t>Investimento-Anjo</a:t>
+            </a:r>
+          </a:p>
+          <a:p>
+            <a:pPr lvl="2">
+              <a:buFont typeface="Wingdings" panose="05000000000000000000" pitchFamily="2" charset="2"/>
+              <a:buChar char="ü"/>
+            </a:pPr>
+            <a:r>
+              <a:rPr lang="pt-BR" dirty="0"/>
+              <a:t>Capital semente</a:t>
+            </a:r>
+          </a:p>
+          <a:p>
+            <a:pPr lvl="2">
+              <a:buFont typeface="Wingdings" panose="05000000000000000000" pitchFamily="2" charset="2"/>
+              <a:buChar char="ü"/>
+            </a:pPr>
+            <a:r>
+              <a:rPr lang="pt-BR" dirty="0"/>
+              <a:t>Incubadoras</a:t>
+            </a:r>
+          </a:p>
+          <a:p>
+            <a:pPr>
+              <a:buFont typeface="Wingdings" panose="05000000000000000000" pitchFamily="2" charset="2"/>
+              <a:buChar char="ü"/>
+            </a:pPr>
+            <a:r>
+              <a:rPr lang="pt-BR" dirty="0"/>
               <a:t>Principais Características:</a:t>
             </a:r>
           </a:p>
@@ -6972,6 +5182,13 @@
               <a:rPr lang="pt-BR" dirty="0"/>
               <a:t>Ser enxuta e flexível</a:t>
             </a:r>
+          </a:p>
+          <a:p>
+            <a:pPr lvl="1">
+              <a:buFont typeface="Wingdings" panose="05000000000000000000" pitchFamily="2" charset="2"/>
+              <a:buChar char="ü"/>
+            </a:pPr>
+            <a:endParaRPr lang="pt-BR" dirty="0"/>
           </a:p>
         </p:txBody>
       </p:sp>
@@ -6988,7 +5205,7 @@
 </p:sld>
 </file>
 
-<file path=ppt/slides/slide32.xml><?xml version="1.0" encoding="utf-8"?>
+<file path=ppt/slides/slide19.xml><?xml version="1.0" encoding="utf-8"?>
 <p:sld xmlns:a="http://schemas.openxmlformats.org/drawingml/2006/main" xmlns:r="http://schemas.openxmlformats.org/officeDocument/2006/relationships" xmlns:p="http://schemas.openxmlformats.org/presentationml/2006/main">
   <p:cSld>
     <p:spTree>
@@ -7015,19 +5232,14 @@
             <p:ph type="title"/>
           </p:nvPr>
         </p:nvSpPr>
-        <p:spPr>
-          <a:xfrm>
-            <a:off x="492919" y="499533"/>
-            <a:ext cx="8079581" cy="1201276"/>
-          </a:xfrm>
-        </p:spPr>
-        <p:txBody>
-          <a:bodyPr/>
-          <a:lstStyle/>
-          <a:p>
-            <a:r>
-              <a:rPr lang="pt-BR" dirty="0"/>
-              <a:t>Startup - Recursos</a:t>
+        <p:spPr/>
+        <p:txBody>
+          <a:bodyPr/>
+          <a:lstStyle/>
+          <a:p>
+            <a:r>
+              <a:rPr lang="pt-BR" dirty="0"/>
+              <a:t>Startup Enxuta</a:t>
             </a:r>
           </a:p>
         </p:txBody>
@@ -7042,12 +5254,7 @@
             <p:ph idx="1"/>
           </p:nvPr>
         </p:nvSpPr>
-        <p:spPr>
-          <a:xfrm>
-            <a:off x="507206" y="1556792"/>
-            <a:ext cx="8065294" cy="4202787"/>
-          </a:xfrm>
-        </p:spPr>
+        <p:spPr/>
         <p:txBody>
           <a:bodyPr/>
           <a:lstStyle/>
@@ -7058,7 +5265,7 @@
             </a:pPr>
             <a:r>
               <a:rPr lang="pt-BR" dirty="0"/>
-              <a:t>Não dispõe de muitos recursos para investimento</a:t>
+              <a:t>Empreendedores estão por toda parte; </a:t>
             </a:r>
           </a:p>
           <a:p>
@@ -7068,7 +5275,7 @@
             </a:pPr>
             <a:r>
               <a:rPr lang="pt-BR" dirty="0"/>
-              <a:t>O acesso a investimentos é um dos principais obstáculos das startups</a:t>
+              <a:t>Empreender é administrar; </a:t>
             </a:r>
           </a:p>
           <a:p>
@@ -7076,46 +5283,37 @@
               <a:buFont typeface="Wingdings" panose="05000000000000000000" pitchFamily="2" charset="2"/>
               <a:buChar char="ü"/>
             </a:pPr>
-            <a:endParaRPr lang="pt-BR" dirty="0"/>
-          </a:p>
-        </p:txBody>
-      </p:sp>
-      <p:pic>
-        <p:nvPicPr>
-          <p:cNvPr id="4" name="Imagem 3"/>
-          <p:cNvPicPr/>
-          <p:nvPr/>
-        </p:nvPicPr>
-        <p:blipFill>
-          <a:blip r:embed="rId2" cstate="print">
-            <a:extLst>
-              <a:ext uri="{28A0092B-C50C-407E-A947-70E740481C1C}">
-                <a14:useLocalDpi xmlns:a14="http://schemas.microsoft.com/office/drawing/2010/main" val="0"/>
-              </a:ext>
-            </a:extLst>
-          </a:blip>
-          <a:stretch>
-            <a:fillRect/>
-          </a:stretch>
-        </p:blipFill>
-        <p:spPr>
-          <a:xfrm>
-            <a:off x="1907704" y="2420888"/>
-            <a:ext cx="6664796" cy="4032448"/>
-          </a:xfrm>
-          <a:prstGeom prst="rect">
-            <a:avLst/>
-          </a:prstGeom>
-          <a:noFill/>
-          <a:ln>
-            <a:noFill/>
-          </a:ln>
-        </p:spPr>
-      </p:pic>
+            <a:r>
+              <a:rPr lang="pt-BR" dirty="0"/>
+              <a:t>Aprendizado validado; </a:t>
+            </a:r>
+          </a:p>
+          <a:p>
+            <a:pPr>
+              <a:buFont typeface="Wingdings" panose="05000000000000000000" pitchFamily="2" charset="2"/>
+              <a:buChar char="ü"/>
+            </a:pPr>
+            <a:r>
+              <a:rPr lang="pt-BR" dirty="0"/>
+              <a:t>Construir-medir-aprender; </a:t>
+            </a:r>
+          </a:p>
+          <a:p>
+            <a:pPr>
+              <a:buFont typeface="Wingdings" panose="05000000000000000000" pitchFamily="2" charset="2"/>
+              <a:buChar char="ü"/>
+            </a:pPr>
+            <a:r>
+              <a:rPr lang="pt-BR" dirty="0"/>
+              <a:t>Contabilidade para inovação.</a:t>
+            </a:r>
+          </a:p>
+        </p:txBody>
+      </p:sp>
     </p:spTree>
     <p:extLst>
       <p:ext uri="{BB962C8B-B14F-4D97-AF65-F5344CB8AC3E}">
-        <p14:creationId xmlns:p14="http://schemas.microsoft.com/office/powerpoint/2010/main" val="3569771386"/>
+        <p14:creationId xmlns:p14="http://schemas.microsoft.com/office/powerpoint/2010/main" val="589983116"/>
       </p:ext>
     </p:extLst>
   </p:cSld>
@@ -7125,7 +5323,7 @@
 </p:sld>
 </file>
 
-<file path=ppt/slides/slide33.xml><?xml version="1.0" encoding="utf-8"?>
+<file path=ppt/slides/slide2.xml><?xml version="1.0" encoding="utf-8"?>
 <p:sld xmlns:a="http://schemas.openxmlformats.org/drawingml/2006/main" xmlns:r="http://schemas.openxmlformats.org/officeDocument/2006/relationships" xmlns:p="http://schemas.openxmlformats.org/presentationml/2006/main">
   <p:cSld>
     <p:spTree>
@@ -7144,7 +5342,7 @@
       </p:grpSpPr>
       <p:sp>
         <p:nvSpPr>
-          <p:cNvPr id="2" name="Título 1"/>
+          <p:cNvPr id="2" name="Title 1"/>
           <p:cNvSpPr>
             <a:spLocks noGrp="1"/>
           </p:cNvSpPr>
@@ -7152,26 +5350,21 @@
             <p:ph type="title"/>
           </p:nvPr>
         </p:nvSpPr>
-        <p:spPr>
-          <a:xfrm>
-            <a:off x="492919" y="499533"/>
-            <a:ext cx="8079581" cy="1057259"/>
-          </a:xfrm>
-        </p:spPr>
-        <p:txBody>
-          <a:bodyPr/>
-          <a:lstStyle/>
-          <a:p>
-            <a:r>
-              <a:rPr lang="pt-BR" dirty="0"/>
-              <a:t>Startup – Tipos de Investimento</a:t>
-            </a:r>
-          </a:p>
-        </p:txBody>
-      </p:sp>
-      <p:sp>
-        <p:nvSpPr>
-          <p:cNvPr id="3" name="Espaço Reservado para Conteúdo 2"/>
+        <p:spPr/>
+        <p:txBody>
+          <a:bodyPr/>
+          <a:lstStyle/>
+          <a:p>
+            <a:r>
+              <a:rPr lang="pt-BR" dirty="0"/>
+              <a:t>Introdução</a:t>
+            </a:r>
+          </a:p>
+        </p:txBody>
+      </p:sp>
+      <p:sp>
+        <p:nvSpPr>
+          <p:cNvPr id="3" name="Content Placeholder 2"/>
           <p:cNvSpPr>
             <a:spLocks noGrp="1"/>
           </p:cNvSpPr>
@@ -7179,15 +5372,10 @@
             <p:ph idx="1"/>
           </p:nvPr>
         </p:nvSpPr>
-        <p:spPr>
-          <a:xfrm>
-            <a:off x="507206" y="1556793"/>
-            <a:ext cx="8065294" cy="4824536"/>
-          </a:xfrm>
-        </p:spPr>
+        <p:spPr/>
         <p:txBody>
           <a:bodyPr>
-            <a:normAutofit lnSpcReduction="10000"/>
+            <a:normAutofit/>
           </a:bodyPr>
           <a:lstStyle/>
           <a:p>
@@ -7196,22 +5384,8 @@
               <a:buChar char="ü"/>
             </a:pPr>
             <a:r>
-              <a:rPr lang="pt-BR" dirty="0" err="1"/>
-              <a:t>Bootstrapping</a:t>
-            </a:r>
-            <a:r>
-              <a:rPr lang="pt-BR" dirty="0"/>
-              <a:t>;</a:t>
-            </a:r>
-          </a:p>
-          <a:p>
-            <a:pPr lvl="2">
-              <a:buFont typeface="Wingdings" panose="05000000000000000000" pitchFamily="2" charset="2"/>
-              <a:buChar char="ü"/>
-            </a:pPr>
-            <a:r>
-              <a:rPr lang="pt-BR" dirty="0"/>
-              <a:t>Criar sua startup usando somente recursos próprios e não recorrendo a investidores externos.</a:t>
+              <a:rPr lang="pt-BR" dirty="0"/>
+              <a:t>Projeto;</a:t>
             </a:r>
           </a:p>
           <a:p>
@@ -7221,17 +5395,7 @@
             </a:pPr>
             <a:r>
               <a:rPr lang="pt-BR" dirty="0"/>
-              <a:t>Investimento-Anjo;</a:t>
-            </a:r>
-          </a:p>
-          <a:p>
-            <a:pPr lvl="2">
-              <a:buFont typeface="Wingdings" panose="05000000000000000000" pitchFamily="2" charset="2"/>
-              <a:buChar char="ü"/>
-            </a:pPr>
-            <a:r>
-              <a:rPr lang="pt-BR" dirty="0"/>
-              <a:t>O investidor recebe, por seu investimento, uma participação societária minoritária no negócio, e não assume posição executiva na empresa, mas atua como um conselheiro.</a:t>
+              <a:t>Gerenciamento de Projetos de Software;</a:t>
             </a:r>
           </a:p>
           <a:p>
@@ -7241,17 +5405,7 @@
             </a:pPr>
             <a:r>
               <a:rPr lang="pt-BR" dirty="0"/>
-              <a:t>Capital semente;</a:t>
-            </a:r>
-          </a:p>
-          <a:p>
-            <a:pPr lvl="2">
-              <a:buFont typeface="Wingdings" panose="05000000000000000000" pitchFamily="2" charset="2"/>
-              <a:buChar char="ü"/>
-            </a:pPr>
-            <a:r>
-              <a:rPr lang="pt-BR" dirty="0"/>
-              <a:t>É um modelo de financiamento dirigido a projetos empresariais em estágio inicial ou estágio zero, em fase de projeto e desenvolvimento, antes da instalação do negócio.</a:t>
+              <a:t>Sistema Toyota de Produção;</a:t>
             </a:r>
           </a:p>
           <a:p>
@@ -7261,27 +5415,42 @@
             </a:pPr>
             <a:r>
               <a:rPr lang="pt-BR" dirty="0"/>
-              <a:t>Incubadoras.</a:t>
-            </a:r>
-          </a:p>
-          <a:p>
-            <a:pPr lvl="2">
-              <a:buFont typeface="Wingdings" panose="05000000000000000000" pitchFamily="2" charset="2"/>
-              <a:buChar char="ü"/>
-            </a:pPr>
-            <a:r>
-              <a:rPr lang="pt-BR" dirty="0"/>
-              <a:t>Elas oferecem suporte técnico, gerencial e formação complementar ao empreendedor e facilitam o processo de inovação e acesso a novas tecnologias nos pequenos negócios.</a:t>
+              <a:t>Startup;</a:t>
+            </a:r>
+          </a:p>
+          <a:p>
+            <a:pPr>
+              <a:buFont typeface="Wingdings" panose="05000000000000000000" pitchFamily="2" charset="2"/>
+              <a:buChar char="ü"/>
+            </a:pPr>
+            <a:r>
+              <a:rPr lang="pt-BR" dirty="0"/>
+              <a:t>Processo de desenvolvimento ágil.</a:t>
+            </a:r>
+          </a:p>
+          <a:p>
+            <a:pPr marL="617220" lvl="2">
+              <a:buFont typeface="Wingdings" panose="05000000000000000000" pitchFamily="2" charset="2"/>
+              <a:buChar char="ü"/>
+            </a:pPr>
+            <a:r>
+              <a:rPr lang="pt-BR" dirty="0"/>
+              <a:t>Manifesto</a:t>
+            </a:r>
+          </a:p>
+          <a:p>
+            <a:pPr marL="617220" lvl="2">
+              <a:buFont typeface="Wingdings" panose="05000000000000000000" pitchFamily="2" charset="2"/>
+              <a:buChar char="ü"/>
+            </a:pPr>
+            <a:r>
+              <a:rPr lang="pt-BR" dirty="0"/>
+              <a:t>Scrum</a:t>
             </a:r>
           </a:p>
         </p:txBody>
       </p:sp>
     </p:spTree>
-    <p:extLst>
-      <p:ext uri="{BB962C8B-B14F-4D97-AF65-F5344CB8AC3E}">
-        <p14:creationId xmlns:p14="http://schemas.microsoft.com/office/powerpoint/2010/main" val="2244996834"/>
-      </p:ext>
-    </p:extLst>
   </p:cSld>
   <p:clrMapOvr>
     <a:masterClrMapping/>
@@ -7289,7 +5458,7 @@
 </p:sld>
 </file>
 
-<file path=ppt/slides/slide34.xml><?xml version="1.0" encoding="utf-8"?>
+<file path=ppt/slides/slide20.xml><?xml version="1.0" encoding="utf-8"?>
 <p:sld xmlns:a="http://schemas.openxmlformats.org/drawingml/2006/main" xmlns:r="http://schemas.openxmlformats.org/officeDocument/2006/relationships" xmlns:p="http://schemas.openxmlformats.org/presentationml/2006/main">
   <p:cSld>
     <p:spTree>
@@ -7316,14 +5485,19 @@
             <p:ph type="title"/>
           </p:nvPr>
         </p:nvSpPr>
-        <p:spPr/>
-        <p:txBody>
-          <a:bodyPr/>
-          <a:lstStyle/>
-          <a:p>
-            <a:r>
-              <a:rPr lang="pt-BR" dirty="0"/>
-              <a:t>Startup Enxuta – Características</a:t>
+        <p:spPr>
+          <a:xfrm>
+            <a:off x="492919" y="332657"/>
+            <a:ext cx="8079581" cy="864096"/>
+          </a:xfrm>
+        </p:spPr>
+        <p:txBody>
+          <a:bodyPr/>
+          <a:lstStyle/>
+          <a:p>
+            <a:r>
+              <a:rPr lang="pt-BR" dirty="0"/>
+              <a:t>Conclusão</a:t>
             </a:r>
           </a:p>
         </p:txBody>
@@ -7338,9 +5512,16 @@
             <p:ph idx="1"/>
           </p:nvPr>
         </p:nvSpPr>
-        <p:spPr/>
-        <p:txBody>
-          <a:bodyPr/>
+        <p:spPr>
+          <a:xfrm>
+            <a:off x="507206" y="1196752"/>
+            <a:ext cx="8065294" cy="5328592"/>
+          </a:xfrm>
+        </p:spPr>
+        <p:txBody>
+          <a:bodyPr>
+            <a:normAutofit lnSpcReduction="10000"/>
+          </a:bodyPr>
           <a:lstStyle/>
           <a:p>
             <a:pPr>
@@ -7349,7 +5530,7 @@
             </a:pPr>
             <a:r>
               <a:rPr lang="pt-BR" dirty="0"/>
-              <a:t>Empreendedores estão por toda parte; </a:t>
+              <a:t>O desenvolvimento tradicional de software está muito burocrático e pouco flexível com as mudanças recorrentes no mercado;</a:t>
             </a:r>
           </a:p>
           <a:p>
@@ -7359,7 +5540,7 @@
             </a:pPr>
             <a:r>
               <a:rPr lang="pt-BR" dirty="0"/>
-              <a:t>Empreender é administrar; </a:t>
+              <a:t>Através dos ensinamentos do TPS podemos perceber que a produção enxuta fornece mais vantagens competitivas, e com a melhoria contínua o valor do produto tende a ser o melhor possível;</a:t>
             </a:r>
           </a:p>
           <a:p>
@@ -7369,7 +5550,7 @@
             </a:pPr>
             <a:r>
               <a:rPr lang="pt-BR" dirty="0"/>
-              <a:t>Aprendizado validado; </a:t>
+              <a:t>O manifesto ágil contribuiu na definição dos princípios para o desenvolvimento ágil de software com base nos conceitos de produção enxuta.</a:t>
             </a:r>
           </a:p>
           <a:p>
@@ -7379,7 +5560,7 @@
             </a:pPr>
             <a:r>
               <a:rPr lang="pt-BR" dirty="0"/>
-              <a:t>Construir-medir-aprender; </a:t>
+              <a:t>A  agilidade do Scrum é responsável, em grande parte, pela inovação apresentada. Tudo é feito a partir das necessidades dos clientes e não a partir de soluções pré-programadas;</a:t>
             </a:r>
           </a:p>
           <a:p>
@@ -7389,8 +5570,21 @@
             </a:pPr>
             <a:r>
               <a:rPr lang="pt-BR" dirty="0"/>
-              <a:t>Contabilidade para inovação.</a:t>
-            </a:r>
+              <a:t>Startups são frutos de empreendedores que enxergarão oportunidades de negócio em um ambiente de extrema incerteza;</a:t>
+            </a:r>
+          </a:p>
+          <a:p>
+            <a:pPr>
+              <a:buFont typeface="Wingdings" panose="05000000000000000000" pitchFamily="2" charset="2"/>
+              <a:buChar char="ü"/>
+            </a:pPr>
+            <a:endParaRPr lang="pt-BR" dirty="0"/>
+          </a:p>
+          <a:p>
+            <a:pPr>
+              <a:buFont typeface="Wingdings" panose="05000000000000000000" pitchFamily="2" charset="2"/>
+              <a:buChar char="ü"/>
+            </a:pPr>
             <a:endParaRPr lang="pt-BR" dirty="0"/>
           </a:p>
         </p:txBody>
@@ -7398,7 +5592,7 @@
     </p:spTree>
     <p:extLst>
       <p:ext uri="{BB962C8B-B14F-4D97-AF65-F5344CB8AC3E}">
-        <p14:creationId xmlns:p14="http://schemas.microsoft.com/office/powerpoint/2010/main" val="589983116"/>
+        <p14:creationId xmlns:p14="http://schemas.microsoft.com/office/powerpoint/2010/main" val="3657543104"/>
       </p:ext>
     </p:extLst>
   </p:cSld>
@@ -7408,7 +5602,7 @@
 </p:sld>
 </file>
 
-<file path=ppt/slides/slide35.xml><?xml version="1.0" encoding="utf-8"?>
+<file path=ppt/slides/slide3.xml><?xml version="1.0" encoding="utf-8"?>
 <p:sld xmlns:a="http://schemas.openxmlformats.org/drawingml/2006/main" xmlns:r="http://schemas.openxmlformats.org/officeDocument/2006/relationships" xmlns:p="http://schemas.openxmlformats.org/presentationml/2006/main">
   <p:cSld>
     <p:spTree>
@@ -7427,7 +5621,45 @@
       </p:grpSpPr>
       <p:sp>
         <p:nvSpPr>
-          <p:cNvPr id="2" name="Título 1"/>
+          <p:cNvPr id="3" name="Content Placeholder 2"/>
+          <p:cNvSpPr>
+            <a:spLocks noGrp="1"/>
+          </p:cNvSpPr>
+          <p:nvPr>
+            <p:ph idx="1"/>
+          </p:nvPr>
+        </p:nvSpPr>
+        <p:spPr/>
+        <p:txBody>
+          <a:bodyPr>
+            <a:normAutofit/>
+          </a:bodyPr>
+          <a:lstStyle/>
+          <a:p>
+            <a:pPr>
+              <a:buFont typeface="Wingdings" panose="05000000000000000000" pitchFamily="2" charset="2"/>
+              <a:buChar char="ü"/>
+            </a:pPr>
+            <a:r>
+              <a:rPr lang="pt-BR" dirty="0"/>
+              <a:t>Um plano para realização de um ato, desígnio, intenção </a:t>
+            </a:r>
+          </a:p>
+          <a:p>
+            <a:pPr>
+              <a:buFont typeface="Wingdings" panose="05000000000000000000" pitchFamily="2" charset="2"/>
+              <a:buChar char="ü"/>
+            </a:pPr>
+            <a:r>
+              <a:rPr lang="pt-BR" dirty="0"/>
+              <a:t>Para que consigamos atingir um determinado objetivo com eficácia é necessário frequentemente conhecer as alternativas, adaptar a que talvez possa ser a mais condizente e inspecionar para certificar-se que está trilhando a melhor rota.</a:t>
+            </a:r>
+          </a:p>
+        </p:txBody>
+      </p:sp>
+      <p:sp>
+        <p:nvSpPr>
+          <p:cNvPr id="5" name="Título 2"/>
           <p:cNvSpPr>
             <a:spLocks noGrp="1"/>
           </p:cNvSpPr>
@@ -7435,116 +5667,19 @@
             <p:ph type="title"/>
           </p:nvPr>
         </p:nvSpPr>
-        <p:spPr>
-          <a:xfrm>
-            <a:off x="492919" y="332657"/>
-            <a:ext cx="8079581" cy="864096"/>
-          </a:xfrm>
-        </p:spPr>
-        <p:txBody>
-          <a:bodyPr/>
-          <a:lstStyle/>
-          <a:p>
-            <a:r>
-              <a:rPr lang="pt-BR" dirty="0"/>
-              <a:t>Conclusão</a:t>
-            </a:r>
-          </a:p>
-        </p:txBody>
-      </p:sp>
-      <p:sp>
-        <p:nvSpPr>
-          <p:cNvPr id="3" name="Espaço Reservado para Conteúdo 2"/>
-          <p:cNvSpPr>
-            <a:spLocks noGrp="1"/>
-          </p:cNvSpPr>
-          <p:nvPr>
-            <p:ph idx="1"/>
-          </p:nvPr>
-        </p:nvSpPr>
-        <p:spPr>
-          <a:xfrm>
-            <a:off x="507206" y="1196752"/>
-            <a:ext cx="8065294" cy="5328592"/>
-          </a:xfrm>
-        </p:spPr>
-        <p:txBody>
-          <a:bodyPr>
-            <a:normAutofit lnSpcReduction="10000"/>
-          </a:bodyPr>
-          <a:lstStyle/>
-          <a:p>
-            <a:pPr>
-              <a:buFont typeface="Wingdings" panose="05000000000000000000" pitchFamily="2" charset="2"/>
-              <a:buChar char="ü"/>
-            </a:pPr>
-            <a:r>
-              <a:rPr lang="pt-BR" dirty="0"/>
-              <a:t>O desenvolvimento tradicional de software está muito burocrático e pouco flexível com as mudanças recorrentes no mercado;</a:t>
-            </a:r>
-          </a:p>
-          <a:p>
-            <a:pPr>
-              <a:buFont typeface="Wingdings" panose="05000000000000000000" pitchFamily="2" charset="2"/>
-              <a:buChar char="ü"/>
-            </a:pPr>
-            <a:r>
-              <a:rPr lang="pt-BR" dirty="0"/>
-              <a:t>Através dos ensinamentos do TPS podemos perceber que a produção enxuta fornece mais vantagens competitivas, e com a melhoria contínua o valor do produto tende a ser o melhor possível;</a:t>
-            </a:r>
-          </a:p>
-          <a:p>
-            <a:pPr>
-              <a:buFont typeface="Wingdings" panose="05000000000000000000" pitchFamily="2" charset="2"/>
-              <a:buChar char="ü"/>
-            </a:pPr>
-            <a:r>
-              <a:rPr lang="pt-BR" dirty="0"/>
-              <a:t>O manifesto ágil contribuiu na definição dos princípios para o desenvolvimento ágil de software com base nos conceitos de produção enxuta.</a:t>
-            </a:r>
-          </a:p>
-          <a:p>
-            <a:pPr>
-              <a:buFont typeface="Wingdings" panose="05000000000000000000" pitchFamily="2" charset="2"/>
-              <a:buChar char="ü"/>
-            </a:pPr>
-            <a:r>
-              <a:rPr lang="pt-BR" dirty="0"/>
-              <a:t>A  agilidade do Scrum é responsável, em grande parte, pela inovação apresentada. Tudo é feito a partir das necessidades dos clientes e não a partir de soluções pré-programadas;</a:t>
-            </a:r>
-          </a:p>
-          <a:p>
-            <a:pPr>
-              <a:buFont typeface="Wingdings" panose="05000000000000000000" pitchFamily="2" charset="2"/>
-              <a:buChar char="ü"/>
-            </a:pPr>
-            <a:r>
-              <a:rPr lang="pt-BR" dirty="0"/>
-              <a:t>Startups são frutos de empreendedores que enxergarão oportunidades de negócio em um ambiente de extrema incerteza;</a:t>
-            </a:r>
-          </a:p>
-          <a:p>
-            <a:pPr>
-              <a:buFont typeface="Wingdings" panose="05000000000000000000" pitchFamily="2" charset="2"/>
-              <a:buChar char="ü"/>
-            </a:pPr>
-            <a:endParaRPr lang="pt-BR" dirty="0"/>
-          </a:p>
-          <a:p>
-            <a:pPr>
-              <a:buFont typeface="Wingdings" panose="05000000000000000000" pitchFamily="2" charset="2"/>
-              <a:buChar char="ü"/>
-            </a:pPr>
-            <a:endParaRPr lang="pt-BR" dirty="0"/>
+        <p:spPr/>
+        <p:txBody>
+          <a:bodyPr/>
+          <a:lstStyle/>
+          <a:p>
+            <a:r>
+              <a:rPr lang="pt-BR" dirty="0"/>
+              <a:t>Projeto</a:t>
+            </a:r>
           </a:p>
         </p:txBody>
       </p:sp>
     </p:spTree>
-    <p:extLst>
-      <p:ext uri="{BB962C8B-B14F-4D97-AF65-F5344CB8AC3E}">
-        <p14:creationId xmlns:p14="http://schemas.microsoft.com/office/powerpoint/2010/main" val="3657543104"/>
-      </p:ext>
-    </p:extLst>
   </p:cSld>
   <p:clrMapOvr>
     <a:masterClrMapping/>

--- a/StartIdea/StartIdea.Docs/Apresentacao.pptx
+++ b/StartIdea/StartIdea.Docs/Apresentacao.pptx
@@ -41,30 +41,34 @@
     <p:sldId id="298" r:id="rId35"/>
     <p:sldId id="299" r:id="rId36"/>
     <p:sldId id="300" r:id="rId37"/>
-    <p:sldId id="301" r:id="rId38"/>
-    <p:sldId id="302" r:id="rId39"/>
-    <p:sldId id="303" r:id="rId40"/>
-    <p:sldId id="304" r:id="rId41"/>
-    <p:sldId id="305" r:id="rId42"/>
-    <p:sldId id="306" r:id="rId43"/>
-    <p:sldId id="307" r:id="rId44"/>
-    <p:sldId id="308" r:id="rId45"/>
-    <p:sldId id="309" r:id="rId46"/>
-    <p:sldId id="310" r:id="rId47"/>
-    <p:sldId id="311" r:id="rId48"/>
-    <p:sldId id="312" r:id="rId49"/>
-    <p:sldId id="313" r:id="rId50"/>
-    <p:sldId id="314" r:id="rId51"/>
-    <p:sldId id="315" r:id="rId52"/>
-    <p:sldId id="316" r:id="rId53"/>
-    <p:sldId id="317" r:id="rId54"/>
-    <p:sldId id="318" r:id="rId55"/>
-    <p:sldId id="319" r:id="rId56"/>
-    <p:sldId id="320" r:id="rId57"/>
-    <p:sldId id="321" r:id="rId58"/>
-    <p:sldId id="259" r:id="rId59"/>
-    <p:sldId id="260" r:id="rId60"/>
-    <p:sldId id="261" r:id="rId61"/>
+    <p:sldId id="303" r:id="rId38"/>
+    <p:sldId id="301" r:id="rId39"/>
+    <p:sldId id="302" r:id="rId40"/>
+    <p:sldId id="306" r:id="rId41"/>
+    <p:sldId id="307" r:id="rId42"/>
+    <p:sldId id="308" r:id="rId43"/>
+    <p:sldId id="309" r:id="rId44"/>
+    <p:sldId id="310" r:id="rId45"/>
+    <p:sldId id="311" r:id="rId46"/>
+    <p:sldId id="312" r:id="rId47"/>
+    <p:sldId id="313" r:id="rId48"/>
+    <p:sldId id="314" r:id="rId49"/>
+    <p:sldId id="315" r:id="rId50"/>
+    <p:sldId id="316" r:id="rId51"/>
+    <p:sldId id="317" r:id="rId52"/>
+    <p:sldId id="318" r:id="rId53"/>
+    <p:sldId id="319" r:id="rId54"/>
+    <p:sldId id="320" r:id="rId55"/>
+    <p:sldId id="321" r:id="rId56"/>
+    <p:sldId id="323" r:id="rId57"/>
+    <p:sldId id="322" r:id="rId58"/>
+    <p:sldId id="324" r:id="rId59"/>
+    <p:sldId id="325" r:id="rId60"/>
+    <p:sldId id="326" r:id="rId61"/>
+    <p:sldId id="327" r:id="rId62"/>
+    <p:sldId id="259" r:id="rId63"/>
+    <p:sldId id="260" r:id="rId64"/>
+    <p:sldId id="261" r:id="rId65"/>
   </p:sldIdLst>
   <p:sldSz cx="9144000" cy="6858000" type="screen4x3"/>
   <p:notesSz cx="6858000" cy="9144000"/>
@@ -799,7 +803,7 @@
           <a:p>
             <a:fld id="{5C51B206-AAD3-4665-BE43-4D56D27DEF0F}" type="datetimeFigureOut">
               <a:rPr lang="pt-BR" smtClean="0"/>
-              <a:t>04/12/2016</a:t>
+              <a:t>05/12/2016</a:t>
             </a:fld>
             <a:endParaRPr lang="pt-BR"/>
           </a:p>
@@ -989,7 +993,7 @@
           <a:p>
             <a:fld id="{5C51B206-AAD3-4665-BE43-4D56D27DEF0F}" type="datetimeFigureOut">
               <a:rPr lang="pt-BR" smtClean="0"/>
-              <a:t>04/12/2016</a:t>
+              <a:t>05/12/2016</a:t>
             </a:fld>
             <a:endParaRPr lang="pt-BR"/>
           </a:p>
@@ -1164,7 +1168,7 @@
           <a:p>
             <a:fld id="{5C51B206-AAD3-4665-BE43-4D56D27DEF0F}" type="datetimeFigureOut">
               <a:rPr lang="pt-BR" smtClean="0"/>
-              <a:t>04/12/2016</a:t>
+              <a:t>05/12/2016</a:t>
             </a:fld>
             <a:endParaRPr lang="pt-BR"/>
           </a:p>
@@ -1306,7 +1310,7 @@
           <a:p>
             <a:fld id="{5C51B206-AAD3-4665-BE43-4D56D27DEF0F}" type="datetimeFigureOut">
               <a:rPr lang="pt-BR" smtClean="0"/>
-              <a:t>04/12/2016</a:t>
+              <a:t>05/12/2016</a:t>
             </a:fld>
             <a:endParaRPr lang="pt-BR"/>
           </a:p>
@@ -1553,7 +1557,7 @@
           <a:p>
             <a:fld id="{5C51B206-AAD3-4665-BE43-4D56D27DEF0F}" type="datetimeFigureOut">
               <a:rPr lang="pt-BR" smtClean="0"/>
-              <a:t>04/12/2016</a:t>
+              <a:t>05/12/2016</a:t>
             </a:fld>
             <a:endParaRPr lang="pt-BR"/>
           </a:p>
@@ -1952,7 +1956,7 @@
           <a:p>
             <a:fld id="{5C51B206-AAD3-4665-BE43-4D56D27DEF0F}" type="datetimeFigureOut">
               <a:rPr lang="pt-BR" smtClean="0"/>
-              <a:t>04/12/2016</a:t>
+              <a:t>05/12/2016</a:t>
             </a:fld>
             <a:endParaRPr lang="pt-BR"/>
           </a:p>
@@ -2390,7 +2394,7 @@
           <a:p>
             <a:fld id="{5C51B206-AAD3-4665-BE43-4D56D27DEF0F}" type="datetimeFigureOut">
               <a:rPr lang="pt-BR" smtClean="0"/>
-              <a:t>04/12/2016</a:t>
+              <a:t>05/12/2016</a:t>
             </a:fld>
             <a:endParaRPr lang="pt-BR"/>
           </a:p>
@@ -2485,7 +2489,7 @@
           <a:p>
             <a:fld id="{5C51B206-AAD3-4665-BE43-4D56D27DEF0F}" type="datetimeFigureOut">
               <a:rPr lang="pt-BR" smtClean="0"/>
-              <a:t>04/12/2016</a:t>
+              <a:t>05/12/2016</a:t>
             </a:fld>
             <a:endParaRPr lang="pt-BR"/>
           </a:p>
@@ -2598,7 +2602,7 @@
           <a:p>
             <a:fld id="{5C51B206-AAD3-4665-BE43-4D56D27DEF0F}" type="datetimeFigureOut">
               <a:rPr lang="pt-BR" smtClean="0"/>
-              <a:t>04/12/2016</a:t>
+              <a:t>05/12/2016</a:t>
             </a:fld>
             <a:endParaRPr lang="pt-BR"/>
           </a:p>
@@ -2866,7 +2870,7 @@
           <a:p>
             <a:fld id="{5C51B206-AAD3-4665-BE43-4D56D27DEF0F}" type="datetimeFigureOut">
               <a:rPr lang="pt-BR" smtClean="0"/>
-              <a:t>04/12/2016</a:t>
+              <a:t>05/12/2016</a:t>
             </a:fld>
             <a:endParaRPr lang="pt-BR"/>
           </a:p>
@@ -3067,7 +3071,7 @@
           <a:p>
             <a:fld id="{5C51B206-AAD3-4665-BE43-4D56D27DEF0F}" type="datetimeFigureOut">
               <a:rPr lang="pt-BR" smtClean="0"/>
-              <a:t>04/12/2016</a:t>
+              <a:t>05/12/2016</a:t>
             </a:fld>
             <a:endParaRPr lang="pt-BR"/>
           </a:p>
@@ -4156,7 +4160,7 @@
           <a:p>
             <a:fld id="{5C51B206-AAD3-4665-BE43-4D56D27DEF0F}" type="datetimeFigureOut">
               <a:rPr lang="pt-BR" smtClean="0"/>
-              <a:t>04/12/2016</a:t>
+              <a:t>05/12/2016</a:t>
             </a:fld>
             <a:endParaRPr lang="pt-BR"/>
           </a:p>
@@ -7583,25 +7587,48 @@
           </a:p>
         </p:txBody>
       </p:sp>
-      <p:sp>
-        <p:nvSpPr>
-          <p:cNvPr id="5" name="Espaço Reservado para Conteúdo 4"/>
-          <p:cNvSpPr>
-            <a:spLocks noGrp="1"/>
-          </p:cNvSpPr>
+      <p:pic>
+        <p:nvPicPr>
+          <p:cNvPr id="2" name="Espaço Reservado para Conteúdo 1"/>
+          <p:cNvPicPr>
+            <a:picLocks noGrp="1" noChangeAspect="1"/>
+          </p:cNvPicPr>
           <p:nvPr>
             <p:ph idx="1"/>
           </p:nvPr>
-        </p:nvSpPr>
-        <p:spPr/>
-        <p:txBody>
-          <a:bodyPr/>
-          <a:lstStyle/>
-          <a:p>
-            <a:endParaRPr lang="pt-BR"/>
-          </a:p>
-        </p:txBody>
-      </p:sp>
+        </p:nvPicPr>
+        <p:blipFill>
+          <a:blip r:embed="rId2">
+            <a:extLst>
+              <a:ext uri="{28A0092B-C50C-407E-A947-70E740481C1C}">
+                <a14:useLocalDpi xmlns:a14="http://schemas.microsoft.com/office/drawing/2010/main" val="0"/>
+              </a:ext>
+            </a:extLst>
+          </a:blip>
+          <a:stretch>
+            <a:fillRect/>
+          </a:stretch>
+        </p:blipFill>
+        <p:spPr>
+          <a:xfrm>
+            <a:off x="457200" y="1846371"/>
+            <a:ext cx="8229600" cy="3795496"/>
+          </a:xfrm>
+          <a:prstGeom prst="rect">
+            <a:avLst/>
+          </a:prstGeom>
+          <a:ln>
+            <a:noFill/>
+          </a:ln>
+          <a:effectLst>
+            <a:outerShdw blurRad="190500" algn="tl" rotWithShape="0">
+              <a:srgbClr val="000000">
+                <a:alpha val="70000"/>
+              </a:srgbClr>
+            </a:outerShdw>
+          </a:effectLst>
+        </p:spPr>
+      </p:pic>
     </p:spTree>
     <p:extLst>
       <p:ext uri="{BB962C8B-B14F-4D97-AF65-F5344CB8AC3E}">
@@ -7632,25 +7659,42 @@
           <a:chExt cx="0" cy="0"/>
         </a:xfrm>
       </p:grpSpPr>
-      <p:sp>
-        <p:nvSpPr>
-          <p:cNvPr id="2" name="Espaço Reservado para Conteúdo 1"/>
-          <p:cNvSpPr>
-            <a:spLocks noGrp="1"/>
-          </p:cNvSpPr>
+      <p:pic>
+        <p:nvPicPr>
+          <p:cNvPr id="4" name="Espaço Reservado para Conteúdo 3"/>
+          <p:cNvPicPr>
+            <a:picLocks noGrp="1" noChangeAspect="1"/>
+          </p:cNvPicPr>
           <p:nvPr>
             <p:ph idx="1"/>
           </p:nvPr>
-        </p:nvSpPr>
-        <p:spPr/>
-        <p:txBody>
-          <a:bodyPr/>
-          <a:lstStyle/>
-          <a:p>
-            <a:endParaRPr lang="pt-BR"/>
-          </a:p>
-        </p:txBody>
-      </p:sp>
+        </p:nvPicPr>
+        <p:blipFill>
+          <a:blip r:embed="rId2"/>
+          <a:stretch>
+            <a:fillRect/>
+          </a:stretch>
+        </p:blipFill>
+        <p:spPr>
+          <a:xfrm>
+            <a:off x="546958" y="1351310"/>
+            <a:ext cx="8050083" cy="4525962"/>
+          </a:xfrm>
+          <a:prstGeom prst="rect">
+            <a:avLst/>
+          </a:prstGeom>
+          <a:ln>
+            <a:noFill/>
+          </a:ln>
+          <a:effectLst>
+            <a:outerShdw blurRad="190500" algn="tl" rotWithShape="0">
+              <a:srgbClr val="000000">
+                <a:alpha val="70000"/>
+              </a:srgbClr>
+            </a:outerShdw>
+          </a:effectLst>
+        </p:spPr>
+      </p:pic>
       <p:sp>
         <p:nvSpPr>
           <p:cNvPr id="3" name="Título 2"/>
@@ -7711,25 +7755,42 @@
           <a:chExt cx="0" cy="0"/>
         </a:xfrm>
       </p:grpSpPr>
-      <p:sp>
-        <p:nvSpPr>
-          <p:cNvPr id="2" name="Espaço Reservado para Conteúdo 1"/>
-          <p:cNvSpPr>
-            <a:spLocks noGrp="1"/>
-          </p:cNvSpPr>
+      <p:pic>
+        <p:nvPicPr>
+          <p:cNvPr id="4" name="Espaço Reservado para Conteúdo 3"/>
+          <p:cNvPicPr>
+            <a:picLocks noGrp="1" noChangeAspect="1"/>
+          </p:cNvPicPr>
           <p:nvPr>
             <p:ph idx="1"/>
           </p:nvPr>
-        </p:nvSpPr>
-        <p:spPr/>
-        <p:txBody>
-          <a:bodyPr/>
-          <a:lstStyle/>
-          <a:p>
-            <a:endParaRPr lang="pt-BR"/>
-          </a:p>
-        </p:txBody>
-      </p:sp>
+        </p:nvPicPr>
+        <p:blipFill>
+          <a:blip r:embed="rId2"/>
+          <a:stretch>
+            <a:fillRect/>
+          </a:stretch>
+        </p:blipFill>
+        <p:spPr>
+          <a:xfrm>
+            <a:off x="457200" y="1786125"/>
+            <a:ext cx="8229600" cy="3915988"/>
+          </a:xfrm>
+          <a:prstGeom prst="rect">
+            <a:avLst/>
+          </a:prstGeom>
+          <a:ln>
+            <a:noFill/>
+          </a:ln>
+          <a:effectLst>
+            <a:outerShdw blurRad="190500" algn="tl" rotWithShape="0">
+              <a:srgbClr val="000000">
+                <a:alpha val="70000"/>
+              </a:srgbClr>
+            </a:outerShdw>
+          </a:effectLst>
+        </p:spPr>
+      </p:pic>
       <p:sp>
         <p:nvSpPr>
           <p:cNvPr id="3" name="Título 2"/>
@@ -7790,25 +7851,42 @@
           <a:chExt cx="0" cy="0"/>
         </a:xfrm>
       </p:grpSpPr>
-      <p:sp>
-        <p:nvSpPr>
-          <p:cNvPr id="2" name="Espaço Reservado para Conteúdo 1"/>
-          <p:cNvSpPr>
-            <a:spLocks noGrp="1"/>
-          </p:cNvSpPr>
+      <p:pic>
+        <p:nvPicPr>
+          <p:cNvPr id="4" name="Espaço Reservado para Conteúdo 3"/>
+          <p:cNvPicPr>
+            <a:picLocks noGrp="1" noChangeAspect="1"/>
+          </p:cNvPicPr>
           <p:nvPr>
             <p:ph idx="1"/>
           </p:nvPr>
-        </p:nvSpPr>
-        <p:spPr/>
-        <p:txBody>
-          <a:bodyPr/>
-          <a:lstStyle/>
-          <a:p>
-            <a:endParaRPr lang="pt-BR"/>
-          </a:p>
-        </p:txBody>
-      </p:sp>
+        </p:nvPicPr>
+        <p:blipFill>
+          <a:blip r:embed="rId2"/>
+          <a:stretch>
+            <a:fillRect/>
+          </a:stretch>
+        </p:blipFill>
+        <p:spPr>
+          <a:xfrm>
+            <a:off x="457200" y="2352437"/>
+            <a:ext cx="8229600" cy="2783363"/>
+          </a:xfrm>
+          <a:prstGeom prst="rect">
+            <a:avLst/>
+          </a:prstGeom>
+          <a:ln>
+            <a:noFill/>
+          </a:ln>
+          <a:effectLst>
+            <a:outerShdw blurRad="190500" algn="tl" rotWithShape="0">
+              <a:srgbClr val="000000">
+                <a:alpha val="70000"/>
+              </a:srgbClr>
+            </a:outerShdw>
+          </a:effectLst>
+        </p:spPr>
+      </p:pic>
       <p:sp>
         <p:nvSpPr>
           <p:cNvPr id="3" name="Título 2"/>
@@ -7842,7 +7920,7 @@
     </p:spTree>
     <p:extLst>
       <p:ext uri="{BB962C8B-B14F-4D97-AF65-F5344CB8AC3E}">
-        <p14:creationId xmlns:p14="http://schemas.microsoft.com/office/powerpoint/2010/main" val="712506612"/>
+        <p14:creationId xmlns:p14="http://schemas.microsoft.com/office/powerpoint/2010/main" val="2533674080"/>
       </p:ext>
     </p:extLst>
   </p:cSld>
@@ -7869,25 +7947,42 @@
           <a:chExt cx="0" cy="0"/>
         </a:xfrm>
       </p:grpSpPr>
-      <p:sp>
-        <p:nvSpPr>
-          <p:cNvPr id="2" name="Espaço Reservado para Conteúdo 1"/>
-          <p:cNvSpPr>
-            <a:spLocks noGrp="1"/>
-          </p:cNvSpPr>
+      <p:pic>
+        <p:nvPicPr>
+          <p:cNvPr id="4" name="Espaço Reservado para Conteúdo 3"/>
+          <p:cNvPicPr>
+            <a:picLocks noGrp="1" noChangeAspect="1"/>
+          </p:cNvPicPr>
           <p:nvPr>
             <p:ph idx="1"/>
           </p:nvPr>
-        </p:nvSpPr>
-        <p:spPr/>
-        <p:txBody>
-          <a:bodyPr/>
-          <a:lstStyle/>
-          <a:p>
-            <a:endParaRPr lang="pt-BR"/>
-          </a:p>
-        </p:txBody>
-      </p:sp>
+        </p:nvPicPr>
+        <p:blipFill>
+          <a:blip r:embed="rId2"/>
+          <a:stretch>
+            <a:fillRect/>
+          </a:stretch>
+        </p:blipFill>
+        <p:spPr>
+          <a:xfrm>
+            <a:off x="457200" y="2250019"/>
+            <a:ext cx="8229600" cy="2988200"/>
+          </a:xfrm>
+          <a:prstGeom prst="rect">
+            <a:avLst/>
+          </a:prstGeom>
+          <a:ln>
+            <a:noFill/>
+          </a:ln>
+          <a:effectLst>
+            <a:outerShdw blurRad="190500" algn="tl" rotWithShape="0">
+              <a:srgbClr val="000000">
+                <a:alpha val="70000"/>
+              </a:srgbClr>
+            </a:outerShdw>
+          </a:effectLst>
+        </p:spPr>
+      </p:pic>
       <p:sp>
         <p:nvSpPr>
           <p:cNvPr id="3" name="Título 2"/>
@@ -7921,7 +8016,7 @@
     </p:spTree>
     <p:extLst>
       <p:ext uri="{BB962C8B-B14F-4D97-AF65-F5344CB8AC3E}">
-        <p14:creationId xmlns:p14="http://schemas.microsoft.com/office/powerpoint/2010/main" val="2754213854"/>
+        <p14:creationId xmlns:p14="http://schemas.microsoft.com/office/powerpoint/2010/main" val="712506612"/>
       </p:ext>
     </p:extLst>
   </p:cSld>
@@ -7948,25 +8043,42 @@
           <a:chExt cx="0" cy="0"/>
         </a:xfrm>
       </p:grpSpPr>
-      <p:sp>
-        <p:nvSpPr>
-          <p:cNvPr id="2" name="Espaço Reservado para Conteúdo 1"/>
-          <p:cNvSpPr>
-            <a:spLocks noGrp="1"/>
-          </p:cNvSpPr>
+      <p:pic>
+        <p:nvPicPr>
+          <p:cNvPr id="4" name="Espaço Reservado para Conteúdo 3"/>
+          <p:cNvPicPr>
+            <a:picLocks noGrp="1" noChangeAspect="1"/>
+          </p:cNvPicPr>
           <p:nvPr>
             <p:ph idx="1"/>
           </p:nvPr>
-        </p:nvSpPr>
-        <p:spPr/>
-        <p:txBody>
-          <a:bodyPr/>
-          <a:lstStyle/>
-          <a:p>
-            <a:endParaRPr lang="pt-BR"/>
-          </a:p>
-        </p:txBody>
-      </p:sp>
+        </p:nvPicPr>
+        <p:blipFill>
+          <a:blip r:embed="rId2"/>
+          <a:stretch>
+            <a:fillRect/>
+          </a:stretch>
+        </p:blipFill>
+        <p:spPr>
+          <a:xfrm>
+            <a:off x="457200" y="1828297"/>
+            <a:ext cx="8229600" cy="3831643"/>
+          </a:xfrm>
+          <a:prstGeom prst="rect">
+            <a:avLst/>
+          </a:prstGeom>
+          <a:ln>
+            <a:noFill/>
+          </a:ln>
+          <a:effectLst>
+            <a:outerShdw blurRad="190500" algn="tl" rotWithShape="0">
+              <a:srgbClr val="000000">
+                <a:alpha val="70000"/>
+              </a:srgbClr>
+            </a:outerShdw>
+          </a:effectLst>
+        </p:spPr>
+      </p:pic>
       <p:sp>
         <p:nvSpPr>
           <p:cNvPr id="3" name="Título 2"/>
@@ -8000,7 +8112,7 @@
     </p:spTree>
     <p:extLst>
       <p:ext uri="{BB962C8B-B14F-4D97-AF65-F5344CB8AC3E}">
-        <p14:creationId xmlns:p14="http://schemas.microsoft.com/office/powerpoint/2010/main" val="2533674080"/>
+        <p14:creationId xmlns:p14="http://schemas.microsoft.com/office/powerpoint/2010/main" val="2754213854"/>
       </p:ext>
     </p:extLst>
   </p:cSld>
@@ -8099,164 +8211,6 @@
 </file>
 
 <file path=ppt/slides/slide40.xml><?xml version="1.0" encoding="utf-8"?>
-<p:sld xmlns:a="http://schemas.openxmlformats.org/drawingml/2006/main" xmlns:r="http://schemas.openxmlformats.org/officeDocument/2006/relationships" xmlns:p="http://schemas.openxmlformats.org/presentationml/2006/main">
-  <p:cSld>
-    <p:spTree>
-      <p:nvGrpSpPr>
-        <p:cNvPr id="1" name=""/>
-        <p:cNvGrpSpPr/>
-        <p:nvPr/>
-      </p:nvGrpSpPr>
-      <p:grpSpPr>
-        <a:xfrm>
-          <a:off x="0" y="0"/>
-          <a:ext cx="0" cy="0"/>
-          <a:chOff x="0" y="0"/>
-          <a:chExt cx="0" cy="0"/>
-        </a:xfrm>
-      </p:grpSpPr>
-      <p:sp>
-        <p:nvSpPr>
-          <p:cNvPr id="2" name="Espaço Reservado para Conteúdo 1"/>
-          <p:cNvSpPr>
-            <a:spLocks noGrp="1"/>
-          </p:cNvSpPr>
-          <p:nvPr>
-            <p:ph idx="1"/>
-          </p:nvPr>
-        </p:nvSpPr>
-        <p:spPr/>
-        <p:txBody>
-          <a:bodyPr/>
-          <a:lstStyle/>
-          <a:p>
-            <a:endParaRPr lang="pt-BR"/>
-          </a:p>
-        </p:txBody>
-      </p:sp>
-      <p:sp>
-        <p:nvSpPr>
-          <p:cNvPr id="3" name="Título 2"/>
-          <p:cNvSpPr>
-            <a:spLocks noGrp="1"/>
-          </p:cNvSpPr>
-          <p:nvPr>
-            <p:ph type="title"/>
-          </p:nvPr>
-        </p:nvSpPr>
-        <p:spPr/>
-        <p:txBody>
-          <a:bodyPr/>
-          <a:lstStyle/>
-          <a:p>
-            <a:r>
-              <a:rPr lang="pt-BR" dirty="0"/>
-              <a:t>Área do </a:t>
-            </a:r>
-            <a:r>
-              <a:rPr lang="pt-BR" dirty="0" err="1"/>
-              <a:t>Scrum</a:t>
-            </a:r>
-            <a:r>
-              <a:rPr lang="pt-BR" dirty="0"/>
-              <a:t> Master</a:t>
-            </a:r>
-          </a:p>
-        </p:txBody>
-      </p:sp>
-    </p:spTree>
-    <p:extLst>
-      <p:ext uri="{BB962C8B-B14F-4D97-AF65-F5344CB8AC3E}">
-        <p14:creationId xmlns:p14="http://schemas.microsoft.com/office/powerpoint/2010/main" val="4118654872"/>
-      </p:ext>
-    </p:extLst>
-  </p:cSld>
-  <p:clrMapOvr>
-    <a:masterClrMapping/>
-  </p:clrMapOvr>
-</p:sld>
-</file>
-
-<file path=ppt/slides/slide41.xml><?xml version="1.0" encoding="utf-8"?>
-<p:sld xmlns:a="http://schemas.openxmlformats.org/drawingml/2006/main" xmlns:r="http://schemas.openxmlformats.org/officeDocument/2006/relationships" xmlns:p="http://schemas.openxmlformats.org/presentationml/2006/main">
-  <p:cSld>
-    <p:spTree>
-      <p:nvGrpSpPr>
-        <p:cNvPr id="1" name=""/>
-        <p:cNvGrpSpPr/>
-        <p:nvPr/>
-      </p:nvGrpSpPr>
-      <p:grpSpPr>
-        <a:xfrm>
-          <a:off x="0" y="0"/>
-          <a:ext cx="0" cy="0"/>
-          <a:chOff x="0" y="0"/>
-          <a:chExt cx="0" cy="0"/>
-        </a:xfrm>
-      </p:grpSpPr>
-      <p:sp>
-        <p:nvSpPr>
-          <p:cNvPr id="2" name="Espaço Reservado para Conteúdo 1"/>
-          <p:cNvSpPr>
-            <a:spLocks noGrp="1"/>
-          </p:cNvSpPr>
-          <p:nvPr>
-            <p:ph idx="1"/>
-          </p:nvPr>
-        </p:nvSpPr>
-        <p:spPr/>
-        <p:txBody>
-          <a:bodyPr/>
-          <a:lstStyle/>
-          <a:p>
-            <a:endParaRPr lang="pt-BR"/>
-          </a:p>
-        </p:txBody>
-      </p:sp>
-      <p:sp>
-        <p:nvSpPr>
-          <p:cNvPr id="3" name="Título 2"/>
-          <p:cNvSpPr>
-            <a:spLocks noGrp="1"/>
-          </p:cNvSpPr>
-          <p:nvPr>
-            <p:ph type="title"/>
-          </p:nvPr>
-        </p:nvSpPr>
-        <p:spPr/>
-        <p:txBody>
-          <a:bodyPr/>
-          <a:lstStyle/>
-          <a:p>
-            <a:r>
-              <a:rPr lang="pt-BR" dirty="0"/>
-              <a:t>Área do </a:t>
-            </a:r>
-            <a:r>
-              <a:rPr lang="pt-BR" dirty="0" err="1"/>
-              <a:t>Scrum</a:t>
-            </a:r>
-            <a:r>
-              <a:rPr lang="pt-BR" dirty="0"/>
-              <a:t> Master</a:t>
-            </a:r>
-          </a:p>
-        </p:txBody>
-      </p:sp>
-    </p:spTree>
-    <p:extLst>
-      <p:ext uri="{BB962C8B-B14F-4D97-AF65-F5344CB8AC3E}">
-        <p14:creationId xmlns:p14="http://schemas.microsoft.com/office/powerpoint/2010/main" val="1922317707"/>
-      </p:ext>
-    </p:extLst>
-  </p:cSld>
-  <p:clrMapOvr>
-    <a:masterClrMapping/>
-  </p:clrMapOvr>
-</p:sld>
-</file>
-
-<file path=ppt/slides/slide42.xml><?xml version="1.0" encoding="utf-8"?>
 <p:sld xmlns:a="http://schemas.openxmlformats.org/drawingml/2006/main" xmlns:r="http://schemas.openxmlformats.org/officeDocument/2006/relationships" xmlns:p="http://schemas.openxmlformats.org/presentationml/2006/main">
   <p:cSld>
     <p:spTree>
@@ -8350,7 +8304,7 @@
 </p:sld>
 </file>
 
-<file path=ppt/slides/slide43.xml><?xml version="1.0" encoding="utf-8"?>
+<file path=ppt/slides/slide41.xml><?xml version="1.0" encoding="utf-8"?>
 <p:sld xmlns:a="http://schemas.openxmlformats.org/drawingml/2006/main" xmlns:r="http://schemas.openxmlformats.org/officeDocument/2006/relationships" xmlns:p="http://schemas.openxmlformats.org/presentationml/2006/main">
   <p:cSld>
     <p:spTree>
@@ -8444,7 +8398,7 @@
 </p:sld>
 </file>
 
-<file path=ppt/slides/slide44.xml><?xml version="1.0" encoding="utf-8"?>
+<file path=ppt/slides/slide42.xml><?xml version="1.0" encoding="utf-8"?>
 <p:sld xmlns:a="http://schemas.openxmlformats.org/drawingml/2006/main" xmlns:r="http://schemas.openxmlformats.org/officeDocument/2006/relationships" xmlns:p="http://schemas.openxmlformats.org/presentationml/2006/main">
   <p:cSld>
     <p:spTree>
@@ -8538,7 +8492,7 @@
 </p:sld>
 </file>
 
-<file path=ppt/slides/slide45.xml><?xml version="1.0" encoding="utf-8"?>
+<file path=ppt/slides/slide43.xml><?xml version="1.0" encoding="utf-8"?>
 <p:sld xmlns:a="http://schemas.openxmlformats.org/drawingml/2006/main" xmlns:r="http://schemas.openxmlformats.org/officeDocument/2006/relationships" xmlns:p="http://schemas.openxmlformats.org/presentationml/2006/main">
   <p:cSld>
     <p:spTree>
@@ -8632,7 +8586,7 @@
 </p:sld>
 </file>
 
-<file path=ppt/slides/slide46.xml><?xml version="1.0" encoding="utf-8"?>
+<file path=ppt/slides/slide44.xml><?xml version="1.0" encoding="utf-8"?>
 <p:sld xmlns:a="http://schemas.openxmlformats.org/drawingml/2006/main" xmlns:r="http://schemas.openxmlformats.org/officeDocument/2006/relationships" xmlns:p="http://schemas.openxmlformats.org/presentationml/2006/main">
   <p:cSld>
     <p:spTree>
@@ -8726,7 +8680,7 @@
 </p:sld>
 </file>
 
-<file path=ppt/slides/slide47.xml><?xml version="1.0" encoding="utf-8"?>
+<file path=ppt/slides/slide45.xml><?xml version="1.0" encoding="utf-8"?>
 <p:sld xmlns:a="http://schemas.openxmlformats.org/drawingml/2006/main" xmlns:r="http://schemas.openxmlformats.org/officeDocument/2006/relationships" xmlns:p="http://schemas.openxmlformats.org/presentationml/2006/main">
   <p:cSld>
     <p:spTree>
@@ -8820,7 +8774,7 @@
 </p:sld>
 </file>
 
-<file path=ppt/slides/slide48.xml><?xml version="1.0" encoding="utf-8"?>
+<file path=ppt/slides/slide46.xml><?xml version="1.0" encoding="utf-8"?>
 <p:sld xmlns:a="http://schemas.openxmlformats.org/drawingml/2006/main" xmlns:r="http://schemas.openxmlformats.org/officeDocument/2006/relationships" xmlns:p="http://schemas.openxmlformats.org/presentationml/2006/main">
   <p:cSld>
     <p:spTree>
@@ -8914,7 +8868,7 @@
 </p:sld>
 </file>
 
-<file path=ppt/slides/slide49.xml><?xml version="1.0" encoding="utf-8"?>
+<file path=ppt/slides/slide47.xml><?xml version="1.0" encoding="utf-8"?>
 <p:sld xmlns:a="http://schemas.openxmlformats.org/drawingml/2006/main" xmlns:r="http://schemas.openxmlformats.org/officeDocument/2006/relationships" xmlns:p="http://schemas.openxmlformats.org/presentationml/2006/main">
   <p:cSld>
     <p:spTree>
@@ -8999,6 +8953,194 @@
     <p:extLst>
       <p:ext uri="{BB962C8B-B14F-4D97-AF65-F5344CB8AC3E}">
         <p14:creationId xmlns:p14="http://schemas.microsoft.com/office/powerpoint/2010/main" val="3848249242"/>
+      </p:ext>
+    </p:extLst>
+  </p:cSld>
+  <p:clrMapOvr>
+    <a:masterClrMapping/>
+  </p:clrMapOvr>
+</p:sld>
+</file>
+
+<file path=ppt/slides/slide48.xml><?xml version="1.0" encoding="utf-8"?>
+<p:sld xmlns:a="http://schemas.openxmlformats.org/drawingml/2006/main" xmlns:r="http://schemas.openxmlformats.org/officeDocument/2006/relationships" xmlns:p="http://schemas.openxmlformats.org/presentationml/2006/main">
+  <p:cSld>
+    <p:spTree>
+      <p:nvGrpSpPr>
+        <p:cNvPr id="1" name=""/>
+        <p:cNvGrpSpPr/>
+        <p:nvPr/>
+      </p:nvGrpSpPr>
+      <p:grpSpPr>
+        <a:xfrm>
+          <a:off x="0" y="0"/>
+          <a:ext cx="0" cy="0"/>
+          <a:chOff x="0" y="0"/>
+          <a:chExt cx="0" cy="0"/>
+        </a:xfrm>
+      </p:grpSpPr>
+      <p:sp>
+        <p:nvSpPr>
+          <p:cNvPr id="3" name="Título 2"/>
+          <p:cNvSpPr>
+            <a:spLocks noGrp="1"/>
+          </p:cNvSpPr>
+          <p:nvPr>
+            <p:ph type="title"/>
+          </p:nvPr>
+        </p:nvSpPr>
+        <p:spPr/>
+        <p:txBody>
+          <a:bodyPr/>
+          <a:lstStyle/>
+          <a:p>
+            <a:r>
+              <a:rPr lang="pt-BR" dirty="0"/>
+              <a:t>Todos</a:t>
+            </a:r>
+          </a:p>
+        </p:txBody>
+      </p:sp>
+      <p:pic>
+        <p:nvPicPr>
+          <p:cNvPr id="4" name="Espaço Reservado para Conteúdo 3"/>
+          <p:cNvPicPr>
+            <a:picLocks noGrp="1" noChangeAspect="1"/>
+          </p:cNvPicPr>
+          <p:nvPr>
+            <p:ph idx="1"/>
+          </p:nvPr>
+        </p:nvPicPr>
+        <p:blipFill>
+          <a:blip r:embed="rId2">
+            <a:extLst>
+              <a:ext uri="{28A0092B-C50C-407E-A947-70E740481C1C}">
+                <a14:useLocalDpi xmlns:a14="http://schemas.microsoft.com/office/drawing/2010/main" val="0"/>
+              </a:ext>
+            </a:extLst>
+          </a:blip>
+          <a:stretch>
+            <a:fillRect/>
+          </a:stretch>
+        </p:blipFill>
+        <p:spPr>
+          <a:xfrm>
+            <a:off x="457200" y="2659691"/>
+            <a:ext cx="8229600" cy="2168855"/>
+          </a:xfrm>
+          <a:prstGeom prst="rect">
+            <a:avLst/>
+          </a:prstGeom>
+          <a:ln>
+            <a:noFill/>
+          </a:ln>
+          <a:effectLst>
+            <a:outerShdw blurRad="190500" algn="tl" rotWithShape="0">
+              <a:srgbClr val="000000">
+                <a:alpha val="70000"/>
+              </a:srgbClr>
+            </a:outerShdw>
+          </a:effectLst>
+        </p:spPr>
+      </p:pic>
+    </p:spTree>
+    <p:extLst>
+      <p:ext uri="{BB962C8B-B14F-4D97-AF65-F5344CB8AC3E}">
+        <p14:creationId xmlns:p14="http://schemas.microsoft.com/office/powerpoint/2010/main" val="899482443"/>
+      </p:ext>
+    </p:extLst>
+  </p:cSld>
+  <p:clrMapOvr>
+    <a:masterClrMapping/>
+  </p:clrMapOvr>
+</p:sld>
+</file>
+
+<file path=ppt/slides/slide49.xml><?xml version="1.0" encoding="utf-8"?>
+<p:sld xmlns:a="http://schemas.openxmlformats.org/drawingml/2006/main" xmlns:r="http://schemas.openxmlformats.org/officeDocument/2006/relationships" xmlns:p="http://schemas.openxmlformats.org/presentationml/2006/main">
+  <p:cSld>
+    <p:spTree>
+      <p:nvGrpSpPr>
+        <p:cNvPr id="1" name=""/>
+        <p:cNvGrpSpPr/>
+        <p:nvPr/>
+      </p:nvGrpSpPr>
+      <p:grpSpPr>
+        <a:xfrm>
+          <a:off x="0" y="0"/>
+          <a:ext cx="0" cy="0"/>
+          <a:chOff x="0" y="0"/>
+          <a:chExt cx="0" cy="0"/>
+        </a:xfrm>
+      </p:grpSpPr>
+      <p:sp>
+        <p:nvSpPr>
+          <p:cNvPr id="3" name="Título 2"/>
+          <p:cNvSpPr>
+            <a:spLocks noGrp="1"/>
+          </p:cNvSpPr>
+          <p:nvPr>
+            <p:ph type="title"/>
+          </p:nvPr>
+        </p:nvSpPr>
+        <p:spPr/>
+        <p:txBody>
+          <a:bodyPr/>
+          <a:lstStyle/>
+          <a:p>
+            <a:r>
+              <a:rPr lang="pt-BR" dirty="0"/>
+              <a:t>Todos</a:t>
+            </a:r>
+          </a:p>
+        </p:txBody>
+      </p:sp>
+      <p:pic>
+        <p:nvPicPr>
+          <p:cNvPr id="4" name="Espaço Reservado para Conteúdo 3"/>
+          <p:cNvPicPr>
+            <a:picLocks noGrp="1" noChangeAspect="1"/>
+          </p:cNvPicPr>
+          <p:nvPr>
+            <p:ph idx="1"/>
+          </p:nvPr>
+        </p:nvPicPr>
+        <p:blipFill>
+          <a:blip r:embed="rId2">
+            <a:extLst>
+              <a:ext uri="{28A0092B-C50C-407E-A947-70E740481C1C}">
+                <a14:useLocalDpi xmlns:a14="http://schemas.microsoft.com/office/drawing/2010/main" val="0"/>
+              </a:ext>
+            </a:extLst>
+          </a:blip>
+          <a:stretch>
+            <a:fillRect/>
+          </a:stretch>
+        </p:blipFill>
+        <p:spPr>
+          <a:xfrm>
+            <a:off x="457200" y="2316289"/>
+            <a:ext cx="8229600" cy="2855659"/>
+          </a:xfrm>
+          <a:prstGeom prst="rect">
+            <a:avLst/>
+          </a:prstGeom>
+          <a:ln>
+            <a:noFill/>
+          </a:ln>
+          <a:effectLst>
+            <a:outerShdw blurRad="190500" algn="tl" rotWithShape="0">
+              <a:srgbClr val="000000">
+                <a:alpha val="70000"/>
+              </a:srgbClr>
+            </a:outerShdw>
+          </a:effectLst>
+        </p:spPr>
+      </p:pic>
+    </p:spTree>
+    <p:extLst>
+      <p:ext uri="{BB962C8B-B14F-4D97-AF65-F5344CB8AC3E}">
+        <p14:creationId xmlns:p14="http://schemas.microsoft.com/office/powerpoint/2010/main" val="3077539452"/>
       </p:ext>
     </p:extLst>
   </p:cSld>
@@ -9192,194 +9334,6 @@
         </p:blipFill>
         <p:spPr>
           <a:xfrm>
-            <a:off x="457200" y="2659691"/>
-            <a:ext cx="8229600" cy="2168855"/>
-          </a:xfrm>
-          <a:prstGeom prst="rect">
-            <a:avLst/>
-          </a:prstGeom>
-          <a:ln>
-            <a:noFill/>
-          </a:ln>
-          <a:effectLst>
-            <a:outerShdw blurRad="190500" algn="tl" rotWithShape="0">
-              <a:srgbClr val="000000">
-                <a:alpha val="70000"/>
-              </a:srgbClr>
-            </a:outerShdw>
-          </a:effectLst>
-        </p:spPr>
-      </p:pic>
-    </p:spTree>
-    <p:extLst>
-      <p:ext uri="{BB962C8B-B14F-4D97-AF65-F5344CB8AC3E}">
-        <p14:creationId xmlns:p14="http://schemas.microsoft.com/office/powerpoint/2010/main" val="899482443"/>
-      </p:ext>
-    </p:extLst>
-  </p:cSld>
-  <p:clrMapOvr>
-    <a:masterClrMapping/>
-  </p:clrMapOvr>
-</p:sld>
-</file>
-
-<file path=ppt/slides/slide51.xml><?xml version="1.0" encoding="utf-8"?>
-<p:sld xmlns:a="http://schemas.openxmlformats.org/drawingml/2006/main" xmlns:r="http://schemas.openxmlformats.org/officeDocument/2006/relationships" xmlns:p="http://schemas.openxmlformats.org/presentationml/2006/main">
-  <p:cSld>
-    <p:spTree>
-      <p:nvGrpSpPr>
-        <p:cNvPr id="1" name=""/>
-        <p:cNvGrpSpPr/>
-        <p:nvPr/>
-      </p:nvGrpSpPr>
-      <p:grpSpPr>
-        <a:xfrm>
-          <a:off x="0" y="0"/>
-          <a:ext cx="0" cy="0"/>
-          <a:chOff x="0" y="0"/>
-          <a:chExt cx="0" cy="0"/>
-        </a:xfrm>
-      </p:grpSpPr>
-      <p:sp>
-        <p:nvSpPr>
-          <p:cNvPr id="3" name="Título 2"/>
-          <p:cNvSpPr>
-            <a:spLocks noGrp="1"/>
-          </p:cNvSpPr>
-          <p:nvPr>
-            <p:ph type="title"/>
-          </p:nvPr>
-        </p:nvSpPr>
-        <p:spPr/>
-        <p:txBody>
-          <a:bodyPr/>
-          <a:lstStyle/>
-          <a:p>
-            <a:r>
-              <a:rPr lang="pt-BR" dirty="0"/>
-              <a:t>Todos</a:t>
-            </a:r>
-          </a:p>
-        </p:txBody>
-      </p:sp>
-      <p:pic>
-        <p:nvPicPr>
-          <p:cNvPr id="4" name="Espaço Reservado para Conteúdo 3"/>
-          <p:cNvPicPr>
-            <a:picLocks noGrp="1" noChangeAspect="1"/>
-          </p:cNvPicPr>
-          <p:nvPr>
-            <p:ph idx="1"/>
-          </p:nvPr>
-        </p:nvPicPr>
-        <p:blipFill>
-          <a:blip r:embed="rId2">
-            <a:extLst>
-              <a:ext uri="{28A0092B-C50C-407E-A947-70E740481C1C}">
-                <a14:useLocalDpi xmlns:a14="http://schemas.microsoft.com/office/drawing/2010/main" val="0"/>
-              </a:ext>
-            </a:extLst>
-          </a:blip>
-          <a:stretch>
-            <a:fillRect/>
-          </a:stretch>
-        </p:blipFill>
-        <p:spPr>
-          <a:xfrm>
-            <a:off x="457200" y="2316289"/>
-            <a:ext cx="8229600" cy="2855659"/>
-          </a:xfrm>
-          <a:prstGeom prst="rect">
-            <a:avLst/>
-          </a:prstGeom>
-          <a:ln>
-            <a:noFill/>
-          </a:ln>
-          <a:effectLst>
-            <a:outerShdw blurRad="190500" algn="tl" rotWithShape="0">
-              <a:srgbClr val="000000">
-                <a:alpha val="70000"/>
-              </a:srgbClr>
-            </a:outerShdw>
-          </a:effectLst>
-        </p:spPr>
-      </p:pic>
-    </p:spTree>
-    <p:extLst>
-      <p:ext uri="{BB962C8B-B14F-4D97-AF65-F5344CB8AC3E}">
-        <p14:creationId xmlns:p14="http://schemas.microsoft.com/office/powerpoint/2010/main" val="3077539452"/>
-      </p:ext>
-    </p:extLst>
-  </p:cSld>
-  <p:clrMapOvr>
-    <a:masterClrMapping/>
-  </p:clrMapOvr>
-</p:sld>
-</file>
-
-<file path=ppt/slides/slide52.xml><?xml version="1.0" encoding="utf-8"?>
-<p:sld xmlns:a="http://schemas.openxmlformats.org/drawingml/2006/main" xmlns:r="http://schemas.openxmlformats.org/officeDocument/2006/relationships" xmlns:p="http://schemas.openxmlformats.org/presentationml/2006/main">
-  <p:cSld>
-    <p:spTree>
-      <p:nvGrpSpPr>
-        <p:cNvPr id="1" name=""/>
-        <p:cNvGrpSpPr/>
-        <p:nvPr/>
-      </p:nvGrpSpPr>
-      <p:grpSpPr>
-        <a:xfrm>
-          <a:off x="0" y="0"/>
-          <a:ext cx="0" cy="0"/>
-          <a:chOff x="0" y="0"/>
-          <a:chExt cx="0" cy="0"/>
-        </a:xfrm>
-      </p:grpSpPr>
-      <p:sp>
-        <p:nvSpPr>
-          <p:cNvPr id="3" name="Título 2"/>
-          <p:cNvSpPr>
-            <a:spLocks noGrp="1"/>
-          </p:cNvSpPr>
-          <p:nvPr>
-            <p:ph type="title"/>
-          </p:nvPr>
-        </p:nvSpPr>
-        <p:spPr/>
-        <p:txBody>
-          <a:bodyPr/>
-          <a:lstStyle/>
-          <a:p>
-            <a:r>
-              <a:rPr lang="pt-BR" dirty="0"/>
-              <a:t>Todos</a:t>
-            </a:r>
-          </a:p>
-        </p:txBody>
-      </p:sp>
-      <p:pic>
-        <p:nvPicPr>
-          <p:cNvPr id="4" name="Espaço Reservado para Conteúdo 3"/>
-          <p:cNvPicPr>
-            <a:picLocks noGrp="1" noChangeAspect="1"/>
-          </p:cNvPicPr>
-          <p:nvPr>
-            <p:ph idx="1"/>
-          </p:nvPr>
-        </p:nvPicPr>
-        <p:blipFill>
-          <a:blip r:embed="rId2">
-            <a:extLst>
-              <a:ext uri="{28A0092B-C50C-407E-A947-70E740481C1C}">
-                <a14:useLocalDpi xmlns:a14="http://schemas.microsoft.com/office/drawing/2010/main" val="0"/>
-              </a:ext>
-            </a:extLst>
-          </a:blip>
-          <a:stretch>
-            <a:fillRect/>
-          </a:stretch>
-        </p:blipFill>
-        <p:spPr>
-          <a:xfrm>
             <a:off x="457200" y="2268093"/>
             <a:ext cx="8229600" cy="2952052"/>
           </a:xfrm>
@@ -9411,7 +9365,7 @@
 </p:sld>
 </file>
 
-<file path=ppt/slides/slide53.xml><?xml version="1.0" encoding="utf-8"?>
+<file path=ppt/slides/slide51.xml><?xml version="1.0" encoding="utf-8"?>
 <p:sld xmlns:a="http://schemas.openxmlformats.org/drawingml/2006/main" xmlns:r="http://schemas.openxmlformats.org/officeDocument/2006/relationships" xmlns:p="http://schemas.openxmlformats.org/presentationml/2006/main">
   <p:cSld>
     <p:spTree>
@@ -9505,7 +9459,7 @@
 </p:sld>
 </file>
 
-<file path=ppt/slides/slide54.xml><?xml version="1.0" encoding="utf-8"?>
+<file path=ppt/slides/slide52.xml><?xml version="1.0" encoding="utf-8"?>
 <p:sld xmlns:a="http://schemas.openxmlformats.org/drawingml/2006/main" xmlns:r="http://schemas.openxmlformats.org/officeDocument/2006/relationships" xmlns:p="http://schemas.openxmlformats.org/presentationml/2006/main">
   <p:cSld>
     <p:spTree>
@@ -9599,7 +9553,7 @@
 </p:sld>
 </file>
 
-<file path=ppt/slides/slide55.xml><?xml version="1.0" encoding="utf-8"?>
+<file path=ppt/slides/slide53.xml><?xml version="1.0" encoding="utf-8"?>
 <p:sld xmlns:a="http://schemas.openxmlformats.org/drawingml/2006/main" xmlns:r="http://schemas.openxmlformats.org/officeDocument/2006/relationships" xmlns:p="http://schemas.openxmlformats.org/presentationml/2006/main">
   <p:cSld>
     <p:spTree>
@@ -9693,7 +9647,7 @@
 </p:sld>
 </file>
 
-<file path=ppt/slides/slide56.xml><?xml version="1.0" encoding="utf-8"?>
+<file path=ppt/slides/slide54.xml><?xml version="1.0" encoding="utf-8"?>
 <p:sld xmlns:a="http://schemas.openxmlformats.org/drawingml/2006/main" xmlns:r="http://schemas.openxmlformats.org/officeDocument/2006/relationships" xmlns:p="http://schemas.openxmlformats.org/presentationml/2006/main">
   <p:cSld>
     <p:spTree>
@@ -9787,7 +9741,7 @@
 </p:sld>
 </file>
 
-<file path=ppt/slides/slide57.xml><?xml version="1.0" encoding="utf-8"?>
+<file path=ppt/slides/slide55.xml><?xml version="1.0" encoding="utf-8"?>
 <p:sld xmlns:a="http://schemas.openxmlformats.org/drawingml/2006/main" xmlns:r="http://schemas.openxmlformats.org/officeDocument/2006/relationships" xmlns:p="http://schemas.openxmlformats.org/presentationml/2006/main">
   <p:cSld>
     <p:spTree>
@@ -9881,6 +9835,182 @@
 </p:sld>
 </file>
 
+<file path=ppt/slides/slide56.xml><?xml version="1.0" encoding="utf-8"?>
+<p:sld xmlns:a="http://schemas.openxmlformats.org/drawingml/2006/main" xmlns:r="http://schemas.openxmlformats.org/officeDocument/2006/relationships" xmlns:p="http://schemas.openxmlformats.org/presentationml/2006/main">
+  <p:cSld>
+    <p:spTree>
+      <p:nvGrpSpPr>
+        <p:cNvPr id="1" name=""/>
+        <p:cNvGrpSpPr/>
+        <p:nvPr/>
+      </p:nvGrpSpPr>
+      <p:grpSpPr>
+        <a:xfrm>
+          <a:off x="0" y="0"/>
+          <a:ext cx="0" cy="0"/>
+          <a:chOff x="0" y="0"/>
+          <a:chExt cx="0" cy="0"/>
+        </a:xfrm>
+      </p:grpSpPr>
+      <p:sp>
+        <p:nvSpPr>
+          <p:cNvPr id="3" name="Título 2"/>
+          <p:cNvSpPr>
+            <a:spLocks noGrp="1"/>
+          </p:cNvSpPr>
+          <p:nvPr>
+            <p:ph type="title"/>
+          </p:nvPr>
+        </p:nvSpPr>
+        <p:spPr/>
+        <p:txBody>
+          <a:bodyPr/>
+          <a:lstStyle/>
+          <a:p>
+            <a:r>
+              <a:rPr lang="pt-BR" dirty="0"/>
+              <a:t>Validações</a:t>
+            </a:r>
+          </a:p>
+        </p:txBody>
+      </p:sp>
+      <p:pic>
+        <p:nvPicPr>
+          <p:cNvPr id="6" name="Espaço Reservado para Conteúdo 5"/>
+          <p:cNvPicPr>
+            <a:picLocks noGrp="1" noChangeAspect="1"/>
+          </p:cNvPicPr>
+          <p:nvPr>
+            <p:ph idx="1"/>
+          </p:nvPr>
+        </p:nvPicPr>
+        <p:blipFill>
+          <a:blip r:embed="rId2"/>
+          <a:stretch>
+            <a:fillRect/>
+          </a:stretch>
+        </p:blipFill>
+        <p:spPr>
+          <a:xfrm>
+            <a:off x="457200" y="2219896"/>
+            <a:ext cx="8229600" cy="3048446"/>
+          </a:xfrm>
+          <a:prstGeom prst="rect">
+            <a:avLst/>
+          </a:prstGeom>
+          <a:ln>
+            <a:noFill/>
+          </a:ln>
+          <a:effectLst>
+            <a:outerShdw blurRad="190500" algn="tl" rotWithShape="0">
+              <a:srgbClr val="000000">
+                <a:alpha val="70000"/>
+              </a:srgbClr>
+            </a:outerShdw>
+          </a:effectLst>
+        </p:spPr>
+      </p:pic>
+    </p:spTree>
+    <p:extLst>
+      <p:ext uri="{BB962C8B-B14F-4D97-AF65-F5344CB8AC3E}">
+        <p14:creationId xmlns:p14="http://schemas.microsoft.com/office/powerpoint/2010/main" val="1610592795"/>
+      </p:ext>
+    </p:extLst>
+  </p:cSld>
+  <p:clrMapOvr>
+    <a:masterClrMapping/>
+  </p:clrMapOvr>
+</p:sld>
+</file>
+
+<file path=ppt/slides/slide57.xml><?xml version="1.0" encoding="utf-8"?>
+<p:sld xmlns:a="http://schemas.openxmlformats.org/drawingml/2006/main" xmlns:r="http://schemas.openxmlformats.org/officeDocument/2006/relationships" xmlns:p="http://schemas.openxmlformats.org/presentationml/2006/main">
+  <p:cSld>
+    <p:spTree>
+      <p:nvGrpSpPr>
+        <p:cNvPr id="1" name=""/>
+        <p:cNvGrpSpPr/>
+        <p:nvPr/>
+      </p:nvGrpSpPr>
+      <p:grpSpPr>
+        <a:xfrm>
+          <a:off x="0" y="0"/>
+          <a:ext cx="0" cy="0"/>
+          <a:chOff x="0" y="0"/>
+          <a:chExt cx="0" cy="0"/>
+        </a:xfrm>
+      </p:grpSpPr>
+      <p:sp>
+        <p:nvSpPr>
+          <p:cNvPr id="3" name="Título 2"/>
+          <p:cNvSpPr>
+            <a:spLocks noGrp="1"/>
+          </p:cNvSpPr>
+          <p:nvPr>
+            <p:ph type="title"/>
+          </p:nvPr>
+        </p:nvSpPr>
+        <p:spPr/>
+        <p:txBody>
+          <a:bodyPr/>
+          <a:lstStyle/>
+          <a:p>
+            <a:r>
+              <a:rPr lang="pt-BR" dirty="0"/>
+              <a:t>Erros</a:t>
+            </a:r>
+          </a:p>
+        </p:txBody>
+      </p:sp>
+      <p:pic>
+        <p:nvPicPr>
+          <p:cNvPr id="4" name="Espaço Reservado para Conteúdo 3"/>
+          <p:cNvPicPr>
+            <a:picLocks noGrp="1" noChangeAspect="1"/>
+          </p:cNvPicPr>
+          <p:nvPr>
+            <p:ph idx="1"/>
+          </p:nvPr>
+        </p:nvPicPr>
+        <p:blipFill>
+          <a:blip r:embed="rId2"/>
+          <a:stretch>
+            <a:fillRect/>
+          </a:stretch>
+        </p:blipFill>
+        <p:spPr>
+          <a:xfrm>
+            <a:off x="457200" y="2304240"/>
+            <a:ext cx="8229600" cy="2879757"/>
+          </a:xfrm>
+          <a:prstGeom prst="rect">
+            <a:avLst/>
+          </a:prstGeom>
+          <a:ln>
+            <a:noFill/>
+          </a:ln>
+          <a:effectLst>
+            <a:outerShdw blurRad="190500" algn="tl" rotWithShape="0">
+              <a:srgbClr val="000000">
+                <a:alpha val="70000"/>
+              </a:srgbClr>
+            </a:outerShdw>
+          </a:effectLst>
+        </p:spPr>
+      </p:pic>
+    </p:spTree>
+    <p:extLst>
+      <p:ext uri="{BB962C8B-B14F-4D97-AF65-F5344CB8AC3E}">
+        <p14:creationId xmlns:p14="http://schemas.microsoft.com/office/powerpoint/2010/main" val="223975552"/>
+      </p:ext>
+    </p:extLst>
+  </p:cSld>
+  <p:clrMapOvr>
+    <a:masterClrMapping/>
+  </p:clrMapOvr>
+</p:sld>
+</file>
+
 <file path=ppt/slides/slide58.xml><?xml version="1.0" encoding="utf-8"?>
 <p:sld xmlns:a="http://schemas.openxmlformats.org/drawingml/2006/main" xmlns:r="http://schemas.openxmlformats.org/officeDocument/2006/relationships" xmlns:p="http://schemas.openxmlformats.org/presentationml/2006/main">
   <p:cSld>
@@ -9898,62 +10028,42 @@
           <a:chExt cx="0" cy="0"/>
         </a:xfrm>
       </p:grpSpPr>
-      <p:sp>
-        <p:nvSpPr>
-          <p:cNvPr id="2" name="Espaço Reservado para Conteúdo 1"/>
-          <p:cNvSpPr>
-            <a:spLocks noGrp="1"/>
-          </p:cNvSpPr>
+      <p:pic>
+        <p:nvPicPr>
+          <p:cNvPr id="4" name="Espaço Reservado para Conteúdo 3"/>
+          <p:cNvPicPr>
+            <a:picLocks noGrp="1" noChangeAspect="1"/>
+          </p:cNvPicPr>
           <p:nvPr>
             <p:ph idx="1"/>
           </p:nvPr>
-        </p:nvSpPr>
-        <p:spPr/>
-        <p:txBody>
-          <a:bodyPr>
-            <a:normAutofit fontScale="70000" lnSpcReduction="20000"/>
-          </a:bodyPr>
-          <a:lstStyle/>
-          <a:p>
-            <a:r>
-              <a:rPr lang="pt-BR" dirty="0"/>
-              <a:t>O desenvolvimento tradicional de software está muito burocrático e pouco flexível com as mudanças recorrentes no mercado;</a:t>
-            </a:r>
-          </a:p>
-          <a:p>
-            <a:r>
-              <a:rPr lang="pt-BR" dirty="0"/>
-              <a:t>Através dos ensinamentos do TPS podemos perceber que a produção enxuta fornece mais vantagens competitivas, e com a melhoria contínua o valor do produto tende a ser o melhor possível;</a:t>
-            </a:r>
-          </a:p>
-          <a:p>
-            <a:r>
-              <a:rPr lang="pt-BR" dirty="0"/>
-              <a:t>O manifesto ágil contribuiu na definição dos princípios para o desenvolvimento ágil de software com base nos conceitos de produção enxuta.</a:t>
-            </a:r>
-          </a:p>
-          <a:p>
-            <a:r>
-              <a:rPr lang="pt-BR" dirty="0"/>
-              <a:t>A  agilidade do </a:t>
-            </a:r>
-            <a:r>
-              <a:rPr lang="pt-BR" dirty="0" err="1"/>
-              <a:t>Scrum</a:t>
-            </a:r>
-            <a:r>
-              <a:rPr lang="pt-BR" dirty="0"/>
-              <a:t> é responsável, em grande parte, pela inovação apresentada. Tudo é feito a partir das necessidades dos clientes e não a partir de soluções pré-programadas;</a:t>
-            </a:r>
-          </a:p>
-          <a:p>
-            <a:r>
-              <a:rPr lang="pt-BR" dirty="0"/>
-              <a:t>Startups são frutos de empreendedores que enxergarão oportunidades de negócio em um ambiente de extrema incerteza;</a:t>
-            </a:r>
-          </a:p>
-        </p:txBody>
-      </p:sp>
+        </p:nvPicPr>
+        <p:blipFill>
+          <a:blip r:embed="rId2"/>
+          <a:stretch>
+            <a:fillRect/>
+          </a:stretch>
+        </p:blipFill>
+        <p:spPr>
+          <a:xfrm>
+            <a:off x="457200" y="2286166"/>
+            <a:ext cx="8229600" cy="2915905"/>
+          </a:xfrm>
+          <a:prstGeom prst="rect">
+            <a:avLst/>
+          </a:prstGeom>
+          <a:ln>
+            <a:noFill/>
+          </a:ln>
+          <a:effectLst>
+            <a:outerShdw blurRad="190500" algn="tl" rotWithShape="0">
+              <a:srgbClr val="000000">
+                <a:alpha val="70000"/>
+              </a:srgbClr>
+            </a:outerShdw>
+          </a:effectLst>
+        </p:spPr>
+      </p:pic>
       <p:sp>
         <p:nvSpPr>
           <p:cNvPr id="3" name="Título 2"/>
@@ -9971,7 +10081,7 @@
           <a:p>
             <a:r>
               <a:rPr lang="pt-BR" dirty="0"/>
-              <a:t>Conclusão</a:t>
+              <a:t>Erros</a:t>
             </a:r>
           </a:p>
         </p:txBody>
@@ -9979,7 +10089,7 @@
     </p:spTree>
     <p:extLst>
       <p:ext uri="{BB962C8B-B14F-4D97-AF65-F5344CB8AC3E}">
-        <p14:creationId xmlns:p14="http://schemas.microsoft.com/office/powerpoint/2010/main" val="338616083"/>
+        <p14:creationId xmlns:p14="http://schemas.microsoft.com/office/powerpoint/2010/main" val="2600226340"/>
       </p:ext>
     </p:extLst>
   </p:cSld>
@@ -10006,43 +10116,60 @@
           <a:chExt cx="0" cy="0"/>
         </a:xfrm>
       </p:grpSpPr>
-      <p:sp>
-        <p:nvSpPr>
-          <p:cNvPr id="2" name="Espaço Reservado para Conteúdo 1"/>
-          <p:cNvSpPr>
-            <a:spLocks noGrp="1"/>
-          </p:cNvSpPr>
+      <p:pic>
+        <p:nvPicPr>
+          <p:cNvPr id="4" name="Espaço Reservado para Conteúdo 3"/>
+          <p:cNvPicPr>
+            <a:picLocks noGrp="1" noChangeAspect="1"/>
+          </p:cNvPicPr>
           <p:nvPr>
             <p:ph idx="1"/>
           </p:nvPr>
+        </p:nvPicPr>
+        <p:blipFill>
+          <a:blip r:embed="rId2"/>
+          <a:stretch>
+            <a:fillRect/>
+          </a:stretch>
+        </p:blipFill>
+        <p:spPr>
+          <a:xfrm>
+            <a:off x="457200" y="2298216"/>
+            <a:ext cx="8229600" cy="2891806"/>
+          </a:xfrm>
+          <a:prstGeom prst="rect">
+            <a:avLst/>
+          </a:prstGeom>
+          <a:ln>
+            <a:noFill/>
+          </a:ln>
+          <a:effectLst>
+            <a:outerShdw blurRad="190500" algn="tl" rotWithShape="0">
+              <a:srgbClr val="000000">
+                <a:alpha val="70000"/>
+              </a:srgbClr>
+            </a:outerShdw>
+          </a:effectLst>
+        </p:spPr>
+      </p:pic>
+      <p:sp>
+        <p:nvSpPr>
+          <p:cNvPr id="3" name="Título 2"/>
+          <p:cNvSpPr>
+            <a:spLocks noGrp="1"/>
+          </p:cNvSpPr>
+          <p:nvPr>
+            <p:ph type="title"/>
+          </p:nvPr>
         </p:nvSpPr>
         <p:spPr/>
         <p:txBody>
           <a:bodyPr/>
           <a:lstStyle/>
           <a:p>
-            <a:endParaRPr lang="pt-BR"/>
-          </a:p>
-        </p:txBody>
-      </p:sp>
-      <p:sp>
-        <p:nvSpPr>
-          <p:cNvPr id="3" name="Título 2"/>
-          <p:cNvSpPr>
-            <a:spLocks noGrp="1"/>
-          </p:cNvSpPr>
-          <p:nvPr>
-            <p:ph type="title"/>
-          </p:nvPr>
-        </p:nvSpPr>
-        <p:spPr/>
-        <p:txBody>
-          <a:bodyPr/>
-          <a:lstStyle/>
-          <a:p>
-            <a:r>
-              <a:rPr lang="pt-BR" dirty="0"/>
-              <a:t>Trabalhos Futuros</a:t>
+            <a:r>
+              <a:rPr lang="pt-BR" dirty="0"/>
+              <a:t>Erros</a:t>
             </a:r>
           </a:p>
         </p:txBody>
@@ -10050,7 +10177,7 @@
     </p:spTree>
     <p:extLst>
       <p:ext uri="{BB962C8B-B14F-4D97-AF65-F5344CB8AC3E}">
-        <p14:creationId xmlns:p14="http://schemas.microsoft.com/office/powerpoint/2010/main" val="4288695666"/>
+        <p14:creationId xmlns:p14="http://schemas.microsoft.com/office/powerpoint/2010/main" val="458279421"/>
       </p:ext>
     </p:extLst>
   </p:cSld>
@@ -10168,6 +10295,407 @@
 </file>
 
 <file path=ppt/slides/slide60.xml><?xml version="1.0" encoding="utf-8"?>
+<p:sld xmlns:a="http://schemas.openxmlformats.org/drawingml/2006/main" xmlns:r="http://schemas.openxmlformats.org/officeDocument/2006/relationships" xmlns:p="http://schemas.openxmlformats.org/presentationml/2006/main">
+  <p:cSld>
+    <p:spTree>
+      <p:nvGrpSpPr>
+        <p:cNvPr id="1" name=""/>
+        <p:cNvGrpSpPr/>
+        <p:nvPr/>
+      </p:nvGrpSpPr>
+      <p:grpSpPr>
+        <a:xfrm>
+          <a:off x="0" y="0"/>
+          <a:ext cx="0" cy="0"/>
+          <a:chOff x="0" y="0"/>
+          <a:chExt cx="0" cy="0"/>
+        </a:xfrm>
+      </p:grpSpPr>
+      <p:sp>
+        <p:nvSpPr>
+          <p:cNvPr id="3" name="Título 2"/>
+          <p:cNvSpPr>
+            <a:spLocks noGrp="1"/>
+          </p:cNvSpPr>
+          <p:nvPr>
+            <p:ph type="title"/>
+          </p:nvPr>
+        </p:nvSpPr>
+        <p:spPr/>
+        <p:txBody>
+          <a:bodyPr/>
+          <a:lstStyle/>
+          <a:p>
+            <a:r>
+              <a:rPr lang="pt-BR" dirty="0"/>
+              <a:t>Erros</a:t>
+            </a:r>
+          </a:p>
+        </p:txBody>
+      </p:sp>
+      <p:pic>
+        <p:nvPicPr>
+          <p:cNvPr id="6" name="Espaço Reservado para Conteúdo 5"/>
+          <p:cNvPicPr>
+            <a:picLocks noGrp="1" noChangeAspect="1"/>
+          </p:cNvPicPr>
+          <p:nvPr>
+            <p:ph idx="1"/>
+          </p:nvPr>
+        </p:nvPicPr>
+        <p:blipFill>
+          <a:blip r:embed="rId2"/>
+          <a:stretch>
+            <a:fillRect/>
+          </a:stretch>
+        </p:blipFill>
+        <p:spPr>
+          <a:xfrm>
+            <a:off x="457200" y="2478954"/>
+            <a:ext cx="8229600" cy="2530330"/>
+          </a:xfrm>
+          <a:prstGeom prst="rect">
+            <a:avLst/>
+          </a:prstGeom>
+          <a:ln>
+            <a:noFill/>
+          </a:ln>
+          <a:effectLst>
+            <a:outerShdw blurRad="190500" algn="tl" rotWithShape="0">
+              <a:srgbClr val="000000">
+                <a:alpha val="70000"/>
+              </a:srgbClr>
+            </a:outerShdw>
+          </a:effectLst>
+        </p:spPr>
+      </p:pic>
+    </p:spTree>
+    <p:extLst>
+      <p:ext uri="{BB962C8B-B14F-4D97-AF65-F5344CB8AC3E}">
+        <p14:creationId xmlns:p14="http://schemas.microsoft.com/office/powerpoint/2010/main" val="2465593376"/>
+      </p:ext>
+    </p:extLst>
+  </p:cSld>
+  <p:clrMapOvr>
+    <a:masterClrMapping/>
+  </p:clrMapOvr>
+</p:sld>
+</file>
+
+<file path=ppt/slides/slide61.xml><?xml version="1.0" encoding="utf-8"?>
+<p:sld xmlns:a="http://schemas.openxmlformats.org/drawingml/2006/main" xmlns:r="http://schemas.openxmlformats.org/officeDocument/2006/relationships" xmlns:p="http://schemas.openxmlformats.org/presentationml/2006/main">
+  <p:cSld>
+    <p:spTree>
+      <p:nvGrpSpPr>
+        <p:cNvPr id="1" name=""/>
+        <p:cNvGrpSpPr/>
+        <p:nvPr/>
+      </p:nvGrpSpPr>
+      <p:grpSpPr>
+        <a:xfrm>
+          <a:off x="0" y="0"/>
+          <a:ext cx="0" cy="0"/>
+          <a:chOff x="0" y="0"/>
+          <a:chExt cx="0" cy="0"/>
+        </a:xfrm>
+      </p:grpSpPr>
+      <p:sp>
+        <p:nvSpPr>
+          <p:cNvPr id="3" name="Título 2"/>
+          <p:cNvSpPr>
+            <a:spLocks noGrp="1"/>
+          </p:cNvSpPr>
+          <p:nvPr>
+            <p:ph type="title"/>
+          </p:nvPr>
+        </p:nvSpPr>
+        <p:spPr/>
+        <p:txBody>
+          <a:bodyPr/>
+          <a:lstStyle/>
+          <a:p>
+            <a:r>
+              <a:rPr lang="pt-BR" dirty="0"/>
+              <a:t>Mobile</a:t>
+            </a:r>
+          </a:p>
+        </p:txBody>
+      </p:sp>
+      <p:pic>
+        <p:nvPicPr>
+          <p:cNvPr id="6" name="Espaço Reservado para Conteúdo 5"/>
+          <p:cNvPicPr>
+            <a:picLocks noGrp="1" noChangeAspect="1"/>
+          </p:cNvPicPr>
+          <p:nvPr>
+            <p:ph idx="1"/>
+          </p:nvPr>
+        </p:nvPicPr>
+        <p:blipFill>
+          <a:blip r:embed="rId2">
+            <a:extLst>
+              <a:ext uri="{28A0092B-C50C-407E-A947-70E740481C1C}">
+                <a14:useLocalDpi xmlns:a14="http://schemas.microsoft.com/office/drawing/2010/main" val="0"/>
+              </a:ext>
+            </a:extLst>
+          </a:blip>
+          <a:stretch>
+            <a:fillRect/>
+          </a:stretch>
+        </p:blipFill>
+        <p:spPr>
+          <a:xfrm>
+            <a:off x="1475656" y="1481138"/>
+            <a:ext cx="2547399" cy="4525962"/>
+          </a:xfrm>
+          <a:prstGeom prst="rect">
+            <a:avLst/>
+          </a:prstGeom>
+          <a:ln>
+            <a:noFill/>
+          </a:ln>
+          <a:effectLst>
+            <a:outerShdw blurRad="190500" algn="tl" rotWithShape="0">
+              <a:srgbClr val="000000">
+                <a:alpha val="70000"/>
+              </a:srgbClr>
+            </a:outerShdw>
+          </a:effectLst>
+        </p:spPr>
+      </p:pic>
+      <p:pic>
+        <p:nvPicPr>
+          <p:cNvPr id="7" name="Imagem 6"/>
+          <p:cNvPicPr>
+            <a:picLocks noChangeAspect="1"/>
+          </p:cNvPicPr>
+          <p:nvPr/>
+        </p:nvPicPr>
+        <p:blipFill>
+          <a:blip r:embed="rId3">
+            <a:extLst>
+              <a:ext uri="{28A0092B-C50C-407E-A947-70E740481C1C}">
+                <a14:useLocalDpi xmlns:a14="http://schemas.microsoft.com/office/drawing/2010/main" val="0"/>
+              </a:ext>
+            </a:extLst>
+          </a:blip>
+          <a:stretch>
+            <a:fillRect/>
+          </a:stretch>
+        </p:blipFill>
+        <p:spPr>
+          <a:xfrm>
+            <a:off x="5508104" y="1481138"/>
+            <a:ext cx="2228165" cy="4525962"/>
+          </a:xfrm>
+          <a:prstGeom prst="rect">
+            <a:avLst/>
+          </a:prstGeom>
+          <a:ln>
+            <a:noFill/>
+          </a:ln>
+          <a:effectLst>
+            <a:outerShdw blurRad="190500" algn="tl" rotWithShape="0">
+              <a:srgbClr val="000000">
+                <a:alpha val="70000"/>
+              </a:srgbClr>
+            </a:outerShdw>
+          </a:effectLst>
+        </p:spPr>
+      </p:pic>
+    </p:spTree>
+    <p:extLst>
+      <p:ext uri="{BB962C8B-B14F-4D97-AF65-F5344CB8AC3E}">
+        <p14:creationId xmlns:p14="http://schemas.microsoft.com/office/powerpoint/2010/main" val="332239713"/>
+      </p:ext>
+    </p:extLst>
+  </p:cSld>
+  <p:clrMapOvr>
+    <a:masterClrMapping/>
+  </p:clrMapOvr>
+</p:sld>
+</file>
+
+<file path=ppt/slides/slide62.xml><?xml version="1.0" encoding="utf-8"?>
+<p:sld xmlns:a="http://schemas.openxmlformats.org/drawingml/2006/main" xmlns:r="http://schemas.openxmlformats.org/officeDocument/2006/relationships" xmlns:p="http://schemas.openxmlformats.org/presentationml/2006/main">
+  <p:cSld>
+    <p:spTree>
+      <p:nvGrpSpPr>
+        <p:cNvPr id="1" name=""/>
+        <p:cNvGrpSpPr/>
+        <p:nvPr/>
+      </p:nvGrpSpPr>
+      <p:grpSpPr>
+        <a:xfrm>
+          <a:off x="0" y="0"/>
+          <a:ext cx="0" cy="0"/>
+          <a:chOff x="0" y="0"/>
+          <a:chExt cx="0" cy="0"/>
+        </a:xfrm>
+      </p:grpSpPr>
+      <p:sp>
+        <p:nvSpPr>
+          <p:cNvPr id="2" name="Espaço Reservado para Conteúdo 1"/>
+          <p:cNvSpPr>
+            <a:spLocks noGrp="1"/>
+          </p:cNvSpPr>
+          <p:nvPr>
+            <p:ph idx="1"/>
+          </p:nvPr>
+        </p:nvSpPr>
+        <p:spPr/>
+        <p:txBody>
+          <a:bodyPr>
+            <a:normAutofit fontScale="70000" lnSpcReduction="20000"/>
+          </a:bodyPr>
+          <a:lstStyle/>
+          <a:p>
+            <a:r>
+              <a:rPr lang="pt-BR" dirty="0"/>
+              <a:t>O desenvolvimento tradicional de software está muito burocrático e pouco flexível com as mudanças recorrentes no mercado;</a:t>
+            </a:r>
+          </a:p>
+          <a:p>
+            <a:r>
+              <a:rPr lang="pt-BR" dirty="0"/>
+              <a:t>Através dos ensinamentos do TPS podemos perceber que a produção enxuta fornece mais vantagens competitivas, e com a melhoria contínua o valor do produto tende a ser o melhor possível;</a:t>
+            </a:r>
+          </a:p>
+          <a:p>
+            <a:r>
+              <a:rPr lang="pt-BR" dirty="0"/>
+              <a:t>O manifesto ágil contribuiu na definição dos princípios para o desenvolvimento ágil de software com base nos conceitos de produção enxuta.</a:t>
+            </a:r>
+          </a:p>
+          <a:p>
+            <a:r>
+              <a:rPr lang="pt-BR" dirty="0"/>
+              <a:t>A  agilidade do </a:t>
+            </a:r>
+            <a:r>
+              <a:rPr lang="pt-BR" dirty="0" err="1"/>
+              <a:t>Scrum</a:t>
+            </a:r>
+            <a:r>
+              <a:rPr lang="pt-BR" dirty="0"/>
+              <a:t> é responsável, em grande parte, pela inovação apresentada. Tudo é feito a partir das necessidades dos clientes e não a partir de soluções pré-programadas;</a:t>
+            </a:r>
+          </a:p>
+          <a:p>
+            <a:r>
+              <a:rPr lang="pt-BR" dirty="0"/>
+              <a:t>Startups são frutos de empreendedores que enxergarão oportunidades de negócio em um ambiente de extrema incerteza;</a:t>
+            </a:r>
+          </a:p>
+        </p:txBody>
+      </p:sp>
+      <p:sp>
+        <p:nvSpPr>
+          <p:cNvPr id="3" name="Título 2"/>
+          <p:cNvSpPr>
+            <a:spLocks noGrp="1"/>
+          </p:cNvSpPr>
+          <p:nvPr>
+            <p:ph type="title"/>
+          </p:nvPr>
+        </p:nvSpPr>
+        <p:spPr/>
+        <p:txBody>
+          <a:bodyPr/>
+          <a:lstStyle/>
+          <a:p>
+            <a:r>
+              <a:rPr lang="pt-BR" dirty="0"/>
+              <a:t>Conclusão</a:t>
+            </a:r>
+          </a:p>
+        </p:txBody>
+      </p:sp>
+    </p:spTree>
+    <p:extLst>
+      <p:ext uri="{BB962C8B-B14F-4D97-AF65-F5344CB8AC3E}">
+        <p14:creationId xmlns:p14="http://schemas.microsoft.com/office/powerpoint/2010/main" val="338616083"/>
+      </p:ext>
+    </p:extLst>
+  </p:cSld>
+  <p:clrMapOvr>
+    <a:masterClrMapping/>
+  </p:clrMapOvr>
+</p:sld>
+</file>
+
+<file path=ppt/slides/slide63.xml><?xml version="1.0" encoding="utf-8"?>
+<p:sld xmlns:a="http://schemas.openxmlformats.org/drawingml/2006/main" xmlns:r="http://schemas.openxmlformats.org/officeDocument/2006/relationships" xmlns:p="http://schemas.openxmlformats.org/presentationml/2006/main">
+  <p:cSld>
+    <p:spTree>
+      <p:nvGrpSpPr>
+        <p:cNvPr id="1" name=""/>
+        <p:cNvGrpSpPr/>
+        <p:nvPr/>
+      </p:nvGrpSpPr>
+      <p:grpSpPr>
+        <a:xfrm>
+          <a:off x="0" y="0"/>
+          <a:ext cx="0" cy="0"/>
+          <a:chOff x="0" y="0"/>
+          <a:chExt cx="0" cy="0"/>
+        </a:xfrm>
+      </p:grpSpPr>
+      <p:sp>
+        <p:nvSpPr>
+          <p:cNvPr id="2" name="Espaço Reservado para Conteúdo 1"/>
+          <p:cNvSpPr>
+            <a:spLocks noGrp="1"/>
+          </p:cNvSpPr>
+          <p:nvPr>
+            <p:ph idx="1"/>
+          </p:nvPr>
+        </p:nvSpPr>
+        <p:spPr/>
+        <p:txBody>
+          <a:bodyPr/>
+          <a:lstStyle/>
+          <a:p>
+            <a:endParaRPr lang="pt-BR"/>
+          </a:p>
+        </p:txBody>
+      </p:sp>
+      <p:sp>
+        <p:nvSpPr>
+          <p:cNvPr id="3" name="Título 2"/>
+          <p:cNvSpPr>
+            <a:spLocks noGrp="1"/>
+          </p:cNvSpPr>
+          <p:nvPr>
+            <p:ph type="title"/>
+          </p:nvPr>
+        </p:nvSpPr>
+        <p:spPr/>
+        <p:txBody>
+          <a:bodyPr/>
+          <a:lstStyle/>
+          <a:p>
+            <a:r>
+              <a:rPr lang="pt-BR" dirty="0"/>
+              <a:t>Trabalhos Futuros</a:t>
+            </a:r>
+          </a:p>
+        </p:txBody>
+      </p:sp>
+    </p:spTree>
+    <p:extLst>
+      <p:ext uri="{BB962C8B-B14F-4D97-AF65-F5344CB8AC3E}">
+        <p14:creationId xmlns:p14="http://schemas.microsoft.com/office/powerpoint/2010/main" val="4288695666"/>
+      </p:ext>
+    </p:extLst>
+  </p:cSld>
+  <p:clrMapOvr>
+    <a:masterClrMapping/>
+  </p:clrMapOvr>
+</p:sld>
+</file>
+
+<file path=ppt/slides/slide64.xml><?xml version="1.0" encoding="utf-8"?>
 <p:sld xmlns:a="http://schemas.openxmlformats.org/drawingml/2006/main" xmlns:r="http://schemas.openxmlformats.org/officeDocument/2006/relationships" xmlns:p="http://schemas.openxmlformats.org/presentationml/2006/main">
   <p:cSld>
     <p:spTree>

--- a/StartIdea/StartIdea.Docs/Apresentacao.pptx
+++ b/StartIdea/StartIdea.Docs/Apresentacao.pptx
@@ -69,6 +69,7 @@
     <p:sldId id="259" r:id="rId63"/>
     <p:sldId id="260" r:id="rId64"/>
     <p:sldId id="261" r:id="rId65"/>
+    <p:sldId id="328" r:id="rId66"/>
   </p:sldIdLst>
   <p:sldSz cx="9144000" cy="6858000" type="screen4x3"/>
   <p:notesSz cx="6858000" cy="9144000"/>
@@ -10546,7 +10547,7 @@
         <p:spPr/>
         <p:txBody>
           <a:bodyPr>
-            <a:normAutofit fontScale="70000" lnSpcReduction="20000"/>
+            <a:normAutofit/>
           </a:bodyPr>
           <a:lstStyle/>
           <a:p>
@@ -10558,34 +10559,15 @@
           <a:p>
             <a:r>
               <a:rPr lang="pt-BR" dirty="0"/>
-              <a:t>Através dos ensinamentos do TPS podemos perceber que a produção enxuta fornece mais vantagens competitivas, e com a melhoria contínua o valor do produto tende a ser o melhor possível;</a:t>
-            </a:r>
-          </a:p>
-          <a:p>
-            <a:r>
-              <a:rPr lang="pt-BR" dirty="0"/>
-              <a:t>O manifesto ágil contribuiu na definição dos princípios para o desenvolvimento ágil de software com base nos conceitos de produção enxuta.</a:t>
-            </a:r>
-          </a:p>
-          <a:p>
-            <a:r>
-              <a:rPr lang="pt-BR" dirty="0"/>
-              <a:t>A  agilidade do </a:t>
-            </a:r>
-            <a:r>
-              <a:rPr lang="pt-BR" dirty="0" err="1"/>
-              <a:t>Scrum</a:t>
-            </a:r>
-            <a:r>
-              <a:rPr lang="pt-BR" dirty="0"/>
-              <a:t> é responsável, em grande parte, pela inovação apresentada. Tudo é feito a partir das necessidades dos clientes e não a partir de soluções pré-programadas;</a:t>
-            </a:r>
-          </a:p>
-          <a:p>
-            <a:r>
-              <a:rPr lang="pt-BR" dirty="0"/>
-              <a:t>Startups são frutos de empreendedores que enxergarão oportunidades de negócio em um ambiente de extrema incerteza;</a:t>
-            </a:r>
+              <a:t>É imprescindível a utilização de metodologias ágeis para uma maior aceitação do produto no mercado;</a:t>
+            </a:r>
+          </a:p>
+          <a:p>
+            <a:r>
+              <a:rPr lang="pt-BR" dirty="0" smtClean="0"/>
+              <a:t>Com a utilização correta da ferramenta para auxilio no desenvolvimento de projetos é possível alcançar grandes resultados.</a:t>
+            </a:r>
+            <a:endParaRPr lang="pt-BR" dirty="0"/>
           </a:p>
         </p:txBody>
       </p:sp>
@@ -10656,7 +10638,40 @@
           <a:bodyPr/>
           <a:lstStyle/>
           <a:p>
-            <a:endParaRPr lang="pt-BR"/>
+            <a:r>
+              <a:rPr lang="pt-BR" dirty="0"/>
+              <a:t>Criar cadastro de </a:t>
+            </a:r>
+            <a:r>
+              <a:rPr lang="pt-BR" dirty="0" smtClean="0"/>
+              <a:t>times;</a:t>
+            </a:r>
+            <a:endParaRPr lang="pt-BR" dirty="0"/>
+          </a:p>
+          <a:p>
+            <a:r>
+              <a:rPr lang="pt-BR" dirty="0"/>
+              <a:t>Criar mais de uma Sprint paralela no mesmo </a:t>
+            </a:r>
+            <a:r>
+              <a:rPr lang="pt-BR" dirty="0" smtClean="0"/>
+              <a:t>projeto;</a:t>
+            </a:r>
+            <a:endParaRPr lang="pt-BR" dirty="0"/>
+          </a:p>
+          <a:p>
+            <a:r>
+              <a:rPr lang="pt-BR" dirty="0"/>
+              <a:t>Criar cadastro de </a:t>
+            </a:r>
+            <a:r>
+              <a:rPr lang="pt-BR" dirty="0" smtClean="0"/>
+              <a:t>status.</a:t>
+            </a:r>
+            <a:endParaRPr lang="pt-BR" dirty="0"/>
+          </a:p>
+          <a:p>
+            <a:endParaRPr lang="pt-BR" dirty="0"/>
           </a:p>
         </p:txBody>
       </p:sp>
@@ -10724,10 +10739,217 @@
         </p:nvSpPr>
         <p:spPr/>
         <p:txBody>
-          <a:bodyPr/>
-          <a:lstStyle/>
-          <a:p>
-            <a:endParaRPr lang="pt-BR"/>
+          <a:bodyPr>
+            <a:normAutofit fontScale="55000" lnSpcReduction="20000"/>
+          </a:bodyPr>
+          <a:lstStyle/>
+          <a:p>
+            <a:r>
+              <a:rPr lang="en-US" dirty="0"/>
+              <a:t>BOEHM, B. W; TURNER R. </a:t>
+            </a:r>
+            <a:r>
+              <a:rPr lang="en-US" b="1" dirty="0"/>
+              <a:t>Balancing Agility and Discipline</a:t>
+            </a:r>
+            <a:r>
+              <a:rPr lang="en-US" dirty="0"/>
+              <a:t>. Boston; Addison </a:t>
+            </a:r>
+            <a:r>
+              <a:rPr lang="en-US" dirty="0" smtClean="0"/>
+              <a:t>Wesley,</a:t>
+            </a:r>
+            <a:r>
+              <a:rPr lang="pt-BR" dirty="0" smtClean="0"/>
+              <a:t> </a:t>
+            </a:r>
+            <a:r>
+              <a:rPr lang="en-US" dirty="0" smtClean="0"/>
+              <a:t>2002</a:t>
+            </a:r>
+            <a:r>
+              <a:rPr lang="en-US" dirty="0"/>
+              <a:t>.</a:t>
+            </a:r>
+            <a:endParaRPr lang="pt-BR" dirty="0"/>
+          </a:p>
+          <a:p>
+            <a:pPr marL="109728" indent="0">
+              <a:buNone/>
+            </a:pPr>
+            <a:r>
+              <a:rPr lang="en-US" dirty="0"/>
+              <a:t> </a:t>
+            </a:r>
+            <a:endParaRPr lang="pt-BR" dirty="0"/>
+          </a:p>
+          <a:p>
+            <a:r>
+              <a:rPr lang="en-US" dirty="0"/>
+              <a:t>BONFIM, </a:t>
+            </a:r>
+            <a:r>
+              <a:rPr lang="en-US" dirty="0" err="1"/>
+              <a:t>Márcio</a:t>
+            </a:r>
+            <a:r>
+              <a:rPr lang="en-US" dirty="0"/>
+              <a:t>. </a:t>
+            </a:r>
+            <a:r>
+              <a:rPr lang="pt-BR" b="1" dirty="0"/>
+              <a:t>Introdução ao </a:t>
+            </a:r>
+            <a:r>
+              <a:rPr lang="pt-BR" b="1" dirty="0" err="1"/>
+              <a:t>scrum</a:t>
+            </a:r>
+            <a:r>
+              <a:rPr lang="pt-BR" b="1" dirty="0"/>
+              <a:t>. </a:t>
+            </a:r>
+            <a:r>
+              <a:rPr lang="pt-BR" dirty="0"/>
+              <a:t>Disponível em: &lt;http://www.devmedia.com.br/introducao-ao-scrum/27887&gt;. Acesso em: 08 ago. 2016.</a:t>
+            </a:r>
+          </a:p>
+          <a:p>
+            <a:pPr marL="109728" indent="0">
+              <a:buNone/>
+            </a:pPr>
+            <a:r>
+              <a:rPr lang="pt-BR" dirty="0"/>
+              <a:t> </a:t>
+            </a:r>
+          </a:p>
+          <a:p>
+            <a:r>
+              <a:rPr lang="pt-BR" dirty="0"/>
+              <a:t>BRANCATO, Flavia. </a:t>
+            </a:r>
+            <a:r>
+              <a:rPr lang="pt-BR" b="1" dirty="0"/>
+              <a:t>10 startups de sucesso no Brasil</a:t>
+            </a:r>
+            <a:r>
+              <a:rPr lang="pt-BR" dirty="0"/>
+              <a:t>. Disponível em: &lt;http://www.businessreviewbrasil.com.br/top10/1737/10-startups-de-sucesso-no-Brasil&gt;. Acesso em: 01 jun. 2016</a:t>
+            </a:r>
+            <a:r>
+              <a:rPr lang="pt-BR" dirty="0" smtClean="0"/>
+              <a:t>.</a:t>
+            </a:r>
+          </a:p>
+          <a:p>
+            <a:pPr marL="109728" indent="0">
+              <a:buNone/>
+            </a:pPr>
+            <a:endParaRPr lang="pt-BR" dirty="0"/>
+          </a:p>
+          <a:p>
+            <a:r>
+              <a:rPr lang="pt-BR" dirty="0"/>
+              <a:t>BROOTA. </a:t>
+            </a:r>
+            <a:r>
+              <a:rPr lang="pt-BR" b="1" dirty="0"/>
+              <a:t>5 modalidades de investimento para a sua startup</a:t>
+            </a:r>
+            <a:r>
+              <a:rPr lang="pt-BR" dirty="0"/>
+              <a:t>. Disponível em: &lt;http://blog.broota.com.br/5-modalidades-de-investimento-para-a-sua-startup/&gt;. Acesso em: 31 mai. 2016</a:t>
+            </a:r>
+            <a:r>
+              <a:rPr lang="pt-BR" dirty="0" smtClean="0"/>
+              <a:t>.</a:t>
+            </a:r>
+          </a:p>
+          <a:p>
+            <a:endParaRPr lang="pt-BR" dirty="0" smtClean="0"/>
+          </a:p>
+          <a:p>
+            <a:r>
+              <a:rPr lang="pt-BR" dirty="0" smtClean="0"/>
+              <a:t>SCRUM </a:t>
+            </a:r>
+            <a:r>
+              <a:rPr lang="pt-BR" dirty="0"/>
+              <a:t>INSTITUTE</a:t>
+            </a:r>
+            <a:r>
+              <a:rPr lang="pt-BR" u="sng" dirty="0"/>
+              <a:t>. </a:t>
+            </a:r>
+            <a:r>
+              <a:rPr lang="pt-BR" b="1" u="sng" dirty="0"/>
+              <a:t>Sprint </a:t>
+            </a:r>
+            <a:r>
+              <a:rPr lang="pt-BR" b="1" u="sng" dirty="0" err="1"/>
+              <a:t>Retrospective</a:t>
+            </a:r>
+            <a:r>
+              <a:rPr lang="pt-BR" b="1" u="sng" dirty="0"/>
+              <a:t> Meeting</a:t>
+            </a:r>
+            <a:r>
+              <a:rPr lang="pt-BR" u="sng" dirty="0"/>
+              <a:t>. </a:t>
+            </a:r>
+            <a:r>
+              <a:rPr lang="pt-BR" dirty="0"/>
+              <a:t>Disponível em: &lt;http://www.scrum-institute.org/Sprint_Retrospective_Meeting.php&gt;. Acesso em: 26 jul. 2016</a:t>
+            </a:r>
+            <a:r>
+              <a:rPr lang="pt-BR" dirty="0" smtClean="0"/>
+              <a:t>.</a:t>
+            </a:r>
+          </a:p>
+          <a:p>
+            <a:pPr marL="109728" indent="0">
+              <a:buNone/>
+            </a:pPr>
+            <a:r>
+              <a:rPr lang="pt-BR" dirty="0"/>
+              <a:t> </a:t>
+            </a:r>
+          </a:p>
+          <a:p>
+            <a:r>
+              <a:rPr lang="pt-BR" dirty="0"/>
+              <a:t>SCRUM INSTITUTE</a:t>
+            </a:r>
+            <a:r>
+              <a:rPr lang="pt-BR" u="sng" dirty="0"/>
+              <a:t>. </a:t>
+            </a:r>
+            <a:r>
+              <a:rPr lang="pt-BR" b="1" u="sng" dirty="0"/>
+              <a:t>Sprint </a:t>
+            </a:r>
+            <a:r>
+              <a:rPr lang="pt-BR" b="1" u="sng" dirty="0" err="1"/>
+              <a:t>Review</a:t>
+            </a:r>
+            <a:r>
+              <a:rPr lang="pt-BR" b="1" u="sng" dirty="0"/>
+              <a:t> Meeting</a:t>
+            </a:r>
+            <a:r>
+              <a:rPr lang="pt-BR" u="sng" dirty="0"/>
+              <a:t>. </a:t>
+            </a:r>
+            <a:r>
+              <a:rPr lang="pt-BR" dirty="0"/>
+              <a:t>Disponível em: &lt;http://www.scrum-institute.org/Sprint_Review_Meeting.php&gt;. Acesso em: 25 jul. 2016.</a:t>
+            </a:r>
+          </a:p>
+          <a:p>
+            <a:pPr marL="109728" indent="0">
+              <a:buNone/>
+            </a:pPr>
+            <a:endParaRPr lang="pt-BR" dirty="0"/>
           </a:p>
         </p:txBody>
       </p:sp>
@@ -10757,6 +10979,248 @@
     <p:extLst>
       <p:ext uri="{BB962C8B-B14F-4D97-AF65-F5344CB8AC3E}">
         <p14:creationId xmlns:p14="http://schemas.microsoft.com/office/powerpoint/2010/main" val="1273048603"/>
+      </p:ext>
+    </p:extLst>
+  </p:cSld>
+  <p:clrMapOvr>
+    <a:masterClrMapping/>
+  </p:clrMapOvr>
+</p:sld>
+</file>
+
+<file path=ppt/slides/slide65.xml><?xml version="1.0" encoding="utf-8"?>
+<p:sld xmlns:a="http://schemas.openxmlformats.org/drawingml/2006/main" xmlns:r="http://schemas.openxmlformats.org/officeDocument/2006/relationships" xmlns:p="http://schemas.openxmlformats.org/presentationml/2006/main">
+  <p:cSld>
+    <p:spTree>
+      <p:nvGrpSpPr>
+        <p:cNvPr id="1" name=""/>
+        <p:cNvGrpSpPr/>
+        <p:nvPr/>
+      </p:nvGrpSpPr>
+      <p:grpSpPr>
+        <a:xfrm>
+          <a:off x="0" y="0"/>
+          <a:ext cx="0" cy="0"/>
+          <a:chOff x="0" y="0"/>
+          <a:chExt cx="0" cy="0"/>
+        </a:xfrm>
+      </p:grpSpPr>
+      <p:sp>
+        <p:nvSpPr>
+          <p:cNvPr id="2" name="Espaço Reservado para Conteúdo 1"/>
+          <p:cNvSpPr>
+            <a:spLocks noGrp="1"/>
+          </p:cNvSpPr>
+          <p:nvPr>
+            <p:ph idx="1"/>
+          </p:nvPr>
+        </p:nvSpPr>
+        <p:spPr/>
+        <p:txBody>
+          <a:bodyPr>
+            <a:noAutofit/>
+          </a:bodyPr>
+          <a:lstStyle/>
+          <a:p>
+            <a:r>
+              <a:rPr lang="en-US" sz="1300" dirty="0"/>
+              <a:t>SCRUM INSTITUTE</a:t>
+            </a:r>
+            <a:r>
+              <a:rPr lang="en-US" sz="1300" u="sng" dirty="0"/>
+              <a:t>. </a:t>
+            </a:r>
+            <a:r>
+              <a:rPr lang="en-US" sz="1300" b="1" u="sng" dirty="0"/>
+              <a:t>The Scrum Product Backlog</a:t>
+            </a:r>
+            <a:r>
+              <a:rPr lang="en-US" sz="1300" u="sng" dirty="0"/>
+              <a:t>. </a:t>
+            </a:r>
+            <a:r>
+              <a:rPr lang="pt-BR" sz="1300" dirty="0"/>
+              <a:t>Disponível em: &lt;http://www.scrum-institute.org/The_Scrum_Product_Backlog.php&gt;. Acesso em: 01 ago. 2016.</a:t>
+            </a:r>
+          </a:p>
+          <a:p>
+            <a:pPr marL="109728" indent="0">
+              <a:buNone/>
+            </a:pPr>
+            <a:endParaRPr lang="pt-BR" sz="1300" dirty="0" smtClean="0"/>
+          </a:p>
+          <a:p>
+            <a:r>
+              <a:rPr lang="pt-BR" sz="1300" dirty="0" smtClean="0"/>
+              <a:t>TOYOTA</a:t>
+            </a:r>
+            <a:r>
+              <a:rPr lang="pt-BR" sz="1300" dirty="0"/>
+              <a:t>, </a:t>
+            </a:r>
+            <a:r>
+              <a:rPr lang="pt-BR" sz="1300" b="1" dirty="0" err="1"/>
+              <a:t>Jidoka</a:t>
+            </a:r>
+            <a:r>
+              <a:rPr lang="pt-BR" sz="1300" dirty="0"/>
+              <a:t>, Disponível em: &lt;http://www.toyota-forklifts.com.pt/Pt/company/Toyota-Production-System/Jidoka/Pages/default.aspx&gt;. Acesso em 23 jun. 2016.</a:t>
+            </a:r>
+          </a:p>
+          <a:p>
+            <a:pPr marL="109728" indent="0">
+              <a:buNone/>
+            </a:pPr>
+            <a:endParaRPr lang="pt-BR" sz="1300" dirty="0"/>
+          </a:p>
+          <a:p>
+            <a:r>
+              <a:rPr lang="pt-BR" sz="1300" dirty="0"/>
+              <a:t>TOYOTA, </a:t>
+            </a:r>
+            <a:r>
+              <a:rPr lang="pt-BR" sz="1300" b="1" dirty="0"/>
+              <a:t>Just-in-time</a:t>
+            </a:r>
+            <a:r>
+              <a:rPr lang="pt-BR" sz="1300" dirty="0"/>
+              <a:t>, Disponível em: &lt;http://</a:t>
+            </a:r>
+            <a:r>
+              <a:rPr lang="pt-BR" sz="1300" dirty="0" smtClean="0"/>
+              <a:t>www.toyota-forklifts.com.pt/Pt/company/Toyota-Production-System/Just-in-time/Pages/default.aspx</a:t>
+            </a:r>
+            <a:r>
+              <a:rPr lang="pt-BR" sz="1300" dirty="0"/>
+              <a:t>&gt;. Acesso em 23 jun. 2016</a:t>
+            </a:r>
+            <a:r>
+              <a:rPr lang="pt-BR" sz="1300" dirty="0" smtClean="0"/>
+              <a:t>.</a:t>
+            </a:r>
+          </a:p>
+          <a:p>
+            <a:pPr marL="109728" indent="0">
+              <a:buNone/>
+            </a:pPr>
+            <a:r>
+              <a:rPr lang="pt-BR" sz="1300" dirty="0"/>
+              <a:t> </a:t>
+            </a:r>
+          </a:p>
+          <a:p>
+            <a:r>
+              <a:rPr lang="pt-BR" sz="1300" dirty="0"/>
+              <a:t>TOYOTA, </a:t>
+            </a:r>
+            <a:r>
+              <a:rPr lang="pt-BR" sz="1300" b="1" dirty="0" err="1"/>
+              <a:t>Kaizen</a:t>
+            </a:r>
+            <a:r>
+              <a:rPr lang="pt-BR" sz="1300" dirty="0"/>
+              <a:t>, Disponível em: &lt;http://www.toyota-forklifts.com.pt/Pt/company/Toyota-Production-System/Kaizen/Pages/default.aspx&gt;. Acesso em 23 jun. 2016.</a:t>
+            </a:r>
+          </a:p>
+          <a:p>
+            <a:pPr marL="109728" indent="0">
+              <a:buNone/>
+            </a:pPr>
+            <a:r>
+              <a:rPr lang="pt-BR" sz="1300" dirty="0"/>
+              <a:t> </a:t>
+            </a:r>
+          </a:p>
+          <a:p>
+            <a:r>
+              <a:rPr lang="pt-BR" sz="1300" dirty="0"/>
+              <a:t>VERA, Carlos. </a:t>
+            </a:r>
+            <a:r>
+              <a:rPr lang="pt-BR" sz="1300" b="1" dirty="0"/>
+              <a:t>SISTEMA TOYOTA DE PRODUÇÃO (TOYOTA WAY)</a:t>
+            </a:r>
+            <a:r>
+              <a:rPr lang="pt-BR" sz="1300" dirty="0"/>
+              <a:t>. Disponível em: &lt;http://www2.ifma.edu.br/proen/arquivos/artigos.php/sistema_toyota_de_producao.pdf&gt;. Acesso em: 22 jun. 2016</a:t>
+            </a:r>
+            <a:r>
+              <a:rPr lang="pt-BR" sz="1300" dirty="0" smtClean="0"/>
+              <a:t>.</a:t>
+            </a:r>
+          </a:p>
+          <a:p>
+            <a:pPr marL="109728" indent="0">
+              <a:buNone/>
+            </a:pPr>
+            <a:r>
+              <a:rPr lang="pt-BR" sz="1300" dirty="0" smtClean="0"/>
+              <a:t> </a:t>
+            </a:r>
+          </a:p>
+          <a:p>
+            <a:r>
+              <a:rPr lang="pt-BR" sz="1300" dirty="0" smtClean="0"/>
+              <a:t>VIEIRA</a:t>
+            </a:r>
+            <a:r>
+              <a:rPr lang="pt-BR" sz="1300" dirty="0"/>
+              <a:t>, </a:t>
+            </a:r>
+            <a:r>
+              <a:rPr lang="pt-BR" sz="1300" dirty="0" err="1"/>
+              <a:t>Denisson</a:t>
+            </a:r>
+            <a:r>
+              <a:rPr lang="pt-BR" sz="1300" dirty="0"/>
+              <a:t>. </a:t>
+            </a:r>
+            <a:r>
+              <a:rPr lang="pt-BR" sz="1300" b="1" dirty="0" err="1"/>
+              <a:t>Scrum</a:t>
+            </a:r>
+            <a:r>
+              <a:rPr lang="pt-BR" sz="1300" b="1" dirty="0"/>
+              <a:t>: A Metodologia Ágil Explicada de forma Definitiva</a:t>
+            </a:r>
+            <a:r>
+              <a:rPr lang="pt-BR" sz="1300" dirty="0"/>
+              <a:t>. Disponível em: &lt;http://www.mindmaster.com.br/scrum/&gt;. Acesso em: 08 jul. 2016</a:t>
+            </a:r>
+            <a:r>
+              <a:rPr lang="pt-BR" sz="1300" dirty="0" smtClean="0"/>
+              <a:t>.</a:t>
+            </a:r>
+            <a:endParaRPr lang="pt-BR" sz="1300" dirty="0"/>
+          </a:p>
+        </p:txBody>
+      </p:sp>
+      <p:sp>
+        <p:nvSpPr>
+          <p:cNvPr id="3" name="Título 2"/>
+          <p:cNvSpPr>
+            <a:spLocks noGrp="1"/>
+          </p:cNvSpPr>
+          <p:nvPr>
+            <p:ph type="title"/>
+          </p:nvPr>
+        </p:nvSpPr>
+        <p:spPr/>
+        <p:txBody>
+          <a:bodyPr/>
+          <a:lstStyle/>
+          <a:p>
+            <a:r>
+              <a:rPr lang="pt-BR" dirty="0"/>
+              <a:t>Referências Bibliográficas</a:t>
+            </a:r>
+          </a:p>
+        </p:txBody>
+      </p:sp>
+    </p:spTree>
+    <p:extLst>
+      <p:ext uri="{BB962C8B-B14F-4D97-AF65-F5344CB8AC3E}">
+        <p14:creationId xmlns:p14="http://schemas.microsoft.com/office/powerpoint/2010/main" val="3020365178"/>
       </p:ext>
     </p:extLst>
   </p:cSld>

--- a/StartIdea/StartIdea.Docs/Apresentacao.pptx
+++ b/StartIdea/StartIdea.Docs/Apresentacao.pptx
@@ -804,7 +804,7 @@
           <a:p>
             <a:fld id="{5C51B206-AAD3-4665-BE43-4D56D27DEF0F}" type="datetimeFigureOut">
               <a:rPr lang="pt-BR" smtClean="0"/>
-              <a:t>05/12/2016</a:t>
+              <a:t>06/12/2016</a:t>
             </a:fld>
             <a:endParaRPr lang="pt-BR"/>
           </a:p>
@@ -994,7 +994,7 @@
           <a:p>
             <a:fld id="{5C51B206-AAD3-4665-BE43-4D56D27DEF0F}" type="datetimeFigureOut">
               <a:rPr lang="pt-BR" smtClean="0"/>
-              <a:t>05/12/2016</a:t>
+              <a:t>06/12/2016</a:t>
             </a:fld>
             <a:endParaRPr lang="pt-BR"/>
           </a:p>
@@ -1169,7 +1169,7 @@
           <a:p>
             <a:fld id="{5C51B206-AAD3-4665-BE43-4D56D27DEF0F}" type="datetimeFigureOut">
               <a:rPr lang="pt-BR" smtClean="0"/>
-              <a:t>05/12/2016</a:t>
+              <a:t>06/12/2016</a:t>
             </a:fld>
             <a:endParaRPr lang="pt-BR"/>
           </a:p>
@@ -1311,7 +1311,7 @@
           <a:p>
             <a:fld id="{5C51B206-AAD3-4665-BE43-4D56D27DEF0F}" type="datetimeFigureOut">
               <a:rPr lang="pt-BR" smtClean="0"/>
-              <a:t>05/12/2016</a:t>
+              <a:t>06/12/2016</a:t>
             </a:fld>
             <a:endParaRPr lang="pt-BR"/>
           </a:p>
@@ -1558,7 +1558,7 @@
           <a:p>
             <a:fld id="{5C51B206-AAD3-4665-BE43-4D56D27DEF0F}" type="datetimeFigureOut">
               <a:rPr lang="pt-BR" smtClean="0"/>
-              <a:t>05/12/2016</a:t>
+              <a:t>06/12/2016</a:t>
             </a:fld>
             <a:endParaRPr lang="pt-BR"/>
           </a:p>
@@ -1957,7 +1957,7 @@
           <a:p>
             <a:fld id="{5C51B206-AAD3-4665-BE43-4D56D27DEF0F}" type="datetimeFigureOut">
               <a:rPr lang="pt-BR" smtClean="0"/>
-              <a:t>05/12/2016</a:t>
+              <a:t>06/12/2016</a:t>
             </a:fld>
             <a:endParaRPr lang="pt-BR"/>
           </a:p>
@@ -2395,7 +2395,7 @@
           <a:p>
             <a:fld id="{5C51B206-AAD3-4665-BE43-4D56D27DEF0F}" type="datetimeFigureOut">
               <a:rPr lang="pt-BR" smtClean="0"/>
-              <a:t>05/12/2016</a:t>
+              <a:t>06/12/2016</a:t>
             </a:fld>
             <a:endParaRPr lang="pt-BR"/>
           </a:p>
@@ -2490,7 +2490,7 @@
           <a:p>
             <a:fld id="{5C51B206-AAD3-4665-BE43-4D56D27DEF0F}" type="datetimeFigureOut">
               <a:rPr lang="pt-BR" smtClean="0"/>
-              <a:t>05/12/2016</a:t>
+              <a:t>06/12/2016</a:t>
             </a:fld>
             <a:endParaRPr lang="pt-BR"/>
           </a:p>
@@ -2603,7 +2603,7 @@
           <a:p>
             <a:fld id="{5C51B206-AAD3-4665-BE43-4D56D27DEF0F}" type="datetimeFigureOut">
               <a:rPr lang="pt-BR" smtClean="0"/>
-              <a:t>05/12/2016</a:t>
+              <a:t>06/12/2016</a:t>
             </a:fld>
             <a:endParaRPr lang="pt-BR"/>
           </a:p>
@@ -2871,7 +2871,7 @@
           <a:p>
             <a:fld id="{5C51B206-AAD3-4665-BE43-4D56D27DEF0F}" type="datetimeFigureOut">
               <a:rPr lang="pt-BR" smtClean="0"/>
-              <a:t>05/12/2016</a:t>
+              <a:t>06/12/2016</a:t>
             </a:fld>
             <a:endParaRPr lang="pt-BR"/>
           </a:p>
@@ -3072,7 +3072,7 @@
           <a:p>
             <a:fld id="{5C51B206-AAD3-4665-BE43-4D56D27DEF0F}" type="datetimeFigureOut">
               <a:rPr lang="pt-BR" smtClean="0"/>
-              <a:t>05/12/2016</a:t>
+              <a:t>06/12/2016</a:t>
             </a:fld>
             <a:endParaRPr lang="pt-BR"/>
           </a:p>
@@ -4161,7 +4161,7 @@
           <a:p>
             <a:fld id="{5C51B206-AAD3-4665-BE43-4D56D27DEF0F}" type="datetimeFigureOut">
               <a:rPr lang="pt-BR" smtClean="0"/>
-              <a:t>05/12/2016</a:t>
+              <a:t>06/12/2016</a:t>
             </a:fld>
             <a:endParaRPr lang="pt-BR"/>
           </a:p>
@@ -4587,8 +4587,16 @@
           <a:p>
             <a:pPr algn="ctr"/>
             <a:r>
+              <a:rPr lang="pt-BR" sz="3200" dirty="0" smtClean="0"/>
+              <a:t>GERENCIAMENTO</a:t>
+            </a:r>
+            <a:r>
+              <a:rPr lang="pt-BR" sz="3200" dirty="0" smtClean="0"/>
+              <a:t> </a:t>
+            </a:r>
+            <a:r>
               <a:rPr lang="pt-BR" sz="3200" dirty="0"/>
-              <a:t>DESENVOLVIMENTO ÁGIL DE STARTUPS</a:t>
+              <a:t>ÁGIL DE STARTUPS</a:t>
             </a:r>
             <a:br>
               <a:rPr lang="pt-BR" sz="3200" dirty="0"/>
@@ -5933,20 +5941,23 @@
           <a:p>
             <a:r>
               <a:rPr lang="pt-BR" dirty="0"/>
-              <a:t>Sistema Toyota de Produção;</a:t>
-            </a:r>
-          </a:p>
-          <a:p>
-            <a:r>
-              <a:rPr lang="pt-BR" dirty="0"/>
-              <a:t>Startup;</a:t>
-            </a:r>
-          </a:p>
-          <a:p>
-            <a:r>
-              <a:rPr lang="pt-BR" dirty="0"/>
-              <a:t>Processo de desenvolvimento ágil.</a:t>
-            </a:r>
+              <a:t>Sistema Toyota de Produção</a:t>
+            </a:r>
+            <a:r>
+              <a:rPr lang="pt-BR" dirty="0" smtClean="0"/>
+              <a:t>;</a:t>
+            </a:r>
+          </a:p>
+          <a:p>
+            <a:r>
+              <a:rPr lang="pt-BR" dirty="0"/>
+              <a:t>Processo de desenvolvimento </a:t>
+            </a:r>
+            <a:r>
+              <a:rPr lang="pt-BR" dirty="0" smtClean="0"/>
+              <a:t>ágil;</a:t>
+            </a:r>
+            <a:endParaRPr lang="pt-BR" dirty="0"/>
           </a:p>
           <a:p>
             <a:pPr lvl="1"/>
@@ -5960,6 +5971,13 @@
             <a:r>
               <a:rPr lang="pt-BR" dirty="0" err="1"/>
               <a:t>Scrum</a:t>
+            </a:r>
+            <a:endParaRPr lang="pt-BR" dirty="0"/>
+          </a:p>
+          <a:p>
+            <a:r>
+              <a:rPr lang="pt-BR" dirty="0" smtClean="0"/>
+              <a:t>Startup.</a:t>
             </a:r>
             <a:endParaRPr lang="pt-BR" dirty="0"/>
           </a:p>
